--- a/Presentation/lesson-06-xml.pptx
+++ b/Presentation/lesson-06-xml.pptx
@@ -10,7 +10,7 @@
   <p:sldIdLst>
     <p:sldId id="257" r:id="rId2"/>
     <p:sldId id="275" r:id="rId3"/>
-    <p:sldId id="258" r:id="rId4"/>
+    <p:sldId id="281" r:id="rId4"/>
     <p:sldId id="259" r:id="rId5"/>
     <p:sldId id="261" r:id="rId6"/>
     <p:sldId id="263" r:id="rId7"/>
@@ -214,7 +214,7 @@
           <a:p>
             <a:fld id="{B24A7054-7FFB-49F4-A126-5DF6E687FF53}" type="datetimeFigureOut">
               <a:rPr lang="ru-RU" smtClean="0"/>
-              <a:t>19.01.2013</a:t>
+              <a:t>27.03.2013</a:t>
             </a:fld>
             <a:endParaRPr lang="ru-RU"/>
           </a:p>
@@ -1277,7 +1277,7 @@
           <a:p>
             <a:fld id="{8E6E6A2A-E9D3-4A0D-B04A-ABDD367A1E08}" type="datetimeFigureOut">
               <a:rPr lang="ru-RU" smtClean="0"/>
-              <a:t>19.01.2013</a:t>
+              <a:t>27.03.2013</a:t>
             </a:fld>
             <a:endParaRPr lang="ru-RU"/>
           </a:p>
@@ -2725,7 +2725,7 @@
           <a:p>
             <a:fld id="{AC3D3127-B7C4-45E3-9797-C527EC9FDD78}" type="datetimeFigureOut">
               <a:rPr lang="ru-RU" smtClean="0"/>
-              <a:t>19.01.2013</a:t>
+              <a:t>27.03.2013</a:t>
             </a:fld>
             <a:endParaRPr lang="ru-RU"/>
           </a:p>
@@ -6490,59 +6490,162 @@
       </p:grpSpPr>
       <p:sp>
         <p:nvSpPr>
-          <p:cNvPr id="3" name="Rectangle 2"/>
-          <p:cNvSpPr/>
-          <p:nvPr/>
+          <p:cNvPr id="2" name="Title 1"/>
+          <p:cNvSpPr>
+            <a:spLocks noGrp="1"/>
+          </p:cNvSpPr>
+          <p:nvPr>
+            <p:ph type="title"/>
+          </p:nvPr>
         </p:nvSpPr>
-        <p:spPr>
-          <a:xfrm>
-            <a:off x="251520" y="3136613"/>
-            <a:ext cx="8640960" cy="584775"/>
-          </a:xfrm>
-          <a:prstGeom prst="rect">
-            <a:avLst/>
-          </a:prstGeom>
-        </p:spPr>
+        <p:spPr/>
         <p:txBody>
-          <a:bodyPr wrap="square">
-            <a:spAutoFit/>
-          </a:bodyPr>
+          <a:bodyPr/>
           <a:lstStyle/>
           <a:p>
-            <a:pPr lvl="0" algn="ctr"/>
-            <a:r>
-              <a:rPr lang="en-US" sz="3200" dirty="0">
+            <a:r>
+              <a:rPr lang="ru-RU" dirty="0">
                 <a:solidFill>
                   <a:schemeClr val="bg1"/>
                 </a:solidFill>
               </a:rPr>
-              <a:t>https://github.com/bazile/Training</a:t>
-            </a:r>
-            <a:endParaRPr lang="en-US" sz="3200" dirty="0" smtClean="0">
+              <a:t>Материалы для обучения</a:t>
+            </a:r>
+            <a:endParaRPr lang="en-US" dirty="0">
               <a:solidFill>
                 <a:schemeClr val="bg1"/>
               </a:solidFill>
             </a:endParaRPr>
+          </a:p>
+        </p:txBody>
+      </p:sp>
+      <p:sp>
+        <p:nvSpPr>
+          <p:cNvPr id="3" name="Content Placeholder 2"/>
+          <p:cNvSpPr>
+            <a:spLocks noGrp="1"/>
+          </p:cNvSpPr>
+          <p:nvPr>
+            <p:ph idx="1"/>
+          </p:nvPr>
+        </p:nvSpPr>
+        <p:spPr/>
+        <p:txBody>
+          <a:bodyPr/>
+          <a:lstStyle/>
+          <a:p>
+            <a:r>
+              <a:rPr lang="en-US" dirty="0">
+                <a:solidFill>
+                  <a:schemeClr val="bg1"/>
+                </a:solidFill>
+                <a:hlinkClick r:id="rId2"/>
+              </a:rPr>
+              <a:t>https://</a:t>
+            </a:r>
+            <a:r>
+              <a:rPr lang="en-US" dirty="0" smtClean="0">
+                <a:solidFill>
+                  <a:schemeClr val="bg1"/>
+                </a:solidFill>
+                <a:hlinkClick r:id="rId2"/>
+              </a:rPr>
+              <a:t>github.com/bazile/Training</a:t>
+            </a:r>
+            <a:r>
+              <a:rPr lang="en-US" dirty="0" smtClean="0">
+                <a:solidFill>
+                  <a:schemeClr val="bg1"/>
+                </a:solidFill>
+              </a:rPr>
+              <a:t/>
+            </a:r>
+            <a:br>
+              <a:rPr lang="en-US" dirty="0" smtClean="0">
+                <a:solidFill>
+                  <a:schemeClr val="bg1"/>
+                </a:solidFill>
+              </a:rPr>
+            </a:br>
+            <a:r>
+              <a:rPr lang="ru-RU" dirty="0" smtClean="0">
+                <a:solidFill>
+                  <a:schemeClr val="bg1"/>
+                </a:solidFill>
+              </a:rPr>
+              <a:t>Презентации и примеры кода используемые во время занятия</a:t>
+            </a:r>
+          </a:p>
+          <a:p>
+            <a:endParaRPr lang="ru-RU" dirty="0" smtClean="0">
+              <a:solidFill>
+                <a:schemeClr val="bg1"/>
+              </a:solidFill>
+            </a:endParaRPr>
+          </a:p>
+          <a:p>
+            <a:r>
+              <a:rPr lang="en-US" dirty="0">
+                <a:solidFill>
+                  <a:schemeClr val="bg1"/>
+                </a:solidFill>
+                <a:hlinkClick r:id="rId3"/>
+              </a:rPr>
+              <a:t>http://belhard.nullptr.ru</a:t>
+            </a:r>
+            <a:r>
+              <a:rPr lang="en-US" dirty="0" smtClean="0">
+                <a:solidFill>
+                  <a:schemeClr val="bg1"/>
+                </a:solidFill>
+                <a:hlinkClick r:id="rId3"/>
+              </a:rPr>
+              <a:t>/</a:t>
+            </a:r>
+            <a:r>
+              <a:rPr lang="ru-RU" dirty="0" smtClean="0">
+                <a:solidFill>
+                  <a:schemeClr val="bg1"/>
+                </a:solidFill>
+              </a:rPr>
+              <a:t/>
+            </a:r>
+            <a:br>
+              <a:rPr lang="ru-RU" dirty="0" smtClean="0">
+                <a:solidFill>
+                  <a:schemeClr val="bg1"/>
+                </a:solidFill>
+              </a:rPr>
+            </a:br>
+            <a:r>
+              <a:rPr lang="ru-RU" dirty="0" smtClean="0">
+                <a:solidFill>
+                  <a:schemeClr val="bg1"/>
+                </a:solidFill>
+              </a:rPr>
+              <a:t>Книги, примеры к ним и другие полезные файлы.</a:t>
+            </a:r>
+            <a:endParaRPr lang="ru-RU" dirty="0">
+              <a:solidFill>
+                <a:schemeClr val="bg1"/>
+              </a:solidFill>
+            </a:endParaRPr>
+          </a:p>
+          <a:p>
+            <a:endParaRPr lang="en-US" dirty="0"/>
           </a:p>
         </p:txBody>
       </p:sp>
     </p:spTree>
     <p:extLst>
       <p:ext uri="{BB962C8B-B14F-4D97-AF65-F5344CB8AC3E}">
-        <p14:creationId xmlns:p14="http://schemas.microsoft.com/office/powerpoint/2010/main" val="3535336140"/>
+        <p14:creationId xmlns:p14="http://schemas.microsoft.com/office/powerpoint/2010/main" val="572586290"/>
       </p:ext>
     </p:extLst>
   </p:cSld>
   <p:clrMapOvr>
     <a:masterClrMapping/>
   </p:clrMapOvr>
-  <p:timing>
-    <p:tnLst>
-      <p:par>
-        <p:cTn id="1" dur="indefinite" restart="never" nodeType="tmRoot"/>
-      </p:par>
-    </p:tnLst>
-  </p:timing>
 </p:sld>
 </file>
 

--- a/Presentation/lesson-06-xml.pptx
+++ b/Presentation/lesson-06-xml.pptx
@@ -5,7 +5,7 @@
     <p:sldMasterId id="2147483648" r:id="rId1"/>
   </p:sldMasterIdLst>
   <p:notesMasterIdLst>
-    <p:notesMasterId r:id="rId25"/>
+    <p:notesMasterId r:id="rId28"/>
   </p:notesMasterIdLst>
   <p:sldIdLst>
     <p:sldId id="257" r:id="rId2"/>
@@ -26,11 +26,14 @@
     <p:sldId id="271" r:id="rId17"/>
     <p:sldId id="273" r:id="rId18"/>
     <p:sldId id="274" r:id="rId19"/>
-    <p:sldId id="276" r:id="rId20"/>
-    <p:sldId id="278" r:id="rId21"/>
-    <p:sldId id="277" r:id="rId22"/>
-    <p:sldId id="280" r:id="rId23"/>
-    <p:sldId id="279" r:id="rId24"/>
+    <p:sldId id="283" r:id="rId20"/>
+    <p:sldId id="276" r:id="rId21"/>
+    <p:sldId id="278" r:id="rId22"/>
+    <p:sldId id="284" r:id="rId23"/>
+    <p:sldId id="277" r:id="rId24"/>
+    <p:sldId id="280" r:id="rId25"/>
+    <p:sldId id="282" r:id="rId26"/>
+    <p:sldId id="285" r:id="rId27"/>
   </p:sldIdLst>
   <p:sldSz cx="9144000" cy="6858000" type="screen4x3"/>
   <p:notesSz cx="6858000" cy="9144000"/>
@@ -214,7 +217,7 @@
           <a:p>
             <a:fld id="{B24A7054-7FFB-49F4-A126-5DF6E687FF53}" type="datetimeFigureOut">
               <a:rPr lang="ru-RU" smtClean="0"/>
-              <a:t>27.03.2013</a:t>
+              <a:t>16.10.2013</a:t>
             </a:fld>
             <a:endParaRPr lang="ru-RU"/>
           </a:p>
@@ -1277,7 +1280,7 @@
           <a:p>
             <a:fld id="{8E6E6A2A-E9D3-4A0D-B04A-ABDD367A1E08}" type="datetimeFigureOut">
               <a:rPr lang="ru-RU" smtClean="0"/>
-              <a:t>27.03.2013</a:t>
+              <a:t>16.10.2013</a:t>
             </a:fld>
             <a:endParaRPr lang="ru-RU"/>
           </a:p>
@@ -2725,7 +2728,7 @@
           <a:p>
             <a:fld id="{AC3D3127-B7C4-45E3-9797-C527EC9FDD78}" type="datetimeFigureOut">
               <a:rPr lang="ru-RU" smtClean="0"/>
-              <a:t>27.03.2013</a:t>
+              <a:t>16.10.2013</a:t>
             </a:fld>
             <a:endParaRPr lang="ru-RU"/>
           </a:p>
@@ -5661,12 +5664,26 @@
         </p:nvSpPr>
         <p:spPr/>
         <p:txBody>
-          <a:bodyPr/>
+          <a:bodyPr>
+            <a:normAutofit fontScale="90000"/>
+          </a:bodyPr>
           <a:lstStyle/>
           <a:p>
             <a:r>
               <a:rPr lang="en-US" dirty="0" err="1" smtClean="0"/>
               <a:t>XPath</a:t>
+            </a:r>
+            <a:r>
+              <a:rPr lang="ru-RU" dirty="0" smtClean="0"/>
+              <a:t> – Язык для поиска элементов в </a:t>
+            </a:r>
+            <a:r>
+              <a:rPr lang="en-US" dirty="0" smtClean="0"/>
+              <a:t>XML </a:t>
+            </a:r>
+            <a:r>
+              <a:rPr lang="ru-RU" dirty="0" smtClean="0"/>
+              <a:t>документе</a:t>
             </a:r>
             <a:endParaRPr lang="en-US" dirty="0"/>
           </a:p>
@@ -5724,7 +5741,42 @@
               <a:rPr lang="en-US" dirty="0">
                 <a:hlinkClick r:id="rId3"/>
               </a:rPr>
-              <a:t>) 2.0 (Second Edition)</a:t>
+              <a:t>) 2.0 (Second Edition</a:t>
+            </a:r>
+            <a:r>
+              <a:rPr lang="en-US" dirty="0" smtClean="0">
+                <a:hlinkClick r:id="rId3"/>
+              </a:rPr>
+              <a:t>)</a:t>
+            </a:r>
+            <a:endParaRPr lang="ru-RU" dirty="0" smtClean="0"/>
+          </a:p>
+          <a:p>
+            <a:endParaRPr lang="ru-RU" dirty="0"/>
+          </a:p>
+          <a:p>
+            <a:pPr marL="0" indent="0">
+              <a:buNone/>
+            </a:pPr>
+            <a:r>
+              <a:rPr lang="en-US" dirty="0"/>
+              <a:t>.</a:t>
+            </a:r>
+            <a:r>
+              <a:rPr lang="en-US" dirty="0" smtClean="0"/>
+              <a:t>NET </a:t>
+            </a:r>
+            <a:r>
+              <a:rPr lang="ru-RU" dirty="0" smtClean="0"/>
+              <a:t>поддерживает только </a:t>
+            </a:r>
+            <a:r>
+              <a:rPr lang="en-US" dirty="0" err="1" smtClean="0"/>
+              <a:t>XPath</a:t>
+            </a:r>
+            <a:r>
+              <a:rPr lang="en-US" dirty="0" smtClean="0"/>
+              <a:t> 1.0</a:t>
             </a:r>
             <a:endParaRPr lang="en-US" dirty="0" smtClean="0"/>
           </a:p>
@@ -5740,6 +5792,13 @@
   <p:clrMapOvr>
     <a:masterClrMapping/>
   </p:clrMapOvr>
+  <p:timing>
+    <p:tnLst>
+      <p:par>
+        <p:cTn id="1" dur="indefinite" restart="never" nodeType="tmRoot"/>
+      </p:par>
+    </p:tnLst>
+  </p:timing>
 </p:sld>
 </file>
 
@@ -5772,146 +5831,1568 @@
         </p:nvSpPr>
         <p:spPr/>
         <p:txBody>
-          <a:bodyPr/>
+          <a:bodyPr>
+            <a:normAutofit/>
+          </a:bodyPr>
           <a:lstStyle/>
           <a:p>
             <a:r>
-              <a:rPr lang="en-US" dirty="0" smtClean="0"/>
-              <a:t>DOM &amp; SAX</a:t>
-            </a:r>
-            <a:endParaRPr lang="ru-RU" dirty="0"/>
+              <a:rPr lang="en-US" dirty="0" err="1" smtClean="0"/>
+              <a:t>XPath</a:t>
+            </a:r>
+            <a:r>
+              <a:rPr lang="ru-RU" dirty="0" smtClean="0"/>
+              <a:t>. Примеры.</a:t>
+            </a:r>
+            <a:endParaRPr lang="en-US" dirty="0"/>
           </a:p>
         </p:txBody>
       </p:sp>
-      <p:sp>
-        <p:nvSpPr>
-          <p:cNvPr id="3" name="Content Placeholder 2"/>
-          <p:cNvSpPr>
-            <a:spLocks noGrp="1"/>
-          </p:cNvSpPr>
+      <p:graphicFrame>
+        <p:nvGraphicFramePr>
+          <p:cNvPr id="4" name="Table 3"/>
+          <p:cNvGraphicFramePr>
+            <a:graphicFrameLocks noGrp="1"/>
+          </p:cNvGraphicFramePr>
           <p:nvPr>
-            <p:ph idx="1"/>
+            <p:extLst>
+              <p:ext uri="{D42A27DB-BD31-4B8C-83A1-F6EECF244321}">
+                <p14:modId xmlns:p14="http://schemas.microsoft.com/office/powerpoint/2010/main" val="1347757850"/>
+              </p:ext>
+            </p:extLst>
           </p:nvPr>
-        </p:nvSpPr>
-        <p:spPr/>
-        <p:txBody>
-          <a:bodyPr/>
-          <a:lstStyle/>
-          <a:p>
-            <a:r>
-              <a:rPr lang="en-US" dirty="0" smtClean="0"/>
-              <a:t>DOM – </a:t>
-            </a:r>
-            <a:r>
-              <a:rPr lang="en-US" dirty="0" smtClean="0">
-                <a:solidFill>
-                  <a:srgbClr val="FF0000"/>
-                </a:solidFill>
-              </a:rPr>
-              <a:t>D</a:t>
-            </a:r>
-            <a:r>
-              <a:rPr lang="en-US" dirty="0" smtClean="0"/>
-              <a:t>ocument </a:t>
-            </a:r>
-            <a:r>
-              <a:rPr lang="en-US" dirty="0" smtClean="0">
-                <a:solidFill>
-                  <a:srgbClr val="FF0000"/>
-                </a:solidFill>
-              </a:rPr>
-              <a:t>O</a:t>
-            </a:r>
-            <a:r>
-              <a:rPr lang="en-US" dirty="0" smtClean="0"/>
-              <a:t>bject </a:t>
-            </a:r>
-            <a:r>
-              <a:rPr lang="en-US" dirty="0" smtClean="0">
-                <a:solidFill>
-                  <a:srgbClr val="FF0000"/>
-                </a:solidFill>
-              </a:rPr>
-              <a:t>M</a:t>
-            </a:r>
-            <a:r>
-              <a:rPr lang="en-US" dirty="0" smtClean="0"/>
-              <a:t>odel</a:t>
-            </a:r>
-          </a:p>
-          <a:p>
-            <a:pPr lvl="1"/>
-            <a:r>
-              <a:rPr lang="en-US" dirty="0" err="1" smtClean="0"/>
-              <a:t>XmlDocument</a:t>
-            </a:r>
-            <a:r>
-              <a:rPr lang="en-US" dirty="0" smtClean="0"/>
-              <a:t> class</a:t>
-            </a:r>
-          </a:p>
-          <a:p>
-            <a:r>
-              <a:rPr lang="en-US" dirty="0" smtClean="0"/>
-              <a:t>SAX – </a:t>
-            </a:r>
-            <a:r>
-              <a:rPr lang="en-US" dirty="0" smtClean="0">
-                <a:solidFill>
-                  <a:srgbClr val="FF0000"/>
-                </a:solidFill>
-              </a:rPr>
-              <a:t>S</a:t>
-            </a:r>
-            <a:r>
-              <a:rPr lang="en-US" dirty="0" smtClean="0"/>
-              <a:t>imple </a:t>
-            </a:r>
-            <a:r>
-              <a:rPr lang="en-US" dirty="0" smtClean="0">
-                <a:solidFill>
-                  <a:srgbClr val="FF0000"/>
-                </a:solidFill>
-              </a:rPr>
-              <a:t>A</a:t>
-            </a:r>
-            <a:r>
-              <a:rPr lang="en-US" dirty="0" smtClean="0"/>
-              <a:t>PI for </a:t>
-            </a:r>
-            <a:r>
-              <a:rPr lang="en-US" dirty="0" smtClean="0">
-                <a:solidFill>
-                  <a:srgbClr val="FF0000"/>
-                </a:solidFill>
-              </a:rPr>
-              <a:t>X</a:t>
-            </a:r>
-            <a:r>
-              <a:rPr lang="en-US" dirty="0" smtClean="0"/>
-              <a:t>ML</a:t>
-            </a:r>
-          </a:p>
-          <a:p>
-            <a:pPr lvl="1"/>
-            <a:r>
-              <a:rPr lang="en-US" dirty="0" err="1" smtClean="0"/>
-              <a:t>XmlReader</a:t>
-            </a:r>
-            <a:endParaRPr lang="ru-RU" dirty="0"/>
-          </a:p>
-        </p:txBody>
-      </p:sp>
+        </p:nvGraphicFramePr>
+        <p:xfrm>
+          <a:off x="467544" y="1298171"/>
+          <a:ext cx="8280920" cy="5154131"/>
+        </p:xfrm>
+        <a:graphic>
+          <a:graphicData uri="http://schemas.openxmlformats.org/drawingml/2006/table">
+            <a:tbl>
+              <a:tblPr firstRow="1" bandRow="1">
+                <a:tableStyleId>{5C22544A-7EE6-4342-B048-85BDC9FD1C3A}</a:tableStyleId>
+              </a:tblPr>
+              <a:tblGrid>
+                <a:gridCol w="1715866"/>
+                <a:gridCol w="6565054"/>
+              </a:tblGrid>
+              <a:tr h="804179">
+                <a:tc>
+                  <a:txBody>
+                    <a:bodyPr/>
+                    <a:lstStyle/>
+                    <a:p>
+                      <a:r>
+                        <a:rPr lang="en-US" b="0" dirty="0" smtClean="0">
+                          <a:solidFill>
+                            <a:srgbClr val="002060"/>
+                          </a:solidFill>
+                        </a:rPr>
+                        <a:t>./book</a:t>
+                      </a:r>
+                      <a:endParaRPr lang="en-US" b="0" dirty="0">
+                        <a:solidFill>
+                          <a:srgbClr val="002060"/>
+                        </a:solidFill>
+                      </a:endParaRPr>
+                    </a:p>
+                  </a:txBody>
+                  <a:tcPr>
+                    <a:lnL w="12700" cap="flat" cmpd="sng" algn="ctr">
+                      <a:solidFill>
+                        <a:srgbClr val="002060"/>
+                      </a:solidFill>
+                      <a:prstDash val="solid"/>
+                      <a:round/>
+                      <a:headEnd type="none" w="med" len="med"/>
+                      <a:tailEnd type="none" w="med" len="med"/>
+                    </a:lnL>
+                    <a:lnR w="12700" cap="flat" cmpd="sng" algn="ctr">
+                      <a:solidFill>
+                        <a:srgbClr val="002060"/>
+                      </a:solidFill>
+                      <a:prstDash val="solid"/>
+                      <a:round/>
+                      <a:headEnd type="none" w="med" len="med"/>
+                      <a:tailEnd type="none" w="med" len="med"/>
+                    </a:lnR>
+                    <a:lnT w="12700" cap="flat" cmpd="sng" algn="ctr">
+                      <a:solidFill>
+                        <a:srgbClr val="002060"/>
+                      </a:solidFill>
+                      <a:prstDash val="solid"/>
+                      <a:round/>
+                      <a:headEnd type="none" w="med" len="med"/>
+                      <a:tailEnd type="none" w="med" len="med"/>
+                    </a:lnT>
+                    <a:lnB w="12700" cap="flat" cmpd="sng" algn="ctr">
+                      <a:solidFill>
+                        <a:srgbClr val="002060"/>
+                      </a:solidFill>
+                      <a:prstDash val="solid"/>
+                      <a:round/>
+                      <a:headEnd type="none" w="med" len="med"/>
+                      <a:tailEnd type="none" w="med" len="med"/>
+                    </a:lnB>
+                    <a:lnTlToBr w="12700" cmpd="sng">
+                      <a:noFill/>
+                      <a:prstDash val="solid"/>
+                    </a:lnTlToBr>
+                    <a:lnBlToTr w="12700" cmpd="sng">
+                      <a:noFill/>
+                      <a:prstDash val="solid"/>
+                    </a:lnBlToTr>
+                  </a:tcPr>
+                </a:tc>
+                <a:tc>
+                  <a:txBody>
+                    <a:bodyPr/>
+                    <a:lstStyle/>
+                    <a:p>
+                      <a:r>
+                        <a:rPr lang="ru-RU" b="0" dirty="0" smtClean="0">
+                          <a:solidFill>
+                            <a:srgbClr val="002060"/>
+                          </a:solidFill>
+                        </a:rPr>
+                        <a:t>Элемент(ы) </a:t>
+                      </a:r>
+                      <a:r>
+                        <a:rPr lang="en-US" b="0" dirty="0" smtClean="0">
+                          <a:solidFill>
+                            <a:srgbClr val="002060"/>
+                          </a:solidFill>
+                        </a:rPr>
+                        <a:t>&lt;book&gt; </a:t>
+                      </a:r>
+                      <a:r>
+                        <a:rPr lang="ru-RU" b="0" dirty="0" smtClean="0">
+                          <a:solidFill>
+                            <a:srgbClr val="002060"/>
+                          </a:solidFill>
+                        </a:rPr>
+                        <a:t>в</a:t>
+                      </a:r>
+                      <a:r>
+                        <a:rPr lang="ru-RU" b="0" baseline="0" dirty="0" smtClean="0">
+                          <a:solidFill>
+                            <a:srgbClr val="002060"/>
+                          </a:solidFill>
+                        </a:rPr>
+                        <a:t> текущем контексте. Эквивалентно следующей строке.</a:t>
+                      </a:r>
+                      <a:endParaRPr lang="en-US" b="0" dirty="0">
+                        <a:solidFill>
+                          <a:srgbClr val="002060"/>
+                        </a:solidFill>
+                      </a:endParaRPr>
+                    </a:p>
+                  </a:txBody>
+                  <a:tcPr>
+                    <a:lnL w="12700" cap="flat" cmpd="sng" algn="ctr">
+                      <a:solidFill>
+                        <a:srgbClr val="002060"/>
+                      </a:solidFill>
+                      <a:prstDash val="solid"/>
+                      <a:round/>
+                      <a:headEnd type="none" w="med" len="med"/>
+                      <a:tailEnd type="none" w="med" len="med"/>
+                    </a:lnL>
+                    <a:lnR w="12700" cap="flat" cmpd="sng" algn="ctr">
+                      <a:solidFill>
+                        <a:srgbClr val="002060"/>
+                      </a:solidFill>
+                      <a:prstDash val="solid"/>
+                      <a:round/>
+                      <a:headEnd type="none" w="med" len="med"/>
+                      <a:tailEnd type="none" w="med" len="med"/>
+                    </a:lnR>
+                    <a:lnT w="12700" cap="flat" cmpd="sng" algn="ctr">
+                      <a:solidFill>
+                        <a:srgbClr val="002060"/>
+                      </a:solidFill>
+                      <a:prstDash val="solid"/>
+                      <a:round/>
+                      <a:headEnd type="none" w="med" len="med"/>
+                      <a:tailEnd type="none" w="med" len="med"/>
+                    </a:lnT>
+                    <a:lnB w="12700" cap="flat" cmpd="sng" algn="ctr">
+                      <a:solidFill>
+                        <a:srgbClr val="002060"/>
+                      </a:solidFill>
+                      <a:prstDash val="solid"/>
+                      <a:round/>
+                      <a:headEnd type="none" w="med" len="med"/>
+                      <a:tailEnd type="none" w="med" len="med"/>
+                    </a:lnB>
+                    <a:lnTlToBr w="12700" cmpd="sng">
+                      <a:noFill/>
+                      <a:prstDash val="solid"/>
+                    </a:lnTlToBr>
+                    <a:lnBlToTr w="12700" cmpd="sng">
+                      <a:noFill/>
+                      <a:prstDash val="solid"/>
+                    </a:lnBlToTr>
+                  </a:tcPr>
+                </a:tc>
+              </a:tr>
+              <a:tr h="465912">
+                <a:tc>
+                  <a:txBody>
+                    <a:bodyPr/>
+                    <a:lstStyle/>
+                    <a:p>
+                      <a:r>
+                        <a:rPr lang="en-US" b="0" dirty="0" smtClean="0">
+                          <a:solidFill>
+                            <a:srgbClr val="002060"/>
+                          </a:solidFill>
+                        </a:rPr>
+                        <a:t>book</a:t>
+                      </a:r>
+                      <a:endParaRPr lang="en-US" b="0" dirty="0">
+                        <a:solidFill>
+                          <a:srgbClr val="002060"/>
+                        </a:solidFill>
+                      </a:endParaRPr>
+                    </a:p>
+                  </a:txBody>
+                  <a:tcPr>
+                    <a:lnL w="12700" cap="flat" cmpd="sng" algn="ctr">
+                      <a:solidFill>
+                        <a:srgbClr val="002060"/>
+                      </a:solidFill>
+                      <a:prstDash val="solid"/>
+                      <a:round/>
+                      <a:headEnd type="none" w="med" len="med"/>
+                      <a:tailEnd type="none" w="med" len="med"/>
+                    </a:lnL>
+                    <a:lnR w="12700" cap="flat" cmpd="sng" algn="ctr">
+                      <a:solidFill>
+                        <a:srgbClr val="002060"/>
+                      </a:solidFill>
+                      <a:prstDash val="solid"/>
+                      <a:round/>
+                      <a:headEnd type="none" w="med" len="med"/>
+                      <a:tailEnd type="none" w="med" len="med"/>
+                    </a:lnR>
+                    <a:lnT w="12700" cap="flat" cmpd="sng" algn="ctr">
+                      <a:solidFill>
+                        <a:srgbClr val="002060"/>
+                      </a:solidFill>
+                      <a:prstDash val="solid"/>
+                      <a:round/>
+                      <a:headEnd type="none" w="med" len="med"/>
+                      <a:tailEnd type="none" w="med" len="med"/>
+                    </a:lnT>
+                    <a:lnB w="12700" cap="flat" cmpd="sng" algn="ctr">
+                      <a:solidFill>
+                        <a:srgbClr val="002060"/>
+                      </a:solidFill>
+                      <a:prstDash val="solid"/>
+                      <a:round/>
+                      <a:headEnd type="none" w="med" len="med"/>
+                      <a:tailEnd type="none" w="med" len="med"/>
+                    </a:lnB>
+                    <a:lnTlToBr w="12700" cmpd="sng">
+                      <a:noFill/>
+                      <a:prstDash val="solid"/>
+                    </a:lnTlToBr>
+                    <a:lnBlToTr w="12700" cmpd="sng">
+                      <a:noFill/>
+                      <a:prstDash val="solid"/>
+                    </a:lnBlToTr>
+                  </a:tcPr>
+                </a:tc>
+                <a:tc>
+                  <a:txBody>
+                    <a:bodyPr/>
+                    <a:lstStyle/>
+                    <a:p>
+                      <a:r>
+                        <a:rPr lang="ru-RU" b="0" dirty="0" smtClean="0">
+                          <a:solidFill>
+                            <a:srgbClr val="002060"/>
+                          </a:solidFill>
+                        </a:rPr>
+                        <a:t>Элемент(ы) </a:t>
+                      </a:r>
+                      <a:r>
+                        <a:rPr lang="en-US" b="0" dirty="0" smtClean="0">
+                          <a:solidFill>
+                            <a:srgbClr val="002060"/>
+                          </a:solidFill>
+                        </a:rPr>
+                        <a:t>&lt;book&gt; </a:t>
+                      </a:r>
+                      <a:r>
+                        <a:rPr lang="ru-RU" b="0" dirty="0" smtClean="0">
+                          <a:solidFill>
+                            <a:srgbClr val="002060"/>
+                          </a:solidFill>
+                        </a:rPr>
+                        <a:t>в</a:t>
+                      </a:r>
+                      <a:r>
+                        <a:rPr lang="ru-RU" b="0" baseline="0" dirty="0" smtClean="0">
+                          <a:solidFill>
+                            <a:srgbClr val="002060"/>
+                          </a:solidFill>
+                        </a:rPr>
+                        <a:t> текущем контексте.</a:t>
+                      </a:r>
+                      <a:endParaRPr lang="en-US" b="0" dirty="0">
+                        <a:solidFill>
+                          <a:srgbClr val="002060"/>
+                        </a:solidFill>
+                      </a:endParaRPr>
+                    </a:p>
+                  </a:txBody>
+                  <a:tcPr>
+                    <a:lnL w="12700" cap="flat" cmpd="sng" algn="ctr">
+                      <a:solidFill>
+                        <a:srgbClr val="002060"/>
+                      </a:solidFill>
+                      <a:prstDash val="solid"/>
+                      <a:round/>
+                      <a:headEnd type="none" w="med" len="med"/>
+                      <a:tailEnd type="none" w="med" len="med"/>
+                    </a:lnL>
+                    <a:lnR w="12700" cap="flat" cmpd="sng" algn="ctr">
+                      <a:solidFill>
+                        <a:srgbClr val="002060"/>
+                      </a:solidFill>
+                      <a:prstDash val="solid"/>
+                      <a:round/>
+                      <a:headEnd type="none" w="med" len="med"/>
+                      <a:tailEnd type="none" w="med" len="med"/>
+                    </a:lnR>
+                    <a:lnT w="12700" cap="flat" cmpd="sng" algn="ctr">
+                      <a:solidFill>
+                        <a:srgbClr val="002060"/>
+                      </a:solidFill>
+                      <a:prstDash val="solid"/>
+                      <a:round/>
+                      <a:headEnd type="none" w="med" len="med"/>
+                      <a:tailEnd type="none" w="med" len="med"/>
+                    </a:lnT>
+                    <a:lnB w="12700" cap="flat" cmpd="sng" algn="ctr">
+                      <a:solidFill>
+                        <a:srgbClr val="002060"/>
+                      </a:solidFill>
+                      <a:prstDash val="solid"/>
+                      <a:round/>
+                      <a:headEnd type="none" w="med" len="med"/>
+                      <a:tailEnd type="none" w="med" len="med"/>
+                    </a:lnB>
+                    <a:lnTlToBr w="12700" cmpd="sng">
+                      <a:noFill/>
+                      <a:prstDash val="solid"/>
+                    </a:lnTlToBr>
+                    <a:lnBlToTr w="12700" cmpd="sng">
+                      <a:noFill/>
+                      <a:prstDash val="solid"/>
+                    </a:lnBlToTr>
+                  </a:tcPr>
+                </a:tc>
+              </a:tr>
+              <a:tr h="465912">
+                <a:tc>
+                  <a:txBody>
+                    <a:bodyPr/>
+                    <a:lstStyle/>
+                    <a:p>
+                      <a:r>
+                        <a:rPr lang="en-US" dirty="0" smtClean="0">
+                          <a:solidFill>
+                            <a:srgbClr val="002060"/>
+                          </a:solidFill>
+                        </a:rPr>
+                        <a:t>/books</a:t>
+                      </a:r>
+                      <a:endParaRPr lang="en-US" dirty="0">
+                        <a:solidFill>
+                          <a:srgbClr val="002060"/>
+                        </a:solidFill>
+                      </a:endParaRPr>
+                    </a:p>
+                  </a:txBody>
+                  <a:tcPr>
+                    <a:lnL w="12700" cap="flat" cmpd="sng" algn="ctr">
+                      <a:solidFill>
+                        <a:srgbClr val="002060"/>
+                      </a:solidFill>
+                      <a:prstDash val="solid"/>
+                      <a:round/>
+                      <a:headEnd type="none" w="med" len="med"/>
+                      <a:tailEnd type="none" w="med" len="med"/>
+                    </a:lnL>
+                    <a:lnR w="12700" cap="flat" cmpd="sng" algn="ctr">
+                      <a:solidFill>
+                        <a:srgbClr val="002060"/>
+                      </a:solidFill>
+                      <a:prstDash val="solid"/>
+                      <a:round/>
+                      <a:headEnd type="none" w="med" len="med"/>
+                      <a:tailEnd type="none" w="med" len="med"/>
+                    </a:lnR>
+                    <a:lnT w="12700" cap="flat" cmpd="sng" algn="ctr">
+                      <a:solidFill>
+                        <a:srgbClr val="002060"/>
+                      </a:solidFill>
+                      <a:prstDash val="solid"/>
+                      <a:round/>
+                      <a:headEnd type="none" w="med" len="med"/>
+                      <a:tailEnd type="none" w="med" len="med"/>
+                    </a:lnT>
+                    <a:lnB w="12700" cap="flat" cmpd="sng" algn="ctr">
+                      <a:solidFill>
+                        <a:srgbClr val="002060"/>
+                      </a:solidFill>
+                      <a:prstDash val="solid"/>
+                      <a:round/>
+                      <a:headEnd type="none" w="med" len="med"/>
+                      <a:tailEnd type="none" w="med" len="med"/>
+                    </a:lnB>
+                    <a:lnTlToBr w="12700" cmpd="sng">
+                      <a:noFill/>
+                      <a:prstDash val="solid"/>
+                    </a:lnTlToBr>
+                    <a:lnBlToTr w="12700" cmpd="sng">
+                      <a:noFill/>
+                      <a:prstDash val="solid"/>
+                    </a:lnBlToTr>
+                  </a:tcPr>
+                </a:tc>
+                <a:tc>
+                  <a:txBody>
+                    <a:bodyPr/>
+                    <a:lstStyle/>
+                    <a:p>
+                      <a:r>
+                        <a:rPr lang="ru-RU" dirty="0" smtClean="0">
+                          <a:solidFill>
+                            <a:srgbClr val="002060"/>
+                          </a:solidFill>
+                        </a:rPr>
+                        <a:t>Корневой элемент документа</a:t>
+                      </a:r>
+                      <a:r>
+                        <a:rPr lang="ru-RU" baseline="0" dirty="0" smtClean="0">
+                          <a:solidFill>
+                            <a:srgbClr val="002060"/>
+                          </a:solidFill>
+                        </a:rPr>
+                        <a:t> </a:t>
+                      </a:r>
+                      <a:r>
+                        <a:rPr lang="en-US" baseline="0" dirty="0" smtClean="0">
+                          <a:solidFill>
+                            <a:srgbClr val="002060"/>
+                          </a:solidFill>
+                        </a:rPr>
+                        <a:t>(document element)</a:t>
+                      </a:r>
+                      <a:endParaRPr lang="en-US" dirty="0">
+                        <a:solidFill>
+                          <a:srgbClr val="002060"/>
+                        </a:solidFill>
+                      </a:endParaRPr>
+                    </a:p>
+                  </a:txBody>
+                  <a:tcPr>
+                    <a:lnL w="12700" cap="flat" cmpd="sng" algn="ctr">
+                      <a:solidFill>
+                        <a:srgbClr val="002060"/>
+                      </a:solidFill>
+                      <a:prstDash val="solid"/>
+                      <a:round/>
+                      <a:headEnd type="none" w="med" len="med"/>
+                      <a:tailEnd type="none" w="med" len="med"/>
+                    </a:lnL>
+                    <a:lnR w="12700" cap="flat" cmpd="sng" algn="ctr">
+                      <a:solidFill>
+                        <a:srgbClr val="002060"/>
+                      </a:solidFill>
+                      <a:prstDash val="solid"/>
+                      <a:round/>
+                      <a:headEnd type="none" w="med" len="med"/>
+                      <a:tailEnd type="none" w="med" len="med"/>
+                    </a:lnR>
+                    <a:lnT w="12700" cap="flat" cmpd="sng" algn="ctr">
+                      <a:solidFill>
+                        <a:srgbClr val="002060"/>
+                      </a:solidFill>
+                      <a:prstDash val="solid"/>
+                      <a:round/>
+                      <a:headEnd type="none" w="med" len="med"/>
+                      <a:tailEnd type="none" w="med" len="med"/>
+                    </a:lnT>
+                    <a:lnB w="12700" cap="flat" cmpd="sng" algn="ctr">
+                      <a:solidFill>
+                        <a:srgbClr val="002060"/>
+                      </a:solidFill>
+                      <a:prstDash val="solid"/>
+                      <a:round/>
+                      <a:headEnd type="none" w="med" len="med"/>
+                      <a:tailEnd type="none" w="med" len="med"/>
+                    </a:lnB>
+                    <a:lnTlToBr w="12700" cmpd="sng">
+                      <a:noFill/>
+                      <a:prstDash val="solid"/>
+                    </a:lnTlToBr>
+                    <a:lnBlToTr w="12700" cmpd="sng">
+                      <a:noFill/>
+                      <a:prstDash val="solid"/>
+                    </a:lnBlToTr>
+                  </a:tcPr>
+                </a:tc>
+              </a:tr>
+              <a:tr h="465912">
+                <a:tc>
+                  <a:txBody>
+                    <a:bodyPr/>
+                    <a:lstStyle/>
+                    <a:p>
+                      <a:r>
+                        <a:rPr lang="en-US" dirty="0" smtClean="0">
+                          <a:solidFill>
+                            <a:srgbClr val="002060"/>
+                          </a:solidFill>
+                        </a:rPr>
+                        <a:t>//book</a:t>
+                      </a:r>
+                      <a:endParaRPr lang="en-US" dirty="0">
+                        <a:solidFill>
+                          <a:srgbClr val="002060"/>
+                        </a:solidFill>
+                      </a:endParaRPr>
+                    </a:p>
+                  </a:txBody>
+                  <a:tcPr>
+                    <a:lnL w="12700" cap="flat" cmpd="sng" algn="ctr">
+                      <a:solidFill>
+                        <a:srgbClr val="002060"/>
+                      </a:solidFill>
+                      <a:prstDash val="solid"/>
+                      <a:round/>
+                      <a:headEnd type="none" w="med" len="med"/>
+                      <a:tailEnd type="none" w="med" len="med"/>
+                    </a:lnL>
+                    <a:lnR w="12700" cap="flat" cmpd="sng" algn="ctr">
+                      <a:solidFill>
+                        <a:srgbClr val="002060"/>
+                      </a:solidFill>
+                      <a:prstDash val="solid"/>
+                      <a:round/>
+                      <a:headEnd type="none" w="med" len="med"/>
+                      <a:tailEnd type="none" w="med" len="med"/>
+                    </a:lnR>
+                    <a:lnT w="12700" cap="flat" cmpd="sng" algn="ctr">
+                      <a:solidFill>
+                        <a:srgbClr val="002060"/>
+                      </a:solidFill>
+                      <a:prstDash val="solid"/>
+                      <a:round/>
+                      <a:headEnd type="none" w="med" len="med"/>
+                      <a:tailEnd type="none" w="med" len="med"/>
+                    </a:lnT>
+                    <a:lnB w="12700" cap="flat" cmpd="sng" algn="ctr">
+                      <a:solidFill>
+                        <a:srgbClr val="002060"/>
+                      </a:solidFill>
+                      <a:prstDash val="solid"/>
+                      <a:round/>
+                      <a:headEnd type="none" w="med" len="med"/>
+                      <a:tailEnd type="none" w="med" len="med"/>
+                    </a:lnB>
+                    <a:lnTlToBr w="12700" cmpd="sng">
+                      <a:noFill/>
+                      <a:prstDash val="solid"/>
+                    </a:lnTlToBr>
+                    <a:lnBlToTr w="12700" cmpd="sng">
+                      <a:noFill/>
+                      <a:prstDash val="solid"/>
+                    </a:lnBlToTr>
+                  </a:tcPr>
+                </a:tc>
+                <a:tc>
+                  <a:txBody>
+                    <a:bodyPr/>
+                    <a:lstStyle/>
+                    <a:p>
+                      <a:r>
+                        <a:rPr lang="ru-RU" dirty="0" smtClean="0">
+                          <a:solidFill>
+                            <a:srgbClr val="002060"/>
+                          </a:solidFill>
+                        </a:rPr>
+                        <a:t>Все</a:t>
+                      </a:r>
+                      <a:r>
+                        <a:rPr lang="ru-RU" baseline="0" dirty="0" smtClean="0">
+                          <a:solidFill>
+                            <a:srgbClr val="002060"/>
+                          </a:solidFill>
+                        </a:rPr>
+                        <a:t> элементы </a:t>
+                      </a:r>
+                      <a:r>
+                        <a:rPr lang="en-US" baseline="0" dirty="0" smtClean="0">
+                          <a:solidFill>
+                            <a:srgbClr val="002060"/>
+                          </a:solidFill>
+                        </a:rPr>
+                        <a:t>&lt;book&gt; </a:t>
+                      </a:r>
+                      <a:r>
+                        <a:rPr lang="ru-RU" baseline="0" dirty="0" smtClean="0">
+                          <a:solidFill>
+                            <a:srgbClr val="002060"/>
+                          </a:solidFill>
+                        </a:rPr>
+                        <a:t>из документа</a:t>
+                      </a:r>
+                      <a:endParaRPr lang="en-US" dirty="0">
+                        <a:solidFill>
+                          <a:srgbClr val="002060"/>
+                        </a:solidFill>
+                      </a:endParaRPr>
+                    </a:p>
+                  </a:txBody>
+                  <a:tcPr>
+                    <a:lnL w="12700" cap="flat" cmpd="sng" algn="ctr">
+                      <a:solidFill>
+                        <a:srgbClr val="002060"/>
+                      </a:solidFill>
+                      <a:prstDash val="solid"/>
+                      <a:round/>
+                      <a:headEnd type="none" w="med" len="med"/>
+                      <a:tailEnd type="none" w="med" len="med"/>
+                    </a:lnL>
+                    <a:lnR w="12700" cap="flat" cmpd="sng" algn="ctr">
+                      <a:solidFill>
+                        <a:srgbClr val="002060"/>
+                      </a:solidFill>
+                      <a:prstDash val="solid"/>
+                      <a:round/>
+                      <a:headEnd type="none" w="med" len="med"/>
+                      <a:tailEnd type="none" w="med" len="med"/>
+                    </a:lnR>
+                    <a:lnT w="12700" cap="flat" cmpd="sng" algn="ctr">
+                      <a:solidFill>
+                        <a:srgbClr val="002060"/>
+                      </a:solidFill>
+                      <a:prstDash val="solid"/>
+                      <a:round/>
+                      <a:headEnd type="none" w="med" len="med"/>
+                      <a:tailEnd type="none" w="med" len="med"/>
+                    </a:lnT>
+                    <a:lnB w="12700" cap="flat" cmpd="sng" algn="ctr">
+                      <a:solidFill>
+                        <a:srgbClr val="002060"/>
+                      </a:solidFill>
+                      <a:prstDash val="solid"/>
+                      <a:round/>
+                      <a:headEnd type="none" w="med" len="med"/>
+                      <a:tailEnd type="none" w="med" len="med"/>
+                    </a:lnB>
+                    <a:lnTlToBr w="12700" cmpd="sng">
+                      <a:noFill/>
+                      <a:prstDash val="solid"/>
+                    </a:lnTlToBr>
+                    <a:lnBlToTr w="12700" cmpd="sng">
+                      <a:noFill/>
+                      <a:prstDash val="solid"/>
+                    </a:lnBlToTr>
+                  </a:tcPr>
+                </a:tc>
+              </a:tr>
+              <a:tr h="889343">
+                <a:tc>
+                  <a:txBody>
+                    <a:bodyPr/>
+                    <a:lstStyle/>
+                    <a:p>
+                      <a:r>
+                        <a:rPr lang="en-US" dirty="0" smtClean="0">
+                          <a:solidFill>
+                            <a:srgbClr val="002060"/>
+                          </a:solidFill>
+                        </a:rPr>
+                        <a:t>book[@</a:t>
+                      </a:r>
+                      <a:r>
+                        <a:rPr lang="en-US" dirty="0" err="1" smtClean="0">
+                          <a:solidFill>
+                            <a:srgbClr val="002060"/>
+                          </a:solidFill>
+                        </a:rPr>
+                        <a:t>isbn</a:t>
+                      </a:r>
+                      <a:r>
+                        <a:rPr lang="en-US" dirty="0" smtClean="0">
+                          <a:solidFill>
+                            <a:srgbClr val="002060"/>
+                          </a:solidFill>
+                        </a:rPr>
+                        <a:t>=‘978-5-459-00297-3’]</a:t>
+                      </a:r>
+                      <a:endParaRPr lang="en-US" dirty="0">
+                        <a:solidFill>
+                          <a:srgbClr val="002060"/>
+                        </a:solidFill>
+                      </a:endParaRPr>
+                    </a:p>
+                  </a:txBody>
+                  <a:tcPr>
+                    <a:lnL w="12700" cap="flat" cmpd="sng" algn="ctr">
+                      <a:solidFill>
+                        <a:srgbClr val="002060"/>
+                      </a:solidFill>
+                      <a:prstDash val="solid"/>
+                      <a:round/>
+                      <a:headEnd type="none" w="med" len="med"/>
+                      <a:tailEnd type="none" w="med" len="med"/>
+                    </a:lnL>
+                    <a:lnR w="12700" cap="flat" cmpd="sng" algn="ctr">
+                      <a:solidFill>
+                        <a:srgbClr val="002060"/>
+                      </a:solidFill>
+                      <a:prstDash val="solid"/>
+                      <a:round/>
+                      <a:headEnd type="none" w="med" len="med"/>
+                      <a:tailEnd type="none" w="med" len="med"/>
+                    </a:lnR>
+                    <a:lnT w="12700" cap="flat" cmpd="sng" algn="ctr">
+                      <a:solidFill>
+                        <a:srgbClr val="002060"/>
+                      </a:solidFill>
+                      <a:prstDash val="solid"/>
+                      <a:round/>
+                      <a:headEnd type="none" w="med" len="med"/>
+                      <a:tailEnd type="none" w="med" len="med"/>
+                    </a:lnT>
+                    <a:lnB w="12700" cap="flat" cmpd="sng" algn="ctr">
+                      <a:solidFill>
+                        <a:srgbClr val="002060"/>
+                      </a:solidFill>
+                      <a:prstDash val="solid"/>
+                      <a:round/>
+                      <a:headEnd type="none" w="med" len="med"/>
+                      <a:tailEnd type="none" w="med" len="med"/>
+                    </a:lnB>
+                    <a:lnTlToBr w="12700" cmpd="sng">
+                      <a:noFill/>
+                      <a:prstDash val="solid"/>
+                    </a:lnTlToBr>
+                    <a:lnBlToTr w="12700" cmpd="sng">
+                      <a:noFill/>
+                      <a:prstDash val="solid"/>
+                    </a:lnBlToTr>
+                  </a:tcPr>
+                </a:tc>
+                <a:tc>
+                  <a:txBody>
+                    <a:bodyPr/>
+                    <a:lstStyle/>
+                    <a:p>
+                      <a:r>
+                        <a:rPr lang="ru-RU" dirty="0" smtClean="0">
+                          <a:solidFill>
+                            <a:srgbClr val="002060"/>
+                          </a:solidFill>
+                        </a:rPr>
+                        <a:t>Элемент(ы)</a:t>
+                      </a:r>
+                      <a:r>
+                        <a:rPr lang="ru-RU" baseline="0" dirty="0" smtClean="0">
+                          <a:solidFill>
+                            <a:srgbClr val="002060"/>
+                          </a:solidFill>
+                        </a:rPr>
+                        <a:t> </a:t>
+                      </a:r>
+                      <a:r>
+                        <a:rPr lang="en-US" baseline="0" dirty="0" smtClean="0">
+                          <a:solidFill>
+                            <a:srgbClr val="002060"/>
+                          </a:solidFill>
+                        </a:rPr>
+                        <a:t>&lt;book&gt; </a:t>
+                      </a:r>
+                      <a:r>
+                        <a:rPr lang="ru-RU" baseline="0" dirty="0" smtClean="0">
+                          <a:solidFill>
+                            <a:srgbClr val="002060"/>
+                          </a:solidFill>
+                        </a:rPr>
+                        <a:t>у которых есть атрибут </a:t>
+                      </a:r>
+                      <a:r>
+                        <a:rPr lang="en-US" baseline="0" dirty="0" smtClean="0">
+                          <a:solidFill>
+                            <a:srgbClr val="002060"/>
+                          </a:solidFill>
+                        </a:rPr>
+                        <a:t>id </a:t>
+                      </a:r>
+                      <a:r>
+                        <a:rPr lang="ru-RU" baseline="0" dirty="0" smtClean="0">
+                          <a:solidFill>
+                            <a:srgbClr val="002060"/>
+                          </a:solidFill>
+                        </a:rPr>
+                        <a:t>и его значение равно </a:t>
+                      </a:r>
+                      <a:r>
+                        <a:rPr lang="en-US" dirty="0" smtClean="0">
+                          <a:solidFill>
+                            <a:srgbClr val="002060"/>
+                          </a:solidFill>
+                        </a:rPr>
+                        <a:t>978-5-459-00297-3</a:t>
+                      </a:r>
+                      <a:endParaRPr lang="en-US" dirty="0">
+                        <a:solidFill>
+                          <a:srgbClr val="002060"/>
+                        </a:solidFill>
+                      </a:endParaRPr>
+                    </a:p>
+                  </a:txBody>
+                  <a:tcPr>
+                    <a:lnL w="12700" cap="flat" cmpd="sng" algn="ctr">
+                      <a:solidFill>
+                        <a:srgbClr val="002060"/>
+                      </a:solidFill>
+                      <a:prstDash val="solid"/>
+                      <a:round/>
+                      <a:headEnd type="none" w="med" len="med"/>
+                      <a:tailEnd type="none" w="med" len="med"/>
+                    </a:lnL>
+                    <a:lnR w="12700" cap="flat" cmpd="sng" algn="ctr">
+                      <a:solidFill>
+                        <a:srgbClr val="002060"/>
+                      </a:solidFill>
+                      <a:prstDash val="solid"/>
+                      <a:round/>
+                      <a:headEnd type="none" w="med" len="med"/>
+                      <a:tailEnd type="none" w="med" len="med"/>
+                    </a:lnR>
+                    <a:lnT w="12700" cap="flat" cmpd="sng" algn="ctr">
+                      <a:solidFill>
+                        <a:srgbClr val="002060"/>
+                      </a:solidFill>
+                      <a:prstDash val="solid"/>
+                      <a:round/>
+                      <a:headEnd type="none" w="med" len="med"/>
+                      <a:tailEnd type="none" w="med" len="med"/>
+                    </a:lnT>
+                    <a:lnB w="12700" cap="flat" cmpd="sng" algn="ctr">
+                      <a:solidFill>
+                        <a:srgbClr val="002060"/>
+                      </a:solidFill>
+                      <a:prstDash val="solid"/>
+                      <a:round/>
+                      <a:headEnd type="none" w="med" len="med"/>
+                      <a:tailEnd type="none" w="med" len="med"/>
+                    </a:lnB>
+                    <a:lnTlToBr w="12700" cmpd="sng">
+                      <a:noFill/>
+                      <a:prstDash val="solid"/>
+                    </a:lnTlToBr>
+                    <a:lnBlToTr w="12700" cmpd="sng">
+                      <a:noFill/>
+                      <a:prstDash val="solid"/>
+                    </a:lnBlToTr>
+                  </a:tcPr>
+                </a:tc>
+              </a:tr>
+              <a:tr h="465912">
+                <a:tc>
+                  <a:txBody>
+                    <a:bodyPr/>
+                    <a:lstStyle/>
+                    <a:p>
+                      <a:r>
+                        <a:rPr lang="en-US" dirty="0" smtClean="0">
+                          <a:solidFill>
+                            <a:srgbClr val="002060"/>
+                          </a:solidFill>
+                        </a:rPr>
+                        <a:t>book/*</a:t>
+                      </a:r>
+                      <a:endParaRPr lang="en-US" dirty="0">
+                        <a:solidFill>
+                          <a:srgbClr val="002060"/>
+                        </a:solidFill>
+                      </a:endParaRPr>
+                    </a:p>
+                  </a:txBody>
+                  <a:tcPr>
+                    <a:lnL w="12700" cap="flat" cmpd="sng" algn="ctr">
+                      <a:solidFill>
+                        <a:srgbClr val="002060"/>
+                      </a:solidFill>
+                      <a:prstDash val="solid"/>
+                      <a:round/>
+                      <a:headEnd type="none" w="med" len="med"/>
+                      <a:tailEnd type="none" w="med" len="med"/>
+                    </a:lnL>
+                    <a:lnR w="12700" cap="flat" cmpd="sng" algn="ctr">
+                      <a:solidFill>
+                        <a:srgbClr val="002060"/>
+                      </a:solidFill>
+                      <a:prstDash val="solid"/>
+                      <a:round/>
+                      <a:headEnd type="none" w="med" len="med"/>
+                      <a:tailEnd type="none" w="med" len="med"/>
+                    </a:lnR>
+                    <a:lnT w="12700" cap="flat" cmpd="sng" algn="ctr">
+                      <a:solidFill>
+                        <a:srgbClr val="002060"/>
+                      </a:solidFill>
+                      <a:prstDash val="solid"/>
+                      <a:round/>
+                      <a:headEnd type="none" w="med" len="med"/>
+                      <a:tailEnd type="none" w="med" len="med"/>
+                    </a:lnT>
+                    <a:lnB w="12700" cap="flat" cmpd="sng" algn="ctr">
+                      <a:solidFill>
+                        <a:srgbClr val="002060"/>
+                      </a:solidFill>
+                      <a:prstDash val="solid"/>
+                      <a:round/>
+                      <a:headEnd type="none" w="med" len="med"/>
+                      <a:tailEnd type="none" w="med" len="med"/>
+                    </a:lnB>
+                    <a:lnTlToBr w="12700" cmpd="sng">
+                      <a:noFill/>
+                      <a:prstDash val="solid"/>
+                    </a:lnTlToBr>
+                    <a:lnBlToTr w="12700" cmpd="sng">
+                      <a:noFill/>
+                      <a:prstDash val="solid"/>
+                    </a:lnBlToTr>
+                  </a:tcPr>
+                </a:tc>
+                <a:tc>
+                  <a:txBody>
+                    <a:bodyPr/>
+                    <a:lstStyle/>
+                    <a:p>
+                      <a:r>
+                        <a:rPr lang="ru-RU" dirty="0" smtClean="0">
+                          <a:solidFill>
+                            <a:srgbClr val="002060"/>
+                          </a:solidFill>
+                        </a:rPr>
+                        <a:t>Все дочерние</a:t>
+                      </a:r>
+                      <a:r>
+                        <a:rPr lang="ru-RU" baseline="0" dirty="0" smtClean="0">
+                          <a:solidFill>
+                            <a:srgbClr val="002060"/>
+                          </a:solidFill>
+                        </a:rPr>
+                        <a:t> элементы </a:t>
+                      </a:r>
+                      <a:r>
+                        <a:rPr lang="en-US" baseline="0" dirty="0" smtClean="0">
+                          <a:solidFill>
+                            <a:srgbClr val="002060"/>
+                          </a:solidFill>
+                        </a:rPr>
+                        <a:t>&lt;book&gt;</a:t>
+                      </a:r>
+                      <a:endParaRPr lang="en-US" dirty="0">
+                        <a:solidFill>
+                          <a:srgbClr val="002060"/>
+                        </a:solidFill>
+                      </a:endParaRPr>
+                    </a:p>
+                  </a:txBody>
+                  <a:tcPr>
+                    <a:lnL w="12700" cap="flat" cmpd="sng" algn="ctr">
+                      <a:solidFill>
+                        <a:srgbClr val="002060"/>
+                      </a:solidFill>
+                      <a:prstDash val="solid"/>
+                      <a:round/>
+                      <a:headEnd type="none" w="med" len="med"/>
+                      <a:tailEnd type="none" w="med" len="med"/>
+                    </a:lnL>
+                    <a:lnR w="12700" cap="flat" cmpd="sng" algn="ctr">
+                      <a:solidFill>
+                        <a:srgbClr val="002060"/>
+                      </a:solidFill>
+                      <a:prstDash val="solid"/>
+                      <a:round/>
+                      <a:headEnd type="none" w="med" len="med"/>
+                      <a:tailEnd type="none" w="med" len="med"/>
+                    </a:lnR>
+                    <a:lnT w="12700" cap="flat" cmpd="sng" algn="ctr">
+                      <a:solidFill>
+                        <a:srgbClr val="002060"/>
+                      </a:solidFill>
+                      <a:prstDash val="solid"/>
+                      <a:round/>
+                      <a:headEnd type="none" w="med" len="med"/>
+                      <a:tailEnd type="none" w="med" len="med"/>
+                    </a:lnT>
+                    <a:lnB w="12700" cap="flat" cmpd="sng" algn="ctr">
+                      <a:solidFill>
+                        <a:srgbClr val="002060"/>
+                      </a:solidFill>
+                      <a:prstDash val="solid"/>
+                      <a:round/>
+                      <a:headEnd type="none" w="med" len="med"/>
+                      <a:tailEnd type="none" w="med" len="med"/>
+                    </a:lnB>
+                    <a:lnTlToBr w="12700" cmpd="sng">
+                      <a:noFill/>
+                      <a:prstDash val="solid"/>
+                    </a:lnTlToBr>
+                    <a:lnBlToTr w="12700" cmpd="sng">
+                      <a:noFill/>
+                      <a:prstDash val="solid"/>
+                    </a:lnBlToTr>
+                  </a:tcPr>
+                </a:tc>
+              </a:tr>
+              <a:tr h="465912">
+                <a:tc>
+                  <a:txBody>
+                    <a:bodyPr/>
+                    <a:lstStyle/>
+                    <a:p>
+                      <a:r>
+                        <a:rPr lang="en-US" dirty="0" smtClean="0">
+                          <a:solidFill>
+                            <a:srgbClr val="002060"/>
+                          </a:solidFill>
+                        </a:rPr>
+                        <a:t>@</a:t>
+                      </a:r>
+                      <a:r>
+                        <a:rPr lang="en-US" dirty="0" err="1" smtClean="0">
+                          <a:solidFill>
+                            <a:srgbClr val="002060"/>
+                          </a:solidFill>
+                        </a:rPr>
+                        <a:t>isbn</a:t>
+                      </a:r>
+                      <a:endParaRPr lang="en-US" dirty="0">
+                        <a:solidFill>
+                          <a:srgbClr val="002060"/>
+                        </a:solidFill>
+                      </a:endParaRPr>
+                    </a:p>
+                  </a:txBody>
+                  <a:tcPr>
+                    <a:lnL w="12700" cap="flat" cmpd="sng" algn="ctr">
+                      <a:solidFill>
+                        <a:srgbClr val="002060"/>
+                      </a:solidFill>
+                      <a:prstDash val="solid"/>
+                      <a:round/>
+                      <a:headEnd type="none" w="med" len="med"/>
+                      <a:tailEnd type="none" w="med" len="med"/>
+                    </a:lnL>
+                    <a:lnR w="12700" cap="flat" cmpd="sng" algn="ctr">
+                      <a:solidFill>
+                        <a:srgbClr val="002060"/>
+                      </a:solidFill>
+                      <a:prstDash val="solid"/>
+                      <a:round/>
+                      <a:headEnd type="none" w="med" len="med"/>
+                      <a:tailEnd type="none" w="med" len="med"/>
+                    </a:lnR>
+                    <a:lnT w="12700" cap="flat" cmpd="sng" algn="ctr">
+                      <a:solidFill>
+                        <a:srgbClr val="002060"/>
+                      </a:solidFill>
+                      <a:prstDash val="solid"/>
+                      <a:round/>
+                      <a:headEnd type="none" w="med" len="med"/>
+                      <a:tailEnd type="none" w="med" len="med"/>
+                    </a:lnT>
+                    <a:lnB w="12700" cap="flat" cmpd="sng" algn="ctr">
+                      <a:solidFill>
+                        <a:srgbClr val="002060"/>
+                      </a:solidFill>
+                      <a:prstDash val="solid"/>
+                      <a:round/>
+                      <a:headEnd type="none" w="med" len="med"/>
+                      <a:tailEnd type="none" w="med" len="med"/>
+                    </a:lnB>
+                    <a:lnTlToBr w="12700" cmpd="sng">
+                      <a:noFill/>
+                      <a:prstDash val="solid"/>
+                    </a:lnTlToBr>
+                    <a:lnBlToTr w="12700" cmpd="sng">
+                      <a:noFill/>
+                      <a:prstDash val="solid"/>
+                    </a:lnBlToTr>
+                  </a:tcPr>
+                </a:tc>
+                <a:tc>
+                  <a:txBody>
+                    <a:bodyPr/>
+                    <a:lstStyle/>
+                    <a:p>
+                      <a:r>
+                        <a:rPr lang="ru-RU" dirty="0" smtClean="0">
+                          <a:solidFill>
+                            <a:srgbClr val="002060"/>
+                          </a:solidFill>
+                        </a:rPr>
+                        <a:t>Значение атрибута </a:t>
+                      </a:r>
+                      <a:r>
+                        <a:rPr lang="en-US" dirty="0" err="1" smtClean="0">
+                          <a:solidFill>
+                            <a:srgbClr val="002060"/>
+                          </a:solidFill>
+                        </a:rPr>
+                        <a:t>isbn</a:t>
+                      </a:r>
+                      <a:r>
+                        <a:rPr lang="en-US" baseline="0" dirty="0" smtClean="0">
+                          <a:solidFill>
+                            <a:srgbClr val="002060"/>
+                          </a:solidFill>
+                        </a:rPr>
+                        <a:t> </a:t>
+                      </a:r>
+                      <a:r>
+                        <a:rPr lang="ru-RU" baseline="0" dirty="0" smtClean="0">
+                          <a:solidFill>
+                            <a:srgbClr val="002060"/>
+                          </a:solidFill>
+                        </a:rPr>
+                        <a:t>в</a:t>
+                      </a:r>
+                      <a:r>
+                        <a:rPr lang="en-US" baseline="0" dirty="0" smtClean="0">
+                          <a:solidFill>
+                            <a:srgbClr val="002060"/>
+                          </a:solidFill>
+                        </a:rPr>
+                        <a:t> </a:t>
+                      </a:r>
+                      <a:r>
+                        <a:rPr lang="ru-RU" baseline="0" dirty="0" smtClean="0">
+                          <a:solidFill>
+                            <a:srgbClr val="002060"/>
+                          </a:solidFill>
+                        </a:rPr>
+                        <a:t>текущем контексте</a:t>
+                      </a:r>
+                      <a:endParaRPr lang="en-US" dirty="0">
+                        <a:solidFill>
+                          <a:srgbClr val="002060"/>
+                        </a:solidFill>
+                      </a:endParaRPr>
+                    </a:p>
+                  </a:txBody>
+                  <a:tcPr>
+                    <a:lnL w="12700" cap="flat" cmpd="sng" algn="ctr">
+                      <a:solidFill>
+                        <a:srgbClr val="002060"/>
+                      </a:solidFill>
+                      <a:prstDash val="solid"/>
+                      <a:round/>
+                      <a:headEnd type="none" w="med" len="med"/>
+                      <a:tailEnd type="none" w="med" len="med"/>
+                    </a:lnL>
+                    <a:lnR w="12700" cap="flat" cmpd="sng" algn="ctr">
+                      <a:solidFill>
+                        <a:srgbClr val="002060"/>
+                      </a:solidFill>
+                      <a:prstDash val="solid"/>
+                      <a:round/>
+                      <a:headEnd type="none" w="med" len="med"/>
+                      <a:tailEnd type="none" w="med" len="med"/>
+                    </a:lnR>
+                    <a:lnT w="12700" cap="flat" cmpd="sng" algn="ctr">
+                      <a:solidFill>
+                        <a:srgbClr val="002060"/>
+                      </a:solidFill>
+                      <a:prstDash val="solid"/>
+                      <a:round/>
+                      <a:headEnd type="none" w="med" len="med"/>
+                      <a:tailEnd type="none" w="med" len="med"/>
+                    </a:lnT>
+                    <a:lnB w="12700" cap="flat" cmpd="sng" algn="ctr">
+                      <a:solidFill>
+                        <a:srgbClr val="002060"/>
+                      </a:solidFill>
+                      <a:prstDash val="solid"/>
+                      <a:round/>
+                      <a:headEnd type="none" w="med" len="med"/>
+                      <a:tailEnd type="none" w="med" len="med"/>
+                    </a:lnB>
+                    <a:lnTlToBr w="12700" cmpd="sng">
+                      <a:noFill/>
+                      <a:prstDash val="solid"/>
+                    </a:lnTlToBr>
+                    <a:lnBlToTr w="12700" cmpd="sng">
+                      <a:noFill/>
+                      <a:prstDash val="solid"/>
+                    </a:lnBlToTr>
+                  </a:tcPr>
+                </a:tc>
+              </a:tr>
+              <a:tr h="465912">
+                <a:tc>
+                  <a:txBody>
+                    <a:bodyPr/>
+                    <a:lstStyle/>
+                    <a:p>
+                      <a:r>
+                        <a:rPr lang="en-US" dirty="0" smtClean="0">
+                          <a:solidFill>
+                            <a:srgbClr val="002060"/>
+                          </a:solidFill>
+                        </a:rPr>
+                        <a:t>book[1]</a:t>
+                      </a:r>
+                      <a:endParaRPr lang="en-US" dirty="0">
+                        <a:solidFill>
+                          <a:srgbClr val="002060"/>
+                        </a:solidFill>
+                      </a:endParaRPr>
+                    </a:p>
+                  </a:txBody>
+                  <a:tcPr>
+                    <a:lnL w="12700" cap="flat" cmpd="sng" algn="ctr">
+                      <a:solidFill>
+                        <a:srgbClr val="002060"/>
+                      </a:solidFill>
+                      <a:prstDash val="solid"/>
+                      <a:round/>
+                      <a:headEnd type="none" w="med" len="med"/>
+                      <a:tailEnd type="none" w="med" len="med"/>
+                    </a:lnL>
+                    <a:lnR w="12700" cap="flat" cmpd="sng" algn="ctr">
+                      <a:solidFill>
+                        <a:srgbClr val="002060"/>
+                      </a:solidFill>
+                      <a:prstDash val="solid"/>
+                      <a:round/>
+                      <a:headEnd type="none" w="med" len="med"/>
+                      <a:tailEnd type="none" w="med" len="med"/>
+                    </a:lnR>
+                    <a:lnT w="12700" cap="flat" cmpd="sng" algn="ctr">
+                      <a:solidFill>
+                        <a:srgbClr val="002060"/>
+                      </a:solidFill>
+                      <a:prstDash val="solid"/>
+                      <a:round/>
+                      <a:headEnd type="none" w="med" len="med"/>
+                      <a:tailEnd type="none" w="med" len="med"/>
+                    </a:lnT>
+                    <a:lnB w="12700" cap="flat" cmpd="sng" algn="ctr">
+                      <a:solidFill>
+                        <a:srgbClr val="002060"/>
+                      </a:solidFill>
+                      <a:prstDash val="solid"/>
+                      <a:round/>
+                      <a:headEnd type="none" w="med" len="med"/>
+                      <a:tailEnd type="none" w="med" len="med"/>
+                    </a:lnB>
+                    <a:lnTlToBr w="12700" cmpd="sng">
+                      <a:noFill/>
+                      <a:prstDash val="solid"/>
+                    </a:lnTlToBr>
+                    <a:lnBlToTr w="12700" cmpd="sng">
+                      <a:noFill/>
+                      <a:prstDash val="solid"/>
+                    </a:lnBlToTr>
+                  </a:tcPr>
+                </a:tc>
+                <a:tc>
+                  <a:txBody>
+                    <a:bodyPr/>
+                    <a:lstStyle/>
+                    <a:p>
+                      <a:r>
+                        <a:rPr lang="ru-RU" dirty="0" smtClean="0">
+                          <a:solidFill>
+                            <a:srgbClr val="002060"/>
+                          </a:solidFill>
+                        </a:rPr>
+                        <a:t>Первый элемент </a:t>
+                      </a:r>
+                      <a:r>
+                        <a:rPr lang="en-US" dirty="0" smtClean="0">
+                          <a:solidFill>
+                            <a:srgbClr val="002060"/>
+                          </a:solidFill>
+                        </a:rPr>
+                        <a:t>&lt;book&gt;</a:t>
+                      </a:r>
+                      <a:r>
+                        <a:rPr lang="en-US" baseline="0" dirty="0" smtClean="0">
+                          <a:solidFill>
+                            <a:srgbClr val="002060"/>
+                          </a:solidFill>
+                        </a:rPr>
+                        <a:t> </a:t>
+                      </a:r>
+                      <a:r>
+                        <a:rPr lang="ru-RU" baseline="0" dirty="0" smtClean="0">
+                          <a:solidFill>
+                            <a:srgbClr val="002060"/>
+                          </a:solidFill>
+                        </a:rPr>
+                        <a:t>в текущем контексте</a:t>
+                      </a:r>
+                      <a:endParaRPr lang="en-US" dirty="0">
+                        <a:solidFill>
+                          <a:srgbClr val="002060"/>
+                        </a:solidFill>
+                      </a:endParaRPr>
+                    </a:p>
+                  </a:txBody>
+                  <a:tcPr>
+                    <a:lnL w="12700" cap="flat" cmpd="sng" algn="ctr">
+                      <a:solidFill>
+                        <a:srgbClr val="002060"/>
+                      </a:solidFill>
+                      <a:prstDash val="solid"/>
+                      <a:round/>
+                      <a:headEnd type="none" w="med" len="med"/>
+                      <a:tailEnd type="none" w="med" len="med"/>
+                    </a:lnL>
+                    <a:lnR w="12700" cap="flat" cmpd="sng" algn="ctr">
+                      <a:solidFill>
+                        <a:srgbClr val="002060"/>
+                      </a:solidFill>
+                      <a:prstDash val="solid"/>
+                      <a:round/>
+                      <a:headEnd type="none" w="med" len="med"/>
+                      <a:tailEnd type="none" w="med" len="med"/>
+                    </a:lnR>
+                    <a:lnT w="12700" cap="flat" cmpd="sng" algn="ctr">
+                      <a:solidFill>
+                        <a:srgbClr val="002060"/>
+                      </a:solidFill>
+                      <a:prstDash val="solid"/>
+                      <a:round/>
+                      <a:headEnd type="none" w="med" len="med"/>
+                      <a:tailEnd type="none" w="med" len="med"/>
+                    </a:lnT>
+                    <a:lnB w="12700" cap="flat" cmpd="sng" algn="ctr">
+                      <a:solidFill>
+                        <a:srgbClr val="002060"/>
+                      </a:solidFill>
+                      <a:prstDash val="solid"/>
+                      <a:round/>
+                      <a:headEnd type="none" w="med" len="med"/>
+                      <a:tailEnd type="none" w="med" len="med"/>
+                    </a:lnB>
+                    <a:lnTlToBr w="12700" cmpd="sng">
+                      <a:noFill/>
+                      <a:prstDash val="solid"/>
+                    </a:lnTlToBr>
+                    <a:lnBlToTr w="12700" cmpd="sng">
+                      <a:noFill/>
+                      <a:prstDash val="solid"/>
+                    </a:lnBlToTr>
+                  </a:tcPr>
+                </a:tc>
+              </a:tr>
+              <a:tr h="622540">
+                <a:tc>
+                  <a:txBody>
+                    <a:bodyPr/>
+                    <a:lstStyle/>
+                    <a:p>
+                      <a:r>
+                        <a:rPr lang="en-US" dirty="0" err="1" smtClean="0">
+                          <a:solidFill>
+                            <a:srgbClr val="002060"/>
+                          </a:solidFill>
+                        </a:rPr>
+                        <a:t>my:book</a:t>
+                      </a:r>
+                      <a:endParaRPr lang="en-US" dirty="0">
+                        <a:solidFill>
+                          <a:srgbClr val="002060"/>
+                        </a:solidFill>
+                      </a:endParaRPr>
+                    </a:p>
+                  </a:txBody>
+                  <a:tcPr>
+                    <a:lnL w="12700" cap="flat" cmpd="sng" algn="ctr">
+                      <a:solidFill>
+                        <a:srgbClr val="002060"/>
+                      </a:solidFill>
+                      <a:prstDash val="solid"/>
+                      <a:round/>
+                      <a:headEnd type="none" w="med" len="med"/>
+                      <a:tailEnd type="none" w="med" len="med"/>
+                    </a:lnL>
+                    <a:lnR w="12700" cap="flat" cmpd="sng" algn="ctr">
+                      <a:solidFill>
+                        <a:srgbClr val="002060"/>
+                      </a:solidFill>
+                      <a:prstDash val="solid"/>
+                      <a:round/>
+                      <a:headEnd type="none" w="med" len="med"/>
+                      <a:tailEnd type="none" w="med" len="med"/>
+                    </a:lnR>
+                    <a:lnT w="12700" cap="flat" cmpd="sng" algn="ctr">
+                      <a:solidFill>
+                        <a:srgbClr val="002060"/>
+                      </a:solidFill>
+                      <a:prstDash val="solid"/>
+                      <a:round/>
+                      <a:headEnd type="none" w="med" len="med"/>
+                      <a:tailEnd type="none" w="med" len="med"/>
+                    </a:lnT>
+                    <a:lnB w="12700" cap="flat" cmpd="sng" algn="ctr">
+                      <a:solidFill>
+                        <a:srgbClr val="002060"/>
+                      </a:solidFill>
+                      <a:prstDash val="solid"/>
+                      <a:round/>
+                      <a:headEnd type="none" w="med" len="med"/>
+                      <a:tailEnd type="none" w="med" len="med"/>
+                    </a:lnB>
+                    <a:lnTlToBr w="12700" cmpd="sng">
+                      <a:noFill/>
+                      <a:prstDash val="solid"/>
+                    </a:lnTlToBr>
+                    <a:lnBlToTr w="12700" cmpd="sng">
+                      <a:noFill/>
+                      <a:prstDash val="solid"/>
+                    </a:lnBlToTr>
+                  </a:tcPr>
+                </a:tc>
+                <a:tc>
+                  <a:txBody>
+                    <a:bodyPr/>
+                    <a:lstStyle/>
+                    <a:p>
+                      <a:r>
+                        <a:rPr lang="ru-RU" b="0" dirty="0" smtClean="0">
+                          <a:solidFill>
+                            <a:srgbClr val="002060"/>
+                          </a:solidFill>
+                        </a:rPr>
+                        <a:t>Элемент(ы) </a:t>
+                      </a:r>
+                      <a:r>
+                        <a:rPr lang="en-US" b="0" dirty="0" smtClean="0">
+                          <a:solidFill>
+                            <a:srgbClr val="002060"/>
+                          </a:solidFill>
+                        </a:rPr>
+                        <a:t>&lt;book&gt; </a:t>
+                      </a:r>
+                      <a:r>
+                        <a:rPr lang="ru-RU" b="0" dirty="0" smtClean="0">
+                          <a:solidFill>
+                            <a:srgbClr val="002060"/>
+                          </a:solidFill>
+                        </a:rPr>
+                        <a:t>в</a:t>
+                      </a:r>
+                      <a:r>
+                        <a:rPr lang="ru-RU" b="0" baseline="0" dirty="0" smtClean="0">
+                          <a:solidFill>
+                            <a:srgbClr val="002060"/>
+                          </a:solidFill>
+                        </a:rPr>
+                        <a:t> текущем контексте принадлежащие пространству имен </a:t>
+                      </a:r>
+                      <a:r>
+                        <a:rPr lang="en-US" b="0" baseline="0" dirty="0" smtClean="0">
+                          <a:solidFill>
+                            <a:srgbClr val="002060"/>
+                          </a:solidFill>
+                        </a:rPr>
+                        <a:t>my</a:t>
+                      </a:r>
+                      <a:endParaRPr lang="en-US" dirty="0">
+                        <a:solidFill>
+                          <a:srgbClr val="002060"/>
+                        </a:solidFill>
+                      </a:endParaRPr>
+                    </a:p>
+                  </a:txBody>
+                  <a:tcPr>
+                    <a:lnL w="12700" cap="flat" cmpd="sng" algn="ctr">
+                      <a:solidFill>
+                        <a:srgbClr val="002060"/>
+                      </a:solidFill>
+                      <a:prstDash val="solid"/>
+                      <a:round/>
+                      <a:headEnd type="none" w="med" len="med"/>
+                      <a:tailEnd type="none" w="med" len="med"/>
+                    </a:lnL>
+                    <a:lnR w="12700" cap="flat" cmpd="sng" algn="ctr">
+                      <a:solidFill>
+                        <a:srgbClr val="002060"/>
+                      </a:solidFill>
+                      <a:prstDash val="solid"/>
+                      <a:round/>
+                      <a:headEnd type="none" w="med" len="med"/>
+                      <a:tailEnd type="none" w="med" len="med"/>
+                    </a:lnR>
+                    <a:lnT w="12700" cap="flat" cmpd="sng" algn="ctr">
+                      <a:solidFill>
+                        <a:srgbClr val="002060"/>
+                      </a:solidFill>
+                      <a:prstDash val="solid"/>
+                      <a:round/>
+                      <a:headEnd type="none" w="med" len="med"/>
+                      <a:tailEnd type="none" w="med" len="med"/>
+                    </a:lnT>
+                    <a:lnB w="12700" cap="flat" cmpd="sng" algn="ctr">
+                      <a:solidFill>
+                        <a:srgbClr val="002060"/>
+                      </a:solidFill>
+                      <a:prstDash val="solid"/>
+                      <a:round/>
+                      <a:headEnd type="none" w="med" len="med"/>
+                      <a:tailEnd type="none" w="med" len="med"/>
+                    </a:lnB>
+                    <a:lnTlToBr w="12700" cmpd="sng">
+                      <a:noFill/>
+                      <a:prstDash val="solid"/>
+                    </a:lnTlToBr>
+                    <a:lnBlToTr w="12700" cmpd="sng">
+                      <a:noFill/>
+                      <a:prstDash val="solid"/>
+                    </a:lnBlToTr>
+                  </a:tcPr>
+                </a:tc>
+              </a:tr>
+            </a:tbl>
+          </a:graphicData>
+        </a:graphic>
+      </p:graphicFrame>
     </p:spTree>
     <p:extLst>
       <p:ext uri="{BB962C8B-B14F-4D97-AF65-F5344CB8AC3E}">
-        <p14:creationId xmlns:p14="http://schemas.microsoft.com/office/powerpoint/2010/main" val="786506698"/>
+        <p14:creationId xmlns:p14="http://schemas.microsoft.com/office/powerpoint/2010/main" val="3990933908"/>
       </p:ext>
     </p:extLst>
   </p:cSld>
   <p:clrMapOvr>
     <a:masterClrMapping/>
   </p:clrMapOvr>
+  <p:timing>
+    <p:tnLst>
+      <p:par>
+        <p:cTn id="1" dur="indefinite" restart="never" nodeType="tmRoot"/>
+      </p:par>
+    </p:tnLst>
+  </p:timing>
 </p:sld>
 </file>
 
@@ -6076,11 +7557,7 @@
           <a:p>
             <a:r>
               <a:rPr lang="en-US" dirty="0" smtClean="0"/>
-              <a:t>XML </a:t>
-            </a:r>
-            <a:r>
-              <a:rPr lang="ru-RU" dirty="0" smtClean="0"/>
-              <a:t>комментарии</a:t>
+              <a:t>DOM &amp; SAX</a:t>
             </a:r>
             <a:endParaRPr lang="ru-RU" dirty="0"/>
           </a:p>
@@ -6098,81 +7575,162 @@
         </p:nvSpPr>
         <p:spPr/>
         <p:txBody>
-          <a:bodyPr/>
+          <a:bodyPr>
+            <a:normAutofit lnSpcReduction="10000"/>
+          </a:bodyPr>
           <a:lstStyle/>
           <a:p>
             <a:r>
+              <a:rPr lang="en-US" dirty="0" smtClean="0"/>
+              <a:t>DOM – </a:t>
+            </a:r>
+            <a:r>
+              <a:rPr lang="en-US" dirty="0" smtClean="0">
+                <a:solidFill>
+                  <a:srgbClr val="FF0000"/>
+                </a:solidFill>
+              </a:rPr>
+              <a:t>D</a:t>
+            </a:r>
+            <a:r>
+              <a:rPr lang="en-US" dirty="0" smtClean="0"/>
+              <a:t>ocument </a:t>
+            </a:r>
+            <a:r>
+              <a:rPr lang="en-US" dirty="0" smtClean="0">
+                <a:solidFill>
+                  <a:srgbClr val="FF0000"/>
+                </a:solidFill>
+              </a:rPr>
+              <a:t>O</a:t>
+            </a:r>
+            <a:r>
+              <a:rPr lang="en-US" dirty="0" smtClean="0"/>
+              <a:t>bject </a:t>
+            </a:r>
+            <a:r>
+              <a:rPr lang="en-US" dirty="0" smtClean="0">
+                <a:solidFill>
+                  <a:srgbClr val="FF0000"/>
+                </a:solidFill>
+              </a:rPr>
+              <a:t>M</a:t>
+            </a:r>
+            <a:r>
+              <a:rPr lang="en-US" dirty="0" smtClean="0"/>
+              <a:t>odel</a:t>
+            </a:r>
+          </a:p>
+          <a:p>
+            <a:pPr lvl="1"/>
+            <a:r>
               <a:rPr lang="ru-RU" dirty="0" smtClean="0"/>
-              <a:t>Начинаются с </a:t>
+              <a:t>Класс </a:t>
+            </a:r>
+            <a:r>
+              <a:rPr lang="en-US" dirty="0" err="1" smtClean="0"/>
+              <a:t>System.Xml.XmlDocument</a:t>
+            </a:r>
+            <a:endParaRPr lang="en-US" dirty="0" smtClean="0"/>
+          </a:p>
+          <a:p>
+            <a:pPr lvl="1"/>
+            <a:r>
+              <a:rPr lang="ru-RU" dirty="0" smtClean="0"/>
+              <a:t>Загружает </a:t>
             </a:r>
             <a:r>
               <a:rPr lang="en-US" dirty="0" smtClean="0"/>
-              <a:t>///</a:t>
-            </a:r>
-          </a:p>
-          <a:p>
+              <a:t>XML </a:t>
+            </a:r>
+            <a:r>
+              <a:rPr lang="ru-RU" dirty="0"/>
+              <a:t>документ </a:t>
+            </a:r>
             <a:r>
               <a:rPr lang="ru-RU" dirty="0" smtClean="0"/>
-              <a:t>Поддерживаемые элементы</a:t>
+              <a:t>целиком в память</a:t>
             </a:r>
           </a:p>
           <a:p>
             <a:pPr lvl="1"/>
             <a:r>
+              <a:rPr lang="ru-RU" dirty="0" smtClean="0"/>
+              <a:t>Позволяет одновременно читать и изменять </a:t>
+            </a:r>
+            <a:r>
+              <a:rPr lang="en-US" dirty="0" smtClean="0"/>
+              <a:t>XML</a:t>
+            </a:r>
+            <a:endParaRPr lang="en-US" dirty="0" smtClean="0"/>
+          </a:p>
+          <a:p>
+            <a:r>
+              <a:rPr lang="en-US" dirty="0" smtClean="0"/>
+              <a:t>SAX – </a:t>
+            </a:r>
+            <a:r>
+              <a:rPr lang="en-US" dirty="0" smtClean="0">
+                <a:solidFill>
+                  <a:srgbClr val="FF0000"/>
+                </a:solidFill>
+              </a:rPr>
+              <a:t>S</a:t>
+            </a:r>
+            <a:r>
+              <a:rPr lang="en-US" dirty="0" smtClean="0"/>
+              <a:t>imple </a:t>
+            </a:r>
+            <a:r>
+              <a:rPr lang="en-US" dirty="0" smtClean="0">
+                <a:solidFill>
+                  <a:srgbClr val="FF0000"/>
+                </a:solidFill>
+              </a:rPr>
+              <a:t>A</a:t>
+            </a:r>
+            <a:r>
+              <a:rPr lang="en-US" dirty="0" smtClean="0"/>
+              <a:t>PI for </a:t>
+            </a:r>
+            <a:r>
+              <a:rPr lang="en-US" dirty="0" smtClean="0">
+                <a:solidFill>
+                  <a:srgbClr val="FF0000"/>
+                </a:solidFill>
+              </a:rPr>
+              <a:t>X</a:t>
+            </a:r>
+            <a:r>
+              <a:rPr lang="en-US" dirty="0" smtClean="0"/>
+              <a:t>ML</a:t>
+            </a:r>
+          </a:p>
+          <a:p>
+            <a:pPr lvl="1"/>
+            <a:r>
+              <a:rPr lang="ru-RU" dirty="0" smtClean="0"/>
+              <a:t>Классы </a:t>
+            </a:r>
+            <a:r>
+              <a:rPr lang="en-US" dirty="0" err="1" smtClean="0"/>
+              <a:t>System.Xml.XmlReader</a:t>
+            </a:r>
+            <a:r>
               <a:rPr lang="en-US" dirty="0"/>
-              <a:t>&lt;summary</a:t>
-            </a:r>
-            <a:r>
-              <a:rPr lang="en-US" dirty="0" smtClean="0"/>
-              <a:t>&gt;</a:t>
+              <a:t>/ </a:t>
+            </a:r>
+            <a:r>
+              <a:rPr lang="en-US" dirty="0" err="1" smtClean="0"/>
+              <a:t>System.Xml.XmlWriter</a:t>
             </a:r>
             <a:endParaRPr lang="ru-RU" dirty="0" smtClean="0"/>
           </a:p>
           <a:p>
             <a:pPr lvl="1"/>
             <a:r>
-              <a:rPr lang="en-US" dirty="0"/>
-              <a:t>&lt;</a:t>
-            </a:r>
-            <a:r>
-              <a:rPr lang="en-US" dirty="0" err="1"/>
-              <a:t>param</a:t>
-            </a:r>
-            <a:r>
-              <a:rPr lang="en-US" dirty="0"/>
-              <a:t> name</a:t>
-            </a:r>
-            <a:r>
-              <a:rPr lang="en-US" dirty="0" smtClean="0"/>
-              <a:t>="</a:t>
-            </a:r>
-            <a:r>
               <a:rPr lang="ru-RU" dirty="0" smtClean="0"/>
-              <a:t>ИмяПараметра</a:t>
-            </a:r>
-            <a:r>
-              <a:rPr lang="en-US" dirty="0" smtClean="0"/>
-              <a:t>"&gt;</a:t>
-            </a:r>
-            <a:endParaRPr lang="ru-RU" dirty="0" smtClean="0"/>
-          </a:p>
-          <a:p>
-            <a:pPr lvl="1"/>
-            <a:r>
-              <a:rPr lang="en-US" dirty="0"/>
-              <a:t>&lt;returns</a:t>
-            </a:r>
-            <a:r>
-              <a:rPr lang="en-US" dirty="0" smtClean="0"/>
-              <a:t>&gt;</a:t>
-            </a:r>
-            <a:endParaRPr lang="ru-RU" dirty="0" smtClean="0"/>
-          </a:p>
-          <a:p>
-            <a:pPr lvl="1"/>
-            <a:r>
-              <a:rPr lang="en-US" dirty="0"/>
-              <a:t>&lt;remarks&gt;</a:t>
+              <a:t>Работа идет</a:t>
             </a:r>
             <a:endParaRPr lang="ru-RU" dirty="0"/>
           </a:p>
@@ -6181,13 +7739,20 @@
     </p:spTree>
     <p:extLst>
       <p:ext uri="{BB962C8B-B14F-4D97-AF65-F5344CB8AC3E}">
-        <p14:creationId xmlns:p14="http://schemas.microsoft.com/office/powerpoint/2010/main" val="2726345138"/>
+        <p14:creationId xmlns:p14="http://schemas.microsoft.com/office/powerpoint/2010/main" val="786506698"/>
       </p:ext>
     </p:extLst>
   </p:cSld>
   <p:clrMapOvr>
     <a:masterClrMapping/>
   </p:clrMapOvr>
+  <p:timing>
+    <p:tnLst>
+      <p:par>
+        <p:cTn id="1" dur="indefinite" restart="never" nodeType="tmRoot"/>
+      </p:par>
+    </p:tnLst>
+  </p:timing>
 </p:sld>
 </file>
 
@@ -6218,44 +7783,187 @@
             <p:ph type="title"/>
           </p:nvPr>
         </p:nvSpPr>
-        <p:spPr>
-          <a:xfrm>
-            <a:off x="457200" y="2857500"/>
-            <a:ext cx="8229600" cy="1143000"/>
-          </a:xfrm>
-        </p:spPr>
+        <p:spPr/>
+        <p:txBody>
+          <a:bodyPr/>
+          <a:lstStyle/>
+          <a:p>
+            <a:r>
+              <a:rPr lang="en-US" dirty="0" smtClean="0"/>
+              <a:t>XML </a:t>
+            </a:r>
+            <a:r>
+              <a:rPr lang="ru-RU" dirty="0" smtClean="0"/>
+              <a:t>комментарии</a:t>
+            </a:r>
+            <a:endParaRPr lang="ru-RU" dirty="0"/>
+          </a:p>
+        </p:txBody>
+      </p:sp>
+      <p:sp>
+        <p:nvSpPr>
+          <p:cNvPr id="3" name="Content Placeholder 2"/>
+          <p:cNvSpPr>
+            <a:spLocks noGrp="1"/>
+          </p:cNvSpPr>
+          <p:nvPr>
+            <p:ph idx="1"/>
+          </p:nvPr>
+        </p:nvSpPr>
+        <p:spPr/>
         <p:txBody>
           <a:bodyPr>
-            <a:normAutofit/>
+            <a:normAutofit fontScale="85000" lnSpcReduction="20000"/>
           </a:bodyPr>
           <a:lstStyle/>
           <a:p>
+            <a:pPr marL="0" indent="0">
+              <a:buNone/>
+            </a:pPr>
+            <a:r>
+              <a:rPr lang="en-US" dirty="0" smtClean="0"/>
+              <a:t>XML </a:t>
+            </a:r>
             <a:r>
               <a:rPr lang="ru-RU" dirty="0" smtClean="0"/>
-              <a:t>Чтение </a:t>
+              <a:t>комментарии предназначены для автоматизации документирования программы и для поддержки </a:t>
+            </a:r>
+            <a:r>
+              <a:rPr lang="en-US" dirty="0" err="1" smtClean="0"/>
+              <a:t>InteliiSense</a:t>
             </a:r>
             <a:r>
               <a:rPr lang="en-US" dirty="0" smtClean="0"/>
-              <a:t>XML. </a:t>
+              <a:t> </a:t>
             </a:r>
             <a:r>
               <a:rPr lang="ru-RU" dirty="0" smtClean="0"/>
-              <a:t>Демонстрация.</a:t>
-            </a:r>
-            <a:endParaRPr lang="ru-RU" dirty="0"/>
+              <a:t>для типов из внешних библиотек.</a:t>
+            </a:r>
+          </a:p>
+          <a:p>
+            <a:pPr marL="0" indent="0">
+              <a:buNone/>
+            </a:pPr>
+            <a:endParaRPr lang="en-US" dirty="0" smtClean="0"/>
+          </a:p>
+          <a:p>
+            <a:r>
+              <a:rPr lang="ru-RU" dirty="0" smtClean="0"/>
+              <a:t>Начинаются </a:t>
+            </a:r>
+            <a:r>
+              <a:rPr lang="ru-RU" dirty="0" smtClean="0"/>
+              <a:t>с </a:t>
+            </a:r>
+            <a:r>
+              <a:rPr lang="en-US" dirty="0" smtClean="0"/>
+              <a:t>///</a:t>
+            </a:r>
+          </a:p>
+          <a:p>
+            <a:r>
+              <a:rPr lang="ru-RU" dirty="0" smtClean="0"/>
+              <a:t>Поддерживаемые элементы</a:t>
+            </a:r>
+          </a:p>
+          <a:p>
+            <a:pPr lvl="1"/>
+            <a:r>
+              <a:rPr lang="en-US" dirty="0"/>
+              <a:t>&lt;summary</a:t>
+            </a:r>
+            <a:r>
+              <a:rPr lang="en-US" dirty="0" smtClean="0"/>
+              <a:t>&gt;</a:t>
+            </a:r>
+            <a:endParaRPr lang="ru-RU" dirty="0" smtClean="0"/>
+          </a:p>
+          <a:p>
+            <a:pPr lvl="1"/>
+            <a:r>
+              <a:rPr lang="en-US" dirty="0"/>
+              <a:t>&lt;</a:t>
+            </a:r>
+            <a:r>
+              <a:rPr lang="en-US" dirty="0" err="1"/>
+              <a:t>param</a:t>
+            </a:r>
+            <a:r>
+              <a:rPr lang="en-US" dirty="0"/>
+              <a:t> name</a:t>
+            </a:r>
+            <a:r>
+              <a:rPr lang="en-US" dirty="0" smtClean="0"/>
+              <a:t>="</a:t>
+            </a:r>
+            <a:r>
+              <a:rPr lang="ru-RU" dirty="0" smtClean="0"/>
+              <a:t>ИмяПараметра</a:t>
+            </a:r>
+            <a:r>
+              <a:rPr lang="en-US" dirty="0" smtClean="0"/>
+              <a:t>"&gt;</a:t>
+            </a:r>
+            <a:endParaRPr lang="ru-RU" dirty="0" smtClean="0"/>
+          </a:p>
+          <a:p>
+            <a:pPr lvl="1"/>
+            <a:r>
+              <a:rPr lang="en-US" dirty="0"/>
+              <a:t>&lt;returns</a:t>
+            </a:r>
+            <a:r>
+              <a:rPr lang="en-US" dirty="0" smtClean="0"/>
+              <a:t>&gt;</a:t>
+            </a:r>
+            <a:endParaRPr lang="ru-RU" dirty="0" smtClean="0"/>
+          </a:p>
+          <a:p>
+            <a:pPr lvl="1"/>
+            <a:r>
+              <a:rPr lang="en-US" dirty="0"/>
+              <a:t>&lt;remarks</a:t>
+            </a:r>
+            <a:r>
+              <a:rPr lang="en-US" dirty="0" smtClean="0"/>
+              <a:t>&gt;</a:t>
+            </a:r>
+            <a:endParaRPr lang="ru-RU" dirty="0" smtClean="0"/>
+          </a:p>
+          <a:p>
+            <a:pPr lvl="1"/>
+            <a:r>
+              <a:rPr lang="ru-RU" dirty="0" smtClean="0"/>
+              <a:t>и другие ...</a:t>
+            </a:r>
+            <a:endParaRPr lang="en-US" dirty="0" smtClean="0"/>
+          </a:p>
+          <a:p>
+            <a:pPr marL="0" indent="0">
+              <a:buNone/>
+            </a:pPr>
+            <a:endParaRPr lang="en-US" dirty="0" smtClean="0"/>
           </a:p>
         </p:txBody>
       </p:sp>
     </p:spTree>
     <p:extLst>
       <p:ext uri="{BB962C8B-B14F-4D97-AF65-F5344CB8AC3E}">
-        <p14:creationId xmlns:p14="http://schemas.microsoft.com/office/powerpoint/2010/main" val="607863742"/>
+        <p14:creationId xmlns:p14="http://schemas.microsoft.com/office/powerpoint/2010/main" val="2726345138"/>
       </p:ext>
     </p:extLst>
   </p:cSld>
   <p:clrMapOvr>
     <a:masterClrMapping/>
   </p:clrMapOvr>
+  <p:timing>
+    <p:tnLst>
+      <p:par>
+        <p:cTn id="1" dur="indefinite" restart="never" nodeType="tmRoot"/>
+      </p:par>
+    </p:tnLst>
+  </p:timing>
 </p:sld>
 </file>
 
@@ -6297,105 +8005,129 @@
             </a:r>
             <a:r>
               <a:rPr lang="ru-RU" dirty="0" smtClean="0"/>
-              <a:t>сериализация (</a:t>
-            </a:r>
-            <a:r>
-              <a:rPr lang="en-US" dirty="0" smtClean="0"/>
-              <a:t>serialization</a:t>
-            </a:r>
-            <a:r>
-              <a:rPr lang="ru-RU" dirty="0" smtClean="0"/>
-              <a:t>)</a:t>
+              <a:t>комментарии</a:t>
             </a:r>
             <a:endParaRPr lang="ru-RU" dirty="0"/>
           </a:p>
         </p:txBody>
       </p:sp>
+      <p:pic>
+        <p:nvPicPr>
+          <p:cNvPr id="1026" name="Picture 2"/>
+          <p:cNvPicPr>
+            <a:picLocks noChangeAspect="1" noChangeArrowheads="1"/>
+          </p:cNvPicPr>
+          <p:nvPr/>
+        </p:nvPicPr>
+        <p:blipFill>
+          <a:blip r:embed="rId2">
+            <a:extLst>
+              <a:ext uri="{28A0092B-C50C-407E-A947-70E740481C1C}">
+                <a14:useLocalDpi xmlns:a14="http://schemas.microsoft.com/office/drawing/2010/main" val="0"/>
+              </a:ext>
+            </a:extLst>
+          </a:blip>
+          <a:srcRect/>
+          <a:stretch>
+            <a:fillRect/>
+          </a:stretch>
+        </p:blipFill>
+        <p:spPr bwMode="auto">
+          <a:xfrm>
+            <a:off x="3275856" y="1328986"/>
+            <a:ext cx="5669280" cy="4610100"/>
+          </a:xfrm>
+          <a:prstGeom prst="rect">
+            <a:avLst/>
+          </a:prstGeom>
+          <a:noFill/>
+          <a:ln>
+            <a:noFill/>
+          </a:ln>
+          <a:extLst>
+            <a:ext uri="{909E8E84-426E-40DD-AFC4-6F175D3DCCD1}">
+              <a14:hiddenFill xmlns:a14="http://schemas.microsoft.com/office/drawing/2010/main">
+                <a:solidFill>
+                  <a:schemeClr val="accent1"/>
+                </a:solidFill>
+              </a14:hiddenFill>
+            </a:ext>
+            <a:ext uri="{91240B29-F687-4F45-9708-019B960494DF}">
+              <a14:hiddenLine xmlns:a14="http://schemas.microsoft.com/office/drawing/2010/main" w="9525">
+                <a:solidFill>
+                  <a:schemeClr val="tx1"/>
+                </a:solidFill>
+                <a:miter lim="800000"/>
+                <a:headEnd/>
+                <a:tailEnd/>
+              </a14:hiddenLine>
+            </a:ext>
+          </a:extLst>
+        </p:spPr>
+      </p:pic>
       <p:sp>
         <p:nvSpPr>
-          <p:cNvPr id="3" name="Content Placeholder 2"/>
-          <p:cNvSpPr>
-            <a:spLocks noGrp="1"/>
-          </p:cNvSpPr>
-          <p:nvPr>
-            <p:ph idx="1"/>
-          </p:nvPr>
+          <p:cNvPr id="4" name="TextBox 3"/>
+          <p:cNvSpPr txBox="1"/>
+          <p:nvPr/>
         </p:nvSpPr>
-        <p:spPr/>
+        <p:spPr>
+          <a:xfrm>
+            <a:off x="251520" y="1557367"/>
+            <a:ext cx="3024336" cy="4031873"/>
+          </a:xfrm>
+          <a:prstGeom prst="rect">
+            <a:avLst/>
+          </a:prstGeom>
+          <a:noFill/>
+        </p:spPr>
         <p:txBody>
-          <a:bodyPr>
-            <a:normAutofit lnSpcReduction="10000"/>
+          <a:bodyPr wrap="square" rtlCol="0">
+            <a:spAutoFit/>
           </a:bodyPr>
           <a:lstStyle/>
           <a:p>
             <a:r>
-              <a:rPr lang="ru-RU" dirty="0"/>
-              <a:t>Сериализация – сохранение данных об объекте </a:t>
-            </a:r>
-            <a:r>
-              <a:rPr lang="ru-RU" dirty="0" smtClean="0"/>
-              <a:t>в поток</a:t>
-            </a:r>
-            <a:endParaRPr lang="ru-RU" dirty="0"/>
-          </a:p>
-          <a:p>
-            <a:r>
-              <a:rPr lang="ru-RU" dirty="0" smtClean="0"/>
-              <a:t>Десериализация</a:t>
-            </a:r>
-            <a:r>
-              <a:rPr lang="en-US" dirty="0" smtClean="0"/>
-              <a:t> </a:t>
-            </a:r>
-            <a:r>
-              <a:rPr lang="ru-RU" dirty="0" smtClean="0"/>
-              <a:t>– </a:t>
-            </a:r>
-            <a:r>
-              <a:rPr lang="ru-RU" dirty="0"/>
-              <a:t>обратный процесс восстановления </a:t>
-            </a:r>
-            <a:r>
-              <a:rPr lang="ru-RU" dirty="0" smtClean="0"/>
-              <a:t>объекта</a:t>
-            </a:r>
-          </a:p>
-          <a:p>
-            <a:endParaRPr lang="en-US" dirty="0" smtClean="0"/>
-          </a:p>
-          <a:p>
-            <a:r>
-              <a:rPr lang="ru-RU" dirty="0" smtClean="0"/>
-              <a:t>Примеры использования:</a:t>
-            </a:r>
-          </a:p>
-          <a:p>
-            <a:pPr lvl="1"/>
-            <a:r>
-              <a:rPr lang="ru-RU" dirty="0" smtClean="0"/>
-              <a:t>Передача объекта между разными программи/машинами.</a:t>
-            </a:r>
-          </a:p>
-          <a:p>
-            <a:pPr lvl="1"/>
-            <a:r>
-              <a:rPr lang="ru-RU" dirty="0" smtClean="0"/>
-              <a:t>Файлы конфигурации</a:t>
-            </a:r>
-            <a:endParaRPr lang="ru-RU" dirty="0"/>
+              <a:rPr lang="ru-RU" sz="3200" dirty="0" smtClean="0"/>
+              <a:t>Установите опцию </a:t>
+            </a:r>
+            <a:r>
+              <a:rPr lang="en-US" sz="3200" dirty="0" smtClean="0"/>
+              <a:t>“XML documentation file” </a:t>
+            </a:r>
+            <a:r>
+              <a:rPr lang="ru-RU" sz="3200" dirty="0" smtClean="0"/>
+              <a:t>в свойствах проекта для генерации </a:t>
+            </a:r>
+            <a:r>
+              <a:rPr lang="en-US" sz="3200" dirty="0" smtClean="0"/>
+              <a:t>XML </a:t>
+            </a:r>
+            <a:r>
+              <a:rPr lang="ru-RU" sz="3200" dirty="0" smtClean="0"/>
+              <a:t>файла с комментариями</a:t>
+            </a:r>
+            <a:endParaRPr lang="en-US" sz="3200" dirty="0" smtClean="0"/>
           </a:p>
         </p:txBody>
       </p:sp>
     </p:spTree>
     <p:extLst>
       <p:ext uri="{BB962C8B-B14F-4D97-AF65-F5344CB8AC3E}">
-        <p14:creationId xmlns:p14="http://schemas.microsoft.com/office/powerpoint/2010/main" val="4243754449"/>
+        <p14:creationId xmlns:p14="http://schemas.microsoft.com/office/powerpoint/2010/main" val="238274862"/>
       </p:ext>
     </p:extLst>
   </p:cSld>
   <p:clrMapOvr>
     <a:masterClrMapping/>
   </p:clrMapOvr>
+  <p:timing>
+    <p:tnLst>
+      <p:par>
+        <p:cTn id="1" dur="indefinite" restart="never" nodeType="tmRoot"/>
+      </p:par>
+    </p:tnLst>
+  </p:timing>
 </p:sld>
 </file>
 
@@ -6434,21 +8166,17 @@
         </p:spPr>
         <p:txBody>
           <a:bodyPr>
-            <a:normAutofit fontScale="90000"/>
+            <a:normAutofit/>
           </a:bodyPr>
           <a:lstStyle/>
           <a:p>
             <a:r>
+              <a:rPr lang="ru-RU" dirty="0" smtClean="0"/>
+              <a:t>Чтение </a:t>
+            </a:r>
+            <a:r>
               <a:rPr lang="en-US" dirty="0" smtClean="0"/>
-              <a:t>XML</a:t>
-            </a:r>
-            <a:r>
-              <a:rPr lang="ru-RU" dirty="0" smtClean="0"/>
-              <a:t> Сериализация</a:t>
-            </a:r>
-            <a:r>
-              <a:rPr lang="en-US" dirty="0" smtClean="0"/>
-              <a:t>. </a:t>
+              <a:t>XML. </a:t>
             </a:r>
             <a:r>
               <a:rPr lang="ru-RU" dirty="0" smtClean="0"/>
@@ -6461,7 +8189,2596 @@
     </p:spTree>
     <p:extLst>
       <p:ext uri="{BB962C8B-B14F-4D97-AF65-F5344CB8AC3E}">
-        <p14:creationId xmlns:p14="http://schemas.microsoft.com/office/powerpoint/2010/main" val="195351073"/>
+        <p14:creationId xmlns:p14="http://schemas.microsoft.com/office/powerpoint/2010/main" val="607863742"/>
+      </p:ext>
+    </p:extLst>
+  </p:cSld>
+  <p:clrMapOvr>
+    <a:masterClrMapping/>
+  </p:clrMapOvr>
+</p:sld>
+</file>
+
+<file path=ppt/slides/slide24.xml><?xml version="1.0" encoding="utf-8"?>
+<p:sld xmlns:a="http://schemas.openxmlformats.org/drawingml/2006/main" xmlns:r="http://schemas.openxmlformats.org/officeDocument/2006/relationships" xmlns:p="http://schemas.openxmlformats.org/presentationml/2006/main">
+  <p:cSld>
+    <p:spTree>
+      <p:nvGrpSpPr>
+        <p:cNvPr id="1" name=""/>
+        <p:cNvGrpSpPr/>
+        <p:nvPr/>
+      </p:nvGrpSpPr>
+      <p:grpSpPr>
+        <a:xfrm>
+          <a:off x="0" y="0"/>
+          <a:ext cx="0" cy="0"/>
+          <a:chOff x="0" y="0"/>
+          <a:chExt cx="0" cy="0"/>
+        </a:xfrm>
+      </p:grpSpPr>
+      <p:sp>
+        <p:nvSpPr>
+          <p:cNvPr id="2" name="Title 1"/>
+          <p:cNvSpPr>
+            <a:spLocks noGrp="1"/>
+          </p:cNvSpPr>
+          <p:nvPr>
+            <p:ph type="title"/>
+          </p:nvPr>
+        </p:nvSpPr>
+        <p:spPr/>
+        <p:txBody>
+          <a:bodyPr/>
+          <a:lstStyle/>
+          <a:p>
+            <a:r>
+              <a:rPr lang="en-US" dirty="0" smtClean="0"/>
+              <a:t>XML </a:t>
+            </a:r>
+            <a:r>
+              <a:rPr lang="ru-RU" dirty="0" smtClean="0"/>
+              <a:t>сериализация (</a:t>
+            </a:r>
+            <a:r>
+              <a:rPr lang="en-US" dirty="0" smtClean="0"/>
+              <a:t>serialization</a:t>
+            </a:r>
+            <a:r>
+              <a:rPr lang="ru-RU" dirty="0" smtClean="0"/>
+              <a:t>)</a:t>
+            </a:r>
+            <a:endParaRPr lang="ru-RU" dirty="0"/>
+          </a:p>
+        </p:txBody>
+      </p:sp>
+      <p:sp>
+        <p:nvSpPr>
+          <p:cNvPr id="3" name="Content Placeholder 2"/>
+          <p:cNvSpPr>
+            <a:spLocks noGrp="1"/>
+          </p:cNvSpPr>
+          <p:nvPr>
+            <p:ph idx="1"/>
+          </p:nvPr>
+        </p:nvSpPr>
+        <p:spPr/>
+        <p:txBody>
+          <a:bodyPr>
+            <a:normAutofit lnSpcReduction="10000"/>
+          </a:bodyPr>
+          <a:lstStyle/>
+          <a:p>
+            <a:r>
+              <a:rPr lang="ru-RU" dirty="0"/>
+              <a:t>Сериализация – сохранение данных об объекте </a:t>
+            </a:r>
+            <a:r>
+              <a:rPr lang="ru-RU" dirty="0" smtClean="0"/>
+              <a:t>в поток</a:t>
+            </a:r>
+            <a:endParaRPr lang="ru-RU" dirty="0"/>
+          </a:p>
+          <a:p>
+            <a:r>
+              <a:rPr lang="ru-RU" dirty="0" smtClean="0"/>
+              <a:t>Десериализация</a:t>
+            </a:r>
+            <a:r>
+              <a:rPr lang="en-US" dirty="0" smtClean="0"/>
+              <a:t> </a:t>
+            </a:r>
+            <a:r>
+              <a:rPr lang="ru-RU" dirty="0" smtClean="0"/>
+              <a:t>– </a:t>
+            </a:r>
+            <a:r>
+              <a:rPr lang="ru-RU" dirty="0"/>
+              <a:t>обратный процесс восстановления </a:t>
+            </a:r>
+            <a:r>
+              <a:rPr lang="ru-RU" dirty="0" smtClean="0"/>
+              <a:t>объекта</a:t>
+            </a:r>
+          </a:p>
+          <a:p>
+            <a:endParaRPr lang="en-US" dirty="0" smtClean="0"/>
+          </a:p>
+          <a:p>
+            <a:r>
+              <a:rPr lang="ru-RU" dirty="0" smtClean="0"/>
+              <a:t>Примеры использования:</a:t>
+            </a:r>
+          </a:p>
+          <a:p>
+            <a:pPr lvl="1"/>
+            <a:r>
+              <a:rPr lang="ru-RU" dirty="0" smtClean="0"/>
+              <a:t>Передача объекта между разными программи/машинами.</a:t>
+            </a:r>
+          </a:p>
+          <a:p>
+            <a:pPr lvl="1"/>
+            <a:r>
+              <a:rPr lang="ru-RU" dirty="0" smtClean="0"/>
+              <a:t>Файлы конфигурации</a:t>
+            </a:r>
+            <a:endParaRPr lang="ru-RU" dirty="0"/>
+          </a:p>
+        </p:txBody>
+      </p:sp>
+    </p:spTree>
+    <p:extLst>
+      <p:ext uri="{BB962C8B-B14F-4D97-AF65-F5344CB8AC3E}">
+        <p14:creationId xmlns:p14="http://schemas.microsoft.com/office/powerpoint/2010/main" val="4243754449"/>
+      </p:ext>
+    </p:extLst>
+  </p:cSld>
+  <p:clrMapOvr>
+    <a:masterClrMapping/>
+  </p:clrMapOvr>
+</p:sld>
+</file>
+
+<file path=ppt/slides/slide25.xml><?xml version="1.0" encoding="utf-8"?>
+<p:sld xmlns:a="http://schemas.openxmlformats.org/drawingml/2006/main" xmlns:r="http://schemas.openxmlformats.org/officeDocument/2006/relationships" xmlns:p="http://schemas.openxmlformats.org/presentationml/2006/main">
+  <p:cSld>
+    <p:spTree>
+      <p:nvGrpSpPr>
+        <p:cNvPr id="1" name=""/>
+        <p:cNvGrpSpPr/>
+        <p:nvPr/>
+      </p:nvGrpSpPr>
+      <p:grpSpPr>
+        <a:xfrm>
+          <a:off x="0" y="0"/>
+          <a:ext cx="0" cy="0"/>
+          <a:chOff x="0" y="0"/>
+          <a:chExt cx="0" cy="0"/>
+        </a:xfrm>
+      </p:grpSpPr>
+      <p:sp>
+        <p:nvSpPr>
+          <p:cNvPr id="2" name="Title 1"/>
+          <p:cNvSpPr>
+            <a:spLocks noGrp="1"/>
+          </p:cNvSpPr>
+          <p:nvPr>
+            <p:ph type="title"/>
+          </p:nvPr>
+        </p:nvSpPr>
+        <p:spPr>
+          <a:xfrm>
+            <a:off x="457200" y="-234280"/>
+            <a:ext cx="8229600" cy="1143000"/>
+          </a:xfrm>
+        </p:spPr>
+        <p:txBody>
+          <a:bodyPr/>
+          <a:lstStyle/>
+          <a:p>
+            <a:r>
+              <a:rPr lang="en-US" dirty="0"/>
+              <a:t>XML</a:t>
+            </a:r>
+            <a:r>
+              <a:rPr lang="ru-RU" dirty="0"/>
+              <a:t> </a:t>
+            </a:r>
+            <a:r>
+              <a:rPr lang="ru-RU" dirty="0" smtClean="0"/>
+              <a:t>Сериализация</a:t>
+            </a:r>
+            <a:r>
+              <a:rPr lang="en-US" dirty="0" smtClean="0"/>
+              <a:t>. </a:t>
+            </a:r>
+            <a:r>
+              <a:rPr lang="ru-RU" dirty="0" smtClean="0"/>
+              <a:t>Пример.</a:t>
+            </a:r>
+            <a:endParaRPr lang="en-US" dirty="0"/>
+          </a:p>
+        </p:txBody>
+      </p:sp>
+      <p:sp>
+        <p:nvSpPr>
+          <p:cNvPr id="3" name="Content Placeholder 2"/>
+          <p:cNvSpPr>
+            <a:spLocks noGrp="1"/>
+          </p:cNvSpPr>
+          <p:nvPr>
+            <p:ph idx="1"/>
+          </p:nvPr>
+        </p:nvSpPr>
+        <p:spPr>
+          <a:xfrm>
+            <a:off x="446856" y="620688"/>
+            <a:ext cx="8229600" cy="6048672"/>
+          </a:xfrm>
+          <a:solidFill>
+            <a:schemeClr val="bg1"/>
+          </a:solidFill>
+        </p:spPr>
+        <p:txBody>
+          <a:bodyPr>
+            <a:normAutofit fontScale="25000" lnSpcReduction="20000"/>
+          </a:bodyPr>
+          <a:lstStyle/>
+          <a:p>
+            <a:pPr marL="0" indent="0">
+              <a:buNone/>
+            </a:pPr>
+            <a:r>
+              <a:rPr lang="en-US" dirty="0">
+                <a:solidFill>
+                  <a:srgbClr val="0000FF"/>
+                </a:solidFill>
+                <a:latin typeface="Consolas"/>
+              </a:rPr>
+              <a:t>using</a:t>
+            </a:r>
+            <a:r>
+              <a:rPr lang="en-US" dirty="0">
+                <a:solidFill>
+                  <a:srgbClr val="000000"/>
+                </a:solidFill>
+                <a:latin typeface="Consolas"/>
+              </a:rPr>
+              <a:t> System.IO;</a:t>
+            </a:r>
+          </a:p>
+          <a:p>
+            <a:pPr marL="0" indent="0">
+              <a:buNone/>
+            </a:pPr>
+            <a:r>
+              <a:rPr lang="en-US" dirty="0">
+                <a:solidFill>
+                  <a:srgbClr val="0000FF"/>
+                </a:solidFill>
+                <a:latin typeface="Consolas"/>
+              </a:rPr>
+              <a:t>using</a:t>
+            </a:r>
+            <a:r>
+              <a:rPr lang="en-US" dirty="0">
+                <a:solidFill>
+                  <a:srgbClr val="000000"/>
+                </a:solidFill>
+                <a:latin typeface="Consolas"/>
+              </a:rPr>
+              <a:t> </a:t>
+            </a:r>
+            <a:r>
+              <a:rPr lang="en-US" dirty="0" err="1">
+                <a:solidFill>
+                  <a:srgbClr val="000000"/>
+                </a:solidFill>
+                <a:latin typeface="Consolas"/>
+              </a:rPr>
+              <a:t>System.Xml.Serialization</a:t>
+            </a:r>
+            <a:r>
+              <a:rPr lang="en-US" dirty="0">
+                <a:solidFill>
+                  <a:srgbClr val="000000"/>
+                </a:solidFill>
+                <a:latin typeface="Consolas"/>
+              </a:rPr>
+              <a:t>;</a:t>
+            </a:r>
+            <a:endParaRPr lang="ru-RU" dirty="0">
+              <a:solidFill>
+                <a:srgbClr val="000000"/>
+              </a:solidFill>
+              <a:latin typeface="Consolas"/>
+            </a:endParaRPr>
+          </a:p>
+          <a:p>
+            <a:pPr marL="0" indent="0">
+              <a:buNone/>
+            </a:pPr>
+            <a:endParaRPr lang="ru-RU" dirty="0">
+              <a:solidFill>
+                <a:srgbClr val="000000"/>
+              </a:solidFill>
+              <a:latin typeface="Consolas"/>
+            </a:endParaRPr>
+          </a:p>
+          <a:p>
+            <a:pPr marL="0" indent="0">
+              <a:buNone/>
+            </a:pPr>
+            <a:r>
+              <a:rPr lang="en-US" dirty="0">
+                <a:solidFill>
+                  <a:srgbClr val="0000FF"/>
+                </a:solidFill>
+                <a:latin typeface="Consolas"/>
+              </a:rPr>
+              <a:t>public</a:t>
+            </a:r>
+            <a:r>
+              <a:rPr lang="en-US" dirty="0">
+                <a:solidFill>
+                  <a:srgbClr val="000000"/>
+                </a:solidFill>
+                <a:latin typeface="Consolas"/>
+              </a:rPr>
+              <a:t> </a:t>
+            </a:r>
+            <a:r>
+              <a:rPr lang="en-US" dirty="0">
+                <a:solidFill>
+                  <a:srgbClr val="0000FF"/>
+                </a:solidFill>
+                <a:latin typeface="Consolas"/>
+              </a:rPr>
+              <a:t>class</a:t>
+            </a:r>
+            <a:r>
+              <a:rPr lang="en-US" dirty="0">
+                <a:solidFill>
+                  <a:srgbClr val="000000"/>
+                </a:solidFill>
+                <a:latin typeface="Consolas"/>
+              </a:rPr>
+              <a:t> Train</a:t>
+            </a:r>
+          </a:p>
+          <a:p>
+            <a:pPr marL="0" indent="0">
+              <a:buNone/>
+            </a:pPr>
+            <a:r>
+              <a:rPr lang="en-US" dirty="0">
+                <a:solidFill>
+                  <a:srgbClr val="000000"/>
+                </a:solidFill>
+                <a:latin typeface="Consolas"/>
+              </a:rPr>
+              <a:t>{</a:t>
+            </a:r>
+          </a:p>
+          <a:p>
+            <a:pPr marL="0" indent="0">
+              <a:buNone/>
+            </a:pPr>
+            <a:r>
+              <a:rPr lang="en-US" dirty="0">
+                <a:solidFill>
+                  <a:srgbClr val="000000"/>
+                </a:solidFill>
+                <a:latin typeface="Consolas"/>
+              </a:rPr>
+              <a:t>  [</a:t>
+            </a:r>
+            <a:r>
+              <a:rPr lang="en-US" dirty="0" err="1">
+                <a:solidFill>
+                  <a:srgbClr val="000000"/>
+                </a:solidFill>
+                <a:latin typeface="Consolas"/>
+              </a:rPr>
+              <a:t>XmlIgnore</a:t>
+            </a:r>
+            <a:r>
+              <a:rPr lang="en-US" dirty="0">
+                <a:solidFill>
+                  <a:srgbClr val="000000"/>
+                </a:solidFill>
+                <a:latin typeface="Consolas"/>
+              </a:rPr>
+              <a:t>]</a:t>
+            </a:r>
+          </a:p>
+          <a:p>
+            <a:pPr marL="0" indent="0">
+              <a:buNone/>
+            </a:pPr>
+            <a:r>
+              <a:rPr lang="en-US" dirty="0">
+                <a:solidFill>
+                  <a:srgbClr val="000000"/>
+                </a:solidFill>
+                <a:latin typeface="Consolas"/>
+              </a:rPr>
+              <a:t>  </a:t>
+            </a:r>
+            <a:r>
+              <a:rPr lang="en-US" dirty="0">
+                <a:solidFill>
+                  <a:srgbClr val="0000FF"/>
+                </a:solidFill>
+                <a:latin typeface="Consolas"/>
+              </a:rPr>
+              <a:t>public</a:t>
+            </a:r>
+            <a:r>
+              <a:rPr lang="en-US" dirty="0">
+                <a:solidFill>
+                  <a:srgbClr val="000000"/>
+                </a:solidFill>
+                <a:latin typeface="Consolas"/>
+              </a:rPr>
+              <a:t> </a:t>
+            </a:r>
+            <a:r>
+              <a:rPr lang="en-US" dirty="0">
+                <a:solidFill>
+                  <a:srgbClr val="0000FF"/>
+                </a:solidFill>
+                <a:latin typeface="Consolas"/>
+              </a:rPr>
+              <a:t>double</a:t>
+            </a:r>
+            <a:r>
+              <a:rPr lang="en-US" dirty="0">
+                <a:solidFill>
+                  <a:srgbClr val="000000"/>
+                </a:solidFill>
+                <a:latin typeface="Consolas"/>
+              </a:rPr>
+              <a:t> Speed { </a:t>
+            </a:r>
+            <a:r>
+              <a:rPr lang="en-US" dirty="0">
+                <a:solidFill>
+                  <a:srgbClr val="0000FF"/>
+                </a:solidFill>
+                <a:latin typeface="Consolas"/>
+              </a:rPr>
+              <a:t>get</a:t>
+            </a:r>
+            <a:r>
+              <a:rPr lang="en-US" dirty="0">
+                <a:solidFill>
+                  <a:srgbClr val="000000"/>
+                </a:solidFill>
+                <a:latin typeface="Consolas"/>
+              </a:rPr>
+              <a:t>; </a:t>
+            </a:r>
+            <a:r>
+              <a:rPr lang="en-US" dirty="0">
+                <a:solidFill>
+                  <a:srgbClr val="0000FF"/>
+                </a:solidFill>
+                <a:latin typeface="Consolas"/>
+              </a:rPr>
+              <a:t>set</a:t>
+            </a:r>
+            <a:r>
+              <a:rPr lang="en-US" dirty="0">
+                <a:solidFill>
+                  <a:srgbClr val="000000"/>
+                </a:solidFill>
+                <a:latin typeface="Consolas"/>
+              </a:rPr>
+              <a:t>; }</a:t>
+            </a:r>
+          </a:p>
+          <a:p>
+            <a:pPr marL="0" indent="0">
+              <a:buNone/>
+            </a:pPr>
+            <a:r>
+              <a:rPr lang="en-US" dirty="0">
+                <a:solidFill>
+                  <a:srgbClr val="000000"/>
+                </a:solidFill>
+                <a:latin typeface="Consolas"/>
+              </a:rPr>
+              <a:t>  </a:t>
+            </a:r>
+            <a:r>
+              <a:rPr lang="en-US" dirty="0">
+                <a:solidFill>
+                  <a:srgbClr val="0000FF"/>
+                </a:solidFill>
+                <a:latin typeface="Consolas"/>
+              </a:rPr>
+              <a:t>public</a:t>
+            </a:r>
+            <a:r>
+              <a:rPr lang="en-US" dirty="0">
+                <a:solidFill>
+                  <a:srgbClr val="000000"/>
+                </a:solidFill>
+                <a:latin typeface="Consolas"/>
+              </a:rPr>
+              <a:t> </a:t>
+            </a:r>
+            <a:r>
+              <a:rPr lang="en-US" dirty="0" err="1">
+                <a:solidFill>
+                  <a:srgbClr val="0000FF"/>
+                </a:solidFill>
+                <a:latin typeface="Consolas"/>
+              </a:rPr>
+              <a:t>int</a:t>
+            </a:r>
+            <a:r>
+              <a:rPr lang="en-US" dirty="0">
+                <a:solidFill>
+                  <a:srgbClr val="000000"/>
+                </a:solidFill>
+                <a:latin typeface="Consolas"/>
+              </a:rPr>
+              <a:t> Length { </a:t>
+            </a:r>
+            <a:r>
+              <a:rPr lang="en-US" dirty="0">
+                <a:solidFill>
+                  <a:srgbClr val="0000FF"/>
+                </a:solidFill>
+                <a:latin typeface="Consolas"/>
+              </a:rPr>
+              <a:t>get</a:t>
+            </a:r>
+            <a:r>
+              <a:rPr lang="en-US" dirty="0">
+                <a:solidFill>
+                  <a:srgbClr val="000000"/>
+                </a:solidFill>
+                <a:latin typeface="Consolas"/>
+              </a:rPr>
+              <a:t>; </a:t>
+            </a:r>
+            <a:r>
+              <a:rPr lang="en-US" dirty="0">
+                <a:solidFill>
+                  <a:srgbClr val="0000FF"/>
+                </a:solidFill>
+                <a:latin typeface="Consolas"/>
+              </a:rPr>
+              <a:t>set</a:t>
+            </a:r>
+            <a:r>
+              <a:rPr lang="en-US" dirty="0">
+                <a:solidFill>
+                  <a:srgbClr val="000000"/>
+                </a:solidFill>
+                <a:latin typeface="Consolas"/>
+              </a:rPr>
+              <a:t>; }</a:t>
+            </a:r>
+          </a:p>
+          <a:p>
+            <a:pPr marL="0" indent="0">
+              <a:buNone/>
+            </a:pPr>
+            <a:r>
+              <a:rPr lang="en-US" dirty="0">
+                <a:solidFill>
+                  <a:srgbClr val="000000"/>
+                </a:solidFill>
+                <a:latin typeface="Consolas"/>
+              </a:rPr>
+              <a:t>  </a:t>
+            </a:r>
+            <a:r>
+              <a:rPr lang="en-US" dirty="0">
+                <a:solidFill>
+                  <a:srgbClr val="0000FF"/>
+                </a:solidFill>
+                <a:latin typeface="Consolas"/>
+              </a:rPr>
+              <a:t>public</a:t>
+            </a:r>
+            <a:r>
+              <a:rPr lang="en-US" dirty="0">
+                <a:solidFill>
+                  <a:srgbClr val="000000"/>
+                </a:solidFill>
+                <a:latin typeface="Consolas"/>
+              </a:rPr>
+              <a:t> </a:t>
+            </a:r>
+            <a:r>
+              <a:rPr lang="en-US" dirty="0">
+                <a:solidFill>
+                  <a:srgbClr val="0000FF"/>
+                </a:solidFill>
+                <a:latin typeface="Consolas"/>
+              </a:rPr>
+              <a:t>string</a:t>
+            </a:r>
+            <a:r>
+              <a:rPr lang="en-US" dirty="0">
+                <a:solidFill>
+                  <a:srgbClr val="000000"/>
+                </a:solidFill>
+                <a:latin typeface="Consolas"/>
+              </a:rPr>
+              <a:t>[] </a:t>
+            </a:r>
+            <a:r>
+              <a:rPr lang="en-US" dirty="0" err="1">
+                <a:solidFill>
+                  <a:srgbClr val="000000"/>
+                </a:solidFill>
+                <a:latin typeface="Consolas"/>
+              </a:rPr>
+              <a:t>Travellers</a:t>
+            </a:r>
+            <a:r>
+              <a:rPr lang="en-US" dirty="0">
+                <a:solidFill>
+                  <a:srgbClr val="000000"/>
+                </a:solidFill>
+                <a:latin typeface="Consolas"/>
+              </a:rPr>
+              <a:t> { </a:t>
+            </a:r>
+            <a:r>
+              <a:rPr lang="en-US" dirty="0">
+                <a:solidFill>
+                  <a:srgbClr val="0000FF"/>
+                </a:solidFill>
+                <a:latin typeface="Consolas"/>
+              </a:rPr>
+              <a:t>get</a:t>
+            </a:r>
+            <a:r>
+              <a:rPr lang="en-US" dirty="0">
+                <a:solidFill>
+                  <a:srgbClr val="000000"/>
+                </a:solidFill>
+                <a:latin typeface="Consolas"/>
+              </a:rPr>
+              <a:t>; </a:t>
+            </a:r>
+            <a:r>
+              <a:rPr lang="en-US" dirty="0">
+                <a:solidFill>
+                  <a:srgbClr val="0000FF"/>
+                </a:solidFill>
+                <a:latin typeface="Consolas"/>
+              </a:rPr>
+              <a:t>set</a:t>
+            </a:r>
+            <a:r>
+              <a:rPr lang="en-US" dirty="0">
+                <a:solidFill>
+                  <a:srgbClr val="000000"/>
+                </a:solidFill>
+                <a:latin typeface="Consolas"/>
+              </a:rPr>
+              <a:t>; }</a:t>
+            </a:r>
+          </a:p>
+          <a:p>
+            <a:pPr marL="0" indent="0">
+              <a:buNone/>
+            </a:pPr>
+            <a:r>
+              <a:rPr lang="en-US" dirty="0">
+                <a:solidFill>
+                  <a:srgbClr val="000000"/>
+                </a:solidFill>
+                <a:latin typeface="Consolas"/>
+              </a:rPr>
+              <a:t>  </a:t>
+            </a:r>
+          </a:p>
+          <a:p>
+            <a:pPr marL="0" indent="0">
+              <a:buNone/>
+            </a:pPr>
+            <a:r>
+              <a:rPr lang="en-US" dirty="0">
+                <a:solidFill>
+                  <a:srgbClr val="000000"/>
+                </a:solidFill>
+                <a:latin typeface="Consolas"/>
+              </a:rPr>
+              <a:t>  </a:t>
+            </a:r>
+            <a:r>
+              <a:rPr lang="en-US" dirty="0">
+                <a:solidFill>
+                  <a:srgbClr val="0000FF"/>
+                </a:solidFill>
+                <a:latin typeface="Consolas"/>
+              </a:rPr>
+              <a:t>public</a:t>
+            </a:r>
+            <a:r>
+              <a:rPr lang="en-US" dirty="0">
+                <a:solidFill>
+                  <a:srgbClr val="000000"/>
+                </a:solidFill>
+                <a:latin typeface="Consolas"/>
+              </a:rPr>
+              <a:t> Train() {} </a:t>
+            </a:r>
+            <a:r>
+              <a:rPr lang="en-US" dirty="0">
+                <a:solidFill>
+                  <a:srgbClr val="008000"/>
+                </a:solidFill>
+                <a:latin typeface="Consolas"/>
+              </a:rPr>
+              <a:t>//</a:t>
+            </a:r>
+            <a:r>
+              <a:rPr lang="ru-RU" dirty="0">
+                <a:solidFill>
+                  <a:srgbClr val="008000"/>
+                </a:solidFill>
+                <a:latin typeface="Consolas"/>
+              </a:rPr>
+              <a:t> Для XML сериализации требуется наличие конструктора без аргументов</a:t>
+            </a:r>
+            <a:endParaRPr lang="en-US" dirty="0">
+              <a:solidFill>
+                <a:srgbClr val="000000"/>
+              </a:solidFill>
+              <a:latin typeface="Consolas"/>
+            </a:endParaRPr>
+          </a:p>
+          <a:p>
+            <a:pPr marL="0" indent="0">
+              <a:buNone/>
+            </a:pPr>
+            <a:r>
+              <a:rPr lang="en-US" dirty="0">
+                <a:solidFill>
+                  <a:srgbClr val="000000"/>
+                </a:solidFill>
+                <a:latin typeface="Consolas"/>
+              </a:rPr>
+              <a:t>  </a:t>
+            </a:r>
+            <a:r>
+              <a:rPr lang="en-US" dirty="0">
+                <a:solidFill>
+                  <a:srgbClr val="0000FF"/>
+                </a:solidFill>
+                <a:latin typeface="Consolas"/>
+              </a:rPr>
+              <a:t>public</a:t>
+            </a:r>
+            <a:r>
+              <a:rPr lang="en-US" dirty="0">
+                <a:solidFill>
+                  <a:srgbClr val="000000"/>
+                </a:solidFill>
+                <a:latin typeface="Consolas"/>
+              </a:rPr>
+              <a:t> Train(</a:t>
+            </a:r>
+            <a:r>
+              <a:rPr lang="en-US" dirty="0">
+                <a:solidFill>
+                  <a:srgbClr val="0000FF"/>
+                </a:solidFill>
+                <a:latin typeface="Consolas"/>
+              </a:rPr>
+              <a:t>double</a:t>
+            </a:r>
+            <a:r>
+              <a:rPr lang="en-US" dirty="0">
+                <a:solidFill>
+                  <a:srgbClr val="000000"/>
+                </a:solidFill>
+                <a:latin typeface="Consolas"/>
+              </a:rPr>
+              <a:t> speed, </a:t>
+            </a:r>
+            <a:r>
+              <a:rPr lang="en-US" dirty="0" err="1">
+                <a:solidFill>
+                  <a:srgbClr val="0000FF"/>
+                </a:solidFill>
+                <a:latin typeface="Consolas"/>
+              </a:rPr>
+              <a:t>int</a:t>
+            </a:r>
+            <a:r>
+              <a:rPr lang="en-US" dirty="0">
+                <a:solidFill>
+                  <a:srgbClr val="000000"/>
+                </a:solidFill>
+                <a:latin typeface="Consolas"/>
+              </a:rPr>
+              <a:t> length, </a:t>
+            </a:r>
+            <a:r>
+              <a:rPr lang="en-US" dirty="0" err="1">
+                <a:solidFill>
+                  <a:srgbClr val="0000FF"/>
+                </a:solidFill>
+                <a:latin typeface="Consolas"/>
+              </a:rPr>
+              <a:t>params</a:t>
+            </a:r>
+            <a:r>
+              <a:rPr lang="en-US" dirty="0">
+                <a:solidFill>
+                  <a:srgbClr val="000000"/>
+                </a:solidFill>
+                <a:latin typeface="Consolas"/>
+              </a:rPr>
+              <a:t> </a:t>
+            </a:r>
+            <a:r>
+              <a:rPr lang="en-US" dirty="0">
+                <a:solidFill>
+                  <a:srgbClr val="0000FF"/>
+                </a:solidFill>
+                <a:latin typeface="Consolas"/>
+              </a:rPr>
+              <a:t>string</a:t>
+            </a:r>
+            <a:r>
+              <a:rPr lang="en-US" dirty="0">
+                <a:solidFill>
+                  <a:srgbClr val="000000"/>
+                </a:solidFill>
+                <a:latin typeface="Consolas"/>
+              </a:rPr>
+              <a:t>[] </a:t>
+            </a:r>
+            <a:r>
+              <a:rPr lang="en-US" dirty="0" err="1">
+                <a:solidFill>
+                  <a:srgbClr val="000000"/>
+                </a:solidFill>
+                <a:latin typeface="Consolas"/>
+              </a:rPr>
+              <a:t>travellers</a:t>
+            </a:r>
+            <a:r>
+              <a:rPr lang="en-US" dirty="0">
+                <a:solidFill>
+                  <a:srgbClr val="000000"/>
+                </a:solidFill>
+                <a:latin typeface="Consolas"/>
+              </a:rPr>
+              <a:t>)</a:t>
+            </a:r>
+          </a:p>
+          <a:p>
+            <a:pPr marL="0" indent="0">
+              <a:buNone/>
+            </a:pPr>
+            <a:r>
+              <a:rPr lang="en-US" dirty="0">
+                <a:solidFill>
+                  <a:srgbClr val="000000"/>
+                </a:solidFill>
+                <a:latin typeface="Consolas"/>
+              </a:rPr>
+              <a:t>  {</a:t>
+            </a:r>
+          </a:p>
+          <a:p>
+            <a:pPr marL="0" indent="0">
+              <a:buNone/>
+            </a:pPr>
+            <a:r>
+              <a:rPr lang="en-US" dirty="0">
+                <a:solidFill>
+                  <a:srgbClr val="000000"/>
+                </a:solidFill>
+                <a:latin typeface="Consolas"/>
+              </a:rPr>
+              <a:t>      Speed = speed;</a:t>
+            </a:r>
+          </a:p>
+          <a:p>
+            <a:pPr marL="0" indent="0">
+              <a:buNone/>
+            </a:pPr>
+            <a:r>
+              <a:rPr lang="en-US" dirty="0">
+                <a:solidFill>
+                  <a:srgbClr val="000000"/>
+                </a:solidFill>
+                <a:latin typeface="Consolas"/>
+              </a:rPr>
+              <a:t>      Length = length;</a:t>
+            </a:r>
+          </a:p>
+          <a:p>
+            <a:pPr marL="0" indent="0">
+              <a:buNone/>
+            </a:pPr>
+            <a:r>
+              <a:rPr lang="en-US" dirty="0">
+                <a:solidFill>
+                  <a:srgbClr val="000000"/>
+                </a:solidFill>
+                <a:latin typeface="Consolas"/>
+              </a:rPr>
+              <a:t>      </a:t>
+            </a:r>
+            <a:r>
+              <a:rPr lang="en-US" dirty="0" err="1">
+                <a:solidFill>
+                  <a:srgbClr val="000000"/>
+                </a:solidFill>
+                <a:latin typeface="Consolas"/>
+              </a:rPr>
+              <a:t>Travellers</a:t>
+            </a:r>
+            <a:r>
+              <a:rPr lang="en-US" dirty="0">
+                <a:solidFill>
+                  <a:srgbClr val="000000"/>
+                </a:solidFill>
+                <a:latin typeface="Consolas"/>
+              </a:rPr>
+              <a:t> = </a:t>
+            </a:r>
+            <a:r>
+              <a:rPr lang="en-US" dirty="0" err="1">
+                <a:solidFill>
+                  <a:srgbClr val="000000"/>
+                </a:solidFill>
+                <a:latin typeface="Consolas"/>
+              </a:rPr>
+              <a:t>travellers</a:t>
+            </a:r>
+            <a:r>
+              <a:rPr lang="en-US" dirty="0">
+                <a:solidFill>
+                  <a:srgbClr val="000000"/>
+                </a:solidFill>
+                <a:latin typeface="Consolas"/>
+              </a:rPr>
+              <a:t>;</a:t>
+            </a:r>
+          </a:p>
+          <a:p>
+            <a:pPr marL="0" indent="0">
+              <a:buNone/>
+            </a:pPr>
+            <a:r>
+              <a:rPr lang="en-US" dirty="0">
+                <a:solidFill>
+                  <a:srgbClr val="000000"/>
+                </a:solidFill>
+                <a:latin typeface="Consolas"/>
+              </a:rPr>
+              <a:t>  }</a:t>
+            </a:r>
+          </a:p>
+          <a:p>
+            <a:pPr marL="0" indent="0">
+              <a:buNone/>
+            </a:pPr>
+            <a:r>
+              <a:rPr lang="en-US" dirty="0">
+                <a:solidFill>
+                  <a:srgbClr val="000000"/>
+                </a:solidFill>
+                <a:latin typeface="Consolas"/>
+              </a:rPr>
+              <a:t>  </a:t>
+            </a:r>
+          </a:p>
+          <a:p>
+            <a:pPr marL="0" indent="0">
+              <a:buNone/>
+            </a:pPr>
+            <a:r>
+              <a:rPr lang="en-US" dirty="0">
+                <a:solidFill>
+                  <a:srgbClr val="000000"/>
+                </a:solidFill>
+                <a:latin typeface="Consolas"/>
+              </a:rPr>
+              <a:t>  </a:t>
+            </a:r>
+            <a:r>
+              <a:rPr lang="en-US" dirty="0">
+                <a:solidFill>
+                  <a:srgbClr val="0000FF"/>
+                </a:solidFill>
+                <a:latin typeface="Consolas"/>
+              </a:rPr>
+              <a:t>public</a:t>
+            </a:r>
+            <a:r>
+              <a:rPr lang="en-US" dirty="0">
+                <a:solidFill>
+                  <a:srgbClr val="000000"/>
+                </a:solidFill>
+                <a:latin typeface="Consolas"/>
+              </a:rPr>
+              <a:t> </a:t>
+            </a:r>
+            <a:r>
+              <a:rPr lang="en-US" dirty="0">
+                <a:solidFill>
+                  <a:srgbClr val="0000FF"/>
+                </a:solidFill>
+                <a:latin typeface="Consolas"/>
+              </a:rPr>
+              <a:t>void</a:t>
+            </a:r>
+            <a:r>
+              <a:rPr lang="en-US" dirty="0">
+                <a:solidFill>
+                  <a:srgbClr val="000000"/>
+                </a:solidFill>
+                <a:latin typeface="Consolas"/>
+              </a:rPr>
+              <a:t> Print()</a:t>
+            </a:r>
+          </a:p>
+          <a:p>
+            <a:pPr marL="0" indent="0">
+              <a:buNone/>
+            </a:pPr>
+            <a:r>
+              <a:rPr lang="en-US" dirty="0">
+                <a:solidFill>
+                  <a:srgbClr val="000000"/>
+                </a:solidFill>
+                <a:latin typeface="Consolas"/>
+              </a:rPr>
+              <a:t>  {</a:t>
+            </a:r>
+          </a:p>
+          <a:p>
+            <a:pPr marL="0" indent="0">
+              <a:buNone/>
+            </a:pPr>
+            <a:r>
+              <a:rPr lang="en-US" dirty="0">
+                <a:solidFill>
+                  <a:srgbClr val="000000"/>
+                </a:solidFill>
+                <a:latin typeface="Consolas"/>
+              </a:rPr>
+              <a:t>      </a:t>
+            </a:r>
+            <a:r>
+              <a:rPr lang="en-US" dirty="0" err="1">
+                <a:solidFill>
+                  <a:srgbClr val="000000"/>
+                </a:solidFill>
+                <a:latin typeface="Consolas"/>
+              </a:rPr>
+              <a:t>Console.WriteLine</a:t>
+            </a:r>
+            <a:r>
+              <a:rPr lang="en-US" dirty="0">
+                <a:solidFill>
+                  <a:srgbClr val="000000"/>
+                </a:solidFill>
+                <a:latin typeface="Consolas"/>
+              </a:rPr>
+              <a:t>(</a:t>
+            </a:r>
+            <a:r>
+              <a:rPr lang="en-US" dirty="0">
+                <a:solidFill>
+                  <a:srgbClr val="DC1414"/>
+                </a:solidFill>
+                <a:latin typeface="Consolas"/>
+              </a:rPr>
+              <a:t>"Speed: {0}"</a:t>
+            </a:r>
+            <a:r>
+              <a:rPr lang="en-US" dirty="0">
+                <a:solidFill>
+                  <a:srgbClr val="000000"/>
+                </a:solidFill>
+                <a:latin typeface="Consolas"/>
+              </a:rPr>
+              <a:t>, Speed);</a:t>
+            </a:r>
+          </a:p>
+          <a:p>
+            <a:pPr marL="0" indent="0">
+              <a:buNone/>
+            </a:pPr>
+            <a:r>
+              <a:rPr lang="en-US" dirty="0">
+                <a:solidFill>
+                  <a:srgbClr val="000000"/>
+                </a:solidFill>
+                <a:latin typeface="Consolas"/>
+              </a:rPr>
+              <a:t>      </a:t>
+            </a:r>
+            <a:r>
+              <a:rPr lang="en-US" dirty="0" err="1">
+                <a:solidFill>
+                  <a:srgbClr val="000000"/>
+                </a:solidFill>
+                <a:latin typeface="Consolas"/>
+              </a:rPr>
+              <a:t>Console.WriteLine</a:t>
+            </a:r>
+            <a:r>
+              <a:rPr lang="en-US" dirty="0">
+                <a:solidFill>
+                  <a:srgbClr val="000000"/>
+                </a:solidFill>
+                <a:latin typeface="Consolas"/>
+              </a:rPr>
+              <a:t>(</a:t>
+            </a:r>
+            <a:r>
+              <a:rPr lang="en-US" dirty="0">
+                <a:solidFill>
+                  <a:srgbClr val="DC1414"/>
+                </a:solidFill>
+                <a:latin typeface="Consolas"/>
+              </a:rPr>
+              <a:t>"Length : {0}"</a:t>
+            </a:r>
+            <a:r>
+              <a:rPr lang="en-US" dirty="0">
+                <a:solidFill>
+                  <a:srgbClr val="000000"/>
+                </a:solidFill>
+                <a:latin typeface="Consolas"/>
+              </a:rPr>
+              <a:t>, Length);</a:t>
+            </a:r>
+          </a:p>
+          <a:p>
+            <a:pPr marL="0" indent="0">
+              <a:buNone/>
+            </a:pPr>
+            <a:r>
+              <a:rPr lang="fr-FR" dirty="0">
+                <a:solidFill>
+                  <a:srgbClr val="000000"/>
+                </a:solidFill>
+                <a:latin typeface="Consolas"/>
+              </a:rPr>
+              <a:t>      </a:t>
+            </a:r>
+            <a:r>
+              <a:rPr lang="fr-FR" dirty="0" err="1">
+                <a:solidFill>
+                  <a:srgbClr val="000000"/>
+                </a:solidFill>
+                <a:latin typeface="Consolas"/>
+              </a:rPr>
+              <a:t>Console.WriteLine</a:t>
+            </a:r>
+            <a:r>
+              <a:rPr lang="fr-FR" dirty="0">
+                <a:solidFill>
+                  <a:srgbClr val="000000"/>
+                </a:solidFill>
+                <a:latin typeface="Consolas"/>
+              </a:rPr>
+              <a:t>(</a:t>
+            </a:r>
+            <a:r>
+              <a:rPr lang="fr-FR" dirty="0">
+                <a:solidFill>
+                  <a:srgbClr val="DC1414"/>
+                </a:solidFill>
+                <a:latin typeface="Consolas"/>
+              </a:rPr>
+              <a:t>"</a:t>
+            </a:r>
+            <a:r>
+              <a:rPr lang="fr-FR" dirty="0" err="1">
+                <a:solidFill>
+                  <a:srgbClr val="DC1414"/>
+                </a:solidFill>
+                <a:latin typeface="Consolas"/>
+              </a:rPr>
+              <a:t>Travellers</a:t>
+            </a:r>
+            <a:r>
+              <a:rPr lang="fr-FR" dirty="0">
+                <a:solidFill>
+                  <a:srgbClr val="DC1414"/>
+                </a:solidFill>
+                <a:latin typeface="Consolas"/>
+              </a:rPr>
+              <a:t>: {0}"</a:t>
+            </a:r>
+            <a:r>
+              <a:rPr lang="fr-FR" dirty="0">
+                <a:solidFill>
+                  <a:srgbClr val="000000"/>
+                </a:solidFill>
+                <a:latin typeface="Consolas"/>
+              </a:rPr>
+              <a:t>, </a:t>
+            </a:r>
+            <a:r>
+              <a:rPr lang="fr-FR" dirty="0" err="1">
+                <a:solidFill>
+                  <a:srgbClr val="000000"/>
+                </a:solidFill>
+                <a:latin typeface="Consolas"/>
+              </a:rPr>
+              <a:t>String.Join</a:t>
+            </a:r>
+            <a:r>
+              <a:rPr lang="fr-FR" dirty="0">
+                <a:solidFill>
+                  <a:srgbClr val="000000"/>
+                </a:solidFill>
+                <a:latin typeface="Consolas"/>
+              </a:rPr>
+              <a:t>(</a:t>
+            </a:r>
+            <a:r>
+              <a:rPr lang="fr-FR" dirty="0">
+                <a:solidFill>
+                  <a:srgbClr val="DC1414"/>
+                </a:solidFill>
+                <a:latin typeface="Consolas"/>
+              </a:rPr>
+              <a:t>"; "</a:t>
+            </a:r>
+            <a:r>
+              <a:rPr lang="fr-FR" dirty="0">
+                <a:solidFill>
+                  <a:srgbClr val="000000"/>
+                </a:solidFill>
+                <a:latin typeface="Consolas"/>
+              </a:rPr>
+              <a:t>, </a:t>
+            </a:r>
+            <a:r>
+              <a:rPr lang="fr-FR" dirty="0" err="1">
+                <a:solidFill>
+                  <a:srgbClr val="000000"/>
+                </a:solidFill>
+                <a:latin typeface="Consolas"/>
+              </a:rPr>
+              <a:t>Travellers</a:t>
+            </a:r>
+            <a:r>
+              <a:rPr lang="fr-FR" dirty="0">
+                <a:solidFill>
+                  <a:srgbClr val="000000"/>
+                </a:solidFill>
+                <a:latin typeface="Consolas"/>
+              </a:rPr>
+              <a:t>));</a:t>
+            </a:r>
+          </a:p>
+          <a:p>
+            <a:pPr marL="0" indent="0">
+              <a:buNone/>
+            </a:pPr>
+            <a:r>
+              <a:rPr lang="en-US" dirty="0">
+                <a:solidFill>
+                  <a:srgbClr val="000000"/>
+                </a:solidFill>
+                <a:latin typeface="Consolas"/>
+              </a:rPr>
+              <a:t>  }</a:t>
+            </a:r>
+          </a:p>
+          <a:p>
+            <a:pPr marL="0" indent="0">
+              <a:buNone/>
+            </a:pPr>
+            <a:r>
+              <a:rPr lang="en-US" dirty="0">
+                <a:solidFill>
+                  <a:srgbClr val="000000"/>
+                </a:solidFill>
+                <a:latin typeface="Consolas"/>
+              </a:rPr>
+              <a:t>}</a:t>
+            </a:r>
+          </a:p>
+          <a:p>
+            <a:pPr marL="0" indent="0">
+              <a:buNone/>
+            </a:pPr>
+            <a:endParaRPr lang="en-US" dirty="0">
+              <a:solidFill>
+                <a:srgbClr val="000000"/>
+              </a:solidFill>
+              <a:latin typeface="Consolas"/>
+            </a:endParaRPr>
+          </a:p>
+          <a:p>
+            <a:pPr marL="0" indent="0">
+              <a:buNone/>
+            </a:pPr>
+            <a:r>
+              <a:rPr lang="en-US" dirty="0">
+                <a:solidFill>
+                  <a:srgbClr val="0000FF"/>
+                </a:solidFill>
+                <a:latin typeface="Consolas"/>
+              </a:rPr>
+              <a:t>static</a:t>
+            </a:r>
+            <a:r>
+              <a:rPr lang="en-US" dirty="0">
+                <a:solidFill>
+                  <a:srgbClr val="000000"/>
+                </a:solidFill>
+                <a:latin typeface="Consolas"/>
+              </a:rPr>
+              <a:t> </a:t>
+            </a:r>
+            <a:r>
+              <a:rPr lang="en-US" dirty="0">
+                <a:solidFill>
+                  <a:srgbClr val="0000FF"/>
+                </a:solidFill>
+                <a:latin typeface="Consolas"/>
+              </a:rPr>
+              <a:t>void</a:t>
+            </a:r>
+            <a:r>
+              <a:rPr lang="en-US" dirty="0">
+                <a:solidFill>
+                  <a:srgbClr val="000000"/>
+                </a:solidFill>
+                <a:latin typeface="Consolas"/>
+              </a:rPr>
+              <a:t> Main()</a:t>
+            </a:r>
+          </a:p>
+          <a:p>
+            <a:pPr marL="0" indent="0">
+              <a:buNone/>
+            </a:pPr>
+            <a:r>
+              <a:rPr lang="en-US" dirty="0">
+                <a:solidFill>
+                  <a:srgbClr val="000000"/>
+                </a:solidFill>
+                <a:latin typeface="Consolas"/>
+              </a:rPr>
+              <a:t>{</a:t>
+            </a:r>
+          </a:p>
+          <a:p>
+            <a:pPr marL="0" indent="0">
+              <a:buNone/>
+            </a:pPr>
+            <a:r>
+              <a:rPr lang="fr-FR" dirty="0">
+                <a:solidFill>
+                  <a:srgbClr val="000000"/>
+                </a:solidFill>
+                <a:latin typeface="Consolas"/>
+              </a:rPr>
+              <a:t>    Train </a:t>
+            </a:r>
+            <a:r>
+              <a:rPr lang="fr-FR" dirty="0" err="1">
+                <a:solidFill>
+                  <a:srgbClr val="000000"/>
+                </a:solidFill>
+                <a:latin typeface="Consolas"/>
+              </a:rPr>
+              <a:t>train</a:t>
+            </a:r>
+            <a:r>
+              <a:rPr lang="fr-FR" dirty="0">
+                <a:solidFill>
+                  <a:srgbClr val="000000"/>
+                </a:solidFill>
+                <a:latin typeface="Consolas"/>
+              </a:rPr>
+              <a:t> = </a:t>
+            </a:r>
+            <a:r>
+              <a:rPr lang="fr-FR" dirty="0">
+                <a:solidFill>
+                  <a:srgbClr val="0000FF"/>
+                </a:solidFill>
+                <a:latin typeface="Consolas"/>
+              </a:rPr>
+              <a:t>new</a:t>
+            </a:r>
+            <a:r>
+              <a:rPr lang="fr-FR" dirty="0">
+                <a:solidFill>
+                  <a:srgbClr val="000000"/>
+                </a:solidFill>
+                <a:latin typeface="Consolas"/>
+              </a:rPr>
+              <a:t> Train(</a:t>
+            </a:r>
+            <a:r>
+              <a:rPr lang="fr-FR" dirty="0">
+                <a:solidFill>
+                  <a:srgbClr val="C81EFA"/>
+                </a:solidFill>
+                <a:latin typeface="Consolas"/>
+              </a:rPr>
+              <a:t>190.2</a:t>
+            </a:r>
+            <a:r>
+              <a:rPr lang="fr-FR" dirty="0">
+                <a:solidFill>
+                  <a:srgbClr val="000000"/>
+                </a:solidFill>
+                <a:latin typeface="Consolas"/>
+              </a:rPr>
+              <a:t>, </a:t>
+            </a:r>
+            <a:r>
+              <a:rPr lang="fr-FR" dirty="0">
+                <a:solidFill>
+                  <a:srgbClr val="C81EFA"/>
+                </a:solidFill>
+                <a:latin typeface="Consolas"/>
+              </a:rPr>
+              <a:t>8</a:t>
+            </a:r>
+            <a:r>
+              <a:rPr lang="fr-FR" dirty="0">
+                <a:solidFill>
+                  <a:srgbClr val="000000"/>
+                </a:solidFill>
+                <a:latin typeface="Consolas"/>
+              </a:rPr>
+              <a:t>, </a:t>
+            </a:r>
+            <a:r>
+              <a:rPr lang="fr-FR" dirty="0">
+                <a:solidFill>
+                  <a:srgbClr val="DC1414"/>
+                </a:solidFill>
+                <a:latin typeface="Consolas"/>
+              </a:rPr>
+              <a:t>"Ivanov"</a:t>
+            </a:r>
+            <a:r>
+              <a:rPr lang="fr-FR" dirty="0">
+                <a:solidFill>
+                  <a:srgbClr val="000000"/>
+                </a:solidFill>
+                <a:latin typeface="Consolas"/>
+              </a:rPr>
+              <a:t>, </a:t>
+            </a:r>
+            <a:r>
+              <a:rPr lang="fr-FR" dirty="0">
+                <a:solidFill>
+                  <a:srgbClr val="DC1414"/>
+                </a:solidFill>
+                <a:latin typeface="Consolas"/>
+              </a:rPr>
+              <a:t>"Petrov"</a:t>
+            </a:r>
+            <a:r>
+              <a:rPr lang="fr-FR" dirty="0">
+                <a:solidFill>
+                  <a:srgbClr val="000000"/>
+                </a:solidFill>
+                <a:latin typeface="Consolas"/>
+              </a:rPr>
+              <a:t>, </a:t>
+            </a:r>
+            <a:r>
+              <a:rPr lang="fr-FR" dirty="0">
+                <a:solidFill>
+                  <a:srgbClr val="DC1414"/>
+                </a:solidFill>
+                <a:latin typeface="Consolas"/>
+              </a:rPr>
+              <a:t>"</a:t>
+            </a:r>
+            <a:r>
+              <a:rPr lang="fr-FR" dirty="0" err="1">
+                <a:solidFill>
+                  <a:srgbClr val="DC1414"/>
+                </a:solidFill>
+                <a:latin typeface="Consolas"/>
+              </a:rPr>
+              <a:t>Sidorov</a:t>
+            </a:r>
+            <a:r>
+              <a:rPr lang="fr-FR" dirty="0">
+                <a:solidFill>
+                  <a:srgbClr val="DC1414"/>
+                </a:solidFill>
+                <a:latin typeface="Consolas"/>
+              </a:rPr>
+              <a:t>"</a:t>
+            </a:r>
+            <a:r>
+              <a:rPr lang="fr-FR" dirty="0">
+                <a:solidFill>
+                  <a:srgbClr val="000000"/>
+                </a:solidFill>
+                <a:latin typeface="Consolas"/>
+              </a:rPr>
+              <a:t>);</a:t>
+            </a:r>
+          </a:p>
+          <a:p>
+            <a:pPr marL="0" indent="0">
+              <a:buNone/>
+            </a:pPr>
+            <a:r>
+              <a:rPr lang="en-US" dirty="0">
+                <a:solidFill>
+                  <a:srgbClr val="000000"/>
+                </a:solidFill>
+                <a:latin typeface="Consolas"/>
+              </a:rPr>
+              <a:t>    </a:t>
+            </a:r>
+            <a:r>
+              <a:rPr lang="en-US" dirty="0" err="1">
+                <a:solidFill>
+                  <a:srgbClr val="000000"/>
+                </a:solidFill>
+                <a:latin typeface="Consolas"/>
+              </a:rPr>
+              <a:t>train.Print</a:t>
+            </a:r>
+            <a:r>
+              <a:rPr lang="en-US" dirty="0">
+                <a:solidFill>
+                  <a:srgbClr val="000000"/>
+                </a:solidFill>
+                <a:latin typeface="Consolas"/>
+              </a:rPr>
+              <a:t>();</a:t>
+            </a:r>
+          </a:p>
+          <a:p>
+            <a:pPr marL="0" indent="0">
+              <a:buNone/>
+            </a:pPr>
+            <a:endParaRPr lang="en-US" dirty="0">
+              <a:solidFill>
+                <a:srgbClr val="000000"/>
+              </a:solidFill>
+              <a:latin typeface="Consolas"/>
+            </a:endParaRPr>
+          </a:p>
+          <a:p>
+            <a:pPr marL="0" indent="0">
+              <a:buNone/>
+            </a:pPr>
+            <a:r>
+              <a:rPr lang="en-US" dirty="0">
+                <a:solidFill>
+                  <a:srgbClr val="0000FF"/>
+                </a:solidFill>
+                <a:latin typeface="Consolas"/>
+              </a:rPr>
+              <a:t>    string</a:t>
+            </a:r>
+            <a:r>
+              <a:rPr lang="en-US" dirty="0">
+                <a:solidFill>
+                  <a:srgbClr val="000000"/>
+                </a:solidFill>
+                <a:latin typeface="Consolas"/>
+              </a:rPr>
+              <a:t> </a:t>
+            </a:r>
+            <a:r>
+              <a:rPr lang="en-US" dirty="0" err="1">
+                <a:solidFill>
+                  <a:srgbClr val="000000"/>
+                </a:solidFill>
+                <a:latin typeface="Consolas"/>
+              </a:rPr>
+              <a:t>tempFileName</a:t>
+            </a:r>
+            <a:r>
+              <a:rPr lang="en-US" dirty="0">
+                <a:solidFill>
+                  <a:srgbClr val="000000"/>
+                </a:solidFill>
+                <a:latin typeface="Consolas"/>
+              </a:rPr>
+              <a:t> = </a:t>
+            </a:r>
+            <a:r>
+              <a:rPr lang="en-US" dirty="0" err="1">
+                <a:solidFill>
+                  <a:srgbClr val="000000"/>
+                </a:solidFill>
+                <a:latin typeface="Consolas"/>
+              </a:rPr>
+              <a:t>Path.Combine</a:t>
+            </a:r>
+            <a:r>
+              <a:rPr lang="en-US" dirty="0">
+                <a:solidFill>
+                  <a:srgbClr val="000000"/>
+                </a:solidFill>
+                <a:latin typeface="Consolas"/>
+              </a:rPr>
+              <a:t>(</a:t>
+            </a:r>
+            <a:r>
+              <a:rPr lang="en-US" dirty="0" err="1">
+                <a:solidFill>
+                  <a:srgbClr val="000000"/>
+                </a:solidFill>
+                <a:latin typeface="Consolas"/>
+              </a:rPr>
+              <a:t>Path.GetTempPath</a:t>
+            </a:r>
+            <a:r>
+              <a:rPr lang="en-US" dirty="0">
+                <a:solidFill>
+                  <a:srgbClr val="000000"/>
+                </a:solidFill>
+                <a:latin typeface="Consolas"/>
+              </a:rPr>
+              <a:t>(), </a:t>
+            </a:r>
+            <a:r>
+              <a:rPr lang="en-US" dirty="0">
+                <a:solidFill>
+                  <a:srgbClr val="DC1414"/>
+                </a:solidFill>
+                <a:latin typeface="Consolas"/>
+              </a:rPr>
+              <a:t>"train.xml"</a:t>
+            </a:r>
+            <a:r>
+              <a:rPr lang="en-US" dirty="0">
+                <a:solidFill>
+                  <a:srgbClr val="000000"/>
+                </a:solidFill>
+                <a:latin typeface="Consolas"/>
+              </a:rPr>
+              <a:t>); </a:t>
+            </a:r>
+            <a:r>
+              <a:rPr lang="en-US" dirty="0">
+                <a:solidFill>
+                  <a:srgbClr val="008000"/>
+                </a:solidFill>
+                <a:latin typeface="Consolas"/>
+              </a:rPr>
+              <a:t>//</a:t>
+            </a:r>
+            <a:r>
+              <a:rPr lang="ru-RU" dirty="0">
+                <a:solidFill>
+                  <a:srgbClr val="008000"/>
+                </a:solidFill>
+                <a:latin typeface="Consolas"/>
+              </a:rPr>
+              <a:t> Будем работать с файлом в папке с временными файлами</a:t>
+            </a:r>
+            <a:endParaRPr lang="en-US" dirty="0">
+              <a:solidFill>
+                <a:srgbClr val="000000"/>
+              </a:solidFill>
+              <a:latin typeface="Consolas"/>
+            </a:endParaRPr>
+          </a:p>
+          <a:p>
+            <a:pPr marL="0" indent="0">
+              <a:buNone/>
+            </a:pPr>
+            <a:r>
+              <a:rPr lang="en-US" dirty="0">
+                <a:solidFill>
+                  <a:srgbClr val="000000"/>
+                </a:solidFill>
+                <a:latin typeface="Consolas"/>
+              </a:rPr>
+              <a:t>    </a:t>
+            </a:r>
+            <a:r>
+              <a:rPr lang="en-US" dirty="0" err="1">
+                <a:solidFill>
+                  <a:srgbClr val="000000"/>
+                </a:solidFill>
+                <a:latin typeface="Consolas"/>
+              </a:rPr>
+              <a:t>XmlSerializer</a:t>
+            </a:r>
+            <a:r>
+              <a:rPr lang="en-US" dirty="0">
+                <a:solidFill>
+                  <a:srgbClr val="000000"/>
+                </a:solidFill>
+                <a:latin typeface="Consolas"/>
+              </a:rPr>
+              <a:t> </a:t>
+            </a:r>
+            <a:r>
+              <a:rPr lang="en-US" dirty="0" err="1">
+                <a:solidFill>
+                  <a:srgbClr val="000000"/>
+                </a:solidFill>
+                <a:latin typeface="Consolas"/>
+              </a:rPr>
+              <a:t>xmlSerializer</a:t>
+            </a:r>
+            <a:r>
+              <a:rPr lang="en-US" dirty="0">
+                <a:solidFill>
+                  <a:srgbClr val="000000"/>
+                </a:solidFill>
+                <a:latin typeface="Consolas"/>
+              </a:rPr>
+              <a:t> = </a:t>
+            </a:r>
+            <a:r>
+              <a:rPr lang="en-US" dirty="0">
+                <a:solidFill>
+                  <a:srgbClr val="0000FF"/>
+                </a:solidFill>
+                <a:latin typeface="Consolas"/>
+              </a:rPr>
+              <a:t>new</a:t>
+            </a:r>
+            <a:r>
+              <a:rPr lang="en-US" dirty="0">
+                <a:solidFill>
+                  <a:srgbClr val="000000"/>
+                </a:solidFill>
+                <a:latin typeface="Consolas"/>
+              </a:rPr>
+              <a:t> </a:t>
+            </a:r>
+            <a:r>
+              <a:rPr lang="en-US" dirty="0" err="1">
+                <a:solidFill>
+                  <a:srgbClr val="000000"/>
+                </a:solidFill>
+                <a:latin typeface="Consolas"/>
+              </a:rPr>
+              <a:t>XmlSerializer</a:t>
+            </a:r>
+            <a:r>
+              <a:rPr lang="en-US" dirty="0">
+                <a:solidFill>
+                  <a:srgbClr val="000000"/>
+                </a:solidFill>
+                <a:latin typeface="Consolas"/>
+              </a:rPr>
+              <a:t>(</a:t>
+            </a:r>
+            <a:r>
+              <a:rPr lang="en-US" dirty="0" err="1">
+                <a:solidFill>
+                  <a:srgbClr val="0000FF"/>
+                </a:solidFill>
+                <a:latin typeface="Consolas"/>
+              </a:rPr>
+              <a:t>typeof</a:t>
+            </a:r>
+            <a:r>
+              <a:rPr lang="en-US" dirty="0">
+                <a:solidFill>
+                  <a:srgbClr val="000000"/>
+                </a:solidFill>
+                <a:latin typeface="Consolas"/>
+              </a:rPr>
+              <a:t>(Train));</a:t>
+            </a:r>
+          </a:p>
+          <a:p>
+            <a:pPr marL="0" indent="0">
+              <a:buNone/>
+            </a:pPr>
+            <a:r>
+              <a:rPr lang="en-US" dirty="0">
+                <a:solidFill>
+                  <a:srgbClr val="008000"/>
+                </a:solidFill>
+                <a:latin typeface="Consolas"/>
+              </a:rPr>
+              <a:t>    // </a:t>
+            </a:r>
+            <a:r>
+              <a:rPr lang="ru-RU" dirty="0">
+                <a:solidFill>
+                  <a:srgbClr val="008000"/>
+                </a:solidFill>
+                <a:latin typeface="Consolas"/>
+              </a:rPr>
+              <a:t>Выполняем сериализацию</a:t>
+            </a:r>
+            <a:endParaRPr lang="en-US" dirty="0">
+              <a:solidFill>
+                <a:srgbClr val="000000"/>
+              </a:solidFill>
+              <a:latin typeface="Consolas"/>
+            </a:endParaRPr>
+          </a:p>
+          <a:p>
+            <a:pPr marL="0" indent="0">
+              <a:buNone/>
+            </a:pPr>
+            <a:r>
+              <a:rPr lang="en-US" dirty="0">
+                <a:solidFill>
+                  <a:srgbClr val="0000FF"/>
+                </a:solidFill>
+                <a:latin typeface="Consolas"/>
+              </a:rPr>
+              <a:t>    using</a:t>
+            </a:r>
+            <a:r>
+              <a:rPr lang="en-US" dirty="0">
+                <a:solidFill>
+                  <a:srgbClr val="000000"/>
+                </a:solidFill>
+                <a:latin typeface="Consolas"/>
+              </a:rPr>
+              <a:t> (</a:t>
+            </a:r>
+            <a:r>
+              <a:rPr lang="en-US" dirty="0" err="1">
+                <a:solidFill>
+                  <a:srgbClr val="000000"/>
+                </a:solidFill>
+                <a:latin typeface="Consolas"/>
+              </a:rPr>
+              <a:t>FileStream</a:t>
+            </a:r>
+            <a:r>
+              <a:rPr lang="en-US" dirty="0">
+                <a:solidFill>
+                  <a:srgbClr val="000000"/>
+                </a:solidFill>
+                <a:latin typeface="Consolas"/>
+              </a:rPr>
+              <a:t> </a:t>
+            </a:r>
+            <a:r>
+              <a:rPr lang="en-US" dirty="0" err="1">
+                <a:solidFill>
+                  <a:srgbClr val="000000"/>
+                </a:solidFill>
+                <a:latin typeface="Consolas"/>
+              </a:rPr>
+              <a:t>fs</a:t>
+            </a:r>
+            <a:r>
+              <a:rPr lang="en-US" dirty="0">
+                <a:solidFill>
+                  <a:srgbClr val="000000"/>
+                </a:solidFill>
+                <a:latin typeface="Consolas"/>
+              </a:rPr>
+              <a:t> = </a:t>
+            </a:r>
+            <a:r>
+              <a:rPr lang="en-US" dirty="0" err="1">
+                <a:solidFill>
+                  <a:srgbClr val="000000"/>
+                </a:solidFill>
+                <a:latin typeface="Consolas"/>
+              </a:rPr>
+              <a:t>File.Open</a:t>
+            </a:r>
+            <a:r>
+              <a:rPr lang="en-US" dirty="0">
+                <a:solidFill>
+                  <a:srgbClr val="000000"/>
+                </a:solidFill>
+                <a:latin typeface="Consolas"/>
+              </a:rPr>
+              <a:t>(</a:t>
+            </a:r>
+            <a:r>
+              <a:rPr lang="en-US" dirty="0" err="1">
+                <a:solidFill>
+                  <a:srgbClr val="000000"/>
+                </a:solidFill>
+                <a:latin typeface="Consolas"/>
+              </a:rPr>
+              <a:t>tempFileName</a:t>
+            </a:r>
+            <a:r>
+              <a:rPr lang="en-US" dirty="0">
+                <a:solidFill>
+                  <a:srgbClr val="000000"/>
+                </a:solidFill>
+                <a:latin typeface="Consolas"/>
+              </a:rPr>
+              <a:t>, </a:t>
+            </a:r>
+            <a:r>
+              <a:rPr lang="en-US" dirty="0" err="1">
+                <a:solidFill>
+                  <a:srgbClr val="000000"/>
+                </a:solidFill>
+                <a:latin typeface="Consolas"/>
+              </a:rPr>
+              <a:t>FileMode.Create</a:t>
+            </a:r>
+            <a:r>
+              <a:rPr lang="en-US" dirty="0">
+                <a:solidFill>
+                  <a:srgbClr val="000000"/>
+                </a:solidFill>
+                <a:latin typeface="Consolas"/>
+              </a:rPr>
+              <a:t>))</a:t>
+            </a:r>
+          </a:p>
+          <a:p>
+            <a:pPr marL="0" indent="0">
+              <a:buNone/>
+            </a:pPr>
+            <a:r>
+              <a:rPr lang="en-US" dirty="0">
+                <a:solidFill>
+                  <a:srgbClr val="000000"/>
+                </a:solidFill>
+                <a:latin typeface="Consolas"/>
+              </a:rPr>
+              <a:t>    {</a:t>
+            </a:r>
+          </a:p>
+          <a:p>
+            <a:pPr marL="0" indent="0">
+              <a:buNone/>
+            </a:pPr>
+            <a:r>
+              <a:rPr lang="en-US" dirty="0">
+                <a:solidFill>
+                  <a:srgbClr val="000000"/>
+                </a:solidFill>
+                <a:latin typeface="Consolas"/>
+              </a:rPr>
+              <a:t>         </a:t>
+            </a:r>
+            <a:r>
+              <a:rPr lang="en-US" dirty="0" err="1">
+                <a:solidFill>
+                  <a:srgbClr val="000000"/>
+                </a:solidFill>
+                <a:latin typeface="Consolas"/>
+              </a:rPr>
+              <a:t>xmlSerializer.Serialize</a:t>
+            </a:r>
+            <a:r>
+              <a:rPr lang="en-US" dirty="0">
+                <a:solidFill>
+                  <a:srgbClr val="000000"/>
+                </a:solidFill>
+                <a:latin typeface="Consolas"/>
+              </a:rPr>
+              <a:t>(</a:t>
+            </a:r>
+            <a:r>
+              <a:rPr lang="en-US" dirty="0" err="1">
+                <a:solidFill>
+                  <a:srgbClr val="000000"/>
+                </a:solidFill>
+                <a:latin typeface="Consolas"/>
+              </a:rPr>
+              <a:t>fs</a:t>
+            </a:r>
+            <a:r>
+              <a:rPr lang="en-US" dirty="0">
+                <a:solidFill>
+                  <a:srgbClr val="000000"/>
+                </a:solidFill>
+                <a:latin typeface="Consolas"/>
+              </a:rPr>
+              <a:t>, train);</a:t>
+            </a:r>
+          </a:p>
+          <a:p>
+            <a:pPr marL="0" indent="0">
+              <a:buNone/>
+            </a:pPr>
+            <a:r>
+              <a:rPr lang="en-US" dirty="0">
+                <a:solidFill>
+                  <a:srgbClr val="000000"/>
+                </a:solidFill>
+                <a:latin typeface="Consolas"/>
+              </a:rPr>
+              <a:t>    }</a:t>
+            </a:r>
+          </a:p>
+          <a:p>
+            <a:pPr marL="0" indent="0">
+              <a:buNone/>
+            </a:pPr>
+            <a:r>
+              <a:rPr lang="en-US" dirty="0">
+                <a:solidFill>
+                  <a:srgbClr val="000000"/>
+                </a:solidFill>
+                <a:latin typeface="Consolas"/>
+              </a:rPr>
+              <a:t>    </a:t>
+            </a:r>
+            <a:r>
+              <a:rPr lang="en-US" dirty="0" err="1">
+                <a:solidFill>
+                  <a:srgbClr val="000000"/>
+                </a:solidFill>
+                <a:latin typeface="Consolas"/>
+              </a:rPr>
+              <a:t>Console.WriteLine</a:t>
+            </a:r>
+            <a:r>
+              <a:rPr lang="en-US" dirty="0">
+                <a:solidFill>
+                  <a:srgbClr val="000000"/>
+                </a:solidFill>
+                <a:latin typeface="Consolas"/>
+              </a:rPr>
+              <a:t>(); </a:t>
+            </a:r>
+            <a:r>
+              <a:rPr lang="en-US" dirty="0" err="1">
+                <a:solidFill>
+                  <a:srgbClr val="000000"/>
+                </a:solidFill>
+                <a:latin typeface="Consolas"/>
+              </a:rPr>
+              <a:t>Console.WriteLine</a:t>
+            </a:r>
+            <a:r>
+              <a:rPr lang="en-US" dirty="0">
+                <a:solidFill>
+                  <a:srgbClr val="000000"/>
+                </a:solidFill>
+                <a:latin typeface="Consolas"/>
+              </a:rPr>
+              <a:t>(</a:t>
+            </a:r>
+            <a:r>
+              <a:rPr lang="en-US" dirty="0" err="1">
+                <a:solidFill>
+                  <a:srgbClr val="000000"/>
+                </a:solidFill>
+                <a:latin typeface="Consolas"/>
+              </a:rPr>
+              <a:t>File.ReadAllText</a:t>
+            </a:r>
+            <a:r>
+              <a:rPr lang="en-US" dirty="0">
+                <a:solidFill>
+                  <a:srgbClr val="000000"/>
+                </a:solidFill>
+                <a:latin typeface="Consolas"/>
+              </a:rPr>
+              <a:t>(</a:t>
+            </a:r>
+            <a:r>
+              <a:rPr lang="en-US" dirty="0" err="1">
+                <a:solidFill>
+                  <a:srgbClr val="000000"/>
+                </a:solidFill>
+                <a:latin typeface="Consolas"/>
+              </a:rPr>
+              <a:t>tempFileName</a:t>
+            </a:r>
+            <a:r>
+              <a:rPr lang="en-US" dirty="0">
+                <a:solidFill>
+                  <a:srgbClr val="000000"/>
+                </a:solidFill>
+                <a:latin typeface="Consolas"/>
+              </a:rPr>
+              <a:t>)); </a:t>
+            </a:r>
+            <a:r>
+              <a:rPr lang="en-US" dirty="0" err="1">
+                <a:solidFill>
+                  <a:srgbClr val="000000"/>
+                </a:solidFill>
+                <a:latin typeface="Consolas"/>
+              </a:rPr>
+              <a:t>Console.WriteLine</a:t>
+            </a:r>
+            <a:r>
+              <a:rPr lang="en-US" dirty="0">
+                <a:solidFill>
+                  <a:srgbClr val="000000"/>
+                </a:solidFill>
+                <a:latin typeface="Consolas"/>
+              </a:rPr>
+              <a:t>();</a:t>
+            </a:r>
+          </a:p>
+          <a:p>
+            <a:pPr marL="0" indent="0">
+              <a:buNone/>
+            </a:pPr>
+            <a:r>
+              <a:rPr lang="en-US" dirty="0">
+                <a:solidFill>
+                  <a:srgbClr val="008000"/>
+                </a:solidFill>
+                <a:latin typeface="Consolas"/>
+              </a:rPr>
+              <a:t>    // </a:t>
+            </a:r>
+            <a:r>
+              <a:rPr lang="ru-RU" dirty="0">
+                <a:solidFill>
+                  <a:srgbClr val="008000"/>
+                </a:solidFill>
+                <a:latin typeface="Consolas"/>
+              </a:rPr>
+              <a:t>Выполняем десериализацию</a:t>
+            </a:r>
+            <a:endParaRPr lang="en-US" dirty="0">
+              <a:solidFill>
+                <a:srgbClr val="000000"/>
+              </a:solidFill>
+              <a:latin typeface="Consolas"/>
+            </a:endParaRPr>
+          </a:p>
+          <a:p>
+            <a:pPr marL="0" indent="0">
+              <a:buNone/>
+            </a:pPr>
+            <a:r>
+              <a:rPr lang="en-US" dirty="0">
+                <a:solidFill>
+                  <a:srgbClr val="0000FF"/>
+                </a:solidFill>
+                <a:latin typeface="Consolas"/>
+              </a:rPr>
+              <a:t>    using</a:t>
+            </a:r>
+            <a:r>
+              <a:rPr lang="en-US" dirty="0">
+                <a:solidFill>
+                  <a:srgbClr val="000000"/>
+                </a:solidFill>
+                <a:latin typeface="Consolas"/>
+              </a:rPr>
+              <a:t> (</a:t>
+            </a:r>
+            <a:r>
+              <a:rPr lang="en-US" dirty="0" err="1">
+                <a:solidFill>
+                  <a:srgbClr val="000000"/>
+                </a:solidFill>
+                <a:latin typeface="Consolas"/>
+              </a:rPr>
+              <a:t>FileStream</a:t>
+            </a:r>
+            <a:r>
+              <a:rPr lang="en-US" dirty="0">
+                <a:solidFill>
+                  <a:srgbClr val="000000"/>
+                </a:solidFill>
+                <a:latin typeface="Consolas"/>
+              </a:rPr>
+              <a:t> </a:t>
+            </a:r>
+            <a:r>
+              <a:rPr lang="en-US" dirty="0" err="1">
+                <a:solidFill>
+                  <a:srgbClr val="000000"/>
+                </a:solidFill>
+                <a:latin typeface="Consolas"/>
+              </a:rPr>
+              <a:t>fs</a:t>
+            </a:r>
+            <a:r>
+              <a:rPr lang="en-US" dirty="0">
+                <a:solidFill>
+                  <a:srgbClr val="000000"/>
+                </a:solidFill>
+                <a:latin typeface="Consolas"/>
+              </a:rPr>
+              <a:t> = </a:t>
+            </a:r>
+            <a:r>
+              <a:rPr lang="en-US" dirty="0" err="1">
+                <a:solidFill>
+                  <a:srgbClr val="000000"/>
+                </a:solidFill>
+                <a:latin typeface="Consolas"/>
+              </a:rPr>
+              <a:t>File.Open</a:t>
+            </a:r>
+            <a:r>
+              <a:rPr lang="en-US" dirty="0">
+                <a:solidFill>
+                  <a:srgbClr val="000000"/>
+                </a:solidFill>
+                <a:latin typeface="Consolas"/>
+              </a:rPr>
+              <a:t>(</a:t>
+            </a:r>
+            <a:r>
+              <a:rPr lang="en-US" dirty="0" err="1">
+                <a:solidFill>
+                  <a:srgbClr val="000000"/>
+                </a:solidFill>
+                <a:latin typeface="Consolas"/>
+              </a:rPr>
+              <a:t>tempFileName</a:t>
+            </a:r>
+            <a:r>
+              <a:rPr lang="en-US" dirty="0">
+                <a:solidFill>
+                  <a:srgbClr val="000000"/>
+                </a:solidFill>
+                <a:latin typeface="Consolas"/>
+              </a:rPr>
+              <a:t>, </a:t>
+            </a:r>
+            <a:r>
+              <a:rPr lang="en-US" dirty="0" err="1">
+                <a:solidFill>
+                  <a:srgbClr val="000000"/>
+                </a:solidFill>
+                <a:latin typeface="Consolas"/>
+              </a:rPr>
+              <a:t>FileMode.Open</a:t>
+            </a:r>
+            <a:r>
+              <a:rPr lang="en-US" dirty="0">
+                <a:solidFill>
+                  <a:srgbClr val="000000"/>
+                </a:solidFill>
+                <a:latin typeface="Consolas"/>
+              </a:rPr>
+              <a:t>))</a:t>
+            </a:r>
+          </a:p>
+          <a:p>
+            <a:pPr marL="0" indent="0">
+              <a:buNone/>
+            </a:pPr>
+            <a:r>
+              <a:rPr lang="en-US" dirty="0">
+                <a:solidFill>
+                  <a:srgbClr val="000000"/>
+                </a:solidFill>
+                <a:latin typeface="Consolas"/>
+              </a:rPr>
+              <a:t>    {</a:t>
+            </a:r>
+          </a:p>
+          <a:p>
+            <a:pPr marL="0" indent="0">
+              <a:buNone/>
+            </a:pPr>
+            <a:r>
+              <a:rPr lang="en-US" dirty="0">
+                <a:solidFill>
+                  <a:srgbClr val="000000"/>
+                </a:solidFill>
+                <a:latin typeface="Consolas"/>
+              </a:rPr>
+              <a:t>         Train </a:t>
+            </a:r>
+            <a:r>
+              <a:rPr lang="en-US" dirty="0" err="1">
+                <a:solidFill>
+                  <a:srgbClr val="000000"/>
+                </a:solidFill>
+                <a:latin typeface="Consolas"/>
+              </a:rPr>
+              <a:t>someTrain</a:t>
+            </a:r>
+            <a:r>
+              <a:rPr lang="en-US" dirty="0">
+                <a:solidFill>
+                  <a:srgbClr val="000000"/>
+                </a:solidFill>
+                <a:latin typeface="Consolas"/>
+              </a:rPr>
+              <a:t> = (Train)</a:t>
+            </a:r>
+            <a:r>
+              <a:rPr lang="en-US" dirty="0" err="1">
+                <a:solidFill>
+                  <a:srgbClr val="000000"/>
+                </a:solidFill>
+                <a:latin typeface="Consolas"/>
+              </a:rPr>
+              <a:t>xmlSerializer.Deserialize</a:t>
+            </a:r>
+            <a:r>
+              <a:rPr lang="en-US" dirty="0">
+                <a:solidFill>
+                  <a:srgbClr val="000000"/>
+                </a:solidFill>
+                <a:latin typeface="Consolas"/>
+              </a:rPr>
+              <a:t>(</a:t>
+            </a:r>
+            <a:r>
+              <a:rPr lang="en-US" dirty="0" err="1">
+                <a:solidFill>
+                  <a:srgbClr val="000000"/>
+                </a:solidFill>
+                <a:latin typeface="Consolas"/>
+              </a:rPr>
+              <a:t>fs</a:t>
+            </a:r>
+            <a:r>
+              <a:rPr lang="en-US" dirty="0">
+                <a:solidFill>
+                  <a:srgbClr val="000000"/>
+                </a:solidFill>
+                <a:latin typeface="Consolas"/>
+              </a:rPr>
+              <a:t>);</a:t>
+            </a:r>
+          </a:p>
+          <a:p>
+            <a:pPr marL="0" indent="0">
+              <a:buNone/>
+            </a:pPr>
+            <a:r>
+              <a:rPr lang="en-US" dirty="0">
+                <a:solidFill>
+                  <a:srgbClr val="000000"/>
+                </a:solidFill>
+                <a:latin typeface="Consolas"/>
+              </a:rPr>
+              <a:t>         </a:t>
+            </a:r>
+            <a:r>
+              <a:rPr lang="en-US" dirty="0" err="1">
+                <a:solidFill>
+                  <a:srgbClr val="000000"/>
+                </a:solidFill>
+                <a:latin typeface="Consolas"/>
+              </a:rPr>
+              <a:t>someTrain.Print</a:t>
+            </a:r>
+            <a:r>
+              <a:rPr lang="en-US" dirty="0">
+                <a:solidFill>
+                  <a:srgbClr val="000000"/>
+                </a:solidFill>
+                <a:latin typeface="Consolas"/>
+              </a:rPr>
+              <a:t>();</a:t>
+            </a:r>
+          </a:p>
+          <a:p>
+            <a:pPr marL="0" indent="0">
+              <a:buNone/>
+            </a:pPr>
+            <a:r>
+              <a:rPr lang="en-US" dirty="0">
+                <a:solidFill>
+                  <a:srgbClr val="000000"/>
+                </a:solidFill>
+                <a:latin typeface="Consolas"/>
+              </a:rPr>
+              <a:t>    }</a:t>
+            </a:r>
+          </a:p>
+          <a:p>
+            <a:pPr marL="0" indent="0">
+              <a:buNone/>
+            </a:pPr>
+            <a:endParaRPr lang="en-US" dirty="0">
+              <a:solidFill>
+                <a:srgbClr val="000000"/>
+              </a:solidFill>
+              <a:latin typeface="Consolas"/>
+            </a:endParaRPr>
+          </a:p>
+          <a:p>
+            <a:pPr marL="0" indent="0">
+              <a:buNone/>
+            </a:pPr>
+            <a:r>
+              <a:rPr lang="en-US" dirty="0">
+                <a:solidFill>
+                  <a:srgbClr val="000000"/>
+                </a:solidFill>
+                <a:latin typeface="Consolas"/>
+              </a:rPr>
+              <a:t>    </a:t>
+            </a:r>
+            <a:r>
+              <a:rPr lang="en-US" dirty="0" err="1">
+                <a:solidFill>
+                  <a:srgbClr val="000000"/>
+                </a:solidFill>
+                <a:latin typeface="Consolas"/>
+              </a:rPr>
+              <a:t>File.Delete</a:t>
+            </a:r>
+            <a:r>
+              <a:rPr lang="en-US" dirty="0">
+                <a:solidFill>
+                  <a:srgbClr val="000000"/>
+                </a:solidFill>
+                <a:latin typeface="Consolas"/>
+              </a:rPr>
+              <a:t>(</a:t>
+            </a:r>
+            <a:r>
+              <a:rPr lang="en-US" dirty="0" err="1">
+                <a:solidFill>
+                  <a:srgbClr val="000000"/>
+                </a:solidFill>
+                <a:latin typeface="Consolas"/>
+              </a:rPr>
+              <a:t>tempFileName</a:t>
+            </a:r>
+            <a:r>
+              <a:rPr lang="en-US" dirty="0">
+                <a:solidFill>
+                  <a:srgbClr val="000000"/>
+                </a:solidFill>
+                <a:latin typeface="Consolas"/>
+              </a:rPr>
+              <a:t>);</a:t>
+            </a:r>
+          </a:p>
+          <a:p>
+            <a:pPr marL="0" indent="0">
+              <a:buNone/>
+            </a:pPr>
+            <a:r>
+              <a:rPr lang="en-US" dirty="0">
+                <a:solidFill>
+                  <a:srgbClr val="000000"/>
+                </a:solidFill>
+                <a:latin typeface="Consolas"/>
+              </a:rPr>
+              <a:t>}</a:t>
+            </a:r>
+          </a:p>
+          <a:p>
+            <a:pPr marL="0" indent="0">
+              <a:buNone/>
+            </a:pPr>
+            <a:endParaRPr lang="en-US" dirty="0"/>
+          </a:p>
+          <a:p>
+            <a:pPr marL="0" indent="0">
+              <a:buNone/>
+            </a:pPr>
+            <a:endParaRPr lang="en-US" dirty="0"/>
+          </a:p>
+        </p:txBody>
+      </p:sp>
+    </p:spTree>
+    <p:extLst>
+      <p:ext uri="{BB962C8B-B14F-4D97-AF65-F5344CB8AC3E}">
+        <p14:creationId xmlns:p14="http://schemas.microsoft.com/office/powerpoint/2010/main" val="3792792696"/>
+      </p:ext>
+    </p:extLst>
+  </p:cSld>
+  <p:clrMapOvr>
+    <a:masterClrMapping/>
+  </p:clrMapOvr>
+</p:sld>
+</file>
+
+<file path=ppt/slides/slide26.xml><?xml version="1.0" encoding="utf-8"?>
+<p:sld xmlns:a="http://schemas.openxmlformats.org/drawingml/2006/main" xmlns:r="http://schemas.openxmlformats.org/officeDocument/2006/relationships" xmlns:p="http://schemas.openxmlformats.org/presentationml/2006/main">
+  <p:cSld>
+    <p:bg>
+      <p:bgPr>
+        <a:solidFill>
+          <a:srgbClr val="6600CC"/>
+        </a:solidFill>
+        <a:effectLst/>
+      </p:bgPr>
+    </p:bg>
+    <p:spTree>
+      <p:nvGrpSpPr>
+        <p:cNvPr id="1" name=""/>
+        <p:cNvGrpSpPr/>
+        <p:nvPr/>
+      </p:nvGrpSpPr>
+      <p:grpSpPr>
+        <a:xfrm>
+          <a:off x="0" y="0"/>
+          <a:ext cx="0" cy="0"/>
+          <a:chOff x="0" y="0"/>
+          <a:chExt cx="0" cy="0"/>
+        </a:xfrm>
+      </p:grpSpPr>
+      <p:sp>
+        <p:nvSpPr>
+          <p:cNvPr id="2" name="Title 1"/>
+          <p:cNvSpPr>
+            <a:spLocks noGrp="1"/>
+          </p:cNvSpPr>
+          <p:nvPr>
+            <p:ph type="title"/>
+          </p:nvPr>
+        </p:nvSpPr>
+        <p:spPr/>
+        <p:txBody>
+          <a:bodyPr>
+            <a:normAutofit fontScale="90000"/>
+          </a:bodyPr>
+          <a:lstStyle/>
+          <a:p>
+            <a:r>
+              <a:rPr lang="ru-RU" dirty="0" smtClean="0"/>
+              <a:t>Домашнее задание:</a:t>
+            </a:r>
+            <a:br>
+              <a:rPr lang="ru-RU" dirty="0" smtClean="0"/>
+            </a:br>
+            <a:r>
+              <a:rPr lang="ru-RU" dirty="0" smtClean="0"/>
+              <a:t>Создание </a:t>
+            </a:r>
+            <a:r>
+              <a:rPr lang="en-US" dirty="0"/>
+              <a:t>XML </a:t>
+            </a:r>
+            <a:r>
+              <a:rPr lang="ru-RU" dirty="0"/>
+              <a:t>файла</a:t>
+            </a:r>
+            <a:endParaRPr lang="en-US" dirty="0"/>
+          </a:p>
+        </p:txBody>
+      </p:sp>
+      <p:sp>
+        <p:nvSpPr>
+          <p:cNvPr id="3" name="Content Placeholder 2"/>
+          <p:cNvSpPr>
+            <a:spLocks noGrp="1"/>
+          </p:cNvSpPr>
+          <p:nvPr>
+            <p:ph idx="1"/>
+          </p:nvPr>
+        </p:nvSpPr>
+        <p:spPr/>
+        <p:txBody>
+          <a:bodyPr/>
+          <a:lstStyle/>
+          <a:p>
+            <a:pPr marL="0" indent="0">
+              <a:buNone/>
+            </a:pPr>
+            <a:r>
+              <a:rPr lang="ru-RU" dirty="0" smtClean="0"/>
+              <a:t>Смотрите задание в файле </a:t>
+            </a:r>
+            <a:r>
+              <a:rPr lang="en-US" dirty="0" smtClean="0"/>
+              <a:t>xml-books.docx</a:t>
+            </a:r>
+            <a:endParaRPr lang="en-US" dirty="0"/>
+          </a:p>
+        </p:txBody>
+      </p:sp>
+    </p:spTree>
+    <p:extLst>
+      <p:ext uri="{BB962C8B-B14F-4D97-AF65-F5344CB8AC3E}">
+        <p14:creationId xmlns:p14="http://schemas.microsoft.com/office/powerpoint/2010/main" val="2571080396"/>
       </p:ext>
     </p:extLst>
   </p:cSld>
@@ -6991,7 +11308,7 @@
               <a:t>&lt;</a:t>
             </a:r>
             <a:r>
-              <a:rPr lang="en-US" sz="1400" smtClean="0"/>
+              <a:rPr lang="en-US" sz="1400" dirty="0" smtClean="0"/>
               <a:t>/books</a:t>
             </a:r>
             <a:r>

--- a/Presentation/lesson-06-xml.pptx
+++ b/Presentation/lesson-06-xml.pptx
@@ -5,7 +5,7 @@
     <p:sldMasterId id="2147483648" r:id="rId1"/>
   </p:sldMasterIdLst>
   <p:notesMasterIdLst>
-    <p:notesMasterId r:id="rId28"/>
+    <p:notesMasterId r:id="rId29"/>
   </p:notesMasterIdLst>
   <p:sldIdLst>
     <p:sldId id="257" r:id="rId2"/>
@@ -22,18 +22,19 @@
     <p:sldId id="268" r:id="rId13"/>
     <p:sldId id="269" r:id="rId14"/>
     <p:sldId id="270" r:id="rId15"/>
-    <p:sldId id="260" r:id="rId16"/>
-    <p:sldId id="271" r:id="rId17"/>
-    <p:sldId id="273" r:id="rId18"/>
-    <p:sldId id="274" r:id="rId19"/>
-    <p:sldId id="283" r:id="rId20"/>
-    <p:sldId id="276" r:id="rId21"/>
-    <p:sldId id="278" r:id="rId22"/>
-    <p:sldId id="284" r:id="rId23"/>
-    <p:sldId id="277" r:id="rId24"/>
-    <p:sldId id="280" r:id="rId25"/>
-    <p:sldId id="282" r:id="rId26"/>
-    <p:sldId id="285" r:id="rId27"/>
+    <p:sldId id="286" r:id="rId16"/>
+    <p:sldId id="260" r:id="rId17"/>
+    <p:sldId id="271" r:id="rId18"/>
+    <p:sldId id="273" r:id="rId19"/>
+    <p:sldId id="274" r:id="rId20"/>
+    <p:sldId id="283" r:id="rId21"/>
+    <p:sldId id="276" r:id="rId22"/>
+    <p:sldId id="278" r:id="rId23"/>
+    <p:sldId id="284" r:id="rId24"/>
+    <p:sldId id="277" r:id="rId25"/>
+    <p:sldId id="280" r:id="rId26"/>
+    <p:sldId id="282" r:id="rId27"/>
+    <p:sldId id="285" r:id="rId28"/>
   </p:sldIdLst>
   <p:sldSz cx="9144000" cy="6858000" type="screen4x3"/>
   <p:notesSz cx="6858000" cy="9144000"/>
@@ -217,7 +218,7 @@
           <a:p>
             <a:fld id="{B24A7054-7FFB-49F4-A126-5DF6E687FF53}" type="datetimeFigureOut">
               <a:rPr lang="ru-RU" smtClean="0"/>
-              <a:t>16.10.2013</a:t>
+              <a:t>21.10.2013</a:t>
             </a:fld>
             <a:endParaRPr lang="ru-RU"/>
           </a:p>
@@ -1280,7 +1281,7 @@
           <a:p>
             <a:fld id="{8E6E6A2A-E9D3-4A0D-B04A-ABDD367A1E08}" type="datetimeFigureOut">
               <a:rPr lang="ru-RU" smtClean="0"/>
-              <a:t>16.10.2013</a:t>
+              <a:t>21.10.2013</a:t>
             </a:fld>
             <a:endParaRPr lang="ru-RU"/>
           </a:p>
@@ -2728,7 +2729,7 @@
           <a:p>
             <a:fld id="{AC3D3127-B7C4-45E3-9797-C527EC9FDD78}" type="datetimeFigureOut">
               <a:rPr lang="ru-RU" smtClean="0"/>
-              <a:t>16.10.2013</a:t>
+              <a:t>21.10.2013</a:t>
             </a:fld>
             <a:endParaRPr lang="ru-RU"/>
           </a:p>
@@ -5132,8 +5133,8 @@
           <a:lstStyle/>
           <a:p>
             <a:r>
-              <a:rPr lang="ru-RU" dirty="0"/>
-              <a:t>Правила разметки</a:t>
+              <a:rPr lang="ru-RU" dirty="0" smtClean="0"/>
+              <a:t>Хранение бинарных данных</a:t>
             </a:r>
             <a:endParaRPr lang="en-US" dirty="0"/>
           </a:p>
@@ -5149,153 +5150,434 @@
             <p:ph idx="1"/>
           </p:nvPr>
         </p:nvSpPr>
-        <p:spPr/>
+        <p:spPr>
+          <a:xfrm>
+            <a:off x="446856" y="1600201"/>
+            <a:ext cx="8229600" cy="4133056"/>
+          </a:xfrm>
+        </p:spPr>
         <p:txBody>
           <a:bodyPr>
-            <a:normAutofit/>
+            <a:normAutofit lnSpcReduction="10000"/>
           </a:bodyPr>
           <a:lstStyle/>
-          <a:p>
-            <a:pPr lvl="0"/>
-            <a:r>
-              <a:rPr lang="ru-RU" sz="1800" dirty="0"/>
-              <a:t>Все элементы должны быть закрыты</a:t>
-            </a:r>
-            <a:endParaRPr lang="en-US" sz="1800" dirty="0"/>
-          </a:p>
-          <a:p>
-            <a:pPr lvl="0"/>
-            <a:r>
-              <a:rPr lang="ru-RU" sz="1800" dirty="0"/>
-              <a:t>Корневой элемент может быть только один</a:t>
-            </a:r>
-            <a:endParaRPr lang="en-US" sz="1800" dirty="0"/>
-          </a:p>
-          <a:p>
-            <a:pPr lvl="0"/>
-            <a:r>
-              <a:rPr lang="ru-RU" sz="1800" dirty="0"/>
-              <a:t>Регистр имеет значение (&lt;</a:t>
-            </a:r>
-            <a:r>
-              <a:rPr lang="en-US" sz="1800" dirty="0"/>
-              <a:t>book</a:t>
-            </a:r>
-            <a:r>
-              <a:rPr lang="ru-RU" sz="1800" dirty="0"/>
-              <a:t>&gt; != &lt;</a:t>
-            </a:r>
-            <a:r>
-              <a:rPr lang="en-US" sz="1800" dirty="0"/>
-              <a:t>Book</a:t>
-            </a:r>
-            <a:r>
-              <a:rPr lang="ru-RU" sz="1800" dirty="0"/>
-              <a:t>&gt;)</a:t>
-            </a:r>
-            <a:endParaRPr lang="en-US" sz="1800" dirty="0"/>
-          </a:p>
-          <a:p>
-            <a:pPr lvl="0"/>
-            <a:r>
-              <a:rPr lang="ru-RU" sz="1800" dirty="0"/>
-              <a:t>Закрывать нужно в порядке обратном порядку открытия</a:t>
-            </a:r>
-            <a:endParaRPr lang="en-US" sz="1800" dirty="0"/>
-          </a:p>
-          <a:p>
-            <a:pPr lvl="0"/>
-            <a:r>
-              <a:rPr lang="ru-RU" sz="1800" dirty="0"/>
-              <a:t>Значения атрибутов должны быть заключены </a:t>
-            </a:r>
-            <a:r>
-              <a:rPr lang="ru-RU" sz="1800" dirty="0" smtClean="0"/>
-              <a:t>в </a:t>
-            </a:r>
-            <a:r>
-              <a:rPr lang="ru-RU" sz="1800" dirty="0"/>
-              <a:t>кавычки</a:t>
-            </a:r>
-            <a:endParaRPr lang="en-US" sz="1800" dirty="0"/>
-          </a:p>
-          <a:p>
-            <a:r>
-              <a:rPr lang="ru-RU" sz="1800" dirty="0"/>
-              <a:t>При необходимости должна быть указана </a:t>
-            </a:r>
-            <a:r>
-              <a:rPr lang="ru-RU" sz="1800" dirty="0" smtClean="0"/>
-              <a:t>кодировка</a:t>
-            </a:r>
-          </a:p>
-          <a:p>
-            <a:endParaRPr lang="ru-RU" sz="1800" dirty="0"/>
-          </a:p>
           <a:p>
             <a:pPr marL="0" indent="0">
               <a:buNone/>
             </a:pPr>
             <a:r>
-              <a:rPr lang="ru-RU" sz="1800" dirty="0"/>
-              <a:t>Документ выполнящий все эти правила называется синтаксически </a:t>
-            </a:r>
-            <a:r>
-              <a:rPr lang="ru-RU" sz="1800" i="1" dirty="0"/>
-              <a:t>верным</a:t>
-            </a:r>
-            <a:r>
-              <a:rPr lang="ru-RU" sz="1800" dirty="0"/>
-              <a:t> (</a:t>
-            </a:r>
-            <a:r>
-              <a:rPr lang="ru-RU" sz="1800" i="1" dirty="0"/>
-              <a:t>well-formed</a:t>
-            </a:r>
-            <a:r>
-              <a:rPr lang="ru-RU" sz="1800" dirty="0"/>
-              <a:t>). Если документ дополнительно соответствует </a:t>
-            </a:r>
-            <a:r>
-              <a:rPr lang="en-US" sz="1800" dirty="0"/>
-              <a:t>DTD </a:t>
-            </a:r>
-            <a:r>
-              <a:rPr lang="ru-RU" sz="1800" dirty="0"/>
-              <a:t>или </a:t>
-            </a:r>
-            <a:r>
-              <a:rPr lang="en-US" sz="1800" dirty="0"/>
-              <a:t>XML Schema</a:t>
-            </a:r>
-            <a:r>
-              <a:rPr lang="ru-RU" sz="1800" dirty="0"/>
-              <a:t>, то он называется </a:t>
-            </a:r>
-            <a:r>
-              <a:rPr lang="ru-RU" sz="1800" i="1" dirty="0"/>
-              <a:t>правильным</a:t>
-            </a:r>
-            <a:r>
-              <a:rPr lang="ru-RU" sz="1800" dirty="0"/>
-              <a:t> (</a:t>
-            </a:r>
-            <a:r>
-              <a:rPr lang="ru-RU" sz="1800" i="1" dirty="0"/>
-              <a:t>valid</a:t>
-            </a:r>
-            <a:r>
-              <a:rPr lang="ru-RU" sz="1800" dirty="0"/>
-              <a:t>).</a:t>
-            </a:r>
-            <a:endParaRPr lang="en-US" sz="1800" dirty="0"/>
+              <a:rPr lang="en-US" sz="2400" dirty="0" smtClean="0"/>
+              <a:t>XML </a:t>
+            </a:r>
+            <a:r>
+              <a:rPr lang="ru-RU" sz="2400" dirty="0" smtClean="0"/>
+              <a:t>является тектовым форматом, поэтому прямое хранение бинарных данных невозможно. Поэтому, по возможности, </a:t>
+            </a:r>
+            <a:r>
+              <a:rPr lang="ru-RU" sz="2400" dirty="0"/>
+              <a:t>избегайте хранить бинарные данные в </a:t>
+            </a:r>
+            <a:r>
+              <a:rPr lang="en-US" sz="2400" dirty="0"/>
+              <a:t>XML. </a:t>
+            </a:r>
+            <a:r>
+              <a:rPr lang="ru-RU" sz="2400" dirty="0" smtClean="0"/>
+              <a:t>Однако можно преобразовать последовательность байтов в текстовое представление и уже его сохранять в </a:t>
+            </a:r>
+            <a:r>
+              <a:rPr lang="en-US" sz="2400" dirty="0" smtClean="0"/>
+              <a:t>XML.</a:t>
+            </a:r>
+            <a:r>
+              <a:rPr lang="ru-RU" sz="2400" dirty="0" smtClean="0"/>
+              <a:t> Хорошим решением будет использование кодировки </a:t>
+            </a:r>
+            <a:r>
+              <a:rPr lang="en-US" sz="2400" dirty="0" smtClean="0"/>
+              <a:t>Base64. </a:t>
+            </a:r>
+            <a:r>
+              <a:rPr lang="ru-RU" sz="2400" dirty="0" smtClean="0"/>
+              <a:t>Накладные расходы при этом составят примерно 37% от объема бинарных данных. Смотрите методы класса </a:t>
+            </a:r>
+            <a:r>
+              <a:rPr lang="en-US" sz="2400" dirty="0" err="1" smtClean="0"/>
+              <a:t>System.Convert</a:t>
+            </a:r>
+            <a:r>
+              <a:rPr lang="en-US" sz="2400" dirty="0" smtClean="0"/>
+              <a:t>:</a:t>
+            </a:r>
+          </a:p>
+          <a:p>
+            <a:r>
+              <a:rPr lang="en-US" sz="2400" dirty="0" smtClean="0"/>
+              <a:t>string ToBase64String(byte[])</a:t>
+            </a:r>
+          </a:p>
+          <a:p>
+            <a:r>
+              <a:rPr lang="en-US" sz="2400" dirty="0" smtClean="0"/>
+              <a:t>byte[] FromBase64String(string)</a:t>
+            </a:r>
+          </a:p>
+          <a:p>
+            <a:pPr marL="0" indent="0">
+              <a:buNone/>
+            </a:pPr>
+            <a:endParaRPr lang="en-US" sz="2400" dirty="0"/>
+          </a:p>
+        </p:txBody>
+      </p:sp>
+      <p:sp>
+        <p:nvSpPr>
+          <p:cNvPr id="6" name="Content Placeholder 2"/>
+          <p:cNvSpPr txBox="1">
+            <a:spLocks/>
+          </p:cNvSpPr>
+          <p:nvPr/>
+        </p:nvSpPr>
+        <p:spPr>
+          <a:xfrm>
+            <a:off x="446856" y="5733256"/>
+            <a:ext cx="8229600" cy="864096"/>
+          </a:xfrm>
+          <a:prstGeom prst="rect">
+            <a:avLst/>
+          </a:prstGeom>
+          <a:solidFill>
+            <a:schemeClr val="bg1"/>
+          </a:solidFill>
+        </p:spPr>
+        <p:txBody>
+          <a:bodyPr vert="horz" lIns="91440" tIns="45720" rIns="91440" bIns="45720" rtlCol="0">
+            <a:normAutofit fontScale="62500" lnSpcReduction="20000"/>
+          </a:bodyPr>
+          <a:lstStyle>
+            <a:lvl1pPr marL="342900" indent="-342900" algn="l" defTabSz="914400" rtl="0" eaLnBrk="1" latinLnBrk="0" hangingPunct="1">
+              <a:spcBef>
+                <a:spcPct val="20000"/>
+              </a:spcBef>
+              <a:buFont typeface="Arial" pitchFamily="34" charset="0"/>
+              <a:buChar char="•"/>
+              <a:defRPr sz="3200" kern="1200">
+                <a:solidFill>
+                  <a:schemeClr val="tx1"/>
+                </a:solidFill>
+                <a:latin typeface="+mn-lt"/>
+                <a:ea typeface="+mn-ea"/>
+                <a:cs typeface="+mn-cs"/>
+              </a:defRPr>
+            </a:lvl1pPr>
+            <a:lvl2pPr marL="742950" indent="-285750" algn="l" defTabSz="914400" rtl="0" eaLnBrk="1" latinLnBrk="0" hangingPunct="1">
+              <a:spcBef>
+                <a:spcPct val="20000"/>
+              </a:spcBef>
+              <a:buFont typeface="Arial" pitchFamily="34" charset="0"/>
+              <a:buChar char="–"/>
+              <a:defRPr sz="2800" kern="1200">
+                <a:solidFill>
+                  <a:schemeClr val="tx1"/>
+                </a:solidFill>
+                <a:latin typeface="+mn-lt"/>
+                <a:ea typeface="+mn-ea"/>
+                <a:cs typeface="+mn-cs"/>
+              </a:defRPr>
+            </a:lvl2pPr>
+            <a:lvl3pPr marL="1143000" indent="-228600" algn="l" defTabSz="914400" rtl="0" eaLnBrk="1" latinLnBrk="0" hangingPunct="1">
+              <a:spcBef>
+                <a:spcPct val="20000"/>
+              </a:spcBef>
+              <a:buFont typeface="Arial" pitchFamily="34" charset="0"/>
+              <a:buChar char="•"/>
+              <a:defRPr sz="2400" kern="1200">
+                <a:solidFill>
+                  <a:schemeClr val="tx1"/>
+                </a:solidFill>
+                <a:latin typeface="+mn-lt"/>
+                <a:ea typeface="+mn-ea"/>
+                <a:cs typeface="+mn-cs"/>
+              </a:defRPr>
+            </a:lvl3pPr>
+            <a:lvl4pPr marL="1600200" indent="-228600" algn="l" defTabSz="914400" rtl="0" eaLnBrk="1" latinLnBrk="0" hangingPunct="1">
+              <a:spcBef>
+                <a:spcPct val="20000"/>
+              </a:spcBef>
+              <a:buFont typeface="Arial" pitchFamily="34" charset="0"/>
+              <a:buChar char="–"/>
+              <a:defRPr sz="2000" kern="1200">
+                <a:solidFill>
+                  <a:schemeClr val="tx1"/>
+                </a:solidFill>
+                <a:latin typeface="+mn-lt"/>
+                <a:ea typeface="+mn-ea"/>
+                <a:cs typeface="+mn-cs"/>
+              </a:defRPr>
+            </a:lvl4pPr>
+            <a:lvl5pPr marL="2057400" indent="-228600" algn="l" defTabSz="914400" rtl="0" eaLnBrk="1" latinLnBrk="0" hangingPunct="1">
+              <a:spcBef>
+                <a:spcPct val="20000"/>
+              </a:spcBef>
+              <a:buFont typeface="Arial" pitchFamily="34" charset="0"/>
+              <a:buChar char="»"/>
+              <a:defRPr sz="2000" kern="1200">
+                <a:solidFill>
+                  <a:schemeClr val="tx1"/>
+                </a:solidFill>
+                <a:latin typeface="+mn-lt"/>
+                <a:ea typeface="+mn-ea"/>
+                <a:cs typeface="+mn-cs"/>
+              </a:defRPr>
+            </a:lvl5pPr>
+            <a:lvl6pPr marL="2514600" indent="-228600" algn="l" defTabSz="914400" rtl="0" eaLnBrk="1" latinLnBrk="0" hangingPunct="1">
+              <a:spcBef>
+                <a:spcPct val="20000"/>
+              </a:spcBef>
+              <a:buFont typeface="Arial" pitchFamily="34" charset="0"/>
+              <a:buChar char="•"/>
+              <a:defRPr sz="2000" kern="1200">
+                <a:solidFill>
+                  <a:schemeClr val="tx1"/>
+                </a:solidFill>
+                <a:latin typeface="+mn-lt"/>
+                <a:ea typeface="+mn-ea"/>
+                <a:cs typeface="+mn-cs"/>
+              </a:defRPr>
+            </a:lvl6pPr>
+            <a:lvl7pPr marL="2971800" indent="-228600" algn="l" defTabSz="914400" rtl="0" eaLnBrk="1" latinLnBrk="0" hangingPunct="1">
+              <a:spcBef>
+                <a:spcPct val="20000"/>
+              </a:spcBef>
+              <a:buFont typeface="Arial" pitchFamily="34" charset="0"/>
+              <a:buChar char="•"/>
+              <a:defRPr sz="2000" kern="1200">
+                <a:solidFill>
+                  <a:schemeClr val="tx1"/>
+                </a:solidFill>
+                <a:latin typeface="+mn-lt"/>
+                <a:ea typeface="+mn-ea"/>
+                <a:cs typeface="+mn-cs"/>
+              </a:defRPr>
+            </a:lvl7pPr>
+            <a:lvl8pPr marL="3429000" indent="-228600" algn="l" defTabSz="914400" rtl="0" eaLnBrk="1" latinLnBrk="0" hangingPunct="1">
+              <a:spcBef>
+                <a:spcPct val="20000"/>
+              </a:spcBef>
+              <a:buFont typeface="Arial" pitchFamily="34" charset="0"/>
+              <a:buChar char="•"/>
+              <a:defRPr sz="2000" kern="1200">
+                <a:solidFill>
+                  <a:schemeClr val="tx1"/>
+                </a:solidFill>
+                <a:latin typeface="+mn-lt"/>
+                <a:ea typeface="+mn-ea"/>
+                <a:cs typeface="+mn-cs"/>
+              </a:defRPr>
+            </a:lvl8pPr>
+            <a:lvl9pPr marL="3886200" indent="-228600" algn="l" defTabSz="914400" rtl="0" eaLnBrk="1" latinLnBrk="0" hangingPunct="1">
+              <a:spcBef>
+                <a:spcPct val="20000"/>
+              </a:spcBef>
+              <a:buFont typeface="Arial" pitchFamily="34" charset="0"/>
+              <a:buChar char="•"/>
+              <a:defRPr sz="2000" kern="1200">
+                <a:solidFill>
+                  <a:schemeClr val="tx1"/>
+                </a:solidFill>
+                <a:latin typeface="+mn-lt"/>
+                <a:ea typeface="+mn-ea"/>
+                <a:cs typeface="+mn-cs"/>
+              </a:defRPr>
+            </a:lvl9pPr>
+          </a:lstStyle>
+          <a:p>
+            <a:pPr marL="0" indent="0">
+              <a:buNone/>
+            </a:pPr>
+            <a:r>
+              <a:rPr lang="en-US" sz="2400" dirty="0">
+                <a:solidFill>
+                  <a:srgbClr val="0000FF"/>
+                </a:solidFill>
+                <a:latin typeface="Consolas"/>
+              </a:rPr>
+              <a:t>&lt;</a:t>
+            </a:r>
+            <a:r>
+              <a:rPr lang="en-US" sz="2400" dirty="0">
+                <a:solidFill>
+                  <a:srgbClr val="800000"/>
+                </a:solidFill>
+                <a:latin typeface="Consolas"/>
+              </a:rPr>
+              <a:t>book </a:t>
+            </a:r>
+            <a:r>
+              <a:rPr lang="en-US" sz="2400" dirty="0" err="1">
+                <a:solidFill>
+                  <a:srgbClr val="FF0000"/>
+                </a:solidFill>
+                <a:latin typeface="Consolas"/>
+              </a:rPr>
+              <a:t>isbn</a:t>
+            </a:r>
+            <a:r>
+              <a:rPr lang="en-US" sz="2400" dirty="0">
+                <a:solidFill>
+                  <a:srgbClr val="0000FF"/>
+                </a:solidFill>
+                <a:latin typeface="Consolas"/>
+              </a:rPr>
+              <a:t>="978-5-459-00297-3"&gt;</a:t>
+            </a:r>
+            <a:endParaRPr lang="en-US" sz="2400" dirty="0">
+              <a:solidFill>
+                <a:srgbClr val="000000"/>
+              </a:solidFill>
+              <a:latin typeface="Consolas"/>
+            </a:endParaRPr>
+          </a:p>
+          <a:p>
+            <a:pPr marL="0" indent="0">
+              <a:buNone/>
+            </a:pPr>
+            <a:r>
+              <a:rPr lang="en-US" sz="2400" dirty="0" smtClean="0">
+                <a:solidFill>
+                  <a:srgbClr val="000000"/>
+                </a:solidFill>
+                <a:latin typeface="Consolas"/>
+              </a:rPr>
+              <a:t>  </a:t>
+            </a:r>
+            <a:r>
+              <a:rPr lang="en-US" sz="2400" dirty="0">
+                <a:solidFill>
+                  <a:srgbClr val="0000FF"/>
+                </a:solidFill>
+                <a:latin typeface="Consolas"/>
+              </a:rPr>
+              <a:t>&lt;</a:t>
+            </a:r>
+            <a:r>
+              <a:rPr lang="en-US" sz="2400" dirty="0">
+                <a:solidFill>
+                  <a:srgbClr val="800000"/>
+                </a:solidFill>
+                <a:latin typeface="Consolas"/>
+              </a:rPr>
+              <a:t>cover</a:t>
+            </a:r>
+            <a:r>
+              <a:rPr lang="en-US" sz="2400" dirty="0">
+                <a:solidFill>
+                  <a:srgbClr val="0000FF"/>
+                </a:solidFill>
+                <a:latin typeface="Consolas"/>
+              </a:rPr>
+              <a:t>&gt;</a:t>
+            </a:r>
+            <a:r>
+              <a:rPr lang="en-US" sz="2400" dirty="0">
+                <a:solidFill>
+                  <a:srgbClr val="000000"/>
+                </a:solidFill>
+                <a:latin typeface="Consolas"/>
+              </a:rPr>
+              <a:t>/9j/4AAQSkZJRgABAgEAAAAAA...</a:t>
+            </a:r>
+            <a:r>
+              <a:rPr lang="en-US" sz="2400" dirty="0" err="1">
+                <a:solidFill>
+                  <a:srgbClr val="000000"/>
+                </a:solidFill>
+                <a:latin typeface="Consolas"/>
+              </a:rPr>
+              <a:t>PnOgkECAgYgQQICCQIIH</a:t>
+            </a:r>
+            <a:r>
+              <a:rPr lang="en-US" sz="2400" dirty="0">
+                <a:solidFill>
+                  <a:srgbClr val="000000"/>
+                </a:solidFill>
+                <a:latin typeface="Consolas"/>
+              </a:rPr>
+              <a:t>/2Q==</a:t>
+            </a:r>
+            <a:r>
+              <a:rPr lang="en-US" sz="2400" dirty="0">
+                <a:solidFill>
+                  <a:srgbClr val="0000FF"/>
+                </a:solidFill>
+                <a:latin typeface="Consolas"/>
+              </a:rPr>
+              <a:t>&lt;/</a:t>
+            </a:r>
+            <a:r>
+              <a:rPr lang="en-US" sz="2400" dirty="0">
+                <a:solidFill>
+                  <a:srgbClr val="800000"/>
+                </a:solidFill>
+                <a:latin typeface="Consolas"/>
+              </a:rPr>
+              <a:t>cover</a:t>
+            </a:r>
+            <a:r>
+              <a:rPr lang="en-US" sz="2400" dirty="0">
+                <a:solidFill>
+                  <a:srgbClr val="0000FF"/>
+                </a:solidFill>
+                <a:latin typeface="Consolas"/>
+              </a:rPr>
+              <a:t>&gt;</a:t>
+            </a:r>
+            <a:endParaRPr lang="en-US" sz="2400" dirty="0">
+              <a:solidFill>
+                <a:srgbClr val="000000"/>
+              </a:solidFill>
+              <a:latin typeface="Consolas"/>
+            </a:endParaRPr>
+          </a:p>
+          <a:p>
+            <a:pPr marL="0" indent="0">
+              <a:buNone/>
+            </a:pPr>
+            <a:r>
+              <a:rPr lang="en-US" sz="2400" dirty="0">
+                <a:solidFill>
+                  <a:srgbClr val="0000FF"/>
+                </a:solidFill>
+                <a:latin typeface="Consolas"/>
+              </a:rPr>
+              <a:t>&lt;/</a:t>
+            </a:r>
+            <a:r>
+              <a:rPr lang="en-US" sz="2400" dirty="0">
+                <a:solidFill>
+                  <a:srgbClr val="800000"/>
+                </a:solidFill>
+                <a:latin typeface="Consolas"/>
+              </a:rPr>
+              <a:t>book</a:t>
+            </a:r>
+            <a:r>
+              <a:rPr lang="en-US" sz="2400" dirty="0">
+                <a:solidFill>
+                  <a:srgbClr val="0000FF"/>
+                </a:solidFill>
+                <a:latin typeface="Consolas"/>
+              </a:rPr>
+              <a:t>&gt;</a:t>
+            </a:r>
+            <a:endParaRPr lang="en-US" sz="2400" dirty="0"/>
           </a:p>
         </p:txBody>
       </p:sp>
     </p:spTree>
     <p:extLst>
       <p:ext uri="{BB962C8B-B14F-4D97-AF65-F5344CB8AC3E}">
-        <p14:creationId xmlns:p14="http://schemas.microsoft.com/office/powerpoint/2010/main" val="748900971"/>
+        <p14:creationId xmlns:p14="http://schemas.microsoft.com/office/powerpoint/2010/main" val="766526891"/>
       </p:ext>
     </p:extLst>
   </p:cSld>
@@ -5345,8 +5627,8 @@
           <a:lstStyle/>
           <a:p>
             <a:r>
-              <a:rPr lang="ru-RU" dirty="0" smtClean="0"/>
-              <a:t>Способы</a:t>
+              <a:rPr lang="ru-RU" dirty="0"/>
+              <a:t>Правила разметки</a:t>
             </a:r>
             <a:endParaRPr lang="en-US" dirty="0"/>
           </a:p>
@@ -5364,118 +5646,164 @@
         </p:nvSpPr>
         <p:spPr/>
         <p:txBody>
-          <a:bodyPr/>
+          <a:bodyPr>
+            <a:normAutofit/>
+          </a:bodyPr>
           <a:lstStyle/>
           <a:p>
-            <a:r>
-              <a:rPr lang="en-US" dirty="0"/>
-              <a:t>DTD – </a:t>
-            </a:r>
-            <a:r>
-              <a:rPr lang="en-US" dirty="0">
-                <a:solidFill>
-                  <a:srgbClr val="FF0000"/>
-                </a:solidFill>
-              </a:rPr>
-              <a:t>D</a:t>
-            </a:r>
-            <a:r>
-              <a:rPr lang="en-US" dirty="0"/>
-              <a:t>ocument </a:t>
-            </a:r>
-            <a:r>
-              <a:rPr lang="en-US" dirty="0">
-                <a:solidFill>
-                  <a:srgbClr val="FF0000"/>
-                </a:solidFill>
-              </a:rPr>
-              <a:t>T</a:t>
-            </a:r>
-            <a:r>
-              <a:rPr lang="en-US" dirty="0"/>
-              <a:t>ype </a:t>
-            </a:r>
-            <a:r>
-              <a:rPr lang="en-US" dirty="0" smtClean="0">
-                <a:solidFill>
-                  <a:srgbClr val="FF0000"/>
-                </a:solidFill>
-              </a:rPr>
-              <a:t>D</a:t>
-            </a:r>
-            <a:r>
-              <a:rPr lang="en-US" dirty="0" smtClean="0"/>
-              <a:t>efinition</a:t>
-            </a:r>
-            <a:endParaRPr lang="ru-RU" dirty="0" smtClean="0"/>
-          </a:p>
-          <a:p>
-            <a:r>
-              <a:rPr lang="en-US" dirty="0"/>
-              <a:t>XML </a:t>
-            </a:r>
-            <a:r>
-              <a:rPr lang="en-US" dirty="0" smtClean="0"/>
-              <a:t>Schema</a:t>
-            </a:r>
-            <a:r>
-              <a:rPr lang="ru-RU" dirty="0" smtClean="0"/>
+            <a:pPr lvl="0"/>
+            <a:r>
+              <a:rPr lang="ru-RU" sz="1800" dirty="0"/>
+              <a:t>Все элементы должны быть закрыты</a:t>
+            </a:r>
+            <a:endParaRPr lang="en-US" sz="1800" dirty="0"/>
+          </a:p>
+          <a:p>
+            <a:pPr lvl="0"/>
+            <a:r>
+              <a:rPr lang="ru-RU" sz="1800" dirty="0"/>
+              <a:t>Корневой элемент может быть только один</a:t>
+            </a:r>
+            <a:endParaRPr lang="en-US" sz="1800" dirty="0"/>
+          </a:p>
+          <a:p>
+            <a:pPr lvl="0"/>
+            <a:r>
+              <a:rPr lang="ru-RU" sz="1800" dirty="0"/>
+              <a:t>Регистр имеет значение (&lt;</a:t>
+            </a:r>
+            <a:r>
+              <a:rPr lang="en-US" sz="1800" dirty="0"/>
+              <a:t>book</a:t>
+            </a:r>
+            <a:r>
+              <a:rPr lang="ru-RU" sz="1800" dirty="0"/>
+              <a:t>&gt; != &lt;</a:t>
+            </a:r>
+            <a:r>
+              <a:rPr lang="en-US" sz="1800" dirty="0"/>
+              <a:t>Book</a:t>
+            </a:r>
+            <a:r>
+              <a:rPr lang="ru-RU" sz="1800" dirty="0"/>
+              <a:t>&gt;)</a:t>
+            </a:r>
+            <a:endParaRPr lang="en-US" sz="1800" dirty="0"/>
+          </a:p>
+          <a:p>
+            <a:pPr lvl="0"/>
+            <a:r>
+              <a:rPr lang="ru-RU" sz="1800" dirty="0"/>
+              <a:t>Закрывать нужно в порядке обратном порядку открытия</a:t>
+            </a:r>
+            <a:endParaRPr lang="en-US" sz="1800" dirty="0"/>
+          </a:p>
+          <a:p>
+            <a:pPr lvl="0"/>
+            <a:r>
+              <a:rPr lang="ru-RU" sz="1800" dirty="0"/>
+              <a:t>Значения атрибутов должны быть заключены </a:t>
+            </a:r>
+            <a:r>
+              <a:rPr lang="ru-RU" sz="1800" dirty="0" smtClean="0"/>
+              <a:t>в </a:t>
+            </a:r>
+            <a:r>
+              <a:rPr lang="ru-RU" sz="1800" dirty="0"/>
+              <a:t>кавычки</a:t>
+            </a:r>
+            <a:endParaRPr lang="en-US" sz="1800" dirty="0"/>
+          </a:p>
+          <a:p>
+            <a:r>
+              <a:rPr lang="ru-RU" sz="1800" dirty="0"/>
+              <a:t>При необходимости должна быть указана </a:t>
+            </a:r>
+            <a:r>
+              <a:rPr lang="ru-RU" sz="1800" dirty="0" smtClean="0"/>
+              <a:t>кодировка</a:t>
+            </a:r>
+          </a:p>
+          <a:p>
+            <a:endParaRPr lang="ru-RU" sz="1800" dirty="0"/>
+          </a:p>
+          <a:p>
+            <a:pPr marL="0" indent="0">
+              <a:buNone/>
+            </a:pPr>
+            <a:r>
+              <a:rPr lang="ru-RU" sz="1800" dirty="0"/>
+              <a:t>Документ выполнящий все эти правила называется синтаксически </a:t>
+            </a:r>
+            <a:r>
+              <a:rPr lang="ru-RU" sz="1800" i="1" dirty="0"/>
+              <a:t>верным</a:t>
+            </a:r>
+            <a:r>
+              <a:rPr lang="ru-RU" sz="1800" dirty="0"/>
               <a:t> (</a:t>
             </a:r>
             <a:r>
-              <a:rPr lang="en-US" dirty="0" smtClean="0"/>
-              <a:t>XSD)</a:t>
-            </a:r>
-          </a:p>
-          <a:p>
-            <a:pPr lvl="1"/>
-            <a:r>
-              <a:rPr lang="en-US" dirty="0">
-                <a:hlinkClick r:id="rId2"/>
-              </a:rPr>
-              <a:t>W3C XML Schema Definition Language (XSD) 1.1 Part 1: Structures</a:t>
-            </a:r>
-            <a:endParaRPr lang="en-US" dirty="0"/>
-          </a:p>
-          <a:p>
-            <a:pPr lvl="1"/>
-            <a:r>
-              <a:rPr lang="en-US" dirty="0">
-                <a:hlinkClick r:id="rId3"/>
-              </a:rPr>
-              <a:t>W3C XML Schema Definition Language (XSD) 1.1 Part 2: </a:t>
-            </a:r>
-            <a:r>
-              <a:rPr lang="en-US" dirty="0" err="1">
-                <a:hlinkClick r:id="rId3"/>
-              </a:rPr>
-              <a:t>Datatypes</a:t>
-            </a:r>
-            <a:endParaRPr lang="en-US" dirty="0"/>
-          </a:p>
-          <a:p>
-            <a:endParaRPr lang="en-US" dirty="0" smtClean="0"/>
+              <a:rPr lang="ru-RU" sz="1800" i="1" dirty="0"/>
+              <a:t>well-formed</a:t>
+            </a:r>
+            <a:r>
+              <a:rPr lang="ru-RU" sz="1800" dirty="0"/>
+              <a:t>). Если документ дополнительно соответствует </a:t>
+            </a:r>
+            <a:r>
+              <a:rPr lang="en-US" sz="1800" dirty="0"/>
+              <a:t>DTD </a:t>
+            </a:r>
+            <a:r>
+              <a:rPr lang="ru-RU" sz="1800" dirty="0"/>
+              <a:t>или </a:t>
+            </a:r>
+            <a:r>
+              <a:rPr lang="en-US" sz="1800" dirty="0"/>
+              <a:t>XML Schema</a:t>
+            </a:r>
+            <a:r>
+              <a:rPr lang="ru-RU" sz="1800" dirty="0"/>
+              <a:t>, то он называется </a:t>
+            </a:r>
+            <a:r>
+              <a:rPr lang="ru-RU" sz="1800" i="1" dirty="0"/>
+              <a:t>правильным</a:t>
+            </a:r>
+            <a:r>
+              <a:rPr lang="ru-RU" sz="1800" dirty="0"/>
+              <a:t> (</a:t>
+            </a:r>
+            <a:r>
+              <a:rPr lang="ru-RU" sz="1800" i="1" dirty="0"/>
+              <a:t>valid</a:t>
+            </a:r>
+            <a:r>
+              <a:rPr lang="ru-RU" sz="1800" dirty="0"/>
+              <a:t>).</a:t>
+            </a:r>
+            <a:endParaRPr lang="en-US" sz="1800" dirty="0"/>
           </a:p>
         </p:txBody>
       </p:sp>
     </p:spTree>
     <p:extLst>
       <p:ext uri="{BB962C8B-B14F-4D97-AF65-F5344CB8AC3E}">
-        <p14:creationId xmlns:p14="http://schemas.microsoft.com/office/powerpoint/2010/main" val="3193560450"/>
+        <p14:creationId xmlns:p14="http://schemas.microsoft.com/office/powerpoint/2010/main" val="748900971"/>
       </p:ext>
     </p:extLst>
   </p:cSld>
   <p:clrMapOvr>
     <a:masterClrMapping/>
   </p:clrMapOvr>
-  <mc:AlternateContent xmlns:mc="http://schemas.openxmlformats.org/markup-compatibility/2006" xmlns:p14="http://schemas.microsoft.com/office/powerpoint/2010/main">
-    <mc:Choice Requires="p14">
-      <p:transition spd="slow" p14:dur="2000"/>
-    </mc:Choice>
-    <mc:Fallback xmlns="">
-      <p:transition spd="slow"/>
-    </mc:Fallback>
-  </mc:AlternateContent>
+  <p:timing>
+    <p:tnLst>
+      <p:par>
+        <p:cTn id="1" dur="indefinite" restart="never" nodeType="tmRoot"/>
+      </p:par>
+    </p:tnLst>
+  </p:timing>
 </p:sld>
 </file>
 
@@ -5508,70 +5836,14 @@
         </p:nvSpPr>
         <p:spPr/>
         <p:txBody>
-          <a:bodyPr>
-            <a:normAutofit fontScale="90000"/>
-          </a:bodyPr>
+          <a:bodyPr/>
           <a:lstStyle/>
           <a:p>
             <a:r>
-              <a:rPr lang="en-US" dirty="0" smtClean="0"/>
-              <a:t>XSLT - E</a:t>
-            </a:r>
-            <a:r>
-              <a:rPr lang="en-US" dirty="0" smtClean="0">
-                <a:solidFill>
-                  <a:srgbClr val="FF0000"/>
-                </a:solidFill>
-              </a:rPr>
-              <a:t>x</a:t>
-            </a:r>
-            <a:r>
-              <a:rPr lang="en-US" dirty="0" smtClean="0"/>
-              <a:t>tensible </a:t>
-            </a:r>
-            <a:r>
-              <a:rPr lang="en-US" dirty="0" err="1">
-                <a:solidFill>
-                  <a:srgbClr val="FF0000"/>
-                </a:solidFill>
-              </a:rPr>
-              <a:t>S</a:t>
-            </a:r>
-            <a:r>
-              <a:rPr lang="en-US" dirty="0" err="1"/>
-              <a:t>tylesheet</a:t>
-            </a:r>
-            <a:r>
-              <a:rPr lang="en-US" dirty="0"/>
-              <a:t> </a:t>
-            </a:r>
-            <a:r>
-              <a:rPr lang="en-US" dirty="0">
-                <a:solidFill>
-                  <a:srgbClr val="FF0000"/>
-                </a:solidFill>
-              </a:rPr>
-              <a:t>L</a:t>
-            </a:r>
-            <a:r>
-              <a:rPr lang="en-US" dirty="0"/>
-              <a:t>anguage</a:t>
-            </a:r>
-            <a:br>
-              <a:rPr lang="en-US" dirty="0"/>
-            </a:br>
-            <a:r>
-              <a:rPr lang="en-US" dirty="0">
-                <a:solidFill>
-                  <a:srgbClr val="FF0000"/>
-                </a:solidFill>
-              </a:rPr>
-              <a:t>T</a:t>
-            </a:r>
-            <a:r>
-              <a:rPr lang="en-US" dirty="0"/>
-              <a:t>ransformations</a:t>
-            </a:r>
+              <a:rPr lang="ru-RU" dirty="0" smtClean="0"/>
+              <a:t>Способы</a:t>
+            </a:r>
+            <a:endParaRPr lang="en-US" dirty="0"/>
           </a:p>
         </p:txBody>
       </p:sp>
@@ -5591,47 +5863,121 @@
           <a:lstStyle/>
           <a:p>
             <a:r>
+              <a:rPr lang="en-US" dirty="0"/>
+              <a:t>DTD – </a:t>
+            </a:r>
+            <a:r>
+              <a:rPr lang="en-US" dirty="0">
+                <a:solidFill>
+                  <a:srgbClr val="FF0000"/>
+                </a:solidFill>
+              </a:rPr>
+              <a:t>D</a:t>
+            </a:r>
+            <a:r>
+              <a:rPr lang="en-US" dirty="0"/>
+              <a:t>ocument </a:t>
+            </a:r>
+            <a:r>
+              <a:rPr lang="en-US" dirty="0">
+                <a:solidFill>
+                  <a:srgbClr val="FF0000"/>
+                </a:solidFill>
+              </a:rPr>
+              <a:t>T</a:t>
+            </a:r>
+            <a:r>
+              <a:rPr lang="en-US" dirty="0"/>
+              <a:t>ype </a:t>
+            </a:r>
+            <a:r>
+              <a:rPr lang="en-US" dirty="0" smtClean="0">
+                <a:solidFill>
+                  <a:srgbClr val="FF0000"/>
+                </a:solidFill>
+              </a:rPr>
+              <a:t>D</a:t>
+            </a:r>
+            <a:r>
+              <a:rPr lang="en-US" dirty="0" smtClean="0"/>
+              <a:t>efinition</a:t>
+            </a:r>
+            <a:endParaRPr lang="ru-RU" dirty="0" smtClean="0"/>
+          </a:p>
+          <a:p>
+            <a:r>
+              <a:rPr lang="en-US" dirty="0"/>
+              <a:t>XML </a:t>
+            </a:r>
+            <a:r>
+              <a:rPr lang="en-US" dirty="0" smtClean="0"/>
+              <a:t>Schema</a:t>
+            </a:r>
+            <a:r>
               <a:rPr lang="ru-RU" dirty="0" smtClean="0"/>
-              <a:t>Позволяет производить трансформации одного документа в другой</a:t>
+              <a:t> (</a:t>
             </a:r>
             <a:r>
               <a:rPr lang="en-US" dirty="0" smtClean="0"/>
-              <a:t>, </a:t>
-            </a:r>
-            <a:r>
-              <a:rPr lang="ru-RU" dirty="0"/>
-              <a:t>а </a:t>
-            </a:r>
-            <a:r>
-              <a:rPr lang="ru-RU" dirty="0" smtClean="0"/>
-              <a:t>также в другие форматы.</a:t>
-            </a:r>
-          </a:p>
-          <a:p>
-            <a:r>
-              <a:rPr lang="ru-RU" dirty="0" smtClean="0"/>
-              <a:t>Основан на </a:t>
-            </a:r>
-            <a:r>
-              <a:rPr lang="en-US" dirty="0" smtClean="0"/>
-              <a:t>XML</a:t>
-            </a:r>
-          </a:p>
-          <a:p>
+              <a:t>XSD)</a:t>
+            </a:r>
+          </a:p>
+          <a:p>
+            <a:pPr lvl="1"/>
+            <a:r>
+              <a:rPr lang="en-US" dirty="0">
+                <a:hlinkClick r:id="rId2"/>
+              </a:rPr>
+              <a:t>W3C XML Schema Definition Language (XSD) 1.1 Part 1: Structures</a:t>
+            </a:r>
             <a:endParaRPr lang="en-US" dirty="0"/>
+          </a:p>
+          <a:p>
+            <a:pPr lvl="1"/>
+            <a:r>
+              <a:rPr lang="en-US" dirty="0">
+                <a:hlinkClick r:id="rId3"/>
+              </a:rPr>
+              <a:t>W3C XML Schema Definition Language (XSD) 1.1 Part 2: </a:t>
+            </a:r>
+            <a:r>
+              <a:rPr lang="en-US" dirty="0" err="1">
+                <a:hlinkClick r:id="rId3"/>
+              </a:rPr>
+              <a:t>Datatypes</a:t>
+            </a:r>
+            <a:endParaRPr lang="en-US" dirty="0"/>
+          </a:p>
+          <a:p>
+            <a:endParaRPr lang="en-US" dirty="0" smtClean="0"/>
           </a:p>
         </p:txBody>
       </p:sp>
     </p:spTree>
     <p:extLst>
       <p:ext uri="{BB962C8B-B14F-4D97-AF65-F5344CB8AC3E}">
-        <p14:creationId xmlns:p14="http://schemas.microsoft.com/office/powerpoint/2010/main" val="103880850"/>
+        <p14:creationId xmlns:p14="http://schemas.microsoft.com/office/powerpoint/2010/main" val="3193560450"/>
       </p:ext>
     </p:extLst>
   </p:cSld>
   <p:clrMapOvr>
     <a:masterClrMapping/>
   </p:clrMapOvr>
+  <mc:AlternateContent xmlns:mc="http://schemas.openxmlformats.org/markup-compatibility/2006" xmlns:p14="http://schemas.microsoft.com/office/powerpoint/2010/main">
+    <mc:Choice Requires="p14">
+      <p:transition spd="slow" p14:dur="2000"/>
+    </mc:Choice>
+    <mc:Fallback xmlns="">
+      <p:transition spd="slow"/>
+    </mc:Fallback>
+  </mc:AlternateContent>
+  <p:timing>
+    <p:tnLst>
+      <p:par>
+        <p:cTn id="1" dur="indefinite" restart="never" nodeType="tmRoot"/>
+      </p:par>
+    </p:tnLst>
+  </p:timing>
 </p:sld>
 </file>
 
@@ -5670,22 +6016,64 @@
           <a:lstStyle/>
           <a:p>
             <a:r>
-              <a:rPr lang="en-US" dirty="0" err="1" smtClean="0"/>
-              <a:t>XPath</a:t>
-            </a:r>
-            <a:r>
-              <a:rPr lang="ru-RU" dirty="0" smtClean="0"/>
-              <a:t> – Язык для поиска элементов в </a:t>
-            </a:r>
-            <a:r>
               <a:rPr lang="en-US" dirty="0" smtClean="0"/>
-              <a:t>XML </a:t>
-            </a:r>
-            <a:r>
-              <a:rPr lang="ru-RU" dirty="0" smtClean="0"/>
-              <a:t>документе</a:t>
-            </a:r>
-            <a:endParaRPr lang="en-US" dirty="0"/>
+              <a:t>XSLT - E</a:t>
+            </a:r>
+            <a:r>
+              <a:rPr lang="en-US" dirty="0" smtClean="0">
+                <a:solidFill>
+                  <a:srgbClr val="FF0000"/>
+                </a:solidFill>
+              </a:rPr>
+              <a:t>x</a:t>
+            </a:r>
+            <a:r>
+              <a:rPr lang="en-US" dirty="0" smtClean="0"/>
+              <a:t>tensible </a:t>
+            </a:r>
+            <a:r>
+              <a:rPr lang="en-US" dirty="0" err="1">
+                <a:solidFill>
+                  <a:srgbClr val="FF0000"/>
+                </a:solidFill>
+              </a:rPr>
+              <a:t>S</a:t>
+            </a:r>
+            <a:r>
+              <a:rPr lang="en-US" dirty="0" err="1"/>
+              <a:t>tylesheet</a:t>
+            </a:r>
+            <a:r>
+              <a:rPr lang="en-US" dirty="0"/>
+              <a:t> </a:t>
+            </a:r>
+            <a:r>
+              <a:rPr lang="en-US" dirty="0">
+                <a:solidFill>
+                  <a:srgbClr val="FF0000"/>
+                </a:solidFill>
+              </a:rPr>
+              <a:t>L</a:t>
+            </a:r>
+            <a:r>
+              <a:rPr lang="en-US" dirty="0"/>
+              <a:t>anguage</a:t>
+            </a:r>
+            <a:br>
+              <a:rPr lang="en-US" dirty="0"/>
+            </a:br>
+            <a:r>
+              <a:rPr lang="en-US" dirty="0">
+                <a:solidFill>
+                  <a:srgbClr val="FF0000"/>
+                </a:solidFill>
+              </a:rPr>
+              <a:t>T</a:t>
+            </a:r>
+            <a:r>
+              <a:rPr lang="en-US" dirty="0"/>
+              <a:t>ransformations</a:t>
+            </a:r>
           </a:p>
         </p:txBody>
       </p:sp>
@@ -5705,6 +6093,120 @@
           <a:lstStyle/>
           <a:p>
             <a:r>
+              <a:rPr lang="ru-RU" dirty="0" smtClean="0"/>
+              <a:t>Позволяет производить трансформации одного документа в другой</a:t>
+            </a:r>
+            <a:r>
+              <a:rPr lang="en-US" dirty="0" smtClean="0"/>
+              <a:t>, </a:t>
+            </a:r>
+            <a:r>
+              <a:rPr lang="ru-RU" dirty="0"/>
+              <a:t>а </a:t>
+            </a:r>
+            <a:r>
+              <a:rPr lang="ru-RU" dirty="0" smtClean="0"/>
+              <a:t>также в другие форматы.</a:t>
+            </a:r>
+          </a:p>
+          <a:p>
+            <a:r>
+              <a:rPr lang="ru-RU" dirty="0" smtClean="0"/>
+              <a:t>Основан на </a:t>
+            </a:r>
+            <a:r>
+              <a:rPr lang="en-US" dirty="0" smtClean="0"/>
+              <a:t>XML</a:t>
+            </a:r>
+          </a:p>
+          <a:p>
+            <a:endParaRPr lang="en-US" dirty="0"/>
+          </a:p>
+        </p:txBody>
+      </p:sp>
+    </p:spTree>
+    <p:extLst>
+      <p:ext uri="{BB962C8B-B14F-4D97-AF65-F5344CB8AC3E}">
+        <p14:creationId xmlns:p14="http://schemas.microsoft.com/office/powerpoint/2010/main" val="103880850"/>
+      </p:ext>
+    </p:extLst>
+  </p:cSld>
+  <p:clrMapOvr>
+    <a:masterClrMapping/>
+  </p:clrMapOvr>
+</p:sld>
+</file>
+
+<file path=ppt/slides/slide19.xml><?xml version="1.0" encoding="utf-8"?>
+<p:sld xmlns:a="http://schemas.openxmlformats.org/drawingml/2006/main" xmlns:r="http://schemas.openxmlformats.org/officeDocument/2006/relationships" xmlns:p="http://schemas.openxmlformats.org/presentationml/2006/main">
+  <p:cSld>
+    <p:spTree>
+      <p:nvGrpSpPr>
+        <p:cNvPr id="1" name=""/>
+        <p:cNvGrpSpPr/>
+        <p:nvPr/>
+      </p:nvGrpSpPr>
+      <p:grpSpPr>
+        <a:xfrm>
+          <a:off x="0" y="0"/>
+          <a:ext cx="0" cy="0"/>
+          <a:chOff x="0" y="0"/>
+          <a:chExt cx="0" cy="0"/>
+        </a:xfrm>
+      </p:grpSpPr>
+      <p:sp>
+        <p:nvSpPr>
+          <p:cNvPr id="2" name="Title 1"/>
+          <p:cNvSpPr>
+            <a:spLocks noGrp="1"/>
+          </p:cNvSpPr>
+          <p:nvPr>
+            <p:ph type="title"/>
+          </p:nvPr>
+        </p:nvSpPr>
+        <p:spPr/>
+        <p:txBody>
+          <a:bodyPr>
+            <a:normAutofit fontScale="90000"/>
+          </a:bodyPr>
+          <a:lstStyle/>
+          <a:p>
+            <a:r>
+              <a:rPr lang="en-US" dirty="0" err="1" smtClean="0"/>
+              <a:t>XPath</a:t>
+            </a:r>
+            <a:r>
+              <a:rPr lang="ru-RU" dirty="0" smtClean="0"/>
+              <a:t> – Язык для поиска элементов в </a:t>
+            </a:r>
+            <a:r>
+              <a:rPr lang="en-US" dirty="0" smtClean="0"/>
+              <a:t>XML </a:t>
+            </a:r>
+            <a:r>
+              <a:rPr lang="ru-RU" dirty="0" smtClean="0"/>
+              <a:t>документе</a:t>
+            </a:r>
+            <a:endParaRPr lang="en-US" dirty="0"/>
+          </a:p>
+        </p:txBody>
+      </p:sp>
+      <p:sp>
+        <p:nvSpPr>
+          <p:cNvPr id="3" name="Content Placeholder 2"/>
+          <p:cNvSpPr>
+            <a:spLocks noGrp="1"/>
+          </p:cNvSpPr>
+          <p:nvPr>
+            <p:ph idx="1"/>
+          </p:nvPr>
+        </p:nvSpPr>
+        <p:spPr/>
+        <p:txBody>
+          <a:bodyPr/>
+          <a:lstStyle/>
+          <a:p>
+            <a:r>
               <a:rPr lang="en-US" dirty="0">
                 <a:hlinkClick r:id="rId2"/>
               </a:rPr>
@@ -5778,7 +6280,6 @@
               <a:rPr lang="en-US" dirty="0" smtClean="0"/>
               <a:t> 1.0</a:t>
             </a:r>
-            <a:endParaRPr lang="en-US" dirty="0" smtClean="0"/>
           </a:p>
         </p:txBody>
       </p:sp>
@@ -5802,7 +6303,134 @@
 </p:sld>
 </file>
 
-<file path=ppt/slides/slide19.xml><?xml version="1.0" encoding="utf-8"?>
+<file path=ppt/slides/slide2.xml><?xml version="1.0" encoding="utf-8"?>
+<p:sld xmlns:a="http://schemas.openxmlformats.org/drawingml/2006/main" xmlns:r="http://schemas.openxmlformats.org/officeDocument/2006/relationships" xmlns:p="http://schemas.openxmlformats.org/presentationml/2006/main">
+  <p:cSld>
+    <p:spTree>
+      <p:nvGrpSpPr>
+        <p:cNvPr id="1" name=""/>
+        <p:cNvGrpSpPr/>
+        <p:nvPr/>
+      </p:nvGrpSpPr>
+      <p:grpSpPr>
+        <a:xfrm>
+          <a:off x="0" y="0"/>
+          <a:ext cx="0" cy="0"/>
+          <a:chOff x="0" y="0"/>
+          <a:chExt cx="0" cy="0"/>
+        </a:xfrm>
+      </p:grpSpPr>
+      <p:sp>
+        <p:nvSpPr>
+          <p:cNvPr id="2" name="Title 1"/>
+          <p:cNvSpPr>
+            <a:spLocks noGrp="1"/>
+          </p:cNvSpPr>
+          <p:nvPr>
+            <p:ph type="title"/>
+          </p:nvPr>
+        </p:nvSpPr>
+        <p:spPr/>
+        <p:txBody>
+          <a:bodyPr/>
+          <a:lstStyle/>
+          <a:p>
+            <a:r>
+              <a:rPr lang="ru-RU" dirty="0" smtClean="0"/>
+              <a:t>Литература</a:t>
+            </a:r>
+            <a:endParaRPr lang="en-US" dirty="0"/>
+          </a:p>
+        </p:txBody>
+      </p:sp>
+      <p:sp>
+        <p:nvSpPr>
+          <p:cNvPr id="3" name="Content Placeholder 2"/>
+          <p:cNvSpPr>
+            <a:spLocks noGrp="1"/>
+          </p:cNvSpPr>
+          <p:nvPr>
+            <p:ph idx="1"/>
+          </p:nvPr>
+        </p:nvSpPr>
+        <p:spPr/>
+        <p:txBody>
+          <a:bodyPr/>
+          <a:lstStyle/>
+          <a:p>
+            <a:r>
+              <a:rPr lang="en-US" dirty="0" smtClean="0"/>
+              <a:t>Pro</a:t>
+            </a:r>
+            <a:r>
+              <a:rPr lang="ru-RU" dirty="0" smtClean="0"/>
+              <a:t> </a:t>
+            </a:r>
+            <a:r>
+              <a:rPr lang="en-US" dirty="0" smtClean="0"/>
+              <a:t>.NET 2.0</a:t>
+            </a:r>
+            <a:r>
+              <a:rPr lang="ru-RU" dirty="0" smtClean="0"/>
+              <a:t> </a:t>
+            </a:r>
+            <a:r>
+              <a:rPr lang="en-US" dirty="0" smtClean="0"/>
+              <a:t>XML</a:t>
+            </a:r>
+            <a:r>
+              <a:rPr lang="ru-RU" dirty="0" smtClean="0"/>
+              <a:t>, </a:t>
+            </a:r>
+            <a:r>
+              <a:rPr lang="en-US" dirty="0" err="1"/>
+              <a:t>Bipin</a:t>
+            </a:r>
+            <a:r>
+              <a:rPr lang="en-US" dirty="0"/>
+              <a:t> </a:t>
+            </a:r>
+            <a:r>
+              <a:rPr lang="en-US" dirty="0" smtClean="0"/>
+              <a:t>Joshi</a:t>
+            </a:r>
+            <a:r>
+              <a:rPr lang="ru-RU" dirty="0" smtClean="0"/>
+              <a:t>, </a:t>
+            </a:r>
+            <a:r>
+              <a:rPr lang="en-US" dirty="0" err="1" smtClean="0"/>
+              <a:t>Apress</a:t>
+            </a:r>
+            <a:r>
+              <a:rPr lang="en-US" dirty="0" smtClean="0"/>
+              <a:t> 2007</a:t>
+            </a:r>
+            <a:endParaRPr lang="en-US" dirty="0"/>
+          </a:p>
+        </p:txBody>
+      </p:sp>
+    </p:spTree>
+    <p:extLst>
+      <p:ext uri="{BB962C8B-B14F-4D97-AF65-F5344CB8AC3E}">
+        <p14:creationId xmlns:p14="http://schemas.microsoft.com/office/powerpoint/2010/main" val="1810951574"/>
+      </p:ext>
+    </p:extLst>
+  </p:cSld>
+  <p:clrMapOvr>
+    <a:masterClrMapping/>
+  </p:clrMapOvr>
+  <p:timing>
+    <p:tnLst>
+      <p:par>
+        <p:cTn id="1" dur="indefinite" restart="never" nodeType="tmRoot"/>
+      </p:par>
+    </p:tnLst>
+  </p:timing>
+</p:sld>
+</file>
+
+<file path=ppt/slides/slide20.xml><?xml version="1.0" encoding="utf-8"?>
 <p:sld xmlns:a="http://schemas.openxmlformats.org/drawingml/2006/main" xmlns:r="http://schemas.openxmlformats.org/officeDocument/2006/relationships" xmlns:p="http://schemas.openxmlformats.org/presentationml/2006/main">
   <p:cSld>
     <p:spTree>
@@ -7396,366 +8024,6 @@
 </p:sld>
 </file>
 
-<file path=ppt/slides/slide2.xml><?xml version="1.0" encoding="utf-8"?>
-<p:sld xmlns:a="http://schemas.openxmlformats.org/drawingml/2006/main" xmlns:r="http://schemas.openxmlformats.org/officeDocument/2006/relationships" xmlns:p="http://schemas.openxmlformats.org/presentationml/2006/main">
-  <p:cSld>
-    <p:spTree>
-      <p:nvGrpSpPr>
-        <p:cNvPr id="1" name=""/>
-        <p:cNvGrpSpPr/>
-        <p:nvPr/>
-      </p:nvGrpSpPr>
-      <p:grpSpPr>
-        <a:xfrm>
-          <a:off x="0" y="0"/>
-          <a:ext cx="0" cy="0"/>
-          <a:chOff x="0" y="0"/>
-          <a:chExt cx="0" cy="0"/>
-        </a:xfrm>
-      </p:grpSpPr>
-      <p:sp>
-        <p:nvSpPr>
-          <p:cNvPr id="2" name="Title 1"/>
-          <p:cNvSpPr>
-            <a:spLocks noGrp="1"/>
-          </p:cNvSpPr>
-          <p:nvPr>
-            <p:ph type="title"/>
-          </p:nvPr>
-        </p:nvSpPr>
-        <p:spPr/>
-        <p:txBody>
-          <a:bodyPr/>
-          <a:lstStyle/>
-          <a:p>
-            <a:r>
-              <a:rPr lang="ru-RU" dirty="0" smtClean="0"/>
-              <a:t>Литература</a:t>
-            </a:r>
-            <a:endParaRPr lang="en-US" dirty="0"/>
-          </a:p>
-        </p:txBody>
-      </p:sp>
-      <p:sp>
-        <p:nvSpPr>
-          <p:cNvPr id="3" name="Content Placeholder 2"/>
-          <p:cNvSpPr>
-            <a:spLocks noGrp="1"/>
-          </p:cNvSpPr>
-          <p:nvPr>
-            <p:ph idx="1"/>
-          </p:nvPr>
-        </p:nvSpPr>
-        <p:spPr/>
-        <p:txBody>
-          <a:bodyPr/>
-          <a:lstStyle/>
-          <a:p>
-            <a:r>
-              <a:rPr lang="en-US" dirty="0" smtClean="0"/>
-              <a:t>Pro</a:t>
-            </a:r>
-            <a:r>
-              <a:rPr lang="ru-RU" dirty="0" smtClean="0"/>
-              <a:t> </a:t>
-            </a:r>
-            <a:r>
-              <a:rPr lang="en-US" dirty="0" smtClean="0"/>
-              <a:t>.NET 2.0</a:t>
-            </a:r>
-            <a:r>
-              <a:rPr lang="ru-RU" dirty="0" smtClean="0"/>
-              <a:t> </a:t>
-            </a:r>
-            <a:r>
-              <a:rPr lang="en-US" dirty="0" smtClean="0"/>
-              <a:t>XML</a:t>
-            </a:r>
-            <a:r>
-              <a:rPr lang="ru-RU" dirty="0" smtClean="0"/>
-              <a:t>, </a:t>
-            </a:r>
-            <a:r>
-              <a:rPr lang="en-US" dirty="0" err="1"/>
-              <a:t>Bipin</a:t>
-            </a:r>
-            <a:r>
-              <a:rPr lang="en-US" dirty="0"/>
-              <a:t> </a:t>
-            </a:r>
-            <a:r>
-              <a:rPr lang="en-US" dirty="0" smtClean="0"/>
-              <a:t>Joshi</a:t>
-            </a:r>
-            <a:r>
-              <a:rPr lang="ru-RU" dirty="0" smtClean="0"/>
-              <a:t>, </a:t>
-            </a:r>
-            <a:r>
-              <a:rPr lang="en-US" dirty="0" err="1" smtClean="0"/>
-              <a:t>Apress</a:t>
-            </a:r>
-            <a:r>
-              <a:rPr lang="en-US" dirty="0" smtClean="0"/>
-              <a:t> 2007</a:t>
-            </a:r>
-            <a:endParaRPr lang="en-US" dirty="0"/>
-          </a:p>
-        </p:txBody>
-      </p:sp>
-    </p:spTree>
-    <p:extLst>
-      <p:ext uri="{BB962C8B-B14F-4D97-AF65-F5344CB8AC3E}">
-        <p14:creationId xmlns:p14="http://schemas.microsoft.com/office/powerpoint/2010/main" val="1810951574"/>
-      </p:ext>
-    </p:extLst>
-  </p:cSld>
-  <p:clrMapOvr>
-    <a:masterClrMapping/>
-  </p:clrMapOvr>
-  <p:timing>
-    <p:tnLst>
-      <p:par>
-        <p:cTn id="1" dur="indefinite" restart="never" nodeType="tmRoot"/>
-      </p:par>
-    </p:tnLst>
-  </p:timing>
-</p:sld>
-</file>
-
-<file path=ppt/slides/slide20.xml><?xml version="1.0" encoding="utf-8"?>
-<p:sld xmlns:a="http://schemas.openxmlformats.org/drawingml/2006/main" xmlns:r="http://schemas.openxmlformats.org/officeDocument/2006/relationships" xmlns:p="http://schemas.openxmlformats.org/presentationml/2006/main">
-  <p:cSld>
-    <p:spTree>
-      <p:nvGrpSpPr>
-        <p:cNvPr id="1" name=""/>
-        <p:cNvGrpSpPr/>
-        <p:nvPr/>
-      </p:nvGrpSpPr>
-      <p:grpSpPr>
-        <a:xfrm>
-          <a:off x="0" y="0"/>
-          <a:ext cx="0" cy="0"/>
-          <a:chOff x="0" y="0"/>
-          <a:chExt cx="0" cy="0"/>
-        </a:xfrm>
-      </p:grpSpPr>
-      <p:sp>
-        <p:nvSpPr>
-          <p:cNvPr id="2" name="Title 1"/>
-          <p:cNvSpPr>
-            <a:spLocks noGrp="1"/>
-          </p:cNvSpPr>
-          <p:nvPr>
-            <p:ph type="title"/>
-          </p:nvPr>
-        </p:nvSpPr>
-        <p:spPr/>
-        <p:txBody>
-          <a:bodyPr/>
-          <a:lstStyle/>
-          <a:p>
-            <a:r>
-              <a:rPr lang="en-US" dirty="0" smtClean="0"/>
-              <a:t>DOM &amp; SAX</a:t>
-            </a:r>
-            <a:endParaRPr lang="ru-RU" dirty="0"/>
-          </a:p>
-        </p:txBody>
-      </p:sp>
-      <p:sp>
-        <p:nvSpPr>
-          <p:cNvPr id="3" name="Content Placeholder 2"/>
-          <p:cNvSpPr>
-            <a:spLocks noGrp="1"/>
-          </p:cNvSpPr>
-          <p:nvPr>
-            <p:ph idx="1"/>
-          </p:nvPr>
-        </p:nvSpPr>
-        <p:spPr/>
-        <p:txBody>
-          <a:bodyPr>
-            <a:normAutofit lnSpcReduction="10000"/>
-          </a:bodyPr>
-          <a:lstStyle/>
-          <a:p>
-            <a:r>
-              <a:rPr lang="en-US" dirty="0" smtClean="0"/>
-              <a:t>DOM – </a:t>
-            </a:r>
-            <a:r>
-              <a:rPr lang="en-US" dirty="0" smtClean="0">
-                <a:solidFill>
-                  <a:srgbClr val="FF0000"/>
-                </a:solidFill>
-              </a:rPr>
-              <a:t>D</a:t>
-            </a:r>
-            <a:r>
-              <a:rPr lang="en-US" dirty="0" smtClean="0"/>
-              <a:t>ocument </a:t>
-            </a:r>
-            <a:r>
-              <a:rPr lang="en-US" dirty="0" smtClean="0">
-                <a:solidFill>
-                  <a:srgbClr val="FF0000"/>
-                </a:solidFill>
-              </a:rPr>
-              <a:t>O</a:t>
-            </a:r>
-            <a:r>
-              <a:rPr lang="en-US" dirty="0" smtClean="0"/>
-              <a:t>bject </a:t>
-            </a:r>
-            <a:r>
-              <a:rPr lang="en-US" dirty="0" smtClean="0">
-                <a:solidFill>
-                  <a:srgbClr val="FF0000"/>
-                </a:solidFill>
-              </a:rPr>
-              <a:t>M</a:t>
-            </a:r>
-            <a:r>
-              <a:rPr lang="en-US" dirty="0" smtClean="0"/>
-              <a:t>odel</a:t>
-            </a:r>
-          </a:p>
-          <a:p>
-            <a:pPr lvl="1"/>
-            <a:r>
-              <a:rPr lang="ru-RU" dirty="0" smtClean="0"/>
-              <a:t>Класс </a:t>
-            </a:r>
-            <a:r>
-              <a:rPr lang="en-US" dirty="0" err="1" smtClean="0"/>
-              <a:t>System.Xml.XmlDocument</a:t>
-            </a:r>
-            <a:endParaRPr lang="en-US" dirty="0" smtClean="0"/>
-          </a:p>
-          <a:p>
-            <a:pPr lvl="1"/>
-            <a:r>
-              <a:rPr lang="ru-RU" dirty="0" smtClean="0"/>
-              <a:t>Загружает </a:t>
-            </a:r>
-            <a:r>
-              <a:rPr lang="en-US" dirty="0" smtClean="0"/>
-              <a:t>XML </a:t>
-            </a:r>
-            <a:r>
-              <a:rPr lang="ru-RU" dirty="0"/>
-              <a:t>документ </a:t>
-            </a:r>
-            <a:r>
-              <a:rPr lang="ru-RU" dirty="0" smtClean="0"/>
-              <a:t>целиком в память</a:t>
-            </a:r>
-          </a:p>
-          <a:p>
-            <a:pPr lvl="1"/>
-            <a:r>
-              <a:rPr lang="ru-RU" dirty="0" smtClean="0"/>
-              <a:t>Позволяет одновременно читать и изменять </a:t>
-            </a:r>
-            <a:r>
-              <a:rPr lang="en-US" dirty="0" smtClean="0"/>
-              <a:t>XML</a:t>
-            </a:r>
-            <a:endParaRPr lang="en-US" dirty="0" smtClean="0"/>
-          </a:p>
-          <a:p>
-            <a:r>
-              <a:rPr lang="en-US" dirty="0" smtClean="0"/>
-              <a:t>SAX – </a:t>
-            </a:r>
-            <a:r>
-              <a:rPr lang="en-US" dirty="0" smtClean="0">
-                <a:solidFill>
-                  <a:srgbClr val="FF0000"/>
-                </a:solidFill>
-              </a:rPr>
-              <a:t>S</a:t>
-            </a:r>
-            <a:r>
-              <a:rPr lang="en-US" dirty="0" smtClean="0"/>
-              <a:t>imple </a:t>
-            </a:r>
-            <a:r>
-              <a:rPr lang="en-US" dirty="0" smtClean="0">
-                <a:solidFill>
-                  <a:srgbClr val="FF0000"/>
-                </a:solidFill>
-              </a:rPr>
-              <a:t>A</a:t>
-            </a:r>
-            <a:r>
-              <a:rPr lang="en-US" dirty="0" smtClean="0"/>
-              <a:t>PI for </a:t>
-            </a:r>
-            <a:r>
-              <a:rPr lang="en-US" dirty="0" smtClean="0">
-                <a:solidFill>
-                  <a:srgbClr val="FF0000"/>
-                </a:solidFill>
-              </a:rPr>
-              <a:t>X</a:t>
-            </a:r>
-            <a:r>
-              <a:rPr lang="en-US" dirty="0" smtClean="0"/>
-              <a:t>ML</a:t>
-            </a:r>
-          </a:p>
-          <a:p>
-            <a:pPr lvl="1"/>
-            <a:r>
-              <a:rPr lang="ru-RU" dirty="0" smtClean="0"/>
-              <a:t>Классы </a:t>
-            </a:r>
-            <a:r>
-              <a:rPr lang="en-US" dirty="0" err="1" smtClean="0"/>
-              <a:t>System.Xml.XmlReader</a:t>
-            </a:r>
-            <a:r>
-              <a:rPr lang="en-US" dirty="0"/>
-              <a:t>/ </a:t>
-            </a:r>
-            <a:r>
-              <a:rPr lang="en-US" dirty="0" err="1" smtClean="0"/>
-              <a:t>System.Xml.XmlWriter</a:t>
-            </a:r>
-            <a:endParaRPr lang="ru-RU" dirty="0" smtClean="0"/>
-          </a:p>
-          <a:p>
-            <a:pPr lvl="1"/>
-            <a:r>
-              <a:rPr lang="ru-RU" dirty="0" smtClean="0"/>
-              <a:t>Работа идет</a:t>
-            </a:r>
-            <a:endParaRPr lang="ru-RU" dirty="0"/>
-          </a:p>
-        </p:txBody>
-      </p:sp>
-    </p:spTree>
-    <p:extLst>
-      <p:ext uri="{BB962C8B-B14F-4D97-AF65-F5344CB8AC3E}">
-        <p14:creationId xmlns:p14="http://schemas.microsoft.com/office/powerpoint/2010/main" val="786506698"/>
-      </p:ext>
-    </p:extLst>
-  </p:cSld>
-  <p:clrMapOvr>
-    <a:masterClrMapping/>
-  </p:clrMapOvr>
-  <p:timing>
-    <p:tnLst>
-      <p:par>
-        <p:cTn id="1" dur="indefinite" restart="never" nodeType="tmRoot"/>
-      </p:par>
-    </p:tnLst>
-  </p:timing>
-</p:sld>
-</file>
-
 <file path=ppt/slides/slide21.xml><?xml version="1.0" encoding="utf-8"?>
 <p:sld xmlns:a="http://schemas.openxmlformats.org/drawingml/2006/main" xmlns:r="http://schemas.openxmlformats.org/officeDocument/2006/relationships" xmlns:p="http://schemas.openxmlformats.org/presentationml/2006/main">
   <p:cSld>
@@ -7790,11 +8058,7 @@
           <a:p>
             <a:r>
               <a:rPr lang="en-US" dirty="0" smtClean="0"/>
-              <a:t>XML </a:t>
-            </a:r>
-            <a:r>
-              <a:rPr lang="ru-RU" dirty="0" smtClean="0"/>
-              <a:t>комментарии</a:t>
+              <a:t>DOM &amp; SAX</a:t>
             </a:r>
             <a:endParaRPr lang="ru-RU" dirty="0"/>
           </a:p>
@@ -7813,144 +8077,169 @@
         <p:spPr/>
         <p:txBody>
           <a:bodyPr>
-            <a:normAutofit fontScale="85000" lnSpcReduction="20000"/>
+            <a:normAutofit lnSpcReduction="10000"/>
           </a:bodyPr>
           <a:lstStyle/>
           <a:p>
-            <a:pPr marL="0" indent="0">
-              <a:buNone/>
-            </a:pPr>
+            <a:r>
+              <a:rPr lang="en-US" dirty="0" smtClean="0"/>
+              <a:t>DOM – </a:t>
+            </a:r>
+            <a:r>
+              <a:rPr lang="en-US" dirty="0" smtClean="0">
+                <a:solidFill>
+                  <a:srgbClr val="FF0000"/>
+                </a:solidFill>
+              </a:rPr>
+              <a:t>D</a:t>
+            </a:r>
+            <a:r>
+              <a:rPr lang="en-US" dirty="0" smtClean="0"/>
+              <a:t>ocument </a:t>
+            </a:r>
+            <a:r>
+              <a:rPr lang="en-US" dirty="0" smtClean="0">
+                <a:solidFill>
+                  <a:srgbClr val="FF0000"/>
+                </a:solidFill>
+              </a:rPr>
+              <a:t>O</a:t>
+            </a:r>
+            <a:r>
+              <a:rPr lang="en-US" dirty="0" smtClean="0"/>
+              <a:t>bject </a:t>
+            </a:r>
+            <a:r>
+              <a:rPr lang="en-US" dirty="0" smtClean="0">
+                <a:solidFill>
+                  <a:srgbClr val="FF0000"/>
+                </a:solidFill>
+              </a:rPr>
+              <a:t>M</a:t>
+            </a:r>
+            <a:r>
+              <a:rPr lang="en-US" dirty="0" smtClean="0"/>
+              <a:t>odel</a:t>
+            </a:r>
+          </a:p>
+          <a:p>
+            <a:pPr lvl="1"/>
+            <a:r>
+              <a:rPr lang="ru-RU" dirty="0" smtClean="0"/>
+              <a:t>Класс </a:t>
+            </a:r>
+            <a:r>
+              <a:rPr lang="en-US" dirty="0" err="1" smtClean="0"/>
+              <a:t>System.Xml.XmlDocument</a:t>
+            </a:r>
+            <a:endParaRPr lang="en-US" dirty="0" smtClean="0"/>
+          </a:p>
+          <a:p>
+            <a:pPr lvl="1"/>
+            <a:r>
+              <a:rPr lang="ru-RU" dirty="0" smtClean="0"/>
+              <a:t>Загружает </a:t>
+            </a:r>
             <a:r>
               <a:rPr lang="en-US" dirty="0" smtClean="0"/>
               <a:t>XML </a:t>
             </a:r>
             <a:r>
+              <a:rPr lang="ru-RU" dirty="0"/>
+              <a:t>документ </a:t>
+            </a:r>
+            <a:r>
               <a:rPr lang="ru-RU" dirty="0" smtClean="0"/>
-              <a:t>комментарии предназначены для автоматизации документирования программы и для поддержки </a:t>
+              <a:t>целиком в память</a:t>
+            </a:r>
+          </a:p>
+          <a:p>
+            <a:pPr lvl="1"/>
+            <a:r>
+              <a:rPr lang="ru-RU" dirty="0" smtClean="0"/>
+              <a:t>Позволяет одновременно читать и изменять </a:t>
+            </a:r>
+            <a:r>
+              <a:rPr lang="en-US" dirty="0" smtClean="0"/>
+              <a:t>XML</a:t>
+            </a:r>
+          </a:p>
+          <a:p>
+            <a:r>
+              <a:rPr lang="en-US" dirty="0" smtClean="0"/>
+              <a:t>SAX – </a:t>
+            </a:r>
+            <a:r>
+              <a:rPr lang="en-US" dirty="0" smtClean="0">
+                <a:solidFill>
+                  <a:srgbClr val="FF0000"/>
+                </a:solidFill>
+              </a:rPr>
+              <a:t>S</a:t>
+            </a:r>
+            <a:r>
+              <a:rPr lang="en-US" dirty="0" smtClean="0"/>
+              <a:t>imple </a:t>
+            </a:r>
+            <a:r>
+              <a:rPr lang="en-US" dirty="0" smtClean="0">
+                <a:solidFill>
+                  <a:srgbClr val="FF0000"/>
+                </a:solidFill>
+              </a:rPr>
+              <a:t>A</a:t>
+            </a:r>
+            <a:r>
+              <a:rPr lang="en-US" dirty="0" smtClean="0"/>
+              <a:t>PI for </a:t>
+            </a:r>
+            <a:r>
+              <a:rPr lang="en-US" dirty="0" smtClean="0">
+                <a:solidFill>
+                  <a:srgbClr val="FF0000"/>
+                </a:solidFill>
+              </a:rPr>
+              <a:t>X</a:t>
+            </a:r>
+            <a:r>
+              <a:rPr lang="en-US" dirty="0" smtClean="0"/>
+              <a:t>ML</a:t>
+            </a:r>
+          </a:p>
+          <a:p>
+            <a:pPr lvl="1"/>
+            <a:r>
+              <a:rPr lang="ru-RU" dirty="0" smtClean="0"/>
+              <a:t>Классы </a:t>
             </a:r>
             <a:r>
               <a:rPr lang="en-US" dirty="0" err="1" smtClean="0"/>
-              <a:t>InteliiSense</a:t>
-            </a:r>
-            <a:r>
-              <a:rPr lang="en-US" dirty="0" smtClean="0"/>
-              <a:t> </a:t>
-            </a:r>
+              <a:t>System.Xml.XmlReader</a:t>
+            </a:r>
+            <a:r>
+              <a:rPr lang="en-US" dirty="0"/>
+              <a:t>/ </a:t>
+            </a:r>
+            <a:r>
+              <a:rPr lang="en-US" dirty="0" err="1" smtClean="0"/>
+              <a:t>System.Xml.XmlWriter</a:t>
+            </a:r>
+            <a:endParaRPr lang="ru-RU" dirty="0" smtClean="0"/>
+          </a:p>
+          <a:p>
+            <a:pPr lvl="1"/>
             <a:r>
               <a:rPr lang="ru-RU" dirty="0" smtClean="0"/>
-              <a:t>для типов из внешних библиотек.</a:t>
-            </a:r>
-          </a:p>
-          <a:p>
-            <a:pPr marL="0" indent="0">
-              <a:buNone/>
-            </a:pPr>
-            <a:endParaRPr lang="en-US" dirty="0" smtClean="0"/>
-          </a:p>
-          <a:p>
-            <a:r>
-              <a:rPr lang="ru-RU" dirty="0" smtClean="0"/>
-              <a:t>Начинаются </a:t>
-            </a:r>
-            <a:r>
-              <a:rPr lang="ru-RU" dirty="0" smtClean="0"/>
-              <a:t>с </a:t>
-            </a:r>
-            <a:r>
-              <a:rPr lang="en-US" dirty="0" smtClean="0"/>
-              <a:t>///</a:t>
-            </a:r>
-          </a:p>
-          <a:p>
-            <a:r>
-              <a:rPr lang="ru-RU" dirty="0" smtClean="0"/>
-              <a:t>Поддерживаемые элементы</a:t>
-            </a:r>
-          </a:p>
-          <a:p>
-            <a:pPr lvl="1"/>
-            <a:r>
-              <a:rPr lang="en-US" dirty="0"/>
-              <a:t>&lt;summary</a:t>
-            </a:r>
-            <a:r>
-              <a:rPr lang="en-US" dirty="0" smtClean="0"/>
-              <a:t>&gt;</a:t>
-            </a:r>
-            <a:endParaRPr lang="ru-RU" dirty="0" smtClean="0"/>
-          </a:p>
-          <a:p>
-            <a:pPr lvl="1"/>
-            <a:r>
-              <a:rPr lang="en-US" dirty="0"/>
-              <a:t>&lt;</a:t>
-            </a:r>
-            <a:r>
-              <a:rPr lang="en-US" dirty="0" err="1"/>
-              <a:t>param</a:t>
-            </a:r>
-            <a:r>
-              <a:rPr lang="en-US" dirty="0"/>
-              <a:t> name</a:t>
-            </a:r>
-            <a:r>
-              <a:rPr lang="en-US" dirty="0" smtClean="0"/>
-              <a:t>="</a:t>
-            </a:r>
-            <a:r>
-              <a:rPr lang="ru-RU" dirty="0" smtClean="0"/>
-              <a:t>ИмяПараметра</a:t>
-            </a:r>
-            <a:r>
-              <a:rPr lang="en-US" dirty="0" smtClean="0"/>
-              <a:t>"&gt;</a:t>
-            </a:r>
-            <a:endParaRPr lang="ru-RU" dirty="0" smtClean="0"/>
-          </a:p>
-          <a:p>
-            <a:pPr lvl="1"/>
-            <a:r>
-              <a:rPr lang="en-US" dirty="0"/>
-              <a:t>&lt;returns</a:t>
-            </a:r>
-            <a:r>
-              <a:rPr lang="en-US" dirty="0" smtClean="0"/>
-              <a:t>&gt;</a:t>
-            </a:r>
-            <a:endParaRPr lang="ru-RU" dirty="0" smtClean="0"/>
-          </a:p>
-          <a:p>
-            <a:pPr lvl="1"/>
-            <a:r>
-              <a:rPr lang="en-US" dirty="0"/>
-              <a:t>&lt;remarks</a:t>
-            </a:r>
-            <a:r>
-              <a:rPr lang="en-US" dirty="0" smtClean="0"/>
-              <a:t>&gt;</a:t>
-            </a:r>
-            <a:endParaRPr lang="ru-RU" dirty="0" smtClean="0"/>
-          </a:p>
-          <a:p>
-            <a:pPr lvl="1"/>
-            <a:r>
-              <a:rPr lang="ru-RU" dirty="0" smtClean="0"/>
-              <a:t>и другие ...</a:t>
-            </a:r>
-            <a:endParaRPr lang="en-US" dirty="0" smtClean="0"/>
-          </a:p>
-          <a:p>
-            <a:pPr marL="0" indent="0">
-              <a:buNone/>
-            </a:pPr>
-            <a:endParaRPr lang="en-US" dirty="0" smtClean="0"/>
+              <a:t>Работа идет</a:t>
+            </a:r>
+            <a:endParaRPr lang="ru-RU" dirty="0"/>
           </a:p>
         </p:txBody>
       </p:sp>
     </p:spTree>
     <p:extLst>
       <p:ext uri="{BB962C8B-B14F-4D97-AF65-F5344CB8AC3E}">
-        <p14:creationId xmlns:p14="http://schemas.microsoft.com/office/powerpoint/2010/main" val="2726345138"/>
+        <p14:creationId xmlns:p14="http://schemas.microsoft.com/office/powerpoint/2010/main" val="786506698"/>
       </p:ext>
     </p:extLst>
   </p:cSld>
@@ -8011,110 +8300,153 @@
           </a:p>
         </p:txBody>
       </p:sp>
-      <p:pic>
-        <p:nvPicPr>
-          <p:cNvPr id="1026" name="Picture 2"/>
-          <p:cNvPicPr>
-            <a:picLocks noChangeAspect="1" noChangeArrowheads="1"/>
-          </p:cNvPicPr>
-          <p:nvPr/>
-        </p:nvPicPr>
-        <p:blipFill>
-          <a:blip r:embed="rId2">
-            <a:extLst>
-              <a:ext uri="{28A0092B-C50C-407E-A947-70E740481C1C}">
-                <a14:useLocalDpi xmlns:a14="http://schemas.microsoft.com/office/drawing/2010/main" val="0"/>
-              </a:ext>
-            </a:extLst>
-          </a:blip>
-          <a:srcRect/>
-          <a:stretch>
-            <a:fillRect/>
-          </a:stretch>
-        </p:blipFill>
-        <p:spPr bwMode="auto">
-          <a:xfrm>
-            <a:off x="3275856" y="1328986"/>
-            <a:ext cx="5669280" cy="4610100"/>
-          </a:xfrm>
-          <a:prstGeom prst="rect">
-            <a:avLst/>
-          </a:prstGeom>
-          <a:noFill/>
-          <a:ln>
-            <a:noFill/>
-          </a:ln>
-          <a:extLst>
-            <a:ext uri="{909E8E84-426E-40DD-AFC4-6F175D3DCCD1}">
-              <a14:hiddenFill xmlns:a14="http://schemas.microsoft.com/office/drawing/2010/main">
-                <a:solidFill>
-                  <a:schemeClr val="accent1"/>
-                </a:solidFill>
-              </a14:hiddenFill>
-            </a:ext>
-            <a:ext uri="{91240B29-F687-4F45-9708-019B960494DF}">
-              <a14:hiddenLine xmlns:a14="http://schemas.microsoft.com/office/drawing/2010/main" w="9525">
-                <a:solidFill>
-                  <a:schemeClr val="tx1"/>
-                </a:solidFill>
-                <a:miter lim="800000"/>
-                <a:headEnd/>
-                <a:tailEnd/>
-              </a14:hiddenLine>
-            </a:ext>
-          </a:extLst>
-        </p:spPr>
-      </p:pic>
       <p:sp>
         <p:nvSpPr>
-          <p:cNvPr id="4" name="TextBox 3"/>
-          <p:cNvSpPr txBox="1"/>
-          <p:nvPr/>
+          <p:cNvPr id="3" name="Content Placeholder 2"/>
+          <p:cNvSpPr>
+            <a:spLocks noGrp="1"/>
+          </p:cNvSpPr>
+          <p:nvPr>
+            <p:ph idx="1"/>
+          </p:nvPr>
         </p:nvSpPr>
-        <p:spPr>
-          <a:xfrm>
-            <a:off x="251520" y="1557367"/>
-            <a:ext cx="3024336" cy="4031873"/>
-          </a:xfrm>
-          <a:prstGeom prst="rect">
-            <a:avLst/>
-          </a:prstGeom>
-          <a:noFill/>
-        </p:spPr>
+        <p:spPr/>
         <p:txBody>
-          <a:bodyPr wrap="square" rtlCol="0">
-            <a:spAutoFit/>
+          <a:bodyPr>
+            <a:normAutofit fontScale="85000" lnSpcReduction="20000"/>
           </a:bodyPr>
           <a:lstStyle/>
           <a:p>
-            <a:r>
-              <a:rPr lang="ru-RU" sz="3200" dirty="0" smtClean="0"/>
-              <a:t>Установите опцию </a:t>
-            </a:r>
-            <a:r>
-              <a:rPr lang="en-US" sz="3200" dirty="0" smtClean="0"/>
-              <a:t>“XML documentation file” </a:t>
-            </a:r>
-            <a:r>
-              <a:rPr lang="ru-RU" sz="3200" dirty="0" smtClean="0"/>
-              <a:t>в свойствах проекта для генерации </a:t>
-            </a:r>
-            <a:r>
-              <a:rPr lang="en-US" sz="3200" dirty="0" smtClean="0"/>
+            <a:pPr marL="0" indent="0">
+              <a:buNone/>
+            </a:pPr>
+            <a:r>
+              <a:rPr lang="en-US" dirty="0" smtClean="0"/>
               <a:t>XML </a:t>
             </a:r>
             <a:r>
-              <a:rPr lang="ru-RU" sz="3200" dirty="0" smtClean="0"/>
-              <a:t>файла с комментариями</a:t>
-            </a:r>
-            <a:endParaRPr lang="en-US" sz="3200" dirty="0" smtClean="0"/>
+              <a:rPr lang="ru-RU" dirty="0" smtClean="0"/>
+              <a:t>комментарии предназначены для автоматизации документирования программы и для поддержки </a:t>
+            </a:r>
+            <a:r>
+              <a:rPr lang="en-US" dirty="0" err="1" smtClean="0"/>
+              <a:t>InteliiSense</a:t>
+            </a:r>
+            <a:r>
+              <a:rPr lang="en-US" dirty="0" smtClean="0"/>
+              <a:t> </a:t>
+            </a:r>
+            <a:r>
+              <a:rPr lang="ru-RU" dirty="0" smtClean="0"/>
+              <a:t>для типов из внешних библиотек.</a:t>
+            </a:r>
+          </a:p>
+          <a:p>
+            <a:pPr marL="0" indent="0">
+              <a:buNone/>
+            </a:pPr>
+            <a:endParaRPr lang="en-US" dirty="0" smtClean="0"/>
+          </a:p>
+          <a:p>
+            <a:r>
+              <a:rPr lang="ru-RU" dirty="0" smtClean="0"/>
+              <a:t>Начинаются с </a:t>
+            </a:r>
+            <a:r>
+              <a:rPr lang="en-US" dirty="0" smtClean="0"/>
+              <a:t>///</a:t>
+            </a:r>
+          </a:p>
+          <a:p>
+            <a:r>
+              <a:rPr lang="ru-RU" dirty="0" smtClean="0"/>
+              <a:t>Поддерживаемые элементы</a:t>
+            </a:r>
+          </a:p>
+          <a:p>
+            <a:pPr lvl="1"/>
+            <a:r>
+              <a:rPr lang="en-US" dirty="0"/>
+              <a:t>&lt;summary</a:t>
+            </a:r>
+            <a:r>
+              <a:rPr lang="en-US" dirty="0" smtClean="0"/>
+              <a:t>&gt;</a:t>
+            </a:r>
+            <a:endParaRPr lang="ru-RU" dirty="0" smtClean="0"/>
+          </a:p>
+          <a:p>
+            <a:pPr lvl="1"/>
+            <a:r>
+              <a:rPr lang="en-US" dirty="0"/>
+              <a:t>&lt;</a:t>
+            </a:r>
+            <a:r>
+              <a:rPr lang="en-US" dirty="0" err="1"/>
+              <a:t>param</a:t>
+            </a:r>
+            <a:r>
+              <a:rPr lang="en-US" dirty="0"/>
+              <a:t> name</a:t>
+            </a:r>
+            <a:r>
+              <a:rPr lang="en-US" dirty="0" smtClean="0"/>
+              <a:t>="</a:t>
+            </a:r>
+            <a:r>
+              <a:rPr lang="ru-RU" dirty="0" smtClean="0"/>
+              <a:t>ИмяПараметра</a:t>
+            </a:r>
+            <a:r>
+              <a:rPr lang="en-US" dirty="0" smtClean="0"/>
+              <a:t>"&gt;</a:t>
+            </a:r>
+            <a:endParaRPr lang="ru-RU" dirty="0" smtClean="0"/>
+          </a:p>
+          <a:p>
+            <a:pPr lvl="1"/>
+            <a:r>
+              <a:rPr lang="en-US" dirty="0"/>
+              <a:t>&lt;returns</a:t>
+            </a:r>
+            <a:r>
+              <a:rPr lang="en-US" dirty="0" smtClean="0"/>
+              <a:t>&gt;</a:t>
+            </a:r>
+            <a:endParaRPr lang="ru-RU" dirty="0" smtClean="0"/>
+          </a:p>
+          <a:p>
+            <a:pPr lvl="1"/>
+            <a:r>
+              <a:rPr lang="en-US" dirty="0"/>
+              <a:t>&lt;remarks</a:t>
+            </a:r>
+            <a:r>
+              <a:rPr lang="en-US" dirty="0" smtClean="0"/>
+              <a:t>&gt;</a:t>
+            </a:r>
+            <a:endParaRPr lang="ru-RU" dirty="0" smtClean="0"/>
+          </a:p>
+          <a:p>
+            <a:pPr lvl="1"/>
+            <a:r>
+              <a:rPr lang="ru-RU" dirty="0" smtClean="0"/>
+              <a:t>и другие ...</a:t>
+            </a:r>
+            <a:endParaRPr lang="en-US" dirty="0" smtClean="0"/>
+          </a:p>
+          <a:p>
+            <a:pPr marL="0" indent="0">
+              <a:buNone/>
+            </a:pPr>
+            <a:endParaRPr lang="en-US" dirty="0" smtClean="0"/>
           </a:p>
         </p:txBody>
       </p:sp>
     </p:spTree>
     <p:extLst>
       <p:ext uri="{BB962C8B-B14F-4D97-AF65-F5344CB8AC3E}">
-        <p14:creationId xmlns:p14="http://schemas.microsoft.com/office/powerpoint/2010/main" val="238274862"/>
+        <p14:creationId xmlns:p14="http://schemas.microsoft.com/office/powerpoint/2010/main" val="2726345138"/>
       </p:ext>
     </p:extLst>
   </p:cSld>
@@ -8158,44 +8490,140 @@
             <p:ph type="title"/>
           </p:nvPr>
         </p:nvSpPr>
+        <p:spPr/>
+        <p:txBody>
+          <a:bodyPr/>
+          <a:lstStyle/>
+          <a:p>
+            <a:r>
+              <a:rPr lang="en-US" dirty="0" smtClean="0"/>
+              <a:t>XML </a:t>
+            </a:r>
+            <a:r>
+              <a:rPr lang="ru-RU" dirty="0" smtClean="0"/>
+              <a:t>комментарии</a:t>
+            </a:r>
+            <a:endParaRPr lang="ru-RU" dirty="0"/>
+          </a:p>
+        </p:txBody>
+      </p:sp>
+      <p:pic>
+        <p:nvPicPr>
+          <p:cNvPr id="1026" name="Picture 2"/>
+          <p:cNvPicPr>
+            <a:picLocks noChangeAspect="1" noChangeArrowheads="1"/>
+          </p:cNvPicPr>
+          <p:nvPr/>
+        </p:nvPicPr>
+        <p:blipFill>
+          <a:blip r:embed="rId2">
+            <a:extLst>
+              <a:ext uri="{28A0092B-C50C-407E-A947-70E740481C1C}">
+                <a14:useLocalDpi xmlns:a14="http://schemas.microsoft.com/office/drawing/2010/main" val="0"/>
+              </a:ext>
+            </a:extLst>
+          </a:blip>
+          <a:srcRect/>
+          <a:stretch>
+            <a:fillRect/>
+          </a:stretch>
+        </p:blipFill>
+        <p:spPr bwMode="auto">
+          <a:xfrm>
+            <a:off x="3275856" y="1328986"/>
+            <a:ext cx="5669280" cy="4610100"/>
+          </a:xfrm>
+          <a:prstGeom prst="rect">
+            <a:avLst/>
+          </a:prstGeom>
+          <a:noFill/>
+          <a:ln>
+            <a:noFill/>
+          </a:ln>
+          <a:extLst>
+            <a:ext uri="{909E8E84-426E-40DD-AFC4-6F175D3DCCD1}">
+              <a14:hiddenFill xmlns:a14="http://schemas.microsoft.com/office/drawing/2010/main">
+                <a:solidFill>
+                  <a:schemeClr val="accent1"/>
+                </a:solidFill>
+              </a14:hiddenFill>
+            </a:ext>
+            <a:ext uri="{91240B29-F687-4F45-9708-019B960494DF}">
+              <a14:hiddenLine xmlns:a14="http://schemas.microsoft.com/office/drawing/2010/main" w="9525">
+                <a:solidFill>
+                  <a:schemeClr val="tx1"/>
+                </a:solidFill>
+                <a:miter lim="800000"/>
+                <a:headEnd/>
+                <a:tailEnd/>
+              </a14:hiddenLine>
+            </a:ext>
+          </a:extLst>
+        </p:spPr>
+      </p:pic>
+      <p:sp>
+        <p:nvSpPr>
+          <p:cNvPr id="4" name="TextBox 3"/>
+          <p:cNvSpPr txBox="1"/>
+          <p:nvPr/>
+        </p:nvSpPr>
         <p:spPr>
           <a:xfrm>
-            <a:off x="457200" y="2857500"/>
-            <a:ext cx="8229600" cy="1143000"/>
+            <a:off x="251520" y="1557367"/>
+            <a:ext cx="3024336" cy="4031873"/>
           </a:xfrm>
+          <a:prstGeom prst="rect">
+            <a:avLst/>
+          </a:prstGeom>
+          <a:noFill/>
         </p:spPr>
         <p:txBody>
-          <a:bodyPr>
-            <a:normAutofit/>
+          <a:bodyPr wrap="square" rtlCol="0">
+            <a:spAutoFit/>
           </a:bodyPr>
           <a:lstStyle/>
           <a:p>
             <a:r>
-              <a:rPr lang="ru-RU" dirty="0" smtClean="0"/>
-              <a:t>Чтение </a:t>
-            </a:r>
-            <a:r>
-              <a:rPr lang="en-US" dirty="0" smtClean="0"/>
-              <a:t>XML. </a:t>
-            </a:r>
-            <a:r>
-              <a:rPr lang="ru-RU" dirty="0" smtClean="0"/>
-              <a:t>Демонстрация.</a:t>
-            </a:r>
-            <a:endParaRPr lang="ru-RU" dirty="0"/>
+              <a:rPr lang="ru-RU" sz="3200" dirty="0" smtClean="0"/>
+              <a:t>Установите опцию </a:t>
+            </a:r>
+            <a:r>
+              <a:rPr lang="en-US" sz="3200" dirty="0" smtClean="0"/>
+              <a:t>“XML documentation file” </a:t>
+            </a:r>
+            <a:r>
+              <a:rPr lang="ru-RU" sz="3200" dirty="0" smtClean="0"/>
+              <a:t>в свойствах проекта для генерации </a:t>
+            </a:r>
+            <a:r>
+              <a:rPr lang="en-US" sz="3200" dirty="0" smtClean="0"/>
+              <a:t>XML </a:t>
+            </a:r>
+            <a:r>
+              <a:rPr lang="ru-RU" sz="3200" dirty="0" smtClean="0"/>
+              <a:t>файла с комментариями</a:t>
+            </a:r>
+            <a:endParaRPr lang="en-US" sz="3200" dirty="0" smtClean="0"/>
           </a:p>
         </p:txBody>
       </p:sp>
     </p:spTree>
     <p:extLst>
       <p:ext uri="{BB962C8B-B14F-4D97-AF65-F5344CB8AC3E}">
-        <p14:creationId xmlns:p14="http://schemas.microsoft.com/office/powerpoint/2010/main" val="607863742"/>
+        <p14:creationId xmlns:p14="http://schemas.microsoft.com/office/powerpoint/2010/main" val="238274862"/>
       </p:ext>
     </p:extLst>
   </p:cSld>
   <p:clrMapOvr>
     <a:masterClrMapping/>
   </p:clrMapOvr>
+  <p:timing>
+    <p:tnLst>
+      <p:par>
+        <p:cTn id="1" dur="indefinite" restart="never" nodeType="tmRoot"/>
+      </p:par>
+    </p:tnLst>
+  </p:timing>
 </p:sld>
 </file>
 
@@ -8226,101 +8654,29 @@
             <p:ph type="title"/>
           </p:nvPr>
         </p:nvSpPr>
-        <p:spPr/>
-        <p:txBody>
-          <a:bodyPr/>
-          <a:lstStyle/>
-          <a:p>
-            <a:r>
-              <a:rPr lang="en-US" dirty="0" smtClean="0"/>
-              <a:t>XML </a:t>
-            </a:r>
-            <a:r>
-              <a:rPr lang="ru-RU" dirty="0" smtClean="0"/>
-              <a:t>сериализация (</a:t>
-            </a:r>
-            <a:r>
-              <a:rPr lang="en-US" dirty="0" smtClean="0"/>
-              <a:t>serialization</a:t>
-            </a:r>
-            <a:r>
-              <a:rPr lang="ru-RU" dirty="0" smtClean="0"/>
-              <a:t>)</a:t>
-            </a:r>
-            <a:endParaRPr lang="ru-RU" dirty="0"/>
-          </a:p>
-        </p:txBody>
-      </p:sp>
-      <p:sp>
-        <p:nvSpPr>
-          <p:cNvPr id="3" name="Content Placeholder 2"/>
-          <p:cNvSpPr>
-            <a:spLocks noGrp="1"/>
-          </p:cNvSpPr>
-          <p:nvPr>
-            <p:ph idx="1"/>
-          </p:nvPr>
-        </p:nvSpPr>
-        <p:spPr/>
+        <p:spPr>
+          <a:xfrm>
+            <a:off x="457200" y="2857500"/>
+            <a:ext cx="8229600" cy="1143000"/>
+          </a:xfrm>
+        </p:spPr>
         <p:txBody>
           <a:bodyPr>
-            <a:normAutofit lnSpcReduction="10000"/>
+            <a:normAutofit/>
           </a:bodyPr>
           <a:lstStyle/>
           <a:p>
             <a:r>
-              <a:rPr lang="ru-RU" dirty="0"/>
-              <a:t>Сериализация – сохранение данных об объекте </a:t>
-            </a:r>
-            <a:r>
               <a:rPr lang="ru-RU" dirty="0" smtClean="0"/>
-              <a:t>в поток</a:t>
-            </a:r>
-            <a:endParaRPr lang="ru-RU" dirty="0"/>
-          </a:p>
-          <a:p>
+              <a:t>Чтение </a:t>
+            </a:r>
+            <a:r>
+              <a:rPr lang="en-US" dirty="0" smtClean="0"/>
+              <a:t>XML. </a:t>
+            </a:r>
             <a:r>
               <a:rPr lang="ru-RU" dirty="0" smtClean="0"/>
-              <a:t>Десериализация</a:t>
-            </a:r>
-            <a:r>
-              <a:rPr lang="en-US" dirty="0" smtClean="0"/>
-              <a:t> </a:t>
-            </a:r>
-            <a:r>
-              <a:rPr lang="ru-RU" dirty="0" smtClean="0"/>
-              <a:t>– </a:t>
-            </a:r>
-            <a:r>
-              <a:rPr lang="ru-RU" dirty="0"/>
-              <a:t>обратный процесс восстановления </a:t>
-            </a:r>
-            <a:r>
-              <a:rPr lang="ru-RU" dirty="0" smtClean="0"/>
-              <a:t>объекта</a:t>
-            </a:r>
-          </a:p>
-          <a:p>
-            <a:endParaRPr lang="en-US" dirty="0" smtClean="0"/>
-          </a:p>
-          <a:p>
-            <a:r>
-              <a:rPr lang="ru-RU" dirty="0" smtClean="0"/>
-              <a:t>Примеры использования:</a:t>
-            </a:r>
-          </a:p>
-          <a:p>
-            <a:pPr lvl="1"/>
-            <a:r>
-              <a:rPr lang="ru-RU" dirty="0" smtClean="0"/>
-              <a:t>Передача объекта между разными программи/машинами.</a:t>
-            </a:r>
-          </a:p>
-          <a:p>
-            <a:pPr lvl="1"/>
-            <a:r>
-              <a:rPr lang="ru-RU" dirty="0" smtClean="0"/>
-              <a:t>Файлы конфигурации</a:t>
+              <a:t>Демонстрация.</a:t>
             </a:r>
             <a:endParaRPr lang="ru-RU" dirty="0"/>
           </a:p>
@@ -8329,7 +8685,7 @@
     </p:spTree>
     <p:extLst>
       <p:ext uri="{BB962C8B-B14F-4D97-AF65-F5344CB8AC3E}">
-        <p14:creationId xmlns:p14="http://schemas.microsoft.com/office/powerpoint/2010/main" val="4243754449"/>
+        <p14:creationId xmlns:p14="http://schemas.microsoft.com/office/powerpoint/2010/main" val="607863742"/>
       </p:ext>
     </p:extLst>
   </p:cSld>
@@ -8366,6 +8722,146 @@
             <p:ph type="title"/>
           </p:nvPr>
         </p:nvSpPr>
+        <p:spPr/>
+        <p:txBody>
+          <a:bodyPr/>
+          <a:lstStyle/>
+          <a:p>
+            <a:r>
+              <a:rPr lang="en-US" dirty="0" smtClean="0"/>
+              <a:t>XML </a:t>
+            </a:r>
+            <a:r>
+              <a:rPr lang="ru-RU" dirty="0" smtClean="0"/>
+              <a:t>сериализация (</a:t>
+            </a:r>
+            <a:r>
+              <a:rPr lang="en-US" dirty="0" smtClean="0"/>
+              <a:t>serialization</a:t>
+            </a:r>
+            <a:r>
+              <a:rPr lang="ru-RU" dirty="0" smtClean="0"/>
+              <a:t>)</a:t>
+            </a:r>
+            <a:endParaRPr lang="ru-RU" dirty="0"/>
+          </a:p>
+        </p:txBody>
+      </p:sp>
+      <p:sp>
+        <p:nvSpPr>
+          <p:cNvPr id="3" name="Content Placeholder 2"/>
+          <p:cNvSpPr>
+            <a:spLocks noGrp="1"/>
+          </p:cNvSpPr>
+          <p:nvPr>
+            <p:ph idx="1"/>
+          </p:nvPr>
+        </p:nvSpPr>
+        <p:spPr/>
+        <p:txBody>
+          <a:bodyPr>
+            <a:normAutofit lnSpcReduction="10000"/>
+          </a:bodyPr>
+          <a:lstStyle/>
+          <a:p>
+            <a:r>
+              <a:rPr lang="ru-RU" dirty="0"/>
+              <a:t>Сериализация – сохранение данных об объекте </a:t>
+            </a:r>
+            <a:r>
+              <a:rPr lang="ru-RU" dirty="0" smtClean="0"/>
+              <a:t>в поток</a:t>
+            </a:r>
+            <a:endParaRPr lang="ru-RU" dirty="0"/>
+          </a:p>
+          <a:p>
+            <a:r>
+              <a:rPr lang="ru-RU" dirty="0" smtClean="0"/>
+              <a:t>Десериализация</a:t>
+            </a:r>
+            <a:r>
+              <a:rPr lang="en-US" dirty="0" smtClean="0"/>
+              <a:t> </a:t>
+            </a:r>
+            <a:r>
+              <a:rPr lang="ru-RU" dirty="0" smtClean="0"/>
+              <a:t>– </a:t>
+            </a:r>
+            <a:r>
+              <a:rPr lang="ru-RU" dirty="0"/>
+              <a:t>обратный процесс восстановления </a:t>
+            </a:r>
+            <a:r>
+              <a:rPr lang="ru-RU" dirty="0" smtClean="0"/>
+              <a:t>объекта</a:t>
+            </a:r>
+          </a:p>
+          <a:p>
+            <a:endParaRPr lang="en-US" dirty="0" smtClean="0"/>
+          </a:p>
+          <a:p>
+            <a:r>
+              <a:rPr lang="ru-RU" dirty="0" smtClean="0"/>
+              <a:t>Примеры использования:</a:t>
+            </a:r>
+          </a:p>
+          <a:p>
+            <a:pPr lvl="1"/>
+            <a:r>
+              <a:rPr lang="ru-RU" dirty="0" smtClean="0"/>
+              <a:t>Передача объекта между разными программи/машинами.</a:t>
+            </a:r>
+          </a:p>
+          <a:p>
+            <a:pPr lvl="1"/>
+            <a:r>
+              <a:rPr lang="ru-RU" dirty="0" smtClean="0"/>
+              <a:t>Файлы конфигурации</a:t>
+            </a:r>
+            <a:endParaRPr lang="ru-RU" dirty="0"/>
+          </a:p>
+        </p:txBody>
+      </p:sp>
+    </p:spTree>
+    <p:extLst>
+      <p:ext uri="{BB962C8B-B14F-4D97-AF65-F5344CB8AC3E}">
+        <p14:creationId xmlns:p14="http://schemas.microsoft.com/office/powerpoint/2010/main" val="4243754449"/>
+      </p:ext>
+    </p:extLst>
+  </p:cSld>
+  <p:clrMapOvr>
+    <a:masterClrMapping/>
+  </p:clrMapOvr>
+</p:sld>
+</file>
+
+<file path=ppt/slides/slide26.xml><?xml version="1.0" encoding="utf-8"?>
+<p:sld xmlns:a="http://schemas.openxmlformats.org/drawingml/2006/main" xmlns:r="http://schemas.openxmlformats.org/officeDocument/2006/relationships" xmlns:p="http://schemas.openxmlformats.org/presentationml/2006/main">
+  <p:cSld>
+    <p:spTree>
+      <p:nvGrpSpPr>
+        <p:cNvPr id="1" name=""/>
+        <p:cNvGrpSpPr/>
+        <p:nvPr/>
+      </p:nvGrpSpPr>
+      <p:grpSpPr>
+        <a:xfrm>
+          <a:off x="0" y="0"/>
+          <a:ext cx="0" cy="0"/>
+          <a:chOff x="0" y="0"/>
+          <a:chExt cx="0" cy="0"/>
+        </a:xfrm>
+      </p:grpSpPr>
+      <p:sp>
+        <p:nvSpPr>
+          <p:cNvPr id="2" name="Title 1"/>
+          <p:cNvSpPr>
+            <a:spLocks noGrp="1"/>
+          </p:cNvSpPr>
+          <p:nvPr>
+            <p:ph type="title"/>
+          </p:nvPr>
+        </p:nvSpPr>
         <p:spPr>
           <a:xfrm>
             <a:off x="457200" y="-234280"/>
@@ -10680,7 +11176,7 @@
 </p:sld>
 </file>
 
-<file path=ppt/slides/slide26.xml><?xml version="1.0" encoding="utf-8"?>
+<file path=ppt/slides/slide27.xml><?xml version="1.0" encoding="utf-8"?>
 <p:sld xmlns:a="http://schemas.openxmlformats.org/drawingml/2006/main" xmlns:r="http://schemas.openxmlformats.org/officeDocument/2006/relationships" xmlns:p="http://schemas.openxmlformats.org/presentationml/2006/main">
   <p:cSld>
     <p:bg>

--- a/Presentation/lesson-06-xml.pptx
+++ b/Presentation/lesson-06-xml.pptx
@@ -5,7 +5,7 @@
     <p:sldMasterId id="2147483648" r:id="rId1"/>
   </p:sldMasterIdLst>
   <p:notesMasterIdLst>
-    <p:notesMasterId r:id="rId29"/>
+    <p:notesMasterId r:id="rId30"/>
   </p:notesMasterIdLst>
   <p:sldIdLst>
     <p:sldId id="257" r:id="rId2"/>
@@ -31,10 +31,11 @@
     <p:sldId id="276" r:id="rId22"/>
     <p:sldId id="278" r:id="rId23"/>
     <p:sldId id="284" r:id="rId24"/>
-    <p:sldId id="277" r:id="rId25"/>
-    <p:sldId id="280" r:id="rId26"/>
-    <p:sldId id="282" r:id="rId27"/>
-    <p:sldId id="285" r:id="rId28"/>
+    <p:sldId id="287" r:id="rId25"/>
+    <p:sldId id="277" r:id="rId26"/>
+    <p:sldId id="280" r:id="rId27"/>
+    <p:sldId id="282" r:id="rId28"/>
+    <p:sldId id="285" r:id="rId29"/>
   </p:sldIdLst>
   <p:sldSz cx="9144000" cy="6858000" type="screen4x3"/>
   <p:notesSz cx="6858000" cy="9144000"/>
@@ -218,7 +219,7 @@
           <a:p>
             <a:fld id="{B24A7054-7FFB-49F4-A126-5DF6E687FF53}" type="datetimeFigureOut">
               <a:rPr lang="ru-RU" smtClean="0"/>
-              <a:t>21.10.2013</a:t>
+              <a:t>25.10.2013</a:t>
             </a:fld>
             <a:endParaRPr lang="ru-RU"/>
           </a:p>
@@ -1281,7 +1282,7 @@
           <a:p>
             <a:fld id="{8E6E6A2A-E9D3-4A0D-B04A-ABDD367A1E08}" type="datetimeFigureOut">
               <a:rPr lang="ru-RU" smtClean="0"/>
-              <a:t>21.10.2013</a:t>
+              <a:t>25.10.2013</a:t>
             </a:fld>
             <a:endParaRPr lang="ru-RU"/>
           </a:p>
@@ -2729,7 +2730,7 @@
           <a:p>
             <a:fld id="{AC3D3127-B7C4-45E3-9797-C527EC9FDD78}" type="datetimeFigureOut">
               <a:rPr lang="ru-RU" smtClean="0"/>
-              <a:t>21.10.2013</a:t>
+              <a:t>25.10.2013</a:t>
             </a:fld>
             <a:endParaRPr lang="ru-RU"/>
           </a:p>
@@ -8439,6 +8440,12 @@
             <a:pPr marL="0" indent="0">
               <a:buNone/>
             </a:pPr>
+            <a:endParaRPr lang="ru-RU" dirty="0" smtClean="0"/>
+          </a:p>
+          <a:p>
+            <a:pPr marL="0" indent="0">
+              <a:buNone/>
+            </a:pPr>
             <a:endParaRPr lang="en-US" dirty="0" smtClean="0"/>
           </a:p>
         </p:txBody>
@@ -8503,6 +8510,14 @@
               <a:rPr lang="ru-RU" dirty="0" smtClean="0"/>
               <a:t>комментарии</a:t>
             </a:r>
+            <a:r>
+              <a:rPr lang="en-US" dirty="0" smtClean="0"/>
+              <a:t>: </a:t>
+            </a:r>
+            <a:r>
+              <a:rPr lang="ru-RU" dirty="0" smtClean="0"/>
+              <a:t>Настройка</a:t>
+            </a:r>
             <a:endParaRPr lang="ru-RU" dirty="0"/>
           </a:p>
         </p:txBody>
@@ -8654,44 +8669,110 @@
             <p:ph type="title"/>
           </p:nvPr>
         </p:nvSpPr>
-        <p:spPr>
-          <a:xfrm>
-            <a:off x="457200" y="2857500"/>
-            <a:ext cx="8229600" cy="1143000"/>
-          </a:xfrm>
-        </p:spPr>
+        <p:spPr/>
+        <p:txBody>
+          <a:bodyPr/>
+          <a:lstStyle/>
+          <a:p>
+            <a:r>
+              <a:rPr lang="en-US" dirty="0" smtClean="0"/>
+              <a:t>XML </a:t>
+            </a:r>
+            <a:r>
+              <a:rPr lang="ru-RU" dirty="0" smtClean="0"/>
+              <a:t>комментарии</a:t>
+            </a:r>
+            <a:r>
+              <a:rPr lang="en-US" dirty="0" smtClean="0"/>
+              <a:t>: Sandcastle</a:t>
+            </a:r>
+            <a:endParaRPr lang="ru-RU" dirty="0"/>
+          </a:p>
+        </p:txBody>
+      </p:sp>
+      <p:sp>
+        <p:nvSpPr>
+          <p:cNvPr id="3" name="Content Placeholder 2"/>
+          <p:cNvSpPr>
+            <a:spLocks noGrp="1"/>
+          </p:cNvSpPr>
+          <p:nvPr>
+            <p:ph idx="1"/>
+          </p:nvPr>
+        </p:nvSpPr>
+        <p:spPr/>
         <p:txBody>
           <a:bodyPr>
             <a:normAutofit/>
           </a:bodyPr>
           <a:lstStyle/>
           <a:p>
+            <a:pPr marL="0" indent="0">
+              <a:buNone/>
+            </a:pPr>
             <a:r>
               <a:rPr lang="ru-RU" dirty="0" smtClean="0"/>
-              <a:t>Чтение </a:t>
+              <a:t>Полученный </a:t>
             </a:r>
             <a:r>
               <a:rPr lang="en-US" dirty="0" smtClean="0"/>
-              <a:t>XML. </a:t>
+              <a:t>XML </a:t>
             </a:r>
             <a:r>
               <a:rPr lang="ru-RU" dirty="0" smtClean="0"/>
-              <a:t>Демонстрация.</a:t>
-            </a:r>
-            <a:endParaRPr lang="ru-RU" dirty="0"/>
+              <a:t>файл неудобен для чтения человеком. </a:t>
+            </a:r>
+            <a:r>
+              <a:rPr lang="ru-RU" dirty="0" smtClean="0"/>
+              <a:t>Однако его можно обработать с помощью программы </a:t>
+            </a:r>
+            <a:r>
+              <a:rPr lang="en-US" dirty="0" smtClean="0"/>
+              <a:t>Sandcastle</a:t>
+            </a:r>
+            <a:r>
+              <a:rPr lang="en-US" dirty="0"/>
+              <a:t> </a:t>
+            </a:r>
+            <a:r>
+              <a:rPr lang="en-US" dirty="0" smtClean="0"/>
+              <a:t>(</a:t>
+            </a:r>
+            <a:r>
+              <a:rPr lang="en-US" dirty="0" smtClean="0">
+                <a:hlinkClick r:id="rId2"/>
+              </a:rPr>
+              <a:t>shfb.codeplex.com</a:t>
+            </a:r>
+            <a:r>
+              <a:rPr lang="en-US" dirty="0" smtClean="0"/>
+              <a:t>) </a:t>
+            </a:r>
+            <a:r>
+              <a:rPr lang="ru-RU" dirty="0" smtClean="0"/>
+              <a:t>и получить файл(ы) справки.</a:t>
+            </a:r>
+            <a:endParaRPr lang="en-US" dirty="0" smtClean="0"/>
           </a:p>
         </p:txBody>
       </p:sp>
     </p:spTree>
     <p:extLst>
       <p:ext uri="{BB962C8B-B14F-4D97-AF65-F5344CB8AC3E}">
-        <p14:creationId xmlns:p14="http://schemas.microsoft.com/office/powerpoint/2010/main" val="607863742"/>
+        <p14:creationId xmlns:p14="http://schemas.microsoft.com/office/powerpoint/2010/main" val="2734608499"/>
       </p:ext>
     </p:extLst>
   </p:cSld>
   <p:clrMapOvr>
     <a:masterClrMapping/>
   </p:clrMapOvr>
+  <p:timing>
+    <p:tnLst>
+      <p:par>
+        <p:cTn id="1" dur="indefinite" restart="never" nodeType="tmRoot"/>
+      </p:par>
+    </p:tnLst>
+  </p:timing>
 </p:sld>
 </file>
 
@@ -8722,101 +8803,29 @@
             <p:ph type="title"/>
           </p:nvPr>
         </p:nvSpPr>
-        <p:spPr/>
-        <p:txBody>
-          <a:bodyPr/>
-          <a:lstStyle/>
-          <a:p>
-            <a:r>
-              <a:rPr lang="en-US" dirty="0" smtClean="0"/>
-              <a:t>XML </a:t>
-            </a:r>
-            <a:r>
-              <a:rPr lang="ru-RU" dirty="0" smtClean="0"/>
-              <a:t>сериализация (</a:t>
-            </a:r>
-            <a:r>
-              <a:rPr lang="en-US" dirty="0" smtClean="0"/>
-              <a:t>serialization</a:t>
-            </a:r>
-            <a:r>
-              <a:rPr lang="ru-RU" dirty="0" smtClean="0"/>
-              <a:t>)</a:t>
-            </a:r>
-            <a:endParaRPr lang="ru-RU" dirty="0"/>
-          </a:p>
-        </p:txBody>
-      </p:sp>
-      <p:sp>
-        <p:nvSpPr>
-          <p:cNvPr id="3" name="Content Placeholder 2"/>
-          <p:cNvSpPr>
-            <a:spLocks noGrp="1"/>
-          </p:cNvSpPr>
-          <p:nvPr>
-            <p:ph idx="1"/>
-          </p:nvPr>
-        </p:nvSpPr>
-        <p:spPr/>
+        <p:spPr>
+          <a:xfrm>
+            <a:off x="457200" y="2857500"/>
+            <a:ext cx="8229600" cy="1143000"/>
+          </a:xfrm>
+        </p:spPr>
         <p:txBody>
           <a:bodyPr>
-            <a:normAutofit lnSpcReduction="10000"/>
+            <a:normAutofit/>
           </a:bodyPr>
           <a:lstStyle/>
           <a:p>
             <a:r>
-              <a:rPr lang="ru-RU" dirty="0"/>
-              <a:t>Сериализация – сохранение данных об объекте </a:t>
-            </a:r>
-            <a:r>
               <a:rPr lang="ru-RU" dirty="0" smtClean="0"/>
-              <a:t>в поток</a:t>
-            </a:r>
-            <a:endParaRPr lang="ru-RU" dirty="0"/>
-          </a:p>
-          <a:p>
+              <a:t>Чтение </a:t>
+            </a:r>
+            <a:r>
+              <a:rPr lang="en-US" dirty="0" smtClean="0"/>
+              <a:t>XML. </a:t>
+            </a:r>
             <a:r>
               <a:rPr lang="ru-RU" dirty="0" smtClean="0"/>
-              <a:t>Десериализация</a:t>
-            </a:r>
-            <a:r>
-              <a:rPr lang="en-US" dirty="0" smtClean="0"/>
-              <a:t> </a:t>
-            </a:r>
-            <a:r>
-              <a:rPr lang="ru-RU" dirty="0" smtClean="0"/>
-              <a:t>– </a:t>
-            </a:r>
-            <a:r>
-              <a:rPr lang="ru-RU" dirty="0"/>
-              <a:t>обратный процесс восстановления </a:t>
-            </a:r>
-            <a:r>
-              <a:rPr lang="ru-RU" dirty="0" smtClean="0"/>
-              <a:t>объекта</a:t>
-            </a:r>
-          </a:p>
-          <a:p>
-            <a:endParaRPr lang="en-US" dirty="0" smtClean="0"/>
-          </a:p>
-          <a:p>
-            <a:r>
-              <a:rPr lang="ru-RU" dirty="0" smtClean="0"/>
-              <a:t>Примеры использования:</a:t>
-            </a:r>
-          </a:p>
-          <a:p>
-            <a:pPr lvl="1"/>
-            <a:r>
-              <a:rPr lang="ru-RU" dirty="0" smtClean="0"/>
-              <a:t>Передача объекта между разными программи/машинами.</a:t>
-            </a:r>
-          </a:p>
-          <a:p>
-            <a:pPr lvl="1"/>
-            <a:r>
-              <a:rPr lang="ru-RU" dirty="0" smtClean="0"/>
-              <a:t>Файлы конфигурации</a:t>
+              <a:t>Демонстрация.</a:t>
             </a:r>
             <a:endParaRPr lang="ru-RU" dirty="0"/>
           </a:p>
@@ -8825,7 +8834,7 @@
     </p:spTree>
     <p:extLst>
       <p:ext uri="{BB962C8B-B14F-4D97-AF65-F5344CB8AC3E}">
-        <p14:creationId xmlns:p14="http://schemas.microsoft.com/office/powerpoint/2010/main" val="4243754449"/>
+        <p14:creationId xmlns:p14="http://schemas.microsoft.com/office/powerpoint/2010/main" val="607863742"/>
       </p:ext>
     </p:extLst>
   </p:cSld>
@@ -8862,6 +8871,146 @@
             <p:ph type="title"/>
           </p:nvPr>
         </p:nvSpPr>
+        <p:spPr/>
+        <p:txBody>
+          <a:bodyPr/>
+          <a:lstStyle/>
+          <a:p>
+            <a:r>
+              <a:rPr lang="en-US" dirty="0" smtClean="0"/>
+              <a:t>XML </a:t>
+            </a:r>
+            <a:r>
+              <a:rPr lang="ru-RU" dirty="0" smtClean="0"/>
+              <a:t>сериализация (</a:t>
+            </a:r>
+            <a:r>
+              <a:rPr lang="en-US" dirty="0" smtClean="0"/>
+              <a:t>serialization</a:t>
+            </a:r>
+            <a:r>
+              <a:rPr lang="ru-RU" dirty="0" smtClean="0"/>
+              <a:t>)</a:t>
+            </a:r>
+            <a:endParaRPr lang="ru-RU" dirty="0"/>
+          </a:p>
+        </p:txBody>
+      </p:sp>
+      <p:sp>
+        <p:nvSpPr>
+          <p:cNvPr id="3" name="Content Placeholder 2"/>
+          <p:cNvSpPr>
+            <a:spLocks noGrp="1"/>
+          </p:cNvSpPr>
+          <p:nvPr>
+            <p:ph idx="1"/>
+          </p:nvPr>
+        </p:nvSpPr>
+        <p:spPr/>
+        <p:txBody>
+          <a:bodyPr>
+            <a:normAutofit lnSpcReduction="10000"/>
+          </a:bodyPr>
+          <a:lstStyle/>
+          <a:p>
+            <a:r>
+              <a:rPr lang="ru-RU" dirty="0"/>
+              <a:t>Сериализация – сохранение данных об объекте </a:t>
+            </a:r>
+            <a:r>
+              <a:rPr lang="ru-RU" dirty="0" smtClean="0"/>
+              <a:t>в поток</a:t>
+            </a:r>
+            <a:endParaRPr lang="ru-RU" dirty="0"/>
+          </a:p>
+          <a:p>
+            <a:r>
+              <a:rPr lang="ru-RU" dirty="0" smtClean="0"/>
+              <a:t>Десериализация</a:t>
+            </a:r>
+            <a:r>
+              <a:rPr lang="en-US" dirty="0" smtClean="0"/>
+              <a:t> </a:t>
+            </a:r>
+            <a:r>
+              <a:rPr lang="ru-RU" dirty="0" smtClean="0"/>
+              <a:t>– </a:t>
+            </a:r>
+            <a:r>
+              <a:rPr lang="ru-RU" dirty="0"/>
+              <a:t>обратный процесс восстановления </a:t>
+            </a:r>
+            <a:r>
+              <a:rPr lang="ru-RU" dirty="0" smtClean="0"/>
+              <a:t>объекта</a:t>
+            </a:r>
+          </a:p>
+          <a:p>
+            <a:endParaRPr lang="en-US" dirty="0" smtClean="0"/>
+          </a:p>
+          <a:p>
+            <a:r>
+              <a:rPr lang="ru-RU" dirty="0" smtClean="0"/>
+              <a:t>Примеры использования:</a:t>
+            </a:r>
+          </a:p>
+          <a:p>
+            <a:pPr lvl="1"/>
+            <a:r>
+              <a:rPr lang="ru-RU" dirty="0" smtClean="0"/>
+              <a:t>Передача объекта между разными программи/машинами.</a:t>
+            </a:r>
+          </a:p>
+          <a:p>
+            <a:pPr lvl="1"/>
+            <a:r>
+              <a:rPr lang="ru-RU" dirty="0" smtClean="0"/>
+              <a:t>Файлы конфигурации</a:t>
+            </a:r>
+            <a:endParaRPr lang="ru-RU" dirty="0"/>
+          </a:p>
+        </p:txBody>
+      </p:sp>
+    </p:spTree>
+    <p:extLst>
+      <p:ext uri="{BB962C8B-B14F-4D97-AF65-F5344CB8AC3E}">
+        <p14:creationId xmlns:p14="http://schemas.microsoft.com/office/powerpoint/2010/main" val="4243754449"/>
+      </p:ext>
+    </p:extLst>
+  </p:cSld>
+  <p:clrMapOvr>
+    <a:masterClrMapping/>
+  </p:clrMapOvr>
+</p:sld>
+</file>
+
+<file path=ppt/slides/slide27.xml><?xml version="1.0" encoding="utf-8"?>
+<p:sld xmlns:a="http://schemas.openxmlformats.org/drawingml/2006/main" xmlns:r="http://schemas.openxmlformats.org/officeDocument/2006/relationships" xmlns:p="http://schemas.openxmlformats.org/presentationml/2006/main">
+  <p:cSld>
+    <p:spTree>
+      <p:nvGrpSpPr>
+        <p:cNvPr id="1" name=""/>
+        <p:cNvGrpSpPr/>
+        <p:nvPr/>
+      </p:nvGrpSpPr>
+      <p:grpSpPr>
+        <a:xfrm>
+          <a:off x="0" y="0"/>
+          <a:ext cx="0" cy="0"/>
+          <a:chOff x="0" y="0"/>
+          <a:chExt cx="0" cy="0"/>
+        </a:xfrm>
+      </p:grpSpPr>
+      <p:sp>
+        <p:nvSpPr>
+          <p:cNvPr id="2" name="Title 1"/>
+          <p:cNvSpPr>
+            <a:spLocks noGrp="1"/>
+          </p:cNvSpPr>
+          <p:nvPr>
+            <p:ph type="title"/>
+          </p:nvPr>
+        </p:nvSpPr>
         <p:spPr>
           <a:xfrm>
             <a:off x="457200" y="-234280"/>
@@ -11176,7 +11325,7 @@
 </p:sld>
 </file>
 
-<file path=ppt/slides/slide27.xml><?xml version="1.0" encoding="utf-8"?>
+<file path=ppt/slides/slide28.xml><?xml version="1.0" encoding="utf-8"?>
 <p:sld xmlns:a="http://schemas.openxmlformats.org/drawingml/2006/main" xmlns:r="http://schemas.openxmlformats.org/officeDocument/2006/relationships" xmlns:p="http://schemas.openxmlformats.org/presentationml/2006/main">
   <p:cSld>
     <p:bg>

--- a/Presentation/lesson-06-xml.pptx
+++ b/Presentation/lesson-06-xml.pptx
@@ -219,7 +219,7 @@
           <a:p>
             <a:fld id="{B24A7054-7FFB-49F4-A126-5DF6E687FF53}" type="datetimeFigureOut">
               <a:rPr lang="ru-RU" smtClean="0"/>
-              <a:t>25.10.2013</a:t>
+              <a:t>28.10.2013</a:t>
             </a:fld>
             <a:endParaRPr lang="ru-RU"/>
           </a:p>
@@ -1282,7 +1282,7 @@
           <a:p>
             <a:fld id="{8E6E6A2A-E9D3-4A0D-B04A-ABDD367A1E08}" type="datetimeFigureOut">
               <a:rPr lang="ru-RU" smtClean="0"/>
-              <a:t>25.10.2013</a:t>
+              <a:t>28.10.2013</a:t>
             </a:fld>
             <a:endParaRPr lang="ru-RU"/>
           </a:p>
@@ -2730,7 +2730,7 @@
           <a:p>
             <a:fld id="{AC3D3127-B7C4-45E3-9797-C527EC9FDD78}" type="datetimeFigureOut">
               <a:rPr lang="ru-RU" smtClean="0"/>
-              <a:t>25.10.2013</a:t>
+              <a:t>28.10.2013</a:t>
             </a:fld>
             <a:endParaRPr lang="ru-RU"/>
           </a:p>
@@ -5837,12 +5837,22 @@
         </p:nvSpPr>
         <p:spPr/>
         <p:txBody>
-          <a:bodyPr/>
+          <a:bodyPr>
+            <a:normAutofit fontScale="90000"/>
+          </a:bodyPr>
           <a:lstStyle/>
           <a:p>
             <a:r>
               <a:rPr lang="ru-RU" dirty="0" smtClean="0"/>
-              <a:t>Способы</a:t>
+              <a:t>Описание структуры </a:t>
+            </a:r>
+            <a:r>
+              <a:rPr lang="en-US" dirty="0" smtClean="0"/>
+              <a:t>XML </a:t>
+            </a:r>
+            <a:r>
+              <a:rPr lang="ru-RU" dirty="0" smtClean="0"/>
+              <a:t>документа</a:t>
             </a:r>
             <a:endParaRPr lang="en-US" dirty="0"/>
           </a:p>
@@ -5860,7 +5870,9 @@
         </p:nvSpPr>
         <p:spPr/>
         <p:txBody>
-          <a:bodyPr/>
+          <a:bodyPr>
+            <a:normAutofit lnSpcReduction="10000"/>
+          </a:bodyPr>
           <a:lstStyle/>
           <a:p>
             <a:r>
@@ -5906,6 +5918,21 @@
             <a:endParaRPr lang="ru-RU" dirty="0" smtClean="0"/>
           </a:p>
           <a:p>
+            <a:pPr lvl="1"/>
+            <a:r>
+              <a:rPr lang="ru-RU" dirty="0" smtClean="0"/>
+              <a:t>Устаревшая</a:t>
+            </a:r>
+          </a:p>
+          <a:p>
+            <a:pPr lvl="1"/>
+            <a:r>
+              <a:rPr lang="ru-RU" dirty="0" smtClean="0"/>
+              <a:t>Требует изучения нового синтаксиса</a:t>
+            </a:r>
+            <a:endParaRPr lang="ru-RU" dirty="0" smtClean="0"/>
+          </a:p>
+          <a:p>
             <a:r>
               <a:rPr lang="en-US" dirty="0"/>
               <a:t>XML </a:t>
@@ -5920,8 +5947,24 @@
             </a:r>
             <a:r>
               <a:rPr lang="en-US" dirty="0" smtClean="0"/>
-              <a:t>XSD)</a:t>
-            </a:r>
+              <a:t>XSD</a:t>
+            </a:r>
+            <a:r>
+              <a:rPr lang="en-US" dirty="0" smtClean="0"/>
+              <a:t>)</a:t>
+            </a:r>
+          </a:p>
+          <a:p>
+            <a:pPr lvl="1"/>
+            <a:r>
+              <a:rPr lang="ru-RU" dirty="0" smtClean="0"/>
+              <a:t>Использует синтаксис </a:t>
+            </a:r>
+            <a:r>
+              <a:rPr lang="en-US" dirty="0" smtClean="0"/>
+              <a:t>XML</a:t>
+            </a:r>
+            <a:endParaRPr lang="en-US" dirty="0" smtClean="0"/>
           </a:p>
           <a:p>
             <a:pPr lvl="1"/>
@@ -8720,11 +8763,7 @@
             </a:r>
             <a:r>
               <a:rPr lang="ru-RU" dirty="0" smtClean="0"/>
-              <a:t>файл неудобен для чтения человеком. </a:t>
-            </a:r>
-            <a:r>
-              <a:rPr lang="ru-RU" dirty="0" smtClean="0"/>
-              <a:t>Однако его можно обработать с помощью программы </a:t>
+              <a:t>файл неудобен для чтения человеком. Однако его можно обработать с помощью программы </a:t>
             </a:r>
             <a:r>
               <a:rPr lang="en-US" dirty="0" smtClean="0"/>

--- a/Presentation/lesson-06-xml.pptx
+++ b/Presentation/lesson-06-xml.pptx
@@ -219,7 +219,7 @@
           <a:p>
             <a:fld id="{B24A7054-7FFB-49F4-A126-5DF6E687FF53}" type="datetimeFigureOut">
               <a:rPr lang="ru-RU" smtClean="0"/>
-              <a:t>28.10.2013</a:t>
+              <a:t>31.10.2013</a:t>
             </a:fld>
             <a:endParaRPr lang="ru-RU"/>
           </a:p>
@@ -1282,7 +1282,7 @@
           <a:p>
             <a:fld id="{8E6E6A2A-E9D3-4A0D-B04A-ABDD367A1E08}" type="datetimeFigureOut">
               <a:rPr lang="ru-RU" smtClean="0"/>
-              <a:t>28.10.2013</a:t>
+              <a:t>31.10.2013</a:t>
             </a:fld>
             <a:endParaRPr lang="ru-RU"/>
           </a:p>
@@ -2730,7 +2730,7 @@
           <a:p>
             <a:fld id="{AC3D3127-B7C4-45E3-9797-C527EC9FDD78}" type="datetimeFigureOut">
               <a:rPr lang="ru-RU" smtClean="0"/>
-              <a:t>28.10.2013</a:t>
+              <a:t>31.10.2013</a:t>
             </a:fld>
             <a:endParaRPr lang="ru-RU"/>
           </a:p>
@@ -4576,52 +4576,276 @@
             <p:ph idx="1"/>
           </p:nvPr>
         </p:nvSpPr>
-        <p:spPr/>
+        <p:spPr>
+          <a:xfrm>
+            <a:off x="457200" y="1412776"/>
+            <a:ext cx="8229600" cy="3600400"/>
+          </a:xfrm>
+        </p:spPr>
         <p:txBody>
           <a:bodyPr>
             <a:normAutofit/>
           </a:bodyPr>
           <a:lstStyle/>
           <a:p>
-            <a:r>
-              <a:rPr lang="ru-RU" dirty="0" smtClean="0">
+            <a:pPr marL="0" indent="0">
+              <a:buNone/>
+            </a:pPr>
+            <a:r>
+              <a:rPr lang="ru-RU" sz="2400" dirty="0" smtClean="0">
+                <a:solidFill>
+                  <a:schemeClr val="bg1"/>
+                </a:solidFill>
+              </a:rPr>
+              <a:t>Любой </a:t>
+            </a:r>
+            <a:r>
+              <a:rPr lang="ru-RU" sz="2400" dirty="0">
+                <a:solidFill>
+                  <a:schemeClr val="bg1"/>
+                </a:solidFill>
+              </a:rPr>
+              <a:t>XML-элемент может содержать специальный атрибут xmlns, указывающий на пространство </a:t>
+            </a:r>
+            <a:r>
+              <a:rPr lang="ru-RU" sz="2400" dirty="0" smtClean="0">
+                <a:solidFill>
+                  <a:schemeClr val="bg1"/>
+                </a:solidFill>
+              </a:rPr>
+              <a:t>имен </a:t>
+            </a:r>
+            <a:r>
+              <a:rPr lang="ru-RU" sz="2400" dirty="0">
+                <a:solidFill>
+                  <a:schemeClr val="bg1"/>
+                </a:solidFill>
+              </a:rPr>
+              <a:t>элемента. Назначение пространств имён </a:t>
+            </a:r>
+            <a:r>
+              <a:rPr lang="ru-RU" sz="2400" dirty="0" smtClean="0">
+                <a:solidFill>
+                  <a:schemeClr val="bg1"/>
+                </a:solidFill>
+              </a:rPr>
+              <a:t>дать возможность разрешать конфликты для элементов</a:t>
+            </a:r>
+            <a:r>
+              <a:rPr lang="en-US" sz="2400" dirty="0" smtClean="0">
+                <a:solidFill>
+                  <a:schemeClr val="bg1"/>
+                </a:solidFill>
+              </a:rPr>
+              <a:t> </a:t>
+            </a:r>
+            <a:r>
+              <a:rPr lang="ru-RU" sz="2400" dirty="0" smtClean="0">
+                <a:solidFill>
+                  <a:schemeClr val="bg1"/>
+                </a:solidFill>
+              </a:rPr>
+              <a:t>с одинаковым названием, но разным предназначением. Пространства имен могут объявляться с префиксом или без него. Пространство имен без </a:t>
+            </a:r>
+            <a:r>
+              <a:rPr lang="ru-RU" sz="2400" dirty="0">
+                <a:solidFill>
+                  <a:schemeClr val="bg1"/>
+                </a:solidFill>
+              </a:rPr>
+              <a:t>префикса называется </a:t>
+            </a:r>
+            <a:r>
+              <a:rPr lang="ru-RU" sz="2400" dirty="0" smtClean="0">
+                <a:solidFill>
+                  <a:schemeClr val="bg1"/>
+                </a:solidFill>
+              </a:rPr>
+              <a:t>«пространством имен по умолчанию» и может быть только одним в рамках документа.</a:t>
+            </a:r>
+            <a:endParaRPr lang="en-US" sz="2400" dirty="0">
+              <a:solidFill>
+                <a:schemeClr val="bg1"/>
+              </a:solidFill>
+            </a:endParaRPr>
+          </a:p>
+        </p:txBody>
+      </p:sp>
+      <p:sp>
+        <p:nvSpPr>
+          <p:cNvPr id="4" name="TextBox 3"/>
+          <p:cNvSpPr txBox="1"/>
+          <p:nvPr/>
+        </p:nvSpPr>
+        <p:spPr>
+          <a:xfrm>
+            <a:off x="459855" y="5057889"/>
+            <a:ext cx="8288609" cy="1323439"/>
+          </a:xfrm>
+          <a:prstGeom prst="rect">
+            <a:avLst/>
+          </a:prstGeom>
+          <a:solidFill>
+            <a:schemeClr val="bg1"/>
+          </a:solidFill>
+        </p:spPr>
+        <p:txBody>
+          <a:bodyPr wrap="square" rtlCol="0">
+            <a:spAutoFit/>
+          </a:bodyPr>
+          <a:lstStyle/>
+          <a:p>
+            <a:r>
+              <a:rPr lang="en-US" sz="2000" dirty="0">
+                <a:solidFill>
+                  <a:srgbClr val="0000FF"/>
+                </a:solidFill>
+                <a:latin typeface="Courier New" panose="02070309020205020404" pitchFamily="49" charset="0"/>
+                <a:cs typeface="Courier New" panose="02070309020205020404" pitchFamily="49" charset="0"/>
+              </a:rPr>
+              <a:t>&lt;</a:t>
+            </a:r>
+            <a:r>
+              <a:rPr lang="en-US" sz="2000" dirty="0" err="1" smtClean="0">
+                <a:solidFill>
+                  <a:srgbClr val="A31515"/>
+                </a:solidFill>
+                <a:latin typeface="Courier New" panose="02070309020205020404" pitchFamily="49" charset="0"/>
+                <a:cs typeface="Courier New" panose="02070309020205020404" pitchFamily="49" charset="0"/>
+              </a:rPr>
+              <a:t>xs:schema</a:t>
+            </a:r>
+            <a:r>
+              <a:rPr lang="ru-RU" sz="2000" dirty="0" smtClean="0">
+                <a:solidFill>
+                  <a:srgbClr val="A31515"/>
+                </a:solidFill>
+                <a:latin typeface="Courier New" panose="02070309020205020404" pitchFamily="49" charset="0"/>
+                <a:cs typeface="Courier New" panose="02070309020205020404" pitchFamily="49" charset="0"/>
+              </a:rPr>
+              <a:t/>
+            </a:r>
+            <a:br>
+              <a:rPr lang="ru-RU" sz="2000" dirty="0" smtClean="0">
+                <a:solidFill>
+                  <a:srgbClr val="A31515"/>
+                </a:solidFill>
+                <a:latin typeface="Courier New" panose="02070309020205020404" pitchFamily="49" charset="0"/>
+                <a:cs typeface="Courier New" panose="02070309020205020404" pitchFamily="49" charset="0"/>
+              </a:rPr>
+            </a:br>
+            <a:r>
+              <a:rPr lang="en-US" sz="2000" dirty="0" smtClean="0">
+                <a:solidFill>
+                  <a:srgbClr val="A31515"/>
+                </a:solidFill>
+                <a:latin typeface="Courier New" panose="02070309020205020404" pitchFamily="49" charset="0"/>
+                <a:cs typeface="Courier New" panose="02070309020205020404" pitchFamily="49" charset="0"/>
+              </a:rPr>
+              <a:t>    </a:t>
+            </a:r>
+            <a:r>
+              <a:rPr lang="en-US" sz="2000" dirty="0" err="1" smtClean="0">
                 <a:solidFill>
                   <a:srgbClr val="FF0000"/>
                 </a:solidFill>
-              </a:rPr>
-              <a:t>Любой </a:t>
-            </a:r>
-            <a:r>
-              <a:rPr lang="ru-RU" dirty="0">
+                <a:latin typeface="Courier New" panose="02070309020205020404" pitchFamily="49" charset="0"/>
+                <a:cs typeface="Courier New" panose="02070309020205020404" pitchFamily="49" charset="0"/>
+              </a:rPr>
+              <a:t>xmlns</a:t>
+            </a:r>
+            <a:r>
+              <a:rPr lang="en-US" sz="2000" dirty="0" smtClean="0">
+                <a:solidFill>
+                  <a:srgbClr val="0000FF"/>
+                </a:solidFill>
+                <a:latin typeface="Courier New" panose="02070309020205020404" pitchFamily="49" charset="0"/>
+                <a:cs typeface="Courier New" panose="02070309020205020404" pitchFamily="49" charset="0"/>
+              </a:rPr>
+              <a:t>="http</a:t>
+            </a:r>
+            <a:r>
+              <a:rPr lang="en-US" sz="2000" dirty="0">
+                <a:solidFill>
+                  <a:srgbClr val="0000FF"/>
+                </a:solidFill>
+                <a:latin typeface="Courier New" panose="02070309020205020404" pitchFamily="49" charset="0"/>
+                <a:cs typeface="Courier New" panose="02070309020205020404" pitchFamily="49" charset="0"/>
+              </a:rPr>
+              <a:t>://</a:t>
+            </a:r>
+            <a:r>
+              <a:rPr lang="en-US" sz="2000" dirty="0" smtClean="0">
+                <a:solidFill>
+                  <a:srgbClr val="0000FF"/>
+                </a:solidFill>
+                <a:latin typeface="Courier New" panose="02070309020205020404" pitchFamily="49" charset="0"/>
+                <a:cs typeface="Courier New" panose="02070309020205020404" pitchFamily="49" charset="0"/>
+              </a:rPr>
+              <a:t>tc.belhard.com/2012/Customers"</a:t>
+            </a:r>
+            <a:br>
+              <a:rPr lang="en-US" sz="2000" dirty="0" smtClean="0">
+                <a:solidFill>
+                  <a:srgbClr val="0000FF"/>
+                </a:solidFill>
+                <a:latin typeface="Courier New" panose="02070309020205020404" pitchFamily="49" charset="0"/>
+                <a:cs typeface="Courier New" panose="02070309020205020404" pitchFamily="49" charset="0"/>
+              </a:rPr>
+            </a:br>
+            <a:r>
+              <a:rPr lang="en-US" sz="2000" dirty="0" smtClean="0">
+                <a:solidFill>
+                  <a:srgbClr val="0000FF"/>
+                </a:solidFill>
+                <a:latin typeface="Courier New" panose="02070309020205020404" pitchFamily="49" charset="0"/>
+                <a:cs typeface="Courier New" panose="02070309020205020404" pitchFamily="49" charset="0"/>
+              </a:rPr>
+              <a:t>    </a:t>
+            </a:r>
+            <a:r>
+              <a:rPr lang="en-US" sz="2000" dirty="0" err="1" smtClean="0">
                 <a:solidFill>
                   <a:srgbClr val="FF0000"/>
                 </a:solidFill>
-              </a:rPr>
-              <a:t>XML-элемент может содержать специальный атрибут xmlns, указывающий на пространство имён элемента. Назначение пространств имён – обеспечить семантическую уникальность элемента. Например:</a:t>
-            </a:r>
-          </a:p>
-          <a:p>
-            <a:r>
-              <a:rPr lang="ru-RU" dirty="0">
-                <a:solidFill>
-                  <a:srgbClr val="FF0000"/>
-                </a:solidFill>
-              </a:rPr>
-              <a:t>&lt;rootElement xmlns:st = "http://the_site.by"&gt;</a:t>
-            </a:r>
-          </a:p>
-          <a:p>
-            <a:r>
-              <a:rPr lang="ru-RU" dirty="0">
-                <a:solidFill>
-                  <a:srgbClr val="FF0000"/>
-                </a:solidFill>
-              </a:rPr>
-              <a:t>  &lt;st:ID&gt; . . .</a:t>
-            </a:r>
-          </a:p>
-          <a:p>
-            <a:endParaRPr lang="en-US" dirty="0"/>
+                <a:latin typeface="Courier New" panose="02070309020205020404" pitchFamily="49" charset="0"/>
+                <a:cs typeface="Courier New" panose="02070309020205020404" pitchFamily="49" charset="0"/>
+              </a:rPr>
+              <a:t>xmlns:xs</a:t>
+            </a:r>
+            <a:r>
+              <a:rPr lang="en-US" sz="2000" dirty="0" smtClean="0">
+                <a:solidFill>
+                  <a:srgbClr val="0000FF"/>
+                </a:solidFill>
+                <a:latin typeface="Courier New" panose="02070309020205020404" pitchFamily="49" charset="0"/>
+                <a:cs typeface="Courier New" panose="02070309020205020404" pitchFamily="49" charset="0"/>
+              </a:rPr>
+              <a:t>="http://www.w3.org/2001/XMLSchema"</a:t>
+            </a:r>
+            <a:br>
+              <a:rPr lang="en-US" sz="2000" dirty="0" smtClean="0">
+                <a:solidFill>
+                  <a:srgbClr val="0000FF"/>
+                </a:solidFill>
+                <a:latin typeface="Courier New" panose="02070309020205020404" pitchFamily="49" charset="0"/>
+                <a:cs typeface="Courier New" panose="02070309020205020404" pitchFamily="49" charset="0"/>
+              </a:rPr>
+            </a:br>
+            <a:r>
+              <a:rPr lang="en-US" sz="2000" dirty="0" smtClean="0">
+                <a:solidFill>
+                  <a:srgbClr val="0000FF"/>
+                </a:solidFill>
+                <a:latin typeface="Courier New" panose="02070309020205020404" pitchFamily="49" charset="0"/>
+                <a:cs typeface="Courier New" panose="02070309020205020404" pitchFamily="49" charset="0"/>
+              </a:rPr>
+              <a:t>&gt;</a:t>
+            </a:r>
+            <a:endParaRPr lang="en-US" sz="2000" dirty="0" smtClean="0">
+              <a:latin typeface="Courier New" panose="02070309020205020404" pitchFamily="49" charset="0"/>
+              <a:cs typeface="Courier New" panose="02070309020205020404" pitchFamily="49" charset="0"/>
+            </a:endParaRPr>
           </a:p>
         </p:txBody>
       </p:sp>
@@ -5930,7 +6154,6 @@
               <a:rPr lang="ru-RU" dirty="0" smtClean="0"/>
               <a:t>Требует изучения нового синтаксиса</a:t>
             </a:r>
-            <a:endParaRPr lang="ru-RU" dirty="0" smtClean="0"/>
           </a:p>
           <a:p>
             <a:r>
@@ -5947,11 +6170,7 @@
             </a:r>
             <a:r>
               <a:rPr lang="en-US" dirty="0" smtClean="0"/>
-              <a:t>XSD</a:t>
-            </a:r>
-            <a:r>
-              <a:rPr lang="en-US" dirty="0" smtClean="0"/>
-              <a:t>)</a:t>
+              <a:t>XSD)</a:t>
             </a:r>
           </a:p>
           <a:p>
@@ -5964,7 +6183,6 @@
               <a:rPr lang="en-US" dirty="0" smtClean="0"/>
               <a:t>XML</a:t>
             </a:r>
-            <a:endParaRPr lang="en-US" dirty="0" smtClean="0"/>
           </a:p>
           <a:p>
             <a:pPr lvl="1"/>

--- a/Presentation/lesson-06-xml.pptx
+++ b/Presentation/lesson-06-xml.pptx
@@ -5,7 +5,7 @@
     <p:sldMasterId id="2147483648" r:id="rId1"/>
   </p:sldMasterIdLst>
   <p:notesMasterIdLst>
-    <p:notesMasterId r:id="rId30"/>
+    <p:notesMasterId r:id="rId31"/>
   </p:notesMasterIdLst>
   <p:sldIdLst>
     <p:sldId id="257" r:id="rId2"/>
@@ -30,12 +30,13 @@
     <p:sldId id="283" r:id="rId21"/>
     <p:sldId id="276" r:id="rId22"/>
     <p:sldId id="278" r:id="rId23"/>
-    <p:sldId id="284" r:id="rId24"/>
-    <p:sldId id="287" r:id="rId25"/>
-    <p:sldId id="277" r:id="rId26"/>
-    <p:sldId id="280" r:id="rId27"/>
-    <p:sldId id="282" r:id="rId28"/>
-    <p:sldId id="285" r:id="rId29"/>
+    <p:sldId id="288" r:id="rId24"/>
+    <p:sldId id="284" r:id="rId25"/>
+    <p:sldId id="287" r:id="rId26"/>
+    <p:sldId id="277" r:id="rId27"/>
+    <p:sldId id="280" r:id="rId28"/>
+    <p:sldId id="282" r:id="rId29"/>
+    <p:sldId id="285" r:id="rId30"/>
   </p:sldIdLst>
   <p:sldSz cx="9144000" cy="6858000" type="screen4x3"/>
   <p:notesSz cx="6858000" cy="9144000"/>
@@ -219,7 +220,7 @@
           <a:p>
             <a:fld id="{B24A7054-7FFB-49F4-A126-5DF6E687FF53}" type="datetimeFigureOut">
               <a:rPr lang="ru-RU" smtClean="0"/>
-              <a:t>31.10.2013</a:t>
+              <a:t>11.04.2014</a:t>
             </a:fld>
             <a:endParaRPr lang="ru-RU"/>
           </a:p>
@@ -1282,7 +1283,7 @@
           <a:p>
             <a:fld id="{8E6E6A2A-E9D3-4A0D-B04A-ABDD367A1E08}" type="datetimeFigureOut">
               <a:rPr lang="ru-RU" smtClean="0"/>
-              <a:t>31.10.2013</a:t>
+              <a:t>11.04.2014</a:t>
             </a:fld>
             <a:endParaRPr lang="ru-RU"/>
           </a:p>
@@ -2730,7 +2731,7 @@
           <a:p>
             <a:fld id="{AC3D3127-B7C4-45E3-9797-C527EC9FDD78}" type="datetimeFigureOut">
               <a:rPr lang="ru-RU" smtClean="0"/>
-              <a:t>31.10.2013</a:t>
+              <a:t>11.04.2014</a:t>
             </a:fld>
             <a:endParaRPr lang="ru-RU"/>
           </a:p>
@@ -8575,7 +8576,7 @@
         <p:spPr/>
         <p:txBody>
           <a:bodyPr>
-            <a:normAutofit fontScale="85000" lnSpcReduction="20000"/>
+            <a:normAutofit fontScale="92500" lnSpcReduction="10000"/>
           </a:bodyPr>
           <a:lstStyle/>
           <a:p>
@@ -8618,82 +8619,43 @@
               <a:rPr lang="en-US" dirty="0" smtClean="0"/>
               <a:t>///</a:t>
             </a:r>
+            <a:endParaRPr lang="ru-RU" dirty="0" smtClean="0"/>
           </a:p>
           <a:p>
             <a:r>
               <a:rPr lang="ru-RU" dirty="0" smtClean="0"/>
-              <a:t>Поддерживаемые элементы</a:t>
-            </a:r>
-          </a:p>
-          <a:p>
-            <a:pPr lvl="1"/>
-            <a:r>
-              <a:rPr lang="en-US" dirty="0"/>
-              <a:t>&lt;summary</a:t>
+              <a:t>Являются строковыми комментариями как и </a:t>
             </a:r>
             <a:r>
               <a:rPr lang="en-US" dirty="0" smtClean="0"/>
-              <a:t>&gt;</a:t>
+              <a:t>//</a:t>
             </a:r>
             <a:endParaRPr lang="ru-RU" dirty="0" smtClean="0"/>
           </a:p>
           <a:p>
-            <a:pPr lvl="1"/>
-            <a:r>
-              <a:rPr lang="en-US" dirty="0"/>
-              <a:t>&lt;</a:t>
-            </a:r>
-            <a:r>
-              <a:rPr lang="en-US" dirty="0" err="1"/>
-              <a:t>param</a:t>
-            </a:r>
-            <a:r>
-              <a:rPr lang="en-US" dirty="0"/>
-              <a:t> name</a:t>
+            <a:r>
+              <a:rPr lang="ru-RU" dirty="0" smtClean="0"/>
+              <a:t>П</a:t>
+            </a:r>
+            <a:r>
+              <a:rPr lang="ru-RU" dirty="0" smtClean="0"/>
+              <a:t>рименяются в основном к </a:t>
             </a:r>
             <a:r>
               <a:rPr lang="en-US" dirty="0" smtClean="0"/>
-              <a:t>="</a:t>
+              <a:t>public </a:t>
             </a:r>
             <a:r>
               <a:rPr lang="ru-RU" dirty="0" smtClean="0"/>
-              <a:t>ИмяПараметра</a:t>
+              <a:t>и </a:t>
             </a:r>
             <a:r>
               <a:rPr lang="en-US" dirty="0" smtClean="0"/>
-              <a:t>"&gt;</a:t>
-            </a:r>
-            <a:endParaRPr lang="ru-RU" dirty="0" smtClean="0"/>
-          </a:p>
-          <a:p>
-            <a:pPr lvl="1"/>
-            <a:r>
-              <a:rPr lang="en-US" dirty="0"/>
-              <a:t>&lt;returns</a:t>
-            </a:r>
-            <a:r>
-              <a:rPr lang="en-US" dirty="0" smtClean="0"/>
-              <a:t>&gt;</a:t>
-            </a:r>
-            <a:endParaRPr lang="ru-RU" dirty="0" smtClean="0"/>
-          </a:p>
-          <a:p>
-            <a:pPr lvl="1"/>
-            <a:r>
-              <a:rPr lang="en-US" dirty="0"/>
-              <a:t>&lt;remarks</a:t>
-            </a:r>
-            <a:r>
-              <a:rPr lang="en-US" dirty="0" smtClean="0"/>
-              <a:t>&gt;</a:t>
-            </a:r>
-            <a:endParaRPr lang="ru-RU" dirty="0" smtClean="0"/>
-          </a:p>
-          <a:p>
-            <a:pPr lvl="1"/>
+              <a:t>protected</a:t>
+            </a:r>
             <a:r>
               <a:rPr lang="ru-RU" dirty="0" smtClean="0"/>
-              <a:t>и другие ...</a:t>
+              <a:t> членам/типам</a:t>
             </a:r>
             <a:endParaRPr lang="en-US" dirty="0" smtClean="0"/>
           </a:p>
@@ -8764,6 +8726,923 @@
           <a:lstStyle/>
           <a:p>
             <a:r>
+              <a:rPr lang="ru-RU" dirty="0" smtClean="0"/>
+              <a:t>Элементы </a:t>
+            </a:r>
+            <a:r>
+              <a:rPr lang="en-US" dirty="0" smtClean="0"/>
+              <a:t>XML </a:t>
+            </a:r>
+            <a:r>
+              <a:rPr lang="ru-RU" dirty="0" smtClean="0"/>
+              <a:t>комментариев</a:t>
+            </a:r>
+            <a:endParaRPr lang="ru-RU" dirty="0"/>
+          </a:p>
+        </p:txBody>
+      </p:sp>
+      <p:graphicFrame>
+        <p:nvGraphicFramePr>
+          <p:cNvPr id="4" name="Table 3"/>
+          <p:cNvGraphicFramePr>
+            <a:graphicFrameLocks noGrp="1"/>
+          </p:cNvGraphicFramePr>
+          <p:nvPr>
+            <p:extLst>
+              <p:ext uri="{D42A27DB-BD31-4B8C-83A1-F6EECF244321}">
+                <p14:modId xmlns:p14="http://schemas.microsoft.com/office/powerpoint/2010/main" val="4234408051"/>
+              </p:ext>
+            </p:extLst>
+          </p:nvPr>
+        </p:nvGraphicFramePr>
+        <p:xfrm>
+          <a:off x="575556" y="1340768"/>
+          <a:ext cx="7992888" cy="2768600"/>
+        </p:xfrm>
+        <a:graphic>
+          <a:graphicData uri="http://schemas.openxmlformats.org/drawingml/2006/table">
+            <a:tbl>
+              <a:tblPr firstRow="1" bandRow="1">
+                <a:tableStyleId>{5C22544A-7EE6-4342-B048-85BDC9FD1C3A}</a:tableStyleId>
+              </a:tblPr>
+              <a:tblGrid>
+                <a:gridCol w="3996444"/>
+                <a:gridCol w="3996444"/>
+              </a:tblGrid>
+              <a:tr h="370840">
+                <a:tc>
+                  <a:txBody>
+                    <a:bodyPr/>
+                    <a:lstStyle/>
+                    <a:p>
+                      <a:r>
+                        <a:rPr lang="ru-RU" dirty="0" smtClean="0">
+                          <a:solidFill>
+                            <a:srgbClr val="002060"/>
+                          </a:solidFill>
+                        </a:rPr>
+                        <a:t>Название элемента</a:t>
+                      </a:r>
+                      <a:endParaRPr lang="ru-RU" dirty="0">
+                        <a:solidFill>
+                          <a:srgbClr val="002060"/>
+                        </a:solidFill>
+                      </a:endParaRPr>
+                    </a:p>
+                  </a:txBody>
+                  <a:tcPr>
+                    <a:lnL w="12700" cap="flat" cmpd="sng" algn="ctr">
+                      <a:solidFill>
+                        <a:srgbClr val="002060"/>
+                      </a:solidFill>
+                      <a:prstDash val="solid"/>
+                      <a:round/>
+                      <a:headEnd type="none" w="med" len="med"/>
+                      <a:tailEnd type="none" w="med" len="med"/>
+                    </a:lnL>
+                    <a:lnR w="12700" cap="flat" cmpd="sng" algn="ctr">
+                      <a:solidFill>
+                        <a:srgbClr val="002060"/>
+                      </a:solidFill>
+                      <a:prstDash val="solid"/>
+                      <a:round/>
+                      <a:headEnd type="none" w="med" len="med"/>
+                      <a:tailEnd type="none" w="med" len="med"/>
+                    </a:lnR>
+                    <a:lnT w="12700" cap="flat" cmpd="sng" algn="ctr">
+                      <a:solidFill>
+                        <a:srgbClr val="002060"/>
+                      </a:solidFill>
+                      <a:prstDash val="solid"/>
+                      <a:round/>
+                      <a:headEnd type="none" w="med" len="med"/>
+                      <a:tailEnd type="none" w="med" len="med"/>
+                    </a:lnT>
+                    <a:lnB w="12700" cap="flat" cmpd="sng" algn="ctr">
+                      <a:solidFill>
+                        <a:srgbClr val="002060"/>
+                      </a:solidFill>
+                      <a:prstDash val="solid"/>
+                      <a:round/>
+                      <a:headEnd type="none" w="med" len="med"/>
+                      <a:tailEnd type="none" w="med" len="med"/>
+                    </a:lnB>
+                  </a:tcPr>
+                </a:tc>
+                <a:tc>
+                  <a:txBody>
+                    <a:bodyPr/>
+                    <a:lstStyle/>
+                    <a:p>
+                      <a:r>
+                        <a:rPr lang="ru-RU" dirty="0" smtClean="0">
+                          <a:solidFill>
+                            <a:srgbClr val="002060"/>
+                          </a:solidFill>
+                        </a:rPr>
+                        <a:t>Назначение</a:t>
+                      </a:r>
+                      <a:endParaRPr lang="ru-RU" dirty="0">
+                        <a:solidFill>
+                          <a:srgbClr val="002060"/>
+                        </a:solidFill>
+                      </a:endParaRPr>
+                    </a:p>
+                  </a:txBody>
+                  <a:tcPr>
+                    <a:lnL w="12700" cap="flat" cmpd="sng" algn="ctr">
+                      <a:solidFill>
+                        <a:srgbClr val="002060"/>
+                      </a:solidFill>
+                      <a:prstDash val="solid"/>
+                      <a:round/>
+                      <a:headEnd type="none" w="med" len="med"/>
+                      <a:tailEnd type="none" w="med" len="med"/>
+                    </a:lnL>
+                    <a:lnR w="12700" cap="flat" cmpd="sng" algn="ctr">
+                      <a:solidFill>
+                        <a:srgbClr val="002060"/>
+                      </a:solidFill>
+                      <a:prstDash val="solid"/>
+                      <a:round/>
+                      <a:headEnd type="none" w="med" len="med"/>
+                      <a:tailEnd type="none" w="med" len="med"/>
+                    </a:lnR>
+                    <a:lnT w="12700" cap="flat" cmpd="sng" algn="ctr">
+                      <a:solidFill>
+                        <a:srgbClr val="002060"/>
+                      </a:solidFill>
+                      <a:prstDash val="solid"/>
+                      <a:round/>
+                      <a:headEnd type="none" w="med" len="med"/>
+                      <a:tailEnd type="none" w="med" len="med"/>
+                    </a:lnT>
+                    <a:lnB w="12700" cap="flat" cmpd="sng" algn="ctr">
+                      <a:solidFill>
+                        <a:srgbClr val="002060"/>
+                      </a:solidFill>
+                      <a:prstDash val="solid"/>
+                      <a:round/>
+                      <a:headEnd type="none" w="med" len="med"/>
+                      <a:tailEnd type="none" w="med" len="med"/>
+                    </a:lnB>
+                  </a:tcPr>
+                </a:tc>
+              </a:tr>
+              <a:tr h="370840">
+                <a:tc>
+                  <a:txBody>
+                    <a:bodyPr/>
+                    <a:lstStyle/>
+                    <a:p>
+                      <a:r>
+                        <a:rPr lang="en-US" dirty="0" smtClean="0">
+                          <a:solidFill>
+                            <a:srgbClr val="002060"/>
+                          </a:solidFill>
+                        </a:rPr>
+                        <a:t>&lt;summary&gt;</a:t>
+                      </a:r>
+                      <a:endParaRPr lang="ru-RU" dirty="0">
+                        <a:solidFill>
+                          <a:srgbClr val="002060"/>
+                        </a:solidFill>
+                      </a:endParaRPr>
+                    </a:p>
+                  </a:txBody>
+                  <a:tcPr>
+                    <a:lnL w="12700" cap="flat" cmpd="sng" algn="ctr">
+                      <a:solidFill>
+                        <a:srgbClr val="002060"/>
+                      </a:solidFill>
+                      <a:prstDash val="solid"/>
+                      <a:round/>
+                      <a:headEnd type="none" w="med" len="med"/>
+                      <a:tailEnd type="none" w="med" len="med"/>
+                    </a:lnL>
+                    <a:lnR w="12700" cap="flat" cmpd="sng" algn="ctr">
+                      <a:solidFill>
+                        <a:srgbClr val="002060"/>
+                      </a:solidFill>
+                      <a:prstDash val="solid"/>
+                      <a:round/>
+                      <a:headEnd type="none" w="med" len="med"/>
+                      <a:tailEnd type="none" w="med" len="med"/>
+                    </a:lnR>
+                    <a:lnT w="12700" cap="flat" cmpd="sng" algn="ctr">
+                      <a:solidFill>
+                        <a:srgbClr val="002060"/>
+                      </a:solidFill>
+                      <a:prstDash val="solid"/>
+                      <a:round/>
+                      <a:headEnd type="none" w="med" len="med"/>
+                      <a:tailEnd type="none" w="med" len="med"/>
+                    </a:lnT>
+                    <a:lnB w="12700" cap="flat" cmpd="sng" algn="ctr">
+                      <a:solidFill>
+                        <a:srgbClr val="002060"/>
+                      </a:solidFill>
+                      <a:prstDash val="solid"/>
+                      <a:round/>
+                      <a:headEnd type="none" w="med" len="med"/>
+                      <a:tailEnd type="none" w="med" len="med"/>
+                    </a:lnB>
+                  </a:tcPr>
+                </a:tc>
+                <a:tc>
+                  <a:txBody>
+                    <a:bodyPr/>
+                    <a:lstStyle/>
+                    <a:p>
+                      <a:r>
+                        <a:rPr lang="ru-RU" dirty="0" smtClean="0">
+                          <a:solidFill>
+                            <a:srgbClr val="002060"/>
+                          </a:solidFill>
+                        </a:rPr>
+                        <a:t>Общее</a:t>
+                      </a:r>
+                      <a:r>
+                        <a:rPr lang="ru-RU" baseline="0" dirty="0" smtClean="0">
+                          <a:solidFill>
+                            <a:srgbClr val="002060"/>
+                          </a:solidFill>
+                        </a:rPr>
+                        <a:t> описание. Видно в </a:t>
+                      </a:r>
+                      <a:r>
+                        <a:rPr lang="en-US" baseline="0" dirty="0" smtClean="0">
+                          <a:solidFill>
+                            <a:srgbClr val="002060"/>
+                          </a:solidFill>
+                        </a:rPr>
+                        <a:t>IntelliSense</a:t>
+                      </a:r>
+                      <a:endParaRPr lang="ru-RU" dirty="0">
+                        <a:solidFill>
+                          <a:srgbClr val="002060"/>
+                        </a:solidFill>
+                      </a:endParaRPr>
+                    </a:p>
+                  </a:txBody>
+                  <a:tcPr>
+                    <a:lnL w="12700" cap="flat" cmpd="sng" algn="ctr">
+                      <a:solidFill>
+                        <a:srgbClr val="002060"/>
+                      </a:solidFill>
+                      <a:prstDash val="solid"/>
+                      <a:round/>
+                      <a:headEnd type="none" w="med" len="med"/>
+                      <a:tailEnd type="none" w="med" len="med"/>
+                    </a:lnL>
+                    <a:lnR w="12700" cap="flat" cmpd="sng" algn="ctr">
+                      <a:solidFill>
+                        <a:srgbClr val="002060"/>
+                      </a:solidFill>
+                      <a:prstDash val="solid"/>
+                      <a:round/>
+                      <a:headEnd type="none" w="med" len="med"/>
+                      <a:tailEnd type="none" w="med" len="med"/>
+                    </a:lnR>
+                    <a:lnT w="12700" cap="flat" cmpd="sng" algn="ctr">
+                      <a:solidFill>
+                        <a:srgbClr val="002060"/>
+                      </a:solidFill>
+                      <a:prstDash val="solid"/>
+                      <a:round/>
+                      <a:headEnd type="none" w="med" len="med"/>
+                      <a:tailEnd type="none" w="med" len="med"/>
+                    </a:lnT>
+                    <a:lnB w="12700" cap="flat" cmpd="sng" algn="ctr">
+                      <a:solidFill>
+                        <a:srgbClr val="002060"/>
+                      </a:solidFill>
+                      <a:prstDash val="solid"/>
+                      <a:round/>
+                      <a:headEnd type="none" w="med" len="med"/>
+                      <a:tailEnd type="none" w="med" len="med"/>
+                    </a:lnB>
+                  </a:tcPr>
+                </a:tc>
+              </a:tr>
+              <a:tr h="370840">
+                <a:tc>
+                  <a:txBody>
+                    <a:bodyPr/>
+                    <a:lstStyle/>
+                    <a:p>
+                      <a:r>
+                        <a:rPr lang="en-US" dirty="0" smtClean="0">
+                          <a:solidFill>
+                            <a:srgbClr val="002060"/>
+                          </a:solidFill>
+                        </a:rPr>
+                        <a:t>&lt;</a:t>
+                      </a:r>
+                      <a:r>
+                        <a:rPr lang="en-US" dirty="0" err="1" smtClean="0">
+                          <a:solidFill>
+                            <a:srgbClr val="002060"/>
+                          </a:solidFill>
+                        </a:rPr>
+                        <a:t>param</a:t>
+                      </a:r>
+                      <a:r>
+                        <a:rPr lang="en-US" dirty="0" smtClean="0">
+                          <a:solidFill>
+                            <a:srgbClr val="002060"/>
+                          </a:solidFill>
+                        </a:rPr>
+                        <a:t> name="</a:t>
+                      </a:r>
+                      <a:r>
+                        <a:rPr lang="ru-RU" dirty="0" smtClean="0">
+                          <a:solidFill>
+                            <a:srgbClr val="002060"/>
+                          </a:solidFill>
+                        </a:rPr>
+                        <a:t>Имя Параметра"&gt;</a:t>
+                      </a:r>
+                      <a:endParaRPr lang="ru-RU" dirty="0">
+                        <a:solidFill>
+                          <a:srgbClr val="002060"/>
+                        </a:solidFill>
+                      </a:endParaRPr>
+                    </a:p>
+                  </a:txBody>
+                  <a:tcPr>
+                    <a:lnL w="12700" cap="flat" cmpd="sng" algn="ctr">
+                      <a:solidFill>
+                        <a:srgbClr val="002060"/>
+                      </a:solidFill>
+                      <a:prstDash val="solid"/>
+                      <a:round/>
+                      <a:headEnd type="none" w="med" len="med"/>
+                      <a:tailEnd type="none" w="med" len="med"/>
+                    </a:lnL>
+                    <a:lnR w="12700" cap="flat" cmpd="sng" algn="ctr">
+                      <a:solidFill>
+                        <a:srgbClr val="002060"/>
+                      </a:solidFill>
+                      <a:prstDash val="solid"/>
+                      <a:round/>
+                      <a:headEnd type="none" w="med" len="med"/>
+                      <a:tailEnd type="none" w="med" len="med"/>
+                    </a:lnR>
+                    <a:lnT w="12700" cap="flat" cmpd="sng" algn="ctr">
+                      <a:solidFill>
+                        <a:srgbClr val="002060"/>
+                      </a:solidFill>
+                      <a:prstDash val="solid"/>
+                      <a:round/>
+                      <a:headEnd type="none" w="med" len="med"/>
+                      <a:tailEnd type="none" w="med" len="med"/>
+                    </a:lnT>
+                    <a:lnB w="12700" cap="flat" cmpd="sng" algn="ctr">
+                      <a:solidFill>
+                        <a:srgbClr val="002060"/>
+                      </a:solidFill>
+                      <a:prstDash val="solid"/>
+                      <a:round/>
+                      <a:headEnd type="none" w="med" len="med"/>
+                      <a:tailEnd type="none" w="med" len="med"/>
+                    </a:lnB>
+                  </a:tcPr>
+                </a:tc>
+                <a:tc>
+                  <a:txBody>
+                    <a:bodyPr/>
+                    <a:lstStyle/>
+                    <a:p>
+                      <a:r>
+                        <a:rPr lang="ru-RU" dirty="0" smtClean="0">
+                          <a:solidFill>
+                            <a:srgbClr val="002060"/>
+                          </a:solidFill>
+                        </a:rPr>
+                        <a:t>Описание параметра метода</a:t>
+                      </a:r>
+                      <a:endParaRPr lang="ru-RU" dirty="0">
+                        <a:solidFill>
+                          <a:srgbClr val="002060"/>
+                        </a:solidFill>
+                      </a:endParaRPr>
+                    </a:p>
+                  </a:txBody>
+                  <a:tcPr>
+                    <a:lnL w="12700" cap="flat" cmpd="sng" algn="ctr">
+                      <a:solidFill>
+                        <a:srgbClr val="002060"/>
+                      </a:solidFill>
+                      <a:prstDash val="solid"/>
+                      <a:round/>
+                      <a:headEnd type="none" w="med" len="med"/>
+                      <a:tailEnd type="none" w="med" len="med"/>
+                    </a:lnL>
+                    <a:lnR w="12700" cap="flat" cmpd="sng" algn="ctr">
+                      <a:solidFill>
+                        <a:srgbClr val="002060"/>
+                      </a:solidFill>
+                      <a:prstDash val="solid"/>
+                      <a:round/>
+                      <a:headEnd type="none" w="med" len="med"/>
+                      <a:tailEnd type="none" w="med" len="med"/>
+                    </a:lnR>
+                    <a:lnT w="12700" cap="flat" cmpd="sng" algn="ctr">
+                      <a:solidFill>
+                        <a:srgbClr val="002060"/>
+                      </a:solidFill>
+                      <a:prstDash val="solid"/>
+                      <a:round/>
+                      <a:headEnd type="none" w="med" len="med"/>
+                      <a:tailEnd type="none" w="med" len="med"/>
+                    </a:lnT>
+                    <a:lnB w="12700" cap="flat" cmpd="sng" algn="ctr">
+                      <a:solidFill>
+                        <a:srgbClr val="002060"/>
+                      </a:solidFill>
+                      <a:prstDash val="solid"/>
+                      <a:round/>
+                      <a:headEnd type="none" w="med" len="med"/>
+                      <a:tailEnd type="none" w="med" len="med"/>
+                    </a:lnB>
+                  </a:tcPr>
+                </a:tc>
+              </a:tr>
+              <a:tr h="370840">
+                <a:tc>
+                  <a:txBody>
+                    <a:bodyPr/>
+                    <a:lstStyle/>
+                    <a:p>
+                      <a:r>
+                        <a:rPr lang="en-US" dirty="0" smtClean="0">
+                          <a:solidFill>
+                            <a:srgbClr val="002060"/>
+                          </a:solidFill>
+                        </a:rPr>
+                        <a:t>&lt;returns&gt;</a:t>
+                      </a:r>
+                      <a:endParaRPr lang="ru-RU" dirty="0">
+                        <a:solidFill>
+                          <a:srgbClr val="002060"/>
+                        </a:solidFill>
+                      </a:endParaRPr>
+                    </a:p>
+                  </a:txBody>
+                  <a:tcPr>
+                    <a:lnL w="12700" cap="flat" cmpd="sng" algn="ctr">
+                      <a:solidFill>
+                        <a:srgbClr val="002060"/>
+                      </a:solidFill>
+                      <a:prstDash val="solid"/>
+                      <a:round/>
+                      <a:headEnd type="none" w="med" len="med"/>
+                      <a:tailEnd type="none" w="med" len="med"/>
+                    </a:lnL>
+                    <a:lnR w="12700" cap="flat" cmpd="sng" algn="ctr">
+                      <a:solidFill>
+                        <a:srgbClr val="002060"/>
+                      </a:solidFill>
+                      <a:prstDash val="solid"/>
+                      <a:round/>
+                      <a:headEnd type="none" w="med" len="med"/>
+                      <a:tailEnd type="none" w="med" len="med"/>
+                    </a:lnR>
+                    <a:lnT w="12700" cap="flat" cmpd="sng" algn="ctr">
+                      <a:solidFill>
+                        <a:srgbClr val="002060"/>
+                      </a:solidFill>
+                      <a:prstDash val="solid"/>
+                      <a:round/>
+                      <a:headEnd type="none" w="med" len="med"/>
+                      <a:tailEnd type="none" w="med" len="med"/>
+                    </a:lnT>
+                    <a:lnB w="12700" cap="flat" cmpd="sng" algn="ctr">
+                      <a:solidFill>
+                        <a:srgbClr val="002060"/>
+                      </a:solidFill>
+                      <a:prstDash val="solid"/>
+                      <a:round/>
+                      <a:headEnd type="none" w="med" len="med"/>
+                      <a:tailEnd type="none" w="med" len="med"/>
+                    </a:lnB>
+                  </a:tcPr>
+                </a:tc>
+                <a:tc>
+                  <a:txBody>
+                    <a:bodyPr/>
+                    <a:lstStyle/>
+                    <a:p>
+                      <a:r>
+                        <a:rPr lang="ru-RU" dirty="0" smtClean="0">
+                          <a:solidFill>
+                            <a:srgbClr val="002060"/>
+                          </a:solidFill>
+                        </a:rPr>
+                        <a:t>Описание возвращаемого</a:t>
+                      </a:r>
+                      <a:r>
+                        <a:rPr lang="ru-RU" baseline="0" dirty="0" smtClean="0">
+                          <a:solidFill>
+                            <a:srgbClr val="002060"/>
+                          </a:solidFill>
+                        </a:rPr>
+                        <a:t> значения</a:t>
+                      </a:r>
+                      <a:endParaRPr lang="ru-RU" dirty="0">
+                        <a:solidFill>
+                          <a:srgbClr val="002060"/>
+                        </a:solidFill>
+                      </a:endParaRPr>
+                    </a:p>
+                  </a:txBody>
+                  <a:tcPr>
+                    <a:lnL w="12700" cap="flat" cmpd="sng" algn="ctr">
+                      <a:solidFill>
+                        <a:srgbClr val="002060"/>
+                      </a:solidFill>
+                      <a:prstDash val="solid"/>
+                      <a:round/>
+                      <a:headEnd type="none" w="med" len="med"/>
+                      <a:tailEnd type="none" w="med" len="med"/>
+                    </a:lnL>
+                    <a:lnR w="12700" cap="flat" cmpd="sng" algn="ctr">
+                      <a:solidFill>
+                        <a:srgbClr val="002060"/>
+                      </a:solidFill>
+                      <a:prstDash val="solid"/>
+                      <a:round/>
+                      <a:headEnd type="none" w="med" len="med"/>
+                      <a:tailEnd type="none" w="med" len="med"/>
+                    </a:lnR>
+                    <a:lnT w="12700" cap="flat" cmpd="sng" algn="ctr">
+                      <a:solidFill>
+                        <a:srgbClr val="002060"/>
+                      </a:solidFill>
+                      <a:prstDash val="solid"/>
+                      <a:round/>
+                      <a:headEnd type="none" w="med" len="med"/>
+                      <a:tailEnd type="none" w="med" len="med"/>
+                    </a:lnT>
+                    <a:lnB w="12700" cap="flat" cmpd="sng" algn="ctr">
+                      <a:solidFill>
+                        <a:srgbClr val="002060"/>
+                      </a:solidFill>
+                      <a:prstDash val="solid"/>
+                      <a:round/>
+                      <a:headEnd type="none" w="med" len="med"/>
+                      <a:tailEnd type="none" w="med" len="med"/>
+                    </a:lnB>
+                  </a:tcPr>
+                </a:tc>
+              </a:tr>
+              <a:tr h="370840">
+                <a:tc>
+                  <a:txBody>
+                    <a:bodyPr/>
+                    <a:lstStyle/>
+                    <a:p>
+                      <a:r>
+                        <a:rPr lang="en-US" dirty="0" smtClean="0">
+                          <a:solidFill>
+                            <a:srgbClr val="002060"/>
+                          </a:solidFill>
+                        </a:rPr>
+                        <a:t>&lt;remarks&gt;</a:t>
+                      </a:r>
+                      <a:endParaRPr lang="ru-RU" dirty="0">
+                        <a:solidFill>
+                          <a:srgbClr val="002060"/>
+                        </a:solidFill>
+                      </a:endParaRPr>
+                    </a:p>
+                  </a:txBody>
+                  <a:tcPr>
+                    <a:lnL w="12700" cap="flat" cmpd="sng" algn="ctr">
+                      <a:solidFill>
+                        <a:srgbClr val="002060"/>
+                      </a:solidFill>
+                      <a:prstDash val="solid"/>
+                      <a:round/>
+                      <a:headEnd type="none" w="med" len="med"/>
+                      <a:tailEnd type="none" w="med" len="med"/>
+                    </a:lnL>
+                    <a:lnR w="12700" cap="flat" cmpd="sng" algn="ctr">
+                      <a:solidFill>
+                        <a:srgbClr val="002060"/>
+                      </a:solidFill>
+                      <a:prstDash val="solid"/>
+                      <a:round/>
+                      <a:headEnd type="none" w="med" len="med"/>
+                      <a:tailEnd type="none" w="med" len="med"/>
+                    </a:lnR>
+                    <a:lnT w="12700" cap="flat" cmpd="sng" algn="ctr">
+                      <a:solidFill>
+                        <a:srgbClr val="002060"/>
+                      </a:solidFill>
+                      <a:prstDash val="solid"/>
+                      <a:round/>
+                      <a:headEnd type="none" w="med" len="med"/>
+                      <a:tailEnd type="none" w="med" len="med"/>
+                    </a:lnT>
+                    <a:lnB w="12700" cap="flat" cmpd="sng" algn="ctr">
+                      <a:solidFill>
+                        <a:srgbClr val="002060"/>
+                      </a:solidFill>
+                      <a:prstDash val="solid"/>
+                      <a:round/>
+                      <a:headEnd type="none" w="med" len="med"/>
+                      <a:tailEnd type="none" w="med" len="med"/>
+                    </a:lnB>
+                  </a:tcPr>
+                </a:tc>
+                <a:tc>
+                  <a:txBody>
+                    <a:bodyPr/>
+                    <a:lstStyle/>
+                    <a:p>
+                      <a:r>
+                        <a:rPr lang="ru-RU" dirty="0" smtClean="0">
+                          <a:solidFill>
+                            <a:srgbClr val="002060"/>
+                          </a:solidFill>
+                        </a:rPr>
+                        <a:t>Дополнительные комментарии</a:t>
+                      </a:r>
+                      <a:endParaRPr lang="ru-RU" dirty="0">
+                        <a:solidFill>
+                          <a:srgbClr val="002060"/>
+                        </a:solidFill>
+                      </a:endParaRPr>
+                    </a:p>
+                  </a:txBody>
+                  <a:tcPr>
+                    <a:lnL w="12700" cap="flat" cmpd="sng" algn="ctr">
+                      <a:solidFill>
+                        <a:srgbClr val="002060"/>
+                      </a:solidFill>
+                      <a:prstDash val="solid"/>
+                      <a:round/>
+                      <a:headEnd type="none" w="med" len="med"/>
+                      <a:tailEnd type="none" w="med" len="med"/>
+                    </a:lnL>
+                    <a:lnR w="12700" cap="flat" cmpd="sng" algn="ctr">
+                      <a:solidFill>
+                        <a:srgbClr val="002060"/>
+                      </a:solidFill>
+                      <a:prstDash val="solid"/>
+                      <a:round/>
+                      <a:headEnd type="none" w="med" len="med"/>
+                      <a:tailEnd type="none" w="med" len="med"/>
+                    </a:lnR>
+                    <a:lnT w="12700" cap="flat" cmpd="sng" algn="ctr">
+                      <a:solidFill>
+                        <a:srgbClr val="002060"/>
+                      </a:solidFill>
+                      <a:prstDash val="solid"/>
+                      <a:round/>
+                      <a:headEnd type="none" w="med" len="med"/>
+                      <a:tailEnd type="none" w="med" len="med"/>
+                    </a:lnT>
+                    <a:lnB w="12700" cap="flat" cmpd="sng" algn="ctr">
+                      <a:solidFill>
+                        <a:srgbClr val="002060"/>
+                      </a:solidFill>
+                      <a:prstDash val="solid"/>
+                      <a:round/>
+                      <a:headEnd type="none" w="med" len="med"/>
+                      <a:tailEnd type="none" w="med" len="med"/>
+                    </a:lnB>
+                  </a:tcPr>
+                </a:tc>
+              </a:tr>
+              <a:tr h="370840">
+                <a:tc>
+                  <a:txBody>
+                    <a:bodyPr/>
+                    <a:lstStyle/>
+                    <a:p>
+                      <a:r>
+                        <a:rPr lang="en-US" dirty="0" smtClean="0">
+                          <a:solidFill>
+                            <a:srgbClr val="002060"/>
+                          </a:solidFill>
+                        </a:rPr>
+                        <a:t>&lt;exception </a:t>
+                      </a:r>
+                      <a:r>
+                        <a:rPr lang="en-US" dirty="0" err="1" smtClean="0">
+                          <a:solidFill>
+                            <a:srgbClr val="002060"/>
+                          </a:solidFill>
+                        </a:rPr>
+                        <a:t>cref</a:t>
+                      </a:r>
+                      <a:r>
+                        <a:rPr lang="en-US" dirty="0" smtClean="0">
+                          <a:solidFill>
+                            <a:srgbClr val="002060"/>
+                          </a:solidFill>
+                        </a:rPr>
+                        <a:t>=</a:t>
+                      </a:r>
+                      <a:r>
+                        <a:rPr lang="en-US" dirty="0" smtClean="0">
+                          <a:solidFill>
+                            <a:srgbClr val="002060"/>
+                          </a:solidFill>
+                        </a:rPr>
+                        <a:t>"</a:t>
+                      </a:r>
+                      <a:r>
+                        <a:rPr lang="ru-RU" dirty="0" smtClean="0">
+                          <a:solidFill>
+                            <a:srgbClr val="002060"/>
+                          </a:solidFill>
+                        </a:rPr>
+                        <a:t>Имя</a:t>
+                      </a:r>
+                      <a:r>
+                        <a:rPr lang="ru-RU" baseline="0" dirty="0" smtClean="0">
+                          <a:solidFill>
+                            <a:srgbClr val="002060"/>
+                          </a:solidFill>
+                        </a:rPr>
+                        <a:t> Типа</a:t>
+                      </a:r>
+                      <a:r>
+                        <a:rPr lang="en-US" dirty="0" smtClean="0">
+                          <a:solidFill>
+                            <a:srgbClr val="002060"/>
+                          </a:solidFill>
+                        </a:rPr>
+                        <a:t>"&gt;</a:t>
+                      </a:r>
+                      <a:endParaRPr lang="ru-RU" dirty="0">
+                        <a:solidFill>
+                          <a:srgbClr val="002060"/>
+                        </a:solidFill>
+                      </a:endParaRPr>
+                    </a:p>
+                  </a:txBody>
+                  <a:tcPr>
+                    <a:lnL w="12700" cap="flat" cmpd="sng" algn="ctr">
+                      <a:solidFill>
+                        <a:srgbClr val="002060"/>
+                      </a:solidFill>
+                      <a:prstDash val="solid"/>
+                      <a:round/>
+                      <a:headEnd type="none" w="med" len="med"/>
+                      <a:tailEnd type="none" w="med" len="med"/>
+                    </a:lnL>
+                    <a:lnR w="12700" cap="flat" cmpd="sng" algn="ctr">
+                      <a:solidFill>
+                        <a:srgbClr val="002060"/>
+                      </a:solidFill>
+                      <a:prstDash val="solid"/>
+                      <a:round/>
+                      <a:headEnd type="none" w="med" len="med"/>
+                      <a:tailEnd type="none" w="med" len="med"/>
+                    </a:lnR>
+                    <a:lnT w="12700" cap="flat" cmpd="sng" algn="ctr">
+                      <a:solidFill>
+                        <a:srgbClr val="002060"/>
+                      </a:solidFill>
+                      <a:prstDash val="solid"/>
+                      <a:round/>
+                      <a:headEnd type="none" w="med" len="med"/>
+                      <a:tailEnd type="none" w="med" len="med"/>
+                    </a:lnT>
+                    <a:lnB w="12700" cap="flat" cmpd="sng" algn="ctr">
+                      <a:solidFill>
+                        <a:srgbClr val="002060"/>
+                      </a:solidFill>
+                      <a:prstDash val="solid"/>
+                      <a:round/>
+                      <a:headEnd type="none" w="med" len="med"/>
+                      <a:tailEnd type="none" w="med" len="med"/>
+                    </a:lnB>
+                  </a:tcPr>
+                </a:tc>
+                <a:tc>
+                  <a:txBody>
+                    <a:bodyPr/>
+                    <a:lstStyle/>
+                    <a:p>
+                      <a:r>
+                        <a:rPr lang="ru-RU" dirty="0" smtClean="0">
+                          <a:solidFill>
+                            <a:srgbClr val="002060"/>
+                          </a:solidFill>
+                        </a:rPr>
+                        <a:t>Описание</a:t>
+                      </a:r>
+                      <a:r>
+                        <a:rPr lang="ru-RU" baseline="0" dirty="0" smtClean="0">
+                          <a:solidFill>
+                            <a:srgbClr val="002060"/>
+                          </a:solidFill>
+                        </a:rPr>
+                        <a:t> причины по которой данный член генерирует заданное исключение.</a:t>
+                      </a:r>
+                      <a:endParaRPr lang="ru-RU" dirty="0">
+                        <a:solidFill>
+                          <a:srgbClr val="002060"/>
+                        </a:solidFill>
+                      </a:endParaRPr>
+                    </a:p>
+                  </a:txBody>
+                  <a:tcPr>
+                    <a:lnL w="12700" cap="flat" cmpd="sng" algn="ctr">
+                      <a:solidFill>
+                        <a:srgbClr val="002060"/>
+                      </a:solidFill>
+                      <a:prstDash val="solid"/>
+                      <a:round/>
+                      <a:headEnd type="none" w="med" len="med"/>
+                      <a:tailEnd type="none" w="med" len="med"/>
+                    </a:lnL>
+                    <a:lnR w="12700" cap="flat" cmpd="sng" algn="ctr">
+                      <a:solidFill>
+                        <a:srgbClr val="002060"/>
+                      </a:solidFill>
+                      <a:prstDash val="solid"/>
+                      <a:round/>
+                      <a:headEnd type="none" w="med" len="med"/>
+                      <a:tailEnd type="none" w="med" len="med"/>
+                    </a:lnR>
+                    <a:lnT w="12700" cap="flat" cmpd="sng" algn="ctr">
+                      <a:solidFill>
+                        <a:srgbClr val="002060"/>
+                      </a:solidFill>
+                      <a:prstDash val="solid"/>
+                      <a:round/>
+                      <a:headEnd type="none" w="med" len="med"/>
+                      <a:tailEnd type="none" w="med" len="med"/>
+                    </a:lnT>
+                    <a:lnB w="12700" cap="flat" cmpd="sng" algn="ctr">
+                      <a:solidFill>
+                        <a:srgbClr val="002060"/>
+                      </a:solidFill>
+                      <a:prstDash val="solid"/>
+                      <a:round/>
+                      <a:headEnd type="none" w="med" len="med"/>
+                      <a:tailEnd type="none" w="med" len="med"/>
+                    </a:lnB>
+                  </a:tcPr>
+                </a:tc>
+              </a:tr>
+            </a:tbl>
+          </a:graphicData>
+        </a:graphic>
+      </p:graphicFrame>
+    </p:spTree>
+    <p:extLst>
+      <p:ext uri="{BB962C8B-B14F-4D97-AF65-F5344CB8AC3E}">
+        <p14:creationId xmlns:p14="http://schemas.microsoft.com/office/powerpoint/2010/main" val="2556787862"/>
+      </p:ext>
+    </p:extLst>
+  </p:cSld>
+  <p:clrMapOvr>
+    <a:masterClrMapping/>
+  </p:clrMapOvr>
+</p:sld>
+</file>
+
+<file path=ppt/slides/slide24.xml><?xml version="1.0" encoding="utf-8"?>
+<p:sld xmlns:a="http://schemas.openxmlformats.org/drawingml/2006/main" xmlns:r="http://schemas.openxmlformats.org/officeDocument/2006/relationships" xmlns:p="http://schemas.openxmlformats.org/presentationml/2006/main">
+  <p:cSld>
+    <p:spTree>
+      <p:nvGrpSpPr>
+        <p:cNvPr id="1" name=""/>
+        <p:cNvGrpSpPr/>
+        <p:nvPr/>
+      </p:nvGrpSpPr>
+      <p:grpSpPr>
+        <a:xfrm>
+          <a:off x="0" y="0"/>
+          <a:ext cx="0" cy="0"/>
+          <a:chOff x="0" y="0"/>
+          <a:chExt cx="0" cy="0"/>
+        </a:xfrm>
+      </p:grpSpPr>
+      <p:sp>
+        <p:nvSpPr>
+          <p:cNvPr id="2" name="Title 1"/>
+          <p:cNvSpPr>
+            <a:spLocks noGrp="1"/>
+          </p:cNvSpPr>
+          <p:nvPr>
+            <p:ph type="title"/>
+          </p:nvPr>
+        </p:nvSpPr>
+        <p:spPr/>
+        <p:txBody>
+          <a:bodyPr/>
+          <a:lstStyle/>
+          <a:p>
+            <a:r>
               <a:rPr lang="en-US" dirty="0" smtClean="0"/>
               <a:t>XML </a:t>
             </a:r>
@@ -8887,136 +9766,6 @@
     <p:extLst>
       <p:ext uri="{BB962C8B-B14F-4D97-AF65-F5344CB8AC3E}">
         <p14:creationId xmlns:p14="http://schemas.microsoft.com/office/powerpoint/2010/main" val="238274862"/>
-      </p:ext>
-    </p:extLst>
-  </p:cSld>
-  <p:clrMapOvr>
-    <a:masterClrMapping/>
-  </p:clrMapOvr>
-  <p:timing>
-    <p:tnLst>
-      <p:par>
-        <p:cTn id="1" dur="indefinite" restart="never" nodeType="tmRoot"/>
-      </p:par>
-    </p:tnLst>
-  </p:timing>
-</p:sld>
-</file>
-
-<file path=ppt/slides/slide24.xml><?xml version="1.0" encoding="utf-8"?>
-<p:sld xmlns:a="http://schemas.openxmlformats.org/drawingml/2006/main" xmlns:r="http://schemas.openxmlformats.org/officeDocument/2006/relationships" xmlns:p="http://schemas.openxmlformats.org/presentationml/2006/main">
-  <p:cSld>
-    <p:spTree>
-      <p:nvGrpSpPr>
-        <p:cNvPr id="1" name=""/>
-        <p:cNvGrpSpPr/>
-        <p:nvPr/>
-      </p:nvGrpSpPr>
-      <p:grpSpPr>
-        <a:xfrm>
-          <a:off x="0" y="0"/>
-          <a:ext cx="0" cy="0"/>
-          <a:chOff x="0" y="0"/>
-          <a:chExt cx="0" cy="0"/>
-        </a:xfrm>
-      </p:grpSpPr>
-      <p:sp>
-        <p:nvSpPr>
-          <p:cNvPr id="2" name="Title 1"/>
-          <p:cNvSpPr>
-            <a:spLocks noGrp="1"/>
-          </p:cNvSpPr>
-          <p:nvPr>
-            <p:ph type="title"/>
-          </p:nvPr>
-        </p:nvSpPr>
-        <p:spPr/>
-        <p:txBody>
-          <a:bodyPr/>
-          <a:lstStyle/>
-          <a:p>
-            <a:r>
-              <a:rPr lang="en-US" dirty="0" smtClean="0"/>
-              <a:t>XML </a:t>
-            </a:r>
-            <a:r>
-              <a:rPr lang="ru-RU" dirty="0" smtClean="0"/>
-              <a:t>комментарии</a:t>
-            </a:r>
-            <a:r>
-              <a:rPr lang="en-US" dirty="0" smtClean="0"/>
-              <a:t>: Sandcastle</a:t>
-            </a:r>
-            <a:endParaRPr lang="ru-RU" dirty="0"/>
-          </a:p>
-        </p:txBody>
-      </p:sp>
-      <p:sp>
-        <p:nvSpPr>
-          <p:cNvPr id="3" name="Content Placeholder 2"/>
-          <p:cNvSpPr>
-            <a:spLocks noGrp="1"/>
-          </p:cNvSpPr>
-          <p:nvPr>
-            <p:ph idx="1"/>
-          </p:nvPr>
-        </p:nvSpPr>
-        <p:spPr/>
-        <p:txBody>
-          <a:bodyPr>
-            <a:normAutofit/>
-          </a:bodyPr>
-          <a:lstStyle/>
-          <a:p>
-            <a:pPr marL="0" indent="0">
-              <a:buNone/>
-            </a:pPr>
-            <a:r>
-              <a:rPr lang="ru-RU" dirty="0" smtClean="0"/>
-              <a:t>Полученный </a:t>
-            </a:r>
-            <a:r>
-              <a:rPr lang="en-US" dirty="0" smtClean="0"/>
-              <a:t>XML </a:t>
-            </a:r>
-            <a:r>
-              <a:rPr lang="ru-RU" dirty="0" smtClean="0"/>
-              <a:t>файл неудобен для чтения человеком. Однако его можно обработать с помощью программы </a:t>
-            </a:r>
-            <a:r>
-              <a:rPr lang="en-US" dirty="0" smtClean="0"/>
-              <a:t>Sandcastle</a:t>
-            </a:r>
-            <a:r>
-              <a:rPr lang="en-US" dirty="0"/>
-              <a:t> </a:t>
-            </a:r>
-            <a:r>
-              <a:rPr lang="en-US" dirty="0" smtClean="0"/>
-              <a:t>(</a:t>
-            </a:r>
-            <a:r>
-              <a:rPr lang="en-US" dirty="0" smtClean="0">
-                <a:hlinkClick r:id="rId2"/>
-              </a:rPr>
-              <a:t>shfb.codeplex.com</a:t>
-            </a:r>
-            <a:r>
-              <a:rPr lang="en-US" dirty="0" smtClean="0"/>
-              <a:t>) </a:t>
-            </a:r>
-            <a:r>
-              <a:rPr lang="ru-RU" dirty="0" smtClean="0"/>
-              <a:t>и получить файл(ы) справки.</a:t>
-            </a:r>
-            <a:endParaRPr lang="en-US" dirty="0" smtClean="0"/>
-          </a:p>
-        </p:txBody>
-      </p:sp>
-    </p:spTree>
-    <p:extLst>
-      <p:ext uri="{BB962C8B-B14F-4D97-AF65-F5344CB8AC3E}">
-        <p14:creationId xmlns:p14="http://schemas.microsoft.com/office/powerpoint/2010/main" val="2734608499"/>
       </p:ext>
     </p:extLst>
   </p:cSld>
@@ -9060,44 +9809,106 @@
             <p:ph type="title"/>
           </p:nvPr>
         </p:nvSpPr>
-        <p:spPr>
-          <a:xfrm>
-            <a:off x="457200" y="2857500"/>
-            <a:ext cx="8229600" cy="1143000"/>
-          </a:xfrm>
-        </p:spPr>
+        <p:spPr/>
+        <p:txBody>
+          <a:bodyPr/>
+          <a:lstStyle/>
+          <a:p>
+            <a:r>
+              <a:rPr lang="en-US" dirty="0" smtClean="0"/>
+              <a:t>XML </a:t>
+            </a:r>
+            <a:r>
+              <a:rPr lang="ru-RU" dirty="0" smtClean="0"/>
+              <a:t>комментарии</a:t>
+            </a:r>
+            <a:r>
+              <a:rPr lang="en-US" dirty="0" smtClean="0"/>
+              <a:t>: Sandcastle</a:t>
+            </a:r>
+            <a:endParaRPr lang="ru-RU" dirty="0"/>
+          </a:p>
+        </p:txBody>
+      </p:sp>
+      <p:sp>
+        <p:nvSpPr>
+          <p:cNvPr id="3" name="Content Placeholder 2"/>
+          <p:cNvSpPr>
+            <a:spLocks noGrp="1"/>
+          </p:cNvSpPr>
+          <p:nvPr>
+            <p:ph idx="1"/>
+          </p:nvPr>
+        </p:nvSpPr>
+        <p:spPr/>
         <p:txBody>
           <a:bodyPr>
             <a:normAutofit/>
           </a:bodyPr>
           <a:lstStyle/>
           <a:p>
+            <a:pPr marL="0" indent="0">
+              <a:buNone/>
+            </a:pPr>
             <a:r>
               <a:rPr lang="ru-RU" dirty="0" smtClean="0"/>
-              <a:t>Чтение </a:t>
+              <a:t>Полученный </a:t>
             </a:r>
             <a:r>
               <a:rPr lang="en-US" dirty="0" smtClean="0"/>
-              <a:t>XML. </a:t>
+              <a:t>XML </a:t>
             </a:r>
             <a:r>
               <a:rPr lang="ru-RU" dirty="0" smtClean="0"/>
-              <a:t>Демонстрация.</a:t>
-            </a:r>
-            <a:endParaRPr lang="ru-RU" dirty="0"/>
+              <a:t>файл неудобен для чтения человеком. Однако его можно обработать с помощью программы </a:t>
+            </a:r>
+            <a:r>
+              <a:rPr lang="en-US" dirty="0" smtClean="0"/>
+              <a:t>Sandcastle</a:t>
+            </a:r>
+            <a:r>
+              <a:rPr lang="en-US" dirty="0"/>
+              <a:t> </a:t>
+            </a:r>
+            <a:r>
+              <a:rPr lang="en-US" dirty="0" smtClean="0"/>
+              <a:t>(</a:t>
+            </a:r>
+            <a:r>
+              <a:rPr lang="en-US" dirty="0" smtClean="0">
+                <a:hlinkClick r:id="rId2"/>
+              </a:rPr>
+              <a:t>shfb.codeplex.com</a:t>
+            </a:r>
+            <a:r>
+              <a:rPr lang="en-US" dirty="0" smtClean="0"/>
+              <a:t>) </a:t>
+            </a:r>
+            <a:r>
+              <a:rPr lang="ru-RU" dirty="0" smtClean="0"/>
+              <a:t>и получить файл(ы) справки.</a:t>
+            </a:r>
+            <a:endParaRPr lang="en-US" dirty="0" smtClean="0"/>
           </a:p>
         </p:txBody>
       </p:sp>
     </p:spTree>
     <p:extLst>
       <p:ext uri="{BB962C8B-B14F-4D97-AF65-F5344CB8AC3E}">
-        <p14:creationId xmlns:p14="http://schemas.microsoft.com/office/powerpoint/2010/main" val="607863742"/>
+        <p14:creationId xmlns:p14="http://schemas.microsoft.com/office/powerpoint/2010/main" val="2734608499"/>
       </p:ext>
     </p:extLst>
   </p:cSld>
   <p:clrMapOvr>
     <a:masterClrMapping/>
   </p:clrMapOvr>
+  <p:timing>
+    <p:tnLst>
+      <p:par>
+        <p:cTn id="1" dur="indefinite" restart="never" nodeType="tmRoot"/>
+      </p:par>
+    </p:tnLst>
+  </p:timing>
 </p:sld>
 </file>
 
@@ -9128,101 +9939,29 @@
             <p:ph type="title"/>
           </p:nvPr>
         </p:nvSpPr>
-        <p:spPr/>
-        <p:txBody>
-          <a:bodyPr/>
-          <a:lstStyle/>
-          <a:p>
-            <a:r>
-              <a:rPr lang="en-US" dirty="0" smtClean="0"/>
-              <a:t>XML </a:t>
-            </a:r>
-            <a:r>
-              <a:rPr lang="ru-RU" dirty="0" smtClean="0"/>
-              <a:t>сериализация (</a:t>
-            </a:r>
-            <a:r>
-              <a:rPr lang="en-US" dirty="0" smtClean="0"/>
-              <a:t>serialization</a:t>
-            </a:r>
-            <a:r>
-              <a:rPr lang="ru-RU" dirty="0" smtClean="0"/>
-              <a:t>)</a:t>
-            </a:r>
-            <a:endParaRPr lang="ru-RU" dirty="0"/>
-          </a:p>
-        </p:txBody>
-      </p:sp>
-      <p:sp>
-        <p:nvSpPr>
-          <p:cNvPr id="3" name="Content Placeholder 2"/>
-          <p:cNvSpPr>
-            <a:spLocks noGrp="1"/>
-          </p:cNvSpPr>
-          <p:nvPr>
-            <p:ph idx="1"/>
-          </p:nvPr>
-        </p:nvSpPr>
-        <p:spPr/>
+        <p:spPr>
+          <a:xfrm>
+            <a:off x="457200" y="2857500"/>
+            <a:ext cx="8229600" cy="1143000"/>
+          </a:xfrm>
+        </p:spPr>
         <p:txBody>
           <a:bodyPr>
-            <a:normAutofit lnSpcReduction="10000"/>
+            <a:normAutofit/>
           </a:bodyPr>
           <a:lstStyle/>
           <a:p>
             <a:r>
-              <a:rPr lang="ru-RU" dirty="0"/>
-              <a:t>Сериализация – сохранение данных об объекте </a:t>
-            </a:r>
-            <a:r>
               <a:rPr lang="ru-RU" dirty="0" smtClean="0"/>
-              <a:t>в поток</a:t>
-            </a:r>
-            <a:endParaRPr lang="ru-RU" dirty="0"/>
-          </a:p>
-          <a:p>
+              <a:t>Чтение </a:t>
+            </a:r>
+            <a:r>
+              <a:rPr lang="en-US" dirty="0" smtClean="0"/>
+              <a:t>XML. </a:t>
+            </a:r>
             <a:r>
               <a:rPr lang="ru-RU" dirty="0" smtClean="0"/>
-              <a:t>Десериализация</a:t>
-            </a:r>
-            <a:r>
-              <a:rPr lang="en-US" dirty="0" smtClean="0"/>
-              <a:t> </a:t>
-            </a:r>
-            <a:r>
-              <a:rPr lang="ru-RU" dirty="0" smtClean="0"/>
-              <a:t>– </a:t>
-            </a:r>
-            <a:r>
-              <a:rPr lang="ru-RU" dirty="0"/>
-              <a:t>обратный процесс восстановления </a:t>
-            </a:r>
-            <a:r>
-              <a:rPr lang="ru-RU" dirty="0" smtClean="0"/>
-              <a:t>объекта</a:t>
-            </a:r>
-          </a:p>
-          <a:p>
-            <a:endParaRPr lang="en-US" dirty="0" smtClean="0"/>
-          </a:p>
-          <a:p>
-            <a:r>
-              <a:rPr lang="ru-RU" dirty="0" smtClean="0"/>
-              <a:t>Примеры использования:</a:t>
-            </a:r>
-          </a:p>
-          <a:p>
-            <a:pPr lvl="1"/>
-            <a:r>
-              <a:rPr lang="ru-RU" dirty="0" smtClean="0"/>
-              <a:t>Передача объекта между разными программи/машинами.</a:t>
-            </a:r>
-          </a:p>
-          <a:p>
-            <a:pPr lvl="1"/>
-            <a:r>
-              <a:rPr lang="ru-RU" dirty="0" smtClean="0"/>
-              <a:t>Файлы конфигурации</a:t>
+              <a:t>Демонстрация.</a:t>
             </a:r>
             <a:endParaRPr lang="ru-RU" dirty="0"/>
           </a:p>
@@ -9231,7 +9970,7 @@
     </p:spTree>
     <p:extLst>
       <p:ext uri="{BB962C8B-B14F-4D97-AF65-F5344CB8AC3E}">
-        <p14:creationId xmlns:p14="http://schemas.microsoft.com/office/powerpoint/2010/main" val="4243754449"/>
+        <p14:creationId xmlns:p14="http://schemas.microsoft.com/office/powerpoint/2010/main" val="607863742"/>
       </p:ext>
     </p:extLst>
   </p:cSld>
@@ -9268,6 +10007,146 @@
             <p:ph type="title"/>
           </p:nvPr>
         </p:nvSpPr>
+        <p:spPr/>
+        <p:txBody>
+          <a:bodyPr/>
+          <a:lstStyle/>
+          <a:p>
+            <a:r>
+              <a:rPr lang="en-US" dirty="0" smtClean="0"/>
+              <a:t>XML </a:t>
+            </a:r>
+            <a:r>
+              <a:rPr lang="ru-RU" dirty="0" smtClean="0"/>
+              <a:t>сериализация (</a:t>
+            </a:r>
+            <a:r>
+              <a:rPr lang="en-US" dirty="0" smtClean="0"/>
+              <a:t>serialization</a:t>
+            </a:r>
+            <a:r>
+              <a:rPr lang="ru-RU" dirty="0" smtClean="0"/>
+              <a:t>)</a:t>
+            </a:r>
+            <a:endParaRPr lang="ru-RU" dirty="0"/>
+          </a:p>
+        </p:txBody>
+      </p:sp>
+      <p:sp>
+        <p:nvSpPr>
+          <p:cNvPr id="3" name="Content Placeholder 2"/>
+          <p:cNvSpPr>
+            <a:spLocks noGrp="1"/>
+          </p:cNvSpPr>
+          <p:nvPr>
+            <p:ph idx="1"/>
+          </p:nvPr>
+        </p:nvSpPr>
+        <p:spPr/>
+        <p:txBody>
+          <a:bodyPr>
+            <a:normAutofit lnSpcReduction="10000"/>
+          </a:bodyPr>
+          <a:lstStyle/>
+          <a:p>
+            <a:r>
+              <a:rPr lang="ru-RU" dirty="0"/>
+              <a:t>Сериализация – сохранение данных об объекте </a:t>
+            </a:r>
+            <a:r>
+              <a:rPr lang="ru-RU" dirty="0" smtClean="0"/>
+              <a:t>в поток</a:t>
+            </a:r>
+            <a:endParaRPr lang="ru-RU" dirty="0"/>
+          </a:p>
+          <a:p>
+            <a:r>
+              <a:rPr lang="ru-RU" dirty="0" smtClean="0"/>
+              <a:t>Десериализация</a:t>
+            </a:r>
+            <a:r>
+              <a:rPr lang="en-US" dirty="0" smtClean="0"/>
+              <a:t> </a:t>
+            </a:r>
+            <a:r>
+              <a:rPr lang="ru-RU" dirty="0" smtClean="0"/>
+              <a:t>– </a:t>
+            </a:r>
+            <a:r>
+              <a:rPr lang="ru-RU" dirty="0"/>
+              <a:t>обратный процесс восстановления </a:t>
+            </a:r>
+            <a:r>
+              <a:rPr lang="ru-RU" dirty="0" smtClean="0"/>
+              <a:t>объекта</a:t>
+            </a:r>
+          </a:p>
+          <a:p>
+            <a:endParaRPr lang="en-US" dirty="0" smtClean="0"/>
+          </a:p>
+          <a:p>
+            <a:r>
+              <a:rPr lang="ru-RU" dirty="0" smtClean="0"/>
+              <a:t>Примеры использования:</a:t>
+            </a:r>
+          </a:p>
+          <a:p>
+            <a:pPr lvl="1"/>
+            <a:r>
+              <a:rPr lang="ru-RU" dirty="0" smtClean="0"/>
+              <a:t>Передача объекта между разными программи/машинами.</a:t>
+            </a:r>
+          </a:p>
+          <a:p>
+            <a:pPr lvl="1"/>
+            <a:r>
+              <a:rPr lang="ru-RU" dirty="0" smtClean="0"/>
+              <a:t>Файлы конфигурации</a:t>
+            </a:r>
+            <a:endParaRPr lang="ru-RU" dirty="0"/>
+          </a:p>
+        </p:txBody>
+      </p:sp>
+    </p:spTree>
+    <p:extLst>
+      <p:ext uri="{BB962C8B-B14F-4D97-AF65-F5344CB8AC3E}">
+        <p14:creationId xmlns:p14="http://schemas.microsoft.com/office/powerpoint/2010/main" val="4243754449"/>
+      </p:ext>
+    </p:extLst>
+  </p:cSld>
+  <p:clrMapOvr>
+    <a:masterClrMapping/>
+  </p:clrMapOvr>
+</p:sld>
+</file>
+
+<file path=ppt/slides/slide28.xml><?xml version="1.0" encoding="utf-8"?>
+<p:sld xmlns:a="http://schemas.openxmlformats.org/drawingml/2006/main" xmlns:r="http://schemas.openxmlformats.org/officeDocument/2006/relationships" xmlns:p="http://schemas.openxmlformats.org/presentationml/2006/main">
+  <p:cSld>
+    <p:spTree>
+      <p:nvGrpSpPr>
+        <p:cNvPr id="1" name=""/>
+        <p:cNvGrpSpPr/>
+        <p:nvPr/>
+      </p:nvGrpSpPr>
+      <p:grpSpPr>
+        <a:xfrm>
+          <a:off x="0" y="0"/>
+          <a:ext cx="0" cy="0"/>
+          <a:chOff x="0" y="0"/>
+          <a:chExt cx="0" cy="0"/>
+        </a:xfrm>
+      </p:grpSpPr>
+      <p:sp>
+        <p:nvSpPr>
+          <p:cNvPr id="2" name="Title 1"/>
+          <p:cNvSpPr>
+            <a:spLocks noGrp="1"/>
+          </p:cNvSpPr>
+          <p:nvPr>
+            <p:ph type="title"/>
+          </p:nvPr>
+        </p:nvSpPr>
         <p:spPr>
           <a:xfrm>
             <a:off x="457200" y="-234280"/>
@@ -11582,7 +12461,7 @@
 </p:sld>
 </file>
 
-<file path=ppt/slides/slide28.xml><?xml version="1.0" encoding="utf-8"?>
+<file path=ppt/slides/slide29.xml><?xml version="1.0" encoding="utf-8"?>
 <p:sld xmlns:a="http://schemas.openxmlformats.org/drawingml/2006/main" xmlns:r="http://schemas.openxmlformats.org/officeDocument/2006/relationships" xmlns:p="http://schemas.openxmlformats.org/presentationml/2006/main">
   <p:cSld>
     <p:bg>

--- a/Presentation/lesson-06-xml.pptx
+++ b/Presentation/lesson-06-xml.pptx
@@ -5,7 +5,7 @@
     <p:sldMasterId id="2147483648" r:id="rId1"/>
   </p:sldMasterIdLst>
   <p:notesMasterIdLst>
-    <p:notesMasterId r:id="rId31"/>
+    <p:notesMasterId r:id="rId32"/>
   </p:notesMasterIdLst>
   <p:sldIdLst>
     <p:sldId id="257" r:id="rId2"/>
@@ -29,14 +29,15 @@
     <p:sldId id="274" r:id="rId20"/>
     <p:sldId id="283" r:id="rId21"/>
     <p:sldId id="276" r:id="rId22"/>
-    <p:sldId id="278" r:id="rId23"/>
-    <p:sldId id="288" r:id="rId24"/>
-    <p:sldId id="284" r:id="rId25"/>
-    <p:sldId id="287" r:id="rId26"/>
-    <p:sldId id="277" r:id="rId27"/>
-    <p:sldId id="280" r:id="rId28"/>
-    <p:sldId id="282" r:id="rId29"/>
-    <p:sldId id="285" r:id="rId30"/>
+    <p:sldId id="289" r:id="rId23"/>
+    <p:sldId id="278" r:id="rId24"/>
+    <p:sldId id="288" r:id="rId25"/>
+    <p:sldId id="284" r:id="rId26"/>
+    <p:sldId id="287" r:id="rId27"/>
+    <p:sldId id="277" r:id="rId28"/>
+    <p:sldId id="280" r:id="rId29"/>
+    <p:sldId id="282" r:id="rId30"/>
+    <p:sldId id="285" r:id="rId31"/>
   </p:sldIdLst>
   <p:sldSz cx="9144000" cy="6858000" type="screen4x3"/>
   <p:notesSz cx="6858000" cy="9144000"/>
@@ -220,7 +221,7 @@
           <a:p>
             <a:fld id="{B24A7054-7FFB-49F4-A126-5DF6E687FF53}" type="datetimeFigureOut">
               <a:rPr lang="ru-RU" smtClean="0"/>
-              <a:t>11.04.2014</a:t>
+              <a:t>20.09.2014</a:t>
             </a:fld>
             <a:endParaRPr lang="ru-RU"/>
           </a:p>
@@ -1283,7 +1284,7 @@
           <a:p>
             <a:fld id="{8E6E6A2A-E9D3-4A0D-B04A-ABDD367A1E08}" type="datetimeFigureOut">
               <a:rPr lang="ru-RU" smtClean="0"/>
-              <a:t>11.04.2014</a:t>
+              <a:t>20.09.2014</a:t>
             </a:fld>
             <a:endParaRPr lang="ru-RU"/>
           </a:p>
@@ -2731,7 +2732,7 @@
           <a:p>
             <a:fld id="{AC3D3127-B7C4-45E3-9797-C527EC9FDD78}" type="datetimeFigureOut">
               <a:rPr lang="ru-RU" smtClean="0"/>
-              <a:t>11.04.2014</a:t>
+              <a:t>20.09.2014</a:t>
             </a:fld>
             <a:endParaRPr lang="ru-RU"/>
           </a:p>
@@ -8546,6 +8547,853 @@
             <p:ph type="title"/>
           </p:nvPr>
         </p:nvSpPr>
+        <p:spPr>
+          <a:xfrm>
+            <a:off x="457200" y="274638"/>
+            <a:ext cx="8229600" cy="562074"/>
+          </a:xfrm>
+        </p:spPr>
+        <p:txBody>
+          <a:bodyPr>
+            <a:normAutofit fontScale="90000"/>
+          </a:bodyPr>
+          <a:lstStyle/>
+          <a:p>
+            <a:r>
+              <a:rPr lang="en-US" dirty="0" smtClean="0"/>
+              <a:t>XML Visualizer </a:t>
+            </a:r>
+            <a:r>
+              <a:rPr lang="ru-RU" dirty="0" smtClean="0"/>
+              <a:t>в отладчике</a:t>
+            </a:r>
+            <a:endParaRPr lang="ru-RU" dirty="0"/>
+          </a:p>
+        </p:txBody>
+      </p:sp>
+      <p:sp>
+        <p:nvSpPr>
+          <p:cNvPr id="5" name="Rectangle 4"/>
+          <p:cNvSpPr/>
+          <p:nvPr/>
+        </p:nvSpPr>
+        <p:spPr>
+          <a:xfrm>
+            <a:off x="457200" y="980728"/>
+            <a:ext cx="8291264" cy="1815882"/>
+          </a:xfrm>
+          <a:prstGeom prst="rect">
+            <a:avLst/>
+          </a:prstGeom>
+          <a:solidFill>
+            <a:schemeClr val="bg1"/>
+          </a:solidFill>
+        </p:spPr>
+        <p:txBody>
+          <a:bodyPr wrap="square">
+            <a:spAutoFit/>
+          </a:bodyPr>
+          <a:lstStyle/>
+          <a:p>
+            <a:r>
+              <a:rPr lang="en-US" sz="1400" dirty="0">
+                <a:solidFill>
+                  <a:srgbClr val="0000FF"/>
+                </a:solidFill>
+                <a:latin typeface="Consolas"/>
+              </a:rPr>
+              <a:t>string</a:t>
+            </a:r>
+            <a:r>
+              <a:rPr lang="en-US" sz="1400" dirty="0">
+                <a:solidFill>
+                  <a:prstClr val="black"/>
+                </a:solidFill>
+                <a:latin typeface="Consolas"/>
+              </a:rPr>
+              <a:t> </a:t>
+            </a:r>
+            <a:r>
+              <a:rPr lang="en-US" sz="1400" dirty="0" err="1">
+                <a:solidFill>
+                  <a:prstClr val="black"/>
+                </a:solidFill>
+                <a:latin typeface="Consolas"/>
+              </a:rPr>
+              <a:t>rateUrl</a:t>
+            </a:r>
+            <a:r>
+              <a:rPr lang="en-US" sz="1400" dirty="0">
+                <a:solidFill>
+                  <a:prstClr val="black"/>
+                </a:solidFill>
+                <a:latin typeface="Consolas"/>
+              </a:rPr>
+              <a:t> = </a:t>
+            </a:r>
+            <a:r>
+              <a:rPr lang="en-US" sz="1400" dirty="0" err="1">
+                <a:solidFill>
+                  <a:srgbClr val="0000FF"/>
+                </a:solidFill>
+                <a:latin typeface="Consolas"/>
+              </a:rPr>
+              <a:t>string</a:t>
+            </a:r>
+            <a:r>
+              <a:rPr lang="en-US" sz="1400" dirty="0" err="1">
+                <a:solidFill>
+                  <a:prstClr val="black"/>
+                </a:solidFill>
+                <a:latin typeface="Consolas"/>
+              </a:rPr>
+              <a:t>.Format</a:t>
+            </a:r>
+            <a:r>
+              <a:rPr lang="en-US" sz="1400" dirty="0" smtClean="0">
+                <a:solidFill>
+                  <a:prstClr val="black"/>
+                </a:solidFill>
+                <a:latin typeface="Consolas"/>
+              </a:rPr>
+              <a:t>(</a:t>
+            </a:r>
+            <a:endParaRPr lang="ru-RU" sz="1400" dirty="0" smtClean="0">
+              <a:solidFill>
+                <a:prstClr val="black"/>
+              </a:solidFill>
+              <a:latin typeface="Consolas"/>
+            </a:endParaRPr>
+          </a:p>
+          <a:p>
+            <a:r>
+              <a:rPr lang="ru-RU" sz="1400" dirty="0" smtClean="0">
+                <a:solidFill>
+                  <a:prstClr val="black"/>
+                </a:solidFill>
+                <a:latin typeface="Consolas"/>
+              </a:rPr>
+              <a:t>                     </a:t>
+            </a:r>
+            <a:r>
+              <a:rPr lang="en-US" sz="1400" dirty="0" err="1" smtClean="0">
+                <a:solidFill>
+                  <a:srgbClr val="2B91AF"/>
+                </a:solidFill>
+                <a:latin typeface="Consolas"/>
+              </a:rPr>
+              <a:t>CultureInfo</a:t>
+            </a:r>
+            <a:r>
+              <a:rPr lang="en-US" sz="1400" dirty="0" err="1" smtClean="0">
+                <a:solidFill>
+                  <a:prstClr val="black"/>
+                </a:solidFill>
+                <a:latin typeface="Consolas"/>
+              </a:rPr>
+              <a:t>.GetCultureInfo</a:t>
+            </a:r>
+            <a:r>
+              <a:rPr lang="en-US" sz="1400" dirty="0">
+                <a:solidFill>
+                  <a:prstClr val="black"/>
+                </a:solidFill>
+                <a:latin typeface="Consolas"/>
+              </a:rPr>
+              <a:t>(</a:t>
+            </a:r>
+            <a:r>
+              <a:rPr lang="en-US" sz="1400" dirty="0">
+                <a:solidFill>
+                  <a:srgbClr val="A31515"/>
+                </a:solidFill>
+                <a:latin typeface="Consolas"/>
+              </a:rPr>
+              <a:t>"</a:t>
+            </a:r>
+            <a:r>
+              <a:rPr lang="en-US" sz="1400" dirty="0" err="1">
+                <a:solidFill>
+                  <a:srgbClr val="A31515"/>
+                </a:solidFill>
+                <a:latin typeface="Consolas"/>
+              </a:rPr>
+              <a:t>en</a:t>
+            </a:r>
+            <a:r>
+              <a:rPr lang="en-US" sz="1400" dirty="0">
+                <a:solidFill>
+                  <a:srgbClr val="A31515"/>
+                </a:solidFill>
+                <a:latin typeface="Consolas"/>
+              </a:rPr>
+              <a:t>-US</a:t>
+            </a:r>
+            <a:r>
+              <a:rPr lang="en-US" sz="1400" dirty="0" smtClean="0">
+                <a:solidFill>
+                  <a:srgbClr val="A31515"/>
+                </a:solidFill>
+                <a:latin typeface="Consolas"/>
+              </a:rPr>
+              <a:t>"</a:t>
+            </a:r>
+            <a:r>
+              <a:rPr lang="en-US" sz="1400" dirty="0" smtClean="0">
+                <a:solidFill>
+                  <a:prstClr val="black"/>
+                </a:solidFill>
+                <a:latin typeface="Consolas"/>
+              </a:rPr>
+              <a:t>),</a:t>
+            </a:r>
+            <a:endParaRPr lang="ru-RU" sz="1400" dirty="0" smtClean="0">
+              <a:solidFill>
+                <a:prstClr val="black"/>
+              </a:solidFill>
+              <a:latin typeface="Consolas"/>
+            </a:endParaRPr>
+          </a:p>
+          <a:p>
+            <a:r>
+              <a:rPr lang="ru-RU" sz="1400" dirty="0" smtClean="0">
+                <a:solidFill>
+                  <a:prstClr val="black"/>
+                </a:solidFill>
+                <a:latin typeface="Consolas"/>
+              </a:rPr>
+              <a:t>                     </a:t>
+            </a:r>
+            <a:r>
+              <a:rPr lang="en-US" sz="1400" dirty="0" smtClean="0">
+                <a:solidFill>
+                  <a:srgbClr val="A31515"/>
+                </a:solidFill>
+                <a:latin typeface="Consolas"/>
+              </a:rPr>
+              <a:t>"</a:t>
+            </a:r>
+            <a:r>
+              <a:rPr lang="en-US" sz="1400" dirty="0">
+                <a:solidFill>
+                  <a:srgbClr val="A31515"/>
+                </a:solidFill>
+                <a:latin typeface="Consolas"/>
+              </a:rPr>
+              <a:t>http://www.nbrb.by/Services/XmlExRates.aspx?ondate=</a:t>
+            </a:r>
+            <a:r>
+              <a:rPr lang="en-US" sz="1400" dirty="0">
+                <a:solidFill>
+                  <a:srgbClr val="3CB371"/>
+                </a:solidFill>
+                <a:latin typeface="Consolas"/>
+              </a:rPr>
+              <a:t>{0:d</a:t>
+            </a:r>
+            <a:r>
+              <a:rPr lang="en-US" sz="1400" dirty="0" smtClean="0">
+                <a:solidFill>
+                  <a:srgbClr val="3CB371"/>
+                </a:solidFill>
+                <a:latin typeface="Consolas"/>
+              </a:rPr>
+              <a:t>}</a:t>
+            </a:r>
+            <a:r>
+              <a:rPr lang="en-US" sz="1400" dirty="0" smtClean="0">
+                <a:solidFill>
+                  <a:srgbClr val="A31515"/>
+                </a:solidFill>
+                <a:latin typeface="Consolas"/>
+              </a:rPr>
+              <a:t>"</a:t>
+            </a:r>
+            <a:r>
+              <a:rPr lang="en-US" sz="1400" dirty="0" smtClean="0">
+                <a:solidFill>
+                  <a:prstClr val="black"/>
+                </a:solidFill>
+                <a:latin typeface="Consolas"/>
+              </a:rPr>
+              <a:t>,</a:t>
+            </a:r>
+            <a:endParaRPr lang="ru-RU" sz="1400" dirty="0" smtClean="0">
+              <a:solidFill>
+                <a:prstClr val="black"/>
+              </a:solidFill>
+              <a:latin typeface="Consolas"/>
+            </a:endParaRPr>
+          </a:p>
+          <a:p>
+            <a:r>
+              <a:rPr lang="ru-RU" sz="1400" dirty="0" smtClean="0">
+                <a:solidFill>
+                  <a:prstClr val="black"/>
+                </a:solidFill>
+                <a:latin typeface="Consolas"/>
+              </a:rPr>
+              <a:t>                     </a:t>
+            </a:r>
+            <a:r>
+              <a:rPr lang="en-US" sz="1400" dirty="0" err="1" smtClean="0">
+                <a:solidFill>
+                  <a:srgbClr val="2B91AF"/>
+                </a:solidFill>
+                <a:latin typeface="Consolas"/>
+              </a:rPr>
+              <a:t>DateTime</a:t>
+            </a:r>
+            <a:r>
+              <a:rPr lang="en-US" sz="1400" dirty="0" err="1" smtClean="0">
+                <a:solidFill>
+                  <a:prstClr val="black"/>
+                </a:solidFill>
+                <a:latin typeface="Consolas"/>
+              </a:rPr>
+              <a:t>.Now</a:t>
+            </a:r>
+            <a:endParaRPr lang="ru-RU" sz="1400" dirty="0" smtClean="0">
+              <a:solidFill>
+                <a:prstClr val="black"/>
+              </a:solidFill>
+              <a:latin typeface="Consolas"/>
+            </a:endParaRPr>
+          </a:p>
+          <a:p>
+            <a:r>
+              <a:rPr lang="ru-RU" sz="1400" dirty="0" smtClean="0">
+                <a:solidFill>
+                  <a:prstClr val="black"/>
+                </a:solidFill>
+                <a:latin typeface="Consolas"/>
+              </a:rPr>
+              <a:t>                 </a:t>
+            </a:r>
+            <a:r>
+              <a:rPr lang="en-US" sz="1400" dirty="0" smtClean="0">
+                <a:solidFill>
+                  <a:prstClr val="black"/>
+                </a:solidFill>
+                <a:latin typeface="Consolas"/>
+              </a:rPr>
+              <a:t>);</a:t>
+            </a:r>
+            <a:endParaRPr lang="en-US" sz="1400" dirty="0">
+              <a:solidFill>
+                <a:prstClr val="black"/>
+              </a:solidFill>
+              <a:latin typeface="Consolas"/>
+            </a:endParaRPr>
+          </a:p>
+          <a:p>
+            <a:r>
+              <a:rPr lang="en-US" sz="1400" dirty="0" err="1">
+                <a:solidFill>
+                  <a:srgbClr val="2B91AF"/>
+                </a:solidFill>
+                <a:latin typeface="Consolas"/>
+              </a:rPr>
+              <a:t>XmlDocument</a:t>
+            </a:r>
+            <a:r>
+              <a:rPr lang="en-US" sz="1400" dirty="0">
+                <a:solidFill>
+                  <a:prstClr val="black"/>
+                </a:solidFill>
+                <a:latin typeface="Consolas"/>
+              </a:rPr>
+              <a:t> </a:t>
+            </a:r>
+            <a:r>
+              <a:rPr lang="en-US" sz="1400" dirty="0" err="1">
+                <a:solidFill>
+                  <a:prstClr val="black"/>
+                </a:solidFill>
+                <a:latin typeface="Consolas"/>
+              </a:rPr>
+              <a:t>xmlDoc</a:t>
+            </a:r>
+            <a:r>
+              <a:rPr lang="en-US" sz="1400" dirty="0">
+                <a:solidFill>
+                  <a:prstClr val="black"/>
+                </a:solidFill>
+                <a:latin typeface="Consolas"/>
+              </a:rPr>
+              <a:t> = </a:t>
+            </a:r>
+            <a:r>
+              <a:rPr lang="en-US" sz="1400" dirty="0">
+                <a:solidFill>
+                  <a:srgbClr val="0000FF"/>
+                </a:solidFill>
+                <a:latin typeface="Consolas"/>
+              </a:rPr>
+              <a:t>new</a:t>
+            </a:r>
+            <a:r>
+              <a:rPr lang="en-US" sz="1400" dirty="0">
+                <a:solidFill>
+                  <a:prstClr val="black"/>
+                </a:solidFill>
+                <a:latin typeface="Consolas"/>
+              </a:rPr>
+              <a:t> </a:t>
+            </a:r>
+            <a:r>
+              <a:rPr lang="en-US" sz="1400" dirty="0" err="1">
+                <a:solidFill>
+                  <a:srgbClr val="2B91AF"/>
+                </a:solidFill>
+                <a:latin typeface="Consolas"/>
+              </a:rPr>
+              <a:t>XmlDocument</a:t>
+            </a:r>
+            <a:r>
+              <a:rPr lang="en-US" sz="1400" dirty="0">
+                <a:solidFill>
+                  <a:prstClr val="black"/>
+                </a:solidFill>
+                <a:latin typeface="Consolas"/>
+              </a:rPr>
+              <a:t>();</a:t>
+            </a:r>
+          </a:p>
+          <a:p>
+            <a:r>
+              <a:rPr lang="en-US" sz="1400" dirty="0" err="1">
+                <a:solidFill>
+                  <a:prstClr val="black"/>
+                </a:solidFill>
+                <a:latin typeface="Consolas"/>
+              </a:rPr>
+              <a:t>xmlDoc.Load</a:t>
+            </a:r>
+            <a:r>
+              <a:rPr lang="en-US" sz="1400" dirty="0">
+                <a:solidFill>
+                  <a:prstClr val="black"/>
+                </a:solidFill>
+                <a:latin typeface="Consolas"/>
+              </a:rPr>
+              <a:t>(</a:t>
+            </a:r>
+            <a:r>
+              <a:rPr lang="en-US" sz="1400" dirty="0" err="1">
+                <a:solidFill>
+                  <a:prstClr val="black"/>
+                </a:solidFill>
+                <a:latin typeface="Consolas"/>
+              </a:rPr>
+              <a:t>rateUrl</a:t>
+            </a:r>
+            <a:r>
+              <a:rPr lang="en-US" sz="1400" dirty="0">
+                <a:solidFill>
+                  <a:prstClr val="black"/>
+                </a:solidFill>
+                <a:latin typeface="Consolas"/>
+              </a:rPr>
+              <a:t>);</a:t>
+            </a:r>
+          </a:p>
+          <a:p>
+            <a:r>
+              <a:rPr lang="en-US" sz="1400" dirty="0" smtClean="0">
+                <a:solidFill>
+                  <a:srgbClr val="0000FF"/>
+                </a:solidFill>
+                <a:latin typeface="Consolas"/>
+              </a:rPr>
+              <a:t>string</a:t>
+            </a:r>
+            <a:r>
+              <a:rPr lang="en-US" sz="1400" dirty="0" smtClean="0">
+                <a:solidFill>
+                  <a:prstClr val="black"/>
+                </a:solidFill>
+                <a:latin typeface="Consolas"/>
+              </a:rPr>
+              <a:t> xml = </a:t>
+            </a:r>
+            <a:r>
+              <a:rPr lang="en-US" sz="1400" dirty="0" err="1" smtClean="0">
+                <a:solidFill>
+                  <a:prstClr val="black"/>
+                </a:solidFill>
+                <a:latin typeface="Consolas"/>
+              </a:rPr>
+              <a:t>xmlDoc.InnerXml</a:t>
+            </a:r>
+            <a:r>
+              <a:rPr lang="en-US" sz="1400" dirty="0" smtClean="0">
+                <a:solidFill>
+                  <a:prstClr val="black"/>
+                </a:solidFill>
+                <a:latin typeface="Consolas"/>
+              </a:rPr>
+              <a:t>;</a:t>
+            </a:r>
+            <a:r>
+              <a:rPr lang="ru-RU" sz="1400" dirty="0" smtClean="0">
+                <a:solidFill>
+                  <a:prstClr val="black"/>
+                </a:solidFill>
+                <a:latin typeface="Consolas"/>
+              </a:rPr>
+              <a:t> </a:t>
+            </a:r>
+            <a:r>
+              <a:rPr lang="ru-RU" sz="1400" dirty="0">
+                <a:solidFill>
+                  <a:srgbClr val="008000"/>
+                </a:solidFill>
+                <a:latin typeface="Consolas"/>
+              </a:rPr>
+              <a:t>// Посмотрим на переменную xml в </a:t>
+            </a:r>
+            <a:r>
+              <a:rPr lang="ru-RU" sz="1400" dirty="0" smtClean="0">
+                <a:solidFill>
+                  <a:srgbClr val="008000"/>
+                </a:solidFill>
+                <a:latin typeface="Consolas"/>
+              </a:rPr>
+              <a:t>отладчике</a:t>
+            </a:r>
+            <a:endParaRPr lang="ru-RU" sz="1400" dirty="0">
+              <a:solidFill>
+                <a:prstClr val="black"/>
+              </a:solidFill>
+              <a:latin typeface="Consolas"/>
+            </a:endParaRPr>
+          </a:p>
+        </p:txBody>
+      </p:sp>
+      <p:pic>
+        <p:nvPicPr>
+          <p:cNvPr id="1026" name="Picture 2"/>
+          <p:cNvPicPr>
+            <a:picLocks noChangeAspect="1" noChangeArrowheads="1"/>
+          </p:cNvPicPr>
+          <p:nvPr/>
+        </p:nvPicPr>
+        <p:blipFill>
+          <a:blip r:embed="rId2">
+            <a:extLst>
+              <a:ext uri="{28A0092B-C50C-407E-A947-70E740481C1C}">
+                <a14:useLocalDpi xmlns:a14="http://schemas.microsoft.com/office/drawing/2010/main" val="0"/>
+              </a:ext>
+            </a:extLst>
+          </a:blip>
+          <a:srcRect/>
+          <a:stretch>
+            <a:fillRect/>
+          </a:stretch>
+        </p:blipFill>
+        <p:spPr bwMode="auto">
+          <a:xfrm>
+            <a:off x="2466975" y="2924944"/>
+            <a:ext cx="4210050" cy="3819525"/>
+          </a:xfrm>
+          <a:prstGeom prst="rect">
+            <a:avLst/>
+          </a:prstGeom>
+          <a:noFill/>
+          <a:ln>
+            <a:noFill/>
+          </a:ln>
+          <a:effectLst/>
+          <a:extLst>
+            <a:ext uri="{909E8E84-426E-40DD-AFC4-6F175D3DCCD1}">
+              <a14:hiddenFill xmlns:a14="http://schemas.microsoft.com/office/drawing/2010/main">
+                <a:solidFill>
+                  <a:schemeClr val="accent1"/>
+                </a:solidFill>
+              </a14:hiddenFill>
+            </a:ext>
+            <a:ext uri="{91240B29-F687-4F45-9708-019B960494DF}">
+              <a14:hiddenLine xmlns:a14="http://schemas.microsoft.com/office/drawing/2010/main" w="9525">
+                <a:solidFill>
+                  <a:schemeClr val="tx1"/>
+                </a:solidFill>
+                <a:miter lim="800000"/>
+                <a:headEnd/>
+                <a:tailEnd/>
+              </a14:hiddenLine>
+            </a:ext>
+            <a:ext uri="{AF507438-7753-43E0-B8FC-AC1667EBCBE1}">
+              <a14:hiddenEffects xmlns:a14="http://schemas.microsoft.com/office/drawing/2010/main">
+                <a:effectLst>
+                  <a:outerShdw dist="35921" dir="2700000" algn="ctr" rotWithShape="0">
+                    <a:schemeClr val="bg2"/>
+                  </a:outerShdw>
+                </a:effectLst>
+              </a14:hiddenEffects>
+            </a:ext>
+          </a:extLst>
+        </p:spPr>
+      </p:pic>
+      <p:pic>
+        <p:nvPicPr>
+          <p:cNvPr id="1027" name="Picture 3"/>
+          <p:cNvPicPr>
+            <a:picLocks noChangeAspect="1" noChangeArrowheads="1"/>
+          </p:cNvPicPr>
+          <p:nvPr/>
+        </p:nvPicPr>
+        <p:blipFill>
+          <a:blip r:embed="rId3">
+            <a:extLst>
+              <a:ext uri="{28A0092B-C50C-407E-A947-70E740481C1C}">
+                <a14:useLocalDpi xmlns:a14="http://schemas.microsoft.com/office/drawing/2010/main" val="0"/>
+              </a:ext>
+            </a:extLst>
+          </a:blip>
+          <a:srcRect/>
+          <a:stretch>
+            <a:fillRect/>
+          </a:stretch>
+        </p:blipFill>
+        <p:spPr bwMode="auto">
+          <a:xfrm>
+            <a:off x="2581275" y="2809819"/>
+            <a:ext cx="3981450" cy="4019550"/>
+          </a:xfrm>
+          <a:prstGeom prst="rect">
+            <a:avLst/>
+          </a:prstGeom>
+          <a:noFill/>
+          <a:ln>
+            <a:noFill/>
+          </a:ln>
+          <a:effectLst/>
+          <a:extLst>
+            <a:ext uri="{909E8E84-426E-40DD-AFC4-6F175D3DCCD1}">
+              <a14:hiddenFill xmlns:a14="http://schemas.microsoft.com/office/drawing/2010/main">
+                <a:solidFill>
+                  <a:schemeClr val="accent1"/>
+                </a:solidFill>
+              </a14:hiddenFill>
+            </a:ext>
+            <a:ext uri="{91240B29-F687-4F45-9708-019B960494DF}">
+              <a14:hiddenLine xmlns:a14="http://schemas.microsoft.com/office/drawing/2010/main" w="9525">
+                <a:solidFill>
+                  <a:schemeClr val="tx1"/>
+                </a:solidFill>
+                <a:miter lim="800000"/>
+                <a:headEnd/>
+                <a:tailEnd/>
+              </a14:hiddenLine>
+            </a:ext>
+            <a:ext uri="{AF507438-7753-43E0-B8FC-AC1667EBCBE1}">
+              <a14:hiddenEffects xmlns:a14="http://schemas.microsoft.com/office/drawing/2010/main">
+                <a:effectLst>
+                  <a:outerShdw dist="35921" dir="2700000" algn="ctr" rotWithShape="0">
+                    <a:schemeClr val="bg2"/>
+                  </a:outerShdw>
+                </a:effectLst>
+              </a14:hiddenEffects>
+            </a:ext>
+          </a:extLst>
+        </p:spPr>
+      </p:pic>
+    </p:spTree>
+    <p:extLst>
+      <p:ext uri="{BB962C8B-B14F-4D97-AF65-F5344CB8AC3E}">
+        <p14:creationId xmlns:p14="http://schemas.microsoft.com/office/powerpoint/2010/main" val="3781703279"/>
+      </p:ext>
+    </p:extLst>
+  </p:cSld>
+  <p:clrMapOvr>
+    <a:masterClrMapping/>
+  </p:clrMapOvr>
+  <mc:AlternateContent xmlns:mc="http://schemas.openxmlformats.org/markup-compatibility/2006">
+    <mc:Choice xmlns:p14="http://schemas.microsoft.com/office/powerpoint/2010/main" Requires="p14">
+      <p:transition p14:dur="10"/>
+    </mc:Choice>
+    <mc:Fallback>
+      <p:transition/>
+    </mc:Fallback>
+  </mc:AlternateContent>
+  <p:timing>
+    <p:tnLst>
+      <p:par>
+        <p:cTn id="1" dur="indefinite" restart="never" nodeType="tmRoot">
+          <p:childTnLst>
+            <p:seq concurrent="1" nextAc="seek">
+              <p:cTn id="2" dur="indefinite" nodeType="mainSeq">
+                <p:childTnLst>
+                  <p:par>
+                    <p:cTn id="3" fill="hold">
+                      <p:stCondLst>
+                        <p:cond delay="indefinite"/>
+                      </p:stCondLst>
+                      <p:childTnLst>
+                        <p:par>
+                          <p:cTn id="4" fill="hold">
+                            <p:stCondLst>
+                              <p:cond delay="0"/>
+                            </p:stCondLst>
+                            <p:childTnLst>
+                              <p:par>
+                                <p:cTn id="5" presetID="1" presetClass="entr" presetSubtype="0" fill="hold" nodeType="clickEffect">
+                                  <p:stCondLst>
+                                    <p:cond delay="0"/>
+                                  </p:stCondLst>
+                                  <p:childTnLst>
+                                    <p:set>
+                                      <p:cBhvr>
+                                        <p:cTn id="6" dur="1" fill="hold">
+                                          <p:stCondLst>
+                                            <p:cond delay="0"/>
+                                          </p:stCondLst>
+                                        </p:cTn>
+                                        <p:tgtEl>
+                                          <p:spTgt spid="1026"/>
+                                        </p:tgtEl>
+                                        <p:attrNameLst>
+                                          <p:attrName>style.visibility</p:attrName>
+                                        </p:attrNameLst>
+                                      </p:cBhvr>
+                                      <p:to>
+                                        <p:strVal val="visible"/>
+                                      </p:to>
+                                    </p:set>
+                                  </p:childTnLst>
+                                </p:cTn>
+                              </p:par>
+                            </p:childTnLst>
+                          </p:cTn>
+                        </p:par>
+                      </p:childTnLst>
+                    </p:cTn>
+                  </p:par>
+                  <p:par>
+                    <p:cTn id="7" fill="hold">
+                      <p:stCondLst>
+                        <p:cond delay="indefinite"/>
+                      </p:stCondLst>
+                      <p:childTnLst>
+                        <p:par>
+                          <p:cTn id="8" fill="hold">
+                            <p:stCondLst>
+                              <p:cond delay="0"/>
+                            </p:stCondLst>
+                            <p:childTnLst>
+                              <p:par>
+                                <p:cTn id="9" presetID="1" presetClass="entr" presetSubtype="0" fill="hold" nodeType="clickEffect">
+                                  <p:stCondLst>
+                                    <p:cond delay="0"/>
+                                  </p:stCondLst>
+                                  <p:childTnLst>
+                                    <p:set>
+                                      <p:cBhvr>
+                                        <p:cTn id="10" dur="1" fill="hold">
+                                          <p:stCondLst>
+                                            <p:cond delay="0"/>
+                                          </p:stCondLst>
+                                        </p:cTn>
+                                        <p:tgtEl>
+                                          <p:spTgt spid="1027"/>
+                                        </p:tgtEl>
+                                        <p:attrNameLst>
+                                          <p:attrName>style.visibility</p:attrName>
+                                        </p:attrNameLst>
+                                      </p:cBhvr>
+                                      <p:to>
+                                        <p:strVal val="visible"/>
+                                      </p:to>
+                                    </p:set>
+                                  </p:childTnLst>
+                                </p:cTn>
+                              </p:par>
+                              <p:par>
+                                <p:cTn id="11" presetID="1" presetClass="exit" presetSubtype="0" fill="hold" nodeType="withEffect">
+                                  <p:stCondLst>
+                                    <p:cond delay="0"/>
+                                  </p:stCondLst>
+                                  <p:childTnLst>
+                                    <p:set>
+                                      <p:cBhvr>
+                                        <p:cTn id="12" dur="1" fill="hold">
+                                          <p:stCondLst>
+                                            <p:cond delay="0"/>
+                                          </p:stCondLst>
+                                        </p:cTn>
+                                        <p:tgtEl>
+                                          <p:spTgt spid="1026"/>
+                                        </p:tgtEl>
+                                        <p:attrNameLst>
+                                          <p:attrName>style.visibility</p:attrName>
+                                        </p:attrNameLst>
+                                      </p:cBhvr>
+                                      <p:to>
+                                        <p:strVal val="hidden"/>
+                                      </p:to>
+                                    </p:set>
+                                  </p:childTnLst>
+                                </p:cTn>
+                              </p:par>
+                            </p:childTnLst>
+                          </p:cTn>
+                        </p:par>
+                      </p:childTnLst>
+                    </p:cTn>
+                  </p:par>
+                </p:childTnLst>
+              </p:cTn>
+              <p:prevCondLst>
+                <p:cond evt="onPrev" delay="0">
+                  <p:tgtEl>
+                    <p:sldTgt/>
+                  </p:tgtEl>
+                </p:cond>
+              </p:prevCondLst>
+              <p:nextCondLst>
+                <p:cond evt="onNext" delay="0">
+                  <p:tgtEl>
+                    <p:sldTgt/>
+                  </p:tgtEl>
+                </p:cond>
+              </p:nextCondLst>
+            </p:seq>
+          </p:childTnLst>
+        </p:cTn>
+      </p:par>
+    </p:tnLst>
+  </p:timing>
+</p:sld>
+</file>
+
+<file path=ppt/slides/slide23.xml><?xml version="1.0" encoding="utf-8"?>
+<p:sld xmlns:a="http://schemas.openxmlformats.org/drawingml/2006/main" xmlns:r="http://schemas.openxmlformats.org/officeDocument/2006/relationships" xmlns:p="http://schemas.openxmlformats.org/presentationml/2006/main">
+  <p:cSld>
+    <p:spTree>
+      <p:nvGrpSpPr>
+        <p:cNvPr id="1" name=""/>
+        <p:cNvGrpSpPr/>
+        <p:nvPr/>
+      </p:nvGrpSpPr>
+      <p:grpSpPr>
+        <a:xfrm>
+          <a:off x="0" y="0"/>
+          <a:ext cx="0" cy="0"/>
+          <a:chOff x="0" y="0"/>
+          <a:chExt cx="0" cy="0"/>
+        </a:xfrm>
+      </p:grpSpPr>
+      <p:sp>
+        <p:nvSpPr>
+          <p:cNvPr id="2" name="Title 1"/>
+          <p:cNvSpPr>
+            <a:spLocks noGrp="1"/>
+          </p:cNvSpPr>
+          <p:nvPr>
+            <p:ph type="title"/>
+          </p:nvPr>
+        </p:nvSpPr>
         <p:spPr/>
         <p:txBody>
           <a:bodyPr/>
@@ -8635,11 +9483,7 @@
           <a:p>
             <a:r>
               <a:rPr lang="ru-RU" dirty="0" smtClean="0"/>
-              <a:t>П</a:t>
-            </a:r>
-            <a:r>
-              <a:rPr lang="ru-RU" dirty="0" smtClean="0"/>
-              <a:t>рименяются в основном к </a:t>
+              <a:t>Применяются в основном к </a:t>
             </a:r>
             <a:r>
               <a:rPr lang="en-US" dirty="0" smtClean="0"/>
@@ -8693,7 +9537,7 @@
 </p:sld>
 </file>
 
-<file path=ppt/slides/slide23.xml><?xml version="1.0" encoding="utf-8"?>
+<file path=ppt/slides/slide24.xml><?xml version="1.0" encoding="utf-8"?>
 <p:sld xmlns:a="http://schemas.openxmlformats.org/drawingml/2006/main" xmlns:r="http://schemas.openxmlformats.org/officeDocument/2006/relationships" xmlns:p="http://schemas.openxmlformats.org/presentationml/2006/main">
   <p:cSld>
     <p:spTree>
@@ -9445,15 +10289,7 @@
                             <a:srgbClr val="002060"/>
                           </a:solidFill>
                         </a:rPr>
-                        <a:t>=</a:t>
-                      </a:r>
-                      <a:r>
-                        <a:rPr lang="en-US" dirty="0" smtClean="0">
-                          <a:solidFill>
-                            <a:srgbClr val="002060"/>
-                          </a:solidFill>
-                        </a:rPr>
-                        <a:t>"</a:t>
+                        <a:t>="</a:t>
                       </a:r>
                       <a:r>
                         <a:rPr lang="ru-RU" dirty="0" smtClean="0">
@@ -9601,171 +10437,6 @@
     <p:extLst>
       <p:ext uri="{BB962C8B-B14F-4D97-AF65-F5344CB8AC3E}">
         <p14:creationId xmlns:p14="http://schemas.microsoft.com/office/powerpoint/2010/main" val="2556787862"/>
-      </p:ext>
-    </p:extLst>
-  </p:cSld>
-  <p:clrMapOvr>
-    <a:masterClrMapping/>
-  </p:clrMapOvr>
-</p:sld>
-</file>
-
-<file path=ppt/slides/slide24.xml><?xml version="1.0" encoding="utf-8"?>
-<p:sld xmlns:a="http://schemas.openxmlformats.org/drawingml/2006/main" xmlns:r="http://schemas.openxmlformats.org/officeDocument/2006/relationships" xmlns:p="http://schemas.openxmlformats.org/presentationml/2006/main">
-  <p:cSld>
-    <p:spTree>
-      <p:nvGrpSpPr>
-        <p:cNvPr id="1" name=""/>
-        <p:cNvGrpSpPr/>
-        <p:nvPr/>
-      </p:nvGrpSpPr>
-      <p:grpSpPr>
-        <a:xfrm>
-          <a:off x="0" y="0"/>
-          <a:ext cx="0" cy="0"/>
-          <a:chOff x="0" y="0"/>
-          <a:chExt cx="0" cy="0"/>
-        </a:xfrm>
-      </p:grpSpPr>
-      <p:sp>
-        <p:nvSpPr>
-          <p:cNvPr id="2" name="Title 1"/>
-          <p:cNvSpPr>
-            <a:spLocks noGrp="1"/>
-          </p:cNvSpPr>
-          <p:nvPr>
-            <p:ph type="title"/>
-          </p:nvPr>
-        </p:nvSpPr>
-        <p:spPr/>
-        <p:txBody>
-          <a:bodyPr/>
-          <a:lstStyle/>
-          <a:p>
-            <a:r>
-              <a:rPr lang="en-US" dirty="0" smtClean="0"/>
-              <a:t>XML </a:t>
-            </a:r>
-            <a:r>
-              <a:rPr lang="ru-RU" dirty="0" smtClean="0"/>
-              <a:t>комментарии</a:t>
-            </a:r>
-            <a:r>
-              <a:rPr lang="en-US" dirty="0" smtClean="0"/>
-              <a:t>: </a:t>
-            </a:r>
-            <a:r>
-              <a:rPr lang="ru-RU" dirty="0" smtClean="0"/>
-              <a:t>Настройка</a:t>
-            </a:r>
-            <a:endParaRPr lang="ru-RU" dirty="0"/>
-          </a:p>
-        </p:txBody>
-      </p:sp>
-      <p:pic>
-        <p:nvPicPr>
-          <p:cNvPr id="1026" name="Picture 2"/>
-          <p:cNvPicPr>
-            <a:picLocks noChangeAspect="1" noChangeArrowheads="1"/>
-          </p:cNvPicPr>
-          <p:nvPr/>
-        </p:nvPicPr>
-        <p:blipFill>
-          <a:blip r:embed="rId2">
-            <a:extLst>
-              <a:ext uri="{28A0092B-C50C-407E-A947-70E740481C1C}">
-                <a14:useLocalDpi xmlns:a14="http://schemas.microsoft.com/office/drawing/2010/main" val="0"/>
-              </a:ext>
-            </a:extLst>
-          </a:blip>
-          <a:srcRect/>
-          <a:stretch>
-            <a:fillRect/>
-          </a:stretch>
-        </p:blipFill>
-        <p:spPr bwMode="auto">
-          <a:xfrm>
-            <a:off x="3275856" y="1328986"/>
-            <a:ext cx="5669280" cy="4610100"/>
-          </a:xfrm>
-          <a:prstGeom prst="rect">
-            <a:avLst/>
-          </a:prstGeom>
-          <a:noFill/>
-          <a:ln>
-            <a:noFill/>
-          </a:ln>
-          <a:extLst>
-            <a:ext uri="{909E8E84-426E-40DD-AFC4-6F175D3DCCD1}">
-              <a14:hiddenFill xmlns:a14="http://schemas.microsoft.com/office/drawing/2010/main">
-                <a:solidFill>
-                  <a:schemeClr val="accent1"/>
-                </a:solidFill>
-              </a14:hiddenFill>
-            </a:ext>
-            <a:ext uri="{91240B29-F687-4F45-9708-019B960494DF}">
-              <a14:hiddenLine xmlns:a14="http://schemas.microsoft.com/office/drawing/2010/main" w="9525">
-                <a:solidFill>
-                  <a:schemeClr val="tx1"/>
-                </a:solidFill>
-                <a:miter lim="800000"/>
-                <a:headEnd/>
-                <a:tailEnd/>
-              </a14:hiddenLine>
-            </a:ext>
-          </a:extLst>
-        </p:spPr>
-      </p:pic>
-      <p:sp>
-        <p:nvSpPr>
-          <p:cNvPr id="4" name="TextBox 3"/>
-          <p:cNvSpPr txBox="1"/>
-          <p:nvPr/>
-        </p:nvSpPr>
-        <p:spPr>
-          <a:xfrm>
-            <a:off x="251520" y="1557367"/>
-            <a:ext cx="3024336" cy="4031873"/>
-          </a:xfrm>
-          <a:prstGeom prst="rect">
-            <a:avLst/>
-          </a:prstGeom>
-          <a:noFill/>
-        </p:spPr>
-        <p:txBody>
-          <a:bodyPr wrap="square" rtlCol="0">
-            <a:spAutoFit/>
-          </a:bodyPr>
-          <a:lstStyle/>
-          <a:p>
-            <a:r>
-              <a:rPr lang="ru-RU" sz="3200" dirty="0" smtClean="0"/>
-              <a:t>Установите опцию </a:t>
-            </a:r>
-            <a:r>
-              <a:rPr lang="en-US" sz="3200" dirty="0" smtClean="0"/>
-              <a:t>“XML documentation file” </a:t>
-            </a:r>
-            <a:r>
-              <a:rPr lang="ru-RU" sz="3200" dirty="0" smtClean="0"/>
-              <a:t>в свойствах проекта для генерации </a:t>
-            </a:r>
-            <a:r>
-              <a:rPr lang="en-US" sz="3200" dirty="0" smtClean="0"/>
-              <a:t>XML </a:t>
-            </a:r>
-            <a:r>
-              <a:rPr lang="ru-RU" sz="3200" dirty="0" smtClean="0"/>
-              <a:t>файла с комментариями</a:t>
-            </a:r>
-            <a:endParaRPr lang="en-US" sz="3200" dirty="0" smtClean="0"/>
-          </a:p>
-        </p:txBody>
-      </p:sp>
-    </p:spTree>
-    <p:extLst>
-      <p:ext uri="{BB962C8B-B14F-4D97-AF65-F5344CB8AC3E}">
-        <p14:creationId xmlns:p14="http://schemas.microsoft.com/office/powerpoint/2010/main" val="238274862"/>
       </p:ext>
     </p:extLst>
   </p:cSld>
@@ -9824,78 +10495,120 @@
             </a:r>
             <a:r>
               <a:rPr lang="en-US" dirty="0" smtClean="0"/>
-              <a:t>: Sandcastle</a:t>
+              <a:t>: </a:t>
+            </a:r>
+            <a:r>
+              <a:rPr lang="ru-RU" dirty="0" smtClean="0"/>
+              <a:t>Настройка</a:t>
             </a:r>
             <a:endParaRPr lang="ru-RU" dirty="0"/>
           </a:p>
         </p:txBody>
       </p:sp>
+      <p:pic>
+        <p:nvPicPr>
+          <p:cNvPr id="1026" name="Picture 2"/>
+          <p:cNvPicPr>
+            <a:picLocks noChangeAspect="1" noChangeArrowheads="1"/>
+          </p:cNvPicPr>
+          <p:nvPr/>
+        </p:nvPicPr>
+        <p:blipFill>
+          <a:blip r:embed="rId2">
+            <a:extLst>
+              <a:ext uri="{28A0092B-C50C-407E-A947-70E740481C1C}">
+                <a14:useLocalDpi xmlns:a14="http://schemas.microsoft.com/office/drawing/2010/main" val="0"/>
+              </a:ext>
+            </a:extLst>
+          </a:blip>
+          <a:srcRect/>
+          <a:stretch>
+            <a:fillRect/>
+          </a:stretch>
+        </p:blipFill>
+        <p:spPr bwMode="auto">
+          <a:xfrm>
+            <a:off x="3275856" y="1328986"/>
+            <a:ext cx="5669280" cy="4610100"/>
+          </a:xfrm>
+          <a:prstGeom prst="rect">
+            <a:avLst/>
+          </a:prstGeom>
+          <a:noFill/>
+          <a:ln>
+            <a:noFill/>
+          </a:ln>
+          <a:extLst>
+            <a:ext uri="{909E8E84-426E-40DD-AFC4-6F175D3DCCD1}">
+              <a14:hiddenFill xmlns:a14="http://schemas.microsoft.com/office/drawing/2010/main">
+                <a:solidFill>
+                  <a:schemeClr val="accent1"/>
+                </a:solidFill>
+              </a14:hiddenFill>
+            </a:ext>
+            <a:ext uri="{91240B29-F687-4F45-9708-019B960494DF}">
+              <a14:hiddenLine xmlns:a14="http://schemas.microsoft.com/office/drawing/2010/main" w="9525">
+                <a:solidFill>
+                  <a:schemeClr val="tx1"/>
+                </a:solidFill>
+                <a:miter lim="800000"/>
+                <a:headEnd/>
+                <a:tailEnd/>
+              </a14:hiddenLine>
+            </a:ext>
+          </a:extLst>
+        </p:spPr>
+      </p:pic>
       <p:sp>
         <p:nvSpPr>
-          <p:cNvPr id="3" name="Content Placeholder 2"/>
-          <p:cNvSpPr>
-            <a:spLocks noGrp="1"/>
-          </p:cNvSpPr>
-          <p:nvPr>
-            <p:ph idx="1"/>
-          </p:nvPr>
+          <p:cNvPr id="4" name="TextBox 3"/>
+          <p:cNvSpPr txBox="1"/>
+          <p:nvPr/>
         </p:nvSpPr>
-        <p:spPr/>
+        <p:spPr>
+          <a:xfrm>
+            <a:off x="251520" y="1557367"/>
+            <a:ext cx="3024336" cy="4031873"/>
+          </a:xfrm>
+          <a:prstGeom prst="rect">
+            <a:avLst/>
+          </a:prstGeom>
+          <a:noFill/>
+        </p:spPr>
         <p:txBody>
-          <a:bodyPr>
-            <a:normAutofit/>
+          <a:bodyPr wrap="square" rtlCol="0">
+            <a:spAutoFit/>
           </a:bodyPr>
           <a:lstStyle/>
           <a:p>
-            <a:pPr marL="0" indent="0">
-              <a:buNone/>
-            </a:pPr>
-            <a:r>
-              <a:rPr lang="ru-RU" dirty="0" smtClean="0"/>
-              <a:t>Полученный </a:t>
-            </a:r>
-            <a:r>
-              <a:rPr lang="en-US" dirty="0" smtClean="0"/>
+            <a:r>
+              <a:rPr lang="ru-RU" sz="3200" dirty="0" smtClean="0"/>
+              <a:t>Установите опцию </a:t>
+            </a:r>
+            <a:r>
+              <a:rPr lang="en-US" sz="3200" dirty="0" smtClean="0"/>
+              <a:t>“XML documentation file” </a:t>
+            </a:r>
+            <a:r>
+              <a:rPr lang="ru-RU" sz="3200" dirty="0" smtClean="0"/>
+              <a:t>в свойствах проекта для генерации </a:t>
+            </a:r>
+            <a:r>
+              <a:rPr lang="en-US" sz="3200" dirty="0" smtClean="0"/>
               <a:t>XML </a:t>
             </a:r>
             <a:r>
-              <a:rPr lang="ru-RU" dirty="0" smtClean="0"/>
-              <a:t>файл неудобен для чтения человеком. Однако его можно обработать с помощью программы </a:t>
-            </a:r>
-            <a:r>
-              <a:rPr lang="en-US" dirty="0" smtClean="0"/>
-              <a:t>Sandcastle</a:t>
-            </a:r>
-            <a:r>
-              <a:rPr lang="en-US" dirty="0"/>
-              <a:t> </a:t>
-            </a:r>
-            <a:r>
-              <a:rPr lang="en-US" dirty="0" smtClean="0"/>
-              <a:t>(</a:t>
-            </a:r>
-            <a:r>
-              <a:rPr lang="en-US" dirty="0" smtClean="0">
-                <a:hlinkClick r:id="rId2"/>
-              </a:rPr>
-              <a:t>shfb.codeplex.com</a:t>
-            </a:r>
-            <a:r>
-              <a:rPr lang="en-US" dirty="0" smtClean="0"/>
-              <a:t>) </a:t>
-            </a:r>
-            <a:r>
-              <a:rPr lang="ru-RU" dirty="0" smtClean="0"/>
-              <a:t>и получить файл(ы) справки.</a:t>
-            </a:r>
-            <a:endParaRPr lang="en-US" dirty="0" smtClean="0"/>
+              <a:rPr lang="ru-RU" sz="3200" dirty="0" smtClean="0"/>
+              <a:t>файла с комментариями</a:t>
+            </a:r>
+            <a:endParaRPr lang="en-US" sz="3200" dirty="0" smtClean="0"/>
           </a:p>
         </p:txBody>
       </p:sp>
     </p:spTree>
     <p:extLst>
       <p:ext uri="{BB962C8B-B14F-4D97-AF65-F5344CB8AC3E}">
-        <p14:creationId xmlns:p14="http://schemas.microsoft.com/office/powerpoint/2010/main" val="2734608499"/>
+        <p14:creationId xmlns:p14="http://schemas.microsoft.com/office/powerpoint/2010/main" val="238274862"/>
       </p:ext>
     </p:extLst>
   </p:cSld>
@@ -9939,44 +10652,106 @@
             <p:ph type="title"/>
           </p:nvPr>
         </p:nvSpPr>
-        <p:spPr>
-          <a:xfrm>
-            <a:off x="457200" y="2857500"/>
-            <a:ext cx="8229600" cy="1143000"/>
-          </a:xfrm>
-        </p:spPr>
+        <p:spPr/>
+        <p:txBody>
+          <a:bodyPr/>
+          <a:lstStyle/>
+          <a:p>
+            <a:r>
+              <a:rPr lang="en-US" dirty="0" smtClean="0"/>
+              <a:t>XML </a:t>
+            </a:r>
+            <a:r>
+              <a:rPr lang="ru-RU" dirty="0" smtClean="0"/>
+              <a:t>комментарии</a:t>
+            </a:r>
+            <a:r>
+              <a:rPr lang="en-US" dirty="0" smtClean="0"/>
+              <a:t>: Sandcastle</a:t>
+            </a:r>
+            <a:endParaRPr lang="ru-RU" dirty="0"/>
+          </a:p>
+        </p:txBody>
+      </p:sp>
+      <p:sp>
+        <p:nvSpPr>
+          <p:cNvPr id="3" name="Content Placeholder 2"/>
+          <p:cNvSpPr>
+            <a:spLocks noGrp="1"/>
+          </p:cNvSpPr>
+          <p:nvPr>
+            <p:ph idx="1"/>
+          </p:nvPr>
+        </p:nvSpPr>
+        <p:spPr/>
         <p:txBody>
           <a:bodyPr>
             <a:normAutofit/>
           </a:bodyPr>
           <a:lstStyle/>
           <a:p>
+            <a:pPr marL="0" indent="0">
+              <a:buNone/>
+            </a:pPr>
             <a:r>
               <a:rPr lang="ru-RU" dirty="0" smtClean="0"/>
-              <a:t>Чтение </a:t>
+              <a:t>Полученный </a:t>
             </a:r>
             <a:r>
               <a:rPr lang="en-US" dirty="0" smtClean="0"/>
-              <a:t>XML. </a:t>
+              <a:t>XML </a:t>
             </a:r>
             <a:r>
               <a:rPr lang="ru-RU" dirty="0" smtClean="0"/>
-              <a:t>Демонстрация.</a:t>
-            </a:r>
-            <a:endParaRPr lang="ru-RU" dirty="0"/>
+              <a:t>файл неудобен для чтения человеком. Однако его можно обработать с помощью программы </a:t>
+            </a:r>
+            <a:r>
+              <a:rPr lang="en-US" dirty="0" smtClean="0"/>
+              <a:t>Sandcastle</a:t>
+            </a:r>
+            <a:r>
+              <a:rPr lang="en-US" dirty="0"/>
+              <a:t> </a:t>
+            </a:r>
+            <a:r>
+              <a:rPr lang="en-US" dirty="0" smtClean="0"/>
+              <a:t>(</a:t>
+            </a:r>
+            <a:r>
+              <a:rPr lang="en-US" dirty="0" smtClean="0">
+                <a:hlinkClick r:id="rId2"/>
+              </a:rPr>
+              <a:t>shfb.codeplex.com</a:t>
+            </a:r>
+            <a:r>
+              <a:rPr lang="en-US" dirty="0" smtClean="0"/>
+              <a:t>) </a:t>
+            </a:r>
+            <a:r>
+              <a:rPr lang="ru-RU" dirty="0" smtClean="0"/>
+              <a:t>и получить файл(ы) справки.</a:t>
+            </a:r>
+            <a:endParaRPr lang="en-US" dirty="0" smtClean="0"/>
           </a:p>
         </p:txBody>
       </p:sp>
     </p:spTree>
     <p:extLst>
       <p:ext uri="{BB962C8B-B14F-4D97-AF65-F5344CB8AC3E}">
-        <p14:creationId xmlns:p14="http://schemas.microsoft.com/office/powerpoint/2010/main" val="607863742"/>
+        <p14:creationId xmlns:p14="http://schemas.microsoft.com/office/powerpoint/2010/main" val="2734608499"/>
       </p:ext>
     </p:extLst>
   </p:cSld>
   <p:clrMapOvr>
     <a:masterClrMapping/>
   </p:clrMapOvr>
+  <p:timing>
+    <p:tnLst>
+      <p:par>
+        <p:cTn id="1" dur="indefinite" restart="never" nodeType="tmRoot"/>
+      </p:par>
+    </p:tnLst>
+  </p:timing>
 </p:sld>
 </file>
 
@@ -10007,101 +10782,29 @@
             <p:ph type="title"/>
           </p:nvPr>
         </p:nvSpPr>
-        <p:spPr/>
-        <p:txBody>
-          <a:bodyPr/>
-          <a:lstStyle/>
-          <a:p>
-            <a:r>
-              <a:rPr lang="en-US" dirty="0" smtClean="0"/>
-              <a:t>XML </a:t>
-            </a:r>
-            <a:r>
-              <a:rPr lang="ru-RU" dirty="0" smtClean="0"/>
-              <a:t>сериализация (</a:t>
-            </a:r>
-            <a:r>
-              <a:rPr lang="en-US" dirty="0" smtClean="0"/>
-              <a:t>serialization</a:t>
-            </a:r>
-            <a:r>
-              <a:rPr lang="ru-RU" dirty="0" smtClean="0"/>
-              <a:t>)</a:t>
-            </a:r>
-            <a:endParaRPr lang="ru-RU" dirty="0"/>
-          </a:p>
-        </p:txBody>
-      </p:sp>
-      <p:sp>
-        <p:nvSpPr>
-          <p:cNvPr id="3" name="Content Placeholder 2"/>
-          <p:cNvSpPr>
-            <a:spLocks noGrp="1"/>
-          </p:cNvSpPr>
-          <p:nvPr>
-            <p:ph idx="1"/>
-          </p:nvPr>
-        </p:nvSpPr>
-        <p:spPr/>
+        <p:spPr>
+          <a:xfrm>
+            <a:off x="457200" y="2857500"/>
+            <a:ext cx="8229600" cy="1143000"/>
+          </a:xfrm>
+        </p:spPr>
         <p:txBody>
           <a:bodyPr>
-            <a:normAutofit lnSpcReduction="10000"/>
+            <a:normAutofit/>
           </a:bodyPr>
           <a:lstStyle/>
           <a:p>
             <a:r>
-              <a:rPr lang="ru-RU" dirty="0"/>
-              <a:t>Сериализация – сохранение данных об объекте </a:t>
-            </a:r>
-            <a:r>
               <a:rPr lang="ru-RU" dirty="0" smtClean="0"/>
-              <a:t>в поток</a:t>
-            </a:r>
-            <a:endParaRPr lang="ru-RU" dirty="0"/>
-          </a:p>
-          <a:p>
+              <a:t>Чтение </a:t>
+            </a:r>
+            <a:r>
+              <a:rPr lang="en-US" dirty="0" smtClean="0"/>
+              <a:t>XML. </a:t>
+            </a:r>
             <a:r>
               <a:rPr lang="ru-RU" dirty="0" smtClean="0"/>
-              <a:t>Десериализация</a:t>
-            </a:r>
-            <a:r>
-              <a:rPr lang="en-US" dirty="0" smtClean="0"/>
-              <a:t> </a:t>
-            </a:r>
-            <a:r>
-              <a:rPr lang="ru-RU" dirty="0" smtClean="0"/>
-              <a:t>– </a:t>
-            </a:r>
-            <a:r>
-              <a:rPr lang="ru-RU" dirty="0"/>
-              <a:t>обратный процесс восстановления </a:t>
-            </a:r>
-            <a:r>
-              <a:rPr lang="ru-RU" dirty="0" smtClean="0"/>
-              <a:t>объекта</a:t>
-            </a:r>
-          </a:p>
-          <a:p>
-            <a:endParaRPr lang="en-US" dirty="0" smtClean="0"/>
-          </a:p>
-          <a:p>
-            <a:r>
-              <a:rPr lang="ru-RU" dirty="0" smtClean="0"/>
-              <a:t>Примеры использования:</a:t>
-            </a:r>
-          </a:p>
-          <a:p>
-            <a:pPr lvl="1"/>
-            <a:r>
-              <a:rPr lang="ru-RU" dirty="0" smtClean="0"/>
-              <a:t>Передача объекта между разными программи/машинами.</a:t>
-            </a:r>
-          </a:p>
-          <a:p>
-            <a:pPr lvl="1"/>
-            <a:r>
-              <a:rPr lang="ru-RU" dirty="0" smtClean="0"/>
-              <a:t>Файлы конфигурации</a:t>
+              <a:t>Демонстрация.</a:t>
             </a:r>
             <a:endParaRPr lang="ru-RU" dirty="0"/>
           </a:p>
@@ -10110,7 +10813,7 @@
     </p:spTree>
     <p:extLst>
       <p:ext uri="{BB962C8B-B14F-4D97-AF65-F5344CB8AC3E}">
-        <p14:creationId xmlns:p14="http://schemas.microsoft.com/office/powerpoint/2010/main" val="4243754449"/>
+        <p14:creationId xmlns:p14="http://schemas.microsoft.com/office/powerpoint/2010/main" val="607863742"/>
       </p:ext>
     </p:extLst>
   </p:cSld>
@@ -10147,6 +10850,146 @@
             <p:ph type="title"/>
           </p:nvPr>
         </p:nvSpPr>
+        <p:spPr/>
+        <p:txBody>
+          <a:bodyPr/>
+          <a:lstStyle/>
+          <a:p>
+            <a:r>
+              <a:rPr lang="en-US" dirty="0" smtClean="0"/>
+              <a:t>XML </a:t>
+            </a:r>
+            <a:r>
+              <a:rPr lang="ru-RU" dirty="0" smtClean="0"/>
+              <a:t>сериализация (</a:t>
+            </a:r>
+            <a:r>
+              <a:rPr lang="en-US" dirty="0" smtClean="0"/>
+              <a:t>serialization</a:t>
+            </a:r>
+            <a:r>
+              <a:rPr lang="ru-RU" dirty="0" smtClean="0"/>
+              <a:t>)</a:t>
+            </a:r>
+            <a:endParaRPr lang="ru-RU" dirty="0"/>
+          </a:p>
+        </p:txBody>
+      </p:sp>
+      <p:sp>
+        <p:nvSpPr>
+          <p:cNvPr id="3" name="Content Placeholder 2"/>
+          <p:cNvSpPr>
+            <a:spLocks noGrp="1"/>
+          </p:cNvSpPr>
+          <p:nvPr>
+            <p:ph idx="1"/>
+          </p:nvPr>
+        </p:nvSpPr>
+        <p:spPr/>
+        <p:txBody>
+          <a:bodyPr>
+            <a:normAutofit lnSpcReduction="10000"/>
+          </a:bodyPr>
+          <a:lstStyle/>
+          <a:p>
+            <a:r>
+              <a:rPr lang="ru-RU" dirty="0"/>
+              <a:t>Сериализация – сохранение данных об объекте </a:t>
+            </a:r>
+            <a:r>
+              <a:rPr lang="ru-RU" dirty="0" smtClean="0"/>
+              <a:t>в поток</a:t>
+            </a:r>
+            <a:endParaRPr lang="ru-RU" dirty="0"/>
+          </a:p>
+          <a:p>
+            <a:r>
+              <a:rPr lang="ru-RU" dirty="0" smtClean="0"/>
+              <a:t>Десериализация</a:t>
+            </a:r>
+            <a:r>
+              <a:rPr lang="en-US" dirty="0" smtClean="0"/>
+              <a:t> </a:t>
+            </a:r>
+            <a:r>
+              <a:rPr lang="ru-RU" dirty="0" smtClean="0"/>
+              <a:t>– </a:t>
+            </a:r>
+            <a:r>
+              <a:rPr lang="ru-RU" dirty="0"/>
+              <a:t>обратный процесс восстановления </a:t>
+            </a:r>
+            <a:r>
+              <a:rPr lang="ru-RU" dirty="0" smtClean="0"/>
+              <a:t>объекта</a:t>
+            </a:r>
+          </a:p>
+          <a:p>
+            <a:endParaRPr lang="en-US" dirty="0" smtClean="0"/>
+          </a:p>
+          <a:p>
+            <a:r>
+              <a:rPr lang="ru-RU" dirty="0" smtClean="0"/>
+              <a:t>Примеры использования:</a:t>
+            </a:r>
+          </a:p>
+          <a:p>
+            <a:pPr lvl="1"/>
+            <a:r>
+              <a:rPr lang="ru-RU" dirty="0" smtClean="0"/>
+              <a:t>Передача объекта между разными программи/машинами.</a:t>
+            </a:r>
+          </a:p>
+          <a:p>
+            <a:pPr lvl="1"/>
+            <a:r>
+              <a:rPr lang="ru-RU" dirty="0" smtClean="0"/>
+              <a:t>Файлы конфигурации</a:t>
+            </a:r>
+            <a:endParaRPr lang="ru-RU" dirty="0"/>
+          </a:p>
+        </p:txBody>
+      </p:sp>
+    </p:spTree>
+    <p:extLst>
+      <p:ext uri="{BB962C8B-B14F-4D97-AF65-F5344CB8AC3E}">
+        <p14:creationId xmlns:p14="http://schemas.microsoft.com/office/powerpoint/2010/main" val="4243754449"/>
+      </p:ext>
+    </p:extLst>
+  </p:cSld>
+  <p:clrMapOvr>
+    <a:masterClrMapping/>
+  </p:clrMapOvr>
+</p:sld>
+</file>
+
+<file path=ppt/slides/slide29.xml><?xml version="1.0" encoding="utf-8"?>
+<p:sld xmlns:a="http://schemas.openxmlformats.org/drawingml/2006/main" xmlns:r="http://schemas.openxmlformats.org/officeDocument/2006/relationships" xmlns:p="http://schemas.openxmlformats.org/presentationml/2006/main">
+  <p:cSld>
+    <p:spTree>
+      <p:nvGrpSpPr>
+        <p:cNvPr id="1" name=""/>
+        <p:cNvGrpSpPr/>
+        <p:nvPr/>
+      </p:nvGrpSpPr>
+      <p:grpSpPr>
+        <a:xfrm>
+          <a:off x="0" y="0"/>
+          <a:ext cx="0" cy="0"/>
+          <a:chOff x="0" y="0"/>
+          <a:chExt cx="0" cy="0"/>
+        </a:xfrm>
+      </p:grpSpPr>
+      <p:sp>
+        <p:nvSpPr>
+          <p:cNvPr id="2" name="Title 1"/>
+          <p:cNvSpPr>
+            <a:spLocks noGrp="1"/>
+          </p:cNvSpPr>
+          <p:nvPr>
+            <p:ph type="title"/>
+          </p:nvPr>
+        </p:nvSpPr>
         <p:spPr>
           <a:xfrm>
             <a:off x="457200" y="-234280"/>
@@ -12461,7 +13304,185 @@
 </p:sld>
 </file>
 
-<file path=ppt/slides/slide29.xml><?xml version="1.0" encoding="utf-8"?>
+<file path=ppt/slides/slide3.xml><?xml version="1.0" encoding="utf-8"?>
+<p:sld xmlns:a="http://schemas.openxmlformats.org/drawingml/2006/main" xmlns:r="http://schemas.openxmlformats.org/officeDocument/2006/relationships" xmlns:p="http://schemas.openxmlformats.org/presentationml/2006/main">
+  <p:cSld>
+    <p:spTree>
+      <p:nvGrpSpPr>
+        <p:cNvPr id="1" name=""/>
+        <p:cNvGrpSpPr/>
+        <p:nvPr/>
+      </p:nvGrpSpPr>
+      <p:grpSpPr>
+        <a:xfrm>
+          <a:off x="0" y="0"/>
+          <a:ext cx="0" cy="0"/>
+          <a:chOff x="0" y="0"/>
+          <a:chExt cx="0" cy="0"/>
+        </a:xfrm>
+      </p:grpSpPr>
+      <p:sp>
+        <p:nvSpPr>
+          <p:cNvPr id="2" name="Title 1"/>
+          <p:cNvSpPr>
+            <a:spLocks noGrp="1"/>
+          </p:cNvSpPr>
+          <p:nvPr>
+            <p:ph type="title"/>
+          </p:nvPr>
+        </p:nvSpPr>
+        <p:spPr/>
+        <p:txBody>
+          <a:bodyPr/>
+          <a:lstStyle/>
+          <a:p>
+            <a:r>
+              <a:rPr lang="ru-RU" dirty="0">
+                <a:solidFill>
+                  <a:schemeClr val="bg1"/>
+                </a:solidFill>
+              </a:rPr>
+              <a:t>Материалы для обучения</a:t>
+            </a:r>
+            <a:endParaRPr lang="en-US" dirty="0">
+              <a:solidFill>
+                <a:schemeClr val="bg1"/>
+              </a:solidFill>
+            </a:endParaRPr>
+          </a:p>
+        </p:txBody>
+      </p:sp>
+      <p:sp>
+        <p:nvSpPr>
+          <p:cNvPr id="3" name="Content Placeholder 2"/>
+          <p:cNvSpPr>
+            <a:spLocks noGrp="1"/>
+          </p:cNvSpPr>
+          <p:nvPr>
+            <p:ph idx="1"/>
+          </p:nvPr>
+        </p:nvSpPr>
+        <p:spPr/>
+        <p:txBody>
+          <a:bodyPr/>
+          <a:lstStyle/>
+          <a:p>
+            <a:r>
+              <a:rPr lang="en-US" dirty="0">
+                <a:solidFill>
+                  <a:schemeClr val="bg1"/>
+                </a:solidFill>
+                <a:hlinkClick r:id="rId2"/>
+              </a:rPr>
+              <a:t>https://</a:t>
+            </a:r>
+            <a:r>
+              <a:rPr lang="en-US" dirty="0" smtClean="0">
+                <a:solidFill>
+                  <a:schemeClr val="bg1"/>
+                </a:solidFill>
+                <a:hlinkClick r:id="rId2"/>
+              </a:rPr>
+              <a:t>github.com/bazile/Training</a:t>
+            </a:r>
+            <a:r>
+              <a:rPr lang="en-US" dirty="0" smtClean="0">
+                <a:solidFill>
+                  <a:schemeClr val="bg1"/>
+                </a:solidFill>
+              </a:rPr>
+              <a:t/>
+            </a:r>
+            <a:br>
+              <a:rPr lang="en-US" dirty="0" smtClean="0">
+                <a:solidFill>
+                  <a:schemeClr val="bg1"/>
+                </a:solidFill>
+              </a:rPr>
+            </a:br>
+            <a:r>
+              <a:rPr lang="ru-RU" dirty="0" smtClean="0">
+                <a:solidFill>
+                  <a:schemeClr val="bg1"/>
+                </a:solidFill>
+              </a:rPr>
+              <a:t>Презентации и примеры кода используемые во время занятия</a:t>
+            </a:r>
+          </a:p>
+          <a:p>
+            <a:endParaRPr lang="ru-RU" dirty="0" smtClean="0">
+              <a:solidFill>
+                <a:schemeClr val="bg1"/>
+              </a:solidFill>
+            </a:endParaRPr>
+          </a:p>
+          <a:p>
+            <a:r>
+              <a:rPr lang="en-US" dirty="0">
+                <a:solidFill>
+                  <a:schemeClr val="bg1"/>
+                </a:solidFill>
+                <a:hlinkClick r:id="rId3"/>
+              </a:rPr>
+              <a:t>http://belhard.nullptr.ru</a:t>
+            </a:r>
+            <a:r>
+              <a:rPr lang="en-US" dirty="0" smtClean="0">
+                <a:solidFill>
+                  <a:schemeClr val="bg1"/>
+                </a:solidFill>
+                <a:hlinkClick r:id="rId3"/>
+              </a:rPr>
+              <a:t>/</a:t>
+            </a:r>
+            <a:r>
+              <a:rPr lang="ru-RU" dirty="0" smtClean="0">
+                <a:solidFill>
+                  <a:schemeClr val="bg1"/>
+                </a:solidFill>
+              </a:rPr>
+              <a:t/>
+            </a:r>
+            <a:br>
+              <a:rPr lang="ru-RU" dirty="0" smtClean="0">
+                <a:solidFill>
+                  <a:schemeClr val="bg1"/>
+                </a:solidFill>
+              </a:rPr>
+            </a:br>
+            <a:r>
+              <a:rPr lang="ru-RU" dirty="0" smtClean="0">
+                <a:solidFill>
+                  <a:schemeClr val="bg1"/>
+                </a:solidFill>
+              </a:rPr>
+              <a:t>Книги, примеры к ним и другие полезные файлы.</a:t>
+            </a:r>
+            <a:endParaRPr lang="ru-RU" dirty="0">
+              <a:solidFill>
+                <a:schemeClr val="bg1"/>
+              </a:solidFill>
+            </a:endParaRPr>
+          </a:p>
+          <a:p>
+            <a:endParaRPr lang="en-US" dirty="0"/>
+          </a:p>
+        </p:txBody>
+      </p:sp>
+    </p:spTree>
+    <p:extLst>
+      <p:ext uri="{BB962C8B-B14F-4D97-AF65-F5344CB8AC3E}">
+        <p14:creationId xmlns:p14="http://schemas.microsoft.com/office/powerpoint/2010/main" val="572586290"/>
+      </p:ext>
+    </p:extLst>
+  </p:cSld>
+  <p:clrMapOvr>
+    <a:masterClrMapping/>
+  </p:clrMapOvr>
+</p:sld>
+</file>
+
+<file path=ppt/slides/slide30.xml><?xml version="1.0" encoding="utf-8"?>
 <p:sld xmlns:a="http://schemas.openxmlformats.org/drawingml/2006/main" xmlns:r="http://schemas.openxmlformats.org/officeDocument/2006/relationships" xmlns:p="http://schemas.openxmlformats.org/presentationml/2006/main">
   <p:cSld>
     <p:bg>
@@ -12560,184 +13581,6 @@
     <p:extLst>
       <p:ext uri="{BB962C8B-B14F-4D97-AF65-F5344CB8AC3E}">
         <p14:creationId xmlns:p14="http://schemas.microsoft.com/office/powerpoint/2010/main" val="2571080396"/>
-      </p:ext>
-    </p:extLst>
-  </p:cSld>
-  <p:clrMapOvr>
-    <a:masterClrMapping/>
-  </p:clrMapOvr>
-</p:sld>
-</file>
-
-<file path=ppt/slides/slide3.xml><?xml version="1.0" encoding="utf-8"?>
-<p:sld xmlns:a="http://schemas.openxmlformats.org/drawingml/2006/main" xmlns:r="http://schemas.openxmlformats.org/officeDocument/2006/relationships" xmlns:p="http://schemas.openxmlformats.org/presentationml/2006/main">
-  <p:cSld>
-    <p:spTree>
-      <p:nvGrpSpPr>
-        <p:cNvPr id="1" name=""/>
-        <p:cNvGrpSpPr/>
-        <p:nvPr/>
-      </p:nvGrpSpPr>
-      <p:grpSpPr>
-        <a:xfrm>
-          <a:off x="0" y="0"/>
-          <a:ext cx="0" cy="0"/>
-          <a:chOff x="0" y="0"/>
-          <a:chExt cx="0" cy="0"/>
-        </a:xfrm>
-      </p:grpSpPr>
-      <p:sp>
-        <p:nvSpPr>
-          <p:cNvPr id="2" name="Title 1"/>
-          <p:cNvSpPr>
-            <a:spLocks noGrp="1"/>
-          </p:cNvSpPr>
-          <p:nvPr>
-            <p:ph type="title"/>
-          </p:nvPr>
-        </p:nvSpPr>
-        <p:spPr/>
-        <p:txBody>
-          <a:bodyPr/>
-          <a:lstStyle/>
-          <a:p>
-            <a:r>
-              <a:rPr lang="ru-RU" dirty="0">
-                <a:solidFill>
-                  <a:schemeClr val="bg1"/>
-                </a:solidFill>
-              </a:rPr>
-              <a:t>Материалы для обучения</a:t>
-            </a:r>
-            <a:endParaRPr lang="en-US" dirty="0">
-              <a:solidFill>
-                <a:schemeClr val="bg1"/>
-              </a:solidFill>
-            </a:endParaRPr>
-          </a:p>
-        </p:txBody>
-      </p:sp>
-      <p:sp>
-        <p:nvSpPr>
-          <p:cNvPr id="3" name="Content Placeholder 2"/>
-          <p:cNvSpPr>
-            <a:spLocks noGrp="1"/>
-          </p:cNvSpPr>
-          <p:nvPr>
-            <p:ph idx="1"/>
-          </p:nvPr>
-        </p:nvSpPr>
-        <p:spPr/>
-        <p:txBody>
-          <a:bodyPr/>
-          <a:lstStyle/>
-          <a:p>
-            <a:r>
-              <a:rPr lang="en-US" dirty="0">
-                <a:solidFill>
-                  <a:schemeClr val="bg1"/>
-                </a:solidFill>
-                <a:hlinkClick r:id="rId2"/>
-              </a:rPr>
-              <a:t>https://</a:t>
-            </a:r>
-            <a:r>
-              <a:rPr lang="en-US" dirty="0" smtClean="0">
-                <a:solidFill>
-                  <a:schemeClr val="bg1"/>
-                </a:solidFill>
-                <a:hlinkClick r:id="rId2"/>
-              </a:rPr>
-              <a:t>github.com/bazile/Training</a:t>
-            </a:r>
-            <a:r>
-              <a:rPr lang="en-US" dirty="0" smtClean="0">
-                <a:solidFill>
-                  <a:schemeClr val="bg1"/>
-                </a:solidFill>
-              </a:rPr>
-              <a:t/>
-            </a:r>
-            <a:br>
-              <a:rPr lang="en-US" dirty="0" smtClean="0">
-                <a:solidFill>
-                  <a:schemeClr val="bg1"/>
-                </a:solidFill>
-              </a:rPr>
-            </a:br>
-            <a:r>
-              <a:rPr lang="ru-RU" dirty="0" smtClean="0">
-                <a:solidFill>
-                  <a:schemeClr val="bg1"/>
-                </a:solidFill>
-              </a:rPr>
-              <a:t>Презентации и примеры кода используемые во время занятия</a:t>
-            </a:r>
-          </a:p>
-          <a:p>
-            <a:endParaRPr lang="ru-RU" dirty="0" smtClean="0">
-              <a:solidFill>
-                <a:schemeClr val="bg1"/>
-              </a:solidFill>
-            </a:endParaRPr>
-          </a:p>
-          <a:p>
-            <a:r>
-              <a:rPr lang="en-US" dirty="0">
-                <a:solidFill>
-                  <a:schemeClr val="bg1"/>
-                </a:solidFill>
-                <a:hlinkClick r:id="rId3"/>
-              </a:rPr>
-              <a:t>http://belhard.nullptr.ru</a:t>
-            </a:r>
-            <a:r>
-              <a:rPr lang="en-US" dirty="0" smtClean="0">
-                <a:solidFill>
-                  <a:schemeClr val="bg1"/>
-                </a:solidFill>
-                <a:hlinkClick r:id="rId3"/>
-              </a:rPr>
-              <a:t>/</a:t>
-            </a:r>
-            <a:r>
-              <a:rPr lang="ru-RU" dirty="0" smtClean="0">
-                <a:solidFill>
-                  <a:schemeClr val="bg1"/>
-                </a:solidFill>
-              </a:rPr>
-              <a:t/>
-            </a:r>
-            <a:br>
-              <a:rPr lang="ru-RU" dirty="0" smtClean="0">
-                <a:solidFill>
-                  <a:schemeClr val="bg1"/>
-                </a:solidFill>
-              </a:rPr>
-            </a:br>
-            <a:r>
-              <a:rPr lang="ru-RU" dirty="0" smtClean="0">
-                <a:solidFill>
-                  <a:schemeClr val="bg1"/>
-                </a:solidFill>
-              </a:rPr>
-              <a:t>Книги, примеры к ним и другие полезные файлы.</a:t>
-            </a:r>
-            <a:endParaRPr lang="ru-RU" dirty="0">
-              <a:solidFill>
-                <a:schemeClr val="bg1"/>
-              </a:solidFill>
-            </a:endParaRPr>
-          </a:p>
-          <a:p>
-            <a:endParaRPr lang="en-US" dirty="0"/>
-          </a:p>
-        </p:txBody>
-      </p:sp>
-    </p:spTree>
-    <p:extLst>
-      <p:ext uri="{BB962C8B-B14F-4D97-AF65-F5344CB8AC3E}">
-        <p14:creationId xmlns:p14="http://schemas.microsoft.com/office/powerpoint/2010/main" val="572586290"/>
       </p:ext>
     </p:extLst>
   </p:cSld>

--- a/Presentation/lesson-06-xml.pptx
+++ b/Presentation/lesson-06-xml.pptx
@@ -5,7 +5,7 @@
     <p:sldMasterId id="2147483648" r:id="rId1"/>
   </p:sldMasterIdLst>
   <p:notesMasterIdLst>
-    <p:notesMasterId r:id="rId32"/>
+    <p:notesMasterId r:id="rId33"/>
   </p:notesMasterIdLst>
   <p:sldIdLst>
     <p:sldId id="257" r:id="rId2"/>
@@ -17,27 +17,28 @@
     <p:sldId id="262" r:id="rId8"/>
     <p:sldId id="264" r:id="rId9"/>
     <p:sldId id="265" r:id="rId10"/>
-    <p:sldId id="266" r:id="rId11"/>
-    <p:sldId id="267" r:id="rId12"/>
-    <p:sldId id="268" r:id="rId13"/>
-    <p:sldId id="269" r:id="rId14"/>
-    <p:sldId id="270" r:id="rId15"/>
-    <p:sldId id="286" r:id="rId16"/>
-    <p:sldId id="260" r:id="rId17"/>
-    <p:sldId id="271" r:id="rId18"/>
-    <p:sldId id="273" r:id="rId19"/>
-    <p:sldId id="274" r:id="rId20"/>
-    <p:sldId id="283" r:id="rId21"/>
-    <p:sldId id="276" r:id="rId22"/>
-    <p:sldId id="289" r:id="rId23"/>
-    <p:sldId id="278" r:id="rId24"/>
-    <p:sldId id="288" r:id="rId25"/>
-    <p:sldId id="284" r:id="rId26"/>
-    <p:sldId id="287" r:id="rId27"/>
-    <p:sldId id="277" r:id="rId28"/>
-    <p:sldId id="280" r:id="rId29"/>
-    <p:sldId id="282" r:id="rId30"/>
-    <p:sldId id="285" r:id="rId31"/>
+    <p:sldId id="290" r:id="rId11"/>
+    <p:sldId id="266" r:id="rId12"/>
+    <p:sldId id="267" r:id="rId13"/>
+    <p:sldId id="268" r:id="rId14"/>
+    <p:sldId id="269" r:id="rId15"/>
+    <p:sldId id="270" r:id="rId16"/>
+    <p:sldId id="286" r:id="rId17"/>
+    <p:sldId id="260" r:id="rId18"/>
+    <p:sldId id="271" r:id="rId19"/>
+    <p:sldId id="273" r:id="rId20"/>
+    <p:sldId id="274" r:id="rId21"/>
+    <p:sldId id="283" r:id="rId22"/>
+    <p:sldId id="276" r:id="rId23"/>
+    <p:sldId id="289" r:id="rId24"/>
+    <p:sldId id="278" r:id="rId25"/>
+    <p:sldId id="288" r:id="rId26"/>
+    <p:sldId id="284" r:id="rId27"/>
+    <p:sldId id="287" r:id="rId28"/>
+    <p:sldId id="277" r:id="rId29"/>
+    <p:sldId id="280" r:id="rId30"/>
+    <p:sldId id="282" r:id="rId31"/>
+    <p:sldId id="285" r:id="rId32"/>
   </p:sldIdLst>
   <p:sldSz cx="9144000" cy="6858000" type="screen4x3"/>
   <p:notesSz cx="6858000" cy="9144000"/>
@@ -221,7 +222,7 @@
           <a:p>
             <a:fld id="{B24A7054-7FFB-49F4-A126-5DF6E687FF53}" type="datetimeFigureOut">
               <a:rPr lang="ru-RU" smtClean="0"/>
-              <a:t>20.09.2014</a:t>
+              <a:t>22.09.2014</a:t>
             </a:fld>
             <a:endParaRPr lang="ru-RU"/>
           </a:p>
@@ -1284,7 +1285,7 @@
           <a:p>
             <a:fld id="{8E6E6A2A-E9D3-4A0D-B04A-ABDD367A1E08}" type="datetimeFigureOut">
               <a:rPr lang="ru-RU" smtClean="0"/>
-              <a:t>20.09.2014</a:t>
+              <a:t>22.09.2014</a:t>
             </a:fld>
             <a:endParaRPr lang="ru-RU"/>
           </a:p>
@@ -2732,7 +2733,7 @@
           <a:p>
             <a:fld id="{AC3D3127-B7C4-45E3-9797-C527EC9FDD78}" type="datetimeFigureOut">
               <a:rPr lang="ru-RU" smtClean="0"/>
-              <a:t>20.09.2014</a:t>
+              <a:t>22.09.2014</a:t>
             </a:fld>
             <a:endParaRPr lang="ru-RU"/>
           </a:p>
@@ -3339,6 +3340,87 @@
         </p:nvSpPr>
         <p:spPr/>
         <p:txBody>
+          <a:bodyPr>
+            <a:normAutofit fontScale="90000"/>
+          </a:bodyPr>
+          <a:lstStyle/>
+          <a:p>
+            <a:r>
+              <a:rPr lang="ru-RU" dirty="0" smtClean="0"/>
+              <a:t>Выбор между элементом и атрибутом</a:t>
+            </a:r>
+            <a:endParaRPr lang="ru-RU" dirty="0"/>
+          </a:p>
+        </p:txBody>
+      </p:sp>
+      <p:sp>
+        <p:nvSpPr>
+          <p:cNvPr id="3" name="Content Placeholder 2"/>
+          <p:cNvSpPr>
+            <a:spLocks noGrp="1"/>
+          </p:cNvSpPr>
+          <p:nvPr>
+            <p:ph idx="1"/>
+          </p:nvPr>
+        </p:nvSpPr>
+        <p:spPr/>
+        <p:txBody>
+          <a:bodyPr/>
+          <a:lstStyle/>
+          <a:p>
+            <a:pPr marL="0" indent="0">
+              <a:buNone/>
+            </a:pPr>
+            <a:r>
+              <a:rPr lang="ru-RU" smtClean="0"/>
+              <a:t>Атрибуты лучще подходят для коротких простых данных без вложенности (сейчас или в будущем).</a:t>
+            </a:r>
+            <a:endParaRPr lang="ru-RU"/>
+          </a:p>
+        </p:txBody>
+      </p:sp>
+    </p:spTree>
+    <p:extLst>
+      <p:ext uri="{BB962C8B-B14F-4D97-AF65-F5344CB8AC3E}">
+        <p14:creationId xmlns:p14="http://schemas.microsoft.com/office/powerpoint/2010/main" val="3033339867"/>
+      </p:ext>
+    </p:extLst>
+  </p:cSld>
+  <p:clrMapOvr>
+    <a:masterClrMapping/>
+  </p:clrMapOvr>
+</p:sld>
+</file>
+
+<file path=ppt/slides/slide11.xml><?xml version="1.0" encoding="utf-8"?>
+<p:sld xmlns:a="http://schemas.openxmlformats.org/drawingml/2006/main" xmlns:r="http://schemas.openxmlformats.org/officeDocument/2006/relationships" xmlns:p="http://schemas.openxmlformats.org/presentationml/2006/main">
+  <p:cSld>
+    <p:spTree>
+      <p:nvGrpSpPr>
+        <p:cNvPr id="1" name=""/>
+        <p:cNvGrpSpPr/>
+        <p:nvPr/>
+      </p:nvGrpSpPr>
+      <p:grpSpPr>
+        <a:xfrm>
+          <a:off x="0" y="0"/>
+          <a:ext cx="0" cy="0"/>
+          <a:chOff x="0" y="0"/>
+          <a:chExt cx="0" cy="0"/>
+        </a:xfrm>
+      </p:grpSpPr>
+      <p:sp>
+        <p:nvSpPr>
+          <p:cNvPr id="2" name="Title 1"/>
+          <p:cNvSpPr>
+            <a:spLocks noGrp="1"/>
+          </p:cNvSpPr>
+          <p:nvPr>
+            <p:ph type="title"/>
+          </p:nvPr>
+        </p:nvSpPr>
+        <p:spPr/>
+        <p:txBody>
           <a:bodyPr/>
           <a:lstStyle/>
           <a:p>
@@ -4512,349 +4594,6 @@
     <p:extLst>
       <p:ext uri="{BB962C8B-B14F-4D97-AF65-F5344CB8AC3E}">
         <p14:creationId xmlns:p14="http://schemas.microsoft.com/office/powerpoint/2010/main" val="1968101610"/>
-      </p:ext>
-    </p:extLst>
-  </p:cSld>
-  <p:clrMapOvr>
-    <a:masterClrMapping/>
-  </p:clrMapOvr>
-  <p:timing>
-    <p:tnLst>
-      <p:par>
-        <p:cTn id="1" dur="indefinite" restart="never" nodeType="tmRoot"/>
-      </p:par>
-    </p:tnLst>
-  </p:timing>
-</p:sld>
-</file>
-
-<file path=ppt/slides/slide11.xml><?xml version="1.0" encoding="utf-8"?>
-<p:sld xmlns:a="http://schemas.openxmlformats.org/drawingml/2006/main" xmlns:r="http://schemas.openxmlformats.org/officeDocument/2006/relationships" xmlns:p="http://schemas.openxmlformats.org/presentationml/2006/main">
-  <p:cSld>
-    <p:spTree>
-      <p:nvGrpSpPr>
-        <p:cNvPr id="1" name=""/>
-        <p:cNvGrpSpPr/>
-        <p:nvPr/>
-      </p:nvGrpSpPr>
-      <p:grpSpPr>
-        <a:xfrm>
-          <a:off x="0" y="0"/>
-          <a:ext cx="0" cy="0"/>
-          <a:chOff x="0" y="0"/>
-          <a:chExt cx="0" cy="0"/>
-        </a:xfrm>
-      </p:grpSpPr>
-      <p:sp>
-        <p:nvSpPr>
-          <p:cNvPr id="2" name="Title 1"/>
-          <p:cNvSpPr>
-            <a:spLocks noGrp="1"/>
-          </p:cNvSpPr>
-          <p:nvPr>
-            <p:ph type="title"/>
-          </p:nvPr>
-        </p:nvSpPr>
-        <p:spPr/>
-        <p:txBody>
-          <a:bodyPr/>
-          <a:lstStyle/>
-          <a:p>
-            <a:r>
-              <a:rPr lang="ru-RU" dirty="0"/>
-              <a:t>Пространства имён</a:t>
-            </a:r>
-            <a:endParaRPr lang="en-US" dirty="0"/>
-          </a:p>
-        </p:txBody>
-      </p:sp>
-      <p:sp>
-        <p:nvSpPr>
-          <p:cNvPr id="3" name="Content Placeholder 2"/>
-          <p:cNvSpPr>
-            <a:spLocks noGrp="1"/>
-          </p:cNvSpPr>
-          <p:nvPr>
-            <p:ph idx="1"/>
-          </p:nvPr>
-        </p:nvSpPr>
-        <p:spPr>
-          <a:xfrm>
-            <a:off x="457200" y="1412776"/>
-            <a:ext cx="8229600" cy="3600400"/>
-          </a:xfrm>
-        </p:spPr>
-        <p:txBody>
-          <a:bodyPr>
-            <a:normAutofit/>
-          </a:bodyPr>
-          <a:lstStyle/>
-          <a:p>
-            <a:pPr marL="0" indent="0">
-              <a:buNone/>
-            </a:pPr>
-            <a:r>
-              <a:rPr lang="ru-RU" sz="2400" dirty="0" smtClean="0">
-                <a:solidFill>
-                  <a:schemeClr val="bg1"/>
-                </a:solidFill>
-              </a:rPr>
-              <a:t>Любой </a:t>
-            </a:r>
-            <a:r>
-              <a:rPr lang="ru-RU" sz="2400" dirty="0">
-                <a:solidFill>
-                  <a:schemeClr val="bg1"/>
-                </a:solidFill>
-              </a:rPr>
-              <a:t>XML-элемент может содержать специальный атрибут xmlns, указывающий на пространство </a:t>
-            </a:r>
-            <a:r>
-              <a:rPr lang="ru-RU" sz="2400" dirty="0" smtClean="0">
-                <a:solidFill>
-                  <a:schemeClr val="bg1"/>
-                </a:solidFill>
-              </a:rPr>
-              <a:t>имен </a:t>
-            </a:r>
-            <a:r>
-              <a:rPr lang="ru-RU" sz="2400" dirty="0">
-                <a:solidFill>
-                  <a:schemeClr val="bg1"/>
-                </a:solidFill>
-              </a:rPr>
-              <a:t>элемента. Назначение пространств имён </a:t>
-            </a:r>
-            <a:r>
-              <a:rPr lang="ru-RU" sz="2400" dirty="0" smtClean="0">
-                <a:solidFill>
-                  <a:schemeClr val="bg1"/>
-                </a:solidFill>
-              </a:rPr>
-              <a:t>дать возможность разрешать конфликты для элементов</a:t>
-            </a:r>
-            <a:r>
-              <a:rPr lang="en-US" sz="2400" dirty="0" smtClean="0">
-                <a:solidFill>
-                  <a:schemeClr val="bg1"/>
-                </a:solidFill>
-              </a:rPr>
-              <a:t> </a:t>
-            </a:r>
-            <a:r>
-              <a:rPr lang="ru-RU" sz="2400" dirty="0" smtClean="0">
-                <a:solidFill>
-                  <a:schemeClr val="bg1"/>
-                </a:solidFill>
-              </a:rPr>
-              <a:t>с одинаковым названием, но разным предназначением. Пространства имен могут объявляться с префиксом или без него. Пространство имен без </a:t>
-            </a:r>
-            <a:r>
-              <a:rPr lang="ru-RU" sz="2400" dirty="0">
-                <a:solidFill>
-                  <a:schemeClr val="bg1"/>
-                </a:solidFill>
-              </a:rPr>
-              <a:t>префикса называется </a:t>
-            </a:r>
-            <a:r>
-              <a:rPr lang="ru-RU" sz="2400" dirty="0" smtClean="0">
-                <a:solidFill>
-                  <a:schemeClr val="bg1"/>
-                </a:solidFill>
-              </a:rPr>
-              <a:t>«пространством имен по умолчанию» и может быть только одним в рамках документа.</a:t>
-            </a:r>
-            <a:endParaRPr lang="en-US" sz="2400" dirty="0">
-              <a:solidFill>
-                <a:schemeClr val="bg1"/>
-              </a:solidFill>
-            </a:endParaRPr>
-          </a:p>
-        </p:txBody>
-      </p:sp>
-      <p:sp>
-        <p:nvSpPr>
-          <p:cNvPr id="4" name="TextBox 3"/>
-          <p:cNvSpPr txBox="1"/>
-          <p:nvPr/>
-        </p:nvSpPr>
-        <p:spPr>
-          <a:xfrm>
-            <a:off x="459855" y="5057889"/>
-            <a:ext cx="8288609" cy="1323439"/>
-          </a:xfrm>
-          <a:prstGeom prst="rect">
-            <a:avLst/>
-          </a:prstGeom>
-          <a:solidFill>
-            <a:schemeClr val="bg1"/>
-          </a:solidFill>
-        </p:spPr>
-        <p:txBody>
-          <a:bodyPr wrap="square" rtlCol="0">
-            <a:spAutoFit/>
-          </a:bodyPr>
-          <a:lstStyle/>
-          <a:p>
-            <a:r>
-              <a:rPr lang="en-US" sz="2000" dirty="0">
-                <a:solidFill>
-                  <a:srgbClr val="0000FF"/>
-                </a:solidFill>
-                <a:latin typeface="Courier New" panose="02070309020205020404" pitchFamily="49" charset="0"/>
-                <a:cs typeface="Courier New" panose="02070309020205020404" pitchFamily="49" charset="0"/>
-              </a:rPr>
-              <a:t>&lt;</a:t>
-            </a:r>
-            <a:r>
-              <a:rPr lang="en-US" sz="2000" dirty="0" err="1" smtClean="0">
-                <a:solidFill>
-                  <a:srgbClr val="A31515"/>
-                </a:solidFill>
-                <a:latin typeface="Courier New" panose="02070309020205020404" pitchFamily="49" charset="0"/>
-                <a:cs typeface="Courier New" panose="02070309020205020404" pitchFamily="49" charset="0"/>
-              </a:rPr>
-              <a:t>xs:schema</a:t>
-            </a:r>
-            <a:r>
-              <a:rPr lang="ru-RU" sz="2000" dirty="0" smtClean="0">
-                <a:solidFill>
-                  <a:srgbClr val="A31515"/>
-                </a:solidFill>
-                <a:latin typeface="Courier New" panose="02070309020205020404" pitchFamily="49" charset="0"/>
-                <a:cs typeface="Courier New" panose="02070309020205020404" pitchFamily="49" charset="0"/>
-              </a:rPr>
-              <a:t/>
-            </a:r>
-            <a:br>
-              <a:rPr lang="ru-RU" sz="2000" dirty="0" smtClean="0">
-                <a:solidFill>
-                  <a:srgbClr val="A31515"/>
-                </a:solidFill>
-                <a:latin typeface="Courier New" panose="02070309020205020404" pitchFamily="49" charset="0"/>
-                <a:cs typeface="Courier New" panose="02070309020205020404" pitchFamily="49" charset="0"/>
-              </a:rPr>
-            </a:br>
-            <a:r>
-              <a:rPr lang="en-US" sz="2000" dirty="0" smtClean="0">
-                <a:solidFill>
-                  <a:srgbClr val="A31515"/>
-                </a:solidFill>
-                <a:latin typeface="Courier New" panose="02070309020205020404" pitchFamily="49" charset="0"/>
-                <a:cs typeface="Courier New" panose="02070309020205020404" pitchFamily="49" charset="0"/>
-              </a:rPr>
-              <a:t>    </a:t>
-            </a:r>
-            <a:r>
-              <a:rPr lang="en-US" sz="2000" dirty="0" err="1" smtClean="0">
-                <a:solidFill>
-                  <a:srgbClr val="FF0000"/>
-                </a:solidFill>
-                <a:latin typeface="Courier New" panose="02070309020205020404" pitchFamily="49" charset="0"/>
-                <a:cs typeface="Courier New" panose="02070309020205020404" pitchFamily="49" charset="0"/>
-              </a:rPr>
-              <a:t>xmlns</a:t>
-            </a:r>
-            <a:r>
-              <a:rPr lang="en-US" sz="2000" dirty="0" smtClean="0">
-                <a:solidFill>
-                  <a:srgbClr val="0000FF"/>
-                </a:solidFill>
-                <a:latin typeface="Courier New" panose="02070309020205020404" pitchFamily="49" charset="0"/>
-                <a:cs typeface="Courier New" panose="02070309020205020404" pitchFamily="49" charset="0"/>
-              </a:rPr>
-              <a:t>="http</a:t>
-            </a:r>
-            <a:r>
-              <a:rPr lang="en-US" sz="2000" dirty="0">
-                <a:solidFill>
-                  <a:srgbClr val="0000FF"/>
-                </a:solidFill>
-                <a:latin typeface="Courier New" panose="02070309020205020404" pitchFamily="49" charset="0"/>
-                <a:cs typeface="Courier New" panose="02070309020205020404" pitchFamily="49" charset="0"/>
-              </a:rPr>
-              <a:t>://</a:t>
-            </a:r>
-            <a:r>
-              <a:rPr lang="en-US" sz="2000" dirty="0" smtClean="0">
-                <a:solidFill>
-                  <a:srgbClr val="0000FF"/>
-                </a:solidFill>
-                <a:latin typeface="Courier New" panose="02070309020205020404" pitchFamily="49" charset="0"/>
-                <a:cs typeface="Courier New" panose="02070309020205020404" pitchFamily="49" charset="0"/>
-              </a:rPr>
-              <a:t>tc.belhard.com/2012/Customers"</a:t>
-            </a:r>
-            <a:br>
-              <a:rPr lang="en-US" sz="2000" dirty="0" smtClean="0">
-                <a:solidFill>
-                  <a:srgbClr val="0000FF"/>
-                </a:solidFill>
-                <a:latin typeface="Courier New" panose="02070309020205020404" pitchFamily="49" charset="0"/>
-                <a:cs typeface="Courier New" panose="02070309020205020404" pitchFamily="49" charset="0"/>
-              </a:rPr>
-            </a:br>
-            <a:r>
-              <a:rPr lang="en-US" sz="2000" dirty="0" smtClean="0">
-                <a:solidFill>
-                  <a:srgbClr val="0000FF"/>
-                </a:solidFill>
-                <a:latin typeface="Courier New" panose="02070309020205020404" pitchFamily="49" charset="0"/>
-                <a:cs typeface="Courier New" panose="02070309020205020404" pitchFamily="49" charset="0"/>
-              </a:rPr>
-              <a:t>    </a:t>
-            </a:r>
-            <a:r>
-              <a:rPr lang="en-US" sz="2000" dirty="0" err="1" smtClean="0">
-                <a:solidFill>
-                  <a:srgbClr val="FF0000"/>
-                </a:solidFill>
-                <a:latin typeface="Courier New" panose="02070309020205020404" pitchFamily="49" charset="0"/>
-                <a:cs typeface="Courier New" panose="02070309020205020404" pitchFamily="49" charset="0"/>
-              </a:rPr>
-              <a:t>xmlns:xs</a:t>
-            </a:r>
-            <a:r>
-              <a:rPr lang="en-US" sz="2000" dirty="0" smtClean="0">
-                <a:solidFill>
-                  <a:srgbClr val="0000FF"/>
-                </a:solidFill>
-                <a:latin typeface="Courier New" panose="02070309020205020404" pitchFamily="49" charset="0"/>
-                <a:cs typeface="Courier New" panose="02070309020205020404" pitchFamily="49" charset="0"/>
-              </a:rPr>
-              <a:t>="http://www.w3.org/2001/XMLSchema"</a:t>
-            </a:r>
-            <a:br>
-              <a:rPr lang="en-US" sz="2000" dirty="0" smtClean="0">
-                <a:solidFill>
-                  <a:srgbClr val="0000FF"/>
-                </a:solidFill>
-                <a:latin typeface="Courier New" panose="02070309020205020404" pitchFamily="49" charset="0"/>
-                <a:cs typeface="Courier New" panose="02070309020205020404" pitchFamily="49" charset="0"/>
-              </a:rPr>
-            </a:br>
-            <a:r>
-              <a:rPr lang="en-US" sz="2000" dirty="0" smtClean="0">
-                <a:solidFill>
-                  <a:srgbClr val="0000FF"/>
-                </a:solidFill>
-                <a:latin typeface="Courier New" panose="02070309020205020404" pitchFamily="49" charset="0"/>
-                <a:cs typeface="Courier New" panose="02070309020205020404" pitchFamily="49" charset="0"/>
-              </a:rPr>
-              <a:t>&gt;</a:t>
-            </a:r>
-            <a:endParaRPr lang="en-US" sz="2000" dirty="0" smtClean="0">
-              <a:latin typeface="Courier New" panose="02070309020205020404" pitchFamily="49" charset="0"/>
-              <a:cs typeface="Courier New" panose="02070309020205020404" pitchFamily="49" charset="0"/>
-            </a:endParaRPr>
-          </a:p>
-        </p:txBody>
-      </p:sp>
-    </p:spTree>
-    <p:extLst>
-      <p:ext uri="{BB962C8B-B14F-4D97-AF65-F5344CB8AC3E}">
-        <p14:creationId xmlns:p14="http://schemas.microsoft.com/office/powerpoint/2010/main" val="2882516147"/>
       </p:ext>
     </p:extLst>
   </p:cSld>
@@ -4904,8 +4643,8 @@
           <a:lstStyle/>
           <a:p>
             <a:r>
-              <a:rPr lang="ru-RU" dirty="0" smtClean="0"/>
-              <a:t>Комментарии</a:t>
+              <a:rPr lang="ru-RU" dirty="0"/>
+              <a:t>Пространства имён</a:t>
             </a:r>
             <a:endParaRPr lang="en-US" dirty="0"/>
           </a:p>
@@ -4921,50 +4660,283 @@
             <p:ph idx="1"/>
           </p:nvPr>
         </p:nvSpPr>
-        <p:spPr/>
+        <p:spPr>
+          <a:xfrm>
+            <a:off x="457200" y="1412776"/>
+            <a:ext cx="8229600" cy="3600400"/>
+          </a:xfrm>
+        </p:spPr>
         <p:txBody>
-          <a:bodyPr/>
+          <a:bodyPr>
+            <a:normAutofit/>
+          </a:bodyPr>
           <a:lstStyle/>
           <a:p>
-            <a:r>
-              <a:rPr lang="ru-RU" dirty="0" smtClean="0"/>
-              <a:t>&lt;!-- текст комментария --&gt;</a:t>
-            </a:r>
-            <a:endParaRPr lang="ru-RU" dirty="0"/>
-          </a:p>
-          <a:p>
-            <a:r>
-              <a:rPr lang="ru-RU" dirty="0"/>
-              <a:t>В тексте </a:t>
-            </a:r>
-            <a:r>
-              <a:rPr lang="ru-RU" dirty="0" smtClean="0"/>
-              <a:t>комментария </a:t>
-            </a:r>
-            <a:r>
-              <a:rPr lang="ru-RU" dirty="0"/>
-              <a:t>не должна </a:t>
-            </a:r>
-            <a:r>
-              <a:rPr lang="ru-RU" dirty="0" smtClean="0"/>
-              <a:t>встречаться </a:t>
-            </a:r>
-            <a:r>
-              <a:rPr lang="ru-RU" dirty="0"/>
-              <a:t>последовательность из двух знаков </a:t>
-            </a:r>
-            <a:r>
-              <a:rPr lang="ru-RU" dirty="0" smtClean="0"/>
-              <a:t>дефиса.</a:t>
-            </a:r>
-            <a:endParaRPr lang="en-US" dirty="0"/>
+            <a:pPr marL="0" indent="0">
+              <a:buNone/>
+            </a:pPr>
+            <a:r>
+              <a:rPr lang="ru-RU" sz="2400" dirty="0" smtClean="0">
+                <a:solidFill>
+                  <a:schemeClr val="bg1"/>
+                </a:solidFill>
+              </a:rPr>
+              <a:t>Любой </a:t>
+            </a:r>
+            <a:r>
+              <a:rPr lang="ru-RU" sz="2400" dirty="0">
+                <a:solidFill>
+                  <a:schemeClr val="bg1"/>
+                </a:solidFill>
+              </a:rPr>
+              <a:t>XML-элемент может содержать специальный атрибут xmlns, указывающий на пространство </a:t>
+            </a:r>
+            <a:r>
+              <a:rPr lang="ru-RU" sz="2400" dirty="0" smtClean="0">
+                <a:solidFill>
+                  <a:schemeClr val="bg1"/>
+                </a:solidFill>
+              </a:rPr>
+              <a:t>имен </a:t>
+            </a:r>
+            <a:r>
+              <a:rPr lang="ru-RU" sz="2400" dirty="0">
+                <a:solidFill>
+                  <a:schemeClr val="bg1"/>
+                </a:solidFill>
+              </a:rPr>
+              <a:t>элемента. Назначение пространств имён </a:t>
+            </a:r>
+            <a:r>
+              <a:rPr lang="ru-RU" sz="2400" dirty="0" smtClean="0">
+                <a:solidFill>
+                  <a:schemeClr val="bg1"/>
+                </a:solidFill>
+              </a:rPr>
+              <a:t>дать возможность разрешать конфликты для элементов</a:t>
+            </a:r>
+            <a:r>
+              <a:rPr lang="en-US" sz="2400" dirty="0" smtClean="0">
+                <a:solidFill>
+                  <a:schemeClr val="bg1"/>
+                </a:solidFill>
+              </a:rPr>
+              <a:t> </a:t>
+            </a:r>
+            <a:r>
+              <a:rPr lang="ru-RU" sz="2400" dirty="0" smtClean="0">
+                <a:solidFill>
+                  <a:schemeClr val="bg1"/>
+                </a:solidFill>
+              </a:rPr>
+              <a:t>с одинаковым названием, но разным предназначением. Пространства имен могут объявляться с префиксом или без него. Пространство имен без </a:t>
+            </a:r>
+            <a:r>
+              <a:rPr lang="ru-RU" sz="2400" dirty="0">
+                <a:solidFill>
+                  <a:schemeClr val="bg1"/>
+                </a:solidFill>
+              </a:rPr>
+              <a:t>префикса называется </a:t>
+            </a:r>
+            <a:r>
+              <a:rPr lang="ru-RU" sz="2400" dirty="0" smtClean="0">
+                <a:solidFill>
+                  <a:schemeClr val="bg1"/>
+                </a:solidFill>
+              </a:rPr>
+              <a:t>«пространством имен по умолчанию» и может быть только одним в рамках документа.</a:t>
+            </a:r>
+            <a:endParaRPr lang="en-US" sz="2400" dirty="0">
+              <a:solidFill>
+                <a:schemeClr val="bg1"/>
+              </a:solidFill>
+            </a:endParaRPr>
+          </a:p>
+        </p:txBody>
+      </p:sp>
+      <p:sp>
+        <p:nvSpPr>
+          <p:cNvPr id="4" name="TextBox 3"/>
+          <p:cNvSpPr txBox="1"/>
+          <p:nvPr/>
+        </p:nvSpPr>
+        <p:spPr>
+          <a:xfrm>
+            <a:off x="459855" y="5057889"/>
+            <a:ext cx="8288609" cy="1323439"/>
+          </a:xfrm>
+          <a:prstGeom prst="rect">
+            <a:avLst/>
+          </a:prstGeom>
+          <a:solidFill>
+            <a:schemeClr val="bg1"/>
+          </a:solidFill>
+        </p:spPr>
+        <p:txBody>
+          <a:bodyPr wrap="square" rtlCol="0">
+            <a:spAutoFit/>
+          </a:bodyPr>
+          <a:lstStyle/>
+          <a:p>
+            <a:r>
+              <a:rPr lang="en-US" sz="2000" dirty="0">
+                <a:solidFill>
+                  <a:srgbClr val="0000FF"/>
+                </a:solidFill>
+                <a:latin typeface="Courier New" panose="02070309020205020404" pitchFamily="49" charset="0"/>
+                <a:cs typeface="Courier New" panose="02070309020205020404" pitchFamily="49" charset="0"/>
+              </a:rPr>
+              <a:t>&lt;</a:t>
+            </a:r>
+            <a:r>
+              <a:rPr lang="en-US" sz="2000" dirty="0" err="1" smtClean="0">
+                <a:solidFill>
+                  <a:srgbClr val="A31515"/>
+                </a:solidFill>
+                <a:latin typeface="Courier New" panose="02070309020205020404" pitchFamily="49" charset="0"/>
+                <a:cs typeface="Courier New" panose="02070309020205020404" pitchFamily="49" charset="0"/>
+              </a:rPr>
+              <a:t>xs:schema</a:t>
+            </a:r>
+            <a:r>
+              <a:rPr lang="ru-RU" sz="2000" dirty="0" smtClean="0">
+                <a:solidFill>
+                  <a:srgbClr val="A31515"/>
+                </a:solidFill>
+                <a:latin typeface="Courier New" panose="02070309020205020404" pitchFamily="49" charset="0"/>
+                <a:cs typeface="Courier New" panose="02070309020205020404" pitchFamily="49" charset="0"/>
+              </a:rPr>
+              <a:t/>
+            </a:r>
+            <a:br>
+              <a:rPr lang="ru-RU" sz="2000" dirty="0" smtClean="0">
+                <a:solidFill>
+                  <a:srgbClr val="A31515"/>
+                </a:solidFill>
+                <a:latin typeface="Courier New" panose="02070309020205020404" pitchFamily="49" charset="0"/>
+                <a:cs typeface="Courier New" panose="02070309020205020404" pitchFamily="49" charset="0"/>
+              </a:rPr>
+            </a:br>
+            <a:r>
+              <a:rPr lang="en-US" sz="2000" dirty="0" smtClean="0">
+                <a:solidFill>
+                  <a:srgbClr val="A31515"/>
+                </a:solidFill>
+                <a:latin typeface="Courier New" panose="02070309020205020404" pitchFamily="49" charset="0"/>
+                <a:cs typeface="Courier New" panose="02070309020205020404" pitchFamily="49" charset="0"/>
+              </a:rPr>
+              <a:t>    </a:t>
+            </a:r>
+            <a:r>
+              <a:rPr lang="en-US" sz="2000" dirty="0" err="1" smtClean="0">
+                <a:solidFill>
+                  <a:srgbClr val="FF0000"/>
+                </a:solidFill>
+                <a:latin typeface="Courier New" panose="02070309020205020404" pitchFamily="49" charset="0"/>
+                <a:cs typeface="Courier New" panose="02070309020205020404" pitchFamily="49" charset="0"/>
+              </a:rPr>
+              <a:t>xmlns</a:t>
+            </a:r>
+            <a:r>
+              <a:rPr lang="en-US" sz="2000" dirty="0" smtClean="0">
+                <a:solidFill>
+                  <a:srgbClr val="0000FF"/>
+                </a:solidFill>
+                <a:latin typeface="Courier New" panose="02070309020205020404" pitchFamily="49" charset="0"/>
+                <a:cs typeface="Courier New" panose="02070309020205020404" pitchFamily="49" charset="0"/>
+              </a:rPr>
+              <a:t>="http</a:t>
+            </a:r>
+            <a:r>
+              <a:rPr lang="en-US" sz="2000" dirty="0">
+                <a:solidFill>
+                  <a:srgbClr val="0000FF"/>
+                </a:solidFill>
+                <a:latin typeface="Courier New" panose="02070309020205020404" pitchFamily="49" charset="0"/>
+                <a:cs typeface="Courier New" panose="02070309020205020404" pitchFamily="49" charset="0"/>
+              </a:rPr>
+              <a:t>://</a:t>
+            </a:r>
+            <a:r>
+              <a:rPr lang="en-US" sz="2000" dirty="0" smtClean="0">
+                <a:solidFill>
+                  <a:srgbClr val="0000FF"/>
+                </a:solidFill>
+                <a:latin typeface="Courier New" panose="02070309020205020404" pitchFamily="49" charset="0"/>
+                <a:cs typeface="Courier New" panose="02070309020205020404" pitchFamily="49" charset="0"/>
+              </a:rPr>
+              <a:t>tc.belhard.com/2012/Customers"</a:t>
+            </a:r>
+            <a:br>
+              <a:rPr lang="en-US" sz="2000" dirty="0" smtClean="0">
+                <a:solidFill>
+                  <a:srgbClr val="0000FF"/>
+                </a:solidFill>
+                <a:latin typeface="Courier New" panose="02070309020205020404" pitchFamily="49" charset="0"/>
+                <a:cs typeface="Courier New" panose="02070309020205020404" pitchFamily="49" charset="0"/>
+              </a:rPr>
+            </a:br>
+            <a:r>
+              <a:rPr lang="en-US" sz="2000" dirty="0" smtClean="0">
+                <a:solidFill>
+                  <a:srgbClr val="0000FF"/>
+                </a:solidFill>
+                <a:latin typeface="Courier New" panose="02070309020205020404" pitchFamily="49" charset="0"/>
+                <a:cs typeface="Courier New" panose="02070309020205020404" pitchFamily="49" charset="0"/>
+              </a:rPr>
+              <a:t>    </a:t>
+            </a:r>
+            <a:r>
+              <a:rPr lang="en-US" sz="2000" dirty="0" err="1" smtClean="0">
+                <a:solidFill>
+                  <a:srgbClr val="FF0000"/>
+                </a:solidFill>
+                <a:latin typeface="Courier New" panose="02070309020205020404" pitchFamily="49" charset="0"/>
+                <a:cs typeface="Courier New" panose="02070309020205020404" pitchFamily="49" charset="0"/>
+              </a:rPr>
+              <a:t>xmlns:xs</a:t>
+            </a:r>
+            <a:r>
+              <a:rPr lang="en-US" sz="2000" dirty="0" smtClean="0">
+                <a:solidFill>
+                  <a:srgbClr val="0000FF"/>
+                </a:solidFill>
+                <a:latin typeface="Courier New" panose="02070309020205020404" pitchFamily="49" charset="0"/>
+                <a:cs typeface="Courier New" panose="02070309020205020404" pitchFamily="49" charset="0"/>
+              </a:rPr>
+              <a:t>="http://www.w3.org/2001/XMLSchema"</a:t>
+            </a:r>
+            <a:br>
+              <a:rPr lang="en-US" sz="2000" dirty="0" smtClean="0">
+                <a:solidFill>
+                  <a:srgbClr val="0000FF"/>
+                </a:solidFill>
+                <a:latin typeface="Courier New" panose="02070309020205020404" pitchFamily="49" charset="0"/>
+                <a:cs typeface="Courier New" panose="02070309020205020404" pitchFamily="49" charset="0"/>
+              </a:rPr>
+            </a:br>
+            <a:r>
+              <a:rPr lang="en-US" sz="2000" dirty="0" smtClean="0">
+                <a:solidFill>
+                  <a:srgbClr val="0000FF"/>
+                </a:solidFill>
+                <a:latin typeface="Courier New" panose="02070309020205020404" pitchFamily="49" charset="0"/>
+                <a:cs typeface="Courier New" panose="02070309020205020404" pitchFamily="49" charset="0"/>
+              </a:rPr>
+              <a:t>&gt;</a:t>
+            </a:r>
+            <a:endParaRPr lang="en-US" sz="2000" dirty="0" smtClean="0">
+              <a:latin typeface="Courier New" panose="02070309020205020404" pitchFamily="49" charset="0"/>
+              <a:cs typeface="Courier New" panose="02070309020205020404" pitchFamily="49" charset="0"/>
+            </a:endParaRPr>
           </a:p>
         </p:txBody>
       </p:sp>
     </p:spTree>
     <p:extLst>
       <p:ext uri="{BB962C8B-B14F-4D97-AF65-F5344CB8AC3E}">
-        <p14:creationId xmlns:p14="http://schemas.microsoft.com/office/powerpoint/2010/main" val="3539397244"/>
+        <p14:creationId xmlns:p14="http://schemas.microsoft.com/office/powerpoint/2010/main" val="2882516147"/>
       </p:ext>
     </p:extLst>
   </p:cSld>
@@ -5010,18 +4982,12 @@
         </p:nvSpPr>
         <p:spPr/>
         <p:txBody>
-          <a:bodyPr>
-            <a:normAutofit fontScale="90000"/>
-          </a:bodyPr>
+          <a:bodyPr/>
           <a:lstStyle/>
           <a:p>
             <a:r>
               <a:rPr lang="ru-RU" dirty="0" smtClean="0"/>
-              <a:t>Инструкции </a:t>
-            </a:r>
-            <a:r>
-              <a:rPr lang="en-US" dirty="0" smtClean="0"/>
-              <a:t>(processing instructions)</a:t>
+              <a:t>Комментарии</a:t>
             </a:r>
             <a:endParaRPr lang="en-US" dirty="0"/>
           </a:p>
@@ -5043,105 +5009,36 @@
           <a:lstStyle/>
           <a:p>
             <a:r>
-              <a:rPr lang="en-US" dirty="0" smtClean="0"/>
-              <a:t>&lt;?</a:t>
-            </a:r>
-            <a:r>
               <a:rPr lang="ru-RU" dirty="0" smtClean="0"/>
-              <a:t>имя_инструкции </a:t>
-            </a:r>
-            <a:r>
-              <a:rPr lang="en-US" dirty="0" smtClean="0"/>
-              <a:t>[</a:t>
+              <a:t>&lt;!-- текст комментария --&gt;</a:t>
+            </a:r>
+            <a:endParaRPr lang="ru-RU" dirty="0"/>
+          </a:p>
+          <a:p>
+            <a:r>
+              <a:rPr lang="ru-RU" dirty="0"/>
+              <a:t>В тексте </a:t>
             </a:r>
             <a:r>
               <a:rPr lang="ru-RU" dirty="0" smtClean="0"/>
-              <a:t>атрибуты</a:t>
-            </a:r>
-            <a:r>
-              <a:rPr lang="en-US" dirty="0" smtClean="0"/>
-              <a:t>]?&gt;</a:t>
-            </a:r>
-          </a:p>
-          <a:p>
-            <a:r>
-              <a:rPr lang="en-US" dirty="0" smtClean="0"/>
-              <a:t>XML </a:t>
+              <a:t>комментария </a:t>
+            </a:r>
+            <a:r>
+              <a:rPr lang="ru-RU" dirty="0"/>
+              <a:t>не должна </a:t>
             </a:r>
             <a:r>
               <a:rPr lang="ru-RU" dirty="0" smtClean="0"/>
-              <a:t>пролог </a:t>
-            </a:r>
-            <a:r>
-              <a:rPr lang="en-US" dirty="0" smtClean="0"/>
-              <a:t>(prolog)</a:t>
-            </a:r>
-          </a:p>
-          <a:p>
-            <a:pPr lvl="1"/>
-            <a:r>
-              <a:rPr lang="en-US" dirty="0"/>
-              <a:t>&lt;?xml version=”1.0” ?&gt; (utf-8 </a:t>
+              <a:t>встречаться </a:t>
             </a:r>
             <a:r>
               <a:rPr lang="ru-RU" dirty="0"/>
-              <a:t>по умолчанию)</a:t>
-            </a:r>
-          </a:p>
-          <a:p>
-            <a:pPr lvl="1"/>
-            <a:r>
-              <a:rPr lang="ru-RU" dirty="0"/>
-              <a:t>&lt;?</a:t>
-            </a:r>
-            <a:r>
-              <a:rPr lang="en-US" dirty="0"/>
-              <a:t>xml version=”1.0” encoding=”windows-1251</a:t>
-            </a:r>
-            <a:r>
-              <a:rPr lang="en-US" dirty="0" smtClean="0"/>
-              <a:t>”?&gt;</a:t>
-            </a:r>
-          </a:p>
-          <a:p>
+              <a:t>последовательность из двух знаков </a:t>
+            </a:r>
             <a:r>
               <a:rPr lang="ru-RU" dirty="0" smtClean="0"/>
-              <a:t>Стандартные инструкции</a:t>
-            </a:r>
-          </a:p>
-          <a:p>
-            <a:pPr lvl="1"/>
-            <a:r>
-              <a:rPr lang="en-US" dirty="0"/>
-              <a:t>&lt;?xml-</a:t>
-            </a:r>
-            <a:r>
-              <a:rPr lang="en-US" dirty="0" err="1"/>
-              <a:t>stylesheet</a:t>
-            </a:r>
-            <a:r>
-              <a:rPr lang="en-US" dirty="0"/>
-              <a:t> type="text/</a:t>
-            </a:r>
-            <a:r>
-              <a:rPr lang="en-US" dirty="0" err="1"/>
-              <a:t>xsl</a:t>
-            </a:r>
-            <a:r>
-              <a:rPr lang="en-US" dirty="0"/>
-              <a:t>" </a:t>
-            </a:r>
-            <a:r>
-              <a:rPr lang="en-US" dirty="0" err="1"/>
-              <a:t>href</a:t>
-            </a:r>
-            <a:r>
-              <a:rPr lang="en-US" dirty="0" smtClean="0"/>
-              <a:t>=“URL"?&gt;</a:t>
-            </a:r>
-          </a:p>
-          <a:p>
-            <a:pPr lvl="1"/>
+              <a:t>дефиса.</a:t>
+            </a:r>
             <a:endParaRPr lang="en-US" dirty="0"/>
           </a:p>
         </p:txBody>
@@ -5149,7 +5046,7 @@
     </p:spTree>
     <p:extLst>
       <p:ext uri="{BB962C8B-B14F-4D97-AF65-F5344CB8AC3E}">
-        <p14:creationId xmlns:p14="http://schemas.microsoft.com/office/powerpoint/2010/main" val="2306408505"/>
+        <p14:creationId xmlns:p14="http://schemas.microsoft.com/office/powerpoint/2010/main" val="3539397244"/>
       </p:ext>
     </p:extLst>
   </p:cSld>
@@ -5195,16 +5092,18 @@
         </p:nvSpPr>
         <p:spPr/>
         <p:txBody>
-          <a:bodyPr/>
+          <a:bodyPr>
+            <a:normAutofit fontScale="90000"/>
+          </a:bodyPr>
           <a:lstStyle/>
           <a:p>
             <a:r>
               <a:rPr lang="ru-RU" dirty="0" smtClean="0"/>
-              <a:t>Секции</a:t>
+              <a:t>Инструкции </a:t>
             </a:r>
             <a:r>
               <a:rPr lang="en-US" dirty="0" smtClean="0"/>
-              <a:t> CDATA</a:t>
+              <a:t>(processing instructions)</a:t>
             </a:r>
             <a:endParaRPr lang="en-US" dirty="0"/>
           </a:p>
@@ -5222,87 +5121,109 @@
         </p:nvSpPr>
         <p:spPr/>
         <p:txBody>
-          <a:bodyPr>
-            <a:normAutofit fontScale="92500"/>
-          </a:bodyPr>
+          <a:bodyPr/>
           <a:lstStyle/>
           <a:p>
             <a:r>
+              <a:rPr lang="en-US" dirty="0" smtClean="0"/>
+              <a:t>&lt;?</a:t>
+            </a:r>
+            <a:r>
+              <a:rPr lang="ru-RU" dirty="0" smtClean="0"/>
+              <a:t>имя_инструкции </a:t>
+            </a:r>
+            <a:r>
+              <a:rPr lang="en-US" dirty="0" smtClean="0"/>
+              <a:t>[</a:t>
+            </a:r>
+            <a:r>
+              <a:rPr lang="ru-RU" dirty="0" smtClean="0"/>
+              <a:t>атрибуты</a:t>
+            </a:r>
+            <a:r>
+              <a:rPr lang="en-US" dirty="0" smtClean="0"/>
+              <a:t>]?&gt;</a:t>
+            </a:r>
+          </a:p>
+          <a:p>
+            <a:r>
+              <a:rPr lang="en-US" dirty="0" smtClean="0"/>
+              <a:t>XML </a:t>
+            </a:r>
+            <a:r>
+              <a:rPr lang="ru-RU" dirty="0" smtClean="0"/>
+              <a:t>пролог </a:t>
+            </a:r>
+            <a:r>
+              <a:rPr lang="en-US" dirty="0" smtClean="0"/>
+              <a:t>(prolog)</a:t>
+            </a:r>
+          </a:p>
+          <a:p>
+            <a:pPr lvl="1"/>
+            <a:r>
+              <a:rPr lang="en-US" dirty="0"/>
+              <a:t>&lt;?xml version=”1.0” ?&gt; (utf-8 </a:t>
+            </a:r>
+            <a:r>
               <a:rPr lang="ru-RU" dirty="0"/>
-              <a:t>Секция CDATA используется для того, чтобы обозначить части документа, которые не должны восприниматься как </a:t>
-            </a:r>
+              <a:t>по умолчанию)</a:t>
+            </a:r>
+          </a:p>
+          <a:p>
+            <a:pPr lvl="1"/>
+            <a:r>
+              <a:rPr lang="ru-RU" dirty="0"/>
+              <a:t>&lt;?</a:t>
+            </a:r>
+            <a:r>
+              <a:rPr lang="en-US" dirty="0"/>
+              <a:t>xml version=”1.0” encoding=”windows-1251</a:t>
+            </a:r>
+            <a:r>
+              <a:rPr lang="en-US" dirty="0" smtClean="0"/>
+              <a:t>”?&gt;</a:t>
+            </a:r>
+          </a:p>
+          <a:p>
             <a:r>
               <a:rPr lang="ru-RU" dirty="0" smtClean="0"/>
-              <a:t>разметка.</a:t>
-            </a:r>
-            <a:endParaRPr lang="en-US" dirty="0" smtClean="0"/>
-          </a:p>
-          <a:p>
-            <a:r>
-              <a:rPr lang="ru-RU" dirty="0" smtClean="0"/>
-              <a:t>Секция </a:t>
-            </a:r>
-            <a:r>
-              <a:rPr lang="ru-RU" dirty="0"/>
-              <a:t>CDATA начинается со строки &lt;![CDATA[ и заканчивается строкой ]]&gt;. Внутри самой секции не должна присутствовать строка </a:t>
-            </a:r>
-            <a:r>
-              <a:rPr lang="ru-RU" dirty="0" smtClean="0"/>
-              <a:t>]]&gt;.</a:t>
-            </a:r>
-            <a:endParaRPr lang="en-US" dirty="0" smtClean="0"/>
-          </a:p>
-          <a:p>
-            <a:r>
-              <a:rPr lang="ru-RU" dirty="0" smtClean="0"/>
-              <a:t>&lt;</a:t>
-            </a:r>
-            <a:r>
-              <a:rPr lang="ru-RU" dirty="0"/>
-              <a:t>example</a:t>
-            </a:r>
-            <a:r>
-              <a:rPr lang="ru-RU" dirty="0" smtClean="0"/>
-              <a:t>&gt;</a:t>
+              <a:t>Стандартные инструкции</a:t>
+            </a:r>
+          </a:p>
+          <a:p>
+            <a:pPr lvl="1"/>
+            <a:r>
+              <a:rPr lang="en-US" dirty="0"/>
+              <a:t>&lt;?xml-</a:t>
+            </a:r>
+            <a:r>
+              <a:rPr lang="en-US" dirty="0" err="1"/>
+              <a:t>stylesheet</a:t>
+            </a:r>
+            <a:r>
+              <a:rPr lang="en-US" dirty="0"/>
+              <a:t> type="text/</a:t>
+            </a:r>
+            <a:r>
+              <a:rPr lang="en-US" dirty="0" err="1"/>
+              <a:t>xsl</a:t>
+            </a:r>
+            <a:r>
+              <a:rPr lang="en-US" dirty="0"/>
+              <a:t>" </a:t>
+            </a:r>
+            <a:r>
+              <a:rPr lang="en-US" dirty="0" err="1"/>
+              <a:t>href</a:t>
             </a:r>
             <a:r>
               <a:rPr lang="en-US" dirty="0" smtClean="0"/>
-              <a:t/>
-            </a:r>
-            <a:br>
-              <a:rPr lang="en-US" dirty="0" smtClean="0"/>
-            </a:br>
-            <a:r>
-              <a:rPr lang="en-US" dirty="0" smtClean="0"/>
-              <a:t>    </a:t>
-            </a:r>
-            <a:r>
-              <a:rPr lang="ru-RU" dirty="0" smtClean="0"/>
-              <a:t>&lt;![</a:t>
-            </a:r>
-            <a:r>
-              <a:rPr lang="ru-RU" dirty="0"/>
-              <a:t>CDATA[ &lt;aaa&gt;bb&amp;cc</a:t>
-            </a:r>
-            <a:r>
-              <a:rPr lang="ru-RU" dirty="0" smtClean="0"/>
-              <a:t>&lt;&lt;&lt;]]&gt;</a:t>
-            </a:r>
-            <a:r>
-              <a:rPr lang="en-US" dirty="0" smtClean="0"/>
-              <a:t/>
-            </a:r>
-            <a:br>
-              <a:rPr lang="en-US" dirty="0" smtClean="0"/>
-            </a:br>
-            <a:r>
-              <a:rPr lang="ru-RU" dirty="0" smtClean="0"/>
-              <a:t>&lt;/</a:t>
-            </a:r>
-            <a:r>
-              <a:rPr lang="ru-RU" dirty="0"/>
-              <a:t>example&gt;</a:t>
-            </a:r>
+              <a:t>=“URL"?&gt;</a:t>
+            </a:r>
+          </a:p>
+          <a:p>
+            <a:pPr lvl="1"/>
             <a:endParaRPr lang="en-US" dirty="0"/>
           </a:p>
         </p:txBody>
@@ -5310,7 +5231,7 @@
     </p:spTree>
     <p:extLst>
       <p:ext uri="{BB962C8B-B14F-4D97-AF65-F5344CB8AC3E}">
-        <p14:creationId xmlns:p14="http://schemas.microsoft.com/office/powerpoint/2010/main" val="374898316"/>
+        <p14:creationId xmlns:p14="http://schemas.microsoft.com/office/powerpoint/2010/main" val="2306408505"/>
       </p:ext>
     </p:extLst>
   </p:cSld>
@@ -5361,7 +5282,11 @@
           <a:p>
             <a:r>
               <a:rPr lang="ru-RU" dirty="0" smtClean="0"/>
-              <a:t>Хранение бинарных данных</a:t>
+              <a:t>Секции</a:t>
+            </a:r>
+            <a:r>
+              <a:rPr lang="en-US" dirty="0" smtClean="0"/>
+              <a:t> CDATA</a:t>
             </a:r>
             <a:endParaRPr lang="en-US" dirty="0"/>
           </a:p>
@@ -5377,434 +5302,97 @@
             <p:ph idx="1"/>
           </p:nvPr>
         </p:nvSpPr>
-        <p:spPr>
-          <a:xfrm>
-            <a:off x="446856" y="1600201"/>
-            <a:ext cx="8229600" cy="4133056"/>
-          </a:xfrm>
-        </p:spPr>
+        <p:spPr/>
         <p:txBody>
           <a:bodyPr>
-            <a:normAutofit lnSpcReduction="10000"/>
+            <a:normAutofit fontScale="92500"/>
           </a:bodyPr>
           <a:lstStyle/>
           <a:p>
-            <a:pPr marL="0" indent="0">
-              <a:buNone/>
-            </a:pPr>
-            <a:r>
-              <a:rPr lang="en-US" sz="2400" dirty="0" smtClean="0"/>
-              <a:t>XML </a:t>
-            </a:r>
-            <a:r>
-              <a:rPr lang="ru-RU" sz="2400" dirty="0" smtClean="0"/>
-              <a:t>является тектовым форматом, поэтому прямое хранение бинарных данных невозможно. Поэтому, по возможности, </a:t>
-            </a:r>
-            <a:r>
-              <a:rPr lang="ru-RU" sz="2400" dirty="0"/>
-              <a:t>избегайте хранить бинарные данные в </a:t>
-            </a:r>
-            <a:r>
-              <a:rPr lang="en-US" sz="2400" dirty="0"/>
-              <a:t>XML. </a:t>
-            </a:r>
-            <a:r>
-              <a:rPr lang="ru-RU" sz="2400" dirty="0" smtClean="0"/>
-              <a:t>Однако можно преобразовать последовательность байтов в текстовое представление и уже его сохранять в </a:t>
-            </a:r>
-            <a:r>
-              <a:rPr lang="en-US" sz="2400" dirty="0" smtClean="0"/>
-              <a:t>XML.</a:t>
-            </a:r>
-            <a:r>
-              <a:rPr lang="ru-RU" sz="2400" dirty="0" smtClean="0"/>
-              <a:t> Хорошим решением будет использование кодировки </a:t>
-            </a:r>
-            <a:r>
-              <a:rPr lang="en-US" sz="2400" dirty="0" smtClean="0"/>
-              <a:t>Base64. </a:t>
-            </a:r>
-            <a:r>
-              <a:rPr lang="ru-RU" sz="2400" dirty="0" smtClean="0"/>
-              <a:t>Накладные расходы при этом составят примерно 37% от объема бинарных данных. Смотрите методы класса </a:t>
-            </a:r>
-            <a:r>
-              <a:rPr lang="en-US" sz="2400" dirty="0" err="1" smtClean="0"/>
-              <a:t>System.Convert</a:t>
-            </a:r>
-            <a:r>
-              <a:rPr lang="en-US" sz="2400" dirty="0" smtClean="0"/>
-              <a:t>:</a:t>
-            </a:r>
-          </a:p>
-          <a:p>
-            <a:r>
-              <a:rPr lang="en-US" sz="2400" dirty="0" smtClean="0"/>
-              <a:t>string ToBase64String(byte[])</a:t>
-            </a:r>
-          </a:p>
-          <a:p>
-            <a:r>
-              <a:rPr lang="en-US" sz="2400" dirty="0" smtClean="0"/>
-              <a:t>byte[] FromBase64String(string)</a:t>
-            </a:r>
-          </a:p>
-          <a:p>
-            <a:pPr marL="0" indent="0">
-              <a:buNone/>
-            </a:pPr>
-            <a:endParaRPr lang="en-US" sz="2400" dirty="0"/>
-          </a:p>
-        </p:txBody>
-      </p:sp>
-      <p:sp>
-        <p:nvSpPr>
-          <p:cNvPr id="6" name="Content Placeholder 2"/>
-          <p:cNvSpPr txBox="1">
-            <a:spLocks/>
-          </p:cNvSpPr>
-          <p:nvPr/>
-        </p:nvSpPr>
-        <p:spPr>
-          <a:xfrm>
-            <a:off x="446856" y="5733256"/>
-            <a:ext cx="8229600" cy="864096"/>
-          </a:xfrm>
-          <a:prstGeom prst="rect">
-            <a:avLst/>
-          </a:prstGeom>
-          <a:solidFill>
-            <a:schemeClr val="bg1"/>
-          </a:solidFill>
-        </p:spPr>
-        <p:txBody>
-          <a:bodyPr vert="horz" lIns="91440" tIns="45720" rIns="91440" bIns="45720" rtlCol="0">
-            <a:normAutofit fontScale="62500" lnSpcReduction="20000"/>
-          </a:bodyPr>
-          <a:lstStyle>
-            <a:lvl1pPr marL="342900" indent="-342900" algn="l" defTabSz="914400" rtl="0" eaLnBrk="1" latinLnBrk="0" hangingPunct="1">
-              <a:spcBef>
-                <a:spcPct val="20000"/>
-              </a:spcBef>
-              <a:buFont typeface="Arial" pitchFamily="34" charset="0"/>
-              <a:buChar char="•"/>
-              <a:defRPr sz="3200" kern="1200">
-                <a:solidFill>
-                  <a:schemeClr val="tx1"/>
-                </a:solidFill>
-                <a:latin typeface="+mn-lt"/>
-                <a:ea typeface="+mn-ea"/>
-                <a:cs typeface="+mn-cs"/>
-              </a:defRPr>
-            </a:lvl1pPr>
-            <a:lvl2pPr marL="742950" indent="-285750" algn="l" defTabSz="914400" rtl="0" eaLnBrk="1" latinLnBrk="0" hangingPunct="1">
-              <a:spcBef>
-                <a:spcPct val="20000"/>
-              </a:spcBef>
-              <a:buFont typeface="Arial" pitchFamily="34" charset="0"/>
-              <a:buChar char="–"/>
-              <a:defRPr sz="2800" kern="1200">
-                <a:solidFill>
-                  <a:schemeClr val="tx1"/>
-                </a:solidFill>
-                <a:latin typeface="+mn-lt"/>
-                <a:ea typeface="+mn-ea"/>
-                <a:cs typeface="+mn-cs"/>
-              </a:defRPr>
-            </a:lvl2pPr>
-            <a:lvl3pPr marL="1143000" indent="-228600" algn="l" defTabSz="914400" rtl="0" eaLnBrk="1" latinLnBrk="0" hangingPunct="1">
-              <a:spcBef>
-                <a:spcPct val="20000"/>
-              </a:spcBef>
-              <a:buFont typeface="Arial" pitchFamily="34" charset="0"/>
-              <a:buChar char="•"/>
-              <a:defRPr sz="2400" kern="1200">
-                <a:solidFill>
-                  <a:schemeClr val="tx1"/>
-                </a:solidFill>
-                <a:latin typeface="+mn-lt"/>
-                <a:ea typeface="+mn-ea"/>
-                <a:cs typeface="+mn-cs"/>
-              </a:defRPr>
-            </a:lvl3pPr>
-            <a:lvl4pPr marL="1600200" indent="-228600" algn="l" defTabSz="914400" rtl="0" eaLnBrk="1" latinLnBrk="0" hangingPunct="1">
-              <a:spcBef>
-                <a:spcPct val="20000"/>
-              </a:spcBef>
-              <a:buFont typeface="Arial" pitchFamily="34" charset="0"/>
-              <a:buChar char="–"/>
-              <a:defRPr sz="2000" kern="1200">
-                <a:solidFill>
-                  <a:schemeClr val="tx1"/>
-                </a:solidFill>
-                <a:latin typeface="+mn-lt"/>
-                <a:ea typeface="+mn-ea"/>
-                <a:cs typeface="+mn-cs"/>
-              </a:defRPr>
-            </a:lvl4pPr>
-            <a:lvl5pPr marL="2057400" indent="-228600" algn="l" defTabSz="914400" rtl="0" eaLnBrk="1" latinLnBrk="0" hangingPunct="1">
-              <a:spcBef>
-                <a:spcPct val="20000"/>
-              </a:spcBef>
-              <a:buFont typeface="Arial" pitchFamily="34" charset="0"/>
-              <a:buChar char="»"/>
-              <a:defRPr sz="2000" kern="1200">
-                <a:solidFill>
-                  <a:schemeClr val="tx1"/>
-                </a:solidFill>
-                <a:latin typeface="+mn-lt"/>
-                <a:ea typeface="+mn-ea"/>
-                <a:cs typeface="+mn-cs"/>
-              </a:defRPr>
-            </a:lvl5pPr>
-            <a:lvl6pPr marL="2514600" indent="-228600" algn="l" defTabSz="914400" rtl="0" eaLnBrk="1" latinLnBrk="0" hangingPunct="1">
-              <a:spcBef>
-                <a:spcPct val="20000"/>
-              </a:spcBef>
-              <a:buFont typeface="Arial" pitchFamily="34" charset="0"/>
-              <a:buChar char="•"/>
-              <a:defRPr sz="2000" kern="1200">
-                <a:solidFill>
-                  <a:schemeClr val="tx1"/>
-                </a:solidFill>
-                <a:latin typeface="+mn-lt"/>
-                <a:ea typeface="+mn-ea"/>
-                <a:cs typeface="+mn-cs"/>
-              </a:defRPr>
-            </a:lvl6pPr>
-            <a:lvl7pPr marL="2971800" indent="-228600" algn="l" defTabSz="914400" rtl="0" eaLnBrk="1" latinLnBrk="0" hangingPunct="1">
-              <a:spcBef>
-                <a:spcPct val="20000"/>
-              </a:spcBef>
-              <a:buFont typeface="Arial" pitchFamily="34" charset="0"/>
-              <a:buChar char="•"/>
-              <a:defRPr sz="2000" kern="1200">
-                <a:solidFill>
-                  <a:schemeClr val="tx1"/>
-                </a:solidFill>
-                <a:latin typeface="+mn-lt"/>
-                <a:ea typeface="+mn-ea"/>
-                <a:cs typeface="+mn-cs"/>
-              </a:defRPr>
-            </a:lvl7pPr>
-            <a:lvl8pPr marL="3429000" indent="-228600" algn="l" defTabSz="914400" rtl="0" eaLnBrk="1" latinLnBrk="0" hangingPunct="1">
-              <a:spcBef>
-                <a:spcPct val="20000"/>
-              </a:spcBef>
-              <a:buFont typeface="Arial" pitchFamily="34" charset="0"/>
-              <a:buChar char="•"/>
-              <a:defRPr sz="2000" kern="1200">
-                <a:solidFill>
-                  <a:schemeClr val="tx1"/>
-                </a:solidFill>
-                <a:latin typeface="+mn-lt"/>
-                <a:ea typeface="+mn-ea"/>
-                <a:cs typeface="+mn-cs"/>
-              </a:defRPr>
-            </a:lvl8pPr>
-            <a:lvl9pPr marL="3886200" indent="-228600" algn="l" defTabSz="914400" rtl="0" eaLnBrk="1" latinLnBrk="0" hangingPunct="1">
-              <a:spcBef>
-                <a:spcPct val="20000"/>
-              </a:spcBef>
-              <a:buFont typeface="Arial" pitchFamily="34" charset="0"/>
-              <a:buChar char="•"/>
-              <a:defRPr sz="2000" kern="1200">
-                <a:solidFill>
-                  <a:schemeClr val="tx1"/>
-                </a:solidFill>
-                <a:latin typeface="+mn-lt"/>
-                <a:ea typeface="+mn-ea"/>
-                <a:cs typeface="+mn-cs"/>
-              </a:defRPr>
-            </a:lvl9pPr>
-          </a:lstStyle>
-          <a:p>
-            <a:pPr marL="0" indent="0">
-              <a:buNone/>
-            </a:pPr>
-            <a:r>
-              <a:rPr lang="en-US" sz="2400" dirty="0">
-                <a:solidFill>
-                  <a:srgbClr val="0000FF"/>
-                </a:solidFill>
-                <a:latin typeface="Consolas"/>
-              </a:rPr>
+            <a:r>
+              <a:rPr lang="ru-RU" dirty="0"/>
+              <a:t>Секция CDATA используется для того, чтобы обозначить части документа, которые не должны восприниматься как </a:t>
+            </a:r>
+            <a:r>
+              <a:rPr lang="ru-RU" dirty="0" smtClean="0"/>
+              <a:t>разметка.</a:t>
+            </a:r>
+            <a:endParaRPr lang="en-US" dirty="0" smtClean="0"/>
+          </a:p>
+          <a:p>
+            <a:r>
+              <a:rPr lang="ru-RU" dirty="0" smtClean="0"/>
+              <a:t>Секция </a:t>
+            </a:r>
+            <a:r>
+              <a:rPr lang="ru-RU" dirty="0"/>
+              <a:t>CDATA начинается со строки &lt;![CDATA[ и заканчивается строкой ]]&gt;. Внутри самой секции не должна присутствовать строка </a:t>
+            </a:r>
+            <a:r>
+              <a:rPr lang="ru-RU" dirty="0" smtClean="0"/>
+              <a:t>]]&gt;.</a:t>
+            </a:r>
+            <a:endParaRPr lang="en-US" dirty="0" smtClean="0"/>
+          </a:p>
+          <a:p>
+            <a:r>
+              <a:rPr lang="ru-RU" dirty="0" smtClean="0"/>
               <a:t>&lt;</a:t>
             </a:r>
             <a:r>
-              <a:rPr lang="en-US" sz="2400" dirty="0">
-                <a:solidFill>
-                  <a:srgbClr val="800000"/>
-                </a:solidFill>
-                <a:latin typeface="Consolas"/>
-              </a:rPr>
-              <a:t>book </a:t>
-            </a:r>
-            <a:r>
-              <a:rPr lang="en-US" sz="2400" dirty="0" err="1">
-                <a:solidFill>
-                  <a:srgbClr val="FF0000"/>
-                </a:solidFill>
-                <a:latin typeface="Consolas"/>
-              </a:rPr>
-              <a:t>isbn</a:t>
-            </a:r>
-            <a:r>
-              <a:rPr lang="en-US" sz="2400" dirty="0">
-                <a:solidFill>
-                  <a:srgbClr val="0000FF"/>
-                </a:solidFill>
-                <a:latin typeface="Consolas"/>
-              </a:rPr>
-              <a:t>="978-5-459-00297-3"&gt;</a:t>
-            </a:r>
-            <a:endParaRPr lang="en-US" sz="2400" dirty="0">
-              <a:solidFill>
-                <a:srgbClr val="000000"/>
-              </a:solidFill>
-              <a:latin typeface="Consolas"/>
-            </a:endParaRPr>
-          </a:p>
-          <a:p>
-            <a:pPr marL="0" indent="0">
-              <a:buNone/>
-            </a:pPr>
-            <a:r>
-              <a:rPr lang="en-US" sz="2400" dirty="0" smtClean="0">
-                <a:solidFill>
-                  <a:srgbClr val="000000"/>
-                </a:solidFill>
-                <a:latin typeface="Consolas"/>
-              </a:rPr>
-              <a:t>  </a:t>
-            </a:r>
-            <a:r>
-              <a:rPr lang="en-US" sz="2400" dirty="0">
-                <a:solidFill>
-                  <a:srgbClr val="0000FF"/>
-                </a:solidFill>
-                <a:latin typeface="Consolas"/>
-              </a:rPr>
-              <a:t>&lt;</a:t>
-            </a:r>
-            <a:r>
-              <a:rPr lang="en-US" sz="2400" dirty="0">
-                <a:solidFill>
-                  <a:srgbClr val="800000"/>
-                </a:solidFill>
-                <a:latin typeface="Consolas"/>
-              </a:rPr>
-              <a:t>cover</a:t>
-            </a:r>
-            <a:r>
-              <a:rPr lang="en-US" sz="2400" dirty="0">
-                <a:solidFill>
-                  <a:srgbClr val="0000FF"/>
-                </a:solidFill>
-                <a:latin typeface="Consolas"/>
-              </a:rPr>
+              <a:rPr lang="ru-RU" dirty="0"/>
+              <a:t>example</a:t>
+            </a:r>
+            <a:r>
+              <a:rPr lang="ru-RU" dirty="0" smtClean="0"/>
               <a:t>&gt;</a:t>
             </a:r>
             <a:r>
-              <a:rPr lang="en-US" sz="2400" dirty="0">
-                <a:solidFill>
-                  <a:srgbClr val="000000"/>
-                </a:solidFill>
-                <a:latin typeface="Consolas"/>
-              </a:rPr>
-              <a:t>/9j/4AAQSkZJRgABAgEAAAAAA...</a:t>
-            </a:r>
-            <a:r>
-              <a:rPr lang="en-US" sz="2400" dirty="0" err="1">
-                <a:solidFill>
-                  <a:srgbClr val="000000"/>
-                </a:solidFill>
-                <a:latin typeface="Consolas"/>
-              </a:rPr>
-              <a:t>PnOgkECAgYgQQICCQIIH</a:t>
-            </a:r>
-            <a:r>
-              <a:rPr lang="en-US" sz="2400" dirty="0">
-                <a:solidFill>
-                  <a:srgbClr val="000000"/>
-                </a:solidFill>
-                <a:latin typeface="Consolas"/>
-              </a:rPr>
-              <a:t>/2Q==</a:t>
-            </a:r>
-            <a:r>
-              <a:rPr lang="en-US" sz="2400" dirty="0">
-                <a:solidFill>
-                  <a:srgbClr val="0000FF"/>
-                </a:solidFill>
-                <a:latin typeface="Consolas"/>
-              </a:rPr>
+              <a:rPr lang="en-US" dirty="0" smtClean="0"/>
+              <a:t/>
+            </a:r>
+            <a:br>
+              <a:rPr lang="en-US" dirty="0" smtClean="0"/>
+            </a:br>
+            <a:r>
+              <a:rPr lang="en-US" dirty="0" smtClean="0"/>
+              <a:t>    </a:t>
+            </a:r>
+            <a:r>
+              <a:rPr lang="ru-RU" dirty="0" smtClean="0"/>
+              <a:t>&lt;![</a:t>
+            </a:r>
+            <a:r>
+              <a:rPr lang="ru-RU" dirty="0"/>
+              <a:t>CDATA[ &lt;aaa&gt;bb&amp;cc</a:t>
+            </a:r>
+            <a:r>
+              <a:rPr lang="ru-RU" dirty="0" smtClean="0"/>
+              <a:t>&lt;&lt;&lt;]]&gt;</a:t>
+            </a:r>
+            <a:r>
+              <a:rPr lang="en-US" dirty="0" smtClean="0"/>
+              <a:t/>
+            </a:r>
+            <a:br>
+              <a:rPr lang="en-US" dirty="0" smtClean="0"/>
+            </a:br>
+            <a:r>
+              <a:rPr lang="ru-RU" dirty="0" smtClean="0"/>
               <a:t>&lt;/</a:t>
             </a:r>
             <a:r>
-              <a:rPr lang="en-US" sz="2400" dirty="0">
-                <a:solidFill>
-                  <a:srgbClr val="800000"/>
-                </a:solidFill>
-                <a:latin typeface="Consolas"/>
-              </a:rPr>
-              <a:t>cover</a:t>
-            </a:r>
-            <a:r>
-              <a:rPr lang="en-US" sz="2400" dirty="0">
-                <a:solidFill>
-                  <a:srgbClr val="0000FF"/>
-                </a:solidFill>
-                <a:latin typeface="Consolas"/>
-              </a:rPr>
-              <a:t>&gt;</a:t>
-            </a:r>
-            <a:endParaRPr lang="en-US" sz="2400" dirty="0">
-              <a:solidFill>
-                <a:srgbClr val="000000"/>
-              </a:solidFill>
-              <a:latin typeface="Consolas"/>
-            </a:endParaRPr>
-          </a:p>
-          <a:p>
-            <a:pPr marL="0" indent="0">
-              <a:buNone/>
-            </a:pPr>
-            <a:r>
-              <a:rPr lang="en-US" sz="2400" dirty="0">
-                <a:solidFill>
-                  <a:srgbClr val="0000FF"/>
-                </a:solidFill>
-                <a:latin typeface="Consolas"/>
-              </a:rPr>
-              <a:t>&lt;/</a:t>
-            </a:r>
-            <a:r>
-              <a:rPr lang="en-US" sz="2400" dirty="0">
-                <a:solidFill>
-                  <a:srgbClr val="800000"/>
-                </a:solidFill>
-                <a:latin typeface="Consolas"/>
-              </a:rPr>
-              <a:t>book</a:t>
-            </a:r>
-            <a:r>
-              <a:rPr lang="en-US" sz="2400" dirty="0">
-                <a:solidFill>
-                  <a:srgbClr val="0000FF"/>
-                </a:solidFill>
-                <a:latin typeface="Consolas"/>
-              </a:rPr>
-              <a:t>&gt;</a:t>
-            </a:r>
-            <a:endParaRPr lang="en-US" sz="2400" dirty="0"/>
+              <a:rPr lang="ru-RU" dirty="0"/>
+              <a:t>example&gt;</a:t>
+            </a:r>
+            <a:endParaRPr lang="en-US" dirty="0"/>
           </a:p>
         </p:txBody>
       </p:sp>
     </p:spTree>
     <p:extLst>
       <p:ext uri="{BB962C8B-B14F-4D97-AF65-F5344CB8AC3E}">
-        <p14:creationId xmlns:p14="http://schemas.microsoft.com/office/powerpoint/2010/main" val="766526891"/>
+        <p14:creationId xmlns:p14="http://schemas.microsoft.com/office/powerpoint/2010/main" val="374898316"/>
       </p:ext>
     </p:extLst>
   </p:cSld>
@@ -5854,8 +5442,8 @@
           <a:lstStyle/>
           <a:p>
             <a:r>
-              <a:rPr lang="ru-RU" dirty="0"/>
-              <a:t>Правила разметки</a:t>
+              <a:rPr lang="ru-RU" dirty="0" smtClean="0"/>
+              <a:t>Хранение бинарных данных</a:t>
             </a:r>
             <a:endParaRPr lang="en-US" dirty="0"/>
           </a:p>
@@ -5871,153 +5459,434 @@
             <p:ph idx="1"/>
           </p:nvPr>
         </p:nvSpPr>
-        <p:spPr/>
+        <p:spPr>
+          <a:xfrm>
+            <a:off x="446856" y="1600201"/>
+            <a:ext cx="8229600" cy="4133056"/>
+          </a:xfrm>
+        </p:spPr>
         <p:txBody>
           <a:bodyPr>
-            <a:normAutofit/>
+            <a:normAutofit lnSpcReduction="10000"/>
           </a:bodyPr>
           <a:lstStyle/>
-          <a:p>
-            <a:pPr lvl="0"/>
-            <a:r>
-              <a:rPr lang="ru-RU" sz="1800" dirty="0"/>
-              <a:t>Все элементы должны быть закрыты</a:t>
-            </a:r>
-            <a:endParaRPr lang="en-US" sz="1800" dirty="0"/>
-          </a:p>
-          <a:p>
-            <a:pPr lvl="0"/>
-            <a:r>
-              <a:rPr lang="ru-RU" sz="1800" dirty="0"/>
-              <a:t>Корневой элемент может быть только один</a:t>
-            </a:r>
-            <a:endParaRPr lang="en-US" sz="1800" dirty="0"/>
-          </a:p>
-          <a:p>
-            <a:pPr lvl="0"/>
-            <a:r>
-              <a:rPr lang="ru-RU" sz="1800" dirty="0"/>
-              <a:t>Регистр имеет значение (&lt;</a:t>
-            </a:r>
-            <a:r>
-              <a:rPr lang="en-US" sz="1800" dirty="0"/>
-              <a:t>book</a:t>
-            </a:r>
-            <a:r>
-              <a:rPr lang="ru-RU" sz="1800" dirty="0"/>
-              <a:t>&gt; != &lt;</a:t>
-            </a:r>
-            <a:r>
-              <a:rPr lang="en-US" sz="1800" dirty="0"/>
-              <a:t>Book</a:t>
-            </a:r>
-            <a:r>
-              <a:rPr lang="ru-RU" sz="1800" dirty="0"/>
-              <a:t>&gt;)</a:t>
-            </a:r>
-            <a:endParaRPr lang="en-US" sz="1800" dirty="0"/>
-          </a:p>
-          <a:p>
-            <a:pPr lvl="0"/>
-            <a:r>
-              <a:rPr lang="ru-RU" sz="1800" dirty="0"/>
-              <a:t>Закрывать нужно в порядке обратном порядку открытия</a:t>
-            </a:r>
-            <a:endParaRPr lang="en-US" sz="1800" dirty="0"/>
-          </a:p>
-          <a:p>
-            <a:pPr lvl="0"/>
-            <a:r>
-              <a:rPr lang="ru-RU" sz="1800" dirty="0"/>
-              <a:t>Значения атрибутов должны быть заключены </a:t>
-            </a:r>
-            <a:r>
-              <a:rPr lang="ru-RU" sz="1800" dirty="0" smtClean="0"/>
-              <a:t>в </a:t>
-            </a:r>
-            <a:r>
-              <a:rPr lang="ru-RU" sz="1800" dirty="0"/>
-              <a:t>кавычки</a:t>
-            </a:r>
-            <a:endParaRPr lang="en-US" sz="1800" dirty="0"/>
-          </a:p>
-          <a:p>
-            <a:r>
-              <a:rPr lang="ru-RU" sz="1800" dirty="0"/>
-              <a:t>При необходимости должна быть указана </a:t>
-            </a:r>
-            <a:r>
-              <a:rPr lang="ru-RU" sz="1800" dirty="0" smtClean="0"/>
-              <a:t>кодировка</a:t>
-            </a:r>
-          </a:p>
-          <a:p>
-            <a:endParaRPr lang="ru-RU" sz="1800" dirty="0"/>
-          </a:p>
           <a:p>
             <a:pPr marL="0" indent="0">
               <a:buNone/>
             </a:pPr>
             <a:r>
-              <a:rPr lang="ru-RU" sz="1800" dirty="0"/>
-              <a:t>Документ выполнящий все эти правила называется синтаксически </a:t>
-            </a:r>
-            <a:r>
-              <a:rPr lang="ru-RU" sz="1800" i="1" dirty="0"/>
-              <a:t>верным</a:t>
-            </a:r>
-            <a:r>
-              <a:rPr lang="ru-RU" sz="1800" dirty="0"/>
-              <a:t> (</a:t>
-            </a:r>
-            <a:r>
-              <a:rPr lang="ru-RU" sz="1800" i="1" dirty="0"/>
-              <a:t>well-formed</a:t>
-            </a:r>
-            <a:r>
-              <a:rPr lang="ru-RU" sz="1800" dirty="0"/>
-              <a:t>). Если документ дополнительно соответствует </a:t>
-            </a:r>
-            <a:r>
-              <a:rPr lang="en-US" sz="1800" dirty="0"/>
-              <a:t>DTD </a:t>
-            </a:r>
-            <a:r>
-              <a:rPr lang="ru-RU" sz="1800" dirty="0"/>
-              <a:t>или </a:t>
-            </a:r>
-            <a:r>
-              <a:rPr lang="en-US" sz="1800" dirty="0"/>
-              <a:t>XML Schema</a:t>
-            </a:r>
-            <a:r>
-              <a:rPr lang="ru-RU" sz="1800" dirty="0"/>
-              <a:t>, то он называется </a:t>
-            </a:r>
-            <a:r>
-              <a:rPr lang="ru-RU" sz="1800" i="1" dirty="0"/>
-              <a:t>правильным</a:t>
-            </a:r>
-            <a:r>
-              <a:rPr lang="ru-RU" sz="1800" dirty="0"/>
-              <a:t> (</a:t>
-            </a:r>
-            <a:r>
-              <a:rPr lang="ru-RU" sz="1800" i="1" dirty="0"/>
-              <a:t>valid</a:t>
-            </a:r>
-            <a:r>
-              <a:rPr lang="ru-RU" sz="1800" dirty="0"/>
-              <a:t>).</a:t>
-            </a:r>
-            <a:endParaRPr lang="en-US" sz="1800" dirty="0"/>
+              <a:rPr lang="en-US" sz="2400" dirty="0" smtClean="0"/>
+              <a:t>XML </a:t>
+            </a:r>
+            <a:r>
+              <a:rPr lang="ru-RU" sz="2400" dirty="0" smtClean="0"/>
+              <a:t>является тектовым форматом, поэтому прямое хранение бинарных данных невозможно. Поэтому, по возможности, </a:t>
+            </a:r>
+            <a:r>
+              <a:rPr lang="ru-RU" sz="2400" dirty="0"/>
+              <a:t>избегайте хранить бинарные данные в </a:t>
+            </a:r>
+            <a:r>
+              <a:rPr lang="en-US" sz="2400" dirty="0"/>
+              <a:t>XML. </a:t>
+            </a:r>
+            <a:r>
+              <a:rPr lang="ru-RU" sz="2400" dirty="0" smtClean="0"/>
+              <a:t>Однако можно преобразовать последовательность байтов в текстовое представление и уже его сохранять в </a:t>
+            </a:r>
+            <a:r>
+              <a:rPr lang="en-US" sz="2400" dirty="0" smtClean="0"/>
+              <a:t>XML.</a:t>
+            </a:r>
+            <a:r>
+              <a:rPr lang="ru-RU" sz="2400" dirty="0" smtClean="0"/>
+              <a:t> Хорошим решением будет использование кодировки </a:t>
+            </a:r>
+            <a:r>
+              <a:rPr lang="en-US" sz="2400" dirty="0" smtClean="0"/>
+              <a:t>Base64. </a:t>
+            </a:r>
+            <a:r>
+              <a:rPr lang="ru-RU" sz="2400" dirty="0" smtClean="0"/>
+              <a:t>Накладные расходы при этом составят примерно 37% от объема бинарных данных. Смотрите методы класса </a:t>
+            </a:r>
+            <a:r>
+              <a:rPr lang="en-US" sz="2400" dirty="0" err="1" smtClean="0"/>
+              <a:t>System.Convert</a:t>
+            </a:r>
+            <a:r>
+              <a:rPr lang="en-US" sz="2400" dirty="0" smtClean="0"/>
+              <a:t>:</a:t>
+            </a:r>
+          </a:p>
+          <a:p>
+            <a:r>
+              <a:rPr lang="en-US" sz="2400" dirty="0" smtClean="0"/>
+              <a:t>string ToBase64String(byte[])</a:t>
+            </a:r>
+          </a:p>
+          <a:p>
+            <a:r>
+              <a:rPr lang="en-US" sz="2400" dirty="0" smtClean="0"/>
+              <a:t>byte[] FromBase64String(string)</a:t>
+            </a:r>
+          </a:p>
+          <a:p>
+            <a:pPr marL="0" indent="0">
+              <a:buNone/>
+            </a:pPr>
+            <a:endParaRPr lang="en-US" sz="2400" dirty="0"/>
+          </a:p>
+        </p:txBody>
+      </p:sp>
+      <p:sp>
+        <p:nvSpPr>
+          <p:cNvPr id="6" name="Content Placeholder 2"/>
+          <p:cNvSpPr txBox="1">
+            <a:spLocks/>
+          </p:cNvSpPr>
+          <p:nvPr/>
+        </p:nvSpPr>
+        <p:spPr>
+          <a:xfrm>
+            <a:off x="446856" y="5733256"/>
+            <a:ext cx="8229600" cy="864096"/>
+          </a:xfrm>
+          <a:prstGeom prst="rect">
+            <a:avLst/>
+          </a:prstGeom>
+          <a:solidFill>
+            <a:schemeClr val="bg1"/>
+          </a:solidFill>
+        </p:spPr>
+        <p:txBody>
+          <a:bodyPr vert="horz" lIns="91440" tIns="45720" rIns="91440" bIns="45720" rtlCol="0">
+            <a:normAutofit fontScale="62500" lnSpcReduction="20000"/>
+          </a:bodyPr>
+          <a:lstStyle>
+            <a:lvl1pPr marL="342900" indent="-342900" algn="l" defTabSz="914400" rtl="0" eaLnBrk="1" latinLnBrk="0" hangingPunct="1">
+              <a:spcBef>
+                <a:spcPct val="20000"/>
+              </a:spcBef>
+              <a:buFont typeface="Arial" pitchFamily="34" charset="0"/>
+              <a:buChar char="•"/>
+              <a:defRPr sz="3200" kern="1200">
+                <a:solidFill>
+                  <a:schemeClr val="tx1"/>
+                </a:solidFill>
+                <a:latin typeface="+mn-lt"/>
+                <a:ea typeface="+mn-ea"/>
+                <a:cs typeface="+mn-cs"/>
+              </a:defRPr>
+            </a:lvl1pPr>
+            <a:lvl2pPr marL="742950" indent="-285750" algn="l" defTabSz="914400" rtl="0" eaLnBrk="1" latinLnBrk="0" hangingPunct="1">
+              <a:spcBef>
+                <a:spcPct val="20000"/>
+              </a:spcBef>
+              <a:buFont typeface="Arial" pitchFamily="34" charset="0"/>
+              <a:buChar char="–"/>
+              <a:defRPr sz="2800" kern="1200">
+                <a:solidFill>
+                  <a:schemeClr val="tx1"/>
+                </a:solidFill>
+                <a:latin typeface="+mn-lt"/>
+                <a:ea typeface="+mn-ea"/>
+                <a:cs typeface="+mn-cs"/>
+              </a:defRPr>
+            </a:lvl2pPr>
+            <a:lvl3pPr marL="1143000" indent="-228600" algn="l" defTabSz="914400" rtl="0" eaLnBrk="1" latinLnBrk="0" hangingPunct="1">
+              <a:spcBef>
+                <a:spcPct val="20000"/>
+              </a:spcBef>
+              <a:buFont typeface="Arial" pitchFamily="34" charset="0"/>
+              <a:buChar char="•"/>
+              <a:defRPr sz="2400" kern="1200">
+                <a:solidFill>
+                  <a:schemeClr val="tx1"/>
+                </a:solidFill>
+                <a:latin typeface="+mn-lt"/>
+                <a:ea typeface="+mn-ea"/>
+                <a:cs typeface="+mn-cs"/>
+              </a:defRPr>
+            </a:lvl3pPr>
+            <a:lvl4pPr marL="1600200" indent="-228600" algn="l" defTabSz="914400" rtl="0" eaLnBrk="1" latinLnBrk="0" hangingPunct="1">
+              <a:spcBef>
+                <a:spcPct val="20000"/>
+              </a:spcBef>
+              <a:buFont typeface="Arial" pitchFamily="34" charset="0"/>
+              <a:buChar char="–"/>
+              <a:defRPr sz="2000" kern="1200">
+                <a:solidFill>
+                  <a:schemeClr val="tx1"/>
+                </a:solidFill>
+                <a:latin typeface="+mn-lt"/>
+                <a:ea typeface="+mn-ea"/>
+                <a:cs typeface="+mn-cs"/>
+              </a:defRPr>
+            </a:lvl4pPr>
+            <a:lvl5pPr marL="2057400" indent="-228600" algn="l" defTabSz="914400" rtl="0" eaLnBrk="1" latinLnBrk="0" hangingPunct="1">
+              <a:spcBef>
+                <a:spcPct val="20000"/>
+              </a:spcBef>
+              <a:buFont typeface="Arial" pitchFamily="34" charset="0"/>
+              <a:buChar char="»"/>
+              <a:defRPr sz="2000" kern="1200">
+                <a:solidFill>
+                  <a:schemeClr val="tx1"/>
+                </a:solidFill>
+                <a:latin typeface="+mn-lt"/>
+                <a:ea typeface="+mn-ea"/>
+                <a:cs typeface="+mn-cs"/>
+              </a:defRPr>
+            </a:lvl5pPr>
+            <a:lvl6pPr marL="2514600" indent="-228600" algn="l" defTabSz="914400" rtl="0" eaLnBrk="1" latinLnBrk="0" hangingPunct="1">
+              <a:spcBef>
+                <a:spcPct val="20000"/>
+              </a:spcBef>
+              <a:buFont typeface="Arial" pitchFamily="34" charset="0"/>
+              <a:buChar char="•"/>
+              <a:defRPr sz="2000" kern="1200">
+                <a:solidFill>
+                  <a:schemeClr val="tx1"/>
+                </a:solidFill>
+                <a:latin typeface="+mn-lt"/>
+                <a:ea typeface="+mn-ea"/>
+                <a:cs typeface="+mn-cs"/>
+              </a:defRPr>
+            </a:lvl6pPr>
+            <a:lvl7pPr marL="2971800" indent="-228600" algn="l" defTabSz="914400" rtl="0" eaLnBrk="1" latinLnBrk="0" hangingPunct="1">
+              <a:spcBef>
+                <a:spcPct val="20000"/>
+              </a:spcBef>
+              <a:buFont typeface="Arial" pitchFamily="34" charset="0"/>
+              <a:buChar char="•"/>
+              <a:defRPr sz="2000" kern="1200">
+                <a:solidFill>
+                  <a:schemeClr val="tx1"/>
+                </a:solidFill>
+                <a:latin typeface="+mn-lt"/>
+                <a:ea typeface="+mn-ea"/>
+                <a:cs typeface="+mn-cs"/>
+              </a:defRPr>
+            </a:lvl7pPr>
+            <a:lvl8pPr marL="3429000" indent="-228600" algn="l" defTabSz="914400" rtl="0" eaLnBrk="1" latinLnBrk="0" hangingPunct="1">
+              <a:spcBef>
+                <a:spcPct val="20000"/>
+              </a:spcBef>
+              <a:buFont typeface="Arial" pitchFamily="34" charset="0"/>
+              <a:buChar char="•"/>
+              <a:defRPr sz="2000" kern="1200">
+                <a:solidFill>
+                  <a:schemeClr val="tx1"/>
+                </a:solidFill>
+                <a:latin typeface="+mn-lt"/>
+                <a:ea typeface="+mn-ea"/>
+                <a:cs typeface="+mn-cs"/>
+              </a:defRPr>
+            </a:lvl8pPr>
+            <a:lvl9pPr marL="3886200" indent="-228600" algn="l" defTabSz="914400" rtl="0" eaLnBrk="1" latinLnBrk="0" hangingPunct="1">
+              <a:spcBef>
+                <a:spcPct val="20000"/>
+              </a:spcBef>
+              <a:buFont typeface="Arial" pitchFamily="34" charset="0"/>
+              <a:buChar char="•"/>
+              <a:defRPr sz="2000" kern="1200">
+                <a:solidFill>
+                  <a:schemeClr val="tx1"/>
+                </a:solidFill>
+                <a:latin typeface="+mn-lt"/>
+                <a:ea typeface="+mn-ea"/>
+                <a:cs typeface="+mn-cs"/>
+              </a:defRPr>
+            </a:lvl9pPr>
+          </a:lstStyle>
+          <a:p>
+            <a:pPr marL="0" indent="0">
+              <a:buNone/>
+            </a:pPr>
+            <a:r>
+              <a:rPr lang="en-US" sz="2400" dirty="0">
+                <a:solidFill>
+                  <a:srgbClr val="0000FF"/>
+                </a:solidFill>
+                <a:latin typeface="Consolas"/>
+              </a:rPr>
+              <a:t>&lt;</a:t>
+            </a:r>
+            <a:r>
+              <a:rPr lang="en-US" sz="2400" dirty="0">
+                <a:solidFill>
+                  <a:srgbClr val="800000"/>
+                </a:solidFill>
+                <a:latin typeface="Consolas"/>
+              </a:rPr>
+              <a:t>book </a:t>
+            </a:r>
+            <a:r>
+              <a:rPr lang="en-US" sz="2400" dirty="0" err="1">
+                <a:solidFill>
+                  <a:srgbClr val="FF0000"/>
+                </a:solidFill>
+                <a:latin typeface="Consolas"/>
+              </a:rPr>
+              <a:t>isbn</a:t>
+            </a:r>
+            <a:r>
+              <a:rPr lang="en-US" sz="2400" dirty="0">
+                <a:solidFill>
+                  <a:srgbClr val="0000FF"/>
+                </a:solidFill>
+                <a:latin typeface="Consolas"/>
+              </a:rPr>
+              <a:t>="978-5-459-00297-3"&gt;</a:t>
+            </a:r>
+            <a:endParaRPr lang="en-US" sz="2400" dirty="0">
+              <a:solidFill>
+                <a:srgbClr val="000000"/>
+              </a:solidFill>
+              <a:latin typeface="Consolas"/>
+            </a:endParaRPr>
+          </a:p>
+          <a:p>
+            <a:pPr marL="0" indent="0">
+              <a:buNone/>
+            </a:pPr>
+            <a:r>
+              <a:rPr lang="en-US" sz="2400" dirty="0" smtClean="0">
+                <a:solidFill>
+                  <a:srgbClr val="000000"/>
+                </a:solidFill>
+                <a:latin typeface="Consolas"/>
+              </a:rPr>
+              <a:t>  </a:t>
+            </a:r>
+            <a:r>
+              <a:rPr lang="en-US" sz="2400" dirty="0">
+                <a:solidFill>
+                  <a:srgbClr val="0000FF"/>
+                </a:solidFill>
+                <a:latin typeface="Consolas"/>
+              </a:rPr>
+              <a:t>&lt;</a:t>
+            </a:r>
+            <a:r>
+              <a:rPr lang="en-US" sz="2400" dirty="0">
+                <a:solidFill>
+                  <a:srgbClr val="800000"/>
+                </a:solidFill>
+                <a:latin typeface="Consolas"/>
+              </a:rPr>
+              <a:t>cover</a:t>
+            </a:r>
+            <a:r>
+              <a:rPr lang="en-US" sz="2400" dirty="0">
+                <a:solidFill>
+                  <a:srgbClr val="0000FF"/>
+                </a:solidFill>
+                <a:latin typeface="Consolas"/>
+              </a:rPr>
+              <a:t>&gt;</a:t>
+            </a:r>
+            <a:r>
+              <a:rPr lang="en-US" sz="2400" dirty="0">
+                <a:solidFill>
+                  <a:srgbClr val="000000"/>
+                </a:solidFill>
+                <a:latin typeface="Consolas"/>
+              </a:rPr>
+              <a:t>/9j/4AAQSkZJRgABAgEAAAAAA...</a:t>
+            </a:r>
+            <a:r>
+              <a:rPr lang="en-US" sz="2400" dirty="0" err="1">
+                <a:solidFill>
+                  <a:srgbClr val="000000"/>
+                </a:solidFill>
+                <a:latin typeface="Consolas"/>
+              </a:rPr>
+              <a:t>PnOgkECAgYgQQICCQIIH</a:t>
+            </a:r>
+            <a:r>
+              <a:rPr lang="en-US" sz="2400" dirty="0">
+                <a:solidFill>
+                  <a:srgbClr val="000000"/>
+                </a:solidFill>
+                <a:latin typeface="Consolas"/>
+              </a:rPr>
+              <a:t>/2Q==</a:t>
+            </a:r>
+            <a:r>
+              <a:rPr lang="en-US" sz="2400" dirty="0">
+                <a:solidFill>
+                  <a:srgbClr val="0000FF"/>
+                </a:solidFill>
+                <a:latin typeface="Consolas"/>
+              </a:rPr>
+              <a:t>&lt;/</a:t>
+            </a:r>
+            <a:r>
+              <a:rPr lang="en-US" sz="2400" dirty="0">
+                <a:solidFill>
+                  <a:srgbClr val="800000"/>
+                </a:solidFill>
+                <a:latin typeface="Consolas"/>
+              </a:rPr>
+              <a:t>cover</a:t>
+            </a:r>
+            <a:r>
+              <a:rPr lang="en-US" sz="2400" dirty="0">
+                <a:solidFill>
+                  <a:srgbClr val="0000FF"/>
+                </a:solidFill>
+                <a:latin typeface="Consolas"/>
+              </a:rPr>
+              <a:t>&gt;</a:t>
+            </a:r>
+            <a:endParaRPr lang="en-US" sz="2400" dirty="0">
+              <a:solidFill>
+                <a:srgbClr val="000000"/>
+              </a:solidFill>
+              <a:latin typeface="Consolas"/>
+            </a:endParaRPr>
+          </a:p>
+          <a:p>
+            <a:pPr marL="0" indent="0">
+              <a:buNone/>
+            </a:pPr>
+            <a:r>
+              <a:rPr lang="en-US" sz="2400" dirty="0">
+                <a:solidFill>
+                  <a:srgbClr val="0000FF"/>
+                </a:solidFill>
+                <a:latin typeface="Consolas"/>
+              </a:rPr>
+              <a:t>&lt;/</a:t>
+            </a:r>
+            <a:r>
+              <a:rPr lang="en-US" sz="2400" dirty="0">
+                <a:solidFill>
+                  <a:srgbClr val="800000"/>
+                </a:solidFill>
+                <a:latin typeface="Consolas"/>
+              </a:rPr>
+              <a:t>book</a:t>
+            </a:r>
+            <a:r>
+              <a:rPr lang="en-US" sz="2400" dirty="0">
+                <a:solidFill>
+                  <a:srgbClr val="0000FF"/>
+                </a:solidFill>
+                <a:latin typeface="Consolas"/>
+              </a:rPr>
+              <a:t>&gt;</a:t>
+            </a:r>
+            <a:endParaRPr lang="en-US" sz="2400" dirty="0"/>
           </a:p>
         </p:txBody>
       </p:sp>
     </p:spTree>
     <p:extLst>
       <p:ext uri="{BB962C8B-B14F-4D97-AF65-F5344CB8AC3E}">
-        <p14:creationId xmlns:p14="http://schemas.microsoft.com/office/powerpoint/2010/main" val="748900971"/>
+        <p14:creationId xmlns:p14="http://schemas.microsoft.com/office/powerpoint/2010/main" val="766526891"/>
       </p:ext>
     </p:extLst>
   </p:cSld>
@@ -6063,22 +5932,12 @@
         </p:nvSpPr>
         <p:spPr/>
         <p:txBody>
-          <a:bodyPr>
-            <a:normAutofit fontScale="90000"/>
-          </a:bodyPr>
+          <a:bodyPr/>
           <a:lstStyle/>
           <a:p>
             <a:r>
-              <a:rPr lang="ru-RU" dirty="0" smtClean="0"/>
-              <a:t>Описание структуры </a:t>
-            </a:r>
-            <a:r>
-              <a:rPr lang="en-US" dirty="0" smtClean="0"/>
-              <a:t>XML </a:t>
-            </a:r>
-            <a:r>
-              <a:rPr lang="ru-RU" dirty="0" smtClean="0"/>
-              <a:t>документа</a:t>
+              <a:rPr lang="ru-RU" dirty="0"/>
+              <a:t>Правила разметки</a:t>
             </a:r>
             <a:endParaRPr lang="en-US" dirty="0"/>
           </a:p>
@@ -6097,144 +5956,156 @@
         <p:spPr/>
         <p:txBody>
           <a:bodyPr>
-            <a:normAutofit lnSpcReduction="10000"/>
+            <a:normAutofit/>
           </a:bodyPr>
           <a:lstStyle/>
           <a:p>
-            <a:r>
-              <a:rPr lang="en-US" dirty="0"/>
-              <a:t>DTD – </a:t>
-            </a:r>
-            <a:r>
-              <a:rPr lang="en-US" dirty="0">
-                <a:solidFill>
-                  <a:srgbClr val="FF0000"/>
-                </a:solidFill>
-              </a:rPr>
-              <a:t>D</a:t>
-            </a:r>
-            <a:r>
-              <a:rPr lang="en-US" dirty="0"/>
-              <a:t>ocument </a:t>
-            </a:r>
-            <a:r>
-              <a:rPr lang="en-US" dirty="0">
-                <a:solidFill>
-                  <a:srgbClr val="FF0000"/>
-                </a:solidFill>
-              </a:rPr>
-              <a:t>T</a:t>
-            </a:r>
-            <a:r>
-              <a:rPr lang="en-US" dirty="0"/>
-              <a:t>ype </a:t>
-            </a:r>
-            <a:r>
-              <a:rPr lang="en-US" dirty="0" smtClean="0">
-                <a:solidFill>
-                  <a:srgbClr val="FF0000"/>
-                </a:solidFill>
-              </a:rPr>
-              <a:t>D</a:t>
-            </a:r>
-            <a:r>
-              <a:rPr lang="en-US" dirty="0" smtClean="0"/>
-              <a:t>efinition</a:t>
-            </a:r>
-            <a:endParaRPr lang="ru-RU" dirty="0" smtClean="0"/>
-          </a:p>
-          <a:p>
-            <a:pPr lvl="1"/>
-            <a:r>
-              <a:rPr lang="ru-RU" dirty="0" smtClean="0"/>
-              <a:t>Устаревшая</a:t>
-            </a:r>
-          </a:p>
-          <a:p>
-            <a:pPr lvl="1"/>
-            <a:r>
-              <a:rPr lang="ru-RU" dirty="0" smtClean="0"/>
-              <a:t>Требует изучения нового синтаксиса</a:t>
-            </a:r>
-          </a:p>
-          <a:p>
-            <a:r>
-              <a:rPr lang="en-US" dirty="0"/>
-              <a:t>XML </a:t>
-            </a:r>
-            <a:r>
-              <a:rPr lang="en-US" dirty="0" smtClean="0"/>
-              <a:t>Schema</a:t>
-            </a:r>
-            <a:r>
-              <a:rPr lang="ru-RU" dirty="0" smtClean="0"/>
+            <a:pPr lvl="0"/>
+            <a:r>
+              <a:rPr lang="ru-RU" sz="1800" dirty="0"/>
+              <a:t>Все элементы должны быть закрыты</a:t>
+            </a:r>
+            <a:endParaRPr lang="en-US" sz="1800" dirty="0"/>
+          </a:p>
+          <a:p>
+            <a:pPr lvl="0"/>
+            <a:r>
+              <a:rPr lang="ru-RU" sz="1800" dirty="0"/>
+              <a:t>Корневой элемент может быть только один</a:t>
+            </a:r>
+            <a:endParaRPr lang="en-US" sz="1800" dirty="0"/>
+          </a:p>
+          <a:p>
+            <a:pPr lvl="0"/>
+            <a:r>
+              <a:rPr lang="ru-RU" sz="1800" dirty="0"/>
+              <a:t>Регистр имеет значение (&lt;</a:t>
+            </a:r>
+            <a:r>
+              <a:rPr lang="en-US" sz="1800" dirty="0"/>
+              <a:t>book</a:t>
+            </a:r>
+            <a:r>
+              <a:rPr lang="ru-RU" sz="1800" dirty="0"/>
+              <a:t>&gt; != &lt;</a:t>
+            </a:r>
+            <a:r>
+              <a:rPr lang="en-US" sz="1800" dirty="0"/>
+              <a:t>Book</a:t>
+            </a:r>
+            <a:r>
+              <a:rPr lang="ru-RU" sz="1800" dirty="0"/>
+              <a:t>&gt;)</a:t>
+            </a:r>
+            <a:endParaRPr lang="en-US" sz="1800" dirty="0"/>
+          </a:p>
+          <a:p>
+            <a:pPr lvl="0"/>
+            <a:r>
+              <a:rPr lang="ru-RU" sz="1800" dirty="0"/>
+              <a:t>Закрывать нужно в порядке обратном порядку открытия</a:t>
+            </a:r>
+            <a:endParaRPr lang="en-US" sz="1800" dirty="0"/>
+          </a:p>
+          <a:p>
+            <a:pPr lvl="0"/>
+            <a:r>
+              <a:rPr lang="ru-RU" sz="1800" dirty="0"/>
+              <a:t>Значения атрибутов должны быть заключены </a:t>
+            </a:r>
+            <a:r>
+              <a:rPr lang="ru-RU" sz="1800" dirty="0" smtClean="0"/>
+              <a:t>в </a:t>
+            </a:r>
+            <a:r>
+              <a:rPr lang="ru-RU" sz="1800" dirty="0"/>
+              <a:t>кавычки</a:t>
+            </a:r>
+            <a:endParaRPr lang="en-US" sz="1800" dirty="0"/>
+          </a:p>
+          <a:p>
+            <a:r>
+              <a:rPr lang="ru-RU" sz="1800" dirty="0"/>
+              <a:t>При необходимости должна быть указана </a:t>
+            </a:r>
+            <a:r>
+              <a:rPr lang="ru-RU" sz="1800" dirty="0" smtClean="0"/>
+              <a:t>кодировка</a:t>
+            </a:r>
+          </a:p>
+          <a:p>
+            <a:endParaRPr lang="ru-RU" sz="1800" dirty="0"/>
+          </a:p>
+          <a:p>
+            <a:pPr marL="0" indent="0">
+              <a:buNone/>
+            </a:pPr>
+            <a:r>
+              <a:rPr lang="ru-RU" sz="1800" dirty="0"/>
+              <a:t>Документ выполнящий все эти правила называется синтаксически </a:t>
+            </a:r>
+            <a:r>
+              <a:rPr lang="ru-RU" sz="1800" i="1" dirty="0"/>
+              <a:t>верным</a:t>
+            </a:r>
+            <a:r>
+              <a:rPr lang="ru-RU" sz="1800" dirty="0"/>
               <a:t> (</a:t>
             </a:r>
             <a:r>
-              <a:rPr lang="en-US" dirty="0" smtClean="0"/>
-              <a:t>XSD)</a:t>
-            </a:r>
-          </a:p>
-          <a:p>
-            <a:pPr lvl="1"/>
-            <a:r>
-              <a:rPr lang="ru-RU" dirty="0" smtClean="0"/>
-              <a:t>Использует синтаксис </a:t>
-            </a:r>
-            <a:r>
-              <a:rPr lang="en-US" dirty="0" smtClean="0"/>
-              <a:t>XML</a:t>
-            </a:r>
-          </a:p>
-          <a:p>
-            <a:pPr lvl="1"/>
-            <a:r>
-              <a:rPr lang="en-US" dirty="0">
-                <a:hlinkClick r:id="rId2"/>
-              </a:rPr>
-              <a:t>W3C XML Schema Definition Language (XSD) 1.1 Part 1: Structures</a:t>
-            </a:r>
-            <a:endParaRPr lang="en-US" dirty="0"/>
-          </a:p>
-          <a:p>
-            <a:pPr lvl="1"/>
-            <a:r>
-              <a:rPr lang="en-US" dirty="0">
-                <a:hlinkClick r:id="rId3"/>
-              </a:rPr>
-              <a:t>W3C XML Schema Definition Language (XSD) 1.1 Part 2: </a:t>
-            </a:r>
-            <a:r>
-              <a:rPr lang="en-US" dirty="0" err="1">
-                <a:hlinkClick r:id="rId3"/>
-              </a:rPr>
-              <a:t>Datatypes</a:t>
-            </a:r>
-            <a:endParaRPr lang="en-US" dirty="0"/>
-          </a:p>
-          <a:p>
-            <a:endParaRPr lang="en-US" dirty="0" smtClean="0"/>
+              <a:rPr lang="ru-RU" sz="1800" i="1" dirty="0"/>
+              <a:t>well-formed</a:t>
+            </a:r>
+            <a:r>
+              <a:rPr lang="ru-RU" sz="1800" dirty="0"/>
+              <a:t>). Если документ дополнительно соответствует </a:t>
+            </a:r>
+            <a:r>
+              <a:rPr lang="en-US" sz="1800" dirty="0"/>
+              <a:t>DTD </a:t>
+            </a:r>
+            <a:r>
+              <a:rPr lang="ru-RU" sz="1800" dirty="0"/>
+              <a:t>или </a:t>
+            </a:r>
+            <a:r>
+              <a:rPr lang="en-US" sz="1800" dirty="0"/>
+              <a:t>XML Schema</a:t>
+            </a:r>
+            <a:r>
+              <a:rPr lang="ru-RU" sz="1800" dirty="0"/>
+              <a:t>, то он называется </a:t>
+            </a:r>
+            <a:r>
+              <a:rPr lang="ru-RU" sz="1800" i="1" dirty="0"/>
+              <a:t>правильным</a:t>
+            </a:r>
+            <a:r>
+              <a:rPr lang="ru-RU" sz="1800" dirty="0"/>
+              <a:t> (</a:t>
+            </a:r>
+            <a:r>
+              <a:rPr lang="ru-RU" sz="1800" i="1" dirty="0"/>
+              <a:t>valid</a:t>
+            </a:r>
+            <a:r>
+              <a:rPr lang="ru-RU" sz="1800" dirty="0"/>
+              <a:t>).</a:t>
+            </a:r>
+            <a:endParaRPr lang="en-US" sz="1800" dirty="0"/>
           </a:p>
         </p:txBody>
       </p:sp>
     </p:spTree>
     <p:extLst>
       <p:ext uri="{BB962C8B-B14F-4D97-AF65-F5344CB8AC3E}">
-        <p14:creationId xmlns:p14="http://schemas.microsoft.com/office/powerpoint/2010/main" val="3193560450"/>
+        <p14:creationId xmlns:p14="http://schemas.microsoft.com/office/powerpoint/2010/main" val="748900971"/>
       </p:ext>
     </p:extLst>
   </p:cSld>
   <p:clrMapOvr>
     <a:masterClrMapping/>
   </p:clrMapOvr>
-  <mc:AlternateContent xmlns:mc="http://schemas.openxmlformats.org/markup-compatibility/2006" xmlns:p14="http://schemas.microsoft.com/office/powerpoint/2010/main">
-    <mc:Choice Requires="p14">
-      <p:transition spd="slow" p14:dur="2000"/>
-    </mc:Choice>
-    <mc:Fallback xmlns="">
-      <p:transition spd="slow"/>
-    </mc:Fallback>
-  </mc:AlternateContent>
   <p:timing>
     <p:tnLst>
       <p:par>
@@ -6280,64 +6151,18 @@
           <a:lstStyle/>
           <a:p>
             <a:r>
+              <a:rPr lang="ru-RU" dirty="0" smtClean="0"/>
+              <a:t>Описание структуры </a:t>
+            </a:r>
+            <a:r>
               <a:rPr lang="en-US" dirty="0" smtClean="0"/>
-              <a:t>XSLT - E</a:t>
-            </a:r>
-            <a:r>
-              <a:rPr lang="en-US" dirty="0" smtClean="0">
-                <a:solidFill>
-                  <a:srgbClr val="FF0000"/>
-                </a:solidFill>
-              </a:rPr>
-              <a:t>x</a:t>
-            </a:r>
-            <a:r>
-              <a:rPr lang="en-US" dirty="0" smtClean="0"/>
-              <a:t>tensible </a:t>
-            </a:r>
-            <a:r>
-              <a:rPr lang="en-US" dirty="0" err="1">
-                <a:solidFill>
-                  <a:srgbClr val="FF0000"/>
-                </a:solidFill>
-              </a:rPr>
-              <a:t>S</a:t>
-            </a:r>
-            <a:r>
-              <a:rPr lang="en-US" dirty="0" err="1"/>
-              <a:t>tylesheet</a:t>
-            </a:r>
-            <a:r>
-              <a:rPr lang="en-US" dirty="0"/>
-              <a:t> </a:t>
-            </a:r>
-            <a:r>
-              <a:rPr lang="en-US" dirty="0">
-                <a:solidFill>
-                  <a:srgbClr val="FF0000"/>
-                </a:solidFill>
-              </a:rPr>
-              <a:t>L</a:t>
-            </a:r>
-            <a:r>
-              <a:rPr lang="en-US" dirty="0"/>
-              <a:t>anguage</a:t>
-            </a:r>
-            <a:br>
-              <a:rPr lang="en-US" dirty="0"/>
-            </a:br>
-            <a:r>
-              <a:rPr lang="en-US" dirty="0">
-                <a:solidFill>
-                  <a:srgbClr val="FF0000"/>
-                </a:solidFill>
-              </a:rPr>
-              <a:t>T</a:t>
-            </a:r>
-            <a:r>
-              <a:rPr lang="en-US" dirty="0"/>
-              <a:t>ransformations</a:t>
-            </a:r>
+              <a:t>XML </a:t>
+            </a:r>
+            <a:r>
+              <a:rPr lang="ru-RU" dirty="0" smtClean="0"/>
+              <a:t>документа</a:t>
+            </a:r>
+            <a:endParaRPr lang="en-US" dirty="0"/>
           </a:p>
         </p:txBody>
       </p:sp>
@@ -6353,30 +6178,90 @@
         </p:nvSpPr>
         <p:spPr/>
         <p:txBody>
-          <a:bodyPr/>
+          <a:bodyPr>
+            <a:normAutofit lnSpcReduction="10000"/>
+          </a:bodyPr>
           <a:lstStyle/>
           <a:p>
             <a:r>
+              <a:rPr lang="en-US" dirty="0"/>
+              <a:t>DTD – </a:t>
+            </a:r>
+            <a:r>
+              <a:rPr lang="en-US" dirty="0">
+                <a:solidFill>
+                  <a:srgbClr val="FF0000"/>
+                </a:solidFill>
+              </a:rPr>
+              <a:t>D</a:t>
+            </a:r>
+            <a:r>
+              <a:rPr lang="en-US" dirty="0"/>
+              <a:t>ocument </a:t>
+            </a:r>
+            <a:r>
+              <a:rPr lang="en-US" dirty="0">
+                <a:solidFill>
+                  <a:srgbClr val="FF0000"/>
+                </a:solidFill>
+              </a:rPr>
+              <a:t>T</a:t>
+            </a:r>
+            <a:r>
+              <a:rPr lang="en-US" dirty="0"/>
+              <a:t>ype </a:t>
+            </a:r>
+            <a:r>
+              <a:rPr lang="en-US" dirty="0" smtClean="0">
+                <a:solidFill>
+                  <a:srgbClr val="FF0000"/>
+                </a:solidFill>
+              </a:rPr>
+              <a:t>D</a:t>
+            </a:r>
+            <a:r>
+              <a:rPr lang="en-US" dirty="0" smtClean="0"/>
+              <a:t>efinition</a:t>
+            </a:r>
+            <a:endParaRPr lang="ru-RU" dirty="0" smtClean="0"/>
+          </a:p>
+          <a:p>
+            <a:pPr lvl="1"/>
+            <a:r>
               <a:rPr lang="ru-RU" dirty="0" smtClean="0"/>
-              <a:t>Позволяет производить трансформации одного документа в другой</a:t>
+              <a:t>Устаревшая</a:t>
+            </a:r>
+          </a:p>
+          <a:p>
+            <a:pPr lvl="1"/>
+            <a:r>
+              <a:rPr lang="ru-RU" dirty="0" smtClean="0"/>
+              <a:t>Требует изучения нового синтаксиса</a:t>
+            </a:r>
+          </a:p>
+          <a:p>
+            <a:r>
+              <a:rPr lang="en-US" dirty="0"/>
+              <a:t>XML </a:t>
             </a:r>
             <a:r>
               <a:rPr lang="en-US" dirty="0" smtClean="0"/>
-              <a:t>, </a:t>
-            </a:r>
-            <a:r>
-              <a:rPr lang="ru-RU" dirty="0"/>
-              <a:t>а </a:t>
+              <a:t>Schema</a:t>
             </a:r>
             <a:r>
               <a:rPr lang="ru-RU" dirty="0" smtClean="0"/>
-              <a:t>также в другие форматы.</a:t>
-            </a:r>
-          </a:p>
-          <a:p>
+              <a:t> (</a:t>
+            </a:r>
+            <a:r>
+              <a:rPr lang="en-US" dirty="0" smtClean="0"/>
+              <a:t>XSD)</a:t>
+            </a:r>
+          </a:p>
+          <a:p>
+            <a:pPr lvl="1"/>
             <a:r>
               <a:rPr lang="ru-RU" dirty="0" smtClean="0"/>
-              <a:t>Основан на </a:t>
+              <a:t>Использует синтаксис </a:t>
             </a:r>
             <a:r>
               <a:rPr lang="en-US" dirty="0" smtClean="0"/>
@@ -6384,20 +6269,61 @@
             </a:r>
           </a:p>
           <a:p>
+            <a:pPr lvl="1"/>
+            <a:r>
+              <a:rPr lang="en-US" dirty="0">
+                <a:hlinkClick r:id="rId2"/>
+              </a:rPr>
+              <a:t>W3C XML Schema Definition Language (XSD) 1.1 Part 1: Structures</a:t>
+            </a:r>
             <a:endParaRPr lang="en-US" dirty="0"/>
+          </a:p>
+          <a:p>
+            <a:pPr lvl="1"/>
+            <a:r>
+              <a:rPr lang="en-US" dirty="0">
+                <a:hlinkClick r:id="rId3"/>
+              </a:rPr>
+              <a:t>W3C XML Schema Definition Language (XSD) 1.1 Part 2: </a:t>
+            </a:r>
+            <a:r>
+              <a:rPr lang="en-US" dirty="0" err="1">
+                <a:hlinkClick r:id="rId3"/>
+              </a:rPr>
+              <a:t>Datatypes</a:t>
+            </a:r>
+            <a:endParaRPr lang="en-US" dirty="0"/>
+          </a:p>
+          <a:p>
+            <a:endParaRPr lang="en-US" dirty="0" smtClean="0"/>
           </a:p>
         </p:txBody>
       </p:sp>
     </p:spTree>
     <p:extLst>
       <p:ext uri="{BB962C8B-B14F-4D97-AF65-F5344CB8AC3E}">
-        <p14:creationId xmlns:p14="http://schemas.microsoft.com/office/powerpoint/2010/main" val="103880850"/>
+        <p14:creationId xmlns:p14="http://schemas.microsoft.com/office/powerpoint/2010/main" val="3193560450"/>
       </p:ext>
     </p:extLst>
   </p:cSld>
   <p:clrMapOvr>
     <a:masterClrMapping/>
   </p:clrMapOvr>
+  <mc:AlternateContent xmlns:mc="http://schemas.openxmlformats.org/markup-compatibility/2006" xmlns:p14="http://schemas.microsoft.com/office/powerpoint/2010/main">
+    <mc:Choice Requires="p14">
+      <p:transition spd="slow" p14:dur="2000"/>
+    </mc:Choice>
+    <mc:Fallback xmlns="">
+      <p:transition spd="slow"/>
+    </mc:Fallback>
+  </mc:AlternateContent>
+  <p:timing>
+    <p:tnLst>
+      <p:par>
+        <p:cTn id="1" dur="indefinite" restart="never" nodeType="tmRoot"/>
+      </p:par>
+    </p:tnLst>
+  </p:timing>
 </p:sld>
 </file>
 
@@ -6436,22 +6362,64 @@
           <a:lstStyle/>
           <a:p>
             <a:r>
-              <a:rPr lang="en-US" dirty="0" err="1" smtClean="0"/>
-              <a:t>XPath</a:t>
-            </a:r>
-            <a:r>
-              <a:rPr lang="ru-RU" dirty="0" smtClean="0"/>
-              <a:t> – Язык для поиска элементов в </a:t>
-            </a:r>
-            <a:r>
               <a:rPr lang="en-US" dirty="0" smtClean="0"/>
-              <a:t>XML </a:t>
-            </a:r>
-            <a:r>
-              <a:rPr lang="ru-RU" dirty="0" smtClean="0"/>
-              <a:t>документе</a:t>
-            </a:r>
-            <a:endParaRPr lang="en-US" dirty="0"/>
+              <a:t>XSLT - E</a:t>
+            </a:r>
+            <a:r>
+              <a:rPr lang="en-US" dirty="0" smtClean="0">
+                <a:solidFill>
+                  <a:srgbClr val="FF0000"/>
+                </a:solidFill>
+              </a:rPr>
+              <a:t>x</a:t>
+            </a:r>
+            <a:r>
+              <a:rPr lang="en-US" dirty="0" smtClean="0"/>
+              <a:t>tensible </a:t>
+            </a:r>
+            <a:r>
+              <a:rPr lang="en-US" dirty="0" err="1">
+                <a:solidFill>
+                  <a:srgbClr val="FF0000"/>
+                </a:solidFill>
+              </a:rPr>
+              <a:t>S</a:t>
+            </a:r>
+            <a:r>
+              <a:rPr lang="en-US" dirty="0" err="1"/>
+              <a:t>tylesheet</a:t>
+            </a:r>
+            <a:r>
+              <a:rPr lang="en-US" dirty="0"/>
+              <a:t> </a:t>
+            </a:r>
+            <a:r>
+              <a:rPr lang="en-US" dirty="0">
+                <a:solidFill>
+                  <a:srgbClr val="FF0000"/>
+                </a:solidFill>
+              </a:rPr>
+              <a:t>L</a:t>
+            </a:r>
+            <a:r>
+              <a:rPr lang="en-US" dirty="0"/>
+              <a:t>anguage</a:t>
+            </a:r>
+            <a:br>
+              <a:rPr lang="en-US" dirty="0"/>
+            </a:br>
+            <a:r>
+              <a:rPr lang="en-US" dirty="0">
+                <a:solidFill>
+                  <a:srgbClr val="FF0000"/>
+                </a:solidFill>
+              </a:rPr>
+              <a:t>T</a:t>
+            </a:r>
+            <a:r>
+              <a:rPr lang="en-US" dirty="0"/>
+              <a:t>ransformations</a:t>
+            </a:r>
           </a:p>
         </p:txBody>
       </p:sp>
@@ -6471,99 +6439,47 @@
           <a:lstStyle/>
           <a:p>
             <a:r>
-              <a:rPr lang="en-US" dirty="0">
-                <a:hlinkClick r:id="rId2"/>
-              </a:rPr>
-              <a:t>XML Path Language (</a:t>
-            </a:r>
-            <a:r>
-              <a:rPr lang="en-US" dirty="0" err="1" smtClean="0">
-                <a:hlinkClick r:id="rId2"/>
-              </a:rPr>
-              <a:t>XPath</a:t>
-            </a:r>
-            <a:r>
-              <a:rPr lang="en-US" dirty="0" smtClean="0">
-                <a:hlinkClick r:id="rId2"/>
-              </a:rPr>
-              <a:t>) Version 1.0</a:t>
-            </a:r>
-            <a:endParaRPr lang="en-US" dirty="0" smtClean="0"/>
-          </a:p>
-          <a:p>
-            <a:r>
-              <a:rPr lang="en-US" dirty="0">
-                <a:hlinkClick r:id="rId3"/>
-              </a:rPr>
-              <a:t>XML Path Language (</a:t>
-            </a:r>
-            <a:r>
-              <a:rPr lang="en-US" dirty="0" err="1">
-                <a:hlinkClick r:id="rId3"/>
-              </a:rPr>
-              <a:t>XPath</a:t>
-            </a:r>
-            <a:r>
-              <a:rPr lang="en-US" dirty="0">
-                <a:hlinkClick r:id="rId3"/>
-              </a:rPr>
-              <a:t>) 2.0 (Second Edition</a:t>
-            </a:r>
-            <a:r>
-              <a:rPr lang="en-US" dirty="0" smtClean="0">
-                <a:hlinkClick r:id="rId3"/>
-              </a:rPr>
-              <a:t>)</a:t>
-            </a:r>
-            <a:endParaRPr lang="ru-RU" dirty="0" smtClean="0"/>
-          </a:p>
-          <a:p>
-            <a:endParaRPr lang="ru-RU" dirty="0"/>
-          </a:p>
-          <a:p>
-            <a:pPr marL="0" indent="0">
-              <a:buNone/>
-            </a:pPr>
-            <a:r>
-              <a:rPr lang="en-US" dirty="0"/>
-              <a:t>.</a:t>
+              <a:rPr lang="ru-RU" dirty="0" smtClean="0"/>
+              <a:t>Позволяет производить трансформации одного документа в другой</a:t>
             </a:r>
             <a:r>
               <a:rPr lang="en-US" dirty="0" smtClean="0"/>
-              <a:t>NET </a:t>
+              <a:t>, </a:t>
+            </a:r>
+            <a:r>
+              <a:rPr lang="ru-RU" dirty="0"/>
+              <a:t>а </a:t>
             </a:r>
             <a:r>
               <a:rPr lang="ru-RU" dirty="0" smtClean="0"/>
-              <a:t>поддерживает только </a:t>
-            </a:r>
-            <a:r>
-              <a:rPr lang="en-US" dirty="0" err="1" smtClean="0"/>
-              <a:t>XPath</a:t>
+              <a:t>также в другие форматы.</a:t>
+            </a:r>
+          </a:p>
+          <a:p>
+            <a:r>
+              <a:rPr lang="ru-RU" dirty="0" smtClean="0"/>
+              <a:t>Основан на </a:t>
             </a:r>
             <a:r>
               <a:rPr lang="en-US" dirty="0" smtClean="0"/>
-              <a:t> 1.0</a:t>
-            </a:r>
+              <a:t>XML</a:t>
+            </a:r>
+          </a:p>
+          <a:p>
+            <a:endParaRPr lang="en-US" dirty="0"/>
           </a:p>
         </p:txBody>
       </p:sp>
     </p:spTree>
     <p:extLst>
       <p:ext uri="{BB962C8B-B14F-4D97-AF65-F5344CB8AC3E}">
-        <p14:creationId xmlns:p14="http://schemas.microsoft.com/office/powerpoint/2010/main" val="1733787468"/>
+        <p14:creationId xmlns:p14="http://schemas.microsoft.com/office/powerpoint/2010/main" val="103880850"/>
       </p:ext>
     </p:extLst>
   </p:cSld>
   <p:clrMapOvr>
     <a:masterClrMapping/>
   </p:clrMapOvr>
-  <p:timing>
-    <p:tnLst>
-      <p:par>
-        <p:cTn id="1" dur="indefinite" restart="never" nodeType="tmRoot"/>
-      </p:par>
-    </p:tnLst>
-  </p:timing>
 </p:sld>
 </file>
 
@@ -6695,6 +6611,172 @@
 </file>
 
 <file path=ppt/slides/slide20.xml><?xml version="1.0" encoding="utf-8"?>
+<p:sld xmlns:a="http://schemas.openxmlformats.org/drawingml/2006/main" xmlns:r="http://schemas.openxmlformats.org/officeDocument/2006/relationships" xmlns:p="http://schemas.openxmlformats.org/presentationml/2006/main">
+  <p:cSld>
+    <p:spTree>
+      <p:nvGrpSpPr>
+        <p:cNvPr id="1" name=""/>
+        <p:cNvGrpSpPr/>
+        <p:nvPr/>
+      </p:nvGrpSpPr>
+      <p:grpSpPr>
+        <a:xfrm>
+          <a:off x="0" y="0"/>
+          <a:ext cx="0" cy="0"/>
+          <a:chOff x="0" y="0"/>
+          <a:chExt cx="0" cy="0"/>
+        </a:xfrm>
+      </p:grpSpPr>
+      <p:sp>
+        <p:nvSpPr>
+          <p:cNvPr id="2" name="Title 1"/>
+          <p:cNvSpPr>
+            <a:spLocks noGrp="1"/>
+          </p:cNvSpPr>
+          <p:nvPr>
+            <p:ph type="title"/>
+          </p:nvPr>
+        </p:nvSpPr>
+        <p:spPr/>
+        <p:txBody>
+          <a:bodyPr>
+            <a:normAutofit fontScale="90000"/>
+          </a:bodyPr>
+          <a:lstStyle/>
+          <a:p>
+            <a:r>
+              <a:rPr lang="en-US" dirty="0" err="1" smtClean="0"/>
+              <a:t>XPath</a:t>
+            </a:r>
+            <a:r>
+              <a:rPr lang="ru-RU" dirty="0" smtClean="0"/>
+              <a:t> – Язык для поиска элементов в </a:t>
+            </a:r>
+            <a:r>
+              <a:rPr lang="en-US" dirty="0" smtClean="0"/>
+              <a:t>XML </a:t>
+            </a:r>
+            <a:r>
+              <a:rPr lang="ru-RU" dirty="0" smtClean="0"/>
+              <a:t>документе</a:t>
+            </a:r>
+            <a:endParaRPr lang="en-US" dirty="0"/>
+          </a:p>
+        </p:txBody>
+      </p:sp>
+      <p:sp>
+        <p:nvSpPr>
+          <p:cNvPr id="3" name="Content Placeholder 2"/>
+          <p:cNvSpPr>
+            <a:spLocks noGrp="1"/>
+          </p:cNvSpPr>
+          <p:nvPr>
+            <p:ph idx="1"/>
+          </p:nvPr>
+        </p:nvSpPr>
+        <p:spPr/>
+        <p:txBody>
+          <a:bodyPr/>
+          <a:lstStyle/>
+          <a:p>
+            <a:r>
+              <a:rPr lang="en-US" dirty="0">
+                <a:hlinkClick r:id="rId2"/>
+              </a:rPr>
+              <a:t>XML Path Language (</a:t>
+            </a:r>
+            <a:r>
+              <a:rPr lang="en-US" dirty="0" err="1" smtClean="0">
+                <a:hlinkClick r:id="rId2"/>
+              </a:rPr>
+              <a:t>XPath</a:t>
+            </a:r>
+            <a:r>
+              <a:rPr lang="en-US" dirty="0" smtClean="0">
+                <a:hlinkClick r:id="rId2"/>
+              </a:rPr>
+              <a:t>) Version 1.0</a:t>
+            </a:r>
+            <a:endParaRPr lang="en-US" dirty="0" smtClean="0"/>
+          </a:p>
+          <a:p>
+            <a:r>
+              <a:rPr lang="en-US" dirty="0">
+                <a:hlinkClick r:id="rId3"/>
+              </a:rPr>
+              <a:t>XML Path Language (</a:t>
+            </a:r>
+            <a:r>
+              <a:rPr lang="en-US" dirty="0" err="1">
+                <a:hlinkClick r:id="rId3"/>
+              </a:rPr>
+              <a:t>XPath</a:t>
+            </a:r>
+            <a:r>
+              <a:rPr lang="en-US" dirty="0">
+                <a:hlinkClick r:id="rId3"/>
+              </a:rPr>
+              <a:t>) 2.0 (Second Edition</a:t>
+            </a:r>
+            <a:r>
+              <a:rPr lang="en-US" dirty="0" smtClean="0">
+                <a:hlinkClick r:id="rId3"/>
+              </a:rPr>
+              <a:t>)</a:t>
+            </a:r>
+            <a:endParaRPr lang="ru-RU" dirty="0" smtClean="0"/>
+          </a:p>
+          <a:p>
+            <a:endParaRPr lang="ru-RU" dirty="0"/>
+          </a:p>
+          <a:p>
+            <a:pPr marL="0" indent="0">
+              <a:buNone/>
+            </a:pPr>
+            <a:r>
+              <a:rPr lang="en-US" dirty="0"/>
+              <a:t>.</a:t>
+            </a:r>
+            <a:r>
+              <a:rPr lang="en-US" dirty="0" smtClean="0"/>
+              <a:t>NET </a:t>
+            </a:r>
+            <a:r>
+              <a:rPr lang="ru-RU" dirty="0" smtClean="0"/>
+              <a:t>поддерживает только </a:t>
+            </a:r>
+            <a:r>
+              <a:rPr lang="en-US" dirty="0" err="1" smtClean="0"/>
+              <a:t>XPath</a:t>
+            </a:r>
+            <a:r>
+              <a:rPr lang="en-US" dirty="0" smtClean="0"/>
+              <a:t> 1.0</a:t>
+            </a:r>
+          </a:p>
+        </p:txBody>
+      </p:sp>
+    </p:spTree>
+    <p:extLst>
+      <p:ext uri="{BB962C8B-B14F-4D97-AF65-F5344CB8AC3E}">
+        <p14:creationId xmlns:p14="http://schemas.microsoft.com/office/powerpoint/2010/main" val="1733787468"/>
+      </p:ext>
+    </p:extLst>
+  </p:cSld>
+  <p:clrMapOvr>
+    <a:masterClrMapping/>
+  </p:clrMapOvr>
+  <p:timing>
+    <p:tnLst>
+      <p:par>
+        <p:cTn id="1" dur="indefinite" restart="never" nodeType="tmRoot"/>
+      </p:par>
+    </p:tnLst>
+  </p:timing>
+</p:sld>
+</file>
+
+<file path=ppt/slides/slide21.xml><?xml version="1.0" encoding="utf-8"?>
 <p:sld xmlns:a="http://schemas.openxmlformats.org/drawingml/2006/main" xmlns:r="http://schemas.openxmlformats.org/officeDocument/2006/relationships" xmlns:p="http://schemas.openxmlformats.org/presentationml/2006/main">
   <p:cSld>
     <p:spTree>
@@ -8288,7 +8370,7 @@
 </p:sld>
 </file>
 
-<file path=ppt/slides/slide21.xml><?xml version="1.0" encoding="utf-8"?>
+<file path=ppt/slides/slide22.xml><?xml version="1.0" encoding="utf-8"?>
 <p:sld xmlns:a="http://schemas.openxmlformats.org/drawingml/2006/main" xmlns:r="http://schemas.openxmlformats.org/officeDocument/2006/relationships" xmlns:p="http://schemas.openxmlformats.org/presentationml/2006/main">
   <p:cSld>
     <p:spTree>
@@ -8520,7 +8602,7 @@
 </p:sld>
 </file>
 
-<file path=ppt/slides/slide22.xml><?xml version="1.0" encoding="utf-8"?>
+<file path=ppt/slides/slide23.xml><?xml version="1.0" encoding="utf-8"?>
 <p:sld xmlns:a="http://schemas.openxmlformats.org/drawingml/2006/main" xmlns:r="http://schemas.openxmlformats.org/officeDocument/2006/relationships" xmlns:p="http://schemas.openxmlformats.org/presentationml/2006/main">
   <p:cSld>
     <p:spTree>
@@ -9209,11 +9291,11 @@
   <p:clrMapOvr>
     <a:masterClrMapping/>
   </p:clrMapOvr>
-  <mc:AlternateContent xmlns:mc="http://schemas.openxmlformats.org/markup-compatibility/2006">
-    <mc:Choice xmlns:p14="http://schemas.microsoft.com/office/powerpoint/2010/main" Requires="p14">
+  <mc:AlternateContent xmlns:mc="http://schemas.openxmlformats.org/markup-compatibility/2006" xmlns:p14="http://schemas.microsoft.com/office/powerpoint/2010/main">
+    <mc:Choice Requires="p14">
       <p:transition p14:dur="10"/>
     </mc:Choice>
-    <mc:Fallback>
+    <mc:Fallback xmlns="">
       <p:transition/>
     </mc:Fallback>
   </mc:AlternateContent>
@@ -9367,7 +9449,7 @@
 </p:sld>
 </file>
 
-<file path=ppt/slides/slide23.xml><?xml version="1.0" encoding="utf-8"?>
+<file path=ppt/slides/slide24.xml><?xml version="1.0" encoding="utf-8"?>
 <p:sld xmlns:a="http://schemas.openxmlformats.org/drawingml/2006/main" xmlns:r="http://schemas.openxmlformats.org/officeDocument/2006/relationships" xmlns:p="http://schemas.openxmlformats.org/presentationml/2006/main">
   <p:cSld>
     <p:spTree>
@@ -9537,7 +9619,7 @@
 </p:sld>
 </file>
 
-<file path=ppt/slides/slide24.xml><?xml version="1.0" encoding="utf-8"?>
+<file path=ppt/slides/slide25.xml><?xml version="1.0" encoding="utf-8"?>
 <p:sld xmlns:a="http://schemas.openxmlformats.org/drawingml/2006/main" xmlns:r="http://schemas.openxmlformats.org/officeDocument/2006/relationships" xmlns:p="http://schemas.openxmlformats.org/presentationml/2006/main">
   <p:cSld>
     <p:spTree>
@@ -10453,7 +10535,7 @@
 </p:sld>
 </file>
 
-<file path=ppt/slides/slide25.xml><?xml version="1.0" encoding="utf-8"?>
+<file path=ppt/slides/slide26.xml><?xml version="1.0" encoding="utf-8"?>
 <p:sld xmlns:a="http://schemas.openxmlformats.org/drawingml/2006/main" xmlns:r="http://schemas.openxmlformats.org/officeDocument/2006/relationships" xmlns:p="http://schemas.openxmlformats.org/presentationml/2006/main">
   <p:cSld>
     <p:spTree>
@@ -10609,136 +10691,6 @@
     <p:extLst>
       <p:ext uri="{BB962C8B-B14F-4D97-AF65-F5344CB8AC3E}">
         <p14:creationId xmlns:p14="http://schemas.microsoft.com/office/powerpoint/2010/main" val="238274862"/>
-      </p:ext>
-    </p:extLst>
-  </p:cSld>
-  <p:clrMapOvr>
-    <a:masterClrMapping/>
-  </p:clrMapOvr>
-  <p:timing>
-    <p:tnLst>
-      <p:par>
-        <p:cTn id="1" dur="indefinite" restart="never" nodeType="tmRoot"/>
-      </p:par>
-    </p:tnLst>
-  </p:timing>
-</p:sld>
-</file>
-
-<file path=ppt/slides/slide26.xml><?xml version="1.0" encoding="utf-8"?>
-<p:sld xmlns:a="http://schemas.openxmlformats.org/drawingml/2006/main" xmlns:r="http://schemas.openxmlformats.org/officeDocument/2006/relationships" xmlns:p="http://schemas.openxmlformats.org/presentationml/2006/main">
-  <p:cSld>
-    <p:spTree>
-      <p:nvGrpSpPr>
-        <p:cNvPr id="1" name=""/>
-        <p:cNvGrpSpPr/>
-        <p:nvPr/>
-      </p:nvGrpSpPr>
-      <p:grpSpPr>
-        <a:xfrm>
-          <a:off x="0" y="0"/>
-          <a:ext cx="0" cy="0"/>
-          <a:chOff x="0" y="0"/>
-          <a:chExt cx="0" cy="0"/>
-        </a:xfrm>
-      </p:grpSpPr>
-      <p:sp>
-        <p:nvSpPr>
-          <p:cNvPr id="2" name="Title 1"/>
-          <p:cNvSpPr>
-            <a:spLocks noGrp="1"/>
-          </p:cNvSpPr>
-          <p:nvPr>
-            <p:ph type="title"/>
-          </p:nvPr>
-        </p:nvSpPr>
-        <p:spPr/>
-        <p:txBody>
-          <a:bodyPr/>
-          <a:lstStyle/>
-          <a:p>
-            <a:r>
-              <a:rPr lang="en-US" dirty="0" smtClean="0"/>
-              <a:t>XML </a:t>
-            </a:r>
-            <a:r>
-              <a:rPr lang="ru-RU" dirty="0" smtClean="0"/>
-              <a:t>комментарии</a:t>
-            </a:r>
-            <a:r>
-              <a:rPr lang="en-US" dirty="0" smtClean="0"/>
-              <a:t>: Sandcastle</a:t>
-            </a:r>
-            <a:endParaRPr lang="ru-RU" dirty="0"/>
-          </a:p>
-        </p:txBody>
-      </p:sp>
-      <p:sp>
-        <p:nvSpPr>
-          <p:cNvPr id="3" name="Content Placeholder 2"/>
-          <p:cNvSpPr>
-            <a:spLocks noGrp="1"/>
-          </p:cNvSpPr>
-          <p:nvPr>
-            <p:ph idx="1"/>
-          </p:nvPr>
-        </p:nvSpPr>
-        <p:spPr/>
-        <p:txBody>
-          <a:bodyPr>
-            <a:normAutofit/>
-          </a:bodyPr>
-          <a:lstStyle/>
-          <a:p>
-            <a:pPr marL="0" indent="0">
-              <a:buNone/>
-            </a:pPr>
-            <a:r>
-              <a:rPr lang="ru-RU" dirty="0" smtClean="0"/>
-              <a:t>Полученный </a:t>
-            </a:r>
-            <a:r>
-              <a:rPr lang="en-US" dirty="0" smtClean="0"/>
-              <a:t>XML </a:t>
-            </a:r>
-            <a:r>
-              <a:rPr lang="ru-RU" dirty="0" smtClean="0"/>
-              <a:t>файл неудобен для чтения человеком. Однако его можно обработать с помощью программы </a:t>
-            </a:r>
-            <a:r>
-              <a:rPr lang="en-US" dirty="0" smtClean="0"/>
-              <a:t>Sandcastle</a:t>
-            </a:r>
-            <a:r>
-              <a:rPr lang="en-US" dirty="0"/>
-              <a:t> </a:t>
-            </a:r>
-            <a:r>
-              <a:rPr lang="en-US" dirty="0" smtClean="0"/>
-              <a:t>(</a:t>
-            </a:r>
-            <a:r>
-              <a:rPr lang="en-US" dirty="0" smtClean="0">
-                <a:hlinkClick r:id="rId2"/>
-              </a:rPr>
-              <a:t>shfb.codeplex.com</a:t>
-            </a:r>
-            <a:r>
-              <a:rPr lang="en-US" dirty="0" smtClean="0"/>
-              <a:t>) </a:t>
-            </a:r>
-            <a:r>
-              <a:rPr lang="ru-RU" dirty="0" smtClean="0"/>
-              <a:t>и получить файл(ы) справки.</a:t>
-            </a:r>
-            <a:endParaRPr lang="en-US" dirty="0" smtClean="0"/>
-          </a:p>
-        </p:txBody>
-      </p:sp>
-    </p:spTree>
-    <p:extLst>
-      <p:ext uri="{BB962C8B-B14F-4D97-AF65-F5344CB8AC3E}">
-        <p14:creationId xmlns:p14="http://schemas.microsoft.com/office/powerpoint/2010/main" val="2734608499"/>
       </p:ext>
     </p:extLst>
   </p:cSld>
@@ -10782,44 +10734,106 @@
             <p:ph type="title"/>
           </p:nvPr>
         </p:nvSpPr>
-        <p:spPr>
-          <a:xfrm>
-            <a:off x="457200" y="2857500"/>
-            <a:ext cx="8229600" cy="1143000"/>
-          </a:xfrm>
-        </p:spPr>
+        <p:spPr/>
+        <p:txBody>
+          <a:bodyPr/>
+          <a:lstStyle/>
+          <a:p>
+            <a:r>
+              <a:rPr lang="en-US" dirty="0" smtClean="0"/>
+              <a:t>XML </a:t>
+            </a:r>
+            <a:r>
+              <a:rPr lang="ru-RU" dirty="0" smtClean="0"/>
+              <a:t>комментарии</a:t>
+            </a:r>
+            <a:r>
+              <a:rPr lang="en-US" dirty="0" smtClean="0"/>
+              <a:t>: Sandcastle</a:t>
+            </a:r>
+            <a:endParaRPr lang="ru-RU" dirty="0"/>
+          </a:p>
+        </p:txBody>
+      </p:sp>
+      <p:sp>
+        <p:nvSpPr>
+          <p:cNvPr id="3" name="Content Placeholder 2"/>
+          <p:cNvSpPr>
+            <a:spLocks noGrp="1"/>
+          </p:cNvSpPr>
+          <p:nvPr>
+            <p:ph idx="1"/>
+          </p:nvPr>
+        </p:nvSpPr>
+        <p:spPr/>
         <p:txBody>
           <a:bodyPr>
             <a:normAutofit/>
           </a:bodyPr>
           <a:lstStyle/>
           <a:p>
+            <a:pPr marL="0" indent="0">
+              <a:buNone/>
+            </a:pPr>
             <a:r>
               <a:rPr lang="ru-RU" dirty="0" smtClean="0"/>
-              <a:t>Чтение </a:t>
+              <a:t>Полученный </a:t>
             </a:r>
             <a:r>
               <a:rPr lang="en-US" dirty="0" smtClean="0"/>
-              <a:t>XML. </a:t>
+              <a:t>XML </a:t>
             </a:r>
             <a:r>
               <a:rPr lang="ru-RU" dirty="0" smtClean="0"/>
-              <a:t>Демонстрация.</a:t>
-            </a:r>
-            <a:endParaRPr lang="ru-RU" dirty="0"/>
+              <a:t>файл неудобен для чтения человеком. Однако его можно обработать с помощью программы </a:t>
+            </a:r>
+            <a:r>
+              <a:rPr lang="en-US" dirty="0" smtClean="0"/>
+              <a:t>Sandcastle</a:t>
+            </a:r>
+            <a:r>
+              <a:rPr lang="en-US" dirty="0"/>
+              <a:t> </a:t>
+            </a:r>
+            <a:r>
+              <a:rPr lang="en-US" dirty="0" smtClean="0"/>
+              <a:t>(</a:t>
+            </a:r>
+            <a:r>
+              <a:rPr lang="en-US" dirty="0" smtClean="0">
+                <a:hlinkClick r:id="rId2"/>
+              </a:rPr>
+              <a:t>shfb.codeplex.com</a:t>
+            </a:r>
+            <a:r>
+              <a:rPr lang="en-US" dirty="0" smtClean="0"/>
+              <a:t>) </a:t>
+            </a:r>
+            <a:r>
+              <a:rPr lang="ru-RU" dirty="0" smtClean="0"/>
+              <a:t>и получить файл(ы) справки.</a:t>
+            </a:r>
+            <a:endParaRPr lang="en-US" dirty="0" smtClean="0"/>
           </a:p>
         </p:txBody>
       </p:sp>
     </p:spTree>
     <p:extLst>
       <p:ext uri="{BB962C8B-B14F-4D97-AF65-F5344CB8AC3E}">
-        <p14:creationId xmlns:p14="http://schemas.microsoft.com/office/powerpoint/2010/main" val="607863742"/>
+        <p14:creationId xmlns:p14="http://schemas.microsoft.com/office/powerpoint/2010/main" val="2734608499"/>
       </p:ext>
     </p:extLst>
   </p:cSld>
   <p:clrMapOvr>
     <a:masterClrMapping/>
   </p:clrMapOvr>
+  <p:timing>
+    <p:tnLst>
+      <p:par>
+        <p:cTn id="1" dur="indefinite" restart="never" nodeType="tmRoot"/>
+      </p:par>
+    </p:tnLst>
+  </p:timing>
 </p:sld>
 </file>
 
@@ -10850,101 +10864,29 @@
             <p:ph type="title"/>
           </p:nvPr>
         </p:nvSpPr>
-        <p:spPr/>
-        <p:txBody>
-          <a:bodyPr/>
-          <a:lstStyle/>
-          <a:p>
-            <a:r>
-              <a:rPr lang="en-US" dirty="0" smtClean="0"/>
-              <a:t>XML </a:t>
-            </a:r>
-            <a:r>
-              <a:rPr lang="ru-RU" dirty="0" smtClean="0"/>
-              <a:t>сериализация (</a:t>
-            </a:r>
-            <a:r>
-              <a:rPr lang="en-US" dirty="0" smtClean="0"/>
-              <a:t>serialization</a:t>
-            </a:r>
-            <a:r>
-              <a:rPr lang="ru-RU" dirty="0" smtClean="0"/>
-              <a:t>)</a:t>
-            </a:r>
-            <a:endParaRPr lang="ru-RU" dirty="0"/>
-          </a:p>
-        </p:txBody>
-      </p:sp>
-      <p:sp>
-        <p:nvSpPr>
-          <p:cNvPr id="3" name="Content Placeholder 2"/>
-          <p:cNvSpPr>
-            <a:spLocks noGrp="1"/>
-          </p:cNvSpPr>
-          <p:nvPr>
-            <p:ph idx="1"/>
-          </p:nvPr>
-        </p:nvSpPr>
-        <p:spPr/>
+        <p:spPr>
+          <a:xfrm>
+            <a:off x="457200" y="2857500"/>
+            <a:ext cx="8229600" cy="1143000"/>
+          </a:xfrm>
+        </p:spPr>
         <p:txBody>
           <a:bodyPr>
-            <a:normAutofit lnSpcReduction="10000"/>
+            <a:normAutofit/>
           </a:bodyPr>
           <a:lstStyle/>
           <a:p>
             <a:r>
-              <a:rPr lang="ru-RU" dirty="0"/>
-              <a:t>Сериализация – сохранение данных об объекте </a:t>
-            </a:r>
-            <a:r>
               <a:rPr lang="ru-RU" dirty="0" smtClean="0"/>
-              <a:t>в поток</a:t>
-            </a:r>
-            <a:endParaRPr lang="ru-RU" dirty="0"/>
-          </a:p>
-          <a:p>
+              <a:t>Чтение </a:t>
+            </a:r>
+            <a:r>
+              <a:rPr lang="en-US" dirty="0" smtClean="0"/>
+              <a:t>XML. </a:t>
+            </a:r>
             <a:r>
               <a:rPr lang="ru-RU" dirty="0" smtClean="0"/>
-              <a:t>Десериализация</a:t>
-            </a:r>
-            <a:r>
-              <a:rPr lang="en-US" dirty="0" smtClean="0"/>
-              <a:t> </a:t>
-            </a:r>
-            <a:r>
-              <a:rPr lang="ru-RU" dirty="0" smtClean="0"/>
-              <a:t>– </a:t>
-            </a:r>
-            <a:r>
-              <a:rPr lang="ru-RU" dirty="0"/>
-              <a:t>обратный процесс восстановления </a:t>
-            </a:r>
-            <a:r>
-              <a:rPr lang="ru-RU" dirty="0" smtClean="0"/>
-              <a:t>объекта</a:t>
-            </a:r>
-          </a:p>
-          <a:p>
-            <a:endParaRPr lang="en-US" dirty="0" smtClean="0"/>
-          </a:p>
-          <a:p>
-            <a:r>
-              <a:rPr lang="ru-RU" dirty="0" smtClean="0"/>
-              <a:t>Примеры использования:</a:t>
-            </a:r>
-          </a:p>
-          <a:p>
-            <a:pPr lvl="1"/>
-            <a:r>
-              <a:rPr lang="ru-RU" dirty="0" smtClean="0"/>
-              <a:t>Передача объекта между разными программи/машинами.</a:t>
-            </a:r>
-          </a:p>
-          <a:p>
-            <a:pPr lvl="1"/>
-            <a:r>
-              <a:rPr lang="ru-RU" dirty="0" smtClean="0"/>
-              <a:t>Файлы конфигурации</a:t>
+              <a:t>Демонстрация.</a:t>
             </a:r>
             <a:endParaRPr lang="ru-RU" dirty="0"/>
           </a:p>
@@ -10953,7 +10895,7 @@
     </p:spTree>
     <p:extLst>
       <p:ext uri="{BB962C8B-B14F-4D97-AF65-F5344CB8AC3E}">
-        <p14:creationId xmlns:p14="http://schemas.microsoft.com/office/powerpoint/2010/main" val="4243754449"/>
+        <p14:creationId xmlns:p14="http://schemas.microsoft.com/office/powerpoint/2010/main" val="607863742"/>
       </p:ext>
     </p:extLst>
   </p:cSld>
@@ -10990,37 +10932,28 @@
             <p:ph type="title"/>
           </p:nvPr>
         </p:nvSpPr>
-        <p:spPr>
-          <a:xfrm>
-            <a:off x="457200" y="-234280"/>
-            <a:ext cx="8229600" cy="1143000"/>
-          </a:xfrm>
-        </p:spPr>
+        <p:spPr/>
         <p:txBody>
           <a:bodyPr/>
           <a:lstStyle/>
           <a:p>
             <a:r>
-              <a:rPr lang="en-US" dirty="0"/>
-              <a:t>XML</a:t>
-            </a:r>
-            <a:r>
-              <a:rPr lang="ru-RU" dirty="0"/>
-              <a:t> </a:t>
+              <a:rPr lang="en-US" dirty="0" smtClean="0"/>
+              <a:t>XML </a:t>
             </a:r>
             <a:r>
               <a:rPr lang="ru-RU" dirty="0" smtClean="0"/>
-              <a:t>Сериализация</a:t>
+              <a:t>сериализация (</a:t>
             </a:r>
             <a:r>
               <a:rPr lang="en-US" dirty="0" smtClean="0"/>
-              <a:t>. </a:t>
+              <a:t>serialization</a:t>
             </a:r>
             <a:r>
               <a:rPr lang="ru-RU" dirty="0" smtClean="0"/>
-              <a:t>Пример.</a:t>
-            </a:r>
-            <a:endParaRPr lang="en-US" dirty="0"/>
+              <a:t>)</a:t>
+            </a:r>
+            <a:endParaRPr lang="ru-RU" dirty="0"/>
           </a:p>
         </p:txBody>
       </p:sp>
@@ -11034,2267 +10967,75 @@
             <p:ph idx="1"/>
           </p:nvPr>
         </p:nvSpPr>
-        <p:spPr>
-          <a:xfrm>
-            <a:off x="446856" y="620688"/>
-            <a:ext cx="8229600" cy="6048672"/>
-          </a:xfrm>
-          <a:solidFill>
-            <a:schemeClr val="bg1"/>
-          </a:solidFill>
-        </p:spPr>
+        <p:spPr/>
         <p:txBody>
           <a:bodyPr>
-            <a:normAutofit fontScale="25000" lnSpcReduction="20000"/>
+            <a:normAutofit lnSpcReduction="10000"/>
           </a:bodyPr>
           <a:lstStyle/>
           <a:p>
-            <a:pPr marL="0" indent="0">
-              <a:buNone/>
-            </a:pPr>
-            <a:r>
-              <a:rPr lang="en-US" dirty="0">
-                <a:solidFill>
-                  <a:srgbClr val="0000FF"/>
-                </a:solidFill>
-                <a:latin typeface="Consolas"/>
-              </a:rPr>
-              <a:t>using</a:t>
-            </a:r>
-            <a:r>
-              <a:rPr lang="en-US" dirty="0">
-                <a:solidFill>
-                  <a:srgbClr val="000000"/>
-                </a:solidFill>
-                <a:latin typeface="Consolas"/>
-              </a:rPr>
-              <a:t> System.IO;</a:t>
-            </a:r>
-          </a:p>
-          <a:p>
-            <a:pPr marL="0" indent="0">
-              <a:buNone/>
-            </a:pPr>
-            <a:r>
-              <a:rPr lang="en-US" dirty="0">
-                <a:solidFill>
-                  <a:srgbClr val="0000FF"/>
-                </a:solidFill>
-                <a:latin typeface="Consolas"/>
-              </a:rPr>
-              <a:t>using</a:t>
-            </a:r>
-            <a:r>
-              <a:rPr lang="en-US" dirty="0">
-                <a:solidFill>
-                  <a:srgbClr val="000000"/>
-                </a:solidFill>
-                <a:latin typeface="Consolas"/>
-              </a:rPr>
+            <a:r>
+              <a:rPr lang="ru-RU" dirty="0"/>
+              <a:t>Сериализация – сохранение данных об объекте </a:t>
+            </a:r>
+            <a:r>
+              <a:rPr lang="ru-RU" dirty="0" smtClean="0"/>
+              <a:t>в поток</a:t>
+            </a:r>
+            <a:endParaRPr lang="ru-RU" dirty="0"/>
+          </a:p>
+          <a:p>
+            <a:r>
+              <a:rPr lang="ru-RU" dirty="0" smtClean="0"/>
+              <a:t>Десериализация</a:t>
+            </a:r>
+            <a:r>
+              <a:rPr lang="en-US" dirty="0" smtClean="0"/>
               <a:t> </a:t>
             </a:r>
             <a:r>
-              <a:rPr lang="en-US" dirty="0" err="1">
-                <a:solidFill>
-                  <a:srgbClr val="000000"/>
-                </a:solidFill>
-                <a:latin typeface="Consolas"/>
-              </a:rPr>
-              <a:t>System.Xml.Serialization</a:t>
-            </a:r>
-            <a:r>
-              <a:rPr lang="en-US" dirty="0">
-                <a:solidFill>
-                  <a:srgbClr val="000000"/>
-                </a:solidFill>
-                <a:latin typeface="Consolas"/>
-              </a:rPr>
-              <a:t>;</a:t>
-            </a:r>
-            <a:endParaRPr lang="ru-RU" dirty="0">
-              <a:solidFill>
-                <a:srgbClr val="000000"/>
-              </a:solidFill>
-              <a:latin typeface="Consolas"/>
-            </a:endParaRPr>
-          </a:p>
-          <a:p>
-            <a:pPr marL="0" indent="0">
-              <a:buNone/>
-            </a:pPr>
-            <a:endParaRPr lang="ru-RU" dirty="0">
-              <a:solidFill>
-                <a:srgbClr val="000000"/>
-              </a:solidFill>
-              <a:latin typeface="Consolas"/>
-            </a:endParaRPr>
-          </a:p>
-          <a:p>
-            <a:pPr marL="0" indent="0">
-              <a:buNone/>
-            </a:pPr>
-            <a:r>
-              <a:rPr lang="en-US" dirty="0">
-                <a:solidFill>
-                  <a:srgbClr val="0000FF"/>
-                </a:solidFill>
-                <a:latin typeface="Consolas"/>
-              </a:rPr>
-              <a:t>public</a:t>
-            </a:r>
-            <a:r>
-              <a:rPr lang="en-US" dirty="0">
-                <a:solidFill>
-                  <a:srgbClr val="000000"/>
-                </a:solidFill>
-                <a:latin typeface="Consolas"/>
-              </a:rPr>
-              <a:t> </a:t>
-            </a:r>
-            <a:r>
-              <a:rPr lang="en-US" dirty="0">
-                <a:solidFill>
-                  <a:srgbClr val="0000FF"/>
-                </a:solidFill>
-                <a:latin typeface="Consolas"/>
-              </a:rPr>
-              <a:t>class</a:t>
-            </a:r>
-            <a:r>
-              <a:rPr lang="en-US" dirty="0">
-                <a:solidFill>
-                  <a:srgbClr val="000000"/>
-                </a:solidFill>
-                <a:latin typeface="Consolas"/>
-              </a:rPr>
-              <a:t> Train</a:t>
-            </a:r>
-          </a:p>
-          <a:p>
-            <a:pPr marL="0" indent="0">
-              <a:buNone/>
-            </a:pPr>
-            <a:r>
-              <a:rPr lang="en-US" dirty="0">
-                <a:solidFill>
-                  <a:srgbClr val="000000"/>
-                </a:solidFill>
-                <a:latin typeface="Consolas"/>
-              </a:rPr>
-              <a:t>{</a:t>
-            </a:r>
-          </a:p>
-          <a:p>
-            <a:pPr marL="0" indent="0">
-              <a:buNone/>
-            </a:pPr>
-            <a:r>
-              <a:rPr lang="en-US" dirty="0">
-                <a:solidFill>
-                  <a:srgbClr val="000000"/>
-                </a:solidFill>
-                <a:latin typeface="Consolas"/>
-              </a:rPr>
-              <a:t>  [</a:t>
-            </a:r>
-            <a:r>
-              <a:rPr lang="en-US" dirty="0" err="1">
-                <a:solidFill>
-                  <a:srgbClr val="000000"/>
-                </a:solidFill>
-                <a:latin typeface="Consolas"/>
-              </a:rPr>
-              <a:t>XmlIgnore</a:t>
-            </a:r>
-            <a:r>
-              <a:rPr lang="en-US" dirty="0">
-                <a:solidFill>
-                  <a:srgbClr val="000000"/>
-                </a:solidFill>
-                <a:latin typeface="Consolas"/>
-              </a:rPr>
-              <a:t>]</a:t>
-            </a:r>
-          </a:p>
-          <a:p>
-            <a:pPr marL="0" indent="0">
-              <a:buNone/>
-            </a:pPr>
-            <a:r>
-              <a:rPr lang="en-US" dirty="0">
-                <a:solidFill>
-                  <a:srgbClr val="000000"/>
-                </a:solidFill>
-                <a:latin typeface="Consolas"/>
-              </a:rPr>
-              <a:t>  </a:t>
-            </a:r>
-            <a:r>
-              <a:rPr lang="en-US" dirty="0">
-                <a:solidFill>
-                  <a:srgbClr val="0000FF"/>
-                </a:solidFill>
-                <a:latin typeface="Consolas"/>
-              </a:rPr>
-              <a:t>public</a:t>
-            </a:r>
-            <a:r>
-              <a:rPr lang="en-US" dirty="0">
-                <a:solidFill>
-                  <a:srgbClr val="000000"/>
-                </a:solidFill>
-                <a:latin typeface="Consolas"/>
-              </a:rPr>
-              <a:t> </a:t>
-            </a:r>
-            <a:r>
-              <a:rPr lang="en-US" dirty="0">
-                <a:solidFill>
-                  <a:srgbClr val="0000FF"/>
-                </a:solidFill>
-                <a:latin typeface="Consolas"/>
-              </a:rPr>
-              <a:t>double</a:t>
-            </a:r>
-            <a:r>
-              <a:rPr lang="en-US" dirty="0">
-                <a:solidFill>
-                  <a:srgbClr val="000000"/>
-                </a:solidFill>
-                <a:latin typeface="Consolas"/>
-              </a:rPr>
-              <a:t> Speed { </a:t>
-            </a:r>
-            <a:r>
-              <a:rPr lang="en-US" dirty="0">
-                <a:solidFill>
-                  <a:srgbClr val="0000FF"/>
-                </a:solidFill>
-                <a:latin typeface="Consolas"/>
-              </a:rPr>
-              <a:t>get</a:t>
-            </a:r>
-            <a:r>
-              <a:rPr lang="en-US" dirty="0">
-                <a:solidFill>
-                  <a:srgbClr val="000000"/>
-                </a:solidFill>
-                <a:latin typeface="Consolas"/>
-              </a:rPr>
-              <a:t>; </a:t>
-            </a:r>
-            <a:r>
-              <a:rPr lang="en-US" dirty="0">
-                <a:solidFill>
-                  <a:srgbClr val="0000FF"/>
-                </a:solidFill>
-                <a:latin typeface="Consolas"/>
-              </a:rPr>
-              <a:t>set</a:t>
-            </a:r>
-            <a:r>
-              <a:rPr lang="en-US" dirty="0">
-                <a:solidFill>
-                  <a:srgbClr val="000000"/>
-                </a:solidFill>
-                <a:latin typeface="Consolas"/>
-              </a:rPr>
-              <a:t>; }</a:t>
-            </a:r>
-          </a:p>
-          <a:p>
-            <a:pPr marL="0" indent="0">
-              <a:buNone/>
-            </a:pPr>
-            <a:r>
-              <a:rPr lang="en-US" dirty="0">
-                <a:solidFill>
-                  <a:srgbClr val="000000"/>
-                </a:solidFill>
-                <a:latin typeface="Consolas"/>
-              </a:rPr>
-              <a:t>  </a:t>
-            </a:r>
-            <a:r>
-              <a:rPr lang="en-US" dirty="0">
-                <a:solidFill>
-                  <a:srgbClr val="0000FF"/>
-                </a:solidFill>
-                <a:latin typeface="Consolas"/>
-              </a:rPr>
-              <a:t>public</a:t>
-            </a:r>
-            <a:r>
-              <a:rPr lang="en-US" dirty="0">
-                <a:solidFill>
-                  <a:srgbClr val="000000"/>
-                </a:solidFill>
-                <a:latin typeface="Consolas"/>
-              </a:rPr>
-              <a:t> </a:t>
-            </a:r>
-            <a:r>
-              <a:rPr lang="en-US" dirty="0" err="1">
-                <a:solidFill>
-                  <a:srgbClr val="0000FF"/>
-                </a:solidFill>
-                <a:latin typeface="Consolas"/>
-              </a:rPr>
-              <a:t>int</a:t>
-            </a:r>
-            <a:r>
-              <a:rPr lang="en-US" dirty="0">
-                <a:solidFill>
-                  <a:srgbClr val="000000"/>
-                </a:solidFill>
-                <a:latin typeface="Consolas"/>
-              </a:rPr>
-              <a:t> Length { </a:t>
-            </a:r>
-            <a:r>
-              <a:rPr lang="en-US" dirty="0">
-                <a:solidFill>
-                  <a:srgbClr val="0000FF"/>
-                </a:solidFill>
-                <a:latin typeface="Consolas"/>
-              </a:rPr>
-              <a:t>get</a:t>
-            </a:r>
-            <a:r>
-              <a:rPr lang="en-US" dirty="0">
-                <a:solidFill>
-                  <a:srgbClr val="000000"/>
-                </a:solidFill>
-                <a:latin typeface="Consolas"/>
-              </a:rPr>
-              <a:t>; </a:t>
-            </a:r>
-            <a:r>
-              <a:rPr lang="en-US" dirty="0">
-                <a:solidFill>
-                  <a:srgbClr val="0000FF"/>
-                </a:solidFill>
-                <a:latin typeface="Consolas"/>
-              </a:rPr>
-              <a:t>set</a:t>
-            </a:r>
-            <a:r>
-              <a:rPr lang="en-US" dirty="0">
-                <a:solidFill>
-                  <a:srgbClr val="000000"/>
-                </a:solidFill>
-                <a:latin typeface="Consolas"/>
-              </a:rPr>
-              <a:t>; }</a:t>
-            </a:r>
-          </a:p>
-          <a:p>
-            <a:pPr marL="0" indent="0">
-              <a:buNone/>
-            </a:pPr>
-            <a:r>
-              <a:rPr lang="en-US" dirty="0">
-                <a:solidFill>
-                  <a:srgbClr val="000000"/>
-                </a:solidFill>
-                <a:latin typeface="Consolas"/>
-              </a:rPr>
-              <a:t>  </a:t>
-            </a:r>
-            <a:r>
-              <a:rPr lang="en-US" dirty="0">
-                <a:solidFill>
-                  <a:srgbClr val="0000FF"/>
-                </a:solidFill>
-                <a:latin typeface="Consolas"/>
-              </a:rPr>
-              <a:t>public</a:t>
-            </a:r>
-            <a:r>
-              <a:rPr lang="en-US" dirty="0">
-                <a:solidFill>
-                  <a:srgbClr val="000000"/>
-                </a:solidFill>
-                <a:latin typeface="Consolas"/>
-              </a:rPr>
-              <a:t> </a:t>
-            </a:r>
-            <a:r>
-              <a:rPr lang="en-US" dirty="0">
-                <a:solidFill>
-                  <a:srgbClr val="0000FF"/>
-                </a:solidFill>
-                <a:latin typeface="Consolas"/>
-              </a:rPr>
-              <a:t>string</a:t>
-            </a:r>
-            <a:r>
-              <a:rPr lang="en-US" dirty="0">
-                <a:solidFill>
-                  <a:srgbClr val="000000"/>
-                </a:solidFill>
-                <a:latin typeface="Consolas"/>
-              </a:rPr>
-              <a:t>[] </a:t>
-            </a:r>
-            <a:r>
-              <a:rPr lang="en-US" dirty="0" err="1">
-                <a:solidFill>
-                  <a:srgbClr val="000000"/>
-                </a:solidFill>
-                <a:latin typeface="Consolas"/>
-              </a:rPr>
-              <a:t>Travellers</a:t>
-            </a:r>
-            <a:r>
-              <a:rPr lang="en-US" dirty="0">
-                <a:solidFill>
-                  <a:srgbClr val="000000"/>
-                </a:solidFill>
-                <a:latin typeface="Consolas"/>
-              </a:rPr>
-              <a:t> { </a:t>
-            </a:r>
-            <a:r>
-              <a:rPr lang="en-US" dirty="0">
-                <a:solidFill>
-                  <a:srgbClr val="0000FF"/>
-                </a:solidFill>
-                <a:latin typeface="Consolas"/>
-              </a:rPr>
-              <a:t>get</a:t>
-            </a:r>
-            <a:r>
-              <a:rPr lang="en-US" dirty="0">
-                <a:solidFill>
-                  <a:srgbClr val="000000"/>
-                </a:solidFill>
-                <a:latin typeface="Consolas"/>
-              </a:rPr>
-              <a:t>; </a:t>
-            </a:r>
-            <a:r>
-              <a:rPr lang="en-US" dirty="0">
-                <a:solidFill>
-                  <a:srgbClr val="0000FF"/>
-                </a:solidFill>
-                <a:latin typeface="Consolas"/>
-              </a:rPr>
-              <a:t>set</a:t>
-            </a:r>
-            <a:r>
-              <a:rPr lang="en-US" dirty="0">
-                <a:solidFill>
-                  <a:srgbClr val="000000"/>
-                </a:solidFill>
-                <a:latin typeface="Consolas"/>
-              </a:rPr>
-              <a:t>; }</a:t>
-            </a:r>
-          </a:p>
-          <a:p>
-            <a:pPr marL="0" indent="0">
-              <a:buNone/>
-            </a:pPr>
-            <a:r>
-              <a:rPr lang="en-US" dirty="0">
-                <a:solidFill>
-                  <a:srgbClr val="000000"/>
-                </a:solidFill>
-                <a:latin typeface="Consolas"/>
-              </a:rPr>
-              <a:t>  </a:t>
-            </a:r>
-          </a:p>
-          <a:p>
-            <a:pPr marL="0" indent="0">
-              <a:buNone/>
-            </a:pPr>
-            <a:r>
-              <a:rPr lang="en-US" dirty="0">
-                <a:solidFill>
-                  <a:srgbClr val="000000"/>
-                </a:solidFill>
-                <a:latin typeface="Consolas"/>
-              </a:rPr>
-              <a:t>  </a:t>
-            </a:r>
-            <a:r>
-              <a:rPr lang="en-US" dirty="0">
-                <a:solidFill>
-                  <a:srgbClr val="0000FF"/>
-                </a:solidFill>
-                <a:latin typeface="Consolas"/>
-              </a:rPr>
-              <a:t>public</a:t>
-            </a:r>
-            <a:r>
-              <a:rPr lang="en-US" dirty="0">
-                <a:solidFill>
-                  <a:srgbClr val="000000"/>
-                </a:solidFill>
-                <a:latin typeface="Consolas"/>
-              </a:rPr>
-              <a:t> Train() {} </a:t>
-            </a:r>
-            <a:r>
-              <a:rPr lang="en-US" dirty="0">
-                <a:solidFill>
-                  <a:srgbClr val="008000"/>
-                </a:solidFill>
-                <a:latin typeface="Consolas"/>
-              </a:rPr>
-              <a:t>//</a:t>
-            </a:r>
-            <a:r>
-              <a:rPr lang="ru-RU" dirty="0">
-                <a:solidFill>
-                  <a:srgbClr val="008000"/>
-                </a:solidFill>
-                <a:latin typeface="Consolas"/>
-              </a:rPr>
-              <a:t> Для XML сериализации требуется наличие конструктора без аргументов</a:t>
-            </a:r>
-            <a:endParaRPr lang="en-US" dirty="0">
-              <a:solidFill>
-                <a:srgbClr val="000000"/>
-              </a:solidFill>
-              <a:latin typeface="Consolas"/>
-            </a:endParaRPr>
-          </a:p>
-          <a:p>
-            <a:pPr marL="0" indent="0">
-              <a:buNone/>
-            </a:pPr>
-            <a:r>
-              <a:rPr lang="en-US" dirty="0">
-                <a:solidFill>
-                  <a:srgbClr val="000000"/>
-                </a:solidFill>
-                <a:latin typeface="Consolas"/>
-              </a:rPr>
-              <a:t>  </a:t>
-            </a:r>
-            <a:r>
-              <a:rPr lang="en-US" dirty="0">
-                <a:solidFill>
-                  <a:srgbClr val="0000FF"/>
-                </a:solidFill>
-                <a:latin typeface="Consolas"/>
-              </a:rPr>
-              <a:t>public</a:t>
-            </a:r>
-            <a:r>
-              <a:rPr lang="en-US" dirty="0">
-                <a:solidFill>
-                  <a:srgbClr val="000000"/>
-                </a:solidFill>
-                <a:latin typeface="Consolas"/>
-              </a:rPr>
-              <a:t> Train(</a:t>
-            </a:r>
-            <a:r>
-              <a:rPr lang="en-US" dirty="0">
-                <a:solidFill>
-                  <a:srgbClr val="0000FF"/>
-                </a:solidFill>
-                <a:latin typeface="Consolas"/>
-              </a:rPr>
-              <a:t>double</a:t>
-            </a:r>
-            <a:r>
-              <a:rPr lang="en-US" dirty="0">
-                <a:solidFill>
-                  <a:srgbClr val="000000"/>
-                </a:solidFill>
-                <a:latin typeface="Consolas"/>
-              </a:rPr>
-              <a:t> speed, </a:t>
-            </a:r>
-            <a:r>
-              <a:rPr lang="en-US" dirty="0" err="1">
-                <a:solidFill>
-                  <a:srgbClr val="0000FF"/>
-                </a:solidFill>
-                <a:latin typeface="Consolas"/>
-              </a:rPr>
-              <a:t>int</a:t>
-            </a:r>
-            <a:r>
-              <a:rPr lang="en-US" dirty="0">
-                <a:solidFill>
-                  <a:srgbClr val="000000"/>
-                </a:solidFill>
-                <a:latin typeface="Consolas"/>
-              </a:rPr>
-              <a:t> length, </a:t>
-            </a:r>
-            <a:r>
-              <a:rPr lang="en-US" dirty="0" err="1">
-                <a:solidFill>
-                  <a:srgbClr val="0000FF"/>
-                </a:solidFill>
-                <a:latin typeface="Consolas"/>
-              </a:rPr>
-              <a:t>params</a:t>
-            </a:r>
-            <a:r>
-              <a:rPr lang="en-US" dirty="0">
-                <a:solidFill>
-                  <a:srgbClr val="000000"/>
-                </a:solidFill>
-                <a:latin typeface="Consolas"/>
-              </a:rPr>
-              <a:t> </a:t>
-            </a:r>
-            <a:r>
-              <a:rPr lang="en-US" dirty="0">
-                <a:solidFill>
-                  <a:srgbClr val="0000FF"/>
-                </a:solidFill>
-                <a:latin typeface="Consolas"/>
-              </a:rPr>
-              <a:t>string</a:t>
-            </a:r>
-            <a:r>
-              <a:rPr lang="en-US" dirty="0">
-                <a:solidFill>
-                  <a:srgbClr val="000000"/>
-                </a:solidFill>
-                <a:latin typeface="Consolas"/>
-              </a:rPr>
-              <a:t>[] </a:t>
-            </a:r>
-            <a:r>
-              <a:rPr lang="en-US" dirty="0" err="1">
-                <a:solidFill>
-                  <a:srgbClr val="000000"/>
-                </a:solidFill>
-                <a:latin typeface="Consolas"/>
-              </a:rPr>
-              <a:t>travellers</a:t>
-            </a:r>
-            <a:r>
-              <a:rPr lang="en-US" dirty="0">
-                <a:solidFill>
-                  <a:srgbClr val="000000"/>
-                </a:solidFill>
-                <a:latin typeface="Consolas"/>
-              </a:rPr>
-              <a:t>)</a:t>
-            </a:r>
-          </a:p>
-          <a:p>
-            <a:pPr marL="0" indent="0">
-              <a:buNone/>
-            </a:pPr>
-            <a:r>
-              <a:rPr lang="en-US" dirty="0">
-                <a:solidFill>
-                  <a:srgbClr val="000000"/>
-                </a:solidFill>
-                <a:latin typeface="Consolas"/>
-              </a:rPr>
-              <a:t>  {</a:t>
-            </a:r>
-          </a:p>
-          <a:p>
-            <a:pPr marL="0" indent="0">
-              <a:buNone/>
-            </a:pPr>
-            <a:r>
-              <a:rPr lang="en-US" dirty="0">
-                <a:solidFill>
-                  <a:srgbClr val="000000"/>
-                </a:solidFill>
-                <a:latin typeface="Consolas"/>
-              </a:rPr>
-              <a:t>      Speed = speed;</a:t>
-            </a:r>
-          </a:p>
-          <a:p>
-            <a:pPr marL="0" indent="0">
-              <a:buNone/>
-            </a:pPr>
-            <a:r>
-              <a:rPr lang="en-US" dirty="0">
-                <a:solidFill>
-                  <a:srgbClr val="000000"/>
-                </a:solidFill>
-                <a:latin typeface="Consolas"/>
-              </a:rPr>
-              <a:t>      Length = length;</a:t>
-            </a:r>
-          </a:p>
-          <a:p>
-            <a:pPr marL="0" indent="0">
-              <a:buNone/>
-            </a:pPr>
-            <a:r>
-              <a:rPr lang="en-US" dirty="0">
-                <a:solidFill>
-                  <a:srgbClr val="000000"/>
-                </a:solidFill>
-                <a:latin typeface="Consolas"/>
-              </a:rPr>
-              <a:t>      </a:t>
-            </a:r>
-            <a:r>
-              <a:rPr lang="en-US" dirty="0" err="1">
-                <a:solidFill>
-                  <a:srgbClr val="000000"/>
-                </a:solidFill>
-                <a:latin typeface="Consolas"/>
-              </a:rPr>
-              <a:t>Travellers</a:t>
-            </a:r>
-            <a:r>
-              <a:rPr lang="en-US" dirty="0">
-                <a:solidFill>
-                  <a:srgbClr val="000000"/>
-                </a:solidFill>
-                <a:latin typeface="Consolas"/>
-              </a:rPr>
-              <a:t> = </a:t>
-            </a:r>
-            <a:r>
-              <a:rPr lang="en-US" dirty="0" err="1">
-                <a:solidFill>
-                  <a:srgbClr val="000000"/>
-                </a:solidFill>
-                <a:latin typeface="Consolas"/>
-              </a:rPr>
-              <a:t>travellers</a:t>
-            </a:r>
-            <a:r>
-              <a:rPr lang="en-US" dirty="0">
-                <a:solidFill>
-                  <a:srgbClr val="000000"/>
-                </a:solidFill>
-                <a:latin typeface="Consolas"/>
-              </a:rPr>
-              <a:t>;</a:t>
-            </a:r>
-          </a:p>
-          <a:p>
-            <a:pPr marL="0" indent="0">
-              <a:buNone/>
-            </a:pPr>
-            <a:r>
-              <a:rPr lang="en-US" dirty="0">
-                <a:solidFill>
-                  <a:srgbClr val="000000"/>
-                </a:solidFill>
-                <a:latin typeface="Consolas"/>
-              </a:rPr>
-              <a:t>  }</a:t>
-            </a:r>
-          </a:p>
-          <a:p>
-            <a:pPr marL="0" indent="0">
-              <a:buNone/>
-            </a:pPr>
-            <a:r>
-              <a:rPr lang="en-US" dirty="0">
-                <a:solidFill>
-                  <a:srgbClr val="000000"/>
-                </a:solidFill>
-                <a:latin typeface="Consolas"/>
-              </a:rPr>
-              <a:t>  </a:t>
-            </a:r>
-          </a:p>
-          <a:p>
-            <a:pPr marL="0" indent="0">
-              <a:buNone/>
-            </a:pPr>
-            <a:r>
-              <a:rPr lang="en-US" dirty="0">
-                <a:solidFill>
-                  <a:srgbClr val="000000"/>
-                </a:solidFill>
-                <a:latin typeface="Consolas"/>
-              </a:rPr>
-              <a:t>  </a:t>
-            </a:r>
-            <a:r>
-              <a:rPr lang="en-US" dirty="0">
-                <a:solidFill>
-                  <a:srgbClr val="0000FF"/>
-                </a:solidFill>
-                <a:latin typeface="Consolas"/>
-              </a:rPr>
-              <a:t>public</a:t>
-            </a:r>
-            <a:r>
-              <a:rPr lang="en-US" dirty="0">
-                <a:solidFill>
-                  <a:srgbClr val="000000"/>
-                </a:solidFill>
-                <a:latin typeface="Consolas"/>
-              </a:rPr>
-              <a:t> </a:t>
-            </a:r>
-            <a:r>
-              <a:rPr lang="en-US" dirty="0">
-                <a:solidFill>
-                  <a:srgbClr val="0000FF"/>
-                </a:solidFill>
-                <a:latin typeface="Consolas"/>
-              </a:rPr>
-              <a:t>void</a:t>
-            </a:r>
-            <a:r>
-              <a:rPr lang="en-US" dirty="0">
-                <a:solidFill>
-                  <a:srgbClr val="000000"/>
-                </a:solidFill>
-                <a:latin typeface="Consolas"/>
-              </a:rPr>
-              <a:t> Print()</a:t>
-            </a:r>
-          </a:p>
-          <a:p>
-            <a:pPr marL="0" indent="0">
-              <a:buNone/>
-            </a:pPr>
-            <a:r>
-              <a:rPr lang="en-US" dirty="0">
-                <a:solidFill>
-                  <a:srgbClr val="000000"/>
-                </a:solidFill>
-                <a:latin typeface="Consolas"/>
-              </a:rPr>
-              <a:t>  {</a:t>
-            </a:r>
-          </a:p>
-          <a:p>
-            <a:pPr marL="0" indent="0">
-              <a:buNone/>
-            </a:pPr>
-            <a:r>
-              <a:rPr lang="en-US" dirty="0">
-                <a:solidFill>
-                  <a:srgbClr val="000000"/>
-                </a:solidFill>
-                <a:latin typeface="Consolas"/>
-              </a:rPr>
-              <a:t>      </a:t>
-            </a:r>
-            <a:r>
-              <a:rPr lang="en-US" dirty="0" err="1">
-                <a:solidFill>
-                  <a:srgbClr val="000000"/>
-                </a:solidFill>
-                <a:latin typeface="Consolas"/>
-              </a:rPr>
-              <a:t>Console.WriteLine</a:t>
-            </a:r>
-            <a:r>
-              <a:rPr lang="en-US" dirty="0">
-                <a:solidFill>
-                  <a:srgbClr val="000000"/>
-                </a:solidFill>
-                <a:latin typeface="Consolas"/>
-              </a:rPr>
-              <a:t>(</a:t>
-            </a:r>
-            <a:r>
-              <a:rPr lang="en-US" dirty="0">
-                <a:solidFill>
-                  <a:srgbClr val="DC1414"/>
-                </a:solidFill>
-                <a:latin typeface="Consolas"/>
-              </a:rPr>
-              <a:t>"Speed: {0}"</a:t>
-            </a:r>
-            <a:r>
-              <a:rPr lang="en-US" dirty="0">
-                <a:solidFill>
-                  <a:srgbClr val="000000"/>
-                </a:solidFill>
-                <a:latin typeface="Consolas"/>
-              </a:rPr>
-              <a:t>, Speed);</a:t>
-            </a:r>
-          </a:p>
-          <a:p>
-            <a:pPr marL="0" indent="0">
-              <a:buNone/>
-            </a:pPr>
-            <a:r>
-              <a:rPr lang="en-US" dirty="0">
-                <a:solidFill>
-                  <a:srgbClr val="000000"/>
-                </a:solidFill>
-                <a:latin typeface="Consolas"/>
-              </a:rPr>
-              <a:t>      </a:t>
-            </a:r>
-            <a:r>
-              <a:rPr lang="en-US" dirty="0" err="1">
-                <a:solidFill>
-                  <a:srgbClr val="000000"/>
-                </a:solidFill>
-                <a:latin typeface="Consolas"/>
-              </a:rPr>
-              <a:t>Console.WriteLine</a:t>
-            </a:r>
-            <a:r>
-              <a:rPr lang="en-US" dirty="0">
-                <a:solidFill>
-                  <a:srgbClr val="000000"/>
-                </a:solidFill>
-                <a:latin typeface="Consolas"/>
-              </a:rPr>
-              <a:t>(</a:t>
-            </a:r>
-            <a:r>
-              <a:rPr lang="en-US" dirty="0">
-                <a:solidFill>
-                  <a:srgbClr val="DC1414"/>
-                </a:solidFill>
-                <a:latin typeface="Consolas"/>
-              </a:rPr>
-              <a:t>"Length : {0}"</a:t>
-            </a:r>
-            <a:r>
-              <a:rPr lang="en-US" dirty="0">
-                <a:solidFill>
-                  <a:srgbClr val="000000"/>
-                </a:solidFill>
-                <a:latin typeface="Consolas"/>
-              </a:rPr>
-              <a:t>, Length);</a:t>
-            </a:r>
-          </a:p>
-          <a:p>
-            <a:pPr marL="0" indent="0">
-              <a:buNone/>
-            </a:pPr>
-            <a:r>
-              <a:rPr lang="fr-FR" dirty="0">
-                <a:solidFill>
-                  <a:srgbClr val="000000"/>
-                </a:solidFill>
-                <a:latin typeface="Consolas"/>
-              </a:rPr>
-              <a:t>      </a:t>
-            </a:r>
-            <a:r>
-              <a:rPr lang="fr-FR" dirty="0" err="1">
-                <a:solidFill>
-                  <a:srgbClr val="000000"/>
-                </a:solidFill>
-                <a:latin typeface="Consolas"/>
-              </a:rPr>
-              <a:t>Console.WriteLine</a:t>
-            </a:r>
-            <a:r>
-              <a:rPr lang="fr-FR" dirty="0">
-                <a:solidFill>
-                  <a:srgbClr val="000000"/>
-                </a:solidFill>
-                <a:latin typeface="Consolas"/>
-              </a:rPr>
-              <a:t>(</a:t>
-            </a:r>
-            <a:r>
-              <a:rPr lang="fr-FR" dirty="0">
-                <a:solidFill>
-                  <a:srgbClr val="DC1414"/>
-                </a:solidFill>
-                <a:latin typeface="Consolas"/>
-              </a:rPr>
-              <a:t>"</a:t>
-            </a:r>
-            <a:r>
-              <a:rPr lang="fr-FR" dirty="0" err="1">
-                <a:solidFill>
-                  <a:srgbClr val="DC1414"/>
-                </a:solidFill>
-                <a:latin typeface="Consolas"/>
-              </a:rPr>
-              <a:t>Travellers</a:t>
-            </a:r>
-            <a:r>
-              <a:rPr lang="fr-FR" dirty="0">
-                <a:solidFill>
-                  <a:srgbClr val="DC1414"/>
-                </a:solidFill>
-                <a:latin typeface="Consolas"/>
-              </a:rPr>
-              <a:t>: {0}"</a:t>
-            </a:r>
-            <a:r>
-              <a:rPr lang="fr-FR" dirty="0">
-                <a:solidFill>
-                  <a:srgbClr val="000000"/>
-                </a:solidFill>
-                <a:latin typeface="Consolas"/>
-              </a:rPr>
-              <a:t>, </a:t>
-            </a:r>
-            <a:r>
-              <a:rPr lang="fr-FR" dirty="0" err="1">
-                <a:solidFill>
-                  <a:srgbClr val="000000"/>
-                </a:solidFill>
-                <a:latin typeface="Consolas"/>
-              </a:rPr>
-              <a:t>String.Join</a:t>
-            </a:r>
-            <a:r>
-              <a:rPr lang="fr-FR" dirty="0">
-                <a:solidFill>
-                  <a:srgbClr val="000000"/>
-                </a:solidFill>
-                <a:latin typeface="Consolas"/>
-              </a:rPr>
-              <a:t>(</a:t>
-            </a:r>
-            <a:r>
-              <a:rPr lang="fr-FR" dirty="0">
-                <a:solidFill>
-                  <a:srgbClr val="DC1414"/>
-                </a:solidFill>
-                <a:latin typeface="Consolas"/>
-              </a:rPr>
-              <a:t>"; "</a:t>
-            </a:r>
-            <a:r>
-              <a:rPr lang="fr-FR" dirty="0">
-                <a:solidFill>
-                  <a:srgbClr val="000000"/>
-                </a:solidFill>
-                <a:latin typeface="Consolas"/>
-              </a:rPr>
-              <a:t>, </a:t>
-            </a:r>
-            <a:r>
-              <a:rPr lang="fr-FR" dirty="0" err="1">
-                <a:solidFill>
-                  <a:srgbClr val="000000"/>
-                </a:solidFill>
-                <a:latin typeface="Consolas"/>
-              </a:rPr>
-              <a:t>Travellers</a:t>
-            </a:r>
-            <a:r>
-              <a:rPr lang="fr-FR" dirty="0">
-                <a:solidFill>
-                  <a:srgbClr val="000000"/>
-                </a:solidFill>
-                <a:latin typeface="Consolas"/>
-              </a:rPr>
-              <a:t>));</a:t>
-            </a:r>
-          </a:p>
-          <a:p>
-            <a:pPr marL="0" indent="0">
-              <a:buNone/>
-            </a:pPr>
-            <a:r>
-              <a:rPr lang="en-US" dirty="0">
-                <a:solidFill>
-                  <a:srgbClr val="000000"/>
-                </a:solidFill>
-                <a:latin typeface="Consolas"/>
-              </a:rPr>
-              <a:t>  }</a:t>
-            </a:r>
-          </a:p>
-          <a:p>
-            <a:pPr marL="0" indent="0">
-              <a:buNone/>
-            </a:pPr>
-            <a:r>
-              <a:rPr lang="en-US" dirty="0">
-                <a:solidFill>
-                  <a:srgbClr val="000000"/>
-                </a:solidFill>
-                <a:latin typeface="Consolas"/>
-              </a:rPr>
-              <a:t>}</a:t>
-            </a:r>
-          </a:p>
-          <a:p>
-            <a:pPr marL="0" indent="0">
-              <a:buNone/>
-            </a:pPr>
-            <a:endParaRPr lang="en-US" dirty="0">
-              <a:solidFill>
-                <a:srgbClr val="000000"/>
-              </a:solidFill>
-              <a:latin typeface="Consolas"/>
-            </a:endParaRPr>
-          </a:p>
-          <a:p>
-            <a:pPr marL="0" indent="0">
-              <a:buNone/>
-            </a:pPr>
-            <a:r>
-              <a:rPr lang="en-US" dirty="0">
-                <a:solidFill>
-                  <a:srgbClr val="0000FF"/>
-                </a:solidFill>
-                <a:latin typeface="Consolas"/>
-              </a:rPr>
-              <a:t>static</a:t>
-            </a:r>
-            <a:r>
-              <a:rPr lang="en-US" dirty="0">
-                <a:solidFill>
-                  <a:srgbClr val="000000"/>
-                </a:solidFill>
-                <a:latin typeface="Consolas"/>
-              </a:rPr>
-              <a:t> </a:t>
-            </a:r>
-            <a:r>
-              <a:rPr lang="en-US" dirty="0">
-                <a:solidFill>
-                  <a:srgbClr val="0000FF"/>
-                </a:solidFill>
-                <a:latin typeface="Consolas"/>
-              </a:rPr>
-              <a:t>void</a:t>
-            </a:r>
-            <a:r>
-              <a:rPr lang="en-US" dirty="0">
-                <a:solidFill>
-                  <a:srgbClr val="000000"/>
-                </a:solidFill>
-                <a:latin typeface="Consolas"/>
-              </a:rPr>
-              <a:t> Main()</a:t>
-            </a:r>
-          </a:p>
-          <a:p>
-            <a:pPr marL="0" indent="0">
-              <a:buNone/>
-            </a:pPr>
-            <a:r>
-              <a:rPr lang="en-US" dirty="0">
-                <a:solidFill>
-                  <a:srgbClr val="000000"/>
-                </a:solidFill>
-                <a:latin typeface="Consolas"/>
-              </a:rPr>
-              <a:t>{</a:t>
-            </a:r>
-          </a:p>
-          <a:p>
-            <a:pPr marL="0" indent="0">
-              <a:buNone/>
-            </a:pPr>
-            <a:r>
-              <a:rPr lang="fr-FR" dirty="0">
-                <a:solidFill>
-                  <a:srgbClr val="000000"/>
-                </a:solidFill>
-                <a:latin typeface="Consolas"/>
-              </a:rPr>
-              <a:t>    Train </a:t>
-            </a:r>
-            <a:r>
-              <a:rPr lang="fr-FR" dirty="0" err="1">
-                <a:solidFill>
-                  <a:srgbClr val="000000"/>
-                </a:solidFill>
-                <a:latin typeface="Consolas"/>
-              </a:rPr>
-              <a:t>train</a:t>
-            </a:r>
-            <a:r>
-              <a:rPr lang="fr-FR" dirty="0">
-                <a:solidFill>
-                  <a:srgbClr val="000000"/>
-                </a:solidFill>
-                <a:latin typeface="Consolas"/>
-              </a:rPr>
-              <a:t> = </a:t>
-            </a:r>
-            <a:r>
-              <a:rPr lang="fr-FR" dirty="0">
-                <a:solidFill>
-                  <a:srgbClr val="0000FF"/>
-                </a:solidFill>
-                <a:latin typeface="Consolas"/>
-              </a:rPr>
-              <a:t>new</a:t>
-            </a:r>
-            <a:r>
-              <a:rPr lang="fr-FR" dirty="0">
-                <a:solidFill>
-                  <a:srgbClr val="000000"/>
-                </a:solidFill>
-                <a:latin typeface="Consolas"/>
-              </a:rPr>
-              <a:t> Train(</a:t>
-            </a:r>
-            <a:r>
-              <a:rPr lang="fr-FR" dirty="0">
-                <a:solidFill>
-                  <a:srgbClr val="C81EFA"/>
-                </a:solidFill>
-                <a:latin typeface="Consolas"/>
-              </a:rPr>
-              <a:t>190.2</a:t>
-            </a:r>
-            <a:r>
-              <a:rPr lang="fr-FR" dirty="0">
-                <a:solidFill>
-                  <a:srgbClr val="000000"/>
-                </a:solidFill>
-                <a:latin typeface="Consolas"/>
-              </a:rPr>
-              <a:t>, </a:t>
-            </a:r>
-            <a:r>
-              <a:rPr lang="fr-FR" dirty="0">
-                <a:solidFill>
-                  <a:srgbClr val="C81EFA"/>
-                </a:solidFill>
-                <a:latin typeface="Consolas"/>
-              </a:rPr>
-              <a:t>8</a:t>
-            </a:r>
-            <a:r>
-              <a:rPr lang="fr-FR" dirty="0">
-                <a:solidFill>
-                  <a:srgbClr val="000000"/>
-                </a:solidFill>
-                <a:latin typeface="Consolas"/>
-              </a:rPr>
-              <a:t>, </a:t>
-            </a:r>
-            <a:r>
-              <a:rPr lang="fr-FR" dirty="0">
-                <a:solidFill>
-                  <a:srgbClr val="DC1414"/>
-                </a:solidFill>
-                <a:latin typeface="Consolas"/>
-              </a:rPr>
-              <a:t>"Ivanov"</a:t>
-            </a:r>
-            <a:r>
-              <a:rPr lang="fr-FR" dirty="0">
-                <a:solidFill>
-                  <a:srgbClr val="000000"/>
-                </a:solidFill>
-                <a:latin typeface="Consolas"/>
-              </a:rPr>
-              <a:t>, </a:t>
-            </a:r>
-            <a:r>
-              <a:rPr lang="fr-FR" dirty="0">
-                <a:solidFill>
-                  <a:srgbClr val="DC1414"/>
-                </a:solidFill>
-                <a:latin typeface="Consolas"/>
-              </a:rPr>
-              <a:t>"Petrov"</a:t>
-            </a:r>
-            <a:r>
-              <a:rPr lang="fr-FR" dirty="0">
-                <a:solidFill>
-                  <a:srgbClr val="000000"/>
-                </a:solidFill>
-                <a:latin typeface="Consolas"/>
-              </a:rPr>
-              <a:t>, </a:t>
-            </a:r>
-            <a:r>
-              <a:rPr lang="fr-FR" dirty="0">
-                <a:solidFill>
-                  <a:srgbClr val="DC1414"/>
-                </a:solidFill>
-                <a:latin typeface="Consolas"/>
-              </a:rPr>
-              <a:t>"</a:t>
-            </a:r>
-            <a:r>
-              <a:rPr lang="fr-FR" dirty="0" err="1">
-                <a:solidFill>
-                  <a:srgbClr val="DC1414"/>
-                </a:solidFill>
-                <a:latin typeface="Consolas"/>
-              </a:rPr>
-              <a:t>Sidorov</a:t>
-            </a:r>
-            <a:r>
-              <a:rPr lang="fr-FR" dirty="0">
-                <a:solidFill>
-                  <a:srgbClr val="DC1414"/>
-                </a:solidFill>
-                <a:latin typeface="Consolas"/>
-              </a:rPr>
-              <a:t>"</a:t>
-            </a:r>
-            <a:r>
-              <a:rPr lang="fr-FR" dirty="0">
-                <a:solidFill>
-                  <a:srgbClr val="000000"/>
-                </a:solidFill>
-                <a:latin typeface="Consolas"/>
-              </a:rPr>
-              <a:t>);</a:t>
-            </a:r>
-          </a:p>
-          <a:p>
-            <a:pPr marL="0" indent="0">
-              <a:buNone/>
-            </a:pPr>
-            <a:r>
-              <a:rPr lang="en-US" dirty="0">
-                <a:solidFill>
-                  <a:srgbClr val="000000"/>
-                </a:solidFill>
-                <a:latin typeface="Consolas"/>
-              </a:rPr>
-              <a:t>    </a:t>
-            </a:r>
-            <a:r>
-              <a:rPr lang="en-US" dirty="0" err="1">
-                <a:solidFill>
-                  <a:srgbClr val="000000"/>
-                </a:solidFill>
-                <a:latin typeface="Consolas"/>
-              </a:rPr>
-              <a:t>train.Print</a:t>
-            </a:r>
-            <a:r>
-              <a:rPr lang="en-US" dirty="0">
-                <a:solidFill>
-                  <a:srgbClr val="000000"/>
-                </a:solidFill>
-                <a:latin typeface="Consolas"/>
-              </a:rPr>
-              <a:t>();</a:t>
-            </a:r>
-          </a:p>
-          <a:p>
-            <a:pPr marL="0" indent="0">
-              <a:buNone/>
-            </a:pPr>
-            <a:endParaRPr lang="en-US" dirty="0">
-              <a:solidFill>
-                <a:srgbClr val="000000"/>
-              </a:solidFill>
-              <a:latin typeface="Consolas"/>
-            </a:endParaRPr>
-          </a:p>
-          <a:p>
-            <a:pPr marL="0" indent="0">
-              <a:buNone/>
-            </a:pPr>
-            <a:r>
-              <a:rPr lang="en-US" dirty="0">
-                <a:solidFill>
-                  <a:srgbClr val="0000FF"/>
-                </a:solidFill>
-                <a:latin typeface="Consolas"/>
-              </a:rPr>
-              <a:t>    string</a:t>
-            </a:r>
-            <a:r>
-              <a:rPr lang="en-US" dirty="0">
-                <a:solidFill>
-                  <a:srgbClr val="000000"/>
-                </a:solidFill>
-                <a:latin typeface="Consolas"/>
-              </a:rPr>
-              <a:t> </a:t>
-            </a:r>
-            <a:r>
-              <a:rPr lang="en-US" dirty="0" err="1">
-                <a:solidFill>
-                  <a:srgbClr val="000000"/>
-                </a:solidFill>
-                <a:latin typeface="Consolas"/>
-              </a:rPr>
-              <a:t>tempFileName</a:t>
-            </a:r>
-            <a:r>
-              <a:rPr lang="en-US" dirty="0">
-                <a:solidFill>
-                  <a:srgbClr val="000000"/>
-                </a:solidFill>
-                <a:latin typeface="Consolas"/>
-              </a:rPr>
-              <a:t> = </a:t>
-            </a:r>
-            <a:r>
-              <a:rPr lang="en-US" dirty="0" err="1">
-                <a:solidFill>
-                  <a:srgbClr val="000000"/>
-                </a:solidFill>
-                <a:latin typeface="Consolas"/>
-              </a:rPr>
-              <a:t>Path.Combine</a:t>
-            </a:r>
-            <a:r>
-              <a:rPr lang="en-US" dirty="0">
-                <a:solidFill>
-                  <a:srgbClr val="000000"/>
-                </a:solidFill>
-                <a:latin typeface="Consolas"/>
-              </a:rPr>
-              <a:t>(</a:t>
-            </a:r>
-            <a:r>
-              <a:rPr lang="en-US" dirty="0" err="1">
-                <a:solidFill>
-                  <a:srgbClr val="000000"/>
-                </a:solidFill>
-                <a:latin typeface="Consolas"/>
-              </a:rPr>
-              <a:t>Path.GetTempPath</a:t>
-            </a:r>
-            <a:r>
-              <a:rPr lang="en-US" dirty="0">
-                <a:solidFill>
-                  <a:srgbClr val="000000"/>
-                </a:solidFill>
-                <a:latin typeface="Consolas"/>
-              </a:rPr>
-              <a:t>(), </a:t>
-            </a:r>
-            <a:r>
-              <a:rPr lang="en-US" dirty="0">
-                <a:solidFill>
-                  <a:srgbClr val="DC1414"/>
-                </a:solidFill>
-                <a:latin typeface="Consolas"/>
-              </a:rPr>
-              <a:t>"train.xml"</a:t>
-            </a:r>
-            <a:r>
-              <a:rPr lang="en-US" dirty="0">
-                <a:solidFill>
-                  <a:srgbClr val="000000"/>
-                </a:solidFill>
-                <a:latin typeface="Consolas"/>
-              </a:rPr>
-              <a:t>); </a:t>
-            </a:r>
-            <a:r>
-              <a:rPr lang="en-US" dirty="0">
-                <a:solidFill>
-                  <a:srgbClr val="008000"/>
-                </a:solidFill>
-                <a:latin typeface="Consolas"/>
-              </a:rPr>
-              <a:t>//</a:t>
-            </a:r>
-            <a:r>
-              <a:rPr lang="ru-RU" dirty="0">
-                <a:solidFill>
-                  <a:srgbClr val="008000"/>
-                </a:solidFill>
-                <a:latin typeface="Consolas"/>
-              </a:rPr>
-              <a:t> Будем работать с файлом в папке с временными файлами</a:t>
-            </a:r>
-            <a:endParaRPr lang="en-US" dirty="0">
-              <a:solidFill>
-                <a:srgbClr val="000000"/>
-              </a:solidFill>
-              <a:latin typeface="Consolas"/>
-            </a:endParaRPr>
-          </a:p>
-          <a:p>
-            <a:pPr marL="0" indent="0">
-              <a:buNone/>
-            </a:pPr>
-            <a:r>
-              <a:rPr lang="en-US" dirty="0">
-                <a:solidFill>
-                  <a:srgbClr val="000000"/>
-                </a:solidFill>
-                <a:latin typeface="Consolas"/>
-              </a:rPr>
-              <a:t>    </a:t>
-            </a:r>
-            <a:r>
-              <a:rPr lang="en-US" dirty="0" err="1">
-                <a:solidFill>
-                  <a:srgbClr val="000000"/>
-                </a:solidFill>
-                <a:latin typeface="Consolas"/>
-              </a:rPr>
-              <a:t>XmlSerializer</a:t>
-            </a:r>
-            <a:r>
-              <a:rPr lang="en-US" dirty="0">
-                <a:solidFill>
-                  <a:srgbClr val="000000"/>
-                </a:solidFill>
-                <a:latin typeface="Consolas"/>
-              </a:rPr>
-              <a:t> </a:t>
-            </a:r>
-            <a:r>
-              <a:rPr lang="en-US" dirty="0" err="1">
-                <a:solidFill>
-                  <a:srgbClr val="000000"/>
-                </a:solidFill>
-                <a:latin typeface="Consolas"/>
-              </a:rPr>
-              <a:t>xmlSerializer</a:t>
-            </a:r>
-            <a:r>
-              <a:rPr lang="en-US" dirty="0">
-                <a:solidFill>
-                  <a:srgbClr val="000000"/>
-                </a:solidFill>
-                <a:latin typeface="Consolas"/>
-              </a:rPr>
-              <a:t> = </a:t>
-            </a:r>
-            <a:r>
-              <a:rPr lang="en-US" dirty="0">
-                <a:solidFill>
-                  <a:srgbClr val="0000FF"/>
-                </a:solidFill>
-                <a:latin typeface="Consolas"/>
-              </a:rPr>
-              <a:t>new</a:t>
-            </a:r>
-            <a:r>
-              <a:rPr lang="en-US" dirty="0">
-                <a:solidFill>
-                  <a:srgbClr val="000000"/>
-                </a:solidFill>
-                <a:latin typeface="Consolas"/>
-              </a:rPr>
-              <a:t> </a:t>
-            </a:r>
-            <a:r>
-              <a:rPr lang="en-US" dirty="0" err="1">
-                <a:solidFill>
-                  <a:srgbClr val="000000"/>
-                </a:solidFill>
-                <a:latin typeface="Consolas"/>
-              </a:rPr>
-              <a:t>XmlSerializer</a:t>
-            </a:r>
-            <a:r>
-              <a:rPr lang="en-US" dirty="0">
-                <a:solidFill>
-                  <a:srgbClr val="000000"/>
-                </a:solidFill>
-                <a:latin typeface="Consolas"/>
-              </a:rPr>
-              <a:t>(</a:t>
-            </a:r>
-            <a:r>
-              <a:rPr lang="en-US" dirty="0" err="1">
-                <a:solidFill>
-                  <a:srgbClr val="0000FF"/>
-                </a:solidFill>
-                <a:latin typeface="Consolas"/>
-              </a:rPr>
-              <a:t>typeof</a:t>
-            </a:r>
-            <a:r>
-              <a:rPr lang="en-US" dirty="0">
-                <a:solidFill>
-                  <a:srgbClr val="000000"/>
-                </a:solidFill>
-                <a:latin typeface="Consolas"/>
-              </a:rPr>
-              <a:t>(Train));</a:t>
-            </a:r>
-          </a:p>
-          <a:p>
-            <a:pPr marL="0" indent="0">
-              <a:buNone/>
-            </a:pPr>
-            <a:r>
-              <a:rPr lang="en-US" dirty="0">
-                <a:solidFill>
-                  <a:srgbClr val="008000"/>
-                </a:solidFill>
-                <a:latin typeface="Consolas"/>
-              </a:rPr>
-              <a:t>    // </a:t>
-            </a:r>
-            <a:r>
-              <a:rPr lang="ru-RU" dirty="0">
-                <a:solidFill>
-                  <a:srgbClr val="008000"/>
-                </a:solidFill>
-                <a:latin typeface="Consolas"/>
-              </a:rPr>
-              <a:t>Выполняем сериализацию</a:t>
-            </a:r>
-            <a:endParaRPr lang="en-US" dirty="0">
-              <a:solidFill>
-                <a:srgbClr val="000000"/>
-              </a:solidFill>
-              <a:latin typeface="Consolas"/>
-            </a:endParaRPr>
-          </a:p>
-          <a:p>
-            <a:pPr marL="0" indent="0">
-              <a:buNone/>
-            </a:pPr>
-            <a:r>
-              <a:rPr lang="en-US" dirty="0">
-                <a:solidFill>
-                  <a:srgbClr val="0000FF"/>
-                </a:solidFill>
-                <a:latin typeface="Consolas"/>
-              </a:rPr>
-              <a:t>    using</a:t>
-            </a:r>
-            <a:r>
-              <a:rPr lang="en-US" dirty="0">
-                <a:solidFill>
-                  <a:srgbClr val="000000"/>
-                </a:solidFill>
-                <a:latin typeface="Consolas"/>
-              </a:rPr>
-              <a:t> (</a:t>
-            </a:r>
-            <a:r>
-              <a:rPr lang="en-US" dirty="0" err="1">
-                <a:solidFill>
-                  <a:srgbClr val="000000"/>
-                </a:solidFill>
-                <a:latin typeface="Consolas"/>
-              </a:rPr>
-              <a:t>FileStream</a:t>
-            </a:r>
-            <a:r>
-              <a:rPr lang="en-US" dirty="0">
-                <a:solidFill>
-                  <a:srgbClr val="000000"/>
-                </a:solidFill>
-                <a:latin typeface="Consolas"/>
-              </a:rPr>
-              <a:t> </a:t>
-            </a:r>
-            <a:r>
-              <a:rPr lang="en-US" dirty="0" err="1">
-                <a:solidFill>
-                  <a:srgbClr val="000000"/>
-                </a:solidFill>
-                <a:latin typeface="Consolas"/>
-              </a:rPr>
-              <a:t>fs</a:t>
-            </a:r>
-            <a:r>
-              <a:rPr lang="en-US" dirty="0">
-                <a:solidFill>
-                  <a:srgbClr val="000000"/>
-                </a:solidFill>
-                <a:latin typeface="Consolas"/>
-              </a:rPr>
-              <a:t> = </a:t>
-            </a:r>
-            <a:r>
-              <a:rPr lang="en-US" dirty="0" err="1">
-                <a:solidFill>
-                  <a:srgbClr val="000000"/>
-                </a:solidFill>
-                <a:latin typeface="Consolas"/>
-              </a:rPr>
-              <a:t>File.Open</a:t>
-            </a:r>
-            <a:r>
-              <a:rPr lang="en-US" dirty="0">
-                <a:solidFill>
-                  <a:srgbClr val="000000"/>
-                </a:solidFill>
-                <a:latin typeface="Consolas"/>
-              </a:rPr>
-              <a:t>(</a:t>
-            </a:r>
-            <a:r>
-              <a:rPr lang="en-US" dirty="0" err="1">
-                <a:solidFill>
-                  <a:srgbClr val="000000"/>
-                </a:solidFill>
-                <a:latin typeface="Consolas"/>
-              </a:rPr>
-              <a:t>tempFileName</a:t>
-            </a:r>
-            <a:r>
-              <a:rPr lang="en-US" dirty="0">
-                <a:solidFill>
-                  <a:srgbClr val="000000"/>
-                </a:solidFill>
-                <a:latin typeface="Consolas"/>
-              </a:rPr>
-              <a:t>, </a:t>
-            </a:r>
-            <a:r>
-              <a:rPr lang="en-US" dirty="0" err="1">
-                <a:solidFill>
-                  <a:srgbClr val="000000"/>
-                </a:solidFill>
-                <a:latin typeface="Consolas"/>
-              </a:rPr>
-              <a:t>FileMode.Create</a:t>
-            </a:r>
-            <a:r>
-              <a:rPr lang="en-US" dirty="0">
-                <a:solidFill>
-                  <a:srgbClr val="000000"/>
-                </a:solidFill>
-                <a:latin typeface="Consolas"/>
-              </a:rPr>
-              <a:t>))</a:t>
-            </a:r>
-          </a:p>
-          <a:p>
-            <a:pPr marL="0" indent="0">
-              <a:buNone/>
-            </a:pPr>
-            <a:r>
-              <a:rPr lang="en-US" dirty="0">
-                <a:solidFill>
-                  <a:srgbClr val="000000"/>
-                </a:solidFill>
-                <a:latin typeface="Consolas"/>
-              </a:rPr>
-              <a:t>    {</a:t>
-            </a:r>
-          </a:p>
-          <a:p>
-            <a:pPr marL="0" indent="0">
-              <a:buNone/>
-            </a:pPr>
-            <a:r>
-              <a:rPr lang="en-US" dirty="0">
-                <a:solidFill>
-                  <a:srgbClr val="000000"/>
-                </a:solidFill>
-                <a:latin typeface="Consolas"/>
-              </a:rPr>
-              <a:t>         </a:t>
-            </a:r>
-            <a:r>
-              <a:rPr lang="en-US" dirty="0" err="1">
-                <a:solidFill>
-                  <a:srgbClr val="000000"/>
-                </a:solidFill>
-                <a:latin typeface="Consolas"/>
-              </a:rPr>
-              <a:t>xmlSerializer.Serialize</a:t>
-            </a:r>
-            <a:r>
-              <a:rPr lang="en-US" dirty="0">
-                <a:solidFill>
-                  <a:srgbClr val="000000"/>
-                </a:solidFill>
-                <a:latin typeface="Consolas"/>
-              </a:rPr>
-              <a:t>(</a:t>
-            </a:r>
-            <a:r>
-              <a:rPr lang="en-US" dirty="0" err="1">
-                <a:solidFill>
-                  <a:srgbClr val="000000"/>
-                </a:solidFill>
-                <a:latin typeface="Consolas"/>
-              </a:rPr>
-              <a:t>fs</a:t>
-            </a:r>
-            <a:r>
-              <a:rPr lang="en-US" dirty="0">
-                <a:solidFill>
-                  <a:srgbClr val="000000"/>
-                </a:solidFill>
-                <a:latin typeface="Consolas"/>
-              </a:rPr>
-              <a:t>, train);</a:t>
-            </a:r>
-          </a:p>
-          <a:p>
-            <a:pPr marL="0" indent="0">
-              <a:buNone/>
-            </a:pPr>
-            <a:r>
-              <a:rPr lang="en-US" dirty="0">
-                <a:solidFill>
-                  <a:srgbClr val="000000"/>
-                </a:solidFill>
-                <a:latin typeface="Consolas"/>
-              </a:rPr>
-              <a:t>    }</a:t>
-            </a:r>
-          </a:p>
-          <a:p>
-            <a:pPr marL="0" indent="0">
-              <a:buNone/>
-            </a:pPr>
-            <a:r>
-              <a:rPr lang="en-US" dirty="0">
-                <a:solidFill>
-                  <a:srgbClr val="000000"/>
-                </a:solidFill>
-                <a:latin typeface="Consolas"/>
-              </a:rPr>
-              <a:t>    </a:t>
-            </a:r>
-            <a:r>
-              <a:rPr lang="en-US" dirty="0" err="1">
-                <a:solidFill>
-                  <a:srgbClr val="000000"/>
-                </a:solidFill>
-                <a:latin typeface="Consolas"/>
-              </a:rPr>
-              <a:t>Console.WriteLine</a:t>
-            </a:r>
-            <a:r>
-              <a:rPr lang="en-US" dirty="0">
-                <a:solidFill>
-                  <a:srgbClr val="000000"/>
-                </a:solidFill>
-                <a:latin typeface="Consolas"/>
-              </a:rPr>
-              <a:t>(); </a:t>
-            </a:r>
-            <a:r>
-              <a:rPr lang="en-US" dirty="0" err="1">
-                <a:solidFill>
-                  <a:srgbClr val="000000"/>
-                </a:solidFill>
-                <a:latin typeface="Consolas"/>
-              </a:rPr>
-              <a:t>Console.WriteLine</a:t>
-            </a:r>
-            <a:r>
-              <a:rPr lang="en-US" dirty="0">
-                <a:solidFill>
-                  <a:srgbClr val="000000"/>
-                </a:solidFill>
-                <a:latin typeface="Consolas"/>
-              </a:rPr>
-              <a:t>(</a:t>
-            </a:r>
-            <a:r>
-              <a:rPr lang="en-US" dirty="0" err="1">
-                <a:solidFill>
-                  <a:srgbClr val="000000"/>
-                </a:solidFill>
-                <a:latin typeface="Consolas"/>
-              </a:rPr>
-              <a:t>File.ReadAllText</a:t>
-            </a:r>
-            <a:r>
-              <a:rPr lang="en-US" dirty="0">
-                <a:solidFill>
-                  <a:srgbClr val="000000"/>
-                </a:solidFill>
-                <a:latin typeface="Consolas"/>
-              </a:rPr>
-              <a:t>(</a:t>
-            </a:r>
-            <a:r>
-              <a:rPr lang="en-US" dirty="0" err="1">
-                <a:solidFill>
-                  <a:srgbClr val="000000"/>
-                </a:solidFill>
-                <a:latin typeface="Consolas"/>
-              </a:rPr>
-              <a:t>tempFileName</a:t>
-            </a:r>
-            <a:r>
-              <a:rPr lang="en-US" dirty="0">
-                <a:solidFill>
-                  <a:srgbClr val="000000"/>
-                </a:solidFill>
-                <a:latin typeface="Consolas"/>
-              </a:rPr>
-              <a:t>)); </a:t>
-            </a:r>
-            <a:r>
-              <a:rPr lang="en-US" dirty="0" err="1">
-                <a:solidFill>
-                  <a:srgbClr val="000000"/>
-                </a:solidFill>
-                <a:latin typeface="Consolas"/>
-              </a:rPr>
-              <a:t>Console.WriteLine</a:t>
-            </a:r>
-            <a:r>
-              <a:rPr lang="en-US" dirty="0">
-                <a:solidFill>
-                  <a:srgbClr val="000000"/>
-                </a:solidFill>
-                <a:latin typeface="Consolas"/>
-              </a:rPr>
-              <a:t>();</a:t>
-            </a:r>
-          </a:p>
-          <a:p>
-            <a:pPr marL="0" indent="0">
-              <a:buNone/>
-            </a:pPr>
-            <a:r>
-              <a:rPr lang="en-US" dirty="0">
-                <a:solidFill>
-                  <a:srgbClr val="008000"/>
-                </a:solidFill>
-                <a:latin typeface="Consolas"/>
-              </a:rPr>
-              <a:t>    // </a:t>
-            </a:r>
-            <a:r>
-              <a:rPr lang="ru-RU" dirty="0">
-                <a:solidFill>
-                  <a:srgbClr val="008000"/>
-                </a:solidFill>
-                <a:latin typeface="Consolas"/>
-              </a:rPr>
-              <a:t>Выполняем десериализацию</a:t>
-            </a:r>
-            <a:endParaRPr lang="en-US" dirty="0">
-              <a:solidFill>
-                <a:srgbClr val="000000"/>
-              </a:solidFill>
-              <a:latin typeface="Consolas"/>
-            </a:endParaRPr>
-          </a:p>
-          <a:p>
-            <a:pPr marL="0" indent="0">
-              <a:buNone/>
-            </a:pPr>
-            <a:r>
-              <a:rPr lang="en-US" dirty="0">
-                <a:solidFill>
-                  <a:srgbClr val="0000FF"/>
-                </a:solidFill>
-                <a:latin typeface="Consolas"/>
-              </a:rPr>
-              <a:t>    using</a:t>
-            </a:r>
-            <a:r>
-              <a:rPr lang="en-US" dirty="0">
-                <a:solidFill>
-                  <a:srgbClr val="000000"/>
-                </a:solidFill>
-                <a:latin typeface="Consolas"/>
-              </a:rPr>
-              <a:t> (</a:t>
-            </a:r>
-            <a:r>
-              <a:rPr lang="en-US" dirty="0" err="1">
-                <a:solidFill>
-                  <a:srgbClr val="000000"/>
-                </a:solidFill>
-                <a:latin typeface="Consolas"/>
-              </a:rPr>
-              <a:t>FileStream</a:t>
-            </a:r>
-            <a:r>
-              <a:rPr lang="en-US" dirty="0">
-                <a:solidFill>
-                  <a:srgbClr val="000000"/>
-                </a:solidFill>
-                <a:latin typeface="Consolas"/>
-              </a:rPr>
-              <a:t> </a:t>
-            </a:r>
-            <a:r>
-              <a:rPr lang="en-US" dirty="0" err="1">
-                <a:solidFill>
-                  <a:srgbClr val="000000"/>
-                </a:solidFill>
-                <a:latin typeface="Consolas"/>
-              </a:rPr>
-              <a:t>fs</a:t>
-            </a:r>
-            <a:r>
-              <a:rPr lang="en-US" dirty="0">
-                <a:solidFill>
-                  <a:srgbClr val="000000"/>
-                </a:solidFill>
-                <a:latin typeface="Consolas"/>
-              </a:rPr>
-              <a:t> = </a:t>
-            </a:r>
-            <a:r>
-              <a:rPr lang="en-US" dirty="0" err="1">
-                <a:solidFill>
-                  <a:srgbClr val="000000"/>
-                </a:solidFill>
-                <a:latin typeface="Consolas"/>
-              </a:rPr>
-              <a:t>File.Open</a:t>
-            </a:r>
-            <a:r>
-              <a:rPr lang="en-US" dirty="0">
-                <a:solidFill>
-                  <a:srgbClr val="000000"/>
-                </a:solidFill>
-                <a:latin typeface="Consolas"/>
-              </a:rPr>
-              <a:t>(</a:t>
-            </a:r>
-            <a:r>
-              <a:rPr lang="en-US" dirty="0" err="1">
-                <a:solidFill>
-                  <a:srgbClr val="000000"/>
-                </a:solidFill>
-                <a:latin typeface="Consolas"/>
-              </a:rPr>
-              <a:t>tempFileName</a:t>
-            </a:r>
-            <a:r>
-              <a:rPr lang="en-US" dirty="0">
-                <a:solidFill>
-                  <a:srgbClr val="000000"/>
-                </a:solidFill>
-                <a:latin typeface="Consolas"/>
-              </a:rPr>
-              <a:t>, </a:t>
-            </a:r>
-            <a:r>
-              <a:rPr lang="en-US" dirty="0" err="1">
-                <a:solidFill>
-                  <a:srgbClr val="000000"/>
-                </a:solidFill>
-                <a:latin typeface="Consolas"/>
-              </a:rPr>
-              <a:t>FileMode.Open</a:t>
-            </a:r>
-            <a:r>
-              <a:rPr lang="en-US" dirty="0">
-                <a:solidFill>
-                  <a:srgbClr val="000000"/>
-                </a:solidFill>
-                <a:latin typeface="Consolas"/>
-              </a:rPr>
-              <a:t>))</a:t>
-            </a:r>
-          </a:p>
-          <a:p>
-            <a:pPr marL="0" indent="0">
-              <a:buNone/>
-            </a:pPr>
-            <a:r>
-              <a:rPr lang="en-US" dirty="0">
-                <a:solidFill>
-                  <a:srgbClr val="000000"/>
-                </a:solidFill>
-                <a:latin typeface="Consolas"/>
-              </a:rPr>
-              <a:t>    {</a:t>
-            </a:r>
-          </a:p>
-          <a:p>
-            <a:pPr marL="0" indent="0">
-              <a:buNone/>
-            </a:pPr>
-            <a:r>
-              <a:rPr lang="en-US" dirty="0">
-                <a:solidFill>
-                  <a:srgbClr val="000000"/>
-                </a:solidFill>
-                <a:latin typeface="Consolas"/>
-              </a:rPr>
-              <a:t>         Train </a:t>
-            </a:r>
-            <a:r>
-              <a:rPr lang="en-US" dirty="0" err="1">
-                <a:solidFill>
-                  <a:srgbClr val="000000"/>
-                </a:solidFill>
-                <a:latin typeface="Consolas"/>
-              </a:rPr>
-              <a:t>someTrain</a:t>
-            </a:r>
-            <a:r>
-              <a:rPr lang="en-US" dirty="0">
-                <a:solidFill>
-                  <a:srgbClr val="000000"/>
-                </a:solidFill>
-                <a:latin typeface="Consolas"/>
-              </a:rPr>
-              <a:t> = (Train)</a:t>
-            </a:r>
-            <a:r>
-              <a:rPr lang="en-US" dirty="0" err="1">
-                <a:solidFill>
-                  <a:srgbClr val="000000"/>
-                </a:solidFill>
-                <a:latin typeface="Consolas"/>
-              </a:rPr>
-              <a:t>xmlSerializer.Deserialize</a:t>
-            </a:r>
-            <a:r>
-              <a:rPr lang="en-US" dirty="0">
-                <a:solidFill>
-                  <a:srgbClr val="000000"/>
-                </a:solidFill>
-                <a:latin typeface="Consolas"/>
-              </a:rPr>
-              <a:t>(</a:t>
-            </a:r>
-            <a:r>
-              <a:rPr lang="en-US" dirty="0" err="1">
-                <a:solidFill>
-                  <a:srgbClr val="000000"/>
-                </a:solidFill>
-                <a:latin typeface="Consolas"/>
-              </a:rPr>
-              <a:t>fs</a:t>
-            </a:r>
-            <a:r>
-              <a:rPr lang="en-US" dirty="0">
-                <a:solidFill>
-                  <a:srgbClr val="000000"/>
-                </a:solidFill>
-                <a:latin typeface="Consolas"/>
-              </a:rPr>
-              <a:t>);</a:t>
-            </a:r>
-          </a:p>
-          <a:p>
-            <a:pPr marL="0" indent="0">
-              <a:buNone/>
-            </a:pPr>
-            <a:r>
-              <a:rPr lang="en-US" dirty="0">
-                <a:solidFill>
-                  <a:srgbClr val="000000"/>
-                </a:solidFill>
-                <a:latin typeface="Consolas"/>
-              </a:rPr>
-              <a:t>         </a:t>
-            </a:r>
-            <a:r>
-              <a:rPr lang="en-US" dirty="0" err="1">
-                <a:solidFill>
-                  <a:srgbClr val="000000"/>
-                </a:solidFill>
-                <a:latin typeface="Consolas"/>
-              </a:rPr>
-              <a:t>someTrain.Print</a:t>
-            </a:r>
-            <a:r>
-              <a:rPr lang="en-US" dirty="0">
-                <a:solidFill>
-                  <a:srgbClr val="000000"/>
-                </a:solidFill>
-                <a:latin typeface="Consolas"/>
-              </a:rPr>
-              <a:t>();</a:t>
-            </a:r>
-          </a:p>
-          <a:p>
-            <a:pPr marL="0" indent="0">
-              <a:buNone/>
-            </a:pPr>
-            <a:r>
-              <a:rPr lang="en-US" dirty="0">
-                <a:solidFill>
-                  <a:srgbClr val="000000"/>
-                </a:solidFill>
-                <a:latin typeface="Consolas"/>
-              </a:rPr>
-              <a:t>    }</a:t>
-            </a:r>
-          </a:p>
-          <a:p>
-            <a:pPr marL="0" indent="0">
-              <a:buNone/>
-            </a:pPr>
-            <a:endParaRPr lang="en-US" dirty="0">
-              <a:solidFill>
-                <a:srgbClr val="000000"/>
-              </a:solidFill>
-              <a:latin typeface="Consolas"/>
-            </a:endParaRPr>
-          </a:p>
-          <a:p>
-            <a:pPr marL="0" indent="0">
-              <a:buNone/>
-            </a:pPr>
-            <a:r>
-              <a:rPr lang="en-US" dirty="0">
-                <a:solidFill>
-                  <a:srgbClr val="000000"/>
-                </a:solidFill>
-                <a:latin typeface="Consolas"/>
-              </a:rPr>
-              <a:t>    </a:t>
-            </a:r>
-            <a:r>
-              <a:rPr lang="en-US" dirty="0" err="1">
-                <a:solidFill>
-                  <a:srgbClr val="000000"/>
-                </a:solidFill>
-                <a:latin typeface="Consolas"/>
-              </a:rPr>
-              <a:t>File.Delete</a:t>
-            </a:r>
-            <a:r>
-              <a:rPr lang="en-US" dirty="0">
-                <a:solidFill>
-                  <a:srgbClr val="000000"/>
-                </a:solidFill>
-                <a:latin typeface="Consolas"/>
-              </a:rPr>
-              <a:t>(</a:t>
-            </a:r>
-            <a:r>
-              <a:rPr lang="en-US" dirty="0" err="1">
-                <a:solidFill>
-                  <a:srgbClr val="000000"/>
-                </a:solidFill>
-                <a:latin typeface="Consolas"/>
-              </a:rPr>
-              <a:t>tempFileName</a:t>
-            </a:r>
-            <a:r>
-              <a:rPr lang="en-US" dirty="0">
-                <a:solidFill>
-                  <a:srgbClr val="000000"/>
-                </a:solidFill>
-                <a:latin typeface="Consolas"/>
-              </a:rPr>
-              <a:t>);</a:t>
-            </a:r>
-          </a:p>
-          <a:p>
-            <a:pPr marL="0" indent="0">
-              <a:buNone/>
-            </a:pPr>
-            <a:r>
-              <a:rPr lang="en-US" dirty="0">
-                <a:solidFill>
-                  <a:srgbClr val="000000"/>
-                </a:solidFill>
-                <a:latin typeface="Consolas"/>
-              </a:rPr>
-              <a:t>}</a:t>
-            </a:r>
-          </a:p>
-          <a:p>
-            <a:pPr marL="0" indent="0">
-              <a:buNone/>
-            </a:pPr>
-            <a:endParaRPr lang="en-US" dirty="0"/>
-          </a:p>
-          <a:p>
-            <a:pPr marL="0" indent="0">
-              <a:buNone/>
-            </a:pPr>
-            <a:endParaRPr lang="en-US" dirty="0"/>
+              <a:rPr lang="ru-RU" dirty="0" smtClean="0"/>
+              <a:t>– </a:t>
+            </a:r>
+            <a:r>
+              <a:rPr lang="ru-RU" dirty="0"/>
+              <a:t>обратный процесс восстановления </a:t>
+            </a:r>
+            <a:r>
+              <a:rPr lang="ru-RU" dirty="0" smtClean="0"/>
+              <a:t>объекта</a:t>
+            </a:r>
+          </a:p>
+          <a:p>
+            <a:endParaRPr lang="en-US" dirty="0" smtClean="0"/>
+          </a:p>
+          <a:p>
+            <a:r>
+              <a:rPr lang="ru-RU" dirty="0" smtClean="0"/>
+              <a:t>Примеры использования:</a:t>
+            </a:r>
+          </a:p>
+          <a:p>
+            <a:pPr lvl="1"/>
+            <a:r>
+              <a:rPr lang="ru-RU" dirty="0" smtClean="0"/>
+              <a:t>Передача объекта между разными программи/машинами.</a:t>
+            </a:r>
+          </a:p>
+          <a:p>
+            <a:pPr lvl="1"/>
+            <a:r>
+              <a:rPr lang="ru-RU" dirty="0" smtClean="0"/>
+              <a:t>Файлы конфигурации</a:t>
+            </a:r>
+            <a:endParaRPr lang="ru-RU" dirty="0"/>
           </a:p>
         </p:txBody>
       </p:sp>
     </p:spTree>
     <p:extLst>
       <p:ext uri="{BB962C8B-B14F-4D97-AF65-F5344CB8AC3E}">
-        <p14:creationId xmlns:p14="http://schemas.microsoft.com/office/powerpoint/2010/main" val="3792792696"/>
+        <p14:creationId xmlns:p14="http://schemas.microsoft.com/office/powerpoint/2010/main" val="4243754449"/>
       </p:ext>
     </p:extLst>
   </p:cSld>
@@ -13483,6 +11224,2347 @@
 </file>
 
 <file path=ppt/slides/slide30.xml><?xml version="1.0" encoding="utf-8"?>
+<p:sld xmlns:a="http://schemas.openxmlformats.org/drawingml/2006/main" xmlns:r="http://schemas.openxmlformats.org/officeDocument/2006/relationships" xmlns:p="http://schemas.openxmlformats.org/presentationml/2006/main">
+  <p:cSld>
+    <p:spTree>
+      <p:nvGrpSpPr>
+        <p:cNvPr id="1" name=""/>
+        <p:cNvGrpSpPr/>
+        <p:nvPr/>
+      </p:nvGrpSpPr>
+      <p:grpSpPr>
+        <a:xfrm>
+          <a:off x="0" y="0"/>
+          <a:ext cx="0" cy="0"/>
+          <a:chOff x="0" y="0"/>
+          <a:chExt cx="0" cy="0"/>
+        </a:xfrm>
+      </p:grpSpPr>
+      <p:sp>
+        <p:nvSpPr>
+          <p:cNvPr id="2" name="Title 1"/>
+          <p:cNvSpPr>
+            <a:spLocks noGrp="1"/>
+          </p:cNvSpPr>
+          <p:nvPr>
+            <p:ph type="title"/>
+          </p:nvPr>
+        </p:nvSpPr>
+        <p:spPr>
+          <a:xfrm>
+            <a:off x="457200" y="-234280"/>
+            <a:ext cx="8229600" cy="1143000"/>
+          </a:xfrm>
+        </p:spPr>
+        <p:txBody>
+          <a:bodyPr/>
+          <a:lstStyle/>
+          <a:p>
+            <a:r>
+              <a:rPr lang="en-US" dirty="0"/>
+              <a:t>XML</a:t>
+            </a:r>
+            <a:r>
+              <a:rPr lang="ru-RU" dirty="0"/>
+              <a:t> </a:t>
+            </a:r>
+            <a:r>
+              <a:rPr lang="ru-RU" dirty="0" smtClean="0"/>
+              <a:t>Сериализация</a:t>
+            </a:r>
+            <a:r>
+              <a:rPr lang="en-US" dirty="0" smtClean="0"/>
+              <a:t>. </a:t>
+            </a:r>
+            <a:r>
+              <a:rPr lang="ru-RU" dirty="0" smtClean="0"/>
+              <a:t>Пример.</a:t>
+            </a:r>
+            <a:endParaRPr lang="en-US" dirty="0"/>
+          </a:p>
+        </p:txBody>
+      </p:sp>
+      <p:sp>
+        <p:nvSpPr>
+          <p:cNvPr id="3" name="Content Placeholder 2"/>
+          <p:cNvSpPr>
+            <a:spLocks noGrp="1"/>
+          </p:cNvSpPr>
+          <p:nvPr>
+            <p:ph idx="1"/>
+          </p:nvPr>
+        </p:nvSpPr>
+        <p:spPr>
+          <a:xfrm>
+            <a:off x="446856" y="620688"/>
+            <a:ext cx="8229600" cy="6048672"/>
+          </a:xfrm>
+          <a:solidFill>
+            <a:schemeClr val="bg1"/>
+          </a:solidFill>
+        </p:spPr>
+        <p:txBody>
+          <a:bodyPr>
+            <a:normAutofit fontScale="25000" lnSpcReduction="20000"/>
+          </a:bodyPr>
+          <a:lstStyle/>
+          <a:p>
+            <a:pPr marL="0" indent="0">
+              <a:buNone/>
+            </a:pPr>
+            <a:r>
+              <a:rPr lang="en-US" dirty="0">
+                <a:solidFill>
+                  <a:srgbClr val="0000FF"/>
+                </a:solidFill>
+                <a:latin typeface="Consolas"/>
+              </a:rPr>
+              <a:t>using</a:t>
+            </a:r>
+            <a:r>
+              <a:rPr lang="en-US" dirty="0">
+                <a:solidFill>
+                  <a:srgbClr val="000000"/>
+                </a:solidFill>
+                <a:latin typeface="Consolas"/>
+              </a:rPr>
+              <a:t> System.IO;</a:t>
+            </a:r>
+          </a:p>
+          <a:p>
+            <a:pPr marL="0" indent="0">
+              <a:buNone/>
+            </a:pPr>
+            <a:r>
+              <a:rPr lang="en-US" dirty="0">
+                <a:solidFill>
+                  <a:srgbClr val="0000FF"/>
+                </a:solidFill>
+                <a:latin typeface="Consolas"/>
+              </a:rPr>
+              <a:t>using</a:t>
+            </a:r>
+            <a:r>
+              <a:rPr lang="en-US" dirty="0">
+                <a:solidFill>
+                  <a:srgbClr val="000000"/>
+                </a:solidFill>
+                <a:latin typeface="Consolas"/>
+              </a:rPr>
+              <a:t> </a:t>
+            </a:r>
+            <a:r>
+              <a:rPr lang="en-US" dirty="0" err="1">
+                <a:solidFill>
+                  <a:srgbClr val="000000"/>
+                </a:solidFill>
+                <a:latin typeface="Consolas"/>
+              </a:rPr>
+              <a:t>System.Xml.Serialization</a:t>
+            </a:r>
+            <a:r>
+              <a:rPr lang="en-US" dirty="0">
+                <a:solidFill>
+                  <a:srgbClr val="000000"/>
+                </a:solidFill>
+                <a:latin typeface="Consolas"/>
+              </a:rPr>
+              <a:t>;</a:t>
+            </a:r>
+            <a:endParaRPr lang="ru-RU" dirty="0">
+              <a:solidFill>
+                <a:srgbClr val="000000"/>
+              </a:solidFill>
+              <a:latin typeface="Consolas"/>
+            </a:endParaRPr>
+          </a:p>
+          <a:p>
+            <a:pPr marL="0" indent="0">
+              <a:buNone/>
+            </a:pPr>
+            <a:endParaRPr lang="ru-RU" dirty="0">
+              <a:solidFill>
+                <a:srgbClr val="000000"/>
+              </a:solidFill>
+              <a:latin typeface="Consolas"/>
+            </a:endParaRPr>
+          </a:p>
+          <a:p>
+            <a:pPr marL="0" indent="0">
+              <a:buNone/>
+            </a:pPr>
+            <a:r>
+              <a:rPr lang="en-US" dirty="0">
+                <a:solidFill>
+                  <a:srgbClr val="0000FF"/>
+                </a:solidFill>
+                <a:latin typeface="Consolas"/>
+              </a:rPr>
+              <a:t>public</a:t>
+            </a:r>
+            <a:r>
+              <a:rPr lang="en-US" dirty="0">
+                <a:solidFill>
+                  <a:srgbClr val="000000"/>
+                </a:solidFill>
+                <a:latin typeface="Consolas"/>
+              </a:rPr>
+              <a:t> </a:t>
+            </a:r>
+            <a:r>
+              <a:rPr lang="en-US" dirty="0">
+                <a:solidFill>
+                  <a:srgbClr val="0000FF"/>
+                </a:solidFill>
+                <a:latin typeface="Consolas"/>
+              </a:rPr>
+              <a:t>class</a:t>
+            </a:r>
+            <a:r>
+              <a:rPr lang="en-US" dirty="0">
+                <a:solidFill>
+                  <a:srgbClr val="000000"/>
+                </a:solidFill>
+                <a:latin typeface="Consolas"/>
+              </a:rPr>
+              <a:t> Train</a:t>
+            </a:r>
+          </a:p>
+          <a:p>
+            <a:pPr marL="0" indent="0">
+              <a:buNone/>
+            </a:pPr>
+            <a:r>
+              <a:rPr lang="en-US" dirty="0">
+                <a:solidFill>
+                  <a:srgbClr val="000000"/>
+                </a:solidFill>
+                <a:latin typeface="Consolas"/>
+              </a:rPr>
+              <a:t>{</a:t>
+            </a:r>
+          </a:p>
+          <a:p>
+            <a:pPr marL="0" indent="0">
+              <a:buNone/>
+            </a:pPr>
+            <a:r>
+              <a:rPr lang="en-US" dirty="0">
+                <a:solidFill>
+                  <a:srgbClr val="000000"/>
+                </a:solidFill>
+                <a:latin typeface="Consolas"/>
+              </a:rPr>
+              <a:t>  [</a:t>
+            </a:r>
+            <a:r>
+              <a:rPr lang="en-US" dirty="0" err="1">
+                <a:solidFill>
+                  <a:srgbClr val="000000"/>
+                </a:solidFill>
+                <a:latin typeface="Consolas"/>
+              </a:rPr>
+              <a:t>XmlIgnore</a:t>
+            </a:r>
+            <a:r>
+              <a:rPr lang="en-US" dirty="0">
+                <a:solidFill>
+                  <a:srgbClr val="000000"/>
+                </a:solidFill>
+                <a:latin typeface="Consolas"/>
+              </a:rPr>
+              <a:t>]</a:t>
+            </a:r>
+          </a:p>
+          <a:p>
+            <a:pPr marL="0" indent="0">
+              <a:buNone/>
+            </a:pPr>
+            <a:r>
+              <a:rPr lang="en-US" dirty="0">
+                <a:solidFill>
+                  <a:srgbClr val="000000"/>
+                </a:solidFill>
+                <a:latin typeface="Consolas"/>
+              </a:rPr>
+              <a:t>  </a:t>
+            </a:r>
+            <a:r>
+              <a:rPr lang="en-US" dirty="0">
+                <a:solidFill>
+                  <a:srgbClr val="0000FF"/>
+                </a:solidFill>
+                <a:latin typeface="Consolas"/>
+              </a:rPr>
+              <a:t>public</a:t>
+            </a:r>
+            <a:r>
+              <a:rPr lang="en-US" dirty="0">
+                <a:solidFill>
+                  <a:srgbClr val="000000"/>
+                </a:solidFill>
+                <a:latin typeface="Consolas"/>
+              </a:rPr>
+              <a:t> </a:t>
+            </a:r>
+            <a:r>
+              <a:rPr lang="en-US" dirty="0">
+                <a:solidFill>
+                  <a:srgbClr val="0000FF"/>
+                </a:solidFill>
+                <a:latin typeface="Consolas"/>
+              </a:rPr>
+              <a:t>double</a:t>
+            </a:r>
+            <a:r>
+              <a:rPr lang="en-US" dirty="0">
+                <a:solidFill>
+                  <a:srgbClr val="000000"/>
+                </a:solidFill>
+                <a:latin typeface="Consolas"/>
+              </a:rPr>
+              <a:t> Speed { </a:t>
+            </a:r>
+            <a:r>
+              <a:rPr lang="en-US" dirty="0">
+                <a:solidFill>
+                  <a:srgbClr val="0000FF"/>
+                </a:solidFill>
+                <a:latin typeface="Consolas"/>
+              </a:rPr>
+              <a:t>get</a:t>
+            </a:r>
+            <a:r>
+              <a:rPr lang="en-US" dirty="0">
+                <a:solidFill>
+                  <a:srgbClr val="000000"/>
+                </a:solidFill>
+                <a:latin typeface="Consolas"/>
+              </a:rPr>
+              <a:t>; </a:t>
+            </a:r>
+            <a:r>
+              <a:rPr lang="en-US" dirty="0">
+                <a:solidFill>
+                  <a:srgbClr val="0000FF"/>
+                </a:solidFill>
+                <a:latin typeface="Consolas"/>
+              </a:rPr>
+              <a:t>set</a:t>
+            </a:r>
+            <a:r>
+              <a:rPr lang="en-US" dirty="0">
+                <a:solidFill>
+                  <a:srgbClr val="000000"/>
+                </a:solidFill>
+                <a:latin typeface="Consolas"/>
+              </a:rPr>
+              <a:t>; }</a:t>
+            </a:r>
+          </a:p>
+          <a:p>
+            <a:pPr marL="0" indent="0">
+              <a:buNone/>
+            </a:pPr>
+            <a:r>
+              <a:rPr lang="en-US" dirty="0">
+                <a:solidFill>
+                  <a:srgbClr val="000000"/>
+                </a:solidFill>
+                <a:latin typeface="Consolas"/>
+              </a:rPr>
+              <a:t>  </a:t>
+            </a:r>
+            <a:r>
+              <a:rPr lang="en-US" dirty="0">
+                <a:solidFill>
+                  <a:srgbClr val="0000FF"/>
+                </a:solidFill>
+                <a:latin typeface="Consolas"/>
+              </a:rPr>
+              <a:t>public</a:t>
+            </a:r>
+            <a:r>
+              <a:rPr lang="en-US" dirty="0">
+                <a:solidFill>
+                  <a:srgbClr val="000000"/>
+                </a:solidFill>
+                <a:latin typeface="Consolas"/>
+              </a:rPr>
+              <a:t> </a:t>
+            </a:r>
+            <a:r>
+              <a:rPr lang="en-US" dirty="0" err="1">
+                <a:solidFill>
+                  <a:srgbClr val="0000FF"/>
+                </a:solidFill>
+                <a:latin typeface="Consolas"/>
+              </a:rPr>
+              <a:t>int</a:t>
+            </a:r>
+            <a:r>
+              <a:rPr lang="en-US" dirty="0">
+                <a:solidFill>
+                  <a:srgbClr val="000000"/>
+                </a:solidFill>
+                <a:latin typeface="Consolas"/>
+              </a:rPr>
+              <a:t> Length { </a:t>
+            </a:r>
+            <a:r>
+              <a:rPr lang="en-US" dirty="0">
+                <a:solidFill>
+                  <a:srgbClr val="0000FF"/>
+                </a:solidFill>
+                <a:latin typeface="Consolas"/>
+              </a:rPr>
+              <a:t>get</a:t>
+            </a:r>
+            <a:r>
+              <a:rPr lang="en-US" dirty="0">
+                <a:solidFill>
+                  <a:srgbClr val="000000"/>
+                </a:solidFill>
+                <a:latin typeface="Consolas"/>
+              </a:rPr>
+              <a:t>; </a:t>
+            </a:r>
+            <a:r>
+              <a:rPr lang="en-US" dirty="0">
+                <a:solidFill>
+                  <a:srgbClr val="0000FF"/>
+                </a:solidFill>
+                <a:latin typeface="Consolas"/>
+              </a:rPr>
+              <a:t>set</a:t>
+            </a:r>
+            <a:r>
+              <a:rPr lang="en-US" dirty="0">
+                <a:solidFill>
+                  <a:srgbClr val="000000"/>
+                </a:solidFill>
+                <a:latin typeface="Consolas"/>
+              </a:rPr>
+              <a:t>; }</a:t>
+            </a:r>
+          </a:p>
+          <a:p>
+            <a:pPr marL="0" indent="0">
+              <a:buNone/>
+            </a:pPr>
+            <a:r>
+              <a:rPr lang="en-US" dirty="0">
+                <a:solidFill>
+                  <a:srgbClr val="000000"/>
+                </a:solidFill>
+                <a:latin typeface="Consolas"/>
+              </a:rPr>
+              <a:t>  </a:t>
+            </a:r>
+            <a:r>
+              <a:rPr lang="en-US" dirty="0">
+                <a:solidFill>
+                  <a:srgbClr val="0000FF"/>
+                </a:solidFill>
+                <a:latin typeface="Consolas"/>
+              </a:rPr>
+              <a:t>public</a:t>
+            </a:r>
+            <a:r>
+              <a:rPr lang="en-US" dirty="0">
+                <a:solidFill>
+                  <a:srgbClr val="000000"/>
+                </a:solidFill>
+                <a:latin typeface="Consolas"/>
+              </a:rPr>
+              <a:t> </a:t>
+            </a:r>
+            <a:r>
+              <a:rPr lang="en-US" dirty="0">
+                <a:solidFill>
+                  <a:srgbClr val="0000FF"/>
+                </a:solidFill>
+                <a:latin typeface="Consolas"/>
+              </a:rPr>
+              <a:t>string</a:t>
+            </a:r>
+            <a:r>
+              <a:rPr lang="en-US" dirty="0">
+                <a:solidFill>
+                  <a:srgbClr val="000000"/>
+                </a:solidFill>
+                <a:latin typeface="Consolas"/>
+              </a:rPr>
+              <a:t>[] </a:t>
+            </a:r>
+            <a:r>
+              <a:rPr lang="en-US" dirty="0" err="1">
+                <a:solidFill>
+                  <a:srgbClr val="000000"/>
+                </a:solidFill>
+                <a:latin typeface="Consolas"/>
+              </a:rPr>
+              <a:t>Travellers</a:t>
+            </a:r>
+            <a:r>
+              <a:rPr lang="en-US" dirty="0">
+                <a:solidFill>
+                  <a:srgbClr val="000000"/>
+                </a:solidFill>
+                <a:latin typeface="Consolas"/>
+              </a:rPr>
+              <a:t> { </a:t>
+            </a:r>
+            <a:r>
+              <a:rPr lang="en-US" dirty="0">
+                <a:solidFill>
+                  <a:srgbClr val="0000FF"/>
+                </a:solidFill>
+                <a:latin typeface="Consolas"/>
+              </a:rPr>
+              <a:t>get</a:t>
+            </a:r>
+            <a:r>
+              <a:rPr lang="en-US" dirty="0">
+                <a:solidFill>
+                  <a:srgbClr val="000000"/>
+                </a:solidFill>
+                <a:latin typeface="Consolas"/>
+              </a:rPr>
+              <a:t>; </a:t>
+            </a:r>
+            <a:r>
+              <a:rPr lang="en-US" dirty="0">
+                <a:solidFill>
+                  <a:srgbClr val="0000FF"/>
+                </a:solidFill>
+                <a:latin typeface="Consolas"/>
+              </a:rPr>
+              <a:t>set</a:t>
+            </a:r>
+            <a:r>
+              <a:rPr lang="en-US" dirty="0">
+                <a:solidFill>
+                  <a:srgbClr val="000000"/>
+                </a:solidFill>
+                <a:latin typeface="Consolas"/>
+              </a:rPr>
+              <a:t>; }</a:t>
+            </a:r>
+          </a:p>
+          <a:p>
+            <a:pPr marL="0" indent="0">
+              <a:buNone/>
+            </a:pPr>
+            <a:r>
+              <a:rPr lang="en-US" dirty="0">
+                <a:solidFill>
+                  <a:srgbClr val="000000"/>
+                </a:solidFill>
+                <a:latin typeface="Consolas"/>
+              </a:rPr>
+              <a:t>  </a:t>
+            </a:r>
+          </a:p>
+          <a:p>
+            <a:pPr marL="0" indent="0">
+              <a:buNone/>
+            </a:pPr>
+            <a:r>
+              <a:rPr lang="en-US" dirty="0">
+                <a:solidFill>
+                  <a:srgbClr val="000000"/>
+                </a:solidFill>
+                <a:latin typeface="Consolas"/>
+              </a:rPr>
+              <a:t>  </a:t>
+            </a:r>
+            <a:r>
+              <a:rPr lang="en-US" dirty="0">
+                <a:solidFill>
+                  <a:srgbClr val="0000FF"/>
+                </a:solidFill>
+                <a:latin typeface="Consolas"/>
+              </a:rPr>
+              <a:t>public</a:t>
+            </a:r>
+            <a:r>
+              <a:rPr lang="en-US" dirty="0">
+                <a:solidFill>
+                  <a:srgbClr val="000000"/>
+                </a:solidFill>
+                <a:latin typeface="Consolas"/>
+              </a:rPr>
+              <a:t> Train() {} </a:t>
+            </a:r>
+            <a:r>
+              <a:rPr lang="en-US" dirty="0">
+                <a:solidFill>
+                  <a:srgbClr val="008000"/>
+                </a:solidFill>
+                <a:latin typeface="Consolas"/>
+              </a:rPr>
+              <a:t>//</a:t>
+            </a:r>
+            <a:r>
+              <a:rPr lang="ru-RU" dirty="0">
+                <a:solidFill>
+                  <a:srgbClr val="008000"/>
+                </a:solidFill>
+                <a:latin typeface="Consolas"/>
+              </a:rPr>
+              <a:t> Для XML сериализации требуется наличие конструктора без аргументов</a:t>
+            </a:r>
+            <a:endParaRPr lang="en-US" dirty="0">
+              <a:solidFill>
+                <a:srgbClr val="000000"/>
+              </a:solidFill>
+              <a:latin typeface="Consolas"/>
+            </a:endParaRPr>
+          </a:p>
+          <a:p>
+            <a:pPr marL="0" indent="0">
+              <a:buNone/>
+            </a:pPr>
+            <a:r>
+              <a:rPr lang="en-US" dirty="0">
+                <a:solidFill>
+                  <a:srgbClr val="000000"/>
+                </a:solidFill>
+                <a:latin typeface="Consolas"/>
+              </a:rPr>
+              <a:t>  </a:t>
+            </a:r>
+            <a:r>
+              <a:rPr lang="en-US" dirty="0">
+                <a:solidFill>
+                  <a:srgbClr val="0000FF"/>
+                </a:solidFill>
+                <a:latin typeface="Consolas"/>
+              </a:rPr>
+              <a:t>public</a:t>
+            </a:r>
+            <a:r>
+              <a:rPr lang="en-US" dirty="0">
+                <a:solidFill>
+                  <a:srgbClr val="000000"/>
+                </a:solidFill>
+                <a:latin typeface="Consolas"/>
+              </a:rPr>
+              <a:t> Train(</a:t>
+            </a:r>
+            <a:r>
+              <a:rPr lang="en-US" dirty="0">
+                <a:solidFill>
+                  <a:srgbClr val="0000FF"/>
+                </a:solidFill>
+                <a:latin typeface="Consolas"/>
+              </a:rPr>
+              <a:t>double</a:t>
+            </a:r>
+            <a:r>
+              <a:rPr lang="en-US" dirty="0">
+                <a:solidFill>
+                  <a:srgbClr val="000000"/>
+                </a:solidFill>
+                <a:latin typeface="Consolas"/>
+              </a:rPr>
+              <a:t> speed, </a:t>
+            </a:r>
+            <a:r>
+              <a:rPr lang="en-US" dirty="0" err="1">
+                <a:solidFill>
+                  <a:srgbClr val="0000FF"/>
+                </a:solidFill>
+                <a:latin typeface="Consolas"/>
+              </a:rPr>
+              <a:t>int</a:t>
+            </a:r>
+            <a:r>
+              <a:rPr lang="en-US" dirty="0">
+                <a:solidFill>
+                  <a:srgbClr val="000000"/>
+                </a:solidFill>
+                <a:latin typeface="Consolas"/>
+              </a:rPr>
+              <a:t> length, </a:t>
+            </a:r>
+            <a:r>
+              <a:rPr lang="en-US" dirty="0" err="1">
+                <a:solidFill>
+                  <a:srgbClr val="0000FF"/>
+                </a:solidFill>
+                <a:latin typeface="Consolas"/>
+              </a:rPr>
+              <a:t>params</a:t>
+            </a:r>
+            <a:r>
+              <a:rPr lang="en-US" dirty="0">
+                <a:solidFill>
+                  <a:srgbClr val="000000"/>
+                </a:solidFill>
+                <a:latin typeface="Consolas"/>
+              </a:rPr>
+              <a:t> </a:t>
+            </a:r>
+            <a:r>
+              <a:rPr lang="en-US" dirty="0">
+                <a:solidFill>
+                  <a:srgbClr val="0000FF"/>
+                </a:solidFill>
+                <a:latin typeface="Consolas"/>
+              </a:rPr>
+              <a:t>string</a:t>
+            </a:r>
+            <a:r>
+              <a:rPr lang="en-US" dirty="0">
+                <a:solidFill>
+                  <a:srgbClr val="000000"/>
+                </a:solidFill>
+                <a:latin typeface="Consolas"/>
+              </a:rPr>
+              <a:t>[] </a:t>
+            </a:r>
+            <a:r>
+              <a:rPr lang="en-US" dirty="0" err="1">
+                <a:solidFill>
+                  <a:srgbClr val="000000"/>
+                </a:solidFill>
+                <a:latin typeface="Consolas"/>
+              </a:rPr>
+              <a:t>travellers</a:t>
+            </a:r>
+            <a:r>
+              <a:rPr lang="en-US" dirty="0">
+                <a:solidFill>
+                  <a:srgbClr val="000000"/>
+                </a:solidFill>
+                <a:latin typeface="Consolas"/>
+              </a:rPr>
+              <a:t>)</a:t>
+            </a:r>
+          </a:p>
+          <a:p>
+            <a:pPr marL="0" indent="0">
+              <a:buNone/>
+            </a:pPr>
+            <a:r>
+              <a:rPr lang="en-US" dirty="0">
+                <a:solidFill>
+                  <a:srgbClr val="000000"/>
+                </a:solidFill>
+                <a:latin typeface="Consolas"/>
+              </a:rPr>
+              <a:t>  {</a:t>
+            </a:r>
+          </a:p>
+          <a:p>
+            <a:pPr marL="0" indent="0">
+              <a:buNone/>
+            </a:pPr>
+            <a:r>
+              <a:rPr lang="en-US" dirty="0">
+                <a:solidFill>
+                  <a:srgbClr val="000000"/>
+                </a:solidFill>
+                <a:latin typeface="Consolas"/>
+              </a:rPr>
+              <a:t>      Speed = speed;</a:t>
+            </a:r>
+          </a:p>
+          <a:p>
+            <a:pPr marL="0" indent="0">
+              <a:buNone/>
+            </a:pPr>
+            <a:r>
+              <a:rPr lang="en-US" dirty="0">
+                <a:solidFill>
+                  <a:srgbClr val="000000"/>
+                </a:solidFill>
+                <a:latin typeface="Consolas"/>
+              </a:rPr>
+              <a:t>      Length = length;</a:t>
+            </a:r>
+          </a:p>
+          <a:p>
+            <a:pPr marL="0" indent="0">
+              <a:buNone/>
+            </a:pPr>
+            <a:r>
+              <a:rPr lang="en-US" dirty="0">
+                <a:solidFill>
+                  <a:srgbClr val="000000"/>
+                </a:solidFill>
+                <a:latin typeface="Consolas"/>
+              </a:rPr>
+              <a:t>      </a:t>
+            </a:r>
+            <a:r>
+              <a:rPr lang="en-US" dirty="0" err="1">
+                <a:solidFill>
+                  <a:srgbClr val="000000"/>
+                </a:solidFill>
+                <a:latin typeface="Consolas"/>
+              </a:rPr>
+              <a:t>Travellers</a:t>
+            </a:r>
+            <a:r>
+              <a:rPr lang="en-US" dirty="0">
+                <a:solidFill>
+                  <a:srgbClr val="000000"/>
+                </a:solidFill>
+                <a:latin typeface="Consolas"/>
+              </a:rPr>
+              <a:t> = </a:t>
+            </a:r>
+            <a:r>
+              <a:rPr lang="en-US" dirty="0" err="1">
+                <a:solidFill>
+                  <a:srgbClr val="000000"/>
+                </a:solidFill>
+                <a:latin typeface="Consolas"/>
+              </a:rPr>
+              <a:t>travellers</a:t>
+            </a:r>
+            <a:r>
+              <a:rPr lang="en-US" dirty="0">
+                <a:solidFill>
+                  <a:srgbClr val="000000"/>
+                </a:solidFill>
+                <a:latin typeface="Consolas"/>
+              </a:rPr>
+              <a:t>;</a:t>
+            </a:r>
+          </a:p>
+          <a:p>
+            <a:pPr marL="0" indent="0">
+              <a:buNone/>
+            </a:pPr>
+            <a:r>
+              <a:rPr lang="en-US" dirty="0">
+                <a:solidFill>
+                  <a:srgbClr val="000000"/>
+                </a:solidFill>
+                <a:latin typeface="Consolas"/>
+              </a:rPr>
+              <a:t>  }</a:t>
+            </a:r>
+          </a:p>
+          <a:p>
+            <a:pPr marL="0" indent="0">
+              <a:buNone/>
+            </a:pPr>
+            <a:r>
+              <a:rPr lang="en-US" dirty="0">
+                <a:solidFill>
+                  <a:srgbClr val="000000"/>
+                </a:solidFill>
+                <a:latin typeface="Consolas"/>
+              </a:rPr>
+              <a:t>  </a:t>
+            </a:r>
+          </a:p>
+          <a:p>
+            <a:pPr marL="0" indent="0">
+              <a:buNone/>
+            </a:pPr>
+            <a:r>
+              <a:rPr lang="en-US" dirty="0">
+                <a:solidFill>
+                  <a:srgbClr val="000000"/>
+                </a:solidFill>
+                <a:latin typeface="Consolas"/>
+              </a:rPr>
+              <a:t>  </a:t>
+            </a:r>
+            <a:r>
+              <a:rPr lang="en-US" dirty="0">
+                <a:solidFill>
+                  <a:srgbClr val="0000FF"/>
+                </a:solidFill>
+                <a:latin typeface="Consolas"/>
+              </a:rPr>
+              <a:t>public</a:t>
+            </a:r>
+            <a:r>
+              <a:rPr lang="en-US" dirty="0">
+                <a:solidFill>
+                  <a:srgbClr val="000000"/>
+                </a:solidFill>
+                <a:latin typeface="Consolas"/>
+              </a:rPr>
+              <a:t> </a:t>
+            </a:r>
+            <a:r>
+              <a:rPr lang="en-US" dirty="0">
+                <a:solidFill>
+                  <a:srgbClr val="0000FF"/>
+                </a:solidFill>
+                <a:latin typeface="Consolas"/>
+              </a:rPr>
+              <a:t>void</a:t>
+            </a:r>
+            <a:r>
+              <a:rPr lang="en-US" dirty="0">
+                <a:solidFill>
+                  <a:srgbClr val="000000"/>
+                </a:solidFill>
+                <a:latin typeface="Consolas"/>
+              </a:rPr>
+              <a:t> Print()</a:t>
+            </a:r>
+          </a:p>
+          <a:p>
+            <a:pPr marL="0" indent="0">
+              <a:buNone/>
+            </a:pPr>
+            <a:r>
+              <a:rPr lang="en-US" dirty="0">
+                <a:solidFill>
+                  <a:srgbClr val="000000"/>
+                </a:solidFill>
+                <a:latin typeface="Consolas"/>
+              </a:rPr>
+              <a:t>  {</a:t>
+            </a:r>
+          </a:p>
+          <a:p>
+            <a:pPr marL="0" indent="0">
+              <a:buNone/>
+            </a:pPr>
+            <a:r>
+              <a:rPr lang="en-US" dirty="0">
+                <a:solidFill>
+                  <a:srgbClr val="000000"/>
+                </a:solidFill>
+                <a:latin typeface="Consolas"/>
+              </a:rPr>
+              <a:t>      </a:t>
+            </a:r>
+            <a:r>
+              <a:rPr lang="en-US" dirty="0" err="1">
+                <a:solidFill>
+                  <a:srgbClr val="000000"/>
+                </a:solidFill>
+                <a:latin typeface="Consolas"/>
+              </a:rPr>
+              <a:t>Console.WriteLine</a:t>
+            </a:r>
+            <a:r>
+              <a:rPr lang="en-US" dirty="0">
+                <a:solidFill>
+                  <a:srgbClr val="000000"/>
+                </a:solidFill>
+                <a:latin typeface="Consolas"/>
+              </a:rPr>
+              <a:t>(</a:t>
+            </a:r>
+            <a:r>
+              <a:rPr lang="en-US" dirty="0">
+                <a:solidFill>
+                  <a:srgbClr val="DC1414"/>
+                </a:solidFill>
+                <a:latin typeface="Consolas"/>
+              </a:rPr>
+              <a:t>"Speed: {0}"</a:t>
+            </a:r>
+            <a:r>
+              <a:rPr lang="en-US" dirty="0">
+                <a:solidFill>
+                  <a:srgbClr val="000000"/>
+                </a:solidFill>
+                <a:latin typeface="Consolas"/>
+              </a:rPr>
+              <a:t>, Speed);</a:t>
+            </a:r>
+          </a:p>
+          <a:p>
+            <a:pPr marL="0" indent="0">
+              <a:buNone/>
+            </a:pPr>
+            <a:r>
+              <a:rPr lang="en-US" dirty="0">
+                <a:solidFill>
+                  <a:srgbClr val="000000"/>
+                </a:solidFill>
+                <a:latin typeface="Consolas"/>
+              </a:rPr>
+              <a:t>      </a:t>
+            </a:r>
+            <a:r>
+              <a:rPr lang="en-US" dirty="0" err="1">
+                <a:solidFill>
+                  <a:srgbClr val="000000"/>
+                </a:solidFill>
+                <a:latin typeface="Consolas"/>
+              </a:rPr>
+              <a:t>Console.WriteLine</a:t>
+            </a:r>
+            <a:r>
+              <a:rPr lang="en-US" dirty="0">
+                <a:solidFill>
+                  <a:srgbClr val="000000"/>
+                </a:solidFill>
+                <a:latin typeface="Consolas"/>
+              </a:rPr>
+              <a:t>(</a:t>
+            </a:r>
+            <a:r>
+              <a:rPr lang="en-US" dirty="0">
+                <a:solidFill>
+                  <a:srgbClr val="DC1414"/>
+                </a:solidFill>
+                <a:latin typeface="Consolas"/>
+              </a:rPr>
+              <a:t>"Length : {0}"</a:t>
+            </a:r>
+            <a:r>
+              <a:rPr lang="en-US" dirty="0">
+                <a:solidFill>
+                  <a:srgbClr val="000000"/>
+                </a:solidFill>
+                <a:latin typeface="Consolas"/>
+              </a:rPr>
+              <a:t>, Length);</a:t>
+            </a:r>
+          </a:p>
+          <a:p>
+            <a:pPr marL="0" indent="0">
+              <a:buNone/>
+            </a:pPr>
+            <a:r>
+              <a:rPr lang="fr-FR" dirty="0">
+                <a:solidFill>
+                  <a:srgbClr val="000000"/>
+                </a:solidFill>
+                <a:latin typeface="Consolas"/>
+              </a:rPr>
+              <a:t>      </a:t>
+            </a:r>
+            <a:r>
+              <a:rPr lang="fr-FR" dirty="0" err="1">
+                <a:solidFill>
+                  <a:srgbClr val="000000"/>
+                </a:solidFill>
+                <a:latin typeface="Consolas"/>
+              </a:rPr>
+              <a:t>Console.WriteLine</a:t>
+            </a:r>
+            <a:r>
+              <a:rPr lang="fr-FR" dirty="0">
+                <a:solidFill>
+                  <a:srgbClr val="000000"/>
+                </a:solidFill>
+                <a:latin typeface="Consolas"/>
+              </a:rPr>
+              <a:t>(</a:t>
+            </a:r>
+            <a:r>
+              <a:rPr lang="fr-FR" dirty="0">
+                <a:solidFill>
+                  <a:srgbClr val="DC1414"/>
+                </a:solidFill>
+                <a:latin typeface="Consolas"/>
+              </a:rPr>
+              <a:t>"</a:t>
+            </a:r>
+            <a:r>
+              <a:rPr lang="fr-FR" dirty="0" err="1">
+                <a:solidFill>
+                  <a:srgbClr val="DC1414"/>
+                </a:solidFill>
+                <a:latin typeface="Consolas"/>
+              </a:rPr>
+              <a:t>Travellers</a:t>
+            </a:r>
+            <a:r>
+              <a:rPr lang="fr-FR" dirty="0">
+                <a:solidFill>
+                  <a:srgbClr val="DC1414"/>
+                </a:solidFill>
+                <a:latin typeface="Consolas"/>
+              </a:rPr>
+              <a:t>: {0}"</a:t>
+            </a:r>
+            <a:r>
+              <a:rPr lang="fr-FR" dirty="0">
+                <a:solidFill>
+                  <a:srgbClr val="000000"/>
+                </a:solidFill>
+                <a:latin typeface="Consolas"/>
+              </a:rPr>
+              <a:t>, </a:t>
+            </a:r>
+            <a:r>
+              <a:rPr lang="fr-FR" dirty="0" err="1">
+                <a:solidFill>
+                  <a:srgbClr val="000000"/>
+                </a:solidFill>
+                <a:latin typeface="Consolas"/>
+              </a:rPr>
+              <a:t>String.Join</a:t>
+            </a:r>
+            <a:r>
+              <a:rPr lang="fr-FR" dirty="0">
+                <a:solidFill>
+                  <a:srgbClr val="000000"/>
+                </a:solidFill>
+                <a:latin typeface="Consolas"/>
+              </a:rPr>
+              <a:t>(</a:t>
+            </a:r>
+            <a:r>
+              <a:rPr lang="fr-FR" dirty="0">
+                <a:solidFill>
+                  <a:srgbClr val="DC1414"/>
+                </a:solidFill>
+                <a:latin typeface="Consolas"/>
+              </a:rPr>
+              <a:t>"; "</a:t>
+            </a:r>
+            <a:r>
+              <a:rPr lang="fr-FR" dirty="0">
+                <a:solidFill>
+                  <a:srgbClr val="000000"/>
+                </a:solidFill>
+                <a:latin typeface="Consolas"/>
+              </a:rPr>
+              <a:t>, </a:t>
+            </a:r>
+            <a:r>
+              <a:rPr lang="fr-FR" dirty="0" err="1">
+                <a:solidFill>
+                  <a:srgbClr val="000000"/>
+                </a:solidFill>
+                <a:latin typeface="Consolas"/>
+              </a:rPr>
+              <a:t>Travellers</a:t>
+            </a:r>
+            <a:r>
+              <a:rPr lang="fr-FR" dirty="0">
+                <a:solidFill>
+                  <a:srgbClr val="000000"/>
+                </a:solidFill>
+                <a:latin typeface="Consolas"/>
+              </a:rPr>
+              <a:t>));</a:t>
+            </a:r>
+          </a:p>
+          <a:p>
+            <a:pPr marL="0" indent="0">
+              <a:buNone/>
+            </a:pPr>
+            <a:r>
+              <a:rPr lang="en-US" dirty="0">
+                <a:solidFill>
+                  <a:srgbClr val="000000"/>
+                </a:solidFill>
+                <a:latin typeface="Consolas"/>
+              </a:rPr>
+              <a:t>  }</a:t>
+            </a:r>
+          </a:p>
+          <a:p>
+            <a:pPr marL="0" indent="0">
+              <a:buNone/>
+            </a:pPr>
+            <a:r>
+              <a:rPr lang="en-US" dirty="0">
+                <a:solidFill>
+                  <a:srgbClr val="000000"/>
+                </a:solidFill>
+                <a:latin typeface="Consolas"/>
+              </a:rPr>
+              <a:t>}</a:t>
+            </a:r>
+          </a:p>
+          <a:p>
+            <a:pPr marL="0" indent="0">
+              <a:buNone/>
+            </a:pPr>
+            <a:endParaRPr lang="en-US" dirty="0">
+              <a:solidFill>
+                <a:srgbClr val="000000"/>
+              </a:solidFill>
+              <a:latin typeface="Consolas"/>
+            </a:endParaRPr>
+          </a:p>
+          <a:p>
+            <a:pPr marL="0" indent="0">
+              <a:buNone/>
+            </a:pPr>
+            <a:r>
+              <a:rPr lang="en-US" dirty="0">
+                <a:solidFill>
+                  <a:srgbClr val="0000FF"/>
+                </a:solidFill>
+                <a:latin typeface="Consolas"/>
+              </a:rPr>
+              <a:t>static</a:t>
+            </a:r>
+            <a:r>
+              <a:rPr lang="en-US" dirty="0">
+                <a:solidFill>
+                  <a:srgbClr val="000000"/>
+                </a:solidFill>
+                <a:latin typeface="Consolas"/>
+              </a:rPr>
+              <a:t> </a:t>
+            </a:r>
+            <a:r>
+              <a:rPr lang="en-US" dirty="0">
+                <a:solidFill>
+                  <a:srgbClr val="0000FF"/>
+                </a:solidFill>
+                <a:latin typeface="Consolas"/>
+              </a:rPr>
+              <a:t>void</a:t>
+            </a:r>
+            <a:r>
+              <a:rPr lang="en-US" dirty="0">
+                <a:solidFill>
+                  <a:srgbClr val="000000"/>
+                </a:solidFill>
+                <a:latin typeface="Consolas"/>
+              </a:rPr>
+              <a:t> Main()</a:t>
+            </a:r>
+          </a:p>
+          <a:p>
+            <a:pPr marL="0" indent="0">
+              <a:buNone/>
+            </a:pPr>
+            <a:r>
+              <a:rPr lang="en-US" dirty="0">
+                <a:solidFill>
+                  <a:srgbClr val="000000"/>
+                </a:solidFill>
+                <a:latin typeface="Consolas"/>
+              </a:rPr>
+              <a:t>{</a:t>
+            </a:r>
+          </a:p>
+          <a:p>
+            <a:pPr marL="0" indent="0">
+              <a:buNone/>
+            </a:pPr>
+            <a:r>
+              <a:rPr lang="fr-FR" dirty="0">
+                <a:solidFill>
+                  <a:srgbClr val="000000"/>
+                </a:solidFill>
+                <a:latin typeface="Consolas"/>
+              </a:rPr>
+              <a:t>    Train </a:t>
+            </a:r>
+            <a:r>
+              <a:rPr lang="fr-FR" dirty="0" err="1">
+                <a:solidFill>
+                  <a:srgbClr val="000000"/>
+                </a:solidFill>
+                <a:latin typeface="Consolas"/>
+              </a:rPr>
+              <a:t>train</a:t>
+            </a:r>
+            <a:r>
+              <a:rPr lang="fr-FR" dirty="0">
+                <a:solidFill>
+                  <a:srgbClr val="000000"/>
+                </a:solidFill>
+                <a:latin typeface="Consolas"/>
+              </a:rPr>
+              <a:t> = </a:t>
+            </a:r>
+            <a:r>
+              <a:rPr lang="fr-FR" dirty="0">
+                <a:solidFill>
+                  <a:srgbClr val="0000FF"/>
+                </a:solidFill>
+                <a:latin typeface="Consolas"/>
+              </a:rPr>
+              <a:t>new</a:t>
+            </a:r>
+            <a:r>
+              <a:rPr lang="fr-FR" dirty="0">
+                <a:solidFill>
+                  <a:srgbClr val="000000"/>
+                </a:solidFill>
+                <a:latin typeface="Consolas"/>
+              </a:rPr>
+              <a:t> Train(</a:t>
+            </a:r>
+            <a:r>
+              <a:rPr lang="fr-FR" dirty="0">
+                <a:solidFill>
+                  <a:srgbClr val="C81EFA"/>
+                </a:solidFill>
+                <a:latin typeface="Consolas"/>
+              </a:rPr>
+              <a:t>190.2</a:t>
+            </a:r>
+            <a:r>
+              <a:rPr lang="fr-FR" dirty="0">
+                <a:solidFill>
+                  <a:srgbClr val="000000"/>
+                </a:solidFill>
+                <a:latin typeface="Consolas"/>
+              </a:rPr>
+              <a:t>, </a:t>
+            </a:r>
+            <a:r>
+              <a:rPr lang="fr-FR" dirty="0">
+                <a:solidFill>
+                  <a:srgbClr val="C81EFA"/>
+                </a:solidFill>
+                <a:latin typeface="Consolas"/>
+              </a:rPr>
+              <a:t>8</a:t>
+            </a:r>
+            <a:r>
+              <a:rPr lang="fr-FR" dirty="0">
+                <a:solidFill>
+                  <a:srgbClr val="000000"/>
+                </a:solidFill>
+                <a:latin typeface="Consolas"/>
+              </a:rPr>
+              <a:t>, </a:t>
+            </a:r>
+            <a:r>
+              <a:rPr lang="fr-FR" dirty="0">
+                <a:solidFill>
+                  <a:srgbClr val="DC1414"/>
+                </a:solidFill>
+                <a:latin typeface="Consolas"/>
+              </a:rPr>
+              <a:t>"Ivanov"</a:t>
+            </a:r>
+            <a:r>
+              <a:rPr lang="fr-FR" dirty="0">
+                <a:solidFill>
+                  <a:srgbClr val="000000"/>
+                </a:solidFill>
+                <a:latin typeface="Consolas"/>
+              </a:rPr>
+              <a:t>, </a:t>
+            </a:r>
+            <a:r>
+              <a:rPr lang="fr-FR" dirty="0">
+                <a:solidFill>
+                  <a:srgbClr val="DC1414"/>
+                </a:solidFill>
+                <a:latin typeface="Consolas"/>
+              </a:rPr>
+              <a:t>"Petrov"</a:t>
+            </a:r>
+            <a:r>
+              <a:rPr lang="fr-FR" dirty="0">
+                <a:solidFill>
+                  <a:srgbClr val="000000"/>
+                </a:solidFill>
+                <a:latin typeface="Consolas"/>
+              </a:rPr>
+              <a:t>, </a:t>
+            </a:r>
+            <a:r>
+              <a:rPr lang="fr-FR" dirty="0">
+                <a:solidFill>
+                  <a:srgbClr val="DC1414"/>
+                </a:solidFill>
+                <a:latin typeface="Consolas"/>
+              </a:rPr>
+              <a:t>"</a:t>
+            </a:r>
+            <a:r>
+              <a:rPr lang="fr-FR" dirty="0" err="1">
+                <a:solidFill>
+                  <a:srgbClr val="DC1414"/>
+                </a:solidFill>
+                <a:latin typeface="Consolas"/>
+              </a:rPr>
+              <a:t>Sidorov</a:t>
+            </a:r>
+            <a:r>
+              <a:rPr lang="fr-FR" dirty="0">
+                <a:solidFill>
+                  <a:srgbClr val="DC1414"/>
+                </a:solidFill>
+                <a:latin typeface="Consolas"/>
+              </a:rPr>
+              <a:t>"</a:t>
+            </a:r>
+            <a:r>
+              <a:rPr lang="fr-FR" dirty="0">
+                <a:solidFill>
+                  <a:srgbClr val="000000"/>
+                </a:solidFill>
+                <a:latin typeface="Consolas"/>
+              </a:rPr>
+              <a:t>);</a:t>
+            </a:r>
+          </a:p>
+          <a:p>
+            <a:pPr marL="0" indent="0">
+              <a:buNone/>
+            </a:pPr>
+            <a:r>
+              <a:rPr lang="en-US" dirty="0">
+                <a:solidFill>
+                  <a:srgbClr val="000000"/>
+                </a:solidFill>
+                <a:latin typeface="Consolas"/>
+              </a:rPr>
+              <a:t>    </a:t>
+            </a:r>
+            <a:r>
+              <a:rPr lang="en-US" dirty="0" err="1">
+                <a:solidFill>
+                  <a:srgbClr val="000000"/>
+                </a:solidFill>
+                <a:latin typeface="Consolas"/>
+              </a:rPr>
+              <a:t>train.Print</a:t>
+            </a:r>
+            <a:r>
+              <a:rPr lang="en-US" dirty="0">
+                <a:solidFill>
+                  <a:srgbClr val="000000"/>
+                </a:solidFill>
+                <a:latin typeface="Consolas"/>
+              </a:rPr>
+              <a:t>();</a:t>
+            </a:r>
+          </a:p>
+          <a:p>
+            <a:pPr marL="0" indent="0">
+              <a:buNone/>
+            </a:pPr>
+            <a:endParaRPr lang="en-US" dirty="0">
+              <a:solidFill>
+                <a:srgbClr val="000000"/>
+              </a:solidFill>
+              <a:latin typeface="Consolas"/>
+            </a:endParaRPr>
+          </a:p>
+          <a:p>
+            <a:pPr marL="0" indent="0">
+              <a:buNone/>
+            </a:pPr>
+            <a:r>
+              <a:rPr lang="en-US" dirty="0">
+                <a:solidFill>
+                  <a:srgbClr val="0000FF"/>
+                </a:solidFill>
+                <a:latin typeface="Consolas"/>
+              </a:rPr>
+              <a:t>    string</a:t>
+            </a:r>
+            <a:r>
+              <a:rPr lang="en-US" dirty="0">
+                <a:solidFill>
+                  <a:srgbClr val="000000"/>
+                </a:solidFill>
+                <a:latin typeface="Consolas"/>
+              </a:rPr>
+              <a:t> </a:t>
+            </a:r>
+            <a:r>
+              <a:rPr lang="en-US" dirty="0" err="1">
+                <a:solidFill>
+                  <a:srgbClr val="000000"/>
+                </a:solidFill>
+                <a:latin typeface="Consolas"/>
+              </a:rPr>
+              <a:t>tempFileName</a:t>
+            </a:r>
+            <a:r>
+              <a:rPr lang="en-US" dirty="0">
+                <a:solidFill>
+                  <a:srgbClr val="000000"/>
+                </a:solidFill>
+                <a:latin typeface="Consolas"/>
+              </a:rPr>
+              <a:t> = </a:t>
+            </a:r>
+            <a:r>
+              <a:rPr lang="en-US" dirty="0" err="1">
+                <a:solidFill>
+                  <a:srgbClr val="000000"/>
+                </a:solidFill>
+                <a:latin typeface="Consolas"/>
+              </a:rPr>
+              <a:t>Path.Combine</a:t>
+            </a:r>
+            <a:r>
+              <a:rPr lang="en-US" dirty="0">
+                <a:solidFill>
+                  <a:srgbClr val="000000"/>
+                </a:solidFill>
+                <a:latin typeface="Consolas"/>
+              </a:rPr>
+              <a:t>(</a:t>
+            </a:r>
+            <a:r>
+              <a:rPr lang="en-US" dirty="0" err="1">
+                <a:solidFill>
+                  <a:srgbClr val="000000"/>
+                </a:solidFill>
+                <a:latin typeface="Consolas"/>
+              </a:rPr>
+              <a:t>Path.GetTempPath</a:t>
+            </a:r>
+            <a:r>
+              <a:rPr lang="en-US" dirty="0">
+                <a:solidFill>
+                  <a:srgbClr val="000000"/>
+                </a:solidFill>
+                <a:latin typeface="Consolas"/>
+              </a:rPr>
+              <a:t>(), </a:t>
+            </a:r>
+            <a:r>
+              <a:rPr lang="en-US" dirty="0">
+                <a:solidFill>
+                  <a:srgbClr val="DC1414"/>
+                </a:solidFill>
+                <a:latin typeface="Consolas"/>
+              </a:rPr>
+              <a:t>"train.xml"</a:t>
+            </a:r>
+            <a:r>
+              <a:rPr lang="en-US" dirty="0">
+                <a:solidFill>
+                  <a:srgbClr val="000000"/>
+                </a:solidFill>
+                <a:latin typeface="Consolas"/>
+              </a:rPr>
+              <a:t>); </a:t>
+            </a:r>
+            <a:r>
+              <a:rPr lang="en-US" dirty="0">
+                <a:solidFill>
+                  <a:srgbClr val="008000"/>
+                </a:solidFill>
+                <a:latin typeface="Consolas"/>
+              </a:rPr>
+              <a:t>//</a:t>
+            </a:r>
+            <a:r>
+              <a:rPr lang="ru-RU" dirty="0">
+                <a:solidFill>
+                  <a:srgbClr val="008000"/>
+                </a:solidFill>
+                <a:latin typeface="Consolas"/>
+              </a:rPr>
+              <a:t> Будем работать с файлом в папке с временными файлами</a:t>
+            </a:r>
+            <a:endParaRPr lang="en-US" dirty="0">
+              <a:solidFill>
+                <a:srgbClr val="000000"/>
+              </a:solidFill>
+              <a:latin typeface="Consolas"/>
+            </a:endParaRPr>
+          </a:p>
+          <a:p>
+            <a:pPr marL="0" indent="0">
+              <a:buNone/>
+            </a:pPr>
+            <a:r>
+              <a:rPr lang="en-US" dirty="0">
+                <a:solidFill>
+                  <a:srgbClr val="000000"/>
+                </a:solidFill>
+                <a:latin typeface="Consolas"/>
+              </a:rPr>
+              <a:t>    </a:t>
+            </a:r>
+            <a:r>
+              <a:rPr lang="en-US" dirty="0" err="1">
+                <a:solidFill>
+                  <a:srgbClr val="000000"/>
+                </a:solidFill>
+                <a:latin typeface="Consolas"/>
+              </a:rPr>
+              <a:t>XmlSerializer</a:t>
+            </a:r>
+            <a:r>
+              <a:rPr lang="en-US" dirty="0">
+                <a:solidFill>
+                  <a:srgbClr val="000000"/>
+                </a:solidFill>
+                <a:latin typeface="Consolas"/>
+              </a:rPr>
+              <a:t> </a:t>
+            </a:r>
+            <a:r>
+              <a:rPr lang="en-US" dirty="0" err="1">
+                <a:solidFill>
+                  <a:srgbClr val="000000"/>
+                </a:solidFill>
+                <a:latin typeface="Consolas"/>
+              </a:rPr>
+              <a:t>xmlSerializer</a:t>
+            </a:r>
+            <a:r>
+              <a:rPr lang="en-US" dirty="0">
+                <a:solidFill>
+                  <a:srgbClr val="000000"/>
+                </a:solidFill>
+                <a:latin typeface="Consolas"/>
+              </a:rPr>
+              <a:t> = </a:t>
+            </a:r>
+            <a:r>
+              <a:rPr lang="en-US" dirty="0">
+                <a:solidFill>
+                  <a:srgbClr val="0000FF"/>
+                </a:solidFill>
+                <a:latin typeface="Consolas"/>
+              </a:rPr>
+              <a:t>new</a:t>
+            </a:r>
+            <a:r>
+              <a:rPr lang="en-US" dirty="0">
+                <a:solidFill>
+                  <a:srgbClr val="000000"/>
+                </a:solidFill>
+                <a:latin typeface="Consolas"/>
+              </a:rPr>
+              <a:t> </a:t>
+            </a:r>
+            <a:r>
+              <a:rPr lang="en-US" dirty="0" err="1">
+                <a:solidFill>
+                  <a:srgbClr val="000000"/>
+                </a:solidFill>
+                <a:latin typeface="Consolas"/>
+              </a:rPr>
+              <a:t>XmlSerializer</a:t>
+            </a:r>
+            <a:r>
+              <a:rPr lang="en-US" dirty="0">
+                <a:solidFill>
+                  <a:srgbClr val="000000"/>
+                </a:solidFill>
+                <a:latin typeface="Consolas"/>
+              </a:rPr>
+              <a:t>(</a:t>
+            </a:r>
+            <a:r>
+              <a:rPr lang="en-US" dirty="0" err="1">
+                <a:solidFill>
+                  <a:srgbClr val="0000FF"/>
+                </a:solidFill>
+                <a:latin typeface="Consolas"/>
+              </a:rPr>
+              <a:t>typeof</a:t>
+            </a:r>
+            <a:r>
+              <a:rPr lang="en-US" dirty="0">
+                <a:solidFill>
+                  <a:srgbClr val="000000"/>
+                </a:solidFill>
+                <a:latin typeface="Consolas"/>
+              </a:rPr>
+              <a:t>(Train));</a:t>
+            </a:r>
+          </a:p>
+          <a:p>
+            <a:pPr marL="0" indent="0">
+              <a:buNone/>
+            </a:pPr>
+            <a:r>
+              <a:rPr lang="en-US" dirty="0">
+                <a:solidFill>
+                  <a:srgbClr val="008000"/>
+                </a:solidFill>
+                <a:latin typeface="Consolas"/>
+              </a:rPr>
+              <a:t>    // </a:t>
+            </a:r>
+            <a:r>
+              <a:rPr lang="ru-RU" dirty="0">
+                <a:solidFill>
+                  <a:srgbClr val="008000"/>
+                </a:solidFill>
+                <a:latin typeface="Consolas"/>
+              </a:rPr>
+              <a:t>Выполняем сериализацию</a:t>
+            </a:r>
+            <a:endParaRPr lang="en-US" dirty="0">
+              <a:solidFill>
+                <a:srgbClr val="000000"/>
+              </a:solidFill>
+              <a:latin typeface="Consolas"/>
+            </a:endParaRPr>
+          </a:p>
+          <a:p>
+            <a:pPr marL="0" indent="0">
+              <a:buNone/>
+            </a:pPr>
+            <a:r>
+              <a:rPr lang="en-US" dirty="0">
+                <a:solidFill>
+                  <a:srgbClr val="0000FF"/>
+                </a:solidFill>
+                <a:latin typeface="Consolas"/>
+              </a:rPr>
+              <a:t>    using</a:t>
+            </a:r>
+            <a:r>
+              <a:rPr lang="en-US" dirty="0">
+                <a:solidFill>
+                  <a:srgbClr val="000000"/>
+                </a:solidFill>
+                <a:latin typeface="Consolas"/>
+              </a:rPr>
+              <a:t> (</a:t>
+            </a:r>
+            <a:r>
+              <a:rPr lang="en-US" dirty="0" err="1">
+                <a:solidFill>
+                  <a:srgbClr val="000000"/>
+                </a:solidFill>
+                <a:latin typeface="Consolas"/>
+              </a:rPr>
+              <a:t>FileStream</a:t>
+            </a:r>
+            <a:r>
+              <a:rPr lang="en-US" dirty="0">
+                <a:solidFill>
+                  <a:srgbClr val="000000"/>
+                </a:solidFill>
+                <a:latin typeface="Consolas"/>
+              </a:rPr>
+              <a:t> </a:t>
+            </a:r>
+            <a:r>
+              <a:rPr lang="en-US" dirty="0" err="1">
+                <a:solidFill>
+                  <a:srgbClr val="000000"/>
+                </a:solidFill>
+                <a:latin typeface="Consolas"/>
+              </a:rPr>
+              <a:t>fs</a:t>
+            </a:r>
+            <a:r>
+              <a:rPr lang="en-US" dirty="0">
+                <a:solidFill>
+                  <a:srgbClr val="000000"/>
+                </a:solidFill>
+                <a:latin typeface="Consolas"/>
+              </a:rPr>
+              <a:t> = </a:t>
+            </a:r>
+            <a:r>
+              <a:rPr lang="en-US" dirty="0" err="1">
+                <a:solidFill>
+                  <a:srgbClr val="000000"/>
+                </a:solidFill>
+                <a:latin typeface="Consolas"/>
+              </a:rPr>
+              <a:t>File.Open</a:t>
+            </a:r>
+            <a:r>
+              <a:rPr lang="en-US" dirty="0">
+                <a:solidFill>
+                  <a:srgbClr val="000000"/>
+                </a:solidFill>
+                <a:latin typeface="Consolas"/>
+              </a:rPr>
+              <a:t>(</a:t>
+            </a:r>
+            <a:r>
+              <a:rPr lang="en-US" dirty="0" err="1">
+                <a:solidFill>
+                  <a:srgbClr val="000000"/>
+                </a:solidFill>
+                <a:latin typeface="Consolas"/>
+              </a:rPr>
+              <a:t>tempFileName</a:t>
+            </a:r>
+            <a:r>
+              <a:rPr lang="en-US" dirty="0">
+                <a:solidFill>
+                  <a:srgbClr val="000000"/>
+                </a:solidFill>
+                <a:latin typeface="Consolas"/>
+              </a:rPr>
+              <a:t>, </a:t>
+            </a:r>
+            <a:r>
+              <a:rPr lang="en-US" dirty="0" err="1">
+                <a:solidFill>
+                  <a:srgbClr val="000000"/>
+                </a:solidFill>
+                <a:latin typeface="Consolas"/>
+              </a:rPr>
+              <a:t>FileMode.Create</a:t>
+            </a:r>
+            <a:r>
+              <a:rPr lang="en-US" dirty="0">
+                <a:solidFill>
+                  <a:srgbClr val="000000"/>
+                </a:solidFill>
+                <a:latin typeface="Consolas"/>
+              </a:rPr>
+              <a:t>))</a:t>
+            </a:r>
+          </a:p>
+          <a:p>
+            <a:pPr marL="0" indent="0">
+              <a:buNone/>
+            </a:pPr>
+            <a:r>
+              <a:rPr lang="en-US" dirty="0">
+                <a:solidFill>
+                  <a:srgbClr val="000000"/>
+                </a:solidFill>
+                <a:latin typeface="Consolas"/>
+              </a:rPr>
+              <a:t>    {</a:t>
+            </a:r>
+          </a:p>
+          <a:p>
+            <a:pPr marL="0" indent="0">
+              <a:buNone/>
+            </a:pPr>
+            <a:r>
+              <a:rPr lang="en-US" dirty="0">
+                <a:solidFill>
+                  <a:srgbClr val="000000"/>
+                </a:solidFill>
+                <a:latin typeface="Consolas"/>
+              </a:rPr>
+              <a:t>         </a:t>
+            </a:r>
+            <a:r>
+              <a:rPr lang="en-US" dirty="0" err="1">
+                <a:solidFill>
+                  <a:srgbClr val="000000"/>
+                </a:solidFill>
+                <a:latin typeface="Consolas"/>
+              </a:rPr>
+              <a:t>xmlSerializer.Serialize</a:t>
+            </a:r>
+            <a:r>
+              <a:rPr lang="en-US" dirty="0">
+                <a:solidFill>
+                  <a:srgbClr val="000000"/>
+                </a:solidFill>
+                <a:latin typeface="Consolas"/>
+              </a:rPr>
+              <a:t>(</a:t>
+            </a:r>
+            <a:r>
+              <a:rPr lang="en-US" dirty="0" err="1">
+                <a:solidFill>
+                  <a:srgbClr val="000000"/>
+                </a:solidFill>
+                <a:latin typeface="Consolas"/>
+              </a:rPr>
+              <a:t>fs</a:t>
+            </a:r>
+            <a:r>
+              <a:rPr lang="en-US" dirty="0">
+                <a:solidFill>
+                  <a:srgbClr val="000000"/>
+                </a:solidFill>
+                <a:latin typeface="Consolas"/>
+              </a:rPr>
+              <a:t>, train);</a:t>
+            </a:r>
+          </a:p>
+          <a:p>
+            <a:pPr marL="0" indent="0">
+              <a:buNone/>
+            </a:pPr>
+            <a:r>
+              <a:rPr lang="en-US" dirty="0">
+                <a:solidFill>
+                  <a:srgbClr val="000000"/>
+                </a:solidFill>
+                <a:latin typeface="Consolas"/>
+              </a:rPr>
+              <a:t>    }</a:t>
+            </a:r>
+          </a:p>
+          <a:p>
+            <a:pPr marL="0" indent="0">
+              <a:buNone/>
+            </a:pPr>
+            <a:r>
+              <a:rPr lang="en-US" dirty="0">
+                <a:solidFill>
+                  <a:srgbClr val="000000"/>
+                </a:solidFill>
+                <a:latin typeface="Consolas"/>
+              </a:rPr>
+              <a:t>    </a:t>
+            </a:r>
+            <a:r>
+              <a:rPr lang="en-US" dirty="0" err="1">
+                <a:solidFill>
+                  <a:srgbClr val="000000"/>
+                </a:solidFill>
+                <a:latin typeface="Consolas"/>
+              </a:rPr>
+              <a:t>Console.WriteLine</a:t>
+            </a:r>
+            <a:r>
+              <a:rPr lang="en-US" dirty="0">
+                <a:solidFill>
+                  <a:srgbClr val="000000"/>
+                </a:solidFill>
+                <a:latin typeface="Consolas"/>
+              </a:rPr>
+              <a:t>(); </a:t>
+            </a:r>
+            <a:r>
+              <a:rPr lang="en-US" dirty="0" err="1">
+                <a:solidFill>
+                  <a:srgbClr val="000000"/>
+                </a:solidFill>
+                <a:latin typeface="Consolas"/>
+              </a:rPr>
+              <a:t>Console.WriteLine</a:t>
+            </a:r>
+            <a:r>
+              <a:rPr lang="en-US" dirty="0">
+                <a:solidFill>
+                  <a:srgbClr val="000000"/>
+                </a:solidFill>
+                <a:latin typeface="Consolas"/>
+              </a:rPr>
+              <a:t>(</a:t>
+            </a:r>
+            <a:r>
+              <a:rPr lang="en-US" dirty="0" err="1">
+                <a:solidFill>
+                  <a:srgbClr val="000000"/>
+                </a:solidFill>
+                <a:latin typeface="Consolas"/>
+              </a:rPr>
+              <a:t>File.ReadAllText</a:t>
+            </a:r>
+            <a:r>
+              <a:rPr lang="en-US" dirty="0">
+                <a:solidFill>
+                  <a:srgbClr val="000000"/>
+                </a:solidFill>
+                <a:latin typeface="Consolas"/>
+              </a:rPr>
+              <a:t>(</a:t>
+            </a:r>
+            <a:r>
+              <a:rPr lang="en-US" dirty="0" err="1">
+                <a:solidFill>
+                  <a:srgbClr val="000000"/>
+                </a:solidFill>
+                <a:latin typeface="Consolas"/>
+              </a:rPr>
+              <a:t>tempFileName</a:t>
+            </a:r>
+            <a:r>
+              <a:rPr lang="en-US" dirty="0">
+                <a:solidFill>
+                  <a:srgbClr val="000000"/>
+                </a:solidFill>
+                <a:latin typeface="Consolas"/>
+              </a:rPr>
+              <a:t>)); </a:t>
+            </a:r>
+            <a:r>
+              <a:rPr lang="en-US" dirty="0" err="1">
+                <a:solidFill>
+                  <a:srgbClr val="000000"/>
+                </a:solidFill>
+                <a:latin typeface="Consolas"/>
+              </a:rPr>
+              <a:t>Console.WriteLine</a:t>
+            </a:r>
+            <a:r>
+              <a:rPr lang="en-US" dirty="0">
+                <a:solidFill>
+                  <a:srgbClr val="000000"/>
+                </a:solidFill>
+                <a:latin typeface="Consolas"/>
+              </a:rPr>
+              <a:t>();</a:t>
+            </a:r>
+          </a:p>
+          <a:p>
+            <a:pPr marL="0" indent="0">
+              <a:buNone/>
+            </a:pPr>
+            <a:r>
+              <a:rPr lang="en-US" dirty="0">
+                <a:solidFill>
+                  <a:srgbClr val="008000"/>
+                </a:solidFill>
+                <a:latin typeface="Consolas"/>
+              </a:rPr>
+              <a:t>    // </a:t>
+            </a:r>
+            <a:r>
+              <a:rPr lang="ru-RU" dirty="0">
+                <a:solidFill>
+                  <a:srgbClr val="008000"/>
+                </a:solidFill>
+                <a:latin typeface="Consolas"/>
+              </a:rPr>
+              <a:t>Выполняем десериализацию</a:t>
+            </a:r>
+            <a:endParaRPr lang="en-US" dirty="0">
+              <a:solidFill>
+                <a:srgbClr val="000000"/>
+              </a:solidFill>
+              <a:latin typeface="Consolas"/>
+            </a:endParaRPr>
+          </a:p>
+          <a:p>
+            <a:pPr marL="0" indent="0">
+              <a:buNone/>
+            </a:pPr>
+            <a:r>
+              <a:rPr lang="en-US" dirty="0">
+                <a:solidFill>
+                  <a:srgbClr val="0000FF"/>
+                </a:solidFill>
+                <a:latin typeface="Consolas"/>
+              </a:rPr>
+              <a:t>    using</a:t>
+            </a:r>
+            <a:r>
+              <a:rPr lang="en-US" dirty="0">
+                <a:solidFill>
+                  <a:srgbClr val="000000"/>
+                </a:solidFill>
+                <a:latin typeface="Consolas"/>
+              </a:rPr>
+              <a:t> (</a:t>
+            </a:r>
+            <a:r>
+              <a:rPr lang="en-US" dirty="0" err="1">
+                <a:solidFill>
+                  <a:srgbClr val="000000"/>
+                </a:solidFill>
+                <a:latin typeface="Consolas"/>
+              </a:rPr>
+              <a:t>FileStream</a:t>
+            </a:r>
+            <a:r>
+              <a:rPr lang="en-US" dirty="0">
+                <a:solidFill>
+                  <a:srgbClr val="000000"/>
+                </a:solidFill>
+                <a:latin typeface="Consolas"/>
+              </a:rPr>
+              <a:t> </a:t>
+            </a:r>
+            <a:r>
+              <a:rPr lang="en-US" dirty="0" err="1">
+                <a:solidFill>
+                  <a:srgbClr val="000000"/>
+                </a:solidFill>
+                <a:latin typeface="Consolas"/>
+              </a:rPr>
+              <a:t>fs</a:t>
+            </a:r>
+            <a:r>
+              <a:rPr lang="en-US" dirty="0">
+                <a:solidFill>
+                  <a:srgbClr val="000000"/>
+                </a:solidFill>
+                <a:latin typeface="Consolas"/>
+              </a:rPr>
+              <a:t> = </a:t>
+            </a:r>
+            <a:r>
+              <a:rPr lang="en-US" dirty="0" err="1">
+                <a:solidFill>
+                  <a:srgbClr val="000000"/>
+                </a:solidFill>
+                <a:latin typeface="Consolas"/>
+              </a:rPr>
+              <a:t>File.Open</a:t>
+            </a:r>
+            <a:r>
+              <a:rPr lang="en-US" dirty="0">
+                <a:solidFill>
+                  <a:srgbClr val="000000"/>
+                </a:solidFill>
+                <a:latin typeface="Consolas"/>
+              </a:rPr>
+              <a:t>(</a:t>
+            </a:r>
+            <a:r>
+              <a:rPr lang="en-US" dirty="0" err="1">
+                <a:solidFill>
+                  <a:srgbClr val="000000"/>
+                </a:solidFill>
+                <a:latin typeface="Consolas"/>
+              </a:rPr>
+              <a:t>tempFileName</a:t>
+            </a:r>
+            <a:r>
+              <a:rPr lang="en-US" dirty="0">
+                <a:solidFill>
+                  <a:srgbClr val="000000"/>
+                </a:solidFill>
+                <a:latin typeface="Consolas"/>
+              </a:rPr>
+              <a:t>, </a:t>
+            </a:r>
+            <a:r>
+              <a:rPr lang="en-US" dirty="0" err="1">
+                <a:solidFill>
+                  <a:srgbClr val="000000"/>
+                </a:solidFill>
+                <a:latin typeface="Consolas"/>
+              </a:rPr>
+              <a:t>FileMode.Open</a:t>
+            </a:r>
+            <a:r>
+              <a:rPr lang="en-US" dirty="0">
+                <a:solidFill>
+                  <a:srgbClr val="000000"/>
+                </a:solidFill>
+                <a:latin typeface="Consolas"/>
+              </a:rPr>
+              <a:t>))</a:t>
+            </a:r>
+          </a:p>
+          <a:p>
+            <a:pPr marL="0" indent="0">
+              <a:buNone/>
+            </a:pPr>
+            <a:r>
+              <a:rPr lang="en-US" dirty="0">
+                <a:solidFill>
+                  <a:srgbClr val="000000"/>
+                </a:solidFill>
+                <a:latin typeface="Consolas"/>
+              </a:rPr>
+              <a:t>    {</a:t>
+            </a:r>
+          </a:p>
+          <a:p>
+            <a:pPr marL="0" indent="0">
+              <a:buNone/>
+            </a:pPr>
+            <a:r>
+              <a:rPr lang="en-US" dirty="0">
+                <a:solidFill>
+                  <a:srgbClr val="000000"/>
+                </a:solidFill>
+                <a:latin typeface="Consolas"/>
+              </a:rPr>
+              <a:t>         Train </a:t>
+            </a:r>
+            <a:r>
+              <a:rPr lang="en-US" dirty="0" err="1">
+                <a:solidFill>
+                  <a:srgbClr val="000000"/>
+                </a:solidFill>
+                <a:latin typeface="Consolas"/>
+              </a:rPr>
+              <a:t>someTrain</a:t>
+            </a:r>
+            <a:r>
+              <a:rPr lang="en-US" dirty="0">
+                <a:solidFill>
+                  <a:srgbClr val="000000"/>
+                </a:solidFill>
+                <a:latin typeface="Consolas"/>
+              </a:rPr>
+              <a:t> = (Train)</a:t>
+            </a:r>
+            <a:r>
+              <a:rPr lang="en-US" dirty="0" err="1">
+                <a:solidFill>
+                  <a:srgbClr val="000000"/>
+                </a:solidFill>
+                <a:latin typeface="Consolas"/>
+              </a:rPr>
+              <a:t>xmlSerializer.Deserialize</a:t>
+            </a:r>
+            <a:r>
+              <a:rPr lang="en-US" dirty="0">
+                <a:solidFill>
+                  <a:srgbClr val="000000"/>
+                </a:solidFill>
+                <a:latin typeface="Consolas"/>
+              </a:rPr>
+              <a:t>(</a:t>
+            </a:r>
+            <a:r>
+              <a:rPr lang="en-US" dirty="0" err="1">
+                <a:solidFill>
+                  <a:srgbClr val="000000"/>
+                </a:solidFill>
+                <a:latin typeface="Consolas"/>
+              </a:rPr>
+              <a:t>fs</a:t>
+            </a:r>
+            <a:r>
+              <a:rPr lang="en-US" dirty="0">
+                <a:solidFill>
+                  <a:srgbClr val="000000"/>
+                </a:solidFill>
+                <a:latin typeface="Consolas"/>
+              </a:rPr>
+              <a:t>);</a:t>
+            </a:r>
+          </a:p>
+          <a:p>
+            <a:pPr marL="0" indent="0">
+              <a:buNone/>
+            </a:pPr>
+            <a:r>
+              <a:rPr lang="en-US" dirty="0">
+                <a:solidFill>
+                  <a:srgbClr val="000000"/>
+                </a:solidFill>
+                <a:latin typeface="Consolas"/>
+              </a:rPr>
+              <a:t>         </a:t>
+            </a:r>
+            <a:r>
+              <a:rPr lang="en-US" dirty="0" err="1">
+                <a:solidFill>
+                  <a:srgbClr val="000000"/>
+                </a:solidFill>
+                <a:latin typeface="Consolas"/>
+              </a:rPr>
+              <a:t>someTrain.Print</a:t>
+            </a:r>
+            <a:r>
+              <a:rPr lang="en-US" dirty="0">
+                <a:solidFill>
+                  <a:srgbClr val="000000"/>
+                </a:solidFill>
+                <a:latin typeface="Consolas"/>
+              </a:rPr>
+              <a:t>();</a:t>
+            </a:r>
+          </a:p>
+          <a:p>
+            <a:pPr marL="0" indent="0">
+              <a:buNone/>
+            </a:pPr>
+            <a:r>
+              <a:rPr lang="en-US" dirty="0">
+                <a:solidFill>
+                  <a:srgbClr val="000000"/>
+                </a:solidFill>
+                <a:latin typeface="Consolas"/>
+              </a:rPr>
+              <a:t>    }</a:t>
+            </a:r>
+          </a:p>
+          <a:p>
+            <a:pPr marL="0" indent="0">
+              <a:buNone/>
+            </a:pPr>
+            <a:endParaRPr lang="en-US" dirty="0">
+              <a:solidFill>
+                <a:srgbClr val="000000"/>
+              </a:solidFill>
+              <a:latin typeface="Consolas"/>
+            </a:endParaRPr>
+          </a:p>
+          <a:p>
+            <a:pPr marL="0" indent="0">
+              <a:buNone/>
+            </a:pPr>
+            <a:r>
+              <a:rPr lang="en-US" dirty="0">
+                <a:solidFill>
+                  <a:srgbClr val="000000"/>
+                </a:solidFill>
+                <a:latin typeface="Consolas"/>
+              </a:rPr>
+              <a:t>    </a:t>
+            </a:r>
+            <a:r>
+              <a:rPr lang="en-US" dirty="0" err="1">
+                <a:solidFill>
+                  <a:srgbClr val="000000"/>
+                </a:solidFill>
+                <a:latin typeface="Consolas"/>
+              </a:rPr>
+              <a:t>File.Delete</a:t>
+            </a:r>
+            <a:r>
+              <a:rPr lang="en-US" dirty="0">
+                <a:solidFill>
+                  <a:srgbClr val="000000"/>
+                </a:solidFill>
+                <a:latin typeface="Consolas"/>
+              </a:rPr>
+              <a:t>(</a:t>
+            </a:r>
+            <a:r>
+              <a:rPr lang="en-US" dirty="0" err="1">
+                <a:solidFill>
+                  <a:srgbClr val="000000"/>
+                </a:solidFill>
+                <a:latin typeface="Consolas"/>
+              </a:rPr>
+              <a:t>tempFileName</a:t>
+            </a:r>
+            <a:r>
+              <a:rPr lang="en-US" dirty="0">
+                <a:solidFill>
+                  <a:srgbClr val="000000"/>
+                </a:solidFill>
+                <a:latin typeface="Consolas"/>
+              </a:rPr>
+              <a:t>);</a:t>
+            </a:r>
+          </a:p>
+          <a:p>
+            <a:pPr marL="0" indent="0">
+              <a:buNone/>
+            </a:pPr>
+            <a:r>
+              <a:rPr lang="en-US" dirty="0">
+                <a:solidFill>
+                  <a:srgbClr val="000000"/>
+                </a:solidFill>
+                <a:latin typeface="Consolas"/>
+              </a:rPr>
+              <a:t>}</a:t>
+            </a:r>
+          </a:p>
+          <a:p>
+            <a:pPr marL="0" indent="0">
+              <a:buNone/>
+            </a:pPr>
+            <a:endParaRPr lang="en-US" dirty="0"/>
+          </a:p>
+          <a:p>
+            <a:pPr marL="0" indent="0">
+              <a:buNone/>
+            </a:pPr>
+            <a:endParaRPr lang="en-US" dirty="0"/>
+          </a:p>
+        </p:txBody>
+      </p:sp>
+    </p:spTree>
+    <p:extLst>
+      <p:ext uri="{BB962C8B-B14F-4D97-AF65-F5344CB8AC3E}">
+        <p14:creationId xmlns:p14="http://schemas.microsoft.com/office/powerpoint/2010/main" val="3792792696"/>
+      </p:ext>
+    </p:extLst>
+  </p:cSld>
+  <p:clrMapOvr>
+    <a:masterClrMapping/>
+  </p:clrMapOvr>
+</p:sld>
+</file>
+
+<file path=ppt/slides/slide31.xml><?xml version="1.0" encoding="utf-8"?>
 <p:sld xmlns:a="http://schemas.openxmlformats.org/drawingml/2006/main" xmlns:r="http://schemas.openxmlformats.org/officeDocument/2006/relationships" xmlns:p="http://schemas.openxmlformats.org/presentationml/2006/main">
   <p:cSld>
     <p:bg>

--- a/Presentation/lesson-06-xml.pptx
+++ b/Presentation/lesson-06-xml.pptx
@@ -222,7 +222,7 @@
           <a:p>
             <a:fld id="{B24A7054-7FFB-49F4-A126-5DF6E687FF53}" type="datetimeFigureOut">
               <a:rPr lang="ru-RU" smtClean="0"/>
-              <a:t>22.09.2014</a:t>
+              <a:t>16.10.2014</a:t>
             </a:fld>
             <a:endParaRPr lang="ru-RU"/>
           </a:p>
@@ -1285,7 +1285,7 @@
           <a:p>
             <a:fld id="{8E6E6A2A-E9D3-4A0D-B04A-ABDD367A1E08}" type="datetimeFigureOut">
               <a:rPr lang="ru-RU" smtClean="0"/>
-              <a:t>22.09.2014</a:t>
+              <a:t>16.10.2014</a:t>
             </a:fld>
             <a:endParaRPr lang="ru-RU"/>
           </a:p>
@@ -2733,7 +2733,7 @@
           <a:p>
             <a:fld id="{AC3D3127-B7C4-45E3-9797-C527EC9FDD78}" type="datetimeFigureOut">
               <a:rPr lang="ru-RU" smtClean="0"/>
-              <a:t>22.09.2014</a:t>
+              <a:t>16.10.2014</a:t>
             </a:fld>
             <a:endParaRPr lang="ru-RU"/>
           </a:p>
@@ -8423,7 +8423,7 @@
         <p:spPr/>
         <p:txBody>
           <a:bodyPr>
-            <a:normAutofit lnSpcReduction="10000"/>
+            <a:normAutofit fontScale="92500" lnSpcReduction="10000"/>
           </a:bodyPr>
           <a:lstStyle/>
           <a:p>
@@ -8472,11 +8472,51 @@
             <a:pPr lvl="1"/>
             <a:r>
               <a:rPr lang="ru-RU" dirty="0" smtClean="0"/>
-              <a:t>Класс </a:t>
+              <a:t>Класс</a:t>
+            </a:r>
+            <a:r>
+              <a:rPr lang="ru-RU" dirty="0"/>
+              <a:t>ы</a:t>
+            </a:r>
+            <a:r>
+              <a:rPr lang="ru-RU" dirty="0" smtClean="0"/>
+              <a:t> </a:t>
             </a:r>
             <a:r>
               <a:rPr lang="en-US" dirty="0" err="1" smtClean="0"/>
-              <a:t>System.Xml.XmlDocument</a:t>
+              <a:t>System.Xml</a:t>
+            </a:r>
+            <a:r>
+              <a:rPr lang="en-US" dirty="0" smtClean="0"/>
+              <a:t>.</a:t>
+            </a:r>
+            <a:r>
+              <a:rPr lang="ru-RU" dirty="0" smtClean="0"/>
+              <a:t>*</a:t>
+            </a:r>
+            <a:endParaRPr lang="en-US" dirty="0" smtClean="0"/>
+          </a:p>
+          <a:p>
+            <a:pPr lvl="1"/>
+            <a:r>
+              <a:rPr lang="en-US" dirty="0"/>
+              <a:t>LINQ to </a:t>
+            </a:r>
+            <a:r>
+              <a:rPr lang="en-US" dirty="0" smtClean="0"/>
+              <a:t>XML</a:t>
+            </a:r>
+            <a:r>
+              <a:rPr lang="ru-RU" dirty="0" smtClean="0"/>
+              <a:t>. Классы </a:t>
+            </a:r>
+            <a:r>
+              <a:rPr lang="en-US" err="1" smtClean="0"/>
+              <a:t>System.Xml.Linq</a:t>
+            </a:r>
+            <a:r>
+              <a:rPr lang="en-US" smtClean="0"/>
+              <a:t>.*</a:t>
             </a:r>
             <a:endParaRPr lang="en-US" dirty="0" smtClean="0"/>
           </a:p>
@@ -8576,7 +8616,7 @@
             <a:pPr lvl="1"/>
             <a:r>
               <a:rPr lang="ru-RU" dirty="0" smtClean="0"/>
-              <a:t>Работа идет</a:t>
+              <a:t>Чтение или запись, но не то и другое одновременно</a:t>
             </a:r>
             <a:endParaRPr lang="ru-RU" dirty="0"/>
           </a:p>

--- a/Presentation/lesson-06-xml.pptx
+++ b/Presentation/lesson-06-xml.pptx
@@ -5,40 +5,42 @@
     <p:sldMasterId id="2147483648" r:id="rId1"/>
   </p:sldMasterIdLst>
   <p:notesMasterIdLst>
-    <p:notesMasterId r:id="rId33"/>
+    <p:notesMasterId r:id="rId35"/>
   </p:notesMasterIdLst>
   <p:sldIdLst>
     <p:sldId id="257" r:id="rId2"/>
     <p:sldId id="275" r:id="rId3"/>
     <p:sldId id="281" r:id="rId4"/>
     <p:sldId id="259" r:id="rId5"/>
-    <p:sldId id="261" r:id="rId6"/>
-    <p:sldId id="263" r:id="rId7"/>
-    <p:sldId id="262" r:id="rId8"/>
-    <p:sldId id="264" r:id="rId9"/>
-    <p:sldId id="265" r:id="rId10"/>
-    <p:sldId id="290" r:id="rId11"/>
-    <p:sldId id="266" r:id="rId12"/>
-    <p:sldId id="267" r:id="rId13"/>
-    <p:sldId id="268" r:id="rId14"/>
-    <p:sldId id="269" r:id="rId15"/>
-    <p:sldId id="270" r:id="rId16"/>
-    <p:sldId id="286" r:id="rId17"/>
-    <p:sldId id="260" r:id="rId18"/>
-    <p:sldId id="271" r:id="rId19"/>
-    <p:sldId id="273" r:id="rId20"/>
-    <p:sldId id="274" r:id="rId21"/>
-    <p:sldId id="283" r:id="rId22"/>
-    <p:sldId id="276" r:id="rId23"/>
-    <p:sldId id="289" r:id="rId24"/>
-    <p:sldId id="278" r:id="rId25"/>
-    <p:sldId id="288" r:id="rId26"/>
-    <p:sldId id="284" r:id="rId27"/>
-    <p:sldId id="287" r:id="rId28"/>
-    <p:sldId id="277" r:id="rId29"/>
-    <p:sldId id="280" r:id="rId30"/>
-    <p:sldId id="282" r:id="rId31"/>
-    <p:sldId id="285" r:id="rId32"/>
+    <p:sldId id="291" r:id="rId6"/>
+    <p:sldId id="292" r:id="rId7"/>
+    <p:sldId id="261" r:id="rId8"/>
+    <p:sldId id="263" r:id="rId9"/>
+    <p:sldId id="262" r:id="rId10"/>
+    <p:sldId id="264" r:id="rId11"/>
+    <p:sldId id="265" r:id="rId12"/>
+    <p:sldId id="290" r:id="rId13"/>
+    <p:sldId id="266" r:id="rId14"/>
+    <p:sldId id="267" r:id="rId15"/>
+    <p:sldId id="268" r:id="rId16"/>
+    <p:sldId id="269" r:id="rId17"/>
+    <p:sldId id="270" r:id="rId18"/>
+    <p:sldId id="286" r:id="rId19"/>
+    <p:sldId id="260" r:id="rId20"/>
+    <p:sldId id="271" r:id="rId21"/>
+    <p:sldId id="273" r:id="rId22"/>
+    <p:sldId id="274" r:id="rId23"/>
+    <p:sldId id="283" r:id="rId24"/>
+    <p:sldId id="276" r:id="rId25"/>
+    <p:sldId id="289" r:id="rId26"/>
+    <p:sldId id="278" r:id="rId27"/>
+    <p:sldId id="288" r:id="rId28"/>
+    <p:sldId id="284" r:id="rId29"/>
+    <p:sldId id="287" r:id="rId30"/>
+    <p:sldId id="277" r:id="rId31"/>
+    <p:sldId id="280" r:id="rId32"/>
+    <p:sldId id="282" r:id="rId33"/>
+    <p:sldId id="285" r:id="rId34"/>
   </p:sldIdLst>
   <p:sldSz cx="9144000" cy="6858000" type="screen4x3"/>
   <p:notesSz cx="6858000" cy="9144000"/>
@@ -222,7 +224,7 @@
           <a:p>
             <a:fld id="{B24A7054-7FFB-49F4-A126-5DF6E687FF53}" type="datetimeFigureOut">
               <a:rPr lang="ru-RU" smtClean="0"/>
-              <a:t>16.10.2014</a:t>
+              <a:t>07.12.2014</a:t>
             </a:fld>
             <a:endParaRPr lang="ru-RU"/>
           </a:p>
@@ -1285,7 +1287,7 @@
           <a:p>
             <a:fld id="{8E6E6A2A-E9D3-4A0D-B04A-ABDD367A1E08}" type="datetimeFigureOut">
               <a:rPr lang="ru-RU" smtClean="0"/>
-              <a:t>16.10.2014</a:t>
+              <a:t>07.12.2014</a:t>
             </a:fld>
             <a:endParaRPr lang="ru-RU"/>
           </a:p>
@@ -2733,7 +2735,7 @@
           <a:p>
             <a:fld id="{AC3D3127-B7C4-45E3-9797-C527EC9FDD78}" type="datetimeFigureOut">
               <a:rPr lang="ru-RU" smtClean="0"/>
-              <a:t>16.10.2014</a:t>
+              <a:t>07.12.2014</a:t>
             </a:fld>
             <a:endParaRPr lang="ru-RU"/>
           </a:p>
@@ -3340,16 +3342,14 @@
         </p:nvSpPr>
         <p:spPr/>
         <p:txBody>
-          <a:bodyPr>
-            <a:normAutofit fontScale="90000"/>
-          </a:bodyPr>
+          <a:bodyPr/>
           <a:lstStyle/>
           <a:p>
             <a:r>
-              <a:rPr lang="ru-RU" dirty="0" smtClean="0"/>
-              <a:t>Выбор между элементом и атрибутом</a:t>
-            </a:r>
-            <a:endParaRPr lang="ru-RU" dirty="0"/>
+              <a:rPr lang="ru-RU" dirty="0"/>
+              <a:t>Корневой элемент</a:t>
+            </a:r>
+            <a:endParaRPr lang="en-US" dirty="0"/>
           </a:p>
         </p:txBody>
       </p:sp>
@@ -3368,6 +3368,282 @@
           <a:bodyPr/>
           <a:lstStyle/>
           <a:p>
+            <a:r>
+              <a:rPr lang="ru-RU" dirty="0" smtClean="0"/>
+              <a:t>В </a:t>
+            </a:r>
+            <a:r>
+              <a:rPr lang="ru-RU" dirty="0"/>
+              <a:t>XML-документе всегда должен быть единственный элемент, называемый корневым. Корневой элемент включает в себя все содержимое XML-документа.</a:t>
+            </a:r>
+            <a:endParaRPr lang="en-US" dirty="0"/>
+          </a:p>
+        </p:txBody>
+      </p:sp>
+    </p:spTree>
+    <p:extLst>
+      <p:ext uri="{BB962C8B-B14F-4D97-AF65-F5344CB8AC3E}">
+        <p14:creationId xmlns:p14="http://schemas.microsoft.com/office/powerpoint/2010/main" val="2890587802"/>
+      </p:ext>
+    </p:extLst>
+  </p:cSld>
+  <p:clrMapOvr>
+    <a:masterClrMapping/>
+  </p:clrMapOvr>
+  <p:timing>
+    <p:tnLst>
+      <p:par>
+        <p:cTn id="1" dur="indefinite" restart="never" nodeType="tmRoot"/>
+      </p:par>
+    </p:tnLst>
+  </p:timing>
+</p:sld>
+</file>
+
+<file path=ppt/slides/slide11.xml><?xml version="1.0" encoding="utf-8"?>
+<p:sld xmlns:a="http://schemas.openxmlformats.org/drawingml/2006/main" xmlns:r="http://schemas.openxmlformats.org/officeDocument/2006/relationships" xmlns:p="http://schemas.openxmlformats.org/presentationml/2006/main">
+  <p:cSld>
+    <p:spTree>
+      <p:nvGrpSpPr>
+        <p:cNvPr id="1" name=""/>
+        <p:cNvGrpSpPr/>
+        <p:nvPr/>
+      </p:nvGrpSpPr>
+      <p:grpSpPr>
+        <a:xfrm>
+          <a:off x="0" y="0"/>
+          <a:ext cx="0" cy="0"/>
+          <a:chOff x="0" y="0"/>
+          <a:chExt cx="0" cy="0"/>
+        </a:xfrm>
+      </p:grpSpPr>
+      <p:sp>
+        <p:nvSpPr>
+          <p:cNvPr id="2" name="Title 1"/>
+          <p:cNvSpPr>
+            <a:spLocks noGrp="1"/>
+          </p:cNvSpPr>
+          <p:nvPr>
+            <p:ph type="title"/>
+          </p:nvPr>
+        </p:nvSpPr>
+        <p:spPr/>
+        <p:txBody>
+          <a:bodyPr/>
+          <a:lstStyle/>
+          <a:p>
+            <a:r>
+              <a:rPr lang="ru-RU" dirty="0" smtClean="0"/>
+              <a:t>Атрибуты</a:t>
+            </a:r>
+            <a:endParaRPr lang="en-US" dirty="0"/>
+          </a:p>
+        </p:txBody>
+      </p:sp>
+      <p:sp>
+        <p:nvSpPr>
+          <p:cNvPr id="3" name="Content Placeholder 2"/>
+          <p:cNvSpPr>
+            <a:spLocks noGrp="1"/>
+          </p:cNvSpPr>
+          <p:nvPr>
+            <p:ph idx="1"/>
+          </p:nvPr>
+        </p:nvSpPr>
+        <p:spPr/>
+        <p:txBody>
+          <a:bodyPr>
+            <a:normAutofit fontScale="77500" lnSpcReduction="20000"/>
+          </a:bodyPr>
+          <a:lstStyle/>
+          <a:p>
+            <a:r>
+              <a:rPr lang="ru-RU" dirty="0" smtClean="0"/>
+              <a:t>XML-элемент </a:t>
+            </a:r>
+            <a:r>
+              <a:rPr lang="ru-RU" dirty="0"/>
+              <a:t>может содержать атрибуты. Все атрибуты записываются в формате</a:t>
+            </a:r>
+            <a:r>
+              <a:rPr lang="ru-RU" dirty="0" smtClean="0"/>
+              <a:t>:</a:t>
+            </a:r>
+          </a:p>
+          <a:p>
+            <a:pPr lvl="1"/>
+            <a:r>
+              <a:rPr lang="ru-RU" dirty="0" smtClean="0"/>
+              <a:t>&lt;</a:t>
+            </a:r>
+            <a:r>
+              <a:rPr lang="ru-RU" dirty="0"/>
+              <a:t>имя_элемента имя_атрибута1 = "значение_атрибута1" имя_атрибута2 = "значение_атрибута2" &gt;</a:t>
+            </a:r>
+          </a:p>
+          <a:p>
+            <a:r>
+              <a:rPr lang="ru-RU" dirty="0"/>
+              <a:t>Значение атрибута заключается в апострофы или в двойные кавычки. Если апостроф или двойные кавычки присутствуют в значении атрибута, то используются те из них, которые не встречаются в этом значении</a:t>
+            </a:r>
+            <a:r>
+              <a:rPr lang="ru-RU" dirty="0" smtClean="0"/>
+              <a:t>.</a:t>
+            </a:r>
+          </a:p>
+          <a:p>
+            <a:pPr lvl="1"/>
+            <a:r>
+              <a:rPr lang="ru-RU" dirty="0" smtClean="0"/>
+              <a:t>&lt;</a:t>
+            </a:r>
+            <a:r>
+              <a:rPr lang="ru-RU" dirty="0"/>
+              <a:t>el _ok = "yes</a:t>
+            </a:r>
+            <a:r>
+              <a:rPr lang="ru-RU" dirty="0" smtClean="0"/>
+              <a:t>"&gt;</a:t>
+            </a:r>
+            <a:br>
+              <a:rPr lang="ru-RU" dirty="0" smtClean="0"/>
+            </a:br>
+            <a:r>
+              <a:rPr lang="ru-RU" dirty="0" smtClean="0"/>
+              <a:t>    &lt;</a:t>
+            </a:r>
+            <a:r>
+              <a:rPr lang="ru-RU" dirty="0"/>
+              <a:t>one attr = "a value</a:t>
+            </a:r>
+            <a:r>
+              <a:rPr lang="ru-RU" dirty="0" smtClean="0"/>
+              <a:t>"/&gt;</a:t>
+            </a:r>
+            <a:br>
+              <a:rPr lang="ru-RU" dirty="0" smtClean="0"/>
+            </a:br>
+            <a:r>
+              <a:rPr lang="ru-RU" dirty="0" smtClean="0"/>
+              <a:t>    &lt;</a:t>
+            </a:r>
+            <a:r>
+              <a:rPr lang="ru-RU" dirty="0"/>
+              <a:t>several first = "1" second = "2" third = "333</a:t>
+            </a:r>
+            <a:r>
+              <a:rPr lang="ru-RU" dirty="0" smtClean="0"/>
+              <a:t>"/&gt;</a:t>
+            </a:r>
+            <a:br>
+              <a:rPr lang="ru-RU" dirty="0" smtClean="0"/>
+            </a:br>
+            <a:r>
+              <a:rPr lang="ru-RU" dirty="0" smtClean="0"/>
+              <a:t>    &lt;quote </a:t>
+            </a:r>
+            <a:r>
+              <a:rPr lang="ru-RU" dirty="0"/>
+              <a:t>case1 = "John's” case2 = 'He said: "Hello, world!" </a:t>
+            </a:r>
+            <a:r>
+              <a:rPr lang="ru-RU" dirty="0" smtClean="0"/>
+              <a:t>'/&gt;</a:t>
+            </a:r>
+            <a:br>
+              <a:rPr lang="ru-RU" dirty="0" smtClean="0"/>
+            </a:br>
+            <a:r>
+              <a:rPr lang="ru-RU" dirty="0" smtClean="0"/>
+              <a:t>&lt;/</a:t>
+            </a:r>
+            <a:r>
+              <a:rPr lang="ru-RU" dirty="0"/>
+              <a:t>el&gt;</a:t>
+            </a:r>
+          </a:p>
+          <a:p>
+            <a:endParaRPr lang="en-US" dirty="0"/>
+          </a:p>
+        </p:txBody>
+      </p:sp>
+    </p:spTree>
+    <p:extLst>
+      <p:ext uri="{BB962C8B-B14F-4D97-AF65-F5344CB8AC3E}">
+        <p14:creationId xmlns:p14="http://schemas.microsoft.com/office/powerpoint/2010/main" val="1215022302"/>
+      </p:ext>
+    </p:extLst>
+  </p:cSld>
+  <p:clrMapOvr>
+    <a:masterClrMapping/>
+  </p:clrMapOvr>
+  <p:timing>
+    <p:tnLst>
+      <p:par>
+        <p:cTn id="1" dur="indefinite" restart="never" nodeType="tmRoot"/>
+      </p:par>
+    </p:tnLst>
+  </p:timing>
+</p:sld>
+</file>
+
+<file path=ppt/slides/slide12.xml><?xml version="1.0" encoding="utf-8"?>
+<p:sld xmlns:a="http://schemas.openxmlformats.org/drawingml/2006/main" xmlns:r="http://schemas.openxmlformats.org/officeDocument/2006/relationships" xmlns:p="http://schemas.openxmlformats.org/presentationml/2006/main">
+  <p:cSld>
+    <p:spTree>
+      <p:nvGrpSpPr>
+        <p:cNvPr id="1" name=""/>
+        <p:cNvGrpSpPr/>
+        <p:nvPr/>
+      </p:nvGrpSpPr>
+      <p:grpSpPr>
+        <a:xfrm>
+          <a:off x="0" y="0"/>
+          <a:ext cx="0" cy="0"/>
+          <a:chOff x="0" y="0"/>
+          <a:chExt cx="0" cy="0"/>
+        </a:xfrm>
+      </p:grpSpPr>
+      <p:sp>
+        <p:nvSpPr>
+          <p:cNvPr id="2" name="Title 1"/>
+          <p:cNvSpPr>
+            <a:spLocks noGrp="1"/>
+          </p:cNvSpPr>
+          <p:nvPr>
+            <p:ph type="title"/>
+          </p:nvPr>
+        </p:nvSpPr>
+        <p:spPr/>
+        <p:txBody>
+          <a:bodyPr>
+            <a:normAutofit fontScale="90000"/>
+          </a:bodyPr>
+          <a:lstStyle/>
+          <a:p>
+            <a:r>
+              <a:rPr lang="ru-RU" dirty="0" smtClean="0"/>
+              <a:t>Выбор между элементом и атрибутом</a:t>
+            </a:r>
+            <a:endParaRPr lang="ru-RU" dirty="0"/>
+          </a:p>
+        </p:txBody>
+      </p:sp>
+      <p:sp>
+        <p:nvSpPr>
+          <p:cNvPr id="3" name="Content Placeholder 2"/>
+          <p:cNvSpPr>
+            <a:spLocks noGrp="1"/>
+          </p:cNvSpPr>
+          <p:nvPr>
+            <p:ph idx="1"/>
+          </p:nvPr>
+        </p:nvSpPr>
+        <p:spPr/>
+        <p:txBody>
+          <a:bodyPr/>
+          <a:lstStyle/>
+          <a:p>
             <a:pPr marL="0" indent="0">
               <a:buNone/>
             </a:pPr>
@@ -3392,7 +3668,7 @@
 </p:sld>
 </file>
 
-<file path=ppt/slides/slide11.xml><?xml version="1.0" encoding="utf-8"?>
+<file path=ppt/slides/slide13.xml><?xml version="1.0" encoding="utf-8"?>
 <p:sld xmlns:a="http://schemas.openxmlformats.org/drawingml/2006/main" xmlns:r="http://schemas.openxmlformats.org/officeDocument/2006/relationships" xmlns:p="http://schemas.openxmlformats.org/presentationml/2006/main">
   <p:cSld>
     <p:spTree>
@@ -4610,7 +4886,7 @@
 </p:sld>
 </file>
 
-<file path=ppt/slides/slide12.xml><?xml version="1.0" encoding="utf-8"?>
+<file path=ppt/slides/slide14.xml><?xml version="1.0" encoding="utf-8"?>
 <p:sld xmlns:a="http://schemas.openxmlformats.org/drawingml/2006/main" xmlns:r="http://schemas.openxmlformats.org/officeDocument/2006/relationships" xmlns:p="http://schemas.openxmlformats.org/presentationml/2006/main">
   <p:cSld>
     <p:spTree>
@@ -4937,301 +5213,6 @@
     <p:extLst>
       <p:ext uri="{BB962C8B-B14F-4D97-AF65-F5344CB8AC3E}">
         <p14:creationId xmlns:p14="http://schemas.microsoft.com/office/powerpoint/2010/main" val="2882516147"/>
-      </p:ext>
-    </p:extLst>
-  </p:cSld>
-  <p:clrMapOvr>
-    <a:masterClrMapping/>
-  </p:clrMapOvr>
-  <p:timing>
-    <p:tnLst>
-      <p:par>
-        <p:cTn id="1" dur="indefinite" restart="never" nodeType="tmRoot"/>
-      </p:par>
-    </p:tnLst>
-  </p:timing>
-</p:sld>
-</file>
-
-<file path=ppt/slides/slide13.xml><?xml version="1.0" encoding="utf-8"?>
-<p:sld xmlns:a="http://schemas.openxmlformats.org/drawingml/2006/main" xmlns:r="http://schemas.openxmlformats.org/officeDocument/2006/relationships" xmlns:p="http://schemas.openxmlformats.org/presentationml/2006/main">
-  <p:cSld>
-    <p:spTree>
-      <p:nvGrpSpPr>
-        <p:cNvPr id="1" name=""/>
-        <p:cNvGrpSpPr/>
-        <p:nvPr/>
-      </p:nvGrpSpPr>
-      <p:grpSpPr>
-        <a:xfrm>
-          <a:off x="0" y="0"/>
-          <a:ext cx="0" cy="0"/>
-          <a:chOff x="0" y="0"/>
-          <a:chExt cx="0" cy="0"/>
-        </a:xfrm>
-      </p:grpSpPr>
-      <p:sp>
-        <p:nvSpPr>
-          <p:cNvPr id="2" name="Title 1"/>
-          <p:cNvSpPr>
-            <a:spLocks noGrp="1"/>
-          </p:cNvSpPr>
-          <p:nvPr>
-            <p:ph type="title"/>
-          </p:nvPr>
-        </p:nvSpPr>
-        <p:spPr/>
-        <p:txBody>
-          <a:bodyPr/>
-          <a:lstStyle/>
-          <a:p>
-            <a:r>
-              <a:rPr lang="ru-RU" dirty="0" smtClean="0"/>
-              <a:t>Комментарии</a:t>
-            </a:r>
-            <a:endParaRPr lang="en-US" dirty="0"/>
-          </a:p>
-        </p:txBody>
-      </p:sp>
-      <p:sp>
-        <p:nvSpPr>
-          <p:cNvPr id="3" name="Content Placeholder 2"/>
-          <p:cNvSpPr>
-            <a:spLocks noGrp="1"/>
-          </p:cNvSpPr>
-          <p:nvPr>
-            <p:ph idx="1"/>
-          </p:nvPr>
-        </p:nvSpPr>
-        <p:spPr/>
-        <p:txBody>
-          <a:bodyPr/>
-          <a:lstStyle/>
-          <a:p>
-            <a:r>
-              <a:rPr lang="ru-RU" dirty="0" smtClean="0"/>
-              <a:t>&lt;!-- текст комментария --&gt;</a:t>
-            </a:r>
-            <a:endParaRPr lang="ru-RU" dirty="0"/>
-          </a:p>
-          <a:p>
-            <a:r>
-              <a:rPr lang="ru-RU" dirty="0"/>
-              <a:t>В тексте </a:t>
-            </a:r>
-            <a:r>
-              <a:rPr lang="ru-RU" dirty="0" smtClean="0"/>
-              <a:t>комментария </a:t>
-            </a:r>
-            <a:r>
-              <a:rPr lang="ru-RU" dirty="0"/>
-              <a:t>не должна </a:t>
-            </a:r>
-            <a:r>
-              <a:rPr lang="ru-RU" dirty="0" smtClean="0"/>
-              <a:t>встречаться </a:t>
-            </a:r>
-            <a:r>
-              <a:rPr lang="ru-RU" dirty="0"/>
-              <a:t>последовательность из двух знаков </a:t>
-            </a:r>
-            <a:r>
-              <a:rPr lang="ru-RU" dirty="0" smtClean="0"/>
-              <a:t>дефиса.</a:t>
-            </a:r>
-            <a:endParaRPr lang="en-US" dirty="0"/>
-          </a:p>
-        </p:txBody>
-      </p:sp>
-    </p:spTree>
-    <p:extLst>
-      <p:ext uri="{BB962C8B-B14F-4D97-AF65-F5344CB8AC3E}">
-        <p14:creationId xmlns:p14="http://schemas.microsoft.com/office/powerpoint/2010/main" val="3539397244"/>
-      </p:ext>
-    </p:extLst>
-  </p:cSld>
-  <p:clrMapOvr>
-    <a:masterClrMapping/>
-  </p:clrMapOvr>
-  <p:timing>
-    <p:tnLst>
-      <p:par>
-        <p:cTn id="1" dur="indefinite" restart="never" nodeType="tmRoot"/>
-      </p:par>
-    </p:tnLst>
-  </p:timing>
-</p:sld>
-</file>
-
-<file path=ppt/slides/slide14.xml><?xml version="1.0" encoding="utf-8"?>
-<p:sld xmlns:a="http://schemas.openxmlformats.org/drawingml/2006/main" xmlns:r="http://schemas.openxmlformats.org/officeDocument/2006/relationships" xmlns:p="http://schemas.openxmlformats.org/presentationml/2006/main">
-  <p:cSld>
-    <p:spTree>
-      <p:nvGrpSpPr>
-        <p:cNvPr id="1" name=""/>
-        <p:cNvGrpSpPr/>
-        <p:nvPr/>
-      </p:nvGrpSpPr>
-      <p:grpSpPr>
-        <a:xfrm>
-          <a:off x="0" y="0"/>
-          <a:ext cx="0" cy="0"/>
-          <a:chOff x="0" y="0"/>
-          <a:chExt cx="0" cy="0"/>
-        </a:xfrm>
-      </p:grpSpPr>
-      <p:sp>
-        <p:nvSpPr>
-          <p:cNvPr id="2" name="Title 1"/>
-          <p:cNvSpPr>
-            <a:spLocks noGrp="1"/>
-          </p:cNvSpPr>
-          <p:nvPr>
-            <p:ph type="title"/>
-          </p:nvPr>
-        </p:nvSpPr>
-        <p:spPr/>
-        <p:txBody>
-          <a:bodyPr>
-            <a:normAutofit fontScale="90000"/>
-          </a:bodyPr>
-          <a:lstStyle/>
-          <a:p>
-            <a:r>
-              <a:rPr lang="ru-RU" dirty="0" smtClean="0"/>
-              <a:t>Инструкции </a:t>
-            </a:r>
-            <a:r>
-              <a:rPr lang="en-US" dirty="0" smtClean="0"/>
-              <a:t>(processing instructions)</a:t>
-            </a:r>
-            <a:endParaRPr lang="en-US" dirty="0"/>
-          </a:p>
-        </p:txBody>
-      </p:sp>
-      <p:sp>
-        <p:nvSpPr>
-          <p:cNvPr id="3" name="Content Placeholder 2"/>
-          <p:cNvSpPr>
-            <a:spLocks noGrp="1"/>
-          </p:cNvSpPr>
-          <p:nvPr>
-            <p:ph idx="1"/>
-          </p:nvPr>
-        </p:nvSpPr>
-        <p:spPr/>
-        <p:txBody>
-          <a:bodyPr/>
-          <a:lstStyle/>
-          <a:p>
-            <a:r>
-              <a:rPr lang="en-US" dirty="0" smtClean="0"/>
-              <a:t>&lt;?</a:t>
-            </a:r>
-            <a:r>
-              <a:rPr lang="ru-RU" dirty="0" smtClean="0"/>
-              <a:t>имя_инструкции </a:t>
-            </a:r>
-            <a:r>
-              <a:rPr lang="en-US" dirty="0" smtClean="0"/>
-              <a:t>[</a:t>
-            </a:r>
-            <a:r>
-              <a:rPr lang="ru-RU" dirty="0" smtClean="0"/>
-              <a:t>атрибуты</a:t>
-            </a:r>
-            <a:r>
-              <a:rPr lang="en-US" dirty="0" smtClean="0"/>
-              <a:t>]?&gt;</a:t>
-            </a:r>
-          </a:p>
-          <a:p>
-            <a:r>
-              <a:rPr lang="en-US" dirty="0" smtClean="0"/>
-              <a:t>XML </a:t>
-            </a:r>
-            <a:r>
-              <a:rPr lang="ru-RU" dirty="0" smtClean="0"/>
-              <a:t>пролог </a:t>
-            </a:r>
-            <a:r>
-              <a:rPr lang="en-US" dirty="0" smtClean="0"/>
-              <a:t>(prolog)</a:t>
-            </a:r>
-          </a:p>
-          <a:p>
-            <a:pPr lvl="1"/>
-            <a:r>
-              <a:rPr lang="en-US" dirty="0"/>
-              <a:t>&lt;?xml version=”1.0” ?&gt; (utf-8 </a:t>
-            </a:r>
-            <a:r>
-              <a:rPr lang="ru-RU" dirty="0"/>
-              <a:t>по умолчанию)</a:t>
-            </a:r>
-          </a:p>
-          <a:p>
-            <a:pPr lvl="1"/>
-            <a:r>
-              <a:rPr lang="ru-RU" dirty="0"/>
-              <a:t>&lt;?</a:t>
-            </a:r>
-            <a:r>
-              <a:rPr lang="en-US" dirty="0"/>
-              <a:t>xml version=”1.0” encoding=”windows-1251</a:t>
-            </a:r>
-            <a:r>
-              <a:rPr lang="en-US" dirty="0" smtClean="0"/>
-              <a:t>”?&gt;</a:t>
-            </a:r>
-          </a:p>
-          <a:p>
-            <a:r>
-              <a:rPr lang="ru-RU" dirty="0" smtClean="0"/>
-              <a:t>Стандартные инструкции</a:t>
-            </a:r>
-          </a:p>
-          <a:p>
-            <a:pPr lvl="1"/>
-            <a:r>
-              <a:rPr lang="en-US" dirty="0"/>
-              <a:t>&lt;?xml-</a:t>
-            </a:r>
-            <a:r>
-              <a:rPr lang="en-US" dirty="0" err="1"/>
-              <a:t>stylesheet</a:t>
-            </a:r>
-            <a:r>
-              <a:rPr lang="en-US" dirty="0"/>
-              <a:t> type="text/</a:t>
-            </a:r>
-            <a:r>
-              <a:rPr lang="en-US" dirty="0" err="1"/>
-              <a:t>xsl</a:t>
-            </a:r>
-            <a:r>
-              <a:rPr lang="en-US" dirty="0"/>
-              <a:t>" </a:t>
-            </a:r>
-            <a:r>
-              <a:rPr lang="en-US" dirty="0" err="1"/>
-              <a:t>href</a:t>
-            </a:r>
-            <a:r>
-              <a:rPr lang="en-US" dirty="0" smtClean="0"/>
-              <a:t>=“URL"?&gt;</a:t>
-            </a:r>
-          </a:p>
-          <a:p>
-            <a:pPr lvl="1"/>
-            <a:endParaRPr lang="en-US" dirty="0"/>
-          </a:p>
-        </p:txBody>
-      </p:sp>
-    </p:spTree>
-    <p:extLst>
-      <p:ext uri="{BB962C8B-B14F-4D97-AF65-F5344CB8AC3E}">
-        <p14:creationId xmlns:p14="http://schemas.microsoft.com/office/powerpoint/2010/main" val="2306408505"/>
       </p:ext>
     </p:extLst>
   </p:cSld>
@@ -5282,11 +5263,7 @@
           <a:p>
             <a:r>
               <a:rPr lang="ru-RU" dirty="0" smtClean="0"/>
-              <a:t>Секции</a:t>
-            </a:r>
-            <a:r>
-              <a:rPr lang="en-US" dirty="0" smtClean="0"/>
-              <a:t> CDATA</a:t>
+              <a:t>Комментарии</a:t>
             </a:r>
             <a:endParaRPr lang="en-US" dirty="0"/>
           </a:p>
@@ -5304,86 +5281,39 @@
         </p:nvSpPr>
         <p:spPr/>
         <p:txBody>
-          <a:bodyPr>
-            <a:normAutofit fontScale="92500"/>
-          </a:bodyPr>
+          <a:bodyPr/>
           <a:lstStyle/>
           <a:p>
             <a:r>
+              <a:rPr lang="ru-RU" dirty="0" smtClean="0"/>
+              <a:t>&lt;!-- текст комментария --&gt;</a:t>
+            </a:r>
+            <a:endParaRPr lang="ru-RU" dirty="0"/>
+          </a:p>
+          <a:p>
+            <a:r>
               <a:rPr lang="ru-RU" dirty="0"/>
-              <a:t>Секция CDATA используется для того, чтобы обозначить части документа, которые не должны восприниматься как </a:t>
+              <a:t>В тексте </a:t>
             </a:r>
             <a:r>
               <a:rPr lang="ru-RU" dirty="0" smtClean="0"/>
-              <a:t>разметка.</a:t>
-            </a:r>
-            <a:endParaRPr lang="en-US" dirty="0" smtClean="0"/>
-          </a:p>
-          <a:p>
+              <a:t>комментария </a:t>
+            </a:r>
+            <a:r>
+              <a:rPr lang="ru-RU" dirty="0"/>
+              <a:t>не должна </a:t>
+            </a:r>
             <a:r>
               <a:rPr lang="ru-RU" dirty="0" smtClean="0"/>
-              <a:t>Секция </a:t>
+              <a:t>встречаться </a:t>
             </a:r>
             <a:r>
               <a:rPr lang="ru-RU" dirty="0"/>
-              <a:t>CDATA начинается со строки &lt;![CDATA[ и заканчивается строкой ]]&gt;. Внутри самой секции не должна присутствовать строка </a:t>
+              <a:t>последовательность из двух знаков </a:t>
             </a:r>
             <a:r>
               <a:rPr lang="ru-RU" dirty="0" smtClean="0"/>
-              <a:t>]]&gt;.</a:t>
-            </a:r>
-            <a:endParaRPr lang="en-US" dirty="0" smtClean="0"/>
-          </a:p>
-          <a:p>
-            <a:r>
-              <a:rPr lang="ru-RU" dirty="0" smtClean="0"/>
-              <a:t>&lt;</a:t>
-            </a:r>
-            <a:r>
-              <a:rPr lang="ru-RU" dirty="0"/>
-              <a:t>example</a:t>
-            </a:r>
-            <a:r>
-              <a:rPr lang="ru-RU" dirty="0" smtClean="0"/>
-              <a:t>&gt;</a:t>
-            </a:r>
-            <a:r>
-              <a:rPr lang="en-US" dirty="0" smtClean="0"/>
-              <a:t/>
-            </a:r>
-            <a:br>
-              <a:rPr lang="en-US" dirty="0" smtClean="0"/>
-            </a:br>
-            <a:r>
-              <a:rPr lang="en-US" dirty="0" smtClean="0"/>
-              <a:t>    </a:t>
-            </a:r>
-            <a:r>
-              <a:rPr lang="ru-RU" dirty="0" smtClean="0"/>
-              <a:t>&lt;![</a:t>
-            </a:r>
-            <a:r>
-              <a:rPr lang="ru-RU" dirty="0"/>
-              <a:t>CDATA[ &lt;aaa&gt;bb&amp;cc</a:t>
-            </a:r>
-            <a:r>
-              <a:rPr lang="ru-RU" dirty="0" smtClean="0"/>
-              <a:t>&lt;&lt;&lt;]]&gt;</a:t>
-            </a:r>
-            <a:r>
-              <a:rPr lang="en-US" dirty="0" smtClean="0"/>
-              <a:t/>
-            </a:r>
-            <a:br>
-              <a:rPr lang="en-US" dirty="0" smtClean="0"/>
-            </a:br>
-            <a:r>
-              <a:rPr lang="ru-RU" dirty="0" smtClean="0"/>
-              <a:t>&lt;/</a:t>
-            </a:r>
-            <a:r>
-              <a:rPr lang="ru-RU" dirty="0"/>
-              <a:t>example&gt;</a:t>
+              <a:t>дефиса.</a:t>
             </a:r>
             <a:endParaRPr lang="en-US" dirty="0"/>
           </a:p>
@@ -5392,7 +5322,7 @@
     </p:spTree>
     <p:extLst>
       <p:ext uri="{BB962C8B-B14F-4D97-AF65-F5344CB8AC3E}">
-        <p14:creationId xmlns:p14="http://schemas.microsoft.com/office/powerpoint/2010/main" val="374898316"/>
+        <p14:creationId xmlns:p14="http://schemas.microsoft.com/office/powerpoint/2010/main" val="3539397244"/>
       </p:ext>
     </p:extLst>
   </p:cSld>
@@ -5438,12 +5368,18 @@
         </p:nvSpPr>
         <p:spPr/>
         <p:txBody>
-          <a:bodyPr/>
+          <a:bodyPr>
+            <a:normAutofit fontScale="90000"/>
+          </a:bodyPr>
           <a:lstStyle/>
           <a:p>
             <a:r>
               <a:rPr lang="ru-RU" dirty="0" smtClean="0"/>
-              <a:t>Хранение бинарных данных</a:t>
+              <a:t>Инструкции </a:t>
+            </a:r>
+            <a:r>
+              <a:rPr lang="en-US" dirty="0" smtClean="0"/>
+              <a:t>(processing instructions)</a:t>
             </a:r>
             <a:endParaRPr lang="en-US" dirty="0"/>
           </a:p>
@@ -5459,434 +5395,119 @@
             <p:ph idx="1"/>
           </p:nvPr>
         </p:nvSpPr>
-        <p:spPr>
-          <a:xfrm>
-            <a:off x="446856" y="1600201"/>
-            <a:ext cx="8229600" cy="4133056"/>
-          </a:xfrm>
-        </p:spPr>
+        <p:spPr/>
         <p:txBody>
-          <a:bodyPr>
-            <a:normAutofit lnSpcReduction="10000"/>
-          </a:bodyPr>
+          <a:bodyPr/>
           <a:lstStyle/>
           <a:p>
-            <a:pPr marL="0" indent="0">
-              <a:buNone/>
-            </a:pPr>
-            <a:r>
-              <a:rPr lang="en-US" sz="2400" dirty="0" smtClean="0"/>
+            <a:r>
+              <a:rPr lang="en-US" dirty="0" smtClean="0"/>
+              <a:t>&lt;?</a:t>
+            </a:r>
+            <a:r>
+              <a:rPr lang="ru-RU" dirty="0" smtClean="0"/>
+              <a:t>имя_инструкции </a:t>
+            </a:r>
+            <a:r>
+              <a:rPr lang="en-US" dirty="0" smtClean="0"/>
+              <a:t>[</a:t>
+            </a:r>
+            <a:r>
+              <a:rPr lang="ru-RU" dirty="0" smtClean="0"/>
+              <a:t>атрибуты</a:t>
+            </a:r>
+            <a:r>
+              <a:rPr lang="en-US" dirty="0" smtClean="0"/>
+              <a:t>]?&gt;</a:t>
+            </a:r>
+          </a:p>
+          <a:p>
+            <a:r>
+              <a:rPr lang="en-US" dirty="0" smtClean="0"/>
               <a:t>XML </a:t>
             </a:r>
             <a:r>
-              <a:rPr lang="ru-RU" sz="2400" dirty="0" smtClean="0"/>
-              <a:t>является тектовым форматом, поэтому прямое хранение бинарных данных невозможно. Поэтому, по возможности, </a:t>
-            </a:r>
-            <a:r>
-              <a:rPr lang="ru-RU" sz="2400" dirty="0"/>
-              <a:t>избегайте хранить бинарные данные в </a:t>
-            </a:r>
-            <a:r>
-              <a:rPr lang="en-US" sz="2400" dirty="0"/>
-              <a:t>XML. </a:t>
-            </a:r>
-            <a:r>
-              <a:rPr lang="ru-RU" sz="2400" dirty="0" smtClean="0"/>
-              <a:t>Однако можно преобразовать последовательность байтов в текстовое представление и уже его сохранять в </a:t>
-            </a:r>
-            <a:r>
-              <a:rPr lang="en-US" sz="2400" dirty="0" smtClean="0"/>
-              <a:t>XML.</a:t>
-            </a:r>
-            <a:r>
-              <a:rPr lang="ru-RU" sz="2400" dirty="0" smtClean="0"/>
-              <a:t> Хорошим решением будет использование кодировки </a:t>
-            </a:r>
-            <a:r>
-              <a:rPr lang="en-US" sz="2400" dirty="0" smtClean="0"/>
-              <a:t>Base64. </a:t>
-            </a:r>
-            <a:r>
-              <a:rPr lang="ru-RU" sz="2400" dirty="0" smtClean="0"/>
-              <a:t>Накладные расходы при этом составят примерно 37% от объема бинарных данных. Смотрите методы класса </a:t>
-            </a:r>
-            <a:r>
-              <a:rPr lang="en-US" sz="2400" dirty="0" err="1" smtClean="0"/>
-              <a:t>System.Convert</a:t>
-            </a:r>
-            <a:r>
-              <a:rPr lang="en-US" sz="2400" dirty="0" smtClean="0"/>
-              <a:t>:</a:t>
-            </a:r>
-          </a:p>
-          <a:p>
-            <a:r>
-              <a:rPr lang="en-US" sz="2400" dirty="0" smtClean="0"/>
-              <a:t>string ToBase64String(byte[])</a:t>
-            </a:r>
-          </a:p>
-          <a:p>
-            <a:r>
-              <a:rPr lang="en-US" sz="2400" dirty="0" smtClean="0"/>
-              <a:t>byte[] FromBase64String(string)</a:t>
-            </a:r>
-          </a:p>
-          <a:p>
-            <a:pPr marL="0" indent="0">
-              <a:buNone/>
-            </a:pPr>
-            <a:endParaRPr lang="en-US" sz="2400" dirty="0"/>
-          </a:p>
-        </p:txBody>
-      </p:sp>
-      <p:sp>
-        <p:nvSpPr>
-          <p:cNvPr id="6" name="Content Placeholder 2"/>
-          <p:cNvSpPr txBox="1">
-            <a:spLocks/>
-          </p:cNvSpPr>
-          <p:nvPr/>
-        </p:nvSpPr>
-        <p:spPr>
-          <a:xfrm>
-            <a:off x="446856" y="5733256"/>
-            <a:ext cx="8229600" cy="864096"/>
-          </a:xfrm>
-          <a:prstGeom prst="rect">
-            <a:avLst/>
-          </a:prstGeom>
-          <a:solidFill>
-            <a:schemeClr val="bg1"/>
-          </a:solidFill>
-        </p:spPr>
-        <p:txBody>
-          <a:bodyPr vert="horz" lIns="91440" tIns="45720" rIns="91440" bIns="45720" rtlCol="0">
-            <a:normAutofit fontScale="62500" lnSpcReduction="20000"/>
-          </a:bodyPr>
-          <a:lstStyle>
-            <a:lvl1pPr marL="342900" indent="-342900" algn="l" defTabSz="914400" rtl="0" eaLnBrk="1" latinLnBrk="0" hangingPunct="1">
-              <a:spcBef>
-                <a:spcPct val="20000"/>
-              </a:spcBef>
-              <a:buFont typeface="Arial" pitchFamily="34" charset="0"/>
-              <a:buChar char="•"/>
-              <a:defRPr sz="3200" kern="1200">
-                <a:solidFill>
-                  <a:schemeClr val="tx1"/>
-                </a:solidFill>
-                <a:latin typeface="+mn-lt"/>
-                <a:ea typeface="+mn-ea"/>
-                <a:cs typeface="+mn-cs"/>
-              </a:defRPr>
-            </a:lvl1pPr>
-            <a:lvl2pPr marL="742950" indent="-285750" algn="l" defTabSz="914400" rtl="0" eaLnBrk="1" latinLnBrk="0" hangingPunct="1">
-              <a:spcBef>
-                <a:spcPct val="20000"/>
-              </a:spcBef>
-              <a:buFont typeface="Arial" pitchFamily="34" charset="0"/>
-              <a:buChar char="–"/>
-              <a:defRPr sz="2800" kern="1200">
-                <a:solidFill>
-                  <a:schemeClr val="tx1"/>
-                </a:solidFill>
-                <a:latin typeface="+mn-lt"/>
-                <a:ea typeface="+mn-ea"/>
-                <a:cs typeface="+mn-cs"/>
-              </a:defRPr>
-            </a:lvl2pPr>
-            <a:lvl3pPr marL="1143000" indent="-228600" algn="l" defTabSz="914400" rtl="0" eaLnBrk="1" latinLnBrk="0" hangingPunct="1">
-              <a:spcBef>
-                <a:spcPct val="20000"/>
-              </a:spcBef>
-              <a:buFont typeface="Arial" pitchFamily="34" charset="0"/>
-              <a:buChar char="•"/>
-              <a:defRPr sz="2400" kern="1200">
-                <a:solidFill>
-                  <a:schemeClr val="tx1"/>
-                </a:solidFill>
-                <a:latin typeface="+mn-lt"/>
-                <a:ea typeface="+mn-ea"/>
-                <a:cs typeface="+mn-cs"/>
-              </a:defRPr>
-            </a:lvl3pPr>
-            <a:lvl4pPr marL="1600200" indent="-228600" algn="l" defTabSz="914400" rtl="0" eaLnBrk="1" latinLnBrk="0" hangingPunct="1">
-              <a:spcBef>
-                <a:spcPct val="20000"/>
-              </a:spcBef>
-              <a:buFont typeface="Arial" pitchFamily="34" charset="0"/>
-              <a:buChar char="–"/>
-              <a:defRPr sz="2000" kern="1200">
-                <a:solidFill>
-                  <a:schemeClr val="tx1"/>
-                </a:solidFill>
-                <a:latin typeface="+mn-lt"/>
-                <a:ea typeface="+mn-ea"/>
-                <a:cs typeface="+mn-cs"/>
-              </a:defRPr>
-            </a:lvl4pPr>
-            <a:lvl5pPr marL="2057400" indent="-228600" algn="l" defTabSz="914400" rtl="0" eaLnBrk="1" latinLnBrk="0" hangingPunct="1">
-              <a:spcBef>
-                <a:spcPct val="20000"/>
-              </a:spcBef>
-              <a:buFont typeface="Arial" pitchFamily="34" charset="0"/>
-              <a:buChar char="»"/>
-              <a:defRPr sz="2000" kern="1200">
-                <a:solidFill>
-                  <a:schemeClr val="tx1"/>
-                </a:solidFill>
-                <a:latin typeface="+mn-lt"/>
-                <a:ea typeface="+mn-ea"/>
-                <a:cs typeface="+mn-cs"/>
-              </a:defRPr>
-            </a:lvl5pPr>
-            <a:lvl6pPr marL="2514600" indent="-228600" algn="l" defTabSz="914400" rtl="0" eaLnBrk="1" latinLnBrk="0" hangingPunct="1">
-              <a:spcBef>
-                <a:spcPct val="20000"/>
-              </a:spcBef>
-              <a:buFont typeface="Arial" pitchFamily="34" charset="0"/>
-              <a:buChar char="•"/>
-              <a:defRPr sz="2000" kern="1200">
-                <a:solidFill>
-                  <a:schemeClr val="tx1"/>
-                </a:solidFill>
-                <a:latin typeface="+mn-lt"/>
-                <a:ea typeface="+mn-ea"/>
-                <a:cs typeface="+mn-cs"/>
-              </a:defRPr>
-            </a:lvl6pPr>
-            <a:lvl7pPr marL="2971800" indent="-228600" algn="l" defTabSz="914400" rtl="0" eaLnBrk="1" latinLnBrk="0" hangingPunct="1">
-              <a:spcBef>
-                <a:spcPct val="20000"/>
-              </a:spcBef>
-              <a:buFont typeface="Arial" pitchFamily="34" charset="0"/>
-              <a:buChar char="•"/>
-              <a:defRPr sz="2000" kern="1200">
-                <a:solidFill>
-                  <a:schemeClr val="tx1"/>
-                </a:solidFill>
-                <a:latin typeface="+mn-lt"/>
-                <a:ea typeface="+mn-ea"/>
-                <a:cs typeface="+mn-cs"/>
-              </a:defRPr>
-            </a:lvl7pPr>
-            <a:lvl8pPr marL="3429000" indent="-228600" algn="l" defTabSz="914400" rtl="0" eaLnBrk="1" latinLnBrk="0" hangingPunct="1">
-              <a:spcBef>
-                <a:spcPct val="20000"/>
-              </a:spcBef>
-              <a:buFont typeface="Arial" pitchFamily="34" charset="0"/>
-              <a:buChar char="•"/>
-              <a:defRPr sz="2000" kern="1200">
-                <a:solidFill>
-                  <a:schemeClr val="tx1"/>
-                </a:solidFill>
-                <a:latin typeface="+mn-lt"/>
-                <a:ea typeface="+mn-ea"/>
-                <a:cs typeface="+mn-cs"/>
-              </a:defRPr>
-            </a:lvl8pPr>
-            <a:lvl9pPr marL="3886200" indent="-228600" algn="l" defTabSz="914400" rtl="0" eaLnBrk="1" latinLnBrk="0" hangingPunct="1">
-              <a:spcBef>
-                <a:spcPct val="20000"/>
-              </a:spcBef>
-              <a:buFont typeface="Arial" pitchFamily="34" charset="0"/>
-              <a:buChar char="•"/>
-              <a:defRPr sz="2000" kern="1200">
-                <a:solidFill>
-                  <a:schemeClr val="tx1"/>
-                </a:solidFill>
-                <a:latin typeface="+mn-lt"/>
-                <a:ea typeface="+mn-ea"/>
-                <a:cs typeface="+mn-cs"/>
-              </a:defRPr>
-            </a:lvl9pPr>
-          </a:lstStyle>
-          <a:p>
-            <a:pPr marL="0" indent="0">
-              <a:buNone/>
-            </a:pPr>
-            <a:r>
-              <a:rPr lang="en-US" sz="2400" dirty="0">
-                <a:solidFill>
-                  <a:srgbClr val="0000FF"/>
-                </a:solidFill>
-                <a:latin typeface="Consolas"/>
-              </a:rPr>
-              <a:t>&lt;</a:t>
-            </a:r>
-            <a:r>
-              <a:rPr lang="en-US" sz="2400" dirty="0">
-                <a:solidFill>
-                  <a:srgbClr val="800000"/>
-                </a:solidFill>
-                <a:latin typeface="Consolas"/>
-              </a:rPr>
-              <a:t>book </a:t>
-            </a:r>
-            <a:r>
-              <a:rPr lang="en-US" sz="2400" dirty="0" err="1">
-                <a:solidFill>
-                  <a:srgbClr val="FF0000"/>
-                </a:solidFill>
-                <a:latin typeface="Consolas"/>
-              </a:rPr>
-              <a:t>isbn</a:t>
-            </a:r>
-            <a:r>
-              <a:rPr lang="en-US" sz="2400" dirty="0">
-                <a:solidFill>
-                  <a:srgbClr val="0000FF"/>
-                </a:solidFill>
-                <a:latin typeface="Consolas"/>
-              </a:rPr>
-              <a:t>="978-5-459-00297-3"&gt;</a:t>
-            </a:r>
-            <a:endParaRPr lang="en-US" sz="2400" dirty="0">
-              <a:solidFill>
-                <a:srgbClr val="000000"/>
-              </a:solidFill>
-              <a:latin typeface="Consolas"/>
-            </a:endParaRPr>
-          </a:p>
-          <a:p>
-            <a:pPr marL="0" indent="0">
-              <a:buNone/>
-            </a:pPr>
-            <a:r>
-              <a:rPr lang="en-US" sz="2400" dirty="0" smtClean="0">
-                <a:solidFill>
-                  <a:srgbClr val="000000"/>
-                </a:solidFill>
-                <a:latin typeface="Consolas"/>
-              </a:rPr>
-              <a:t>  </a:t>
-            </a:r>
-            <a:r>
-              <a:rPr lang="en-US" sz="2400" dirty="0">
-                <a:solidFill>
-                  <a:srgbClr val="0000FF"/>
-                </a:solidFill>
-                <a:latin typeface="Consolas"/>
-              </a:rPr>
-              <a:t>&lt;</a:t>
-            </a:r>
-            <a:r>
-              <a:rPr lang="en-US" sz="2400" dirty="0">
-                <a:solidFill>
-                  <a:srgbClr val="800000"/>
-                </a:solidFill>
-                <a:latin typeface="Consolas"/>
-              </a:rPr>
-              <a:t>cover</a:t>
-            </a:r>
-            <a:r>
-              <a:rPr lang="en-US" sz="2400" dirty="0">
-                <a:solidFill>
-                  <a:srgbClr val="0000FF"/>
-                </a:solidFill>
-                <a:latin typeface="Consolas"/>
-              </a:rPr>
-              <a:t>&gt;</a:t>
-            </a:r>
-            <a:r>
-              <a:rPr lang="en-US" sz="2400" dirty="0">
-                <a:solidFill>
-                  <a:srgbClr val="000000"/>
-                </a:solidFill>
-                <a:latin typeface="Consolas"/>
-              </a:rPr>
-              <a:t>/9j/4AAQSkZJRgABAgEAAAAAA...</a:t>
-            </a:r>
-            <a:r>
-              <a:rPr lang="en-US" sz="2400" dirty="0" err="1">
-                <a:solidFill>
-                  <a:srgbClr val="000000"/>
-                </a:solidFill>
-                <a:latin typeface="Consolas"/>
-              </a:rPr>
-              <a:t>PnOgkECAgYgQQICCQIIH</a:t>
-            </a:r>
-            <a:r>
-              <a:rPr lang="en-US" sz="2400" dirty="0">
-                <a:solidFill>
-                  <a:srgbClr val="000000"/>
-                </a:solidFill>
-                <a:latin typeface="Consolas"/>
-              </a:rPr>
-              <a:t>/2Q==</a:t>
-            </a:r>
-            <a:r>
-              <a:rPr lang="en-US" sz="2400" dirty="0">
-                <a:solidFill>
-                  <a:srgbClr val="0000FF"/>
-                </a:solidFill>
-                <a:latin typeface="Consolas"/>
-              </a:rPr>
-              <a:t>&lt;/</a:t>
-            </a:r>
-            <a:r>
-              <a:rPr lang="en-US" sz="2400" dirty="0">
-                <a:solidFill>
-                  <a:srgbClr val="800000"/>
-                </a:solidFill>
-                <a:latin typeface="Consolas"/>
-              </a:rPr>
-              <a:t>cover</a:t>
-            </a:r>
-            <a:r>
-              <a:rPr lang="en-US" sz="2400" dirty="0">
-                <a:solidFill>
-                  <a:srgbClr val="0000FF"/>
-                </a:solidFill>
-                <a:latin typeface="Consolas"/>
-              </a:rPr>
-              <a:t>&gt;</a:t>
-            </a:r>
-            <a:endParaRPr lang="en-US" sz="2400" dirty="0">
-              <a:solidFill>
-                <a:srgbClr val="000000"/>
-              </a:solidFill>
-              <a:latin typeface="Consolas"/>
-            </a:endParaRPr>
-          </a:p>
-          <a:p>
-            <a:pPr marL="0" indent="0">
-              <a:buNone/>
-            </a:pPr>
-            <a:r>
-              <a:rPr lang="en-US" sz="2400" dirty="0">
-                <a:solidFill>
-                  <a:srgbClr val="0000FF"/>
-                </a:solidFill>
-                <a:latin typeface="Consolas"/>
-              </a:rPr>
-              <a:t>&lt;/</a:t>
-            </a:r>
-            <a:r>
-              <a:rPr lang="en-US" sz="2400" dirty="0">
-                <a:solidFill>
-                  <a:srgbClr val="800000"/>
-                </a:solidFill>
-                <a:latin typeface="Consolas"/>
-              </a:rPr>
-              <a:t>book</a:t>
-            </a:r>
-            <a:r>
-              <a:rPr lang="en-US" sz="2400" dirty="0">
-                <a:solidFill>
-                  <a:srgbClr val="0000FF"/>
-                </a:solidFill>
-                <a:latin typeface="Consolas"/>
-              </a:rPr>
-              <a:t>&gt;</a:t>
-            </a:r>
-            <a:endParaRPr lang="en-US" sz="2400" dirty="0"/>
+              <a:rPr lang="ru-RU" dirty="0" smtClean="0"/>
+              <a:t>пролог </a:t>
+            </a:r>
+            <a:r>
+              <a:rPr lang="en-US" dirty="0" smtClean="0"/>
+              <a:t>(prolog)</a:t>
+            </a:r>
+          </a:p>
+          <a:p>
+            <a:pPr lvl="1"/>
+            <a:r>
+              <a:rPr lang="en-US" dirty="0"/>
+              <a:t>&lt;?xml version=”1.0” ?&gt; (utf-8 </a:t>
+            </a:r>
+            <a:r>
+              <a:rPr lang="ru-RU" dirty="0"/>
+              <a:t>по умолчанию)</a:t>
+            </a:r>
+          </a:p>
+          <a:p>
+            <a:pPr lvl="1"/>
+            <a:r>
+              <a:rPr lang="ru-RU" dirty="0"/>
+              <a:t>&lt;?</a:t>
+            </a:r>
+            <a:r>
+              <a:rPr lang="en-US" dirty="0"/>
+              <a:t>xml version=”1.0” encoding=”windows-1251</a:t>
+            </a:r>
+            <a:r>
+              <a:rPr lang="en-US" dirty="0" smtClean="0"/>
+              <a:t>”?&gt;</a:t>
+            </a:r>
+          </a:p>
+          <a:p>
+            <a:r>
+              <a:rPr lang="ru-RU" dirty="0" smtClean="0"/>
+              <a:t>Стандартные инструкции</a:t>
+            </a:r>
+          </a:p>
+          <a:p>
+            <a:pPr lvl="1"/>
+            <a:r>
+              <a:rPr lang="en-US" dirty="0"/>
+              <a:t>&lt;?xml-</a:t>
+            </a:r>
+            <a:r>
+              <a:rPr lang="en-US" dirty="0" err="1"/>
+              <a:t>stylesheet</a:t>
+            </a:r>
+            <a:r>
+              <a:rPr lang="en-US" dirty="0"/>
+              <a:t> type="text/</a:t>
+            </a:r>
+            <a:r>
+              <a:rPr lang="en-US" dirty="0" err="1"/>
+              <a:t>xsl</a:t>
+            </a:r>
+            <a:r>
+              <a:rPr lang="en-US" dirty="0"/>
+              <a:t>" </a:t>
+            </a:r>
+            <a:r>
+              <a:rPr lang="en-US" dirty="0" err="1"/>
+              <a:t>href</a:t>
+            </a:r>
+            <a:r>
+              <a:rPr lang="en-US" dirty="0" smtClean="0"/>
+              <a:t>=“URL"?&gt;</a:t>
+            </a:r>
+          </a:p>
+          <a:p>
+            <a:pPr lvl="1"/>
+            <a:endParaRPr lang="en-US" dirty="0"/>
           </a:p>
         </p:txBody>
       </p:sp>
     </p:spTree>
     <p:extLst>
       <p:ext uri="{BB962C8B-B14F-4D97-AF65-F5344CB8AC3E}">
-        <p14:creationId xmlns:p14="http://schemas.microsoft.com/office/powerpoint/2010/main" val="766526891"/>
+        <p14:creationId xmlns:p14="http://schemas.microsoft.com/office/powerpoint/2010/main" val="2306408505"/>
       </p:ext>
     </p:extLst>
   </p:cSld>
@@ -5936,8 +5557,12 @@
           <a:lstStyle/>
           <a:p>
             <a:r>
-              <a:rPr lang="ru-RU" dirty="0"/>
-              <a:t>Правила разметки</a:t>
+              <a:rPr lang="ru-RU" dirty="0" smtClean="0"/>
+              <a:t>Секции</a:t>
+            </a:r>
+            <a:r>
+              <a:rPr lang="en-US" dirty="0" smtClean="0"/>
+              <a:t> CDATA</a:t>
             </a:r>
             <a:endParaRPr lang="en-US" dirty="0"/>
           </a:p>
@@ -5956,150 +5581,94 @@
         <p:spPr/>
         <p:txBody>
           <a:bodyPr>
-            <a:normAutofit/>
+            <a:normAutofit fontScale="92500"/>
           </a:bodyPr>
           <a:lstStyle/>
           <a:p>
-            <a:pPr lvl="0"/>
-            <a:r>
-              <a:rPr lang="ru-RU" sz="1800" dirty="0"/>
-              <a:t>Все элементы должны быть закрыты</a:t>
-            </a:r>
-            <a:endParaRPr lang="en-US" sz="1800" dirty="0"/>
-          </a:p>
-          <a:p>
-            <a:pPr lvl="0"/>
-            <a:r>
-              <a:rPr lang="ru-RU" sz="1800" dirty="0"/>
-              <a:t>Корневой элемент может быть только один</a:t>
-            </a:r>
-            <a:endParaRPr lang="en-US" sz="1800" dirty="0"/>
-          </a:p>
-          <a:p>
-            <a:pPr lvl="0"/>
-            <a:r>
-              <a:rPr lang="ru-RU" sz="1800" dirty="0"/>
-              <a:t>Регистр имеет значение (&lt;</a:t>
-            </a:r>
-            <a:r>
-              <a:rPr lang="en-US" sz="1800" dirty="0"/>
-              <a:t>book</a:t>
-            </a:r>
-            <a:r>
-              <a:rPr lang="ru-RU" sz="1800" dirty="0"/>
-              <a:t>&gt; != &lt;</a:t>
-            </a:r>
-            <a:r>
-              <a:rPr lang="en-US" sz="1800" dirty="0"/>
-              <a:t>Book</a:t>
-            </a:r>
-            <a:r>
-              <a:rPr lang="ru-RU" sz="1800" dirty="0"/>
-              <a:t>&gt;)</a:t>
-            </a:r>
-            <a:endParaRPr lang="en-US" sz="1800" dirty="0"/>
-          </a:p>
-          <a:p>
-            <a:pPr lvl="0"/>
-            <a:r>
-              <a:rPr lang="ru-RU" sz="1800" dirty="0"/>
-              <a:t>Закрывать нужно в порядке обратном порядку открытия</a:t>
-            </a:r>
-            <a:endParaRPr lang="en-US" sz="1800" dirty="0"/>
-          </a:p>
-          <a:p>
-            <a:pPr lvl="0"/>
-            <a:r>
-              <a:rPr lang="ru-RU" sz="1800" dirty="0"/>
-              <a:t>Значения атрибутов должны быть заключены </a:t>
-            </a:r>
-            <a:r>
-              <a:rPr lang="ru-RU" sz="1800" dirty="0" smtClean="0"/>
-              <a:t>в </a:t>
-            </a:r>
-            <a:r>
-              <a:rPr lang="ru-RU" sz="1800" dirty="0"/>
-              <a:t>кавычки</a:t>
-            </a:r>
-            <a:endParaRPr lang="en-US" sz="1800" dirty="0"/>
-          </a:p>
-          <a:p>
-            <a:r>
-              <a:rPr lang="ru-RU" sz="1800" dirty="0"/>
-              <a:t>При необходимости должна быть указана </a:t>
-            </a:r>
-            <a:r>
-              <a:rPr lang="ru-RU" sz="1800" dirty="0" smtClean="0"/>
-              <a:t>кодировка</a:t>
-            </a:r>
-          </a:p>
-          <a:p>
-            <a:endParaRPr lang="ru-RU" sz="1800" dirty="0"/>
-          </a:p>
-          <a:p>
-            <a:pPr marL="0" indent="0">
-              <a:buNone/>
-            </a:pPr>
-            <a:r>
-              <a:rPr lang="ru-RU" sz="1800" dirty="0"/>
-              <a:t>Документ выполнящий все эти правила называется синтаксически </a:t>
-            </a:r>
-            <a:r>
-              <a:rPr lang="ru-RU" sz="1800" i="1" dirty="0"/>
-              <a:t>верным</a:t>
-            </a:r>
-            <a:r>
-              <a:rPr lang="ru-RU" sz="1800" dirty="0"/>
-              <a:t> (</a:t>
-            </a:r>
-            <a:r>
-              <a:rPr lang="ru-RU" sz="1800" i="1" dirty="0"/>
-              <a:t>well-formed</a:t>
-            </a:r>
-            <a:r>
-              <a:rPr lang="ru-RU" sz="1800" dirty="0"/>
-              <a:t>). Если документ дополнительно соответствует </a:t>
-            </a:r>
-            <a:r>
-              <a:rPr lang="en-US" sz="1800" dirty="0"/>
-              <a:t>DTD </a:t>
-            </a:r>
-            <a:r>
-              <a:rPr lang="ru-RU" sz="1800" dirty="0"/>
-              <a:t>или </a:t>
-            </a:r>
-            <a:r>
-              <a:rPr lang="en-US" sz="1800" dirty="0"/>
-              <a:t>XML Schema</a:t>
-            </a:r>
-            <a:r>
-              <a:rPr lang="ru-RU" sz="1800" dirty="0"/>
-              <a:t>, то он называется </a:t>
-            </a:r>
-            <a:r>
-              <a:rPr lang="ru-RU" sz="1800" i="1" dirty="0"/>
-              <a:t>правильным</a:t>
-            </a:r>
-            <a:r>
-              <a:rPr lang="ru-RU" sz="1800" dirty="0"/>
-              <a:t> (</a:t>
-            </a:r>
-            <a:r>
-              <a:rPr lang="ru-RU" sz="1800" i="1" dirty="0"/>
-              <a:t>valid</a:t>
-            </a:r>
-            <a:r>
-              <a:rPr lang="ru-RU" sz="1800" dirty="0"/>
-              <a:t>).</a:t>
-            </a:r>
-            <a:endParaRPr lang="en-US" sz="1800" dirty="0"/>
+            <a:r>
+              <a:rPr lang="ru-RU" dirty="0"/>
+              <a:t>Секция CDATA используется для того, чтобы обозначить части документа, которые не должны восприниматься как </a:t>
+            </a:r>
+            <a:r>
+              <a:rPr lang="ru-RU" dirty="0" smtClean="0"/>
+              <a:t>разметка.</a:t>
+            </a:r>
+            <a:endParaRPr lang="en-US" dirty="0" smtClean="0"/>
+          </a:p>
+          <a:p>
+            <a:r>
+              <a:rPr lang="ru-RU" dirty="0" smtClean="0"/>
+              <a:t>Секция </a:t>
+            </a:r>
+            <a:r>
+              <a:rPr lang="ru-RU" dirty="0"/>
+              <a:t>CDATA начинается со строки &lt;![CDATA[ и заканчивается строкой ]]&gt;. Внутри самой секции не должна присутствовать строка </a:t>
+            </a:r>
+            <a:r>
+              <a:rPr lang="ru-RU" dirty="0" smtClean="0"/>
+              <a:t>]]&gt;.</a:t>
+            </a:r>
+            <a:endParaRPr lang="en-US" dirty="0" smtClean="0"/>
+          </a:p>
+          <a:p>
+            <a:r>
+              <a:rPr lang="ru-RU" dirty="0" smtClean="0"/>
+              <a:t>&lt;</a:t>
+            </a:r>
+            <a:r>
+              <a:rPr lang="ru-RU" dirty="0"/>
+              <a:t>example</a:t>
+            </a:r>
+            <a:r>
+              <a:rPr lang="ru-RU" dirty="0" smtClean="0"/>
+              <a:t>&gt;</a:t>
+            </a:r>
+            <a:r>
+              <a:rPr lang="en-US" dirty="0" smtClean="0"/>
+              <a:t/>
+            </a:r>
+            <a:br>
+              <a:rPr lang="en-US" dirty="0" smtClean="0"/>
+            </a:br>
+            <a:r>
+              <a:rPr lang="en-US" dirty="0" smtClean="0"/>
+              <a:t>    </a:t>
+            </a:r>
+            <a:r>
+              <a:rPr lang="ru-RU" dirty="0" smtClean="0"/>
+              <a:t>&lt;![</a:t>
+            </a:r>
+            <a:r>
+              <a:rPr lang="ru-RU" dirty="0"/>
+              <a:t>CDATA[ &lt;aaa&gt;bb&amp;cc</a:t>
+            </a:r>
+            <a:r>
+              <a:rPr lang="ru-RU" dirty="0" smtClean="0"/>
+              <a:t>&lt;&lt;&lt;]]&gt;</a:t>
+            </a:r>
+            <a:r>
+              <a:rPr lang="en-US" dirty="0" smtClean="0"/>
+              <a:t/>
+            </a:r>
+            <a:br>
+              <a:rPr lang="en-US" dirty="0" smtClean="0"/>
+            </a:br>
+            <a:r>
+              <a:rPr lang="ru-RU" dirty="0" smtClean="0"/>
+              <a:t>&lt;/</a:t>
+            </a:r>
+            <a:r>
+              <a:rPr lang="ru-RU" dirty="0"/>
+              <a:t>example&gt;</a:t>
+            </a:r>
+            <a:endParaRPr lang="en-US" dirty="0"/>
           </a:p>
         </p:txBody>
       </p:sp>
     </p:spTree>
     <p:extLst>
       <p:ext uri="{BB962C8B-B14F-4D97-AF65-F5344CB8AC3E}">
-        <p14:creationId xmlns:p14="http://schemas.microsoft.com/office/powerpoint/2010/main" val="748900971"/>
+        <p14:creationId xmlns:p14="http://schemas.microsoft.com/office/powerpoint/2010/main" val="374898316"/>
       </p:ext>
     </p:extLst>
   </p:cSld>
@@ -6145,22 +5714,12 @@
         </p:nvSpPr>
         <p:spPr/>
         <p:txBody>
-          <a:bodyPr>
-            <a:normAutofit fontScale="90000"/>
-          </a:bodyPr>
+          <a:bodyPr/>
           <a:lstStyle/>
           <a:p>
             <a:r>
               <a:rPr lang="ru-RU" dirty="0" smtClean="0"/>
-              <a:t>Описание структуры </a:t>
-            </a:r>
-            <a:r>
-              <a:rPr lang="en-US" dirty="0" smtClean="0"/>
-              <a:t>XML </a:t>
-            </a:r>
-            <a:r>
-              <a:rPr lang="ru-RU" dirty="0" smtClean="0"/>
-              <a:t>документа</a:t>
+              <a:t>Хранение бинарных данных</a:t>
             </a:r>
             <a:endParaRPr lang="en-US" dirty="0"/>
           </a:p>
@@ -6176,147 +5735,440 @@
             <p:ph idx="1"/>
           </p:nvPr>
         </p:nvSpPr>
-        <p:spPr/>
+        <p:spPr>
+          <a:xfrm>
+            <a:off x="446856" y="1600201"/>
+            <a:ext cx="8229600" cy="4133056"/>
+          </a:xfrm>
+        </p:spPr>
         <p:txBody>
           <a:bodyPr>
             <a:normAutofit lnSpcReduction="10000"/>
           </a:bodyPr>
           <a:lstStyle/>
           <a:p>
-            <a:r>
-              <a:rPr lang="en-US" dirty="0"/>
-              <a:t>DTD – </a:t>
-            </a:r>
-            <a:r>
-              <a:rPr lang="en-US" dirty="0">
+            <a:pPr marL="0" indent="0">
+              <a:buNone/>
+            </a:pPr>
+            <a:r>
+              <a:rPr lang="en-US" sz="2400" dirty="0" smtClean="0"/>
+              <a:t>XML </a:t>
+            </a:r>
+            <a:r>
+              <a:rPr lang="ru-RU" sz="2400" dirty="0" smtClean="0"/>
+              <a:t>является тектовым форматом, поэтому прямое хранение бинарных данных невозможно. Поэтому, по возможности, </a:t>
+            </a:r>
+            <a:r>
+              <a:rPr lang="ru-RU" sz="2400" dirty="0"/>
+              <a:t>избегайте хранить бинарные данные в </a:t>
+            </a:r>
+            <a:r>
+              <a:rPr lang="en-US" sz="2400" dirty="0"/>
+              <a:t>XML. </a:t>
+            </a:r>
+            <a:r>
+              <a:rPr lang="ru-RU" sz="2400" dirty="0" smtClean="0"/>
+              <a:t>Однако можно преобразовать последовательность байтов в текстовое представление и уже его сохранять в </a:t>
+            </a:r>
+            <a:r>
+              <a:rPr lang="en-US" sz="2400" dirty="0" smtClean="0"/>
+              <a:t>XML.</a:t>
+            </a:r>
+            <a:r>
+              <a:rPr lang="ru-RU" sz="2400" dirty="0" smtClean="0"/>
+              <a:t> Хорошим решением будет использование кодировки </a:t>
+            </a:r>
+            <a:r>
+              <a:rPr lang="en-US" sz="2400" dirty="0" smtClean="0"/>
+              <a:t>Base64. </a:t>
+            </a:r>
+            <a:r>
+              <a:rPr lang="ru-RU" sz="2400" dirty="0" smtClean="0"/>
+              <a:t>Накладные расходы при этом составят примерно 37% от объема бинарных данных. Смотрите методы класса </a:t>
+            </a:r>
+            <a:r>
+              <a:rPr lang="en-US" sz="2400" dirty="0" err="1" smtClean="0"/>
+              <a:t>System.Convert</a:t>
+            </a:r>
+            <a:r>
+              <a:rPr lang="en-US" sz="2400" dirty="0" smtClean="0"/>
+              <a:t>:</a:t>
+            </a:r>
+          </a:p>
+          <a:p>
+            <a:r>
+              <a:rPr lang="en-US" sz="2400" dirty="0" smtClean="0"/>
+              <a:t>string ToBase64String(byte[])</a:t>
+            </a:r>
+          </a:p>
+          <a:p>
+            <a:r>
+              <a:rPr lang="en-US" sz="2400" dirty="0" smtClean="0"/>
+              <a:t>byte[] FromBase64String(string)</a:t>
+            </a:r>
+          </a:p>
+          <a:p>
+            <a:pPr marL="0" indent="0">
+              <a:buNone/>
+            </a:pPr>
+            <a:endParaRPr lang="en-US" sz="2400" dirty="0"/>
+          </a:p>
+        </p:txBody>
+      </p:sp>
+      <p:sp>
+        <p:nvSpPr>
+          <p:cNvPr id="6" name="Content Placeholder 2"/>
+          <p:cNvSpPr txBox="1">
+            <a:spLocks/>
+          </p:cNvSpPr>
+          <p:nvPr/>
+        </p:nvSpPr>
+        <p:spPr>
+          <a:xfrm>
+            <a:off x="446856" y="5733256"/>
+            <a:ext cx="8229600" cy="864096"/>
+          </a:xfrm>
+          <a:prstGeom prst="rect">
+            <a:avLst/>
+          </a:prstGeom>
+          <a:solidFill>
+            <a:schemeClr val="bg1"/>
+          </a:solidFill>
+        </p:spPr>
+        <p:txBody>
+          <a:bodyPr vert="horz" lIns="91440" tIns="45720" rIns="91440" bIns="45720" rtlCol="0">
+            <a:normAutofit fontScale="62500" lnSpcReduction="20000"/>
+          </a:bodyPr>
+          <a:lstStyle>
+            <a:lvl1pPr marL="342900" indent="-342900" algn="l" defTabSz="914400" rtl="0" eaLnBrk="1" latinLnBrk="0" hangingPunct="1">
+              <a:spcBef>
+                <a:spcPct val="20000"/>
+              </a:spcBef>
+              <a:buFont typeface="Arial" pitchFamily="34" charset="0"/>
+              <a:buChar char="•"/>
+              <a:defRPr sz="3200" kern="1200">
+                <a:solidFill>
+                  <a:schemeClr val="tx1"/>
+                </a:solidFill>
+                <a:latin typeface="+mn-lt"/>
+                <a:ea typeface="+mn-ea"/>
+                <a:cs typeface="+mn-cs"/>
+              </a:defRPr>
+            </a:lvl1pPr>
+            <a:lvl2pPr marL="742950" indent="-285750" algn="l" defTabSz="914400" rtl="0" eaLnBrk="1" latinLnBrk="0" hangingPunct="1">
+              <a:spcBef>
+                <a:spcPct val="20000"/>
+              </a:spcBef>
+              <a:buFont typeface="Arial" pitchFamily="34" charset="0"/>
+              <a:buChar char="–"/>
+              <a:defRPr sz="2800" kern="1200">
+                <a:solidFill>
+                  <a:schemeClr val="tx1"/>
+                </a:solidFill>
+                <a:latin typeface="+mn-lt"/>
+                <a:ea typeface="+mn-ea"/>
+                <a:cs typeface="+mn-cs"/>
+              </a:defRPr>
+            </a:lvl2pPr>
+            <a:lvl3pPr marL="1143000" indent="-228600" algn="l" defTabSz="914400" rtl="0" eaLnBrk="1" latinLnBrk="0" hangingPunct="1">
+              <a:spcBef>
+                <a:spcPct val="20000"/>
+              </a:spcBef>
+              <a:buFont typeface="Arial" pitchFamily="34" charset="0"/>
+              <a:buChar char="•"/>
+              <a:defRPr sz="2400" kern="1200">
+                <a:solidFill>
+                  <a:schemeClr val="tx1"/>
+                </a:solidFill>
+                <a:latin typeface="+mn-lt"/>
+                <a:ea typeface="+mn-ea"/>
+                <a:cs typeface="+mn-cs"/>
+              </a:defRPr>
+            </a:lvl3pPr>
+            <a:lvl4pPr marL="1600200" indent="-228600" algn="l" defTabSz="914400" rtl="0" eaLnBrk="1" latinLnBrk="0" hangingPunct="1">
+              <a:spcBef>
+                <a:spcPct val="20000"/>
+              </a:spcBef>
+              <a:buFont typeface="Arial" pitchFamily="34" charset="0"/>
+              <a:buChar char="–"/>
+              <a:defRPr sz="2000" kern="1200">
+                <a:solidFill>
+                  <a:schemeClr val="tx1"/>
+                </a:solidFill>
+                <a:latin typeface="+mn-lt"/>
+                <a:ea typeface="+mn-ea"/>
+                <a:cs typeface="+mn-cs"/>
+              </a:defRPr>
+            </a:lvl4pPr>
+            <a:lvl5pPr marL="2057400" indent="-228600" algn="l" defTabSz="914400" rtl="0" eaLnBrk="1" latinLnBrk="0" hangingPunct="1">
+              <a:spcBef>
+                <a:spcPct val="20000"/>
+              </a:spcBef>
+              <a:buFont typeface="Arial" pitchFamily="34" charset="0"/>
+              <a:buChar char="»"/>
+              <a:defRPr sz="2000" kern="1200">
+                <a:solidFill>
+                  <a:schemeClr val="tx1"/>
+                </a:solidFill>
+                <a:latin typeface="+mn-lt"/>
+                <a:ea typeface="+mn-ea"/>
+                <a:cs typeface="+mn-cs"/>
+              </a:defRPr>
+            </a:lvl5pPr>
+            <a:lvl6pPr marL="2514600" indent="-228600" algn="l" defTabSz="914400" rtl="0" eaLnBrk="1" latinLnBrk="0" hangingPunct="1">
+              <a:spcBef>
+                <a:spcPct val="20000"/>
+              </a:spcBef>
+              <a:buFont typeface="Arial" pitchFamily="34" charset="0"/>
+              <a:buChar char="•"/>
+              <a:defRPr sz="2000" kern="1200">
+                <a:solidFill>
+                  <a:schemeClr val="tx1"/>
+                </a:solidFill>
+                <a:latin typeface="+mn-lt"/>
+                <a:ea typeface="+mn-ea"/>
+                <a:cs typeface="+mn-cs"/>
+              </a:defRPr>
+            </a:lvl6pPr>
+            <a:lvl7pPr marL="2971800" indent="-228600" algn="l" defTabSz="914400" rtl="0" eaLnBrk="1" latinLnBrk="0" hangingPunct="1">
+              <a:spcBef>
+                <a:spcPct val="20000"/>
+              </a:spcBef>
+              <a:buFont typeface="Arial" pitchFamily="34" charset="0"/>
+              <a:buChar char="•"/>
+              <a:defRPr sz="2000" kern="1200">
+                <a:solidFill>
+                  <a:schemeClr val="tx1"/>
+                </a:solidFill>
+                <a:latin typeface="+mn-lt"/>
+                <a:ea typeface="+mn-ea"/>
+                <a:cs typeface="+mn-cs"/>
+              </a:defRPr>
+            </a:lvl7pPr>
+            <a:lvl8pPr marL="3429000" indent="-228600" algn="l" defTabSz="914400" rtl="0" eaLnBrk="1" latinLnBrk="0" hangingPunct="1">
+              <a:spcBef>
+                <a:spcPct val="20000"/>
+              </a:spcBef>
+              <a:buFont typeface="Arial" pitchFamily="34" charset="0"/>
+              <a:buChar char="•"/>
+              <a:defRPr sz="2000" kern="1200">
+                <a:solidFill>
+                  <a:schemeClr val="tx1"/>
+                </a:solidFill>
+                <a:latin typeface="+mn-lt"/>
+                <a:ea typeface="+mn-ea"/>
+                <a:cs typeface="+mn-cs"/>
+              </a:defRPr>
+            </a:lvl8pPr>
+            <a:lvl9pPr marL="3886200" indent="-228600" algn="l" defTabSz="914400" rtl="0" eaLnBrk="1" latinLnBrk="0" hangingPunct="1">
+              <a:spcBef>
+                <a:spcPct val="20000"/>
+              </a:spcBef>
+              <a:buFont typeface="Arial" pitchFamily="34" charset="0"/>
+              <a:buChar char="•"/>
+              <a:defRPr sz="2000" kern="1200">
+                <a:solidFill>
+                  <a:schemeClr val="tx1"/>
+                </a:solidFill>
+                <a:latin typeface="+mn-lt"/>
+                <a:ea typeface="+mn-ea"/>
+                <a:cs typeface="+mn-cs"/>
+              </a:defRPr>
+            </a:lvl9pPr>
+          </a:lstStyle>
+          <a:p>
+            <a:pPr marL="0" indent="0">
+              <a:buNone/>
+            </a:pPr>
+            <a:r>
+              <a:rPr lang="en-US" sz="2400" dirty="0">
+                <a:solidFill>
+                  <a:srgbClr val="0000FF"/>
+                </a:solidFill>
+                <a:latin typeface="Consolas"/>
+              </a:rPr>
+              <a:t>&lt;</a:t>
+            </a:r>
+            <a:r>
+              <a:rPr lang="en-US" sz="2400" dirty="0">
+                <a:solidFill>
+                  <a:srgbClr val="800000"/>
+                </a:solidFill>
+                <a:latin typeface="Consolas"/>
+              </a:rPr>
+              <a:t>book </a:t>
+            </a:r>
+            <a:r>
+              <a:rPr lang="en-US" sz="2400" dirty="0" err="1">
                 <a:solidFill>
                   <a:srgbClr val="FF0000"/>
                 </a:solidFill>
-              </a:rPr>
-              <a:t>D</a:t>
-            </a:r>
-            <a:r>
-              <a:rPr lang="en-US" dirty="0"/>
-              <a:t>ocument </a:t>
-            </a:r>
-            <a:r>
-              <a:rPr lang="en-US" dirty="0">
-                <a:solidFill>
-                  <a:srgbClr val="FF0000"/>
-                </a:solidFill>
-              </a:rPr>
-              <a:t>T</a:t>
-            </a:r>
-            <a:r>
-              <a:rPr lang="en-US" dirty="0"/>
-              <a:t>ype </a:t>
-            </a:r>
-            <a:r>
-              <a:rPr lang="en-US" dirty="0" smtClean="0">
-                <a:solidFill>
-                  <a:srgbClr val="FF0000"/>
-                </a:solidFill>
-              </a:rPr>
-              <a:t>D</a:t>
-            </a:r>
-            <a:r>
-              <a:rPr lang="en-US" dirty="0" smtClean="0"/>
-              <a:t>efinition</a:t>
-            </a:r>
-            <a:endParaRPr lang="ru-RU" dirty="0" smtClean="0"/>
-          </a:p>
-          <a:p>
-            <a:pPr lvl="1"/>
-            <a:r>
-              <a:rPr lang="ru-RU" dirty="0" smtClean="0"/>
-              <a:t>Устаревшая</a:t>
-            </a:r>
-          </a:p>
-          <a:p>
-            <a:pPr lvl="1"/>
-            <a:r>
-              <a:rPr lang="ru-RU" dirty="0" smtClean="0"/>
-              <a:t>Требует изучения нового синтаксиса</a:t>
-            </a:r>
-          </a:p>
-          <a:p>
-            <a:r>
-              <a:rPr lang="en-US" dirty="0"/>
-              <a:t>XML </a:t>
-            </a:r>
-            <a:r>
-              <a:rPr lang="en-US" dirty="0" smtClean="0"/>
-              <a:t>Schema</a:t>
-            </a:r>
-            <a:r>
-              <a:rPr lang="ru-RU" dirty="0" smtClean="0"/>
-              <a:t> (</a:t>
-            </a:r>
-            <a:r>
-              <a:rPr lang="en-US" dirty="0" smtClean="0"/>
-              <a:t>XSD)</a:t>
-            </a:r>
-          </a:p>
-          <a:p>
-            <a:pPr lvl="1"/>
-            <a:r>
-              <a:rPr lang="ru-RU" dirty="0" smtClean="0"/>
-              <a:t>Использует синтаксис </a:t>
-            </a:r>
-            <a:r>
-              <a:rPr lang="en-US" dirty="0" smtClean="0"/>
-              <a:t>XML</a:t>
-            </a:r>
-          </a:p>
-          <a:p>
-            <a:pPr lvl="1"/>
-            <a:r>
-              <a:rPr lang="en-US" dirty="0">
-                <a:hlinkClick r:id="rId2"/>
-              </a:rPr>
-              <a:t>W3C XML Schema Definition Language (XSD) 1.1 Part 1: Structures</a:t>
-            </a:r>
-            <a:endParaRPr lang="en-US" dirty="0"/>
-          </a:p>
-          <a:p>
-            <a:pPr lvl="1"/>
-            <a:r>
-              <a:rPr lang="en-US" dirty="0">
-                <a:hlinkClick r:id="rId3"/>
-              </a:rPr>
-              <a:t>W3C XML Schema Definition Language (XSD) 1.1 Part 2: </a:t>
-            </a:r>
-            <a:r>
-              <a:rPr lang="en-US" dirty="0" err="1">
-                <a:hlinkClick r:id="rId3"/>
-              </a:rPr>
-              <a:t>Datatypes</a:t>
-            </a:r>
-            <a:endParaRPr lang="en-US" dirty="0"/>
-          </a:p>
-          <a:p>
-            <a:endParaRPr lang="en-US" dirty="0" smtClean="0"/>
+                <a:latin typeface="Consolas"/>
+              </a:rPr>
+              <a:t>isbn</a:t>
+            </a:r>
+            <a:r>
+              <a:rPr lang="en-US" sz="2400" dirty="0">
+                <a:solidFill>
+                  <a:srgbClr val="0000FF"/>
+                </a:solidFill>
+                <a:latin typeface="Consolas"/>
+              </a:rPr>
+              <a:t>="978-5-459-00297-3"&gt;</a:t>
+            </a:r>
+            <a:endParaRPr lang="en-US" sz="2400" dirty="0">
+              <a:solidFill>
+                <a:srgbClr val="000000"/>
+              </a:solidFill>
+              <a:latin typeface="Consolas"/>
+            </a:endParaRPr>
+          </a:p>
+          <a:p>
+            <a:pPr marL="0" indent="0">
+              <a:buNone/>
+            </a:pPr>
+            <a:r>
+              <a:rPr lang="en-US" sz="2400" dirty="0" smtClean="0">
+                <a:solidFill>
+                  <a:srgbClr val="000000"/>
+                </a:solidFill>
+                <a:latin typeface="Consolas"/>
+              </a:rPr>
+              <a:t>  </a:t>
+            </a:r>
+            <a:r>
+              <a:rPr lang="en-US" sz="2400" dirty="0">
+                <a:solidFill>
+                  <a:srgbClr val="0000FF"/>
+                </a:solidFill>
+                <a:latin typeface="Consolas"/>
+              </a:rPr>
+              <a:t>&lt;</a:t>
+            </a:r>
+            <a:r>
+              <a:rPr lang="en-US" sz="2400" dirty="0">
+                <a:solidFill>
+                  <a:srgbClr val="800000"/>
+                </a:solidFill>
+                <a:latin typeface="Consolas"/>
+              </a:rPr>
+              <a:t>cover</a:t>
+            </a:r>
+            <a:r>
+              <a:rPr lang="en-US" sz="2400" dirty="0">
+                <a:solidFill>
+                  <a:srgbClr val="0000FF"/>
+                </a:solidFill>
+                <a:latin typeface="Consolas"/>
+              </a:rPr>
+              <a:t>&gt;</a:t>
+            </a:r>
+            <a:r>
+              <a:rPr lang="en-US" sz="2400" dirty="0">
+                <a:solidFill>
+                  <a:srgbClr val="000000"/>
+                </a:solidFill>
+                <a:latin typeface="Consolas"/>
+              </a:rPr>
+              <a:t>/9j/4AAQSkZJRgABAgEAAAAAA...</a:t>
+            </a:r>
+            <a:r>
+              <a:rPr lang="en-US" sz="2400" dirty="0" err="1">
+                <a:solidFill>
+                  <a:srgbClr val="000000"/>
+                </a:solidFill>
+                <a:latin typeface="Consolas"/>
+              </a:rPr>
+              <a:t>PnOgkECAgYgQQICCQIIH</a:t>
+            </a:r>
+            <a:r>
+              <a:rPr lang="en-US" sz="2400" dirty="0">
+                <a:solidFill>
+                  <a:srgbClr val="000000"/>
+                </a:solidFill>
+                <a:latin typeface="Consolas"/>
+              </a:rPr>
+              <a:t>/2Q==</a:t>
+            </a:r>
+            <a:r>
+              <a:rPr lang="en-US" sz="2400" dirty="0">
+                <a:solidFill>
+                  <a:srgbClr val="0000FF"/>
+                </a:solidFill>
+                <a:latin typeface="Consolas"/>
+              </a:rPr>
+              <a:t>&lt;/</a:t>
+            </a:r>
+            <a:r>
+              <a:rPr lang="en-US" sz="2400" dirty="0">
+                <a:solidFill>
+                  <a:srgbClr val="800000"/>
+                </a:solidFill>
+                <a:latin typeface="Consolas"/>
+              </a:rPr>
+              <a:t>cover</a:t>
+            </a:r>
+            <a:r>
+              <a:rPr lang="en-US" sz="2400" dirty="0">
+                <a:solidFill>
+                  <a:srgbClr val="0000FF"/>
+                </a:solidFill>
+                <a:latin typeface="Consolas"/>
+              </a:rPr>
+              <a:t>&gt;</a:t>
+            </a:r>
+            <a:endParaRPr lang="en-US" sz="2400" dirty="0">
+              <a:solidFill>
+                <a:srgbClr val="000000"/>
+              </a:solidFill>
+              <a:latin typeface="Consolas"/>
+            </a:endParaRPr>
+          </a:p>
+          <a:p>
+            <a:pPr marL="0" indent="0">
+              <a:buNone/>
+            </a:pPr>
+            <a:r>
+              <a:rPr lang="en-US" sz="2400" dirty="0">
+                <a:solidFill>
+                  <a:srgbClr val="0000FF"/>
+                </a:solidFill>
+                <a:latin typeface="Consolas"/>
+              </a:rPr>
+              <a:t>&lt;/</a:t>
+            </a:r>
+            <a:r>
+              <a:rPr lang="en-US" sz="2400" dirty="0">
+                <a:solidFill>
+                  <a:srgbClr val="800000"/>
+                </a:solidFill>
+                <a:latin typeface="Consolas"/>
+              </a:rPr>
+              <a:t>book</a:t>
+            </a:r>
+            <a:r>
+              <a:rPr lang="en-US" sz="2400" dirty="0">
+                <a:solidFill>
+                  <a:srgbClr val="0000FF"/>
+                </a:solidFill>
+                <a:latin typeface="Consolas"/>
+              </a:rPr>
+              <a:t>&gt;</a:t>
+            </a:r>
+            <a:endParaRPr lang="en-US" sz="2400" dirty="0"/>
           </a:p>
         </p:txBody>
       </p:sp>
     </p:spTree>
     <p:extLst>
       <p:ext uri="{BB962C8B-B14F-4D97-AF65-F5344CB8AC3E}">
-        <p14:creationId xmlns:p14="http://schemas.microsoft.com/office/powerpoint/2010/main" val="3193560450"/>
+        <p14:creationId xmlns:p14="http://schemas.microsoft.com/office/powerpoint/2010/main" val="766526891"/>
       </p:ext>
     </p:extLst>
   </p:cSld>
   <p:clrMapOvr>
     <a:masterClrMapping/>
   </p:clrMapOvr>
-  <mc:AlternateContent xmlns:mc="http://schemas.openxmlformats.org/markup-compatibility/2006" xmlns:p14="http://schemas.microsoft.com/office/powerpoint/2010/main">
-    <mc:Choice Requires="p14">
-      <p:transition spd="slow" p14:dur="2000"/>
-    </mc:Choice>
-    <mc:Fallback xmlns="">
-      <p:transition spd="slow"/>
-    </mc:Fallback>
-  </mc:AlternateContent>
   <p:timing>
     <p:tnLst>
       <p:par>
@@ -6356,70 +6208,14 @@
         </p:nvSpPr>
         <p:spPr/>
         <p:txBody>
-          <a:bodyPr>
-            <a:normAutofit fontScale="90000"/>
-          </a:bodyPr>
+          <a:bodyPr/>
           <a:lstStyle/>
           <a:p>
             <a:r>
-              <a:rPr lang="en-US" dirty="0" smtClean="0"/>
-              <a:t>XSLT - E</a:t>
-            </a:r>
-            <a:r>
-              <a:rPr lang="en-US" dirty="0" smtClean="0">
-                <a:solidFill>
-                  <a:srgbClr val="FF0000"/>
-                </a:solidFill>
-              </a:rPr>
-              <a:t>x</a:t>
-            </a:r>
-            <a:r>
-              <a:rPr lang="en-US" dirty="0" smtClean="0"/>
-              <a:t>tensible </a:t>
-            </a:r>
-            <a:r>
-              <a:rPr lang="en-US" dirty="0" err="1">
-                <a:solidFill>
-                  <a:srgbClr val="FF0000"/>
-                </a:solidFill>
-              </a:rPr>
-              <a:t>S</a:t>
-            </a:r>
-            <a:r>
-              <a:rPr lang="en-US" dirty="0" err="1"/>
-              <a:t>tylesheet</a:t>
-            </a:r>
-            <a:r>
-              <a:rPr lang="en-US" dirty="0"/>
-              <a:t> </a:t>
-            </a:r>
-            <a:r>
-              <a:rPr lang="en-US" dirty="0">
-                <a:solidFill>
-                  <a:srgbClr val="FF0000"/>
-                </a:solidFill>
-              </a:rPr>
-              <a:t>L</a:t>
-            </a:r>
-            <a:r>
-              <a:rPr lang="en-US" dirty="0"/>
-              <a:t>anguage</a:t>
-            </a:r>
-            <a:br>
-              <a:rPr lang="en-US" dirty="0"/>
-            </a:br>
-            <a:r>
-              <a:rPr lang="en-US" dirty="0">
-                <a:solidFill>
-                  <a:srgbClr val="FF0000"/>
-                </a:solidFill>
-              </a:rPr>
-              <a:t>T</a:t>
-            </a:r>
-            <a:r>
-              <a:rPr lang="en-US" dirty="0"/>
-              <a:t>ransformations</a:t>
-            </a:r>
+              <a:rPr lang="ru-RU" dirty="0"/>
+              <a:t>Правила разметки</a:t>
+            </a:r>
+            <a:endParaRPr lang="en-US" dirty="0"/>
           </a:p>
         </p:txBody>
       </p:sp>
@@ -6435,51 +6231,164 @@
         </p:nvSpPr>
         <p:spPr/>
         <p:txBody>
-          <a:bodyPr/>
+          <a:bodyPr>
+            <a:normAutofit/>
+          </a:bodyPr>
           <a:lstStyle/>
           <a:p>
-            <a:r>
-              <a:rPr lang="ru-RU" dirty="0" smtClean="0"/>
-              <a:t>Позволяет производить трансформации одного документа в другой</a:t>
-            </a:r>
-            <a:r>
-              <a:rPr lang="en-US" dirty="0" smtClean="0"/>
-              <a:t>, </a:t>
-            </a:r>
-            <a:r>
-              <a:rPr lang="ru-RU" dirty="0"/>
-              <a:t>а </a:t>
-            </a:r>
-            <a:r>
-              <a:rPr lang="ru-RU" dirty="0" smtClean="0"/>
-              <a:t>также в другие форматы.</a:t>
-            </a:r>
-          </a:p>
-          <a:p>
-            <a:r>
-              <a:rPr lang="ru-RU" dirty="0" smtClean="0"/>
-              <a:t>Основан на </a:t>
-            </a:r>
-            <a:r>
-              <a:rPr lang="en-US" dirty="0" smtClean="0"/>
-              <a:t>XML</a:t>
-            </a:r>
-          </a:p>
-          <a:p>
-            <a:endParaRPr lang="en-US" dirty="0"/>
+            <a:pPr lvl="0"/>
+            <a:r>
+              <a:rPr lang="ru-RU" sz="1800" dirty="0"/>
+              <a:t>Все элементы должны быть закрыты</a:t>
+            </a:r>
+            <a:endParaRPr lang="en-US" sz="1800" dirty="0"/>
+          </a:p>
+          <a:p>
+            <a:pPr lvl="0"/>
+            <a:r>
+              <a:rPr lang="ru-RU" sz="1800" dirty="0"/>
+              <a:t>Корневой элемент может быть только один</a:t>
+            </a:r>
+            <a:endParaRPr lang="en-US" sz="1800" dirty="0"/>
+          </a:p>
+          <a:p>
+            <a:pPr lvl="0"/>
+            <a:r>
+              <a:rPr lang="ru-RU" sz="1800" dirty="0"/>
+              <a:t>Регистр имеет значение (&lt;</a:t>
+            </a:r>
+            <a:r>
+              <a:rPr lang="en-US" sz="1800" dirty="0"/>
+              <a:t>book</a:t>
+            </a:r>
+            <a:r>
+              <a:rPr lang="ru-RU" sz="1800" dirty="0"/>
+              <a:t>&gt; != &lt;</a:t>
+            </a:r>
+            <a:r>
+              <a:rPr lang="en-US" sz="1800" dirty="0"/>
+              <a:t>Book</a:t>
+            </a:r>
+            <a:r>
+              <a:rPr lang="ru-RU" sz="1800" dirty="0"/>
+              <a:t>&gt;)</a:t>
+            </a:r>
+            <a:endParaRPr lang="en-US" sz="1800" dirty="0"/>
+          </a:p>
+          <a:p>
+            <a:pPr lvl="0"/>
+            <a:r>
+              <a:rPr lang="ru-RU" sz="1800" dirty="0"/>
+              <a:t>Закрывать нужно в порядке обратном порядку открытия</a:t>
+            </a:r>
+            <a:endParaRPr lang="en-US" sz="1800" dirty="0"/>
+          </a:p>
+          <a:p>
+            <a:pPr lvl="0"/>
+            <a:r>
+              <a:rPr lang="ru-RU" sz="1800" dirty="0"/>
+              <a:t>Значения атрибутов должны быть заключены </a:t>
+            </a:r>
+            <a:r>
+              <a:rPr lang="ru-RU" sz="1800" dirty="0" smtClean="0"/>
+              <a:t>в </a:t>
+            </a:r>
+            <a:r>
+              <a:rPr lang="ru-RU" sz="1800" dirty="0"/>
+              <a:t>кавычки</a:t>
+            </a:r>
+            <a:endParaRPr lang="en-US" sz="1800" dirty="0"/>
+          </a:p>
+          <a:p>
+            <a:r>
+              <a:rPr lang="ru-RU" sz="1800" dirty="0"/>
+              <a:t>При необходимости должна быть указана </a:t>
+            </a:r>
+            <a:r>
+              <a:rPr lang="ru-RU" sz="1800" dirty="0" smtClean="0"/>
+              <a:t>кодировка</a:t>
+            </a:r>
+          </a:p>
+          <a:p>
+            <a:endParaRPr lang="ru-RU" sz="1800" dirty="0"/>
+          </a:p>
+          <a:p>
+            <a:pPr marL="0" indent="0">
+              <a:buNone/>
+            </a:pPr>
+            <a:r>
+              <a:rPr lang="ru-RU" sz="1800" dirty="0"/>
+              <a:t>Документ выполнящий все эти правила называется синтаксически </a:t>
+            </a:r>
+            <a:r>
+              <a:rPr lang="ru-RU" sz="1800" i="1" dirty="0"/>
+              <a:t>верным</a:t>
+            </a:r>
+            <a:r>
+              <a:rPr lang="ru-RU" sz="1800" dirty="0"/>
+              <a:t> (</a:t>
+            </a:r>
+            <a:r>
+              <a:rPr lang="ru-RU" sz="1800" i="1" dirty="0"/>
+              <a:t>well-formed</a:t>
+            </a:r>
+            <a:r>
+              <a:rPr lang="ru-RU" sz="1800" dirty="0"/>
+              <a:t>). Если документ дополнительно соответствует </a:t>
+            </a:r>
+            <a:r>
+              <a:rPr lang="en-US" sz="1800" dirty="0"/>
+              <a:t>DTD </a:t>
+            </a:r>
+            <a:r>
+              <a:rPr lang="ru-RU" sz="1800" dirty="0"/>
+              <a:t>или </a:t>
+            </a:r>
+            <a:r>
+              <a:rPr lang="en-US" sz="1800" dirty="0"/>
+              <a:t>XML Schema</a:t>
+            </a:r>
+            <a:r>
+              <a:rPr lang="ru-RU" sz="1800" dirty="0"/>
+              <a:t>, то он называется </a:t>
+            </a:r>
+            <a:r>
+              <a:rPr lang="ru-RU" sz="1800" i="1" dirty="0"/>
+              <a:t>правильным</a:t>
+            </a:r>
+            <a:r>
+              <a:rPr lang="ru-RU" sz="1800" dirty="0"/>
+              <a:t> (</a:t>
+            </a:r>
+            <a:r>
+              <a:rPr lang="ru-RU" sz="1800" i="1" dirty="0"/>
+              <a:t>valid</a:t>
+            </a:r>
+            <a:r>
+              <a:rPr lang="ru-RU" sz="1800" dirty="0"/>
+              <a:t>).</a:t>
+            </a:r>
+            <a:endParaRPr lang="en-US" sz="1800" dirty="0"/>
           </a:p>
         </p:txBody>
       </p:sp>
     </p:spTree>
     <p:extLst>
       <p:ext uri="{BB962C8B-B14F-4D97-AF65-F5344CB8AC3E}">
-        <p14:creationId xmlns:p14="http://schemas.microsoft.com/office/powerpoint/2010/main" val="103880850"/>
+        <p14:creationId xmlns:p14="http://schemas.microsoft.com/office/powerpoint/2010/main" val="748900971"/>
       </p:ext>
     </p:extLst>
   </p:cSld>
   <p:clrMapOvr>
     <a:masterClrMapping/>
   </p:clrMapOvr>
+  <p:timing>
+    <p:tnLst>
+      <p:par>
+        <p:cTn id="1" dur="indefinite" restart="never" nodeType="tmRoot"/>
+      </p:par>
+    </p:tnLst>
+  </p:timing>
 </p:sld>
 </file>
 
@@ -6645,6 +6554,373 @@
           <a:lstStyle/>
           <a:p>
             <a:r>
+              <a:rPr lang="ru-RU" dirty="0" smtClean="0"/>
+              <a:t>Описание структуры </a:t>
+            </a:r>
+            <a:r>
+              <a:rPr lang="en-US" dirty="0" smtClean="0"/>
+              <a:t>XML </a:t>
+            </a:r>
+            <a:r>
+              <a:rPr lang="ru-RU" dirty="0" smtClean="0"/>
+              <a:t>документа</a:t>
+            </a:r>
+            <a:endParaRPr lang="en-US" dirty="0"/>
+          </a:p>
+        </p:txBody>
+      </p:sp>
+      <p:sp>
+        <p:nvSpPr>
+          <p:cNvPr id="3" name="Content Placeholder 2"/>
+          <p:cNvSpPr>
+            <a:spLocks noGrp="1"/>
+          </p:cNvSpPr>
+          <p:nvPr>
+            <p:ph idx="1"/>
+          </p:nvPr>
+        </p:nvSpPr>
+        <p:spPr/>
+        <p:txBody>
+          <a:bodyPr>
+            <a:normAutofit lnSpcReduction="10000"/>
+          </a:bodyPr>
+          <a:lstStyle/>
+          <a:p>
+            <a:r>
+              <a:rPr lang="en-US" dirty="0"/>
+              <a:t>DTD – </a:t>
+            </a:r>
+            <a:r>
+              <a:rPr lang="en-US" dirty="0">
+                <a:solidFill>
+                  <a:srgbClr val="FF0000"/>
+                </a:solidFill>
+              </a:rPr>
+              <a:t>D</a:t>
+            </a:r>
+            <a:r>
+              <a:rPr lang="en-US" dirty="0"/>
+              <a:t>ocument </a:t>
+            </a:r>
+            <a:r>
+              <a:rPr lang="en-US" dirty="0">
+                <a:solidFill>
+                  <a:srgbClr val="FF0000"/>
+                </a:solidFill>
+              </a:rPr>
+              <a:t>T</a:t>
+            </a:r>
+            <a:r>
+              <a:rPr lang="en-US" dirty="0"/>
+              <a:t>ype </a:t>
+            </a:r>
+            <a:r>
+              <a:rPr lang="en-US" dirty="0" smtClean="0">
+                <a:solidFill>
+                  <a:srgbClr val="FF0000"/>
+                </a:solidFill>
+              </a:rPr>
+              <a:t>D</a:t>
+            </a:r>
+            <a:r>
+              <a:rPr lang="en-US" dirty="0" smtClean="0"/>
+              <a:t>efinition</a:t>
+            </a:r>
+            <a:endParaRPr lang="ru-RU" dirty="0" smtClean="0"/>
+          </a:p>
+          <a:p>
+            <a:pPr lvl="1"/>
+            <a:r>
+              <a:rPr lang="ru-RU" dirty="0" smtClean="0"/>
+              <a:t>Устаревшая</a:t>
+            </a:r>
+          </a:p>
+          <a:p>
+            <a:pPr lvl="1"/>
+            <a:r>
+              <a:rPr lang="ru-RU" dirty="0" smtClean="0"/>
+              <a:t>Требует изучения нового синтаксиса</a:t>
+            </a:r>
+          </a:p>
+          <a:p>
+            <a:r>
+              <a:rPr lang="en-US" dirty="0"/>
+              <a:t>XML </a:t>
+            </a:r>
+            <a:r>
+              <a:rPr lang="en-US" dirty="0" smtClean="0"/>
+              <a:t>Schema</a:t>
+            </a:r>
+            <a:r>
+              <a:rPr lang="ru-RU" dirty="0" smtClean="0"/>
+              <a:t> (</a:t>
+            </a:r>
+            <a:r>
+              <a:rPr lang="en-US" dirty="0" smtClean="0"/>
+              <a:t>XSD)</a:t>
+            </a:r>
+          </a:p>
+          <a:p>
+            <a:pPr lvl="1"/>
+            <a:r>
+              <a:rPr lang="ru-RU" dirty="0" smtClean="0"/>
+              <a:t>Использует синтаксис </a:t>
+            </a:r>
+            <a:r>
+              <a:rPr lang="en-US" dirty="0" smtClean="0"/>
+              <a:t>XML</a:t>
+            </a:r>
+          </a:p>
+          <a:p>
+            <a:pPr lvl="1"/>
+            <a:r>
+              <a:rPr lang="en-US" dirty="0">
+                <a:hlinkClick r:id="rId2"/>
+              </a:rPr>
+              <a:t>W3C XML Schema Definition Language (XSD) 1.1 Part 1: Structures</a:t>
+            </a:r>
+            <a:endParaRPr lang="en-US" dirty="0"/>
+          </a:p>
+          <a:p>
+            <a:pPr lvl="1"/>
+            <a:r>
+              <a:rPr lang="en-US" dirty="0">
+                <a:hlinkClick r:id="rId3"/>
+              </a:rPr>
+              <a:t>W3C XML Schema Definition Language (XSD) 1.1 Part 2: </a:t>
+            </a:r>
+            <a:r>
+              <a:rPr lang="en-US" dirty="0" err="1">
+                <a:hlinkClick r:id="rId3"/>
+              </a:rPr>
+              <a:t>Datatypes</a:t>
+            </a:r>
+            <a:endParaRPr lang="en-US" dirty="0"/>
+          </a:p>
+          <a:p>
+            <a:endParaRPr lang="en-US" dirty="0" smtClean="0"/>
+          </a:p>
+        </p:txBody>
+      </p:sp>
+    </p:spTree>
+    <p:extLst>
+      <p:ext uri="{BB962C8B-B14F-4D97-AF65-F5344CB8AC3E}">
+        <p14:creationId xmlns:p14="http://schemas.microsoft.com/office/powerpoint/2010/main" val="3193560450"/>
+      </p:ext>
+    </p:extLst>
+  </p:cSld>
+  <p:clrMapOvr>
+    <a:masterClrMapping/>
+  </p:clrMapOvr>
+  <mc:AlternateContent xmlns:mc="http://schemas.openxmlformats.org/markup-compatibility/2006" xmlns:p14="http://schemas.microsoft.com/office/powerpoint/2010/main">
+    <mc:Choice Requires="p14">
+      <p:transition spd="slow" p14:dur="2000"/>
+    </mc:Choice>
+    <mc:Fallback xmlns="">
+      <p:transition spd="slow"/>
+    </mc:Fallback>
+  </mc:AlternateContent>
+  <p:timing>
+    <p:tnLst>
+      <p:par>
+        <p:cTn id="1" dur="indefinite" restart="never" nodeType="tmRoot"/>
+      </p:par>
+    </p:tnLst>
+  </p:timing>
+</p:sld>
+</file>
+
+<file path=ppt/slides/slide21.xml><?xml version="1.0" encoding="utf-8"?>
+<p:sld xmlns:a="http://schemas.openxmlformats.org/drawingml/2006/main" xmlns:r="http://schemas.openxmlformats.org/officeDocument/2006/relationships" xmlns:p="http://schemas.openxmlformats.org/presentationml/2006/main">
+  <p:cSld>
+    <p:spTree>
+      <p:nvGrpSpPr>
+        <p:cNvPr id="1" name=""/>
+        <p:cNvGrpSpPr/>
+        <p:nvPr/>
+      </p:nvGrpSpPr>
+      <p:grpSpPr>
+        <a:xfrm>
+          <a:off x="0" y="0"/>
+          <a:ext cx="0" cy="0"/>
+          <a:chOff x="0" y="0"/>
+          <a:chExt cx="0" cy="0"/>
+        </a:xfrm>
+      </p:grpSpPr>
+      <p:sp>
+        <p:nvSpPr>
+          <p:cNvPr id="2" name="Title 1"/>
+          <p:cNvSpPr>
+            <a:spLocks noGrp="1"/>
+          </p:cNvSpPr>
+          <p:nvPr>
+            <p:ph type="title"/>
+          </p:nvPr>
+        </p:nvSpPr>
+        <p:spPr/>
+        <p:txBody>
+          <a:bodyPr>
+            <a:normAutofit fontScale="90000"/>
+          </a:bodyPr>
+          <a:lstStyle/>
+          <a:p>
+            <a:r>
+              <a:rPr lang="en-US" dirty="0" smtClean="0"/>
+              <a:t>XSLT - E</a:t>
+            </a:r>
+            <a:r>
+              <a:rPr lang="en-US" dirty="0" smtClean="0">
+                <a:solidFill>
+                  <a:srgbClr val="FF0000"/>
+                </a:solidFill>
+              </a:rPr>
+              <a:t>x</a:t>
+            </a:r>
+            <a:r>
+              <a:rPr lang="en-US" dirty="0" smtClean="0"/>
+              <a:t>tensible </a:t>
+            </a:r>
+            <a:r>
+              <a:rPr lang="en-US" dirty="0" err="1">
+                <a:solidFill>
+                  <a:srgbClr val="FF0000"/>
+                </a:solidFill>
+              </a:rPr>
+              <a:t>S</a:t>
+            </a:r>
+            <a:r>
+              <a:rPr lang="en-US" dirty="0" err="1"/>
+              <a:t>tylesheet</a:t>
+            </a:r>
+            <a:r>
+              <a:rPr lang="en-US" dirty="0"/>
+              <a:t> </a:t>
+            </a:r>
+            <a:r>
+              <a:rPr lang="en-US" dirty="0">
+                <a:solidFill>
+                  <a:srgbClr val="FF0000"/>
+                </a:solidFill>
+              </a:rPr>
+              <a:t>L</a:t>
+            </a:r>
+            <a:r>
+              <a:rPr lang="en-US" dirty="0"/>
+              <a:t>anguage</a:t>
+            </a:r>
+            <a:br>
+              <a:rPr lang="en-US" dirty="0"/>
+            </a:br>
+            <a:r>
+              <a:rPr lang="en-US" dirty="0">
+                <a:solidFill>
+                  <a:srgbClr val="FF0000"/>
+                </a:solidFill>
+              </a:rPr>
+              <a:t>T</a:t>
+            </a:r>
+            <a:r>
+              <a:rPr lang="en-US" dirty="0"/>
+              <a:t>ransformations</a:t>
+            </a:r>
+          </a:p>
+        </p:txBody>
+      </p:sp>
+      <p:sp>
+        <p:nvSpPr>
+          <p:cNvPr id="3" name="Content Placeholder 2"/>
+          <p:cNvSpPr>
+            <a:spLocks noGrp="1"/>
+          </p:cNvSpPr>
+          <p:nvPr>
+            <p:ph idx="1"/>
+          </p:nvPr>
+        </p:nvSpPr>
+        <p:spPr/>
+        <p:txBody>
+          <a:bodyPr/>
+          <a:lstStyle/>
+          <a:p>
+            <a:r>
+              <a:rPr lang="ru-RU" dirty="0" smtClean="0"/>
+              <a:t>Позволяет производить трансформации одного документа в другой</a:t>
+            </a:r>
+            <a:r>
+              <a:rPr lang="en-US" dirty="0" smtClean="0"/>
+              <a:t>, </a:t>
+            </a:r>
+            <a:r>
+              <a:rPr lang="ru-RU" dirty="0"/>
+              <a:t>а </a:t>
+            </a:r>
+            <a:r>
+              <a:rPr lang="ru-RU" dirty="0" smtClean="0"/>
+              <a:t>также в другие форматы.</a:t>
+            </a:r>
+          </a:p>
+          <a:p>
+            <a:r>
+              <a:rPr lang="ru-RU" dirty="0" smtClean="0"/>
+              <a:t>Основан на </a:t>
+            </a:r>
+            <a:r>
+              <a:rPr lang="en-US" dirty="0" smtClean="0"/>
+              <a:t>XML</a:t>
+            </a:r>
+          </a:p>
+          <a:p>
+            <a:endParaRPr lang="en-US" dirty="0"/>
+          </a:p>
+        </p:txBody>
+      </p:sp>
+    </p:spTree>
+    <p:extLst>
+      <p:ext uri="{BB962C8B-B14F-4D97-AF65-F5344CB8AC3E}">
+        <p14:creationId xmlns:p14="http://schemas.microsoft.com/office/powerpoint/2010/main" val="103880850"/>
+      </p:ext>
+    </p:extLst>
+  </p:cSld>
+  <p:clrMapOvr>
+    <a:masterClrMapping/>
+  </p:clrMapOvr>
+</p:sld>
+</file>
+
+<file path=ppt/slides/slide22.xml><?xml version="1.0" encoding="utf-8"?>
+<p:sld xmlns:a="http://schemas.openxmlformats.org/drawingml/2006/main" xmlns:r="http://schemas.openxmlformats.org/officeDocument/2006/relationships" xmlns:p="http://schemas.openxmlformats.org/presentationml/2006/main">
+  <p:cSld>
+    <p:spTree>
+      <p:nvGrpSpPr>
+        <p:cNvPr id="1" name=""/>
+        <p:cNvGrpSpPr/>
+        <p:nvPr/>
+      </p:nvGrpSpPr>
+      <p:grpSpPr>
+        <a:xfrm>
+          <a:off x="0" y="0"/>
+          <a:ext cx="0" cy="0"/>
+          <a:chOff x="0" y="0"/>
+          <a:chExt cx="0" cy="0"/>
+        </a:xfrm>
+      </p:grpSpPr>
+      <p:sp>
+        <p:nvSpPr>
+          <p:cNvPr id="2" name="Title 1"/>
+          <p:cNvSpPr>
+            <a:spLocks noGrp="1"/>
+          </p:cNvSpPr>
+          <p:nvPr>
+            <p:ph type="title"/>
+          </p:nvPr>
+        </p:nvSpPr>
+        <p:spPr/>
+        <p:txBody>
+          <a:bodyPr>
+            <a:normAutofit fontScale="90000"/>
+          </a:bodyPr>
+          <a:lstStyle/>
+          <a:p>
+            <a:r>
               <a:rPr lang="en-US" dirty="0" err="1" smtClean="0"/>
               <a:t>XPath</a:t>
             </a:r>
@@ -6776,7 +7052,7 @@
 </p:sld>
 </file>
 
-<file path=ppt/slides/slide21.xml><?xml version="1.0" encoding="utf-8"?>
+<file path=ppt/slides/slide23.xml><?xml version="1.0" encoding="utf-8"?>
 <p:sld xmlns:a="http://schemas.openxmlformats.org/drawingml/2006/main" xmlns:r="http://schemas.openxmlformats.org/officeDocument/2006/relationships" xmlns:p="http://schemas.openxmlformats.org/presentationml/2006/main">
   <p:cSld>
     <p:spTree>
@@ -8370,7 +8646,7 @@
 </p:sld>
 </file>
 
-<file path=ppt/slides/slide22.xml><?xml version="1.0" encoding="utf-8"?>
+<file path=ppt/slides/slide24.xml><?xml version="1.0" encoding="utf-8"?>
 <p:sld xmlns:a="http://schemas.openxmlformats.org/drawingml/2006/main" xmlns:r="http://schemas.openxmlformats.org/officeDocument/2006/relationships" xmlns:p="http://schemas.openxmlformats.org/presentationml/2006/main">
   <p:cSld>
     <p:spTree>
@@ -8642,7 +8918,7 @@
 </p:sld>
 </file>
 
-<file path=ppt/slides/slide23.xml><?xml version="1.0" encoding="utf-8"?>
+<file path=ppt/slides/slide25.xml><?xml version="1.0" encoding="utf-8"?>
 <p:sld xmlns:a="http://schemas.openxmlformats.org/drawingml/2006/main" xmlns:r="http://schemas.openxmlformats.org/officeDocument/2006/relationships" xmlns:p="http://schemas.openxmlformats.org/presentationml/2006/main">
   <p:cSld>
     <p:spTree>
@@ -9489,7 +9765,7 @@
 </p:sld>
 </file>
 
-<file path=ppt/slides/slide24.xml><?xml version="1.0" encoding="utf-8"?>
+<file path=ppt/slides/slide26.xml><?xml version="1.0" encoding="utf-8"?>
 <p:sld xmlns:a="http://schemas.openxmlformats.org/drawingml/2006/main" xmlns:r="http://schemas.openxmlformats.org/officeDocument/2006/relationships" xmlns:p="http://schemas.openxmlformats.org/presentationml/2006/main">
   <p:cSld>
     <p:spTree>
@@ -9659,7 +9935,7 @@
 </p:sld>
 </file>
 
-<file path=ppt/slides/slide25.xml><?xml version="1.0" encoding="utf-8"?>
+<file path=ppt/slides/slide27.xml><?xml version="1.0" encoding="utf-8"?>
 <p:sld xmlns:a="http://schemas.openxmlformats.org/drawingml/2006/main" xmlns:r="http://schemas.openxmlformats.org/officeDocument/2006/relationships" xmlns:p="http://schemas.openxmlformats.org/presentationml/2006/main">
   <p:cSld>
     <p:spTree>
@@ -10575,7 +10851,7 @@
 </p:sld>
 </file>
 
-<file path=ppt/slides/slide26.xml><?xml version="1.0" encoding="utf-8"?>
+<file path=ppt/slides/slide28.xml><?xml version="1.0" encoding="utf-8"?>
 <p:sld xmlns:a="http://schemas.openxmlformats.org/drawingml/2006/main" xmlns:r="http://schemas.openxmlformats.org/officeDocument/2006/relationships" xmlns:p="http://schemas.openxmlformats.org/presentationml/2006/main">
   <p:cSld>
     <p:spTree>
@@ -10747,204 +11023,6 @@
 </p:sld>
 </file>
 
-<file path=ppt/slides/slide27.xml><?xml version="1.0" encoding="utf-8"?>
-<p:sld xmlns:a="http://schemas.openxmlformats.org/drawingml/2006/main" xmlns:r="http://schemas.openxmlformats.org/officeDocument/2006/relationships" xmlns:p="http://schemas.openxmlformats.org/presentationml/2006/main">
-  <p:cSld>
-    <p:spTree>
-      <p:nvGrpSpPr>
-        <p:cNvPr id="1" name=""/>
-        <p:cNvGrpSpPr/>
-        <p:nvPr/>
-      </p:nvGrpSpPr>
-      <p:grpSpPr>
-        <a:xfrm>
-          <a:off x="0" y="0"/>
-          <a:ext cx="0" cy="0"/>
-          <a:chOff x="0" y="0"/>
-          <a:chExt cx="0" cy="0"/>
-        </a:xfrm>
-      </p:grpSpPr>
-      <p:sp>
-        <p:nvSpPr>
-          <p:cNvPr id="2" name="Title 1"/>
-          <p:cNvSpPr>
-            <a:spLocks noGrp="1"/>
-          </p:cNvSpPr>
-          <p:nvPr>
-            <p:ph type="title"/>
-          </p:nvPr>
-        </p:nvSpPr>
-        <p:spPr/>
-        <p:txBody>
-          <a:bodyPr/>
-          <a:lstStyle/>
-          <a:p>
-            <a:r>
-              <a:rPr lang="en-US" dirty="0" smtClean="0"/>
-              <a:t>XML </a:t>
-            </a:r>
-            <a:r>
-              <a:rPr lang="ru-RU" dirty="0" smtClean="0"/>
-              <a:t>комментарии</a:t>
-            </a:r>
-            <a:r>
-              <a:rPr lang="en-US" dirty="0" smtClean="0"/>
-              <a:t>: Sandcastle</a:t>
-            </a:r>
-            <a:endParaRPr lang="ru-RU" dirty="0"/>
-          </a:p>
-        </p:txBody>
-      </p:sp>
-      <p:sp>
-        <p:nvSpPr>
-          <p:cNvPr id="3" name="Content Placeholder 2"/>
-          <p:cNvSpPr>
-            <a:spLocks noGrp="1"/>
-          </p:cNvSpPr>
-          <p:nvPr>
-            <p:ph idx="1"/>
-          </p:nvPr>
-        </p:nvSpPr>
-        <p:spPr/>
-        <p:txBody>
-          <a:bodyPr>
-            <a:normAutofit/>
-          </a:bodyPr>
-          <a:lstStyle/>
-          <a:p>
-            <a:pPr marL="0" indent="0">
-              <a:buNone/>
-            </a:pPr>
-            <a:r>
-              <a:rPr lang="ru-RU" dirty="0" smtClean="0"/>
-              <a:t>Полученный </a:t>
-            </a:r>
-            <a:r>
-              <a:rPr lang="en-US" dirty="0" smtClean="0"/>
-              <a:t>XML </a:t>
-            </a:r>
-            <a:r>
-              <a:rPr lang="ru-RU" dirty="0" smtClean="0"/>
-              <a:t>файл неудобен для чтения человеком. Однако его можно обработать с помощью программы </a:t>
-            </a:r>
-            <a:r>
-              <a:rPr lang="en-US" dirty="0" smtClean="0"/>
-              <a:t>Sandcastle</a:t>
-            </a:r>
-            <a:r>
-              <a:rPr lang="en-US" dirty="0"/>
-              <a:t> </a:t>
-            </a:r>
-            <a:r>
-              <a:rPr lang="en-US" dirty="0" smtClean="0"/>
-              <a:t>(</a:t>
-            </a:r>
-            <a:r>
-              <a:rPr lang="en-US" dirty="0" smtClean="0">
-                <a:hlinkClick r:id="rId2"/>
-              </a:rPr>
-              <a:t>shfb.codeplex.com</a:t>
-            </a:r>
-            <a:r>
-              <a:rPr lang="en-US" dirty="0" smtClean="0"/>
-              <a:t>) </a:t>
-            </a:r>
-            <a:r>
-              <a:rPr lang="ru-RU" dirty="0" smtClean="0"/>
-              <a:t>и получить файл(ы) справки.</a:t>
-            </a:r>
-            <a:endParaRPr lang="en-US" dirty="0" smtClean="0"/>
-          </a:p>
-        </p:txBody>
-      </p:sp>
-    </p:spTree>
-    <p:extLst>
-      <p:ext uri="{BB962C8B-B14F-4D97-AF65-F5344CB8AC3E}">
-        <p14:creationId xmlns:p14="http://schemas.microsoft.com/office/powerpoint/2010/main" val="2734608499"/>
-      </p:ext>
-    </p:extLst>
-  </p:cSld>
-  <p:clrMapOvr>
-    <a:masterClrMapping/>
-  </p:clrMapOvr>
-  <p:timing>
-    <p:tnLst>
-      <p:par>
-        <p:cTn id="1" dur="indefinite" restart="never" nodeType="tmRoot"/>
-      </p:par>
-    </p:tnLst>
-  </p:timing>
-</p:sld>
-</file>
-
-<file path=ppt/slides/slide28.xml><?xml version="1.0" encoding="utf-8"?>
-<p:sld xmlns:a="http://schemas.openxmlformats.org/drawingml/2006/main" xmlns:r="http://schemas.openxmlformats.org/officeDocument/2006/relationships" xmlns:p="http://schemas.openxmlformats.org/presentationml/2006/main">
-  <p:cSld>
-    <p:spTree>
-      <p:nvGrpSpPr>
-        <p:cNvPr id="1" name=""/>
-        <p:cNvGrpSpPr/>
-        <p:nvPr/>
-      </p:nvGrpSpPr>
-      <p:grpSpPr>
-        <a:xfrm>
-          <a:off x="0" y="0"/>
-          <a:ext cx="0" cy="0"/>
-          <a:chOff x="0" y="0"/>
-          <a:chExt cx="0" cy="0"/>
-        </a:xfrm>
-      </p:grpSpPr>
-      <p:sp>
-        <p:nvSpPr>
-          <p:cNvPr id="2" name="Title 1"/>
-          <p:cNvSpPr>
-            <a:spLocks noGrp="1"/>
-          </p:cNvSpPr>
-          <p:nvPr>
-            <p:ph type="title"/>
-          </p:nvPr>
-        </p:nvSpPr>
-        <p:spPr>
-          <a:xfrm>
-            <a:off x="457200" y="2857500"/>
-            <a:ext cx="8229600" cy="1143000"/>
-          </a:xfrm>
-        </p:spPr>
-        <p:txBody>
-          <a:bodyPr>
-            <a:normAutofit/>
-          </a:bodyPr>
-          <a:lstStyle/>
-          <a:p>
-            <a:r>
-              <a:rPr lang="ru-RU" dirty="0" smtClean="0"/>
-              <a:t>Чтение </a:t>
-            </a:r>
-            <a:r>
-              <a:rPr lang="en-US" dirty="0" smtClean="0"/>
-              <a:t>XML. </a:t>
-            </a:r>
-            <a:r>
-              <a:rPr lang="ru-RU" dirty="0" smtClean="0"/>
-              <a:t>Демонстрация.</a:t>
-            </a:r>
-            <a:endParaRPr lang="ru-RU" dirty="0"/>
-          </a:p>
-        </p:txBody>
-      </p:sp>
-    </p:spTree>
-    <p:extLst>
-      <p:ext uri="{BB962C8B-B14F-4D97-AF65-F5344CB8AC3E}">
-        <p14:creationId xmlns:p14="http://schemas.microsoft.com/office/powerpoint/2010/main" val="607863742"/>
-      </p:ext>
-    </p:extLst>
-  </p:cSld>
-  <p:clrMapOvr>
-    <a:masterClrMapping/>
-  </p:clrMapOvr>
-</p:sld>
-</file>
-
 <file path=ppt/slides/slide29.xml><?xml version="1.0" encoding="utf-8"?>
 <p:sld xmlns:a="http://schemas.openxmlformats.org/drawingml/2006/main" xmlns:r="http://schemas.openxmlformats.org/officeDocument/2006/relationships" xmlns:p="http://schemas.openxmlformats.org/presentationml/2006/main">
   <p:cSld>
@@ -10983,15 +11061,11 @@
             </a:r>
             <a:r>
               <a:rPr lang="ru-RU" dirty="0" smtClean="0"/>
-              <a:t>сериализация (</a:t>
+              <a:t>комментарии</a:t>
             </a:r>
             <a:r>
               <a:rPr lang="en-US" dirty="0" smtClean="0"/>
-              <a:t>serialization</a:t>
-            </a:r>
-            <a:r>
-              <a:rPr lang="ru-RU" dirty="0" smtClean="0"/>
-              <a:t>)</a:t>
+              <a:t>: Sandcastle</a:t>
             </a:r>
             <a:endParaRPr lang="ru-RU" dirty="0"/>
           </a:p>
@@ -11010,78 +11084,72 @@
         <p:spPr/>
         <p:txBody>
           <a:bodyPr>
-            <a:normAutofit lnSpcReduction="10000"/>
+            <a:normAutofit/>
           </a:bodyPr>
           <a:lstStyle/>
           <a:p>
-            <a:r>
-              <a:rPr lang="ru-RU" dirty="0"/>
-              <a:t>Сериализация – сохранение данных об объекте </a:t>
-            </a:r>
+            <a:pPr marL="0" indent="0">
+              <a:buNone/>
+            </a:pPr>
             <a:r>
               <a:rPr lang="ru-RU" dirty="0" smtClean="0"/>
-              <a:t>в поток</a:t>
-            </a:r>
-            <a:endParaRPr lang="ru-RU" dirty="0"/>
-          </a:p>
-          <a:p>
+              <a:t>Полученный </a:t>
+            </a:r>
+            <a:r>
+              <a:rPr lang="en-US" dirty="0" smtClean="0"/>
+              <a:t>XML </a:t>
+            </a:r>
             <a:r>
               <a:rPr lang="ru-RU" dirty="0" smtClean="0"/>
-              <a:t>Десериализация</a:t>
+              <a:t>файл неудобен для чтения человеком. Однако его можно обработать с помощью программы </a:t>
             </a:r>
             <a:r>
               <a:rPr lang="en-US" dirty="0" smtClean="0"/>
+              <a:t>Sandcastle</a:t>
+            </a:r>
+            <a:r>
+              <a:rPr lang="en-US" dirty="0"/>
               <a:t> </a:t>
             </a:r>
             <a:r>
+              <a:rPr lang="en-US" dirty="0" smtClean="0"/>
+              <a:t>(</a:t>
+            </a:r>
+            <a:r>
+              <a:rPr lang="en-US" dirty="0" smtClean="0">
+                <a:hlinkClick r:id="rId2"/>
+              </a:rPr>
+              <a:t>shfb.codeplex.com</a:t>
+            </a:r>
+            <a:r>
+              <a:rPr lang="en-US" dirty="0" smtClean="0"/>
+              <a:t>) </a:t>
+            </a:r>
+            <a:r>
               <a:rPr lang="ru-RU" dirty="0" smtClean="0"/>
-              <a:t>– </a:t>
-            </a:r>
-            <a:r>
-              <a:rPr lang="ru-RU" dirty="0"/>
-              <a:t>обратный процесс восстановления </a:t>
-            </a:r>
-            <a:r>
-              <a:rPr lang="ru-RU" dirty="0" smtClean="0"/>
-              <a:t>объекта</a:t>
-            </a:r>
-          </a:p>
-          <a:p>
+              <a:t>и получить файл(ы) справки.</a:t>
+            </a:r>
             <a:endParaRPr lang="en-US" dirty="0" smtClean="0"/>
-          </a:p>
-          <a:p>
-            <a:r>
-              <a:rPr lang="ru-RU" dirty="0" smtClean="0"/>
-              <a:t>Примеры использования:</a:t>
-            </a:r>
-          </a:p>
-          <a:p>
-            <a:pPr lvl="1"/>
-            <a:r>
-              <a:rPr lang="ru-RU" dirty="0" smtClean="0"/>
-              <a:t>Передача объекта между разными программи/машинами.</a:t>
-            </a:r>
-          </a:p>
-          <a:p>
-            <a:pPr lvl="1"/>
-            <a:r>
-              <a:rPr lang="ru-RU" dirty="0" smtClean="0"/>
-              <a:t>Файлы конфигурации</a:t>
-            </a:r>
-            <a:endParaRPr lang="ru-RU" dirty="0"/>
           </a:p>
         </p:txBody>
       </p:sp>
     </p:spTree>
     <p:extLst>
       <p:ext uri="{BB962C8B-B14F-4D97-AF65-F5344CB8AC3E}">
-        <p14:creationId xmlns:p14="http://schemas.microsoft.com/office/powerpoint/2010/main" val="4243754449"/>
+        <p14:creationId xmlns:p14="http://schemas.microsoft.com/office/powerpoint/2010/main" val="2734608499"/>
       </p:ext>
     </p:extLst>
   </p:cSld>
   <p:clrMapOvr>
     <a:masterClrMapping/>
   </p:clrMapOvr>
+  <p:timing>
+    <p:tnLst>
+      <p:par>
+        <p:cTn id="1" dur="indefinite" restart="never" nodeType="tmRoot"/>
+      </p:par>
+    </p:tnLst>
+  </p:timing>
 </p:sld>
 </file>
 
@@ -11292,6 +11360,214 @@
         </p:nvSpPr>
         <p:spPr>
           <a:xfrm>
+            <a:off x="457200" y="2857500"/>
+            <a:ext cx="8229600" cy="1143000"/>
+          </a:xfrm>
+        </p:spPr>
+        <p:txBody>
+          <a:bodyPr>
+            <a:normAutofit/>
+          </a:bodyPr>
+          <a:lstStyle/>
+          <a:p>
+            <a:r>
+              <a:rPr lang="ru-RU" dirty="0" smtClean="0"/>
+              <a:t>Чтение </a:t>
+            </a:r>
+            <a:r>
+              <a:rPr lang="en-US" dirty="0" smtClean="0"/>
+              <a:t>XML. </a:t>
+            </a:r>
+            <a:r>
+              <a:rPr lang="ru-RU" dirty="0" smtClean="0"/>
+              <a:t>Демонстрация.</a:t>
+            </a:r>
+            <a:endParaRPr lang="ru-RU" dirty="0"/>
+          </a:p>
+        </p:txBody>
+      </p:sp>
+    </p:spTree>
+    <p:extLst>
+      <p:ext uri="{BB962C8B-B14F-4D97-AF65-F5344CB8AC3E}">
+        <p14:creationId xmlns:p14="http://schemas.microsoft.com/office/powerpoint/2010/main" val="607863742"/>
+      </p:ext>
+    </p:extLst>
+  </p:cSld>
+  <p:clrMapOvr>
+    <a:masterClrMapping/>
+  </p:clrMapOvr>
+</p:sld>
+</file>
+
+<file path=ppt/slides/slide31.xml><?xml version="1.0" encoding="utf-8"?>
+<p:sld xmlns:a="http://schemas.openxmlformats.org/drawingml/2006/main" xmlns:r="http://schemas.openxmlformats.org/officeDocument/2006/relationships" xmlns:p="http://schemas.openxmlformats.org/presentationml/2006/main">
+  <p:cSld>
+    <p:spTree>
+      <p:nvGrpSpPr>
+        <p:cNvPr id="1" name=""/>
+        <p:cNvGrpSpPr/>
+        <p:nvPr/>
+      </p:nvGrpSpPr>
+      <p:grpSpPr>
+        <a:xfrm>
+          <a:off x="0" y="0"/>
+          <a:ext cx="0" cy="0"/>
+          <a:chOff x="0" y="0"/>
+          <a:chExt cx="0" cy="0"/>
+        </a:xfrm>
+      </p:grpSpPr>
+      <p:sp>
+        <p:nvSpPr>
+          <p:cNvPr id="2" name="Title 1"/>
+          <p:cNvSpPr>
+            <a:spLocks noGrp="1"/>
+          </p:cNvSpPr>
+          <p:nvPr>
+            <p:ph type="title"/>
+          </p:nvPr>
+        </p:nvSpPr>
+        <p:spPr/>
+        <p:txBody>
+          <a:bodyPr/>
+          <a:lstStyle/>
+          <a:p>
+            <a:r>
+              <a:rPr lang="en-US" dirty="0" smtClean="0"/>
+              <a:t>XML </a:t>
+            </a:r>
+            <a:r>
+              <a:rPr lang="ru-RU" dirty="0" smtClean="0"/>
+              <a:t>сериализация (</a:t>
+            </a:r>
+            <a:r>
+              <a:rPr lang="en-US" dirty="0" smtClean="0"/>
+              <a:t>serialization</a:t>
+            </a:r>
+            <a:r>
+              <a:rPr lang="ru-RU" dirty="0" smtClean="0"/>
+              <a:t>)</a:t>
+            </a:r>
+            <a:endParaRPr lang="ru-RU" dirty="0"/>
+          </a:p>
+        </p:txBody>
+      </p:sp>
+      <p:sp>
+        <p:nvSpPr>
+          <p:cNvPr id="3" name="Content Placeholder 2"/>
+          <p:cNvSpPr>
+            <a:spLocks noGrp="1"/>
+          </p:cNvSpPr>
+          <p:nvPr>
+            <p:ph idx="1"/>
+          </p:nvPr>
+        </p:nvSpPr>
+        <p:spPr/>
+        <p:txBody>
+          <a:bodyPr>
+            <a:normAutofit lnSpcReduction="10000"/>
+          </a:bodyPr>
+          <a:lstStyle/>
+          <a:p>
+            <a:r>
+              <a:rPr lang="ru-RU" dirty="0"/>
+              <a:t>Сериализация – сохранение данных об объекте </a:t>
+            </a:r>
+            <a:r>
+              <a:rPr lang="ru-RU" dirty="0" smtClean="0"/>
+              <a:t>в поток</a:t>
+            </a:r>
+            <a:endParaRPr lang="ru-RU" dirty="0"/>
+          </a:p>
+          <a:p>
+            <a:r>
+              <a:rPr lang="ru-RU" dirty="0" smtClean="0"/>
+              <a:t>Десериализация</a:t>
+            </a:r>
+            <a:r>
+              <a:rPr lang="en-US" dirty="0" smtClean="0"/>
+              <a:t> </a:t>
+            </a:r>
+            <a:r>
+              <a:rPr lang="ru-RU" dirty="0" smtClean="0"/>
+              <a:t>– </a:t>
+            </a:r>
+            <a:r>
+              <a:rPr lang="ru-RU" dirty="0"/>
+              <a:t>обратный процесс восстановления </a:t>
+            </a:r>
+            <a:r>
+              <a:rPr lang="ru-RU" dirty="0" smtClean="0"/>
+              <a:t>объекта</a:t>
+            </a:r>
+          </a:p>
+          <a:p>
+            <a:endParaRPr lang="en-US" dirty="0" smtClean="0"/>
+          </a:p>
+          <a:p>
+            <a:r>
+              <a:rPr lang="ru-RU" dirty="0" smtClean="0"/>
+              <a:t>Примеры использования:</a:t>
+            </a:r>
+          </a:p>
+          <a:p>
+            <a:pPr lvl="1"/>
+            <a:r>
+              <a:rPr lang="ru-RU" dirty="0" smtClean="0"/>
+              <a:t>Передача объекта между разными программи/машинами.</a:t>
+            </a:r>
+          </a:p>
+          <a:p>
+            <a:pPr lvl="1"/>
+            <a:r>
+              <a:rPr lang="ru-RU" dirty="0" smtClean="0"/>
+              <a:t>Файлы конфигурации</a:t>
+            </a:r>
+            <a:endParaRPr lang="ru-RU" dirty="0"/>
+          </a:p>
+        </p:txBody>
+      </p:sp>
+    </p:spTree>
+    <p:extLst>
+      <p:ext uri="{BB962C8B-B14F-4D97-AF65-F5344CB8AC3E}">
+        <p14:creationId xmlns:p14="http://schemas.microsoft.com/office/powerpoint/2010/main" val="4243754449"/>
+      </p:ext>
+    </p:extLst>
+  </p:cSld>
+  <p:clrMapOvr>
+    <a:masterClrMapping/>
+  </p:clrMapOvr>
+</p:sld>
+</file>
+
+<file path=ppt/slides/slide32.xml><?xml version="1.0" encoding="utf-8"?>
+<p:sld xmlns:a="http://schemas.openxmlformats.org/drawingml/2006/main" xmlns:r="http://schemas.openxmlformats.org/officeDocument/2006/relationships" xmlns:p="http://schemas.openxmlformats.org/presentationml/2006/main">
+  <p:cSld>
+    <p:spTree>
+      <p:nvGrpSpPr>
+        <p:cNvPr id="1" name=""/>
+        <p:cNvGrpSpPr/>
+        <p:nvPr/>
+      </p:nvGrpSpPr>
+      <p:grpSpPr>
+        <a:xfrm>
+          <a:off x="0" y="0"/>
+          <a:ext cx="0" cy="0"/>
+          <a:chOff x="0" y="0"/>
+          <a:chExt cx="0" cy="0"/>
+        </a:xfrm>
+      </p:grpSpPr>
+      <p:sp>
+        <p:nvSpPr>
+          <p:cNvPr id="2" name="Title 1"/>
+          <p:cNvSpPr>
+            <a:spLocks noGrp="1"/>
+          </p:cNvSpPr>
+          <p:nvPr>
+            <p:ph type="title"/>
+          </p:nvPr>
+        </p:nvSpPr>
+        <p:spPr>
+          <a:xfrm>
             <a:off x="457200" y="-234280"/>
             <a:ext cx="8229600" cy="1143000"/>
           </a:xfrm>
@@ -13604,7 +13880,7 @@
 </p:sld>
 </file>
 
-<file path=ppt/slides/slide31.xml><?xml version="1.0" encoding="utf-8"?>
+<file path=ppt/slides/slide33.xml><?xml version="1.0" encoding="utf-8"?>
 <p:sld xmlns:a="http://schemas.openxmlformats.org/drawingml/2006/main" xmlns:r="http://schemas.openxmlformats.org/officeDocument/2006/relationships" xmlns:p="http://schemas.openxmlformats.org/presentationml/2006/main">
   <p:cSld>
     <p:bg>
@@ -14188,14 +14464,14 @@
           <a:lstStyle/>
           <a:p>
             <a:r>
+              <a:rPr lang="ru-RU" dirty="0" smtClean="0"/>
+              <a:t>Зачем нужен </a:t>
+            </a:r>
+            <a:r>
               <a:rPr lang="en-US" dirty="0" smtClean="0"/>
-              <a:t>XML</a:t>
-            </a:r>
-            <a:r>
-              <a:rPr lang="ru-RU" dirty="0" smtClean="0"/>
-              <a:t>-элемент</a:t>
-            </a:r>
-            <a:endParaRPr lang="en-US" dirty="0"/>
+              <a:t>XML?</a:t>
+            </a:r>
+            <a:endParaRPr lang="ru-RU" dirty="0"/>
           </a:p>
         </p:txBody>
       </p:sp>
@@ -14211,223 +14487,33 @@
         </p:nvSpPr>
         <p:spPr/>
         <p:txBody>
-          <a:bodyPr>
-            <a:normAutofit fontScale="92500" lnSpcReduction="10000"/>
-          </a:bodyPr>
+          <a:bodyPr/>
           <a:lstStyle/>
           <a:p>
             <a:r>
               <a:rPr lang="ru-RU" dirty="0" smtClean="0"/>
-              <a:t>Каждый </a:t>
-            </a:r>
-            <a:r>
-              <a:rPr lang="ru-RU" dirty="0"/>
-              <a:t>элемент представлен именем, открывающим тэгом и закрывающим тэгом</a:t>
-            </a:r>
+              <a:t>Универсальный механизм для обмена данными между приложениями созданными на разных языках программирования и работающами в разных ОС</a:t>
+            </a:r>
+          </a:p>
+          <a:p>
             <a:r>
               <a:rPr lang="ru-RU" dirty="0" smtClean="0"/>
-              <a:t>.</a:t>
-            </a:r>
-          </a:p>
-          <a:p>
-            <a:pPr lvl="1">
-              <a:buClr>
-                <a:schemeClr val="bg1"/>
-              </a:buClr>
-            </a:pPr>
-            <a:r>
-              <a:rPr lang="ru-RU" dirty="0" smtClean="0">
-                <a:solidFill>
-                  <a:schemeClr val="bg1"/>
-                </a:solidFill>
-                <a:latin typeface="Consolas" pitchFamily="49" charset="0"/>
-                <a:cs typeface="Consolas" pitchFamily="49" charset="0"/>
-              </a:rPr>
-              <a:t>&lt;имя_элемента&gt; - </a:t>
-            </a:r>
-            <a:r>
-              <a:rPr lang="ru-RU" dirty="0" smtClean="0">
-                <a:solidFill>
-                  <a:schemeClr val="bg1"/>
-                </a:solidFill>
-              </a:rPr>
-              <a:t>открывающий </a:t>
-            </a:r>
-            <a:r>
-              <a:rPr lang="ru-RU" dirty="0">
-                <a:solidFill>
-                  <a:schemeClr val="bg1"/>
-                </a:solidFill>
-              </a:rPr>
-              <a:t>тэг</a:t>
-            </a:r>
-            <a:r>
-              <a:rPr lang="ru-RU" dirty="0" smtClean="0">
-                <a:solidFill>
-                  <a:schemeClr val="bg1"/>
-                </a:solidFill>
-              </a:rPr>
-              <a:t>.</a:t>
-            </a:r>
-          </a:p>
-          <a:p>
-            <a:pPr lvl="1">
-              <a:buClr>
-                <a:schemeClr val="bg1"/>
-              </a:buClr>
-            </a:pPr>
-            <a:r>
-              <a:rPr lang="ru-RU" dirty="0" smtClean="0">
-                <a:solidFill>
-                  <a:schemeClr val="bg1"/>
-                </a:solidFill>
-                <a:latin typeface="Consolas" pitchFamily="49" charset="0"/>
-                <a:cs typeface="Consolas" pitchFamily="49" charset="0"/>
-              </a:rPr>
-              <a:t>&lt;/</a:t>
-            </a:r>
-            <a:r>
-              <a:rPr lang="ru-RU" dirty="0">
-                <a:solidFill>
-                  <a:schemeClr val="bg1"/>
-                </a:solidFill>
-                <a:latin typeface="Consolas" pitchFamily="49" charset="0"/>
-                <a:cs typeface="Consolas" pitchFamily="49" charset="0"/>
-              </a:rPr>
-              <a:t>имя_элемента</a:t>
-            </a:r>
-            <a:r>
-              <a:rPr lang="ru-RU" dirty="0" smtClean="0">
-                <a:solidFill>
-                  <a:schemeClr val="bg1"/>
-                </a:solidFill>
-                <a:latin typeface="Consolas" pitchFamily="49" charset="0"/>
-                <a:cs typeface="Consolas" pitchFamily="49" charset="0"/>
-              </a:rPr>
-              <a:t>&gt;</a:t>
-            </a:r>
-            <a:r>
-              <a:rPr lang="ru-RU" dirty="0" smtClean="0">
-                <a:solidFill>
-                  <a:srgbClr val="000080"/>
-                </a:solidFill>
-                <a:latin typeface="Consolas" pitchFamily="49" charset="0"/>
-                <a:cs typeface="Consolas" pitchFamily="49" charset="0"/>
-              </a:rPr>
-              <a:t> </a:t>
-            </a:r>
-            <a:r>
-              <a:rPr lang="ru-RU" dirty="0" smtClean="0"/>
-              <a:t>-  </a:t>
-            </a:r>
-            <a:r>
-              <a:rPr lang="ru-RU" dirty="0"/>
-              <a:t>закрывающий тэг.</a:t>
-            </a:r>
-          </a:p>
-          <a:p>
-            <a:r>
-              <a:rPr lang="ru-RU" dirty="0"/>
-              <a:t>Между тэгами может быть помещены другие элементы либо текст. Элементы и текст называются содержимым </a:t>
-            </a:r>
-            <a:r>
-              <a:rPr lang="ru-RU" dirty="0" smtClean="0"/>
-              <a:t>элемента.</a:t>
-            </a:r>
-          </a:p>
-          <a:p>
-            <a:r>
-              <a:rPr lang="ru-RU" dirty="0" smtClean="0"/>
-              <a:t>Если </a:t>
-            </a:r>
-            <a:r>
-              <a:rPr lang="ru-RU" dirty="0"/>
-              <a:t>содержимое </a:t>
-            </a:r>
-            <a:r>
-              <a:rPr lang="en-US" dirty="0"/>
-              <a:t>XML-</a:t>
-            </a:r>
-            <a:r>
-              <a:rPr lang="ru-RU" dirty="0"/>
-              <a:t>элемента отсутствует, его можно(но не обязательно) записать как</a:t>
-            </a:r>
-            <a:r>
-              <a:rPr lang="en-US" dirty="0" smtClean="0"/>
-              <a:t>:</a:t>
-            </a:r>
-            <a:r>
-              <a:rPr lang="ru-RU" dirty="0" smtClean="0"/>
-              <a:t/>
-            </a:r>
-            <a:br>
-              <a:rPr lang="ru-RU" dirty="0" smtClean="0"/>
-            </a:br>
-            <a:r>
-              <a:rPr lang="ru-RU" dirty="0" smtClean="0">
-                <a:solidFill>
-                  <a:schemeClr val="bg1"/>
-                </a:solidFill>
-                <a:latin typeface="Consolas" pitchFamily="49" charset="0"/>
-                <a:cs typeface="Consolas" pitchFamily="49" charset="0"/>
-              </a:rPr>
-              <a:t>&lt;</a:t>
-            </a:r>
-            <a:r>
-              <a:rPr lang="ru-RU" dirty="0">
-                <a:solidFill>
-                  <a:schemeClr val="bg1"/>
-                </a:solidFill>
-                <a:latin typeface="Consolas" pitchFamily="49" charset="0"/>
-                <a:cs typeface="Consolas" pitchFamily="49" charset="0"/>
-              </a:rPr>
-              <a:t>имя_элемента</a:t>
-            </a:r>
-            <a:r>
-              <a:rPr lang="en-US" dirty="0">
-                <a:solidFill>
-                  <a:schemeClr val="bg1"/>
-                </a:solidFill>
-                <a:latin typeface="Consolas" pitchFamily="49" charset="0"/>
-                <a:cs typeface="Consolas" pitchFamily="49" charset="0"/>
-              </a:rPr>
-              <a:t>/</a:t>
-            </a:r>
-            <a:r>
-              <a:rPr lang="ru-RU" dirty="0">
-                <a:solidFill>
-                  <a:schemeClr val="bg1"/>
-                </a:solidFill>
-                <a:latin typeface="Consolas" pitchFamily="49" charset="0"/>
-                <a:cs typeface="Consolas" pitchFamily="49" charset="0"/>
-              </a:rPr>
-              <a:t>&gt;</a:t>
-            </a:r>
-            <a:endParaRPr lang="en-US" dirty="0">
-              <a:solidFill>
-                <a:schemeClr val="bg1"/>
-              </a:solidFill>
-            </a:endParaRPr>
+              <a:t>Простой способ хранения данных. «Замена» базы данных</a:t>
+            </a:r>
+            <a:endParaRPr lang="ru-RU" dirty="0"/>
           </a:p>
         </p:txBody>
       </p:sp>
     </p:spTree>
     <p:extLst>
       <p:ext uri="{BB962C8B-B14F-4D97-AF65-F5344CB8AC3E}">
-        <p14:creationId xmlns:p14="http://schemas.microsoft.com/office/powerpoint/2010/main" val="1968238500"/>
+        <p14:creationId xmlns:p14="http://schemas.microsoft.com/office/powerpoint/2010/main" val="3098551688"/>
       </p:ext>
     </p:extLst>
   </p:cSld>
   <p:clrMapOvr>
     <a:masterClrMapping/>
   </p:clrMapOvr>
-  <p:timing>
-    <p:tnLst>
-      <p:par>
-        <p:cTn id="1" dur="indefinite" restart="never" nodeType="tmRoot"/>
-      </p:par>
-    </p:tnLst>
-  </p:timing>
 </p:sld>
 </file>
 
@@ -14465,9 +14551,25 @@
           <a:p>
             <a:r>
               <a:rPr lang="ru-RU" dirty="0" smtClean="0"/>
-              <a:t>Правила именования элементов</a:t>
-            </a:r>
-            <a:endParaRPr lang="en-US" dirty="0"/>
+              <a:t>Где </a:t>
+            </a:r>
+            <a:r>
+              <a:rPr lang="en-US" dirty="0" smtClean="0"/>
+              <a:t>XML </a:t>
+            </a:r>
+            <a:r>
+              <a:rPr lang="ru-RU" dirty="0"/>
+              <a:t>применяется </a:t>
+            </a:r>
+            <a:r>
+              <a:rPr lang="ru-RU" dirty="0" smtClean="0"/>
+              <a:t>в </a:t>
+            </a:r>
+            <a:r>
+              <a:rPr lang="en-US" dirty="0" smtClean="0"/>
+              <a:t>.NET?</a:t>
+            </a:r>
+            <a:endParaRPr lang="ru-RU" dirty="0"/>
           </a:p>
         </p:txBody>
       </p:sp>
@@ -14483,90 +14585,78 @@
         </p:nvSpPr>
         <p:spPr/>
         <p:txBody>
-          <a:bodyPr>
-            <a:normAutofit fontScale="92500" lnSpcReduction="20000"/>
-          </a:bodyPr>
+          <a:bodyPr/>
           <a:lstStyle/>
           <a:p>
             <a:r>
               <a:rPr lang="ru-RU" dirty="0" smtClean="0"/>
-              <a:t>Имена </a:t>
-            </a:r>
-            <a:r>
-              <a:rPr lang="ru-RU" dirty="0"/>
-              <a:t>элементов чувствительны к </a:t>
-            </a:r>
+              <a:t>Файлы конфигурации приложений/сборок (</a:t>
+            </a:r>
+            <a:r>
+              <a:rPr lang="en-US" dirty="0" smtClean="0"/>
+              <a:t>*.</a:t>
+            </a:r>
+            <a:r>
+              <a:rPr lang="en-US" dirty="0" err="1" smtClean="0"/>
+              <a:t>config</a:t>
+            </a:r>
+            <a:r>
+              <a:rPr lang="en-US" dirty="0" smtClean="0"/>
+              <a:t>)</a:t>
+            </a:r>
+          </a:p>
+          <a:p>
             <a:r>
               <a:rPr lang="ru-RU" dirty="0" smtClean="0"/>
-              <a:t>регистру.</a:t>
-            </a:r>
-          </a:p>
-          <a:p>
+              <a:t>Файлы манифестов для </a:t>
+            </a:r>
+            <a:r>
+              <a:rPr lang="en-US" dirty="0" smtClean="0"/>
+              <a:t>Windows Vista </a:t>
+            </a:r>
             <a:r>
               <a:rPr lang="ru-RU" dirty="0" smtClean="0"/>
-              <a:t>Имена </a:t>
-            </a:r>
-            <a:r>
-              <a:rPr lang="ru-RU" dirty="0"/>
-              <a:t>могут содержать буквы, цифры, дефисы ‘-’, символы подчеркивания ‘_’, двоеточия ‘:’ и точки ‘.’, однако начинаться они могут только с буквы или символа </a:t>
+              <a:t>и выше </a:t>
+            </a:r>
+            <a:r>
+              <a:rPr lang="en-US" dirty="0" smtClean="0"/>
+              <a:t>(*.manifest)</a:t>
+            </a:r>
+          </a:p>
+          <a:p>
+            <a:r>
+              <a:rPr lang="en-US" dirty="0" smtClean="0"/>
+              <a:t>XML </a:t>
             </a:r>
             <a:r>
               <a:rPr lang="ru-RU" dirty="0" smtClean="0"/>
-              <a:t>подчеркивания.</a:t>
-            </a:r>
+              <a:t>сериализация</a:t>
+            </a:r>
+            <a:endParaRPr lang="en-US" dirty="0" smtClean="0"/>
           </a:p>
           <a:p>
             <a:r>
               <a:rPr lang="ru-RU" dirty="0" smtClean="0"/>
-              <a:t>Двоеточие </a:t>
-            </a:r>
-            <a:r>
-              <a:rPr lang="ru-RU" dirty="0"/>
-              <a:t>может быть использовано только в специальных случаях – при записи префикса пространства </a:t>
-            </a:r>
-            <a:r>
-              <a:rPr lang="ru-RU" dirty="0" smtClean="0"/>
-              <a:t>имен.</a:t>
-            </a:r>
-          </a:p>
-          <a:p>
-            <a:r>
-              <a:rPr lang="ru-RU" dirty="0" smtClean="0"/>
-              <a:t>Имена </a:t>
-            </a:r>
-            <a:r>
-              <a:rPr lang="ru-RU" dirty="0"/>
-              <a:t>элементов, начинающиеся с xml (вне зависимости от регистра букв), зарезервированы для нужд </a:t>
-            </a:r>
-            <a:r>
-              <a:rPr lang="ru-RU" dirty="0" smtClean="0"/>
-              <a:t>самого XML</a:t>
-            </a:r>
-            <a:r>
-              <a:rPr lang="ru-RU" dirty="0"/>
-              <a:t>.</a:t>
-            </a:r>
-            <a:endParaRPr lang="en-US" dirty="0"/>
+              <a:t>Класс </a:t>
+            </a:r>
+            <a:r>
+              <a:rPr lang="en-US" dirty="0" err="1" smtClean="0"/>
+              <a:t>System.Data.DataSet</a:t>
+            </a:r>
+            <a:endParaRPr lang="ru-RU" dirty="0"/>
           </a:p>
         </p:txBody>
       </p:sp>
     </p:spTree>
     <p:extLst>
       <p:ext uri="{BB962C8B-B14F-4D97-AF65-F5344CB8AC3E}">
-        <p14:creationId xmlns:p14="http://schemas.microsoft.com/office/powerpoint/2010/main" val="3722065766"/>
+        <p14:creationId xmlns:p14="http://schemas.microsoft.com/office/powerpoint/2010/main" val="1720467315"/>
       </p:ext>
     </p:extLst>
   </p:cSld>
   <p:clrMapOvr>
     <a:masterClrMapping/>
   </p:clrMapOvr>
-  <p:timing>
-    <p:tnLst>
-      <p:par>
-        <p:cTn id="1" dur="indefinite" restart="never" nodeType="tmRoot"/>
-      </p:par>
-    </p:tnLst>
-  </p:timing>
 </p:sld>
 </file>
 
@@ -14603,8 +14693,12 @@
           <a:lstStyle/>
           <a:p>
             <a:r>
-              <a:rPr lang="ru-RU" dirty="0"/>
-              <a:t>Иерархия элементов</a:t>
+              <a:rPr lang="en-US" dirty="0" smtClean="0"/>
+              <a:t>XML</a:t>
+            </a:r>
+            <a:r>
+              <a:rPr lang="ru-RU" dirty="0" smtClean="0"/>
+              <a:t>-элемент</a:t>
             </a:r>
             <a:endParaRPr lang="en-US" dirty="0"/>
           </a:p>
@@ -14623,102 +14717,209 @@
         <p:spPr/>
         <p:txBody>
           <a:bodyPr>
-            <a:normAutofit fontScale="77500" lnSpcReduction="20000"/>
+            <a:normAutofit fontScale="92500" lnSpcReduction="10000"/>
           </a:bodyPr>
           <a:lstStyle/>
           <a:p>
             <a:r>
+              <a:rPr lang="ru-RU" dirty="0" smtClean="0"/>
+              <a:t>Каждый </a:t>
+            </a:r>
+            <a:r>
               <a:rPr lang="ru-RU" dirty="0"/>
-              <a:t>Содержимым XML-элемента может быть текст, пробельные символы (пробелы, табуляции, переводы строки), а также другие XML-элементы. Допускается комбинация указанного содержимого (например, элемент может содержать и текст, и вложенные элементы</a:t>
+              <a:t>элемент представлен именем, открывающим тэгом и закрывающим тэгом</a:t>
             </a:r>
             <a:r>
               <a:rPr lang="ru-RU" dirty="0" smtClean="0"/>
-              <a:t>).</a:t>
-            </a:r>
-          </a:p>
-          <a:p>
+              <a:t>.</a:t>
+            </a:r>
+          </a:p>
+          <a:p>
+            <a:pPr lvl="1">
+              <a:buClr>
+                <a:schemeClr val="bg1"/>
+              </a:buClr>
+            </a:pPr>
+            <a:r>
+              <a:rPr lang="ru-RU" dirty="0" smtClean="0">
+                <a:solidFill>
+                  <a:schemeClr val="bg1"/>
+                </a:solidFill>
+                <a:latin typeface="Consolas" pitchFamily="49" charset="0"/>
+                <a:cs typeface="Consolas" pitchFamily="49" charset="0"/>
+              </a:rPr>
+              <a:t>&lt;имя_элемента&gt; - </a:t>
+            </a:r>
+            <a:r>
+              <a:rPr lang="ru-RU" dirty="0" smtClean="0">
+                <a:solidFill>
+                  <a:schemeClr val="bg1"/>
+                </a:solidFill>
+              </a:rPr>
+              <a:t>открывающий </a:t>
+            </a:r>
+            <a:r>
+              <a:rPr lang="ru-RU" dirty="0">
+                <a:solidFill>
+                  <a:schemeClr val="bg1"/>
+                </a:solidFill>
+              </a:rPr>
+              <a:t>тэг</a:t>
+            </a:r>
+            <a:r>
+              <a:rPr lang="ru-RU" dirty="0" smtClean="0">
+                <a:solidFill>
+                  <a:schemeClr val="bg1"/>
+                </a:solidFill>
+              </a:rPr>
+              <a:t>.</a:t>
+            </a:r>
+          </a:p>
+          <a:p>
+            <a:pPr lvl="1">
+              <a:buClr>
+                <a:schemeClr val="bg1"/>
+              </a:buClr>
+            </a:pPr>
+            <a:r>
+              <a:rPr lang="ru-RU" dirty="0" smtClean="0">
+                <a:solidFill>
+                  <a:schemeClr val="bg1"/>
+                </a:solidFill>
+                <a:latin typeface="Consolas" pitchFamily="49" charset="0"/>
+                <a:cs typeface="Consolas" pitchFamily="49" charset="0"/>
+              </a:rPr>
+              <a:t>&lt;/</a:t>
+            </a:r>
+            <a:r>
+              <a:rPr lang="ru-RU" dirty="0">
+                <a:solidFill>
+                  <a:schemeClr val="bg1"/>
+                </a:solidFill>
+                <a:latin typeface="Consolas" pitchFamily="49" charset="0"/>
+                <a:cs typeface="Consolas" pitchFamily="49" charset="0"/>
+              </a:rPr>
+              <a:t>имя_элемента</a:t>
+            </a:r>
+            <a:r>
+              <a:rPr lang="ru-RU" dirty="0" smtClean="0">
+                <a:solidFill>
+                  <a:schemeClr val="bg1"/>
+                </a:solidFill>
+                <a:latin typeface="Consolas" pitchFamily="49" charset="0"/>
+                <a:cs typeface="Consolas" pitchFamily="49" charset="0"/>
+              </a:rPr>
+              <a:t>&gt;</a:t>
+            </a:r>
+            <a:r>
+              <a:rPr lang="ru-RU" dirty="0" smtClean="0">
+                <a:solidFill>
+                  <a:srgbClr val="000080"/>
+                </a:solidFill>
+                <a:latin typeface="Consolas" pitchFamily="49" charset="0"/>
+                <a:cs typeface="Consolas" pitchFamily="49" charset="0"/>
+              </a:rPr>
+              <a:t> </a:t>
+            </a:r>
             <a:r>
               <a:rPr lang="ru-RU" dirty="0" smtClean="0"/>
-              <a:t>Элементы </a:t>
+              <a:t>-  </a:t>
             </a:r>
             <a:r>
               <a:rPr lang="ru-RU" dirty="0"/>
-              <a:t>должны быть правильно вложены друг в друга. Например</a:t>
+              <a:t>закрывающий тэг.</a:t>
+            </a:r>
+          </a:p>
+          <a:p>
+            <a:r>
+              <a:rPr lang="ru-RU" dirty="0"/>
+              <a:t>Между тэгами может быть помещены другие элементы либо текст. Элементы и текст называются содержимым </a:t>
             </a:r>
             <a:r>
               <a:rPr lang="ru-RU" dirty="0" smtClean="0"/>
-              <a:t>: </a:t>
+              <a:t>элемента.</a:t>
+            </a:r>
+          </a:p>
+          <a:p>
+            <a:r>
+              <a:rPr lang="ru-RU" dirty="0" smtClean="0"/>
+              <a:t>Если </a:t>
+            </a:r>
+            <a:r>
+              <a:rPr lang="ru-RU" dirty="0"/>
+              <a:t>содержимое </a:t>
+            </a:r>
+            <a:r>
+              <a:rPr lang="en-US" dirty="0"/>
+              <a:t>XML-</a:t>
+            </a:r>
+            <a:r>
+              <a:rPr lang="ru-RU" dirty="0"/>
+              <a:t>элемента отсутствует, его можно(но не обязательно) записать как</a:t>
+            </a:r>
+            <a:r>
+              <a:rPr lang="en-US" dirty="0" smtClean="0"/>
+              <a:t>:</a:t>
+            </a:r>
+            <a:r>
+              <a:rPr lang="ru-RU" dirty="0" smtClean="0"/>
+              <a:t/>
             </a:r>
             <a:br>
               <a:rPr lang="ru-RU" dirty="0" smtClean="0"/>
             </a:br>
             <a:r>
-              <a:rPr lang="ru-RU" dirty="0" smtClean="0"/>
-              <a:t>&lt; </a:t>
-            </a:r>
-            <a:r>
-              <a:rPr lang="ru-RU" dirty="0"/>
-              <a:t>A </a:t>
-            </a:r>
-            <a:r>
-              <a:rPr lang="ru-RU" dirty="0" smtClean="0"/>
+              <a:rPr lang="ru-RU" dirty="0" smtClean="0">
+                <a:solidFill>
+                  <a:schemeClr val="bg1"/>
+                </a:solidFill>
+                <a:latin typeface="Consolas" pitchFamily="49" charset="0"/>
+                <a:cs typeface="Consolas" pitchFamily="49" charset="0"/>
+              </a:rPr>
+              <a:t>&lt;</a:t>
+            </a:r>
+            <a:r>
+              <a:rPr lang="ru-RU" dirty="0">
+                <a:solidFill>
+                  <a:schemeClr val="bg1"/>
+                </a:solidFill>
+                <a:latin typeface="Consolas" pitchFamily="49" charset="0"/>
+                <a:cs typeface="Consolas" pitchFamily="49" charset="0"/>
+              </a:rPr>
+              <a:t>имя_элемента</a:t>
+            </a:r>
+            <a:r>
+              <a:rPr lang="en-US" dirty="0">
+                <a:solidFill>
+                  <a:schemeClr val="bg1"/>
+                </a:solidFill>
+                <a:latin typeface="Consolas" pitchFamily="49" charset="0"/>
+                <a:cs typeface="Consolas" pitchFamily="49" charset="0"/>
+              </a:rPr>
+              <a:t>/</a:t>
+            </a:r>
+            <a:r>
+              <a:rPr lang="ru-RU" dirty="0">
+                <a:solidFill>
+                  <a:schemeClr val="bg1"/>
+                </a:solidFill>
+                <a:latin typeface="Consolas" pitchFamily="49" charset="0"/>
+                <a:cs typeface="Consolas" pitchFamily="49" charset="0"/>
+              </a:rPr>
               <a:t>&gt;</a:t>
             </a:r>
-            <a:br>
-              <a:rPr lang="ru-RU" dirty="0" smtClean="0"/>
-            </a:br>
-            <a:r>
-              <a:rPr lang="ru-RU" dirty="0" smtClean="0"/>
-              <a:t>    &lt; </a:t>
-            </a:r>
-            <a:r>
-              <a:rPr lang="ru-RU" dirty="0"/>
-              <a:t>B </a:t>
-            </a:r>
-            <a:r>
-              <a:rPr lang="ru-RU" dirty="0" smtClean="0"/>
-              <a:t>&gt;</a:t>
-            </a:r>
-            <a:br>
-              <a:rPr lang="ru-RU" dirty="0" smtClean="0"/>
-            </a:br>
-            <a:r>
-              <a:rPr lang="ru-RU" dirty="0" smtClean="0"/>
-              <a:t>    &lt; </a:t>
-            </a:r>
-            <a:r>
-              <a:rPr lang="ru-RU" dirty="0"/>
-              <a:t>/ B </a:t>
-            </a:r>
-            <a:r>
-              <a:rPr lang="ru-RU" dirty="0" smtClean="0"/>
-              <a:t>&gt;</a:t>
-            </a:r>
-            <a:br>
-              <a:rPr lang="ru-RU" dirty="0" smtClean="0"/>
-            </a:br>
-            <a:r>
-              <a:rPr lang="ru-RU" dirty="0" smtClean="0"/>
-              <a:t>&lt; </a:t>
-            </a:r>
-            <a:r>
-              <a:rPr lang="ru-RU" dirty="0"/>
-              <a:t>/ A &gt;</a:t>
-            </a:r>
-          </a:p>
-          <a:p>
-            <a:r>
-              <a:rPr lang="ru-RU" dirty="0"/>
-              <a:t>Другими словами, необходимо закрыть элемент B до того, как мы закрыли элемент A.</a:t>
-            </a:r>
-            <a:endParaRPr lang="en-US" dirty="0"/>
+            <a:endParaRPr lang="en-US" dirty="0">
+              <a:solidFill>
+                <a:schemeClr val="bg1"/>
+              </a:solidFill>
+            </a:endParaRPr>
           </a:p>
         </p:txBody>
       </p:sp>
     </p:spTree>
     <p:extLst>
       <p:ext uri="{BB962C8B-B14F-4D97-AF65-F5344CB8AC3E}">
-        <p14:creationId xmlns:p14="http://schemas.microsoft.com/office/powerpoint/2010/main" val="703891567"/>
+        <p14:creationId xmlns:p14="http://schemas.microsoft.com/office/powerpoint/2010/main" val="1968238500"/>
       </p:ext>
     </p:extLst>
   </p:cSld>
@@ -14768,8 +14969,8 @@
           <a:lstStyle/>
           <a:p>
             <a:r>
-              <a:rPr lang="ru-RU" dirty="0"/>
-              <a:t>Корневой элемент</a:t>
+              <a:rPr lang="ru-RU" dirty="0" smtClean="0"/>
+              <a:t>Правила именования элементов</a:t>
             </a:r>
             <a:endParaRPr lang="en-US" dirty="0"/>
           </a:p>
@@ -14787,16 +14988,68 @@
         </p:nvSpPr>
         <p:spPr/>
         <p:txBody>
-          <a:bodyPr/>
+          <a:bodyPr>
+            <a:normAutofit fontScale="92500" lnSpcReduction="20000"/>
+          </a:bodyPr>
           <a:lstStyle/>
           <a:p>
             <a:r>
               <a:rPr lang="ru-RU" dirty="0" smtClean="0"/>
-              <a:t>В </a:t>
+              <a:t>Имена </a:t>
             </a:r>
             <a:r>
               <a:rPr lang="ru-RU" dirty="0"/>
-              <a:t>XML-документе всегда должен быть единственный элемент, называемый корневым. Корневой элемент включает в себя все содержимое XML-документа.</a:t>
+              <a:t>элементов чувствительны к </a:t>
+            </a:r>
+            <a:r>
+              <a:rPr lang="ru-RU" dirty="0" smtClean="0"/>
+              <a:t>регистру.</a:t>
+            </a:r>
+          </a:p>
+          <a:p>
+            <a:r>
+              <a:rPr lang="ru-RU" dirty="0" smtClean="0"/>
+              <a:t>Имена </a:t>
+            </a:r>
+            <a:r>
+              <a:rPr lang="ru-RU" dirty="0"/>
+              <a:t>могут содержать буквы, цифры, дефисы ‘-’, символы подчеркивания ‘_’, двоеточия ‘:’ и точки ‘.’, однако начинаться они могут только с буквы или символа </a:t>
+            </a:r>
+            <a:r>
+              <a:rPr lang="ru-RU" dirty="0" smtClean="0"/>
+              <a:t>подчеркивания.</a:t>
+            </a:r>
+          </a:p>
+          <a:p>
+            <a:r>
+              <a:rPr lang="ru-RU" dirty="0" smtClean="0"/>
+              <a:t>Двоеточие </a:t>
+            </a:r>
+            <a:r>
+              <a:rPr lang="ru-RU" dirty="0"/>
+              <a:t>может быть использовано только в специальных случаях – при записи префикса пространства </a:t>
+            </a:r>
+            <a:r>
+              <a:rPr lang="ru-RU" dirty="0" smtClean="0"/>
+              <a:t>имен.</a:t>
+            </a:r>
+          </a:p>
+          <a:p>
+            <a:r>
+              <a:rPr lang="ru-RU" dirty="0" smtClean="0"/>
+              <a:t>Имена </a:t>
+            </a:r>
+            <a:r>
+              <a:rPr lang="ru-RU" dirty="0"/>
+              <a:t>элементов, начинающиеся с xml (вне зависимости от регистра букв), зарезервированы для нужд </a:t>
+            </a:r>
+            <a:r>
+              <a:rPr lang="ru-RU" dirty="0" smtClean="0"/>
+              <a:t>самого XML</a:t>
+            </a:r>
+            <a:r>
+              <a:rPr lang="ru-RU" dirty="0"/>
+              <a:t>.</a:t>
             </a:r>
             <a:endParaRPr lang="en-US" dirty="0"/>
           </a:p>
@@ -14805,7 +15058,7 @@
     </p:spTree>
     <p:extLst>
       <p:ext uri="{BB962C8B-B14F-4D97-AF65-F5344CB8AC3E}">
-        <p14:creationId xmlns:p14="http://schemas.microsoft.com/office/powerpoint/2010/main" val="2890587802"/>
+        <p14:creationId xmlns:p14="http://schemas.microsoft.com/office/powerpoint/2010/main" val="3722065766"/>
       </p:ext>
     </p:extLst>
   </p:cSld>
@@ -14855,8 +15108,8 @@
           <a:lstStyle/>
           <a:p>
             <a:r>
-              <a:rPr lang="ru-RU" dirty="0" smtClean="0"/>
-              <a:t>Атрибуты</a:t>
+              <a:rPr lang="ru-RU" dirty="0"/>
+              <a:t>Иерархия элементов</a:t>
             </a:r>
             <a:endParaRPr lang="en-US" dirty="0"/>
           </a:p>
@@ -14880,111 +15133,89 @@
           <a:lstStyle/>
           <a:p>
             <a:r>
+              <a:rPr lang="ru-RU" dirty="0"/>
+              <a:t>Содержимым XML-элемента может быть текст, пробельные символы (пробелы, табуляции, переводы строки), а также другие XML-элементы. Допускается комбинация указанного содержимого (например, элемент может содержать и текст, и вложенные элементы</a:t>
+            </a:r>
+            <a:r>
               <a:rPr lang="ru-RU" dirty="0" smtClean="0"/>
-              <a:t>XML-элемент </a:t>
+              <a:t>).</a:t>
+            </a:r>
+          </a:p>
+          <a:p>
+            <a:r>
+              <a:rPr lang="ru-RU" dirty="0" smtClean="0"/>
+              <a:t>Элементы </a:t>
             </a:r>
             <a:r>
               <a:rPr lang="ru-RU" dirty="0"/>
-              <a:t>может содержать атрибуты. Все атрибуты записываются в формате</a:t>
+              <a:t>должны быть правильно вложены друг в друга. Например</a:t>
             </a:r>
             <a:r>
               <a:rPr lang="ru-RU" dirty="0" smtClean="0"/>
-              <a:t>:</a:t>
-            </a:r>
-          </a:p>
-          <a:p>
-            <a:pPr lvl="1"/>
-            <a:r>
-              <a:rPr lang="ru-RU" dirty="0" smtClean="0"/>
-              <a:t>&lt;</a:t>
-            </a:r>
-            <a:r>
-              <a:rPr lang="ru-RU" dirty="0"/>
-              <a:t>имя_элемента имя_атрибута1 = "значение_атрибута1" имя_атрибута2 = "значение_атрибута2" &gt;</a:t>
-            </a:r>
-          </a:p>
-          <a:p>
-            <a:r>
-              <a:rPr lang="ru-RU" dirty="0"/>
-              <a:t>Значение атрибута заключается в апострофы или в двойные кавычки. Если апостроф или двойные кавычки присутствуют в значении атрибута, то используются те из них, которые не встречаются в этом значении</a:t>
-            </a:r>
-            <a:r>
-              <a:rPr lang="ru-RU" dirty="0" smtClean="0"/>
-              <a:t>.</a:t>
-            </a:r>
-          </a:p>
-          <a:p>
-            <a:pPr lvl="1"/>
-            <a:r>
-              <a:rPr lang="ru-RU" dirty="0" smtClean="0"/>
-              <a:t>&lt;</a:t>
-            </a:r>
-            <a:r>
-              <a:rPr lang="ru-RU" dirty="0"/>
-              <a:t>el _ok = "yes</a:t>
-            </a:r>
-            <a:r>
-              <a:rPr lang="ru-RU" dirty="0" smtClean="0"/>
-              <a:t>"&gt;</a:t>
+              <a:t>: </a:t>
             </a:r>
             <a:br>
               <a:rPr lang="ru-RU" dirty="0" smtClean="0"/>
             </a:br>
             <a:r>
               <a:rPr lang="ru-RU" dirty="0" smtClean="0"/>
-              <a:t>    &lt;</a:t>
+              <a:t>&lt; </a:t>
             </a:r>
             <a:r>
               <a:rPr lang="ru-RU" dirty="0"/>
-              <a:t>one attr = "a value</a:t>
+              <a:t>A </a:t>
             </a:r>
             <a:r>
               <a:rPr lang="ru-RU" dirty="0" smtClean="0"/>
-              <a:t>"/&gt;</a:t>
+              <a:t>&gt;</a:t>
             </a:r>
             <a:br>
               <a:rPr lang="ru-RU" dirty="0" smtClean="0"/>
             </a:br>
             <a:r>
               <a:rPr lang="ru-RU" dirty="0" smtClean="0"/>
-              <a:t>    &lt;</a:t>
+              <a:t>    &lt; </a:t>
             </a:r>
             <a:r>
               <a:rPr lang="ru-RU" dirty="0"/>
-              <a:t>several first = "1" second = "2" third = "333</a:t>
+              <a:t>B </a:t>
             </a:r>
             <a:r>
               <a:rPr lang="ru-RU" dirty="0" smtClean="0"/>
-              <a:t>"/&gt;</a:t>
+              <a:t>&gt;</a:t>
             </a:r>
             <a:br>
               <a:rPr lang="ru-RU" dirty="0" smtClean="0"/>
             </a:br>
             <a:r>
               <a:rPr lang="ru-RU" dirty="0" smtClean="0"/>
-              <a:t>    &lt;quote </a:t>
+              <a:t>    &lt; </a:t>
             </a:r>
             <a:r>
               <a:rPr lang="ru-RU" dirty="0"/>
-              <a:t>case1 = "John's” case2 = 'He said: "Hello, world!" </a:t>
+              <a:t>/ B </a:t>
             </a:r>
             <a:r>
               <a:rPr lang="ru-RU" dirty="0" smtClean="0"/>
-              <a:t>'/&gt;</a:t>
+              <a:t>&gt;</a:t>
             </a:r>
             <a:br>
               <a:rPr lang="ru-RU" dirty="0" smtClean="0"/>
             </a:br>
             <a:r>
               <a:rPr lang="ru-RU" dirty="0" smtClean="0"/>
-              <a:t>&lt;/</a:t>
+              <a:t>&lt; </a:t>
             </a:r>
             <a:r>
               <a:rPr lang="ru-RU" dirty="0"/>
-              <a:t>el&gt;</a:t>
-            </a:r>
-          </a:p>
-          <a:p>
+              <a:t>/ A &gt;</a:t>
+            </a:r>
+          </a:p>
+          <a:p>
+            <a:r>
+              <a:rPr lang="ru-RU" dirty="0"/>
+              <a:t>Другими словами, необходимо закрыть элемент B до того, как мы закрыли элемент A.</a:t>
+            </a:r>
             <a:endParaRPr lang="en-US" dirty="0"/>
           </a:p>
         </p:txBody>
@@ -14992,7 +15223,7 @@
     </p:spTree>
     <p:extLst>
       <p:ext uri="{BB962C8B-B14F-4D97-AF65-F5344CB8AC3E}">
-        <p14:creationId xmlns:p14="http://schemas.microsoft.com/office/powerpoint/2010/main" val="1215022302"/>
+        <p14:creationId xmlns:p14="http://schemas.microsoft.com/office/powerpoint/2010/main" val="703891567"/>
       </p:ext>
     </p:extLst>
   </p:cSld>

--- a/Presentation/lesson-06-xml.pptx
+++ b/Presentation/lesson-06-xml.pptx
@@ -14590,7 +14590,11 @@
           <a:p>
             <a:r>
               <a:rPr lang="ru-RU" dirty="0" smtClean="0"/>
-              <a:t>Файлы конфигурации приложений/сборок (</a:t>
+              <a:t>Файлы конфигурации </a:t>
+            </a:r>
+            <a:r>
+              <a:rPr lang="ru-RU" dirty="0" smtClean="0"/>
+              <a:t>(</a:t>
             </a:r>
             <a:r>
               <a:rPr lang="en-US" dirty="0" smtClean="0"/>
@@ -14608,7 +14612,42 @@
           <a:p>
             <a:r>
               <a:rPr lang="ru-RU" dirty="0" smtClean="0"/>
-              <a:t>Файлы манифестов для </a:t>
+              <a:t>Язык описания </a:t>
+            </a:r>
+            <a:r>
+              <a:rPr lang="en-US" dirty="0" smtClean="0"/>
+              <a:t>UI </a:t>
+            </a:r>
+            <a:r>
+              <a:rPr lang="ru-RU" dirty="0" smtClean="0"/>
+              <a:t>в</a:t>
+            </a:r>
+            <a:r>
+              <a:rPr lang="ru-RU" dirty="0" smtClean="0"/>
+              <a:t> </a:t>
+            </a:r>
+            <a:r>
+              <a:rPr lang="en-US" dirty="0" smtClean="0"/>
+              <a:t>WPF</a:t>
+            </a:r>
+            <a:r>
+              <a:rPr lang="ru-RU" dirty="0" smtClean="0"/>
+              <a:t> - </a:t>
+            </a:r>
+            <a:r>
+              <a:rPr lang="en-US" dirty="0" smtClean="0"/>
+              <a:t>XAML</a:t>
+            </a:r>
+            <a:endParaRPr lang="en-US" dirty="0" smtClean="0"/>
+          </a:p>
+          <a:p>
+            <a:r>
+              <a:rPr lang="ru-RU" dirty="0" smtClean="0"/>
+              <a:t>Файлы манифестов </a:t>
+            </a:r>
+            <a:r>
+              <a:rPr lang="ru-RU" dirty="0" smtClean="0"/>
+              <a:t>приложений для </a:t>
             </a:r>
             <a:r>
               <a:rPr lang="en-US" dirty="0" smtClean="0"/>
@@ -14632,12 +14671,15 @@
               <a:rPr lang="ru-RU" dirty="0" smtClean="0"/>
               <a:t>сериализация</a:t>
             </a:r>
-            <a:endParaRPr lang="en-US" dirty="0" smtClean="0"/>
           </a:p>
           <a:p>
             <a:r>
               <a:rPr lang="ru-RU" dirty="0" smtClean="0"/>
-              <a:t>Класс </a:t>
+              <a:t>Сохрание/загрузка </a:t>
+            </a:r>
+            <a:r>
+              <a:rPr lang="ru-RU" dirty="0" smtClean="0"/>
+              <a:t>данных из класса </a:t>
             </a:r>
             <a:r>
               <a:rPr lang="en-US" dirty="0" err="1" smtClean="0"/>

--- a/Presentation/lesson-06-xml.pptx
+++ b/Presentation/lesson-06-xml.pptx
@@ -5,7 +5,7 @@
     <p:sldMasterId id="2147483648" r:id="rId1"/>
   </p:sldMasterIdLst>
   <p:notesMasterIdLst>
-    <p:notesMasterId r:id="rId35"/>
+    <p:notesMasterId r:id="rId36"/>
   </p:notesMasterIdLst>
   <p:sldIdLst>
     <p:sldId id="257" r:id="rId2"/>
@@ -33,14 +33,15 @@
     <p:sldId id="283" r:id="rId24"/>
     <p:sldId id="276" r:id="rId25"/>
     <p:sldId id="289" r:id="rId26"/>
-    <p:sldId id="278" r:id="rId27"/>
-    <p:sldId id="288" r:id="rId28"/>
-    <p:sldId id="284" r:id="rId29"/>
-    <p:sldId id="287" r:id="rId30"/>
-    <p:sldId id="277" r:id="rId31"/>
-    <p:sldId id="280" r:id="rId32"/>
-    <p:sldId id="282" r:id="rId33"/>
-    <p:sldId id="285" r:id="rId34"/>
+    <p:sldId id="293" r:id="rId27"/>
+    <p:sldId id="278" r:id="rId28"/>
+    <p:sldId id="288" r:id="rId29"/>
+    <p:sldId id="284" r:id="rId30"/>
+    <p:sldId id="287" r:id="rId31"/>
+    <p:sldId id="277" r:id="rId32"/>
+    <p:sldId id="280" r:id="rId33"/>
+    <p:sldId id="282" r:id="rId34"/>
+    <p:sldId id="285" r:id="rId35"/>
   </p:sldIdLst>
   <p:sldSz cx="9144000" cy="6858000" type="screen4x3"/>
   <p:notesSz cx="6858000" cy="9144000"/>
@@ -224,7 +225,7 @@
           <a:p>
             <a:fld id="{B24A7054-7FFB-49F4-A126-5DF6E687FF53}" type="datetimeFigureOut">
               <a:rPr lang="ru-RU" smtClean="0"/>
-              <a:t>07.12.2014</a:t>
+              <a:t>29.01.2015</a:t>
             </a:fld>
             <a:endParaRPr lang="ru-RU"/>
           </a:p>
@@ -1287,7 +1288,7 @@
           <a:p>
             <a:fld id="{8E6E6A2A-E9D3-4A0D-B04A-ABDD367A1E08}" type="datetimeFigureOut">
               <a:rPr lang="ru-RU" smtClean="0"/>
-              <a:t>07.12.2014</a:t>
+              <a:t>29.01.2015</a:t>
             </a:fld>
             <a:endParaRPr lang="ru-RU"/>
           </a:p>
@@ -2735,7 +2736,7 @@
           <a:p>
             <a:fld id="{AC3D3127-B7C4-45E3-9797-C527EC9FDD78}" type="datetimeFigureOut">
               <a:rPr lang="ru-RU" smtClean="0"/>
-              <a:t>07.12.2014</a:t>
+              <a:t>29.01.2015</a:t>
             </a:fld>
             <a:endParaRPr lang="ru-RU"/>
           </a:p>
@@ -9798,6 +9799,733 @@
           <a:lstStyle/>
           <a:p>
             <a:r>
+              <a:rPr lang="ru-RU" dirty="0" smtClean="0"/>
+              <a:t>Работа с </a:t>
+            </a:r>
+            <a:r>
+              <a:rPr lang="en-US" dirty="0" smtClean="0"/>
+              <a:t>RSS/Atom </a:t>
+            </a:r>
+            <a:r>
+              <a:rPr lang="ru-RU" dirty="0" smtClean="0"/>
+              <a:t>форматами</a:t>
+            </a:r>
+            <a:endParaRPr lang="ru-RU" dirty="0"/>
+          </a:p>
+        </p:txBody>
+      </p:sp>
+      <p:sp>
+        <p:nvSpPr>
+          <p:cNvPr id="3" name="Content Placeholder 2"/>
+          <p:cNvSpPr>
+            <a:spLocks noGrp="1"/>
+          </p:cNvSpPr>
+          <p:nvPr>
+            <p:ph idx="1"/>
+          </p:nvPr>
+        </p:nvSpPr>
+        <p:spPr>
+          <a:xfrm>
+            <a:off x="457200" y="1600201"/>
+            <a:ext cx="8229600" cy="2044824"/>
+          </a:xfrm>
+        </p:spPr>
+        <p:txBody>
+          <a:bodyPr/>
+          <a:lstStyle/>
+          <a:p>
+            <a:pPr marL="0" indent="0">
+              <a:buNone/>
+            </a:pPr>
+            <a:r>
+              <a:rPr lang="ru-RU" dirty="0" smtClean="0"/>
+              <a:t>Для разбора и создания данных в формате </a:t>
+            </a:r>
+            <a:r>
+              <a:rPr lang="en-US" dirty="0" smtClean="0"/>
+              <a:t>RSS/Atom </a:t>
+            </a:r>
+            <a:r>
+              <a:rPr lang="ru-RU" dirty="0" smtClean="0"/>
+              <a:t>можно использовать классы из пространства имен </a:t>
+            </a:r>
+            <a:r>
+              <a:rPr lang="en-US" dirty="0" err="1" smtClean="0"/>
+              <a:t>System.ServiceModel.Syndication</a:t>
+            </a:r>
+            <a:r>
+              <a:rPr lang="ru-RU" dirty="0"/>
+              <a:t>.</a:t>
+            </a:r>
+          </a:p>
+        </p:txBody>
+      </p:sp>
+      <p:sp>
+        <p:nvSpPr>
+          <p:cNvPr id="5" name="Rectangle 4"/>
+          <p:cNvSpPr/>
+          <p:nvPr/>
+        </p:nvSpPr>
+        <p:spPr>
+          <a:xfrm>
+            <a:off x="457200" y="4017819"/>
+            <a:ext cx="8291264" cy="2308324"/>
+          </a:xfrm>
+          <a:prstGeom prst="rect">
+            <a:avLst/>
+          </a:prstGeom>
+          <a:solidFill>
+            <a:schemeClr val="bg1"/>
+          </a:solidFill>
+        </p:spPr>
+        <p:txBody>
+          <a:bodyPr wrap="square">
+            <a:spAutoFit/>
+          </a:bodyPr>
+          <a:lstStyle/>
+          <a:p>
+            <a:r>
+              <a:rPr lang="en-US" sz="1200" dirty="0">
+                <a:solidFill>
+                  <a:srgbClr val="0000FF"/>
+                </a:solidFill>
+                <a:latin typeface="Consolas"/>
+              </a:rPr>
+              <a:t>using</a:t>
+            </a:r>
+            <a:r>
+              <a:rPr lang="en-US" sz="1200" dirty="0">
+                <a:solidFill>
+                  <a:prstClr val="black"/>
+                </a:solidFill>
+                <a:latin typeface="Consolas"/>
+              </a:rPr>
+              <a:t> </a:t>
+            </a:r>
+            <a:r>
+              <a:rPr lang="en-US" sz="1200" dirty="0" err="1">
+                <a:solidFill>
+                  <a:prstClr val="black"/>
+                </a:solidFill>
+                <a:latin typeface="Consolas"/>
+              </a:rPr>
+              <a:t>System.ServiceModel.Syndication</a:t>
+            </a:r>
+            <a:r>
+              <a:rPr lang="en-US" sz="1200" dirty="0">
+                <a:solidFill>
+                  <a:prstClr val="black"/>
+                </a:solidFill>
+                <a:latin typeface="Consolas"/>
+              </a:rPr>
+              <a:t>;</a:t>
+            </a:r>
+          </a:p>
+          <a:p>
+            <a:r>
+              <a:rPr lang="en-US" sz="1200" dirty="0">
+                <a:solidFill>
+                  <a:srgbClr val="0000FF"/>
+                </a:solidFill>
+                <a:latin typeface="Consolas"/>
+              </a:rPr>
+              <a:t>using</a:t>
+            </a:r>
+            <a:r>
+              <a:rPr lang="en-US" sz="1200" dirty="0">
+                <a:solidFill>
+                  <a:prstClr val="black"/>
+                </a:solidFill>
+                <a:latin typeface="Consolas"/>
+              </a:rPr>
+              <a:t> </a:t>
+            </a:r>
+            <a:r>
+              <a:rPr lang="en-US" sz="1200" dirty="0" err="1">
+                <a:solidFill>
+                  <a:prstClr val="black"/>
+                </a:solidFill>
+                <a:latin typeface="Consolas"/>
+              </a:rPr>
+              <a:t>System.Xml</a:t>
+            </a:r>
+            <a:r>
+              <a:rPr lang="en-US" sz="1200" dirty="0">
+                <a:solidFill>
+                  <a:prstClr val="black"/>
+                </a:solidFill>
+                <a:latin typeface="Consolas"/>
+              </a:rPr>
+              <a:t>;</a:t>
+            </a:r>
+          </a:p>
+          <a:p>
+            <a:endParaRPr lang="en-US" sz="1200" dirty="0" smtClean="0">
+              <a:solidFill>
+                <a:prstClr val="black"/>
+              </a:solidFill>
+              <a:latin typeface="Consolas"/>
+            </a:endParaRPr>
+          </a:p>
+          <a:p>
+            <a:r>
+              <a:rPr lang="en-US" sz="1200" dirty="0">
+                <a:solidFill>
+                  <a:srgbClr val="0000FF"/>
+                </a:solidFill>
+                <a:latin typeface="Consolas"/>
+              </a:rPr>
+              <a:t>using</a:t>
+            </a:r>
+            <a:r>
+              <a:rPr lang="en-US" sz="1200" dirty="0">
+                <a:solidFill>
+                  <a:prstClr val="black"/>
+                </a:solidFill>
+                <a:latin typeface="Consolas"/>
+              </a:rPr>
+              <a:t> (</a:t>
+            </a:r>
+            <a:r>
+              <a:rPr lang="en-US" sz="1200" dirty="0" err="1">
+                <a:solidFill>
+                  <a:srgbClr val="2B91AF"/>
+                </a:solidFill>
+                <a:latin typeface="Consolas"/>
+              </a:rPr>
+              <a:t>XmlReader</a:t>
+            </a:r>
+            <a:r>
+              <a:rPr lang="en-US" sz="1200" dirty="0">
+                <a:solidFill>
+                  <a:prstClr val="black"/>
+                </a:solidFill>
+                <a:latin typeface="Consolas"/>
+              </a:rPr>
+              <a:t> </a:t>
+            </a:r>
+            <a:r>
+              <a:rPr lang="en-US" sz="1200" dirty="0" err="1">
+                <a:solidFill>
+                  <a:prstClr val="black"/>
+                </a:solidFill>
+                <a:latin typeface="Consolas"/>
+              </a:rPr>
+              <a:t>xmlReader</a:t>
+            </a:r>
+            <a:r>
+              <a:rPr lang="en-US" sz="1200" dirty="0">
+                <a:solidFill>
+                  <a:prstClr val="black"/>
+                </a:solidFill>
+                <a:latin typeface="Consolas"/>
+              </a:rPr>
+              <a:t> = </a:t>
+            </a:r>
+            <a:r>
+              <a:rPr lang="en-US" sz="1200" dirty="0" err="1">
+                <a:solidFill>
+                  <a:srgbClr val="2B91AF"/>
+                </a:solidFill>
+                <a:latin typeface="Consolas"/>
+              </a:rPr>
+              <a:t>XmlReader</a:t>
+            </a:r>
+            <a:r>
+              <a:rPr lang="en-US" sz="1200" dirty="0" err="1">
+                <a:solidFill>
+                  <a:prstClr val="black"/>
+                </a:solidFill>
+                <a:latin typeface="Consolas"/>
+              </a:rPr>
+              <a:t>.Create</a:t>
+            </a:r>
+            <a:r>
+              <a:rPr lang="en-US" sz="1200" dirty="0">
+                <a:solidFill>
+                  <a:prstClr val="black"/>
+                </a:solidFill>
+                <a:latin typeface="Consolas"/>
+              </a:rPr>
+              <a:t>(</a:t>
+            </a:r>
+            <a:r>
+              <a:rPr lang="en-US" sz="1200" dirty="0">
+                <a:solidFill>
+                  <a:srgbClr val="A31515"/>
+                </a:solidFill>
+                <a:latin typeface="Consolas"/>
+              </a:rPr>
+              <a:t>"http://rss.slashdot.org/Slashdot/</a:t>
+            </a:r>
+            <a:r>
+              <a:rPr lang="en-US" sz="1200" dirty="0" err="1">
+                <a:solidFill>
+                  <a:srgbClr val="A31515"/>
+                </a:solidFill>
+                <a:latin typeface="Consolas"/>
+              </a:rPr>
+              <a:t>slashdot</a:t>
+            </a:r>
+            <a:r>
+              <a:rPr lang="en-US" sz="1200" dirty="0">
+                <a:solidFill>
+                  <a:srgbClr val="A31515"/>
+                </a:solidFill>
+                <a:latin typeface="Consolas"/>
+              </a:rPr>
+              <a:t>"</a:t>
+            </a:r>
+            <a:r>
+              <a:rPr lang="en-US" sz="1200" dirty="0">
+                <a:solidFill>
+                  <a:prstClr val="black"/>
+                </a:solidFill>
+                <a:latin typeface="Consolas"/>
+              </a:rPr>
+              <a:t>))</a:t>
+            </a:r>
+          </a:p>
+          <a:p>
+            <a:r>
+              <a:rPr lang="ru-RU" sz="1200" dirty="0">
+                <a:solidFill>
+                  <a:prstClr val="black"/>
+                </a:solidFill>
+                <a:latin typeface="Consolas"/>
+              </a:rPr>
+              <a:t>{</a:t>
+            </a:r>
+          </a:p>
+          <a:p>
+            <a:r>
+              <a:rPr lang="en-US" sz="1200" dirty="0" smtClean="0">
+                <a:solidFill>
+                  <a:srgbClr val="2B91AF"/>
+                </a:solidFill>
+                <a:latin typeface="Consolas"/>
+              </a:rPr>
+              <a:t>    </a:t>
+            </a:r>
+            <a:r>
+              <a:rPr lang="en-US" sz="1200" dirty="0" err="1" smtClean="0">
+                <a:solidFill>
+                  <a:srgbClr val="2B91AF"/>
+                </a:solidFill>
+                <a:latin typeface="Consolas"/>
+              </a:rPr>
+              <a:t>SyndicationFeed</a:t>
+            </a:r>
+            <a:r>
+              <a:rPr lang="en-US" sz="1200" dirty="0" smtClean="0">
+                <a:solidFill>
+                  <a:prstClr val="black"/>
+                </a:solidFill>
+                <a:latin typeface="Consolas"/>
+              </a:rPr>
+              <a:t> </a:t>
+            </a:r>
+            <a:r>
+              <a:rPr lang="en-US" sz="1200" dirty="0">
+                <a:solidFill>
+                  <a:prstClr val="black"/>
+                </a:solidFill>
+                <a:latin typeface="Consolas"/>
+              </a:rPr>
+              <a:t>feed = </a:t>
+            </a:r>
+            <a:r>
+              <a:rPr lang="en-US" sz="1200" dirty="0" err="1">
+                <a:solidFill>
+                  <a:srgbClr val="2B91AF"/>
+                </a:solidFill>
+                <a:latin typeface="Consolas"/>
+              </a:rPr>
+              <a:t>SyndicationFeed</a:t>
+            </a:r>
+            <a:r>
+              <a:rPr lang="en-US" sz="1200" dirty="0" err="1">
+                <a:solidFill>
+                  <a:prstClr val="black"/>
+                </a:solidFill>
+                <a:latin typeface="Consolas"/>
+              </a:rPr>
+              <a:t>.Load</a:t>
+            </a:r>
+            <a:r>
+              <a:rPr lang="en-US" sz="1200" dirty="0">
+                <a:solidFill>
+                  <a:prstClr val="black"/>
+                </a:solidFill>
+                <a:latin typeface="Consolas"/>
+              </a:rPr>
+              <a:t>(</a:t>
+            </a:r>
+            <a:r>
+              <a:rPr lang="en-US" sz="1200" dirty="0" err="1">
+                <a:solidFill>
+                  <a:prstClr val="black"/>
+                </a:solidFill>
+                <a:latin typeface="Consolas"/>
+              </a:rPr>
+              <a:t>xmlReader</a:t>
+            </a:r>
+            <a:r>
+              <a:rPr lang="en-US" sz="1200" dirty="0">
+                <a:solidFill>
+                  <a:prstClr val="black"/>
+                </a:solidFill>
+                <a:latin typeface="Consolas"/>
+              </a:rPr>
+              <a:t>);</a:t>
+            </a:r>
+          </a:p>
+          <a:p>
+            <a:r>
+              <a:rPr lang="en-US" sz="1200" dirty="0" smtClean="0">
+                <a:solidFill>
+                  <a:srgbClr val="0000FF"/>
+                </a:solidFill>
+                <a:latin typeface="Consolas"/>
+              </a:rPr>
+              <a:t>    </a:t>
+            </a:r>
+            <a:r>
+              <a:rPr lang="en-US" sz="1200" dirty="0" err="1" smtClean="0">
+                <a:solidFill>
+                  <a:srgbClr val="0000FF"/>
+                </a:solidFill>
+                <a:latin typeface="Consolas"/>
+              </a:rPr>
+              <a:t>foreach</a:t>
+            </a:r>
+            <a:r>
+              <a:rPr lang="en-US" sz="1200" dirty="0" smtClean="0">
+                <a:solidFill>
+                  <a:prstClr val="black"/>
+                </a:solidFill>
+                <a:latin typeface="Consolas"/>
+              </a:rPr>
+              <a:t> </a:t>
+            </a:r>
+            <a:r>
+              <a:rPr lang="en-US" sz="1200" dirty="0">
+                <a:solidFill>
+                  <a:prstClr val="black"/>
+                </a:solidFill>
+                <a:latin typeface="Consolas"/>
+              </a:rPr>
+              <a:t>(</a:t>
+            </a:r>
+            <a:r>
+              <a:rPr lang="en-US" sz="1200" dirty="0" err="1">
+                <a:solidFill>
+                  <a:srgbClr val="0000FF"/>
+                </a:solidFill>
+                <a:latin typeface="Consolas"/>
+              </a:rPr>
+              <a:t>var</a:t>
+            </a:r>
+            <a:r>
+              <a:rPr lang="en-US" sz="1200" dirty="0">
+                <a:solidFill>
+                  <a:prstClr val="black"/>
+                </a:solidFill>
+                <a:latin typeface="Consolas"/>
+              </a:rPr>
+              <a:t> </a:t>
+            </a:r>
+            <a:r>
+              <a:rPr lang="en-US" sz="1200" dirty="0" err="1">
+                <a:solidFill>
+                  <a:prstClr val="black"/>
+                </a:solidFill>
+                <a:latin typeface="Consolas"/>
+              </a:rPr>
+              <a:t>feedItem</a:t>
+            </a:r>
+            <a:r>
+              <a:rPr lang="en-US" sz="1200" dirty="0">
+                <a:solidFill>
+                  <a:prstClr val="black"/>
+                </a:solidFill>
+                <a:latin typeface="Consolas"/>
+              </a:rPr>
+              <a:t> </a:t>
+            </a:r>
+            <a:r>
+              <a:rPr lang="en-US" sz="1200" dirty="0">
+                <a:solidFill>
+                  <a:srgbClr val="0000FF"/>
+                </a:solidFill>
+                <a:latin typeface="Consolas"/>
+              </a:rPr>
+              <a:t>in</a:t>
+            </a:r>
+            <a:r>
+              <a:rPr lang="en-US" sz="1200" dirty="0">
+                <a:solidFill>
+                  <a:prstClr val="black"/>
+                </a:solidFill>
+                <a:latin typeface="Consolas"/>
+              </a:rPr>
+              <a:t> </a:t>
+            </a:r>
+            <a:r>
+              <a:rPr lang="en-US" sz="1200" dirty="0" err="1">
+                <a:solidFill>
+                  <a:prstClr val="black"/>
+                </a:solidFill>
+                <a:latin typeface="Consolas"/>
+              </a:rPr>
+              <a:t>feed.Items</a:t>
+            </a:r>
+            <a:r>
+              <a:rPr lang="en-US" sz="1200" dirty="0">
+                <a:solidFill>
+                  <a:prstClr val="black"/>
+                </a:solidFill>
+                <a:latin typeface="Consolas"/>
+              </a:rPr>
+              <a:t>)</a:t>
+            </a:r>
+          </a:p>
+          <a:p>
+            <a:r>
+              <a:rPr lang="en-US" sz="1200" dirty="0" smtClean="0">
+                <a:solidFill>
+                  <a:prstClr val="black"/>
+                </a:solidFill>
+                <a:latin typeface="Consolas"/>
+              </a:rPr>
+              <a:t>    </a:t>
+            </a:r>
+            <a:r>
+              <a:rPr lang="ru-RU" sz="1200" dirty="0" smtClean="0">
+                <a:solidFill>
+                  <a:prstClr val="black"/>
+                </a:solidFill>
+                <a:latin typeface="Consolas"/>
+              </a:rPr>
+              <a:t>{</a:t>
+            </a:r>
+            <a:endParaRPr lang="ru-RU" sz="1200" dirty="0">
+              <a:solidFill>
+                <a:prstClr val="black"/>
+              </a:solidFill>
+              <a:latin typeface="Consolas"/>
+            </a:endParaRPr>
+          </a:p>
+          <a:p>
+            <a:r>
+              <a:rPr lang="en-US" sz="1200" dirty="0" smtClean="0">
+                <a:solidFill>
+                  <a:srgbClr val="0000FF"/>
+                </a:solidFill>
+                <a:latin typeface="Consolas"/>
+              </a:rPr>
+              <a:t>        string</a:t>
+            </a:r>
+            <a:r>
+              <a:rPr lang="en-US" sz="1200" dirty="0" smtClean="0">
+                <a:solidFill>
+                  <a:prstClr val="black"/>
+                </a:solidFill>
+                <a:latin typeface="Consolas"/>
+              </a:rPr>
+              <a:t> </a:t>
+            </a:r>
+            <a:r>
+              <a:rPr lang="en-US" sz="1200" dirty="0">
+                <a:solidFill>
+                  <a:prstClr val="black"/>
+                </a:solidFill>
+                <a:latin typeface="Consolas"/>
+              </a:rPr>
+              <a:t>title = </a:t>
+            </a:r>
+            <a:r>
+              <a:rPr lang="en-US" sz="1200" dirty="0" err="1">
+                <a:solidFill>
+                  <a:prstClr val="black"/>
+                </a:solidFill>
+                <a:latin typeface="Consolas"/>
+              </a:rPr>
+              <a:t>feedItem.Title.Text</a:t>
+            </a:r>
+            <a:r>
+              <a:rPr lang="en-US" sz="1200" dirty="0">
+                <a:solidFill>
+                  <a:prstClr val="black"/>
+                </a:solidFill>
+                <a:latin typeface="Consolas"/>
+              </a:rPr>
+              <a:t>;</a:t>
+            </a:r>
+          </a:p>
+          <a:p>
+            <a:r>
+              <a:rPr lang="en-US" sz="1200" dirty="0" smtClean="0">
+                <a:solidFill>
+                  <a:srgbClr val="2B91AF"/>
+                </a:solidFill>
+                <a:latin typeface="Consolas"/>
+              </a:rPr>
+              <a:t>        </a:t>
+            </a:r>
+            <a:r>
+              <a:rPr lang="en-US" sz="1200" dirty="0" err="1" smtClean="0">
+                <a:solidFill>
+                  <a:srgbClr val="2B91AF"/>
+                </a:solidFill>
+                <a:latin typeface="Consolas"/>
+              </a:rPr>
+              <a:t>DateTimeOffset</a:t>
+            </a:r>
+            <a:r>
+              <a:rPr lang="en-US" sz="1200" dirty="0" smtClean="0">
+                <a:solidFill>
+                  <a:prstClr val="black"/>
+                </a:solidFill>
+                <a:latin typeface="Consolas"/>
+              </a:rPr>
+              <a:t> </a:t>
+            </a:r>
+            <a:r>
+              <a:rPr lang="en-US" sz="1200" dirty="0" err="1">
+                <a:solidFill>
+                  <a:prstClr val="black"/>
+                </a:solidFill>
+                <a:latin typeface="Consolas"/>
+              </a:rPr>
+              <a:t>publishedDate</a:t>
+            </a:r>
+            <a:r>
+              <a:rPr lang="en-US" sz="1200" dirty="0">
+                <a:solidFill>
+                  <a:prstClr val="black"/>
+                </a:solidFill>
+                <a:latin typeface="Consolas"/>
+              </a:rPr>
+              <a:t> = </a:t>
+            </a:r>
+            <a:r>
+              <a:rPr lang="en-US" sz="1200" dirty="0" err="1">
+                <a:solidFill>
+                  <a:prstClr val="black"/>
+                </a:solidFill>
+                <a:latin typeface="Consolas"/>
+              </a:rPr>
+              <a:t>feedItem.PublishDate</a:t>
+            </a:r>
+            <a:r>
+              <a:rPr lang="en-US" sz="1200" dirty="0">
+                <a:solidFill>
+                  <a:prstClr val="black"/>
+                </a:solidFill>
+                <a:latin typeface="Consolas"/>
+              </a:rPr>
+              <a:t>;</a:t>
+            </a:r>
+          </a:p>
+          <a:p>
+            <a:r>
+              <a:rPr lang="en-US" sz="1200" dirty="0" smtClean="0">
+                <a:solidFill>
+                  <a:prstClr val="black"/>
+                </a:solidFill>
+                <a:latin typeface="Consolas"/>
+              </a:rPr>
+              <a:t>    </a:t>
+            </a:r>
+            <a:r>
+              <a:rPr lang="ru-RU" sz="1200" dirty="0" smtClean="0">
+                <a:solidFill>
+                  <a:prstClr val="black"/>
+                </a:solidFill>
+                <a:latin typeface="Consolas"/>
+              </a:rPr>
+              <a:t>}</a:t>
+            </a:r>
+            <a:endParaRPr lang="ru-RU" sz="1200" dirty="0">
+              <a:solidFill>
+                <a:prstClr val="black"/>
+              </a:solidFill>
+              <a:latin typeface="Consolas"/>
+            </a:endParaRPr>
+          </a:p>
+          <a:p>
+            <a:r>
+              <a:rPr lang="ru-RU" sz="1200" dirty="0" smtClean="0">
+                <a:solidFill>
+                  <a:prstClr val="black"/>
+                </a:solidFill>
+                <a:latin typeface="Consolas"/>
+              </a:rPr>
+              <a:t>}</a:t>
+            </a:r>
+            <a:endParaRPr lang="ru-RU" sz="1200" dirty="0">
+              <a:solidFill>
+                <a:prstClr val="black"/>
+              </a:solidFill>
+              <a:latin typeface="Consolas"/>
+            </a:endParaRPr>
+          </a:p>
+        </p:txBody>
+      </p:sp>
+    </p:spTree>
+    <p:extLst>
+      <p:ext uri="{BB962C8B-B14F-4D97-AF65-F5344CB8AC3E}">
+        <p14:creationId xmlns:p14="http://schemas.microsoft.com/office/powerpoint/2010/main" val="3512104706"/>
+      </p:ext>
+    </p:extLst>
+  </p:cSld>
+  <p:clrMapOvr>
+    <a:masterClrMapping/>
+  </p:clrMapOvr>
+  <p:timing>
+    <p:tnLst>
+      <p:par>
+        <p:cTn id="1" dur="indefinite" restart="never" nodeType="tmRoot"/>
+      </p:par>
+    </p:tnLst>
+  </p:timing>
+</p:sld>
+</file>
+
+<file path=ppt/slides/slide27.xml><?xml version="1.0" encoding="utf-8"?>
+<p:sld xmlns:a="http://schemas.openxmlformats.org/drawingml/2006/main" xmlns:r="http://schemas.openxmlformats.org/officeDocument/2006/relationships" xmlns:p="http://schemas.openxmlformats.org/presentationml/2006/main">
+  <p:cSld>
+    <p:spTree>
+      <p:nvGrpSpPr>
+        <p:cNvPr id="1" name=""/>
+        <p:cNvGrpSpPr/>
+        <p:nvPr/>
+      </p:nvGrpSpPr>
+      <p:grpSpPr>
+        <a:xfrm>
+          <a:off x="0" y="0"/>
+          <a:ext cx="0" cy="0"/>
+          <a:chOff x="0" y="0"/>
+          <a:chExt cx="0" cy="0"/>
+        </a:xfrm>
+      </p:grpSpPr>
+      <p:sp>
+        <p:nvSpPr>
+          <p:cNvPr id="2" name="Title 1"/>
+          <p:cNvSpPr>
+            <a:spLocks noGrp="1"/>
+          </p:cNvSpPr>
+          <p:nvPr>
+            <p:ph type="title"/>
+          </p:nvPr>
+        </p:nvSpPr>
+        <p:spPr/>
+        <p:txBody>
+          <a:bodyPr/>
+          <a:lstStyle/>
+          <a:p>
+            <a:r>
               <a:rPr lang="en-US" dirty="0" smtClean="0"/>
               <a:t>XML </a:t>
             </a:r>
@@ -9935,7 +10663,7 @@
 </p:sld>
 </file>
 
-<file path=ppt/slides/slide27.xml><?xml version="1.0" encoding="utf-8"?>
+<file path=ppt/slides/slide28.xml><?xml version="1.0" encoding="utf-8"?>
 <p:sld xmlns:a="http://schemas.openxmlformats.org/drawingml/2006/main" xmlns:r="http://schemas.openxmlformats.org/officeDocument/2006/relationships" xmlns:p="http://schemas.openxmlformats.org/presentationml/2006/main">
   <p:cSld>
     <p:spTree>
@@ -10851,7 +11579,7 @@
 </p:sld>
 </file>
 
-<file path=ppt/slides/slide28.xml><?xml version="1.0" encoding="utf-8"?>
+<file path=ppt/slides/slide29.xml><?xml version="1.0" encoding="utf-8"?>
 <p:sld xmlns:a="http://schemas.openxmlformats.org/drawingml/2006/main" xmlns:r="http://schemas.openxmlformats.org/officeDocument/2006/relationships" xmlns:p="http://schemas.openxmlformats.org/presentationml/2006/main">
   <p:cSld>
     <p:spTree>
@@ -11007,136 +11735,6 @@
     <p:extLst>
       <p:ext uri="{BB962C8B-B14F-4D97-AF65-F5344CB8AC3E}">
         <p14:creationId xmlns:p14="http://schemas.microsoft.com/office/powerpoint/2010/main" val="238274862"/>
-      </p:ext>
-    </p:extLst>
-  </p:cSld>
-  <p:clrMapOvr>
-    <a:masterClrMapping/>
-  </p:clrMapOvr>
-  <p:timing>
-    <p:tnLst>
-      <p:par>
-        <p:cTn id="1" dur="indefinite" restart="never" nodeType="tmRoot"/>
-      </p:par>
-    </p:tnLst>
-  </p:timing>
-</p:sld>
-</file>
-
-<file path=ppt/slides/slide29.xml><?xml version="1.0" encoding="utf-8"?>
-<p:sld xmlns:a="http://schemas.openxmlformats.org/drawingml/2006/main" xmlns:r="http://schemas.openxmlformats.org/officeDocument/2006/relationships" xmlns:p="http://schemas.openxmlformats.org/presentationml/2006/main">
-  <p:cSld>
-    <p:spTree>
-      <p:nvGrpSpPr>
-        <p:cNvPr id="1" name=""/>
-        <p:cNvGrpSpPr/>
-        <p:nvPr/>
-      </p:nvGrpSpPr>
-      <p:grpSpPr>
-        <a:xfrm>
-          <a:off x="0" y="0"/>
-          <a:ext cx="0" cy="0"/>
-          <a:chOff x="0" y="0"/>
-          <a:chExt cx="0" cy="0"/>
-        </a:xfrm>
-      </p:grpSpPr>
-      <p:sp>
-        <p:nvSpPr>
-          <p:cNvPr id="2" name="Title 1"/>
-          <p:cNvSpPr>
-            <a:spLocks noGrp="1"/>
-          </p:cNvSpPr>
-          <p:nvPr>
-            <p:ph type="title"/>
-          </p:nvPr>
-        </p:nvSpPr>
-        <p:spPr/>
-        <p:txBody>
-          <a:bodyPr/>
-          <a:lstStyle/>
-          <a:p>
-            <a:r>
-              <a:rPr lang="en-US" dirty="0" smtClean="0"/>
-              <a:t>XML </a:t>
-            </a:r>
-            <a:r>
-              <a:rPr lang="ru-RU" dirty="0" smtClean="0"/>
-              <a:t>комментарии</a:t>
-            </a:r>
-            <a:r>
-              <a:rPr lang="en-US" dirty="0" smtClean="0"/>
-              <a:t>: Sandcastle</a:t>
-            </a:r>
-            <a:endParaRPr lang="ru-RU" dirty="0"/>
-          </a:p>
-        </p:txBody>
-      </p:sp>
-      <p:sp>
-        <p:nvSpPr>
-          <p:cNvPr id="3" name="Content Placeholder 2"/>
-          <p:cNvSpPr>
-            <a:spLocks noGrp="1"/>
-          </p:cNvSpPr>
-          <p:nvPr>
-            <p:ph idx="1"/>
-          </p:nvPr>
-        </p:nvSpPr>
-        <p:spPr/>
-        <p:txBody>
-          <a:bodyPr>
-            <a:normAutofit/>
-          </a:bodyPr>
-          <a:lstStyle/>
-          <a:p>
-            <a:pPr marL="0" indent="0">
-              <a:buNone/>
-            </a:pPr>
-            <a:r>
-              <a:rPr lang="ru-RU" dirty="0" smtClean="0"/>
-              <a:t>Полученный </a:t>
-            </a:r>
-            <a:r>
-              <a:rPr lang="en-US" dirty="0" smtClean="0"/>
-              <a:t>XML </a:t>
-            </a:r>
-            <a:r>
-              <a:rPr lang="ru-RU" dirty="0" smtClean="0"/>
-              <a:t>файл неудобен для чтения человеком. Однако его можно обработать с помощью программы </a:t>
-            </a:r>
-            <a:r>
-              <a:rPr lang="en-US" dirty="0" smtClean="0"/>
-              <a:t>Sandcastle</a:t>
-            </a:r>
-            <a:r>
-              <a:rPr lang="en-US" dirty="0"/>
-              <a:t> </a:t>
-            </a:r>
-            <a:r>
-              <a:rPr lang="en-US" dirty="0" smtClean="0"/>
-              <a:t>(</a:t>
-            </a:r>
-            <a:r>
-              <a:rPr lang="en-US" dirty="0" smtClean="0">
-                <a:hlinkClick r:id="rId2"/>
-              </a:rPr>
-              <a:t>shfb.codeplex.com</a:t>
-            </a:r>
-            <a:r>
-              <a:rPr lang="en-US" dirty="0" smtClean="0"/>
-              <a:t>) </a:t>
-            </a:r>
-            <a:r>
-              <a:rPr lang="ru-RU" dirty="0" smtClean="0"/>
-              <a:t>и получить файл(ы) справки.</a:t>
-            </a:r>
-            <a:endParaRPr lang="en-US" dirty="0" smtClean="0"/>
-          </a:p>
-        </p:txBody>
-      </p:sp>
-    </p:spTree>
-    <p:extLst>
-      <p:ext uri="{BB962C8B-B14F-4D97-AF65-F5344CB8AC3E}">
-        <p14:creationId xmlns:p14="http://schemas.microsoft.com/office/powerpoint/2010/main" val="2734608499"/>
       </p:ext>
     </p:extLst>
   </p:cSld>
@@ -11358,44 +11956,106 @@
             <p:ph type="title"/>
           </p:nvPr>
         </p:nvSpPr>
-        <p:spPr>
-          <a:xfrm>
-            <a:off x="457200" y="2857500"/>
-            <a:ext cx="8229600" cy="1143000"/>
-          </a:xfrm>
-        </p:spPr>
+        <p:spPr/>
+        <p:txBody>
+          <a:bodyPr/>
+          <a:lstStyle/>
+          <a:p>
+            <a:r>
+              <a:rPr lang="en-US" dirty="0" smtClean="0"/>
+              <a:t>XML </a:t>
+            </a:r>
+            <a:r>
+              <a:rPr lang="ru-RU" dirty="0" smtClean="0"/>
+              <a:t>комментарии</a:t>
+            </a:r>
+            <a:r>
+              <a:rPr lang="en-US" dirty="0" smtClean="0"/>
+              <a:t>: Sandcastle</a:t>
+            </a:r>
+            <a:endParaRPr lang="ru-RU" dirty="0"/>
+          </a:p>
+        </p:txBody>
+      </p:sp>
+      <p:sp>
+        <p:nvSpPr>
+          <p:cNvPr id="3" name="Content Placeholder 2"/>
+          <p:cNvSpPr>
+            <a:spLocks noGrp="1"/>
+          </p:cNvSpPr>
+          <p:nvPr>
+            <p:ph idx="1"/>
+          </p:nvPr>
+        </p:nvSpPr>
+        <p:spPr/>
         <p:txBody>
           <a:bodyPr>
             <a:normAutofit/>
           </a:bodyPr>
           <a:lstStyle/>
           <a:p>
+            <a:pPr marL="0" indent="0">
+              <a:buNone/>
+            </a:pPr>
             <a:r>
               <a:rPr lang="ru-RU" dirty="0" smtClean="0"/>
-              <a:t>Чтение </a:t>
+              <a:t>Полученный </a:t>
             </a:r>
             <a:r>
               <a:rPr lang="en-US" dirty="0" smtClean="0"/>
-              <a:t>XML. </a:t>
+              <a:t>XML </a:t>
             </a:r>
             <a:r>
               <a:rPr lang="ru-RU" dirty="0" smtClean="0"/>
-              <a:t>Демонстрация.</a:t>
-            </a:r>
-            <a:endParaRPr lang="ru-RU" dirty="0"/>
+              <a:t>файл неудобен для чтения человеком. Однако его можно обработать с помощью программы </a:t>
+            </a:r>
+            <a:r>
+              <a:rPr lang="en-US" dirty="0" smtClean="0"/>
+              <a:t>Sandcastle</a:t>
+            </a:r>
+            <a:r>
+              <a:rPr lang="en-US" dirty="0"/>
+              <a:t> </a:t>
+            </a:r>
+            <a:r>
+              <a:rPr lang="en-US" dirty="0" smtClean="0"/>
+              <a:t>(</a:t>
+            </a:r>
+            <a:r>
+              <a:rPr lang="en-US" dirty="0" smtClean="0">
+                <a:hlinkClick r:id="rId2"/>
+              </a:rPr>
+              <a:t>shfb.codeplex.com</a:t>
+            </a:r>
+            <a:r>
+              <a:rPr lang="en-US" dirty="0" smtClean="0"/>
+              <a:t>) </a:t>
+            </a:r>
+            <a:r>
+              <a:rPr lang="ru-RU" dirty="0" smtClean="0"/>
+              <a:t>и получить файл(ы) справки.</a:t>
+            </a:r>
+            <a:endParaRPr lang="en-US" dirty="0" smtClean="0"/>
           </a:p>
         </p:txBody>
       </p:sp>
     </p:spTree>
     <p:extLst>
       <p:ext uri="{BB962C8B-B14F-4D97-AF65-F5344CB8AC3E}">
-        <p14:creationId xmlns:p14="http://schemas.microsoft.com/office/powerpoint/2010/main" val="607863742"/>
+        <p14:creationId xmlns:p14="http://schemas.microsoft.com/office/powerpoint/2010/main" val="2734608499"/>
       </p:ext>
     </p:extLst>
   </p:cSld>
   <p:clrMapOvr>
     <a:masterClrMapping/>
   </p:clrMapOvr>
+  <p:timing>
+    <p:tnLst>
+      <p:par>
+        <p:cTn id="1" dur="indefinite" restart="never" nodeType="tmRoot"/>
+      </p:par>
+    </p:tnLst>
+  </p:timing>
 </p:sld>
 </file>
 
@@ -11426,101 +12086,29 @@
             <p:ph type="title"/>
           </p:nvPr>
         </p:nvSpPr>
-        <p:spPr/>
-        <p:txBody>
-          <a:bodyPr/>
-          <a:lstStyle/>
-          <a:p>
-            <a:r>
-              <a:rPr lang="en-US" dirty="0" smtClean="0"/>
-              <a:t>XML </a:t>
-            </a:r>
-            <a:r>
-              <a:rPr lang="ru-RU" dirty="0" smtClean="0"/>
-              <a:t>сериализация (</a:t>
-            </a:r>
-            <a:r>
-              <a:rPr lang="en-US" dirty="0" smtClean="0"/>
-              <a:t>serialization</a:t>
-            </a:r>
-            <a:r>
-              <a:rPr lang="ru-RU" dirty="0" smtClean="0"/>
-              <a:t>)</a:t>
-            </a:r>
-            <a:endParaRPr lang="ru-RU" dirty="0"/>
-          </a:p>
-        </p:txBody>
-      </p:sp>
-      <p:sp>
-        <p:nvSpPr>
-          <p:cNvPr id="3" name="Content Placeholder 2"/>
-          <p:cNvSpPr>
-            <a:spLocks noGrp="1"/>
-          </p:cNvSpPr>
-          <p:nvPr>
-            <p:ph idx="1"/>
-          </p:nvPr>
-        </p:nvSpPr>
-        <p:spPr/>
+        <p:spPr>
+          <a:xfrm>
+            <a:off x="457200" y="2857500"/>
+            <a:ext cx="8229600" cy="1143000"/>
+          </a:xfrm>
+        </p:spPr>
         <p:txBody>
           <a:bodyPr>
-            <a:normAutofit lnSpcReduction="10000"/>
+            <a:normAutofit/>
           </a:bodyPr>
           <a:lstStyle/>
           <a:p>
             <a:r>
-              <a:rPr lang="ru-RU" dirty="0"/>
-              <a:t>Сериализация – сохранение данных об объекте </a:t>
-            </a:r>
-            <a:r>
               <a:rPr lang="ru-RU" dirty="0" smtClean="0"/>
-              <a:t>в поток</a:t>
-            </a:r>
-            <a:endParaRPr lang="ru-RU" dirty="0"/>
-          </a:p>
-          <a:p>
+              <a:t>Чтение </a:t>
+            </a:r>
+            <a:r>
+              <a:rPr lang="en-US" dirty="0" smtClean="0"/>
+              <a:t>XML. </a:t>
+            </a:r>
             <a:r>
               <a:rPr lang="ru-RU" dirty="0" smtClean="0"/>
-              <a:t>Десериализация</a:t>
-            </a:r>
-            <a:r>
-              <a:rPr lang="en-US" dirty="0" smtClean="0"/>
-              <a:t> </a:t>
-            </a:r>
-            <a:r>
-              <a:rPr lang="ru-RU" dirty="0" smtClean="0"/>
-              <a:t>– </a:t>
-            </a:r>
-            <a:r>
-              <a:rPr lang="ru-RU" dirty="0"/>
-              <a:t>обратный процесс восстановления </a:t>
-            </a:r>
-            <a:r>
-              <a:rPr lang="ru-RU" dirty="0" smtClean="0"/>
-              <a:t>объекта</a:t>
-            </a:r>
-          </a:p>
-          <a:p>
-            <a:endParaRPr lang="en-US" dirty="0" smtClean="0"/>
-          </a:p>
-          <a:p>
-            <a:r>
-              <a:rPr lang="ru-RU" dirty="0" smtClean="0"/>
-              <a:t>Примеры использования:</a:t>
-            </a:r>
-          </a:p>
-          <a:p>
-            <a:pPr lvl="1"/>
-            <a:r>
-              <a:rPr lang="ru-RU" dirty="0" smtClean="0"/>
-              <a:t>Передача объекта между разными программи/машинами.</a:t>
-            </a:r>
-          </a:p>
-          <a:p>
-            <a:pPr lvl="1"/>
-            <a:r>
-              <a:rPr lang="ru-RU" dirty="0" smtClean="0"/>
-              <a:t>Файлы конфигурации</a:t>
+              <a:t>Демонстрация.</a:t>
             </a:r>
             <a:endParaRPr lang="ru-RU" dirty="0"/>
           </a:p>
@@ -11529,7 +12117,7 @@
     </p:spTree>
     <p:extLst>
       <p:ext uri="{BB962C8B-B14F-4D97-AF65-F5344CB8AC3E}">
-        <p14:creationId xmlns:p14="http://schemas.microsoft.com/office/powerpoint/2010/main" val="4243754449"/>
+        <p14:creationId xmlns:p14="http://schemas.microsoft.com/office/powerpoint/2010/main" val="607863742"/>
       </p:ext>
     </p:extLst>
   </p:cSld>
@@ -11566,6 +12154,146 @@
             <p:ph type="title"/>
           </p:nvPr>
         </p:nvSpPr>
+        <p:spPr/>
+        <p:txBody>
+          <a:bodyPr/>
+          <a:lstStyle/>
+          <a:p>
+            <a:r>
+              <a:rPr lang="en-US" dirty="0" smtClean="0"/>
+              <a:t>XML </a:t>
+            </a:r>
+            <a:r>
+              <a:rPr lang="ru-RU" dirty="0" smtClean="0"/>
+              <a:t>сериализация (</a:t>
+            </a:r>
+            <a:r>
+              <a:rPr lang="en-US" dirty="0" smtClean="0"/>
+              <a:t>serialization</a:t>
+            </a:r>
+            <a:r>
+              <a:rPr lang="ru-RU" dirty="0" smtClean="0"/>
+              <a:t>)</a:t>
+            </a:r>
+            <a:endParaRPr lang="ru-RU" dirty="0"/>
+          </a:p>
+        </p:txBody>
+      </p:sp>
+      <p:sp>
+        <p:nvSpPr>
+          <p:cNvPr id="3" name="Content Placeholder 2"/>
+          <p:cNvSpPr>
+            <a:spLocks noGrp="1"/>
+          </p:cNvSpPr>
+          <p:nvPr>
+            <p:ph idx="1"/>
+          </p:nvPr>
+        </p:nvSpPr>
+        <p:spPr/>
+        <p:txBody>
+          <a:bodyPr>
+            <a:normAutofit lnSpcReduction="10000"/>
+          </a:bodyPr>
+          <a:lstStyle/>
+          <a:p>
+            <a:r>
+              <a:rPr lang="ru-RU" dirty="0"/>
+              <a:t>Сериализация – сохранение данных об объекте </a:t>
+            </a:r>
+            <a:r>
+              <a:rPr lang="ru-RU" dirty="0" smtClean="0"/>
+              <a:t>в поток</a:t>
+            </a:r>
+            <a:endParaRPr lang="ru-RU" dirty="0"/>
+          </a:p>
+          <a:p>
+            <a:r>
+              <a:rPr lang="ru-RU" dirty="0" smtClean="0"/>
+              <a:t>Десериализация</a:t>
+            </a:r>
+            <a:r>
+              <a:rPr lang="en-US" dirty="0" smtClean="0"/>
+              <a:t> </a:t>
+            </a:r>
+            <a:r>
+              <a:rPr lang="ru-RU" dirty="0" smtClean="0"/>
+              <a:t>– </a:t>
+            </a:r>
+            <a:r>
+              <a:rPr lang="ru-RU" dirty="0"/>
+              <a:t>обратный процесс восстановления </a:t>
+            </a:r>
+            <a:r>
+              <a:rPr lang="ru-RU" dirty="0" smtClean="0"/>
+              <a:t>объекта</a:t>
+            </a:r>
+          </a:p>
+          <a:p>
+            <a:endParaRPr lang="en-US" dirty="0" smtClean="0"/>
+          </a:p>
+          <a:p>
+            <a:r>
+              <a:rPr lang="ru-RU" dirty="0" smtClean="0"/>
+              <a:t>Примеры использования:</a:t>
+            </a:r>
+          </a:p>
+          <a:p>
+            <a:pPr lvl="1"/>
+            <a:r>
+              <a:rPr lang="ru-RU" dirty="0" smtClean="0"/>
+              <a:t>Передача объекта между разными программи/машинами.</a:t>
+            </a:r>
+          </a:p>
+          <a:p>
+            <a:pPr lvl="1"/>
+            <a:r>
+              <a:rPr lang="ru-RU" dirty="0" smtClean="0"/>
+              <a:t>Файлы конфигурации</a:t>
+            </a:r>
+            <a:endParaRPr lang="ru-RU" dirty="0"/>
+          </a:p>
+        </p:txBody>
+      </p:sp>
+    </p:spTree>
+    <p:extLst>
+      <p:ext uri="{BB962C8B-B14F-4D97-AF65-F5344CB8AC3E}">
+        <p14:creationId xmlns:p14="http://schemas.microsoft.com/office/powerpoint/2010/main" val="4243754449"/>
+      </p:ext>
+    </p:extLst>
+  </p:cSld>
+  <p:clrMapOvr>
+    <a:masterClrMapping/>
+  </p:clrMapOvr>
+</p:sld>
+</file>
+
+<file path=ppt/slides/slide33.xml><?xml version="1.0" encoding="utf-8"?>
+<p:sld xmlns:a="http://schemas.openxmlformats.org/drawingml/2006/main" xmlns:r="http://schemas.openxmlformats.org/officeDocument/2006/relationships" xmlns:p="http://schemas.openxmlformats.org/presentationml/2006/main">
+  <p:cSld>
+    <p:spTree>
+      <p:nvGrpSpPr>
+        <p:cNvPr id="1" name=""/>
+        <p:cNvGrpSpPr/>
+        <p:nvPr/>
+      </p:nvGrpSpPr>
+      <p:grpSpPr>
+        <a:xfrm>
+          <a:off x="0" y="0"/>
+          <a:ext cx="0" cy="0"/>
+          <a:chOff x="0" y="0"/>
+          <a:chExt cx="0" cy="0"/>
+        </a:xfrm>
+      </p:grpSpPr>
+      <p:sp>
+        <p:nvSpPr>
+          <p:cNvPr id="2" name="Title 1"/>
+          <p:cNvSpPr>
+            <a:spLocks noGrp="1"/>
+          </p:cNvSpPr>
+          <p:nvPr>
+            <p:ph type="title"/>
+          </p:nvPr>
+        </p:nvSpPr>
         <p:spPr>
           <a:xfrm>
             <a:off x="457200" y="-234280"/>
@@ -13880,7 +14608,7 @@
 </p:sld>
 </file>
 
-<file path=ppt/slides/slide33.xml><?xml version="1.0" encoding="utf-8"?>
+<file path=ppt/slides/slide34.xml><?xml version="1.0" encoding="utf-8"?>
 <p:sld xmlns:a="http://schemas.openxmlformats.org/drawingml/2006/main" xmlns:r="http://schemas.openxmlformats.org/officeDocument/2006/relationships" xmlns:p="http://schemas.openxmlformats.org/presentationml/2006/main">
   <p:cSld>
     <p:bg>
@@ -14372,7 +15100,11 @@
               <a:t>, </a:t>
             </a:r>
             <a:r>
-              <a:rPr lang="en-US" sz="1800" dirty="0"/>
+              <a:rPr lang="en-US" sz="1800" dirty="0" smtClean="0"/>
+              <a:t>RSS, Atom, </a:t>
+            </a:r>
+            <a:r>
+              <a:rPr lang="en-US" sz="1800" dirty="0" smtClean="0"/>
               <a:t>SVG</a:t>
             </a:r>
             <a:r>
@@ -14590,11 +15322,7 @@
           <a:p>
             <a:r>
               <a:rPr lang="ru-RU" dirty="0" smtClean="0"/>
-              <a:t>Файлы конфигурации </a:t>
-            </a:r>
-            <a:r>
-              <a:rPr lang="ru-RU" dirty="0" smtClean="0"/>
-              <a:t>(</a:t>
+              <a:t>Файлы конфигурации (</a:t>
             </a:r>
             <a:r>
               <a:rPr lang="en-US" dirty="0" smtClean="0"/>
@@ -14620,11 +15348,7 @@
             </a:r>
             <a:r>
               <a:rPr lang="ru-RU" dirty="0" smtClean="0"/>
-              <a:t>в</a:t>
-            </a:r>
-            <a:r>
-              <a:rPr lang="ru-RU" dirty="0" smtClean="0"/>
-              <a:t> </a:t>
+              <a:t>в </a:t>
             </a:r>
             <a:r>
               <a:rPr lang="en-US" dirty="0" smtClean="0"/>
@@ -14638,16 +15362,11 @@
               <a:rPr lang="en-US" dirty="0" smtClean="0"/>
               <a:t>XAML</a:t>
             </a:r>
-            <a:endParaRPr lang="en-US" dirty="0" smtClean="0"/>
           </a:p>
           <a:p>
             <a:r>
               <a:rPr lang="ru-RU" dirty="0" smtClean="0"/>
-              <a:t>Файлы манифестов </a:t>
-            </a:r>
-            <a:r>
-              <a:rPr lang="ru-RU" dirty="0" smtClean="0"/>
-              <a:t>приложений для </a:t>
+              <a:t>Файлы манифестов приложений для </a:t>
             </a:r>
             <a:r>
               <a:rPr lang="en-US" dirty="0" smtClean="0"/>
@@ -14675,7 +15394,15 @@
           <a:p>
             <a:r>
               <a:rPr lang="ru-RU" dirty="0" smtClean="0"/>
-              <a:t>Сохрание/загрузка </a:t>
+              <a:t>Сохра</a:t>
+            </a:r>
+            <a:r>
+              <a:rPr lang="ru-RU" dirty="0" smtClean="0"/>
+              <a:t>не</a:t>
+            </a:r>
+            <a:r>
+              <a:rPr lang="ru-RU" dirty="0" smtClean="0"/>
+              <a:t>ние/загрузка </a:t>
             </a:r>
             <a:r>
               <a:rPr lang="ru-RU" dirty="0" smtClean="0"/>

--- a/Presentation/lesson-06-xml.pptx
+++ b/Presentation/lesson-06-xml.pptx
@@ -5,7 +5,7 @@
     <p:sldMasterId id="2147483648" r:id="rId1"/>
   </p:sldMasterIdLst>
   <p:notesMasterIdLst>
-    <p:notesMasterId r:id="rId36"/>
+    <p:notesMasterId r:id="rId37"/>
   </p:notesMasterIdLst>
   <p:sldIdLst>
     <p:sldId id="257" r:id="rId2"/>
@@ -33,15 +33,16 @@
     <p:sldId id="283" r:id="rId24"/>
     <p:sldId id="276" r:id="rId25"/>
     <p:sldId id="289" r:id="rId26"/>
-    <p:sldId id="293" r:id="rId27"/>
-    <p:sldId id="278" r:id="rId28"/>
-    <p:sldId id="288" r:id="rId29"/>
-    <p:sldId id="284" r:id="rId30"/>
-    <p:sldId id="287" r:id="rId31"/>
-    <p:sldId id="277" r:id="rId32"/>
-    <p:sldId id="280" r:id="rId33"/>
-    <p:sldId id="282" r:id="rId34"/>
-    <p:sldId id="285" r:id="rId35"/>
+    <p:sldId id="294" r:id="rId27"/>
+    <p:sldId id="293" r:id="rId28"/>
+    <p:sldId id="278" r:id="rId29"/>
+    <p:sldId id="288" r:id="rId30"/>
+    <p:sldId id="284" r:id="rId31"/>
+    <p:sldId id="287" r:id="rId32"/>
+    <p:sldId id="277" r:id="rId33"/>
+    <p:sldId id="280" r:id="rId34"/>
+    <p:sldId id="282" r:id="rId35"/>
+    <p:sldId id="285" r:id="rId36"/>
   </p:sldIdLst>
   <p:sldSz cx="9144000" cy="6858000" type="screen4x3"/>
   <p:notesSz cx="6858000" cy="9144000"/>
@@ -225,7 +226,7 @@
           <a:p>
             <a:fld id="{B24A7054-7FFB-49F4-A126-5DF6E687FF53}" type="datetimeFigureOut">
               <a:rPr lang="ru-RU" smtClean="0"/>
-              <a:t>29.01.2015</a:t>
+              <a:t>17.03.2015</a:t>
             </a:fld>
             <a:endParaRPr lang="ru-RU"/>
           </a:p>
@@ -1288,7 +1289,7 @@
           <a:p>
             <a:fld id="{8E6E6A2A-E9D3-4A0D-B04A-ABDD367A1E08}" type="datetimeFigureOut">
               <a:rPr lang="ru-RU" smtClean="0"/>
-              <a:t>29.01.2015</a:t>
+              <a:t>17.03.2015</a:t>
             </a:fld>
             <a:endParaRPr lang="ru-RU"/>
           </a:p>
@@ -2736,7 +2737,7 @@
           <a:p>
             <a:fld id="{AC3D3127-B7C4-45E3-9797-C527EC9FDD78}" type="datetimeFigureOut">
               <a:rPr lang="ru-RU" smtClean="0"/>
-              <a:t>29.01.2015</a:t>
+              <a:t>17.03.2015</a:t>
             </a:fld>
             <a:endParaRPr lang="ru-RU"/>
           </a:p>
@@ -9799,16 +9800,16 @@
           <a:lstStyle/>
           <a:p>
             <a:r>
+              <a:rPr lang="en-US" dirty="0" smtClean="0"/>
+              <a:t>@</a:t>
+            </a:r>
+            <a:r>
               <a:rPr lang="ru-RU" dirty="0" smtClean="0"/>
-              <a:t>Работа с </a:t>
+              <a:t>-строки и </a:t>
             </a:r>
             <a:r>
               <a:rPr lang="en-US" dirty="0" smtClean="0"/>
-              <a:t>RSS/Atom </a:t>
-            </a:r>
-            <a:r>
-              <a:rPr lang="ru-RU" dirty="0" smtClean="0"/>
-              <a:t>форматами</a:t>
+              <a:t>XML</a:t>
             </a:r>
             <a:endParaRPr lang="ru-RU" dirty="0"/>
           </a:p>
@@ -9827,36 +9828,35 @@
         <p:spPr>
           <a:xfrm>
             <a:off x="457200" y="1600201"/>
-            <a:ext cx="8229600" cy="2044824"/>
+            <a:ext cx="8229600" cy="964704"/>
           </a:xfrm>
         </p:spPr>
         <p:txBody>
-          <a:bodyPr/>
+          <a:bodyPr>
+            <a:normAutofit/>
+          </a:bodyPr>
           <a:lstStyle/>
           <a:p>
             <a:pPr marL="0" indent="0">
               <a:buNone/>
             </a:pPr>
             <a:r>
-              <a:rPr lang="ru-RU" dirty="0" smtClean="0"/>
-              <a:t>Для разбора и создания данных в формате </a:t>
-            </a:r>
-            <a:r>
-              <a:rPr lang="en-US" dirty="0" smtClean="0"/>
-              <a:t>RSS/Atom </a:t>
-            </a:r>
-            <a:r>
-              <a:rPr lang="ru-RU" dirty="0" smtClean="0"/>
-              <a:t>можно использовать классы из пространства имен </a:t>
-            </a:r>
-            <a:r>
-              <a:rPr lang="en-US" dirty="0" err="1" smtClean="0"/>
-              <a:t>System.ServiceModel.Syndication</a:t>
-            </a:r>
-            <a:r>
-              <a:rPr lang="ru-RU" dirty="0"/>
-              <a:t>.</a:t>
-            </a:r>
+              <a:rPr lang="en-US" sz="2400" dirty="0" smtClean="0"/>
+              <a:t>@-</a:t>
+            </a:r>
+            <a:r>
+              <a:rPr lang="ru-RU" sz="2400" dirty="0" smtClean="0"/>
+              <a:t>строки позволяют вставлять </a:t>
+            </a:r>
+            <a:r>
+              <a:rPr lang="en-US" sz="2400" dirty="0" smtClean="0"/>
+              <a:t>XML</a:t>
+            </a:r>
+            <a:r>
+              <a:rPr lang="ru-RU" sz="2400" dirty="0" smtClean="0"/>
+              <a:t> в тело программы с минимальными изменениями (удвоение кавычек):</a:t>
+            </a:r>
+            <a:endParaRPr lang="ru-RU" sz="2400" dirty="0"/>
           </a:p>
         </p:txBody>
       </p:sp>
@@ -9868,8 +9868,8 @@
         </p:nvSpPr>
         <p:spPr>
           <a:xfrm>
-            <a:off x="457200" y="4017819"/>
-            <a:ext cx="8291264" cy="2308324"/>
+            <a:off x="457200" y="2708920"/>
+            <a:ext cx="8291264" cy="2800767"/>
           </a:xfrm>
           <a:prstGeom prst="rect">
             <a:avLst/>
@@ -9885,16 +9885,16 @@
           <a:lstStyle/>
           <a:p>
             <a:r>
-              <a:rPr lang="en-US" sz="1200" dirty="0">
+              <a:rPr lang="en-US" sz="1600" dirty="0">
                 <a:solidFill>
                   <a:srgbClr val="0000FF"/>
                 </a:solidFill>
                 <a:latin typeface="Consolas"/>
               </a:rPr>
-              <a:t>using</a:t>
-            </a:r>
-            <a:r>
-              <a:rPr lang="en-US" sz="1200" dirty="0">
+              <a:t>string</a:t>
+            </a:r>
+            <a:r>
+              <a:rPr lang="en-US" sz="1600" dirty="0">
                 <a:solidFill>
                   <a:prstClr val="black"/>
                 </a:solidFill>
@@ -9903,64 +9903,69 @@
               <a:t> </a:t>
             </a:r>
             <a:r>
-              <a:rPr lang="en-US" sz="1200" dirty="0" err="1">
+              <a:rPr lang="en-US" sz="1600" dirty="0" err="1">
                 <a:solidFill>
                   <a:prstClr val="black"/>
                 </a:solidFill>
                 <a:latin typeface="Consolas"/>
               </a:rPr>
-              <a:t>System.ServiceModel.Syndication</a:t>
-            </a:r>
-            <a:r>
-              <a:rPr lang="en-US" sz="1200" dirty="0">
+              <a:t>booksXml</a:t>
+            </a:r>
+            <a:r>
+              <a:rPr lang="en-US" sz="1600" dirty="0">
                 <a:solidFill>
                   <a:prstClr val="black"/>
                 </a:solidFill>
                 <a:latin typeface="Consolas"/>
               </a:rPr>
-              <a:t>;</a:t>
-            </a:r>
-          </a:p>
-          <a:p>
-            <a:r>
-              <a:rPr lang="en-US" sz="1200" dirty="0">
-                <a:solidFill>
-                  <a:srgbClr val="0000FF"/>
-                </a:solidFill>
-                <a:latin typeface="Consolas"/>
-              </a:rPr>
-              <a:t>using</a:t>
-            </a:r>
-            <a:r>
-              <a:rPr lang="en-US" sz="1200" dirty="0">
-                <a:solidFill>
-                  <a:prstClr val="black"/>
-                </a:solidFill>
-                <a:latin typeface="Consolas"/>
-              </a:rPr>
-              <a:t> </a:t>
-            </a:r>
-            <a:r>
-              <a:rPr lang="en-US" sz="1200" dirty="0" err="1">
-                <a:solidFill>
-                  <a:prstClr val="black"/>
-                </a:solidFill>
-                <a:latin typeface="Consolas"/>
-              </a:rPr>
-              <a:t>System.Xml</a:t>
-            </a:r>
-            <a:r>
-              <a:rPr lang="en-US" sz="1200" dirty="0">
-                <a:solidFill>
-                  <a:prstClr val="black"/>
-                </a:solidFill>
-                <a:latin typeface="Consolas"/>
-              </a:rPr>
-              <a:t>;</a:t>
-            </a:r>
-          </a:p>
-          <a:p>
-            <a:endParaRPr lang="en-US" sz="1200" dirty="0" smtClean="0">
+              <a:t> = </a:t>
+            </a:r>
+            <a:r>
+              <a:rPr lang="en-US" sz="1600" dirty="0">
+                <a:solidFill>
+                  <a:srgbClr val="A31515"/>
+                </a:solidFill>
+                <a:latin typeface="Consolas"/>
+              </a:rPr>
+              <a:t>@"&lt;?xml version=</a:t>
+            </a:r>
+            <a:r>
+              <a:rPr lang="en-US" sz="1600" dirty="0">
+                <a:solidFill>
+                  <a:srgbClr val="FF007F"/>
+                </a:solidFill>
+                <a:latin typeface="Consolas"/>
+              </a:rPr>
+              <a:t>""</a:t>
+            </a:r>
+            <a:r>
+              <a:rPr lang="en-US" sz="1600" dirty="0">
+                <a:solidFill>
+                  <a:srgbClr val="A31515"/>
+                </a:solidFill>
+                <a:latin typeface="Consolas"/>
+              </a:rPr>
+              <a:t>1.0</a:t>
+            </a:r>
+            <a:r>
+              <a:rPr lang="en-US" sz="1600" dirty="0">
+                <a:solidFill>
+                  <a:srgbClr val="FF007F"/>
+                </a:solidFill>
+                <a:latin typeface="Consolas"/>
+              </a:rPr>
+              <a:t>""</a:t>
+            </a:r>
+            <a:r>
+              <a:rPr lang="en-US" sz="1600" dirty="0">
+                <a:solidFill>
+                  <a:srgbClr val="A31515"/>
+                </a:solidFill>
+                <a:latin typeface="Consolas"/>
+              </a:rPr>
+              <a:t>?&gt;</a:t>
+            </a:r>
+            <a:endParaRPr lang="en-US" sz="1600" dirty="0">
               <a:solidFill>
                 <a:prstClr val="black"/>
               </a:solidFill>
@@ -9969,347 +9974,33 @@
           </a:p>
           <a:p>
             <a:r>
-              <a:rPr lang="en-US" sz="1200" dirty="0">
-                <a:solidFill>
-                  <a:srgbClr val="0000FF"/>
-                </a:solidFill>
-                <a:latin typeface="Consolas"/>
-              </a:rPr>
-              <a:t>using</a:t>
-            </a:r>
-            <a:r>
-              <a:rPr lang="en-US" sz="1200" dirty="0">
-                <a:solidFill>
-                  <a:prstClr val="black"/>
-                </a:solidFill>
-                <a:latin typeface="Consolas"/>
-              </a:rPr>
-              <a:t> (</a:t>
-            </a:r>
-            <a:r>
-              <a:rPr lang="en-US" sz="1200" dirty="0" err="1">
-                <a:solidFill>
-                  <a:srgbClr val="2B91AF"/>
-                </a:solidFill>
-                <a:latin typeface="Consolas"/>
-              </a:rPr>
-              <a:t>XmlReader</a:t>
-            </a:r>
-            <a:r>
-              <a:rPr lang="en-US" sz="1200" dirty="0">
-                <a:solidFill>
-                  <a:prstClr val="black"/>
-                </a:solidFill>
-                <a:latin typeface="Consolas"/>
-              </a:rPr>
-              <a:t> </a:t>
-            </a:r>
-            <a:r>
-              <a:rPr lang="en-US" sz="1200" dirty="0" err="1">
-                <a:solidFill>
-                  <a:prstClr val="black"/>
-                </a:solidFill>
-                <a:latin typeface="Consolas"/>
-              </a:rPr>
-              <a:t>xmlReader</a:t>
-            </a:r>
-            <a:r>
-              <a:rPr lang="en-US" sz="1200" dirty="0">
-                <a:solidFill>
-                  <a:prstClr val="black"/>
-                </a:solidFill>
-                <a:latin typeface="Consolas"/>
-              </a:rPr>
-              <a:t> = </a:t>
-            </a:r>
-            <a:r>
-              <a:rPr lang="en-US" sz="1200" dirty="0" err="1">
-                <a:solidFill>
-                  <a:srgbClr val="2B91AF"/>
-                </a:solidFill>
-                <a:latin typeface="Consolas"/>
-              </a:rPr>
-              <a:t>XmlReader</a:t>
-            </a:r>
-            <a:r>
-              <a:rPr lang="en-US" sz="1200" dirty="0" err="1">
-                <a:solidFill>
-                  <a:prstClr val="black"/>
-                </a:solidFill>
-                <a:latin typeface="Consolas"/>
-              </a:rPr>
-              <a:t>.Create</a:t>
-            </a:r>
-            <a:r>
-              <a:rPr lang="en-US" sz="1200" dirty="0">
-                <a:solidFill>
-                  <a:prstClr val="black"/>
-                </a:solidFill>
-                <a:latin typeface="Consolas"/>
-              </a:rPr>
-              <a:t>(</a:t>
-            </a:r>
-            <a:r>
-              <a:rPr lang="en-US" sz="1200" dirty="0">
+              <a:rPr lang="ru-RU" sz="1600" dirty="0" smtClean="0">
                 <a:solidFill>
                   <a:srgbClr val="A31515"/>
                 </a:solidFill>
                 <a:latin typeface="Consolas"/>
               </a:rPr>
-              <a:t>"http://rss.slashdot.org/Slashdot/</a:t>
-            </a:r>
-            <a:r>
-              <a:rPr lang="en-US" sz="1200" dirty="0" err="1">
+              <a:t>  </a:t>
+            </a:r>
+            <a:r>
+              <a:rPr lang="en-US" sz="1600" dirty="0" smtClean="0">
                 <a:solidFill>
                   <a:srgbClr val="A31515"/>
                 </a:solidFill>
                 <a:latin typeface="Consolas"/>
               </a:rPr>
-              <a:t>slashdot</a:t>
-            </a:r>
-            <a:r>
-              <a:rPr lang="en-US" sz="1200" dirty="0">
+              <a:t>&lt;</a:t>
+            </a:r>
+            <a:r>
+              <a:rPr lang="en-US" sz="1600" dirty="0">
                 <a:solidFill>
                   <a:srgbClr val="A31515"/>
                 </a:solidFill>
                 <a:latin typeface="Consolas"/>
               </a:rPr>
-              <a:t>"</a:t>
-            </a:r>
-            <a:r>
-              <a:rPr lang="en-US" sz="1200" dirty="0">
-                <a:solidFill>
-                  <a:prstClr val="black"/>
-                </a:solidFill>
-                <a:latin typeface="Consolas"/>
-              </a:rPr>
-              <a:t>))</a:t>
-            </a:r>
-          </a:p>
-          <a:p>
-            <a:r>
-              <a:rPr lang="ru-RU" sz="1200" dirty="0">
-                <a:solidFill>
-                  <a:prstClr val="black"/>
-                </a:solidFill>
-                <a:latin typeface="Consolas"/>
-              </a:rPr>
-              <a:t>{</a:t>
-            </a:r>
-          </a:p>
-          <a:p>
-            <a:r>
-              <a:rPr lang="en-US" sz="1200" dirty="0" smtClean="0">
-                <a:solidFill>
-                  <a:srgbClr val="2B91AF"/>
-                </a:solidFill>
-                <a:latin typeface="Consolas"/>
-              </a:rPr>
-              <a:t>    </a:t>
-            </a:r>
-            <a:r>
-              <a:rPr lang="en-US" sz="1200" dirty="0" err="1" smtClean="0">
-                <a:solidFill>
-                  <a:srgbClr val="2B91AF"/>
-                </a:solidFill>
-                <a:latin typeface="Consolas"/>
-              </a:rPr>
-              <a:t>SyndicationFeed</a:t>
-            </a:r>
-            <a:r>
-              <a:rPr lang="en-US" sz="1200" dirty="0" smtClean="0">
-                <a:solidFill>
-                  <a:prstClr val="black"/>
-                </a:solidFill>
-                <a:latin typeface="Consolas"/>
-              </a:rPr>
-              <a:t> </a:t>
-            </a:r>
-            <a:r>
-              <a:rPr lang="en-US" sz="1200" dirty="0">
-                <a:solidFill>
-                  <a:prstClr val="black"/>
-                </a:solidFill>
-                <a:latin typeface="Consolas"/>
-              </a:rPr>
-              <a:t>feed = </a:t>
-            </a:r>
-            <a:r>
-              <a:rPr lang="en-US" sz="1200" dirty="0" err="1">
-                <a:solidFill>
-                  <a:srgbClr val="2B91AF"/>
-                </a:solidFill>
-                <a:latin typeface="Consolas"/>
-              </a:rPr>
-              <a:t>SyndicationFeed</a:t>
-            </a:r>
-            <a:r>
-              <a:rPr lang="en-US" sz="1200" dirty="0" err="1">
-                <a:solidFill>
-                  <a:prstClr val="black"/>
-                </a:solidFill>
-                <a:latin typeface="Consolas"/>
-              </a:rPr>
-              <a:t>.Load</a:t>
-            </a:r>
-            <a:r>
-              <a:rPr lang="en-US" sz="1200" dirty="0">
-                <a:solidFill>
-                  <a:prstClr val="black"/>
-                </a:solidFill>
-                <a:latin typeface="Consolas"/>
-              </a:rPr>
-              <a:t>(</a:t>
-            </a:r>
-            <a:r>
-              <a:rPr lang="en-US" sz="1200" dirty="0" err="1">
-                <a:solidFill>
-                  <a:prstClr val="black"/>
-                </a:solidFill>
-                <a:latin typeface="Consolas"/>
-              </a:rPr>
-              <a:t>xmlReader</a:t>
-            </a:r>
-            <a:r>
-              <a:rPr lang="en-US" sz="1200" dirty="0">
-                <a:solidFill>
-                  <a:prstClr val="black"/>
-                </a:solidFill>
-                <a:latin typeface="Consolas"/>
-              </a:rPr>
-              <a:t>);</a:t>
-            </a:r>
-          </a:p>
-          <a:p>
-            <a:r>
-              <a:rPr lang="en-US" sz="1200" dirty="0" smtClean="0">
-                <a:solidFill>
-                  <a:srgbClr val="0000FF"/>
-                </a:solidFill>
-                <a:latin typeface="Consolas"/>
-              </a:rPr>
-              <a:t>    </a:t>
-            </a:r>
-            <a:r>
-              <a:rPr lang="en-US" sz="1200" dirty="0" err="1" smtClean="0">
-                <a:solidFill>
-                  <a:srgbClr val="0000FF"/>
-                </a:solidFill>
-                <a:latin typeface="Consolas"/>
-              </a:rPr>
-              <a:t>foreach</a:t>
-            </a:r>
-            <a:r>
-              <a:rPr lang="en-US" sz="1200" dirty="0" smtClean="0">
-                <a:solidFill>
-                  <a:prstClr val="black"/>
-                </a:solidFill>
-                <a:latin typeface="Consolas"/>
-              </a:rPr>
-              <a:t> </a:t>
-            </a:r>
-            <a:r>
-              <a:rPr lang="en-US" sz="1200" dirty="0">
-                <a:solidFill>
-                  <a:prstClr val="black"/>
-                </a:solidFill>
-                <a:latin typeface="Consolas"/>
-              </a:rPr>
-              <a:t>(</a:t>
-            </a:r>
-            <a:r>
-              <a:rPr lang="en-US" sz="1200" dirty="0" err="1">
-                <a:solidFill>
-                  <a:srgbClr val="0000FF"/>
-                </a:solidFill>
-                <a:latin typeface="Consolas"/>
-              </a:rPr>
-              <a:t>var</a:t>
-            </a:r>
-            <a:r>
-              <a:rPr lang="en-US" sz="1200" dirty="0">
-                <a:solidFill>
-                  <a:prstClr val="black"/>
-                </a:solidFill>
-                <a:latin typeface="Consolas"/>
-              </a:rPr>
-              <a:t> </a:t>
-            </a:r>
-            <a:r>
-              <a:rPr lang="en-US" sz="1200" dirty="0" err="1">
-                <a:solidFill>
-                  <a:prstClr val="black"/>
-                </a:solidFill>
-                <a:latin typeface="Consolas"/>
-              </a:rPr>
-              <a:t>feedItem</a:t>
-            </a:r>
-            <a:r>
-              <a:rPr lang="en-US" sz="1200" dirty="0">
-                <a:solidFill>
-                  <a:prstClr val="black"/>
-                </a:solidFill>
-                <a:latin typeface="Consolas"/>
-              </a:rPr>
-              <a:t> </a:t>
-            </a:r>
-            <a:r>
-              <a:rPr lang="en-US" sz="1200" dirty="0">
-                <a:solidFill>
-                  <a:srgbClr val="0000FF"/>
-                </a:solidFill>
-                <a:latin typeface="Consolas"/>
-              </a:rPr>
-              <a:t>in</a:t>
-            </a:r>
-            <a:r>
-              <a:rPr lang="en-US" sz="1200" dirty="0">
-                <a:solidFill>
-                  <a:prstClr val="black"/>
-                </a:solidFill>
-                <a:latin typeface="Consolas"/>
-              </a:rPr>
-              <a:t> </a:t>
-            </a:r>
-            <a:r>
-              <a:rPr lang="en-US" sz="1200" dirty="0" err="1">
-                <a:solidFill>
-                  <a:prstClr val="black"/>
-                </a:solidFill>
-                <a:latin typeface="Consolas"/>
-              </a:rPr>
-              <a:t>feed.Items</a:t>
-            </a:r>
-            <a:r>
-              <a:rPr lang="en-US" sz="1200" dirty="0">
-                <a:solidFill>
-                  <a:prstClr val="black"/>
-                </a:solidFill>
-                <a:latin typeface="Consolas"/>
-              </a:rPr>
-              <a:t>)</a:t>
-            </a:r>
-          </a:p>
-          <a:p>
-            <a:r>
-              <a:rPr lang="en-US" sz="1200" dirty="0" smtClean="0">
-                <a:solidFill>
-                  <a:prstClr val="black"/>
-                </a:solidFill>
-                <a:latin typeface="Consolas"/>
-              </a:rPr>
-              <a:t>    </a:t>
-            </a:r>
-            <a:r>
-              <a:rPr lang="ru-RU" sz="1200" dirty="0" smtClean="0">
-                <a:solidFill>
-                  <a:prstClr val="black"/>
-                </a:solidFill>
-                <a:latin typeface="Consolas"/>
-              </a:rPr>
-              <a:t>{</a:t>
-            </a:r>
-            <a:endParaRPr lang="ru-RU" sz="1200" dirty="0">
+              <a:t>books&gt;</a:t>
+            </a:r>
+            <a:endParaRPr lang="en-US" sz="1600" dirty="0">
               <a:solidFill>
                 <a:prstClr val="black"/>
               </a:solidFill>
@@ -10318,136 +10009,87 @@
           </a:p>
           <a:p>
             <a:r>
-              <a:rPr lang="en-US" sz="1200" dirty="0" smtClean="0">
-                <a:solidFill>
-                  <a:srgbClr val="0000FF"/>
-                </a:solidFill>
-                <a:latin typeface="Consolas"/>
-              </a:rPr>
-              <a:t>        string</a:t>
-            </a:r>
-            <a:r>
-              <a:rPr lang="en-US" sz="1200" dirty="0" smtClean="0">
-                <a:solidFill>
-                  <a:prstClr val="black"/>
-                </a:solidFill>
-                <a:latin typeface="Consolas"/>
-              </a:rPr>
-              <a:t> </a:t>
-            </a:r>
-            <a:r>
-              <a:rPr lang="en-US" sz="1200" dirty="0">
-                <a:solidFill>
-                  <a:prstClr val="black"/>
-                </a:solidFill>
-                <a:latin typeface="Consolas"/>
-              </a:rPr>
-              <a:t>title = </a:t>
-            </a:r>
-            <a:r>
-              <a:rPr lang="en-US" sz="1200" dirty="0" err="1">
-                <a:solidFill>
-                  <a:prstClr val="black"/>
-                </a:solidFill>
-                <a:latin typeface="Consolas"/>
-              </a:rPr>
-              <a:t>feedItem.Title.Text</a:t>
-            </a:r>
-            <a:r>
-              <a:rPr lang="en-US" sz="1200" dirty="0">
-                <a:solidFill>
-                  <a:prstClr val="black"/>
-                </a:solidFill>
-                <a:latin typeface="Consolas"/>
-              </a:rPr>
-              <a:t>;</a:t>
-            </a:r>
-          </a:p>
-          <a:p>
-            <a:r>
-              <a:rPr lang="en-US" sz="1200" dirty="0" smtClean="0">
-                <a:solidFill>
-                  <a:srgbClr val="2B91AF"/>
-                </a:solidFill>
-                <a:latin typeface="Consolas"/>
-              </a:rPr>
-              <a:t>        </a:t>
-            </a:r>
-            <a:r>
-              <a:rPr lang="en-US" sz="1200" dirty="0" err="1" smtClean="0">
-                <a:solidFill>
-                  <a:srgbClr val="2B91AF"/>
-                </a:solidFill>
-                <a:latin typeface="Consolas"/>
-              </a:rPr>
-              <a:t>DateTimeOffset</a:t>
-            </a:r>
-            <a:r>
-              <a:rPr lang="en-US" sz="1200" dirty="0" smtClean="0">
-                <a:solidFill>
-                  <a:prstClr val="black"/>
-                </a:solidFill>
-                <a:latin typeface="Consolas"/>
-              </a:rPr>
-              <a:t> </a:t>
-            </a:r>
-            <a:r>
-              <a:rPr lang="en-US" sz="1200" dirty="0" err="1">
-                <a:solidFill>
-                  <a:prstClr val="black"/>
-                </a:solidFill>
-                <a:latin typeface="Consolas"/>
-              </a:rPr>
-              <a:t>publishedDate</a:t>
-            </a:r>
-            <a:r>
-              <a:rPr lang="en-US" sz="1200" dirty="0">
-                <a:solidFill>
-                  <a:prstClr val="black"/>
-                </a:solidFill>
-                <a:latin typeface="Consolas"/>
-              </a:rPr>
-              <a:t> = </a:t>
-            </a:r>
-            <a:r>
-              <a:rPr lang="en-US" sz="1200" dirty="0" err="1">
-                <a:solidFill>
-                  <a:prstClr val="black"/>
-                </a:solidFill>
-                <a:latin typeface="Consolas"/>
-              </a:rPr>
-              <a:t>feedItem.PublishDate</a:t>
-            </a:r>
-            <a:r>
-              <a:rPr lang="en-US" sz="1200" dirty="0">
-                <a:solidFill>
-                  <a:prstClr val="black"/>
-                </a:solidFill>
-                <a:latin typeface="Consolas"/>
-              </a:rPr>
-              <a:t>;</a:t>
-            </a:r>
-          </a:p>
-          <a:p>
-            <a:r>
-              <a:rPr lang="en-US" sz="1200" dirty="0" smtClean="0">
-                <a:solidFill>
-                  <a:prstClr val="black"/>
+              <a:rPr lang="ru-RU" sz="1600" dirty="0" smtClean="0">
+                <a:solidFill>
+                  <a:srgbClr val="A31515"/>
                 </a:solidFill>
                 <a:latin typeface="Consolas"/>
               </a:rPr>
               <a:t>    </a:t>
             </a:r>
             <a:r>
-              <a:rPr lang="ru-RU" sz="1200" dirty="0" smtClean="0">
-                <a:solidFill>
-                  <a:prstClr val="black"/>
-                </a:solidFill>
-                <a:latin typeface="Consolas"/>
-              </a:rPr>
-              <a:t>}</a:t>
-            </a:r>
-            <a:endParaRPr lang="ru-RU" sz="1200" dirty="0">
+              <a:rPr lang="en-US" sz="1600" dirty="0" smtClean="0">
+                <a:solidFill>
+                  <a:srgbClr val="A31515"/>
+                </a:solidFill>
+                <a:latin typeface="Consolas"/>
+              </a:rPr>
+              <a:t>&lt;</a:t>
+            </a:r>
+            <a:r>
+              <a:rPr lang="en-US" sz="1600" dirty="0">
+                <a:solidFill>
+                  <a:srgbClr val="A31515"/>
+                </a:solidFill>
+                <a:latin typeface="Consolas"/>
+              </a:rPr>
+              <a:t>book </a:t>
+            </a:r>
+            <a:r>
+              <a:rPr lang="en-US" sz="1600" dirty="0" err="1">
+                <a:solidFill>
+                  <a:srgbClr val="A31515"/>
+                </a:solidFill>
+                <a:latin typeface="Consolas"/>
+              </a:rPr>
+              <a:t>isbn</a:t>
+            </a:r>
+            <a:r>
+              <a:rPr lang="en-US" sz="1600" dirty="0">
+                <a:solidFill>
+                  <a:srgbClr val="A31515"/>
+                </a:solidFill>
+                <a:latin typeface="Consolas"/>
+              </a:rPr>
+              <a:t>=</a:t>
+            </a:r>
+            <a:r>
+              <a:rPr lang="en-US" sz="1600" dirty="0">
+                <a:solidFill>
+                  <a:srgbClr val="FF007F"/>
+                </a:solidFill>
+                <a:latin typeface="Consolas"/>
+              </a:rPr>
+              <a:t>""</a:t>
+            </a:r>
+            <a:r>
+              <a:rPr lang="en-US" sz="1600" dirty="0">
+                <a:solidFill>
+                  <a:srgbClr val="A31515"/>
+                </a:solidFill>
+                <a:latin typeface="Consolas"/>
+              </a:rPr>
+              <a:t>978-5-459-00297-3</a:t>
+            </a:r>
+            <a:r>
+              <a:rPr lang="en-US" sz="1600" dirty="0">
+                <a:solidFill>
+                  <a:srgbClr val="FF007F"/>
+                </a:solidFill>
+                <a:latin typeface="Consolas"/>
+              </a:rPr>
+              <a:t>""</a:t>
+            </a:r>
+            <a:r>
+              <a:rPr lang="en-US" sz="1600" dirty="0">
+                <a:solidFill>
+                  <a:srgbClr val="A31515"/>
+                </a:solidFill>
+                <a:latin typeface="Consolas"/>
+              </a:rPr>
+              <a:t>&gt;</a:t>
+            </a:r>
+            <a:endParaRPr lang="en-US" sz="1600" dirty="0">
               <a:solidFill>
                 <a:prstClr val="black"/>
               </a:solidFill>
@@ -10456,40 +10098,404 @@
           </a:p>
           <a:p>
             <a:r>
-              <a:rPr lang="ru-RU" sz="1200" dirty="0" smtClean="0">
-                <a:solidFill>
-                  <a:prstClr val="black"/>
-                </a:solidFill>
-                <a:latin typeface="Consolas"/>
-              </a:rPr>
-              <a:t>}</a:t>
-            </a:r>
-            <a:endParaRPr lang="ru-RU" sz="1200" dirty="0">
+              <a:rPr lang="ru-RU" sz="1600" dirty="0" smtClean="0">
+                <a:solidFill>
+                  <a:srgbClr val="A31515"/>
+                </a:solidFill>
+                <a:latin typeface="Consolas"/>
+              </a:rPr>
+              <a:t>      </a:t>
+            </a:r>
+            <a:r>
+              <a:rPr lang="en-US" sz="1600" dirty="0" smtClean="0">
+                <a:solidFill>
+                  <a:srgbClr val="A31515"/>
+                </a:solidFill>
+                <a:latin typeface="Consolas"/>
+              </a:rPr>
+              <a:t>&lt;</a:t>
+            </a:r>
+            <a:r>
+              <a:rPr lang="en-US" sz="1600" dirty="0">
+                <a:solidFill>
+                  <a:srgbClr val="A31515"/>
+                </a:solidFill>
+                <a:latin typeface="Consolas"/>
+              </a:rPr>
+              <a:t>title&gt;CLR via C#&lt;/title&gt;</a:t>
+            </a:r>
+            <a:endParaRPr lang="en-US" sz="1600" dirty="0">
               <a:solidFill>
                 <a:prstClr val="black"/>
               </a:solidFill>
               <a:latin typeface="Consolas"/>
             </a:endParaRPr>
           </a:p>
+          <a:p>
+            <a:r>
+              <a:rPr lang="ru-RU" sz="1600" dirty="0" smtClean="0">
+                <a:solidFill>
+                  <a:srgbClr val="A31515"/>
+                </a:solidFill>
+                <a:latin typeface="Consolas"/>
+              </a:rPr>
+              <a:t>      </a:t>
+            </a:r>
+            <a:r>
+              <a:rPr lang="en-US" sz="1600" dirty="0" smtClean="0">
+                <a:solidFill>
+                  <a:srgbClr val="A31515"/>
+                </a:solidFill>
+                <a:latin typeface="Consolas"/>
+              </a:rPr>
+              <a:t>&lt;</a:t>
+            </a:r>
+            <a:r>
+              <a:rPr lang="en-US" sz="1600" dirty="0">
+                <a:solidFill>
+                  <a:srgbClr val="A31515"/>
+                </a:solidFill>
+                <a:latin typeface="Consolas"/>
+              </a:rPr>
+              <a:t>author&gt;</a:t>
+            </a:r>
+            <a:r>
+              <a:rPr lang="ru-RU" sz="1600" dirty="0">
+                <a:solidFill>
+                  <a:srgbClr val="A31515"/>
+                </a:solidFill>
+                <a:latin typeface="Consolas"/>
+              </a:rPr>
+              <a:t>Джеффри Рихтер&lt;/</a:t>
+            </a:r>
+            <a:r>
+              <a:rPr lang="en-US" sz="1600" dirty="0">
+                <a:solidFill>
+                  <a:srgbClr val="A31515"/>
+                </a:solidFill>
+                <a:latin typeface="Consolas"/>
+              </a:rPr>
+              <a:t>author&gt;</a:t>
+            </a:r>
+            <a:endParaRPr lang="en-US" sz="1600" dirty="0">
+              <a:solidFill>
+                <a:prstClr val="black"/>
+              </a:solidFill>
+              <a:latin typeface="Consolas"/>
+            </a:endParaRPr>
+          </a:p>
+          <a:p>
+            <a:r>
+              <a:rPr lang="ru-RU" sz="1600" dirty="0" smtClean="0">
+                <a:solidFill>
+                  <a:srgbClr val="A31515"/>
+                </a:solidFill>
+                <a:latin typeface="Consolas"/>
+              </a:rPr>
+              <a:t>    </a:t>
+            </a:r>
+            <a:r>
+              <a:rPr lang="en-US" sz="1600" dirty="0" smtClean="0">
+                <a:solidFill>
+                  <a:srgbClr val="A31515"/>
+                </a:solidFill>
+                <a:latin typeface="Consolas"/>
+              </a:rPr>
+              <a:t>&lt;/</a:t>
+            </a:r>
+            <a:r>
+              <a:rPr lang="en-US" sz="1600" dirty="0">
+                <a:solidFill>
+                  <a:srgbClr val="A31515"/>
+                </a:solidFill>
+                <a:latin typeface="Consolas"/>
+              </a:rPr>
+              <a:t>book&gt;</a:t>
+            </a:r>
+            <a:endParaRPr lang="en-US" sz="1600" dirty="0">
+              <a:solidFill>
+                <a:prstClr val="black"/>
+              </a:solidFill>
+              <a:latin typeface="Consolas"/>
+            </a:endParaRPr>
+          </a:p>
+          <a:p>
+            <a:r>
+              <a:rPr lang="ru-RU" sz="1600" dirty="0" smtClean="0">
+                <a:solidFill>
+                  <a:srgbClr val="A31515"/>
+                </a:solidFill>
+                <a:latin typeface="Consolas"/>
+              </a:rPr>
+              <a:t>    </a:t>
+            </a:r>
+            <a:r>
+              <a:rPr lang="en-US" sz="1600" dirty="0" smtClean="0">
+                <a:solidFill>
+                  <a:srgbClr val="A31515"/>
+                </a:solidFill>
+                <a:latin typeface="Consolas"/>
+              </a:rPr>
+              <a:t>&lt;</a:t>
+            </a:r>
+            <a:r>
+              <a:rPr lang="en-US" sz="1600" dirty="0">
+                <a:solidFill>
+                  <a:srgbClr val="A31515"/>
+                </a:solidFill>
+                <a:latin typeface="Consolas"/>
+              </a:rPr>
+              <a:t>book </a:t>
+            </a:r>
+            <a:r>
+              <a:rPr lang="en-US" sz="1600" dirty="0" err="1">
+                <a:solidFill>
+                  <a:srgbClr val="A31515"/>
+                </a:solidFill>
+                <a:latin typeface="Consolas"/>
+              </a:rPr>
+              <a:t>isbn</a:t>
+            </a:r>
+            <a:r>
+              <a:rPr lang="en-US" sz="1600" dirty="0">
+                <a:solidFill>
+                  <a:srgbClr val="A31515"/>
+                </a:solidFill>
+                <a:latin typeface="Consolas"/>
+              </a:rPr>
+              <a:t>=</a:t>
+            </a:r>
+            <a:r>
+              <a:rPr lang="en-US" sz="1600" dirty="0">
+                <a:solidFill>
+                  <a:srgbClr val="FF007F"/>
+                </a:solidFill>
+                <a:latin typeface="Consolas"/>
+              </a:rPr>
+              <a:t>""</a:t>
+            </a:r>
+            <a:r>
+              <a:rPr lang="en-US" sz="1600" dirty="0">
+                <a:solidFill>
+                  <a:srgbClr val="A31515"/>
+                </a:solidFill>
+                <a:latin typeface="Consolas"/>
+              </a:rPr>
+              <a:t>978-5-8459-1682-2</a:t>
+            </a:r>
+            <a:r>
+              <a:rPr lang="en-US" sz="1600" dirty="0">
+                <a:solidFill>
+                  <a:srgbClr val="FF007F"/>
+                </a:solidFill>
+                <a:latin typeface="Consolas"/>
+              </a:rPr>
+              <a:t>""</a:t>
+            </a:r>
+            <a:r>
+              <a:rPr lang="en-US" sz="1600" dirty="0">
+                <a:solidFill>
+                  <a:srgbClr val="A31515"/>
+                </a:solidFill>
+                <a:latin typeface="Consolas"/>
+              </a:rPr>
+              <a:t>&gt;</a:t>
+            </a:r>
+            <a:endParaRPr lang="en-US" sz="1600" dirty="0">
+              <a:solidFill>
+                <a:prstClr val="black"/>
+              </a:solidFill>
+              <a:latin typeface="Consolas"/>
+            </a:endParaRPr>
+          </a:p>
+          <a:p>
+            <a:r>
+              <a:rPr lang="ru-RU" sz="1600" dirty="0" smtClean="0">
+                <a:solidFill>
+                  <a:srgbClr val="A31515"/>
+                </a:solidFill>
+                <a:latin typeface="Consolas"/>
+              </a:rPr>
+              <a:t>      &lt;</a:t>
+            </a:r>
+            <a:r>
+              <a:rPr lang="ru-RU" sz="1600" dirty="0">
+                <a:solidFill>
+                  <a:srgbClr val="A31515"/>
+                </a:solidFill>
+                <a:latin typeface="Consolas"/>
+              </a:rPr>
+              <a:t>title&gt;Язык программирования C# 2010 и платформа .NET 4.0&lt;/title&gt;</a:t>
+            </a:r>
+            <a:endParaRPr lang="ru-RU" sz="1600" dirty="0">
+              <a:solidFill>
+                <a:prstClr val="black"/>
+              </a:solidFill>
+              <a:latin typeface="Consolas"/>
+            </a:endParaRPr>
+          </a:p>
+          <a:p>
+            <a:r>
+              <a:rPr lang="ru-RU" sz="1600" dirty="0" smtClean="0">
+                <a:solidFill>
+                  <a:srgbClr val="A31515"/>
+                </a:solidFill>
+                <a:latin typeface="Consolas"/>
+              </a:rPr>
+              <a:t>      </a:t>
+            </a:r>
+            <a:r>
+              <a:rPr lang="en-US" sz="1600" dirty="0" smtClean="0">
+                <a:solidFill>
+                  <a:srgbClr val="A31515"/>
+                </a:solidFill>
+                <a:latin typeface="Consolas"/>
+              </a:rPr>
+              <a:t>&lt;</a:t>
+            </a:r>
+            <a:r>
+              <a:rPr lang="en-US" sz="1600" dirty="0">
+                <a:solidFill>
+                  <a:srgbClr val="A31515"/>
+                </a:solidFill>
+                <a:latin typeface="Consolas"/>
+              </a:rPr>
+              <a:t>author&gt;</a:t>
+            </a:r>
+            <a:r>
+              <a:rPr lang="ru-RU" sz="1600" dirty="0">
+                <a:solidFill>
+                  <a:srgbClr val="A31515"/>
+                </a:solidFill>
+                <a:latin typeface="Consolas"/>
+              </a:rPr>
+              <a:t>Эндрю Троелсен&lt;/</a:t>
+            </a:r>
+            <a:r>
+              <a:rPr lang="en-US" sz="1600" dirty="0">
+                <a:solidFill>
+                  <a:srgbClr val="A31515"/>
+                </a:solidFill>
+                <a:latin typeface="Consolas"/>
+              </a:rPr>
+              <a:t>author&gt;</a:t>
+            </a:r>
+            <a:endParaRPr lang="en-US" sz="1600" dirty="0">
+              <a:solidFill>
+                <a:prstClr val="black"/>
+              </a:solidFill>
+              <a:latin typeface="Consolas"/>
+            </a:endParaRPr>
+          </a:p>
+          <a:p>
+            <a:r>
+              <a:rPr lang="ru-RU" sz="1600" dirty="0" smtClean="0">
+                <a:solidFill>
+                  <a:srgbClr val="A31515"/>
+                </a:solidFill>
+                <a:latin typeface="Consolas"/>
+              </a:rPr>
+              <a:t>    </a:t>
+            </a:r>
+            <a:r>
+              <a:rPr lang="en-US" sz="1600" dirty="0" smtClean="0">
+                <a:solidFill>
+                  <a:srgbClr val="A31515"/>
+                </a:solidFill>
+                <a:latin typeface="Consolas"/>
+              </a:rPr>
+              <a:t>&lt;/</a:t>
+            </a:r>
+            <a:r>
+              <a:rPr lang="en-US" sz="1600" dirty="0">
+                <a:solidFill>
+                  <a:srgbClr val="A31515"/>
+                </a:solidFill>
+                <a:latin typeface="Consolas"/>
+              </a:rPr>
+              <a:t>book&gt;</a:t>
+            </a:r>
+            <a:endParaRPr lang="en-US" sz="1600" dirty="0">
+              <a:solidFill>
+                <a:prstClr val="black"/>
+              </a:solidFill>
+              <a:latin typeface="Consolas"/>
+            </a:endParaRPr>
+          </a:p>
+          <a:p>
+            <a:r>
+              <a:rPr lang="ru-RU" sz="1600" dirty="0" smtClean="0">
+                <a:solidFill>
+                  <a:srgbClr val="A31515"/>
+                </a:solidFill>
+                <a:latin typeface="Consolas"/>
+              </a:rPr>
+              <a:t>  </a:t>
+            </a:r>
+            <a:r>
+              <a:rPr lang="en-US" sz="1600" dirty="0" smtClean="0">
+                <a:solidFill>
+                  <a:srgbClr val="A31515"/>
+                </a:solidFill>
+                <a:latin typeface="Consolas"/>
+              </a:rPr>
+              <a:t>&lt;/</a:t>
+            </a:r>
+            <a:r>
+              <a:rPr lang="en-US" sz="1600" dirty="0">
+                <a:solidFill>
+                  <a:srgbClr val="A31515"/>
+                </a:solidFill>
+                <a:latin typeface="Consolas"/>
+              </a:rPr>
+              <a:t>books</a:t>
+            </a:r>
+            <a:r>
+              <a:rPr lang="en-US" sz="1600" dirty="0" smtClean="0">
+                <a:solidFill>
+                  <a:srgbClr val="A31515"/>
+                </a:solidFill>
+                <a:latin typeface="Consolas"/>
+              </a:rPr>
+              <a:t>&gt;</a:t>
+            </a:r>
+            <a:r>
+              <a:rPr lang="ru-RU" sz="1600" dirty="0" smtClean="0">
+                <a:solidFill>
+                  <a:srgbClr val="A31515"/>
+                </a:solidFill>
+                <a:latin typeface="Consolas"/>
+              </a:rPr>
+              <a:t>"</a:t>
+            </a:r>
+            <a:r>
+              <a:rPr lang="ru-RU" sz="1600" dirty="0" smtClean="0">
+                <a:solidFill>
+                  <a:prstClr val="black"/>
+                </a:solidFill>
+                <a:latin typeface="Consolas"/>
+              </a:rPr>
+              <a:t>;</a:t>
+            </a:r>
+            <a:endParaRPr lang="ru-RU" sz="1600" dirty="0">
+              <a:solidFill>
+                <a:prstClr val="black"/>
+              </a:solidFill>
+              <a:latin typeface="Consolas"/>
+            </a:endParaRPr>
+          </a:p>
         </p:txBody>
       </p:sp>
     </p:spTree>
     <p:extLst>
       <p:ext uri="{BB962C8B-B14F-4D97-AF65-F5344CB8AC3E}">
-        <p14:creationId xmlns:p14="http://schemas.microsoft.com/office/powerpoint/2010/main" val="3512104706"/>
+        <p14:creationId xmlns:p14="http://schemas.microsoft.com/office/powerpoint/2010/main" val="425494564"/>
       </p:ext>
     </p:extLst>
   </p:cSld>
   <p:clrMapOvr>
     <a:masterClrMapping/>
   </p:clrMapOvr>
-  <p:timing>
-    <p:tnLst>
-      <p:par>
-        <p:cTn id="1" dur="indefinite" restart="never" nodeType="tmRoot"/>
-      </p:par>
-    </p:tnLst>
-  </p:timing>
 </p:sld>
 </file>
 
@@ -10526,6 +10532,733 @@
           <a:lstStyle/>
           <a:p>
             <a:r>
+              <a:rPr lang="ru-RU" dirty="0" smtClean="0"/>
+              <a:t>Работа с </a:t>
+            </a:r>
+            <a:r>
+              <a:rPr lang="en-US" dirty="0" smtClean="0"/>
+              <a:t>RSS/Atom </a:t>
+            </a:r>
+            <a:r>
+              <a:rPr lang="ru-RU" dirty="0" smtClean="0"/>
+              <a:t>форматами</a:t>
+            </a:r>
+            <a:endParaRPr lang="ru-RU" dirty="0"/>
+          </a:p>
+        </p:txBody>
+      </p:sp>
+      <p:sp>
+        <p:nvSpPr>
+          <p:cNvPr id="3" name="Content Placeholder 2"/>
+          <p:cNvSpPr>
+            <a:spLocks noGrp="1"/>
+          </p:cNvSpPr>
+          <p:nvPr>
+            <p:ph idx="1"/>
+          </p:nvPr>
+        </p:nvSpPr>
+        <p:spPr>
+          <a:xfrm>
+            <a:off x="457200" y="1600201"/>
+            <a:ext cx="8229600" cy="2044824"/>
+          </a:xfrm>
+        </p:spPr>
+        <p:txBody>
+          <a:bodyPr/>
+          <a:lstStyle/>
+          <a:p>
+            <a:pPr marL="0" indent="0">
+              <a:buNone/>
+            </a:pPr>
+            <a:r>
+              <a:rPr lang="ru-RU" dirty="0" smtClean="0"/>
+              <a:t>Для разбора и создания данных в формате </a:t>
+            </a:r>
+            <a:r>
+              <a:rPr lang="en-US" dirty="0" smtClean="0"/>
+              <a:t>RSS/Atom </a:t>
+            </a:r>
+            <a:r>
+              <a:rPr lang="ru-RU" dirty="0" smtClean="0"/>
+              <a:t>можно использовать классы из пространства имен </a:t>
+            </a:r>
+            <a:r>
+              <a:rPr lang="en-US" dirty="0" err="1" smtClean="0"/>
+              <a:t>System.ServiceModel.Syndication</a:t>
+            </a:r>
+            <a:r>
+              <a:rPr lang="ru-RU" dirty="0"/>
+              <a:t>.</a:t>
+            </a:r>
+          </a:p>
+        </p:txBody>
+      </p:sp>
+      <p:sp>
+        <p:nvSpPr>
+          <p:cNvPr id="5" name="Rectangle 4"/>
+          <p:cNvSpPr/>
+          <p:nvPr/>
+        </p:nvSpPr>
+        <p:spPr>
+          <a:xfrm>
+            <a:off x="457200" y="4017819"/>
+            <a:ext cx="8291264" cy="2308324"/>
+          </a:xfrm>
+          <a:prstGeom prst="rect">
+            <a:avLst/>
+          </a:prstGeom>
+          <a:solidFill>
+            <a:schemeClr val="bg1"/>
+          </a:solidFill>
+        </p:spPr>
+        <p:txBody>
+          <a:bodyPr wrap="square">
+            <a:spAutoFit/>
+          </a:bodyPr>
+          <a:lstStyle/>
+          <a:p>
+            <a:r>
+              <a:rPr lang="en-US" sz="1200" dirty="0">
+                <a:solidFill>
+                  <a:srgbClr val="0000FF"/>
+                </a:solidFill>
+                <a:latin typeface="Consolas"/>
+              </a:rPr>
+              <a:t>using</a:t>
+            </a:r>
+            <a:r>
+              <a:rPr lang="en-US" sz="1200" dirty="0">
+                <a:solidFill>
+                  <a:prstClr val="black"/>
+                </a:solidFill>
+                <a:latin typeface="Consolas"/>
+              </a:rPr>
+              <a:t> </a:t>
+            </a:r>
+            <a:r>
+              <a:rPr lang="en-US" sz="1200" dirty="0" err="1">
+                <a:solidFill>
+                  <a:prstClr val="black"/>
+                </a:solidFill>
+                <a:latin typeface="Consolas"/>
+              </a:rPr>
+              <a:t>System.ServiceModel.Syndication</a:t>
+            </a:r>
+            <a:r>
+              <a:rPr lang="en-US" sz="1200" dirty="0">
+                <a:solidFill>
+                  <a:prstClr val="black"/>
+                </a:solidFill>
+                <a:latin typeface="Consolas"/>
+              </a:rPr>
+              <a:t>;</a:t>
+            </a:r>
+          </a:p>
+          <a:p>
+            <a:r>
+              <a:rPr lang="en-US" sz="1200" dirty="0">
+                <a:solidFill>
+                  <a:srgbClr val="0000FF"/>
+                </a:solidFill>
+                <a:latin typeface="Consolas"/>
+              </a:rPr>
+              <a:t>using</a:t>
+            </a:r>
+            <a:r>
+              <a:rPr lang="en-US" sz="1200" dirty="0">
+                <a:solidFill>
+                  <a:prstClr val="black"/>
+                </a:solidFill>
+                <a:latin typeface="Consolas"/>
+              </a:rPr>
+              <a:t> </a:t>
+            </a:r>
+            <a:r>
+              <a:rPr lang="en-US" sz="1200" dirty="0" err="1">
+                <a:solidFill>
+                  <a:prstClr val="black"/>
+                </a:solidFill>
+                <a:latin typeface="Consolas"/>
+              </a:rPr>
+              <a:t>System.Xml</a:t>
+            </a:r>
+            <a:r>
+              <a:rPr lang="en-US" sz="1200" dirty="0">
+                <a:solidFill>
+                  <a:prstClr val="black"/>
+                </a:solidFill>
+                <a:latin typeface="Consolas"/>
+              </a:rPr>
+              <a:t>;</a:t>
+            </a:r>
+          </a:p>
+          <a:p>
+            <a:endParaRPr lang="en-US" sz="1200" dirty="0" smtClean="0">
+              <a:solidFill>
+                <a:prstClr val="black"/>
+              </a:solidFill>
+              <a:latin typeface="Consolas"/>
+            </a:endParaRPr>
+          </a:p>
+          <a:p>
+            <a:r>
+              <a:rPr lang="en-US" sz="1200" dirty="0">
+                <a:solidFill>
+                  <a:srgbClr val="0000FF"/>
+                </a:solidFill>
+                <a:latin typeface="Consolas"/>
+              </a:rPr>
+              <a:t>using</a:t>
+            </a:r>
+            <a:r>
+              <a:rPr lang="en-US" sz="1200" dirty="0">
+                <a:solidFill>
+                  <a:prstClr val="black"/>
+                </a:solidFill>
+                <a:latin typeface="Consolas"/>
+              </a:rPr>
+              <a:t> (</a:t>
+            </a:r>
+            <a:r>
+              <a:rPr lang="en-US" sz="1200" dirty="0" err="1">
+                <a:solidFill>
+                  <a:srgbClr val="2B91AF"/>
+                </a:solidFill>
+                <a:latin typeface="Consolas"/>
+              </a:rPr>
+              <a:t>XmlReader</a:t>
+            </a:r>
+            <a:r>
+              <a:rPr lang="en-US" sz="1200" dirty="0">
+                <a:solidFill>
+                  <a:prstClr val="black"/>
+                </a:solidFill>
+                <a:latin typeface="Consolas"/>
+              </a:rPr>
+              <a:t> </a:t>
+            </a:r>
+            <a:r>
+              <a:rPr lang="en-US" sz="1200" dirty="0" err="1">
+                <a:solidFill>
+                  <a:prstClr val="black"/>
+                </a:solidFill>
+                <a:latin typeface="Consolas"/>
+              </a:rPr>
+              <a:t>xmlReader</a:t>
+            </a:r>
+            <a:r>
+              <a:rPr lang="en-US" sz="1200" dirty="0">
+                <a:solidFill>
+                  <a:prstClr val="black"/>
+                </a:solidFill>
+                <a:latin typeface="Consolas"/>
+              </a:rPr>
+              <a:t> = </a:t>
+            </a:r>
+            <a:r>
+              <a:rPr lang="en-US" sz="1200" dirty="0" err="1">
+                <a:solidFill>
+                  <a:srgbClr val="2B91AF"/>
+                </a:solidFill>
+                <a:latin typeface="Consolas"/>
+              </a:rPr>
+              <a:t>XmlReader</a:t>
+            </a:r>
+            <a:r>
+              <a:rPr lang="en-US" sz="1200" dirty="0" err="1">
+                <a:solidFill>
+                  <a:prstClr val="black"/>
+                </a:solidFill>
+                <a:latin typeface="Consolas"/>
+              </a:rPr>
+              <a:t>.Create</a:t>
+            </a:r>
+            <a:r>
+              <a:rPr lang="en-US" sz="1200" dirty="0">
+                <a:solidFill>
+                  <a:prstClr val="black"/>
+                </a:solidFill>
+                <a:latin typeface="Consolas"/>
+              </a:rPr>
+              <a:t>(</a:t>
+            </a:r>
+            <a:r>
+              <a:rPr lang="en-US" sz="1200" dirty="0">
+                <a:solidFill>
+                  <a:srgbClr val="A31515"/>
+                </a:solidFill>
+                <a:latin typeface="Consolas"/>
+              </a:rPr>
+              <a:t>"http://rss.slashdot.org/Slashdot/</a:t>
+            </a:r>
+            <a:r>
+              <a:rPr lang="en-US" sz="1200" dirty="0" err="1">
+                <a:solidFill>
+                  <a:srgbClr val="A31515"/>
+                </a:solidFill>
+                <a:latin typeface="Consolas"/>
+              </a:rPr>
+              <a:t>slashdot</a:t>
+            </a:r>
+            <a:r>
+              <a:rPr lang="en-US" sz="1200" dirty="0">
+                <a:solidFill>
+                  <a:srgbClr val="A31515"/>
+                </a:solidFill>
+                <a:latin typeface="Consolas"/>
+              </a:rPr>
+              <a:t>"</a:t>
+            </a:r>
+            <a:r>
+              <a:rPr lang="en-US" sz="1200" dirty="0">
+                <a:solidFill>
+                  <a:prstClr val="black"/>
+                </a:solidFill>
+                <a:latin typeface="Consolas"/>
+              </a:rPr>
+              <a:t>))</a:t>
+            </a:r>
+          </a:p>
+          <a:p>
+            <a:r>
+              <a:rPr lang="ru-RU" sz="1200" dirty="0">
+                <a:solidFill>
+                  <a:prstClr val="black"/>
+                </a:solidFill>
+                <a:latin typeface="Consolas"/>
+              </a:rPr>
+              <a:t>{</a:t>
+            </a:r>
+          </a:p>
+          <a:p>
+            <a:r>
+              <a:rPr lang="en-US" sz="1200" dirty="0" smtClean="0">
+                <a:solidFill>
+                  <a:srgbClr val="2B91AF"/>
+                </a:solidFill>
+                <a:latin typeface="Consolas"/>
+              </a:rPr>
+              <a:t>    </a:t>
+            </a:r>
+            <a:r>
+              <a:rPr lang="en-US" sz="1200" dirty="0" err="1" smtClean="0">
+                <a:solidFill>
+                  <a:srgbClr val="2B91AF"/>
+                </a:solidFill>
+                <a:latin typeface="Consolas"/>
+              </a:rPr>
+              <a:t>SyndicationFeed</a:t>
+            </a:r>
+            <a:r>
+              <a:rPr lang="en-US" sz="1200" dirty="0" smtClean="0">
+                <a:solidFill>
+                  <a:prstClr val="black"/>
+                </a:solidFill>
+                <a:latin typeface="Consolas"/>
+              </a:rPr>
+              <a:t> </a:t>
+            </a:r>
+            <a:r>
+              <a:rPr lang="en-US" sz="1200" dirty="0">
+                <a:solidFill>
+                  <a:prstClr val="black"/>
+                </a:solidFill>
+                <a:latin typeface="Consolas"/>
+              </a:rPr>
+              <a:t>feed = </a:t>
+            </a:r>
+            <a:r>
+              <a:rPr lang="en-US" sz="1200" dirty="0" err="1">
+                <a:solidFill>
+                  <a:srgbClr val="2B91AF"/>
+                </a:solidFill>
+                <a:latin typeface="Consolas"/>
+              </a:rPr>
+              <a:t>SyndicationFeed</a:t>
+            </a:r>
+            <a:r>
+              <a:rPr lang="en-US" sz="1200" dirty="0" err="1">
+                <a:solidFill>
+                  <a:prstClr val="black"/>
+                </a:solidFill>
+                <a:latin typeface="Consolas"/>
+              </a:rPr>
+              <a:t>.Load</a:t>
+            </a:r>
+            <a:r>
+              <a:rPr lang="en-US" sz="1200" dirty="0">
+                <a:solidFill>
+                  <a:prstClr val="black"/>
+                </a:solidFill>
+                <a:latin typeface="Consolas"/>
+              </a:rPr>
+              <a:t>(</a:t>
+            </a:r>
+            <a:r>
+              <a:rPr lang="en-US" sz="1200" dirty="0" err="1">
+                <a:solidFill>
+                  <a:prstClr val="black"/>
+                </a:solidFill>
+                <a:latin typeface="Consolas"/>
+              </a:rPr>
+              <a:t>xmlReader</a:t>
+            </a:r>
+            <a:r>
+              <a:rPr lang="en-US" sz="1200" dirty="0">
+                <a:solidFill>
+                  <a:prstClr val="black"/>
+                </a:solidFill>
+                <a:latin typeface="Consolas"/>
+              </a:rPr>
+              <a:t>);</a:t>
+            </a:r>
+          </a:p>
+          <a:p>
+            <a:r>
+              <a:rPr lang="en-US" sz="1200" dirty="0" smtClean="0">
+                <a:solidFill>
+                  <a:srgbClr val="0000FF"/>
+                </a:solidFill>
+                <a:latin typeface="Consolas"/>
+              </a:rPr>
+              <a:t>    </a:t>
+            </a:r>
+            <a:r>
+              <a:rPr lang="en-US" sz="1200" dirty="0" err="1" smtClean="0">
+                <a:solidFill>
+                  <a:srgbClr val="0000FF"/>
+                </a:solidFill>
+                <a:latin typeface="Consolas"/>
+              </a:rPr>
+              <a:t>foreach</a:t>
+            </a:r>
+            <a:r>
+              <a:rPr lang="en-US" sz="1200" dirty="0" smtClean="0">
+                <a:solidFill>
+                  <a:prstClr val="black"/>
+                </a:solidFill>
+                <a:latin typeface="Consolas"/>
+              </a:rPr>
+              <a:t> </a:t>
+            </a:r>
+            <a:r>
+              <a:rPr lang="en-US" sz="1200" dirty="0">
+                <a:solidFill>
+                  <a:prstClr val="black"/>
+                </a:solidFill>
+                <a:latin typeface="Consolas"/>
+              </a:rPr>
+              <a:t>(</a:t>
+            </a:r>
+            <a:r>
+              <a:rPr lang="en-US" sz="1200" dirty="0" err="1">
+                <a:solidFill>
+                  <a:srgbClr val="0000FF"/>
+                </a:solidFill>
+                <a:latin typeface="Consolas"/>
+              </a:rPr>
+              <a:t>var</a:t>
+            </a:r>
+            <a:r>
+              <a:rPr lang="en-US" sz="1200" dirty="0">
+                <a:solidFill>
+                  <a:prstClr val="black"/>
+                </a:solidFill>
+                <a:latin typeface="Consolas"/>
+              </a:rPr>
+              <a:t> </a:t>
+            </a:r>
+            <a:r>
+              <a:rPr lang="en-US" sz="1200" dirty="0" err="1">
+                <a:solidFill>
+                  <a:prstClr val="black"/>
+                </a:solidFill>
+                <a:latin typeface="Consolas"/>
+              </a:rPr>
+              <a:t>feedItem</a:t>
+            </a:r>
+            <a:r>
+              <a:rPr lang="en-US" sz="1200" dirty="0">
+                <a:solidFill>
+                  <a:prstClr val="black"/>
+                </a:solidFill>
+                <a:latin typeface="Consolas"/>
+              </a:rPr>
+              <a:t> </a:t>
+            </a:r>
+            <a:r>
+              <a:rPr lang="en-US" sz="1200" dirty="0">
+                <a:solidFill>
+                  <a:srgbClr val="0000FF"/>
+                </a:solidFill>
+                <a:latin typeface="Consolas"/>
+              </a:rPr>
+              <a:t>in</a:t>
+            </a:r>
+            <a:r>
+              <a:rPr lang="en-US" sz="1200" dirty="0">
+                <a:solidFill>
+                  <a:prstClr val="black"/>
+                </a:solidFill>
+                <a:latin typeface="Consolas"/>
+              </a:rPr>
+              <a:t> </a:t>
+            </a:r>
+            <a:r>
+              <a:rPr lang="en-US" sz="1200" dirty="0" err="1">
+                <a:solidFill>
+                  <a:prstClr val="black"/>
+                </a:solidFill>
+                <a:latin typeface="Consolas"/>
+              </a:rPr>
+              <a:t>feed.Items</a:t>
+            </a:r>
+            <a:r>
+              <a:rPr lang="en-US" sz="1200" dirty="0">
+                <a:solidFill>
+                  <a:prstClr val="black"/>
+                </a:solidFill>
+                <a:latin typeface="Consolas"/>
+              </a:rPr>
+              <a:t>)</a:t>
+            </a:r>
+          </a:p>
+          <a:p>
+            <a:r>
+              <a:rPr lang="en-US" sz="1200" dirty="0" smtClean="0">
+                <a:solidFill>
+                  <a:prstClr val="black"/>
+                </a:solidFill>
+                <a:latin typeface="Consolas"/>
+              </a:rPr>
+              <a:t>    </a:t>
+            </a:r>
+            <a:r>
+              <a:rPr lang="ru-RU" sz="1200" dirty="0" smtClean="0">
+                <a:solidFill>
+                  <a:prstClr val="black"/>
+                </a:solidFill>
+                <a:latin typeface="Consolas"/>
+              </a:rPr>
+              <a:t>{</a:t>
+            </a:r>
+            <a:endParaRPr lang="ru-RU" sz="1200" dirty="0">
+              <a:solidFill>
+                <a:prstClr val="black"/>
+              </a:solidFill>
+              <a:latin typeface="Consolas"/>
+            </a:endParaRPr>
+          </a:p>
+          <a:p>
+            <a:r>
+              <a:rPr lang="en-US" sz="1200" dirty="0" smtClean="0">
+                <a:solidFill>
+                  <a:srgbClr val="0000FF"/>
+                </a:solidFill>
+                <a:latin typeface="Consolas"/>
+              </a:rPr>
+              <a:t>        string</a:t>
+            </a:r>
+            <a:r>
+              <a:rPr lang="en-US" sz="1200" dirty="0" smtClean="0">
+                <a:solidFill>
+                  <a:prstClr val="black"/>
+                </a:solidFill>
+                <a:latin typeface="Consolas"/>
+              </a:rPr>
+              <a:t> </a:t>
+            </a:r>
+            <a:r>
+              <a:rPr lang="en-US" sz="1200" dirty="0">
+                <a:solidFill>
+                  <a:prstClr val="black"/>
+                </a:solidFill>
+                <a:latin typeface="Consolas"/>
+              </a:rPr>
+              <a:t>title = </a:t>
+            </a:r>
+            <a:r>
+              <a:rPr lang="en-US" sz="1200" dirty="0" err="1">
+                <a:solidFill>
+                  <a:prstClr val="black"/>
+                </a:solidFill>
+                <a:latin typeface="Consolas"/>
+              </a:rPr>
+              <a:t>feedItem.Title.Text</a:t>
+            </a:r>
+            <a:r>
+              <a:rPr lang="en-US" sz="1200" dirty="0">
+                <a:solidFill>
+                  <a:prstClr val="black"/>
+                </a:solidFill>
+                <a:latin typeface="Consolas"/>
+              </a:rPr>
+              <a:t>;</a:t>
+            </a:r>
+          </a:p>
+          <a:p>
+            <a:r>
+              <a:rPr lang="en-US" sz="1200" dirty="0" smtClean="0">
+                <a:solidFill>
+                  <a:srgbClr val="2B91AF"/>
+                </a:solidFill>
+                <a:latin typeface="Consolas"/>
+              </a:rPr>
+              <a:t>        </a:t>
+            </a:r>
+            <a:r>
+              <a:rPr lang="en-US" sz="1200" dirty="0" err="1" smtClean="0">
+                <a:solidFill>
+                  <a:srgbClr val="2B91AF"/>
+                </a:solidFill>
+                <a:latin typeface="Consolas"/>
+              </a:rPr>
+              <a:t>DateTimeOffset</a:t>
+            </a:r>
+            <a:r>
+              <a:rPr lang="en-US" sz="1200" dirty="0" smtClean="0">
+                <a:solidFill>
+                  <a:prstClr val="black"/>
+                </a:solidFill>
+                <a:latin typeface="Consolas"/>
+              </a:rPr>
+              <a:t> </a:t>
+            </a:r>
+            <a:r>
+              <a:rPr lang="en-US" sz="1200" dirty="0" err="1">
+                <a:solidFill>
+                  <a:prstClr val="black"/>
+                </a:solidFill>
+                <a:latin typeface="Consolas"/>
+              </a:rPr>
+              <a:t>publishedDate</a:t>
+            </a:r>
+            <a:r>
+              <a:rPr lang="en-US" sz="1200" dirty="0">
+                <a:solidFill>
+                  <a:prstClr val="black"/>
+                </a:solidFill>
+                <a:latin typeface="Consolas"/>
+              </a:rPr>
+              <a:t> = </a:t>
+            </a:r>
+            <a:r>
+              <a:rPr lang="en-US" sz="1200" dirty="0" err="1">
+                <a:solidFill>
+                  <a:prstClr val="black"/>
+                </a:solidFill>
+                <a:latin typeface="Consolas"/>
+              </a:rPr>
+              <a:t>feedItem.PublishDate</a:t>
+            </a:r>
+            <a:r>
+              <a:rPr lang="en-US" sz="1200" dirty="0">
+                <a:solidFill>
+                  <a:prstClr val="black"/>
+                </a:solidFill>
+                <a:latin typeface="Consolas"/>
+              </a:rPr>
+              <a:t>;</a:t>
+            </a:r>
+          </a:p>
+          <a:p>
+            <a:r>
+              <a:rPr lang="en-US" sz="1200" dirty="0" smtClean="0">
+                <a:solidFill>
+                  <a:prstClr val="black"/>
+                </a:solidFill>
+                <a:latin typeface="Consolas"/>
+              </a:rPr>
+              <a:t>    </a:t>
+            </a:r>
+            <a:r>
+              <a:rPr lang="ru-RU" sz="1200" dirty="0" smtClean="0">
+                <a:solidFill>
+                  <a:prstClr val="black"/>
+                </a:solidFill>
+                <a:latin typeface="Consolas"/>
+              </a:rPr>
+              <a:t>}</a:t>
+            </a:r>
+            <a:endParaRPr lang="ru-RU" sz="1200" dirty="0">
+              <a:solidFill>
+                <a:prstClr val="black"/>
+              </a:solidFill>
+              <a:latin typeface="Consolas"/>
+            </a:endParaRPr>
+          </a:p>
+          <a:p>
+            <a:r>
+              <a:rPr lang="ru-RU" sz="1200" dirty="0" smtClean="0">
+                <a:solidFill>
+                  <a:prstClr val="black"/>
+                </a:solidFill>
+                <a:latin typeface="Consolas"/>
+              </a:rPr>
+              <a:t>}</a:t>
+            </a:r>
+            <a:endParaRPr lang="ru-RU" sz="1200" dirty="0">
+              <a:solidFill>
+                <a:prstClr val="black"/>
+              </a:solidFill>
+              <a:latin typeface="Consolas"/>
+            </a:endParaRPr>
+          </a:p>
+        </p:txBody>
+      </p:sp>
+    </p:spTree>
+    <p:extLst>
+      <p:ext uri="{BB962C8B-B14F-4D97-AF65-F5344CB8AC3E}">
+        <p14:creationId xmlns:p14="http://schemas.microsoft.com/office/powerpoint/2010/main" val="3512104706"/>
+      </p:ext>
+    </p:extLst>
+  </p:cSld>
+  <p:clrMapOvr>
+    <a:masterClrMapping/>
+  </p:clrMapOvr>
+  <p:timing>
+    <p:tnLst>
+      <p:par>
+        <p:cTn id="1" dur="indefinite" restart="never" nodeType="tmRoot"/>
+      </p:par>
+    </p:tnLst>
+  </p:timing>
+</p:sld>
+</file>
+
+<file path=ppt/slides/slide28.xml><?xml version="1.0" encoding="utf-8"?>
+<p:sld xmlns:a="http://schemas.openxmlformats.org/drawingml/2006/main" xmlns:r="http://schemas.openxmlformats.org/officeDocument/2006/relationships" xmlns:p="http://schemas.openxmlformats.org/presentationml/2006/main">
+  <p:cSld>
+    <p:spTree>
+      <p:nvGrpSpPr>
+        <p:cNvPr id="1" name=""/>
+        <p:cNvGrpSpPr/>
+        <p:nvPr/>
+      </p:nvGrpSpPr>
+      <p:grpSpPr>
+        <a:xfrm>
+          <a:off x="0" y="0"/>
+          <a:ext cx="0" cy="0"/>
+          <a:chOff x="0" y="0"/>
+          <a:chExt cx="0" cy="0"/>
+        </a:xfrm>
+      </p:grpSpPr>
+      <p:sp>
+        <p:nvSpPr>
+          <p:cNvPr id="2" name="Title 1"/>
+          <p:cNvSpPr>
+            <a:spLocks noGrp="1"/>
+          </p:cNvSpPr>
+          <p:nvPr>
+            <p:ph type="title"/>
+          </p:nvPr>
+        </p:nvSpPr>
+        <p:spPr/>
+        <p:txBody>
+          <a:bodyPr/>
+          <a:lstStyle/>
+          <a:p>
+            <a:r>
               <a:rPr lang="en-US" dirty="0" smtClean="0"/>
               <a:t>XML </a:t>
             </a:r>
@@ -10663,7 +11396,7 @@
 </p:sld>
 </file>
 
-<file path=ppt/slides/slide28.xml><?xml version="1.0" encoding="utf-8"?>
+<file path=ppt/slides/slide29.xml><?xml version="1.0" encoding="utf-8"?>
 <p:sld xmlns:a="http://schemas.openxmlformats.org/drawingml/2006/main" xmlns:r="http://schemas.openxmlformats.org/officeDocument/2006/relationships" xmlns:p="http://schemas.openxmlformats.org/presentationml/2006/main">
   <p:cSld>
     <p:spTree>
@@ -11579,178 +12312,6 @@
 </p:sld>
 </file>
 
-<file path=ppt/slides/slide29.xml><?xml version="1.0" encoding="utf-8"?>
-<p:sld xmlns:a="http://schemas.openxmlformats.org/drawingml/2006/main" xmlns:r="http://schemas.openxmlformats.org/officeDocument/2006/relationships" xmlns:p="http://schemas.openxmlformats.org/presentationml/2006/main">
-  <p:cSld>
-    <p:spTree>
-      <p:nvGrpSpPr>
-        <p:cNvPr id="1" name=""/>
-        <p:cNvGrpSpPr/>
-        <p:nvPr/>
-      </p:nvGrpSpPr>
-      <p:grpSpPr>
-        <a:xfrm>
-          <a:off x="0" y="0"/>
-          <a:ext cx="0" cy="0"/>
-          <a:chOff x="0" y="0"/>
-          <a:chExt cx="0" cy="0"/>
-        </a:xfrm>
-      </p:grpSpPr>
-      <p:sp>
-        <p:nvSpPr>
-          <p:cNvPr id="2" name="Title 1"/>
-          <p:cNvSpPr>
-            <a:spLocks noGrp="1"/>
-          </p:cNvSpPr>
-          <p:nvPr>
-            <p:ph type="title"/>
-          </p:nvPr>
-        </p:nvSpPr>
-        <p:spPr/>
-        <p:txBody>
-          <a:bodyPr/>
-          <a:lstStyle/>
-          <a:p>
-            <a:r>
-              <a:rPr lang="en-US" dirty="0" smtClean="0"/>
-              <a:t>XML </a:t>
-            </a:r>
-            <a:r>
-              <a:rPr lang="ru-RU" dirty="0" smtClean="0"/>
-              <a:t>комментарии</a:t>
-            </a:r>
-            <a:r>
-              <a:rPr lang="en-US" dirty="0" smtClean="0"/>
-              <a:t>: </a:t>
-            </a:r>
-            <a:r>
-              <a:rPr lang="ru-RU" dirty="0" smtClean="0"/>
-              <a:t>Настройка</a:t>
-            </a:r>
-            <a:endParaRPr lang="ru-RU" dirty="0"/>
-          </a:p>
-        </p:txBody>
-      </p:sp>
-      <p:pic>
-        <p:nvPicPr>
-          <p:cNvPr id="1026" name="Picture 2"/>
-          <p:cNvPicPr>
-            <a:picLocks noChangeAspect="1" noChangeArrowheads="1"/>
-          </p:cNvPicPr>
-          <p:nvPr/>
-        </p:nvPicPr>
-        <p:blipFill>
-          <a:blip r:embed="rId2">
-            <a:extLst>
-              <a:ext uri="{28A0092B-C50C-407E-A947-70E740481C1C}">
-                <a14:useLocalDpi xmlns:a14="http://schemas.microsoft.com/office/drawing/2010/main" val="0"/>
-              </a:ext>
-            </a:extLst>
-          </a:blip>
-          <a:srcRect/>
-          <a:stretch>
-            <a:fillRect/>
-          </a:stretch>
-        </p:blipFill>
-        <p:spPr bwMode="auto">
-          <a:xfrm>
-            <a:off x="3275856" y="1328986"/>
-            <a:ext cx="5669280" cy="4610100"/>
-          </a:xfrm>
-          <a:prstGeom prst="rect">
-            <a:avLst/>
-          </a:prstGeom>
-          <a:noFill/>
-          <a:ln>
-            <a:noFill/>
-          </a:ln>
-          <a:extLst>
-            <a:ext uri="{909E8E84-426E-40DD-AFC4-6F175D3DCCD1}">
-              <a14:hiddenFill xmlns:a14="http://schemas.microsoft.com/office/drawing/2010/main">
-                <a:solidFill>
-                  <a:schemeClr val="accent1"/>
-                </a:solidFill>
-              </a14:hiddenFill>
-            </a:ext>
-            <a:ext uri="{91240B29-F687-4F45-9708-019B960494DF}">
-              <a14:hiddenLine xmlns:a14="http://schemas.microsoft.com/office/drawing/2010/main" w="9525">
-                <a:solidFill>
-                  <a:schemeClr val="tx1"/>
-                </a:solidFill>
-                <a:miter lim="800000"/>
-                <a:headEnd/>
-                <a:tailEnd/>
-              </a14:hiddenLine>
-            </a:ext>
-          </a:extLst>
-        </p:spPr>
-      </p:pic>
-      <p:sp>
-        <p:nvSpPr>
-          <p:cNvPr id="4" name="TextBox 3"/>
-          <p:cNvSpPr txBox="1"/>
-          <p:nvPr/>
-        </p:nvSpPr>
-        <p:spPr>
-          <a:xfrm>
-            <a:off x="251520" y="1557367"/>
-            <a:ext cx="3024336" cy="4031873"/>
-          </a:xfrm>
-          <a:prstGeom prst="rect">
-            <a:avLst/>
-          </a:prstGeom>
-          <a:noFill/>
-        </p:spPr>
-        <p:txBody>
-          <a:bodyPr wrap="square" rtlCol="0">
-            <a:spAutoFit/>
-          </a:bodyPr>
-          <a:lstStyle/>
-          <a:p>
-            <a:r>
-              <a:rPr lang="ru-RU" sz="3200" dirty="0" smtClean="0"/>
-              <a:t>Установите опцию </a:t>
-            </a:r>
-            <a:r>
-              <a:rPr lang="en-US" sz="3200" dirty="0" smtClean="0"/>
-              <a:t>“XML documentation file” </a:t>
-            </a:r>
-            <a:r>
-              <a:rPr lang="ru-RU" sz="3200" dirty="0" smtClean="0"/>
-              <a:t>в свойствах проекта для генерации </a:t>
-            </a:r>
-            <a:r>
-              <a:rPr lang="en-US" sz="3200" dirty="0" smtClean="0"/>
-              <a:t>XML </a:t>
-            </a:r>
-            <a:r>
-              <a:rPr lang="ru-RU" sz="3200" dirty="0" smtClean="0"/>
-              <a:t>файла с комментариями</a:t>
-            </a:r>
-            <a:endParaRPr lang="en-US" sz="3200" dirty="0" smtClean="0"/>
-          </a:p>
-        </p:txBody>
-      </p:sp>
-    </p:spTree>
-    <p:extLst>
-      <p:ext uri="{BB962C8B-B14F-4D97-AF65-F5344CB8AC3E}">
-        <p14:creationId xmlns:p14="http://schemas.microsoft.com/office/powerpoint/2010/main" val="238274862"/>
-      </p:ext>
-    </p:extLst>
-  </p:cSld>
-  <p:clrMapOvr>
-    <a:masterClrMapping/>
-  </p:clrMapOvr>
-  <p:timing>
-    <p:tnLst>
-      <p:par>
-        <p:cTn id="1" dur="indefinite" restart="never" nodeType="tmRoot"/>
-      </p:par>
-    </p:tnLst>
-  </p:timing>
-</p:sld>
-</file>
-
 <file path=ppt/slides/slide3.xml><?xml version="1.0" encoding="utf-8"?>
 <p:sld xmlns:a="http://schemas.openxmlformats.org/drawingml/2006/main" xmlns:r="http://schemas.openxmlformats.org/officeDocument/2006/relationships" xmlns:p="http://schemas.openxmlformats.org/presentationml/2006/main">
   <p:cSld>
@@ -11971,78 +12532,120 @@
             </a:r>
             <a:r>
               <a:rPr lang="en-US" dirty="0" smtClean="0"/>
-              <a:t>: Sandcastle</a:t>
+              <a:t>: </a:t>
+            </a:r>
+            <a:r>
+              <a:rPr lang="ru-RU" dirty="0" smtClean="0"/>
+              <a:t>Настройка</a:t>
             </a:r>
             <a:endParaRPr lang="ru-RU" dirty="0"/>
           </a:p>
         </p:txBody>
       </p:sp>
+      <p:pic>
+        <p:nvPicPr>
+          <p:cNvPr id="1026" name="Picture 2"/>
+          <p:cNvPicPr>
+            <a:picLocks noChangeAspect="1" noChangeArrowheads="1"/>
+          </p:cNvPicPr>
+          <p:nvPr/>
+        </p:nvPicPr>
+        <p:blipFill>
+          <a:blip r:embed="rId2">
+            <a:extLst>
+              <a:ext uri="{28A0092B-C50C-407E-A947-70E740481C1C}">
+                <a14:useLocalDpi xmlns:a14="http://schemas.microsoft.com/office/drawing/2010/main" val="0"/>
+              </a:ext>
+            </a:extLst>
+          </a:blip>
+          <a:srcRect/>
+          <a:stretch>
+            <a:fillRect/>
+          </a:stretch>
+        </p:blipFill>
+        <p:spPr bwMode="auto">
+          <a:xfrm>
+            <a:off x="3275856" y="1328986"/>
+            <a:ext cx="5669280" cy="4610100"/>
+          </a:xfrm>
+          <a:prstGeom prst="rect">
+            <a:avLst/>
+          </a:prstGeom>
+          <a:noFill/>
+          <a:ln>
+            <a:noFill/>
+          </a:ln>
+          <a:extLst>
+            <a:ext uri="{909E8E84-426E-40DD-AFC4-6F175D3DCCD1}">
+              <a14:hiddenFill xmlns:a14="http://schemas.microsoft.com/office/drawing/2010/main">
+                <a:solidFill>
+                  <a:schemeClr val="accent1"/>
+                </a:solidFill>
+              </a14:hiddenFill>
+            </a:ext>
+            <a:ext uri="{91240B29-F687-4F45-9708-019B960494DF}">
+              <a14:hiddenLine xmlns:a14="http://schemas.microsoft.com/office/drawing/2010/main" w="9525">
+                <a:solidFill>
+                  <a:schemeClr val="tx1"/>
+                </a:solidFill>
+                <a:miter lim="800000"/>
+                <a:headEnd/>
+                <a:tailEnd/>
+              </a14:hiddenLine>
+            </a:ext>
+          </a:extLst>
+        </p:spPr>
+      </p:pic>
       <p:sp>
         <p:nvSpPr>
-          <p:cNvPr id="3" name="Content Placeholder 2"/>
-          <p:cNvSpPr>
-            <a:spLocks noGrp="1"/>
-          </p:cNvSpPr>
-          <p:nvPr>
-            <p:ph idx="1"/>
-          </p:nvPr>
+          <p:cNvPr id="4" name="TextBox 3"/>
+          <p:cNvSpPr txBox="1"/>
+          <p:nvPr/>
         </p:nvSpPr>
-        <p:spPr/>
+        <p:spPr>
+          <a:xfrm>
+            <a:off x="251520" y="1557367"/>
+            <a:ext cx="3024336" cy="4031873"/>
+          </a:xfrm>
+          <a:prstGeom prst="rect">
+            <a:avLst/>
+          </a:prstGeom>
+          <a:noFill/>
+        </p:spPr>
         <p:txBody>
-          <a:bodyPr>
-            <a:normAutofit/>
+          <a:bodyPr wrap="square" rtlCol="0">
+            <a:spAutoFit/>
           </a:bodyPr>
           <a:lstStyle/>
           <a:p>
-            <a:pPr marL="0" indent="0">
-              <a:buNone/>
-            </a:pPr>
-            <a:r>
-              <a:rPr lang="ru-RU" dirty="0" smtClean="0"/>
-              <a:t>Полученный </a:t>
-            </a:r>
-            <a:r>
-              <a:rPr lang="en-US" dirty="0" smtClean="0"/>
+            <a:r>
+              <a:rPr lang="ru-RU" sz="3200" dirty="0" smtClean="0"/>
+              <a:t>Установите опцию </a:t>
+            </a:r>
+            <a:r>
+              <a:rPr lang="en-US" sz="3200" dirty="0" smtClean="0"/>
+              <a:t>“XML documentation file” </a:t>
+            </a:r>
+            <a:r>
+              <a:rPr lang="ru-RU" sz="3200" dirty="0" smtClean="0"/>
+              <a:t>в свойствах проекта для генерации </a:t>
+            </a:r>
+            <a:r>
+              <a:rPr lang="en-US" sz="3200" dirty="0" smtClean="0"/>
               <a:t>XML </a:t>
             </a:r>
             <a:r>
-              <a:rPr lang="ru-RU" dirty="0" smtClean="0"/>
-              <a:t>файл неудобен для чтения человеком. Однако его можно обработать с помощью программы </a:t>
-            </a:r>
-            <a:r>
-              <a:rPr lang="en-US" dirty="0" smtClean="0"/>
-              <a:t>Sandcastle</a:t>
-            </a:r>
-            <a:r>
-              <a:rPr lang="en-US" dirty="0"/>
-              <a:t> </a:t>
-            </a:r>
-            <a:r>
-              <a:rPr lang="en-US" dirty="0" smtClean="0"/>
-              <a:t>(</a:t>
-            </a:r>
-            <a:r>
-              <a:rPr lang="en-US" dirty="0" smtClean="0">
-                <a:hlinkClick r:id="rId2"/>
-              </a:rPr>
-              <a:t>shfb.codeplex.com</a:t>
-            </a:r>
-            <a:r>
-              <a:rPr lang="en-US" dirty="0" smtClean="0"/>
-              <a:t>) </a:t>
-            </a:r>
-            <a:r>
-              <a:rPr lang="ru-RU" dirty="0" smtClean="0"/>
-              <a:t>и получить файл(ы) справки.</a:t>
-            </a:r>
-            <a:endParaRPr lang="en-US" dirty="0" smtClean="0"/>
+              <a:rPr lang="ru-RU" sz="3200" dirty="0" smtClean="0"/>
+              <a:t>файла с комментариями</a:t>
+            </a:r>
+            <a:endParaRPr lang="en-US" sz="3200" dirty="0" smtClean="0"/>
           </a:p>
         </p:txBody>
       </p:sp>
     </p:spTree>
     <p:extLst>
       <p:ext uri="{BB962C8B-B14F-4D97-AF65-F5344CB8AC3E}">
-        <p14:creationId xmlns:p14="http://schemas.microsoft.com/office/powerpoint/2010/main" val="2734608499"/>
+        <p14:creationId xmlns:p14="http://schemas.microsoft.com/office/powerpoint/2010/main" val="238274862"/>
       </p:ext>
     </p:extLst>
   </p:cSld>
@@ -12086,44 +12689,106 @@
             <p:ph type="title"/>
           </p:nvPr>
         </p:nvSpPr>
-        <p:spPr>
-          <a:xfrm>
-            <a:off x="457200" y="2857500"/>
-            <a:ext cx="8229600" cy="1143000"/>
-          </a:xfrm>
-        </p:spPr>
+        <p:spPr/>
+        <p:txBody>
+          <a:bodyPr/>
+          <a:lstStyle/>
+          <a:p>
+            <a:r>
+              <a:rPr lang="en-US" dirty="0" smtClean="0"/>
+              <a:t>XML </a:t>
+            </a:r>
+            <a:r>
+              <a:rPr lang="ru-RU" dirty="0" smtClean="0"/>
+              <a:t>комментарии</a:t>
+            </a:r>
+            <a:r>
+              <a:rPr lang="en-US" dirty="0" smtClean="0"/>
+              <a:t>: Sandcastle</a:t>
+            </a:r>
+            <a:endParaRPr lang="ru-RU" dirty="0"/>
+          </a:p>
+        </p:txBody>
+      </p:sp>
+      <p:sp>
+        <p:nvSpPr>
+          <p:cNvPr id="3" name="Content Placeholder 2"/>
+          <p:cNvSpPr>
+            <a:spLocks noGrp="1"/>
+          </p:cNvSpPr>
+          <p:nvPr>
+            <p:ph idx="1"/>
+          </p:nvPr>
+        </p:nvSpPr>
+        <p:spPr/>
         <p:txBody>
           <a:bodyPr>
             <a:normAutofit/>
           </a:bodyPr>
           <a:lstStyle/>
           <a:p>
+            <a:pPr marL="0" indent="0">
+              <a:buNone/>
+            </a:pPr>
             <a:r>
               <a:rPr lang="ru-RU" dirty="0" smtClean="0"/>
-              <a:t>Чтение </a:t>
+              <a:t>Полученный </a:t>
             </a:r>
             <a:r>
               <a:rPr lang="en-US" dirty="0" smtClean="0"/>
-              <a:t>XML. </a:t>
+              <a:t>XML </a:t>
             </a:r>
             <a:r>
               <a:rPr lang="ru-RU" dirty="0" smtClean="0"/>
-              <a:t>Демонстрация.</a:t>
-            </a:r>
-            <a:endParaRPr lang="ru-RU" dirty="0"/>
+              <a:t>файл неудобен для чтения человеком. Однако его можно обработать с помощью программы </a:t>
+            </a:r>
+            <a:r>
+              <a:rPr lang="en-US" dirty="0" smtClean="0"/>
+              <a:t>Sandcastle</a:t>
+            </a:r>
+            <a:r>
+              <a:rPr lang="en-US" dirty="0"/>
+              <a:t> </a:t>
+            </a:r>
+            <a:r>
+              <a:rPr lang="en-US" dirty="0" smtClean="0"/>
+              <a:t>(</a:t>
+            </a:r>
+            <a:r>
+              <a:rPr lang="en-US" dirty="0" smtClean="0">
+                <a:hlinkClick r:id="rId2"/>
+              </a:rPr>
+              <a:t>shfb.codeplex.com</a:t>
+            </a:r>
+            <a:r>
+              <a:rPr lang="en-US" dirty="0" smtClean="0"/>
+              <a:t>) </a:t>
+            </a:r>
+            <a:r>
+              <a:rPr lang="ru-RU" dirty="0" smtClean="0"/>
+              <a:t>и получить файл(ы) справки.</a:t>
+            </a:r>
+            <a:endParaRPr lang="en-US" dirty="0" smtClean="0"/>
           </a:p>
         </p:txBody>
       </p:sp>
     </p:spTree>
     <p:extLst>
       <p:ext uri="{BB962C8B-B14F-4D97-AF65-F5344CB8AC3E}">
-        <p14:creationId xmlns:p14="http://schemas.microsoft.com/office/powerpoint/2010/main" val="607863742"/>
+        <p14:creationId xmlns:p14="http://schemas.microsoft.com/office/powerpoint/2010/main" val="2734608499"/>
       </p:ext>
     </p:extLst>
   </p:cSld>
   <p:clrMapOvr>
     <a:masterClrMapping/>
   </p:clrMapOvr>
+  <p:timing>
+    <p:tnLst>
+      <p:par>
+        <p:cTn id="1" dur="indefinite" restart="never" nodeType="tmRoot"/>
+      </p:par>
+    </p:tnLst>
+  </p:timing>
 </p:sld>
 </file>
 
@@ -12154,101 +12819,29 @@
             <p:ph type="title"/>
           </p:nvPr>
         </p:nvSpPr>
-        <p:spPr/>
-        <p:txBody>
-          <a:bodyPr/>
-          <a:lstStyle/>
-          <a:p>
-            <a:r>
-              <a:rPr lang="en-US" dirty="0" smtClean="0"/>
-              <a:t>XML </a:t>
-            </a:r>
-            <a:r>
-              <a:rPr lang="ru-RU" dirty="0" smtClean="0"/>
-              <a:t>сериализация (</a:t>
-            </a:r>
-            <a:r>
-              <a:rPr lang="en-US" dirty="0" smtClean="0"/>
-              <a:t>serialization</a:t>
-            </a:r>
-            <a:r>
-              <a:rPr lang="ru-RU" dirty="0" smtClean="0"/>
-              <a:t>)</a:t>
-            </a:r>
-            <a:endParaRPr lang="ru-RU" dirty="0"/>
-          </a:p>
-        </p:txBody>
-      </p:sp>
-      <p:sp>
-        <p:nvSpPr>
-          <p:cNvPr id="3" name="Content Placeholder 2"/>
-          <p:cNvSpPr>
-            <a:spLocks noGrp="1"/>
-          </p:cNvSpPr>
-          <p:nvPr>
-            <p:ph idx="1"/>
-          </p:nvPr>
-        </p:nvSpPr>
-        <p:spPr/>
+        <p:spPr>
+          <a:xfrm>
+            <a:off x="457200" y="2857500"/>
+            <a:ext cx="8229600" cy="1143000"/>
+          </a:xfrm>
+        </p:spPr>
         <p:txBody>
           <a:bodyPr>
-            <a:normAutofit lnSpcReduction="10000"/>
+            <a:normAutofit/>
           </a:bodyPr>
           <a:lstStyle/>
           <a:p>
             <a:r>
-              <a:rPr lang="ru-RU" dirty="0"/>
-              <a:t>Сериализация – сохранение данных об объекте </a:t>
-            </a:r>
-            <a:r>
               <a:rPr lang="ru-RU" dirty="0" smtClean="0"/>
-              <a:t>в поток</a:t>
-            </a:r>
-            <a:endParaRPr lang="ru-RU" dirty="0"/>
-          </a:p>
-          <a:p>
+              <a:t>Чтение </a:t>
+            </a:r>
+            <a:r>
+              <a:rPr lang="en-US" dirty="0" smtClean="0"/>
+              <a:t>XML. </a:t>
+            </a:r>
             <a:r>
               <a:rPr lang="ru-RU" dirty="0" smtClean="0"/>
-              <a:t>Десериализация</a:t>
-            </a:r>
-            <a:r>
-              <a:rPr lang="en-US" dirty="0" smtClean="0"/>
-              <a:t> </a:t>
-            </a:r>
-            <a:r>
-              <a:rPr lang="ru-RU" dirty="0" smtClean="0"/>
-              <a:t>– </a:t>
-            </a:r>
-            <a:r>
-              <a:rPr lang="ru-RU" dirty="0"/>
-              <a:t>обратный процесс восстановления </a:t>
-            </a:r>
-            <a:r>
-              <a:rPr lang="ru-RU" dirty="0" smtClean="0"/>
-              <a:t>объекта</a:t>
-            </a:r>
-          </a:p>
-          <a:p>
-            <a:endParaRPr lang="en-US" dirty="0" smtClean="0"/>
-          </a:p>
-          <a:p>
-            <a:r>
-              <a:rPr lang="ru-RU" dirty="0" smtClean="0"/>
-              <a:t>Примеры использования:</a:t>
-            </a:r>
-          </a:p>
-          <a:p>
-            <a:pPr lvl="1"/>
-            <a:r>
-              <a:rPr lang="ru-RU" dirty="0" smtClean="0"/>
-              <a:t>Передача объекта между разными программи/машинами.</a:t>
-            </a:r>
-          </a:p>
-          <a:p>
-            <a:pPr lvl="1"/>
-            <a:r>
-              <a:rPr lang="ru-RU" dirty="0" smtClean="0"/>
-              <a:t>Файлы конфигурации</a:t>
+              <a:t>Демонстрация.</a:t>
             </a:r>
             <a:endParaRPr lang="ru-RU" dirty="0"/>
           </a:p>
@@ -12257,7 +12850,7 @@
     </p:spTree>
     <p:extLst>
       <p:ext uri="{BB962C8B-B14F-4D97-AF65-F5344CB8AC3E}">
-        <p14:creationId xmlns:p14="http://schemas.microsoft.com/office/powerpoint/2010/main" val="4243754449"/>
+        <p14:creationId xmlns:p14="http://schemas.microsoft.com/office/powerpoint/2010/main" val="607863742"/>
       </p:ext>
     </p:extLst>
   </p:cSld>
@@ -12294,6 +12887,146 @@
             <p:ph type="title"/>
           </p:nvPr>
         </p:nvSpPr>
+        <p:spPr/>
+        <p:txBody>
+          <a:bodyPr/>
+          <a:lstStyle/>
+          <a:p>
+            <a:r>
+              <a:rPr lang="en-US" dirty="0" smtClean="0"/>
+              <a:t>XML </a:t>
+            </a:r>
+            <a:r>
+              <a:rPr lang="ru-RU" dirty="0" smtClean="0"/>
+              <a:t>сериализация (</a:t>
+            </a:r>
+            <a:r>
+              <a:rPr lang="en-US" dirty="0" smtClean="0"/>
+              <a:t>serialization</a:t>
+            </a:r>
+            <a:r>
+              <a:rPr lang="ru-RU" dirty="0" smtClean="0"/>
+              <a:t>)</a:t>
+            </a:r>
+            <a:endParaRPr lang="ru-RU" dirty="0"/>
+          </a:p>
+        </p:txBody>
+      </p:sp>
+      <p:sp>
+        <p:nvSpPr>
+          <p:cNvPr id="3" name="Content Placeholder 2"/>
+          <p:cNvSpPr>
+            <a:spLocks noGrp="1"/>
+          </p:cNvSpPr>
+          <p:nvPr>
+            <p:ph idx="1"/>
+          </p:nvPr>
+        </p:nvSpPr>
+        <p:spPr/>
+        <p:txBody>
+          <a:bodyPr>
+            <a:normAutofit lnSpcReduction="10000"/>
+          </a:bodyPr>
+          <a:lstStyle/>
+          <a:p>
+            <a:r>
+              <a:rPr lang="ru-RU" dirty="0"/>
+              <a:t>Сериализация – сохранение данных об объекте </a:t>
+            </a:r>
+            <a:r>
+              <a:rPr lang="ru-RU" dirty="0" smtClean="0"/>
+              <a:t>в поток</a:t>
+            </a:r>
+            <a:endParaRPr lang="ru-RU" dirty="0"/>
+          </a:p>
+          <a:p>
+            <a:r>
+              <a:rPr lang="ru-RU" dirty="0" smtClean="0"/>
+              <a:t>Десериализация</a:t>
+            </a:r>
+            <a:r>
+              <a:rPr lang="en-US" dirty="0" smtClean="0"/>
+              <a:t> </a:t>
+            </a:r>
+            <a:r>
+              <a:rPr lang="ru-RU" dirty="0" smtClean="0"/>
+              <a:t>– </a:t>
+            </a:r>
+            <a:r>
+              <a:rPr lang="ru-RU" dirty="0"/>
+              <a:t>обратный процесс восстановления </a:t>
+            </a:r>
+            <a:r>
+              <a:rPr lang="ru-RU" dirty="0" smtClean="0"/>
+              <a:t>объекта</a:t>
+            </a:r>
+          </a:p>
+          <a:p>
+            <a:endParaRPr lang="en-US" dirty="0" smtClean="0"/>
+          </a:p>
+          <a:p>
+            <a:r>
+              <a:rPr lang="ru-RU" dirty="0" smtClean="0"/>
+              <a:t>Примеры использования:</a:t>
+            </a:r>
+          </a:p>
+          <a:p>
+            <a:pPr lvl="1"/>
+            <a:r>
+              <a:rPr lang="ru-RU" dirty="0" smtClean="0"/>
+              <a:t>Передача объекта между разными программи/машинами.</a:t>
+            </a:r>
+          </a:p>
+          <a:p>
+            <a:pPr lvl="1"/>
+            <a:r>
+              <a:rPr lang="ru-RU" dirty="0" smtClean="0"/>
+              <a:t>Файлы конфигурации</a:t>
+            </a:r>
+            <a:endParaRPr lang="ru-RU" dirty="0"/>
+          </a:p>
+        </p:txBody>
+      </p:sp>
+    </p:spTree>
+    <p:extLst>
+      <p:ext uri="{BB962C8B-B14F-4D97-AF65-F5344CB8AC3E}">
+        <p14:creationId xmlns:p14="http://schemas.microsoft.com/office/powerpoint/2010/main" val="4243754449"/>
+      </p:ext>
+    </p:extLst>
+  </p:cSld>
+  <p:clrMapOvr>
+    <a:masterClrMapping/>
+  </p:clrMapOvr>
+</p:sld>
+</file>
+
+<file path=ppt/slides/slide34.xml><?xml version="1.0" encoding="utf-8"?>
+<p:sld xmlns:a="http://schemas.openxmlformats.org/drawingml/2006/main" xmlns:r="http://schemas.openxmlformats.org/officeDocument/2006/relationships" xmlns:p="http://schemas.openxmlformats.org/presentationml/2006/main">
+  <p:cSld>
+    <p:spTree>
+      <p:nvGrpSpPr>
+        <p:cNvPr id="1" name=""/>
+        <p:cNvGrpSpPr/>
+        <p:nvPr/>
+      </p:nvGrpSpPr>
+      <p:grpSpPr>
+        <a:xfrm>
+          <a:off x="0" y="0"/>
+          <a:ext cx="0" cy="0"/>
+          <a:chOff x="0" y="0"/>
+          <a:chExt cx="0" cy="0"/>
+        </a:xfrm>
+      </p:grpSpPr>
+      <p:sp>
+        <p:nvSpPr>
+          <p:cNvPr id="2" name="Title 1"/>
+          <p:cNvSpPr>
+            <a:spLocks noGrp="1"/>
+          </p:cNvSpPr>
+          <p:nvPr>
+            <p:ph type="title"/>
+          </p:nvPr>
+        </p:nvSpPr>
         <p:spPr>
           <a:xfrm>
             <a:off x="457200" y="-234280"/>
@@ -14608,7 +15341,7 @@
 </p:sld>
 </file>
 
-<file path=ppt/slides/slide34.xml><?xml version="1.0" encoding="utf-8"?>
+<file path=ppt/slides/slide35.xml><?xml version="1.0" encoding="utf-8"?>
 <p:sld xmlns:a="http://schemas.openxmlformats.org/drawingml/2006/main" xmlns:r="http://schemas.openxmlformats.org/officeDocument/2006/relationships" xmlns:p="http://schemas.openxmlformats.org/presentationml/2006/main">
   <p:cSld>
     <p:bg>
@@ -15101,11 +15834,7 @@
             </a:r>
             <a:r>
               <a:rPr lang="en-US" sz="1800" dirty="0" smtClean="0"/>
-              <a:t>RSS, Atom, </a:t>
-            </a:r>
-            <a:r>
-              <a:rPr lang="en-US" sz="1800" dirty="0" smtClean="0"/>
-              <a:t>SVG</a:t>
+              <a:t>RSS, Atom, SVG</a:t>
             </a:r>
             <a:r>
               <a:rPr lang="ru-RU" sz="1800" dirty="0"/>
@@ -15394,19 +16123,7 @@
           <a:p>
             <a:r>
               <a:rPr lang="ru-RU" dirty="0" smtClean="0"/>
-              <a:t>Сохра</a:t>
-            </a:r>
-            <a:r>
-              <a:rPr lang="ru-RU" dirty="0" smtClean="0"/>
-              <a:t>не</a:t>
-            </a:r>
-            <a:r>
-              <a:rPr lang="ru-RU" dirty="0" smtClean="0"/>
-              <a:t>ние/загрузка </a:t>
-            </a:r>
-            <a:r>
-              <a:rPr lang="ru-RU" dirty="0" smtClean="0"/>
-              <a:t>данных из класса </a:t>
+              <a:t>Сохранение/загрузка данных из класса </a:t>
             </a:r>
             <a:r>
               <a:rPr lang="en-US" dirty="0" err="1" smtClean="0"/>

--- a/Presentation/lesson-06-xml.pptx
+++ b/Presentation/lesson-06-xml.pptx
@@ -5,7 +5,7 @@
     <p:sldMasterId id="2147483648" r:id="rId1"/>
   </p:sldMasterIdLst>
   <p:notesMasterIdLst>
-    <p:notesMasterId r:id="rId37"/>
+    <p:notesMasterId r:id="rId38"/>
   </p:notesMasterIdLst>
   <p:sldIdLst>
     <p:sldId id="257" r:id="rId2"/>
@@ -42,7 +42,8 @@
     <p:sldId id="277" r:id="rId33"/>
     <p:sldId id="280" r:id="rId34"/>
     <p:sldId id="282" r:id="rId35"/>
-    <p:sldId id="285" r:id="rId36"/>
+    <p:sldId id="295" r:id="rId36"/>
+    <p:sldId id="285" r:id="rId37"/>
   </p:sldIdLst>
   <p:sldSz cx="9144000" cy="6858000" type="screen4x3"/>
   <p:notesSz cx="6858000" cy="9144000"/>
@@ -226,7 +227,7 @@
           <a:p>
             <a:fld id="{B24A7054-7FFB-49F4-A126-5DF6E687FF53}" type="datetimeFigureOut">
               <a:rPr lang="ru-RU" smtClean="0"/>
-              <a:t>17.03.2015</a:t>
+              <a:t>20.03.2015</a:t>
             </a:fld>
             <a:endParaRPr lang="ru-RU"/>
           </a:p>
@@ -1289,7 +1290,7 @@
           <a:p>
             <a:fld id="{8E6E6A2A-E9D3-4A0D-B04A-ABDD367A1E08}" type="datetimeFigureOut">
               <a:rPr lang="ru-RU" smtClean="0"/>
-              <a:t>17.03.2015</a:t>
+              <a:t>20.03.2015</a:t>
             </a:fld>
             <a:endParaRPr lang="ru-RU"/>
           </a:p>
@@ -2737,7 +2738,7 @@
           <a:p>
             <a:fld id="{AC3D3127-B7C4-45E3-9797-C527EC9FDD78}" type="datetimeFigureOut">
               <a:rPr lang="ru-RU" smtClean="0"/>
-              <a:t>17.03.2015</a:t>
+              <a:t>20.03.2015</a:t>
             </a:fld>
             <a:endParaRPr lang="ru-RU"/>
           </a:p>
@@ -15342,6 +15343,141 @@
 </file>
 
 <file path=ppt/slides/slide35.xml><?xml version="1.0" encoding="utf-8"?>
+<p:sld xmlns:a="http://schemas.openxmlformats.org/drawingml/2006/main" xmlns:r="http://schemas.openxmlformats.org/officeDocument/2006/relationships" xmlns:p="http://schemas.openxmlformats.org/presentationml/2006/main">
+  <p:cSld>
+    <p:spTree>
+      <p:nvGrpSpPr>
+        <p:cNvPr id="1" name=""/>
+        <p:cNvGrpSpPr/>
+        <p:nvPr/>
+      </p:nvGrpSpPr>
+      <p:grpSpPr>
+        <a:xfrm>
+          <a:off x="0" y="0"/>
+          <a:ext cx="0" cy="0"/>
+          <a:chOff x="0" y="0"/>
+          <a:chExt cx="0" cy="0"/>
+        </a:xfrm>
+      </p:grpSpPr>
+      <p:sp>
+        <p:nvSpPr>
+          <p:cNvPr id="2" name="Title 1"/>
+          <p:cNvSpPr>
+            <a:spLocks noGrp="1"/>
+          </p:cNvSpPr>
+          <p:nvPr>
+            <p:ph type="title"/>
+          </p:nvPr>
+        </p:nvSpPr>
+        <p:spPr/>
+        <p:txBody>
+          <a:bodyPr>
+            <a:noAutofit/>
+          </a:bodyPr>
+          <a:lstStyle/>
+          <a:p>
+            <a:r>
+              <a:rPr lang="ru-RU" sz="3600" dirty="0" smtClean="0"/>
+              <a:t>Команда </a:t>
+            </a:r>
+            <a:r>
+              <a:rPr lang="en-US" sz="3600" dirty="0" smtClean="0"/>
+              <a:t>Edit -&gt; Paste Special -&gt;</a:t>
+            </a:r>
+            <a:br>
+              <a:rPr lang="en-US" sz="3600" dirty="0" smtClean="0"/>
+            </a:br>
+            <a:r>
+              <a:rPr lang="en-US" sz="3600" dirty="0" smtClean="0"/>
+              <a:t>Paste XML as Classes</a:t>
+            </a:r>
+            <a:endParaRPr lang="ru-RU" sz="3600" dirty="0"/>
+          </a:p>
+        </p:txBody>
+      </p:sp>
+      <p:sp>
+        <p:nvSpPr>
+          <p:cNvPr id="3" name="Content Placeholder 2"/>
+          <p:cNvSpPr>
+            <a:spLocks noGrp="1"/>
+          </p:cNvSpPr>
+          <p:nvPr>
+            <p:ph idx="1"/>
+          </p:nvPr>
+        </p:nvSpPr>
+        <p:spPr/>
+        <p:txBody>
+          <a:bodyPr/>
+          <a:lstStyle/>
+          <a:p>
+            <a:pPr marL="0" indent="0">
+              <a:buNone/>
+            </a:pPr>
+            <a:r>
+              <a:rPr lang="ru-RU" dirty="0" smtClean="0"/>
+              <a:t>В </a:t>
+            </a:r>
+            <a:r>
+              <a:rPr lang="en-US" dirty="0" smtClean="0"/>
+              <a:t>Visual Studio 2012 </a:t>
+            </a:r>
+            <a:r>
+              <a:rPr lang="ru-RU" dirty="0" smtClean="0"/>
+              <a:t>и выше можно быстро сгенерировать классы для </a:t>
+            </a:r>
+            <a:r>
+              <a:rPr lang="en-US" dirty="0" smtClean="0"/>
+              <a:t>XML-</a:t>
+            </a:r>
+            <a:r>
+              <a:rPr lang="ru-RU" dirty="0" smtClean="0"/>
+              <a:t>сериализации скопировав нужный </a:t>
+            </a:r>
+            <a:r>
+              <a:rPr lang="en-US" dirty="0" smtClean="0"/>
+              <a:t>XML </a:t>
+            </a:r>
+            <a:r>
+              <a:rPr lang="ru-RU" dirty="0" smtClean="0"/>
+              <a:t>в буфер обмена и вызвав команду </a:t>
+            </a:r>
+            <a:r>
+              <a:rPr lang="en-US" dirty="0"/>
+              <a:t>Edit -&gt; Paste Special -&gt;</a:t>
+            </a:r>
+            <a:br>
+              <a:rPr lang="en-US" dirty="0"/>
+            </a:br>
+            <a:r>
+              <a:rPr lang="en-US" dirty="0"/>
+              <a:t>Paste XML as </a:t>
+            </a:r>
+            <a:r>
+              <a:rPr lang="en-US" dirty="0" smtClean="0"/>
+              <a:t>Classes</a:t>
+            </a:r>
+            <a:r>
+              <a:rPr lang="ru-RU" smtClean="0"/>
+              <a:t>.</a:t>
+            </a:r>
+            <a:endParaRPr lang="ru-RU" dirty="0"/>
+          </a:p>
+        </p:txBody>
+      </p:sp>
+    </p:spTree>
+    <p:extLst>
+      <p:ext uri="{BB962C8B-B14F-4D97-AF65-F5344CB8AC3E}">
+        <p14:creationId xmlns:p14="http://schemas.microsoft.com/office/powerpoint/2010/main" val="2369714332"/>
+      </p:ext>
+    </p:extLst>
+  </p:cSld>
+  <p:clrMapOvr>
+    <a:masterClrMapping/>
+  </p:clrMapOvr>
+</p:sld>
+</file>
+
+<file path=ppt/slides/slide36.xml><?xml version="1.0" encoding="utf-8"?>
 <p:sld xmlns:a="http://schemas.openxmlformats.org/drawingml/2006/main" xmlns:r="http://schemas.openxmlformats.org/officeDocument/2006/relationships" xmlns:p="http://schemas.openxmlformats.org/presentationml/2006/main">
   <p:cSld>
     <p:bg>

--- a/Presentation/lesson-06-xml.pptx
+++ b/Presentation/lesson-06-xml.pptx
@@ -227,7 +227,7 @@
           <a:p>
             <a:fld id="{B24A7054-7FFB-49F4-A126-5DF6E687FF53}" type="datetimeFigureOut">
               <a:rPr lang="ru-RU" smtClean="0"/>
-              <a:t>20.03.2015</a:t>
+              <a:t>04.04.2015</a:t>
             </a:fld>
             <a:endParaRPr lang="ru-RU"/>
           </a:p>
@@ -1290,7 +1290,7 @@
           <a:p>
             <a:fld id="{8E6E6A2A-E9D3-4A0D-B04A-ABDD367A1E08}" type="datetimeFigureOut">
               <a:rPr lang="ru-RU" smtClean="0"/>
-              <a:t>20.03.2015</a:t>
+              <a:t>04.04.2015</a:t>
             </a:fld>
             <a:endParaRPr lang="ru-RU"/>
           </a:p>
@@ -2738,7 +2738,7 @@
           <a:p>
             <a:fld id="{AC3D3127-B7C4-45E3-9797-C527EC9FDD78}" type="datetimeFigureOut">
               <a:rPr lang="ru-RU" smtClean="0"/>
-              <a:t>20.03.2015</a:t>
+              <a:t>04.04.2015</a:t>
             </a:fld>
             <a:endParaRPr lang="ru-RU"/>
           </a:p>
@@ -16204,29 +16204,38 @@
           </a:p>
           <a:p>
             <a:r>
+              <a:rPr lang="en-US" dirty="0" smtClean="0"/>
+              <a:t>XAML - </a:t>
+            </a:r>
+            <a:r>
+              <a:rPr lang="ru-RU" dirty="0"/>
+              <a:t>Язык описания </a:t>
+            </a:r>
+            <a:r>
+              <a:rPr lang="en-US" dirty="0"/>
+              <a:t>UI </a:t>
+            </a:r>
+            <a:r>
+              <a:rPr lang="ru-RU" dirty="0"/>
+              <a:t>в </a:t>
+            </a:r>
+            <a:r>
+              <a:rPr lang="en-US" dirty="0" smtClean="0"/>
+              <a:t>WPF </a:t>
+            </a:r>
+            <a:r>
               <a:rPr lang="ru-RU" dirty="0" smtClean="0"/>
-              <a:t>Язык описания </a:t>
+              <a:t>и </a:t>
+            </a:r>
+            <a:r>
+              <a:rPr lang="ru-RU" dirty="0"/>
+              <a:t>приложениях </a:t>
             </a:r>
             <a:r>
               <a:rPr lang="en-US" dirty="0" smtClean="0"/>
-              <a:t>UI </a:t>
-            </a:r>
-            <a:r>
-              <a:rPr lang="ru-RU" dirty="0" smtClean="0"/>
-              <a:t>в </a:t>
-            </a:r>
-            <a:r>
-              <a:rPr lang="en-US" dirty="0" smtClean="0"/>
-              <a:t>WPF</a:t>
-            </a:r>
-            <a:r>
-              <a:rPr lang="ru-RU" dirty="0" smtClean="0"/>
-              <a:t> - </a:t>
-            </a:r>
-            <a:r>
-              <a:rPr lang="en-US" dirty="0" smtClean="0"/>
-              <a:t>XAML</a:t>
-            </a:r>
+              <a:t>Windows Store</a:t>
+            </a:r>
+            <a:endParaRPr lang="en-US" dirty="0" smtClean="0"/>
           </a:p>
           <a:p>
             <a:r>

--- a/Presentation/lesson-06-xml.pptx
+++ b/Presentation/lesson-06-xml.pptx
@@ -5,7 +5,7 @@
     <p:sldMasterId id="2147483648" r:id="rId1"/>
   </p:sldMasterIdLst>
   <p:notesMasterIdLst>
-    <p:notesMasterId r:id="rId38"/>
+    <p:notesMasterId r:id="rId40"/>
   </p:notesMasterIdLst>
   <p:sldIdLst>
     <p:sldId id="257" r:id="rId2"/>
@@ -35,15 +35,17 @@
     <p:sldId id="289" r:id="rId26"/>
     <p:sldId id="294" r:id="rId27"/>
     <p:sldId id="293" r:id="rId28"/>
-    <p:sldId id="278" r:id="rId29"/>
-    <p:sldId id="288" r:id="rId30"/>
-    <p:sldId id="284" r:id="rId31"/>
-    <p:sldId id="287" r:id="rId32"/>
-    <p:sldId id="277" r:id="rId33"/>
-    <p:sldId id="280" r:id="rId34"/>
-    <p:sldId id="282" r:id="rId35"/>
-    <p:sldId id="295" r:id="rId36"/>
-    <p:sldId id="285" r:id="rId37"/>
+    <p:sldId id="296" r:id="rId29"/>
+    <p:sldId id="297" r:id="rId30"/>
+    <p:sldId id="278" r:id="rId31"/>
+    <p:sldId id="288" r:id="rId32"/>
+    <p:sldId id="284" r:id="rId33"/>
+    <p:sldId id="287" r:id="rId34"/>
+    <p:sldId id="277" r:id="rId35"/>
+    <p:sldId id="280" r:id="rId36"/>
+    <p:sldId id="282" r:id="rId37"/>
+    <p:sldId id="295" r:id="rId38"/>
+    <p:sldId id="285" r:id="rId39"/>
   </p:sldIdLst>
   <p:sldSz cx="9144000" cy="6858000" type="screen4x3"/>
   <p:notesSz cx="6858000" cy="9144000"/>
@@ -227,7 +229,7 @@
           <a:p>
             <a:fld id="{B24A7054-7FFB-49F4-A126-5DF6E687FF53}" type="datetimeFigureOut">
               <a:rPr lang="ru-RU" smtClean="0"/>
-              <a:t>04.04.2015</a:t>
+              <a:t>28.04.2015</a:t>
             </a:fld>
             <a:endParaRPr lang="ru-RU"/>
           </a:p>
@@ -1290,7 +1292,7 @@
           <a:p>
             <a:fld id="{8E6E6A2A-E9D3-4A0D-B04A-ABDD367A1E08}" type="datetimeFigureOut">
               <a:rPr lang="ru-RU" smtClean="0"/>
-              <a:t>04.04.2015</a:t>
+              <a:t>28.04.2015</a:t>
             </a:fld>
             <a:endParaRPr lang="ru-RU"/>
           </a:p>
@@ -2738,7 +2740,7 @@
           <a:p>
             <a:fld id="{AC3D3127-B7C4-45E3-9797-C527EC9FDD78}" type="datetimeFigureOut">
               <a:rPr lang="ru-RU" smtClean="0"/>
-              <a:t>04.04.2015</a:t>
+              <a:t>28.04.2015</a:t>
             </a:fld>
             <a:endParaRPr lang="ru-RU"/>
           </a:p>
@@ -11260,6 +11262,1378 @@
           <a:lstStyle/>
           <a:p>
             <a:r>
+              <a:rPr lang="ru-RU" dirty="0" smtClean="0"/>
+              <a:t>Работа с </a:t>
+            </a:r>
+            <a:r>
+              <a:rPr lang="en-US" dirty="0" smtClean="0"/>
+              <a:t>HTML</a:t>
+            </a:r>
+            <a:endParaRPr lang="ru-RU" dirty="0"/>
+          </a:p>
+        </p:txBody>
+      </p:sp>
+      <p:sp>
+        <p:nvSpPr>
+          <p:cNvPr id="3" name="Content Placeholder 2"/>
+          <p:cNvSpPr>
+            <a:spLocks noGrp="1"/>
+          </p:cNvSpPr>
+          <p:nvPr>
+            <p:ph idx="1"/>
+          </p:nvPr>
+        </p:nvSpPr>
+        <p:spPr>
+          <a:xfrm>
+            <a:off x="457200" y="1600201"/>
+            <a:ext cx="8229600" cy="2044824"/>
+          </a:xfrm>
+        </p:spPr>
+        <p:txBody>
+          <a:bodyPr/>
+          <a:lstStyle/>
+          <a:p>
+            <a:pPr marL="0" indent="0">
+              <a:buNone/>
+            </a:pPr>
+            <a:r>
+              <a:rPr lang="en-US" dirty="0" smtClean="0"/>
+              <a:t>HTML</a:t>
+            </a:r>
+            <a:r>
+              <a:rPr lang="ru-RU" dirty="0" smtClean="0"/>
+              <a:t> и </a:t>
+            </a:r>
+            <a:r>
+              <a:rPr lang="en-US" dirty="0" smtClean="0"/>
+              <a:t>XML </a:t>
+            </a:r>
+            <a:r>
+              <a:rPr lang="ru-RU" dirty="0" smtClean="0"/>
+              <a:t>документы очень похожи</a:t>
+            </a:r>
+            <a:r>
+              <a:rPr lang="en-US" dirty="0" smtClean="0"/>
+              <a:t>, </a:t>
+            </a:r>
+            <a:r>
+              <a:rPr lang="ru-RU" dirty="0" smtClean="0"/>
+              <a:t>однако </a:t>
+            </a:r>
+            <a:r>
+              <a:rPr lang="en-US" dirty="0" smtClean="0"/>
+              <a:t>HTML </a:t>
+            </a:r>
+            <a:r>
+              <a:rPr lang="ru-RU" dirty="0" smtClean="0"/>
+              <a:t>не следует</a:t>
+            </a:r>
+            <a:r>
+              <a:rPr lang="en-US" dirty="0" smtClean="0"/>
+              <a:t> </a:t>
+            </a:r>
+            <a:r>
+              <a:rPr lang="ru-RU" dirty="0" smtClean="0"/>
+              <a:t>правилам разметки </a:t>
+            </a:r>
+            <a:r>
+              <a:rPr lang="en-US" dirty="0" smtClean="0"/>
+              <a:t>XML </a:t>
+            </a:r>
+            <a:r>
+              <a:rPr lang="ru-RU" dirty="0" smtClean="0"/>
+              <a:t>и поэтому </a:t>
+            </a:r>
+            <a:r>
+              <a:rPr lang="en-US" dirty="0" smtClean="0"/>
+              <a:t>HTML</a:t>
+            </a:r>
+            <a:r>
+              <a:rPr lang="ru-RU" dirty="0" smtClean="0"/>
+              <a:t> документы нельзя обрабатывать с помощью </a:t>
+            </a:r>
+            <a:r>
+              <a:rPr lang="en-US" dirty="0" smtClean="0"/>
+              <a:t>XML </a:t>
+            </a:r>
+            <a:r>
+              <a:rPr lang="ru-RU" dirty="0" smtClean="0"/>
+              <a:t>парсеров.</a:t>
+            </a:r>
+            <a:endParaRPr lang="ru-RU" dirty="0"/>
+          </a:p>
+        </p:txBody>
+      </p:sp>
+      <p:sp>
+        <p:nvSpPr>
+          <p:cNvPr id="6" name="Rectangle 5"/>
+          <p:cNvSpPr/>
+          <p:nvPr/>
+        </p:nvSpPr>
+        <p:spPr>
+          <a:xfrm>
+            <a:off x="457200" y="4017819"/>
+            <a:ext cx="8291264" cy="2308324"/>
+          </a:xfrm>
+          <a:prstGeom prst="rect">
+            <a:avLst/>
+          </a:prstGeom>
+          <a:solidFill>
+            <a:schemeClr val="bg1"/>
+          </a:solidFill>
+        </p:spPr>
+        <p:txBody>
+          <a:bodyPr wrap="square">
+            <a:spAutoFit/>
+          </a:bodyPr>
+          <a:lstStyle/>
+          <a:p>
+            <a:r>
+              <a:rPr lang="en-US" sz="1600" dirty="0">
+                <a:solidFill>
+                  <a:srgbClr val="0000FF"/>
+                </a:solidFill>
+                <a:highlight>
+                  <a:srgbClr val="FFFFFF"/>
+                </a:highlight>
+                <a:latin typeface="Consolas"/>
+              </a:rPr>
+              <a:t>&lt;</a:t>
+            </a:r>
+            <a:r>
+              <a:rPr lang="en-US" sz="1600" dirty="0">
+                <a:solidFill>
+                  <a:srgbClr val="800000"/>
+                </a:solidFill>
+                <a:highlight>
+                  <a:srgbClr val="FFFFFF"/>
+                </a:highlight>
+                <a:latin typeface="Consolas"/>
+              </a:rPr>
+              <a:t>!DOCTYPE</a:t>
+            </a:r>
+            <a:r>
+              <a:rPr lang="en-US" sz="1600" dirty="0">
+                <a:solidFill>
+                  <a:srgbClr val="000000"/>
+                </a:solidFill>
+                <a:highlight>
+                  <a:srgbClr val="FFFFFF"/>
+                </a:highlight>
+                <a:latin typeface="Consolas"/>
+              </a:rPr>
+              <a:t> </a:t>
+            </a:r>
+            <a:r>
+              <a:rPr lang="en-US" sz="1600" dirty="0">
+                <a:solidFill>
+                  <a:srgbClr val="FF0000"/>
+                </a:solidFill>
+                <a:highlight>
+                  <a:srgbClr val="FFFFFF"/>
+                </a:highlight>
+                <a:latin typeface="Consolas"/>
+              </a:rPr>
+              <a:t>html</a:t>
+            </a:r>
+            <a:r>
+              <a:rPr lang="en-US" sz="1600" dirty="0">
+                <a:solidFill>
+                  <a:srgbClr val="0000FF"/>
+                </a:solidFill>
+                <a:highlight>
+                  <a:srgbClr val="FFFFFF"/>
+                </a:highlight>
+                <a:latin typeface="Consolas"/>
+              </a:rPr>
+              <a:t>&gt;</a:t>
+            </a:r>
+            <a:endParaRPr lang="en-US" sz="1600" dirty="0">
+              <a:solidFill>
+                <a:srgbClr val="000000"/>
+              </a:solidFill>
+              <a:highlight>
+                <a:srgbClr val="FFFFFF"/>
+              </a:highlight>
+              <a:latin typeface="Consolas"/>
+            </a:endParaRPr>
+          </a:p>
+          <a:p>
+            <a:r>
+              <a:rPr lang="en-US" sz="1600" dirty="0">
+                <a:solidFill>
+                  <a:srgbClr val="0000FF"/>
+                </a:solidFill>
+                <a:highlight>
+                  <a:srgbClr val="FFFFFF"/>
+                </a:highlight>
+                <a:latin typeface="Consolas"/>
+              </a:rPr>
+              <a:t>&lt;</a:t>
+            </a:r>
+            <a:r>
+              <a:rPr lang="en-US" sz="1600" dirty="0">
+                <a:solidFill>
+                  <a:srgbClr val="800000"/>
+                </a:solidFill>
+                <a:highlight>
+                  <a:srgbClr val="FFFFFF"/>
+                </a:highlight>
+                <a:latin typeface="Consolas"/>
+              </a:rPr>
+              <a:t>html</a:t>
+            </a:r>
+            <a:r>
+              <a:rPr lang="en-US" sz="1600" dirty="0">
+                <a:solidFill>
+                  <a:srgbClr val="0000FF"/>
+                </a:solidFill>
+                <a:highlight>
+                  <a:srgbClr val="FFFFFF"/>
+                </a:highlight>
+                <a:latin typeface="Consolas"/>
+              </a:rPr>
+              <a:t>&gt;&lt;</a:t>
+            </a:r>
+            <a:r>
+              <a:rPr lang="en-US" sz="1600" dirty="0">
+                <a:solidFill>
+                  <a:srgbClr val="800000"/>
+                </a:solidFill>
+                <a:highlight>
+                  <a:srgbClr val="FFFFFF"/>
+                </a:highlight>
+                <a:latin typeface="Consolas"/>
+              </a:rPr>
+              <a:t>head</a:t>
+            </a:r>
+            <a:r>
+              <a:rPr lang="en-US" sz="1600" dirty="0">
+                <a:solidFill>
+                  <a:srgbClr val="0000FF"/>
+                </a:solidFill>
+                <a:highlight>
+                  <a:srgbClr val="FFFFFF"/>
+                </a:highlight>
+                <a:latin typeface="Consolas"/>
+              </a:rPr>
+              <a:t>&gt;</a:t>
+            </a:r>
+            <a:endParaRPr lang="en-US" sz="1600" dirty="0">
+              <a:solidFill>
+                <a:srgbClr val="000000"/>
+              </a:solidFill>
+              <a:highlight>
+                <a:srgbClr val="FFFFFF"/>
+              </a:highlight>
+              <a:latin typeface="Consolas"/>
+            </a:endParaRPr>
+          </a:p>
+          <a:p>
+            <a:r>
+              <a:rPr lang="en-US" sz="1600" dirty="0">
+                <a:solidFill>
+                  <a:srgbClr val="0000FF"/>
+                </a:solidFill>
+                <a:highlight>
+                  <a:srgbClr val="FFFFFF"/>
+                </a:highlight>
+                <a:latin typeface="Consolas"/>
+              </a:rPr>
+              <a:t>&lt;</a:t>
+            </a:r>
+            <a:r>
+              <a:rPr lang="en-US" sz="1600" dirty="0">
+                <a:solidFill>
+                  <a:srgbClr val="800000"/>
+                </a:solidFill>
+                <a:highlight>
+                  <a:srgbClr val="FFFFFF"/>
+                </a:highlight>
+                <a:latin typeface="Consolas"/>
+              </a:rPr>
+              <a:t>meta</a:t>
+            </a:r>
+            <a:r>
+              <a:rPr lang="en-US" sz="1600" dirty="0">
+                <a:solidFill>
+                  <a:srgbClr val="000000"/>
+                </a:solidFill>
+                <a:highlight>
+                  <a:srgbClr val="FFFFFF"/>
+                </a:highlight>
+                <a:latin typeface="Consolas"/>
+              </a:rPr>
+              <a:t> </a:t>
+            </a:r>
+            <a:r>
+              <a:rPr lang="en-US" sz="1600" dirty="0">
+                <a:solidFill>
+                  <a:srgbClr val="FF0000"/>
+                </a:solidFill>
+                <a:highlight>
+                  <a:srgbClr val="FFFFFF"/>
+                </a:highlight>
+                <a:latin typeface="Consolas"/>
+              </a:rPr>
+              <a:t>http-</a:t>
+            </a:r>
+            <a:r>
+              <a:rPr lang="en-US" sz="1600" dirty="0" err="1">
+                <a:solidFill>
+                  <a:srgbClr val="FF0000"/>
+                </a:solidFill>
+                <a:highlight>
+                  <a:srgbClr val="FFFFFF"/>
+                </a:highlight>
+                <a:latin typeface="Consolas"/>
+              </a:rPr>
+              <a:t>equiv</a:t>
+            </a:r>
+            <a:r>
+              <a:rPr lang="en-US" sz="1600" dirty="0">
+                <a:solidFill>
+                  <a:srgbClr val="0000FF"/>
+                </a:solidFill>
+                <a:highlight>
+                  <a:srgbClr val="FFFFFF"/>
+                </a:highlight>
+                <a:latin typeface="Consolas"/>
+              </a:rPr>
+              <a:t>="Content-Type"</a:t>
+            </a:r>
+            <a:r>
+              <a:rPr lang="en-US" sz="1600" dirty="0">
+                <a:solidFill>
+                  <a:srgbClr val="000000"/>
+                </a:solidFill>
+                <a:highlight>
+                  <a:srgbClr val="FFFFFF"/>
+                </a:highlight>
+                <a:latin typeface="Consolas"/>
+              </a:rPr>
+              <a:t> </a:t>
+            </a:r>
+            <a:r>
+              <a:rPr lang="en-US" sz="1600" dirty="0">
+                <a:solidFill>
+                  <a:srgbClr val="FF0000"/>
+                </a:solidFill>
+                <a:highlight>
+                  <a:srgbClr val="FFFFFF"/>
+                </a:highlight>
+                <a:latin typeface="Consolas"/>
+              </a:rPr>
+              <a:t>content</a:t>
+            </a:r>
+            <a:r>
+              <a:rPr lang="en-US" sz="1600" dirty="0">
+                <a:solidFill>
+                  <a:srgbClr val="0000FF"/>
+                </a:solidFill>
+                <a:highlight>
+                  <a:srgbClr val="FFFFFF"/>
+                </a:highlight>
+                <a:latin typeface="Consolas"/>
+              </a:rPr>
+              <a:t>="text/html; charset=utf-8"&gt;</a:t>
+            </a:r>
+            <a:endParaRPr lang="en-US" sz="1600" dirty="0">
+              <a:solidFill>
+                <a:srgbClr val="000000"/>
+              </a:solidFill>
+              <a:highlight>
+                <a:srgbClr val="FFFFFF"/>
+              </a:highlight>
+              <a:latin typeface="Consolas"/>
+            </a:endParaRPr>
+          </a:p>
+          <a:p>
+            <a:r>
+              <a:rPr lang="en-US" sz="1600" dirty="0">
+                <a:solidFill>
+                  <a:srgbClr val="0000FF"/>
+                </a:solidFill>
+                <a:highlight>
+                  <a:srgbClr val="FFFFFF"/>
+                </a:highlight>
+                <a:latin typeface="Consolas"/>
+              </a:rPr>
+              <a:t>&lt;</a:t>
+            </a:r>
+            <a:r>
+              <a:rPr lang="en-US" sz="1600" dirty="0">
+                <a:solidFill>
+                  <a:srgbClr val="800000"/>
+                </a:solidFill>
+                <a:highlight>
+                  <a:srgbClr val="FFFFFF"/>
+                </a:highlight>
+                <a:latin typeface="Consolas"/>
+              </a:rPr>
+              <a:t>title</a:t>
+            </a:r>
+            <a:r>
+              <a:rPr lang="en-US" sz="1600" dirty="0">
+                <a:solidFill>
+                  <a:srgbClr val="0000FF"/>
+                </a:solidFill>
+                <a:highlight>
+                  <a:srgbClr val="FFFFFF"/>
+                </a:highlight>
+                <a:latin typeface="Consolas"/>
+              </a:rPr>
+              <a:t>&gt;</a:t>
+            </a:r>
+            <a:r>
+              <a:rPr lang="ru-RU" sz="1600" dirty="0">
+                <a:solidFill>
+                  <a:srgbClr val="000000"/>
+                </a:solidFill>
+                <a:highlight>
+                  <a:srgbClr val="FFFFFF"/>
+                </a:highlight>
+                <a:latin typeface="Consolas"/>
+              </a:rPr>
+              <a:t>Домашняя страница</a:t>
+            </a:r>
+            <a:r>
+              <a:rPr lang="ru-RU" sz="1600" dirty="0">
+                <a:solidFill>
+                  <a:srgbClr val="0000FF"/>
+                </a:solidFill>
+                <a:highlight>
+                  <a:srgbClr val="FFFFFF"/>
+                </a:highlight>
+                <a:latin typeface="Consolas"/>
+              </a:rPr>
+              <a:t>&lt;/</a:t>
+            </a:r>
+            <a:r>
+              <a:rPr lang="en-US" sz="1600" dirty="0">
+                <a:solidFill>
+                  <a:srgbClr val="800000"/>
+                </a:solidFill>
+                <a:highlight>
+                  <a:srgbClr val="FFFFFF"/>
+                </a:highlight>
+                <a:latin typeface="Consolas"/>
+              </a:rPr>
+              <a:t>title</a:t>
+            </a:r>
+            <a:r>
+              <a:rPr lang="en-US" sz="1600" dirty="0">
+                <a:solidFill>
+                  <a:srgbClr val="0000FF"/>
+                </a:solidFill>
+                <a:highlight>
+                  <a:srgbClr val="FFFFFF"/>
+                </a:highlight>
+                <a:latin typeface="Consolas"/>
+              </a:rPr>
+              <a:t>&gt;</a:t>
+            </a:r>
+            <a:endParaRPr lang="en-US" sz="1600" dirty="0">
+              <a:solidFill>
+                <a:srgbClr val="000000"/>
+              </a:solidFill>
+              <a:highlight>
+                <a:srgbClr val="FFFFFF"/>
+              </a:highlight>
+              <a:latin typeface="Consolas"/>
+            </a:endParaRPr>
+          </a:p>
+          <a:p>
+            <a:r>
+              <a:rPr lang="en-US" sz="1600" dirty="0">
+                <a:solidFill>
+                  <a:srgbClr val="0000FF"/>
+                </a:solidFill>
+                <a:highlight>
+                  <a:srgbClr val="FFFFFF"/>
+                </a:highlight>
+                <a:latin typeface="Consolas"/>
+              </a:rPr>
+              <a:t>&lt;</a:t>
+            </a:r>
+            <a:r>
+              <a:rPr lang="en-US" sz="1600" dirty="0">
+                <a:solidFill>
+                  <a:srgbClr val="800000"/>
+                </a:solidFill>
+                <a:highlight>
+                  <a:srgbClr val="FFFFFF"/>
+                </a:highlight>
+                <a:latin typeface="Consolas"/>
+              </a:rPr>
+              <a:t>link</a:t>
+            </a:r>
+            <a:r>
+              <a:rPr lang="en-US" sz="1600" dirty="0">
+                <a:solidFill>
+                  <a:srgbClr val="000000"/>
+                </a:solidFill>
+                <a:highlight>
+                  <a:srgbClr val="FFFFFF"/>
+                </a:highlight>
+                <a:latin typeface="Consolas"/>
+              </a:rPr>
+              <a:t> </a:t>
+            </a:r>
+            <a:r>
+              <a:rPr lang="en-US" sz="1600" dirty="0" err="1">
+                <a:solidFill>
+                  <a:srgbClr val="FF0000"/>
+                </a:solidFill>
+                <a:highlight>
+                  <a:srgbClr val="FFFFFF"/>
+                </a:highlight>
+                <a:latin typeface="Consolas"/>
+              </a:rPr>
+              <a:t>rel</a:t>
+            </a:r>
+            <a:r>
+              <a:rPr lang="en-US" sz="1600" dirty="0">
+                <a:solidFill>
+                  <a:srgbClr val="0000FF"/>
+                </a:solidFill>
+                <a:highlight>
+                  <a:srgbClr val="FFFFFF"/>
+                </a:highlight>
+                <a:latin typeface="Consolas"/>
+              </a:rPr>
+              <a:t>="stylesheet"</a:t>
+            </a:r>
+            <a:r>
+              <a:rPr lang="en-US" sz="1600" dirty="0">
+                <a:solidFill>
+                  <a:srgbClr val="000000"/>
+                </a:solidFill>
+                <a:highlight>
+                  <a:srgbClr val="FFFFFF"/>
+                </a:highlight>
+                <a:latin typeface="Consolas"/>
+              </a:rPr>
+              <a:t> </a:t>
+            </a:r>
+            <a:r>
+              <a:rPr lang="en-US" sz="1600" dirty="0">
+                <a:solidFill>
+                  <a:srgbClr val="FF0000"/>
+                </a:solidFill>
+                <a:highlight>
+                  <a:srgbClr val="FFFFFF"/>
+                </a:highlight>
+                <a:latin typeface="Consolas"/>
+              </a:rPr>
+              <a:t>type</a:t>
+            </a:r>
+            <a:r>
+              <a:rPr lang="en-US" sz="1600" dirty="0">
+                <a:solidFill>
+                  <a:srgbClr val="0000FF"/>
+                </a:solidFill>
+                <a:highlight>
+                  <a:srgbClr val="FFFFFF"/>
+                </a:highlight>
+                <a:latin typeface="Consolas"/>
+              </a:rPr>
+              <a:t>="text/</a:t>
+            </a:r>
+            <a:r>
+              <a:rPr lang="en-US" sz="1600" dirty="0" err="1">
+                <a:solidFill>
+                  <a:srgbClr val="0000FF"/>
+                </a:solidFill>
+                <a:highlight>
+                  <a:srgbClr val="FFFFFF"/>
+                </a:highlight>
+                <a:latin typeface="Consolas"/>
+              </a:rPr>
+              <a:t>css</a:t>
+            </a:r>
+            <a:r>
+              <a:rPr lang="en-US" sz="1600" dirty="0">
+                <a:solidFill>
+                  <a:srgbClr val="0000FF"/>
+                </a:solidFill>
+                <a:highlight>
+                  <a:srgbClr val="FFFFFF"/>
+                </a:highlight>
+                <a:latin typeface="Consolas"/>
+              </a:rPr>
+              <a:t>"</a:t>
+            </a:r>
+            <a:r>
+              <a:rPr lang="en-US" sz="1600" dirty="0">
+                <a:solidFill>
+                  <a:srgbClr val="000000"/>
+                </a:solidFill>
+                <a:highlight>
+                  <a:srgbClr val="FFFFFF"/>
+                </a:highlight>
+                <a:latin typeface="Consolas"/>
+              </a:rPr>
+              <a:t> </a:t>
+            </a:r>
+            <a:r>
+              <a:rPr lang="en-US" sz="1600" dirty="0" err="1">
+                <a:solidFill>
+                  <a:srgbClr val="FF0000"/>
+                </a:solidFill>
+                <a:highlight>
+                  <a:srgbClr val="FFFFFF"/>
+                </a:highlight>
+                <a:latin typeface="Consolas"/>
+              </a:rPr>
+              <a:t>href</a:t>
+            </a:r>
+            <a:r>
+              <a:rPr lang="en-US" sz="1600" dirty="0">
+                <a:solidFill>
+                  <a:srgbClr val="0000FF"/>
+                </a:solidFill>
+                <a:highlight>
+                  <a:srgbClr val="FFFFFF"/>
+                </a:highlight>
+                <a:latin typeface="Consolas"/>
+              </a:rPr>
+              <a:t>="normalize.css"&gt;</a:t>
+            </a:r>
+            <a:endParaRPr lang="en-US" sz="1600" dirty="0">
+              <a:solidFill>
+                <a:srgbClr val="000000"/>
+              </a:solidFill>
+              <a:highlight>
+                <a:srgbClr val="FFFFFF"/>
+              </a:highlight>
+              <a:latin typeface="Consolas"/>
+            </a:endParaRPr>
+          </a:p>
+          <a:p>
+            <a:r>
+              <a:rPr lang="en-US" sz="1600" dirty="0">
+                <a:solidFill>
+                  <a:srgbClr val="0000FF"/>
+                </a:solidFill>
+                <a:highlight>
+                  <a:srgbClr val="FFFFFF"/>
+                </a:highlight>
+                <a:latin typeface="Consolas"/>
+              </a:rPr>
+              <a:t>&lt;/</a:t>
+            </a:r>
+            <a:r>
+              <a:rPr lang="en-US" sz="1600" dirty="0">
+                <a:solidFill>
+                  <a:srgbClr val="800000"/>
+                </a:solidFill>
+                <a:highlight>
+                  <a:srgbClr val="FFFFFF"/>
+                </a:highlight>
+                <a:latin typeface="Consolas"/>
+              </a:rPr>
+              <a:t>head</a:t>
+            </a:r>
+            <a:r>
+              <a:rPr lang="en-US" sz="1600" dirty="0">
+                <a:solidFill>
+                  <a:srgbClr val="0000FF"/>
+                </a:solidFill>
+                <a:highlight>
+                  <a:srgbClr val="FFFFFF"/>
+                </a:highlight>
+                <a:latin typeface="Consolas"/>
+              </a:rPr>
+              <a:t>&gt;&lt;</a:t>
+            </a:r>
+            <a:r>
+              <a:rPr lang="en-US" sz="1600" dirty="0">
+                <a:solidFill>
+                  <a:srgbClr val="800000"/>
+                </a:solidFill>
+                <a:highlight>
+                  <a:srgbClr val="FFFFFF"/>
+                </a:highlight>
+                <a:latin typeface="Consolas"/>
+              </a:rPr>
+              <a:t>body</a:t>
+            </a:r>
+            <a:r>
+              <a:rPr lang="en-US" sz="1600" dirty="0">
+                <a:solidFill>
+                  <a:srgbClr val="0000FF"/>
+                </a:solidFill>
+                <a:highlight>
+                  <a:srgbClr val="FFFFFF"/>
+                </a:highlight>
+                <a:latin typeface="Consolas"/>
+              </a:rPr>
+              <a:t>&gt;</a:t>
+            </a:r>
+            <a:endParaRPr lang="en-US" sz="1600" dirty="0">
+              <a:solidFill>
+                <a:srgbClr val="000000"/>
+              </a:solidFill>
+              <a:highlight>
+                <a:srgbClr val="FFFFFF"/>
+              </a:highlight>
+              <a:latin typeface="Consolas"/>
+            </a:endParaRPr>
+          </a:p>
+          <a:p>
+            <a:r>
+              <a:rPr lang="en-US" sz="1600" dirty="0">
+                <a:solidFill>
+                  <a:srgbClr val="0000FF"/>
+                </a:solidFill>
+                <a:highlight>
+                  <a:srgbClr val="FFFFFF"/>
+                </a:highlight>
+                <a:latin typeface="Consolas"/>
+              </a:rPr>
+              <a:t>&lt;</a:t>
+            </a:r>
+            <a:r>
+              <a:rPr lang="en-US" sz="1600" dirty="0">
+                <a:solidFill>
+                  <a:srgbClr val="800000"/>
+                </a:solidFill>
+                <a:highlight>
+                  <a:srgbClr val="FFFFFF"/>
+                </a:highlight>
+                <a:latin typeface="Consolas"/>
+              </a:rPr>
+              <a:t>h1</a:t>
+            </a:r>
+            <a:r>
+              <a:rPr lang="en-US" sz="1600" dirty="0">
+                <a:solidFill>
+                  <a:srgbClr val="0000FF"/>
+                </a:solidFill>
+                <a:highlight>
+                  <a:srgbClr val="FFFFFF"/>
+                </a:highlight>
+                <a:latin typeface="Consolas"/>
+              </a:rPr>
+              <a:t>&gt;</a:t>
+            </a:r>
+            <a:r>
+              <a:rPr lang="ru-RU" sz="1600" dirty="0">
+                <a:solidFill>
+                  <a:srgbClr val="000000"/>
+                </a:solidFill>
+                <a:highlight>
+                  <a:srgbClr val="FFFFFF"/>
+                </a:highlight>
+                <a:latin typeface="Consolas"/>
+              </a:rPr>
+              <a:t>Добро пожаловать</a:t>
+            </a:r>
+            <a:r>
+              <a:rPr lang="ru-RU" sz="1600" dirty="0">
+                <a:solidFill>
+                  <a:srgbClr val="0000FF"/>
+                </a:solidFill>
+                <a:highlight>
+                  <a:srgbClr val="FFFFFF"/>
+                </a:highlight>
+                <a:latin typeface="Consolas"/>
+              </a:rPr>
+              <a:t>&lt;/</a:t>
+            </a:r>
+            <a:r>
+              <a:rPr lang="en-US" sz="1600" dirty="0">
+                <a:solidFill>
+                  <a:srgbClr val="800000"/>
+                </a:solidFill>
+                <a:highlight>
+                  <a:srgbClr val="FFFFFF"/>
+                </a:highlight>
+                <a:latin typeface="Consolas"/>
+              </a:rPr>
+              <a:t>h1</a:t>
+            </a:r>
+            <a:r>
+              <a:rPr lang="en-US" sz="1600" dirty="0">
+                <a:solidFill>
+                  <a:srgbClr val="0000FF"/>
+                </a:solidFill>
+                <a:highlight>
+                  <a:srgbClr val="FFFFFF"/>
+                </a:highlight>
+                <a:latin typeface="Consolas"/>
+              </a:rPr>
+              <a:t>&gt;</a:t>
+            </a:r>
+            <a:endParaRPr lang="en-US" sz="1600" dirty="0">
+              <a:solidFill>
+                <a:srgbClr val="000000"/>
+              </a:solidFill>
+              <a:highlight>
+                <a:srgbClr val="FFFFFF"/>
+              </a:highlight>
+              <a:latin typeface="Consolas"/>
+            </a:endParaRPr>
+          </a:p>
+          <a:p>
+            <a:r>
+              <a:rPr lang="en-US" sz="1600" dirty="0">
+                <a:solidFill>
+                  <a:srgbClr val="0000FF"/>
+                </a:solidFill>
+                <a:highlight>
+                  <a:srgbClr val="FFFFFF"/>
+                </a:highlight>
+                <a:latin typeface="Consolas"/>
+              </a:rPr>
+              <a:t>&lt;</a:t>
+            </a:r>
+            <a:r>
+              <a:rPr lang="en-US" sz="1600" dirty="0">
+                <a:solidFill>
+                  <a:srgbClr val="800000"/>
+                </a:solidFill>
+                <a:highlight>
+                  <a:srgbClr val="FFFFFF"/>
+                </a:highlight>
+                <a:latin typeface="Consolas"/>
+              </a:rPr>
+              <a:t>p</a:t>
+            </a:r>
+            <a:r>
+              <a:rPr lang="en-US" sz="1600" dirty="0">
+                <a:solidFill>
+                  <a:srgbClr val="0000FF"/>
+                </a:solidFill>
+                <a:highlight>
+                  <a:srgbClr val="FFFFFF"/>
+                </a:highlight>
+                <a:latin typeface="Consolas"/>
+              </a:rPr>
+              <a:t>&gt;</a:t>
+            </a:r>
+            <a:r>
+              <a:rPr lang="ru-RU" sz="1600" dirty="0">
+                <a:solidFill>
+                  <a:srgbClr val="000000"/>
+                </a:solidFill>
+                <a:highlight>
+                  <a:srgbClr val="FFFFFF"/>
+                </a:highlight>
+                <a:latin typeface="Consolas"/>
+              </a:rPr>
+              <a:t>Покупайте наших слонов!</a:t>
+            </a:r>
+            <a:r>
+              <a:rPr lang="ru-RU" sz="1600" dirty="0">
+                <a:solidFill>
+                  <a:srgbClr val="0000FF"/>
+                </a:solidFill>
+                <a:highlight>
+                  <a:srgbClr val="FFFFFF"/>
+                </a:highlight>
+                <a:latin typeface="Consolas"/>
+              </a:rPr>
+              <a:t>&lt;/</a:t>
+            </a:r>
+            <a:r>
+              <a:rPr lang="en-US" sz="1600" dirty="0">
+                <a:solidFill>
+                  <a:srgbClr val="800000"/>
+                </a:solidFill>
+                <a:highlight>
+                  <a:srgbClr val="FFFFFF"/>
+                </a:highlight>
+                <a:latin typeface="Consolas"/>
+              </a:rPr>
+              <a:t>p</a:t>
+            </a:r>
+            <a:r>
+              <a:rPr lang="en-US" sz="1600" dirty="0">
+                <a:solidFill>
+                  <a:srgbClr val="0000FF"/>
+                </a:solidFill>
+                <a:highlight>
+                  <a:srgbClr val="FFFFFF"/>
+                </a:highlight>
+                <a:latin typeface="Consolas"/>
+              </a:rPr>
+              <a:t>&gt;</a:t>
+            </a:r>
+            <a:endParaRPr lang="en-US" sz="1600" dirty="0">
+              <a:solidFill>
+                <a:srgbClr val="000000"/>
+              </a:solidFill>
+              <a:highlight>
+                <a:srgbClr val="FFFFFF"/>
+              </a:highlight>
+              <a:latin typeface="Consolas"/>
+            </a:endParaRPr>
+          </a:p>
+          <a:p>
+            <a:r>
+              <a:rPr lang="en-US" sz="1600" dirty="0">
+                <a:solidFill>
+                  <a:srgbClr val="0000FF"/>
+                </a:solidFill>
+                <a:highlight>
+                  <a:srgbClr val="FFFFFF"/>
+                </a:highlight>
+                <a:latin typeface="Consolas"/>
+              </a:rPr>
+              <a:t>&lt;/</a:t>
+            </a:r>
+            <a:r>
+              <a:rPr lang="en-US" sz="1600" dirty="0">
+                <a:solidFill>
+                  <a:srgbClr val="800000"/>
+                </a:solidFill>
+                <a:highlight>
+                  <a:srgbClr val="FFFFFF"/>
+                </a:highlight>
+                <a:latin typeface="Consolas"/>
+              </a:rPr>
+              <a:t>body</a:t>
+            </a:r>
+            <a:r>
+              <a:rPr lang="en-US" sz="1600" dirty="0">
+                <a:solidFill>
+                  <a:srgbClr val="0000FF"/>
+                </a:solidFill>
+                <a:highlight>
+                  <a:srgbClr val="FFFFFF"/>
+                </a:highlight>
+                <a:latin typeface="Consolas"/>
+              </a:rPr>
+              <a:t>&gt;&lt;/</a:t>
+            </a:r>
+            <a:r>
+              <a:rPr lang="en-US" sz="1600" dirty="0">
+                <a:solidFill>
+                  <a:srgbClr val="800000"/>
+                </a:solidFill>
+                <a:highlight>
+                  <a:srgbClr val="FFFFFF"/>
+                </a:highlight>
+                <a:latin typeface="Consolas"/>
+              </a:rPr>
+              <a:t>html</a:t>
+            </a:r>
+            <a:r>
+              <a:rPr lang="en-US" sz="1600" dirty="0">
+                <a:solidFill>
+                  <a:srgbClr val="0000FF"/>
+                </a:solidFill>
+                <a:highlight>
+                  <a:srgbClr val="FFFFFF"/>
+                </a:highlight>
+                <a:latin typeface="Consolas"/>
+              </a:rPr>
+              <a:t>&gt;</a:t>
+            </a:r>
+            <a:endParaRPr lang="ru-RU" sz="1600" dirty="0">
+              <a:solidFill>
+                <a:prstClr val="black"/>
+              </a:solidFill>
+              <a:latin typeface="Consolas"/>
+            </a:endParaRPr>
+          </a:p>
+        </p:txBody>
+      </p:sp>
+    </p:spTree>
+    <p:extLst>
+      <p:ext uri="{BB962C8B-B14F-4D97-AF65-F5344CB8AC3E}">
+        <p14:creationId xmlns:p14="http://schemas.microsoft.com/office/powerpoint/2010/main" val="812493228"/>
+      </p:ext>
+    </p:extLst>
+  </p:cSld>
+  <p:clrMapOvr>
+    <a:masterClrMapping/>
+  </p:clrMapOvr>
+  <p:timing>
+    <p:tnLst>
+      <p:par>
+        <p:cTn id="1" dur="indefinite" restart="never" nodeType="tmRoot"/>
+      </p:par>
+    </p:tnLst>
+  </p:timing>
+</p:sld>
+</file>
+
+<file path=ppt/slides/slide29.xml><?xml version="1.0" encoding="utf-8"?>
+<p:sld xmlns:a="http://schemas.openxmlformats.org/drawingml/2006/main" xmlns:r="http://schemas.openxmlformats.org/officeDocument/2006/relationships" xmlns:p="http://schemas.openxmlformats.org/presentationml/2006/main">
+  <p:cSld>
+    <p:spTree>
+      <p:nvGrpSpPr>
+        <p:cNvPr id="1" name=""/>
+        <p:cNvGrpSpPr/>
+        <p:nvPr/>
+      </p:nvGrpSpPr>
+      <p:grpSpPr>
+        <a:xfrm>
+          <a:off x="0" y="0"/>
+          <a:ext cx="0" cy="0"/>
+          <a:chOff x="0" y="0"/>
+          <a:chExt cx="0" cy="0"/>
+        </a:xfrm>
+      </p:grpSpPr>
+      <p:sp>
+        <p:nvSpPr>
+          <p:cNvPr id="2" name="Title 1"/>
+          <p:cNvSpPr>
+            <a:spLocks noGrp="1"/>
+          </p:cNvSpPr>
+          <p:nvPr>
+            <p:ph type="title"/>
+          </p:nvPr>
+        </p:nvSpPr>
+        <p:spPr/>
+        <p:txBody>
+          <a:bodyPr/>
+          <a:lstStyle/>
+          <a:p>
+            <a:r>
+              <a:rPr lang="ru-RU" dirty="0" smtClean="0"/>
+              <a:t>Библиотеки для работы с </a:t>
+            </a:r>
+            <a:r>
+              <a:rPr lang="en-US" dirty="0" smtClean="0"/>
+              <a:t>HTML</a:t>
+            </a:r>
+            <a:endParaRPr lang="ru-RU" dirty="0"/>
+          </a:p>
+        </p:txBody>
+      </p:sp>
+      <p:sp>
+        <p:nvSpPr>
+          <p:cNvPr id="3" name="Content Placeholder 2"/>
+          <p:cNvSpPr>
+            <a:spLocks noGrp="1"/>
+          </p:cNvSpPr>
+          <p:nvPr>
+            <p:ph idx="1"/>
+          </p:nvPr>
+        </p:nvSpPr>
+        <p:spPr/>
+        <p:txBody>
+          <a:bodyPr/>
+          <a:lstStyle/>
+          <a:p>
+            <a:r>
+              <a:rPr lang="en-US" dirty="0" smtClean="0"/>
+              <a:t>Html Agility Pack</a:t>
+            </a:r>
+          </a:p>
+          <a:p>
+            <a:pPr lvl="1"/>
+            <a:r>
+              <a:rPr lang="en-US" dirty="0">
+                <a:hlinkClick r:id="rId2"/>
+              </a:rPr>
+              <a:t>http://</a:t>
+            </a:r>
+            <a:r>
+              <a:rPr lang="en-US" dirty="0" smtClean="0">
+                <a:hlinkClick r:id="rId2"/>
+              </a:rPr>
+              <a:t>www.nuget.org/packages/HtmlAgilityPack</a:t>
+            </a:r>
+            <a:endParaRPr lang="en-US" dirty="0" smtClean="0"/>
+          </a:p>
+          <a:p>
+            <a:pPr lvl="1"/>
+            <a:r>
+              <a:rPr lang="en-US" dirty="0" smtClean="0">
+                <a:hlinkClick r:id="rId3"/>
+              </a:rPr>
+              <a:t>http</a:t>
+            </a:r>
+            <a:r>
+              <a:rPr lang="en-US" dirty="0">
+                <a:hlinkClick r:id="rId3"/>
+              </a:rPr>
+              <a:t>://htmlagilitypack.codeplex.com</a:t>
+            </a:r>
+            <a:r>
+              <a:rPr lang="en-US" dirty="0" smtClean="0">
+                <a:hlinkClick r:id="rId3"/>
+              </a:rPr>
+              <a:t>/</a:t>
+            </a:r>
+            <a:endParaRPr lang="en-US" dirty="0" smtClean="0"/>
+          </a:p>
+          <a:p>
+            <a:r>
+              <a:rPr lang="en-US" dirty="0" err="1" smtClean="0"/>
+              <a:t>CsQuery</a:t>
+            </a:r>
+            <a:endParaRPr lang="en-US" dirty="0" smtClean="0"/>
+          </a:p>
+          <a:p>
+            <a:pPr lvl="1"/>
+            <a:r>
+              <a:rPr lang="en-US" dirty="0">
+                <a:hlinkClick r:id="rId4"/>
+              </a:rPr>
+              <a:t>http://</a:t>
+            </a:r>
+            <a:r>
+              <a:rPr lang="en-US" dirty="0" smtClean="0">
+                <a:hlinkClick r:id="rId4"/>
+              </a:rPr>
+              <a:t>www.nuget.org/packages/CsQuery</a:t>
+            </a:r>
+            <a:endParaRPr lang="en-US" dirty="0" smtClean="0"/>
+          </a:p>
+          <a:p>
+            <a:pPr lvl="1"/>
+            <a:r>
+              <a:rPr lang="en-US" dirty="0" smtClean="0">
+                <a:hlinkClick r:id="rId5"/>
+              </a:rPr>
+              <a:t>https</a:t>
+            </a:r>
+            <a:r>
+              <a:rPr lang="en-US" dirty="0">
+                <a:hlinkClick r:id="rId5"/>
+              </a:rPr>
+              <a:t>://</a:t>
+            </a:r>
+            <a:r>
+              <a:rPr lang="en-US" dirty="0" smtClean="0">
+                <a:hlinkClick r:id="rId5"/>
+              </a:rPr>
+              <a:t>github.com/jamietre/CsQuery</a:t>
+            </a:r>
+            <a:endParaRPr lang="ru-RU" dirty="0"/>
+          </a:p>
+        </p:txBody>
+      </p:sp>
+    </p:spTree>
+    <p:extLst>
+      <p:ext uri="{BB962C8B-B14F-4D97-AF65-F5344CB8AC3E}">
+        <p14:creationId xmlns:p14="http://schemas.microsoft.com/office/powerpoint/2010/main" val="267642779"/>
+      </p:ext>
+    </p:extLst>
+  </p:cSld>
+  <p:clrMapOvr>
+    <a:masterClrMapping/>
+  </p:clrMapOvr>
+</p:sld>
+</file>
+
+<file path=ppt/slides/slide3.xml><?xml version="1.0" encoding="utf-8"?>
+<p:sld xmlns:a="http://schemas.openxmlformats.org/drawingml/2006/main" xmlns:r="http://schemas.openxmlformats.org/officeDocument/2006/relationships" xmlns:p="http://schemas.openxmlformats.org/presentationml/2006/main">
+  <p:cSld>
+    <p:spTree>
+      <p:nvGrpSpPr>
+        <p:cNvPr id="1" name=""/>
+        <p:cNvGrpSpPr/>
+        <p:nvPr/>
+      </p:nvGrpSpPr>
+      <p:grpSpPr>
+        <a:xfrm>
+          <a:off x="0" y="0"/>
+          <a:ext cx="0" cy="0"/>
+          <a:chOff x="0" y="0"/>
+          <a:chExt cx="0" cy="0"/>
+        </a:xfrm>
+      </p:grpSpPr>
+      <p:sp>
+        <p:nvSpPr>
+          <p:cNvPr id="2" name="Title 1"/>
+          <p:cNvSpPr>
+            <a:spLocks noGrp="1"/>
+          </p:cNvSpPr>
+          <p:nvPr>
+            <p:ph type="title"/>
+          </p:nvPr>
+        </p:nvSpPr>
+        <p:spPr/>
+        <p:txBody>
+          <a:bodyPr/>
+          <a:lstStyle/>
+          <a:p>
+            <a:r>
+              <a:rPr lang="ru-RU" dirty="0">
+                <a:solidFill>
+                  <a:schemeClr val="bg1"/>
+                </a:solidFill>
+              </a:rPr>
+              <a:t>Материалы для обучения</a:t>
+            </a:r>
+            <a:endParaRPr lang="en-US" dirty="0">
+              <a:solidFill>
+                <a:schemeClr val="bg1"/>
+              </a:solidFill>
+            </a:endParaRPr>
+          </a:p>
+        </p:txBody>
+      </p:sp>
+      <p:sp>
+        <p:nvSpPr>
+          <p:cNvPr id="3" name="Content Placeholder 2"/>
+          <p:cNvSpPr>
+            <a:spLocks noGrp="1"/>
+          </p:cNvSpPr>
+          <p:nvPr>
+            <p:ph idx="1"/>
+          </p:nvPr>
+        </p:nvSpPr>
+        <p:spPr/>
+        <p:txBody>
+          <a:bodyPr/>
+          <a:lstStyle/>
+          <a:p>
+            <a:r>
+              <a:rPr lang="en-US" dirty="0">
+                <a:solidFill>
+                  <a:schemeClr val="bg1"/>
+                </a:solidFill>
+                <a:hlinkClick r:id="rId2"/>
+              </a:rPr>
+              <a:t>https://</a:t>
+            </a:r>
+            <a:r>
+              <a:rPr lang="en-US" dirty="0" smtClean="0">
+                <a:solidFill>
+                  <a:schemeClr val="bg1"/>
+                </a:solidFill>
+                <a:hlinkClick r:id="rId2"/>
+              </a:rPr>
+              <a:t>github.com/bazile/Training</a:t>
+            </a:r>
+            <a:r>
+              <a:rPr lang="en-US" dirty="0" smtClean="0">
+                <a:solidFill>
+                  <a:schemeClr val="bg1"/>
+                </a:solidFill>
+              </a:rPr>
+              <a:t/>
+            </a:r>
+            <a:br>
+              <a:rPr lang="en-US" dirty="0" smtClean="0">
+                <a:solidFill>
+                  <a:schemeClr val="bg1"/>
+                </a:solidFill>
+              </a:rPr>
+            </a:br>
+            <a:r>
+              <a:rPr lang="ru-RU" dirty="0" smtClean="0">
+                <a:solidFill>
+                  <a:schemeClr val="bg1"/>
+                </a:solidFill>
+              </a:rPr>
+              <a:t>Презентации и примеры кода используемые во время занятия</a:t>
+            </a:r>
+          </a:p>
+          <a:p>
+            <a:endParaRPr lang="ru-RU" dirty="0" smtClean="0">
+              <a:solidFill>
+                <a:schemeClr val="bg1"/>
+              </a:solidFill>
+            </a:endParaRPr>
+          </a:p>
+          <a:p>
+            <a:r>
+              <a:rPr lang="en-US" dirty="0">
+                <a:solidFill>
+                  <a:schemeClr val="bg1"/>
+                </a:solidFill>
+                <a:hlinkClick r:id="rId3"/>
+              </a:rPr>
+              <a:t>http://belhard.nullptr.ru</a:t>
+            </a:r>
+            <a:r>
+              <a:rPr lang="en-US" dirty="0" smtClean="0">
+                <a:solidFill>
+                  <a:schemeClr val="bg1"/>
+                </a:solidFill>
+                <a:hlinkClick r:id="rId3"/>
+              </a:rPr>
+              <a:t>/</a:t>
+            </a:r>
+            <a:r>
+              <a:rPr lang="ru-RU" dirty="0" smtClean="0">
+                <a:solidFill>
+                  <a:schemeClr val="bg1"/>
+                </a:solidFill>
+              </a:rPr>
+              <a:t/>
+            </a:r>
+            <a:br>
+              <a:rPr lang="ru-RU" dirty="0" smtClean="0">
+                <a:solidFill>
+                  <a:schemeClr val="bg1"/>
+                </a:solidFill>
+              </a:rPr>
+            </a:br>
+            <a:r>
+              <a:rPr lang="ru-RU" dirty="0" smtClean="0">
+                <a:solidFill>
+                  <a:schemeClr val="bg1"/>
+                </a:solidFill>
+              </a:rPr>
+              <a:t>Книги, примеры к ним и другие полезные файлы.</a:t>
+            </a:r>
+            <a:endParaRPr lang="ru-RU" dirty="0">
+              <a:solidFill>
+                <a:schemeClr val="bg1"/>
+              </a:solidFill>
+            </a:endParaRPr>
+          </a:p>
+          <a:p>
+            <a:endParaRPr lang="en-US" dirty="0"/>
+          </a:p>
+        </p:txBody>
+      </p:sp>
+    </p:spTree>
+    <p:extLst>
+      <p:ext uri="{BB962C8B-B14F-4D97-AF65-F5344CB8AC3E}">
+        <p14:creationId xmlns:p14="http://schemas.microsoft.com/office/powerpoint/2010/main" val="572586290"/>
+      </p:ext>
+    </p:extLst>
+  </p:cSld>
+  <p:clrMapOvr>
+    <a:masterClrMapping/>
+  </p:clrMapOvr>
+</p:sld>
+</file>
+
+<file path=ppt/slides/slide30.xml><?xml version="1.0" encoding="utf-8"?>
+<p:sld xmlns:a="http://schemas.openxmlformats.org/drawingml/2006/main" xmlns:r="http://schemas.openxmlformats.org/officeDocument/2006/relationships" xmlns:p="http://schemas.openxmlformats.org/presentationml/2006/main">
+  <p:cSld>
+    <p:spTree>
+      <p:nvGrpSpPr>
+        <p:cNvPr id="1" name=""/>
+        <p:cNvGrpSpPr/>
+        <p:nvPr/>
+      </p:nvGrpSpPr>
+      <p:grpSpPr>
+        <a:xfrm>
+          <a:off x="0" y="0"/>
+          <a:ext cx="0" cy="0"/>
+          <a:chOff x="0" y="0"/>
+          <a:chExt cx="0" cy="0"/>
+        </a:xfrm>
+      </p:grpSpPr>
+      <p:sp>
+        <p:nvSpPr>
+          <p:cNvPr id="2" name="Title 1"/>
+          <p:cNvSpPr>
+            <a:spLocks noGrp="1"/>
+          </p:cNvSpPr>
+          <p:nvPr>
+            <p:ph type="title"/>
+          </p:nvPr>
+        </p:nvSpPr>
+        <p:spPr/>
+        <p:txBody>
+          <a:bodyPr/>
+          <a:lstStyle/>
+          <a:p>
+            <a:r>
               <a:rPr lang="en-US" dirty="0" smtClean="0"/>
               <a:t>XML </a:t>
             </a:r>
@@ -11397,7 +12771,7 @@
 </p:sld>
 </file>
 
-<file path=ppt/slides/slide29.xml><?xml version="1.0" encoding="utf-8"?>
+<file path=ppt/slides/slide31.xml><?xml version="1.0" encoding="utf-8"?>
 <p:sld xmlns:a="http://schemas.openxmlformats.org/drawingml/2006/main" xmlns:r="http://schemas.openxmlformats.org/officeDocument/2006/relationships" xmlns:p="http://schemas.openxmlformats.org/presentationml/2006/main">
   <p:cSld>
     <p:spTree>
@@ -12313,185 +13687,7 @@
 </p:sld>
 </file>
 
-<file path=ppt/slides/slide3.xml><?xml version="1.0" encoding="utf-8"?>
-<p:sld xmlns:a="http://schemas.openxmlformats.org/drawingml/2006/main" xmlns:r="http://schemas.openxmlformats.org/officeDocument/2006/relationships" xmlns:p="http://schemas.openxmlformats.org/presentationml/2006/main">
-  <p:cSld>
-    <p:spTree>
-      <p:nvGrpSpPr>
-        <p:cNvPr id="1" name=""/>
-        <p:cNvGrpSpPr/>
-        <p:nvPr/>
-      </p:nvGrpSpPr>
-      <p:grpSpPr>
-        <a:xfrm>
-          <a:off x="0" y="0"/>
-          <a:ext cx="0" cy="0"/>
-          <a:chOff x="0" y="0"/>
-          <a:chExt cx="0" cy="0"/>
-        </a:xfrm>
-      </p:grpSpPr>
-      <p:sp>
-        <p:nvSpPr>
-          <p:cNvPr id="2" name="Title 1"/>
-          <p:cNvSpPr>
-            <a:spLocks noGrp="1"/>
-          </p:cNvSpPr>
-          <p:nvPr>
-            <p:ph type="title"/>
-          </p:nvPr>
-        </p:nvSpPr>
-        <p:spPr/>
-        <p:txBody>
-          <a:bodyPr/>
-          <a:lstStyle/>
-          <a:p>
-            <a:r>
-              <a:rPr lang="ru-RU" dirty="0">
-                <a:solidFill>
-                  <a:schemeClr val="bg1"/>
-                </a:solidFill>
-              </a:rPr>
-              <a:t>Материалы для обучения</a:t>
-            </a:r>
-            <a:endParaRPr lang="en-US" dirty="0">
-              <a:solidFill>
-                <a:schemeClr val="bg1"/>
-              </a:solidFill>
-            </a:endParaRPr>
-          </a:p>
-        </p:txBody>
-      </p:sp>
-      <p:sp>
-        <p:nvSpPr>
-          <p:cNvPr id="3" name="Content Placeholder 2"/>
-          <p:cNvSpPr>
-            <a:spLocks noGrp="1"/>
-          </p:cNvSpPr>
-          <p:nvPr>
-            <p:ph idx="1"/>
-          </p:nvPr>
-        </p:nvSpPr>
-        <p:spPr/>
-        <p:txBody>
-          <a:bodyPr/>
-          <a:lstStyle/>
-          <a:p>
-            <a:r>
-              <a:rPr lang="en-US" dirty="0">
-                <a:solidFill>
-                  <a:schemeClr val="bg1"/>
-                </a:solidFill>
-                <a:hlinkClick r:id="rId2"/>
-              </a:rPr>
-              <a:t>https://</a:t>
-            </a:r>
-            <a:r>
-              <a:rPr lang="en-US" dirty="0" smtClean="0">
-                <a:solidFill>
-                  <a:schemeClr val="bg1"/>
-                </a:solidFill>
-                <a:hlinkClick r:id="rId2"/>
-              </a:rPr>
-              <a:t>github.com/bazile/Training</a:t>
-            </a:r>
-            <a:r>
-              <a:rPr lang="en-US" dirty="0" smtClean="0">
-                <a:solidFill>
-                  <a:schemeClr val="bg1"/>
-                </a:solidFill>
-              </a:rPr>
-              <a:t/>
-            </a:r>
-            <a:br>
-              <a:rPr lang="en-US" dirty="0" smtClean="0">
-                <a:solidFill>
-                  <a:schemeClr val="bg1"/>
-                </a:solidFill>
-              </a:rPr>
-            </a:br>
-            <a:r>
-              <a:rPr lang="ru-RU" dirty="0" smtClean="0">
-                <a:solidFill>
-                  <a:schemeClr val="bg1"/>
-                </a:solidFill>
-              </a:rPr>
-              <a:t>Презентации и примеры кода используемые во время занятия</a:t>
-            </a:r>
-          </a:p>
-          <a:p>
-            <a:endParaRPr lang="ru-RU" dirty="0" smtClean="0">
-              <a:solidFill>
-                <a:schemeClr val="bg1"/>
-              </a:solidFill>
-            </a:endParaRPr>
-          </a:p>
-          <a:p>
-            <a:r>
-              <a:rPr lang="en-US" dirty="0">
-                <a:solidFill>
-                  <a:schemeClr val="bg1"/>
-                </a:solidFill>
-                <a:hlinkClick r:id="rId3"/>
-              </a:rPr>
-              <a:t>http://belhard.nullptr.ru</a:t>
-            </a:r>
-            <a:r>
-              <a:rPr lang="en-US" dirty="0" smtClean="0">
-                <a:solidFill>
-                  <a:schemeClr val="bg1"/>
-                </a:solidFill>
-                <a:hlinkClick r:id="rId3"/>
-              </a:rPr>
-              <a:t>/</a:t>
-            </a:r>
-            <a:r>
-              <a:rPr lang="ru-RU" dirty="0" smtClean="0">
-                <a:solidFill>
-                  <a:schemeClr val="bg1"/>
-                </a:solidFill>
-              </a:rPr>
-              <a:t/>
-            </a:r>
-            <a:br>
-              <a:rPr lang="ru-RU" dirty="0" smtClean="0">
-                <a:solidFill>
-                  <a:schemeClr val="bg1"/>
-                </a:solidFill>
-              </a:rPr>
-            </a:br>
-            <a:r>
-              <a:rPr lang="ru-RU" dirty="0" smtClean="0">
-                <a:solidFill>
-                  <a:schemeClr val="bg1"/>
-                </a:solidFill>
-              </a:rPr>
-              <a:t>Книги, примеры к ним и другие полезные файлы.</a:t>
-            </a:r>
-            <a:endParaRPr lang="ru-RU" dirty="0">
-              <a:solidFill>
-                <a:schemeClr val="bg1"/>
-              </a:solidFill>
-            </a:endParaRPr>
-          </a:p>
-          <a:p>
-            <a:endParaRPr lang="en-US" dirty="0"/>
-          </a:p>
-        </p:txBody>
-      </p:sp>
-    </p:spTree>
-    <p:extLst>
-      <p:ext uri="{BB962C8B-B14F-4D97-AF65-F5344CB8AC3E}">
-        <p14:creationId xmlns:p14="http://schemas.microsoft.com/office/powerpoint/2010/main" val="572586290"/>
-      </p:ext>
-    </p:extLst>
-  </p:cSld>
-  <p:clrMapOvr>
-    <a:masterClrMapping/>
-  </p:clrMapOvr>
-</p:sld>
-</file>
-
-<file path=ppt/slides/slide30.xml><?xml version="1.0" encoding="utf-8"?>
+<file path=ppt/slides/slide32.xml><?xml version="1.0" encoding="utf-8"?>
 <p:sld xmlns:a="http://schemas.openxmlformats.org/drawingml/2006/main" xmlns:r="http://schemas.openxmlformats.org/officeDocument/2006/relationships" xmlns:p="http://schemas.openxmlformats.org/presentationml/2006/main">
   <p:cSld>
     <p:spTree>
@@ -12663,7 +13859,7 @@
 </p:sld>
 </file>
 
-<file path=ppt/slides/slide31.xml><?xml version="1.0" encoding="utf-8"?>
+<file path=ppt/slides/slide33.xml><?xml version="1.0" encoding="utf-8"?>
 <p:sld xmlns:a="http://schemas.openxmlformats.org/drawingml/2006/main" xmlns:r="http://schemas.openxmlformats.org/officeDocument/2006/relationships" xmlns:p="http://schemas.openxmlformats.org/presentationml/2006/main">
   <p:cSld>
     <p:spTree>
@@ -12793,7 +13989,7 @@
 </p:sld>
 </file>
 
-<file path=ppt/slides/slide32.xml><?xml version="1.0" encoding="utf-8"?>
+<file path=ppt/slides/slide34.xml><?xml version="1.0" encoding="utf-8"?>
 <p:sld xmlns:a="http://schemas.openxmlformats.org/drawingml/2006/main" xmlns:r="http://schemas.openxmlformats.org/officeDocument/2006/relationships" xmlns:p="http://schemas.openxmlformats.org/presentationml/2006/main">
   <p:cSld>
     <p:spTree>
@@ -12852,2487 +14048,6 @@
     <p:extLst>
       <p:ext uri="{BB962C8B-B14F-4D97-AF65-F5344CB8AC3E}">
         <p14:creationId xmlns:p14="http://schemas.microsoft.com/office/powerpoint/2010/main" val="607863742"/>
-      </p:ext>
-    </p:extLst>
-  </p:cSld>
-  <p:clrMapOvr>
-    <a:masterClrMapping/>
-  </p:clrMapOvr>
-</p:sld>
-</file>
-
-<file path=ppt/slides/slide33.xml><?xml version="1.0" encoding="utf-8"?>
-<p:sld xmlns:a="http://schemas.openxmlformats.org/drawingml/2006/main" xmlns:r="http://schemas.openxmlformats.org/officeDocument/2006/relationships" xmlns:p="http://schemas.openxmlformats.org/presentationml/2006/main">
-  <p:cSld>
-    <p:spTree>
-      <p:nvGrpSpPr>
-        <p:cNvPr id="1" name=""/>
-        <p:cNvGrpSpPr/>
-        <p:nvPr/>
-      </p:nvGrpSpPr>
-      <p:grpSpPr>
-        <a:xfrm>
-          <a:off x="0" y="0"/>
-          <a:ext cx="0" cy="0"/>
-          <a:chOff x="0" y="0"/>
-          <a:chExt cx="0" cy="0"/>
-        </a:xfrm>
-      </p:grpSpPr>
-      <p:sp>
-        <p:nvSpPr>
-          <p:cNvPr id="2" name="Title 1"/>
-          <p:cNvSpPr>
-            <a:spLocks noGrp="1"/>
-          </p:cNvSpPr>
-          <p:nvPr>
-            <p:ph type="title"/>
-          </p:nvPr>
-        </p:nvSpPr>
-        <p:spPr/>
-        <p:txBody>
-          <a:bodyPr/>
-          <a:lstStyle/>
-          <a:p>
-            <a:r>
-              <a:rPr lang="en-US" dirty="0" smtClean="0"/>
-              <a:t>XML </a:t>
-            </a:r>
-            <a:r>
-              <a:rPr lang="ru-RU" dirty="0" smtClean="0"/>
-              <a:t>сериализация (</a:t>
-            </a:r>
-            <a:r>
-              <a:rPr lang="en-US" dirty="0" smtClean="0"/>
-              <a:t>serialization</a:t>
-            </a:r>
-            <a:r>
-              <a:rPr lang="ru-RU" dirty="0" smtClean="0"/>
-              <a:t>)</a:t>
-            </a:r>
-            <a:endParaRPr lang="ru-RU" dirty="0"/>
-          </a:p>
-        </p:txBody>
-      </p:sp>
-      <p:sp>
-        <p:nvSpPr>
-          <p:cNvPr id="3" name="Content Placeholder 2"/>
-          <p:cNvSpPr>
-            <a:spLocks noGrp="1"/>
-          </p:cNvSpPr>
-          <p:nvPr>
-            <p:ph idx="1"/>
-          </p:nvPr>
-        </p:nvSpPr>
-        <p:spPr/>
-        <p:txBody>
-          <a:bodyPr>
-            <a:normAutofit lnSpcReduction="10000"/>
-          </a:bodyPr>
-          <a:lstStyle/>
-          <a:p>
-            <a:r>
-              <a:rPr lang="ru-RU" dirty="0"/>
-              <a:t>Сериализация – сохранение данных об объекте </a:t>
-            </a:r>
-            <a:r>
-              <a:rPr lang="ru-RU" dirty="0" smtClean="0"/>
-              <a:t>в поток</a:t>
-            </a:r>
-            <a:endParaRPr lang="ru-RU" dirty="0"/>
-          </a:p>
-          <a:p>
-            <a:r>
-              <a:rPr lang="ru-RU" dirty="0" smtClean="0"/>
-              <a:t>Десериализация</a:t>
-            </a:r>
-            <a:r>
-              <a:rPr lang="en-US" dirty="0" smtClean="0"/>
-              <a:t> </a:t>
-            </a:r>
-            <a:r>
-              <a:rPr lang="ru-RU" dirty="0" smtClean="0"/>
-              <a:t>– </a:t>
-            </a:r>
-            <a:r>
-              <a:rPr lang="ru-RU" dirty="0"/>
-              <a:t>обратный процесс восстановления </a:t>
-            </a:r>
-            <a:r>
-              <a:rPr lang="ru-RU" dirty="0" smtClean="0"/>
-              <a:t>объекта</a:t>
-            </a:r>
-          </a:p>
-          <a:p>
-            <a:endParaRPr lang="en-US" dirty="0" smtClean="0"/>
-          </a:p>
-          <a:p>
-            <a:r>
-              <a:rPr lang="ru-RU" dirty="0" smtClean="0"/>
-              <a:t>Примеры использования:</a:t>
-            </a:r>
-          </a:p>
-          <a:p>
-            <a:pPr lvl="1"/>
-            <a:r>
-              <a:rPr lang="ru-RU" dirty="0" smtClean="0"/>
-              <a:t>Передача объекта между разными программи/машинами.</a:t>
-            </a:r>
-          </a:p>
-          <a:p>
-            <a:pPr lvl="1"/>
-            <a:r>
-              <a:rPr lang="ru-RU" dirty="0" smtClean="0"/>
-              <a:t>Файлы конфигурации</a:t>
-            </a:r>
-            <a:endParaRPr lang="ru-RU" dirty="0"/>
-          </a:p>
-        </p:txBody>
-      </p:sp>
-    </p:spTree>
-    <p:extLst>
-      <p:ext uri="{BB962C8B-B14F-4D97-AF65-F5344CB8AC3E}">
-        <p14:creationId xmlns:p14="http://schemas.microsoft.com/office/powerpoint/2010/main" val="4243754449"/>
-      </p:ext>
-    </p:extLst>
-  </p:cSld>
-  <p:clrMapOvr>
-    <a:masterClrMapping/>
-  </p:clrMapOvr>
-</p:sld>
-</file>
-
-<file path=ppt/slides/slide34.xml><?xml version="1.0" encoding="utf-8"?>
-<p:sld xmlns:a="http://schemas.openxmlformats.org/drawingml/2006/main" xmlns:r="http://schemas.openxmlformats.org/officeDocument/2006/relationships" xmlns:p="http://schemas.openxmlformats.org/presentationml/2006/main">
-  <p:cSld>
-    <p:spTree>
-      <p:nvGrpSpPr>
-        <p:cNvPr id="1" name=""/>
-        <p:cNvGrpSpPr/>
-        <p:nvPr/>
-      </p:nvGrpSpPr>
-      <p:grpSpPr>
-        <a:xfrm>
-          <a:off x="0" y="0"/>
-          <a:ext cx="0" cy="0"/>
-          <a:chOff x="0" y="0"/>
-          <a:chExt cx="0" cy="0"/>
-        </a:xfrm>
-      </p:grpSpPr>
-      <p:sp>
-        <p:nvSpPr>
-          <p:cNvPr id="2" name="Title 1"/>
-          <p:cNvSpPr>
-            <a:spLocks noGrp="1"/>
-          </p:cNvSpPr>
-          <p:nvPr>
-            <p:ph type="title"/>
-          </p:nvPr>
-        </p:nvSpPr>
-        <p:spPr>
-          <a:xfrm>
-            <a:off x="457200" y="-234280"/>
-            <a:ext cx="8229600" cy="1143000"/>
-          </a:xfrm>
-        </p:spPr>
-        <p:txBody>
-          <a:bodyPr/>
-          <a:lstStyle/>
-          <a:p>
-            <a:r>
-              <a:rPr lang="en-US" dirty="0"/>
-              <a:t>XML</a:t>
-            </a:r>
-            <a:r>
-              <a:rPr lang="ru-RU" dirty="0"/>
-              <a:t> </a:t>
-            </a:r>
-            <a:r>
-              <a:rPr lang="ru-RU" dirty="0" smtClean="0"/>
-              <a:t>Сериализация</a:t>
-            </a:r>
-            <a:r>
-              <a:rPr lang="en-US" dirty="0" smtClean="0"/>
-              <a:t>. </a:t>
-            </a:r>
-            <a:r>
-              <a:rPr lang="ru-RU" dirty="0" smtClean="0"/>
-              <a:t>Пример.</a:t>
-            </a:r>
-            <a:endParaRPr lang="en-US" dirty="0"/>
-          </a:p>
-        </p:txBody>
-      </p:sp>
-      <p:sp>
-        <p:nvSpPr>
-          <p:cNvPr id="3" name="Content Placeholder 2"/>
-          <p:cNvSpPr>
-            <a:spLocks noGrp="1"/>
-          </p:cNvSpPr>
-          <p:nvPr>
-            <p:ph idx="1"/>
-          </p:nvPr>
-        </p:nvSpPr>
-        <p:spPr>
-          <a:xfrm>
-            <a:off x="446856" y="620688"/>
-            <a:ext cx="8229600" cy="6048672"/>
-          </a:xfrm>
-          <a:solidFill>
-            <a:schemeClr val="bg1"/>
-          </a:solidFill>
-        </p:spPr>
-        <p:txBody>
-          <a:bodyPr>
-            <a:normAutofit fontScale="25000" lnSpcReduction="20000"/>
-          </a:bodyPr>
-          <a:lstStyle/>
-          <a:p>
-            <a:pPr marL="0" indent="0">
-              <a:buNone/>
-            </a:pPr>
-            <a:r>
-              <a:rPr lang="en-US" dirty="0">
-                <a:solidFill>
-                  <a:srgbClr val="0000FF"/>
-                </a:solidFill>
-                <a:latin typeface="Consolas"/>
-              </a:rPr>
-              <a:t>using</a:t>
-            </a:r>
-            <a:r>
-              <a:rPr lang="en-US" dirty="0">
-                <a:solidFill>
-                  <a:srgbClr val="000000"/>
-                </a:solidFill>
-                <a:latin typeface="Consolas"/>
-              </a:rPr>
-              <a:t> System.IO;</a:t>
-            </a:r>
-          </a:p>
-          <a:p>
-            <a:pPr marL="0" indent="0">
-              <a:buNone/>
-            </a:pPr>
-            <a:r>
-              <a:rPr lang="en-US" dirty="0">
-                <a:solidFill>
-                  <a:srgbClr val="0000FF"/>
-                </a:solidFill>
-                <a:latin typeface="Consolas"/>
-              </a:rPr>
-              <a:t>using</a:t>
-            </a:r>
-            <a:r>
-              <a:rPr lang="en-US" dirty="0">
-                <a:solidFill>
-                  <a:srgbClr val="000000"/>
-                </a:solidFill>
-                <a:latin typeface="Consolas"/>
-              </a:rPr>
-              <a:t> </a:t>
-            </a:r>
-            <a:r>
-              <a:rPr lang="en-US" dirty="0" err="1">
-                <a:solidFill>
-                  <a:srgbClr val="000000"/>
-                </a:solidFill>
-                <a:latin typeface="Consolas"/>
-              </a:rPr>
-              <a:t>System.Xml.Serialization</a:t>
-            </a:r>
-            <a:r>
-              <a:rPr lang="en-US" dirty="0">
-                <a:solidFill>
-                  <a:srgbClr val="000000"/>
-                </a:solidFill>
-                <a:latin typeface="Consolas"/>
-              </a:rPr>
-              <a:t>;</a:t>
-            </a:r>
-            <a:endParaRPr lang="ru-RU" dirty="0">
-              <a:solidFill>
-                <a:srgbClr val="000000"/>
-              </a:solidFill>
-              <a:latin typeface="Consolas"/>
-            </a:endParaRPr>
-          </a:p>
-          <a:p>
-            <a:pPr marL="0" indent="0">
-              <a:buNone/>
-            </a:pPr>
-            <a:endParaRPr lang="ru-RU" dirty="0">
-              <a:solidFill>
-                <a:srgbClr val="000000"/>
-              </a:solidFill>
-              <a:latin typeface="Consolas"/>
-            </a:endParaRPr>
-          </a:p>
-          <a:p>
-            <a:pPr marL="0" indent="0">
-              <a:buNone/>
-            </a:pPr>
-            <a:r>
-              <a:rPr lang="en-US" dirty="0">
-                <a:solidFill>
-                  <a:srgbClr val="0000FF"/>
-                </a:solidFill>
-                <a:latin typeface="Consolas"/>
-              </a:rPr>
-              <a:t>public</a:t>
-            </a:r>
-            <a:r>
-              <a:rPr lang="en-US" dirty="0">
-                <a:solidFill>
-                  <a:srgbClr val="000000"/>
-                </a:solidFill>
-                <a:latin typeface="Consolas"/>
-              </a:rPr>
-              <a:t> </a:t>
-            </a:r>
-            <a:r>
-              <a:rPr lang="en-US" dirty="0">
-                <a:solidFill>
-                  <a:srgbClr val="0000FF"/>
-                </a:solidFill>
-                <a:latin typeface="Consolas"/>
-              </a:rPr>
-              <a:t>class</a:t>
-            </a:r>
-            <a:r>
-              <a:rPr lang="en-US" dirty="0">
-                <a:solidFill>
-                  <a:srgbClr val="000000"/>
-                </a:solidFill>
-                <a:latin typeface="Consolas"/>
-              </a:rPr>
-              <a:t> Train</a:t>
-            </a:r>
-          </a:p>
-          <a:p>
-            <a:pPr marL="0" indent="0">
-              <a:buNone/>
-            </a:pPr>
-            <a:r>
-              <a:rPr lang="en-US" dirty="0">
-                <a:solidFill>
-                  <a:srgbClr val="000000"/>
-                </a:solidFill>
-                <a:latin typeface="Consolas"/>
-              </a:rPr>
-              <a:t>{</a:t>
-            </a:r>
-          </a:p>
-          <a:p>
-            <a:pPr marL="0" indent="0">
-              <a:buNone/>
-            </a:pPr>
-            <a:r>
-              <a:rPr lang="en-US" dirty="0">
-                <a:solidFill>
-                  <a:srgbClr val="000000"/>
-                </a:solidFill>
-                <a:latin typeface="Consolas"/>
-              </a:rPr>
-              <a:t>  [</a:t>
-            </a:r>
-            <a:r>
-              <a:rPr lang="en-US" dirty="0" err="1">
-                <a:solidFill>
-                  <a:srgbClr val="000000"/>
-                </a:solidFill>
-                <a:latin typeface="Consolas"/>
-              </a:rPr>
-              <a:t>XmlIgnore</a:t>
-            </a:r>
-            <a:r>
-              <a:rPr lang="en-US" dirty="0">
-                <a:solidFill>
-                  <a:srgbClr val="000000"/>
-                </a:solidFill>
-                <a:latin typeface="Consolas"/>
-              </a:rPr>
-              <a:t>]</a:t>
-            </a:r>
-          </a:p>
-          <a:p>
-            <a:pPr marL="0" indent="0">
-              <a:buNone/>
-            </a:pPr>
-            <a:r>
-              <a:rPr lang="en-US" dirty="0">
-                <a:solidFill>
-                  <a:srgbClr val="000000"/>
-                </a:solidFill>
-                <a:latin typeface="Consolas"/>
-              </a:rPr>
-              <a:t>  </a:t>
-            </a:r>
-            <a:r>
-              <a:rPr lang="en-US" dirty="0">
-                <a:solidFill>
-                  <a:srgbClr val="0000FF"/>
-                </a:solidFill>
-                <a:latin typeface="Consolas"/>
-              </a:rPr>
-              <a:t>public</a:t>
-            </a:r>
-            <a:r>
-              <a:rPr lang="en-US" dirty="0">
-                <a:solidFill>
-                  <a:srgbClr val="000000"/>
-                </a:solidFill>
-                <a:latin typeface="Consolas"/>
-              </a:rPr>
-              <a:t> </a:t>
-            </a:r>
-            <a:r>
-              <a:rPr lang="en-US" dirty="0">
-                <a:solidFill>
-                  <a:srgbClr val="0000FF"/>
-                </a:solidFill>
-                <a:latin typeface="Consolas"/>
-              </a:rPr>
-              <a:t>double</a:t>
-            </a:r>
-            <a:r>
-              <a:rPr lang="en-US" dirty="0">
-                <a:solidFill>
-                  <a:srgbClr val="000000"/>
-                </a:solidFill>
-                <a:latin typeface="Consolas"/>
-              </a:rPr>
-              <a:t> Speed { </a:t>
-            </a:r>
-            <a:r>
-              <a:rPr lang="en-US" dirty="0">
-                <a:solidFill>
-                  <a:srgbClr val="0000FF"/>
-                </a:solidFill>
-                <a:latin typeface="Consolas"/>
-              </a:rPr>
-              <a:t>get</a:t>
-            </a:r>
-            <a:r>
-              <a:rPr lang="en-US" dirty="0">
-                <a:solidFill>
-                  <a:srgbClr val="000000"/>
-                </a:solidFill>
-                <a:latin typeface="Consolas"/>
-              </a:rPr>
-              <a:t>; </a:t>
-            </a:r>
-            <a:r>
-              <a:rPr lang="en-US" dirty="0">
-                <a:solidFill>
-                  <a:srgbClr val="0000FF"/>
-                </a:solidFill>
-                <a:latin typeface="Consolas"/>
-              </a:rPr>
-              <a:t>set</a:t>
-            </a:r>
-            <a:r>
-              <a:rPr lang="en-US" dirty="0">
-                <a:solidFill>
-                  <a:srgbClr val="000000"/>
-                </a:solidFill>
-                <a:latin typeface="Consolas"/>
-              </a:rPr>
-              <a:t>; }</a:t>
-            </a:r>
-          </a:p>
-          <a:p>
-            <a:pPr marL="0" indent="0">
-              <a:buNone/>
-            </a:pPr>
-            <a:r>
-              <a:rPr lang="en-US" dirty="0">
-                <a:solidFill>
-                  <a:srgbClr val="000000"/>
-                </a:solidFill>
-                <a:latin typeface="Consolas"/>
-              </a:rPr>
-              <a:t>  </a:t>
-            </a:r>
-            <a:r>
-              <a:rPr lang="en-US" dirty="0">
-                <a:solidFill>
-                  <a:srgbClr val="0000FF"/>
-                </a:solidFill>
-                <a:latin typeface="Consolas"/>
-              </a:rPr>
-              <a:t>public</a:t>
-            </a:r>
-            <a:r>
-              <a:rPr lang="en-US" dirty="0">
-                <a:solidFill>
-                  <a:srgbClr val="000000"/>
-                </a:solidFill>
-                <a:latin typeface="Consolas"/>
-              </a:rPr>
-              <a:t> </a:t>
-            </a:r>
-            <a:r>
-              <a:rPr lang="en-US" dirty="0" err="1">
-                <a:solidFill>
-                  <a:srgbClr val="0000FF"/>
-                </a:solidFill>
-                <a:latin typeface="Consolas"/>
-              </a:rPr>
-              <a:t>int</a:t>
-            </a:r>
-            <a:r>
-              <a:rPr lang="en-US" dirty="0">
-                <a:solidFill>
-                  <a:srgbClr val="000000"/>
-                </a:solidFill>
-                <a:latin typeface="Consolas"/>
-              </a:rPr>
-              <a:t> Length { </a:t>
-            </a:r>
-            <a:r>
-              <a:rPr lang="en-US" dirty="0">
-                <a:solidFill>
-                  <a:srgbClr val="0000FF"/>
-                </a:solidFill>
-                <a:latin typeface="Consolas"/>
-              </a:rPr>
-              <a:t>get</a:t>
-            </a:r>
-            <a:r>
-              <a:rPr lang="en-US" dirty="0">
-                <a:solidFill>
-                  <a:srgbClr val="000000"/>
-                </a:solidFill>
-                <a:latin typeface="Consolas"/>
-              </a:rPr>
-              <a:t>; </a:t>
-            </a:r>
-            <a:r>
-              <a:rPr lang="en-US" dirty="0">
-                <a:solidFill>
-                  <a:srgbClr val="0000FF"/>
-                </a:solidFill>
-                <a:latin typeface="Consolas"/>
-              </a:rPr>
-              <a:t>set</a:t>
-            </a:r>
-            <a:r>
-              <a:rPr lang="en-US" dirty="0">
-                <a:solidFill>
-                  <a:srgbClr val="000000"/>
-                </a:solidFill>
-                <a:latin typeface="Consolas"/>
-              </a:rPr>
-              <a:t>; }</a:t>
-            </a:r>
-          </a:p>
-          <a:p>
-            <a:pPr marL="0" indent="0">
-              <a:buNone/>
-            </a:pPr>
-            <a:r>
-              <a:rPr lang="en-US" dirty="0">
-                <a:solidFill>
-                  <a:srgbClr val="000000"/>
-                </a:solidFill>
-                <a:latin typeface="Consolas"/>
-              </a:rPr>
-              <a:t>  </a:t>
-            </a:r>
-            <a:r>
-              <a:rPr lang="en-US" dirty="0">
-                <a:solidFill>
-                  <a:srgbClr val="0000FF"/>
-                </a:solidFill>
-                <a:latin typeface="Consolas"/>
-              </a:rPr>
-              <a:t>public</a:t>
-            </a:r>
-            <a:r>
-              <a:rPr lang="en-US" dirty="0">
-                <a:solidFill>
-                  <a:srgbClr val="000000"/>
-                </a:solidFill>
-                <a:latin typeface="Consolas"/>
-              </a:rPr>
-              <a:t> </a:t>
-            </a:r>
-            <a:r>
-              <a:rPr lang="en-US" dirty="0">
-                <a:solidFill>
-                  <a:srgbClr val="0000FF"/>
-                </a:solidFill>
-                <a:latin typeface="Consolas"/>
-              </a:rPr>
-              <a:t>string</a:t>
-            </a:r>
-            <a:r>
-              <a:rPr lang="en-US" dirty="0">
-                <a:solidFill>
-                  <a:srgbClr val="000000"/>
-                </a:solidFill>
-                <a:latin typeface="Consolas"/>
-              </a:rPr>
-              <a:t>[] </a:t>
-            </a:r>
-            <a:r>
-              <a:rPr lang="en-US" dirty="0" err="1">
-                <a:solidFill>
-                  <a:srgbClr val="000000"/>
-                </a:solidFill>
-                <a:latin typeface="Consolas"/>
-              </a:rPr>
-              <a:t>Travellers</a:t>
-            </a:r>
-            <a:r>
-              <a:rPr lang="en-US" dirty="0">
-                <a:solidFill>
-                  <a:srgbClr val="000000"/>
-                </a:solidFill>
-                <a:latin typeface="Consolas"/>
-              </a:rPr>
-              <a:t> { </a:t>
-            </a:r>
-            <a:r>
-              <a:rPr lang="en-US" dirty="0">
-                <a:solidFill>
-                  <a:srgbClr val="0000FF"/>
-                </a:solidFill>
-                <a:latin typeface="Consolas"/>
-              </a:rPr>
-              <a:t>get</a:t>
-            </a:r>
-            <a:r>
-              <a:rPr lang="en-US" dirty="0">
-                <a:solidFill>
-                  <a:srgbClr val="000000"/>
-                </a:solidFill>
-                <a:latin typeface="Consolas"/>
-              </a:rPr>
-              <a:t>; </a:t>
-            </a:r>
-            <a:r>
-              <a:rPr lang="en-US" dirty="0">
-                <a:solidFill>
-                  <a:srgbClr val="0000FF"/>
-                </a:solidFill>
-                <a:latin typeface="Consolas"/>
-              </a:rPr>
-              <a:t>set</a:t>
-            </a:r>
-            <a:r>
-              <a:rPr lang="en-US" dirty="0">
-                <a:solidFill>
-                  <a:srgbClr val="000000"/>
-                </a:solidFill>
-                <a:latin typeface="Consolas"/>
-              </a:rPr>
-              <a:t>; }</a:t>
-            </a:r>
-          </a:p>
-          <a:p>
-            <a:pPr marL="0" indent="0">
-              <a:buNone/>
-            </a:pPr>
-            <a:r>
-              <a:rPr lang="en-US" dirty="0">
-                <a:solidFill>
-                  <a:srgbClr val="000000"/>
-                </a:solidFill>
-                <a:latin typeface="Consolas"/>
-              </a:rPr>
-              <a:t>  </a:t>
-            </a:r>
-          </a:p>
-          <a:p>
-            <a:pPr marL="0" indent="0">
-              <a:buNone/>
-            </a:pPr>
-            <a:r>
-              <a:rPr lang="en-US" dirty="0">
-                <a:solidFill>
-                  <a:srgbClr val="000000"/>
-                </a:solidFill>
-                <a:latin typeface="Consolas"/>
-              </a:rPr>
-              <a:t>  </a:t>
-            </a:r>
-            <a:r>
-              <a:rPr lang="en-US" dirty="0">
-                <a:solidFill>
-                  <a:srgbClr val="0000FF"/>
-                </a:solidFill>
-                <a:latin typeface="Consolas"/>
-              </a:rPr>
-              <a:t>public</a:t>
-            </a:r>
-            <a:r>
-              <a:rPr lang="en-US" dirty="0">
-                <a:solidFill>
-                  <a:srgbClr val="000000"/>
-                </a:solidFill>
-                <a:latin typeface="Consolas"/>
-              </a:rPr>
-              <a:t> Train() {} </a:t>
-            </a:r>
-            <a:r>
-              <a:rPr lang="en-US" dirty="0">
-                <a:solidFill>
-                  <a:srgbClr val="008000"/>
-                </a:solidFill>
-                <a:latin typeface="Consolas"/>
-              </a:rPr>
-              <a:t>//</a:t>
-            </a:r>
-            <a:r>
-              <a:rPr lang="ru-RU" dirty="0">
-                <a:solidFill>
-                  <a:srgbClr val="008000"/>
-                </a:solidFill>
-                <a:latin typeface="Consolas"/>
-              </a:rPr>
-              <a:t> Для XML сериализации требуется наличие конструктора без аргументов</a:t>
-            </a:r>
-            <a:endParaRPr lang="en-US" dirty="0">
-              <a:solidFill>
-                <a:srgbClr val="000000"/>
-              </a:solidFill>
-              <a:latin typeface="Consolas"/>
-            </a:endParaRPr>
-          </a:p>
-          <a:p>
-            <a:pPr marL="0" indent="0">
-              <a:buNone/>
-            </a:pPr>
-            <a:r>
-              <a:rPr lang="en-US" dirty="0">
-                <a:solidFill>
-                  <a:srgbClr val="000000"/>
-                </a:solidFill>
-                <a:latin typeface="Consolas"/>
-              </a:rPr>
-              <a:t>  </a:t>
-            </a:r>
-            <a:r>
-              <a:rPr lang="en-US" dirty="0">
-                <a:solidFill>
-                  <a:srgbClr val="0000FF"/>
-                </a:solidFill>
-                <a:latin typeface="Consolas"/>
-              </a:rPr>
-              <a:t>public</a:t>
-            </a:r>
-            <a:r>
-              <a:rPr lang="en-US" dirty="0">
-                <a:solidFill>
-                  <a:srgbClr val="000000"/>
-                </a:solidFill>
-                <a:latin typeface="Consolas"/>
-              </a:rPr>
-              <a:t> Train(</a:t>
-            </a:r>
-            <a:r>
-              <a:rPr lang="en-US" dirty="0">
-                <a:solidFill>
-                  <a:srgbClr val="0000FF"/>
-                </a:solidFill>
-                <a:latin typeface="Consolas"/>
-              </a:rPr>
-              <a:t>double</a:t>
-            </a:r>
-            <a:r>
-              <a:rPr lang="en-US" dirty="0">
-                <a:solidFill>
-                  <a:srgbClr val="000000"/>
-                </a:solidFill>
-                <a:latin typeface="Consolas"/>
-              </a:rPr>
-              <a:t> speed, </a:t>
-            </a:r>
-            <a:r>
-              <a:rPr lang="en-US" dirty="0" err="1">
-                <a:solidFill>
-                  <a:srgbClr val="0000FF"/>
-                </a:solidFill>
-                <a:latin typeface="Consolas"/>
-              </a:rPr>
-              <a:t>int</a:t>
-            </a:r>
-            <a:r>
-              <a:rPr lang="en-US" dirty="0">
-                <a:solidFill>
-                  <a:srgbClr val="000000"/>
-                </a:solidFill>
-                <a:latin typeface="Consolas"/>
-              </a:rPr>
-              <a:t> length, </a:t>
-            </a:r>
-            <a:r>
-              <a:rPr lang="en-US" dirty="0" err="1">
-                <a:solidFill>
-                  <a:srgbClr val="0000FF"/>
-                </a:solidFill>
-                <a:latin typeface="Consolas"/>
-              </a:rPr>
-              <a:t>params</a:t>
-            </a:r>
-            <a:r>
-              <a:rPr lang="en-US" dirty="0">
-                <a:solidFill>
-                  <a:srgbClr val="000000"/>
-                </a:solidFill>
-                <a:latin typeface="Consolas"/>
-              </a:rPr>
-              <a:t> </a:t>
-            </a:r>
-            <a:r>
-              <a:rPr lang="en-US" dirty="0">
-                <a:solidFill>
-                  <a:srgbClr val="0000FF"/>
-                </a:solidFill>
-                <a:latin typeface="Consolas"/>
-              </a:rPr>
-              <a:t>string</a:t>
-            </a:r>
-            <a:r>
-              <a:rPr lang="en-US" dirty="0">
-                <a:solidFill>
-                  <a:srgbClr val="000000"/>
-                </a:solidFill>
-                <a:latin typeface="Consolas"/>
-              </a:rPr>
-              <a:t>[] </a:t>
-            </a:r>
-            <a:r>
-              <a:rPr lang="en-US" dirty="0" err="1">
-                <a:solidFill>
-                  <a:srgbClr val="000000"/>
-                </a:solidFill>
-                <a:latin typeface="Consolas"/>
-              </a:rPr>
-              <a:t>travellers</a:t>
-            </a:r>
-            <a:r>
-              <a:rPr lang="en-US" dirty="0">
-                <a:solidFill>
-                  <a:srgbClr val="000000"/>
-                </a:solidFill>
-                <a:latin typeface="Consolas"/>
-              </a:rPr>
-              <a:t>)</a:t>
-            </a:r>
-          </a:p>
-          <a:p>
-            <a:pPr marL="0" indent="0">
-              <a:buNone/>
-            </a:pPr>
-            <a:r>
-              <a:rPr lang="en-US" dirty="0">
-                <a:solidFill>
-                  <a:srgbClr val="000000"/>
-                </a:solidFill>
-                <a:latin typeface="Consolas"/>
-              </a:rPr>
-              <a:t>  {</a:t>
-            </a:r>
-          </a:p>
-          <a:p>
-            <a:pPr marL="0" indent="0">
-              <a:buNone/>
-            </a:pPr>
-            <a:r>
-              <a:rPr lang="en-US" dirty="0">
-                <a:solidFill>
-                  <a:srgbClr val="000000"/>
-                </a:solidFill>
-                <a:latin typeface="Consolas"/>
-              </a:rPr>
-              <a:t>      Speed = speed;</a:t>
-            </a:r>
-          </a:p>
-          <a:p>
-            <a:pPr marL="0" indent="0">
-              <a:buNone/>
-            </a:pPr>
-            <a:r>
-              <a:rPr lang="en-US" dirty="0">
-                <a:solidFill>
-                  <a:srgbClr val="000000"/>
-                </a:solidFill>
-                <a:latin typeface="Consolas"/>
-              </a:rPr>
-              <a:t>      Length = length;</a:t>
-            </a:r>
-          </a:p>
-          <a:p>
-            <a:pPr marL="0" indent="0">
-              <a:buNone/>
-            </a:pPr>
-            <a:r>
-              <a:rPr lang="en-US" dirty="0">
-                <a:solidFill>
-                  <a:srgbClr val="000000"/>
-                </a:solidFill>
-                <a:latin typeface="Consolas"/>
-              </a:rPr>
-              <a:t>      </a:t>
-            </a:r>
-            <a:r>
-              <a:rPr lang="en-US" dirty="0" err="1">
-                <a:solidFill>
-                  <a:srgbClr val="000000"/>
-                </a:solidFill>
-                <a:latin typeface="Consolas"/>
-              </a:rPr>
-              <a:t>Travellers</a:t>
-            </a:r>
-            <a:r>
-              <a:rPr lang="en-US" dirty="0">
-                <a:solidFill>
-                  <a:srgbClr val="000000"/>
-                </a:solidFill>
-                <a:latin typeface="Consolas"/>
-              </a:rPr>
-              <a:t> = </a:t>
-            </a:r>
-            <a:r>
-              <a:rPr lang="en-US" dirty="0" err="1">
-                <a:solidFill>
-                  <a:srgbClr val="000000"/>
-                </a:solidFill>
-                <a:latin typeface="Consolas"/>
-              </a:rPr>
-              <a:t>travellers</a:t>
-            </a:r>
-            <a:r>
-              <a:rPr lang="en-US" dirty="0">
-                <a:solidFill>
-                  <a:srgbClr val="000000"/>
-                </a:solidFill>
-                <a:latin typeface="Consolas"/>
-              </a:rPr>
-              <a:t>;</a:t>
-            </a:r>
-          </a:p>
-          <a:p>
-            <a:pPr marL="0" indent="0">
-              <a:buNone/>
-            </a:pPr>
-            <a:r>
-              <a:rPr lang="en-US" dirty="0">
-                <a:solidFill>
-                  <a:srgbClr val="000000"/>
-                </a:solidFill>
-                <a:latin typeface="Consolas"/>
-              </a:rPr>
-              <a:t>  }</a:t>
-            </a:r>
-          </a:p>
-          <a:p>
-            <a:pPr marL="0" indent="0">
-              <a:buNone/>
-            </a:pPr>
-            <a:r>
-              <a:rPr lang="en-US" dirty="0">
-                <a:solidFill>
-                  <a:srgbClr val="000000"/>
-                </a:solidFill>
-                <a:latin typeface="Consolas"/>
-              </a:rPr>
-              <a:t>  </a:t>
-            </a:r>
-          </a:p>
-          <a:p>
-            <a:pPr marL="0" indent="0">
-              <a:buNone/>
-            </a:pPr>
-            <a:r>
-              <a:rPr lang="en-US" dirty="0">
-                <a:solidFill>
-                  <a:srgbClr val="000000"/>
-                </a:solidFill>
-                <a:latin typeface="Consolas"/>
-              </a:rPr>
-              <a:t>  </a:t>
-            </a:r>
-            <a:r>
-              <a:rPr lang="en-US" dirty="0">
-                <a:solidFill>
-                  <a:srgbClr val="0000FF"/>
-                </a:solidFill>
-                <a:latin typeface="Consolas"/>
-              </a:rPr>
-              <a:t>public</a:t>
-            </a:r>
-            <a:r>
-              <a:rPr lang="en-US" dirty="0">
-                <a:solidFill>
-                  <a:srgbClr val="000000"/>
-                </a:solidFill>
-                <a:latin typeface="Consolas"/>
-              </a:rPr>
-              <a:t> </a:t>
-            </a:r>
-            <a:r>
-              <a:rPr lang="en-US" dirty="0">
-                <a:solidFill>
-                  <a:srgbClr val="0000FF"/>
-                </a:solidFill>
-                <a:latin typeface="Consolas"/>
-              </a:rPr>
-              <a:t>void</a:t>
-            </a:r>
-            <a:r>
-              <a:rPr lang="en-US" dirty="0">
-                <a:solidFill>
-                  <a:srgbClr val="000000"/>
-                </a:solidFill>
-                <a:latin typeface="Consolas"/>
-              </a:rPr>
-              <a:t> Print()</a:t>
-            </a:r>
-          </a:p>
-          <a:p>
-            <a:pPr marL="0" indent="0">
-              <a:buNone/>
-            </a:pPr>
-            <a:r>
-              <a:rPr lang="en-US" dirty="0">
-                <a:solidFill>
-                  <a:srgbClr val="000000"/>
-                </a:solidFill>
-                <a:latin typeface="Consolas"/>
-              </a:rPr>
-              <a:t>  {</a:t>
-            </a:r>
-          </a:p>
-          <a:p>
-            <a:pPr marL="0" indent="0">
-              <a:buNone/>
-            </a:pPr>
-            <a:r>
-              <a:rPr lang="en-US" dirty="0">
-                <a:solidFill>
-                  <a:srgbClr val="000000"/>
-                </a:solidFill>
-                <a:latin typeface="Consolas"/>
-              </a:rPr>
-              <a:t>      </a:t>
-            </a:r>
-            <a:r>
-              <a:rPr lang="en-US" dirty="0" err="1">
-                <a:solidFill>
-                  <a:srgbClr val="000000"/>
-                </a:solidFill>
-                <a:latin typeface="Consolas"/>
-              </a:rPr>
-              <a:t>Console.WriteLine</a:t>
-            </a:r>
-            <a:r>
-              <a:rPr lang="en-US" dirty="0">
-                <a:solidFill>
-                  <a:srgbClr val="000000"/>
-                </a:solidFill>
-                <a:latin typeface="Consolas"/>
-              </a:rPr>
-              <a:t>(</a:t>
-            </a:r>
-            <a:r>
-              <a:rPr lang="en-US" dirty="0">
-                <a:solidFill>
-                  <a:srgbClr val="DC1414"/>
-                </a:solidFill>
-                <a:latin typeface="Consolas"/>
-              </a:rPr>
-              <a:t>"Speed: {0}"</a:t>
-            </a:r>
-            <a:r>
-              <a:rPr lang="en-US" dirty="0">
-                <a:solidFill>
-                  <a:srgbClr val="000000"/>
-                </a:solidFill>
-                <a:latin typeface="Consolas"/>
-              </a:rPr>
-              <a:t>, Speed);</a:t>
-            </a:r>
-          </a:p>
-          <a:p>
-            <a:pPr marL="0" indent="0">
-              <a:buNone/>
-            </a:pPr>
-            <a:r>
-              <a:rPr lang="en-US" dirty="0">
-                <a:solidFill>
-                  <a:srgbClr val="000000"/>
-                </a:solidFill>
-                <a:latin typeface="Consolas"/>
-              </a:rPr>
-              <a:t>      </a:t>
-            </a:r>
-            <a:r>
-              <a:rPr lang="en-US" dirty="0" err="1">
-                <a:solidFill>
-                  <a:srgbClr val="000000"/>
-                </a:solidFill>
-                <a:latin typeface="Consolas"/>
-              </a:rPr>
-              <a:t>Console.WriteLine</a:t>
-            </a:r>
-            <a:r>
-              <a:rPr lang="en-US" dirty="0">
-                <a:solidFill>
-                  <a:srgbClr val="000000"/>
-                </a:solidFill>
-                <a:latin typeface="Consolas"/>
-              </a:rPr>
-              <a:t>(</a:t>
-            </a:r>
-            <a:r>
-              <a:rPr lang="en-US" dirty="0">
-                <a:solidFill>
-                  <a:srgbClr val="DC1414"/>
-                </a:solidFill>
-                <a:latin typeface="Consolas"/>
-              </a:rPr>
-              <a:t>"Length : {0}"</a:t>
-            </a:r>
-            <a:r>
-              <a:rPr lang="en-US" dirty="0">
-                <a:solidFill>
-                  <a:srgbClr val="000000"/>
-                </a:solidFill>
-                <a:latin typeface="Consolas"/>
-              </a:rPr>
-              <a:t>, Length);</a:t>
-            </a:r>
-          </a:p>
-          <a:p>
-            <a:pPr marL="0" indent="0">
-              <a:buNone/>
-            </a:pPr>
-            <a:r>
-              <a:rPr lang="fr-FR" dirty="0">
-                <a:solidFill>
-                  <a:srgbClr val="000000"/>
-                </a:solidFill>
-                <a:latin typeface="Consolas"/>
-              </a:rPr>
-              <a:t>      </a:t>
-            </a:r>
-            <a:r>
-              <a:rPr lang="fr-FR" dirty="0" err="1">
-                <a:solidFill>
-                  <a:srgbClr val="000000"/>
-                </a:solidFill>
-                <a:latin typeface="Consolas"/>
-              </a:rPr>
-              <a:t>Console.WriteLine</a:t>
-            </a:r>
-            <a:r>
-              <a:rPr lang="fr-FR" dirty="0">
-                <a:solidFill>
-                  <a:srgbClr val="000000"/>
-                </a:solidFill>
-                <a:latin typeface="Consolas"/>
-              </a:rPr>
-              <a:t>(</a:t>
-            </a:r>
-            <a:r>
-              <a:rPr lang="fr-FR" dirty="0">
-                <a:solidFill>
-                  <a:srgbClr val="DC1414"/>
-                </a:solidFill>
-                <a:latin typeface="Consolas"/>
-              </a:rPr>
-              <a:t>"</a:t>
-            </a:r>
-            <a:r>
-              <a:rPr lang="fr-FR" dirty="0" err="1">
-                <a:solidFill>
-                  <a:srgbClr val="DC1414"/>
-                </a:solidFill>
-                <a:latin typeface="Consolas"/>
-              </a:rPr>
-              <a:t>Travellers</a:t>
-            </a:r>
-            <a:r>
-              <a:rPr lang="fr-FR" dirty="0">
-                <a:solidFill>
-                  <a:srgbClr val="DC1414"/>
-                </a:solidFill>
-                <a:latin typeface="Consolas"/>
-              </a:rPr>
-              <a:t>: {0}"</a:t>
-            </a:r>
-            <a:r>
-              <a:rPr lang="fr-FR" dirty="0">
-                <a:solidFill>
-                  <a:srgbClr val="000000"/>
-                </a:solidFill>
-                <a:latin typeface="Consolas"/>
-              </a:rPr>
-              <a:t>, </a:t>
-            </a:r>
-            <a:r>
-              <a:rPr lang="fr-FR" dirty="0" err="1">
-                <a:solidFill>
-                  <a:srgbClr val="000000"/>
-                </a:solidFill>
-                <a:latin typeface="Consolas"/>
-              </a:rPr>
-              <a:t>String.Join</a:t>
-            </a:r>
-            <a:r>
-              <a:rPr lang="fr-FR" dirty="0">
-                <a:solidFill>
-                  <a:srgbClr val="000000"/>
-                </a:solidFill>
-                <a:latin typeface="Consolas"/>
-              </a:rPr>
-              <a:t>(</a:t>
-            </a:r>
-            <a:r>
-              <a:rPr lang="fr-FR" dirty="0">
-                <a:solidFill>
-                  <a:srgbClr val="DC1414"/>
-                </a:solidFill>
-                <a:latin typeface="Consolas"/>
-              </a:rPr>
-              <a:t>"; "</a:t>
-            </a:r>
-            <a:r>
-              <a:rPr lang="fr-FR" dirty="0">
-                <a:solidFill>
-                  <a:srgbClr val="000000"/>
-                </a:solidFill>
-                <a:latin typeface="Consolas"/>
-              </a:rPr>
-              <a:t>, </a:t>
-            </a:r>
-            <a:r>
-              <a:rPr lang="fr-FR" dirty="0" err="1">
-                <a:solidFill>
-                  <a:srgbClr val="000000"/>
-                </a:solidFill>
-                <a:latin typeface="Consolas"/>
-              </a:rPr>
-              <a:t>Travellers</a:t>
-            </a:r>
-            <a:r>
-              <a:rPr lang="fr-FR" dirty="0">
-                <a:solidFill>
-                  <a:srgbClr val="000000"/>
-                </a:solidFill>
-                <a:latin typeface="Consolas"/>
-              </a:rPr>
-              <a:t>));</a:t>
-            </a:r>
-          </a:p>
-          <a:p>
-            <a:pPr marL="0" indent="0">
-              <a:buNone/>
-            </a:pPr>
-            <a:r>
-              <a:rPr lang="en-US" dirty="0">
-                <a:solidFill>
-                  <a:srgbClr val="000000"/>
-                </a:solidFill>
-                <a:latin typeface="Consolas"/>
-              </a:rPr>
-              <a:t>  }</a:t>
-            </a:r>
-          </a:p>
-          <a:p>
-            <a:pPr marL="0" indent="0">
-              <a:buNone/>
-            </a:pPr>
-            <a:r>
-              <a:rPr lang="en-US" dirty="0">
-                <a:solidFill>
-                  <a:srgbClr val="000000"/>
-                </a:solidFill>
-                <a:latin typeface="Consolas"/>
-              </a:rPr>
-              <a:t>}</a:t>
-            </a:r>
-          </a:p>
-          <a:p>
-            <a:pPr marL="0" indent="0">
-              <a:buNone/>
-            </a:pPr>
-            <a:endParaRPr lang="en-US" dirty="0">
-              <a:solidFill>
-                <a:srgbClr val="000000"/>
-              </a:solidFill>
-              <a:latin typeface="Consolas"/>
-            </a:endParaRPr>
-          </a:p>
-          <a:p>
-            <a:pPr marL="0" indent="0">
-              <a:buNone/>
-            </a:pPr>
-            <a:r>
-              <a:rPr lang="en-US" dirty="0">
-                <a:solidFill>
-                  <a:srgbClr val="0000FF"/>
-                </a:solidFill>
-                <a:latin typeface="Consolas"/>
-              </a:rPr>
-              <a:t>static</a:t>
-            </a:r>
-            <a:r>
-              <a:rPr lang="en-US" dirty="0">
-                <a:solidFill>
-                  <a:srgbClr val="000000"/>
-                </a:solidFill>
-                <a:latin typeface="Consolas"/>
-              </a:rPr>
-              <a:t> </a:t>
-            </a:r>
-            <a:r>
-              <a:rPr lang="en-US" dirty="0">
-                <a:solidFill>
-                  <a:srgbClr val="0000FF"/>
-                </a:solidFill>
-                <a:latin typeface="Consolas"/>
-              </a:rPr>
-              <a:t>void</a:t>
-            </a:r>
-            <a:r>
-              <a:rPr lang="en-US" dirty="0">
-                <a:solidFill>
-                  <a:srgbClr val="000000"/>
-                </a:solidFill>
-                <a:latin typeface="Consolas"/>
-              </a:rPr>
-              <a:t> Main()</a:t>
-            </a:r>
-          </a:p>
-          <a:p>
-            <a:pPr marL="0" indent="0">
-              <a:buNone/>
-            </a:pPr>
-            <a:r>
-              <a:rPr lang="en-US" dirty="0">
-                <a:solidFill>
-                  <a:srgbClr val="000000"/>
-                </a:solidFill>
-                <a:latin typeface="Consolas"/>
-              </a:rPr>
-              <a:t>{</a:t>
-            </a:r>
-          </a:p>
-          <a:p>
-            <a:pPr marL="0" indent="0">
-              <a:buNone/>
-            </a:pPr>
-            <a:r>
-              <a:rPr lang="fr-FR" dirty="0">
-                <a:solidFill>
-                  <a:srgbClr val="000000"/>
-                </a:solidFill>
-                <a:latin typeface="Consolas"/>
-              </a:rPr>
-              <a:t>    Train </a:t>
-            </a:r>
-            <a:r>
-              <a:rPr lang="fr-FR" dirty="0" err="1">
-                <a:solidFill>
-                  <a:srgbClr val="000000"/>
-                </a:solidFill>
-                <a:latin typeface="Consolas"/>
-              </a:rPr>
-              <a:t>train</a:t>
-            </a:r>
-            <a:r>
-              <a:rPr lang="fr-FR" dirty="0">
-                <a:solidFill>
-                  <a:srgbClr val="000000"/>
-                </a:solidFill>
-                <a:latin typeface="Consolas"/>
-              </a:rPr>
-              <a:t> = </a:t>
-            </a:r>
-            <a:r>
-              <a:rPr lang="fr-FR" dirty="0">
-                <a:solidFill>
-                  <a:srgbClr val="0000FF"/>
-                </a:solidFill>
-                <a:latin typeface="Consolas"/>
-              </a:rPr>
-              <a:t>new</a:t>
-            </a:r>
-            <a:r>
-              <a:rPr lang="fr-FR" dirty="0">
-                <a:solidFill>
-                  <a:srgbClr val="000000"/>
-                </a:solidFill>
-                <a:latin typeface="Consolas"/>
-              </a:rPr>
-              <a:t> Train(</a:t>
-            </a:r>
-            <a:r>
-              <a:rPr lang="fr-FR" dirty="0">
-                <a:solidFill>
-                  <a:srgbClr val="C81EFA"/>
-                </a:solidFill>
-                <a:latin typeface="Consolas"/>
-              </a:rPr>
-              <a:t>190.2</a:t>
-            </a:r>
-            <a:r>
-              <a:rPr lang="fr-FR" dirty="0">
-                <a:solidFill>
-                  <a:srgbClr val="000000"/>
-                </a:solidFill>
-                <a:latin typeface="Consolas"/>
-              </a:rPr>
-              <a:t>, </a:t>
-            </a:r>
-            <a:r>
-              <a:rPr lang="fr-FR" dirty="0">
-                <a:solidFill>
-                  <a:srgbClr val="C81EFA"/>
-                </a:solidFill>
-                <a:latin typeface="Consolas"/>
-              </a:rPr>
-              <a:t>8</a:t>
-            </a:r>
-            <a:r>
-              <a:rPr lang="fr-FR" dirty="0">
-                <a:solidFill>
-                  <a:srgbClr val="000000"/>
-                </a:solidFill>
-                <a:latin typeface="Consolas"/>
-              </a:rPr>
-              <a:t>, </a:t>
-            </a:r>
-            <a:r>
-              <a:rPr lang="fr-FR" dirty="0">
-                <a:solidFill>
-                  <a:srgbClr val="DC1414"/>
-                </a:solidFill>
-                <a:latin typeface="Consolas"/>
-              </a:rPr>
-              <a:t>"Ivanov"</a:t>
-            </a:r>
-            <a:r>
-              <a:rPr lang="fr-FR" dirty="0">
-                <a:solidFill>
-                  <a:srgbClr val="000000"/>
-                </a:solidFill>
-                <a:latin typeface="Consolas"/>
-              </a:rPr>
-              <a:t>, </a:t>
-            </a:r>
-            <a:r>
-              <a:rPr lang="fr-FR" dirty="0">
-                <a:solidFill>
-                  <a:srgbClr val="DC1414"/>
-                </a:solidFill>
-                <a:latin typeface="Consolas"/>
-              </a:rPr>
-              <a:t>"Petrov"</a:t>
-            </a:r>
-            <a:r>
-              <a:rPr lang="fr-FR" dirty="0">
-                <a:solidFill>
-                  <a:srgbClr val="000000"/>
-                </a:solidFill>
-                <a:latin typeface="Consolas"/>
-              </a:rPr>
-              <a:t>, </a:t>
-            </a:r>
-            <a:r>
-              <a:rPr lang="fr-FR" dirty="0">
-                <a:solidFill>
-                  <a:srgbClr val="DC1414"/>
-                </a:solidFill>
-                <a:latin typeface="Consolas"/>
-              </a:rPr>
-              <a:t>"</a:t>
-            </a:r>
-            <a:r>
-              <a:rPr lang="fr-FR" dirty="0" err="1">
-                <a:solidFill>
-                  <a:srgbClr val="DC1414"/>
-                </a:solidFill>
-                <a:latin typeface="Consolas"/>
-              </a:rPr>
-              <a:t>Sidorov</a:t>
-            </a:r>
-            <a:r>
-              <a:rPr lang="fr-FR" dirty="0">
-                <a:solidFill>
-                  <a:srgbClr val="DC1414"/>
-                </a:solidFill>
-                <a:latin typeface="Consolas"/>
-              </a:rPr>
-              <a:t>"</a:t>
-            </a:r>
-            <a:r>
-              <a:rPr lang="fr-FR" dirty="0">
-                <a:solidFill>
-                  <a:srgbClr val="000000"/>
-                </a:solidFill>
-                <a:latin typeface="Consolas"/>
-              </a:rPr>
-              <a:t>);</a:t>
-            </a:r>
-          </a:p>
-          <a:p>
-            <a:pPr marL="0" indent="0">
-              <a:buNone/>
-            </a:pPr>
-            <a:r>
-              <a:rPr lang="en-US" dirty="0">
-                <a:solidFill>
-                  <a:srgbClr val="000000"/>
-                </a:solidFill>
-                <a:latin typeface="Consolas"/>
-              </a:rPr>
-              <a:t>    </a:t>
-            </a:r>
-            <a:r>
-              <a:rPr lang="en-US" dirty="0" err="1">
-                <a:solidFill>
-                  <a:srgbClr val="000000"/>
-                </a:solidFill>
-                <a:latin typeface="Consolas"/>
-              </a:rPr>
-              <a:t>train.Print</a:t>
-            </a:r>
-            <a:r>
-              <a:rPr lang="en-US" dirty="0">
-                <a:solidFill>
-                  <a:srgbClr val="000000"/>
-                </a:solidFill>
-                <a:latin typeface="Consolas"/>
-              </a:rPr>
-              <a:t>();</a:t>
-            </a:r>
-          </a:p>
-          <a:p>
-            <a:pPr marL="0" indent="0">
-              <a:buNone/>
-            </a:pPr>
-            <a:endParaRPr lang="en-US" dirty="0">
-              <a:solidFill>
-                <a:srgbClr val="000000"/>
-              </a:solidFill>
-              <a:latin typeface="Consolas"/>
-            </a:endParaRPr>
-          </a:p>
-          <a:p>
-            <a:pPr marL="0" indent="0">
-              <a:buNone/>
-            </a:pPr>
-            <a:r>
-              <a:rPr lang="en-US" dirty="0">
-                <a:solidFill>
-                  <a:srgbClr val="0000FF"/>
-                </a:solidFill>
-                <a:latin typeface="Consolas"/>
-              </a:rPr>
-              <a:t>    string</a:t>
-            </a:r>
-            <a:r>
-              <a:rPr lang="en-US" dirty="0">
-                <a:solidFill>
-                  <a:srgbClr val="000000"/>
-                </a:solidFill>
-                <a:latin typeface="Consolas"/>
-              </a:rPr>
-              <a:t> </a:t>
-            </a:r>
-            <a:r>
-              <a:rPr lang="en-US" dirty="0" err="1">
-                <a:solidFill>
-                  <a:srgbClr val="000000"/>
-                </a:solidFill>
-                <a:latin typeface="Consolas"/>
-              </a:rPr>
-              <a:t>tempFileName</a:t>
-            </a:r>
-            <a:r>
-              <a:rPr lang="en-US" dirty="0">
-                <a:solidFill>
-                  <a:srgbClr val="000000"/>
-                </a:solidFill>
-                <a:latin typeface="Consolas"/>
-              </a:rPr>
-              <a:t> = </a:t>
-            </a:r>
-            <a:r>
-              <a:rPr lang="en-US" dirty="0" err="1">
-                <a:solidFill>
-                  <a:srgbClr val="000000"/>
-                </a:solidFill>
-                <a:latin typeface="Consolas"/>
-              </a:rPr>
-              <a:t>Path.Combine</a:t>
-            </a:r>
-            <a:r>
-              <a:rPr lang="en-US" dirty="0">
-                <a:solidFill>
-                  <a:srgbClr val="000000"/>
-                </a:solidFill>
-                <a:latin typeface="Consolas"/>
-              </a:rPr>
-              <a:t>(</a:t>
-            </a:r>
-            <a:r>
-              <a:rPr lang="en-US" dirty="0" err="1">
-                <a:solidFill>
-                  <a:srgbClr val="000000"/>
-                </a:solidFill>
-                <a:latin typeface="Consolas"/>
-              </a:rPr>
-              <a:t>Path.GetTempPath</a:t>
-            </a:r>
-            <a:r>
-              <a:rPr lang="en-US" dirty="0">
-                <a:solidFill>
-                  <a:srgbClr val="000000"/>
-                </a:solidFill>
-                <a:latin typeface="Consolas"/>
-              </a:rPr>
-              <a:t>(), </a:t>
-            </a:r>
-            <a:r>
-              <a:rPr lang="en-US" dirty="0">
-                <a:solidFill>
-                  <a:srgbClr val="DC1414"/>
-                </a:solidFill>
-                <a:latin typeface="Consolas"/>
-              </a:rPr>
-              <a:t>"train.xml"</a:t>
-            </a:r>
-            <a:r>
-              <a:rPr lang="en-US" dirty="0">
-                <a:solidFill>
-                  <a:srgbClr val="000000"/>
-                </a:solidFill>
-                <a:latin typeface="Consolas"/>
-              </a:rPr>
-              <a:t>); </a:t>
-            </a:r>
-            <a:r>
-              <a:rPr lang="en-US" dirty="0">
-                <a:solidFill>
-                  <a:srgbClr val="008000"/>
-                </a:solidFill>
-                <a:latin typeface="Consolas"/>
-              </a:rPr>
-              <a:t>//</a:t>
-            </a:r>
-            <a:r>
-              <a:rPr lang="ru-RU" dirty="0">
-                <a:solidFill>
-                  <a:srgbClr val="008000"/>
-                </a:solidFill>
-                <a:latin typeface="Consolas"/>
-              </a:rPr>
-              <a:t> Будем работать с файлом в папке с временными файлами</a:t>
-            </a:r>
-            <a:endParaRPr lang="en-US" dirty="0">
-              <a:solidFill>
-                <a:srgbClr val="000000"/>
-              </a:solidFill>
-              <a:latin typeface="Consolas"/>
-            </a:endParaRPr>
-          </a:p>
-          <a:p>
-            <a:pPr marL="0" indent="0">
-              <a:buNone/>
-            </a:pPr>
-            <a:r>
-              <a:rPr lang="en-US" dirty="0">
-                <a:solidFill>
-                  <a:srgbClr val="000000"/>
-                </a:solidFill>
-                <a:latin typeface="Consolas"/>
-              </a:rPr>
-              <a:t>    </a:t>
-            </a:r>
-            <a:r>
-              <a:rPr lang="en-US" dirty="0" err="1">
-                <a:solidFill>
-                  <a:srgbClr val="000000"/>
-                </a:solidFill>
-                <a:latin typeface="Consolas"/>
-              </a:rPr>
-              <a:t>XmlSerializer</a:t>
-            </a:r>
-            <a:r>
-              <a:rPr lang="en-US" dirty="0">
-                <a:solidFill>
-                  <a:srgbClr val="000000"/>
-                </a:solidFill>
-                <a:latin typeface="Consolas"/>
-              </a:rPr>
-              <a:t> </a:t>
-            </a:r>
-            <a:r>
-              <a:rPr lang="en-US" dirty="0" err="1">
-                <a:solidFill>
-                  <a:srgbClr val="000000"/>
-                </a:solidFill>
-                <a:latin typeface="Consolas"/>
-              </a:rPr>
-              <a:t>xmlSerializer</a:t>
-            </a:r>
-            <a:r>
-              <a:rPr lang="en-US" dirty="0">
-                <a:solidFill>
-                  <a:srgbClr val="000000"/>
-                </a:solidFill>
-                <a:latin typeface="Consolas"/>
-              </a:rPr>
-              <a:t> = </a:t>
-            </a:r>
-            <a:r>
-              <a:rPr lang="en-US" dirty="0">
-                <a:solidFill>
-                  <a:srgbClr val="0000FF"/>
-                </a:solidFill>
-                <a:latin typeface="Consolas"/>
-              </a:rPr>
-              <a:t>new</a:t>
-            </a:r>
-            <a:r>
-              <a:rPr lang="en-US" dirty="0">
-                <a:solidFill>
-                  <a:srgbClr val="000000"/>
-                </a:solidFill>
-                <a:latin typeface="Consolas"/>
-              </a:rPr>
-              <a:t> </a:t>
-            </a:r>
-            <a:r>
-              <a:rPr lang="en-US" dirty="0" err="1">
-                <a:solidFill>
-                  <a:srgbClr val="000000"/>
-                </a:solidFill>
-                <a:latin typeface="Consolas"/>
-              </a:rPr>
-              <a:t>XmlSerializer</a:t>
-            </a:r>
-            <a:r>
-              <a:rPr lang="en-US" dirty="0">
-                <a:solidFill>
-                  <a:srgbClr val="000000"/>
-                </a:solidFill>
-                <a:latin typeface="Consolas"/>
-              </a:rPr>
-              <a:t>(</a:t>
-            </a:r>
-            <a:r>
-              <a:rPr lang="en-US" dirty="0" err="1">
-                <a:solidFill>
-                  <a:srgbClr val="0000FF"/>
-                </a:solidFill>
-                <a:latin typeface="Consolas"/>
-              </a:rPr>
-              <a:t>typeof</a:t>
-            </a:r>
-            <a:r>
-              <a:rPr lang="en-US" dirty="0">
-                <a:solidFill>
-                  <a:srgbClr val="000000"/>
-                </a:solidFill>
-                <a:latin typeface="Consolas"/>
-              </a:rPr>
-              <a:t>(Train));</a:t>
-            </a:r>
-          </a:p>
-          <a:p>
-            <a:pPr marL="0" indent="0">
-              <a:buNone/>
-            </a:pPr>
-            <a:r>
-              <a:rPr lang="en-US" dirty="0">
-                <a:solidFill>
-                  <a:srgbClr val="008000"/>
-                </a:solidFill>
-                <a:latin typeface="Consolas"/>
-              </a:rPr>
-              <a:t>    // </a:t>
-            </a:r>
-            <a:r>
-              <a:rPr lang="ru-RU" dirty="0">
-                <a:solidFill>
-                  <a:srgbClr val="008000"/>
-                </a:solidFill>
-                <a:latin typeface="Consolas"/>
-              </a:rPr>
-              <a:t>Выполняем сериализацию</a:t>
-            </a:r>
-            <a:endParaRPr lang="en-US" dirty="0">
-              <a:solidFill>
-                <a:srgbClr val="000000"/>
-              </a:solidFill>
-              <a:latin typeface="Consolas"/>
-            </a:endParaRPr>
-          </a:p>
-          <a:p>
-            <a:pPr marL="0" indent="0">
-              <a:buNone/>
-            </a:pPr>
-            <a:r>
-              <a:rPr lang="en-US" dirty="0">
-                <a:solidFill>
-                  <a:srgbClr val="0000FF"/>
-                </a:solidFill>
-                <a:latin typeface="Consolas"/>
-              </a:rPr>
-              <a:t>    using</a:t>
-            </a:r>
-            <a:r>
-              <a:rPr lang="en-US" dirty="0">
-                <a:solidFill>
-                  <a:srgbClr val="000000"/>
-                </a:solidFill>
-                <a:latin typeface="Consolas"/>
-              </a:rPr>
-              <a:t> (</a:t>
-            </a:r>
-            <a:r>
-              <a:rPr lang="en-US" dirty="0" err="1">
-                <a:solidFill>
-                  <a:srgbClr val="000000"/>
-                </a:solidFill>
-                <a:latin typeface="Consolas"/>
-              </a:rPr>
-              <a:t>FileStream</a:t>
-            </a:r>
-            <a:r>
-              <a:rPr lang="en-US" dirty="0">
-                <a:solidFill>
-                  <a:srgbClr val="000000"/>
-                </a:solidFill>
-                <a:latin typeface="Consolas"/>
-              </a:rPr>
-              <a:t> </a:t>
-            </a:r>
-            <a:r>
-              <a:rPr lang="en-US" dirty="0" err="1">
-                <a:solidFill>
-                  <a:srgbClr val="000000"/>
-                </a:solidFill>
-                <a:latin typeface="Consolas"/>
-              </a:rPr>
-              <a:t>fs</a:t>
-            </a:r>
-            <a:r>
-              <a:rPr lang="en-US" dirty="0">
-                <a:solidFill>
-                  <a:srgbClr val="000000"/>
-                </a:solidFill>
-                <a:latin typeface="Consolas"/>
-              </a:rPr>
-              <a:t> = </a:t>
-            </a:r>
-            <a:r>
-              <a:rPr lang="en-US" dirty="0" err="1">
-                <a:solidFill>
-                  <a:srgbClr val="000000"/>
-                </a:solidFill>
-                <a:latin typeface="Consolas"/>
-              </a:rPr>
-              <a:t>File.Open</a:t>
-            </a:r>
-            <a:r>
-              <a:rPr lang="en-US" dirty="0">
-                <a:solidFill>
-                  <a:srgbClr val="000000"/>
-                </a:solidFill>
-                <a:latin typeface="Consolas"/>
-              </a:rPr>
-              <a:t>(</a:t>
-            </a:r>
-            <a:r>
-              <a:rPr lang="en-US" dirty="0" err="1">
-                <a:solidFill>
-                  <a:srgbClr val="000000"/>
-                </a:solidFill>
-                <a:latin typeface="Consolas"/>
-              </a:rPr>
-              <a:t>tempFileName</a:t>
-            </a:r>
-            <a:r>
-              <a:rPr lang="en-US" dirty="0">
-                <a:solidFill>
-                  <a:srgbClr val="000000"/>
-                </a:solidFill>
-                <a:latin typeface="Consolas"/>
-              </a:rPr>
-              <a:t>, </a:t>
-            </a:r>
-            <a:r>
-              <a:rPr lang="en-US" dirty="0" err="1">
-                <a:solidFill>
-                  <a:srgbClr val="000000"/>
-                </a:solidFill>
-                <a:latin typeface="Consolas"/>
-              </a:rPr>
-              <a:t>FileMode.Create</a:t>
-            </a:r>
-            <a:r>
-              <a:rPr lang="en-US" dirty="0">
-                <a:solidFill>
-                  <a:srgbClr val="000000"/>
-                </a:solidFill>
-                <a:latin typeface="Consolas"/>
-              </a:rPr>
-              <a:t>))</a:t>
-            </a:r>
-          </a:p>
-          <a:p>
-            <a:pPr marL="0" indent="0">
-              <a:buNone/>
-            </a:pPr>
-            <a:r>
-              <a:rPr lang="en-US" dirty="0">
-                <a:solidFill>
-                  <a:srgbClr val="000000"/>
-                </a:solidFill>
-                <a:latin typeface="Consolas"/>
-              </a:rPr>
-              <a:t>    {</a:t>
-            </a:r>
-          </a:p>
-          <a:p>
-            <a:pPr marL="0" indent="0">
-              <a:buNone/>
-            </a:pPr>
-            <a:r>
-              <a:rPr lang="en-US" dirty="0">
-                <a:solidFill>
-                  <a:srgbClr val="000000"/>
-                </a:solidFill>
-                <a:latin typeface="Consolas"/>
-              </a:rPr>
-              <a:t>         </a:t>
-            </a:r>
-            <a:r>
-              <a:rPr lang="en-US" dirty="0" err="1">
-                <a:solidFill>
-                  <a:srgbClr val="000000"/>
-                </a:solidFill>
-                <a:latin typeface="Consolas"/>
-              </a:rPr>
-              <a:t>xmlSerializer.Serialize</a:t>
-            </a:r>
-            <a:r>
-              <a:rPr lang="en-US" dirty="0">
-                <a:solidFill>
-                  <a:srgbClr val="000000"/>
-                </a:solidFill>
-                <a:latin typeface="Consolas"/>
-              </a:rPr>
-              <a:t>(</a:t>
-            </a:r>
-            <a:r>
-              <a:rPr lang="en-US" dirty="0" err="1">
-                <a:solidFill>
-                  <a:srgbClr val="000000"/>
-                </a:solidFill>
-                <a:latin typeface="Consolas"/>
-              </a:rPr>
-              <a:t>fs</a:t>
-            </a:r>
-            <a:r>
-              <a:rPr lang="en-US" dirty="0">
-                <a:solidFill>
-                  <a:srgbClr val="000000"/>
-                </a:solidFill>
-                <a:latin typeface="Consolas"/>
-              </a:rPr>
-              <a:t>, train);</a:t>
-            </a:r>
-          </a:p>
-          <a:p>
-            <a:pPr marL="0" indent="0">
-              <a:buNone/>
-            </a:pPr>
-            <a:r>
-              <a:rPr lang="en-US" dirty="0">
-                <a:solidFill>
-                  <a:srgbClr val="000000"/>
-                </a:solidFill>
-                <a:latin typeface="Consolas"/>
-              </a:rPr>
-              <a:t>    }</a:t>
-            </a:r>
-          </a:p>
-          <a:p>
-            <a:pPr marL="0" indent="0">
-              <a:buNone/>
-            </a:pPr>
-            <a:r>
-              <a:rPr lang="en-US" dirty="0">
-                <a:solidFill>
-                  <a:srgbClr val="000000"/>
-                </a:solidFill>
-                <a:latin typeface="Consolas"/>
-              </a:rPr>
-              <a:t>    </a:t>
-            </a:r>
-            <a:r>
-              <a:rPr lang="en-US" dirty="0" err="1">
-                <a:solidFill>
-                  <a:srgbClr val="000000"/>
-                </a:solidFill>
-                <a:latin typeface="Consolas"/>
-              </a:rPr>
-              <a:t>Console.WriteLine</a:t>
-            </a:r>
-            <a:r>
-              <a:rPr lang="en-US" dirty="0">
-                <a:solidFill>
-                  <a:srgbClr val="000000"/>
-                </a:solidFill>
-                <a:latin typeface="Consolas"/>
-              </a:rPr>
-              <a:t>(); </a:t>
-            </a:r>
-            <a:r>
-              <a:rPr lang="en-US" dirty="0" err="1">
-                <a:solidFill>
-                  <a:srgbClr val="000000"/>
-                </a:solidFill>
-                <a:latin typeface="Consolas"/>
-              </a:rPr>
-              <a:t>Console.WriteLine</a:t>
-            </a:r>
-            <a:r>
-              <a:rPr lang="en-US" dirty="0">
-                <a:solidFill>
-                  <a:srgbClr val="000000"/>
-                </a:solidFill>
-                <a:latin typeface="Consolas"/>
-              </a:rPr>
-              <a:t>(</a:t>
-            </a:r>
-            <a:r>
-              <a:rPr lang="en-US" dirty="0" err="1">
-                <a:solidFill>
-                  <a:srgbClr val="000000"/>
-                </a:solidFill>
-                <a:latin typeface="Consolas"/>
-              </a:rPr>
-              <a:t>File.ReadAllText</a:t>
-            </a:r>
-            <a:r>
-              <a:rPr lang="en-US" dirty="0">
-                <a:solidFill>
-                  <a:srgbClr val="000000"/>
-                </a:solidFill>
-                <a:latin typeface="Consolas"/>
-              </a:rPr>
-              <a:t>(</a:t>
-            </a:r>
-            <a:r>
-              <a:rPr lang="en-US" dirty="0" err="1">
-                <a:solidFill>
-                  <a:srgbClr val="000000"/>
-                </a:solidFill>
-                <a:latin typeface="Consolas"/>
-              </a:rPr>
-              <a:t>tempFileName</a:t>
-            </a:r>
-            <a:r>
-              <a:rPr lang="en-US" dirty="0">
-                <a:solidFill>
-                  <a:srgbClr val="000000"/>
-                </a:solidFill>
-                <a:latin typeface="Consolas"/>
-              </a:rPr>
-              <a:t>)); </a:t>
-            </a:r>
-            <a:r>
-              <a:rPr lang="en-US" dirty="0" err="1">
-                <a:solidFill>
-                  <a:srgbClr val="000000"/>
-                </a:solidFill>
-                <a:latin typeface="Consolas"/>
-              </a:rPr>
-              <a:t>Console.WriteLine</a:t>
-            </a:r>
-            <a:r>
-              <a:rPr lang="en-US" dirty="0">
-                <a:solidFill>
-                  <a:srgbClr val="000000"/>
-                </a:solidFill>
-                <a:latin typeface="Consolas"/>
-              </a:rPr>
-              <a:t>();</a:t>
-            </a:r>
-          </a:p>
-          <a:p>
-            <a:pPr marL="0" indent="0">
-              <a:buNone/>
-            </a:pPr>
-            <a:r>
-              <a:rPr lang="en-US" dirty="0">
-                <a:solidFill>
-                  <a:srgbClr val="008000"/>
-                </a:solidFill>
-                <a:latin typeface="Consolas"/>
-              </a:rPr>
-              <a:t>    // </a:t>
-            </a:r>
-            <a:r>
-              <a:rPr lang="ru-RU" dirty="0">
-                <a:solidFill>
-                  <a:srgbClr val="008000"/>
-                </a:solidFill>
-                <a:latin typeface="Consolas"/>
-              </a:rPr>
-              <a:t>Выполняем десериализацию</a:t>
-            </a:r>
-            <a:endParaRPr lang="en-US" dirty="0">
-              <a:solidFill>
-                <a:srgbClr val="000000"/>
-              </a:solidFill>
-              <a:latin typeface="Consolas"/>
-            </a:endParaRPr>
-          </a:p>
-          <a:p>
-            <a:pPr marL="0" indent="0">
-              <a:buNone/>
-            </a:pPr>
-            <a:r>
-              <a:rPr lang="en-US" dirty="0">
-                <a:solidFill>
-                  <a:srgbClr val="0000FF"/>
-                </a:solidFill>
-                <a:latin typeface="Consolas"/>
-              </a:rPr>
-              <a:t>    using</a:t>
-            </a:r>
-            <a:r>
-              <a:rPr lang="en-US" dirty="0">
-                <a:solidFill>
-                  <a:srgbClr val="000000"/>
-                </a:solidFill>
-                <a:latin typeface="Consolas"/>
-              </a:rPr>
-              <a:t> (</a:t>
-            </a:r>
-            <a:r>
-              <a:rPr lang="en-US" dirty="0" err="1">
-                <a:solidFill>
-                  <a:srgbClr val="000000"/>
-                </a:solidFill>
-                <a:latin typeface="Consolas"/>
-              </a:rPr>
-              <a:t>FileStream</a:t>
-            </a:r>
-            <a:r>
-              <a:rPr lang="en-US" dirty="0">
-                <a:solidFill>
-                  <a:srgbClr val="000000"/>
-                </a:solidFill>
-                <a:latin typeface="Consolas"/>
-              </a:rPr>
-              <a:t> </a:t>
-            </a:r>
-            <a:r>
-              <a:rPr lang="en-US" dirty="0" err="1">
-                <a:solidFill>
-                  <a:srgbClr val="000000"/>
-                </a:solidFill>
-                <a:latin typeface="Consolas"/>
-              </a:rPr>
-              <a:t>fs</a:t>
-            </a:r>
-            <a:r>
-              <a:rPr lang="en-US" dirty="0">
-                <a:solidFill>
-                  <a:srgbClr val="000000"/>
-                </a:solidFill>
-                <a:latin typeface="Consolas"/>
-              </a:rPr>
-              <a:t> = </a:t>
-            </a:r>
-            <a:r>
-              <a:rPr lang="en-US" dirty="0" err="1">
-                <a:solidFill>
-                  <a:srgbClr val="000000"/>
-                </a:solidFill>
-                <a:latin typeface="Consolas"/>
-              </a:rPr>
-              <a:t>File.Open</a:t>
-            </a:r>
-            <a:r>
-              <a:rPr lang="en-US" dirty="0">
-                <a:solidFill>
-                  <a:srgbClr val="000000"/>
-                </a:solidFill>
-                <a:latin typeface="Consolas"/>
-              </a:rPr>
-              <a:t>(</a:t>
-            </a:r>
-            <a:r>
-              <a:rPr lang="en-US" dirty="0" err="1">
-                <a:solidFill>
-                  <a:srgbClr val="000000"/>
-                </a:solidFill>
-                <a:latin typeface="Consolas"/>
-              </a:rPr>
-              <a:t>tempFileName</a:t>
-            </a:r>
-            <a:r>
-              <a:rPr lang="en-US" dirty="0">
-                <a:solidFill>
-                  <a:srgbClr val="000000"/>
-                </a:solidFill>
-                <a:latin typeface="Consolas"/>
-              </a:rPr>
-              <a:t>, </a:t>
-            </a:r>
-            <a:r>
-              <a:rPr lang="en-US" dirty="0" err="1">
-                <a:solidFill>
-                  <a:srgbClr val="000000"/>
-                </a:solidFill>
-                <a:latin typeface="Consolas"/>
-              </a:rPr>
-              <a:t>FileMode.Open</a:t>
-            </a:r>
-            <a:r>
-              <a:rPr lang="en-US" dirty="0">
-                <a:solidFill>
-                  <a:srgbClr val="000000"/>
-                </a:solidFill>
-                <a:latin typeface="Consolas"/>
-              </a:rPr>
-              <a:t>))</a:t>
-            </a:r>
-          </a:p>
-          <a:p>
-            <a:pPr marL="0" indent="0">
-              <a:buNone/>
-            </a:pPr>
-            <a:r>
-              <a:rPr lang="en-US" dirty="0">
-                <a:solidFill>
-                  <a:srgbClr val="000000"/>
-                </a:solidFill>
-                <a:latin typeface="Consolas"/>
-              </a:rPr>
-              <a:t>    {</a:t>
-            </a:r>
-          </a:p>
-          <a:p>
-            <a:pPr marL="0" indent="0">
-              <a:buNone/>
-            </a:pPr>
-            <a:r>
-              <a:rPr lang="en-US" dirty="0">
-                <a:solidFill>
-                  <a:srgbClr val="000000"/>
-                </a:solidFill>
-                <a:latin typeface="Consolas"/>
-              </a:rPr>
-              <a:t>         Train </a:t>
-            </a:r>
-            <a:r>
-              <a:rPr lang="en-US" dirty="0" err="1">
-                <a:solidFill>
-                  <a:srgbClr val="000000"/>
-                </a:solidFill>
-                <a:latin typeface="Consolas"/>
-              </a:rPr>
-              <a:t>someTrain</a:t>
-            </a:r>
-            <a:r>
-              <a:rPr lang="en-US" dirty="0">
-                <a:solidFill>
-                  <a:srgbClr val="000000"/>
-                </a:solidFill>
-                <a:latin typeface="Consolas"/>
-              </a:rPr>
-              <a:t> = (Train)</a:t>
-            </a:r>
-            <a:r>
-              <a:rPr lang="en-US" dirty="0" err="1">
-                <a:solidFill>
-                  <a:srgbClr val="000000"/>
-                </a:solidFill>
-                <a:latin typeface="Consolas"/>
-              </a:rPr>
-              <a:t>xmlSerializer.Deserialize</a:t>
-            </a:r>
-            <a:r>
-              <a:rPr lang="en-US" dirty="0">
-                <a:solidFill>
-                  <a:srgbClr val="000000"/>
-                </a:solidFill>
-                <a:latin typeface="Consolas"/>
-              </a:rPr>
-              <a:t>(</a:t>
-            </a:r>
-            <a:r>
-              <a:rPr lang="en-US" dirty="0" err="1">
-                <a:solidFill>
-                  <a:srgbClr val="000000"/>
-                </a:solidFill>
-                <a:latin typeface="Consolas"/>
-              </a:rPr>
-              <a:t>fs</a:t>
-            </a:r>
-            <a:r>
-              <a:rPr lang="en-US" dirty="0">
-                <a:solidFill>
-                  <a:srgbClr val="000000"/>
-                </a:solidFill>
-                <a:latin typeface="Consolas"/>
-              </a:rPr>
-              <a:t>);</a:t>
-            </a:r>
-          </a:p>
-          <a:p>
-            <a:pPr marL="0" indent="0">
-              <a:buNone/>
-            </a:pPr>
-            <a:r>
-              <a:rPr lang="en-US" dirty="0">
-                <a:solidFill>
-                  <a:srgbClr val="000000"/>
-                </a:solidFill>
-                <a:latin typeface="Consolas"/>
-              </a:rPr>
-              <a:t>         </a:t>
-            </a:r>
-            <a:r>
-              <a:rPr lang="en-US" dirty="0" err="1">
-                <a:solidFill>
-                  <a:srgbClr val="000000"/>
-                </a:solidFill>
-                <a:latin typeface="Consolas"/>
-              </a:rPr>
-              <a:t>someTrain.Print</a:t>
-            </a:r>
-            <a:r>
-              <a:rPr lang="en-US" dirty="0">
-                <a:solidFill>
-                  <a:srgbClr val="000000"/>
-                </a:solidFill>
-                <a:latin typeface="Consolas"/>
-              </a:rPr>
-              <a:t>();</a:t>
-            </a:r>
-          </a:p>
-          <a:p>
-            <a:pPr marL="0" indent="0">
-              <a:buNone/>
-            </a:pPr>
-            <a:r>
-              <a:rPr lang="en-US" dirty="0">
-                <a:solidFill>
-                  <a:srgbClr val="000000"/>
-                </a:solidFill>
-                <a:latin typeface="Consolas"/>
-              </a:rPr>
-              <a:t>    }</a:t>
-            </a:r>
-          </a:p>
-          <a:p>
-            <a:pPr marL="0" indent="0">
-              <a:buNone/>
-            </a:pPr>
-            <a:endParaRPr lang="en-US" dirty="0">
-              <a:solidFill>
-                <a:srgbClr val="000000"/>
-              </a:solidFill>
-              <a:latin typeface="Consolas"/>
-            </a:endParaRPr>
-          </a:p>
-          <a:p>
-            <a:pPr marL="0" indent="0">
-              <a:buNone/>
-            </a:pPr>
-            <a:r>
-              <a:rPr lang="en-US" dirty="0">
-                <a:solidFill>
-                  <a:srgbClr val="000000"/>
-                </a:solidFill>
-                <a:latin typeface="Consolas"/>
-              </a:rPr>
-              <a:t>    </a:t>
-            </a:r>
-            <a:r>
-              <a:rPr lang="en-US" dirty="0" err="1">
-                <a:solidFill>
-                  <a:srgbClr val="000000"/>
-                </a:solidFill>
-                <a:latin typeface="Consolas"/>
-              </a:rPr>
-              <a:t>File.Delete</a:t>
-            </a:r>
-            <a:r>
-              <a:rPr lang="en-US" dirty="0">
-                <a:solidFill>
-                  <a:srgbClr val="000000"/>
-                </a:solidFill>
-                <a:latin typeface="Consolas"/>
-              </a:rPr>
-              <a:t>(</a:t>
-            </a:r>
-            <a:r>
-              <a:rPr lang="en-US" dirty="0" err="1">
-                <a:solidFill>
-                  <a:srgbClr val="000000"/>
-                </a:solidFill>
-                <a:latin typeface="Consolas"/>
-              </a:rPr>
-              <a:t>tempFileName</a:t>
-            </a:r>
-            <a:r>
-              <a:rPr lang="en-US" dirty="0">
-                <a:solidFill>
-                  <a:srgbClr val="000000"/>
-                </a:solidFill>
-                <a:latin typeface="Consolas"/>
-              </a:rPr>
-              <a:t>);</a:t>
-            </a:r>
-          </a:p>
-          <a:p>
-            <a:pPr marL="0" indent="0">
-              <a:buNone/>
-            </a:pPr>
-            <a:r>
-              <a:rPr lang="en-US" dirty="0">
-                <a:solidFill>
-                  <a:srgbClr val="000000"/>
-                </a:solidFill>
-                <a:latin typeface="Consolas"/>
-              </a:rPr>
-              <a:t>}</a:t>
-            </a:r>
-          </a:p>
-          <a:p>
-            <a:pPr marL="0" indent="0">
-              <a:buNone/>
-            </a:pPr>
-            <a:endParaRPr lang="en-US" dirty="0"/>
-          </a:p>
-          <a:p>
-            <a:pPr marL="0" indent="0">
-              <a:buNone/>
-            </a:pPr>
-            <a:endParaRPr lang="en-US" dirty="0"/>
-          </a:p>
-        </p:txBody>
-      </p:sp>
-    </p:spTree>
-    <p:extLst>
-      <p:ext uri="{BB962C8B-B14F-4D97-AF65-F5344CB8AC3E}">
-        <p14:creationId xmlns:p14="http://schemas.microsoft.com/office/powerpoint/2010/main" val="3792792696"/>
       </p:ext>
     </p:extLst>
   </p:cSld>
@@ -15371,6 +14086,2487 @@
         </p:nvSpPr>
         <p:spPr/>
         <p:txBody>
+          <a:bodyPr/>
+          <a:lstStyle/>
+          <a:p>
+            <a:r>
+              <a:rPr lang="en-US" dirty="0" smtClean="0"/>
+              <a:t>XML </a:t>
+            </a:r>
+            <a:r>
+              <a:rPr lang="ru-RU" dirty="0" smtClean="0"/>
+              <a:t>сериализация (</a:t>
+            </a:r>
+            <a:r>
+              <a:rPr lang="en-US" dirty="0" smtClean="0"/>
+              <a:t>serialization</a:t>
+            </a:r>
+            <a:r>
+              <a:rPr lang="ru-RU" dirty="0" smtClean="0"/>
+              <a:t>)</a:t>
+            </a:r>
+            <a:endParaRPr lang="ru-RU" dirty="0"/>
+          </a:p>
+        </p:txBody>
+      </p:sp>
+      <p:sp>
+        <p:nvSpPr>
+          <p:cNvPr id="3" name="Content Placeholder 2"/>
+          <p:cNvSpPr>
+            <a:spLocks noGrp="1"/>
+          </p:cNvSpPr>
+          <p:nvPr>
+            <p:ph idx="1"/>
+          </p:nvPr>
+        </p:nvSpPr>
+        <p:spPr/>
+        <p:txBody>
+          <a:bodyPr>
+            <a:normAutofit lnSpcReduction="10000"/>
+          </a:bodyPr>
+          <a:lstStyle/>
+          <a:p>
+            <a:r>
+              <a:rPr lang="ru-RU" dirty="0"/>
+              <a:t>Сериализация – сохранение данных об объекте </a:t>
+            </a:r>
+            <a:r>
+              <a:rPr lang="ru-RU" dirty="0" smtClean="0"/>
+              <a:t>в поток</a:t>
+            </a:r>
+            <a:endParaRPr lang="ru-RU" dirty="0"/>
+          </a:p>
+          <a:p>
+            <a:r>
+              <a:rPr lang="ru-RU" dirty="0" smtClean="0"/>
+              <a:t>Десериализация</a:t>
+            </a:r>
+            <a:r>
+              <a:rPr lang="en-US" dirty="0" smtClean="0"/>
+              <a:t> </a:t>
+            </a:r>
+            <a:r>
+              <a:rPr lang="ru-RU" dirty="0" smtClean="0"/>
+              <a:t>– </a:t>
+            </a:r>
+            <a:r>
+              <a:rPr lang="ru-RU" dirty="0"/>
+              <a:t>обратный процесс восстановления </a:t>
+            </a:r>
+            <a:r>
+              <a:rPr lang="ru-RU" dirty="0" smtClean="0"/>
+              <a:t>объекта</a:t>
+            </a:r>
+          </a:p>
+          <a:p>
+            <a:endParaRPr lang="en-US" dirty="0" smtClean="0"/>
+          </a:p>
+          <a:p>
+            <a:r>
+              <a:rPr lang="ru-RU" dirty="0" smtClean="0"/>
+              <a:t>Примеры использования:</a:t>
+            </a:r>
+          </a:p>
+          <a:p>
+            <a:pPr lvl="1"/>
+            <a:r>
+              <a:rPr lang="ru-RU" dirty="0" smtClean="0"/>
+              <a:t>Передача объекта между разными программи/машинами.</a:t>
+            </a:r>
+          </a:p>
+          <a:p>
+            <a:pPr lvl="1"/>
+            <a:r>
+              <a:rPr lang="ru-RU" dirty="0" smtClean="0"/>
+              <a:t>Файлы конфигурации</a:t>
+            </a:r>
+            <a:endParaRPr lang="ru-RU" dirty="0"/>
+          </a:p>
+        </p:txBody>
+      </p:sp>
+    </p:spTree>
+    <p:extLst>
+      <p:ext uri="{BB962C8B-B14F-4D97-AF65-F5344CB8AC3E}">
+        <p14:creationId xmlns:p14="http://schemas.microsoft.com/office/powerpoint/2010/main" val="4243754449"/>
+      </p:ext>
+    </p:extLst>
+  </p:cSld>
+  <p:clrMapOvr>
+    <a:masterClrMapping/>
+  </p:clrMapOvr>
+</p:sld>
+</file>
+
+<file path=ppt/slides/slide36.xml><?xml version="1.0" encoding="utf-8"?>
+<p:sld xmlns:a="http://schemas.openxmlformats.org/drawingml/2006/main" xmlns:r="http://schemas.openxmlformats.org/officeDocument/2006/relationships" xmlns:p="http://schemas.openxmlformats.org/presentationml/2006/main">
+  <p:cSld>
+    <p:spTree>
+      <p:nvGrpSpPr>
+        <p:cNvPr id="1" name=""/>
+        <p:cNvGrpSpPr/>
+        <p:nvPr/>
+      </p:nvGrpSpPr>
+      <p:grpSpPr>
+        <a:xfrm>
+          <a:off x="0" y="0"/>
+          <a:ext cx="0" cy="0"/>
+          <a:chOff x="0" y="0"/>
+          <a:chExt cx="0" cy="0"/>
+        </a:xfrm>
+      </p:grpSpPr>
+      <p:sp>
+        <p:nvSpPr>
+          <p:cNvPr id="2" name="Title 1"/>
+          <p:cNvSpPr>
+            <a:spLocks noGrp="1"/>
+          </p:cNvSpPr>
+          <p:nvPr>
+            <p:ph type="title"/>
+          </p:nvPr>
+        </p:nvSpPr>
+        <p:spPr>
+          <a:xfrm>
+            <a:off x="457200" y="-234280"/>
+            <a:ext cx="8229600" cy="1143000"/>
+          </a:xfrm>
+        </p:spPr>
+        <p:txBody>
+          <a:bodyPr/>
+          <a:lstStyle/>
+          <a:p>
+            <a:r>
+              <a:rPr lang="en-US" dirty="0"/>
+              <a:t>XML</a:t>
+            </a:r>
+            <a:r>
+              <a:rPr lang="ru-RU" dirty="0"/>
+              <a:t> </a:t>
+            </a:r>
+            <a:r>
+              <a:rPr lang="ru-RU" dirty="0" smtClean="0"/>
+              <a:t>Сериализация</a:t>
+            </a:r>
+            <a:r>
+              <a:rPr lang="en-US" dirty="0" smtClean="0"/>
+              <a:t>. </a:t>
+            </a:r>
+            <a:r>
+              <a:rPr lang="ru-RU" dirty="0" smtClean="0"/>
+              <a:t>Пример.</a:t>
+            </a:r>
+            <a:endParaRPr lang="en-US" dirty="0"/>
+          </a:p>
+        </p:txBody>
+      </p:sp>
+      <p:sp>
+        <p:nvSpPr>
+          <p:cNvPr id="3" name="Content Placeholder 2"/>
+          <p:cNvSpPr>
+            <a:spLocks noGrp="1"/>
+          </p:cNvSpPr>
+          <p:nvPr>
+            <p:ph idx="1"/>
+          </p:nvPr>
+        </p:nvSpPr>
+        <p:spPr>
+          <a:xfrm>
+            <a:off x="446856" y="620688"/>
+            <a:ext cx="8229600" cy="6048672"/>
+          </a:xfrm>
+          <a:solidFill>
+            <a:schemeClr val="bg1"/>
+          </a:solidFill>
+        </p:spPr>
+        <p:txBody>
+          <a:bodyPr>
+            <a:normAutofit fontScale="25000" lnSpcReduction="20000"/>
+          </a:bodyPr>
+          <a:lstStyle/>
+          <a:p>
+            <a:pPr marL="0" indent="0">
+              <a:buNone/>
+            </a:pPr>
+            <a:r>
+              <a:rPr lang="en-US" dirty="0">
+                <a:solidFill>
+                  <a:srgbClr val="0000FF"/>
+                </a:solidFill>
+                <a:latin typeface="Consolas"/>
+              </a:rPr>
+              <a:t>using</a:t>
+            </a:r>
+            <a:r>
+              <a:rPr lang="en-US" dirty="0">
+                <a:solidFill>
+                  <a:srgbClr val="000000"/>
+                </a:solidFill>
+                <a:latin typeface="Consolas"/>
+              </a:rPr>
+              <a:t> System.IO;</a:t>
+            </a:r>
+          </a:p>
+          <a:p>
+            <a:pPr marL="0" indent="0">
+              <a:buNone/>
+            </a:pPr>
+            <a:r>
+              <a:rPr lang="en-US" dirty="0">
+                <a:solidFill>
+                  <a:srgbClr val="0000FF"/>
+                </a:solidFill>
+                <a:latin typeface="Consolas"/>
+              </a:rPr>
+              <a:t>using</a:t>
+            </a:r>
+            <a:r>
+              <a:rPr lang="en-US" dirty="0">
+                <a:solidFill>
+                  <a:srgbClr val="000000"/>
+                </a:solidFill>
+                <a:latin typeface="Consolas"/>
+              </a:rPr>
+              <a:t> </a:t>
+            </a:r>
+            <a:r>
+              <a:rPr lang="en-US" dirty="0" err="1">
+                <a:solidFill>
+                  <a:srgbClr val="000000"/>
+                </a:solidFill>
+                <a:latin typeface="Consolas"/>
+              </a:rPr>
+              <a:t>System.Xml.Serialization</a:t>
+            </a:r>
+            <a:r>
+              <a:rPr lang="en-US" dirty="0">
+                <a:solidFill>
+                  <a:srgbClr val="000000"/>
+                </a:solidFill>
+                <a:latin typeface="Consolas"/>
+              </a:rPr>
+              <a:t>;</a:t>
+            </a:r>
+            <a:endParaRPr lang="ru-RU" dirty="0">
+              <a:solidFill>
+                <a:srgbClr val="000000"/>
+              </a:solidFill>
+              <a:latin typeface="Consolas"/>
+            </a:endParaRPr>
+          </a:p>
+          <a:p>
+            <a:pPr marL="0" indent="0">
+              <a:buNone/>
+            </a:pPr>
+            <a:endParaRPr lang="ru-RU" dirty="0">
+              <a:solidFill>
+                <a:srgbClr val="000000"/>
+              </a:solidFill>
+              <a:latin typeface="Consolas"/>
+            </a:endParaRPr>
+          </a:p>
+          <a:p>
+            <a:pPr marL="0" indent="0">
+              <a:buNone/>
+            </a:pPr>
+            <a:r>
+              <a:rPr lang="en-US" dirty="0">
+                <a:solidFill>
+                  <a:srgbClr val="0000FF"/>
+                </a:solidFill>
+                <a:latin typeface="Consolas"/>
+              </a:rPr>
+              <a:t>public</a:t>
+            </a:r>
+            <a:r>
+              <a:rPr lang="en-US" dirty="0">
+                <a:solidFill>
+                  <a:srgbClr val="000000"/>
+                </a:solidFill>
+                <a:latin typeface="Consolas"/>
+              </a:rPr>
+              <a:t> </a:t>
+            </a:r>
+            <a:r>
+              <a:rPr lang="en-US" dirty="0">
+                <a:solidFill>
+                  <a:srgbClr val="0000FF"/>
+                </a:solidFill>
+                <a:latin typeface="Consolas"/>
+              </a:rPr>
+              <a:t>class</a:t>
+            </a:r>
+            <a:r>
+              <a:rPr lang="en-US" dirty="0">
+                <a:solidFill>
+                  <a:srgbClr val="000000"/>
+                </a:solidFill>
+                <a:latin typeface="Consolas"/>
+              </a:rPr>
+              <a:t> Train</a:t>
+            </a:r>
+          </a:p>
+          <a:p>
+            <a:pPr marL="0" indent="0">
+              <a:buNone/>
+            </a:pPr>
+            <a:r>
+              <a:rPr lang="en-US" dirty="0">
+                <a:solidFill>
+                  <a:srgbClr val="000000"/>
+                </a:solidFill>
+                <a:latin typeface="Consolas"/>
+              </a:rPr>
+              <a:t>{</a:t>
+            </a:r>
+          </a:p>
+          <a:p>
+            <a:pPr marL="0" indent="0">
+              <a:buNone/>
+            </a:pPr>
+            <a:r>
+              <a:rPr lang="en-US" dirty="0">
+                <a:solidFill>
+                  <a:srgbClr val="000000"/>
+                </a:solidFill>
+                <a:latin typeface="Consolas"/>
+              </a:rPr>
+              <a:t>  [</a:t>
+            </a:r>
+            <a:r>
+              <a:rPr lang="en-US" dirty="0" err="1">
+                <a:solidFill>
+                  <a:srgbClr val="000000"/>
+                </a:solidFill>
+                <a:latin typeface="Consolas"/>
+              </a:rPr>
+              <a:t>XmlIgnore</a:t>
+            </a:r>
+            <a:r>
+              <a:rPr lang="en-US" dirty="0">
+                <a:solidFill>
+                  <a:srgbClr val="000000"/>
+                </a:solidFill>
+                <a:latin typeface="Consolas"/>
+              </a:rPr>
+              <a:t>]</a:t>
+            </a:r>
+          </a:p>
+          <a:p>
+            <a:pPr marL="0" indent="0">
+              <a:buNone/>
+            </a:pPr>
+            <a:r>
+              <a:rPr lang="en-US" dirty="0">
+                <a:solidFill>
+                  <a:srgbClr val="000000"/>
+                </a:solidFill>
+                <a:latin typeface="Consolas"/>
+              </a:rPr>
+              <a:t>  </a:t>
+            </a:r>
+            <a:r>
+              <a:rPr lang="en-US" dirty="0">
+                <a:solidFill>
+                  <a:srgbClr val="0000FF"/>
+                </a:solidFill>
+                <a:latin typeface="Consolas"/>
+              </a:rPr>
+              <a:t>public</a:t>
+            </a:r>
+            <a:r>
+              <a:rPr lang="en-US" dirty="0">
+                <a:solidFill>
+                  <a:srgbClr val="000000"/>
+                </a:solidFill>
+                <a:latin typeface="Consolas"/>
+              </a:rPr>
+              <a:t> </a:t>
+            </a:r>
+            <a:r>
+              <a:rPr lang="en-US" dirty="0">
+                <a:solidFill>
+                  <a:srgbClr val="0000FF"/>
+                </a:solidFill>
+                <a:latin typeface="Consolas"/>
+              </a:rPr>
+              <a:t>double</a:t>
+            </a:r>
+            <a:r>
+              <a:rPr lang="en-US" dirty="0">
+                <a:solidFill>
+                  <a:srgbClr val="000000"/>
+                </a:solidFill>
+                <a:latin typeface="Consolas"/>
+              </a:rPr>
+              <a:t> Speed { </a:t>
+            </a:r>
+            <a:r>
+              <a:rPr lang="en-US" dirty="0">
+                <a:solidFill>
+                  <a:srgbClr val="0000FF"/>
+                </a:solidFill>
+                <a:latin typeface="Consolas"/>
+              </a:rPr>
+              <a:t>get</a:t>
+            </a:r>
+            <a:r>
+              <a:rPr lang="en-US" dirty="0">
+                <a:solidFill>
+                  <a:srgbClr val="000000"/>
+                </a:solidFill>
+                <a:latin typeface="Consolas"/>
+              </a:rPr>
+              <a:t>; </a:t>
+            </a:r>
+            <a:r>
+              <a:rPr lang="en-US" dirty="0">
+                <a:solidFill>
+                  <a:srgbClr val="0000FF"/>
+                </a:solidFill>
+                <a:latin typeface="Consolas"/>
+              </a:rPr>
+              <a:t>set</a:t>
+            </a:r>
+            <a:r>
+              <a:rPr lang="en-US" dirty="0">
+                <a:solidFill>
+                  <a:srgbClr val="000000"/>
+                </a:solidFill>
+                <a:latin typeface="Consolas"/>
+              </a:rPr>
+              <a:t>; }</a:t>
+            </a:r>
+          </a:p>
+          <a:p>
+            <a:pPr marL="0" indent="0">
+              <a:buNone/>
+            </a:pPr>
+            <a:r>
+              <a:rPr lang="en-US" dirty="0">
+                <a:solidFill>
+                  <a:srgbClr val="000000"/>
+                </a:solidFill>
+                <a:latin typeface="Consolas"/>
+              </a:rPr>
+              <a:t>  </a:t>
+            </a:r>
+            <a:r>
+              <a:rPr lang="en-US" dirty="0">
+                <a:solidFill>
+                  <a:srgbClr val="0000FF"/>
+                </a:solidFill>
+                <a:latin typeface="Consolas"/>
+              </a:rPr>
+              <a:t>public</a:t>
+            </a:r>
+            <a:r>
+              <a:rPr lang="en-US" dirty="0">
+                <a:solidFill>
+                  <a:srgbClr val="000000"/>
+                </a:solidFill>
+                <a:latin typeface="Consolas"/>
+              </a:rPr>
+              <a:t> </a:t>
+            </a:r>
+            <a:r>
+              <a:rPr lang="en-US" dirty="0" err="1">
+                <a:solidFill>
+                  <a:srgbClr val="0000FF"/>
+                </a:solidFill>
+                <a:latin typeface="Consolas"/>
+              </a:rPr>
+              <a:t>int</a:t>
+            </a:r>
+            <a:r>
+              <a:rPr lang="en-US" dirty="0">
+                <a:solidFill>
+                  <a:srgbClr val="000000"/>
+                </a:solidFill>
+                <a:latin typeface="Consolas"/>
+              </a:rPr>
+              <a:t> Length { </a:t>
+            </a:r>
+            <a:r>
+              <a:rPr lang="en-US" dirty="0">
+                <a:solidFill>
+                  <a:srgbClr val="0000FF"/>
+                </a:solidFill>
+                <a:latin typeface="Consolas"/>
+              </a:rPr>
+              <a:t>get</a:t>
+            </a:r>
+            <a:r>
+              <a:rPr lang="en-US" dirty="0">
+                <a:solidFill>
+                  <a:srgbClr val="000000"/>
+                </a:solidFill>
+                <a:latin typeface="Consolas"/>
+              </a:rPr>
+              <a:t>; </a:t>
+            </a:r>
+            <a:r>
+              <a:rPr lang="en-US" dirty="0">
+                <a:solidFill>
+                  <a:srgbClr val="0000FF"/>
+                </a:solidFill>
+                <a:latin typeface="Consolas"/>
+              </a:rPr>
+              <a:t>set</a:t>
+            </a:r>
+            <a:r>
+              <a:rPr lang="en-US" dirty="0">
+                <a:solidFill>
+                  <a:srgbClr val="000000"/>
+                </a:solidFill>
+                <a:latin typeface="Consolas"/>
+              </a:rPr>
+              <a:t>; }</a:t>
+            </a:r>
+          </a:p>
+          <a:p>
+            <a:pPr marL="0" indent="0">
+              <a:buNone/>
+            </a:pPr>
+            <a:r>
+              <a:rPr lang="en-US" dirty="0">
+                <a:solidFill>
+                  <a:srgbClr val="000000"/>
+                </a:solidFill>
+                <a:latin typeface="Consolas"/>
+              </a:rPr>
+              <a:t>  </a:t>
+            </a:r>
+            <a:r>
+              <a:rPr lang="en-US" dirty="0">
+                <a:solidFill>
+                  <a:srgbClr val="0000FF"/>
+                </a:solidFill>
+                <a:latin typeface="Consolas"/>
+              </a:rPr>
+              <a:t>public</a:t>
+            </a:r>
+            <a:r>
+              <a:rPr lang="en-US" dirty="0">
+                <a:solidFill>
+                  <a:srgbClr val="000000"/>
+                </a:solidFill>
+                <a:latin typeface="Consolas"/>
+              </a:rPr>
+              <a:t> </a:t>
+            </a:r>
+            <a:r>
+              <a:rPr lang="en-US" dirty="0">
+                <a:solidFill>
+                  <a:srgbClr val="0000FF"/>
+                </a:solidFill>
+                <a:latin typeface="Consolas"/>
+              </a:rPr>
+              <a:t>string</a:t>
+            </a:r>
+            <a:r>
+              <a:rPr lang="en-US" dirty="0">
+                <a:solidFill>
+                  <a:srgbClr val="000000"/>
+                </a:solidFill>
+                <a:latin typeface="Consolas"/>
+              </a:rPr>
+              <a:t>[] </a:t>
+            </a:r>
+            <a:r>
+              <a:rPr lang="en-US" dirty="0" err="1">
+                <a:solidFill>
+                  <a:srgbClr val="000000"/>
+                </a:solidFill>
+                <a:latin typeface="Consolas"/>
+              </a:rPr>
+              <a:t>Travellers</a:t>
+            </a:r>
+            <a:r>
+              <a:rPr lang="en-US" dirty="0">
+                <a:solidFill>
+                  <a:srgbClr val="000000"/>
+                </a:solidFill>
+                <a:latin typeface="Consolas"/>
+              </a:rPr>
+              <a:t> { </a:t>
+            </a:r>
+            <a:r>
+              <a:rPr lang="en-US" dirty="0">
+                <a:solidFill>
+                  <a:srgbClr val="0000FF"/>
+                </a:solidFill>
+                <a:latin typeface="Consolas"/>
+              </a:rPr>
+              <a:t>get</a:t>
+            </a:r>
+            <a:r>
+              <a:rPr lang="en-US" dirty="0">
+                <a:solidFill>
+                  <a:srgbClr val="000000"/>
+                </a:solidFill>
+                <a:latin typeface="Consolas"/>
+              </a:rPr>
+              <a:t>; </a:t>
+            </a:r>
+            <a:r>
+              <a:rPr lang="en-US" dirty="0">
+                <a:solidFill>
+                  <a:srgbClr val="0000FF"/>
+                </a:solidFill>
+                <a:latin typeface="Consolas"/>
+              </a:rPr>
+              <a:t>set</a:t>
+            </a:r>
+            <a:r>
+              <a:rPr lang="en-US" dirty="0">
+                <a:solidFill>
+                  <a:srgbClr val="000000"/>
+                </a:solidFill>
+                <a:latin typeface="Consolas"/>
+              </a:rPr>
+              <a:t>; }</a:t>
+            </a:r>
+          </a:p>
+          <a:p>
+            <a:pPr marL="0" indent="0">
+              <a:buNone/>
+            </a:pPr>
+            <a:r>
+              <a:rPr lang="en-US" dirty="0">
+                <a:solidFill>
+                  <a:srgbClr val="000000"/>
+                </a:solidFill>
+                <a:latin typeface="Consolas"/>
+              </a:rPr>
+              <a:t>  </a:t>
+            </a:r>
+          </a:p>
+          <a:p>
+            <a:pPr marL="0" indent="0">
+              <a:buNone/>
+            </a:pPr>
+            <a:r>
+              <a:rPr lang="en-US" dirty="0">
+                <a:solidFill>
+                  <a:srgbClr val="000000"/>
+                </a:solidFill>
+                <a:latin typeface="Consolas"/>
+              </a:rPr>
+              <a:t>  </a:t>
+            </a:r>
+            <a:r>
+              <a:rPr lang="en-US" dirty="0">
+                <a:solidFill>
+                  <a:srgbClr val="0000FF"/>
+                </a:solidFill>
+                <a:latin typeface="Consolas"/>
+              </a:rPr>
+              <a:t>public</a:t>
+            </a:r>
+            <a:r>
+              <a:rPr lang="en-US" dirty="0">
+                <a:solidFill>
+                  <a:srgbClr val="000000"/>
+                </a:solidFill>
+                <a:latin typeface="Consolas"/>
+              </a:rPr>
+              <a:t> Train() {} </a:t>
+            </a:r>
+            <a:r>
+              <a:rPr lang="en-US" dirty="0">
+                <a:solidFill>
+                  <a:srgbClr val="008000"/>
+                </a:solidFill>
+                <a:latin typeface="Consolas"/>
+              </a:rPr>
+              <a:t>//</a:t>
+            </a:r>
+            <a:r>
+              <a:rPr lang="ru-RU" dirty="0">
+                <a:solidFill>
+                  <a:srgbClr val="008000"/>
+                </a:solidFill>
+                <a:latin typeface="Consolas"/>
+              </a:rPr>
+              <a:t> Для XML сериализации требуется наличие конструктора без аргументов</a:t>
+            </a:r>
+            <a:endParaRPr lang="en-US" dirty="0">
+              <a:solidFill>
+                <a:srgbClr val="000000"/>
+              </a:solidFill>
+              <a:latin typeface="Consolas"/>
+            </a:endParaRPr>
+          </a:p>
+          <a:p>
+            <a:pPr marL="0" indent="0">
+              <a:buNone/>
+            </a:pPr>
+            <a:r>
+              <a:rPr lang="en-US" dirty="0">
+                <a:solidFill>
+                  <a:srgbClr val="000000"/>
+                </a:solidFill>
+                <a:latin typeface="Consolas"/>
+              </a:rPr>
+              <a:t>  </a:t>
+            </a:r>
+            <a:r>
+              <a:rPr lang="en-US" dirty="0">
+                <a:solidFill>
+                  <a:srgbClr val="0000FF"/>
+                </a:solidFill>
+                <a:latin typeface="Consolas"/>
+              </a:rPr>
+              <a:t>public</a:t>
+            </a:r>
+            <a:r>
+              <a:rPr lang="en-US" dirty="0">
+                <a:solidFill>
+                  <a:srgbClr val="000000"/>
+                </a:solidFill>
+                <a:latin typeface="Consolas"/>
+              </a:rPr>
+              <a:t> Train(</a:t>
+            </a:r>
+            <a:r>
+              <a:rPr lang="en-US" dirty="0">
+                <a:solidFill>
+                  <a:srgbClr val="0000FF"/>
+                </a:solidFill>
+                <a:latin typeface="Consolas"/>
+              </a:rPr>
+              <a:t>double</a:t>
+            </a:r>
+            <a:r>
+              <a:rPr lang="en-US" dirty="0">
+                <a:solidFill>
+                  <a:srgbClr val="000000"/>
+                </a:solidFill>
+                <a:latin typeface="Consolas"/>
+              </a:rPr>
+              <a:t> speed, </a:t>
+            </a:r>
+            <a:r>
+              <a:rPr lang="en-US" dirty="0" err="1">
+                <a:solidFill>
+                  <a:srgbClr val="0000FF"/>
+                </a:solidFill>
+                <a:latin typeface="Consolas"/>
+              </a:rPr>
+              <a:t>int</a:t>
+            </a:r>
+            <a:r>
+              <a:rPr lang="en-US" dirty="0">
+                <a:solidFill>
+                  <a:srgbClr val="000000"/>
+                </a:solidFill>
+                <a:latin typeface="Consolas"/>
+              </a:rPr>
+              <a:t> length, </a:t>
+            </a:r>
+            <a:r>
+              <a:rPr lang="en-US" dirty="0" err="1">
+                <a:solidFill>
+                  <a:srgbClr val="0000FF"/>
+                </a:solidFill>
+                <a:latin typeface="Consolas"/>
+              </a:rPr>
+              <a:t>params</a:t>
+            </a:r>
+            <a:r>
+              <a:rPr lang="en-US" dirty="0">
+                <a:solidFill>
+                  <a:srgbClr val="000000"/>
+                </a:solidFill>
+                <a:latin typeface="Consolas"/>
+              </a:rPr>
+              <a:t> </a:t>
+            </a:r>
+            <a:r>
+              <a:rPr lang="en-US" dirty="0">
+                <a:solidFill>
+                  <a:srgbClr val="0000FF"/>
+                </a:solidFill>
+                <a:latin typeface="Consolas"/>
+              </a:rPr>
+              <a:t>string</a:t>
+            </a:r>
+            <a:r>
+              <a:rPr lang="en-US" dirty="0">
+                <a:solidFill>
+                  <a:srgbClr val="000000"/>
+                </a:solidFill>
+                <a:latin typeface="Consolas"/>
+              </a:rPr>
+              <a:t>[] </a:t>
+            </a:r>
+            <a:r>
+              <a:rPr lang="en-US" dirty="0" err="1">
+                <a:solidFill>
+                  <a:srgbClr val="000000"/>
+                </a:solidFill>
+                <a:latin typeface="Consolas"/>
+              </a:rPr>
+              <a:t>travellers</a:t>
+            </a:r>
+            <a:r>
+              <a:rPr lang="en-US" dirty="0">
+                <a:solidFill>
+                  <a:srgbClr val="000000"/>
+                </a:solidFill>
+                <a:latin typeface="Consolas"/>
+              </a:rPr>
+              <a:t>)</a:t>
+            </a:r>
+          </a:p>
+          <a:p>
+            <a:pPr marL="0" indent="0">
+              <a:buNone/>
+            </a:pPr>
+            <a:r>
+              <a:rPr lang="en-US" dirty="0">
+                <a:solidFill>
+                  <a:srgbClr val="000000"/>
+                </a:solidFill>
+                <a:latin typeface="Consolas"/>
+              </a:rPr>
+              <a:t>  {</a:t>
+            </a:r>
+          </a:p>
+          <a:p>
+            <a:pPr marL="0" indent="0">
+              <a:buNone/>
+            </a:pPr>
+            <a:r>
+              <a:rPr lang="en-US" dirty="0">
+                <a:solidFill>
+                  <a:srgbClr val="000000"/>
+                </a:solidFill>
+                <a:latin typeface="Consolas"/>
+              </a:rPr>
+              <a:t>      Speed = speed;</a:t>
+            </a:r>
+          </a:p>
+          <a:p>
+            <a:pPr marL="0" indent="0">
+              <a:buNone/>
+            </a:pPr>
+            <a:r>
+              <a:rPr lang="en-US" dirty="0">
+                <a:solidFill>
+                  <a:srgbClr val="000000"/>
+                </a:solidFill>
+                <a:latin typeface="Consolas"/>
+              </a:rPr>
+              <a:t>      Length = length;</a:t>
+            </a:r>
+          </a:p>
+          <a:p>
+            <a:pPr marL="0" indent="0">
+              <a:buNone/>
+            </a:pPr>
+            <a:r>
+              <a:rPr lang="en-US" dirty="0">
+                <a:solidFill>
+                  <a:srgbClr val="000000"/>
+                </a:solidFill>
+                <a:latin typeface="Consolas"/>
+              </a:rPr>
+              <a:t>      </a:t>
+            </a:r>
+            <a:r>
+              <a:rPr lang="en-US" dirty="0" err="1">
+                <a:solidFill>
+                  <a:srgbClr val="000000"/>
+                </a:solidFill>
+                <a:latin typeface="Consolas"/>
+              </a:rPr>
+              <a:t>Travellers</a:t>
+            </a:r>
+            <a:r>
+              <a:rPr lang="en-US" dirty="0">
+                <a:solidFill>
+                  <a:srgbClr val="000000"/>
+                </a:solidFill>
+                <a:latin typeface="Consolas"/>
+              </a:rPr>
+              <a:t> = </a:t>
+            </a:r>
+            <a:r>
+              <a:rPr lang="en-US" dirty="0" err="1">
+                <a:solidFill>
+                  <a:srgbClr val="000000"/>
+                </a:solidFill>
+                <a:latin typeface="Consolas"/>
+              </a:rPr>
+              <a:t>travellers</a:t>
+            </a:r>
+            <a:r>
+              <a:rPr lang="en-US" dirty="0">
+                <a:solidFill>
+                  <a:srgbClr val="000000"/>
+                </a:solidFill>
+                <a:latin typeface="Consolas"/>
+              </a:rPr>
+              <a:t>;</a:t>
+            </a:r>
+          </a:p>
+          <a:p>
+            <a:pPr marL="0" indent="0">
+              <a:buNone/>
+            </a:pPr>
+            <a:r>
+              <a:rPr lang="en-US" dirty="0">
+                <a:solidFill>
+                  <a:srgbClr val="000000"/>
+                </a:solidFill>
+                <a:latin typeface="Consolas"/>
+              </a:rPr>
+              <a:t>  }</a:t>
+            </a:r>
+          </a:p>
+          <a:p>
+            <a:pPr marL="0" indent="0">
+              <a:buNone/>
+            </a:pPr>
+            <a:r>
+              <a:rPr lang="en-US" dirty="0">
+                <a:solidFill>
+                  <a:srgbClr val="000000"/>
+                </a:solidFill>
+                <a:latin typeface="Consolas"/>
+              </a:rPr>
+              <a:t>  </a:t>
+            </a:r>
+          </a:p>
+          <a:p>
+            <a:pPr marL="0" indent="0">
+              <a:buNone/>
+            </a:pPr>
+            <a:r>
+              <a:rPr lang="en-US" dirty="0">
+                <a:solidFill>
+                  <a:srgbClr val="000000"/>
+                </a:solidFill>
+                <a:latin typeface="Consolas"/>
+              </a:rPr>
+              <a:t>  </a:t>
+            </a:r>
+            <a:r>
+              <a:rPr lang="en-US" dirty="0">
+                <a:solidFill>
+                  <a:srgbClr val="0000FF"/>
+                </a:solidFill>
+                <a:latin typeface="Consolas"/>
+              </a:rPr>
+              <a:t>public</a:t>
+            </a:r>
+            <a:r>
+              <a:rPr lang="en-US" dirty="0">
+                <a:solidFill>
+                  <a:srgbClr val="000000"/>
+                </a:solidFill>
+                <a:latin typeface="Consolas"/>
+              </a:rPr>
+              <a:t> </a:t>
+            </a:r>
+            <a:r>
+              <a:rPr lang="en-US" dirty="0">
+                <a:solidFill>
+                  <a:srgbClr val="0000FF"/>
+                </a:solidFill>
+                <a:latin typeface="Consolas"/>
+              </a:rPr>
+              <a:t>void</a:t>
+            </a:r>
+            <a:r>
+              <a:rPr lang="en-US" dirty="0">
+                <a:solidFill>
+                  <a:srgbClr val="000000"/>
+                </a:solidFill>
+                <a:latin typeface="Consolas"/>
+              </a:rPr>
+              <a:t> Print()</a:t>
+            </a:r>
+          </a:p>
+          <a:p>
+            <a:pPr marL="0" indent="0">
+              <a:buNone/>
+            </a:pPr>
+            <a:r>
+              <a:rPr lang="en-US" dirty="0">
+                <a:solidFill>
+                  <a:srgbClr val="000000"/>
+                </a:solidFill>
+                <a:latin typeface="Consolas"/>
+              </a:rPr>
+              <a:t>  {</a:t>
+            </a:r>
+          </a:p>
+          <a:p>
+            <a:pPr marL="0" indent="0">
+              <a:buNone/>
+            </a:pPr>
+            <a:r>
+              <a:rPr lang="en-US" dirty="0">
+                <a:solidFill>
+                  <a:srgbClr val="000000"/>
+                </a:solidFill>
+                <a:latin typeface="Consolas"/>
+              </a:rPr>
+              <a:t>      </a:t>
+            </a:r>
+            <a:r>
+              <a:rPr lang="en-US" dirty="0" err="1">
+                <a:solidFill>
+                  <a:srgbClr val="000000"/>
+                </a:solidFill>
+                <a:latin typeface="Consolas"/>
+              </a:rPr>
+              <a:t>Console.WriteLine</a:t>
+            </a:r>
+            <a:r>
+              <a:rPr lang="en-US" dirty="0">
+                <a:solidFill>
+                  <a:srgbClr val="000000"/>
+                </a:solidFill>
+                <a:latin typeface="Consolas"/>
+              </a:rPr>
+              <a:t>(</a:t>
+            </a:r>
+            <a:r>
+              <a:rPr lang="en-US" dirty="0">
+                <a:solidFill>
+                  <a:srgbClr val="DC1414"/>
+                </a:solidFill>
+                <a:latin typeface="Consolas"/>
+              </a:rPr>
+              <a:t>"Speed: {0}"</a:t>
+            </a:r>
+            <a:r>
+              <a:rPr lang="en-US" dirty="0">
+                <a:solidFill>
+                  <a:srgbClr val="000000"/>
+                </a:solidFill>
+                <a:latin typeface="Consolas"/>
+              </a:rPr>
+              <a:t>, Speed);</a:t>
+            </a:r>
+          </a:p>
+          <a:p>
+            <a:pPr marL="0" indent="0">
+              <a:buNone/>
+            </a:pPr>
+            <a:r>
+              <a:rPr lang="en-US" dirty="0">
+                <a:solidFill>
+                  <a:srgbClr val="000000"/>
+                </a:solidFill>
+                <a:latin typeface="Consolas"/>
+              </a:rPr>
+              <a:t>      </a:t>
+            </a:r>
+            <a:r>
+              <a:rPr lang="en-US" dirty="0" err="1">
+                <a:solidFill>
+                  <a:srgbClr val="000000"/>
+                </a:solidFill>
+                <a:latin typeface="Consolas"/>
+              </a:rPr>
+              <a:t>Console.WriteLine</a:t>
+            </a:r>
+            <a:r>
+              <a:rPr lang="en-US" dirty="0">
+                <a:solidFill>
+                  <a:srgbClr val="000000"/>
+                </a:solidFill>
+                <a:latin typeface="Consolas"/>
+              </a:rPr>
+              <a:t>(</a:t>
+            </a:r>
+            <a:r>
+              <a:rPr lang="en-US" dirty="0">
+                <a:solidFill>
+                  <a:srgbClr val="DC1414"/>
+                </a:solidFill>
+                <a:latin typeface="Consolas"/>
+              </a:rPr>
+              <a:t>"Length : {0}"</a:t>
+            </a:r>
+            <a:r>
+              <a:rPr lang="en-US" dirty="0">
+                <a:solidFill>
+                  <a:srgbClr val="000000"/>
+                </a:solidFill>
+                <a:latin typeface="Consolas"/>
+              </a:rPr>
+              <a:t>, Length);</a:t>
+            </a:r>
+          </a:p>
+          <a:p>
+            <a:pPr marL="0" indent="0">
+              <a:buNone/>
+            </a:pPr>
+            <a:r>
+              <a:rPr lang="fr-FR" dirty="0">
+                <a:solidFill>
+                  <a:srgbClr val="000000"/>
+                </a:solidFill>
+                <a:latin typeface="Consolas"/>
+              </a:rPr>
+              <a:t>      </a:t>
+            </a:r>
+            <a:r>
+              <a:rPr lang="fr-FR" dirty="0" err="1">
+                <a:solidFill>
+                  <a:srgbClr val="000000"/>
+                </a:solidFill>
+                <a:latin typeface="Consolas"/>
+              </a:rPr>
+              <a:t>Console.WriteLine</a:t>
+            </a:r>
+            <a:r>
+              <a:rPr lang="fr-FR" dirty="0">
+                <a:solidFill>
+                  <a:srgbClr val="000000"/>
+                </a:solidFill>
+                <a:latin typeface="Consolas"/>
+              </a:rPr>
+              <a:t>(</a:t>
+            </a:r>
+            <a:r>
+              <a:rPr lang="fr-FR" dirty="0">
+                <a:solidFill>
+                  <a:srgbClr val="DC1414"/>
+                </a:solidFill>
+                <a:latin typeface="Consolas"/>
+              </a:rPr>
+              <a:t>"</a:t>
+            </a:r>
+            <a:r>
+              <a:rPr lang="fr-FR" dirty="0" err="1">
+                <a:solidFill>
+                  <a:srgbClr val="DC1414"/>
+                </a:solidFill>
+                <a:latin typeface="Consolas"/>
+              </a:rPr>
+              <a:t>Travellers</a:t>
+            </a:r>
+            <a:r>
+              <a:rPr lang="fr-FR" dirty="0">
+                <a:solidFill>
+                  <a:srgbClr val="DC1414"/>
+                </a:solidFill>
+                <a:latin typeface="Consolas"/>
+              </a:rPr>
+              <a:t>: {0}"</a:t>
+            </a:r>
+            <a:r>
+              <a:rPr lang="fr-FR" dirty="0">
+                <a:solidFill>
+                  <a:srgbClr val="000000"/>
+                </a:solidFill>
+                <a:latin typeface="Consolas"/>
+              </a:rPr>
+              <a:t>, </a:t>
+            </a:r>
+            <a:r>
+              <a:rPr lang="fr-FR" dirty="0" err="1">
+                <a:solidFill>
+                  <a:srgbClr val="000000"/>
+                </a:solidFill>
+                <a:latin typeface="Consolas"/>
+              </a:rPr>
+              <a:t>String.Join</a:t>
+            </a:r>
+            <a:r>
+              <a:rPr lang="fr-FR" dirty="0">
+                <a:solidFill>
+                  <a:srgbClr val="000000"/>
+                </a:solidFill>
+                <a:latin typeface="Consolas"/>
+              </a:rPr>
+              <a:t>(</a:t>
+            </a:r>
+            <a:r>
+              <a:rPr lang="fr-FR" dirty="0">
+                <a:solidFill>
+                  <a:srgbClr val="DC1414"/>
+                </a:solidFill>
+                <a:latin typeface="Consolas"/>
+              </a:rPr>
+              <a:t>"; "</a:t>
+            </a:r>
+            <a:r>
+              <a:rPr lang="fr-FR" dirty="0">
+                <a:solidFill>
+                  <a:srgbClr val="000000"/>
+                </a:solidFill>
+                <a:latin typeface="Consolas"/>
+              </a:rPr>
+              <a:t>, </a:t>
+            </a:r>
+            <a:r>
+              <a:rPr lang="fr-FR" dirty="0" err="1">
+                <a:solidFill>
+                  <a:srgbClr val="000000"/>
+                </a:solidFill>
+                <a:latin typeface="Consolas"/>
+              </a:rPr>
+              <a:t>Travellers</a:t>
+            </a:r>
+            <a:r>
+              <a:rPr lang="fr-FR" dirty="0">
+                <a:solidFill>
+                  <a:srgbClr val="000000"/>
+                </a:solidFill>
+                <a:latin typeface="Consolas"/>
+              </a:rPr>
+              <a:t>));</a:t>
+            </a:r>
+          </a:p>
+          <a:p>
+            <a:pPr marL="0" indent="0">
+              <a:buNone/>
+            </a:pPr>
+            <a:r>
+              <a:rPr lang="en-US" dirty="0">
+                <a:solidFill>
+                  <a:srgbClr val="000000"/>
+                </a:solidFill>
+                <a:latin typeface="Consolas"/>
+              </a:rPr>
+              <a:t>  }</a:t>
+            </a:r>
+          </a:p>
+          <a:p>
+            <a:pPr marL="0" indent="0">
+              <a:buNone/>
+            </a:pPr>
+            <a:r>
+              <a:rPr lang="en-US" dirty="0">
+                <a:solidFill>
+                  <a:srgbClr val="000000"/>
+                </a:solidFill>
+                <a:latin typeface="Consolas"/>
+              </a:rPr>
+              <a:t>}</a:t>
+            </a:r>
+          </a:p>
+          <a:p>
+            <a:pPr marL="0" indent="0">
+              <a:buNone/>
+            </a:pPr>
+            <a:endParaRPr lang="en-US" dirty="0">
+              <a:solidFill>
+                <a:srgbClr val="000000"/>
+              </a:solidFill>
+              <a:latin typeface="Consolas"/>
+            </a:endParaRPr>
+          </a:p>
+          <a:p>
+            <a:pPr marL="0" indent="0">
+              <a:buNone/>
+            </a:pPr>
+            <a:r>
+              <a:rPr lang="en-US" dirty="0">
+                <a:solidFill>
+                  <a:srgbClr val="0000FF"/>
+                </a:solidFill>
+                <a:latin typeface="Consolas"/>
+              </a:rPr>
+              <a:t>static</a:t>
+            </a:r>
+            <a:r>
+              <a:rPr lang="en-US" dirty="0">
+                <a:solidFill>
+                  <a:srgbClr val="000000"/>
+                </a:solidFill>
+                <a:latin typeface="Consolas"/>
+              </a:rPr>
+              <a:t> </a:t>
+            </a:r>
+            <a:r>
+              <a:rPr lang="en-US" dirty="0">
+                <a:solidFill>
+                  <a:srgbClr val="0000FF"/>
+                </a:solidFill>
+                <a:latin typeface="Consolas"/>
+              </a:rPr>
+              <a:t>void</a:t>
+            </a:r>
+            <a:r>
+              <a:rPr lang="en-US" dirty="0">
+                <a:solidFill>
+                  <a:srgbClr val="000000"/>
+                </a:solidFill>
+                <a:latin typeface="Consolas"/>
+              </a:rPr>
+              <a:t> Main()</a:t>
+            </a:r>
+          </a:p>
+          <a:p>
+            <a:pPr marL="0" indent="0">
+              <a:buNone/>
+            </a:pPr>
+            <a:r>
+              <a:rPr lang="en-US" dirty="0">
+                <a:solidFill>
+                  <a:srgbClr val="000000"/>
+                </a:solidFill>
+                <a:latin typeface="Consolas"/>
+              </a:rPr>
+              <a:t>{</a:t>
+            </a:r>
+          </a:p>
+          <a:p>
+            <a:pPr marL="0" indent="0">
+              <a:buNone/>
+            </a:pPr>
+            <a:r>
+              <a:rPr lang="fr-FR" dirty="0">
+                <a:solidFill>
+                  <a:srgbClr val="000000"/>
+                </a:solidFill>
+                <a:latin typeface="Consolas"/>
+              </a:rPr>
+              <a:t>    Train </a:t>
+            </a:r>
+            <a:r>
+              <a:rPr lang="fr-FR" dirty="0" err="1">
+                <a:solidFill>
+                  <a:srgbClr val="000000"/>
+                </a:solidFill>
+                <a:latin typeface="Consolas"/>
+              </a:rPr>
+              <a:t>train</a:t>
+            </a:r>
+            <a:r>
+              <a:rPr lang="fr-FR" dirty="0">
+                <a:solidFill>
+                  <a:srgbClr val="000000"/>
+                </a:solidFill>
+                <a:latin typeface="Consolas"/>
+              </a:rPr>
+              <a:t> = </a:t>
+            </a:r>
+            <a:r>
+              <a:rPr lang="fr-FR" dirty="0">
+                <a:solidFill>
+                  <a:srgbClr val="0000FF"/>
+                </a:solidFill>
+                <a:latin typeface="Consolas"/>
+              </a:rPr>
+              <a:t>new</a:t>
+            </a:r>
+            <a:r>
+              <a:rPr lang="fr-FR" dirty="0">
+                <a:solidFill>
+                  <a:srgbClr val="000000"/>
+                </a:solidFill>
+                <a:latin typeface="Consolas"/>
+              </a:rPr>
+              <a:t> Train(</a:t>
+            </a:r>
+            <a:r>
+              <a:rPr lang="fr-FR" dirty="0">
+                <a:solidFill>
+                  <a:srgbClr val="C81EFA"/>
+                </a:solidFill>
+                <a:latin typeface="Consolas"/>
+              </a:rPr>
+              <a:t>190.2</a:t>
+            </a:r>
+            <a:r>
+              <a:rPr lang="fr-FR" dirty="0">
+                <a:solidFill>
+                  <a:srgbClr val="000000"/>
+                </a:solidFill>
+                <a:latin typeface="Consolas"/>
+              </a:rPr>
+              <a:t>, </a:t>
+            </a:r>
+            <a:r>
+              <a:rPr lang="fr-FR" dirty="0">
+                <a:solidFill>
+                  <a:srgbClr val="C81EFA"/>
+                </a:solidFill>
+                <a:latin typeface="Consolas"/>
+              </a:rPr>
+              <a:t>8</a:t>
+            </a:r>
+            <a:r>
+              <a:rPr lang="fr-FR" dirty="0">
+                <a:solidFill>
+                  <a:srgbClr val="000000"/>
+                </a:solidFill>
+                <a:latin typeface="Consolas"/>
+              </a:rPr>
+              <a:t>, </a:t>
+            </a:r>
+            <a:r>
+              <a:rPr lang="fr-FR" dirty="0">
+                <a:solidFill>
+                  <a:srgbClr val="DC1414"/>
+                </a:solidFill>
+                <a:latin typeface="Consolas"/>
+              </a:rPr>
+              <a:t>"Ivanov"</a:t>
+            </a:r>
+            <a:r>
+              <a:rPr lang="fr-FR" dirty="0">
+                <a:solidFill>
+                  <a:srgbClr val="000000"/>
+                </a:solidFill>
+                <a:latin typeface="Consolas"/>
+              </a:rPr>
+              <a:t>, </a:t>
+            </a:r>
+            <a:r>
+              <a:rPr lang="fr-FR" dirty="0">
+                <a:solidFill>
+                  <a:srgbClr val="DC1414"/>
+                </a:solidFill>
+                <a:latin typeface="Consolas"/>
+              </a:rPr>
+              <a:t>"Petrov"</a:t>
+            </a:r>
+            <a:r>
+              <a:rPr lang="fr-FR" dirty="0">
+                <a:solidFill>
+                  <a:srgbClr val="000000"/>
+                </a:solidFill>
+                <a:latin typeface="Consolas"/>
+              </a:rPr>
+              <a:t>, </a:t>
+            </a:r>
+            <a:r>
+              <a:rPr lang="fr-FR" dirty="0">
+                <a:solidFill>
+                  <a:srgbClr val="DC1414"/>
+                </a:solidFill>
+                <a:latin typeface="Consolas"/>
+              </a:rPr>
+              <a:t>"</a:t>
+            </a:r>
+            <a:r>
+              <a:rPr lang="fr-FR" dirty="0" err="1">
+                <a:solidFill>
+                  <a:srgbClr val="DC1414"/>
+                </a:solidFill>
+                <a:latin typeface="Consolas"/>
+              </a:rPr>
+              <a:t>Sidorov</a:t>
+            </a:r>
+            <a:r>
+              <a:rPr lang="fr-FR" dirty="0">
+                <a:solidFill>
+                  <a:srgbClr val="DC1414"/>
+                </a:solidFill>
+                <a:latin typeface="Consolas"/>
+              </a:rPr>
+              <a:t>"</a:t>
+            </a:r>
+            <a:r>
+              <a:rPr lang="fr-FR" dirty="0">
+                <a:solidFill>
+                  <a:srgbClr val="000000"/>
+                </a:solidFill>
+                <a:latin typeface="Consolas"/>
+              </a:rPr>
+              <a:t>);</a:t>
+            </a:r>
+          </a:p>
+          <a:p>
+            <a:pPr marL="0" indent="0">
+              <a:buNone/>
+            </a:pPr>
+            <a:r>
+              <a:rPr lang="en-US" dirty="0">
+                <a:solidFill>
+                  <a:srgbClr val="000000"/>
+                </a:solidFill>
+                <a:latin typeface="Consolas"/>
+              </a:rPr>
+              <a:t>    </a:t>
+            </a:r>
+            <a:r>
+              <a:rPr lang="en-US" dirty="0" err="1">
+                <a:solidFill>
+                  <a:srgbClr val="000000"/>
+                </a:solidFill>
+                <a:latin typeface="Consolas"/>
+              </a:rPr>
+              <a:t>train.Print</a:t>
+            </a:r>
+            <a:r>
+              <a:rPr lang="en-US" dirty="0">
+                <a:solidFill>
+                  <a:srgbClr val="000000"/>
+                </a:solidFill>
+                <a:latin typeface="Consolas"/>
+              </a:rPr>
+              <a:t>();</a:t>
+            </a:r>
+          </a:p>
+          <a:p>
+            <a:pPr marL="0" indent="0">
+              <a:buNone/>
+            </a:pPr>
+            <a:endParaRPr lang="en-US" dirty="0">
+              <a:solidFill>
+                <a:srgbClr val="000000"/>
+              </a:solidFill>
+              <a:latin typeface="Consolas"/>
+            </a:endParaRPr>
+          </a:p>
+          <a:p>
+            <a:pPr marL="0" indent="0">
+              <a:buNone/>
+            </a:pPr>
+            <a:r>
+              <a:rPr lang="en-US" dirty="0">
+                <a:solidFill>
+                  <a:srgbClr val="0000FF"/>
+                </a:solidFill>
+                <a:latin typeface="Consolas"/>
+              </a:rPr>
+              <a:t>    string</a:t>
+            </a:r>
+            <a:r>
+              <a:rPr lang="en-US" dirty="0">
+                <a:solidFill>
+                  <a:srgbClr val="000000"/>
+                </a:solidFill>
+                <a:latin typeface="Consolas"/>
+              </a:rPr>
+              <a:t> </a:t>
+            </a:r>
+            <a:r>
+              <a:rPr lang="en-US" dirty="0" err="1">
+                <a:solidFill>
+                  <a:srgbClr val="000000"/>
+                </a:solidFill>
+                <a:latin typeface="Consolas"/>
+              </a:rPr>
+              <a:t>tempFileName</a:t>
+            </a:r>
+            <a:r>
+              <a:rPr lang="en-US" dirty="0">
+                <a:solidFill>
+                  <a:srgbClr val="000000"/>
+                </a:solidFill>
+                <a:latin typeface="Consolas"/>
+              </a:rPr>
+              <a:t> = </a:t>
+            </a:r>
+            <a:r>
+              <a:rPr lang="en-US" dirty="0" err="1">
+                <a:solidFill>
+                  <a:srgbClr val="000000"/>
+                </a:solidFill>
+                <a:latin typeface="Consolas"/>
+              </a:rPr>
+              <a:t>Path.Combine</a:t>
+            </a:r>
+            <a:r>
+              <a:rPr lang="en-US" dirty="0">
+                <a:solidFill>
+                  <a:srgbClr val="000000"/>
+                </a:solidFill>
+                <a:latin typeface="Consolas"/>
+              </a:rPr>
+              <a:t>(</a:t>
+            </a:r>
+            <a:r>
+              <a:rPr lang="en-US" dirty="0" err="1">
+                <a:solidFill>
+                  <a:srgbClr val="000000"/>
+                </a:solidFill>
+                <a:latin typeface="Consolas"/>
+              </a:rPr>
+              <a:t>Path.GetTempPath</a:t>
+            </a:r>
+            <a:r>
+              <a:rPr lang="en-US" dirty="0">
+                <a:solidFill>
+                  <a:srgbClr val="000000"/>
+                </a:solidFill>
+                <a:latin typeface="Consolas"/>
+              </a:rPr>
+              <a:t>(), </a:t>
+            </a:r>
+            <a:r>
+              <a:rPr lang="en-US" dirty="0">
+                <a:solidFill>
+                  <a:srgbClr val="DC1414"/>
+                </a:solidFill>
+                <a:latin typeface="Consolas"/>
+              </a:rPr>
+              <a:t>"train.xml"</a:t>
+            </a:r>
+            <a:r>
+              <a:rPr lang="en-US" dirty="0">
+                <a:solidFill>
+                  <a:srgbClr val="000000"/>
+                </a:solidFill>
+                <a:latin typeface="Consolas"/>
+              </a:rPr>
+              <a:t>); </a:t>
+            </a:r>
+            <a:r>
+              <a:rPr lang="en-US" dirty="0">
+                <a:solidFill>
+                  <a:srgbClr val="008000"/>
+                </a:solidFill>
+                <a:latin typeface="Consolas"/>
+              </a:rPr>
+              <a:t>//</a:t>
+            </a:r>
+            <a:r>
+              <a:rPr lang="ru-RU" dirty="0">
+                <a:solidFill>
+                  <a:srgbClr val="008000"/>
+                </a:solidFill>
+                <a:latin typeface="Consolas"/>
+              </a:rPr>
+              <a:t> Будем работать с файлом в папке с временными файлами</a:t>
+            </a:r>
+            <a:endParaRPr lang="en-US" dirty="0">
+              <a:solidFill>
+                <a:srgbClr val="000000"/>
+              </a:solidFill>
+              <a:latin typeface="Consolas"/>
+            </a:endParaRPr>
+          </a:p>
+          <a:p>
+            <a:pPr marL="0" indent="0">
+              <a:buNone/>
+            </a:pPr>
+            <a:r>
+              <a:rPr lang="en-US" dirty="0">
+                <a:solidFill>
+                  <a:srgbClr val="000000"/>
+                </a:solidFill>
+                <a:latin typeface="Consolas"/>
+              </a:rPr>
+              <a:t>    </a:t>
+            </a:r>
+            <a:r>
+              <a:rPr lang="en-US" dirty="0" err="1">
+                <a:solidFill>
+                  <a:srgbClr val="000000"/>
+                </a:solidFill>
+                <a:latin typeface="Consolas"/>
+              </a:rPr>
+              <a:t>XmlSerializer</a:t>
+            </a:r>
+            <a:r>
+              <a:rPr lang="en-US" dirty="0">
+                <a:solidFill>
+                  <a:srgbClr val="000000"/>
+                </a:solidFill>
+                <a:latin typeface="Consolas"/>
+              </a:rPr>
+              <a:t> </a:t>
+            </a:r>
+            <a:r>
+              <a:rPr lang="en-US" dirty="0" err="1">
+                <a:solidFill>
+                  <a:srgbClr val="000000"/>
+                </a:solidFill>
+                <a:latin typeface="Consolas"/>
+              </a:rPr>
+              <a:t>xmlSerializer</a:t>
+            </a:r>
+            <a:r>
+              <a:rPr lang="en-US" dirty="0">
+                <a:solidFill>
+                  <a:srgbClr val="000000"/>
+                </a:solidFill>
+                <a:latin typeface="Consolas"/>
+              </a:rPr>
+              <a:t> = </a:t>
+            </a:r>
+            <a:r>
+              <a:rPr lang="en-US" dirty="0">
+                <a:solidFill>
+                  <a:srgbClr val="0000FF"/>
+                </a:solidFill>
+                <a:latin typeface="Consolas"/>
+              </a:rPr>
+              <a:t>new</a:t>
+            </a:r>
+            <a:r>
+              <a:rPr lang="en-US" dirty="0">
+                <a:solidFill>
+                  <a:srgbClr val="000000"/>
+                </a:solidFill>
+                <a:latin typeface="Consolas"/>
+              </a:rPr>
+              <a:t> </a:t>
+            </a:r>
+            <a:r>
+              <a:rPr lang="en-US" dirty="0" err="1">
+                <a:solidFill>
+                  <a:srgbClr val="000000"/>
+                </a:solidFill>
+                <a:latin typeface="Consolas"/>
+              </a:rPr>
+              <a:t>XmlSerializer</a:t>
+            </a:r>
+            <a:r>
+              <a:rPr lang="en-US" dirty="0">
+                <a:solidFill>
+                  <a:srgbClr val="000000"/>
+                </a:solidFill>
+                <a:latin typeface="Consolas"/>
+              </a:rPr>
+              <a:t>(</a:t>
+            </a:r>
+            <a:r>
+              <a:rPr lang="en-US" dirty="0" err="1">
+                <a:solidFill>
+                  <a:srgbClr val="0000FF"/>
+                </a:solidFill>
+                <a:latin typeface="Consolas"/>
+              </a:rPr>
+              <a:t>typeof</a:t>
+            </a:r>
+            <a:r>
+              <a:rPr lang="en-US" dirty="0">
+                <a:solidFill>
+                  <a:srgbClr val="000000"/>
+                </a:solidFill>
+                <a:latin typeface="Consolas"/>
+              </a:rPr>
+              <a:t>(Train));</a:t>
+            </a:r>
+          </a:p>
+          <a:p>
+            <a:pPr marL="0" indent="0">
+              <a:buNone/>
+            </a:pPr>
+            <a:r>
+              <a:rPr lang="en-US" dirty="0">
+                <a:solidFill>
+                  <a:srgbClr val="008000"/>
+                </a:solidFill>
+                <a:latin typeface="Consolas"/>
+              </a:rPr>
+              <a:t>    // </a:t>
+            </a:r>
+            <a:r>
+              <a:rPr lang="ru-RU" dirty="0">
+                <a:solidFill>
+                  <a:srgbClr val="008000"/>
+                </a:solidFill>
+                <a:latin typeface="Consolas"/>
+              </a:rPr>
+              <a:t>Выполняем сериализацию</a:t>
+            </a:r>
+            <a:endParaRPr lang="en-US" dirty="0">
+              <a:solidFill>
+                <a:srgbClr val="000000"/>
+              </a:solidFill>
+              <a:latin typeface="Consolas"/>
+            </a:endParaRPr>
+          </a:p>
+          <a:p>
+            <a:pPr marL="0" indent="0">
+              <a:buNone/>
+            </a:pPr>
+            <a:r>
+              <a:rPr lang="en-US" dirty="0">
+                <a:solidFill>
+                  <a:srgbClr val="0000FF"/>
+                </a:solidFill>
+                <a:latin typeface="Consolas"/>
+              </a:rPr>
+              <a:t>    using</a:t>
+            </a:r>
+            <a:r>
+              <a:rPr lang="en-US" dirty="0">
+                <a:solidFill>
+                  <a:srgbClr val="000000"/>
+                </a:solidFill>
+                <a:latin typeface="Consolas"/>
+              </a:rPr>
+              <a:t> (</a:t>
+            </a:r>
+            <a:r>
+              <a:rPr lang="en-US" dirty="0" err="1">
+                <a:solidFill>
+                  <a:srgbClr val="000000"/>
+                </a:solidFill>
+                <a:latin typeface="Consolas"/>
+              </a:rPr>
+              <a:t>FileStream</a:t>
+            </a:r>
+            <a:r>
+              <a:rPr lang="en-US" dirty="0">
+                <a:solidFill>
+                  <a:srgbClr val="000000"/>
+                </a:solidFill>
+                <a:latin typeface="Consolas"/>
+              </a:rPr>
+              <a:t> </a:t>
+            </a:r>
+            <a:r>
+              <a:rPr lang="en-US" dirty="0" err="1">
+                <a:solidFill>
+                  <a:srgbClr val="000000"/>
+                </a:solidFill>
+                <a:latin typeface="Consolas"/>
+              </a:rPr>
+              <a:t>fs</a:t>
+            </a:r>
+            <a:r>
+              <a:rPr lang="en-US" dirty="0">
+                <a:solidFill>
+                  <a:srgbClr val="000000"/>
+                </a:solidFill>
+                <a:latin typeface="Consolas"/>
+              </a:rPr>
+              <a:t> = </a:t>
+            </a:r>
+            <a:r>
+              <a:rPr lang="en-US" dirty="0" err="1">
+                <a:solidFill>
+                  <a:srgbClr val="000000"/>
+                </a:solidFill>
+                <a:latin typeface="Consolas"/>
+              </a:rPr>
+              <a:t>File.Open</a:t>
+            </a:r>
+            <a:r>
+              <a:rPr lang="en-US" dirty="0">
+                <a:solidFill>
+                  <a:srgbClr val="000000"/>
+                </a:solidFill>
+                <a:latin typeface="Consolas"/>
+              </a:rPr>
+              <a:t>(</a:t>
+            </a:r>
+            <a:r>
+              <a:rPr lang="en-US" dirty="0" err="1">
+                <a:solidFill>
+                  <a:srgbClr val="000000"/>
+                </a:solidFill>
+                <a:latin typeface="Consolas"/>
+              </a:rPr>
+              <a:t>tempFileName</a:t>
+            </a:r>
+            <a:r>
+              <a:rPr lang="en-US" dirty="0">
+                <a:solidFill>
+                  <a:srgbClr val="000000"/>
+                </a:solidFill>
+                <a:latin typeface="Consolas"/>
+              </a:rPr>
+              <a:t>, </a:t>
+            </a:r>
+            <a:r>
+              <a:rPr lang="en-US" dirty="0" err="1">
+                <a:solidFill>
+                  <a:srgbClr val="000000"/>
+                </a:solidFill>
+                <a:latin typeface="Consolas"/>
+              </a:rPr>
+              <a:t>FileMode.Create</a:t>
+            </a:r>
+            <a:r>
+              <a:rPr lang="en-US" dirty="0">
+                <a:solidFill>
+                  <a:srgbClr val="000000"/>
+                </a:solidFill>
+                <a:latin typeface="Consolas"/>
+              </a:rPr>
+              <a:t>))</a:t>
+            </a:r>
+          </a:p>
+          <a:p>
+            <a:pPr marL="0" indent="0">
+              <a:buNone/>
+            </a:pPr>
+            <a:r>
+              <a:rPr lang="en-US" dirty="0">
+                <a:solidFill>
+                  <a:srgbClr val="000000"/>
+                </a:solidFill>
+                <a:latin typeface="Consolas"/>
+              </a:rPr>
+              <a:t>    {</a:t>
+            </a:r>
+          </a:p>
+          <a:p>
+            <a:pPr marL="0" indent="0">
+              <a:buNone/>
+            </a:pPr>
+            <a:r>
+              <a:rPr lang="en-US" dirty="0">
+                <a:solidFill>
+                  <a:srgbClr val="000000"/>
+                </a:solidFill>
+                <a:latin typeface="Consolas"/>
+              </a:rPr>
+              <a:t>         </a:t>
+            </a:r>
+            <a:r>
+              <a:rPr lang="en-US" dirty="0" err="1">
+                <a:solidFill>
+                  <a:srgbClr val="000000"/>
+                </a:solidFill>
+                <a:latin typeface="Consolas"/>
+              </a:rPr>
+              <a:t>xmlSerializer.Serialize</a:t>
+            </a:r>
+            <a:r>
+              <a:rPr lang="en-US" dirty="0">
+                <a:solidFill>
+                  <a:srgbClr val="000000"/>
+                </a:solidFill>
+                <a:latin typeface="Consolas"/>
+              </a:rPr>
+              <a:t>(</a:t>
+            </a:r>
+            <a:r>
+              <a:rPr lang="en-US" dirty="0" err="1">
+                <a:solidFill>
+                  <a:srgbClr val="000000"/>
+                </a:solidFill>
+                <a:latin typeface="Consolas"/>
+              </a:rPr>
+              <a:t>fs</a:t>
+            </a:r>
+            <a:r>
+              <a:rPr lang="en-US" dirty="0">
+                <a:solidFill>
+                  <a:srgbClr val="000000"/>
+                </a:solidFill>
+                <a:latin typeface="Consolas"/>
+              </a:rPr>
+              <a:t>, train);</a:t>
+            </a:r>
+          </a:p>
+          <a:p>
+            <a:pPr marL="0" indent="0">
+              <a:buNone/>
+            </a:pPr>
+            <a:r>
+              <a:rPr lang="en-US" dirty="0">
+                <a:solidFill>
+                  <a:srgbClr val="000000"/>
+                </a:solidFill>
+                <a:latin typeface="Consolas"/>
+              </a:rPr>
+              <a:t>    }</a:t>
+            </a:r>
+          </a:p>
+          <a:p>
+            <a:pPr marL="0" indent="0">
+              <a:buNone/>
+            </a:pPr>
+            <a:r>
+              <a:rPr lang="en-US" dirty="0">
+                <a:solidFill>
+                  <a:srgbClr val="000000"/>
+                </a:solidFill>
+                <a:latin typeface="Consolas"/>
+              </a:rPr>
+              <a:t>    </a:t>
+            </a:r>
+            <a:r>
+              <a:rPr lang="en-US" dirty="0" err="1">
+                <a:solidFill>
+                  <a:srgbClr val="000000"/>
+                </a:solidFill>
+                <a:latin typeface="Consolas"/>
+              </a:rPr>
+              <a:t>Console.WriteLine</a:t>
+            </a:r>
+            <a:r>
+              <a:rPr lang="en-US" dirty="0">
+                <a:solidFill>
+                  <a:srgbClr val="000000"/>
+                </a:solidFill>
+                <a:latin typeface="Consolas"/>
+              </a:rPr>
+              <a:t>(); </a:t>
+            </a:r>
+            <a:r>
+              <a:rPr lang="en-US" dirty="0" err="1">
+                <a:solidFill>
+                  <a:srgbClr val="000000"/>
+                </a:solidFill>
+                <a:latin typeface="Consolas"/>
+              </a:rPr>
+              <a:t>Console.WriteLine</a:t>
+            </a:r>
+            <a:r>
+              <a:rPr lang="en-US" dirty="0">
+                <a:solidFill>
+                  <a:srgbClr val="000000"/>
+                </a:solidFill>
+                <a:latin typeface="Consolas"/>
+              </a:rPr>
+              <a:t>(</a:t>
+            </a:r>
+            <a:r>
+              <a:rPr lang="en-US" dirty="0" err="1">
+                <a:solidFill>
+                  <a:srgbClr val="000000"/>
+                </a:solidFill>
+                <a:latin typeface="Consolas"/>
+              </a:rPr>
+              <a:t>File.ReadAllText</a:t>
+            </a:r>
+            <a:r>
+              <a:rPr lang="en-US" dirty="0">
+                <a:solidFill>
+                  <a:srgbClr val="000000"/>
+                </a:solidFill>
+                <a:latin typeface="Consolas"/>
+              </a:rPr>
+              <a:t>(</a:t>
+            </a:r>
+            <a:r>
+              <a:rPr lang="en-US" dirty="0" err="1">
+                <a:solidFill>
+                  <a:srgbClr val="000000"/>
+                </a:solidFill>
+                <a:latin typeface="Consolas"/>
+              </a:rPr>
+              <a:t>tempFileName</a:t>
+            </a:r>
+            <a:r>
+              <a:rPr lang="en-US" dirty="0">
+                <a:solidFill>
+                  <a:srgbClr val="000000"/>
+                </a:solidFill>
+                <a:latin typeface="Consolas"/>
+              </a:rPr>
+              <a:t>)); </a:t>
+            </a:r>
+            <a:r>
+              <a:rPr lang="en-US" dirty="0" err="1">
+                <a:solidFill>
+                  <a:srgbClr val="000000"/>
+                </a:solidFill>
+                <a:latin typeface="Consolas"/>
+              </a:rPr>
+              <a:t>Console.WriteLine</a:t>
+            </a:r>
+            <a:r>
+              <a:rPr lang="en-US" dirty="0">
+                <a:solidFill>
+                  <a:srgbClr val="000000"/>
+                </a:solidFill>
+                <a:latin typeface="Consolas"/>
+              </a:rPr>
+              <a:t>();</a:t>
+            </a:r>
+          </a:p>
+          <a:p>
+            <a:pPr marL="0" indent="0">
+              <a:buNone/>
+            </a:pPr>
+            <a:r>
+              <a:rPr lang="en-US" dirty="0">
+                <a:solidFill>
+                  <a:srgbClr val="008000"/>
+                </a:solidFill>
+                <a:latin typeface="Consolas"/>
+              </a:rPr>
+              <a:t>    // </a:t>
+            </a:r>
+            <a:r>
+              <a:rPr lang="ru-RU" dirty="0">
+                <a:solidFill>
+                  <a:srgbClr val="008000"/>
+                </a:solidFill>
+                <a:latin typeface="Consolas"/>
+              </a:rPr>
+              <a:t>Выполняем десериализацию</a:t>
+            </a:r>
+            <a:endParaRPr lang="en-US" dirty="0">
+              <a:solidFill>
+                <a:srgbClr val="000000"/>
+              </a:solidFill>
+              <a:latin typeface="Consolas"/>
+            </a:endParaRPr>
+          </a:p>
+          <a:p>
+            <a:pPr marL="0" indent="0">
+              <a:buNone/>
+            </a:pPr>
+            <a:r>
+              <a:rPr lang="en-US" dirty="0">
+                <a:solidFill>
+                  <a:srgbClr val="0000FF"/>
+                </a:solidFill>
+                <a:latin typeface="Consolas"/>
+              </a:rPr>
+              <a:t>    using</a:t>
+            </a:r>
+            <a:r>
+              <a:rPr lang="en-US" dirty="0">
+                <a:solidFill>
+                  <a:srgbClr val="000000"/>
+                </a:solidFill>
+                <a:latin typeface="Consolas"/>
+              </a:rPr>
+              <a:t> (</a:t>
+            </a:r>
+            <a:r>
+              <a:rPr lang="en-US" dirty="0" err="1">
+                <a:solidFill>
+                  <a:srgbClr val="000000"/>
+                </a:solidFill>
+                <a:latin typeface="Consolas"/>
+              </a:rPr>
+              <a:t>FileStream</a:t>
+            </a:r>
+            <a:r>
+              <a:rPr lang="en-US" dirty="0">
+                <a:solidFill>
+                  <a:srgbClr val="000000"/>
+                </a:solidFill>
+                <a:latin typeface="Consolas"/>
+              </a:rPr>
+              <a:t> </a:t>
+            </a:r>
+            <a:r>
+              <a:rPr lang="en-US" dirty="0" err="1">
+                <a:solidFill>
+                  <a:srgbClr val="000000"/>
+                </a:solidFill>
+                <a:latin typeface="Consolas"/>
+              </a:rPr>
+              <a:t>fs</a:t>
+            </a:r>
+            <a:r>
+              <a:rPr lang="en-US" dirty="0">
+                <a:solidFill>
+                  <a:srgbClr val="000000"/>
+                </a:solidFill>
+                <a:latin typeface="Consolas"/>
+              </a:rPr>
+              <a:t> = </a:t>
+            </a:r>
+            <a:r>
+              <a:rPr lang="en-US" dirty="0" err="1">
+                <a:solidFill>
+                  <a:srgbClr val="000000"/>
+                </a:solidFill>
+                <a:latin typeface="Consolas"/>
+              </a:rPr>
+              <a:t>File.Open</a:t>
+            </a:r>
+            <a:r>
+              <a:rPr lang="en-US" dirty="0">
+                <a:solidFill>
+                  <a:srgbClr val="000000"/>
+                </a:solidFill>
+                <a:latin typeface="Consolas"/>
+              </a:rPr>
+              <a:t>(</a:t>
+            </a:r>
+            <a:r>
+              <a:rPr lang="en-US" dirty="0" err="1">
+                <a:solidFill>
+                  <a:srgbClr val="000000"/>
+                </a:solidFill>
+                <a:latin typeface="Consolas"/>
+              </a:rPr>
+              <a:t>tempFileName</a:t>
+            </a:r>
+            <a:r>
+              <a:rPr lang="en-US" dirty="0">
+                <a:solidFill>
+                  <a:srgbClr val="000000"/>
+                </a:solidFill>
+                <a:latin typeface="Consolas"/>
+              </a:rPr>
+              <a:t>, </a:t>
+            </a:r>
+            <a:r>
+              <a:rPr lang="en-US" dirty="0" err="1">
+                <a:solidFill>
+                  <a:srgbClr val="000000"/>
+                </a:solidFill>
+                <a:latin typeface="Consolas"/>
+              </a:rPr>
+              <a:t>FileMode.Open</a:t>
+            </a:r>
+            <a:r>
+              <a:rPr lang="en-US" dirty="0">
+                <a:solidFill>
+                  <a:srgbClr val="000000"/>
+                </a:solidFill>
+                <a:latin typeface="Consolas"/>
+              </a:rPr>
+              <a:t>))</a:t>
+            </a:r>
+          </a:p>
+          <a:p>
+            <a:pPr marL="0" indent="0">
+              <a:buNone/>
+            </a:pPr>
+            <a:r>
+              <a:rPr lang="en-US" dirty="0">
+                <a:solidFill>
+                  <a:srgbClr val="000000"/>
+                </a:solidFill>
+                <a:latin typeface="Consolas"/>
+              </a:rPr>
+              <a:t>    {</a:t>
+            </a:r>
+          </a:p>
+          <a:p>
+            <a:pPr marL="0" indent="0">
+              <a:buNone/>
+            </a:pPr>
+            <a:r>
+              <a:rPr lang="en-US" dirty="0">
+                <a:solidFill>
+                  <a:srgbClr val="000000"/>
+                </a:solidFill>
+                <a:latin typeface="Consolas"/>
+              </a:rPr>
+              <a:t>         Train </a:t>
+            </a:r>
+            <a:r>
+              <a:rPr lang="en-US" dirty="0" err="1">
+                <a:solidFill>
+                  <a:srgbClr val="000000"/>
+                </a:solidFill>
+                <a:latin typeface="Consolas"/>
+              </a:rPr>
+              <a:t>someTrain</a:t>
+            </a:r>
+            <a:r>
+              <a:rPr lang="en-US" dirty="0">
+                <a:solidFill>
+                  <a:srgbClr val="000000"/>
+                </a:solidFill>
+                <a:latin typeface="Consolas"/>
+              </a:rPr>
+              <a:t> = (Train)</a:t>
+            </a:r>
+            <a:r>
+              <a:rPr lang="en-US" dirty="0" err="1">
+                <a:solidFill>
+                  <a:srgbClr val="000000"/>
+                </a:solidFill>
+                <a:latin typeface="Consolas"/>
+              </a:rPr>
+              <a:t>xmlSerializer.Deserialize</a:t>
+            </a:r>
+            <a:r>
+              <a:rPr lang="en-US" dirty="0">
+                <a:solidFill>
+                  <a:srgbClr val="000000"/>
+                </a:solidFill>
+                <a:latin typeface="Consolas"/>
+              </a:rPr>
+              <a:t>(</a:t>
+            </a:r>
+            <a:r>
+              <a:rPr lang="en-US" dirty="0" err="1">
+                <a:solidFill>
+                  <a:srgbClr val="000000"/>
+                </a:solidFill>
+                <a:latin typeface="Consolas"/>
+              </a:rPr>
+              <a:t>fs</a:t>
+            </a:r>
+            <a:r>
+              <a:rPr lang="en-US" dirty="0">
+                <a:solidFill>
+                  <a:srgbClr val="000000"/>
+                </a:solidFill>
+                <a:latin typeface="Consolas"/>
+              </a:rPr>
+              <a:t>);</a:t>
+            </a:r>
+          </a:p>
+          <a:p>
+            <a:pPr marL="0" indent="0">
+              <a:buNone/>
+            </a:pPr>
+            <a:r>
+              <a:rPr lang="en-US" dirty="0">
+                <a:solidFill>
+                  <a:srgbClr val="000000"/>
+                </a:solidFill>
+                <a:latin typeface="Consolas"/>
+              </a:rPr>
+              <a:t>         </a:t>
+            </a:r>
+            <a:r>
+              <a:rPr lang="en-US" dirty="0" err="1">
+                <a:solidFill>
+                  <a:srgbClr val="000000"/>
+                </a:solidFill>
+                <a:latin typeface="Consolas"/>
+              </a:rPr>
+              <a:t>someTrain.Print</a:t>
+            </a:r>
+            <a:r>
+              <a:rPr lang="en-US" dirty="0">
+                <a:solidFill>
+                  <a:srgbClr val="000000"/>
+                </a:solidFill>
+                <a:latin typeface="Consolas"/>
+              </a:rPr>
+              <a:t>();</a:t>
+            </a:r>
+          </a:p>
+          <a:p>
+            <a:pPr marL="0" indent="0">
+              <a:buNone/>
+            </a:pPr>
+            <a:r>
+              <a:rPr lang="en-US" dirty="0">
+                <a:solidFill>
+                  <a:srgbClr val="000000"/>
+                </a:solidFill>
+                <a:latin typeface="Consolas"/>
+              </a:rPr>
+              <a:t>    }</a:t>
+            </a:r>
+          </a:p>
+          <a:p>
+            <a:pPr marL="0" indent="0">
+              <a:buNone/>
+            </a:pPr>
+            <a:endParaRPr lang="en-US" dirty="0">
+              <a:solidFill>
+                <a:srgbClr val="000000"/>
+              </a:solidFill>
+              <a:latin typeface="Consolas"/>
+            </a:endParaRPr>
+          </a:p>
+          <a:p>
+            <a:pPr marL="0" indent="0">
+              <a:buNone/>
+            </a:pPr>
+            <a:r>
+              <a:rPr lang="en-US" dirty="0">
+                <a:solidFill>
+                  <a:srgbClr val="000000"/>
+                </a:solidFill>
+                <a:latin typeface="Consolas"/>
+              </a:rPr>
+              <a:t>    </a:t>
+            </a:r>
+            <a:r>
+              <a:rPr lang="en-US" dirty="0" err="1">
+                <a:solidFill>
+                  <a:srgbClr val="000000"/>
+                </a:solidFill>
+                <a:latin typeface="Consolas"/>
+              </a:rPr>
+              <a:t>File.Delete</a:t>
+            </a:r>
+            <a:r>
+              <a:rPr lang="en-US" dirty="0">
+                <a:solidFill>
+                  <a:srgbClr val="000000"/>
+                </a:solidFill>
+                <a:latin typeface="Consolas"/>
+              </a:rPr>
+              <a:t>(</a:t>
+            </a:r>
+            <a:r>
+              <a:rPr lang="en-US" dirty="0" err="1">
+                <a:solidFill>
+                  <a:srgbClr val="000000"/>
+                </a:solidFill>
+                <a:latin typeface="Consolas"/>
+              </a:rPr>
+              <a:t>tempFileName</a:t>
+            </a:r>
+            <a:r>
+              <a:rPr lang="en-US" dirty="0">
+                <a:solidFill>
+                  <a:srgbClr val="000000"/>
+                </a:solidFill>
+                <a:latin typeface="Consolas"/>
+              </a:rPr>
+              <a:t>);</a:t>
+            </a:r>
+          </a:p>
+          <a:p>
+            <a:pPr marL="0" indent="0">
+              <a:buNone/>
+            </a:pPr>
+            <a:r>
+              <a:rPr lang="en-US" dirty="0">
+                <a:solidFill>
+                  <a:srgbClr val="000000"/>
+                </a:solidFill>
+                <a:latin typeface="Consolas"/>
+              </a:rPr>
+              <a:t>}</a:t>
+            </a:r>
+          </a:p>
+          <a:p>
+            <a:pPr marL="0" indent="0">
+              <a:buNone/>
+            </a:pPr>
+            <a:endParaRPr lang="en-US" dirty="0"/>
+          </a:p>
+          <a:p>
+            <a:pPr marL="0" indent="0">
+              <a:buNone/>
+            </a:pPr>
+            <a:endParaRPr lang="en-US" dirty="0"/>
+          </a:p>
+        </p:txBody>
+      </p:sp>
+    </p:spTree>
+    <p:extLst>
+      <p:ext uri="{BB962C8B-B14F-4D97-AF65-F5344CB8AC3E}">
+        <p14:creationId xmlns:p14="http://schemas.microsoft.com/office/powerpoint/2010/main" val="3792792696"/>
+      </p:ext>
+    </p:extLst>
+  </p:cSld>
+  <p:clrMapOvr>
+    <a:masterClrMapping/>
+  </p:clrMapOvr>
+</p:sld>
+</file>
+
+<file path=ppt/slides/slide37.xml><?xml version="1.0" encoding="utf-8"?>
+<p:sld xmlns:a="http://schemas.openxmlformats.org/drawingml/2006/main" xmlns:r="http://schemas.openxmlformats.org/officeDocument/2006/relationships" xmlns:p="http://schemas.openxmlformats.org/presentationml/2006/main">
+  <p:cSld>
+    <p:spTree>
+      <p:nvGrpSpPr>
+        <p:cNvPr id="1" name=""/>
+        <p:cNvGrpSpPr/>
+        <p:nvPr/>
+      </p:nvGrpSpPr>
+      <p:grpSpPr>
+        <a:xfrm>
+          <a:off x="0" y="0"/>
+          <a:ext cx="0" cy="0"/>
+          <a:chOff x="0" y="0"/>
+          <a:chExt cx="0" cy="0"/>
+        </a:xfrm>
+      </p:grpSpPr>
+      <p:sp>
+        <p:nvSpPr>
+          <p:cNvPr id="2" name="Title 1"/>
+          <p:cNvSpPr>
+            <a:spLocks noGrp="1"/>
+          </p:cNvSpPr>
+          <p:nvPr>
+            <p:ph type="title"/>
+          </p:nvPr>
+        </p:nvSpPr>
+        <p:spPr/>
+        <p:txBody>
           <a:bodyPr>
             <a:noAutofit/>
           </a:bodyPr>
@@ -15477,7 +16673,7 @@
 </p:sld>
 </file>
 
-<file path=ppt/slides/slide36.xml><?xml version="1.0" encoding="utf-8"?>
+<file path=ppt/slides/slide38.xml><?xml version="1.0" encoding="utf-8"?>
 <p:sld xmlns:a="http://schemas.openxmlformats.org/drawingml/2006/main" xmlns:r="http://schemas.openxmlformats.org/officeDocument/2006/relationships" xmlns:p="http://schemas.openxmlformats.org/presentationml/2006/main">
   <p:cSld>
     <p:bg>
@@ -16235,7 +17431,6 @@
               <a:rPr lang="en-US" dirty="0" smtClean="0"/>
               <a:t>Windows Store</a:t>
             </a:r>
-            <a:endParaRPr lang="en-US" dirty="0" smtClean="0"/>
           </a:p>
           <a:p>
             <a:r>

--- a/Presentation/lesson-06-xml.pptx
+++ b/Presentation/lesson-06-xml.pptx
@@ -229,7 +229,7 @@
           <a:p>
             <a:fld id="{B24A7054-7FFB-49F4-A126-5DF6E687FF53}" type="datetimeFigureOut">
               <a:rPr lang="ru-RU" smtClean="0"/>
-              <a:t>28.04.2015</a:t>
+              <a:t>10.07.2015</a:t>
             </a:fld>
             <a:endParaRPr lang="ru-RU"/>
           </a:p>
@@ -1292,7 +1292,7 @@
           <a:p>
             <a:fld id="{8E6E6A2A-E9D3-4A0D-B04A-ABDD367A1E08}" type="datetimeFigureOut">
               <a:rPr lang="ru-RU" smtClean="0"/>
-              <a:t>28.04.2015</a:t>
+              <a:t>10.07.2015</a:t>
             </a:fld>
             <a:endParaRPr lang="ru-RU"/>
           </a:p>
@@ -2740,7 +2740,7 @@
           <a:p>
             <a:fld id="{AC3D3127-B7C4-45E3-9797-C527EC9FDD78}" type="datetimeFigureOut">
               <a:rPr lang="ru-RU" smtClean="0"/>
-              <a:t>28.04.2015</a:t>
+              <a:t>10.07.2015</a:t>
             </a:fld>
             <a:endParaRPr lang="ru-RU"/>
           </a:p>
@@ -17378,7 +17378,9 @@
         </p:nvSpPr>
         <p:spPr/>
         <p:txBody>
-          <a:bodyPr/>
+          <a:bodyPr>
+            <a:normAutofit fontScale="92500" lnSpcReduction="20000"/>
+          </a:bodyPr>
           <a:lstStyle/>
           <a:p>
             <a:r>
@@ -17468,6 +17470,29 @@
             <a:r>
               <a:rPr lang="en-US" dirty="0" err="1" smtClean="0"/>
               <a:t>System.Data.DataSet</a:t>
+            </a:r>
+            <a:endParaRPr lang="en-US" dirty="0" smtClean="0"/>
+          </a:p>
+          <a:p>
+            <a:r>
+              <a:rPr lang="ru-RU" dirty="0" smtClean="0"/>
+              <a:t>Файлы проектов </a:t>
+            </a:r>
+            <a:r>
+              <a:rPr lang="en-US" dirty="0" smtClean="0"/>
+              <a:t>Visual Studio (</a:t>
+            </a:r>
+            <a:r>
+              <a:rPr lang="ru-RU" dirty="0" smtClean="0"/>
+              <a:t>см. также </a:t>
+            </a:r>
+            <a:r>
+              <a:rPr lang="en-US" dirty="0" err="1" smtClean="0"/>
+              <a:t>MSBuild</a:t>
+            </a:r>
+            <a:r>
+              <a:rPr lang="en-US" dirty="0" smtClean="0"/>
+              <a:t>)</a:t>
             </a:r>
             <a:endParaRPr lang="ru-RU" dirty="0"/>
           </a:p>

--- a/Presentation/lesson-06-xml.pptx
+++ b/Presentation/lesson-06-xml.pptx
@@ -229,7 +229,7 @@
           <a:p>
             <a:fld id="{B24A7054-7FFB-49F4-A126-5DF6E687FF53}" type="datetimeFigureOut">
               <a:rPr lang="ru-RU" smtClean="0"/>
-              <a:t>10.07.2015</a:t>
+              <a:t>11.10.2015</a:t>
             </a:fld>
             <a:endParaRPr lang="ru-RU"/>
           </a:p>
@@ -1292,7 +1292,7 @@
           <a:p>
             <a:fld id="{8E6E6A2A-E9D3-4A0D-B04A-ABDD367A1E08}" type="datetimeFigureOut">
               <a:rPr lang="ru-RU" smtClean="0"/>
-              <a:t>10.07.2015</a:t>
+              <a:t>11.10.2015</a:t>
             </a:fld>
             <a:endParaRPr lang="ru-RU"/>
           </a:p>
@@ -2740,7 +2740,7 @@
           <a:p>
             <a:fld id="{AC3D3127-B7C4-45E3-9797-C527EC9FDD78}" type="datetimeFigureOut">
               <a:rPr lang="ru-RU" smtClean="0"/>
-              <a:t>10.07.2015</a:t>
+              <a:t>11.10.2015</a:t>
             </a:fld>
             <a:endParaRPr lang="ru-RU"/>
           </a:p>
@@ -3654,7 +3654,23 @@
             </a:pPr>
             <a:r>
               <a:rPr lang="ru-RU" smtClean="0"/>
-              <a:t>Атрибуты лучще подходят для коротких простых данных без вложенности (сейчас или в будущем).</a:t>
+              <a:t>Атрибуты </a:t>
+            </a:r>
+            <a:r>
+              <a:rPr lang="ru-RU" smtClean="0"/>
+              <a:t>луч</a:t>
+            </a:r>
+            <a:r>
+              <a:rPr lang="ru-RU" smtClean="0"/>
+              <a:t>ш</a:t>
+            </a:r>
+            <a:r>
+              <a:rPr lang="ru-RU" smtClean="0"/>
+              <a:t>е </a:t>
+            </a:r>
+            <a:r>
+              <a:rPr lang="ru-RU" smtClean="0"/>
+              <a:t>подходят для коротких простых данных без вложенности (сейчас или в будущем).</a:t>
             </a:r>
             <a:endParaRPr lang="ru-RU"/>
           </a:p>
@@ -17379,7 +17395,7 @@
         <p:spPr/>
         <p:txBody>
           <a:bodyPr>
-            <a:normAutofit fontScale="92500" lnSpcReduction="20000"/>
+            <a:normAutofit fontScale="85000" lnSpcReduction="10000"/>
           </a:bodyPr>
           <a:lstStyle/>
           <a:p>
@@ -17403,7 +17419,11 @@
           <a:p>
             <a:r>
               <a:rPr lang="en-US" dirty="0" smtClean="0"/>
-              <a:t>XAML - </a:t>
+              <a:t>XAML </a:t>
+            </a:r>
+            <a:r>
+              <a:rPr lang="en-US" dirty="0" smtClean="0"/>
+              <a:t>- </a:t>
             </a:r>
             <a:r>
               <a:rPr lang="ru-RU" dirty="0"/>
@@ -17431,8 +17451,32 @@
             </a:r>
             <a:r>
               <a:rPr lang="en-US" dirty="0" smtClean="0"/>
-              <a:t>Windows Store</a:t>
-            </a:r>
+              <a:t>Windows </a:t>
+            </a:r>
+            <a:r>
+              <a:rPr lang="en-US" dirty="0" smtClean="0"/>
+              <a:t>Store</a:t>
+            </a:r>
+            <a:endParaRPr lang="ru-RU" dirty="0" smtClean="0"/>
+          </a:p>
+          <a:p>
+            <a:r>
+              <a:rPr lang="ru-RU" dirty="0" smtClean="0"/>
+              <a:t>Файлы ресурсов </a:t>
+            </a:r>
+            <a:r>
+              <a:rPr lang="en-US" dirty="0" smtClean="0"/>
+              <a:t>(*.</a:t>
+            </a:r>
+            <a:r>
+              <a:rPr lang="en-US" dirty="0" err="1" smtClean="0"/>
+              <a:t>resx</a:t>
+            </a:r>
+            <a:r>
+              <a:rPr lang="en-US" dirty="0" smtClean="0"/>
+              <a:t>)</a:t>
+            </a:r>
+            <a:endParaRPr lang="en-US" dirty="0" smtClean="0"/>
           </a:p>
           <a:p>
             <a:r>

--- a/Presentation/lesson-06-xml.pptx
+++ b/Presentation/lesson-06-xml.pptx
@@ -231,7 +231,7 @@
           <a:p>
             <a:fld id="{B24A7054-7FFB-49F4-A126-5DF6E687FF53}" type="datetimeFigureOut">
               <a:rPr lang="ru-RU" smtClean="0"/>
-              <a:t>10.11.2015</a:t>
+              <a:t>03.12.2015</a:t>
             </a:fld>
             <a:endParaRPr lang="ru-RU"/>
           </a:p>
@@ -1294,7 +1294,7 @@
           <a:p>
             <a:fld id="{8E6E6A2A-E9D3-4A0D-B04A-ABDD367A1E08}" type="datetimeFigureOut">
               <a:rPr lang="ru-RU" smtClean="0"/>
-              <a:t>10.11.2015</a:t>
+              <a:t>03.12.2015</a:t>
             </a:fld>
             <a:endParaRPr lang="ru-RU"/>
           </a:p>
@@ -2742,7 +2742,7 @@
           <a:p>
             <a:fld id="{AC3D3127-B7C4-45E3-9797-C527EC9FDD78}" type="datetimeFigureOut">
               <a:rPr lang="ru-RU" smtClean="0"/>
-              <a:t>10.11.2015</a:t>
+              <a:t>03.12.2015</a:t>
             </a:fld>
             <a:endParaRPr lang="ru-RU"/>
           </a:p>
@@ -13927,6 +13927,62 @@
           </a:graphicData>
         </a:graphic>
       </p:graphicFrame>
+      <p:sp>
+        <p:nvSpPr>
+          <p:cNvPr id="3" name="Rectangle 2"/>
+          <p:cNvSpPr/>
+          <p:nvPr/>
+        </p:nvSpPr>
+        <p:spPr>
+          <a:xfrm>
+            <a:off x="611560" y="4365104"/>
+            <a:ext cx="7992888" cy="923330"/>
+          </a:xfrm>
+          <a:prstGeom prst="rect">
+            <a:avLst/>
+          </a:prstGeom>
+        </p:spPr>
+        <p:txBody>
+          <a:bodyPr wrap="square">
+            <a:spAutoFit/>
+          </a:bodyPr>
+          <a:lstStyle/>
+          <a:p>
+            <a:r>
+              <a:rPr lang="ru-RU" dirty="0" smtClean="0"/>
+              <a:t>Смотрите полный список рекомендумемых элементов на сайте </a:t>
+            </a:r>
+            <a:r>
+              <a:rPr lang="en-US" dirty="0" smtClean="0"/>
+              <a:t>MSDN</a:t>
+            </a:r>
+          </a:p>
+          <a:p>
+            <a:endParaRPr lang="ru-RU" dirty="0" smtClean="0"/>
+          </a:p>
+          <a:p>
+            <a:r>
+              <a:rPr lang="en-US" dirty="0" smtClean="0">
+                <a:hlinkClick r:id="rId2"/>
+              </a:rPr>
+              <a:t>https</a:t>
+            </a:r>
+            <a:r>
+              <a:rPr lang="en-US" dirty="0">
+                <a:hlinkClick r:id="rId2"/>
+              </a:rPr>
+              <a:t>://</a:t>
+            </a:r>
+            <a:r>
+              <a:rPr lang="en-US" dirty="0" smtClean="0">
+                <a:hlinkClick r:id="rId2"/>
+              </a:rPr>
+              <a:t>msdn.microsoft.com/en-us/library/5ast78ax.aspx</a:t>
+            </a:r>
+            <a:endParaRPr lang="ru-RU" dirty="0"/>
+          </a:p>
+        </p:txBody>
+      </p:sp>
     </p:spTree>
     <p:extLst>
       <p:ext uri="{BB962C8B-B14F-4D97-AF65-F5344CB8AC3E}">

--- a/Presentation/lesson-06-xml.pptx
+++ b/Presentation/lesson-06-xml.pptx
@@ -231,7 +231,7 @@
           <a:p>
             <a:fld id="{B24A7054-7FFB-49F4-A126-5DF6E687FF53}" type="datetimeFigureOut">
               <a:rPr lang="ru-RU" smtClean="0"/>
-              <a:t>03.12.2015</a:t>
+              <a:t>01.02.2016</a:t>
             </a:fld>
             <a:endParaRPr lang="ru-RU"/>
           </a:p>
@@ -1294,7 +1294,7 @@
           <a:p>
             <a:fld id="{8E6E6A2A-E9D3-4A0D-B04A-ABDD367A1E08}" type="datetimeFigureOut">
               <a:rPr lang="ru-RU" smtClean="0"/>
-              <a:t>03.12.2015</a:t>
+              <a:t>01.02.2016</a:t>
             </a:fld>
             <a:endParaRPr lang="ru-RU"/>
           </a:p>
@@ -2742,7 +2742,7 @@
           <a:p>
             <a:fld id="{AC3D3127-B7C4-45E3-9797-C527EC9FDD78}" type="datetimeFigureOut">
               <a:rPr lang="ru-RU" smtClean="0"/>
-              <a:t>03.12.2015</a:t>
+              <a:t>01.02.2016</a:t>
             </a:fld>
             <a:endParaRPr lang="ru-RU"/>
           </a:p>
@@ -17762,7 +17762,21 @@
             </a:r>
             <a:r>
               <a:rPr lang="en-US" dirty="0" smtClean="0"/>
-              <a:t>Windows Store</a:t>
+              <a:t>Windows </a:t>
+            </a:r>
+            <a:r>
+              <a:rPr lang="en-US" dirty="0" smtClean="0"/>
+              <a:t>Store</a:t>
+            </a:r>
+          </a:p>
+          <a:p>
+            <a:r>
+              <a:rPr lang="en-US" dirty="0"/>
+              <a:t>XML </a:t>
+            </a:r>
+            <a:r>
+              <a:rPr lang="ru-RU" dirty="0"/>
+              <a:t>сериализация</a:t>
             </a:r>
             <a:endParaRPr lang="ru-RU" dirty="0" smtClean="0"/>
           </a:p>
@@ -17799,18 +17813,13 @@
             </a:r>
             <a:r>
               <a:rPr lang="en-US" dirty="0" smtClean="0"/>
-              <a:t>(*.manifest)</a:t>
-            </a:r>
-          </a:p>
-          <a:p>
+              <a:t>(*.manifest</a:t>
+            </a:r>
             <a:r>
               <a:rPr lang="en-US" dirty="0" smtClean="0"/>
-              <a:t>XML </a:t>
-            </a:r>
-            <a:r>
-              <a:rPr lang="ru-RU" dirty="0" smtClean="0"/>
-              <a:t>сериализация</a:t>
-            </a:r>
+              <a:t>)</a:t>
+            </a:r>
+            <a:endParaRPr lang="ru-RU" dirty="0" smtClean="0"/>
           </a:p>
           <a:p>
             <a:r>
@@ -17843,6 +17852,28 @@
             <a:r>
               <a:rPr lang="en-US" dirty="0" smtClean="0"/>
               <a:t>)</a:t>
+            </a:r>
+          </a:p>
+          <a:p>
+            <a:r>
+              <a:rPr lang="ru-RU" dirty="0" smtClean="0"/>
+              <a:t>Описание пакетов </a:t>
+            </a:r>
+            <a:r>
+              <a:rPr lang="en-US" dirty="0" smtClean="0"/>
+              <a:t>NuGet (*.</a:t>
+            </a:r>
+            <a:r>
+              <a:rPr lang="en-US" dirty="0" err="1" smtClean="0"/>
+              <a:t>nuspec</a:t>
+            </a:r>
+            <a:r>
+              <a:rPr lang="en-US" dirty="0" smtClean="0"/>
+              <a:t> </a:t>
+            </a:r>
+            <a:r>
+              <a:rPr lang="ru-RU" dirty="0" smtClean="0"/>
+              <a:t>файлы)</a:t>
             </a:r>
             <a:endParaRPr lang="ru-RU" dirty="0"/>
           </a:p>

--- a/Presentation/lesson-06-xml.pptx
+++ b/Presentation/lesson-06-xml.pptx
@@ -231,7 +231,7 @@
           <a:p>
             <a:fld id="{B24A7054-7FFB-49F4-A126-5DF6E687FF53}" type="datetimeFigureOut">
               <a:rPr lang="ru-RU" smtClean="0"/>
-              <a:t>01.02.2016</a:t>
+              <a:t>25.02.2016</a:t>
             </a:fld>
             <a:endParaRPr lang="ru-RU"/>
           </a:p>
@@ -1294,7 +1294,7 @@
           <a:p>
             <a:fld id="{8E6E6A2A-E9D3-4A0D-B04A-ABDD367A1E08}" type="datetimeFigureOut">
               <a:rPr lang="ru-RU" smtClean="0"/>
-              <a:t>01.02.2016</a:t>
+              <a:t>25.02.2016</a:t>
             </a:fld>
             <a:endParaRPr lang="ru-RU"/>
           </a:p>
@@ -2742,7 +2742,7 @@
           <a:p>
             <a:fld id="{AC3D3127-B7C4-45E3-9797-C527EC9FDD78}" type="datetimeFigureOut">
               <a:rPr lang="ru-RU" smtClean="0"/>
-              <a:t>01.02.2016</a:t>
+              <a:t>25.02.2016</a:t>
             </a:fld>
             <a:endParaRPr lang="ru-RU"/>
           </a:p>
@@ -14204,7 +14204,9 @@
         </p:nvSpPr>
         <p:spPr/>
         <p:txBody>
-          <a:bodyPr/>
+          <a:bodyPr>
+            <a:normAutofit fontScale="90000"/>
+          </a:bodyPr>
           <a:lstStyle/>
           <a:p>
             <a:r>
@@ -14217,7 +14219,14 @@
             </a:r>
             <a:r>
               <a:rPr lang="en-US" dirty="0" smtClean="0"/>
-              <a:t>: Sandcastle</a:t>
+              <a:t>:</a:t>
+            </a:r>
+            <a:br>
+              <a:rPr lang="en-US" dirty="0" smtClean="0"/>
+            </a:br>
+            <a:r>
+              <a:rPr lang="en-US" dirty="0" smtClean="0"/>
+              <a:t>Sandcastle Help File Builder</a:t>
             </a:r>
             <a:endParaRPr lang="ru-RU" dirty="0"/>
           </a:p>
@@ -14243,6 +14252,12 @@
             <a:pPr marL="0" indent="0">
               <a:buNone/>
             </a:pPr>
+            <a:endParaRPr lang="en-US" dirty="0" smtClean="0"/>
+          </a:p>
+          <a:p>
+            <a:pPr marL="0" indent="0">
+              <a:buNone/>
+            </a:pPr>
             <a:r>
               <a:rPr lang="ru-RU" dirty="0" smtClean="0"/>
               <a:t>Полученный </a:t>
@@ -14253,11 +14268,15 @@
             </a:r>
             <a:r>
               <a:rPr lang="ru-RU" dirty="0" smtClean="0"/>
-              <a:t>файл неудобен для чтения человеком. Однако его можно обработать с помощью программы </a:t>
+              <a:t>файл неудобен для чтения человеком. Однако его можно обработать с помощью </a:t>
+            </a:r>
+            <a:r>
+              <a:rPr lang="en-US" dirty="0"/>
+              <a:t>Sandcastle Help File </a:t>
             </a:r>
             <a:r>
               <a:rPr lang="en-US" dirty="0" smtClean="0"/>
-              <a:t>Sandcastle</a:t>
+              <a:t>Builder</a:t>
             </a:r>
             <a:r>
               <a:rPr lang="en-US" dirty="0"/>
@@ -14271,7 +14290,7 @@
               <a:rPr lang="en-US" dirty="0" smtClean="0">
                 <a:hlinkClick r:id="rId2"/>
               </a:rPr>
-              <a:t>shfb.codeplex.com</a:t>
+              <a:t>https://github.com/EWSoftware/SHFB</a:t>
             </a:r>
             <a:r>
               <a:rPr lang="en-US" dirty="0" smtClean="0"/>
@@ -14370,6 +14389,13 @@
   <p:clrMapOvr>
     <a:masterClrMapping/>
   </p:clrMapOvr>
+  <p:timing>
+    <p:tnLst>
+      <p:par>
+        <p:cTn id="1" dur="indefinite" restart="never" nodeType="tmRoot"/>
+      </p:par>
+    </p:tnLst>
+  </p:timing>
 </p:sld>
 </file>
 
@@ -14510,6 +14536,13 @@
   <p:clrMapOvr>
     <a:masterClrMapping/>
   </p:clrMapOvr>
+  <p:timing>
+    <p:tnLst>
+      <p:par>
+        <p:cTn id="1" dur="indefinite" restart="never" nodeType="tmRoot"/>
+      </p:par>
+    </p:tnLst>
+  </p:timing>
 </p:sld>
 </file>
 
@@ -17762,11 +17795,7 @@
             </a:r>
             <a:r>
               <a:rPr lang="en-US" dirty="0" smtClean="0"/>
-              <a:t>Windows </a:t>
-            </a:r>
-            <a:r>
-              <a:rPr lang="en-US" dirty="0" smtClean="0"/>
-              <a:t>Store</a:t>
+              <a:t>Windows Store</a:t>
             </a:r>
           </a:p>
           <a:p>
@@ -17813,11 +17842,7 @@
             </a:r>
             <a:r>
               <a:rPr lang="en-US" dirty="0" smtClean="0"/>
-              <a:t>(*.manifest</a:t>
-            </a:r>
-            <a:r>
-              <a:rPr lang="en-US" dirty="0" smtClean="0"/>
-              <a:t>)</a:t>
+              <a:t>(*.manifest)</a:t>
             </a:r>
             <a:endParaRPr lang="ru-RU" dirty="0" smtClean="0"/>
           </a:p>

--- a/Presentation/lesson-06-xml.pptx
+++ b/Presentation/lesson-06-xml.pptx
@@ -231,7 +231,7 @@
           <a:p>
             <a:fld id="{B24A7054-7FFB-49F4-A126-5DF6E687FF53}" type="datetimeFigureOut">
               <a:rPr lang="ru-RU" smtClean="0"/>
-              <a:t>25.02.2016</a:t>
+              <a:t>15.03.2016</a:t>
             </a:fld>
             <a:endParaRPr lang="ru-RU"/>
           </a:p>
@@ -1294,7 +1294,7 @@
           <a:p>
             <a:fld id="{8E6E6A2A-E9D3-4A0D-B04A-ABDD367A1E08}" type="datetimeFigureOut">
               <a:rPr lang="ru-RU" smtClean="0"/>
-              <a:t>25.02.2016</a:t>
+              <a:t>15.03.2016</a:t>
             </a:fld>
             <a:endParaRPr lang="ru-RU"/>
           </a:p>
@@ -2742,7 +2742,7 @@
           <a:p>
             <a:fld id="{AC3D3127-B7C4-45E3-9797-C527EC9FDD78}" type="datetimeFigureOut">
               <a:rPr lang="ru-RU" smtClean="0"/>
-              <a:t>25.02.2016</a:t>
+              <a:t>15.03.2016</a:t>
             </a:fld>
             <a:endParaRPr lang="ru-RU"/>
           </a:p>
@@ -3816,14 +3816,39 @@
           <a:bodyPr/>
           <a:lstStyle/>
           <a:p>
-            <a:pPr marL="0" indent="0">
-              <a:buNone/>
-            </a:pPr>
-            <a:r>
-              <a:rPr lang="ru-RU" smtClean="0"/>
-              <a:t>Атрибуты лучше подходят для коротких простых данных без вложенности (сейчас или в будущем).</a:t>
-            </a:r>
-            <a:endParaRPr lang="ru-RU"/>
+            <a:r>
+              <a:rPr lang="ru-RU" dirty="0" smtClean="0"/>
+              <a:t>Атрибуты лучше подходят для коротких простых данных без вложенности (сейчас или в будущем</a:t>
+            </a:r>
+            <a:r>
+              <a:rPr lang="ru-RU" dirty="0" smtClean="0"/>
+              <a:t>).</a:t>
+            </a:r>
+            <a:endParaRPr lang="en-US" dirty="0" smtClean="0"/>
+          </a:p>
+          <a:p>
+            <a:r>
+              <a:rPr lang="ru-RU" dirty="0" smtClean="0"/>
+              <a:t>По атрибутам проще делать поиск с помощью </a:t>
+            </a:r>
+            <a:r>
+              <a:rPr lang="en-US" dirty="0" smtClean="0"/>
+              <a:t>XPath </a:t>
+            </a:r>
+            <a:r>
+              <a:rPr lang="ru-RU" dirty="0" smtClean="0"/>
+              <a:t>запросов</a:t>
+            </a:r>
+          </a:p>
+          <a:p>
+            <a:endParaRPr lang="ru-RU" dirty="0"/>
+          </a:p>
+          <a:p>
+            <a:r>
+              <a:rPr lang="ru-RU" dirty="0" smtClean="0"/>
+              <a:t>Элементы лучше подходят для длинных значений</a:t>
+            </a:r>
+            <a:endParaRPr lang="ru-RU" dirty="0"/>
           </a:p>
         </p:txBody>
       </p:sp>
@@ -3837,6 +3862,13 @@
   <p:clrMapOvr>
     <a:masterClrMapping/>
   </p:clrMapOvr>
+  <p:timing>
+    <p:tnLst>
+      <p:par>
+        <p:cTn id="1" dur="indefinite" restart="never" nodeType="tmRoot"/>
+      </p:par>
+    </p:tnLst>
+  </p:timing>
 </p:sld>
 </file>
 

--- a/Presentation/lesson-06-xml.pptx
+++ b/Presentation/lesson-06-xml.pptx
@@ -231,7 +231,7 @@
           <a:p>
             <a:fld id="{B24A7054-7FFB-49F4-A126-5DF6E687FF53}" type="datetimeFigureOut">
               <a:rPr lang="ru-RU" smtClean="0"/>
-              <a:t>15.03.2016</a:t>
+              <a:t>17.04.2016</a:t>
             </a:fld>
             <a:endParaRPr lang="ru-RU"/>
           </a:p>
@@ -1294,7 +1294,7 @@
           <a:p>
             <a:fld id="{8E6E6A2A-E9D3-4A0D-B04A-ABDD367A1E08}" type="datetimeFigureOut">
               <a:rPr lang="ru-RU" smtClean="0"/>
-              <a:t>15.03.2016</a:t>
+              <a:t>17.04.2016</a:t>
             </a:fld>
             <a:endParaRPr lang="ru-RU"/>
           </a:p>
@@ -2742,7 +2742,7 @@
           <a:p>
             <a:fld id="{AC3D3127-B7C4-45E3-9797-C527EC9FDD78}" type="datetimeFigureOut">
               <a:rPr lang="ru-RU" smtClean="0"/>
-              <a:t>15.03.2016</a:t>
+              <a:t>17.04.2016</a:t>
             </a:fld>
             <a:endParaRPr lang="ru-RU"/>
           </a:p>
@@ -3818,11 +3818,7 @@
           <a:p>
             <a:r>
               <a:rPr lang="ru-RU" dirty="0" smtClean="0"/>
-              <a:t>Атрибуты лучше подходят для коротких простых данных без вложенности (сейчас или в будущем</a:t>
-            </a:r>
-            <a:r>
-              <a:rPr lang="ru-RU" dirty="0" smtClean="0"/>
-              <a:t>).</a:t>
+              <a:t>Атрибуты лучше подходят для коротких простых данных без вложенности (сейчас или в будущем).</a:t>
             </a:r>
             <a:endParaRPr lang="en-US" dirty="0" smtClean="0"/>
           </a:p>
@@ -11012,11 +11008,56 @@
                 </a:solidFill>
                 <a:latin typeface="Consolas"/>
               </a:rPr>
-              <a:t> (</a:t>
+              <a:t> </a:t>
+            </a:r>
+            <a:r>
+              <a:rPr lang="en-US" sz="1200" dirty="0" smtClean="0">
+                <a:solidFill>
+                  <a:prstClr val="black"/>
+                </a:solidFill>
+                <a:latin typeface="Consolas"/>
+              </a:rPr>
+              <a:t>(</a:t>
+            </a:r>
+            <a:r>
+              <a:rPr lang="en-US" sz="1200" dirty="0" err="1" smtClean="0">
+                <a:solidFill>
+                  <a:srgbClr val="2B91AF"/>
+                </a:solidFill>
+                <a:latin typeface="Consolas"/>
+              </a:rPr>
+              <a:t>var</a:t>
+            </a:r>
+            <a:r>
+              <a:rPr lang="en-US" sz="1200" dirty="0" smtClean="0">
+                <a:solidFill>
+                  <a:prstClr val="black"/>
+                </a:solidFill>
+                <a:latin typeface="Consolas"/>
+              </a:rPr>
+              <a:t> </a:t>
             </a:r>
             <a:r>
               <a:rPr lang="en-US" sz="1200" dirty="0" err="1">
                 <a:solidFill>
+                  <a:prstClr val="black"/>
+                </a:solidFill>
+                <a:latin typeface="Consolas"/>
+              </a:rPr>
+              <a:t>xmlReader</a:t>
+            </a:r>
+            <a:r>
+              <a:rPr lang="en-US" sz="1200" dirty="0">
+                <a:solidFill>
+                  <a:prstClr val="black"/>
+                </a:solidFill>
+                <a:latin typeface="Consolas"/>
+              </a:rPr>
+              <a:t> = </a:t>
+            </a:r>
+            <a:r>
+              <a:rPr lang="en-US" sz="1200" dirty="0" err="1">
+                <a:solidFill>
                   <a:srgbClr val="2B91AF"/>
                 </a:solidFill>
                 <a:latin typeface="Consolas"/>
@@ -11024,95 +11065,65 @@
               <a:t>XmlReader</a:t>
             </a:r>
             <a:r>
+              <a:rPr lang="en-US" sz="1200" dirty="0" err="1">
+                <a:solidFill>
+                  <a:prstClr val="black"/>
+                </a:solidFill>
+                <a:latin typeface="Consolas"/>
+              </a:rPr>
+              <a:t>.Create</a:t>
+            </a:r>
+            <a:r>
+              <a:rPr lang="en-US" sz="1200" dirty="0" smtClean="0">
+                <a:solidFill>
+                  <a:prstClr val="black"/>
+                </a:solidFill>
+                <a:latin typeface="Consolas"/>
+              </a:rPr>
+              <a:t>(</a:t>
+            </a:r>
+            <a:r>
               <a:rPr lang="en-US" sz="1200" dirty="0">
                 <a:solidFill>
+                  <a:srgbClr val="A31515"/>
+                </a:solidFill>
+                <a:latin typeface="Consolas"/>
+              </a:rPr>
+              <a:t>"http://rss.slashdot.org/Slashdot/</a:t>
+            </a:r>
+            <a:r>
+              <a:rPr lang="en-US" sz="1200" dirty="0" err="1">
+                <a:solidFill>
+                  <a:srgbClr val="A31515"/>
+                </a:solidFill>
+                <a:latin typeface="Consolas"/>
+              </a:rPr>
+              <a:t>slashdotMainatom</a:t>
+            </a:r>
+            <a:r>
+              <a:rPr lang="en-US" sz="1200" dirty="0">
+                <a:solidFill>
+                  <a:srgbClr val="A31515"/>
+                </a:solidFill>
+                <a:latin typeface="Consolas"/>
+              </a:rPr>
+              <a:t>"</a:t>
+            </a:r>
+            <a:r>
+              <a:rPr lang="en-US" sz="1200" dirty="0" smtClean="0">
+                <a:solidFill>
                   <a:prstClr val="black"/>
                 </a:solidFill>
                 <a:latin typeface="Consolas"/>
               </a:rPr>
-              <a:t> </a:t>
-            </a:r>
-            <a:r>
-              <a:rPr lang="en-US" sz="1200" dirty="0" err="1">
-                <a:solidFill>
-                  <a:prstClr val="black"/>
-                </a:solidFill>
-                <a:latin typeface="Consolas"/>
-              </a:rPr>
-              <a:t>xmlReader</a:t>
-            </a:r>
-            <a:r>
-              <a:rPr lang="en-US" sz="1200" dirty="0">
-                <a:solidFill>
-                  <a:prstClr val="black"/>
-                </a:solidFill>
-                <a:latin typeface="Consolas"/>
-              </a:rPr>
-              <a:t> = </a:t>
-            </a:r>
-            <a:r>
-              <a:rPr lang="en-US" sz="1200" dirty="0" err="1">
-                <a:solidFill>
-                  <a:srgbClr val="2B91AF"/>
-                </a:solidFill>
-                <a:latin typeface="Consolas"/>
-              </a:rPr>
-              <a:t>XmlReader</a:t>
-            </a:r>
-            <a:r>
-              <a:rPr lang="en-US" sz="1200" dirty="0" err="1">
-                <a:solidFill>
-                  <a:prstClr val="black"/>
-                </a:solidFill>
-                <a:latin typeface="Consolas"/>
-              </a:rPr>
-              <a:t>.Create</a:t>
-            </a:r>
-            <a:r>
-              <a:rPr lang="en-US" sz="1200" dirty="0">
-                <a:solidFill>
-                  <a:prstClr val="black"/>
-                </a:solidFill>
-                <a:latin typeface="Consolas"/>
-              </a:rPr>
-              <a:t>(</a:t>
-            </a:r>
-            <a:r>
-              <a:rPr lang="en-US" sz="1200" dirty="0">
-                <a:solidFill>
-                  <a:srgbClr val="A31515"/>
-                </a:solidFill>
-                <a:latin typeface="Consolas"/>
-              </a:rPr>
-              <a:t>"http://rss.slashdot.org/Slashdot/</a:t>
-            </a:r>
-            <a:r>
-              <a:rPr lang="en-US" sz="1200" dirty="0" err="1">
-                <a:solidFill>
-                  <a:srgbClr val="A31515"/>
-                </a:solidFill>
-                <a:latin typeface="Consolas"/>
-              </a:rPr>
-              <a:t>slashdot</a:t>
-            </a:r>
-            <a:r>
-              <a:rPr lang="en-US" sz="1200" dirty="0">
-                <a:solidFill>
-                  <a:srgbClr val="A31515"/>
-                </a:solidFill>
-                <a:latin typeface="Consolas"/>
-              </a:rPr>
-              <a:t>"</a:t>
-            </a:r>
-            <a:r>
-              <a:rPr lang="en-US" sz="1200" dirty="0">
-                <a:solidFill>
-                  <a:prstClr val="black"/>
-                </a:solidFill>
-                <a:latin typeface="Consolas"/>
-              </a:rPr>
               <a:t>))</a:t>
             </a:r>
+            <a:endParaRPr lang="en-US" sz="1200" dirty="0">
+              <a:solidFill>
+                <a:prstClr val="black"/>
+              </a:solidFill>
+              <a:latin typeface="Consolas"/>
+            </a:endParaRPr>
           </a:p>
           <a:p>
             <a:r>

--- a/Presentation/lesson-06-xml.pptx
+++ b/Presentation/lesson-06-xml.pptx
@@ -249,7 +249,7 @@
           <a:p>
             <a:fld id="{B24A7054-7FFB-49F4-A126-5DF6E687FF53}" type="datetimeFigureOut">
               <a:rPr lang="ru-RU" smtClean="0"/>
-              <a:t>31.01.2017</a:t>
+              <a:t>28.04.2017</a:t>
             </a:fld>
             <a:endParaRPr lang="ru-RU"/>
           </a:p>
@@ -1312,7 +1312,7 @@
           <a:p>
             <a:fld id="{8E6E6A2A-E9D3-4A0D-B04A-ABDD367A1E08}" type="datetimeFigureOut">
               <a:rPr lang="ru-RU" smtClean="0"/>
-              <a:t>31.01.2017</a:t>
+              <a:t>28.04.2017</a:t>
             </a:fld>
             <a:endParaRPr lang="ru-RU"/>
           </a:p>
@@ -2760,7 +2760,7 @@
           <a:p>
             <a:fld id="{AC3D3127-B7C4-45E3-9797-C527EC9FDD78}" type="datetimeFigureOut">
               <a:rPr lang="ru-RU" smtClean="0"/>
-              <a:t>31.01.2017</a:t>
+              <a:t>28.04.2017</a:t>
             </a:fld>
             <a:endParaRPr lang="ru-RU"/>
           </a:p>
@@ -5797,11 +5797,7 @@
             </a:r>
             <a:r>
               <a:rPr lang="ru-RU" sz="2400" dirty="0" smtClean="0"/>
-              <a:t>Вместо этого можно преобразовать </a:t>
-            </a:r>
-            <a:r>
-              <a:rPr lang="ru-RU" sz="2400" dirty="0" smtClean="0"/>
-              <a:t>последовательность байтов в текстовое представление и уже его сохранять в </a:t>
+              <a:t>Вместо этого можно преобразовать последовательность байтов в текстовое представление и уже его сохранять в </a:t>
             </a:r>
             <a:r>
               <a:rPr lang="en-US" sz="2400" dirty="0" smtClean="0"/>
@@ -6316,15 +6312,7 @@
             </a:r>
             <a:r>
               <a:rPr lang="en-US" dirty="0" smtClean="0"/>
-              <a:t>version="1.0</a:t>
-            </a:r>
-            <a:r>
-              <a:rPr lang="en-US" dirty="0" smtClean="0"/>
-              <a:t>"</a:t>
-            </a:r>
-            <a:r>
-              <a:rPr lang="en-US" dirty="0" smtClean="0"/>
-              <a:t> </a:t>
+              <a:t>version="1.0" </a:t>
             </a:r>
             <a:r>
               <a:rPr lang="en-US" dirty="0"/>
@@ -6347,17 +6335,8 @@
             </a:r>
             <a:r>
               <a:rPr lang="en-US" dirty="0" smtClean="0"/>
-              <a:t>version="1.0" encoding="windows-1251</a:t>
-            </a:r>
-            <a:r>
-              <a:rPr lang="en-US" dirty="0" smtClean="0"/>
-              <a:t>"</a:t>
-            </a:r>
-            <a:r>
-              <a:rPr lang="en-US" dirty="0" smtClean="0"/>
-              <a:t>?&gt;</a:t>
-            </a:r>
-            <a:endParaRPr lang="en-US" dirty="0" smtClean="0"/>
+              <a:t>version="1.0" encoding="windows-1251"?&gt;</a:t>
+            </a:r>
           </a:p>
           <a:p>
             <a:r>
@@ -6373,11 +6352,7 @@
             </a:r>
             <a:r>
               <a:rPr lang="en-US" dirty="0" smtClean="0"/>
-              <a:t>href="URL</a:t>
-            </a:r>
-            <a:r>
-              <a:rPr lang="en-US" dirty="0" smtClean="0"/>
-              <a:t>"?&gt;</a:t>
+              <a:t>href="URL"?&gt;</a:t>
             </a:r>
           </a:p>
           <a:p>
@@ -6942,8 +6917,8 @@
               <a:t>в </a:t>
             </a:r>
             <a:r>
-              <a:rPr lang="ru-RU" sz="1800" dirty="0"/>
-              <a:t>кавычки</a:t>
+              <a:rPr lang="ru-RU" sz="1800" dirty="0" smtClean="0"/>
+              <a:t>парные кавычки</a:t>
             </a:r>
             <a:endParaRPr lang="en-US" sz="1800" dirty="0"/>
           </a:p>
@@ -9496,14 +9471,14 @@
           <p:nvPr>
             <p:extLst>
               <p:ext uri="{D42A27DB-BD31-4B8C-83A1-F6EECF244321}">
-                <p14:modId xmlns:p14="http://schemas.microsoft.com/office/powerpoint/2010/main" val="94545742"/>
+                <p14:modId xmlns:p14="http://schemas.microsoft.com/office/powerpoint/2010/main" val="2101943200"/>
               </p:ext>
             </p:extLst>
           </p:nvPr>
         </p:nvGraphicFramePr>
         <p:xfrm>
           <a:off x="575556" y="1340768"/>
-          <a:ext cx="7992889" cy="2865120"/>
+          <a:ext cx="7992889" cy="2595880"/>
         </p:xfrm>
         <a:graphic>
           <a:graphicData uri="http://schemas.openxmlformats.org/drawingml/2006/table">
@@ -9512,9 +9487,9 @@
                 <a:tableStyleId>{5C22544A-7EE6-4342-B048-85BDC9FD1C3A}</a:tableStyleId>
               </a:tblPr>
               <a:tblGrid>
-                <a:gridCol w="1908212"/>
-                <a:gridCol w="2724742"/>
-                <a:gridCol w="3359935"/>
+                <a:gridCol w="2700300"/>
+                <a:gridCol w="2808312"/>
+                <a:gridCol w="2484277"/>
               </a:tblGrid>
               <a:tr h="370840">
                 <a:tc>
@@ -9525,7 +9500,7 @@
                       <a:r>
                         <a:rPr lang="ru-RU" dirty="0" smtClean="0">
                           <a:solidFill>
-                            <a:srgbClr val="002060"/>
+                            <a:schemeClr val="bg1"/>
                           </a:solidFill>
                         </a:rPr>
                         <a:t>Вид</a:t>
@@ -9533,7 +9508,7 @@
                       <a:r>
                         <a:rPr lang="ru-RU" baseline="0" dirty="0" smtClean="0">
                           <a:solidFill>
-                            <a:srgbClr val="002060"/>
+                            <a:schemeClr val="bg1"/>
                           </a:solidFill>
                         </a:rPr>
                         <a:t> </a:t>
@@ -9541,7 +9516,7 @@
                       <a:r>
                         <a:rPr lang="en-US" baseline="0" dirty="0" smtClean="0">
                           <a:solidFill>
-                            <a:srgbClr val="002060"/>
+                            <a:schemeClr val="bg1"/>
                           </a:solidFill>
                         </a:rPr>
                         <a:t>XML </a:t>
@@ -9549,14 +9524,14 @@
                       <a:r>
                         <a:rPr lang="ru-RU" baseline="0" dirty="0" smtClean="0">
                           <a:solidFill>
-                            <a:srgbClr val="002060"/>
+                            <a:schemeClr val="bg1"/>
                           </a:solidFill>
                         </a:rPr>
                         <a:t>узла</a:t>
                       </a:r>
                       <a:endParaRPr lang="ru-RU" dirty="0">
                         <a:solidFill>
-                          <a:srgbClr val="002060"/>
+                          <a:schemeClr val="bg1"/>
                         </a:solidFill>
                       </a:endParaRPr>
                     </a:p>
@@ -9598,6 +9573,9 @@
                       <a:headEnd type="none" w="med" len="med"/>
                       <a:tailEnd type="none" w="med" len="med"/>
                     </a:lnB>
+                    <a:solidFill>
+                      <a:srgbClr val="002060"/>
+                    </a:solidFill>
                   </a:tcPr>
                 </a:tc>
                 <a:tc>
@@ -9608,7 +9586,7 @@
                       <a:r>
                         <a:rPr lang="en-US" dirty="0" err="1" smtClean="0">
                           <a:solidFill>
-                            <a:srgbClr val="002060"/>
+                            <a:schemeClr val="bg1"/>
                           </a:solidFill>
                         </a:rPr>
                         <a:t>XmlDocument</a:t>
@@ -9616,7 +9594,7 @@
                       <a:r>
                         <a:rPr lang="en-US" baseline="0" dirty="0" smtClean="0">
                           <a:solidFill>
-                            <a:srgbClr val="002060"/>
+                            <a:schemeClr val="bg1"/>
                           </a:solidFill>
                         </a:rPr>
                         <a:t> </a:t>
@@ -9624,14 +9602,14 @@
                       <a:r>
                         <a:rPr lang="ru-RU" baseline="0" dirty="0" smtClean="0">
                           <a:solidFill>
-                            <a:srgbClr val="002060"/>
+                            <a:schemeClr val="bg1"/>
                           </a:solidFill>
                         </a:rPr>
                         <a:t>классы</a:t>
                       </a:r>
                       <a:endParaRPr lang="ru-RU" dirty="0">
                         <a:solidFill>
-                          <a:srgbClr val="002060"/>
+                          <a:schemeClr val="bg1"/>
                         </a:solidFill>
                       </a:endParaRPr>
                     </a:p>
@@ -9673,6 +9651,9 @@
                       <a:headEnd type="none" w="med" len="med"/>
                       <a:tailEnd type="none" w="med" len="med"/>
                     </a:lnB>
+                    <a:solidFill>
+                      <a:srgbClr val="002060"/>
+                    </a:solidFill>
                   </a:tcPr>
                 </a:tc>
                 <a:tc>
@@ -9683,7 +9664,7 @@
                       <a:r>
                         <a:rPr lang="en-US" dirty="0" smtClean="0">
                           <a:solidFill>
-                            <a:srgbClr val="002060"/>
+                            <a:schemeClr val="bg1"/>
                           </a:solidFill>
                         </a:rPr>
                         <a:t>LINQ</a:t>
@@ -9691,7 +9672,7 @@
                       <a:r>
                         <a:rPr lang="en-US" baseline="0" dirty="0" smtClean="0">
                           <a:solidFill>
-                            <a:srgbClr val="002060"/>
+                            <a:schemeClr val="bg1"/>
                           </a:solidFill>
                         </a:rPr>
                         <a:t> to XML </a:t>
@@ -9699,14 +9680,14 @@
                       <a:r>
                         <a:rPr lang="ru-RU" baseline="0" dirty="0" smtClean="0">
                           <a:solidFill>
-                            <a:srgbClr val="002060"/>
+                            <a:schemeClr val="bg1"/>
                           </a:solidFill>
                         </a:rPr>
                         <a:t>классы</a:t>
                       </a:r>
                       <a:endParaRPr lang="ru-RU" dirty="0">
                         <a:solidFill>
-                          <a:srgbClr val="002060"/>
+                          <a:schemeClr val="bg1"/>
                         </a:solidFill>
                       </a:endParaRPr>
                     </a:p>
@@ -9748,6 +9729,9 @@
                       <a:headEnd type="none" w="med" len="med"/>
                       <a:tailEnd type="none" w="med" len="med"/>
                     </a:lnB>
+                    <a:solidFill>
+                      <a:srgbClr val="002060"/>
+                    </a:solidFill>
                   </a:tcPr>
                 </a:tc>
               </a:tr>
@@ -10481,13 +10465,14 @@
                         </a:rPr>
                         <a:t>Инструкции</a:t>
                       </a:r>
-                      <a:br>
-                        <a:rPr lang="ru-RU" b="1" dirty="0" smtClean="0">
+                      <a:r>
+                        <a:rPr lang="ru-RU" b="1" baseline="0" dirty="0" smtClean="0">
                           <a:solidFill>
                             <a:srgbClr val="002060"/>
                           </a:solidFill>
                         </a:rPr>
-                      </a:br>
+                        <a:t> </a:t>
+                      </a:r>
                       <a:r>
                         <a:rPr lang="ru-RU" b="1" dirty="0" smtClean="0">
                           <a:solidFill>
@@ -16453,15 +16438,7 @@
             </a:r>
             <a:r>
               <a:rPr lang="en-US" sz="1400" dirty="0" smtClean="0"/>
-              <a:t>version="1.0</a:t>
-            </a:r>
-            <a:r>
-              <a:rPr lang="en-US" sz="1400" dirty="0" smtClean="0"/>
-              <a:t>"</a:t>
-            </a:r>
-            <a:r>
-              <a:rPr lang="en-US" sz="1400" dirty="0" smtClean="0"/>
-              <a:t>?&gt;</a:t>
+              <a:t>version="1.0"?&gt;</a:t>
             </a:r>
             <a:r>
               <a:rPr lang="ru-RU" sz="1400" dirty="0" smtClean="0"/>

--- a/Presentation/lesson-06-xml.pptx
+++ b/Presentation/lesson-06-xml.pptx
@@ -249,7 +249,7 @@
           <a:p>
             <a:fld id="{B24A7054-7FFB-49F4-A126-5DF6E687FF53}" type="datetimeFigureOut">
               <a:rPr lang="ru-RU" smtClean="0"/>
-              <a:t>28.04.2017</a:t>
+              <a:t>06.02.2018</a:t>
             </a:fld>
             <a:endParaRPr lang="ru-RU"/>
           </a:p>
@@ -1312,7 +1312,7 @@
           <a:p>
             <a:fld id="{8E6E6A2A-E9D3-4A0D-B04A-ABDD367A1E08}" type="datetimeFigureOut">
               <a:rPr lang="ru-RU" smtClean="0"/>
-              <a:t>28.04.2017</a:t>
+              <a:t>06.02.2018</a:t>
             </a:fld>
             <a:endParaRPr lang="ru-RU"/>
           </a:p>
@@ -2760,7 +2760,7 @@
           <a:p>
             <a:fld id="{AC3D3127-B7C4-45E3-9797-C527EC9FDD78}" type="datetimeFigureOut">
               <a:rPr lang="ru-RU" smtClean="0"/>
-              <a:t>28.04.2017</a:t>
+              <a:t>06.02.2018</a:t>
             </a:fld>
             <a:endParaRPr lang="ru-RU"/>
           </a:p>
@@ -3949,7 +3949,15 @@
             </a:r>
             <a:r>
               <a:rPr lang="ru-RU" sz="2400" dirty="0"/>
-              <a:t>символы не могут использоваться в тексте элементов, так как применяются в разметке документа: &lt; и &amp;. Эти символы, а также некоторые другие, могут быть обозначены особым </a:t>
+              <a:t>символы не могут использоваться в тексте элементов, так как применяются в разметке документа: &lt; и &amp;. </a:t>
+            </a:r>
+            <a:r>
+              <a:rPr lang="ru-RU" sz="2400" dirty="0" smtClean="0"/>
+              <a:t>Эти </a:t>
+            </a:r>
+            <a:r>
+              <a:rPr lang="ru-RU" sz="2400" dirty="0"/>
+              <a:t>символы, а также некоторые другие, могут быть обозначены особым </a:t>
             </a:r>
             <a:r>
               <a:rPr lang="ru-RU" sz="2400" dirty="0" smtClean="0"/>
@@ -3978,14 +3986,14 @@
           <p:nvPr>
             <p:extLst>
               <p:ext uri="{D42A27DB-BD31-4B8C-83A1-F6EECF244321}">
-                <p14:modId xmlns:p14="http://schemas.microsoft.com/office/powerpoint/2010/main" val="102941618"/>
+                <p14:modId xmlns:p14="http://schemas.microsoft.com/office/powerpoint/2010/main" val="3900298960"/>
               </p:ext>
             </p:extLst>
           </p:nvPr>
         </p:nvGraphicFramePr>
         <p:xfrm>
           <a:off x="899592" y="3212976"/>
-          <a:ext cx="6336704" cy="2966720"/>
+          <a:ext cx="6336704" cy="3134360"/>
         </p:xfrm>
         <a:graphic>
           <a:graphicData uri="http://schemas.openxmlformats.org/drawingml/2006/table">
@@ -3994,8 +4002,20 @@
                 <a:tableStyleId>{5C22544A-7EE6-4342-B048-85BDC9FD1C3A}</a:tableStyleId>
               </a:tblPr>
               <a:tblGrid>
-                <a:gridCol w="1656184"/>
-                <a:gridCol w="4680520"/>
+                <a:gridCol w="1656184">
+                  <a:extLst>
+                    <a:ext uri="{9D8B030D-6E8A-4147-A177-3AD203B41FA5}">
+                      <a16:colId xmlns:a16="http://schemas.microsoft.com/office/drawing/2014/main" val="20000"/>
+                    </a:ext>
+                  </a:extLst>
+                </a:gridCol>
+                <a:gridCol w="4680520">
+                  <a:extLst>
+                    <a:ext uri="{9D8B030D-6E8A-4147-A177-3AD203B41FA5}">
+                      <a16:colId xmlns:a16="http://schemas.microsoft.com/office/drawing/2014/main" val="20001"/>
+                    </a:ext>
+                  </a:extLst>
+                </a:gridCol>
               </a:tblGrid>
               <a:tr h="370840">
                 <a:tc>
@@ -4133,6 +4153,11 @@
                     <a:noFill/>
                   </a:tcPr>
                 </a:tc>
+                <a:extLst>
+                  <a:ext uri="{0D108BD9-81ED-4DB2-BD59-A6C34878D82A}">
+                    <a16:rowId xmlns:a16="http://schemas.microsoft.com/office/drawing/2014/main" val="10000"/>
+                  </a:ext>
+                </a:extLst>
               </a:tr>
               <a:tr h="370840">
                 <a:tc>
@@ -4287,6 +4312,11 @@
                     <a:noFill/>
                   </a:tcPr>
                 </a:tc>
+                <a:extLst>
+                  <a:ext uri="{0D108BD9-81ED-4DB2-BD59-A6C34878D82A}">
+                    <a16:rowId xmlns:a16="http://schemas.microsoft.com/office/drawing/2014/main" val="10001"/>
+                  </a:ext>
+                </a:extLst>
               </a:tr>
               <a:tr h="370840">
                 <a:tc>
@@ -4417,6 +4447,11 @@
                     <a:noFill/>
                   </a:tcPr>
                 </a:tc>
+                <a:extLst>
+                  <a:ext uri="{0D108BD9-81ED-4DB2-BD59-A6C34878D82A}">
+                    <a16:rowId xmlns:a16="http://schemas.microsoft.com/office/drawing/2014/main" val="10002"/>
+                  </a:ext>
+                </a:extLst>
               </a:tr>
               <a:tr h="370840">
                 <a:tc>
@@ -4547,6 +4582,11 @@
                     <a:noFill/>
                   </a:tcPr>
                 </a:tc>
+                <a:extLst>
+                  <a:ext uri="{0D108BD9-81ED-4DB2-BD59-A6C34878D82A}">
+                    <a16:rowId xmlns:a16="http://schemas.microsoft.com/office/drawing/2014/main" val="10003"/>
+                  </a:ext>
+                </a:extLst>
               </a:tr>
               <a:tr h="370840">
                 <a:tc>
@@ -4589,7 +4629,7 @@
                       <a:headEnd type="none" w="med" len="med"/>
                       <a:tailEnd type="none" w="med" len="med"/>
                     </a:lnT>
-                    <a:lnB w="12700" cap="flat" cmpd="sng" algn="ctr">
+                    <a:lnB w="38100" cap="flat" cmpd="sng" algn="ctr">
                       <a:solidFill>
                         <a:schemeClr val="tx1"/>
                       </a:solidFill>
@@ -4657,7 +4697,7 @@
                       <a:headEnd type="none" w="med" len="med"/>
                       <a:tailEnd type="none" w="med" len="med"/>
                     </a:lnT>
-                    <a:lnB w="12700" cap="flat" cmpd="sng" algn="ctr">
+                    <a:lnB w="38100" cap="flat" cmpd="sng" algn="ctr">
                       <a:solidFill>
                         <a:schemeClr val="tx1"/>
                       </a:solidFill>
@@ -4677,6 +4717,11 @@
                     <a:noFill/>
                   </a:tcPr>
                 </a:tc>
+                <a:extLst>
+                  <a:ext uri="{0D108BD9-81ED-4DB2-BD59-A6C34878D82A}">
+                    <a16:rowId xmlns:a16="http://schemas.microsoft.com/office/drawing/2014/main" val="10004"/>
+                  </a:ext>
+                </a:extLst>
               </a:tr>
               <a:tr h="370840">
                 <a:tc>
@@ -4710,7 +4755,7 @@
                       <a:headEnd type="none" w="med" len="med"/>
                       <a:tailEnd type="none" w="med" len="med"/>
                     </a:lnR>
-                    <a:lnT w="12700" cap="flat" cmpd="sng" algn="ctr">
+                    <a:lnT w="38100" cap="flat" cmpd="sng" algn="ctr">
                       <a:solidFill>
                         <a:schemeClr val="tx1"/>
                       </a:solidFill>
@@ -4755,9 +4800,48 @@
                       </a:r>
                       <a:r>
                         <a:rPr lang="en-US" b="0" dirty="0" smtClean="0"/>
-                        <a:t> [integer]</a:t>
+                        <a:t> [integer</a:t>
                       </a:r>
-                      <a:endParaRPr lang="en-US" sz="1800" b="0" kern="1200" dirty="0">
+                      <a:r>
+                        <a:rPr lang="en-US" b="0" dirty="0" smtClean="0"/>
+                        <a:t>]</a:t>
+                      </a:r>
+                    </a:p>
+                    <a:p>
+                      <a:pPr marL="0" marR="0" indent="0" algn="l" defTabSz="914400" rtl="0" eaLnBrk="1" fontAlgn="auto" latinLnBrk="0" hangingPunct="1">
+                        <a:lnSpc>
+                          <a:spcPct val="100000"/>
+                        </a:lnSpc>
+                        <a:spcBef>
+                          <a:spcPts val="0"/>
+                        </a:spcBef>
+                        <a:spcAft>
+                          <a:spcPts val="0"/>
+                        </a:spcAft>
+                        <a:buClrTx/>
+                        <a:buSzTx/>
+                        <a:buFontTx/>
+                        <a:buNone/>
+                        <a:tabLst/>
+                        <a:defRPr/>
+                      </a:pPr>
+                      <a:r>
+                        <a:rPr lang="en-US" sz="1800" dirty="0" smtClean="0"/>
+                        <a:t>	</a:t>
+                      </a:r>
+                      <a:r>
+                        <a:rPr lang="ru-RU" b="0" dirty="0" smtClean="0"/>
+                        <a:t>&amp;#160;</a:t>
+                      </a:r>
+                      <a:r>
+                        <a:rPr lang="en-US" b="0" baseline="0" dirty="0" smtClean="0"/>
+                        <a:t> - </a:t>
+                      </a:r>
+                      <a:r>
+                        <a:rPr lang="ru-RU" b="0" dirty="0" smtClean="0"/>
+                        <a:t>Неразрывный пробел</a:t>
+                      </a:r>
+                      <a:endParaRPr lang="en-US" sz="1800" b="0" kern="1200" dirty="0" smtClean="0">
                         <a:solidFill>
                           <a:schemeClr val="lt1"/>
                         </a:solidFill>
@@ -4786,7 +4870,7 @@
                       <a:headEnd type="none" w="med" len="med"/>
                       <a:tailEnd type="none" w="med" len="med"/>
                     </a:lnR>
-                    <a:lnT w="12700" cap="flat" cmpd="sng" algn="ctr">
+                    <a:lnT w="38100" cap="flat" cmpd="sng" algn="ctr">
                       <a:solidFill>
                         <a:schemeClr val="tx1"/>
                       </a:solidFill>
@@ -4815,6 +4899,11 @@
                     <a:noFill/>
                   </a:tcPr>
                 </a:tc>
+                <a:extLst>
+                  <a:ext uri="{0D108BD9-81ED-4DB2-BD59-A6C34878D82A}">
+                    <a16:rowId xmlns:a16="http://schemas.microsoft.com/office/drawing/2014/main" val="10005"/>
+                  </a:ext>
+                </a:extLst>
               </a:tr>
               <a:tr h="370840">
                 <a:tc>
@@ -4889,9 +4978,56 @@
                       </a:r>
                       <a:r>
                         <a:rPr lang="en-US" b="0" dirty="0" smtClean="0"/>
-                        <a:t> [hex]</a:t>
+                        <a:t> [hex</a:t>
                       </a:r>
-                      <a:endParaRPr lang="en-US" sz="1800" b="0" kern="1200" dirty="0">
+                      <a:r>
+                        <a:rPr lang="en-US" b="0" dirty="0" smtClean="0"/>
+                        <a:t>]</a:t>
+                      </a:r>
+                    </a:p>
+                    <a:p>
+                      <a:pPr marL="0" marR="0" indent="0" algn="l" defTabSz="914400" rtl="0" eaLnBrk="1" fontAlgn="auto" latinLnBrk="0" hangingPunct="1">
+                        <a:lnSpc>
+                          <a:spcPct val="100000"/>
+                        </a:lnSpc>
+                        <a:spcBef>
+                          <a:spcPts val="0"/>
+                        </a:spcBef>
+                        <a:spcAft>
+                          <a:spcPts val="0"/>
+                        </a:spcAft>
+                        <a:buClrTx/>
+                        <a:buSzTx/>
+                        <a:buFontTx/>
+                        <a:buNone/>
+                        <a:tabLst/>
+                        <a:defRPr/>
+                      </a:pPr>
+                      <a:r>
+                        <a:rPr lang="en-US" sz="1800" dirty="0" smtClean="0"/>
+                        <a:t>	</a:t>
+                      </a:r>
+                      <a:r>
+                        <a:rPr lang="ru-RU" b="0" dirty="0" smtClean="0"/>
+                        <a:t>&amp;#</a:t>
+                      </a:r>
+                      <a:r>
+                        <a:rPr lang="en-US" b="0" dirty="0" smtClean="0"/>
+                        <a:t>xA0</a:t>
+                      </a:r>
+                      <a:r>
+                        <a:rPr lang="ru-RU" b="0" dirty="0" smtClean="0"/>
+                        <a:t>;</a:t>
+                      </a:r>
+                      <a:r>
+                        <a:rPr lang="en-US" b="0" baseline="0" dirty="0" smtClean="0"/>
+                        <a:t> - </a:t>
+                      </a:r>
+                      <a:r>
+                        <a:rPr lang="ru-RU" b="0" dirty="0" smtClean="0"/>
+                        <a:t>Неразрывный пробел</a:t>
+                      </a:r>
+                      <a:endParaRPr lang="en-US" sz="1800" b="0" kern="1200" dirty="0" smtClean="0">
                         <a:solidFill>
                           <a:schemeClr val="lt1"/>
                         </a:solidFill>
@@ -4949,136 +5085,11 @@
                     <a:noFill/>
                   </a:tcPr>
                 </a:tc>
-              </a:tr>
-              <a:tr h="370840">
-                <a:tc>
-                  <a:txBody>
-                    <a:bodyPr/>
-                    <a:lstStyle/>
-                    <a:p>
-                      <a:r>
-                        <a:rPr lang="ru-RU" b="0" dirty="0" smtClean="0"/>
-                        <a:t>&amp;#160;</a:t>
-                      </a:r>
-                      <a:endParaRPr lang="en-US" b="0" dirty="0"/>
-                    </a:p>
-                  </a:txBody>
-                  <a:tcPr>
-                    <a:lnL w="12700" cap="flat" cmpd="sng" algn="ctr">
-                      <a:solidFill>
-                        <a:schemeClr val="tx1"/>
-                      </a:solidFill>
-                      <a:prstDash val="solid"/>
-                      <a:round/>
-                      <a:headEnd type="none" w="med" len="med"/>
-                      <a:tailEnd type="none" w="med" len="med"/>
-                    </a:lnL>
-                    <a:lnR w="12700" cap="flat" cmpd="sng" algn="ctr">
-                      <a:solidFill>
-                        <a:schemeClr val="tx1"/>
-                      </a:solidFill>
-                      <a:prstDash val="solid"/>
-                      <a:round/>
-                      <a:headEnd type="none" w="med" len="med"/>
-                      <a:tailEnd type="none" w="med" len="med"/>
-                    </a:lnR>
-                    <a:lnT w="12700" cap="flat" cmpd="sng" algn="ctr">
-                      <a:solidFill>
-                        <a:schemeClr val="tx1"/>
-                      </a:solidFill>
-                      <a:prstDash val="solid"/>
-                      <a:round/>
-                      <a:headEnd type="none" w="med" len="med"/>
-                      <a:tailEnd type="none" w="med" len="med"/>
-                    </a:lnT>
-                    <a:lnB w="12700" cap="flat" cmpd="sng" algn="ctr">
-                      <a:solidFill>
-                        <a:schemeClr val="tx1"/>
-                      </a:solidFill>
-                      <a:prstDash val="solid"/>
-                      <a:round/>
-                      <a:headEnd type="none" w="med" len="med"/>
-                      <a:tailEnd type="none" w="med" len="med"/>
-                    </a:lnB>
-                    <a:lnTlToBr w="12700" cmpd="sng">
-                      <a:noFill/>
-                      <a:prstDash val="solid"/>
-                    </a:lnTlToBr>
-                    <a:lnBlToTr w="12700" cmpd="sng">
-                      <a:noFill/>
-                      <a:prstDash val="solid"/>
-                    </a:lnBlToTr>
-                    <a:noFill/>
-                  </a:tcPr>
-                </a:tc>
-                <a:tc>
-                  <a:txBody>
-                    <a:bodyPr/>
-                    <a:lstStyle/>
-                    <a:p>
-                      <a:pPr marL="0" algn="l" defTabSz="914400" rtl="0" eaLnBrk="1" latinLnBrk="0" hangingPunct="1"/>
-                      <a:r>
-                        <a:rPr lang="ru-RU" b="0" dirty="0" smtClean="0"/>
-                        <a:t>Неразрывный пробел</a:t>
-                      </a:r>
-                      <a:endParaRPr lang="en-US" sz="1800" b="0" kern="1200" dirty="0">
-                        <a:solidFill>
-                          <a:schemeClr val="lt1"/>
-                        </a:solidFill>
-                        <a:latin typeface="+mn-lt"/>
-                        <a:ea typeface="+mn-ea"/>
-                        <a:cs typeface="+mn-cs"/>
-                      </a:endParaRPr>
-                    </a:p>
-                  </a:txBody>
-                  <a:tcPr>
-                    <a:lnL w="12700" cap="flat" cmpd="sng" algn="ctr">
-                      <a:solidFill>
-                        <a:schemeClr val="tx1"/>
-                      </a:solidFill>
-                      <a:prstDash val="solid"/>
-                      <a:round/>
-                      <a:headEnd type="none" w="med" len="med"/>
-                      <a:tailEnd type="none" w="med" len="med"/>
-                    </a:lnL>
-                    <a:lnR w="12700" cap="flat" cmpd="sng" algn="ctr">
-                      <a:solidFill>
-                        <a:schemeClr val="tx1"/>
-                      </a:solidFill>
-                      <a:prstDash val="solid"/>
-                      <a:round/>
-                      <a:headEnd type="none" w="med" len="med"/>
-                      <a:tailEnd type="none" w="med" len="med"/>
-                    </a:lnR>
-                    <a:lnT w="12700" cap="flat" cmpd="sng" algn="ctr">
-                      <a:solidFill>
-                        <a:schemeClr val="tx1"/>
-                      </a:solidFill>
-                      <a:prstDash val="solid"/>
-                      <a:round/>
-                      <a:headEnd type="none" w="med" len="med"/>
-                      <a:tailEnd type="none" w="med" len="med"/>
-                    </a:lnT>
-                    <a:lnB w="12700" cap="flat" cmpd="sng" algn="ctr">
-                      <a:solidFill>
-                        <a:schemeClr val="tx1"/>
-                      </a:solidFill>
-                      <a:prstDash val="solid"/>
-                      <a:round/>
-                      <a:headEnd type="none" w="med" len="med"/>
-                      <a:tailEnd type="none" w="med" len="med"/>
-                    </a:lnB>
-                    <a:lnTlToBr w="12700" cmpd="sng">
-                      <a:noFill/>
-                      <a:prstDash val="solid"/>
-                    </a:lnTlToBr>
-                    <a:lnBlToTr w="12700" cmpd="sng">
-                      <a:noFill/>
-                      <a:prstDash val="solid"/>
-                    </a:lnBlToTr>
-                    <a:noFill/>
-                  </a:tcPr>
-                </a:tc>
+                <a:extLst>
+                  <a:ext uri="{0D108BD9-81ED-4DB2-BD59-A6C34878D82A}">
+                    <a16:rowId xmlns:a16="http://schemas.microsoft.com/office/drawing/2014/main" val="10006"/>
+                  </a:ext>
+                </a:extLst>
               </a:tr>
             </a:tbl>
           </a:graphicData>
@@ -6914,11 +6925,7 @@
             </a:r>
             <a:r>
               <a:rPr lang="ru-RU" sz="1800" dirty="0" smtClean="0"/>
-              <a:t>в </a:t>
-            </a:r>
-            <a:r>
-              <a:rPr lang="ru-RU" sz="1800" dirty="0" smtClean="0"/>
-              <a:t>парные кавычки</a:t>
+              <a:t>в парные кавычки</a:t>
             </a:r>
             <a:endParaRPr lang="en-US" sz="1800" dirty="0"/>
           </a:p>
@@ -7619,8 +7626,20 @@
                 <a:tableStyleId>{5C22544A-7EE6-4342-B048-85BDC9FD1C3A}</a:tableStyleId>
               </a:tblPr>
               <a:tblGrid>
-                <a:gridCol w="1715866"/>
-                <a:gridCol w="6565054"/>
+                <a:gridCol w="1715866">
+                  <a:extLst>
+                    <a:ext uri="{9D8B030D-6E8A-4147-A177-3AD203B41FA5}">
+                      <a16:colId xmlns:a16="http://schemas.microsoft.com/office/drawing/2014/main" val="20000"/>
+                    </a:ext>
+                  </a:extLst>
+                </a:gridCol>
+                <a:gridCol w="6565054">
+                  <a:extLst>
+                    <a:ext uri="{9D8B030D-6E8A-4147-A177-3AD203B41FA5}">
+                      <a16:colId xmlns:a16="http://schemas.microsoft.com/office/drawing/2014/main" val="20001"/>
+                    </a:ext>
+                  </a:extLst>
+                </a:gridCol>
               </a:tblGrid>
               <a:tr h="804179">
                 <a:tc>
@@ -7781,6 +7800,11 @@
                     </a:lnBlToTr>
                   </a:tcPr>
                 </a:tc>
+                <a:extLst>
+                  <a:ext uri="{0D108BD9-81ED-4DB2-BD59-A6C34878D82A}">
+                    <a16:rowId xmlns:a16="http://schemas.microsoft.com/office/drawing/2014/main" val="10000"/>
+                  </a:ext>
+                </a:extLst>
               </a:tr>
               <a:tr h="465912">
                 <a:tc>
@@ -7941,6 +7965,11 @@
                     </a:lnBlToTr>
                   </a:tcPr>
                 </a:tc>
+                <a:extLst>
+                  <a:ext uri="{0D108BD9-81ED-4DB2-BD59-A6C34878D82A}">
+                    <a16:rowId xmlns:a16="http://schemas.microsoft.com/office/drawing/2014/main" val="10001"/>
+                  </a:ext>
+                </a:extLst>
               </a:tr>
               <a:tr h="465912">
                 <a:tc>
@@ -8093,6 +8122,11 @@
                     </a:lnBlToTr>
                   </a:tcPr>
                 </a:tc>
+                <a:extLst>
+                  <a:ext uri="{0D108BD9-81ED-4DB2-BD59-A6C34878D82A}">
+                    <a16:rowId xmlns:a16="http://schemas.microsoft.com/office/drawing/2014/main" val="10002"/>
+                  </a:ext>
+                </a:extLst>
               </a:tr>
               <a:tr h="465912">
                 <a:tc>
@@ -8253,6 +8287,11 @@
                     </a:lnBlToTr>
                   </a:tcPr>
                 </a:tc>
+                <a:extLst>
+                  <a:ext uri="{0D108BD9-81ED-4DB2-BD59-A6C34878D82A}">
+                    <a16:rowId xmlns:a16="http://schemas.microsoft.com/office/drawing/2014/main" val="10003"/>
+                  </a:ext>
+                </a:extLst>
               </a:tr>
               <a:tr h="889343">
                 <a:tc>
@@ -8453,6 +8492,11 @@
                     </a:lnBlToTr>
                   </a:tcPr>
                 </a:tc>
+                <a:extLst>
+                  <a:ext uri="{0D108BD9-81ED-4DB2-BD59-A6C34878D82A}">
+                    <a16:rowId xmlns:a16="http://schemas.microsoft.com/office/drawing/2014/main" val="10004"/>
+                  </a:ext>
+                </a:extLst>
               </a:tr>
               <a:tr h="465912">
                 <a:tc>
@@ -8605,6 +8649,11 @@
                     </a:lnBlToTr>
                   </a:tcPr>
                 </a:tc>
+                <a:extLst>
+                  <a:ext uri="{0D108BD9-81ED-4DB2-BD59-A6C34878D82A}">
+                    <a16:rowId xmlns:a16="http://schemas.microsoft.com/office/drawing/2014/main" val="10005"/>
+                  </a:ext>
+                </a:extLst>
               </a:tr>
               <a:tr h="465912">
                 <a:tc>
@@ -8789,6 +8838,11 @@
                     </a:lnBlToTr>
                   </a:tcPr>
                 </a:tc>
+                <a:extLst>
+                  <a:ext uri="{0D108BD9-81ED-4DB2-BD59-A6C34878D82A}">
+                    <a16:rowId xmlns:a16="http://schemas.microsoft.com/office/drawing/2014/main" val="10006"/>
+                  </a:ext>
+                </a:extLst>
               </a:tr>
               <a:tr h="465912">
                 <a:tc>
@@ -8949,6 +9003,11 @@
                     </a:lnBlToTr>
                   </a:tcPr>
                 </a:tc>
+                <a:extLst>
+                  <a:ext uri="{0D108BD9-81ED-4DB2-BD59-A6C34878D82A}">
+                    <a16:rowId xmlns:a16="http://schemas.microsoft.com/office/drawing/2014/main" val="10007"/>
+                  </a:ext>
+                </a:extLst>
               </a:tr>
               <a:tr h="622540">
                 <a:tc>
@@ -9117,6 +9176,11 @@
                     </a:lnBlToTr>
                   </a:tcPr>
                 </a:tc>
+                <a:extLst>
+                  <a:ext uri="{0D108BD9-81ED-4DB2-BD59-A6C34878D82A}">
+                    <a16:rowId xmlns:a16="http://schemas.microsoft.com/office/drawing/2014/main" val="10008"/>
+                  </a:ext>
+                </a:extLst>
               </a:tr>
             </a:tbl>
           </a:graphicData>
@@ -9487,9 +9551,27 @@
                 <a:tableStyleId>{5C22544A-7EE6-4342-B048-85BDC9FD1C3A}</a:tableStyleId>
               </a:tblPr>
               <a:tblGrid>
-                <a:gridCol w="2700300"/>
-                <a:gridCol w="2808312"/>
-                <a:gridCol w="2484277"/>
+                <a:gridCol w="2700300">
+                  <a:extLst>
+                    <a:ext uri="{9D8B030D-6E8A-4147-A177-3AD203B41FA5}">
+                      <a16:colId xmlns:a16="http://schemas.microsoft.com/office/drawing/2014/main" val="20000"/>
+                    </a:ext>
+                  </a:extLst>
+                </a:gridCol>
+                <a:gridCol w="2808312">
+                  <a:extLst>
+                    <a:ext uri="{9D8B030D-6E8A-4147-A177-3AD203B41FA5}">
+                      <a16:colId xmlns:a16="http://schemas.microsoft.com/office/drawing/2014/main" val="20001"/>
+                    </a:ext>
+                  </a:extLst>
+                </a:gridCol>
+                <a:gridCol w="2484277">
+                  <a:extLst>
+                    <a:ext uri="{9D8B030D-6E8A-4147-A177-3AD203B41FA5}">
+                      <a16:colId xmlns:a16="http://schemas.microsoft.com/office/drawing/2014/main" val="20002"/>
+                    </a:ext>
+                  </a:extLst>
+                </a:gridCol>
               </a:tblGrid>
               <a:tr h="370840">
                 <a:tc>
@@ -9734,6 +9816,11 @@
                     </a:solidFill>
                   </a:tcPr>
                 </a:tc>
+                <a:extLst>
+                  <a:ext uri="{0D108BD9-81ED-4DB2-BD59-A6C34878D82A}">
+                    <a16:rowId xmlns:a16="http://schemas.microsoft.com/office/drawing/2014/main" val="10000"/>
+                  </a:ext>
+                </a:extLst>
               </a:tr>
               <a:tr h="370840">
                 <a:tc>
@@ -9913,6 +10000,11 @@
                     </a:lnB>
                   </a:tcPr>
                 </a:tc>
+                <a:extLst>
+                  <a:ext uri="{0D108BD9-81ED-4DB2-BD59-A6C34878D82A}">
+                    <a16:rowId xmlns:a16="http://schemas.microsoft.com/office/drawing/2014/main" val="10001"/>
+                  </a:ext>
+                </a:extLst>
               </a:tr>
               <a:tr h="370840">
                 <a:tc>
@@ -10092,6 +10184,11 @@
                     </a:lnB>
                   </a:tcPr>
                 </a:tc>
+                <a:extLst>
+                  <a:ext uri="{0D108BD9-81ED-4DB2-BD59-A6C34878D82A}">
+                    <a16:rowId xmlns:a16="http://schemas.microsoft.com/office/drawing/2014/main" val="10002"/>
+                  </a:ext>
+                </a:extLst>
               </a:tr>
               <a:tr h="370840">
                 <a:tc>
@@ -10271,6 +10368,11 @@
                     </a:lnB>
                   </a:tcPr>
                 </a:tc>
+                <a:extLst>
+                  <a:ext uri="{0D108BD9-81ED-4DB2-BD59-A6C34878D82A}">
+                    <a16:rowId xmlns:a16="http://schemas.microsoft.com/office/drawing/2014/main" val="10003"/>
+                  </a:ext>
+                </a:extLst>
               </a:tr>
               <a:tr h="370840">
                 <a:tc>
@@ -10450,6 +10552,11 @@
                     </a:lnB>
                   </a:tcPr>
                 </a:tc>
+                <a:extLst>
+                  <a:ext uri="{0D108BD9-81ED-4DB2-BD59-A6C34878D82A}">
+                    <a16:rowId xmlns:a16="http://schemas.microsoft.com/office/drawing/2014/main" val="10004"/>
+                  </a:ext>
+                </a:extLst>
               </a:tr>
               <a:tr h="370840">
                 <a:tc>
@@ -10645,6 +10752,11 @@
                     </a:lnB>
                   </a:tcPr>
                 </a:tc>
+                <a:extLst>
+                  <a:ext uri="{0D108BD9-81ED-4DB2-BD59-A6C34878D82A}">
+                    <a16:rowId xmlns:a16="http://schemas.microsoft.com/office/drawing/2014/main" val="10005"/>
+                  </a:ext>
+                </a:extLst>
               </a:tr>
               <a:tr h="370840">
                 <a:tc>
@@ -10824,6 +10936,11 @@
                     </a:lnB>
                   </a:tcPr>
                 </a:tc>
+                <a:extLst>
+                  <a:ext uri="{0D108BD9-81ED-4DB2-BD59-A6C34878D82A}">
+                    <a16:rowId xmlns:a16="http://schemas.microsoft.com/office/drawing/2014/main" val="10006"/>
+                  </a:ext>
+                </a:extLst>
               </a:tr>
             </a:tbl>
           </a:graphicData>
@@ -14871,8 +14988,20 @@
                 <a:tableStyleId>{5C22544A-7EE6-4342-B048-85BDC9FD1C3A}</a:tableStyleId>
               </a:tblPr>
               <a:tblGrid>
-                <a:gridCol w="3996444"/>
-                <a:gridCol w="3996444"/>
+                <a:gridCol w="3996444">
+                  <a:extLst>
+                    <a:ext uri="{9D8B030D-6E8A-4147-A177-3AD203B41FA5}">
+                      <a16:colId xmlns:a16="http://schemas.microsoft.com/office/drawing/2014/main" val="20000"/>
+                    </a:ext>
+                  </a:extLst>
+                </a:gridCol>
+                <a:gridCol w="3996444">
+                  <a:extLst>
+                    <a:ext uri="{9D8B030D-6E8A-4147-A177-3AD203B41FA5}">
+                      <a16:colId xmlns:a16="http://schemas.microsoft.com/office/drawing/2014/main" val="20001"/>
+                    </a:ext>
+                  </a:extLst>
+                </a:gridCol>
               </a:tblGrid>
               <a:tr h="370840">
                 <a:tc>
@@ -14993,6 +15122,11 @@
                     </a:lnB>
                   </a:tcPr>
                 </a:tc>
+                <a:extLst>
+                  <a:ext uri="{0D108BD9-81ED-4DB2-BD59-A6C34878D82A}">
+                    <a16:rowId xmlns:a16="http://schemas.microsoft.com/office/drawing/2014/main" val="10000"/>
+                  </a:ext>
+                </a:extLst>
               </a:tr>
               <a:tr h="370840">
                 <a:tc>
@@ -15129,6 +15263,11 @@
                     </a:lnB>
                   </a:tcPr>
                 </a:tc>
+                <a:extLst>
+                  <a:ext uri="{0D108BD9-81ED-4DB2-BD59-A6C34878D82A}">
+                    <a16:rowId xmlns:a16="http://schemas.microsoft.com/office/drawing/2014/main" val="10001"/>
+                  </a:ext>
+                </a:extLst>
               </a:tr>
               <a:tr h="370840">
                 <a:tc>
@@ -15273,6 +15412,11 @@
                     </a:lnB>
                   </a:tcPr>
                 </a:tc>
+                <a:extLst>
+                  <a:ext uri="{0D108BD9-81ED-4DB2-BD59-A6C34878D82A}">
+                    <a16:rowId xmlns:a16="http://schemas.microsoft.com/office/drawing/2014/main" val="10002"/>
+                  </a:ext>
+                </a:extLst>
               </a:tr>
               <a:tr h="370840">
                 <a:tc>
@@ -15401,6 +15545,11 @@
                     </a:lnB>
                   </a:tcPr>
                 </a:tc>
+                <a:extLst>
+                  <a:ext uri="{0D108BD9-81ED-4DB2-BD59-A6C34878D82A}">
+                    <a16:rowId xmlns:a16="http://schemas.microsoft.com/office/drawing/2014/main" val="10003"/>
+                  </a:ext>
+                </a:extLst>
               </a:tr>
               <a:tr h="370840">
                 <a:tc>
@@ -15521,6 +15670,11 @@
                     </a:lnB>
                   </a:tcPr>
                 </a:tc>
+                <a:extLst>
+                  <a:ext uri="{0D108BD9-81ED-4DB2-BD59-A6C34878D82A}">
+                    <a16:rowId xmlns:a16="http://schemas.microsoft.com/office/drawing/2014/main" val="10004"/>
+                  </a:ext>
+                </a:extLst>
               </a:tr>
               <a:tr h="370840">
                 <a:tc>
@@ -15689,6 +15843,11 @@
                     </a:lnB>
                   </a:tcPr>
                 </a:tc>
+                <a:extLst>
+                  <a:ext uri="{0D108BD9-81ED-4DB2-BD59-A6C34878D82A}">
+                    <a16:rowId xmlns:a16="http://schemas.microsoft.com/office/drawing/2014/main" val="10005"/>
+                  </a:ext>
+                </a:extLst>
               </a:tr>
             </a:tbl>
           </a:graphicData>

--- a/Presentation/lesson-06-xml.pptx
+++ b/Presentation/lesson-06-xml.pptx
@@ -249,7 +249,7 @@
           <a:p>
             <a:fld id="{B24A7054-7FFB-49F4-A126-5DF6E687FF53}" type="datetimeFigureOut">
               <a:rPr lang="ru-RU" smtClean="0"/>
-              <a:t>06.02.2018</a:t>
+              <a:t>01.07.2018</a:t>
             </a:fld>
             <a:endParaRPr lang="ru-RU"/>
           </a:p>
@@ -313,35 +313,35 @@
           <a:p>
             <a:pPr lvl="0"/>
             <a:r>
-              <a:rPr lang="en-US" smtClean="0"/>
+              <a:rPr lang="en-US"/>
               <a:t>Click to edit Master text styles</a:t>
             </a:r>
           </a:p>
           <a:p>
             <a:pPr lvl="1"/>
             <a:r>
-              <a:rPr lang="en-US" smtClean="0"/>
+              <a:rPr lang="en-US"/>
               <a:t>Second level</a:t>
             </a:r>
           </a:p>
           <a:p>
             <a:pPr lvl="2"/>
             <a:r>
-              <a:rPr lang="en-US" smtClean="0"/>
+              <a:rPr lang="en-US"/>
               <a:t>Third level</a:t>
             </a:r>
           </a:p>
           <a:p>
             <a:pPr lvl="3"/>
             <a:r>
-              <a:rPr lang="en-US" smtClean="0"/>
+              <a:rPr lang="en-US"/>
               <a:t>Fourth level</a:t>
             </a:r>
           </a:p>
           <a:p>
             <a:pPr lvl="4"/>
             <a:r>
-              <a:rPr lang="en-US" smtClean="0"/>
+              <a:rPr lang="en-US"/>
               <a:t>Fifth level</a:t>
             </a:r>
             <a:endParaRPr lang="ru-RU"/>
@@ -557,7 +557,7 @@
           <a:p>
             <a:pPr algn="ctr"/>
             <a:r>
-              <a:rPr lang="ru-RU" sz="3600" b="1" i="1" dirty="0" smtClean="0">
+              <a:rPr lang="ru-RU" sz="3600" b="1" i="1" dirty="0">
                 <a:solidFill>
                   <a:schemeClr val="bg1"/>
                 </a:solidFill>
@@ -565,7 +565,7 @@
               <a:t>Основы программирования на </a:t>
             </a:r>
             <a:r>
-              <a:rPr lang="en-US" sz="3600" b="1" i="1" dirty="0" smtClean="0">
+              <a:rPr lang="en-US" sz="3600" b="1" i="1" dirty="0">
                 <a:solidFill>
                   <a:schemeClr val="bg1"/>
                 </a:solidFill>
@@ -672,26 +672,18 @@
                   <a:schemeClr val="bg1"/>
                 </a:solidFill>
               </a:rPr>
-              <a:t>Занятие </a:t>
-            </a:r>
-            <a:r>
-              <a:rPr lang="ru-RU" sz="2400" dirty="0" smtClean="0">
+              <a:t>Занятие №</a:t>
+            </a:r>
+            <a:r>
+              <a:rPr lang="en-US" sz="2400" dirty="0">
                 <a:solidFill>
                   <a:schemeClr val="bg1"/>
                 </a:solidFill>
               </a:rPr>
-              <a:t>№</a:t>
-            </a:r>
-            <a:r>
-              <a:rPr lang="en-US" sz="2400" dirty="0" smtClean="0">
-                <a:solidFill>
-                  <a:schemeClr val="bg1"/>
-                </a:solidFill>
-              </a:rPr>
               <a:t>?</a:t>
             </a:r>
             <a:r>
-              <a:rPr lang="ru-RU" sz="2400" dirty="0" smtClean="0">
+              <a:rPr lang="ru-RU" sz="2400" dirty="0">
                 <a:solidFill>
                   <a:schemeClr val="bg1"/>
                 </a:solidFill>
@@ -761,7 +753,7 @@
           </a:lstStyle>
           <a:p>
             <a:r>
-              <a:rPr lang="en-US" smtClean="0"/>
+              <a:rPr lang="en-US"/>
               <a:t>Click to edit Master title style</a:t>
             </a:r>
             <a:endParaRPr lang="ru-RU" dirty="0"/>
@@ -826,7 +818,7 @@
           </a:lstStyle>
           <a:p>
             <a:r>
-              <a:rPr lang="en-US" smtClean="0"/>
+              <a:rPr lang="en-US"/>
               <a:t>Click icon to add picture</a:t>
             </a:r>
             <a:endParaRPr lang="ru-RU"/>
@@ -892,7 +884,7 @@
           <a:p>
             <a:pPr lvl="0"/>
             <a:r>
-              <a:rPr lang="en-US" smtClean="0"/>
+              <a:rPr lang="en-US"/>
               <a:t>Click to edit Master text styles</a:t>
             </a:r>
           </a:p>
@@ -944,7 +936,7 @@
           <a:lstStyle/>
           <a:p>
             <a:r>
-              <a:rPr lang="en-US" smtClean="0"/>
+              <a:rPr lang="en-US"/>
               <a:t>Click to edit Master title style</a:t>
             </a:r>
             <a:endParaRPr lang="ru-RU" dirty="0"/>
@@ -968,35 +960,35 @@
           <a:p>
             <a:pPr lvl="0"/>
             <a:r>
-              <a:rPr lang="en-US" smtClean="0"/>
+              <a:rPr lang="en-US"/>
               <a:t>Click to edit Master text styles</a:t>
             </a:r>
           </a:p>
           <a:p>
             <a:pPr lvl="1"/>
             <a:r>
-              <a:rPr lang="en-US" smtClean="0"/>
+              <a:rPr lang="en-US"/>
               <a:t>Second level</a:t>
             </a:r>
           </a:p>
           <a:p>
             <a:pPr lvl="2"/>
             <a:r>
-              <a:rPr lang="en-US" smtClean="0"/>
+              <a:rPr lang="en-US"/>
               <a:t>Third level</a:t>
             </a:r>
           </a:p>
           <a:p>
             <a:pPr lvl="3"/>
             <a:r>
-              <a:rPr lang="en-US" smtClean="0"/>
+              <a:rPr lang="en-US"/>
               <a:t>Fourth level</a:t>
             </a:r>
           </a:p>
           <a:p>
             <a:pPr lvl="4"/>
             <a:r>
-              <a:rPr lang="en-US" smtClean="0"/>
+              <a:rPr lang="en-US"/>
               <a:t>Fifth level</a:t>
             </a:r>
             <a:endParaRPr lang="ru-RU" dirty="0"/>
@@ -1054,7 +1046,7 @@
           <a:lstStyle/>
           <a:p>
             <a:r>
-              <a:rPr lang="en-US" smtClean="0"/>
+              <a:rPr lang="en-US"/>
               <a:t>Click to edit Master title style</a:t>
             </a:r>
             <a:endParaRPr lang="ru-RU" dirty="0"/>
@@ -1083,35 +1075,35 @@
           <a:p>
             <a:pPr lvl="0"/>
             <a:r>
-              <a:rPr lang="en-US" smtClean="0"/>
+              <a:rPr lang="en-US"/>
               <a:t>Click to edit Master text styles</a:t>
             </a:r>
           </a:p>
           <a:p>
             <a:pPr lvl="1"/>
             <a:r>
-              <a:rPr lang="en-US" smtClean="0"/>
+              <a:rPr lang="en-US"/>
               <a:t>Second level</a:t>
             </a:r>
           </a:p>
           <a:p>
             <a:pPr lvl="2"/>
             <a:r>
-              <a:rPr lang="en-US" smtClean="0"/>
+              <a:rPr lang="en-US"/>
               <a:t>Third level</a:t>
             </a:r>
           </a:p>
           <a:p>
             <a:pPr lvl="3"/>
             <a:r>
-              <a:rPr lang="en-US" smtClean="0"/>
+              <a:rPr lang="en-US"/>
               <a:t>Fourth level</a:t>
             </a:r>
           </a:p>
           <a:p>
             <a:pPr lvl="4"/>
             <a:r>
-              <a:rPr lang="en-US" smtClean="0"/>
+              <a:rPr lang="en-US"/>
               <a:t>Fifth level</a:t>
             </a:r>
             <a:endParaRPr lang="ru-RU" dirty="0"/>
@@ -1169,7 +1161,7 @@
           <a:lstStyle/>
           <a:p>
             <a:r>
-              <a:rPr lang="en-US" smtClean="0"/>
+              <a:rPr lang="en-US"/>
               <a:t>Click to edit Master title style</a:t>
             </a:r>
             <a:endParaRPr lang="ru-RU"/>
@@ -1288,7 +1280,7 @@
           </a:lstStyle>
           <a:p>
             <a:r>
-              <a:rPr lang="en-US" smtClean="0"/>
+              <a:rPr lang="en-US"/>
               <a:t>Click to edit Master subtitle style</a:t>
             </a:r>
             <a:endParaRPr lang="ru-RU"/>
@@ -1312,7 +1304,7 @@
           <a:p>
             <a:fld id="{8E6E6A2A-E9D3-4A0D-B04A-ABDD367A1E08}" type="datetimeFigureOut">
               <a:rPr lang="ru-RU" smtClean="0"/>
-              <a:t>06.02.2018</a:t>
+              <a:t>01.07.2018</a:t>
             </a:fld>
             <a:endParaRPr lang="ru-RU"/>
           </a:p>
@@ -1406,7 +1398,7 @@
           <a:lstStyle/>
           <a:p>
             <a:r>
-              <a:rPr lang="en-US" smtClean="0"/>
+              <a:rPr lang="en-US"/>
               <a:t>Click to edit Master title style</a:t>
             </a:r>
             <a:endParaRPr lang="ru-RU" dirty="0"/>
@@ -1430,35 +1422,35 @@
           <a:p>
             <a:pPr lvl="0"/>
             <a:r>
-              <a:rPr lang="en-US" smtClean="0"/>
+              <a:rPr lang="en-US"/>
               <a:t>Click to edit Master text styles</a:t>
             </a:r>
           </a:p>
           <a:p>
             <a:pPr lvl="1"/>
             <a:r>
-              <a:rPr lang="en-US" smtClean="0"/>
+              <a:rPr lang="en-US"/>
               <a:t>Second level</a:t>
             </a:r>
           </a:p>
           <a:p>
             <a:pPr lvl="2"/>
             <a:r>
-              <a:rPr lang="en-US" smtClean="0"/>
+              <a:rPr lang="en-US"/>
               <a:t>Third level</a:t>
             </a:r>
           </a:p>
           <a:p>
             <a:pPr lvl="3"/>
             <a:r>
-              <a:rPr lang="en-US" smtClean="0"/>
+              <a:rPr lang="en-US"/>
               <a:t>Fourth level</a:t>
             </a:r>
           </a:p>
           <a:p>
             <a:pPr lvl="4"/>
             <a:r>
-              <a:rPr lang="en-US" smtClean="0"/>
+              <a:rPr lang="en-US"/>
               <a:t>Fifth level</a:t>
             </a:r>
             <a:endParaRPr lang="ru-RU" dirty="0"/>
@@ -1520,7 +1512,7 @@
           </a:lstStyle>
           <a:p>
             <a:r>
-              <a:rPr lang="en-US" smtClean="0"/>
+              <a:rPr lang="en-US"/>
               <a:t>Click to edit Master title style</a:t>
             </a:r>
             <a:endParaRPr lang="ru-RU" dirty="0"/>
@@ -1640,7 +1632,7 @@
           <a:p>
             <a:pPr lvl="0"/>
             <a:r>
-              <a:rPr lang="en-US" smtClean="0"/>
+              <a:rPr lang="en-US"/>
               <a:t>Click to edit Master text styles</a:t>
             </a:r>
           </a:p>
@@ -1692,7 +1684,7 @@
           <a:lstStyle/>
           <a:p>
             <a:r>
-              <a:rPr lang="en-US" smtClean="0"/>
+              <a:rPr lang="en-US"/>
               <a:t>Click to edit Master title style</a:t>
             </a:r>
             <a:endParaRPr lang="ru-RU" dirty="0"/>
@@ -1749,35 +1741,35 @@
           <a:p>
             <a:pPr lvl="0"/>
             <a:r>
-              <a:rPr lang="en-US" smtClean="0"/>
+              <a:rPr lang="en-US"/>
               <a:t>Click to edit Master text styles</a:t>
             </a:r>
           </a:p>
           <a:p>
             <a:pPr lvl="1"/>
             <a:r>
-              <a:rPr lang="en-US" smtClean="0"/>
+              <a:rPr lang="en-US"/>
               <a:t>Second level</a:t>
             </a:r>
           </a:p>
           <a:p>
             <a:pPr lvl="2"/>
             <a:r>
-              <a:rPr lang="en-US" smtClean="0"/>
+              <a:rPr lang="en-US"/>
               <a:t>Third level</a:t>
             </a:r>
           </a:p>
           <a:p>
             <a:pPr lvl="3"/>
             <a:r>
-              <a:rPr lang="en-US" smtClean="0"/>
+              <a:rPr lang="en-US"/>
               <a:t>Fourth level</a:t>
             </a:r>
           </a:p>
           <a:p>
             <a:pPr lvl="4"/>
             <a:r>
-              <a:rPr lang="en-US" smtClean="0"/>
+              <a:rPr lang="en-US"/>
               <a:t>Fifth level</a:t>
             </a:r>
             <a:endParaRPr lang="ru-RU" dirty="0"/>
@@ -1834,35 +1826,35 @@
           <a:p>
             <a:pPr lvl="0"/>
             <a:r>
-              <a:rPr lang="en-US" smtClean="0"/>
+              <a:rPr lang="en-US"/>
               <a:t>Click to edit Master text styles</a:t>
             </a:r>
           </a:p>
           <a:p>
             <a:pPr lvl="1"/>
             <a:r>
-              <a:rPr lang="en-US" smtClean="0"/>
+              <a:rPr lang="en-US"/>
               <a:t>Second level</a:t>
             </a:r>
           </a:p>
           <a:p>
             <a:pPr lvl="2"/>
             <a:r>
-              <a:rPr lang="en-US" smtClean="0"/>
+              <a:rPr lang="en-US"/>
               <a:t>Third level</a:t>
             </a:r>
           </a:p>
           <a:p>
             <a:pPr lvl="3"/>
             <a:r>
-              <a:rPr lang="en-US" smtClean="0"/>
+              <a:rPr lang="en-US"/>
               <a:t>Fourth level</a:t>
             </a:r>
           </a:p>
           <a:p>
             <a:pPr lvl="4"/>
             <a:r>
-              <a:rPr lang="en-US" smtClean="0"/>
+              <a:rPr lang="en-US"/>
               <a:t>Fifth level</a:t>
             </a:r>
             <a:endParaRPr lang="ru-RU" dirty="0"/>
@@ -1919,7 +1911,7 @@
           </a:lstStyle>
           <a:p>
             <a:r>
-              <a:rPr lang="en-US" smtClean="0"/>
+              <a:rPr lang="en-US"/>
               <a:t>Click to edit Master title style</a:t>
             </a:r>
             <a:endParaRPr lang="ru-RU" dirty="0"/>
@@ -1985,7 +1977,7 @@
           <a:p>
             <a:pPr lvl="0"/>
             <a:r>
-              <a:rPr lang="en-US" smtClean="0"/>
+              <a:rPr lang="en-US"/>
               <a:t>Click to edit Master text styles</a:t>
             </a:r>
           </a:p>
@@ -2041,35 +2033,35 @@
           <a:p>
             <a:pPr lvl="0"/>
             <a:r>
-              <a:rPr lang="en-US" smtClean="0"/>
+              <a:rPr lang="en-US"/>
               <a:t>Click to edit Master text styles</a:t>
             </a:r>
           </a:p>
           <a:p>
             <a:pPr lvl="1"/>
             <a:r>
-              <a:rPr lang="en-US" smtClean="0"/>
+              <a:rPr lang="en-US"/>
               <a:t>Second level</a:t>
             </a:r>
           </a:p>
           <a:p>
             <a:pPr lvl="2"/>
             <a:r>
-              <a:rPr lang="en-US" smtClean="0"/>
+              <a:rPr lang="en-US"/>
               <a:t>Third level</a:t>
             </a:r>
           </a:p>
           <a:p>
             <a:pPr lvl="3"/>
             <a:r>
-              <a:rPr lang="en-US" smtClean="0"/>
+              <a:rPr lang="en-US"/>
               <a:t>Fourth level</a:t>
             </a:r>
           </a:p>
           <a:p>
             <a:pPr lvl="4"/>
             <a:r>
-              <a:rPr lang="en-US" smtClean="0"/>
+              <a:rPr lang="en-US"/>
               <a:t>Fifth level</a:t>
             </a:r>
             <a:endParaRPr lang="ru-RU" dirty="0"/>
@@ -2135,7 +2127,7 @@
           <a:p>
             <a:pPr lvl="0"/>
             <a:r>
-              <a:rPr lang="en-US" smtClean="0"/>
+              <a:rPr lang="en-US"/>
               <a:t>Click to edit Master text styles</a:t>
             </a:r>
           </a:p>
@@ -2191,35 +2183,35 @@
           <a:p>
             <a:pPr lvl="0"/>
             <a:r>
-              <a:rPr lang="en-US" smtClean="0"/>
+              <a:rPr lang="en-US"/>
               <a:t>Click to edit Master text styles</a:t>
             </a:r>
           </a:p>
           <a:p>
             <a:pPr lvl="1"/>
             <a:r>
-              <a:rPr lang="en-US" smtClean="0"/>
+              <a:rPr lang="en-US"/>
               <a:t>Second level</a:t>
             </a:r>
           </a:p>
           <a:p>
             <a:pPr lvl="2"/>
             <a:r>
-              <a:rPr lang="en-US" smtClean="0"/>
+              <a:rPr lang="en-US"/>
               <a:t>Third level</a:t>
             </a:r>
           </a:p>
           <a:p>
             <a:pPr lvl="3"/>
             <a:r>
-              <a:rPr lang="en-US" smtClean="0"/>
+              <a:rPr lang="en-US"/>
               <a:t>Fourth level</a:t>
             </a:r>
           </a:p>
           <a:p>
             <a:pPr lvl="4"/>
             <a:r>
-              <a:rPr lang="en-US" smtClean="0"/>
+              <a:rPr lang="en-US"/>
               <a:t>Fifth level</a:t>
             </a:r>
             <a:endParaRPr lang="ru-RU" dirty="0"/>
@@ -2272,7 +2264,7 @@
           <a:lstStyle/>
           <a:p>
             <a:r>
-              <a:rPr lang="en-US" smtClean="0"/>
+              <a:rPr lang="en-US"/>
               <a:t>Click to edit Master title style</a:t>
             </a:r>
             <a:endParaRPr lang="ru-RU" dirty="0"/>
@@ -2333,14 +2325,14 @@
           <a:p>
             <a:pPr algn="ctr"/>
             <a:r>
-              <a:rPr lang="ru-RU" sz="3200" dirty="0" smtClean="0"/>
+              <a:rPr lang="ru-RU" sz="3200" dirty="0"/>
               <a:t>Название.</a:t>
             </a:r>
             <a:r>
-              <a:rPr lang="ru-RU" sz="3200" baseline="0" dirty="0" smtClean="0"/>
+              <a:rPr lang="ru-RU" sz="3200" baseline="0" dirty="0"/>
               <a:t> Демонстрация.</a:t>
             </a:r>
-            <a:endParaRPr lang="ru-RU" sz="3200" dirty="0" smtClean="0"/>
+            <a:endParaRPr lang="ru-RU" sz="3200" dirty="0"/>
           </a:p>
         </p:txBody>
       </p:sp>
@@ -2429,7 +2421,7 @@
           </a:lstStyle>
           <a:p>
             <a:r>
-              <a:rPr lang="en-US" smtClean="0"/>
+              <a:rPr lang="en-US"/>
               <a:t>Click to edit Master title style</a:t>
             </a:r>
             <a:endParaRPr lang="ru-RU" dirty="0"/>
@@ -2486,35 +2478,35 @@
           <a:p>
             <a:pPr lvl="0"/>
             <a:r>
-              <a:rPr lang="en-US" smtClean="0"/>
+              <a:rPr lang="en-US"/>
               <a:t>Click to edit Master text styles</a:t>
             </a:r>
           </a:p>
           <a:p>
             <a:pPr lvl="1"/>
             <a:r>
-              <a:rPr lang="en-US" smtClean="0"/>
+              <a:rPr lang="en-US"/>
               <a:t>Second level</a:t>
             </a:r>
           </a:p>
           <a:p>
             <a:pPr lvl="2"/>
             <a:r>
-              <a:rPr lang="en-US" smtClean="0"/>
+              <a:rPr lang="en-US"/>
               <a:t>Third level</a:t>
             </a:r>
           </a:p>
           <a:p>
             <a:pPr lvl="3"/>
             <a:r>
-              <a:rPr lang="en-US" smtClean="0"/>
+              <a:rPr lang="en-US"/>
               <a:t>Fourth level</a:t>
             </a:r>
           </a:p>
           <a:p>
             <a:pPr lvl="4"/>
             <a:r>
-              <a:rPr lang="en-US" smtClean="0"/>
+              <a:rPr lang="en-US"/>
               <a:t>Fifth level</a:t>
             </a:r>
             <a:endParaRPr lang="ru-RU" dirty="0"/>
@@ -2580,7 +2572,7 @@
           <a:p>
             <a:pPr lvl="0"/>
             <a:r>
-              <a:rPr lang="en-US" smtClean="0"/>
+              <a:rPr lang="en-US"/>
               <a:t>Click to edit Master text styles</a:t>
             </a:r>
           </a:p>
@@ -2656,7 +2648,7 @@
           <a:lstStyle/>
           <a:p>
             <a:r>
-              <a:rPr lang="en-US" smtClean="0"/>
+              <a:rPr lang="en-US"/>
               <a:t>Click to edit Master title style</a:t>
             </a:r>
             <a:endParaRPr lang="ru-RU"/>
@@ -2690,35 +2682,35 @@
           <a:p>
             <a:pPr lvl="0"/>
             <a:r>
-              <a:rPr lang="en-US" smtClean="0"/>
+              <a:rPr lang="en-US"/>
               <a:t>Click to edit Master text styles</a:t>
             </a:r>
           </a:p>
           <a:p>
             <a:pPr lvl="1"/>
             <a:r>
-              <a:rPr lang="en-US" smtClean="0"/>
+              <a:rPr lang="en-US"/>
               <a:t>Second level</a:t>
             </a:r>
           </a:p>
           <a:p>
             <a:pPr lvl="2"/>
             <a:r>
-              <a:rPr lang="en-US" smtClean="0"/>
+              <a:rPr lang="en-US"/>
               <a:t>Third level</a:t>
             </a:r>
           </a:p>
           <a:p>
             <a:pPr lvl="3"/>
             <a:r>
-              <a:rPr lang="en-US" smtClean="0"/>
+              <a:rPr lang="en-US"/>
               <a:t>Fourth level</a:t>
             </a:r>
           </a:p>
           <a:p>
             <a:pPr lvl="4"/>
             <a:r>
-              <a:rPr lang="en-US" smtClean="0"/>
+              <a:rPr lang="en-US"/>
               <a:t>Fifth level</a:t>
             </a:r>
             <a:endParaRPr lang="ru-RU"/>
@@ -2760,7 +2752,7 @@
           <a:p>
             <a:fld id="{AC3D3127-B7C4-45E3-9797-C527EC9FDD78}" type="datetimeFigureOut">
               <a:rPr lang="ru-RU" smtClean="0"/>
-              <a:t>06.02.2018</a:t>
+              <a:t>01.07.2018</a:t>
             </a:fld>
             <a:endParaRPr lang="ru-RU"/>
           </a:p>
@@ -3146,7 +3138,7 @@
         <p:spPr>
           <a:xfrm>
             <a:off x="143508" y="1304764"/>
-            <a:ext cx="8856984" cy="646331"/>
+            <a:ext cx="8856984" cy="523220"/>
           </a:xfrm>
           <a:prstGeom prst="rect">
             <a:avLst/>
@@ -3160,7 +3152,7 @@
           <a:p>
             <a:pPr algn="ctr"/>
             <a:r>
-              <a:rPr lang="ru-RU" sz="3600" b="1" i="1" dirty="0" smtClean="0">
+              <a:rPr lang="ru-RU" sz="2800" i="1" dirty="0">
                 <a:solidFill>
                   <a:schemeClr val="bg1"/>
                 </a:solidFill>
@@ -3168,14 +3160,14 @@
               <a:t>Основы программирования на </a:t>
             </a:r>
             <a:r>
-              <a:rPr lang="en-US" sz="3600" b="1" i="1" dirty="0" smtClean="0">
+              <a:rPr lang="en-US" sz="2800" i="1" dirty="0">
                 <a:solidFill>
                   <a:schemeClr val="bg1"/>
                 </a:solidFill>
               </a:rPr>
               <a:t>C#</a:t>
             </a:r>
-            <a:endParaRPr lang="ru-RU" sz="3600" b="1" i="1" dirty="0">
+            <a:endParaRPr lang="ru-RU" sz="2800" i="1" dirty="0">
               <a:solidFill>
                 <a:schemeClr val="bg1"/>
               </a:solidFill>
@@ -3183,70 +3175,6 @@
           </a:p>
         </p:txBody>
       </p:sp>
-      <p:pic>
-        <p:nvPicPr>
-          <p:cNvPr id="6" name="Picture 5"/>
-          <p:cNvPicPr>
-            <a:picLocks noChangeAspect="1" noChangeArrowheads="1"/>
-          </p:cNvPicPr>
-          <p:nvPr/>
-        </p:nvPicPr>
-        <p:blipFill>
-          <a:blip r:embed="rId2">
-            <a:extLst>
-              <a:ext uri="{28A0092B-C50C-407E-A947-70E740481C1C}">
-                <a14:useLocalDpi xmlns:a14="http://schemas.microsoft.com/office/drawing/2010/main" val="0"/>
-              </a:ext>
-            </a:extLst>
-          </a:blip>
-          <a:srcRect/>
-          <a:stretch>
-            <a:fillRect/>
-          </a:stretch>
-        </p:blipFill>
-        <p:spPr bwMode="auto">
-          <a:xfrm>
-            <a:off x="1638300" y="3829211"/>
-            <a:ext cx="5867400" cy="1724025"/>
-          </a:xfrm>
-          <a:prstGeom prst="rect">
-            <a:avLst/>
-          </a:prstGeom>
-          <a:noFill/>
-          <a:ln>
-            <a:noFill/>
-          </a:ln>
-          <a:effectLst/>
-          <a:extLst>
-            <a:ext uri="{909E8E84-426E-40DD-AFC4-6F175D3DCCD1}">
-              <a14:hiddenFill xmlns:a14="http://schemas.microsoft.com/office/drawing/2010/main">
-                <a:solidFill>
-                  <a:schemeClr val="accent1"/>
-                </a:solidFill>
-              </a14:hiddenFill>
-            </a:ext>
-            <a:ext uri="{91240B29-F687-4F45-9708-019B960494DF}">
-              <a14:hiddenLine xmlns:a14="http://schemas.microsoft.com/office/drawing/2010/main" w="9525">
-                <a:solidFill>
-                  <a:schemeClr val="tx1"/>
-                </a:solidFill>
-                <a:miter lim="800000"/>
-                <a:headEnd/>
-                <a:tailEnd/>
-              </a14:hiddenLine>
-            </a:ext>
-            <a:ext uri="{AF507438-7753-43E0-B8FC-AC1667EBCBE1}">
-              <a14:hiddenEffects xmlns:a14="http://schemas.microsoft.com/office/drawing/2010/main">
-                <a:effectLst>
-                  <a:outerShdw dist="35921" dir="2700000" algn="ctr" rotWithShape="0">
-                    <a:schemeClr val="bg2"/>
-                  </a:outerShdw>
-                </a:effectLst>
-              </a14:hiddenEffects>
-            </a:ext>
-          </a:extLst>
-        </p:spPr>
-      </p:pic>
       <p:sp>
         <p:nvSpPr>
           <p:cNvPr id="7" name="TextBox 6"/>
@@ -3256,7 +3184,7 @@
         <p:spPr>
           <a:xfrm>
             <a:off x="143508" y="2528900"/>
-            <a:ext cx="8856984" cy="461665"/>
+            <a:ext cx="8856984" cy="646331"/>
           </a:xfrm>
           <a:prstGeom prst="rect">
             <a:avLst/>
@@ -3271,49 +3199,136 @@
           <a:p>
             <a:pPr algn="ctr"/>
             <a:r>
-              <a:rPr lang="ru-RU" sz="2400" dirty="0">
+              <a:rPr lang="ru-RU" sz="3600" b="1" dirty="0">
                 <a:solidFill>
                   <a:schemeClr val="bg1"/>
                 </a:solidFill>
-              </a:rPr>
-              <a:t>Занятие </a:t>
-            </a:r>
-            <a:r>
-              <a:rPr lang="ru-RU" sz="2400" dirty="0" smtClean="0">
+                <a:latin typeface="Footlight MT Light" panose="0204060206030A020304" pitchFamily="18" charset="77"/>
+              </a:rPr>
+              <a:t>§ Работа с </a:t>
+            </a:r>
+            <a:r>
+              <a:rPr lang="en-US" sz="3600" b="1" dirty="0">
                 <a:solidFill>
                   <a:schemeClr val="bg1"/>
                 </a:solidFill>
-              </a:rPr>
-              <a:t>№</a:t>
-            </a:r>
-            <a:r>
-              <a:rPr lang="en-US" sz="2400" dirty="0" smtClean="0">
+                <a:latin typeface="Footlight MT Light" panose="0204060206030A020304" pitchFamily="18" charset="77"/>
+              </a:rPr>
+              <a:t>XML</a:t>
+            </a:r>
+          </a:p>
+        </p:txBody>
+      </p:sp>
+      <p:sp>
+        <p:nvSpPr>
+          <p:cNvPr id="8" name="TextBox 7">
+            <a:extLst>
+              <a:ext uri="{FF2B5EF4-FFF2-40B4-BE49-F238E27FC236}">
+                <a16:creationId xmlns:a16="http://schemas.microsoft.com/office/drawing/2014/main" id="{EBE81FF9-A594-D04B-96F4-F9054CEB83F2}"/>
+              </a:ext>
+            </a:extLst>
+          </p:cNvPr>
+          <p:cNvSpPr txBox="1"/>
+          <p:nvPr/>
+        </p:nvSpPr>
+        <p:spPr>
+          <a:xfrm>
+            <a:off x="2339752" y="4984720"/>
+            <a:ext cx="4464496" cy="1138773"/>
+          </a:xfrm>
+          <a:prstGeom prst="rect">
+            <a:avLst/>
+          </a:prstGeom>
+          <a:noFill/>
+        </p:spPr>
+        <p:txBody>
+          <a:bodyPr wrap="square" rtlCol="0">
+            <a:spAutoFit/>
+          </a:bodyPr>
+          <a:lstStyle/>
+          <a:p>
+            <a:r>
+              <a:rPr lang="ru-RU" sz="2000" dirty="0">
                 <a:solidFill>
                   <a:schemeClr val="bg1"/>
                 </a:solidFill>
-              </a:rPr>
-              <a:t>6</a:t>
-            </a:r>
-            <a:r>
-              <a:rPr lang="ru-RU" sz="2400" dirty="0" smtClean="0">
+                <a:effectLst>
+                  <a:outerShdw blurRad="50800" dist="38100" dir="5400000" algn="t" rotWithShape="0">
+                    <a:prstClr val="black">
+                      <a:alpha val="40000"/>
+                    </a:prstClr>
+                  </a:outerShdw>
+                </a:effectLst>
+                <a:latin typeface="Segoe Print" panose="02000800000000000000" pitchFamily="2" charset="0"/>
+              </a:rPr>
+              <a:t>Центр Обучающих Технологий</a:t>
+            </a:r>
+          </a:p>
+          <a:p>
+            <a:pPr algn="ctr"/>
+            <a:r>
+              <a:rPr lang="ru-RU" sz="1600" dirty="0">
                 <a:solidFill>
                   <a:schemeClr val="bg1"/>
                 </a:solidFill>
-              </a:rPr>
-              <a:t>. Работа с </a:t>
-            </a:r>
-            <a:r>
-              <a:rPr lang="en-US" sz="2400" dirty="0" smtClean="0">
-                <a:solidFill>
-                  <a:schemeClr val="bg1"/>
-                </a:solidFill>
-              </a:rPr>
-              <a:t>XML</a:t>
-            </a:r>
-            <a:endParaRPr lang="en-US" sz="2400" dirty="0">
+                <a:effectLst>
+                  <a:outerShdw blurRad="50800" dist="38100" dir="5400000" algn="t" rotWithShape="0">
+                    <a:prstClr val="black">
+                      <a:alpha val="40000"/>
+                    </a:prstClr>
+                  </a:outerShdw>
+                </a:effectLst>
+                <a:latin typeface="Segoe Print" panose="02000800000000000000" pitchFamily="2" charset="0"/>
+              </a:rPr>
+              <a:t>основан в 2002 году</a:t>
+            </a:r>
+          </a:p>
+          <a:p>
+            <a:pPr algn="ctr"/>
+            <a:endParaRPr lang="ru-RU" sz="1600" dirty="0">
               <a:solidFill>
                 <a:schemeClr val="bg1"/>
               </a:solidFill>
+              <a:effectLst>
+                <a:outerShdw blurRad="50800" dist="38100" dir="5400000" algn="t" rotWithShape="0">
+                  <a:prstClr val="black">
+                    <a:alpha val="40000"/>
+                  </a:prstClr>
+                </a:outerShdw>
+              </a:effectLst>
+              <a:latin typeface="Segoe Print" panose="02000800000000000000" pitchFamily="2" charset="0"/>
+            </a:endParaRPr>
+          </a:p>
+          <a:p>
+            <a:pPr algn="ctr"/>
+            <a:r>
+              <a:rPr lang="en-US" sz="1600" dirty="0" err="1">
+                <a:solidFill>
+                  <a:schemeClr val="bg1"/>
+                </a:solidFill>
+                <a:effectLst>
+                  <a:outerShdw blurRad="50800" dist="38100" dir="5400000" algn="t" rotWithShape="0">
+                    <a:prstClr val="black">
+                      <a:alpha val="40000"/>
+                    </a:prstClr>
+                  </a:outerShdw>
+                </a:effectLst>
+                <a:latin typeface="Segoe Print" panose="02000800000000000000" pitchFamily="2" charset="0"/>
+              </a:rPr>
+              <a:t>trainingcenter.by</a:t>
+            </a:r>
+            <a:endParaRPr lang="en-US" sz="1600" dirty="0">
+              <a:solidFill>
+                <a:schemeClr val="bg1"/>
+              </a:solidFill>
+              <a:effectLst>
+                <a:outerShdw blurRad="50800" dist="38100" dir="5400000" algn="t" rotWithShape="0">
+                  <a:prstClr val="black">
+                    <a:alpha val="40000"/>
+                  </a:prstClr>
+                </a:outerShdw>
+              </a:effectLst>
+              <a:latin typeface="Segoe Print" panose="02000800000000000000" pitchFamily="2" charset="0"/>
             </a:endParaRPr>
           </a:p>
         </p:txBody>
@@ -3328,13 +3343,6 @@
   <p:clrMapOvr>
     <a:masterClrMapping/>
   </p:clrMapOvr>
-  <p:timing>
-    <p:tnLst>
-      <p:par>
-        <p:cTn id="1" dur="indefinite" restart="never" nodeType="tmRoot"/>
-      </p:par>
-    </p:tnLst>
-  </p:timing>
 </p:sld>
 </file>
 
@@ -3397,81 +3405,41 @@
           <a:p>
             <a:r>
               <a:rPr lang="ru-RU" dirty="0"/>
-              <a:t>Содержимым XML-элемента может быть текст, пробельные символы (пробелы, табуляции, переводы строки), а также другие XML-элементы. Допускается комбинация указанного содержимого (например, элемент может содержать и текст, и вложенные элементы</a:t>
-            </a:r>
-            <a:r>
-              <a:rPr lang="ru-RU" dirty="0" smtClean="0"/>
-              <a:t>).</a:t>
-            </a:r>
-          </a:p>
-          <a:p>
-            <a:r>
-              <a:rPr lang="ru-RU" dirty="0" smtClean="0"/>
-              <a:t>Элементы </a:t>
-            </a:r>
+              <a:t>Содержимым XML-элемента может быть текст, пробельные символы (пробелы, табуляции, переводы строки), а также другие XML-элементы. Допускается комбинация указанного содержимого (например, элемент может содержать и текст, и вложенные элементы).</a:t>
+            </a:r>
+          </a:p>
+          <a:p>
             <a:r>
               <a:rPr lang="ru-RU" dirty="0"/>
-              <a:t>должны быть правильно вложены друг в друга. Например</a:t>
-            </a:r>
-            <a:r>
-              <a:rPr lang="ru-RU" dirty="0" smtClean="0"/>
-              <a:t>: </a:t>
+              <a:t>Элементы должны быть правильно вложены друг в друга. Например: </a:t>
             </a:r>
             <a:br>
-              <a:rPr lang="ru-RU" dirty="0" smtClean="0"/>
+              <a:rPr lang="ru-RU" dirty="0"/>
             </a:br>
             <a:r>
-              <a:rPr lang="ru-RU" dirty="0" smtClean="0"/>
-              <a:t>&lt; </a:t>
-            </a:r>
-            <a:r>
               <a:rPr lang="ru-RU" dirty="0"/>
-              <a:t>A </a:t>
-            </a:r>
-            <a:r>
-              <a:rPr lang="ru-RU" dirty="0" smtClean="0"/>
-              <a:t>&gt;</a:t>
+              <a:t>&lt; A &gt;</a:t>
             </a:r>
             <a:br>
-              <a:rPr lang="ru-RU" dirty="0" smtClean="0"/>
+              <a:rPr lang="ru-RU" dirty="0"/>
             </a:br>
             <a:r>
-              <a:rPr lang="ru-RU" dirty="0" smtClean="0"/>
-              <a:t>    &lt; </a:t>
-            </a:r>
-            <a:r>
               <a:rPr lang="ru-RU" dirty="0"/>
-              <a:t>B </a:t>
-            </a:r>
-            <a:r>
-              <a:rPr lang="ru-RU" dirty="0" smtClean="0"/>
-              <a:t>&gt;</a:t>
+              <a:t>    &lt; B &gt;</a:t>
             </a:r>
             <a:br>
-              <a:rPr lang="ru-RU" dirty="0" smtClean="0"/>
+              <a:rPr lang="ru-RU" dirty="0"/>
             </a:br>
             <a:r>
-              <a:rPr lang="ru-RU" dirty="0" smtClean="0"/>
-              <a:t>    &lt; </a:t>
-            </a:r>
-            <a:r>
               <a:rPr lang="ru-RU" dirty="0"/>
-              <a:t>/ B </a:t>
-            </a:r>
-            <a:r>
-              <a:rPr lang="ru-RU" dirty="0" smtClean="0"/>
-              <a:t>&gt;</a:t>
+              <a:t>    &lt; / B &gt;</a:t>
             </a:r>
             <a:br>
-              <a:rPr lang="ru-RU" dirty="0" smtClean="0"/>
+              <a:rPr lang="ru-RU" dirty="0"/>
             </a:br>
             <a:r>
-              <a:rPr lang="ru-RU" dirty="0" smtClean="0"/>
-              <a:t>&lt; </a:t>
-            </a:r>
-            <a:r>
               <a:rPr lang="ru-RU" dirty="0"/>
-              <a:t>/ A &gt;</a:t>
+              <a:t>&lt; / A &gt;</a:t>
             </a:r>
           </a:p>
           <a:p>
@@ -3493,13 +3461,6 @@
   <p:clrMapOvr>
     <a:masterClrMapping/>
   </p:clrMapOvr>
-  <p:timing>
-    <p:tnLst>
-      <p:par>
-        <p:cTn id="1" dur="indefinite" restart="never" nodeType="tmRoot"/>
-      </p:par>
-    </p:tnLst>
-  </p:timing>
 </p:sld>
 </file>
 
@@ -3559,12 +3520,8 @@
           <a:lstStyle/>
           <a:p>
             <a:r>
-              <a:rPr lang="ru-RU" dirty="0" smtClean="0"/>
-              <a:t>В </a:t>
-            </a:r>
-            <a:r>
               <a:rPr lang="ru-RU" dirty="0"/>
-              <a:t>XML-документе всегда должен быть единственный элемент, называемый корневым. Корневой элемент включает в себя все содержимое XML-документа.</a:t>
+              <a:t>В XML-документе всегда должен быть единственный элемент, называемый корневым. Корневой элемент включает в себя все содержимое XML-документа.</a:t>
             </a:r>
             <a:endParaRPr lang="en-US" dirty="0"/>
           </a:p>
@@ -3580,13 +3537,6 @@
   <p:clrMapOvr>
     <a:masterClrMapping/>
   </p:clrMapOvr>
-  <p:timing>
-    <p:tnLst>
-      <p:par>
-        <p:cTn id="1" dur="indefinite" restart="never" nodeType="tmRoot"/>
-      </p:par>
-    </p:tnLst>
-  </p:timing>
 </p:sld>
 </file>
 
@@ -3623,7 +3573,7 @@
           <a:lstStyle/>
           <a:p>
             <a:r>
-              <a:rPr lang="ru-RU" dirty="0" smtClean="0"/>
+              <a:rPr lang="ru-RU" dirty="0"/>
               <a:t>Атрибуты</a:t>
             </a:r>
             <a:endParaRPr lang="en-US" dirty="0"/>
@@ -3648,108 +3598,56 @@
           <a:lstStyle/>
           <a:p>
             <a:r>
-              <a:rPr lang="ru-RU" dirty="0" smtClean="0"/>
-              <a:t>XML-элемент </a:t>
-            </a:r>
-            <a:r>
               <a:rPr lang="ru-RU" dirty="0"/>
-              <a:t>может содержать атрибуты. Все атрибуты записываются в формате</a:t>
-            </a:r>
-            <a:r>
-              <a:rPr lang="ru-RU" dirty="0" smtClean="0"/>
-              <a:t>:</a:t>
+              <a:t>XML-элемент может содержать атрибуты. Все атрибуты записываются в формате:</a:t>
             </a:r>
           </a:p>
           <a:p>
             <a:pPr lvl="1"/>
             <a:r>
-              <a:rPr lang="ru-RU" dirty="0" smtClean="0"/>
-              <a:t>&lt;</a:t>
-            </a:r>
-            <a:r>
               <a:rPr lang="ru-RU" dirty="0"/>
-              <a:t>имя_элемента имя_атрибута1 = "значение_атрибута1" имя_атрибута2 = "значение_атрибута2" &gt;</a:t>
+              <a:t>&lt;имя_элемента имя_атрибута1 = "значение_атрибута1" имя_атрибута2 = "значение_атрибута2" &gt;</a:t>
             </a:r>
           </a:p>
           <a:p>
             <a:r>
               <a:rPr lang="ru-RU" dirty="0"/>
-              <a:t>Значение атрибута заключается в апострофы или в двойные кавычки. Если апостроф или двойные кавычки присутствуют в значении атрибута, то используются те из них, которые не встречаются в этом значении</a:t>
-            </a:r>
-            <a:r>
-              <a:rPr lang="ru-RU" dirty="0" smtClean="0"/>
-              <a:t>.</a:t>
+              <a:t>Значение атрибута заключается в апострофы или в двойные кавычки. Если апостроф или двойные кавычки присутствуют в значении атрибута, то используются те из них, которые не встречаются в этом значении.</a:t>
             </a:r>
           </a:p>
           <a:p>
             <a:pPr lvl="1"/>
             <a:r>
-              <a:rPr lang="ru-RU" dirty="0" smtClean="0"/>
-              <a:t>&lt;</a:t>
-            </a:r>
-            <a:r>
               <a:rPr lang="ru-RU" dirty="0"/>
-              <a:t>el _ok = "yes</a:t>
-            </a:r>
-            <a:r>
-              <a:rPr lang="ru-RU" dirty="0" smtClean="0"/>
-              <a:t>"&gt;</a:t>
+              <a:t>&lt;el _ok = "yes"&gt;</a:t>
             </a:r>
             <a:br>
-              <a:rPr lang="ru-RU" dirty="0" smtClean="0"/>
+              <a:rPr lang="ru-RU" dirty="0"/>
             </a:br>
             <a:r>
-              <a:rPr lang="ru-RU" dirty="0" smtClean="0"/>
-              <a:t>    &lt;</a:t>
-            </a:r>
-            <a:r>
               <a:rPr lang="ru-RU" dirty="0"/>
-              <a:t>one attr = "a value</a:t>
-            </a:r>
-            <a:r>
-              <a:rPr lang="ru-RU" dirty="0" smtClean="0"/>
-              <a:t>"/&gt;</a:t>
+              <a:t>    &lt;one attr = "a value"/&gt;</a:t>
             </a:r>
             <a:br>
-              <a:rPr lang="ru-RU" dirty="0" smtClean="0"/>
+              <a:rPr lang="ru-RU" dirty="0"/>
             </a:br>
             <a:r>
-              <a:rPr lang="ru-RU" dirty="0" smtClean="0"/>
-              <a:t>    &lt;</a:t>
-            </a:r>
-            <a:r>
               <a:rPr lang="ru-RU" dirty="0"/>
-              <a:t>several first = "1" second = "2" third = "333</a:t>
-            </a:r>
-            <a:r>
-              <a:rPr lang="ru-RU" dirty="0" smtClean="0"/>
-              <a:t>"/&gt;</a:t>
+              <a:t>    &lt;several first = "1" second = "2" third = "333"/&gt;</a:t>
             </a:r>
             <a:br>
-              <a:rPr lang="ru-RU" dirty="0" smtClean="0"/>
+              <a:rPr lang="ru-RU" dirty="0"/>
             </a:br>
             <a:r>
-              <a:rPr lang="ru-RU" dirty="0" smtClean="0"/>
-              <a:t>    &lt;quote </a:t>
-            </a:r>
-            <a:r>
               <a:rPr lang="ru-RU" dirty="0"/>
-              <a:t>case1 = "John's” case2 = 'He said: "Hello, world!" </a:t>
-            </a:r>
-            <a:r>
-              <a:rPr lang="ru-RU" dirty="0" smtClean="0"/>
-              <a:t>'/&gt;</a:t>
+              <a:t>    &lt;quote case1 = "John's” case2 = 'He said: "Hello, world!" '/&gt;</a:t>
             </a:r>
             <a:br>
-              <a:rPr lang="ru-RU" dirty="0" smtClean="0"/>
+              <a:rPr lang="ru-RU" dirty="0"/>
             </a:br>
             <a:r>
-              <a:rPr lang="ru-RU" dirty="0" smtClean="0"/>
-              <a:t>&lt;/</a:t>
-            </a:r>
-            <a:r>
               <a:rPr lang="ru-RU" dirty="0"/>
-              <a:t>el&gt;</a:t>
+              <a:t>&lt;/el&gt;</a:t>
             </a:r>
           </a:p>
           <a:p>
@@ -3767,13 +3665,6 @@
   <p:clrMapOvr>
     <a:masterClrMapping/>
   </p:clrMapOvr>
-  <p:timing>
-    <p:tnLst>
-      <p:par>
-        <p:cTn id="1" dur="indefinite" restart="never" nodeType="tmRoot"/>
-      </p:par>
-    </p:tnLst>
-  </p:timing>
 </p:sld>
 </file>
 
@@ -3812,10 +3703,9 @@
           <a:lstStyle/>
           <a:p>
             <a:r>
-              <a:rPr lang="ru-RU" dirty="0" smtClean="0"/>
+              <a:rPr lang="ru-RU" dirty="0"/>
               <a:t>Выбор между элементом и атрибутом</a:t>
             </a:r>
-            <a:endParaRPr lang="ru-RU" dirty="0"/>
           </a:p>
         </p:txBody>
       </p:sp>
@@ -3835,22 +3725,22 @@
           <a:lstStyle/>
           <a:p>
             <a:r>
-              <a:rPr lang="ru-RU" dirty="0" smtClean="0"/>
+              <a:rPr lang="ru-RU" dirty="0"/>
               <a:t>Атрибуты лучше подходят для коротких простых данных без вложенности (сейчас или в будущем).</a:t>
             </a:r>
-            <a:endParaRPr lang="en-US" dirty="0" smtClean="0"/>
-          </a:p>
-          <a:p>
-            <a:r>
-              <a:rPr lang="ru-RU" dirty="0" smtClean="0"/>
+            <a:endParaRPr lang="en-US" dirty="0"/>
+          </a:p>
+          <a:p>
+            <a:r>
+              <a:rPr lang="ru-RU" dirty="0"/>
               <a:t>По атрибутам проще делать поиск с помощью </a:t>
             </a:r>
             <a:r>
-              <a:rPr lang="en-US" dirty="0" smtClean="0"/>
+              <a:rPr lang="en-US" dirty="0"/>
               <a:t>XPath </a:t>
             </a:r>
             <a:r>
-              <a:rPr lang="ru-RU" dirty="0" smtClean="0"/>
+              <a:rPr lang="ru-RU" dirty="0"/>
               <a:t>запросов</a:t>
             </a:r>
           </a:p>
@@ -3859,10 +3749,9 @@
           </a:p>
           <a:p>
             <a:r>
-              <a:rPr lang="ru-RU" dirty="0" smtClean="0"/>
+              <a:rPr lang="ru-RU" dirty="0"/>
               <a:t>Элементы лучше подходят для длинных значений</a:t>
             </a:r>
-            <a:endParaRPr lang="ru-RU" dirty="0"/>
           </a:p>
         </p:txBody>
       </p:sp>
@@ -3876,13 +3765,6 @@
   <p:clrMapOvr>
     <a:masterClrMapping/>
   </p:clrMapOvr>
-  <p:timing>
-    <p:tnLst>
-      <p:par>
-        <p:cTn id="1" dur="indefinite" restart="never" nodeType="tmRoot"/>
-      </p:par>
-    </p:tnLst>
-  </p:timing>
 </p:sld>
 </file>
 
@@ -3944,31 +3826,15 @@
           <a:lstStyle/>
           <a:p>
             <a:r>
-              <a:rPr lang="ru-RU" sz="2400" dirty="0" smtClean="0"/>
-              <a:t>Некоторые </a:t>
-            </a:r>
-            <a:r>
               <a:rPr lang="ru-RU" sz="2400" dirty="0"/>
-              <a:t>символы не могут использоваться в тексте элементов, так как применяются в разметке документа: &lt; и &amp;. </a:t>
-            </a:r>
-            <a:r>
-              <a:rPr lang="ru-RU" sz="2400" dirty="0" smtClean="0"/>
-              <a:t>Эти </a:t>
+              <a:t>Некоторые символы не могут использоваться в тексте элементов, так как применяются в разметке документа: &lt; и &amp;. Эти символы, а также некоторые другие, могут быть обозначены особым образом (</a:t>
+            </a:r>
+            <a:r>
+              <a:rPr lang="en-US" sz="2400" dirty="0"/>
+              <a:t>entity</a:t>
             </a:r>
             <a:r>
               <a:rPr lang="ru-RU" sz="2400" dirty="0"/>
-              <a:t>символы, а также некоторые другие, могут быть обозначены особым </a:t>
-            </a:r>
-            <a:r>
-              <a:rPr lang="ru-RU" sz="2400" dirty="0" smtClean="0"/>
-              <a:t>образом (</a:t>
-            </a:r>
-            <a:r>
-              <a:rPr lang="en-US" sz="2400" dirty="0" smtClean="0"/>
-              <a:t>entity</a:t>
-            </a:r>
-            <a:r>
-              <a:rPr lang="ru-RU" sz="2400" dirty="0" smtClean="0"/>
               <a:t>):</a:t>
             </a:r>
           </a:p>
@@ -4024,10 +3890,9 @@
                     <a:lstStyle/>
                     <a:p>
                       <a:r>
-                        <a:rPr lang="en-US" b="0" dirty="0" smtClean="0"/>
+                        <a:rPr lang="en-US" b="0" dirty="0"/>
                         <a:t>&amp;amp;</a:t>
                       </a:r>
-                      <a:endParaRPr lang="en-US" b="0" dirty="0"/>
                     </a:p>
                   </a:txBody>
                   <a:tcPr>
@@ -4085,7 +3950,7 @@
                     <a:p>
                       <a:pPr marL="0" algn="l" defTabSz="914400" rtl="0" eaLnBrk="1" latinLnBrk="0" hangingPunct="1"/>
                       <a:r>
-                        <a:rPr lang="en-US" sz="1800" b="0" kern="1200" dirty="0" smtClean="0">
+                        <a:rPr lang="en-US" sz="1800" b="0" kern="1200" dirty="0">
                           <a:solidFill>
                             <a:schemeClr val="lt1"/>
                           </a:solidFill>
@@ -4095,14 +3960,6 @@
                         </a:rPr>
                         <a:t>&amp;</a:t>
                       </a:r>
-                      <a:endParaRPr lang="en-US" sz="1800" b="0" kern="1200" dirty="0">
-                        <a:solidFill>
-                          <a:schemeClr val="lt1"/>
-                        </a:solidFill>
-                        <a:latin typeface="+mn-lt"/>
-                        <a:ea typeface="+mn-ea"/>
-                        <a:cs typeface="+mn-cs"/>
-                      </a:endParaRPr>
                     </a:p>
                   </a:txBody>
                   <a:tcPr>
@@ -4166,21 +4023,21 @@
                     <a:lstStyle/>
                     <a:p>
                       <a:r>
-                        <a:rPr lang="en-US" sz="1800" dirty="0" smtClean="0">
+                        <a:rPr lang="en-US" sz="1800" dirty="0">
                           <a:latin typeface="Consolas" pitchFamily="49" charset="0"/>
                           <a:cs typeface="Consolas" pitchFamily="49" charset="0"/>
                         </a:rPr>
                         <a:t>&amp;</a:t>
                       </a:r>
                       <a:r>
-                        <a:rPr lang="en-US" sz="1800" dirty="0" err="1" smtClean="0">
+                        <a:rPr lang="en-US" sz="1800" dirty="0" err="1">
                           <a:latin typeface="Consolas" pitchFamily="49" charset="0"/>
                           <a:cs typeface="Consolas" pitchFamily="49" charset="0"/>
                         </a:rPr>
                         <a:t>lt</a:t>
                       </a:r>
                       <a:r>
-                        <a:rPr lang="en-US" sz="1800" dirty="0" smtClean="0">
+                        <a:rPr lang="en-US" sz="1800" dirty="0">
                           <a:latin typeface="Consolas" pitchFamily="49" charset="0"/>
                           <a:cs typeface="Consolas" pitchFamily="49" charset="0"/>
                         </a:rPr>
@@ -4244,7 +4101,7 @@
                     <a:p>
                       <a:pPr marL="0" algn="l" defTabSz="914400" rtl="0" eaLnBrk="1" latinLnBrk="0" hangingPunct="1"/>
                       <a:r>
-                        <a:rPr lang="en-US" sz="1800" b="0" kern="1200" dirty="0" smtClean="0">
+                        <a:rPr lang="en-US" sz="1800" b="0" kern="1200" dirty="0">
                           <a:solidFill>
                             <a:schemeClr val="lt1"/>
                           </a:solidFill>
@@ -4254,14 +4111,6 @@
                         </a:rPr>
                         <a:t>&lt;</a:t>
                       </a:r>
-                      <a:endParaRPr lang="en-US" sz="1800" b="0" kern="1200" dirty="0">
-                        <a:solidFill>
-                          <a:schemeClr val="lt1"/>
-                        </a:solidFill>
-                        <a:latin typeface="+mn-lt"/>
-                        <a:ea typeface="+mn-ea"/>
-                        <a:cs typeface="+mn-cs"/>
-                      </a:endParaRPr>
                     </a:p>
                   </a:txBody>
                   <a:tcPr>
@@ -4325,7 +4174,7 @@
                     <a:lstStyle/>
                     <a:p>
                       <a:r>
-                        <a:rPr lang="ru-RU" b="0" dirty="0" smtClean="0"/>
+                        <a:rPr lang="ru-RU" b="0" dirty="0"/>
                         <a:t>&amp;gt; </a:t>
                       </a:r>
                       <a:endParaRPr lang="en-US" b="0" dirty="0"/>
@@ -4386,7 +4235,7 @@
                     <a:p>
                       <a:pPr marL="0" algn="l" defTabSz="914400" rtl="0" eaLnBrk="1" latinLnBrk="0" hangingPunct="1"/>
                       <a:r>
-                        <a:rPr lang="ru-RU" b="0" dirty="0" smtClean="0"/>
+                        <a:rPr lang="ru-RU" b="0" dirty="0"/>
                         <a:t>&gt;</a:t>
                       </a:r>
                       <a:endParaRPr lang="en-US" sz="1800" b="0" kern="1200" dirty="0">
@@ -4460,7 +4309,7 @@
                     <a:lstStyle/>
                     <a:p>
                       <a:r>
-                        <a:rPr lang="ru-RU" b="0" dirty="0" smtClean="0"/>
+                        <a:rPr lang="ru-RU" b="0" dirty="0"/>
                         <a:t>&amp;quot;</a:t>
                       </a:r>
                       <a:endParaRPr lang="en-US" b="0" dirty="0"/>
@@ -4521,7 +4370,7 @@
                     <a:p>
                       <a:pPr marL="0" algn="l" defTabSz="914400" rtl="0" eaLnBrk="1" latinLnBrk="0" hangingPunct="1"/>
                       <a:r>
-                        <a:rPr lang="ru-RU" b="0" dirty="0" smtClean="0"/>
+                        <a:rPr lang="ru-RU" b="0" dirty="0"/>
                         <a:t>"</a:t>
                       </a:r>
                       <a:endParaRPr lang="en-US" sz="1800" b="0" kern="1200" dirty="0">
@@ -4595,7 +4444,7 @@
                     <a:lstStyle/>
                     <a:p>
                       <a:r>
-                        <a:rPr lang="ru-RU" b="0" dirty="0" smtClean="0"/>
+                        <a:rPr lang="ru-RU" b="0" dirty="0"/>
                         <a:t>&amp;apos;</a:t>
                       </a:r>
                       <a:endParaRPr lang="en-US" b="0" dirty="0"/>
@@ -4656,7 +4505,7 @@
                     <a:p>
                       <a:pPr marL="0" algn="l" defTabSz="914400" rtl="0" eaLnBrk="1" latinLnBrk="0" hangingPunct="1"/>
                       <a:r>
-                        <a:rPr lang="ru-RU" b="0" dirty="0" smtClean="0"/>
+                        <a:rPr lang="ru-RU" b="0" dirty="0"/>
                         <a:t>'</a:t>
                       </a:r>
                       <a:endParaRPr lang="en-US" sz="1800" b="0" kern="1200" dirty="0">
@@ -4730,7 +4579,7 @@
                     <a:lstStyle/>
                     <a:p>
                       <a:r>
-                        <a:rPr lang="ru-RU" b="0" dirty="0" smtClean="0"/>
+                        <a:rPr lang="ru-RU" b="0" dirty="0"/>
                         <a:t>&amp;#[integer];</a:t>
                       </a:r>
                       <a:endParaRPr lang="en-US" b="0" dirty="0"/>
@@ -4791,20 +4640,16 @@
                     <a:p>
                       <a:pPr marL="0" algn="l" defTabSz="914400" rtl="0" eaLnBrk="1" latinLnBrk="0" hangingPunct="1"/>
                       <a:r>
-                        <a:rPr lang="en-US" b="0" dirty="0" smtClean="0"/>
+                        <a:rPr lang="en-US" b="0" dirty="0"/>
                         <a:t>C</a:t>
                       </a:r>
                       <a:r>
-                        <a:rPr lang="ru-RU" b="0" dirty="0" smtClean="0"/>
+                        <a:rPr lang="ru-RU" b="0" dirty="0"/>
                         <a:t>имвол с десятичным кодом</a:t>
                       </a:r>
                       <a:r>
-                        <a:rPr lang="en-US" b="0" dirty="0" smtClean="0"/>
-                        <a:t> [integer</a:t>
-                      </a:r>
-                      <a:r>
-                        <a:rPr lang="en-US" b="0" dirty="0" smtClean="0"/>
-                        <a:t>]</a:t>
+                        <a:rPr lang="en-US" b="0" dirty="0"/>
+                        <a:t> [integer]</a:t>
                       </a:r>
                     </a:p>
                     <a:p>
@@ -4826,22 +4671,22 @@
                         <a:defRPr/>
                       </a:pPr>
                       <a:r>
-                        <a:rPr lang="en-US" sz="1800" dirty="0" smtClean="0"/>
+                        <a:rPr lang="en-US" sz="1800" dirty="0"/>
                         <a:t>	</a:t>
                       </a:r>
                       <a:r>
-                        <a:rPr lang="ru-RU" b="0" dirty="0" smtClean="0"/>
+                        <a:rPr lang="ru-RU" b="0" dirty="0"/>
                         <a:t>&amp;#160;</a:t>
                       </a:r>
                       <a:r>
-                        <a:rPr lang="en-US" b="0" baseline="0" dirty="0" smtClean="0"/>
+                        <a:rPr lang="en-US" b="0" baseline="0" dirty="0"/>
                         <a:t> - </a:t>
                       </a:r>
                       <a:r>
-                        <a:rPr lang="ru-RU" b="0" dirty="0" smtClean="0"/>
+                        <a:rPr lang="ru-RU" b="0" dirty="0"/>
                         <a:t>Неразрывный пробел</a:t>
                       </a:r>
-                      <a:endParaRPr lang="en-US" sz="1800" b="0" kern="1200" dirty="0" smtClean="0">
+                      <a:endParaRPr lang="en-US" sz="1800" b="0" kern="1200" dirty="0">
                         <a:solidFill>
                           <a:schemeClr val="lt1"/>
                         </a:solidFill>
@@ -4912,7 +4757,7 @@
                     <a:lstStyle/>
                     <a:p>
                       <a:r>
-                        <a:rPr lang="ru-RU" b="0" dirty="0" smtClean="0"/>
+                        <a:rPr lang="ru-RU" b="0" dirty="0"/>
                         <a:t>&amp;#x[hex];</a:t>
                       </a:r>
                       <a:endParaRPr lang="en-US" b="0" dirty="0"/>
@@ -4973,16 +4818,12 @@
                     <a:p>
                       <a:pPr marL="0" algn="l" defTabSz="914400" rtl="0" eaLnBrk="1" latinLnBrk="0" hangingPunct="1"/>
                       <a:r>
-                        <a:rPr lang="ru-RU" b="0" dirty="0" smtClean="0"/>
+                        <a:rPr lang="ru-RU" b="0" dirty="0"/>
                         <a:t>Символ с шестнадцатеричным кодом</a:t>
                       </a:r>
                       <a:r>
-                        <a:rPr lang="en-US" b="0" dirty="0" smtClean="0"/>
-                        <a:t> [hex</a:t>
-                      </a:r>
-                      <a:r>
-                        <a:rPr lang="en-US" b="0" dirty="0" smtClean="0"/>
-                        <a:t>]</a:t>
+                        <a:rPr lang="en-US" b="0" dirty="0"/>
+                        <a:t> [hex]</a:t>
                       </a:r>
                     </a:p>
                     <a:p>
@@ -5004,30 +4845,30 @@
                         <a:defRPr/>
                       </a:pPr>
                       <a:r>
-                        <a:rPr lang="en-US" sz="1800" dirty="0" smtClean="0"/>
+                        <a:rPr lang="en-US" sz="1800" dirty="0"/>
                         <a:t>	</a:t>
                       </a:r>
                       <a:r>
-                        <a:rPr lang="ru-RU" b="0" dirty="0" smtClean="0"/>
+                        <a:rPr lang="ru-RU" b="0" dirty="0"/>
                         <a:t>&amp;#</a:t>
                       </a:r>
                       <a:r>
-                        <a:rPr lang="en-US" b="0" dirty="0" smtClean="0"/>
+                        <a:rPr lang="en-US" b="0" dirty="0"/>
                         <a:t>xA0</a:t>
                       </a:r>
                       <a:r>
-                        <a:rPr lang="ru-RU" b="0" dirty="0" smtClean="0"/>
+                        <a:rPr lang="ru-RU" b="0" dirty="0"/>
                         <a:t>;</a:t>
                       </a:r>
                       <a:r>
-                        <a:rPr lang="en-US" b="0" baseline="0" dirty="0" smtClean="0"/>
+                        <a:rPr lang="en-US" b="0" baseline="0" dirty="0"/>
                         <a:t> - </a:t>
                       </a:r>
                       <a:r>
-                        <a:rPr lang="ru-RU" b="0" dirty="0" smtClean="0"/>
+                        <a:rPr lang="ru-RU" b="0" dirty="0"/>
                         <a:t>Неразрывный пробел</a:t>
                       </a:r>
-                      <a:endParaRPr lang="en-US" sz="1800" b="0" kern="1200" dirty="0" smtClean="0">
+                      <a:endParaRPr lang="en-US" sz="1800" b="0" kern="1200" dirty="0">
                         <a:solidFill>
                           <a:schemeClr val="lt1"/>
                         </a:solidFill>
@@ -5105,13 +4946,6 @@
   <p:clrMapOvr>
     <a:masterClrMapping/>
   </p:clrMapOvr>
-  <p:timing>
-    <p:tnLst>
-      <p:par>
-        <p:cTn id="1" dur="indefinite" restart="never" nodeType="tmRoot"/>
-      </p:par>
-    </p:tnLst>
-  </p:timing>
 </p:sld>
 </file>
 
@@ -5181,12 +5015,20 @@
               <a:buNone/>
             </a:pPr>
             <a:r>
-              <a:rPr lang="ru-RU" sz="2400" dirty="0" smtClean="0">
+              <a:rPr lang="ru-RU" sz="2400" dirty="0">
                 <a:solidFill>
                   <a:schemeClr val="bg1"/>
                 </a:solidFill>
               </a:rPr>
-              <a:t>Любой </a:t>
+              <a:t>Любой XML-элемент может содержать специальный атрибут xmlns, указывающий на пространство имен элемента. Назначение пространств имён дать возможность разрешать конфликты для элементов</a:t>
+            </a:r>
+            <a:r>
+              <a:rPr lang="en-US" sz="2400" dirty="0">
+                <a:solidFill>
+                  <a:schemeClr val="bg1"/>
+                </a:solidFill>
+              </a:rPr>
+              <a:t> </a:t>
             </a:r>
             <a:r>
               <a:rPr lang="ru-RU" sz="2400" dirty="0">
@@ -5194,63 +5036,7 @@
                   <a:schemeClr val="bg1"/>
                 </a:solidFill>
               </a:rPr>
-              <a:t>XML-элемент может содержать специальный атрибут xmlns, указывающий на пространство </a:t>
-            </a:r>
-            <a:r>
-              <a:rPr lang="ru-RU" sz="2400" dirty="0" smtClean="0">
-                <a:solidFill>
-                  <a:schemeClr val="bg1"/>
-                </a:solidFill>
-              </a:rPr>
-              <a:t>имен </a:t>
-            </a:r>
-            <a:r>
-              <a:rPr lang="ru-RU" sz="2400" dirty="0">
-                <a:solidFill>
-                  <a:schemeClr val="bg1"/>
-                </a:solidFill>
-              </a:rPr>
-              <a:t>элемента. Назначение пространств имён </a:t>
-            </a:r>
-            <a:r>
-              <a:rPr lang="ru-RU" sz="2400" dirty="0" smtClean="0">
-                <a:solidFill>
-                  <a:schemeClr val="bg1"/>
-                </a:solidFill>
-              </a:rPr>
-              <a:t>дать возможность разрешать конфликты для элементов</a:t>
-            </a:r>
-            <a:r>
-              <a:rPr lang="en-US" sz="2400" dirty="0" smtClean="0">
-                <a:solidFill>
-                  <a:schemeClr val="bg1"/>
-                </a:solidFill>
-              </a:rPr>
-              <a:t> </a:t>
-            </a:r>
-            <a:r>
-              <a:rPr lang="ru-RU" sz="2400" dirty="0" smtClean="0">
-                <a:solidFill>
-                  <a:schemeClr val="bg1"/>
-                </a:solidFill>
-              </a:rPr>
-              <a:t>с одинаковым названием, но разным предназначением. Пространства имен могут объявляться с префиксом или без него. Пространство имен без </a:t>
-            </a:r>
-            <a:r>
-              <a:rPr lang="ru-RU" sz="2400" dirty="0">
-                <a:solidFill>
-                  <a:schemeClr val="bg1"/>
-                </a:solidFill>
-              </a:rPr>
-              <a:t>префикса называется </a:t>
-            </a:r>
-            <a:r>
-              <a:rPr lang="ru-RU" sz="2400" dirty="0" smtClean="0">
-                <a:solidFill>
-                  <a:schemeClr val="bg1"/>
-                </a:solidFill>
-              </a:rPr>
-              <a:t>«пространством имен по умолчанию» и может быть только одним в рамках документа.</a:t>
+              <a:t>с одинаковым названием, но разным предназначением. Пространства имен могут объявляться с префиксом или без него. Пространство имен без префикса называется «пространством имен по умолчанию» и может быть только одним в рамках документа.</a:t>
             </a:r>
             <a:endParaRPr lang="en-US" sz="2400" dirty="0">
               <a:solidFill>
@@ -5295,7 +5081,7 @@
               <a:t>&lt;</a:t>
             </a:r>
             <a:r>
-              <a:rPr lang="en-US" sz="2000" dirty="0" err="1" smtClean="0">
+              <a:rPr lang="en-US" sz="2000" dirty="0" err="1">
                 <a:solidFill>
                   <a:srgbClr val="A31515"/>
                 </a:solidFill>
@@ -5304,55 +5090,54 @@
               </a:rPr>
               <a:t>xs:schema</a:t>
             </a:r>
-            <a:r>
-              <a:rPr lang="ru-RU" sz="2000" dirty="0" smtClean="0">
+            <a:br>
+              <a:rPr lang="ru-RU" sz="2000" dirty="0">
                 <a:solidFill>
                   <a:srgbClr val="A31515"/>
                 </a:solidFill>
                 <a:latin typeface="Courier New" panose="02070309020205020404" pitchFamily="49" charset="0"/>
                 <a:cs typeface="Courier New" panose="02070309020205020404" pitchFamily="49" charset="0"/>
               </a:rPr>
-              <a:t/>
-            </a:r>
-            <a:br>
-              <a:rPr lang="ru-RU" sz="2000" dirty="0" smtClean="0">
+            </a:br>
+            <a:r>
+              <a:rPr lang="en-US" sz="2000" dirty="0">
                 <a:solidFill>
                   <a:srgbClr val="A31515"/>
                 </a:solidFill>
                 <a:latin typeface="Courier New" panose="02070309020205020404" pitchFamily="49" charset="0"/>
                 <a:cs typeface="Courier New" panose="02070309020205020404" pitchFamily="49" charset="0"/>
               </a:rPr>
-            </a:br>
-            <a:r>
-              <a:rPr lang="en-US" sz="2000" dirty="0" smtClean="0">
-                <a:solidFill>
-                  <a:srgbClr val="A31515"/>
+              <a:t>    </a:t>
+            </a:r>
+            <a:r>
+              <a:rPr lang="en-US" sz="2000" dirty="0" err="1">
+                <a:solidFill>
+                  <a:srgbClr val="FF0000"/>
                 </a:solidFill>
                 <a:latin typeface="Courier New" panose="02070309020205020404" pitchFamily="49" charset="0"/>
                 <a:cs typeface="Courier New" panose="02070309020205020404" pitchFamily="49" charset="0"/>
               </a:rPr>
-              <a:t>    </a:t>
-            </a:r>
-            <a:r>
-              <a:rPr lang="en-US" sz="2000" dirty="0" err="1" smtClean="0">
-                <a:solidFill>
-                  <a:srgbClr val="FF0000"/>
+              <a:t>xmlns</a:t>
+            </a:r>
+            <a:r>
+              <a:rPr lang="en-US" sz="2000" dirty="0">
+                <a:solidFill>
+                  <a:srgbClr val="0000FF"/>
                 </a:solidFill>
                 <a:latin typeface="Courier New" panose="02070309020205020404" pitchFamily="49" charset="0"/>
                 <a:cs typeface="Courier New" panose="02070309020205020404" pitchFamily="49" charset="0"/>
               </a:rPr>
-              <a:t>xmlns</a:t>
-            </a:r>
-            <a:r>
-              <a:rPr lang="en-US" sz="2000" dirty="0" smtClean="0">
+              <a:t>="http://tc.belhard.com/2012/Customers"</a:t>
+            </a:r>
+            <a:br>
+              <a:rPr lang="en-US" sz="2000" dirty="0">
                 <a:solidFill>
                   <a:srgbClr val="0000FF"/>
                 </a:solidFill>
                 <a:latin typeface="Courier New" panose="02070309020205020404" pitchFamily="49" charset="0"/>
                 <a:cs typeface="Courier New" panose="02070309020205020404" pitchFamily="49" charset="0"/>
               </a:rPr>
-              <a:t>="http</a:t>
-            </a:r>
+            </a:br>
             <a:r>
               <a:rPr lang="en-US" sz="2000" dirty="0">
                 <a:solidFill>
@@ -5361,77 +5146,48 @@
                 <a:latin typeface="Courier New" panose="02070309020205020404" pitchFamily="49" charset="0"/>
                 <a:cs typeface="Courier New" panose="02070309020205020404" pitchFamily="49" charset="0"/>
               </a:rPr>
-              <a:t>://</a:t>
-            </a:r>
-            <a:r>
-              <a:rPr lang="en-US" sz="2000" dirty="0" smtClean="0">
-                <a:solidFill>
-                  <a:srgbClr val="0000FF"/>
+              <a:t>    </a:t>
+            </a:r>
+            <a:r>
+              <a:rPr lang="en-US" sz="2000" dirty="0" err="1">
+                <a:solidFill>
+                  <a:srgbClr val="FF0000"/>
                 </a:solidFill>
                 <a:latin typeface="Courier New" panose="02070309020205020404" pitchFamily="49" charset="0"/>
                 <a:cs typeface="Courier New" panose="02070309020205020404" pitchFamily="49" charset="0"/>
               </a:rPr>
-              <a:t>tc.belhard.com/2012/Customers"</a:t>
-            </a:r>
-            <a:br>
-              <a:rPr lang="en-US" sz="2000" dirty="0" smtClean="0">
+              <a:t>xmlns:xs</a:t>
+            </a:r>
+            <a:r>
+              <a:rPr lang="en-US" sz="2000" dirty="0">
                 <a:solidFill>
                   <a:srgbClr val="0000FF"/>
                 </a:solidFill>
                 <a:latin typeface="Courier New" panose="02070309020205020404" pitchFamily="49" charset="0"/>
                 <a:cs typeface="Courier New" panose="02070309020205020404" pitchFamily="49" charset="0"/>
               </a:rPr>
-            </a:br>
-            <a:r>
-              <a:rPr lang="en-US" sz="2000" dirty="0" smtClean="0">
+              <a:t>="http://www.w3.org/2001/XMLSchema"</a:t>
+            </a:r>
+            <a:br>
+              <a:rPr lang="en-US" sz="2000" dirty="0">
                 <a:solidFill>
                   <a:srgbClr val="0000FF"/>
                 </a:solidFill>
                 <a:latin typeface="Courier New" panose="02070309020205020404" pitchFamily="49" charset="0"/>
                 <a:cs typeface="Courier New" panose="02070309020205020404" pitchFamily="49" charset="0"/>
               </a:rPr>
-              <a:t>    </a:t>
-            </a:r>
-            <a:r>
-              <a:rPr lang="en-US" sz="2000" dirty="0" err="1" smtClean="0">
-                <a:solidFill>
-                  <a:srgbClr val="FF0000"/>
+            </a:br>
+            <a:r>
+              <a:rPr lang="en-US" sz="2000" dirty="0">
+                <a:solidFill>
+                  <a:srgbClr val="0000FF"/>
                 </a:solidFill>
                 <a:latin typeface="Courier New" panose="02070309020205020404" pitchFamily="49" charset="0"/>
                 <a:cs typeface="Courier New" panose="02070309020205020404" pitchFamily="49" charset="0"/>
               </a:rPr>
-              <a:t>xmlns:xs</a:t>
-            </a:r>
-            <a:r>
-              <a:rPr lang="en-US" sz="2000" dirty="0" smtClean="0">
-                <a:solidFill>
-                  <a:srgbClr val="0000FF"/>
-                </a:solidFill>
-                <a:latin typeface="Courier New" panose="02070309020205020404" pitchFamily="49" charset="0"/>
-                <a:cs typeface="Courier New" panose="02070309020205020404" pitchFamily="49" charset="0"/>
-              </a:rPr>
-              <a:t>="http://www.w3.org/2001/XMLSchema"</a:t>
-            </a:r>
-            <a:br>
-              <a:rPr lang="en-US" sz="2000" dirty="0" smtClean="0">
-                <a:solidFill>
-                  <a:srgbClr val="0000FF"/>
-                </a:solidFill>
-                <a:latin typeface="Courier New" panose="02070309020205020404" pitchFamily="49" charset="0"/>
-                <a:cs typeface="Courier New" panose="02070309020205020404" pitchFamily="49" charset="0"/>
-              </a:rPr>
-            </a:br>
-            <a:r>
-              <a:rPr lang="en-US" sz="2000" dirty="0" smtClean="0">
-                <a:solidFill>
-                  <a:srgbClr val="0000FF"/>
-                </a:solidFill>
-                <a:latin typeface="Courier New" panose="02070309020205020404" pitchFamily="49" charset="0"/>
-                <a:cs typeface="Courier New" panose="02070309020205020404" pitchFamily="49" charset="0"/>
-              </a:rPr>
               <a:t>&gt;</a:t>
             </a:r>
-            <a:endParaRPr lang="en-US" sz="2000" dirty="0" smtClean="0">
+            <a:endParaRPr lang="en-US" sz="2000" dirty="0">
               <a:latin typeface="Courier New" panose="02070309020205020404" pitchFamily="49" charset="0"/>
               <a:cs typeface="Courier New" panose="02070309020205020404" pitchFamily="49" charset="0"/>
             </a:endParaRPr>
@@ -5448,13 +5204,6 @@
   <p:clrMapOvr>
     <a:masterClrMapping/>
   </p:clrMapOvr>
-  <p:timing>
-    <p:tnLst>
-      <p:par>
-        <p:cTn id="1" dur="indefinite" restart="never" nodeType="tmRoot"/>
-      </p:par>
-    </p:tnLst>
-  </p:timing>
 </p:sld>
 </file>
 
@@ -5491,7 +5240,7 @@
           <a:lstStyle/>
           <a:p>
             <a:r>
-              <a:rPr lang="ru-RU" dirty="0" smtClean="0"/>
+              <a:rPr lang="ru-RU" dirty="0"/>
               <a:t>Комментарии</a:t>
             </a:r>
             <a:endParaRPr lang="en-US" dirty="0"/>
@@ -5514,35 +5263,14 @@
           <a:lstStyle/>
           <a:p>
             <a:r>
-              <a:rPr lang="ru-RU" dirty="0" smtClean="0"/>
+              <a:rPr lang="ru-RU" dirty="0"/>
               <a:t>&lt;!-- текст комментария --&gt;</a:t>
             </a:r>
-            <a:endParaRPr lang="ru-RU" dirty="0"/>
           </a:p>
           <a:p>
             <a:r>
               <a:rPr lang="ru-RU" dirty="0"/>
-              <a:t>В тексте </a:t>
-            </a:r>
-            <a:r>
-              <a:rPr lang="ru-RU" dirty="0" smtClean="0"/>
-              <a:t>комментария </a:t>
-            </a:r>
-            <a:r>
-              <a:rPr lang="ru-RU" dirty="0"/>
-              <a:t>не должна </a:t>
-            </a:r>
-            <a:r>
-              <a:rPr lang="ru-RU" dirty="0" smtClean="0"/>
-              <a:t>встречаться </a:t>
-            </a:r>
-            <a:r>
-              <a:rPr lang="ru-RU" dirty="0"/>
-              <a:t>последовательность из двух знаков </a:t>
-            </a:r>
-            <a:r>
-              <a:rPr lang="ru-RU" dirty="0" smtClean="0"/>
-              <a:t>дефиса.</a:t>
+              <a:t>В тексте комментария не должна встречаться последовательность из двух знаков дефиса.</a:t>
             </a:r>
             <a:endParaRPr lang="en-US" dirty="0"/>
           </a:p>
@@ -5558,13 +5286,6 @@
   <p:clrMapOvr>
     <a:masterClrMapping/>
   </p:clrMapOvr>
-  <p:timing>
-    <p:tnLst>
-      <p:par>
-        <p:cTn id="1" dur="indefinite" restart="never" nodeType="tmRoot"/>
-      </p:par>
-    </p:tnLst>
-  </p:timing>
 </p:sld>
 </file>
 
@@ -5601,14 +5322,13 @@
           <a:lstStyle/>
           <a:p>
             <a:r>
-              <a:rPr lang="ru-RU" dirty="0" smtClean="0"/>
+              <a:rPr lang="ru-RU" dirty="0"/>
               <a:t>Секции</a:t>
             </a:r>
             <a:r>
-              <a:rPr lang="en-US" dirty="0" smtClean="0"/>
+              <a:rPr lang="en-US" dirty="0"/>
               <a:t> CDATA</a:t>
             </a:r>
-            <a:endParaRPr lang="en-US" dirty="0"/>
           </a:p>
         </p:txBody>
       </p:sp>
@@ -5631,79 +5351,39 @@
           <a:p>
             <a:r>
               <a:rPr lang="ru-RU" dirty="0"/>
-              <a:t>Секция CDATA используется для того, чтобы обозначить части документа, которые не должны восприниматься как </a:t>
-            </a:r>
-            <a:r>
-              <a:rPr lang="ru-RU" dirty="0" smtClean="0"/>
-              <a:t>разметка.</a:t>
-            </a:r>
-            <a:endParaRPr lang="en-US" dirty="0" smtClean="0"/>
-          </a:p>
-          <a:p>
-            <a:r>
-              <a:rPr lang="ru-RU" dirty="0" smtClean="0"/>
-              <a:t>Секция </a:t>
-            </a:r>
+              <a:t>Секция CDATA используется для того, чтобы обозначить части документа, которые не должны восприниматься как разметка.</a:t>
+            </a:r>
+            <a:endParaRPr lang="en-US" dirty="0"/>
+          </a:p>
+          <a:p>
             <a:r>
               <a:rPr lang="ru-RU" dirty="0"/>
-              <a:t>CDATA начинается со строки &lt;![CDATA[ и заканчивается строкой ]]&gt;. Внутри самой секции не должна присутствовать строка </a:t>
-            </a:r>
-            <a:r>
-              <a:rPr lang="ru-RU" dirty="0" smtClean="0"/>
-              <a:t>]]&gt;.</a:t>
-            </a:r>
-            <a:endParaRPr lang="en-US" dirty="0" smtClean="0"/>
-          </a:p>
-          <a:p>
-            <a:r>
-              <a:rPr lang="ru-RU" dirty="0" smtClean="0"/>
-              <a:t>&lt;</a:t>
-            </a:r>
+              <a:t>Секция CDATA начинается со строки &lt;![CDATA[ и заканчивается строкой ]]&gt;. Внутри самой секции не должна присутствовать строка ]]&gt;.</a:t>
+            </a:r>
+            <a:endParaRPr lang="en-US" dirty="0"/>
+          </a:p>
+          <a:p>
             <a:r>
               <a:rPr lang="ru-RU" dirty="0"/>
-              <a:t>example</a:t>
-            </a:r>
-            <a:r>
-              <a:rPr lang="ru-RU" dirty="0" smtClean="0"/>
-              <a:t>&gt;</a:t>
-            </a:r>
-            <a:r>
-              <a:rPr lang="en-US" dirty="0" smtClean="0"/>
-              <a:t/>
+              <a:t>&lt;example&gt;</a:t>
             </a:r>
             <a:br>
-              <a:rPr lang="en-US" dirty="0" smtClean="0"/>
+              <a:rPr lang="en-US" dirty="0"/>
             </a:br>
             <a:r>
-              <a:rPr lang="en-US" dirty="0" smtClean="0"/>
+              <a:rPr lang="en-US" dirty="0"/>
               <a:t>    </a:t>
             </a:r>
             <a:r>
-              <a:rPr lang="ru-RU" dirty="0" smtClean="0"/>
-              <a:t>&lt;![</a:t>
-            </a:r>
-            <a:r>
               <a:rPr lang="ru-RU" dirty="0"/>
-              <a:t>CDATA[ &lt;aaa&gt;bb&amp;cc</a:t>
-            </a:r>
-            <a:r>
-              <a:rPr lang="ru-RU" dirty="0" smtClean="0"/>
-              <a:t>&lt;&lt;&lt;]]&gt;</a:t>
-            </a:r>
-            <a:r>
-              <a:rPr lang="en-US" dirty="0" smtClean="0"/>
-              <a:t/>
+              <a:t>&lt;![CDATA[ &lt;aaa&gt;bb&amp;cc&lt;&lt;&lt;]]&gt;</a:t>
             </a:r>
             <a:br>
-              <a:rPr lang="en-US" dirty="0" smtClean="0"/>
+              <a:rPr lang="en-US" dirty="0"/>
             </a:br>
             <a:r>
-              <a:rPr lang="ru-RU" dirty="0" smtClean="0"/>
-              <a:t>&lt;/</a:t>
-            </a:r>
-            <a:r>
               <a:rPr lang="ru-RU" dirty="0"/>
-              <a:t>example&gt;</a:t>
+              <a:t>&lt;/example&gt;</a:t>
             </a:r>
             <a:endParaRPr lang="en-US" dirty="0"/>
           </a:p>
@@ -5719,13 +5399,6 @@
   <p:clrMapOvr>
     <a:masterClrMapping/>
   </p:clrMapOvr>
-  <p:timing>
-    <p:tnLst>
-      <p:par>
-        <p:cTn id="1" dur="indefinite" restart="never" nodeType="tmRoot"/>
-      </p:par>
-    </p:tnLst>
-  </p:timing>
 </p:sld>
 </file>
 
@@ -5762,7 +5435,7 @@
           <a:lstStyle/>
           <a:p>
             <a:r>
-              <a:rPr lang="ru-RU" dirty="0" smtClean="0"/>
+              <a:rPr lang="ru-RU" dirty="0"/>
               <a:t>Хранение бинарных данных</a:t>
             </a:r>
             <a:endParaRPr lang="en-US" dirty="0"/>
@@ -5795,55 +5468,55 @@
               <a:buNone/>
             </a:pPr>
             <a:r>
-              <a:rPr lang="en-US" sz="2400" dirty="0" smtClean="0"/>
+              <a:rPr lang="en-US" sz="2400" dirty="0"/>
               <a:t>XML </a:t>
             </a:r>
             <a:r>
-              <a:rPr lang="ru-RU" sz="2400" dirty="0" smtClean="0"/>
+              <a:rPr lang="ru-RU" sz="2400" dirty="0"/>
               <a:t>является тектовым форматом, поэтому прямое хранение бинарных данных невозможно. </a:t>
             </a:r>
             <a:r>
-              <a:rPr lang="en-US" sz="2400" dirty="0" smtClean="0"/>
+              <a:rPr lang="en-US" sz="2400" dirty="0"/>
               <a:t> </a:t>
             </a:r>
             <a:r>
-              <a:rPr lang="ru-RU" sz="2400" dirty="0" smtClean="0"/>
+              <a:rPr lang="ru-RU" sz="2400" dirty="0"/>
               <a:t>Вместо этого можно преобразовать последовательность байтов в текстовое представление и уже его сохранять в </a:t>
             </a:r>
             <a:r>
-              <a:rPr lang="en-US" sz="2400" dirty="0" smtClean="0"/>
+              <a:rPr lang="en-US" sz="2400" dirty="0"/>
               <a:t>XML.</a:t>
             </a:r>
             <a:r>
-              <a:rPr lang="ru-RU" sz="2400" dirty="0" smtClean="0"/>
+              <a:rPr lang="ru-RU" sz="2400" dirty="0"/>
               <a:t> Хорошим решением будет использование кодировки </a:t>
             </a:r>
             <a:r>
-              <a:rPr lang="en-US" sz="2400" dirty="0" smtClean="0"/>
+              <a:rPr lang="en-US" sz="2400" dirty="0"/>
               <a:t>Base64. </a:t>
             </a:r>
             <a:r>
-              <a:rPr lang="ru-RU" sz="2400" dirty="0" smtClean="0"/>
+              <a:rPr lang="ru-RU" sz="2400" dirty="0"/>
               <a:t>Накладные расходы при этом составят примерно 37% от объема бинарных данных. Смотрите методы класса </a:t>
             </a:r>
             <a:r>
-              <a:rPr lang="en-US" sz="2400" dirty="0" err="1" smtClean="0"/>
+              <a:rPr lang="en-US" sz="2400" dirty="0" err="1"/>
               <a:t>System.Convert</a:t>
             </a:r>
             <a:r>
-              <a:rPr lang="en-US" sz="2400" dirty="0" smtClean="0"/>
+              <a:rPr lang="en-US" sz="2400" dirty="0"/>
               <a:t>:</a:t>
             </a:r>
           </a:p>
           <a:p>
             <a:r>
-              <a:rPr lang="en-US" sz="2400" dirty="0" smtClean="0"/>
+              <a:rPr lang="en-US" sz="2400" dirty="0"/>
               <a:t>string ToBase64String(byte[])</a:t>
             </a:r>
           </a:p>
           <a:p>
             <a:r>
-              <a:rPr lang="en-US" sz="2400" dirty="0" smtClean="0"/>
+              <a:rPr lang="en-US" sz="2400" dirty="0"/>
               <a:t>byte[] FromBase64String(string)</a:t>
             </a:r>
           </a:p>
@@ -6068,7 +5741,7 @@
               <a:buNone/>
             </a:pPr>
             <a:r>
-              <a:rPr lang="en-US" sz="2400" dirty="0" smtClean="0">
+              <a:rPr lang="en-US" sz="2400" dirty="0">
                 <a:solidFill>
                   <a:srgbClr val="000000"/>
                 </a:solidFill>
@@ -6209,13 +5882,6 @@
   <p:clrMapOvr>
     <a:masterClrMapping/>
   </p:clrMapOvr>
-  <p:timing>
-    <p:tnLst>
-      <p:par>
-        <p:cTn id="1" dur="indefinite" restart="never" nodeType="tmRoot"/>
-      </p:par>
-    </p:tnLst>
-  </p:timing>
 </p:sld>
 </file>
 
@@ -6254,14 +5920,13 @@
           <a:lstStyle/>
           <a:p>
             <a:r>
-              <a:rPr lang="ru-RU" dirty="0" smtClean="0"/>
+              <a:rPr lang="ru-RU" dirty="0"/>
               <a:t>Инструкции </a:t>
             </a:r>
             <a:r>
-              <a:rPr lang="en-US" dirty="0" smtClean="0"/>
+              <a:rPr lang="en-US" dirty="0"/>
               <a:t>(processing instructions)</a:t>
             </a:r>
-            <a:endParaRPr lang="en-US" dirty="0"/>
           </a:p>
         </p:txBody>
       </p:sp>
@@ -6281,37 +5946,37 @@
           <a:lstStyle/>
           <a:p>
             <a:r>
-              <a:rPr lang="en-US" dirty="0" smtClean="0"/>
+              <a:rPr lang="en-US" dirty="0"/>
               <a:t>&lt;?</a:t>
             </a:r>
             <a:r>
-              <a:rPr lang="ru-RU" dirty="0" smtClean="0"/>
+              <a:rPr lang="ru-RU" dirty="0"/>
               <a:t>имя_инструкции </a:t>
             </a:r>
             <a:r>
-              <a:rPr lang="en-US" dirty="0" smtClean="0"/>
+              <a:rPr lang="en-US" dirty="0"/>
               <a:t>[</a:t>
             </a:r>
             <a:r>
-              <a:rPr lang="ru-RU" dirty="0" smtClean="0"/>
+              <a:rPr lang="ru-RU" dirty="0"/>
               <a:t>атрибуты</a:t>
             </a:r>
             <a:r>
-              <a:rPr lang="en-US" dirty="0" smtClean="0"/>
+              <a:rPr lang="en-US" dirty="0"/>
               <a:t>]?&gt;</a:t>
             </a:r>
           </a:p>
           <a:p>
             <a:r>
-              <a:rPr lang="en-US" dirty="0" smtClean="0"/>
+              <a:rPr lang="en-US" dirty="0"/>
               <a:t>XML </a:t>
             </a:r>
             <a:r>
-              <a:rPr lang="ru-RU" dirty="0" smtClean="0"/>
+              <a:rPr lang="ru-RU" dirty="0"/>
               <a:t>пролог </a:t>
             </a:r>
             <a:r>
-              <a:rPr lang="en-US" dirty="0" smtClean="0"/>
+              <a:rPr lang="en-US" dirty="0"/>
               <a:t>(prolog)</a:t>
             </a:r>
           </a:p>
@@ -6319,15 +5984,7 @@
             <a:pPr lvl="1"/>
             <a:r>
               <a:rPr lang="en-US" dirty="0"/>
-              <a:t>&lt;?xml </a:t>
-            </a:r>
-            <a:r>
-              <a:rPr lang="en-US" dirty="0" smtClean="0"/>
-              <a:t>version="1.0" </a:t>
-            </a:r>
-            <a:r>
-              <a:rPr lang="en-US" dirty="0"/>
-              <a:t>?&gt; (utf-8 </a:t>
+              <a:t>&lt;?xml version="1.0" ?&gt; (utf-8 </a:t>
             </a:r>
             <a:r>
               <a:rPr lang="ru-RU" dirty="0"/>
@@ -6342,16 +5999,12 @@
             </a:r>
             <a:r>
               <a:rPr lang="en-US" dirty="0"/>
-              <a:t>xml </a:t>
-            </a:r>
-            <a:r>
-              <a:rPr lang="en-US" dirty="0" smtClean="0"/>
-              <a:t>version="1.0" encoding="windows-1251"?&gt;</a:t>
-            </a:r>
-          </a:p>
-          <a:p>
-            <a:r>
-              <a:rPr lang="ru-RU" dirty="0" smtClean="0"/>
+              <a:t>xml version="1.0" encoding="windows-1251"?&gt;</a:t>
+            </a:r>
+          </a:p>
+          <a:p>
+            <a:r>
+              <a:rPr lang="ru-RU" dirty="0"/>
               <a:t>Стандартные инструкции</a:t>
             </a:r>
           </a:p>
@@ -6359,11 +6012,7 @@
             <a:pPr lvl="1"/>
             <a:r>
               <a:rPr lang="en-US" dirty="0"/>
-              <a:t>&lt;?xml-stylesheet type="text/xsl" </a:t>
-            </a:r>
-            <a:r>
-              <a:rPr lang="en-US" dirty="0" smtClean="0"/>
-              <a:t>href="URL"?&gt;</a:t>
+              <a:t>&lt;?xml-stylesheet type="text/xsl" href="URL"?&gt;</a:t>
             </a:r>
           </a:p>
           <a:p>
@@ -6382,13 +6031,6 @@
   <p:clrMapOvr>
     <a:masterClrMapping/>
   </p:clrMapOvr>
-  <p:timing>
-    <p:tnLst>
-      <p:par>
-        <p:cTn id="1" dur="indefinite" restart="never" nodeType="tmRoot"/>
-      </p:par>
-    </p:tnLst>
-  </p:timing>
 </p:sld>
 </file>
 
@@ -6425,7 +6067,7 @@
           <a:lstStyle/>
           <a:p>
             <a:r>
-              <a:rPr lang="ru-RU" dirty="0" smtClean="0"/>
+              <a:rPr lang="ru-RU" dirty="0"/>
               <a:t>Литература</a:t>
             </a:r>
             <a:endParaRPr lang="en-US" dirty="0"/>
@@ -6448,27 +6090,27 @@
           <a:lstStyle/>
           <a:p>
             <a:r>
-              <a:rPr lang="en-US" dirty="0" smtClean="0"/>
+              <a:rPr lang="en-US" dirty="0"/>
               <a:t>Pro</a:t>
             </a:r>
             <a:r>
-              <a:rPr lang="ru-RU" dirty="0" smtClean="0"/>
+              <a:rPr lang="ru-RU" dirty="0"/>
               <a:t> </a:t>
             </a:r>
             <a:r>
-              <a:rPr lang="en-US" dirty="0" smtClean="0"/>
+              <a:rPr lang="en-US" dirty="0"/>
               <a:t>.NET 2.0</a:t>
             </a:r>
             <a:r>
-              <a:rPr lang="ru-RU" dirty="0" smtClean="0"/>
+              <a:rPr lang="ru-RU" dirty="0"/>
               <a:t> </a:t>
             </a:r>
             <a:r>
-              <a:rPr lang="en-US" dirty="0" smtClean="0"/>
+              <a:rPr lang="en-US" dirty="0"/>
               <a:t>XML</a:t>
             </a:r>
             <a:r>
-              <a:rPr lang="ru-RU" dirty="0" smtClean="0"/>
+              <a:rPr lang="ru-RU" dirty="0"/>
               <a:t>, </a:t>
             </a:r>
             <a:r>
@@ -6477,25 +6119,20 @@
             </a:r>
             <a:r>
               <a:rPr lang="en-US" dirty="0"/>
-              <a:t> </a:t>
-            </a:r>
-            <a:r>
-              <a:rPr lang="en-US" dirty="0" smtClean="0"/>
-              <a:t>Joshi</a:t>
-            </a:r>
-            <a:r>
-              <a:rPr lang="ru-RU" dirty="0" smtClean="0"/>
+              <a:t> Joshi</a:t>
+            </a:r>
+            <a:r>
+              <a:rPr lang="ru-RU" dirty="0"/>
               <a:t>, </a:t>
             </a:r>
             <a:r>
-              <a:rPr lang="en-US" dirty="0" err="1" smtClean="0"/>
+              <a:rPr lang="en-US" dirty="0" err="1"/>
               <a:t>Apress</a:t>
             </a:r>
             <a:r>
-              <a:rPr lang="en-US" dirty="0" smtClean="0"/>
+              <a:rPr lang="en-US" dirty="0"/>
               <a:t> 2007</a:t>
             </a:r>
-            <a:endParaRPr lang="en-US" dirty="0"/>
           </a:p>
         </p:txBody>
       </p:sp>
@@ -6509,13 +6146,6 @@
   <p:clrMapOvr>
     <a:masterClrMapping/>
   </p:clrMapOvr>
-  <p:timing>
-    <p:tnLst>
-      <p:par>
-        <p:cTn id="1" dur="indefinite" restart="never" nodeType="tmRoot"/>
-      </p:par>
-    </p:tnLst>
-  </p:timing>
 </p:sld>
 </file>
 
@@ -6552,14 +6182,13 @@
           <a:lstStyle/>
           <a:p>
             <a:r>
-              <a:rPr lang="en-US" dirty="0" smtClean="0"/>
+              <a:rPr lang="en-US" dirty="0"/>
               <a:t>XML </a:t>
             </a:r>
             <a:r>
-              <a:rPr lang="ru-RU" dirty="0" smtClean="0"/>
+              <a:rPr lang="ru-RU" dirty="0"/>
               <a:t>пролог</a:t>
             </a:r>
-            <a:endParaRPr lang="ru-RU" dirty="0"/>
           </a:p>
         </p:txBody>
       </p:sp>
@@ -6587,43 +6216,43 @@
               <a:buNone/>
             </a:pPr>
             <a:r>
-              <a:rPr lang="ru-RU" dirty="0" smtClean="0"/>
+              <a:rPr lang="ru-RU" dirty="0"/>
               <a:t>Прологом называется инструкция </a:t>
             </a:r>
             <a:r>
-              <a:rPr lang="en-US" dirty="0" smtClean="0"/>
+              <a:rPr lang="en-US" dirty="0"/>
               <a:t>&lt;?xml ?&gt;</a:t>
             </a:r>
             <a:r>
-              <a:rPr lang="ru-RU" dirty="0" smtClean="0"/>
+              <a:rPr lang="ru-RU" dirty="0"/>
               <a:t> которая указывается в начале файла и обязательно в первой строке. С её помощью можно указать версию стандарта </a:t>
             </a:r>
             <a:r>
-              <a:rPr lang="en-US" dirty="0" smtClean="0"/>
+              <a:rPr lang="en-US" dirty="0"/>
               <a:t>XML</a:t>
             </a:r>
             <a:r>
-              <a:rPr lang="ru-RU" dirty="0" smtClean="0"/>
+              <a:rPr lang="ru-RU" dirty="0"/>
               <a:t> (1.0 или 1.1)</a:t>
             </a:r>
             <a:r>
-              <a:rPr lang="en-US" dirty="0" smtClean="0"/>
+              <a:rPr lang="en-US" dirty="0"/>
               <a:t> </a:t>
             </a:r>
             <a:r>
-              <a:rPr lang="ru-RU" dirty="0" smtClean="0"/>
+              <a:rPr lang="ru-RU" dirty="0"/>
               <a:t>и</a:t>
             </a:r>
             <a:r>
-              <a:rPr lang="en-US" dirty="0" smtClean="0"/>
+              <a:rPr lang="en-US" dirty="0"/>
               <a:t> </a:t>
             </a:r>
             <a:r>
-              <a:rPr lang="ru-RU" dirty="0" smtClean="0"/>
+              <a:rPr lang="ru-RU" dirty="0"/>
               <a:t>кодировку документа. Пролог можно не указывать и тогда используется версия 1.0 и кодировка </a:t>
             </a:r>
             <a:r>
-              <a:rPr lang="en-US" dirty="0" smtClean="0"/>
+              <a:rPr lang="en-US" dirty="0"/>
               <a:t>UTF-8.</a:t>
             </a:r>
             <a:endParaRPr lang="ru-RU" dirty="0"/>
@@ -6789,7 +6418,7 @@
               </a:rPr>
               <a:t> ?&gt;</a:t>
             </a:r>
-            <a:endParaRPr lang="ru-RU" sz="2400" dirty="0" smtClean="0"/>
+            <a:endParaRPr lang="ru-RU" sz="2400" dirty="0"/>
           </a:p>
         </p:txBody>
       </p:sp>
@@ -6803,13 +6432,6 @@
   <p:clrMapOvr>
     <a:masterClrMapping/>
   </p:clrMapOvr>
-  <p:timing>
-    <p:tnLst>
-      <p:par>
-        <p:cTn id="1" dur="indefinite" restart="never" nodeType="tmRoot"/>
-      </p:par>
-    </p:tnLst>
-  </p:timing>
 </p:sld>
 </file>
 
@@ -6921,22 +6543,14 @@
             <a:pPr lvl="0"/>
             <a:r>
               <a:rPr lang="ru-RU" sz="1800" dirty="0"/>
-              <a:t>Значения атрибутов должны быть заключены </a:t>
-            </a:r>
-            <a:r>
-              <a:rPr lang="ru-RU" sz="1800" dirty="0" smtClean="0"/>
-              <a:t>в парные кавычки</a:t>
+              <a:t>Значения атрибутов должны быть заключены в парные кавычки</a:t>
             </a:r>
             <a:endParaRPr lang="en-US" sz="1800" dirty="0"/>
           </a:p>
           <a:p>
             <a:r>
               <a:rPr lang="ru-RU" sz="1800" dirty="0"/>
-              <a:t>При необходимости должна быть указана </a:t>
-            </a:r>
-            <a:r>
-              <a:rPr lang="ru-RU" sz="1800" dirty="0" smtClean="0"/>
-              <a:t>кодировка</a:t>
+              <a:t>При необходимости должна быть указана кодировка</a:t>
             </a:r>
           </a:p>
           <a:p>
@@ -7012,13 +6626,6 @@
   <p:clrMapOvr>
     <a:masterClrMapping/>
   </p:clrMapOvr>
-  <p:timing>
-    <p:tnLst>
-      <p:par>
-        <p:cTn id="1" dur="indefinite" restart="never" nodeType="tmRoot"/>
-      </p:par>
-    </p:tnLst>
-  </p:timing>
 </p:sld>
 </file>
 
@@ -7057,15 +6664,15 @@
           <a:lstStyle/>
           <a:p>
             <a:r>
-              <a:rPr lang="ru-RU" dirty="0" smtClean="0"/>
+              <a:rPr lang="ru-RU" dirty="0"/>
               <a:t>Описание структуры </a:t>
             </a:r>
             <a:r>
-              <a:rPr lang="en-US" dirty="0" smtClean="0"/>
+              <a:rPr lang="en-US" dirty="0"/>
               <a:t>XML </a:t>
             </a:r>
             <a:r>
-              <a:rPr lang="ru-RU" dirty="0" smtClean="0"/>
+              <a:rPr lang="ru-RU" dirty="0"/>
               <a:t>документа</a:t>
             </a:r>
             <a:endParaRPr lang="en-US" dirty="0"/>
@@ -7118,7 +6725,7 @@
               <a:t>ype </a:t>
             </a:r>
             <a:r>
-              <a:rPr lang="en-US" dirty="0" smtClean="0">
+              <a:rPr lang="en-US" dirty="0">
                 <a:solidFill>
                   <a:srgbClr val="FF0000"/>
                 </a:solidFill>
@@ -7126,51 +6733,47 @@
               <a:t>D</a:t>
             </a:r>
             <a:r>
-              <a:rPr lang="en-US" dirty="0" smtClean="0"/>
+              <a:rPr lang="en-US" dirty="0"/>
               <a:t>efinition</a:t>
             </a:r>
-            <a:endParaRPr lang="ru-RU" dirty="0" smtClean="0"/>
+            <a:endParaRPr lang="ru-RU" dirty="0"/>
           </a:p>
           <a:p>
             <a:pPr lvl="1"/>
             <a:r>
-              <a:rPr lang="ru-RU" dirty="0" smtClean="0"/>
+              <a:rPr lang="ru-RU" dirty="0"/>
               <a:t>Устаревшая</a:t>
             </a:r>
           </a:p>
           <a:p>
             <a:pPr lvl="1"/>
             <a:r>
-              <a:rPr lang="ru-RU" dirty="0" smtClean="0"/>
+              <a:rPr lang="ru-RU" dirty="0"/>
               <a:t>Требует изучения нового синтаксиса</a:t>
             </a:r>
           </a:p>
           <a:p>
             <a:r>
               <a:rPr lang="en-US" dirty="0"/>
-              <a:t>XML </a:t>
-            </a:r>
-            <a:r>
-              <a:rPr lang="en-US" dirty="0" smtClean="0"/>
-              <a:t>Schema</a:t>
-            </a:r>
-            <a:r>
-              <a:rPr lang="ru-RU" dirty="0" smtClean="0"/>
+              <a:t>XML Schema</a:t>
+            </a:r>
+            <a:r>
+              <a:rPr lang="ru-RU" dirty="0"/>
               <a:t> (</a:t>
             </a:r>
             <a:r>
-              <a:rPr lang="en-US" dirty="0" smtClean="0"/>
+              <a:rPr lang="en-US" dirty="0"/>
               <a:t>XSD)</a:t>
             </a:r>
           </a:p>
           <a:p>
             <a:pPr lvl="1"/>
             <a:r>
-              <a:rPr lang="ru-RU" dirty="0" smtClean="0"/>
+              <a:rPr lang="ru-RU" dirty="0"/>
               <a:t>Использует синтаксис </a:t>
             </a:r>
             <a:r>
-              <a:rPr lang="en-US" dirty="0" smtClean="0"/>
+              <a:rPr lang="en-US" dirty="0"/>
               <a:t>XML</a:t>
             </a:r>
           </a:p>
@@ -7201,7 +6804,7 @@
             <a:endParaRPr lang="en-US" dirty="0"/>
           </a:p>
           <a:p>
-            <a:endParaRPr lang="en-US" dirty="0" smtClean="0"/>
+            <a:endParaRPr lang="en-US" dirty="0"/>
           </a:p>
         </p:txBody>
       </p:sp>
@@ -7215,21 +6818,6 @@
   <p:clrMapOvr>
     <a:masterClrMapping/>
   </p:clrMapOvr>
-  <mc:AlternateContent xmlns:mc="http://schemas.openxmlformats.org/markup-compatibility/2006" xmlns:p14="http://schemas.microsoft.com/office/powerpoint/2010/main">
-    <mc:Choice Requires="p14">
-      <p:transition spd="slow" p14:dur="2000"/>
-    </mc:Choice>
-    <mc:Fallback xmlns="">
-      <p:transition spd="slow"/>
-    </mc:Fallback>
-  </mc:AlternateContent>
-  <p:timing>
-    <p:tnLst>
-      <p:par>
-        <p:cTn id="1" dur="indefinite" restart="never" nodeType="tmRoot"/>
-      </p:par>
-    </p:tnLst>
-  </p:timing>
 </p:sld>
 </file>
 
@@ -7268,11 +6856,11 @@
           <a:lstStyle/>
           <a:p>
             <a:r>
-              <a:rPr lang="en-US" dirty="0" smtClean="0"/>
+              <a:rPr lang="en-US" dirty="0"/>
               <a:t>XSLT - E</a:t>
             </a:r>
             <a:r>
-              <a:rPr lang="en-US" dirty="0" smtClean="0">
+              <a:rPr lang="en-US" dirty="0">
                 <a:solidFill>
                   <a:srgbClr val="FF0000"/>
                 </a:solidFill>
@@ -7280,7 +6868,7 @@
               <a:t>x</a:t>
             </a:r>
             <a:r>
-              <a:rPr lang="en-US" dirty="0" smtClean="0"/>
+              <a:rPr lang="en-US" dirty="0"/>
               <a:t>tensible </a:t>
             </a:r>
             <a:r>
@@ -7345,29 +6933,25 @@
           <a:lstStyle/>
           <a:p>
             <a:r>
-              <a:rPr lang="ru-RU" dirty="0" smtClean="0"/>
+              <a:rPr lang="ru-RU" dirty="0"/>
               <a:t>Позволяет производить трансформации одного документа в другой</a:t>
             </a:r>
             <a:r>
-              <a:rPr lang="en-US" dirty="0" smtClean="0"/>
+              <a:rPr lang="en-US" dirty="0"/>
               <a:t>, </a:t>
             </a:r>
             <a:r>
               <a:rPr lang="ru-RU" dirty="0"/>
-              <a:t>а </a:t>
-            </a:r>
-            <a:r>
-              <a:rPr lang="ru-RU" dirty="0" smtClean="0"/>
-              <a:t>также в другие форматы.</a:t>
-            </a:r>
-          </a:p>
-          <a:p>
-            <a:r>
-              <a:rPr lang="ru-RU" dirty="0" smtClean="0"/>
+              <a:t>а также в другие форматы.</a:t>
+            </a:r>
+          </a:p>
+          <a:p>
+            <a:r>
+              <a:rPr lang="ru-RU" dirty="0"/>
               <a:t>Основан на </a:t>
             </a:r>
             <a:r>
-              <a:rPr lang="en-US" dirty="0" smtClean="0"/>
+              <a:rPr lang="en-US" dirty="0"/>
               <a:t>XML</a:t>
             </a:r>
           </a:p>
@@ -7424,19 +7008,19 @@
           <a:lstStyle/>
           <a:p>
             <a:r>
-              <a:rPr lang="en-US" dirty="0" err="1" smtClean="0"/>
+              <a:rPr lang="en-US" dirty="0" err="1"/>
               <a:t>XPath</a:t>
             </a:r>
             <a:r>
-              <a:rPr lang="ru-RU" dirty="0" smtClean="0"/>
+              <a:rPr lang="ru-RU" dirty="0"/>
               <a:t> – Язык для поиска элементов в </a:t>
             </a:r>
             <a:r>
-              <a:rPr lang="en-US" dirty="0" smtClean="0"/>
+              <a:rPr lang="en-US" dirty="0"/>
               <a:t>XML </a:t>
             </a:r>
             <a:r>
-              <a:rPr lang="ru-RU" dirty="0" smtClean="0"/>
+              <a:rPr lang="ru-RU" dirty="0"/>
               <a:t>документе</a:t>
             </a:r>
             <a:endParaRPr lang="en-US" dirty="0"/>
@@ -7465,18 +7049,18 @@
               <a:t>XML Path Language (</a:t>
             </a:r>
             <a:r>
-              <a:rPr lang="en-US" dirty="0" err="1" smtClean="0">
+              <a:rPr lang="en-US" dirty="0" err="1">
                 <a:hlinkClick r:id="rId2"/>
               </a:rPr>
               <a:t>XPath</a:t>
             </a:r>
             <a:r>
-              <a:rPr lang="en-US" dirty="0" smtClean="0">
+              <a:rPr lang="en-US" dirty="0">
                 <a:hlinkClick r:id="rId2"/>
               </a:rPr>
               <a:t>) Version 1.0</a:t>
             </a:r>
-            <a:endParaRPr lang="en-US" dirty="0" smtClean="0"/>
+            <a:endParaRPr lang="en-US" dirty="0"/>
           </a:p>
           <a:p>
             <a:r>
@@ -7495,15 +7079,9 @@
               <a:rPr lang="en-US" dirty="0">
                 <a:hlinkClick r:id="rId3"/>
               </a:rPr>
-              <a:t>) 2.0 (Second Edition</a:t>
-            </a:r>
-            <a:r>
-              <a:rPr lang="en-US" dirty="0" smtClean="0">
-                <a:hlinkClick r:id="rId3"/>
-              </a:rPr>
-              <a:t>)</a:t>
-            </a:r>
-            <a:endParaRPr lang="ru-RU" dirty="0" smtClean="0"/>
+              <a:t>) 2.0 (Second Edition)</a:t>
+            </a:r>
+            <a:endParaRPr lang="ru-RU" dirty="0"/>
           </a:p>
           <a:p>
             <a:endParaRPr lang="ru-RU" dirty="0"/>
@@ -7514,22 +7092,18 @@
             </a:pPr>
             <a:r>
               <a:rPr lang="en-US" dirty="0"/>
-              <a:t>.</a:t>
-            </a:r>
-            <a:r>
-              <a:rPr lang="en-US" dirty="0" smtClean="0"/>
-              <a:t>NET </a:t>
-            </a:r>
-            <a:r>
-              <a:rPr lang="ru-RU" dirty="0" smtClean="0"/>
+              <a:t>.NET </a:t>
+            </a:r>
+            <a:r>
+              <a:rPr lang="ru-RU" dirty="0"/>
               <a:t>поддерживает только </a:t>
             </a:r>
             <a:r>
-              <a:rPr lang="en-US" dirty="0" err="1" smtClean="0"/>
+              <a:rPr lang="en-US" dirty="0" err="1"/>
               <a:t>XPath</a:t>
             </a:r>
             <a:r>
-              <a:rPr lang="en-US" dirty="0" smtClean="0"/>
+              <a:rPr lang="en-US" dirty="0"/>
               <a:t> 1.0</a:t>
             </a:r>
           </a:p>
@@ -7545,13 +7119,6 @@
   <p:clrMapOvr>
     <a:masterClrMapping/>
   </p:clrMapOvr>
-  <p:timing>
-    <p:tnLst>
-      <p:par>
-        <p:cTn id="1" dur="indefinite" restart="never" nodeType="tmRoot"/>
-      </p:par>
-    </p:tnLst>
-  </p:timing>
 </p:sld>
 </file>
 
@@ -7590,11 +7157,11 @@
           <a:lstStyle/>
           <a:p>
             <a:r>
-              <a:rPr lang="en-US" dirty="0" err="1" smtClean="0"/>
+              <a:rPr lang="en-US" dirty="0" err="1"/>
               <a:t>XPath</a:t>
             </a:r>
             <a:r>
-              <a:rPr lang="ru-RU" dirty="0" smtClean="0"/>
+              <a:rPr lang="ru-RU" dirty="0"/>
               <a:t>. Примеры.</a:t>
             </a:r>
             <a:endParaRPr lang="en-US" dirty="0"/>
@@ -7648,18 +7215,13 @@
                     <a:lstStyle/>
                     <a:p>
                       <a:r>
-                        <a:rPr lang="en-US" b="0" dirty="0" smtClean="0">
+                        <a:rPr lang="en-US" b="0" dirty="0">
                           <a:solidFill>
                             <a:srgbClr val="002060"/>
                           </a:solidFill>
                         </a:rPr>
                         <a:t>./book</a:t>
                       </a:r>
-                      <a:endParaRPr lang="en-US" b="0" dirty="0">
-                        <a:solidFill>
-                          <a:srgbClr val="002060"/>
-                        </a:solidFill>
-                      </a:endParaRPr>
                     </a:p>
                   </a:txBody>
                   <a:tcPr>
@@ -7715,7 +7277,7 @@
                     <a:lstStyle/>
                     <a:p>
                       <a:r>
-                        <a:rPr lang="ru-RU" b="0" dirty="0" smtClean="0">
+                        <a:rPr lang="ru-RU" b="0" dirty="0">
                           <a:solidFill>
                             <a:srgbClr val="002060"/>
                           </a:solidFill>
@@ -7723,7 +7285,7 @@
                         <a:t>Элемент(ы) </a:t>
                       </a:r>
                       <a:r>
-                        <a:rPr lang="en-US" b="0" dirty="0" smtClean="0">
+                        <a:rPr lang="en-US" b="0" dirty="0">
                           <a:solidFill>
                             <a:srgbClr val="002060"/>
                           </a:solidFill>
@@ -7731,7 +7293,7 @@
                         <a:t>&lt;book&gt; </a:t>
                       </a:r>
                       <a:r>
-                        <a:rPr lang="ru-RU" b="0" dirty="0" smtClean="0">
+                        <a:rPr lang="ru-RU" b="0" dirty="0">
                           <a:solidFill>
                             <a:srgbClr val="002060"/>
                           </a:solidFill>
@@ -7739,7 +7301,7 @@
                         <a:t>в</a:t>
                       </a:r>
                       <a:r>
-                        <a:rPr lang="ru-RU" b="0" baseline="0" dirty="0" smtClean="0">
+                        <a:rPr lang="ru-RU" b="0" baseline="0" dirty="0">
                           <a:solidFill>
                             <a:srgbClr val="002060"/>
                           </a:solidFill>
@@ -7813,18 +7375,13 @@
                     <a:lstStyle/>
                     <a:p>
                       <a:r>
-                        <a:rPr lang="en-US" b="0" dirty="0" smtClean="0">
+                        <a:rPr lang="en-US" b="0" dirty="0">
                           <a:solidFill>
                             <a:srgbClr val="002060"/>
                           </a:solidFill>
                         </a:rPr>
                         <a:t>book</a:t>
                       </a:r>
-                      <a:endParaRPr lang="en-US" b="0" dirty="0">
-                        <a:solidFill>
-                          <a:srgbClr val="002060"/>
-                        </a:solidFill>
-                      </a:endParaRPr>
                     </a:p>
                   </a:txBody>
                   <a:tcPr>
@@ -7880,7 +7437,7 @@
                     <a:lstStyle/>
                     <a:p>
                       <a:r>
-                        <a:rPr lang="ru-RU" b="0" dirty="0" smtClean="0">
+                        <a:rPr lang="ru-RU" b="0" dirty="0">
                           <a:solidFill>
                             <a:srgbClr val="002060"/>
                           </a:solidFill>
@@ -7888,7 +7445,7 @@
                         <a:t>Элемент(ы) </a:t>
                       </a:r>
                       <a:r>
-                        <a:rPr lang="en-US" b="0" dirty="0" smtClean="0">
+                        <a:rPr lang="en-US" b="0" dirty="0">
                           <a:solidFill>
                             <a:srgbClr val="002060"/>
                           </a:solidFill>
@@ -7896,7 +7453,7 @@
                         <a:t>&lt;book&gt; </a:t>
                       </a:r>
                       <a:r>
-                        <a:rPr lang="ru-RU" b="0" dirty="0" smtClean="0">
+                        <a:rPr lang="ru-RU" b="0" dirty="0">
                           <a:solidFill>
                             <a:srgbClr val="002060"/>
                           </a:solidFill>
@@ -7904,7 +7461,7 @@
                         <a:t>в</a:t>
                       </a:r>
                       <a:r>
-                        <a:rPr lang="ru-RU" b="0" baseline="0" dirty="0" smtClean="0">
+                        <a:rPr lang="ru-RU" b="0" baseline="0" dirty="0">
                           <a:solidFill>
                             <a:srgbClr val="002060"/>
                           </a:solidFill>
@@ -7978,18 +7535,13 @@
                     <a:lstStyle/>
                     <a:p>
                       <a:r>
-                        <a:rPr lang="en-US" dirty="0" smtClean="0">
+                        <a:rPr lang="en-US" dirty="0">
                           <a:solidFill>
                             <a:srgbClr val="002060"/>
                           </a:solidFill>
                         </a:rPr>
                         <a:t>/books</a:t>
                       </a:r>
-                      <a:endParaRPr lang="en-US" dirty="0">
-                        <a:solidFill>
-                          <a:srgbClr val="002060"/>
-                        </a:solidFill>
-                      </a:endParaRPr>
                     </a:p>
                   </a:txBody>
                   <a:tcPr>
@@ -8045,7 +7597,7 @@
                     <a:lstStyle/>
                     <a:p>
                       <a:r>
-                        <a:rPr lang="ru-RU" dirty="0" smtClean="0">
+                        <a:rPr lang="ru-RU" dirty="0">
                           <a:solidFill>
                             <a:srgbClr val="002060"/>
                           </a:solidFill>
@@ -8053,7 +7605,7 @@
                         <a:t>Корневой элемент документа</a:t>
                       </a:r>
                       <a:r>
-                        <a:rPr lang="ru-RU" baseline="0" dirty="0" smtClean="0">
+                        <a:rPr lang="ru-RU" baseline="0" dirty="0">
                           <a:solidFill>
                             <a:srgbClr val="002060"/>
                           </a:solidFill>
@@ -8061,7 +7613,7 @@
                         <a:t> </a:t>
                       </a:r>
                       <a:r>
-                        <a:rPr lang="en-US" baseline="0" dirty="0" smtClean="0">
+                        <a:rPr lang="en-US" baseline="0" dirty="0">
                           <a:solidFill>
                             <a:srgbClr val="002060"/>
                           </a:solidFill>
@@ -8135,18 +7687,13 @@
                     <a:lstStyle/>
                     <a:p>
                       <a:r>
-                        <a:rPr lang="en-US" dirty="0" smtClean="0">
+                        <a:rPr lang="en-US" dirty="0">
                           <a:solidFill>
                             <a:srgbClr val="002060"/>
                           </a:solidFill>
                         </a:rPr>
                         <a:t>//book</a:t>
                       </a:r>
-                      <a:endParaRPr lang="en-US" dirty="0">
-                        <a:solidFill>
-                          <a:srgbClr val="002060"/>
-                        </a:solidFill>
-                      </a:endParaRPr>
                     </a:p>
                   </a:txBody>
                   <a:tcPr>
@@ -8202,7 +7749,7 @@
                     <a:lstStyle/>
                     <a:p>
                       <a:r>
-                        <a:rPr lang="ru-RU" dirty="0" smtClean="0">
+                        <a:rPr lang="ru-RU" dirty="0">
                           <a:solidFill>
                             <a:srgbClr val="002060"/>
                           </a:solidFill>
@@ -8210,7 +7757,7 @@
                         <a:t>Все</a:t>
                       </a:r>
                       <a:r>
-                        <a:rPr lang="ru-RU" baseline="0" dirty="0" smtClean="0">
+                        <a:rPr lang="ru-RU" baseline="0" dirty="0">
                           <a:solidFill>
                             <a:srgbClr val="002060"/>
                           </a:solidFill>
@@ -8218,7 +7765,7 @@
                         <a:t> элементы </a:t>
                       </a:r>
                       <a:r>
-                        <a:rPr lang="en-US" baseline="0" dirty="0" smtClean="0">
+                        <a:rPr lang="en-US" baseline="0" dirty="0">
                           <a:solidFill>
                             <a:srgbClr val="002060"/>
                           </a:solidFill>
@@ -8226,7 +7773,7 @@
                         <a:t>&lt;book&gt; </a:t>
                       </a:r>
                       <a:r>
-                        <a:rPr lang="ru-RU" baseline="0" dirty="0" smtClean="0">
+                        <a:rPr lang="ru-RU" baseline="0" dirty="0">
                           <a:solidFill>
                             <a:srgbClr val="002060"/>
                           </a:solidFill>
@@ -8300,7 +7847,7 @@
                     <a:lstStyle/>
                     <a:p>
                       <a:r>
-                        <a:rPr lang="en-US" dirty="0" smtClean="0">
+                        <a:rPr lang="en-US" dirty="0">
                           <a:solidFill>
                             <a:srgbClr val="002060"/>
                           </a:solidFill>
@@ -8308,7 +7855,7 @@
                         <a:t>book[@</a:t>
                       </a:r>
                       <a:r>
-                        <a:rPr lang="en-US" dirty="0" err="1" smtClean="0">
+                        <a:rPr lang="en-US" dirty="0" err="1">
                           <a:solidFill>
                             <a:srgbClr val="002060"/>
                           </a:solidFill>
@@ -8316,18 +7863,13 @@
                         <a:t>isbn</a:t>
                       </a:r>
                       <a:r>
-                        <a:rPr lang="en-US" dirty="0" smtClean="0">
+                        <a:rPr lang="en-US" dirty="0">
                           <a:solidFill>
                             <a:srgbClr val="002060"/>
                           </a:solidFill>
                         </a:rPr>
                         <a:t>=‘978-5-459-00297-3’]</a:t>
                       </a:r>
-                      <a:endParaRPr lang="en-US" dirty="0">
-                        <a:solidFill>
-                          <a:srgbClr val="002060"/>
-                        </a:solidFill>
-                      </a:endParaRPr>
                     </a:p>
                   </a:txBody>
                   <a:tcPr>
@@ -8383,7 +7925,7 @@
                     <a:lstStyle/>
                     <a:p>
                       <a:r>
-                        <a:rPr lang="ru-RU" dirty="0" smtClean="0">
+                        <a:rPr lang="ru-RU" dirty="0">
                           <a:solidFill>
                             <a:srgbClr val="002060"/>
                           </a:solidFill>
@@ -8391,7 +7933,7 @@
                         <a:t>Элемент(ы)</a:t>
                       </a:r>
                       <a:r>
-                        <a:rPr lang="ru-RU" baseline="0" dirty="0" smtClean="0">
+                        <a:rPr lang="ru-RU" baseline="0" dirty="0">
                           <a:solidFill>
                             <a:srgbClr val="002060"/>
                           </a:solidFill>
@@ -8399,7 +7941,7 @@
                         <a:t> </a:t>
                       </a:r>
                       <a:r>
-                        <a:rPr lang="en-US" baseline="0" dirty="0" smtClean="0">
+                        <a:rPr lang="en-US" baseline="0" dirty="0">
                           <a:solidFill>
                             <a:srgbClr val="002060"/>
                           </a:solidFill>
@@ -8407,7 +7949,7 @@
                         <a:t>&lt;book&gt; </a:t>
                       </a:r>
                       <a:r>
-                        <a:rPr lang="ru-RU" baseline="0" dirty="0" smtClean="0">
+                        <a:rPr lang="ru-RU" baseline="0" dirty="0">
                           <a:solidFill>
                             <a:srgbClr val="002060"/>
                           </a:solidFill>
@@ -8415,7 +7957,7 @@
                         <a:t>у которых есть атрибут </a:t>
                       </a:r>
                       <a:r>
-                        <a:rPr lang="en-US" baseline="0" dirty="0" smtClean="0">
+                        <a:rPr lang="en-US" baseline="0" dirty="0">
                           <a:solidFill>
                             <a:srgbClr val="002060"/>
                           </a:solidFill>
@@ -8423,7 +7965,7 @@
                         <a:t>id </a:t>
                       </a:r>
                       <a:r>
-                        <a:rPr lang="ru-RU" baseline="0" dirty="0" smtClean="0">
+                        <a:rPr lang="ru-RU" baseline="0" dirty="0">
                           <a:solidFill>
                             <a:srgbClr val="002060"/>
                           </a:solidFill>
@@ -8431,18 +7973,13 @@
                         <a:t>и его значение равно </a:t>
                       </a:r>
                       <a:r>
-                        <a:rPr lang="en-US" dirty="0" smtClean="0">
+                        <a:rPr lang="en-US" dirty="0">
                           <a:solidFill>
                             <a:srgbClr val="002060"/>
                           </a:solidFill>
                         </a:rPr>
                         <a:t>978-5-459-00297-3</a:t>
                       </a:r>
-                      <a:endParaRPr lang="en-US" dirty="0">
-                        <a:solidFill>
-                          <a:srgbClr val="002060"/>
-                        </a:solidFill>
-                      </a:endParaRPr>
                     </a:p>
                   </a:txBody>
                   <a:tcPr>
@@ -8505,18 +8042,13 @@
                     <a:lstStyle/>
                     <a:p>
                       <a:r>
-                        <a:rPr lang="en-US" dirty="0" smtClean="0">
+                        <a:rPr lang="en-US" dirty="0">
                           <a:solidFill>
                             <a:srgbClr val="002060"/>
                           </a:solidFill>
                         </a:rPr>
                         <a:t>book/*</a:t>
                       </a:r>
-                      <a:endParaRPr lang="en-US" dirty="0">
-                        <a:solidFill>
-                          <a:srgbClr val="002060"/>
-                        </a:solidFill>
-                      </a:endParaRPr>
                     </a:p>
                   </a:txBody>
                   <a:tcPr>
@@ -8572,7 +8104,7 @@
                     <a:lstStyle/>
                     <a:p>
                       <a:r>
-                        <a:rPr lang="ru-RU" dirty="0" smtClean="0">
+                        <a:rPr lang="ru-RU" dirty="0">
                           <a:solidFill>
                             <a:srgbClr val="002060"/>
                           </a:solidFill>
@@ -8580,7 +8112,7 @@
                         <a:t>Все дочерние</a:t>
                       </a:r>
                       <a:r>
-                        <a:rPr lang="ru-RU" baseline="0" dirty="0" smtClean="0">
+                        <a:rPr lang="ru-RU" baseline="0" dirty="0">
                           <a:solidFill>
                             <a:srgbClr val="002060"/>
                           </a:solidFill>
@@ -8588,7 +8120,7 @@
                         <a:t> элементы </a:t>
                       </a:r>
                       <a:r>
-                        <a:rPr lang="en-US" baseline="0" dirty="0" smtClean="0">
+                        <a:rPr lang="en-US" baseline="0" dirty="0">
                           <a:solidFill>
                             <a:srgbClr val="002060"/>
                           </a:solidFill>
@@ -8662,7 +8194,7 @@
                     <a:lstStyle/>
                     <a:p>
                       <a:r>
-                        <a:rPr lang="en-US" dirty="0" smtClean="0">
+                        <a:rPr lang="en-US" dirty="0">
                           <a:solidFill>
                             <a:srgbClr val="002060"/>
                           </a:solidFill>
@@ -8670,7 +8202,7 @@
                         <a:t>@</a:t>
                       </a:r>
                       <a:r>
-                        <a:rPr lang="en-US" dirty="0" err="1" smtClean="0">
+                        <a:rPr lang="en-US" dirty="0" err="1">
                           <a:solidFill>
                             <a:srgbClr val="002060"/>
                           </a:solidFill>
@@ -8737,7 +8269,7 @@
                     <a:lstStyle/>
                     <a:p>
                       <a:r>
-                        <a:rPr lang="ru-RU" dirty="0" smtClean="0">
+                        <a:rPr lang="ru-RU" dirty="0">
                           <a:solidFill>
                             <a:srgbClr val="002060"/>
                           </a:solidFill>
@@ -8745,7 +8277,7 @@
                         <a:t>Значение атрибута </a:t>
                       </a:r>
                       <a:r>
-                        <a:rPr lang="en-US" dirty="0" err="1" smtClean="0">
+                        <a:rPr lang="en-US" dirty="0" err="1">
                           <a:solidFill>
                             <a:srgbClr val="002060"/>
                           </a:solidFill>
@@ -8753,7 +8285,7 @@
                         <a:t>isbn</a:t>
                       </a:r>
                       <a:r>
-                        <a:rPr lang="en-US" baseline="0" dirty="0" smtClean="0">
+                        <a:rPr lang="en-US" baseline="0" dirty="0">
                           <a:solidFill>
                             <a:srgbClr val="002060"/>
                           </a:solidFill>
@@ -8761,7 +8293,7 @@
                         <a:t> </a:t>
                       </a:r>
                       <a:r>
-                        <a:rPr lang="ru-RU" baseline="0" dirty="0" smtClean="0">
+                        <a:rPr lang="ru-RU" baseline="0" dirty="0">
                           <a:solidFill>
                             <a:srgbClr val="002060"/>
                           </a:solidFill>
@@ -8769,7 +8301,7 @@
                         <a:t>в</a:t>
                       </a:r>
                       <a:r>
-                        <a:rPr lang="en-US" baseline="0" dirty="0" smtClean="0">
+                        <a:rPr lang="en-US" baseline="0" dirty="0">
                           <a:solidFill>
                             <a:srgbClr val="002060"/>
                           </a:solidFill>
@@ -8777,7 +8309,7 @@
                         <a:t> </a:t>
                       </a:r>
                       <a:r>
-                        <a:rPr lang="ru-RU" baseline="0" dirty="0" smtClean="0">
+                        <a:rPr lang="ru-RU" baseline="0" dirty="0">
                           <a:solidFill>
                             <a:srgbClr val="002060"/>
                           </a:solidFill>
@@ -8851,18 +8383,13 @@
                     <a:lstStyle/>
                     <a:p>
                       <a:r>
-                        <a:rPr lang="en-US" dirty="0" smtClean="0">
+                        <a:rPr lang="en-US" dirty="0">
                           <a:solidFill>
                             <a:srgbClr val="002060"/>
                           </a:solidFill>
                         </a:rPr>
                         <a:t>book[1]</a:t>
                       </a:r>
-                      <a:endParaRPr lang="en-US" dirty="0">
-                        <a:solidFill>
-                          <a:srgbClr val="002060"/>
-                        </a:solidFill>
-                      </a:endParaRPr>
                     </a:p>
                   </a:txBody>
                   <a:tcPr>
@@ -8918,7 +8445,7 @@
                     <a:lstStyle/>
                     <a:p>
                       <a:r>
-                        <a:rPr lang="ru-RU" dirty="0" smtClean="0">
+                        <a:rPr lang="ru-RU" dirty="0">
                           <a:solidFill>
                             <a:srgbClr val="002060"/>
                           </a:solidFill>
@@ -8926,7 +8453,7 @@
                         <a:t>Первый элемент </a:t>
                       </a:r>
                       <a:r>
-                        <a:rPr lang="en-US" dirty="0" smtClean="0">
+                        <a:rPr lang="en-US" dirty="0">
                           <a:solidFill>
                             <a:srgbClr val="002060"/>
                           </a:solidFill>
@@ -8934,7 +8461,7 @@
                         <a:t>&lt;book&gt;</a:t>
                       </a:r>
                       <a:r>
-                        <a:rPr lang="en-US" baseline="0" dirty="0" smtClean="0">
+                        <a:rPr lang="en-US" baseline="0" dirty="0">
                           <a:solidFill>
                             <a:srgbClr val="002060"/>
                           </a:solidFill>
@@ -8942,7 +8469,7 @@
                         <a:t> </a:t>
                       </a:r>
                       <a:r>
-                        <a:rPr lang="ru-RU" baseline="0" dirty="0" smtClean="0">
+                        <a:rPr lang="ru-RU" baseline="0" dirty="0">
                           <a:solidFill>
                             <a:srgbClr val="002060"/>
                           </a:solidFill>
@@ -9016,7 +8543,7 @@
                     <a:lstStyle/>
                     <a:p>
                       <a:r>
-                        <a:rPr lang="en-US" dirty="0" err="1" smtClean="0">
+                        <a:rPr lang="en-US" dirty="0" err="1">
                           <a:solidFill>
                             <a:srgbClr val="002060"/>
                           </a:solidFill>
@@ -9083,7 +8610,7 @@
                     <a:lstStyle/>
                     <a:p>
                       <a:r>
-                        <a:rPr lang="ru-RU" b="0" dirty="0" smtClean="0">
+                        <a:rPr lang="ru-RU" b="0" dirty="0">
                           <a:solidFill>
                             <a:srgbClr val="002060"/>
                           </a:solidFill>
@@ -9091,7 +8618,7 @@
                         <a:t>Элемент(ы) </a:t>
                       </a:r>
                       <a:r>
-                        <a:rPr lang="en-US" b="0" dirty="0" smtClean="0">
+                        <a:rPr lang="en-US" b="0" dirty="0">
                           <a:solidFill>
                             <a:srgbClr val="002060"/>
                           </a:solidFill>
@@ -9099,7 +8626,7 @@
                         <a:t>&lt;book&gt; </a:t>
                       </a:r>
                       <a:r>
-                        <a:rPr lang="ru-RU" b="0" dirty="0" smtClean="0">
+                        <a:rPr lang="ru-RU" b="0" dirty="0">
                           <a:solidFill>
                             <a:srgbClr val="002060"/>
                           </a:solidFill>
@@ -9107,7 +8634,7 @@
                         <a:t>в</a:t>
                       </a:r>
                       <a:r>
-                        <a:rPr lang="ru-RU" b="0" baseline="0" dirty="0" smtClean="0">
+                        <a:rPr lang="ru-RU" b="0" baseline="0" dirty="0">
                           <a:solidFill>
                             <a:srgbClr val="002060"/>
                           </a:solidFill>
@@ -9115,7 +8642,7 @@
                         <a:t> текущем контексте принадлежащие пространству имен </a:t>
                       </a:r>
                       <a:r>
-                        <a:rPr lang="en-US" b="0" baseline="0" dirty="0" smtClean="0">
+                        <a:rPr lang="en-US" b="0" baseline="0" dirty="0">
                           <a:solidFill>
                             <a:srgbClr val="002060"/>
                           </a:solidFill>
@@ -9196,13 +8723,6 @@
   <p:clrMapOvr>
     <a:masterClrMapping/>
   </p:clrMapOvr>
-  <p:timing>
-    <p:tnLst>
-      <p:par>
-        <p:cTn id="1" dur="indefinite" restart="never" nodeType="tmRoot"/>
-      </p:par>
-    </p:tnLst>
-  </p:timing>
 </p:sld>
 </file>
 
@@ -9239,7 +8759,7 @@
           <a:lstStyle/>
           <a:p>
             <a:r>
-              <a:rPr lang="en-US" dirty="0" smtClean="0"/>
+              <a:rPr lang="en-US" dirty="0"/>
               <a:t>DOM &amp; SAX</a:t>
             </a:r>
             <a:endParaRPr lang="ru-RU" dirty="0"/>
@@ -9264,11 +8784,11 @@
           <a:lstStyle/>
           <a:p>
             <a:r>
-              <a:rPr lang="en-US" dirty="0" smtClean="0"/>
+              <a:rPr lang="en-US" dirty="0"/>
               <a:t>DOM – </a:t>
             </a:r>
             <a:r>
-              <a:rPr lang="en-US" dirty="0" smtClean="0">
+              <a:rPr lang="en-US" dirty="0">
                 <a:solidFill>
                   <a:srgbClr val="FF0000"/>
                 </a:solidFill>
@@ -9276,11 +8796,11 @@
               <a:t>D</a:t>
             </a:r>
             <a:r>
-              <a:rPr lang="en-US" dirty="0" smtClean="0"/>
+              <a:rPr lang="en-US" dirty="0"/>
               <a:t>ocument </a:t>
             </a:r>
             <a:r>
-              <a:rPr lang="en-US" dirty="0" smtClean="0">
+              <a:rPr lang="en-US" dirty="0">
                 <a:solidFill>
                   <a:srgbClr val="FF0000"/>
                 </a:solidFill>
@@ -9288,11 +8808,11 @@
               <a:t>O</a:t>
             </a:r>
             <a:r>
-              <a:rPr lang="en-US" dirty="0" smtClean="0"/>
+              <a:rPr lang="en-US" dirty="0"/>
               <a:t>bject </a:t>
             </a:r>
             <a:r>
-              <a:rPr lang="en-US" dirty="0" smtClean="0">
+              <a:rPr lang="en-US" dirty="0">
                 <a:solidFill>
                   <a:srgbClr val="FF0000"/>
                 </a:solidFill>
@@ -9300,142 +8820,126 @@
               <a:t>M</a:t>
             </a:r>
             <a:r>
-              <a:rPr lang="en-US" dirty="0" smtClean="0"/>
+              <a:rPr lang="en-US" dirty="0"/>
               <a:t>odel</a:t>
             </a:r>
           </a:p>
           <a:p>
             <a:pPr lvl="1"/>
             <a:r>
-              <a:rPr lang="ru-RU" dirty="0" smtClean="0"/>
-              <a:t>Класс</a:t>
-            </a:r>
-            <a:r>
               <a:rPr lang="ru-RU" dirty="0"/>
-              <a:t>ы</a:t>
-            </a:r>
-            <a:r>
-              <a:rPr lang="ru-RU" dirty="0" smtClean="0"/>
-              <a:t> </a:t>
-            </a:r>
-            <a:r>
-              <a:rPr lang="en-US" dirty="0" err="1" smtClean="0"/>
+              <a:t>Классы </a:t>
+            </a:r>
+            <a:r>
+              <a:rPr lang="en-US" dirty="0" err="1"/>
               <a:t>System.Xml</a:t>
             </a:r>
             <a:r>
-              <a:rPr lang="en-US" dirty="0" smtClean="0"/>
+              <a:rPr lang="en-US" dirty="0"/>
               <a:t>.</a:t>
             </a:r>
             <a:r>
-              <a:rPr lang="ru-RU" dirty="0" smtClean="0"/>
+              <a:rPr lang="ru-RU" dirty="0"/>
               <a:t>*</a:t>
             </a:r>
-            <a:endParaRPr lang="en-US" dirty="0" smtClean="0"/>
+            <a:endParaRPr lang="en-US" dirty="0"/>
           </a:p>
           <a:p>
             <a:pPr lvl="1"/>
             <a:r>
               <a:rPr lang="en-US" dirty="0"/>
-              <a:t>LINQ to </a:t>
-            </a:r>
-            <a:r>
-              <a:rPr lang="en-US" dirty="0" smtClean="0"/>
+              <a:t>LINQ to XML</a:t>
+            </a:r>
+            <a:r>
+              <a:rPr lang="ru-RU" dirty="0"/>
+              <a:t>. Классы </a:t>
+            </a:r>
+            <a:r>
+              <a:rPr lang="en-US" err="1"/>
+              <a:t>System.Xml.Linq</a:t>
+            </a:r>
+            <a:r>
+              <a:rPr lang="en-US"/>
+              <a:t>.*</a:t>
+            </a:r>
+            <a:endParaRPr lang="en-US" dirty="0"/>
+          </a:p>
+          <a:p>
+            <a:pPr lvl="1"/>
+            <a:r>
+              <a:rPr lang="ru-RU" dirty="0"/>
+              <a:t>Загружает </a:t>
+            </a:r>
+            <a:r>
+              <a:rPr lang="en-US" dirty="0"/>
+              <a:t>XML </a:t>
+            </a:r>
+            <a:r>
+              <a:rPr lang="ru-RU" dirty="0"/>
+              <a:t>документ целиком в память</a:t>
+            </a:r>
+          </a:p>
+          <a:p>
+            <a:pPr lvl="1"/>
+            <a:r>
+              <a:rPr lang="ru-RU" dirty="0"/>
+              <a:t>Позволяет одновременно читать и изменять </a:t>
+            </a:r>
+            <a:r>
+              <a:rPr lang="en-US" dirty="0"/>
               <a:t>XML</a:t>
             </a:r>
-            <a:r>
-              <a:rPr lang="ru-RU" dirty="0" smtClean="0"/>
-              <a:t>. Классы </a:t>
-            </a:r>
-            <a:r>
-              <a:rPr lang="en-US" err="1" smtClean="0"/>
-              <a:t>System.Xml.Linq</a:t>
-            </a:r>
-            <a:r>
-              <a:rPr lang="en-US" smtClean="0"/>
-              <a:t>.*</a:t>
-            </a:r>
-            <a:endParaRPr lang="en-US" dirty="0" smtClean="0"/>
+          </a:p>
+          <a:p>
+            <a:r>
+              <a:rPr lang="en-US" dirty="0"/>
+              <a:t>SAX – </a:t>
+            </a:r>
+            <a:r>
+              <a:rPr lang="en-US" dirty="0">
+                <a:solidFill>
+                  <a:srgbClr val="FF0000"/>
+                </a:solidFill>
+              </a:rPr>
+              <a:t>S</a:t>
+            </a:r>
+            <a:r>
+              <a:rPr lang="en-US" dirty="0"/>
+              <a:t>imple </a:t>
+            </a:r>
+            <a:r>
+              <a:rPr lang="en-US" dirty="0">
+                <a:solidFill>
+                  <a:srgbClr val="FF0000"/>
+                </a:solidFill>
+              </a:rPr>
+              <a:t>A</a:t>
+            </a:r>
+            <a:r>
+              <a:rPr lang="en-US" dirty="0"/>
+              <a:t>PI for </a:t>
+            </a:r>
+            <a:r>
+              <a:rPr lang="en-US" dirty="0">
+                <a:solidFill>
+                  <a:srgbClr val="FF0000"/>
+                </a:solidFill>
+              </a:rPr>
+              <a:t>X</a:t>
+            </a:r>
+            <a:r>
+              <a:rPr lang="en-US" dirty="0"/>
+              <a:t>ML</a:t>
+            </a:r>
           </a:p>
           <a:p>
             <a:pPr lvl="1"/>
             <a:r>
-              <a:rPr lang="ru-RU" dirty="0" smtClean="0"/>
-              <a:t>Загружает </a:t>
-            </a:r>
-            <a:r>
-              <a:rPr lang="en-US" dirty="0" smtClean="0"/>
-              <a:t>XML </a:t>
-            </a:r>
-            <a:r>
               <a:rPr lang="ru-RU" dirty="0"/>
-              <a:t>документ </a:t>
-            </a:r>
-            <a:r>
-              <a:rPr lang="ru-RU" dirty="0" smtClean="0"/>
-              <a:t>целиком в память</a:t>
-            </a:r>
-          </a:p>
-          <a:p>
-            <a:pPr lvl="1"/>
-            <a:r>
-              <a:rPr lang="ru-RU" dirty="0" smtClean="0"/>
-              <a:t>Позволяет одновременно читать и изменять </a:t>
-            </a:r>
-            <a:r>
-              <a:rPr lang="en-US" dirty="0" smtClean="0"/>
-              <a:t>XML</a:t>
-            </a:r>
-          </a:p>
-          <a:p>
-            <a:r>
-              <a:rPr lang="en-US" dirty="0" smtClean="0"/>
-              <a:t>SAX – </a:t>
-            </a:r>
-            <a:r>
-              <a:rPr lang="en-US" dirty="0" smtClean="0">
-                <a:solidFill>
-                  <a:srgbClr val="FF0000"/>
-                </a:solidFill>
-              </a:rPr>
-              <a:t>S</a:t>
-            </a:r>
-            <a:r>
-              <a:rPr lang="en-US" dirty="0" smtClean="0"/>
-              <a:t>imple </a:t>
-            </a:r>
-            <a:r>
-              <a:rPr lang="en-US" dirty="0" smtClean="0">
-                <a:solidFill>
-                  <a:srgbClr val="FF0000"/>
-                </a:solidFill>
-              </a:rPr>
-              <a:t>A</a:t>
-            </a:r>
-            <a:r>
-              <a:rPr lang="en-US" dirty="0" smtClean="0"/>
-              <a:t>PI for </a:t>
-            </a:r>
-            <a:r>
-              <a:rPr lang="en-US" dirty="0" smtClean="0">
-                <a:solidFill>
-                  <a:srgbClr val="FF0000"/>
-                </a:solidFill>
-              </a:rPr>
-              <a:t>X</a:t>
-            </a:r>
-            <a:r>
-              <a:rPr lang="en-US" dirty="0" smtClean="0"/>
-              <a:t>ML</a:t>
-            </a:r>
-          </a:p>
-          <a:p>
-            <a:pPr lvl="1"/>
-            <a:r>
-              <a:rPr lang="ru-RU" dirty="0" smtClean="0"/>
               <a:t>Классы </a:t>
             </a:r>
             <a:r>
-              <a:rPr lang="en-US" dirty="0" err="1" smtClean="0"/>
+              <a:rPr lang="en-US" dirty="0" err="1"/>
               <a:t>System.Xml.XmlReader</a:t>
             </a:r>
             <a:r>
@@ -9443,18 +8947,17 @@
               <a:t>/ </a:t>
             </a:r>
             <a:r>
-              <a:rPr lang="en-US" dirty="0" err="1" smtClean="0"/>
+              <a:rPr lang="en-US" dirty="0" err="1"/>
               <a:t>System.Xml.XmlWriter</a:t>
             </a:r>
-            <a:endParaRPr lang="ru-RU" dirty="0" smtClean="0"/>
+            <a:endParaRPr lang="ru-RU" dirty="0"/>
           </a:p>
           <a:p>
             <a:pPr lvl="1"/>
             <a:r>
-              <a:rPr lang="ru-RU" dirty="0" smtClean="0"/>
+              <a:rPr lang="ru-RU" dirty="0"/>
               <a:t>Чтение или запись, но не то и другое одновременно</a:t>
             </a:r>
-            <a:endParaRPr lang="ru-RU" dirty="0"/>
           </a:p>
         </p:txBody>
       </p:sp>
@@ -9468,13 +8971,6 @@
   <p:clrMapOvr>
     <a:masterClrMapping/>
   </p:clrMapOvr>
-  <p:timing>
-    <p:tnLst>
-      <p:par>
-        <p:cTn id="1" dur="indefinite" restart="never" nodeType="tmRoot"/>
-      </p:par>
-    </p:tnLst>
-  </p:timing>
 </p:sld>
 </file>
 
@@ -9511,18 +9007,17 @@
           <a:lstStyle/>
           <a:p>
             <a:r>
-              <a:rPr lang="ru-RU" dirty="0" smtClean="0"/>
+              <a:rPr lang="ru-RU" dirty="0"/>
               <a:t>Классы для </a:t>
             </a:r>
             <a:r>
-              <a:rPr lang="en-US" dirty="0" smtClean="0"/>
+              <a:rPr lang="en-US" dirty="0"/>
               <a:t>DOM </a:t>
             </a:r>
             <a:r>
-              <a:rPr lang="ru-RU" dirty="0" smtClean="0"/>
+              <a:rPr lang="ru-RU" dirty="0"/>
               <a:t>модели</a:t>
             </a:r>
-            <a:endParaRPr lang="ru-RU" dirty="0"/>
           </a:p>
         </p:txBody>
       </p:sp>
@@ -9580,7 +9075,7 @@
                     <a:lstStyle/>
                     <a:p>
                       <a:r>
-                        <a:rPr lang="ru-RU" dirty="0" smtClean="0">
+                        <a:rPr lang="ru-RU" dirty="0">
                           <a:solidFill>
                             <a:schemeClr val="bg1"/>
                           </a:solidFill>
@@ -9588,7 +9083,7 @@
                         <a:t>Вид</a:t>
                       </a:r>
                       <a:r>
-                        <a:rPr lang="ru-RU" baseline="0" dirty="0" smtClean="0">
+                        <a:rPr lang="ru-RU" baseline="0" dirty="0">
                           <a:solidFill>
                             <a:schemeClr val="bg1"/>
                           </a:solidFill>
@@ -9596,7 +9091,7 @@
                         <a:t> </a:t>
                       </a:r>
                       <a:r>
-                        <a:rPr lang="en-US" baseline="0" dirty="0" smtClean="0">
+                        <a:rPr lang="en-US" baseline="0" dirty="0">
                           <a:solidFill>
                             <a:schemeClr val="bg1"/>
                           </a:solidFill>
@@ -9604,7 +9099,7 @@
                         <a:t>XML </a:t>
                       </a:r>
                       <a:r>
-                        <a:rPr lang="ru-RU" baseline="0" dirty="0" smtClean="0">
+                        <a:rPr lang="ru-RU" baseline="0" dirty="0">
                           <a:solidFill>
                             <a:schemeClr val="bg1"/>
                           </a:solidFill>
@@ -9666,7 +9161,7 @@
                     <a:lstStyle/>
                     <a:p>
                       <a:r>
-                        <a:rPr lang="en-US" dirty="0" err="1" smtClean="0">
+                        <a:rPr lang="en-US" dirty="0" err="1">
                           <a:solidFill>
                             <a:schemeClr val="bg1"/>
                           </a:solidFill>
@@ -9674,7 +9169,7 @@
                         <a:t>XmlDocument</a:t>
                       </a:r>
                       <a:r>
-                        <a:rPr lang="en-US" baseline="0" dirty="0" smtClean="0">
+                        <a:rPr lang="en-US" baseline="0" dirty="0">
                           <a:solidFill>
                             <a:schemeClr val="bg1"/>
                           </a:solidFill>
@@ -9682,7 +9177,7 @@
                         <a:t> </a:t>
                       </a:r>
                       <a:r>
-                        <a:rPr lang="ru-RU" baseline="0" dirty="0" smtClean="0">
+                        <a:rPr lang="ru-RU" baseline="0" dirty="0">
                           <a:solidFill>
                             <a:schemeClr val="bg1"/>
                           </a:solidFill>
@@ -9744,7 +9239,7 @@
                     <a:lstStyle/>
                     <a:p>
                       <a:r>
-                        <a:rPr lang="en-US" dirty="0" smtClean="0">
+                        <a:rPr lang="en-US" dirty="0">
                           <a:solidFill>
                             <a:schemeClr val="bg1"/>
                           </a:solidFill>
@@ -9752,7 +9247,7 @@
                         <a:t>LINQ</a:t>
                       </a:r>
                       <a:r>
-                        <a:rPr lang="en-US" baseline="0" dirty="0" smtClean="0">
+                        <a:rPr lang="en-US" baseline="0" dirty="0">
                           <a:solidFill>
                             <a:schemeClr val="bg1"/>
                           </a:solidFill>
@@ -9760,7 +9255,7 @@
                         <a:t> to XML </a:t>
                       </a:r>
                       <a:r>
-                        <a:rPr lang="ru-RU" baseline="0" dirty="0" smtClean="0">
+                        <a:rPr lang="ru-RU" baseline="0" dirty="0">
                           <a:solidFill>
                             <a:schemeClr val="bg1"/>
                           </a:solidFill>
@@ -9829,18 +9324,13 @@
                     <a:lstStyle/>
                     <a:p>
                       <a:r>
-                        <a:rPr lang="ru-RU" b="1" dirty="0" smtClean="0">
+                        <a:rPr lang="ru-RU" b="1" dirty="0">
                           <a:solidFill>
                             <a:srgbClr val="002060"/>
                           </a:solidFill>
                         </a:rPr>
                         <a:t>Документ</a:t>
                       </a:r>
-                      <a:endParaRPr lang="ru-RU" b="1" dirty="0">
-                        <a:solidFill>
-                          <a:srgbClr val="002060"/>
-                        </a:solidFill>
-                      </a:endParaRPr>
                     </a:p>
                   </a:txBody>
                   <a:tcPr>
@@ -9888,7 +9378,7 @@
                     <a:lstStyle/>
                     <a:p>
                       <a:r>
-                        <a:rPr lang="en-US" dirty="0" err="1" smtClean="0">
+                        <a:rPr lang="en-US" dirty="0" err="1">
                           <a:solidFill>
                             <a:srgbClr val="002060"/>
                           </a:solidFill>
@@ -9947,7 +9437,7 @@
                     <a:lstStyle/>
                     <a:p>
                       <a:r>
-                        <a:rPr lang="en-US" dirty="0" err="1" smtClean="0">
+                        <a:rPr lang="en-US" dirty="0" err="1">
                           <a:solidFill>
                             <a:srgbClr val="002060"/>
                           </a:solidFill>
@@ -10013,18 +9503,13 @@
                     <a:lstStyle/>
                     <a:p>
                       <a:r>
-                        <a:rPr lang="ru-RU" b="1" dirty="0" smtClean="0">
+                        <a:rPr lang="ru-RU" b="1" dirty="0">
                           <a:solidFill>
                             <a:srgbClr val="002060"/>
                           </a:solidFill>
                         </a:rPr>
                         <a:t>Элемент</a:t>
                       </a:r>
-                      <a:endParaRPr lang="ru-RU" b="1" dirty="0">
-                        <a:solidFill>
-                          <a:srgbClr val="002060"/>
-                        </a:solidFill>
-                      </a:endParaRPr>
                     </a:p>
                   </a:txBody>
                   <a:tcPr>
@@ -10072,7 +9557,7 @@
                     <a:lstStyle/>
                     <a:p>
                       <a:r>
-                        <a:rPr lang="en-US" dirty="0" err="1" smtClean="0">
+                        <a:rPr lang="en-US" dirty="0" err="1">
                           <a:solidFill>
                             <a:srgbClr val="002060"/>
                           </a:solidFill>
@@ -10131,7 +9616,7 @@
                     <a:lstStyle/>
                     <a:p>
                       <a:r>
-                        <a:rPr lang="en-US" dirty="0" err="1" smtClean="0">
+                        <a:rPr lang="en-US" dirty="0" err="1">
                           <a:solidFill>
                             <a:srgbClr val="002060"/>
                           </a:solidFill>
@@ -10197,18 +9682,13 @@
                     <a:lstStyle/>
                     <a:p>
                       <a:r>
-                        <a:rPr lang="ru-RU" b="1" dirty="0" smtClean="0">
+                        <a:rPr lang="ru-RU" b="1" dirty="0">
                           <a:solidFill>
                             <a:srgbClr val="002060"/>
                           </a:solidFill>
                         </a:rPr>
                         <a:t>Атрибут</a:t>
                       </a:r>
-                      <a:endParaRPr lang="ru-RU" b="1" dirty="0">
-                        <a:solidFill>
-                          <a:srgbClr val="002060"/>
-                        </a:solidFill>
-                      </a:endParaRPr>
                     </a:p>
                   </a:txBody>
                   <a:tcPr>
@@ -10256,7 +9736,7 @@
                     <a:lstStyle/>
                     <a:p>
                       <a:r>
-                        <a:rPr lang="en-US" dirty="0" err="1" smtClean="0">
+                        <a:rPr lang="en-US" dirty="0" err="1">
                           <a:solidFill>
                             <a:srgbClr val="002060"/>
                           </a:solidFill>
@@ -10315,7 +9795,7 @@
                     <a:lstStyle/>
                     <a:p>
                       <a:r>
-                        <a:rPr lang="en-US" dirty="0" err="1" smtClean="0">
+                        <a:rPr lang="en-US" dirty="0" err="1">
                           <a:solidFill>
                             <a:srgbClr val="002060"/>
                           </a:solidFill>
@@ -10381,18 +9861,13 @@
                     <a:lstStyle/>
                     <a:p>
                       <a:r>
-                        <a:rPr lang="ru-RU" b="1" dirty="0" smtClean="0">
+                        <a:rPr lang="ru-RU" b="1" dirty="0">
                           <a:solidFill>
                             <a:srgbClr val="002060"/>
                           </a:solidFill>
                         </a:rPr>
                         <a:t>Комментарий</a:t>
                       </a:r>
-                      <a:endParaRPr lang="ru-RU" b="1" dirty="0">
-                        <a:solidFill>
-                          <a:srgbClr val="002060"/>
-                        </a:solidFill>
-                      </a:endParaRPr>
                     </a:p>
                   </a:txBody>
                   <a:tcPr>
@@ -10440,7 +9915,7 @@
                     <a:lstStyle/>
                     <a:p>
                       <a:r>
-                        <a:rPr lang="en-US" dirty="0" err="1" smtClean="0">
+                        <a:rPr lang="en-US" dirty="0" err="1">
                           <a:solidFill>
                             <a:srgbClr val="002060"/>
                           </a:solidFill>
@@ -10499,7 +9974,7 @@
                     <a:lstStyle/>
                     <a:p>
                       <a:r>
-                        <a:rPr lang="en-US" dirty="0" err="1" smtClean="0">
+                        <a:rPr lang="en-US" dirty="0" err="1">
                           <a:solidFill>
                             <a:srgbClr val="002060"/>
                           </a:solidFill>
@@ -10565,7 +10040,7 @@
                     <a:lstStyle/>
                     <a:p>
                       <a:r>
-                        <a:rPr lang="ru-RU" b="1" dirty="0" smtClean="0">
+                        <a:rPr lang="ru-RU" b="1" dirty="0">
                           <a:solidFill>
                             <a:srgbClr val="002060"/>
                           </a:solidFill>
@@ -10573,7 +10048,7 @@
                         <a:t>Инструкции</a:t>
                       </a:r>
                       <a:r>
-                        <a:rPr lang="ru-RU" b="1" baseline="0" dirty="0" smtClean="0">
+                        <a:rPr lang="ru-RU" b="1" baseline="0" dirty="0">
                           <a:solidFill>
                             <a:srgbClr val="002060"/>
                           </a:solidFill>
@@ -10581,18 +10056,13 @@
                         <a:t> </a:t>
                       </a:r>
                       <a:r>
-                        <a:rPr lang="ru-RU" b="1" dirty="0" smtClean="0">
+                        <a:rPr lang="ru-RU" b="1" dirty="0">
                           <a:solidFill>
                             <a:srgbClr val="002060"/>
                           </a:solidFill>
                         </a:rPr>
                         <a:t>обработки</a:t>
                       </a:r>
-                      <a:endParaRPr lang="ru-RU" b="1" dirty="0">
-                        <a:solidFill>
-                          <a:srgbClr val="002060"/>
-                        </a:solidFill>
-                      </a:endParaRPr>
                     </a:p>
                   </a:txBody>
                   <a:tcPr>
@@ -10640,7 +10110,7 @@
                     <a:lstStyle/>
                     <a:p>
                       <a:r>
-                        <a:rPr lang="en-US" dirty="0" err="1" smtClean="0">
+                        <a:rPr lang="en-US" dirty="0" err="1">
                           <a:solidFill>
                             <a:srgbClr val="002060"/>
                           </a:solidFill>
@@ -10699,7 +10169,7 @@
                     <a:lstStyle/>
                     <a:p>
                       <a:r>
-                        <a:rPr lang="en-US" dirty="0" err="1" smtClean="0">
+                        <a:rPr lang="en-US" dirty="0" err="1">
                           <a:solidFill>
                             <a:srgbClr val="002060"/>
                           </a:solidFill>
@@ -10765,7 +10235,7 @@
                     <a:lstStyle/>
                     <a:p>
                       <a:r>
-                        <a:rPr lang="en-US" b="1" dirty="0" err="1" smtClean="0">
+                        <a:rPr lang="en-US" b="1" dirty="0" err="1">
                           <a:solidFill>
                             <a:srgbClr val="002060"/>
                           </a:solidFill>
@@ -10824,7 +10294,7 @@
                     <a:lstStyle/>
                     <a:p>
                       <a:r>
-                        <a:rPr lang="en-US" dirty="0" err="1" smtClean="0">
+                        <a:rPr lang="en-US" dirty="0" err="1">
                           <a:solidFill>
                             <a:srgbClr val="002060"/>
                           </a:solidFill>
@@ -10883,7 +10353,7 @@
                     <a:lstStyle/>
                     <a:p>
                       <a:r>
-                        <a:rPr lang="en-US" dirty="0" err="1" smtClean="0">
+                        <a:rPr lang="en-US" dirty="0" err="1">
                           <a:solidFill>
                             <a:srgbClr val="002060"/>
                           </a:solidFill>
@@ -10999,14 +10469,13 @@
           <a:lstStyle/>
           <a:p>
             <a:r>
-              <a:rPr lang="en-US" dirty="0" smtClean="0"/>
+              <a:rPr lang="en-US" dirty="0"/>
               <a:t>XML Visualizer </a:t>
             </a:r>
             <a:r>
-              <a:rPr lang="ru-RU" dirty="0" smtClean="0"/>
+              <a:rPr lang="ru-RU" dirty="0"/>
               <a:t>в отладчике</a:t>
             </a:r>
-            <a:endParaRPr lang="ru-RU" dirty="0"/>
           </a:p>
         </p:txBody>
       </p:sp>
@@ -11089,7 +10558,7 @@
               <a:t>.Format</a:t>
             </a:r>
             <a:r>
-              <a:rPr lang="en-US" sz="1400" dirty="0" smtClean="0">
+              <a:rPr lang="en-US" sz="1400" dirty="0">
                 <a:solidFill>
                   <a:prstClr val="black"/>
                 </a:solidFill>
@@ -11097,7 +10566,7 @@
               </a:rPr>
               <a:t>(</a:t>
             </a:r>
-            <a:endParaRPr lang="ru-RU" sz="1400" dirty="0" smtClean="0">
+            <a:endParaRPr lang="ru-RU" sz="1400" dirty="0">
               <a:solidFill>
                 <a:prstClr val="black"/>
               </a:solidFill>
@@ -11106,7 +10575,7 @@
           </a:p>
           <a:p>
             <a:r>
-              <a:rPr lang="ru-RU" sz="1400" dirty="0" smtClean="0">
+              <a:rPr lang="ru-RU" sz="1400" dirty="0">
                 <a:solidFill>
                   <a:prstClr val="black"/>
                 </a:solidFill>
@@ -11115,7 +10584,7 @@
               <a:t>                     </a:t>
             </a:r>
             <a:r>
-              <a:rPr lang="en-US" sz="1400" dirty="0" err="1" smtClean="0">
+              <a:rPr lang="en-US" sz="1400" dirty="0" err="1">
                 <a:solidFill>
                   <a:srgbClr val="2B91AF"/>
                 </a:solidFill>
@@ -11124,7 +10593,7 @@
               <a:t>CultureInfo</a:t>
             </a:r>
             <a:r>
-              <a:rPr lang="en-US" sz="1400" dirty="0" err="1" smtClean="0">
+              <a:rPr lang="en-US" sz="1400" dirty="0" err="1">
                 <a:solidFill>
                   <a:prstClr val="black"/>
                 </a:solidFill>
@@ -11166,19 +10635,10 @@
                 </a:solidFill>
                 <a:latin typeface="Consolas"/>
               </a:rPr>
-              <a:t>-US</a:t>
-            </a:r>
-            <a:r>
-              <a:rPr lang="en-US" sz="1400" dirty="0" smtClean="0">
-                <a:solidFill>
-                  <a:srgbClr val="A31515"/>
-                </a:solidFill>
-                <a:latin typeface="Consolas"/>
-              </a:rPr>
-              <a:t>"</a:t>
-            </a:r>
-            <a:r>
-              <a:rPr lang="en-US" sz="1400" dirty="0" smtClean="0">
+              <a:t>-US"</a:t>
+            </a:r>
+            <a:r>
+              <a:rPr lang="en-US" sz="1400" dirty="0">
                 <a:solidFill>
                   <a:prstClr val="black"/>
                 </a:solidFill>
@@ -11186,7 +10646,7 @@
               </a:rPr>
               <a:t>),</a:t>
             </a:r>
-            <a:endParaRPr lang="ru-RU" sz="1400" dirty="0" smtClean="0">
+            <a:endParaRPr lang="ru-RU" sz="1400" dirty="0">
               <a:solidFill>
                 <a:prstClr val="black"/>
               </a:solidFill>
@@ -11195,7 +10655,7 @@
           </a:p>
           <a:p>
             <a:r>
-              <a:rPr lang="ru-RU" sz="1400" dirty="0" smtClean="0">
+              <a:rPr lang="ru-RU" sz="1400" dirty="0">
                 <a:solidFill>
                   <a:prstClr val="black"/>
                 </a:solidFill>
@@ -11204,60 +10664,42 @@
               <a:t>                     </a:t>
             </a:r>
             <a:r>
-              <a:rPr lang="en-US" sz="1400" dirty="0" smtClean="0">
+              <a:rPr lang="en-US" sz="1400" dirty="0">
                 <a:solidFill>
                   <a:srgbClr val="A31515"/>
                 </a:solidFill>
                 <a:latin typeface="Consolas"/>
               </a:rPr>
+              <a:t>"http://www.nbrb.by/Services/XmlExRates.aspx?ondate=</a:t>
+            </a:r>
+            <a:r>
+              <a:rPr lang="en-US" sz="1400" dirty="0">
+                <a:solidFill>
+                  <a:srgbClr val="3CB371"/>
+                </a:solidFill>
+                <a:latin typeface="Consolas"/>
+              </a:rPr>
+              <a:t>{0:d}</a:t>
+            </a:r>
+            <a:r>
+              <a:rPr lang="en-US" sz="1400" dirty="0">
+                <a:solidFill>
+                  <a:srgbClr val="A31515"/>
+                </a:solidFill>
+                <a:latin typeface="Consolas"/>
+              </a:rPr>
               <a:t>"</a:t>
             </a:r>
             <a:r>
               <a:rPr lang="en-US" sz="1400" dirty="0">
                 <a:solidFill>
-                  <a:srgbClr val="A31515"/>
-                </a:solidFill>
-                <a:latin typeface="Consolas"/>
-              </a:rPr>
-              <a:t>http://www.nbrb.by/Services/XmlExRates.aspx?ondate=</a:t>
-            </a:r>
-            <a:r>
-              <a:rPr lang="en-US" sz="1400" dirty="0">
-                <a:solidFill>
-                  <a:srgbClr val="3CB371"/>
-                </a:solidFill>
-                <a:latin typeface="Consolas"/>
-              </a:rPr>
-              <a:t>{0:d</a:t>
-            </a:r>
-            <a:r>
-              <a:rPr lang="en-US" sz="1400" dirty="0" smtClean="0">
-                <a:solidFill>
-                  <a:srgbClr val="3CB371"/>
-                </a:solidFill>
-                <a:latin typeface="Consolas"/>
-              </a:rPr>
-              <a:t>}</a:t>
-            </a:r>
-            <a:r>
-              <a:rPr lang="en-US" sz="1400" dirty="0" smtClean="0">
-                <a:solidFill>
-                  <a:srgbClr val="A31515"/>
-                </a:solidFill>
-                <a:latin typeface="Consolas"/>
-              </a:rPr>
-              <a:t>"</a:t>
-            </a:r>
-            <a:r>
-              <a:rPr lang="en-US" sz="1400" dirty="0" smtClean="0">
-                <a:solidFill>
                   <a:prstClr val="black"/>
                 </a:solidFill>
                 <a:latin typeface="Consolas"/>
               </a:rPr>
               <a:t>,</a:t>
             </a:r>
-            <a:endParaRPr lang="ru-RU" sz="1400" dirty="0" smtClean="0">
+            <a:endParaRPr lang="ru-RU" sz="1400" dirty="0">
               <a:solidFill>
                 <a:prstClr val="black"/>
               </a:solidFill>
@@ -11266,7 +10708,7 @@
           </a:p>
           <a:p>
             <a:r>
-              <a:rPr lang="ru-RU" sz="1400" dirty="0" smtClean="0">
+              <a:rPr lang="ru-RU" sz="1400" dirty="0">
                 <a:solidFill>
                   <a:prstClr val="black"/>
                 </a:solidFill>
@@ -11275,7 +10717,7 @@
               <a:t>                     </a:t>
             </a:r>
             <a:r>
-              <a:rPr lang="en-US" sz="1400" dirty="0" err="1" smtClean="0">
+              <a:rPr lang="en-US" sz="1400" dirty="0" err="1">
                 <a:solidFill>
                   <a:srgbClr val="2B91AF"/>
                 </a:solidFill>
@@ -11284,7 +10726,7 @@
               <a:t>DateTime</a:t>
             </a:r>
             <a:r>
-              <a:rPr lang="en-US" sz="1400" dirty="0" err="1" smtClean="0">
+              <a:rPr lang="en-US" sz="1400" dirty="0" err="1">
                 <a:solidFill>
                   <a:prstClr val="black"/>
                 </a:solidFill>
@@ -11292,7 +10734,7 @@
               </a:rPr>
               <a:t>.Now</a:t>
             </a:r>
-            <a:endParaRPr lang="ru-RU" sz="1400" dirty="0" smtClean="0">
+            <a:endParaRPr lang="ru-RU" sz="1400" dirty="0">
               <a:solidFill>
                 <a:prstClr val="black"/>
               </a:solidFill>
@@ -11301,7 +10743,7 @@
           </a:p>
           <a:p>
             <a:r>
-              <a:rPr lang="ru-RU" sz="1400" dirty="0" smtClean="0">
+              <a:rPr lang="ru-RU" sz="1400" dirty="0">
                 <a:solidFill>
                   <a:prstClr val="black"/>
                 </a:solidFill>
@@ -11310,7 +10752,7 @@
               <a:t>                 </a:t>
             </a:r>
             <a:r>
-              <a:rPr lang="en-US" sz="1400" dirty="0" smtClean="0">
+              <a:rPr lang="en-US" sz="1400" dirty="0">
                 <a:solidFill>
                   <a:prstClr val="black"/>
                 </a:solidFill>
@@ -11318,12 +10760,6 @@
               </a:rPr>
               <a:t>);</a:t>
             </a:r>
-            <a:endParaRPr lang="en-US" sz="1400" dirty="0">
-              <a:solidFill>
-                <a:prstClr val="black"/>
-              </a:solidFill>
-              <a:latin typeface="Consolas"/>
-            </a:endParaRPr>
           </a:p>
           <a:p>
             <a:r>
@@ -11439,7 +10875,7 @@
           </a:p>
           <a:p>
             <a:r>
-              <a:rPr lang="en-US" sz="1400" dirty="0" smtClean="0">
+              <a:rPr lang="en-US" sz="1400" dirty="0">
                 <a:solidFill>
                   <a:srgbClr val="0000FF"/>
                 </a:solidFill>
@@ -11448,7 +10884,7 @@
               <a:t>string</a:t>
             </a:r>
             <a:r>
-              <a:rPr lang="en-US" sz="1400" dirty="0" smtClean="0">
+              <a:rPr lang="en-US" sz="1400" dirty="0">
                 <a:solidFill>
                   <a:prstClr val="black"/>
                 </a:solidFill>
@@ -11457,7 +10893,7 @@
               <a:t> xml = </a:t>
             </a:r>
             <a:r>
-              <a:rPr lang="en-US" sz="1400" dirty="0" err="1" smtClean="0">
+              <a:rPr lang="en-US" sz="1400" dirty="0" err="1">
                 <a:solidFill>
                   <a:prstClr val="black"/>
                 </a:solidFill>
@@ -11466,7 +10902,7 @@
               <a:t>xmlDoc.InnerXml</a:t>
             </a:r>
             <a:r>
-              <a:rPr lang="en-US" sz="1400" dirty="0" smtClean="0">
+              <a:rPr lang="en-US" sz="1400" dirty="0">
                 <a:solidFill>
                   <a:prstClr val="black"/>
                 </a:solidFill>
@@ -11475,7 +10911,7 @@
               <a:t>;</a:t>
             </a:r>
             <a:r>
-              <a:rPr lang="ru-RU" sz="1400" dirty="0" smtClean="0">
+              <a:rPr lang="ru-RU" sz="1400" dirty="0">
                 <a:solidFill>
                   <a:prstClr val="black"/>
                 </a:solidFill>
@@ -11490,16 +10926,7 @@
                 </a:solidFill>
                 <a:latin typeface="Consolas"/>
               </a:rPr>
-              <a:t>// Посмотрим на переменную xml в </a:t>
-            </a:r>
-            <a:r>
-              <a:rPr lang="ru-RU" sz="1400" dirty="0" smtClean="0">
-                <a:solidFill>
-                  <a:srgbClr val="008000"/>
-                </a:solidFill>
-                <a:latin typeface="Consolas"/>
-              </a:rPr>
-              <a:t>отладчике</a:t>
+              <a:t>// Посмотрим на переменную xml в отладчике</a:t>
             </a:r>
             <a:endParaRPr lang="ru-RU" sz="1400" dirty="0">
               <a:solidFill>
@@ -11839,10 +11266,9 @@
           <a:lstStyle/>
           <a:p>
             <a:r>
-              <a:rPr lang="ru-RU" dirty="0" smtClean="0"/>
+              <a:rPr lang="ru-RU" dirty="0"/>
               <a:t>Анти-паттерны</a:t>
             </a:r>
-            <a:endParaRPr lang="ru-RU" dirty="0"/>
           </a:p>
         </p:txBody>
       </p:sp>
@@ -11862,22 +11288,22 @@
           <a:lstStyle/>
           <a:p>
             <a:r>
-              <a:rPr lang="ru-RU" dirty="0" smtClean="0"/>
+              <a:rPr lang="ru-RU" dirty="0"/>
               <a:t>Не нумеруйте элементы</a:t>
             </a:r>
           </a:p>
           <a:p>
             <a:pPr lvl="1"/>
             <a:r>
-              <a:rPr lang="ru-RU" dirty="0" smtClean="0"/>
+              <a:rPr lang="ru-RU" dirty="0"/>
               <a:t>Это усложняет обработку документов и лишает возможности создать </a:t>
             </a:r>
             <a:r>
-              <a:rPr lang="en-US" dirty="0" smtClean="0"/>
+              <a:rPr lang="en-US" dirty="0"/>
               <a:t>XML </a:t>
             </a:r>
             <a:r>
-              <a:rPr lang="ru-RU" dirty="0" smtClean="0"/>
+              <a:rPr lang="ru-RU" dirty="0"/>
               <a:t>схему.</a:t>
             </a:r>
           </a:p>
@@ -11969,95 +11395,56 @@
                 </a:solidFill>
                 <a:hlinkClick r:id="rId2"/>
               </a:rPr>
-              <a:t>https://</a:t>
-            </a:r>
-            <a:r>
-              <a:rPr lang="en-US" dirty="0" smtClean="0">
+              <a:t>https://github.com/bazile/Training</a:t>
+            </a:r>
+            <a:br>
+              <a:rPr lang="en-US" dirty="0">
                 <a:solidFill>
                   <a:schemeClr val="bg1"/>
                 </a:solidFill>
-                <a:hlinkClick r:id="rId2"/>
-              </a:rPr>
-              <a:t>github.com/bazile/Training</a:t>
-            </a:r>
-            <a:r>
-              <a:rPr lang="en-US" dirty="0" smtClean="0">
+              </a:rPr>
+            </a:br>
+            <a:r>
+              <a:rPr lang="ru-RU" dirty="0">
                 <a:solidFill>
                   <a:schemeClr val="bg1"/>
                 </a:solidFill>
               </a:rPr>
-              <a:t/>
-            </a:r>
-            <a:br>
-              <a:rPr lang="en-US" dirty="0" smtClean="0">
-                <a:solidFill>
-                  <a:schemeClr val="bg1"/>
-                </a:solidFill>
-              </a:rPr>
-            </a:br>
-            <a:r>
-              <a:rPr lang="ru-RU" dirty="0" smtClean="0">
-                <a:solidFill>
-                  <a:schemeClr val="bg1"/>
-                </a:solidFill>
-              </a:rPr>
               <a:t>Презентации и примеры кода используемые во время занятия</a:t>
             </a:r>
           </a:p>
           <a:p>
-            <a:endParaRPr lang="ru-RU" dirty="0" smtClean="0">
-              <a:solidFill>
-                <a:schemeClr val="bg1"/>
-              </a:solidFill>
-            </a:endParaRPr>
-          </a:p>
-          <a:p>
-            <a:r>
-              <a:rPr lang="en-US" dirty="0">
-                <a:solidFill>
-                  <a:schemeClr val="bg1"/>
-                </a:solidFill>
-                <a:hlinkClick r:id="rId3"/>
-              </a:rPr>
-              <a:t>http://belhard.nullptr.ru</a:t>
-            </a:r>
-            <a:r>
-              <a:rPr lang="en-US" dirty="0" smtClean="0">
-                <a:solidFill>
-                  <a:schemeClr val="bg1"/>
-                </a:solidFill>
-                <a:hlinkClick r:id="rId3"/>
-              </a:rPr>
-              <a:t>/</a:t>
-            </a:r>
-            <a:r>
-              <a:rPr lang="ru-RU" dirty="0" smtClean="0">
-                <a:solidFill>
-                  <a:schemeClr val="bg1"/>
-                </a:solidFill>
-              </a:rPr>
-              <a:t/>
-            </a:r>
-            <a:br>
-              <a:rPr lang="ru-RU" dirty="0" smtClean="0">
-                <a:solidFill>
-                  <a:schemeClr val="bg1"/>
-                </a:solidFill>
-              </a:rPr>
-            </a:br>
-            <a:r>
-              <a:rPr lang="ru-RU" dirty="0" smtClean="0">
-                <a:solidFill>
-                  <a:schemeClr val="bg1"/>
-                </a:solidFill>
-              </a:rPr>
-              <a:t>Книги, примеры к ним и другие полезные файлы.</a:t>
-            </a:r>
             <a:endParaRPr lang="ru-RU" dirty="0">
               <a:solidFill>
                 <a:schemeClr val="bg1"/>
               </a:solidFill>
             </a:endParaRPr>
+          </a:p>
+          <a:p>
+            <a:r>
+              <a:rPr lang="en-US" dirty="0">
+                <a:solidFill>
+                  <a:schemeClr val="bg1"/>
+                </a:solidFill>
+                <a:hlinkClick r:id="rId3"/>
+              </a:rPr>
+              <a:t>http://belhard.nullptr.ru/</a:t>
+            </a:r>
+            <a:br>
+              <a:rPr lang="ru-RU" dirty="0">
+                <a:solidFill>
+                  <a:schemeClr val="bg1"/>
+                </a:solidFill>
+              </a:rPr>
+            </a:br>
+            <a:r>
+              <a:rPr lang="ru-RU" dirty="0">
+                <a:solidFill>
+                  <a:schemeClr val="bg1"/>
+                </a:solidFill>
+              </a:rPr>
+              <a:t>Книги, примеры к ним и другие полезные файлы.</a:t>
+            </a:r>
           </a:p>
           <a:p>
             <a:endParaRPr lang="en-US" dirty="0"/>
@@ -12110,15 +11497,15 @@
           <a:lstStyle/>
           <a:p>
             <a:r>
-              <a:rPr lang="en-US" dirty="0" smtClean="0"/>
+              <a:rPr lang="en-US" dirty="0"/>
               <a:t>@</a:t>
             </a:r>
             <a:r>
-              <a:rPr lang="ru-RU" dirty="0" smtClean="0"/>
+              <a:rPr lang="ru-RU" dirty="0"/>
               <a:t>-строки и </a:t>
             </a:r>
             <a:r>
-              <a:rPr lang="en-US" dirty="0" smtClean="0"/>
+              <a:rPr lang="en-US" dirty="0"/>
               <a:t>XML</a:t>
             </a:r>
             <a:endParaRPr lang="ru-RU" dirty="0"/>
@@ -12151,22 +11538,21 @@
               <a:buNone/>
             </a:pPr>
             <a:r>
-              <a:rPr lang="en-US" sz="2400" dirty="0" smtClean="0"/>
+              <a:rPr lang="en-US" sz="2400" dirty="0"/>
               <a:t>@-</a:t>
             </a:r>
             <a:r>
-              <a:rPr lang="ru-RU" sz="2400" dirty="0" smtClean="0"/>
+              <a:rPr lang="ru-RU" sz="2400" dirty="0"/>
               <a:t>строки позволяют вставлять </a:t>
             </a:r>
             <a:r>
-              <a:rPr lang="en-US" sz="2400" dirty="0" smtClean="0"/>
+              <a:rPr lang="en-US" sz="2400" dirty="0"/>
               <a:t>XML</a:t>
             </a:r>
             <a:r>
-              <a:rPr lang="ru-RU" sz="2400" dirty="0" smtClean="0"/>
+              <a:rPr lang="ru-RU" sz="2400" dirty="0"/>
               <a:t> в тело программы с минимальными изменениями (удвоение кавычек):</a:t>
             </a:r>
-            <a:endParaRPr lang="ru-RU" sz="2400" dirty="0"/>
           </a:p>
         </p:txBody>
       </p:sp>
@@ -12284,7 +11670,7 @@
           </a:p>
           <a:p>
             <a:r>
-              <a:rPr lang="ru-RU" sz="1600" dirty="0" smtClean="0">
+              <a:rPr lang="ru-RU" sz="1600" dirty="0">
                 <a:solidFill>
                   <a:srgbClr val="A31515"/>
                 </a:solidFill>
@@ -12293,22 +11679,13 @@
               <a:t>  </a:t>
             </a:r>
             <a:r>
-              <a:rPr lang="en-US" sz="1600" dirty="0" smtClean="0">
+              <a:rPr lang="en-US" sz="1600" dirty="0">
                 <a:solidFill>
                   <a:srgbClr val="A31515"/>
                 </a:solidFill>
                 <a:latin typeface="Consolas"/>
               </a:rPr>
-              <a:t>&lt;</a:t>
-            </a:r>
-            <a:r>
-              <a:rPr lang="en-US" sz="1600" dirty="0">
-                <a:solidFill>
-                  <a:srgbClr val="A31515"/>
-                </a:solidFill>
-                <a:latin typeface="Consolas"/>
-              </a:rPr>
-              <a:t>books&gt;</a:t>
+              <a:t>&lt;books&gt;</a:t>
             </a:r>
             <a:endParaRPr lang="en-US" sz="1600" dirty="0">
               <a:solidFill>
@@ -12319,7 +11696,7 @@
           </a:p>
           <a:p>
             <a:r>
-              <a:rPr lang="ru-RU" sz="1600" dirty="0" smtClean="0">
+              <a:rPr lang="ru-RU" sz="1600" dirty="0">
                 <a:solidFill>
                   <a:srgbClr val="A31515"/>
                 </a:solidFill>
@@ -12328,22 +11705,13 @@
               <a:t>    </a:t>
             </a:r>
             <a:r>
-              <a:rPr lang="en-US" sz="1600" dirty="0" smtClean="0">
+              <a:rPr lang="en-US" sz="1600" dirty="0">
                 <a:solidFill>
                   <a:srgbClr val="A31515"/>
                 </a:solidFill>
                 <a:latin typeface="Consolas"/>
               </a:rPr>
-              <a:t>&lt;</a:t>
-            </a:r>
-            <a:r>
-              <a:rPr lang="en-US" sz="1600" dirty="0">
-                <a:solidFill>
-                  <a:srgbClr val="A31515"/>
-                </a:solidFill>
-                <a:latin typeface="Consolas"/>
-              </a:rPr>
-              <a:t>book </a:t>
+              <a:t>&lt;book </a:t>
             </a:r>
             <a:r>
               <a:rPr lang="en-US" sz="1600" dirty="0" err="1">
@@ -12408,7 +11776,7 @@
           </a:p>
           <a:p>
             <a:r>
-              <a:rPr lang="ru-RU" sz="1600" dirty="0" smtClean="0">
+              <a:rPr lang="ru-RU" sz="1600" dirty="0">
                 <a:solidFill>
                   <a:srgbClr val="A31515"/>
                 </a:solidFill>
@@ -12417,22 +11785,13 @@
               <a:t>      </a:t>
             </a:r>
             <a:r>
-              <a:rPr lang="en-US" sz="1600" dirty="0" smtClean="0">
+              <a:rPr lang="en-US" sz="1600" dirty="0">
                 <a:solidFill>
                   <a:srgbClr val="A31515"/>
                 </a:solidFill>
                 <a:latin typeface="Consolas"/>
               </a:rPr>
-              <a:t>&lt;</a:t>
-            </a:r>
-            <a:r>
-              <a:rPr lang="en-US" sz="1600" dirty="0">
-                <a:solidFill>
-                  <a:srgbClr val="A31515"/>
-                </a:solidFill>
-                <a:latin typeface="Consolas"/>
-              </a:rPr>
-              <a:t>title&gt;CLR via C#&lt;/title&gt;</a:t>
+              <a:t>&lt;title&gt;CLR via C#&lt;/title&gt;</a:t>
             </a:r>
             <a:endParaRPr lang="en-US" sz="1600" dirty="0">
               <a:solidFill>
@@ -12443,7 +11802,7 @@
           </a:p>
           <a:p>
             <a:r>
-              <a:rPr lang="ru-RU" sz="1600" dirty="0" smtClean="0">
+              <a:rPr lang="ru-RU" sz="1600" dirty="0">
                 <a:solidFill>
                   <a:srgbClr val="A31515"/>
                 </a:solidFill>
@@ -12452,22 +11811,13 @@
               <a:t>      </a:t>
             </a:r>
             <a:r>
-              <a:rPr lang="en-US" sz="1600" dirty="0" smtClean="0">
+              <a:rPr lang="en-US" sz="1600" dirty="0">
                 <a:solidFill>
                   <a:srgbClr val="A31515"/>
                 </a:solidFill>
                 <a:latin typeface="Consolas"/>
               </a:rPr>
-              <a:t>&lt;</a:t>
-            </a:r>
-            <a:r>
-              <a:rPr lang="en-US" sz="1600" dirty="0">
-                <a:solidFill>
-                  <a:srgbClr val="A31515"/>
-                </a:solidFill>
-                <a:latin typeface="Consolas"/>
-              </a:rPr>
-              <a:t>author&gt;</a:t>
+              <a:t>&lt;author&gt;</a:t>
             </a:r>
             <a:r>
               <a:rPr lang="ru-RU" sz="1600" dirty="0">
@@ -12496,7 +11846,7 @@
           </a:p>
           <a:p>
             <a:r>
-              <a:rPr lang="ru-RU" sz="1600" dirty="0" smtClean="0">
+              <a:rPr lang="ru-RU" sz="1600" dirty="0">
                 <a:solidFill>
                   <a:srgbClr val="A31515"/>
                 </a:solidFill>
@@ -12505,22 +11855,13 @@
               <a:t>    </a:t>
             </a:r>
             <a:r>
-              <a:rPr lang="en-US" sz="1600" dirty="0" smtClean="0">
+              <a:rPr lang="en-US" sz="1600" dirty="0">
                 <a:solidFill>
                   <a:srgbClr val="A31515"/>
                 </a:solidFill>
                 <a:latin typeface="Consolas"/>
               </a:rPr>
-              <a:t>&lt;/</a:t>
-            </a:r>
-            <a:r>
-              <a:rPr lang="en-US" sz="1600" dirty="0">
-                <a:solidFill>
-                  <a:srgbClr val="A31515"/>
-                </a:solidFill>
-                <a:latin typeface="Consolas"/>
-              </a:rPr>
-              <a:t>book&gt;</a:t>
+              <a:t>&lt;/book&gt;</a:t>
             </a:r>
             <a:endParaRPr lang="en-US" sz="1600" dirty="0">
               <a:solidFill>
@@ -12531,7 +11872,7 @@
           </a:p>
           <a:p>
             <a:r>
-              <a:rPr lang="ru-RU" sz="1600" dirty="0" smtClean="0">
+              <a:rPr lang="ru-RU" sz="1600" dirty="0">
                 <a:solidFill>
                   <a:srgbClr val="A31515"/>
                 </a:solidFill>
@@ -12540,22 +11881,13 @@
               <a:t>    </a:t>
             </a:r>
             <a:r>
-              <a:rPr lang="en-US" sz="1600" dirty="0" smtClean="0">
+              <a:rPr lang="en-US" sz="1600" dirty="0">
                 <a:solidFill>
                   <a:srgbClr val="A31515"/>
                 </a:solidFill>
                 <a:latin typeface="Consolas"/>
               </a:rPr>
-              <a:t>&lt;</a:t>
-            </a:r>
-            <a:r>
-              <a:rPr lang="en-US" sz="1600" dirty="0">
-                <a:solidFill>
-                  <a:srgbClr val="A31515"/>
-                </a:solidFill>
-                <a:latin typeface="Consolas"/>
-              </a:rPr>
-              <a:t>book </a:t>
+              <a:t>&lt;book </a:t>
             </a:r>
             <a:r>
               <a:rPr lang="en-US" sz="1600" dirty="0" err="1">
@@ -12620,22 +11952,13 @@
           </a:p>
           <a:p>
             <a:r>
-              <a:rPr lang="ru-RU" sz="1600" dirty="0" smtClean="0">
+              <a:rPr lang="ru-RU" sz="1600" dirty="0">
                 <a:solidFill>
                   <a:srgbClr val="A31515"/>
                 </a:solidFill>
                 <a:latin typeface="Consolas"/>
               </a:rPr>
-              <a:t>      &lt;</a:t>
-            </a:r>
-            <a:r>
-              <a:rPr lang="ru-RU" sz="1600" dirty="0">
-                <a:solidFill>
-                  <a:srgbClr val="A31515"/>
-                </a:solidFill>
-                <a:latin typeface="Consolas"/>
-              </a:rPr>
-              <a:t>title&gt;Язык программирования C# 2010 и платформа .NET 4.0&lt;/title&gt;</a:t>
+              <a:t>      &lt;title&gt;Язык программирования C# 2010 и платформа .NET 4.0&lt;/title&gt;</a:t>
             </a:r>
             <a:endParaRPr lang="ru-RU" sz="1600" dirty="0">
               <a:solidFill>
@@ -12646,7 +11969,7 @@
           </a:p>
           <a:p>
             <a:r>
-              <a:rPr lang="ru-RU" sz="1600" dirty="0" smtClean="0">
+              <a:rPr lang="ru-RU" sz="1600" dirty="0">
                 <a:solidFill>
                   <a:srgbClr val="A31515"/>
                 </a:solidFill>
@@ -12655,22 +11978,13 @@
               <a:t>      </a:t>
             </a:r>
             <a:r>
-              <a:rPr lang="en-US" sz="1600" dirty="0" smtClean="0">
+              <a:rPr lang="en-US" sz="1600" dirty="0">
                 <a:solidFill>
                   <a:srgbClr val="A31515"/>
                 </a:solidFill>
                 <a:latin typeface="Consolas"/>
               </a:rPr>
-              <a:t>&lt;</a:t>
-            </a:r>
-            <a:r>
-              <a:rPr lang="en-US" sz="1600" dirty="0">
-                <a:solidFill>
-                  <a:srgbClr val="A31515"/>
-                </a:solidFill>
-                <a:latin typeface="Consolas"/>
-              </a:rPr>
-              <a:t>author&gt;</a:t>
+              <a:t>&lt;author&gt;</a:t>
             </a:r>
             <a:r>
               <a:rPr lang="ru-RU" sz="1600" dirty="0">
@@ -12699,7 +12013,7 @@
           </a:p>
           <a:p>
             <a:r>
-              <a:rPr lang="ru-RU" sz="1600" dirty="0" smtClean="0">
+              <a:rPr lang="ru-RU" sz="1600" dirty="0">
                 <a:solidFill>
                   <a:srgbClr val="A31515"/>
                 </a:solidFill>
@@ -12708,22 +12022,13 @@
               <a:t>    </a:t>
             </a:r>
             <a:r>
-              <a:rPr lang="en-US" sz="1600" dirty="0" smtClean="0">
+              <a:rPr lang="en-US" sz="1600" dirty="0">
                 <a:solidFill>
                   <a:srgbClr val="A31515"/>
                 </a:solidFill>
                 <a:latin typeface="Consolas"/>
               </a:rPr>
-              <a:t>&lt;/</a:t>
-            </a:r>
-            <a:r>
-              <a:rPr lang="en-US" sz="1600" dirty="0">
-                <a:solidFill>
-                  <a:srgbClr val="A31515"/>
-                </a:solidFill>
-                <a:latin typeface="Consolas"/>
-              </a:rPr>
-              <a:t>book&gt;</a:t>
+              <a:t>&lt;/book&gt;</a:t>
             </a:r>
             <a:endParaRPr lang="en-US" sz="1600" dirty="0">
               <a:solidFill>
@@ -12734,7 +12039,7 @@
           </a:p>
           <a:p>
             <a:r>
-              <a:rPr lang="ru-RU" sz="1600" dirty="0" smtClean="0">
+              <a:rPr lang="ru-RU" sz="1600" dirty="0">
                 <a:solidFill>
                   <a:srgbClr val="A31515"/>
                 </a:solidFill>
@@ -12743,43 +12048,25 @@
               <a:t>  </a:t>
             </a:r>
             <a:r>
-              <a:rPr lang="en-US" sz="1600" dirty="0" smtClean="0">
+              <a:rPr lang="en-US" sz="1600" dirty="0">
                 <a:solidFill>
                   <a:srgbClr val="A31515"/>
                 </a:solidFill>
                 <a:latin typeface="Consolas"/>
               </a:rPr>
-              <a:t>&lt;/</a:t>
-            </a:r>
-            <a:r>
-              <a:rPr lang="en-US" sz="1600" dirty="0">
+              <a:t>&lt;/books&gt;</a:t>
+            </a:r>
+            <a:r>
+              <a:rPr lang="ru-RU" sz="1600" dirty="0">
                 <a:solidFill>
                   <a:srgbClr val="A31515"/>
                 </a:solidFill>
                 <a:latin typeface="Consolas"/>
               </a:rPr>
-              <a:t>books</a:t>
-            </a:r>
-            <a:r>
-              <a:rPr lang="en-US" sz="1600" dirty="0" smtClean="0">
-                <a:solidFill>
-                  <a:srgbClr val="A31515"/>
-                </a:solidFill>
-                <a:latin typeface="Consolas"/>
-              </a:rPr>
-              <a:t>&gt;</a:t>
-            </a:r>
-            <a:r>
-              <a:rPr lang="ru-RU" sz="1600" dirty="0" smtClean="0">
-                <a:solidFill>
-                  <a:srgbClr val="A31515"/>
-                </a:solidFill>
-                <a:latin typeface="Consolas"/>
-              </a:rPr>
               <a:t>"</a:t>
             </a:r>
             <a:r>
-              <a:rPr lang="ru-RU" sz="1600" dirty="0" smtClean="0">
+              <a:rPr lang="ru-RU" sz="1600" dirty="0">
                 <a:solidFill>
                   <a:prstClr val="black"/>
                 </a:solidFill>
@@ -12787,12 +12074,6 @@
               </a:rPr>
               <a:t>;</a:t>
             </a:r>
-            <a:endParaRPr lang="ru-RU" sz="1600" dirty="0">
-              <a:solidFill>
-                <a:prstClr val="black"/>
-              </a:solidFill>
-              <a:latin typeface="Consolas"/>
-            </a:endParaRPr>
           </a:p>
         </p:txBody>
       </p:sp>
@@ -12842,18 +12123,17 @@
           <a:lstStyle/>
           <a:p>
             <a:r>
-              <a:rPr lang="ru-RU" dirty="0" smtClean="0"/>
+              <a:rPr lang="ru-RU" dirty="0"/>
               <a:t>Работа с </a:t>
             </a:r>
             <a:r>
-              <a:rPr lang="en-US" dirty="0" smtClean="0"/>
+              <a:rPr lang="en-US" dirty="0"/>
               <a:t>RSS/Atom </a:t>
             </a:r>
             <a:r>
-              <a:rPr lang="ru-RU" dirty="0" smtClean="0"/>
+              <a:rPr lang="ru-RU" dirty="0"/>
               <a:t>форматами</a:t>
             </a:r>
-            <a:endParaRPr lang="ru-RU" dirty="0"/>
           </a:p>
         </p:txBody>
       </p:sp>
@@ -12881,19 +12161,19 @@
               <a:buNone/>
             </a:pPr>
             <a:r>
-              <a:rPr lang="ru-RU" dirty="0" smtClean="0"/>
+              <a:rPr lang="ru-RU" dirty="0"/>
               <a:t>Для разбора и создания данных в формате </a:t>
             </a:r>
             <a:r>
-              <a:rPr lang="en-US" dirty="0" smtClean="0"/>
+              <a:rPr lang="en-US" dirty="0"/>
               <a:t>RSS/Atom </a:t>
             </a:r>
             <a:r>
-              <a:rPr lang="ru-RU" dirty="0" smtClean="0"/>
+              <a:rPr lang="ru-RU" dirty="0"/>
               <a:t>можно использовать классы из пространства имен </a:t>
             </a:r>
             <a:r>
-              <a:rPr lang="en-US" dirty="0" err="1" smtClean="0"/>
+              <a:rPr lang="en-US" dirty="0" err="1"/>
               <a:t>System.ServiceModel.Syndication</a:t>
             </a:r>
             <a:r>
@@ -13003,140 +12283,6 @@
             </a:r>
           </a:p>
           <a:p>
-            <a:endParaRPr lang="en-US" sz="1200" dirty="0" smtClean="0">
-              <a:solidFill>
-                <a:prstClr val="black"/>
-              </a:solidFill>
-              <a:latin typeface="Consolas"/>
-            </a:endParaRPr>
-          </a:p>
-          <a:p>
-            <a:r>
-              <a:rPr lang="en-US" sz="1200" dirty="0">
-                <a:solidFill>
-                  <a:srgbClr val="0000FF"/>
-                </a:solidFill>
-                <a:latin typeface="Consolas"/>
-              </a:rPr>
-              <a:t>using</a:t>
-            </a:r>
-            <a:r>
-              <a:rPr lang="en-US" sz="1200" dirty="0">
-                <a:solidFill>
-                  <a:prstClr val="black"/>
-                </a:solidFill>
-                <a:latin typeface="Consolas"/>
-              </a:rPr>
-              <a:t> </a:t>
-            </a:r>
-            <a:r>
-              <a:rPr lang="en-US" sz="1200" dirty="0" smtClean="0">
-                <a:solidFill>
-                  <a:prstClr val="black"/>
-                </a:solidFill>
-                <a:latin typeface="Consolas"/>
-              </a:rPr>
-              <a:t>(</a:t>
-            </a:r>
-            <a:r>
-              <a:rPr lang="en-US" sz="1200" dirty="0" err="1" smtClean="0">
-                <a:solidFill>
-                  <a:srgbClr val="2B91AF"/>
-                </a:solidFill>
-                <a:latin typeface="Consolas"/>
-              </a:rPr>
-              <a:t>var</a:t>
-            </a:r>
-            <a:r>
-              <a:rPr lang="en-US" sz="1200" dirty="0" smtClean="0">
-                <a:solidFill>
-                  <a:prstClr val="black"/>
-                </a:solidFill>
-                <a:latin typeface="Consolas"/>
-              </a:rPr>
-              <a:t> </a:t>
-            </a:r>
-            <a:r>
-              <a:rPr lang="en-US" sz="1200" dirty="0" err="1">
-                <a:solidFill>
-                  <a:prstClr val="black"/>
-                </a:solidFill>
-                <a:latin typeface="Consolas"/>
-              </a:rPr>
-              <a:t>xmlReader</a:t>
-            </a:r>
-            <a:r>
-              <a:rPr lang="en-US" sz="1200" dirty="0">
-                <a:solidFill>
-                  <a:prstClr val="black"/>
-                </a:solidFill>
-                <a:latin typeface="Consolas"/>
-              </a:rPr>
-              <a:t> = </a:t>
-            </a:r>
-            <a:r>
-              <a:rPr lang="en-US" sz="1200" dirty="0" err="1">
-                <a:solidFill>
-                  <a:srgbClr val="2B91AF"/>
-                </a:solidFill>
-                <a:latin typeface="Consolas"/>
-              </a:rPr>
-              <a:t>XmlReader</a:t>
-            </a:r>
-            <a:r>
-              <a:rPr lang="en-US" sz="1200" dirty="0" err="1">
-                <a:solidFill>
-                  <a:prstClr val="black"/>
-                </a:solidFill>
-                <a:latin typeface="Consolas"/>
-              </a:rPr>
-              <a:t>.Create</a:t>
-            </a:r>
-            <a:r>
-              <a:rPr lang="en-US" sz="1200" dirty="0" smtClean="0">
-                <a:solidFill>
-                  <a:prstClr val="black"/>
-                </a:solidFill>
-                <a:latin typeface="Consolas"/>
-              </a:rPr>
-              <a:t>(</a:t>
-            </a:r>
-            <a:r>
-              <a:rPr lang="en-US" sz="1200" dirty="0">
-                <a:solidFill>
-                  <a:srgbClr val="A31515"/>
-                </a:solidFill>
-                <a:latin typeface="Consolas"/>
-              </a:rPr>
-              <a:t>"http://rss.slashdot.org/Slashdot/</a:t>
-            </a:r>
-            <a:r>
-              <a:rPr lang="en-US" sz="1200" dirty="0" err="1">
-                <a:solidFill>
-                  <a:srgbClr val="A31515"/>
-                </a:solidFill>
-                <a:latin typeface="Consolas"/>
-              </a:rPr>
-              <a:t>slashdotMainatom</a:t>
-            </a:r>
-            <a:r>
-              <a:rPr lang="en-US" sz="1200" dirty="0">
-                <a:solidFill>
-                  <a:srgbClr val="A31515"/>
-                </a:solidFill>
-                <a:latin typeface="Consolas"/>
-              </a:rPr>
-              <a:t>"</a:t>
-            </a:r>
-            <a:r>
-              <a:rPr lang="en-US" sz="1200" dirty="0" smtClean="0">
-                <a:solidFill>
-                  <a:prstClr val="black"/>
-                </a:solidFill>
-                <a:latin typeface="Consolas"/>
-              </a:rPr>
-              <a:t>))</a:t>
-            </a:r>
             <a:endParaRPr lang="en-US" sz="1200" dirty="0">
               <a:solidFill>
                 <a:prstClr val="black"/>
@@ -13146,6 +12292,125 @@
           </a:p>
           <a:p>
             <a:r>
+              <a:rPr lang="en-US" sz="1200" dirty="0">
+                <a:solidFill>
+                  <a:srgbClr val="0000FF"/>
+                </a:solidFill>
+                <a:latin typeface="Consolas"/>
+              </a:rPr>
+              <a:t>using</a:t>
+            </a:r>
+            <a:r>
+              <a:rPr lang="en-US" sz="1200" dirty="0">
+                <a:solidFill>
+                  <a:prstClr val="black"/>
+                </a:solidFill>
+                <a:latin typeface="Consolas"/>
+              </a:rPr>
+              <a:t> (</a:t>
+            </a:r>
+            <a:r>
+              <a:rPr lang="en-US" sz="1200" dirty="0" err="1">
+                <a:solidFill>
+                  <a:srgbClr val="2B91AF"/>
+                </a:solidFill>
+                <a:latin typeface="Consolas"/>
+              </a:rPr>
+              <a:t>var</a:t>
+            </a:r>
+            <a:r>
+              <a:rPr lang="en-US" sz="1200" dirty="0">
+                <a:solidFill>
+                  <a:prstClr val="black"/>
+                </a:solidFill>
+                <a:latin typeface="Consolas"/>
+              </a:rPr>
+              <a:t> </a:t>
+            </a:r>
+            <a:r>
+              <a:rPr lang="en-US" sz="1200" dirty="0" err="1">
+                <a:solidFill>
+                  <a:prstClr val="black"/>
+                </a:solidFill>
+                <a:latin typeface="Consolas"/>
+              </a:rPr>
+              <a:t>xmlReader</a:t>
+            </a:r>
+            <a:r>
+              <a:rPr lang="en-US" sz="1200" dirty="0">
+                <a:solidFill>
+                  <a:prstClr val="black"/>
+                </a:solidFill>
+                <a:latin typeface="Consolas"/>
+              </a:rPr>
+              <a:t> = </a:t>
+            </a:r>
+            <a:r>
+              <a:rPr lang="en-US" sz="1200" dirty="0" err="1">
+                <a:solidFill>
+                  <a:srgbClr val="2B91AF"/>
+                </a:solidFill>
+                <a:latin typeface="Consolas"/>
+              </a:rPr>
+              <a:t>XmlReader</a:t>
+            </a:r>
+            <a:r>
+              <a:rPr lang="en-US" sz="1200" dirty="0" err="1">
+                <a:solidFill>
+                  <a:prstClr val="black"/>
+                </a:solidFill>
+                <a:latin typeface="Consolas"/>
+              </a:rPr>
+              <a:t>.Create</a:t>
+            </a:r>
+            <a:r>
+              <a:rPr lang="en-US" sz="1200" dirty="0">
+                <a:solidFill>
+                  <a:prstClr val="black"/>
+                </a:solidFill>
+                <a:latin typeface="Consolas"/>
+              </a:rPr>
+              <a:t>(</a:t>
+            </a:r>
+            <a:r>
+              <a:rPr lang="en-US" sz="1200" dirty="0">
+                <a:solidFill>
+                  <a:srgbClr val="A31515"/>
+                </a:solidFill>
+                <a:latin typeface="Consolas"/>
+              </a:rPr>
+              <a:t>"http://rss.slashdot.org/Slashdot/</a:t>
+            </a:r>
+            <a:r>
+              <a:rPr lang="en-US" sz="1200" dirty="0" err="1">
+                <a:solidFill>
+                  <a:srgbClr val="A31515"/>
+                </a:solidFill>
+                <a:latin typeface="Consolas"/>
+              </a:rPr>
+              <a:t>slashdotMainatom</a:t>
+            </a:r>
+            <a:r>
+              <a:rPr lang="en-US" sz="1200" dirty="0">
+                <a:solidFill>
+                  <a:srgbClr val="A31515"/>
+                </a:solidFill>
+                <a:latin typeface="Consolas"/>
+              </a:rPr>
+              <a:t>"</a:t>
+            </a:r>
+            <a:r>
+              <a:rPr lang="en-US" sz="1200" dirty="0">
+                <a:solidFill>
+                  <a:prstClr val="black"/>
+                </a:solidFill>
+                <a:latin typeface="Consolas"/>
+              </a:rPr>
+              <a:t>))</a:t>
+            </a:r>
+          </a:p>
+          <a:p>
+            <a:r>
               <a:rPr lang="ru-RU" sz="1200" dirty="0">
                 <a:solidFill>
                   <a:prstClr val="black"/>
@@ -13157,7 +12422,7 @@
           </a:p>
           <a:p>
             <a:r>
-              <a:rPr lang="en-US" sz="1200" dirty="0" smtClean="0">
+              <a:rPr lang="en-US" sz="1200" dirty="0">
                 <a:solidFill>
                   <a:srgbClr val="2B91AF"/>
                 </a:solidFill>
@@ -13166,7 +12431,7 @@
               <a:t>    </a:t>
             </a:r>
             <a:r>
-              <a:rPr lang="en-US" sz="1200" dirty="0" err="1" smtClean="0">
+              <a:rPr lang="en-US" sz="1200" dirty="0" err="1">
                 <a:solidFill>
                   <a:srgbClr val="2B91AF"/>
                 </a:solidFill>
@@ -13175,40 +12440,255 @@
               <a:t>SyndicationFeed</a:t>
             </a:r>
             <a:r>
-              <a:rPr lang="en-US" sz="1200" dirty="0" smtClean="0">
+              <a:rPr lang="en-US" sz="1200" dirty="0">
                 <a:solidFill>
                   <a:prstClr val="black"/>
                 </a:solidFill>
                 <a:latin typeface="Consolas"/>
               </a:rPr>
+              <a:t> feed = </a:t>
+            </a:r>
+            <a:r>
+              <a:rPr lang="en-US" sz="1200" dirty="0" err="1">
+                <a:solidFill>
+                  <a:srgbClr val="2B91AF"/>
+                </a:solidFill>
+                <a:latin typeface="Consolas"/>
+              </a:rPr>
+              <a:t>SyndicationFeed</a:t>
+            </a:r>
+            <a:r>
+              <a:rPr lang="en-US" sz="1200" dirty="0" err="1">
+                <a:solidFill>
+                  <a:prstClr val="black"/>
+                </a:solidFill>
+                <a:latin typeface="Consolas"/>
+              </a:rPr>
+              <a:t>.Load</a:t>
+            </a:r>
+            <a:r>
+              <a:rPr lang="en-US" sz="1200" dirty="0">
+                <a:solidFill>
+                  <a:prstClr val="black"/>
+                </a:solidFill>
+                <a:latin typeface="Consolas"/>
+              </a:rPr>
+              <a:t>(</a:t>
+            </a:r>
+            <a:r>
+              <a:rPr lang="en-US" sz="1200" dirty="0" err="1">
+                <a:solidFill>
+                  <a:prstClr val="black"/>
+                </a:solidFill>
+                <a:latin typeface="Consolas"/>
+              </a:rPr>
+              <a:t>xmlReader</a:t>
+            </a:r>
+            <a:r>
+              <a:rPr lang="en-US" sz="1200" dirty="0">
+                <a:solidFill>
+                  <a:prstClr val="black"/>
+                </a:solidFill>
+                <a:latin typeface="Consolas"/>
+              </a:rPr>
+              <a:t>);</a:t>
+            </a:r>
+          </a:p>
+          <a:p>
+            <a:r>
+              <a:rPr lang="en-US" sz="1200" dirty="0">
+                <a:solidFill>
+                  <a:srgbClr val="0000FF"/>
+                </a:solidFill>
+                <a:latin typeface="Consolas"/>
+              </a:rPr>
+              <a:t>    </a:t>
+            </a:r>
+            <a:r>
+              <a:rPr lang="en-US" sz="1200" dirty="0" err="1">
+                <a:solidFill>
+                  <a:srgbClr val="0000FF"/>
+                </a:solidFill>
+                <a:latin typeface="Consolas"/>
+              </a:rPr>
+              <a:t>foreach</a:t>
+            </a:r>
+            <a:r>
+              <a:rPr lang="en-US" sz="1200" dirty="0">
+                <a:solidFill>
+                  <a:prstClr val="black"/>
+                </a:solidFill>
+                <a:latin typeface="Consolas"/>
+              </a:rPr>
+              <a:t> (</a:t>
+            </a:r>
+            <a:r>
+              <a:rPr lang="en-US" sz="1200" dirty="0" err="1">
+                <a:solidFill>
+                  <a:srgbClr val="0000FF"/>
+                </a:solidFill>
+                <a:latin typeface="Consolas"/>
+              </a:rPr>
+              <a:t>var</a:t>
+            </a:r>
+            <a:r>
+              <a:rPr lang="en-US" sz="1200" dirty="0">
+                <a:solidFill>
+                  <a:prstClr val="black"/>
+                </a:solidFill>
+                <a:latin typeface="Consolas"/>
+              </a:rPr>
               <a:t> </a:t>
             </a:r>
             <a:r>
+              <a:rPr lang="en-US" sz="1200" dirty="0" err="1">
+                <a:solidFill>
+                  <a:prstClr val="black"/>
+                </a:solidFill>
+                <a:latin typeface="Consolas"/>
+              </a:rPr>
+              <a:t>feedItem</a:t>
+            </a:r>
+            <a:r>
               <a:rPr lang="en-US" sz="1200" dirty="0">
                 <a:solidFill>
                   <a:prstClr val="black"/>
                 </a:solidFill>
                 <a:latin typeface="Consolas"/>
               </a:rPr>
-              <a:t>feed = </a:t>
+              <a:t> </a:t>
+            </a:r>
+            <a:r>
+              <a:rPr lang="en-US" sz="1200" dirty="0">
+                <a:solidFill>
+                  <a:srgbClr val="0000FF"/>
+                </a:solidFill>
+                <a:latin typeface="Consolas"/>
+              </a:rPr>
+              <a:t>in</a:t>
+            </a:r>
+            <a:r>
+              <a:rPr lang="en-US" sz="1200" dirty="0">
+                <a:solidFill>
+                  <a:prstClr val="black"/>
+                </a:solidFill>
+                <a:latin typeface="Consolas"/>
+              </a:rPr>
+              <a:t> </a:t>
             </a:r>
             <a:r>
               <a:rPr lang="en-US" sz="1200" dirty="0" err="1">
                 <a:solidFill>
+                  <a:prstClr val="black"/>
+                </a:solidFill>
+                <a:latin typeface="Consolas"/>
+              </a:rPr>
+              <a:t>feed.Items</a:t>
+            </a:r>
+            <a:r>
+              <a:rPr lang="en-US" sz="1200" dirty="0">
+                <a:solidFill>
+                  <a:prstClr val="black"/>
+                </a:solidFill>
+                <a:latin typeface="Consolas"/>
+              </a:rPr>
+              <a:t>)</a:t>
+            </a:r>
+          </a:p>
+          <a:p>
+            <a:r>
+              <a:rPr lang="en-US" sz="1200" dirty="0">
+                <a:solidFill>
+                  <a:prstClr val="black"/>
+                </a:solidFill>
+                <a:latin typeface="Consolas"/>
+              </a:rPr>
+              <a:t>    </a:t>
+            </a:r>
+            <a:r>
+              <a:rPr lang="ru-RU" sz="1200" dirty="0">
+                <a:solidFill>
+                  <a:prstClr val="black"/>
+                </a:solidFill>
+                <a:latin typeface="Consolas"/>
+              </a:rPr>
+              <a:t>{</a:t>
+            </a:r>
+          </a:p>
+          <a:p>
+            <a:r>
+              <a:rPr lang="en-US" sz="1200" dirty="0">
+                <a:solidFill>
+                  <a:srgbClr val="0000FF"/>
+                </a:solidFill>
+                <a:latin typeface="Consolas"/>
+              </a:rPr>
+              <a:t>        string</a:t>
+            </a:r>
+            <a:r>
+              <a:rPr lang="en-US" sz="1200" dirty="0">
+                <a:solidFill>
+                  <a:prstClr val="black"/>
+                </a:solidFill>
+                <a:latin typeface="Consolas"/>
+              </a:rPr>
+              <a:t> title = </a:t>
+            </a:r>
+            <a:r>
+              <a:rPr lang="en-US" sz="1200" dirty="0" err="1">
+                <a:solidFill>
+                  <a:prstClr val="black"/>
+                </a:solidFill>
+                <a:latin typeface="Consolas"/>
+              </a:rPr>
+              <a:t>feedItem.Title.Text</a:t>
+            </a:r>
+            <a:r>
+              <a:rPr lang="en-US" sz="1200" dirty="0">
+                <a:solidFill>
+                  <a:prstClr val="black"/>
+                </a:solidFill>
+                <a:latin typeface="Consolas"/>
+              </a:rPr>
+              <a:t>;</a:t>
+            </a:r>
+          </a:p>
+          <a:p>
+            <a:r>
+              <a:rPr lang="en-US" sz="1200" dirty="0">
+                <a:solidFill>
                   <a:srgbClr val="2B91AF"/>
                 </a:solidFill>
                 <a:latin typeface="Consolas"/>
               </a:rPr>
-              <a:t>SyndicationFeed</a:t>
+              <a:t>        </a:t>
             </a:r>
             <a:r>
               <a:rPr lang="en-US" sz="1200" dirty="0" err="1">
                 <a:solidFill>
+                  <a:srgbClr val="2B91AF"/>
+                </a:solidFill>
+                <a:latin typeface="Consolas"/>
+              </a:rPr>
+              <a:t>DateTimeOffset</a:t>
+            </a:r>
+            <a:r>
+              <a:rPr lang="en-US" sz="1200" dirty="0">
+                <a:solidFill>
                   <a:prstClr val="black"/>
                 </a:solidFill>
                 <a:latin typeface="Consolas"/>
               </a:rPr>
-              <a:t>.Load</a:t>
+              <a:t> </a:t>
+            </a:r>
+            <a:r>
+              <a:rPr lang="en-US" sz="1200" dirty="0" err="1">
+                <a:solidFill>
+                  <a:prstClr val="black"/>
+                </a:solidFill>
+                <a:latin typeface="Consolas"/>
+              </a:rPr>
+              <a:t>publishedDate</a:t>
             </a:r>
             <a:r>
               <a:rPr lang="en-US" sz="1200" dirty="0">
@@ -13217,7 +12697,7 @@
                 </a:solidFill>
                 <a:latin typeface="Consolas"/>
               </a:rPr>
-              <a:t>(</a:t>
+              <a:t> = </a:t>
             </a:r>
             <a:r>
               <a:rPr lang="en-US" sz="1200" dirty="0" err="1">
@@ -13226,7 +12706,7 @@
                 </a:solidFill>
                 <a:latin typeface="Consolas"/>
               </a:rPr>
-              <a:t>xmlReader</a:t>
+              <a:t>feedItem.PublishDate</a:t>
             </a:r>
             <a:r>
               <a:rPr lang="en-US" sz="1200" dirty="0">
@@ -13235,299 +12715,39 @@
                 </a:solidFill>
                 <a:latin typeface="Consolas"/>
               </a:rPr>
-              <a:t>);</a:t>
-            </a:r>
-          </a:p>
-          <a:p>
-            <a:r>
-              <a:rPr lang="en-US" sz="1200" dirty="0" smtClean="0">
-                <a:solidFill>
-                  <a:srgbClr val="0000FF"/>
+              <a:t>;</a:t>
+            </a:r>
+          </a:p>
+          <a:p>
+            <a:r>
+              <a:rPr lang="en-US" sz="1200" dirty="0">
+                <a:solidFill>
+                  <a:prstClr val="black"/>
                 </a:solidFill>
                 <a:latin typeface="Consolas"/>
               </a:rPr>
               <a:t>    </a:t>
             </a:r>
             <a:r>
-              <a:rPr lang="en-US" sz="1200" dirty="0" err="1" smtClean="0">
-                <a:solidFill>
-                  <a:srgbClr val="0000FF"/>
-                </a:solidFill>
-                <a:latin typeface="Consolas"/>
-              </a:rPr>
-              <a:t>foreach</a:t>
-            </a:r>
-            <a:r>
-              <a:rPr lang="en-US" sz="1200" dirty="0" smtClean="0">
+              <a:rPr lang="ru-RU" sz="1200" dirty="0">
                 <a:solidFill>
                   <a:prstClr val="black"/>
                 </a:solidFill>
                 <a:latin typeface="Consolas"/>
               </a:rPr>
-              <a:t> </a:t>
-            </a:r>
-            <a:r>
-              <a:rPr lang="en-US" sz="1200" dirty="0">
+              <a:t>}</a:t>
+            </a:r>
+          </a:p>
+          <a:p>
+            <a:r>
+              <a:rPr lang="ru-RU" sz="1200" dirty="0">
                 <a:solidFill>
                   <a:prstClr val="black"/>
                 </a:solidFill>
                 <a:latin typeface="Consolas"/>
               </a:rPr>
-              <a:t>(</a:t>
-            </a:r>
-            <a:r>
-              <a:rPr lang="en-US" sz="1200" dirty="0" err="1">
-                <a:solidFill>
-                  <a:srgbClr val="0000FF"/>
-                </a:solidFill>
-                <a:latin typeface="Consolas"/>
-              </a:rPr>
-              <a:t>var</a:t>
-            </a:r>
-            <a:r>
-              <a:rPr lang="en-US" sz="1200" dirty="0">
-                <a:solidFill>
-                  <a:prstClr val="black"/>
-                </a:solidFill>
-                <a:latin typeface="Consolas"/>
-              </a:rPr>
-              <a:t> </a:t>
-            </a:r>
-            <a:r>
-              <a:rPr lang="en-US" sz="1200" dirty="0" err="1">
-                <a:solidFill>
-                  <a:prstClr val="black"/>
-                </a:solidFill>
-                <a:latin typeface="Consolas"/>
-              </a:rPr>
-              <a:t>feedItem</a:t>
-            </a:r>
-            <a:r>
-              <a:rPr lang="en-US" sz="1200" dirty="0">
-                <a:solidFill>
-                  <a:prstClr val="black"/>
-                </a:solidFill>
-                <a:latin typeface="Consolas"/>
-              </a:rPr>
-              <a:t> </a:t>
-            </a:r>
-            <a:r>
-              <a:rPr lang="en-US" sz="1200" dirty="0">
-                <a:solidFill>
-                  <a:srgbClr val="0000FF"/>
-                </a:solidFill>
-                <a:latin typeface="Consolas"/>
-              </a:rPr>
-              <a:t>in</a:t>
-            </a:r>
-            <a:r>
-              <a:rPr lang="en-US" sz="1200" dirty="0">
-                <a:solidFill>
-                  <a:prstClr val="black"/>
-                </a:solidFill>
-                <a:latin typeface="Consolas"/>
-              </a:rPr>
-              <a:t> </a:t>
-            </a:r>
-            <a:r>
-              <a:rPr lang="en-US" sz="1200" dirty="0" err="1">
-                <a:solidFill>
-                  <a:prstClr val="black"/>
-                </a:solidFill>
-                <a:latin typeface="Consolas"/>
-              </a:rPr>
-              <a:t>feed.Items</a:t>
-            </a:r>
-            <a:r>
-              <a:rPr lang="en-US" sz="1200" dirty="0">
-                <a:solidFill>
-                  <a:prstClr val="black"/>
-                </a:solidFill>
-                <a:latin typeface="Consolas"/>
-              </a:rPr>
-              <a:t>)</a:t>
-            </a:r>
-          </a:p>
-          <a:p>
-            <a:r>
-              <a:rPr lang="en-US" sz="1200" dirty="0" smtClean="0">
-                <a:solidFill>
-                  <a:prstClr val="black"/>
-                </a:solidFill>
-                <a:latin typeface="Consolas"/>
-              </a:rPr>
-              <a:t>    </a:t>
-            </a:r>
-            <a:r>
-              <a:rPr lang="ru-RU" sz="1200" dirty="0" smtClean="0">
-                <a:solidFill>
-                  <a:prstClr val="black"/>
-                </a:solidFill>
-                <a:latin typeface="Consolas"/>
-              </a:rPr>
-              <a:t>{</a:t>
-            </a:r>
-            <a:endParaRPr lang="ru-RU" sz="1200" dirty="0">
-              <a:solidFill>
-                <a:prstClr val="black"/>
-              </a:solidFill>
-              <a:latin typeface="Consolas"/>
-            </a:endParaRPr>
-          </a:p>
-          <a:p>
-            <a:r>
-              <a:rPr lang="en-US" sz="1200" dirty="0" smtClean="0">
-                <a:solidFill>
-                  <a:srgbClr val="0000FF"/>
-                </a:solidFill>
-                <a:latin typeface="Consolas"/>
-              </a:rPr>
-              <a:t>        string</a:t>
-            </a:r>
-            <a:r>
-              <a:rPr lang="en-US" sz="1200" dirty="0" smtClean="0">
-                <a:solidFill>
-                  <a:prstClr val="black"/>
-                </a:solidFill>
-                <a:latin typeface="Consolas"/>
-              </a:rPr>
-              <a:t> </a:t>
-            </a:r>
-            <a:r>
-              <a:rPr lang="en-US" sz="1200" dirty="0">
-                <a:solidFill>
-                  <a:prstClr val="black"/>
-                </a:solidFill>
-                <a:latin typeface="Consolas"/>
-              </a:rPr>
-              <a:t>title = </a:t>
-            </a:r>
-            <a:r>
-              <a:rPr lang="en-US" sz="1200" dirty="0" err="1">
-                <a:solidFill>
-                  <a:prstClr val="black"/>
-                </a:solidFill>
-                <a:latin typeface="Consolas"/>
-              </a:rPr>
-              <a:t>feedItem.Title.Text</a:t>
-            </a:r>
-            <a:r>
-              <a:rPr lang="en-US" sz="1200" dirty="0">
-                <a:solidFill>
-                  <a:prstClr val="black"/>
-                </a:solidFill>
-                <a:latin typeface="Consolas"/>
-              </a:rPr>
-              <a:t>;</a:t>
-            </a:r>
-          </a:p>
-          <a:p>
-            <a:r>
-              <a:rPr lang="en-US" sz="1200" dirty="0" smtClean="0">
-                <a:solidFill>
-                  <a:srgbClr val="2B91AF"/>
-                </a:solidFill>
-                <a:latin typeface="Consolas"/>
-              </a:rPr>
-              <a:t>        </a:t>
-            </a:r>
-            <a:r>
-              <a:rPr lang="en-US" sz="1200" dirty="0" err="1" smtClean="0">
-                <a:solidFill>
-                  <a:srgbClr val="2B91AF"/>
-                </a:solidFill>
-                <a:latin typeface="Consolas"/>
-              </a:rPr>
-              <a:t>DateTimeOffset</a:t>
-            </a:r>
-            <a:r>
-              <a:rPr lang="en-US" sz="1200" dirty="0" smtClean="0">
-                <a:solidFill>
-                  <a:prstClr val="black"/>
-                </a:solidFill>
-                <a:latin typeface="Consolas"/>
-              </a:rPr>
-              <a:t> </a:t>
-            </a:r>
-            <a:r>
-              <a:rPr lang="en-US" sz="1200" dirty="0" err="1">
-                <a:solidFill>
-                  <a:prstClr val="black"/>
-                </a:solidFill>
-                <a:latin typeface="Consolas"/>
-              </a:rPr>
-              <a:t>publishedDate</a:t>
-            </a:r>
-            <a:r>
-              <a:rPr lang="en-US" sz="1200" dirty="0">
-                <a:solidFill>
-                  <a:prstClr val="black"/>
-                </a:solidFill>
-                <a:latin typeface="Consolas"/>
-              </a:rPr>
-              <a:t> = </a:t>
-            </a:r>
-            <a:r>
-              <a:rPr lang="en-US" sz="1200" dirty="0" err="1">
-                <a:solidFill>
-                  <a:prstClr val="black"/>
-                </a:solidFill>
-                <a:latin typeface="Consolas"/>
-              </a:rPr>
-              <a:t>feedItem.PublishDate</a:t>
-            </a:r>
-            <a:r>
-              <a:rPr lang="en-US" sz="1200" dirty="0">
-                <a:solidFill>
-                  <a:prstClr val="black"/>
-                </a:solidFill>
-                <a:latin typeface="Consolas"/>
-              </a:rPr>
-              <a:t>;</a:t>
-            </a:r>
-          </a:p>
-          <a:p>
-            <a:r>
-              <a:rPr lang="en-US" sz="1200" dirty="0" smtClean="0">
-                <a:solidFill>
-                  <a:prstClr val="black"/>
-                </a:solidFill>
-                <a:latin typeface="Consolas"/>
-              </a:rPr>
-              <a:t>    </a:t>
-            </a:r>
-            <a:r>
-              <a:rPr lang="ru-RU" sz="1200" dirty="0" smtClean="0">
-                <a:solidFill>
-                  <a:prstClr val="black"/>
-                </a:solidFill>
-                <a:latin typeface="Consolas"/>
-              </a:rPr>
               <a:t>}</a:t>
             </a:r>
-            <a:endParaRPr lang="ru-RU" sz="1200" dirty="0">
-              <a:solidFill>
-                <a:prstClr val="black"/>
-              </a:solidFill>
-              <a:latin typeface="Consolas"/>
-            </a:endParaRPr>
-          </a:p>
-          <a:p>
-            <a:r>
-              <a:rPr lang="ru-RU" sz="1200" dirty="0" smtClean="0">
-                <a:solidFill>
-                  <a:prstClr val="black"/>
-                </a:solidFill>
-                <a:latin typeface="Consolas"/>
-              </a:rPr>
-              <a:t>}</a:t>
-            </a:r>
-            <a:endParaRPr lang="ru-RU" sz="1200" dirty="0">
-              <a:solidFill>
-                <a:prstClr val="black"/>
-              </a:solidFill>
-              <a:latin typeface="Consolas"/>
-            </a:endParaRPr>
           </a:p>
         </p:txBody>
       </p:sp>
@@ -13541,13 +12761,6 @@
   <p:clrMapOvr>
     <a:masterClrMapping/>
   </p:clrMapOvr>
-  <p:timing>
-    <p:tnLst>
-      <p:par>
-        <p:cTn id="1" dur="indefinite" restart="never" nodeType="tmRoot"/>
-      </p:par>
-    </p:tnLst>
-  </p:timing>
 </p:sld>
 </file>
 
@@ -13584,11 +12797,11 @@
           <a:lstStyle/>
           <a:p>
             <a:r>
-              <a:rPr lang="ru-RU" dirty="0" smtClean="0"/>
+              <a:rPr lang="ru-RU" dirty="0"/>
               <a:t>Работа с </a:t>
             </a:r>
             <a:r>
-              <a:rPr lang="en-US" dirty="0" smtClean="0"/>
+              <a:rPr lang="en-US" dirty="0"/>
               <a:t>HTML</a:t>
             </a:r>
             <a:endParaRPr lang="ru-RU" dirty="0"/>
@@ -13619,70 +12832,69 @@
               <a:buNone/>
             </a:pPr>
             <a:r>
-              <a:rPr lang="en-US" dirty="0" smtClean="0"/>
+              <a:rPr lang="en-US" dirty="0"/>
               <a:t>HTML</a:t>
             </a:r>
             <a:r>
-              <a:rPr lang="ru-RU" dirty="0" smtClean="0"/>
+              <a:rPr lang="ru-RU" dirty="0"/>
               <a:t> и </a:t>
             </a:r>
             <a:r>
-              <a:rPr lang="en-US" dirty="0" smtClean="0"/>
+              <a:rPr lang="en-US" dirty="0"/>
               <a:t>XML </a:t>
             </a:r>
             <a:r>
-              <a:rPr lang="ru-RU" dirty="0" smtClean="0"/>
+              <a:rPr lang="ru-RU" dirty="0"/>
               <a:t>документы очень похожи</a:t>
             </a:r>
             <a:r>
-              <a:rPr lang="en-US" dirty="0" smtClean="0"/>
+              <a:rPr lang="en-US" dirty="0"/>
               <a:t>, </a:t>
             </a:r>
             <a:r>
-              <a:rPr lang="ru-RU" dirty="0" smtClean="0"/>
+              <a:rPr lang="ru-RU" dirty="0"/>
               <a:t>однако </a:t>
             </a:r>
             <a:r>
-              <a:rPr lang="en-US" dirty="0" smtClean="0"/>
+              <a:rPr lang="en-US" dirty="0"/>
               <a:t>HTML </a:t>
             </a:r>
             <a:r>
-              <a:rPr lang="ru-RU" dirty="0" smtClean="0"/>
+              <a:rPr lang="ru-RU" dirty="0"/>
               <a:t>не следует</a:t>
             </a:r>
             <a:r>
-              <a:rPr lang="en-US" dirty="0" smtClean="0"/>
+              <a:rPr lang="en-US" dirty="0"/>
               <a:t> </a:t>
             </a:r>
             <a:r>
-              <a:rPr lang="ru-RU" dirty="0" smtClean="0"/>
+              <a:rPr lang="ru-RU" dirty="0"/>
               <a:t>правилам разметки </a:t>
             </a:r>
             <a:r>
-              <a:rPr lang="en-US" dirty="0" smtClean="0"/>
+              <a:rPr lang="en-US" dirty="0"/>
               <a:t>XML </a:t>
             </a:r>
             <a:r>
-              <a:rPr lang="ru-RU" dirty="0" smtClean="0"/>
+              <a:rPr lang="ru-RU" dirty="0"/>
               <a:t>и поэтому </a:t>
             </a:r>
             <a:r>
-              <a:rPr lang="en-US" dirty="0" smtClean="0"/>
+              <a:rPr lang="en-US" dirty="0"/>
               <a:t>HTML</a:t>
             </a:r>
             <a:r>
-              <a:rPr lang="ru-RU" dirty="0" smtClean="0"/>
+              <a:rPr lang="ru-RU" dirty="0"/>
               <a:t> документы нельзя обрабатывать с помощью </a:t>
             </a:r>
             <a:r>
-              <a:rPr lang="en-US" dirty="0" smtClean="0"/>
+              <a:rPr lang="en-US" dirty="0"/>
               <a:t>XML </a:t>
             </a:r>
             <a:r>
-              <a:rPr lang="ru-RU" dirty="0" smtClean="0"/>
+              <a:rPr lang="ru-RU" dirty="0"/>
               <a:t>парсеров.</a:t>
             </a:r>
-            <a:endParaRPr lang="ru-RU" dirty="0"/>
           </a:p>
         </p:txBody>
       </p:sp>
@@ -14573,13 +13785,6 @@
   <p:clrMapOvr>
     <a:masterClrMapping/>
   </p:clrMapOvr>
-  <p:timing>
-    <p:tnLst>
-      <p:par>
-        <p:cTn id="1" dur="indefinite" restart="never" nodeType="tmRoot"/>
-      </p:par>
-    </p:tnLst>
-  </p:timing>
 </p:sld>
 </file>
 
@@ -14616,11 +13821,11 @@
           <a:lstStyle/>
           <a:p>
             <a:r>
-              <a:rPr lang="ru-RU" dirty="0" smtClean="0"/>
+              <a:rPr lang="ru-RU" dirty="0"/>
               <a:t>Библиотеки для работы с </a:t>
             </a:r>
             <a:r>
-              <a:rPr lang="en-US" dirty="0" smtClean="0"/>
+              <a:rPr lang="en-US" dirty="0"/>
               <a:t>HTML</a:t>
             </a:r>
             <a:endParaRPr lang="ru-RU" dirty="0"/>
@@ -14643,7 +13848,7 @@
           <a:lstStyle/>
           <a:p>
             <a:r>
-              <a:rPr lang="en-US" dirty="0" smtClean="0"/>
+              <a:rPr lang="en-US" dirty="0"/>
               <a:t>Html Agility Pack</a:t>
             </a:r>
           </a:p>
@@ -14653,44 +13858,26 @@
               <a:rPr lang="en-US" dirty="0">
                 <a:hlinkClick r:id="rId2"/>
               </a:rPr>
-              <a:t>http://</a:t>
-            </a:r>
-            <a:r>
-              <a:rPr lang="en-US" dirty="0" smtClean="0">
-                <a:hlinkClick r:id="rId2"/>
-              </a:rPr>
-              <a:t>www.nuget.org/packages/HtmlAgilityPack</a:t>
-            </a:r>
-            <a:endParaRPr lang="en-US" dirty="0" smtClean="0"/>
+              <a:t>http://www.nuget.org/packages/HtmlAgilityPack</a:t>
+            </a:r>
+            <a:endParaRPr lang="en-US" dirty="0"/>
           </a:p>
           <a:p>
             <a:pPr lvl="1"/>
-            <a:r>
-              <a:rPr lang="en-US" dirty="0" smtClean="0">
-                <a:hlinkClick r:id="rId3"/>
-              </a:rPr>
-              <a:t>http</a:t>
-            </a:r>
             <a:r>
               <a:rPr lang="en-US" dirty="0">
                 <a:hlinkClick r:id="rId3"/>
               </a:rPr>
-              <a:t>://htmlagilitypack.codeplex.com</a:t>
-            </a:r>
-            <a:r>
-              <a:rPr lang="en-US" dirty="0" smtClean="0">
-                <a:hlinkClick r:id="rId3"/>
-              </a:rPr>
-              <a:t>/</a:t>
-            </a:r>
-            <a:endParaRPr lang="en-US" dirty="0" smtClean="0"/>
-          </a:p>
-          <a:p>
-            <a:r>
-              <a:rPr lang="en-US" dirty="0" err="1" smtClean="0"/>
+              <a:t>http://htmlagilitypack.codeplex.com/</a:t>
+            </a:r>
+            <a:endParaRPr lang="en-US" dirty="0"/>
+          </a:p>
+          <a:p>
+            <a:r>
+              <a:rPr lang="en-US" dirty="0" err="1"/>
               <a:t>CsQuery</a:t>
             </a:r>
-            <a:endParaRPr lang="en-US" dirty="0" smtClean="0"/>
+            <a:endParaRPr lang="en-US" dirty="0"/>
           </a:p>
           <a:p>
             <a:pPr lvl="1"/>
@@ -14698,35 +13885,17 @@
               <a:rPr lang="en-US" dirty="0">
                 <a:hlinkClick r:id="rId4"/>
               </a:rPr>
-              <a:t>http://</a:t>
-            </a:r>
-            <a:r>
-              <a:rPr lang="en-US" dirty="0" smtClean="0">
-                <a:hlinkClick r:id="rId4"/>
-              </a:rPr>
-              <a:t>www.nuget.org/packages/CsQuery</a:t>
-            </a:r>
-            <a:endParaRPr lang="en-US" dirty="0" smtClean="0"/>
+              <a:t>http://www.nuget.org/packages/CsQuery</a:t>
+            </a:r>
+            <a:endParaRPr lang="en-US" dirty="0"/>
           </a:p>
           <a:p>
             <a:pPr lvl="1"/>
-            <a:r>
-              <a:rPr lang="en-US" dirty="0" smtClean="0">
-                <a:hlinkClick r:id="rId5"/>
-              </a:rPr>
-              <a:t>https</a:t>
-            </a:r>
             <a:r>
               <a:rPr lang="en-US" dirty="0">
                 <a:hlinkClick r:id="rId5"/>
               </a:rPr>
-              <a:t>://</a:t>
-            </a:r>
-            <a:r>
-              <a:rPr lang="en-US" dirty="0" smtClean="0">
-                <a:hlinkClick r:id="rId5"/>
-              </a:rPr>
-              <a:t>github.com/jamietre/CsQuery</a:t>
+              <a:t>https://github.com/jamietre/CsQuery</a:t>
             </a:r>
             <a:endParaRPr lang="ru-RU" dirty="0"/>
           </a:p>
@@ -14778,14 +13947,13 @@
           <a:lstStyle/>
           <a:p>
             <a:r>
-              <a:rPr lang="en-US" dirty="0" smtClean="0"/>
+              <a:rPr lang="en-US" dirty="0"/>
               <a:t>XML </a:t>
             </a:r>
             <a:r>
-              <a:rPr lang="ru-RU" dirty="0" smtClean="0"/>
+              <a:rPr lang="ru-RU" dirty="0"/>
               <a:t>комментарии</a:t>
             </a:r>
-            <a:endParaRPr lang="ru-RU" dirty="0"/>
           </a:p>
         </p:txBody>
       </p:sp>
@@ -14810,23 +13978,23 @@
               <a:buNone/>
             </a:pPr>
             <a:r>
-              <a:rPr lang="en-US" dirty="0" smtClean="0"/>
+              <a:rPr lang="en-US" dirty="0"/>
               <a:t>XML </a:t>
             </a:r>
             <a:r>
-              <a:rPr lang="ru-RU" dirty="0" smtClean="0"/>
+              <a:rPr lang="ru-RU" dirty="0"/>
               <a:t>комментарии предназначены для автоматизации документирования программы и для поддержки </a:t>
             </a:r>
             <a:r>
-              <a:rPr lang="en-US" dirty="0" err="1" smtClean="0"/>
+              <a:rPr lang="en-US" dirty="0" err="1"/>
               <a:t>InteliiSense</a:t>
             </a:r>
             <a:r>
-              <a:rPr lang="en-US" dirty="0" smtClean="0"/>
+              <a:rPr lang="en-US" dirty="0"/>
               <a:t> </a:t>
             </a:r>
             <a:r>
-              <a:rPr lang="ru-RU" dirty="0" smtClean="0"/>
+              <a:rPr lang="ru-RU" dirty="0"/>
               <a:t>для типов из внешних библиотек.</a:t>
             </a:r>
           </a:p>
@@ -14834,64 +14002,64 @@
             <a:pPr marL="0" indent="0">
               <a:buNone/>
             </a:pPr>
-            <a:endParaRPr lang="en-US" dirty="0" smtClean="0"/>
-          </a:p>
-          <a:p>
-            <a:r>
-              <a:rPr lang="ru-RU" dirty="0" smtClean="0"/>
+            <a:endParaRPr lang="en-US" dirty="0"/>
+          </a:p>
+          <a:p>
+            <a:r>
+              <a:rPr lang="ru-RU" dirty="0"/>
               <a:t>Начинаются с </a:t>
             </a:r>
             <a:r>
-              <a:rPr lang="en-US" dirty="0" smtClean="0"/>
+              <a:rPr lang="en-US" dirty="0"/>
               <a:t>///</a:t>
             </a:r>
-            <a:endParaRPr lang="ru-RU" dirty="0" smtClean="0"/>
-          </a:p>
-          <a:p>
-            <a:r>
-              <a:rPr lang="ru-RU" dirty="0" smtClean="0"/>
+            <a:endParaRPr lang="ru-RU" dirty="0"/>
+          </a:p>
+          <a:p>
+            <a:r>
+              <a:rPr lang="ru-RU" dirty="0"/>
               <a:t>Являются строковыми комментариями как и </a:t>
             </a:r>
             <a:r>
-              <a:rPr lang="en-US" dirty="0" smtClean="0"/>
+              <a:rPr lang="en-US" dirty="0"/>
               <a:t>//</a:t>
             </a:r>
-            <a:endParaRPr lang="ru-RU" dirty="0" smtClean="0"/>
-          </a:p>
-          <a:p>
-            <a:r>
-              <a:rPr lang="ru-RU" dirty="0" smtClean="0"/>
+            <a:endParaRPr lang="ru-RU" dirty="0"/>
+          </a:p>
+          <a:p>
+            <a:r>
+              <a:rPr lang="ru-RU" dirty="0"/>
               <a:t>Применяются в основном к </a:t>
             </a:r>
             <a:r>
-              <a:rPr lang="en-US" dirty="0" smtClean="0"/>
+              <a:rPr lang="en-US" dirty="0"/>
               <a:t>public </a:t>
             </a:r>
             <a:r>
-              <a:rPr lang="ru-RU" dirty="0" smtClean="0"/>
+              <a:rPr lang="ru-RU" dirty="0"/>
               <a:t>и </a:t>
             </a:r>
             <a:r>
-              <a:rPr lang="en-US" dirty="0" smtClean="0"/>
+              <a:rPr lang="en-US" dirty="0"/>
               <a:t>protected</a:t>
             </a:r>
             <a:r>
-              <a:rPr lang="ru-RU" dirty="0" smtClean="0"/>
+              <a:rPr lang="ru-RU" dirty="0"/>
               <a:t> членам/типам</a:t>
             </a:r>
-            <a:endParaRPr lang="en-US" dirty="0" smtClean="0"/>
+            <a:endParaRPr lang="en-US" dirty="0"/>
           </a:p>
           <a:p>
             <a:pPr marL="0" indent="0">
               <a:buNone/>
             </a:pPr>
-            <a:endParaRPr lang="ru-RU" dirty="0" smtClean="0"/>
+            <a:endParaRPr lang="ru-RU" dirty="0"/>
           </a:p>
           <a:p>
             <a:pPr marL="0" indent="0">
               <a:buNone/>
             </a:pPr>
-            <a:endParaRPr lang="en-US" dirty="0" smtClean="0"/>
+            <a:endParaRPr lang="en-US" dirty="0"/>
           </a:p>
         </p:txBody>
       </p:sp>
@@ -14905,13 +14073,6 @@
   <p:clrMapOvr>
     <a:masterClrMapping/>
   </p:clrMapOvr>
-  <p:timing>
-    <p:tnLst>
-      <p:par>
-        <p:cTn id="1" dur="indefinite" restart="never" nodeType="tmRoot"/>
-      </p:par>
-    </p:tnLst>
-  </p:timing>
 </p:sld>
 </file>
 
@@ -14948,18 +14109,17 @@
           <a:lstStyle/>
           <a:p>
             <a:r>
-              <a:rPr lang="ru-RU" dirty="0" smtClean="0"/>
+              <a:rPr lang="ru-RU" dirty="0"/>
               <a:t>Элементы </a:t>
             </a:r>
             <a:r>
-              <a:rPr lang="en-US" dirty="0" smtClean="0"/>
+              <a:rPr lang="en-US" dirty="0"/>
               <a:t>XML </a:t>
             </a:r>
             <a:r>
-              <a:rPr lang="ru-RU" dirty="0" smtClean="0"/>
+              <a:rPr lang="ru-RU" dirty="0"/>
               <a:t>комментариев</a:t>
             </a:r>
-            <a:endParaRPr lang="ru-RU" dirty="0"/>
           </a:p>
         </p:txBody>
       </p:sp>
@@ -15010,18 +14170,13 @@
                     <a:lstStyle/>
                     <a:p>
                       <a:r>
-                        <a:rPr lang="ru-RU" dirty="0" smtClean="0">
+                        <a:rPr lang="ru-RU" dirty="0">
                           <a:solidFill>
                             <a:srgbClr val="002060"/>
                           </a:solidFill>
                         </a:rPr>
                         <a:t>Название элемента</a:t>
                       </a:r>
-                      <a:endParaRPr lang="ru-RU" dirty="0">
-                        <a:solidFill>
-                          <a:srgbClr val="002060"/>
-                        </a:solidFill>
-                      </a:endParaRPr>
                     </a:p>
                   </a:txBody>
                   <a:tcPr>
@@ -15069,18 +14224,13 @@
                     <a:lstStyle/>
                     <a:p>
                       <a:r>
-                        <a:rPr lang="ru-RU" dirty="0" smtClean="0">
+                        <a:rPr lang="ru-RU" dirty="0">
                           <a:solidFill>
                             <a:srgbClr val="002060"/>
                           </a:solidFill>
                         </a:rPr>
                         <a:t>Назначение</a:t>
                       </a:r>
-                      <a:endParaRPr lang="ru-RU" dirty="0">
-                        <a:solidFill>
-                          <a:srgbClr val="002060"/>
-                        </a:solidFill>
-                      </a:endParaRPr>
                     </a:p>
                   </a:txBody>
                   <a:tcPr>
@@ -15135,7 +14285,7 @@
                     <a:lstStyle/>
                     <a:p>
                       <a:r>
-                        <a:rPr lang="en-US" dirty="0" smtClean="0">
+                        <a:rPr lang="en-US" dirty="0">
                           <a:solidFill>
                             <a:srgbClr val="002060"/>
                           </a:solidFill>
@@ -15194,7 +14344,7 @@
                     <a:lstStyle/>
                     <a:p>
                       <a:r>
-                        <a:rPr lang="ru-RU" dirty="0" smtClean="0">
+                        <a:rPr lang="ru-RU" dirty="0">
                           <a:solidFill>
                             <a:srgbClr val="002060"/>
                           </a:solidFill>
@@ -15202,7 +14352,7 @@
                         <a:t>Общее</a:t>
                       </a:r>
                       <a:r>
-                        <a:rPr lang="ru-RU" baseline="0" dirty="0" smtClean="0">
+                        <a:rPr lang="ru-RU" baseline="0" dirty="0">
                           <a:solidFill>
                             <a:srgbClr val="002060"/>
                           </a:solidFill>
@@ -15210,7 +14360,7 @@
                         <a:t> описание. Видно в </a:t>
                       </a:r>
                       <a:r>
-                        <a:rPr lang="en-US" baseline="0" dirty="0" smtClean="0">
+                        <a:rPr lang="en-US" baseline="0" dirty="0">
                           <a:solidFill>
                             <a:srgbClr val="002060"/>
                           </a:solidFill>
@@ -15276,7 +14426,7 @@
                     <a:lstStyle/>
                     <a:p>
                       <a:r>
-                        <a:rPr lang="en-US" dirty="0" smtClean="0">
+                        <a:rPr lang="en-US" dirty="0">
                           <a:solidFill>
                             <a:srgbClr val="002060"/>
                           </a:solidFill>
@@ -15284,7 +14434,7 @@
                         <a:t>&lt;</a:t>
                       </a:r>
                       <a:r>
-                        <a:rPr lang="en-US" dirty="0" err="1" smtClean="0">
+                        <a:rPr lang="en-US" dirty="0" err="1">
                           <a:solidFill>
                             <a:srgbClr val="002060"/>
                           </a:solidFill>
@@ -15292,7 +14442,7 @@
                         <a:t>param</a:t>
                       </a:r>
                       <a:r>
-                        <a:rPr lang="en-US" dirty="0" smtClean="0">
+                        <a:rPr lang="en-US" dirty="0">
                           <a:solidFill>
                             <a:srgbClr val="002060"/>
                           </a:solidFill>
@@ -15300,18 +14450,13 @@
                         <a:t> name="</a:t>
                       </a:r>
                       <a:r>
-                        <a:rPr lang="ru-RU" dirty="0" smtClean="0">
+                        <a:rPr lang="ru-RU" dirty="0">
                           <a:solidFill>
                             <a:srgbClr val="002060"/>
                           </a:solidFill>
                         </a:rPr>
                         <a:t>Имя Параметра"&gt;</a:t>
                       </a:r>
-                      <a:endParaRPr lang="ru-RU" dirty="0">
-                        <a:solidFill>
-                          <a:srgbClr val="002060"/>
-                        </a:solidFill>
-                      </a:endParaRPr>
                     </a:p>
                   </a:txBody>
                   <a:tcPr>
@@ -15359,18 +14504,13 @@
                     <a:lstStyle/>
                     <a:p>
                       <a:r>
-                        <a:rPr lang="ru-RU" dirty="0" smtClean="0">
+                        <a:rPr lang="ru-RU" dirty="0">
                           <a:solidFill>
                             <a:srgbClr val="002060"/>
                           </a:solidFill>
                         </a:rPr>
                         <a:t>Описание параметра метода</a:t>
                       </a:r>
-                      <a:endParaRPr lang="ru-RU" dirty="0">
-                        <a:solidFill>
-                          <a:srgbClr val="002060"/>
-                        </a:solidFill>
-                      </a:endParaRPr>
                     </a:p>
                   </a:txBody>
                   <a:tcPr>
@@ -15425,7 +14565,7 @@
                     <a:lstStyle/>
                     <a:p>
                       <a:r>
-                        <a:rPr lang="en-US" dirty="0" smtClean="0">
+                        <a:rPr lang="en-US" dirty="0">
                           <a:solidFill>
                             <a:srgbClr val="002060"/>
                           </a:solidFill>
@@ -15484,7 +14624,7 @@
                     <a:lstStyle/>
                     <a:p>
                       <a:r>
-                        <a:rPr lang="ru-RU" dirty="0" smtClean="0">
+                        <a:rPr lang="ru-RU" dirty="0">
                           <a:solidFill>
                             <a:srgbClr val="002060"/>
                           </a:solidFill>
@@ -15492,7 +14632,7 @@
                         <a:t>Описание возвращаемого</a:t>
                       </a:r>
                       <a:r>
-                        <a:rPr lang="ru-RU" baseline="0" dirty="0" smtClean="0">
+                        <a:rPr lang="ru-RU" baseline="0" dirty="0">
                           <a:solidFill>
                             <a:srgbClr val="002060"/>
                           </a:solidFill>
@@ -15558,7 +14698,7 @@
                     <a:lstStyle/>
                     <a:p>
                       <a:r>
-                        <a:rPr lang="en-US" dirty="0" smtClean="0">
+                        <a:rPr lang="en-US" dirty="0">
                           <a:solidFill>
                             <a:srgbClr val="002060"/>
                           </a:solidFill>
@@ -15617,18 +14757,13 @@
                     <a:lstStyle/>
                     <a:p>
                       <a:r>
-                        <a:rPr lang="ru-RU" dirty="0" smtClean="0">
+                        <a:rPr lang="ru-RU" dirty="0">
                           <a:solidFill>
                             <a:srgbClr val="002060"/>
                           </a:solidFill>
                         </a:rPr>
                         <a:t>Дополнительные комментарии</a:t>
                       </a:r>
-                      <a:endParaRPr lang="ru-RU" dirty="0">
-                        <a:solidFill>
-                          <a:srgbClr val="002060"/>
-                        </a:solidFill>
-                      </a:endParaRPr>
                     </a:p>
                   </a:txBody>
                   <a:tcPr>
@@ -15683,7 +14818,7 @@
                     <a:lstStyle/>
                     <a:p>
                       <a:r>
-                        <a:rPr lang="en-US" dirty="0" smtClean="0">
+                        <a:rPr lang="en-US" dirty="0">
                           <a:solidFill>
                             <a:srgbClr val="002060"/>
                           </a:solidFill>
@@ -15691,7 +14826,7 @@
                         <a:t>&lt;exception </a:t>
                       </a:r>
                       <a:r>
-                        <a:rPr lang="en-US" dirty="0" err="1" smtClean="0">
+                        <a:rPr lang="en-US" dirty="0" err="1">
                           <a:solidFill>
                             <a:srgbClr val="002060"/>
                           </a:solidFill>
@@ -15699,7 +14834,7 @@
                         <a:t>cref</a:t>
                       </a:r>
                       <a:r>
-                        <a:rPr lang="en-US" dirty="0" smtClean="0">
+                        <a:rPr lang="en-US" dirty="0">
                           <a:solidFill>
                             <a:srgbClr val="002060"/>
                           </a:solidFill>
@@ -15707,7 +14842,7 @@
                         <a:t>="</a:t>
                       </a:r>
                       <a:r>
-                        <a:rPr lang="ru-RU" dirty="0" smtClean="0">
+                        <a:rPr lang="ru-RU" dirty="0">
                           <a:solidFill>
                             <a:srgbClr val="002060"/>
                           </a:solidFill>
@@ -15715,7 +14850,7 @@
                         <a:t>Имя</a:t>
                       </a:r>
                       <a:r>
-                        <a:rPr lang="ru-RU" baseline="0" dirty="0" smtClean="0">
+                        <a:rPr lang="ru-RU" baseline="0" dirty="0">
                           <a:solidFill>
                             <a:srgbClr val="002060"/>
                           </a:solidFill>
@@ -15723,7 +14858,7 @@
                         <a:t> Типа</a:t>
                       </a:r>
                       <a:r>
-                        <a:rPr lang="en-US" dirty="0" smtClean="0">
+                        <a:rPr lang="en-US" dirty="0">
                           <a:solidFill>
                             <a:srgbClr val="002060"/>
                           </a:solidFill>
@@ -15782,7 +14917,7 @@
                     <a:lstStyle/>
                     <a:p>
                       <a:r>
-                        <a:rPr lang="ru-RU" dirty="0" smtClean="0">
+                        <a:rPr lang="ru-RU" dirty="0">
                           <a:solidFill>
                             <a:srgbClr val="002060"/>
                           </a:solidFill>
@@ -15790,7 +14925,7 @@
                         <a:t>Описание</a:t>
                       </a:r>
                       <a:r>
-                        <a:rPr lang="ru-RU" baseline="0" dirty="0" smtClean="0">
+                        <a:rPr lang="ru-RU" baseline="0" dirty="0">
                           <a:solidFill>
                             <a:srgbClr val="002060"/>
                           </a:solidFill>
@@ -15875,35 +15010,23 @@
           <a:lstStyle/>
           <a:p>
             <a:r>
-              <a:rPr lang="ru-RU" dirty="0" smtClean="0"/>
+              <a:rPr lang="ru-RU" dirty="0"/>
               <a:t>Смотрите полный список рекомендумемых элементов на сайте </a:t>
             </a:r>
             <a:r>
-              <a:rPr lang="en-US" dirty="0" smtClean="0"/>
+              <a:rPr lang="en-US" dirty="0"/>
               <a:t>MSDN</a:t>
             </a:r>
           </a:p>
           <a:p>
-            <a:endParaRPr lang="ru-RU" dirty="0" smtClean="0"/>
-          </a:p>
-          <a:p>
-            <a:r>
-              <a:rPr lang="en-US" dirty="0" smtClean="0">
-                <a:hlinkClick r:id="rId2"/>
-              </a:rPr>
-              <a:t>https</a:t>
-            </a:r>
+            <a:endParaRPr lang="ru-RU" dirty="0"/>
+          </a:p>
+          <a:p>
             <a:r>
               <a:rPr lang="en-US" dirty="0">
                 <a:hlinkClick r:id="rId2"/>
               </a:rPr>
-              <a:t>://</a:t>
-            </a:r>
-            <a:r>
-              <a:rPr lang="en-US" dirty="0" smtClean="0">
-                <a:hlinkClick r:id="rId2"/>
-              </a:rPr>
-              <a:t>msdn.microsoft.com/en-us/library/5ast78ax.aspx</a:t>
+              <a:t>https://msdn.microsoft.com/en-us/library/5ast78ax.aspx</a:t>
             </a:r>
             <a:endParaRPr lang="ru-RU" dirty="0"/>
           </a:p>
@@ -15919,13 +15042,6 @@
   <p:clrMapOvr>
     <a:masterClrMapping/>
   </p:clrMapOvr>
-  <p:timing>
-    <p:tnLst>
-      <p:par>
-        <p:cTn id="1" dur="indefinite" restart="never" nodeType="tmRoot"/>
-      </p:par>
-    </p:tnLst>
-  </p:timing>
 </p:sld>
 </file>
 
@@ -15962,22 +15078,21 @@
           <a:lstStyle/>
           <a:p>
             <a:r>
-              <a:rPr lang="en-US" dirty="0" smtClean="0"/>
+              <a:rPr lang="en-US" dirty="0"/>
               <a:t>XML </a:t>
             </a:r>
             <a:r>
-              <a:rPr lang="ru-RU" dirty="0" smtClean="0"/>
+              <a:rPr lang="ru-RU" dirty="0"/>
               <a:t>комментарии</a:t>
             </a:r>
             <a:r>
-              <a:rPr lang="en-US" dirty="0" smtClean="0"/>
+              <a:rPr lang="en-US" dirty="0"/>
               <a:t>: </a:t>
             </a:r>
             <a:r>
-              <a:rPr lang="ru-RU" dirty="0" smtClean="0"/>
+              <a:rPr lang="ru-RU" dirty="0"/>
               <a:t>Настройка</a:t>
             </a:r>
-            <a:endParaRPr lang="ru-RU" dirty="0"/>
           </a:p>
         </p:txBody>
       </p:sp>
@@ -16058,26 +15173,26 @@
           <a:lstStyle/>
           <a:p>
             <a:r>
-              <a:rPr lang="ru-RU" sz="3200" dirty="0" smtClean="0"/>
+              <a:rPr lang="ru-RU" sz="3200" dirty="0"/>
               <a:t>Установите опцию </a:t>
             </a:r>
             <a:r>
-              <a:rPr lang="en-US" sz="3200" dirty="0" smtClean="0"/>
+              <a:rPr lang="en-US" sz="3200" dirty="0"/>
               <a:t>“XML documentation file” </a:t>
             </a:r>
             <a:r>
-              <a:rPr lang="ru-RU" sz="3200" dirty="0" smtClean="0"/>
+              <a:rPr lang="ru-RU" sz="3200" dirty="0"/>
               <a:t>в свойствах проекта для генерации </a:t>
             </a:r>
             <a:r>
-              <a:rPr lang="en-US" sz="3200" dirty="0" smtClean="0"/>
+              <a:rPr lang="en-US" sz="3200" dirty="0"/>
               <a:t>XML </a:t>
             </a:r>
             <a:r>
-              <a:rPr lang="ru-RU" sz="3200" dirty="0" smtClean="0"/>
+              <a:rPr lang="ru-RU" sz="3200" dirty="0"/>
               <a:t>файла с комментариями</a:t>
             </a:r>
-            <a:endParaRPr lang="en-US" sz="3200" dirty="0" smtClean="0"/>
+            <a:endParaRPr lang="en-US" sz="3200" dirty="0"/>
           </a:p>
         </p:txBody>
       </p:sp>
@@ -16091,13 +15206,6 @@
   <p:clrMapOvr>
     <a:masterClrMapping/>
   </p:clrMapOvr>
-  <p:timing>
-    <p:tnLst>
-      <p:par>
-        <p:cTn id="1" dur="indefinite" restart="never" nodeType="tmRoot"/>
-      </p:par>
-    </p:tnLst>
-  </p:timing>
 </p:sld>
 </file>
 
@@ -16136,22 +15244,22 @@
           <a:lstStyle/>
           <a:p>
             <a:r>
-              <a:rPr lang="en-US" dirty="0" smtClean="0"/>
+              <a:rPr lang="en-US" dirty="0"/>
               <a:t>XML </a:t>
             </a:r>
             <a:r>
-              <a:rPr lang="ru-RU" dirty="0" smtClean="0"/>
+              <a:rPr lang="ru-RU" dirty="0"/>
               <a:t>комментарии</a:t>
             </a:r>
             <a:r>
-              <a:rPr lang="en-US" dirty="0" smtClean="0"/>
+              <a:rPr lang="en-US" dirty="0"/>
               <a:t>:</a:t>
             </a:r>
             <a:br>
-              <a:rPr lang="en-US" dirty="0" smtClean="0"/>
+              <a:rPr lang="en-US" dirty="0"/>
             </a:br>
             <a:r>
-              <a:rPr lang="en-US" dirty="0" smtClean="0"/>
+              <a:rPr lang="en-US" dirty="0"/>
               <a:t>Sandcastle Help File Builder</a:t>
             </a:r>
             <a:endParaRPr lang="ru-RU" dirty="0"/>
@@ -16178,55 +15286,43 @@
             <a:pPr marL="0" indent="0">
               <a:buNone/>
             </a:pPr>
-            <a:endParaRPr lang="en-US" dirty="0" smtClean="0"/>
+            <a:endParaRPr lang="en-US" dirty="0"/>
           </a:p>
           <a:p>
             <a:pPr marL="0" indent="0">
               <a:buNone/>
             </a:pPr>
             <a:r>
-              <a:rPr lang="ru-RU" dirty="0" smtClean="0"/>
+              <a:rPr lang="ru-RU" dirty="0"/>
               <a:t>Полученный </a:t>
             </a:r>
             <a:r>
-              <a:rPr lang="en-US" dirty="0" smtClean="0"/>
+              <a:rPr lang="en-US" dirty="0"/>
               <a:t>XML </a:t>
             </a:r>
             <a:r>
-              <a:rPr lang="ru-RU" dirty="0" smtClean="0"/>
+              <a:rPr lang="ru-RU" dirty="0"/>
               <a:t>файл неудобен для чтения человеком. Однако его можно обработать с помощью </a:t>
             </a:r>
             <a:r>
               <a:rPr lang="en-US" dirty="0"/>
-              <a:t>Sandcastle Help File </a:t>
-            </a:r>
-            <a:r>
-              <a:rPr lang="en-US" dirty="0" smtClean="0"/>
-              <a:t>Builder</a:t>
+              <a:t>Sandcastle Help File Builder (</a:t>
+            </a:r>
+            <a:r>
+              <a:rPr lang="en-US" dirty="0">
+                <a:hlinkClick r:id="rId2"/>
+              </a:rPr>
+              <a:t>https://github.com/EWSoftware/SHFB</a:t>
             </a:r>
             <a:r>
               <a:rPr lang="en-US" dirty="0"/>
-              <a:t> </a:t>
-            </a:r>
-            <a:r>
-              <a:rPr lang="en-US" dirty="0" smtClean="0"/>
-              <a:t>(</a:t>
-            </a:r>
-            <a:r>
-              <a:rPr lang="en-US" dirty="0" smtClean="0">
-                <a:hlinkClick r:id="rId2"/>
-              </a:rPr>
-              <a:t>https://github.com/EWSoftware/SHFB</a:t>
-            </a:r>
-            <a:r>
-              <a:rPr lang="en-US" dirty="0" smtClean="0"/>
               <a:t>) </a:t>
             </a:r>
             <a:r>
-              <a:rPr lang="ru-RU" dirty="0" smtClean="0"/>
+              <a:rPr lang="ru-RU" dirty="0"/>
               <a:t>и получить файл(ы) справки.</a:t>
             </a:r>
-            <a:endParaRPr lang="en-US" dirty="0" smtClean="0"/>
+            <a:endParaRPr lang="en-US" dirty="0"/>
           </a:p>
         </p:txBody>
       </p:sp>
@@ -16240,13 +15336,6 @@
   <p:clrMapOvr>
     <a:masterClrMapping/>
   </p:clrMapOvr>
-  <p:timing>
-    <p:tnLst>
-      <p:par>
-        <p:cTn id="1" dur="indefinite" restart="never" nodeType="tmRoot"/>
-      </p:par>
-    </p:tnLst>
-  </p:timing>
 </p:sld>
 </file>
 
@@ -16290,18 +15379,17 @@
           <a:lstStyle/>
           <a:p>
             <a:r>
-              <a:rPr lang="ru-RU" dirty="0" smtClean="0"/>
+              <a:rPr lang="ru-RU" dirty="0"/>
               <a:t>Чтение </a:t>
             </a:r>
             <a:r>
-              <a:rPr lang="en-US" dirty="0" smtClean="0"/>
+              <a:rPr lang="en-US" dirty="0"/>
               <a:t>XML. </a:t>
             </a:r>
             <a:r>
-              <a:rPr lang="ru-RU" dirty="0" smtClean="0"/>
+              <a:rPr lang="ru-RU" dirty="0"/>
               <a:t>Демонстрация.</a:t>
             </a:r>
-            <a:endParaRPr lang="ru-RU" dirty="0"/>
           </a:p>
         </p:txBody>
       </p:sp>
@@ -16315,13 +15403,6 @@
   <p:clrMapOvr>
     <a:masterClrMapping/>
   </p:clrMapOvr>
-  <p:timing>
-    <p:tnLst>
-      <p:par>
-        <p:cTn id="1" dur="indefinite" restart="never" nodeType="tmRoot"/>
-      </p:par>
-    </p:tnLst>
-  </p:timing>
 </p:sld>
 </file>
 
@@ -16358,22 +15439,21 @@
           <a:lstStyle/>
           <a:p>
             <a:r>
-              <a:rPr lang="en-US" dirty="0" smtClean="0"/>
+              <a:rPr lang="en-US" dirty="0"/>
               <a:t>XML </a:t>
             </a:r>
             <a:r>
-              <a:rPr lang="ru-RU" dirty="0" smtClean="0"/>
+              <a:rPr lang="ru-RU" dirty="0"/>
               <a:t>сериализация (</a:t>
             </a:r>
             <a:r>
-              <a:rPr lang="en-US" dirty="0" smtClean="0"/>
+              <a:rPr lang="en-US" dirty="0"/>
               <a:t>serialization</a:t>
             </a:r>
             <a:r>
-              <a:rPr lang="ru-RU" dirty="0" smtClean="0"/>
+              <a:rPr lang="ru-RU" dirty="0"/>
               <a:t>)</a:t>
             </a:r>
-            <a:endParaRPr lang="ru-RU" dirty="0"/>
           </a:p>
         </p:txBody>
       </p:sp>
@@ -16396,59 +15476,45 @@
           <a:p>
             <a:r>
               <a:rPr lang="ru-RU" dirty="0"/>
-              <a:t>Сериализация – сохранение данных об объекте </a:t>
-            </a:r>
-            <a:r>
-              <a:rPr lang="ru-RU" dirty="0" smtClean="0"/>
-              <a:t>в поток</a:t>
-            </a:r>
-            <a:endParaRPr lang="ru-RU" dirty="0"/>
-          </a:p>
-          <a:p>
-            <a:r>
-              <a:rPr lang="ru-RU" dirty="0" smtClean="0"/>
+              <a:t>Сериализация – сохранение данных об объекте в поток</a:t>
+            </a:r>
+          </a:p>
+          <a:p>
+            <a:r>
+              <a:rPr lang="ru-RU" dirty="0"/>
               <a:t>Десериализация</a:t>
             </a:r>
             <a:r>
-              <a:rPr lang="en-US" dirty="0" smtClean="0"/>
+              <a:rPr lang="en-US" dirty="0"/>
               <a:t> </a:t>
             </a:r>
             <a:r>
-              <a:rPr lang="ru-RU" dirty="0" smtClean="0"/>
-              <a:t>– </a:t>
-            </a:r>
-            <a:r>
               <a:rPr lang="ru-RU" dirty="0"/>
-              <a:t>обратный процесс восстановления </a:t>
-            </a:r>
-            <a:r>
-              <a:rPr lang="ru-RU" dirty="0" smtClean="0"/>
-              <a:t>объекта</a:t>
-            </a:r>
-          </a:p>
-          <a:p>
-            <a:endParaRPr lang="en-US" dirty="0" smtClean="0"/>
-          </a:p>
-          <a:p>
-            <a:r>
-              <a:rPr lang="ru-RU" dirty="0" smtClean="0"/>
+              <a:t>– обратный процесс восстановления объекта</a:t>
+            </a:r>
+          </a:p>
+          <a:p>
+            <a:endParaRPr lang="en-US" dirty="0"/>
+          </a:p>
+          <a:p>
+            <a:r>
+              <a:rPr lang="ru-RU" dirty="0"/>
               <a:t>Примеры использования:</a:t>
             </a:r>
           </a:p>
           <a:p>
             <a:pPr lvl="1"/>
             <a:r>
-              <a:rPr lang="ru-RU" dirty="0" smtClean="0"/>
+              <a:rPr lang="ru-RU" dirty="0"/>
               <a:t>Передача объекта между разными программи/машинами.</a:t>
             </a:r>
           </a:p>
           <a:p>
             <a:pPr lvl="1"/>
             <a:r>
-              <a:rPr lang="ru-RU" dirty="0" smtClean="0"/>
+              <a:rPr lang="ru-RU" dirty="0"/>
               <a:t>Файлы конфигурации</a:t>
             </a:r>
-            <a:endParaRPr lang="ru-RU" dirty="0"/>
           </a:p>
         </p:txBody>
       </p:sp>
@@ -16462,13 +15528,6 @@
   <p:clrMapOvr>
     <a:masterClrMapping/>
   </p:clrMapOvr>
-  <p:timing>
-    <p:tnLst>
-      <p:par>
-        <p:cTn id="1" dur="indefinite" restart="never" nodeType="tmRoot"/>
-      </p:par>
-    </p:tnLst>
-  </p:timing>
 </p:sld>
 </file>
 
@@ -16569,116 +15628,53 @@
           <a:lstStyle/>
           <a:p>
             <a:r>
-              <a:rPr lang="ru-RU" sz="1800" dirty="0" smtClean="0"/>
-              <a:t>Простой </a:t>
-            </a:r>
-            <a:r>
               <a:rPr lang="ru-RU" sz="1800" dirty="0"/>
-              <a:t>формат представления </a:t>
-            </a:r>
-            <a:r>
-              <a:rPr lang="ru-RU" sz="1800" dirty="0" smtClean="0"/>
-              <a:t>(записи) структурированных, иерархических данных </a:t>
-            </a:r>
-            <a:r>
-              <a:rPr lang="ru-RU" sz="1800" dirty="0"/>
-              <a:t>на основе текста</a:t>
-            </a:r>
-            <a:r>
-              <a:rPr lang="ru-RU" sz="1800" dirty="0" smtClean="0"/>
-              <a:t>.</a:t>
+              <a:t>Простой формат представления (записи) структурированных, иерархических данных на основе текста.</a:t>
             </a:r>
           </a:p>
           <a:p>
             <a:pPr lvl="1"/>
             <a:r>
               <a:rPr lang="en-US" sz="1400" dirty="0"/>
-              <a:t>&lt;?xml </a:t>
-            </a:r>
-            <a:r>
-              <a:rPr lang="en-US" sz="1400" dirty="0" smtClean="0"/>
-              <a:t>version="1.0"?&gt;</a:t>
-            </a:r>
-            <a:r>
-              <a:rPr lang="ru-RU" sz="1400" dirty="0" smtClean="0"/>
-              <a:t/>
-            </a:r>
-            <a:br>
-              <a:rPr lang="ru-RU" sz="1400" dirty="0" smtClean="0"/>
-            </a:br>
-            <a:r>
-              <a:rPr lang="ru-RU" sz="1400" dirty="0" smtClean="0"/>
-              <a:t>&lt;</a:t>
-            </a:r>
-            <a:r>
-              <a:rPr lang="en-US" sz="1400" dirty="0"/>
-              <a:t>books</a:t>
-            </a:r>
-            <a:r>
-              <a:rPr lang="ru-RU" sz="1400" dirty="0" smtClean="0"/>
-              <a:t>&gt;</a:t>
-            </a:r>
-            <a:r>
-              <a:rPr lang="ru-RU" sz="1400" dirty="0"/>
-              <a:t/>
+              <a:t>&lt;?xml version="1.0"?&gt;</a:t>
             </a:r>
             <a:br>
               <a:rPr lang="ru-RU" sz="1400" dirty="0"/>
             </a:br>
             <a:r>
               <a:rPr lang="ru-RU" sz="1400" dirty="0"/>
-              <a:t>  &lt;</a:t>
+              <a:t>&lt;</a:t>
             </a:r>
             <a:r>
               <a:rPr lang="en-US" sz="1400" dirty="0"/>
-              <a:t>book isbn</a:t>
-            </a:r>
-            <a:r>
-              <a:rPr lang="ru-RU" sz="1400" dirty="0" smtClean="0"/>
-              <a:t>=</a:t>
-            </a:r>
-            <a:r>
-              <a:rPr lang="en-US" sz="1400" dirty="0" smtClean="0"/>
-              <a:t>"</a:t>
-            </a:r>
-            <a:r>
-              <a:rPr lang="ru-RU" sz="1400" dirty="0" smtClean="0"/>
-              <a:t>978-5-459-00297-3</a:t>
+              <a:t>books</a:t>
             </a:r>
             <a:r>
               <a:rPr lang="ru-RU" sz="1400" dirty="0"/>
-              <a:t>"&gt;</a:t>
+              <a:t>&gt;</a:t>
             </a:r>
             <a:br>
               <a:rPr lang="ru-RU" sz="1400" dirty="0"/>
             </a:br>
             <a:r>
               <a:rPr lang="ru-RU" sz="1400" dirty="0"/>
-              <a:t>    &lt;</a:t>
+              <a:t>  &lt;</a:t>
             </a:r>
             <a:r>
               <a:rPr lang="en-US" sz="1400" dirty="0"/>
-              <a:t>title</a:t>
+              <a:t>book isbn</a:t>
             </a:r>
             <a:r>
               <a:rPr lang="ru-RU" sz="1400" dirty="0"/>
-              <a:t>&gt;</a:t>
+              <a:t>=</a:t>
             </a:r>
             <a:r>
               <a:rPr lang="en-US" sz="1400" dirty="0"/>
-              <a:t>CLR via C</a:t>
+              <a:t>"</a:t>
             </a:r>
             <a:r>
               <a:rPr lang="ru-RU" sz="1400" dirty="0"/>
-              <a:t>#&lt;/</a:t>
-            </a:r>
-            <a:r>
-              <a:rPr lang="en-US" sz="1400" dirty="0"/>
-              <a:t>title</a:t>
-            </a:r>
-            <a:r>
-              <a:rPr lang="ru-RU" sz="1400" dirty="0"/>
-              <a:t>&gt;</a:t>
+              <a:t>978-5-459-00297-3"&gt;</a:t>
             </a:r>
             <a:br>
               <a:rPr lang="ru-RU" sz="1400" dirty="0"/>
@@ -16689,15 +15685,23 @@
             </a:r>
             <a:r>
               <a:rPr lang="en-US" sz="1400" dirty="0"/>
-              <a:t>author</a:t>
+              <a:t>title</a:t>
             </a:r>
             <a:r>
               <a:rPr lang="ru-RU" sz="1400" dirty="0"/>
-              <a:t>&gt;Джеффри Рихтер&lt;/</a:t>
+              <a:t>&gt;</a:t>
             </a:r>
             <a:r>
               <a:rPr lang="en-US" sz="1400" dirty="0"/>
-              <a:t>author</a:t>
+              <a:t>CLR via C</a:t>
+            </a:r>
+            <a:r>
+              <a:rPr lang="ru-RU" sz="1400" dirty="0"/>
+              <a:t>#&lt;/</a:t>
+            </a:r>
+            <a:r>
+              <a:rPr lang="en-US" sz="1400" dirty="0"/>
+              <a:t>title</a:t>
             </a:r>
             <a:r>
               <a:rPr lang="ru-RU" sz="1400" dirty="0"/>
@@ -16708,11 +15712,19 @@
             </a:br>
             <a:r>
               <a:rPr lang="ru-RU" sz="1400" dirty="0"/>
-              <a:t>  &lt;/</a:t>
+              <a:t>    &lt;</a:t>
             </a:r>
             <a:r>
               <a:rPr lang="en-US" sz="1400" dirty="0"/>
-              <a:t>book</a:t>
+              <a:t>author</a:t>
+            </a:r>
+            <a:r>
+              <a:rPr lang="ru-RU" sz="1400" dirty="0"/>
+              <a:t>&gt;Джеффри Рихтер&lt;/</a:t>
+            </a:r>
+            <a:r>
+              <a:rPr lang="en-US" sz="1400" dirty="0"/>
+              <a:t>author</a:t>
             </a:r>
             <a:r>
               <a:rPr lang="ru-RU" sz="1400" dirty="0"/>
@@ -16723,58 +15735,34 @@
             </a:br>
             <a:r>
               <a:rPr lang="ru-RU" sz="1400" dirty="0"/>
-              <a:t>  &lt;</a:t>
+              <a:t>  &lt;/</a:t>
             </a:r>
             <a:r>
               <a:rPr lang="en-US" sz="1400" dirty="0"/>
-              <a:t>book </a:t>
-            </a:r>
-            <a:r>
-              <a:rPr lang="en-US" sz="1400" dirty="0" err="1"/>
-              <a:t>isbn</a:t>
+              <a:t>book</a:t>
             </a:r>
             <a:r>
               <a:rPr lang="ru-RU" sz="1400" dirty="0"/>
-              <a:t>="978-5-8459-1682-2"&gt;</a:t>
+              <a:t>&gt;</a:t>
             </a:r>
             <a:br>
               <a:rPr lang="ru-RU" sz="1400" dirty="0"/>
             </a:br>
             <a:r>
               <a:rPr lang="ru-RU" sz="1400" dirty="0"/>
-              <a:t>    &lt;</a:t>
+              <a:t>  &lt;</a:t>
             </a:r>
             <a:r>
               <a:rPr lang="en-US" sz="1400" dirty="0"/>
-              <a:t>title</a:t>
+              <a:t>book </a:t>
+            </a:r>
+            <a:r>
+              <a:rPr lang="en-US" sz="1400" dirty="0" err="1"/>
+              <a:t>isbn</a:t>
             </a:r>
             <a:r>
               <a:rPr lang="ru-RU" sz="1400" dirty="0"/>
-              <a:t>&gt;Язык программирования </a:t>
-            </a:r>
-            <a:r>
-              <a:rPr lang="en-US" sz="1400" dirty="0"/>
-              <a:t>C</a:t>
-            </a:r>
-            <a:r>
-              <a:rPr lang="ru-RU" sz="1400" dirty="0"/>
-              <a:t># 2010 и платформа .</a:t>
-            </a:r>
-            <a:r>
-              <a:rPr lang="en-US" sz="1400" dirty="0"/>
-              <a:t>NET</a:t>
-            </a:r>
-            <a:r>
-              <a:rPr lang="ru-RU" sz="1400" dirty="0"/>
-              <a:t> 4.0&lt;/</a:t>
-            </a:r>
-            <a:r>
-              <a:rPr lang="en-US" sz="1400" dirty="0"/>
-              <a:t>title</a:t>
-            </a:r>
-            <a:r>
-              <a:rPr lang="ru-RU" sz="1400" dirty="0"/>
-              <a:t>&gt;</a:t>
+              <a:t>="978-5-8459-1682-2"&gt;</a:t>
             </a:r>
             <a:br>
               <a:rPr lang="ru-RU" sz="1400" dirty="0"/>
@@ -16785,15 +15773,31 @@
             </a:r>
             <a:r>
               <a:rPr lang="en-US" sz="1400" dirty="0"/>
-              <a:t>author</a:t>
+              <a:t>title</a:t>
             </a:r>
             <a:r>
               <a:rPr lang="ru-RU" sz="1400" dirty="0"/>
-              <a:t>&gt;Эндрю Троелсен&lt;/</a:t>
+              <a:t>&gt;Язык программирования </a:t>
             </a:r>
             <a:r>
               <a:rPr lang="en-US" sz="1400" dirty="0"/>
-              <a:t>author</a:t>
+              <a:t>C</a:t>
+            </a:r>
+            <a:r>
+              <a:rPr lang="ru-RU" sz="1400" dirty="0"/>
+              <a:t># 2010 и платформа .</a:t>
+            </a:r>
+            <a:r>
+              <a:rPr lang="en-US" sz="1400" dirty="0"/>
+              <a:t>NET</a:t>
+            </a:r>
+            <a:r>
+              <a:rPr lang="ru-RU" sz="1400" dirty="0"/>
+              <a:t> 4.0&lt;/</a:t>
+            </a:r>
+            <a:r>
+              <a:rPr lang="en-US" sz="1400" dirty="0"/>
+              <a:t>title</a:t>
             </a:r>
             <a:r>
               <a:rPr lang="ru-RU" sz="1400" dirty="0"/>
@@ -16804,11 +15808,19 @@
             </a:br>
             <a:r>
               <a:rPr lang="ru-RU" sz="1400" dirty="0"/>
-              <a:t>  &lt;/</a:t>
+              <a:t>    &lt;</a:t>
             </a:r>
             <a:r>
               <a:rPr lang="en-US" sz="1400" dirty="0"/>
-              <a:t>book</a:t>
+              <a:t>author</a:t>
+            </a:r>
+            <a:r>
+              <a:rPr lang="ru-RU" sz="1400" dirty="0"/>
+              <a:t>&gt;Эндрю Троелсен&lt;/</a:t>
+            </a:r>
+            <a:r>
+              <a:rPr lang="en-US" sz="1400" dirty="0"/>
+              <a:t>author</a:t>
             </a:r>
             <a:r>
               <a:rPr lang="ru-RU" sz="1400" dirty="0"/>
@@ -16818,26 +15830,37 @@
               <a:rPr lang="ru-RU" sz="1400" dirty="0"/>
             </a:br>
             <a:r>
-              <a:rPr lang="ru-RU" sz="1400" dirty="0" smtClean="0"/>
+              <a:rPr lang="ru-RU" sz="1400" dirty="0"/>
+              <a:t>  &lt;/</a:t>
+            </a:r>
+            <a:r>
+              <a:rPr lang="en-US" sz="1400" dirty="0"/>
+              <a:t>book</a:t>
+            </a:r>
+            <a:r>
+              <a:rPr lang="ru-RU" sz="1400" dirty="0"/>
+              <a:t>&gt;</a:t>
+            </a:r>
+            <a:br>
+              <a:rPr lang="ru-RU" sz="1400" dirty="0"/>
+            </a:br>
+            <a:r>
+              <a:rPr lang="ru-RU" sz="1400" dirty="0"/>
               <a:t>&lt;</a:t>
             </a:r>
             <a:r>
-              <a:rPr lang="en-US" sz="1400" dirty="0" smtClean="0"/>
+              <a:rPr lang="en-US" sz="1400" dirty="0"/>
               <a:t>/books</a:t>
             </a:r>
             <a:r>
-              <a:rPr lang="ru-RU" sz="1400" dirty="0" smtClean="0"/>
+              <a:rPr lang="ru-RU" sz="1400" dirty="0"/>
               <a:t>&gt;</a:t>
             </a:r>
           </a:p>
           <a:p>
             <a:r>
-              <a:rPr lang="ru-RU" sz="1800" dirty="0" smtClean="0"/>
-              <a:t>На </a:t>
-            </a:r>
-            <a:r>
               <a:rPr lang="ru-RU" sz="1800" dirty="0"/>
-              <a:t>основе </a:t>
+              <a:t>На основе </a:t>
             </a:r>
             <a:r>
               <a:rPr lang="en-US" sz="1800" dirty="0"/>
@@ -16864,7 +15887,7 @@
               <a:t>, </a:t>
             </a:r>
             <a:r>
-              <a:rPr lang="en-US" sz="1800" dirty="0" smtClean="0"/>
+              <a:rPr lang="en-US" sz="1800" dirty="0"/>
               <a:t>RSS, Atom, SVG</a:t>
             </a:r>
             <a:r>
@@ -16913,13 +15936,6 @@
   <p:clrMapOvr>
     <a:masterClrMapping/>
   </p:clrMapOvr>
-  <p:timing>
-    <p:tnLst>
-      <p:par>
-        <p:cTn id="1" dur="indefinite" restart="never" nodeType="tmRoot"/>
-      </p:par>
-    </p:tnLst>
-  </p:timing>
 </p:sld>
 </file>
 
@@ -16966,18 +15982,14 @@
             </a:r>
             <a:r>
               <a:rPr lang="ru-RU" dirty="0"/>
-              <a:t> </a:t>
-            </a:r>
-            <a:r>
-              <a:rPr lang="ru-RU" dirty="0" smtClean="0"/>
-              <a:t>Сериализация</a:t>
-            </a:r>
-            <a:r>
-              <a:rPr lang="en-US" dirty="0" smtClean="0"/>
+              <a:t> Сериализация</a:t>
+            </a:r>
+            <a:r>
+              <a:rPr lang="en-US" dirty="0"/>
               <a:t>. </a:t>
             </a:r>
             <a:r>
-              <a:rPr lang="ru-RU" dirty="0" smtClean="0"/>
+              <a:rPr lang="ru-RU" dirty="0"/>
               <a:t>Пример.</a:t>
             </a:r>
             <a:endParaRPr lang="en-US" dirty="0"/>
@@ -19299,18 +18311,18 @@
           <a:lstStyle/>
           <a:p>
             <a:r>
-              <a:rPr lang="ru-RU" sz="3600" dirty="0" smtClean="0"/>
+              <a:rPr lang="ru-RU" sz="3600" dirty="0"/>
               <a:t>Команда </a:t>
             </a:r>
             <a:r>
-              <a:rPr lang="en-US" sz="3600" dirty="0" smtClean="0"/>
+              <a:rPr lang="en-US" sz="3600" dirty="0"/>
               <a:t>Edit -&gt; Paste Special -&gt;</a:t>
             </a:r>
             <a:br>
-              <a:rPr lang="en-US" sz="3600" dirty="0" smtClean="0"/>
+              <a:rPr lang="en-US" sz="3600" dirty="0"/>
             </a:br>
             <a:r>
-              <a:rPr lang="en-US" sz="3600" dirty="0" smtClean="0"/>
+              <a:rPr lang="en-US" sz="3600" dirty="0"/>
               <a:t>Paste XML as Classes</a:t>
             </a:r>
             <a:endParaRPr lang="ru-RU" sz="3600" dirty="0"/>
@@ -19336,31 +18348,31 @@
               <a:buNone/>
             </a:pPr>
             <a:r>
-              <a:rPr lang="ru-RU" dirty="0" smtClean="0"/>
+              <a:rPr lang="ru-RU" dirty="0"/>
               <a:t>В </a:t>
             </a:r>
             <a:r>
-              <a:rPr lang="en-US" dirty="0" smtClean="0"/>
+              <a:rPr lang="en-US" dirty="0"/>
               <a:t>Visual Studio 2012 </a:t>
             </a:r>
             <a:r>
-              <a:rPr lang="ru-RU" dirty="0" smtClean="0"/>
+              <a:rPr lang="ru-RU" dirty="0"/>
               <a:t>и выше можно быстро сгенерировать классы для </a:t>
             </a:r>
             <a:r>
-              <a:rPr lang="en-US" dirty="0" smtClean="0"/>
+              <a:rPr lang="en-US" dirty="0"/>
               <a:t>XML-</a:t>
             </a:r>
             <a:r>
-              <a:rPr lang="ru-RU" dirty="0" smtClean="0"/>
+              <a:rPr lang="ru-RU" dirty="0"/>
               <a:t>сериализации скопировав нужный </a:t>
             </a:r>
             <a:r>
-              <a:rPr lang="en-US" dirty="0" smtClean="0"/>
+              <a:rPr lang="en-US" dirty="0"/>
               <a:t>XML </a:t>
             </a:r>
             <a:r>
-              <a:rPr lang="ru-RU" dirty="0" smtClean="0"/>
+              <a:rPr lang="ru-RU" dirty="0"/>
               <a:t>в буфер обмена и вызвав команду </a:t>
             </a:r>
             <a:r>
@@ -19372,14 +18384,10 @@
             </a:br>
             <a:r>
               <a:rPr lang="en-US" dirty="0"/>
-              <a:t>Paste XML as </a:t>
-            </a:r>
-            <a:r>
-              <a:rPr lang="en-US" dirty="0" smtClean="0"/>
-              <a:t>Classes</a:t>
-            </a:r>
-            <a:r>
-              <a:rPr lang="ru-RU" smtClean="0"/>
+              <a:t>Paste XML as Classes</a:t>
+            </a:r>
+            <a:r>
+              <a:rPr lang="ru-RU"/>
               <a:t>.</a:t>
             </a:r>
             <a:endParaRPr lang="ru-RU" dirty="0"/>
@@ -19442,14 +18450,14 @@
           <a:lstStyle/>
           <a:p>
             <a:r>
-              <a:rPr lang="ru-RU" dirty="0" smtClean="0"/>
+              <a:rPr lang="ru-RU" dirty="0"/>
               <a:t>Домашнее задание:</a:t>
             </a:r>
             <a:br>
-              <a:rPr lang="ru-RU" dirty="0" smtClean="0"/>
+              <a:rPr lang="ru-RU" dirty="0"/>
             </a:br>
             <a:r>
-              <a:rPr lang="ru-RU" dirty="0" smtClean="0"/>
+              <a:rPr lang="ru-RU" dirty="0"/>
               <a:t>Создание </a:t>
             </a:r>
             <a:r>
@@ -19483,14 +18491,13 @@
               <a:buNone/>
             </a:pPr>
             <a:r>
-              <a:rPr lang="ru-RU" dirty="0" smtClean="0"/>
+              <a:rPr lang="ru-RU" dirty="0"/>
               <a:t>Смотрите задание в файле </a:t>
             </a:r>
             <a:r>
-              <a:rPr lang="en-US" dirty="0" smtClean="0"/>
+              <a:rPr lang="en-US" dirty="0"/>
               <a:t>xml-books.docx</a:t>
             </a:r>
-            <a:endParaRPr lang="en-US" dirty="0"/>
           </a:p>
         </p:txBody>
       </p:sp>
@@ -19540,11 +18547,11 @@
           <a:lstStyle/>
           <a:p>
             <a:r>
-              <a:rPr lang="ru-RU" dirty="0" smtClean="0"/>
+              <a:rPr lang="ru-RU" dirty="0"/>
               <a:t>Зачем нужен </a:t>
             </a:r>
             <a:r>
-              <a:rPr lang="en-US" dirty="0" smtClean="0"/>
+              <a:rPr lang="en-US" dirty="0"/>
               <a:t>XML?</a:t>
             </a:r>
             <a:endParaRPr lang="ru-RU" dirty="0"/>
@@ -19567,16 +18574,15 @@
           <a:lstStyle/>
           <a:p>
             <a:r>
-              <a:rPr lang="ru-RU" dirty="0" smtClean="0"/>
+              <a:rPr lang="ru-RU" dirty="0"/>
               <a:t>Универсальный механизм для обмена данными между приложениями созданными на разных языках программирования и работающами в разных ОС</a:t>
             </a:r>
           </a:p>
           <a:p>
             <a:r>
-              <a:rPr lang="ru-RU" dirty="0" smtClean="0"/>
+              <a:rPr lang="ru-RU" dirty="0"/>
               <a:t>Простой способ хранения данных. «Замена» базы данных</a:t>
             </a:r>
-            <a:endParaRPr lang="ru-RU" dirty="0"/>
           </a:p>
         </p:txBody>
       </p:sp>
@@ -19626,23 +18632,19 @@
           <a:lstStyle/>
           <a:p>
             <a:r>
-              <a:rPr lang="ru-RU" dirty="0" smtClean="0"/>
+              <a:rPr lang="ru-RU" dirty="0"/>
               <a:t>Где </a:t>
             </a:r>
             <a:r>
-              <a:rPr lang="en-US" dirty="0" smtClean="0"/>
+              <a:rPr lang="en-US" dirty="0"/>
               <a:t>XML </a:t>
             </a:r>
             <a:r>
               <a:rPr lang="ru-RU" dirty="0"/>
-              <a:t>применяется </a:t>
-            </a:r>
-            <a:r>
-              <a:rPr lang="ru-RU" dirty="0" smtClean="0"/>
-              <a:t>в </a:t>
-            </a:r>
-            <a:r>
-              <a:rPr lang="en-US" dirty="0" smtClean="0"/>
+              <a:t>применяется в </a:t>
+            </a:r>
+            <a:r>
+              <a:rPr lang="en-US" dirty="0"/>
               <a:t>.NET?</a:t>
             </a:r>
             <a:endParaRPr lang="ru-RU" dirty="0"/>
@@ -19667,40 +18669,40 @@
           <a:lstStyle/>
           <a:p>
             <a:r>
-              <a:rPr lang="ru-RU" dirty="0" smtClean="0"/>
+              <a:rPr lang="ru-RU" dirty="0"/>
               <a:t>Файлы конфигурации (</a:t>
             </a:r>
             <a:r>
-              <a:rPr lang="en-US" dirty="0" smtClean="0"/>
+              <a:rPr lang="en-US" dirty="0"/>
               <a:t>*.</a:t>
             </a:r>
             <a:r>
-              <a:rPr lang="en-US" dirty="0" err="1" smtClean="0"/>
+              <a:rPr lang="en-US" dirty="0" err="1"/>
               <a:t>config</a:t>
             </a:r>
             <a:r>
-              <a:rPr lang="en-US" dirty="0" smtClean="0"/>
+              <a:rPr lang="en-US" dirty="0"/>
               <a:t>)</a:t>
             </a:r>
           </a:p>
           <a:p>
             <a:r>
-              <a:rPr lang="ru-RU" dirty="0" smtClean="0"/>
+              <a:rPr lang="ru-RU" dirty="0"/>
               <a:t>Комментарии для документации (</a:t>
             </a:r>
             <a:r>
-              <a:rPr lang="en-US" dirty="0" smtClean="0"/>
+              <a:rPr lang="en-US" dirty="0"/>
               <a:t>XML </a:t>
             </a:r>
             <a:r>
-              <a:rPr lang="ru-RU" dirty="0" smtClean="0"/>
+              <a:rPr lang="ru-RU" dirty="0"/>
               <a:t>комментарии)</a:t>
             </a:r>
-            <a:endParaRPr lang="en-US" dirty="0" smtClean="0"/>
-          </a:p>
-          <a:p>
-            <a:r>
-              <a:rPr lang="en-US" dirty="0" smtClean="0"/>
+            <a:endParaRPr lang="en-US" dirty="0"/>
+          </a:p>
+          <a:p>
+            <a:r>
+              <a:rPr lang="en-US" dirty="0"/>
               <a:t>XAML - </a:t>
             </a:r>
             <a:r>
@@ -19716,19 +18718,15 @@
               <a:t>в </a:t>
             </a:r>
             <a:r>
-              <a:rPr lang="en-US" dirty="0" smtClean="0"/>
+              <a:rPr lang="en-US" dirty="0"/>
               <a:t>WPF </a:t>
             </a:r>
             <a:r>
-              <a:rPr lang="ru-RU" dirty="0" smtClean="0"/>
-              <a:t>и </a:t>
-            </a:r>
-            <a:r>
               <a:rPr lang="ru-RU" dirty="0"/>
-              <a:t>приложениях </a:t>
-            </a:r>
-            <a:r>
-              <a:rPr lang="en-US" dirty="0" smtClean="0"/>
+              <a:t>и приложениях </a:t>
+            </a:r>
+            <a:r>
+              <a:rPr lang="en-US" dirty="0"/>
               <a:t>Windows Store</a:t>
             </a:r>
           </a:p>
@@ -19741,100 +18739,98 @@
               <a:rPr lang="ru-RU" dirty="0"/>
               <a:t>сериализация</a:t>
             </a:r>
-            <a:endParaRPr lang="ru-RU" dirty="0" smtClean="0"/>
-          </a:p>
-          <a:p>
-            <a:r>
-              <a:rPr lang="ru-RU" dirty="0" smtClean="0"/>
+          </a:p>
+          <a:p>
+            <a:r>
+              <a:rPr lang="ru-RU" dirty="0"/>
               <a:t>Файлы ресурсов </a:t>
             </a:r>
             <a:r>
-              <a:rPr lang="en-US" dirty="0" smtClean="0"/>
+              <a:rPr lang="en-US" dirty="0"/>
               <a:t>(*.</a:t>
             </a:r>
             <a:r>
-              <a:rPr lang="en-US" dirty="0" err="1" smtClean="0"/>
+              <a:rPr lang="en-US" dirty="0" err="1"/>
               <a:t>resx</a:t>
             </a:r>
             <a:r>
-              <a:rPr lang="en-US" dirty="0" smtClean="0"/>
+              <a:rPr lang="en-US" dirty="0"/>
               <a:t>)</a:t>
             </a:r>
           </a:p>
           <a:p>
             <a:r>
-              <a:rPr lang="ru-RU" dirty="0" smtClean="0"/>
+              <a:rPr lang="ru-RU" dirty="0"/>
               <a:t>Файлы манифестов приложений для </a:t>
             </a:r>
             <a:r>
-              <a:rPr lang="en-US" dirty="0" smtClean="0"/>
+              <a:rPr lang="en-US" dirty="0"/>
               <a:t>Windows Vista </a:t>
             </a:r>
             <a:r>
-              <a:rPr lang="ru-RU" dirty="0" smtClean="0"/>
+              <a:rPr lang="ru-RU" dirty="0"/>
               <a:t>и выше </a:t>
             </a:r>
             <a:r>
-              <a:rPr lang="en-US" dirty="0" smtClean="0"/>
+              <a:rPr lang="en-US" dirty="0"/>
               <a:t>(*.manifest)</a:t>
             </a:r>
-            <a:endParaRPr lang="ru-RU" dirty="0" smtClean="0"/>
-          </a:p>
-          <a:p>
-            <a:r>
-              <a:rPr lang="ru-RU" dirty="0" smtClean="0"/>
+            <a:endParaRPr lang="ru-RU" dirty="0"/>
+          </a:p>
+          <a:p>
+            <a:r>
+              <a:rPr lang="ru-RU" dirty="0"/>
               <a:t>Сохранение/загрузка данных из класса </a:t>
             </a:r>
             <a:r>
-              <a:rPr lang="en-US" dirty="0" err="1" smtClean="0"/>
+              <a:rPr lang="en-US" dirty="0" err="1"/>
               <a:t>System.Data.DataSet</a:t>
             </a:r>
-            <a:endParaRPr lang="en-US" dirty="0" smtClean="0"/>
-          </a:p>
-          <a:p>
-            <a:r>
-              <a:rPr lang="ru-RU" dirty="0" smtClean="0"/>
+            <a:endParaRPr lang="en-US" dirty="0"/>
+          </a:p>
+          <a:p>
+            <a:r>
+              <a:rPr lang="ru-RU" dirty="0"/>
               <a:t>Файлы проектов </a:t>
             </a:r>
             <a:r>
-              <a:rPr lang="en-US" dirty="0" smtClean="0"/>
+              <a:rPr lang="en-US" dirty="0"/>
               <a:t>Visual Studio (</a:t>
             </a:r>
             <a:r>
-              <a:rPr lang="ru-RU" dirty="0" smtClean="0"/>
+              <a:rPr lang="ru-RU" dirty="0"/>
               <a:t>см. также </a:t>
             </a:r>
             <a:r>
-              <a:rPr lang="en-US" dirty="0" err="1" smtClean="0"/>
+              <a:rPr lang="en-US" dirty="0" err="1"/>
               <a:t>MSBuild</a:t>
             </a:r>
             <a:r>
-              <a:rPr lang="en-US" dirty="0" smtClean="0"/>
+              <a:rPr lang="en-US" dirty="0"/>
               <a:t>)</a:t>
             </a:r>
           </a:p>
           <a:p>
             <a:r>
-              <a:rPr lang="ru-RU" dirty="0" smtClean="0"/>
+              <a:rPr lang="ru-RU" dirty="0"/>
               <a:t>Описание пакетов </a:t>
             </a:r>
             <a:r>
-              <a:rPr lang="en-US" dirty="0" smtClean="0"/>
+              <a:rPr lang="en-US" dirty="0"/>
               <a:t>NuGet (*.</a:t>
             </a:r>
             <a:r>
-              <a:rPr lang="en-US" dirty="0" err="1" smtClean="0"/>
+              <a:rPr lang="en-US" dirty="0" err="1"/>
               <a:t>nuspec</a:t>
             </a:r>
             <a:r>
-              <a:rPr lang="en-US" dirty="0" smtClean="0"/>
+              <a:rPr lang="en-US" dirty="0"/>
               <a:t> </a:t>
             </a:r>
             <a:r>
-              <a:rPr lang="ru-RU" dirty="0" smtClean="0"/>
+              <a:rPr lang="ru-RU" dirty="0"/>
               <a:t>файлы)</a:t>
             </a:r>
-            <a:endParaRPr lang="ru-RU" dirty="0"/>
           </a:p>
         </p:txBody>
       </p:sp>
@@ -19884,11 +18880,11 @@
           <a:lstStyle/>
           <a:p>
             <a:r>
-              <a:rPr lang="en-US" dirty="0" smtClean="0"/>
+              <a:rPr lang="en-US" dirty="0"/>
               <a:t>XML</a:t>
             </a:r>
             <a:r>
-              <a:rPr lang="ru-RU" dirty="0" smtClean="0"/>
+              <a:rPr lang="ru-RU" dirty="0"/>
               <a:t>-элемент</a:t>
             </a:r>
             <a:endParaRPr lang="en-US" dirty="0"/>
@@ -19913,16 +18909,8 @@
           <a:lstStyle/>
           <a:p>
             <a:r>
-              <a:rPr lang="ru-RU" dirty="0" smtClean="0"/>
-              <a:t>Каждый </a:t>
-            </a:r>
-            <a:r>
               <a:rPr lang="ru-RU" dirty="0"/>
-              <a:t>элемент представлен именем, открывающим тэгом и закрывающим тэгом</a:t>
-            </a:r>
-            <a:r>
-              <a:rPr lang="ru-RU" dirty="0" smtClean="0"/>
-              <a:t>.</a:t>
+              <a:t>Каждый элемент представлен именем, открывающим тэгом и закрывающим тэгом.</a:t>
             </a:r>
           </a:p>
           <a:p>
@@ -19932,7 +18920,7 @@
               </a:buClr>
             </a:pPr>
             <a:r>
-              <a:rPr lang="ru-RU" dirty="0" smtClean="0">
+              <a:rPr lang="ru-RU" dirty="0">
                 <a:solidFill>
                   <a:schemeClr val="bg1"/>
                 </a:solidFill>
@@ -19942,28 +18930,12 @@
               <a:t>&lt;имя_элемента&gt; - </a:t>
             </a:r>
             <a:r>
-              <a:rPr lang="ru-RU" dirty="0" smtClean="0">
+              <a:rPr lang="ru-RU" dirty="0">
                 <a:solidFill>
                   <a:schemeClr val="bg1"/>
                 </a:solidFill>
               </a:rPr>
-              <a:t>открывающий </a:t>
-            </a:r>
-            <a:r>
-              <a:rPr lang="ru-RU" dirty="0">
-                <a:solidFill>
-                  <a:schemeClr val="bg1"/>
-                </a:solidFill>
-              </a:rPr>
-              <a:t>тэг</a:t>
-            </a:r>
-            <a:r>
-              <a:rPr lang="ru-RU" dirty="0" smtClean="0">
-                <a:solidFill>
-                  <a:schemeClr val="bg1"/>
-                </a:solidFill>
-              </a:rPr>
-              <a:t>.</a:t>
+              <a:t>открывающий тэг.</a:t>
             </a:r>
           </a:p>
           <a:p>
@@ -19973,111 +18945,65 @@
               </a:buClr>
             </a:pPr>
             <a:r>
-              <a:rPr lang="ru-RU" dirty="0" smtClean="0">
+              <a:rPr lang="ru-RU" dirty="0">
                 <a:solidFill>
                   <a:schemeClr val="bg1"/>
                 </a:solidFill>
                 <a:latin typeface="Consolas" pitchFamily="49" charset="0"/>
                 <a:cs typeface="Consolas" pitchFamily="49" charset="0"/>
               </a:rPr>
-              <a:t>&lt;/</a:t>
+              <a:t>&lt;/имя_элемента&gt;</a:t>
             </a:r>
             <a:r>
               <a:rPr lang="ru-RU" dirty="0">
                 <a:solidFill>
-                  <a:schemeClr val="bg1"/>
+                  <a:srgbClr val="000080"/>
                 </a:solidFill>
                 <a:latin typeface="Consolas" pitchFamily="49" charset="0"/>
                 <a:cs typeface="Consolas" pitchFamily="49" charset="0"/>
               </a:rPr>
-              <a:t>имя_элемента</a:t>
-            </a:r>
-            <a:r>
-              <a:rPr lang="ru-RU" dirty="0" smtClean="0">
+              <a:t> </a:t>
+            </a:r>
+            <a:r>
+              <a:rPr lang="ru-RU" dirty="0"/>
+              <a:t>-  закрывающий тэг.</a:t>
+            </a:r>
+          </a:p>
+          <a:p>
+            <a:r>
+              <a:rPr lang="ru-RU" dirty="0"/>
+              <a:t>Между тэгами может быть помещены другие элементы либо текст. Элементы и текст называются содержимым элемента.</a:t>
+            </a:r>
+          </a:p>
+          <a:p>
+            <a:r>
+              <a:rPr lang="ru-RU" dirty="0"/>
+              <a:t>Если содержимое </a:t>
+            </a:r>
+            <a:r>
+              <a:rPr lang="en-US" dirty="0"/>
+              <a:t>XML-</a:t>
+            </a:r>
+            <a:r>
+              <a:rPr lang="ru-RU" dirty="0"/>
+              <a:t>элемента отсутствует, его можно(но не обязательно) записать как</a:t>
+            </a:r>
+            <a:r>
+              <a:rPr lang="en-US" dirty="0"/>
+              <a:t>:</a:t>
+            </a:r>
+            <a:br>
+              <a:rPr lang="ru-RU" dirty="0"/>
+            </a:br>
+            <a:r>
+              <a:rPr lang="ru-RU" dirty="0">
                 <a:solidFill>
                   <a:schemeClr val="bg1"/>
                 </a:solidFill>
                 <a:latin typeface="Consolas" pitchFamily="49" charset="0"/>
                 <a:cs typeface="Consolas" pitchFamily="49" charset="0"/>
               </a:rPr>
-              <a:t>&gt;</a:t>
-            </a:r>
-            <a:r>
-              <a:rPr lang="ru-RU" dirty="0" smtClean="0">
-                <a:solidFill>
-                  <a:srgbClr val="000080"/>
-                </a:solidFill>
-                <a:latin typeface="Consolas" pitchFamily="49" charset="0"/>
-                <a:cs typeface="Consolas" pitchFamily="49" charset="0"/>
-              </a:rPr>
-              <a:t> </a:t>
-            </a:r>
-            <a:r>
-              <a:rPr lang="ru-RU" dirty="0" smtClean="0"/>
-              <a:t>-  </a:t>
-            </a:r>
-            <a:r>
-              <a:rPr lang="ru-RU" dirty="0"/>
-              <a:t>закрывающий тэг.</a:t>
-            </a:r>
-          </a:p>
-          <a:p>
-            <a:r>
-              <a:rPr lang="ru-RU" dirty="0"/>
-              <a:t>Между тэгами может быть помещены другие элементы либо текст. Элементы и текст называются содержимым </a:t>
-            </a:r>
-            <a:r>
-              <a:rPr lang="ru-RU" dirty="0" smtClean="0"/>
-              <a:t>элемента.</a:t>
-            </a:r>
-          </a:p>
-          <a:p>
-            <a:r>
-              <a:rPr lang="ru-RU" dirty="0" smtClean="0"/>
-              <a:t>Если </a:t>
-            </a:r>
-            <a:r>
-              <a:rPr lang="ru-RU" dirty="0"/>
-              <a:t>содержимое </a:t>
-            </a:r>
-            <a:r>
-              <a:rPr lang="en-US" dirty="0"/>
-              <a:t>XML-</a:t>
-            </a:r>
-            <a:r>
-              <a:rPr lang="ru-RU" dirty="0"/>
-              <a:t>элемента отсутствует, его можно(но не обязательно) записать как</a:t>
-            </a:r>
-            <a:r>
-              <a:rPr lang="en-US" dirty="0" smtClean="0"/>
-              <a:t>:</a:t>
-            </a:r>
-            <a:r>
-              <a:rPr lang="ru-RU" dirty="0" smtClean="0"/>
-              <a:t/>
-            </a:r>
-            <a:br>
-              <a:rPr lang="ru-RU" dirty="0" smtClean="0"/>
-            </a:br>
-            <a:r>
-              <a:rPr lang="ru-RU" dirty="0" smtClean="0">
-                <a:solidFill>
-                  <a:schemeClr val="bg1"/>
-                </a:solidFill>
-                <a:latin typeface="Consolas" pitchFamily="49" charset="0"/>
-                <a:cs typeface="Consolas" pitchFamily="49" charset="0"/>
-              </a:rPr>
-              <a:t>&lt;</a:t>
-            </a:r>
-            <a:r>
-              <a:rPr lang="ru-RU" dirty="0">
-                <a:solidFill>
-                  <a:schemeClr val="bg1"/>
-                </a:solidFill>
-                <a:latin typeface="Consolas" pitchFamily="49" charset="0"/>
-                <a:cs typeface="Consolas" pitchFamily="49" charset="0"/>
-              </a:rPr>
-              <a:t>имя_элемента</a:t>
+              <a:t>&lt;имя_элемента</a:t>
             </a:r>
             <a:r>
               <a:rPr lang="en-US" dirty="0">
@@ -20117,13 +19043,6 @@
   <p:clrMapOvr>
     <a:masterClrMapping/>
   </p:clrMapOvr>
-  <p:timing>
-    <p:tnLst>
-      <p:par>
-        <p:cTn id="1" dur="indefinite" restart="never" nodeType="tmRoot"/>
-      </p:par>
-    </p:tnLst>
-  </p:timing>
 </p:sld>
 </file>
 
@@ -20160,12 +19079,8 @@
           <a:lstStyle/>
           <a:p>
             <a:r>
-              <a:rPr lang="ru-RU" dirty="0" smtClean="0"/>
-              <a:t>Тег и </a:t>
-            </a:r>
-            <a:r>
               <a:rPr lang="ru-RU" dirty="0"/>
-              <a:t>Элемент</a:t>
+              <a:t>Тег и Элемент</a:t>
             </a:r>
           </a:p>
         </p:txBody>
@@ -20194,7 +19109,7 @@
           <a:p>
             <a:pPr algn="ctr"/>
             <a:r>
-              <a:rPr lang="ru-RU" sz="3600" dirty="0" smtClean="0">
+              <a:rPr lang="ru-RU" sz="3600" dirty="0">
                 <a:solidFill>
                   <a:srgbClr val="FFFF00"/>
                 </a:solidFill>
@@ -20206,24 +19121,14 @@
           <a:p>
             <a:pPr algn="ctr"/>
             <a:r>
-              <a:rPr lang="en-US" sz="3600" dirty="0" smtClean="0">
+              <a:rPr lang="en-US" sz="3600" dirty="0">
                 <a:solidFill>
                   <a:srgbClr val="FFFF00"/>
                 </a:solidFill>
                 <a:latin typeface="Consolas" panose="020B0609020204030204" pitchFamily="49" charset="0"/>
                 <a:cs typeface="Consolas" panose="020B0609020204030204" pitchFamily="49" charset="0"/>
               </a:rPr>
-              <a:t>&lt;</a:t>
-            </a:r>
-            <a:r>
-              <a:rPr lang="en-US" sz="3600" dirty="0">
-                <a:solidFill>
-                  <a:srgbClr val="FFFF00"/>
-                </a:solidFill>
-                <a:latin typeface="Consolas" panose="020B0609020204030204" pitchFamily="49" charset="0"/>
-                <a:cs typeface="Consolas" panose="020B0609020204030204" pitchFamily="49" charset="0"/>
-              </a:rPr>
-              <a:t>Author&gt;</a:t>
+              <a:t>&lt;Author&gt;</a:t>
             </a:r>
             <a:r>
               <a:rPr lang="en-US" sz="3600" dirty="0">
@@ -20254,19 +19159,9 @@
                 <a:latin typeface="Consolas" panose="020B0609020204030204" pitchFamily="49" charset="0"/>
                 <a:cs typeface="Consolas" panose="020B0609020204030204" pitchFamily="49" charset="0"/>
               </a:rPr>
-              <a:t>&lt;/Author</a:t>
-            </a:r>
-            <a:r>
-              <a:rPr lang="en-US" sz="3600" dirty="0" smtClean="0">
-                <a:solidFill>
-                  <a:srgbClr val="FFFF00"/>
-                </a:solidFill>
-                <a:latin typeface="Consolas" panose="020B0609020204030204" pitchFamily="49" charset="0"/>
-                <a:cs typeface="Consolas" panose="020B0609020204030204" pitchFamily="49" charset="0"/>
-              </a:rPr>
-              <a:t>&gt;</a:t>
-            </a:r>
-            <a:endParaRPr lang="ru-RU" sz="3600" dirty="0" smtClean="0">
+              <a:t>&lt;/Author&gt;</a:t>
+            </a:r>
+            <a:endParaRPr lang="ru-RU" sz="3600" dirty="0">
               <a:solidFill>
                 <a:srgbClr val="FFFF00"/>
               </a:solidFill>
@@ -20276,7 +19171,7 @@
           </a:p>
           <a:p>
             <a:pPr algn="ctr"/>
-            <a:endParaRPr lang="ru-RU" sz="3600" dirty="0" smtClean="0">
+            <a:endParaRPr lang="ru-RU" sz="3600" dirty="0">
               <a:latin typeface="Consolas" panose="020B0609020204030204" pitchFamily="49" charset="0"/>
               <a:cs typeface="Consolas" panose="020B0609020204030204" pitchFamily="49" charset="0"/>
             </a:endParaRPr>
@@ -20354,13 +19249,13 @@
               <a:t>Author</a:t>
             </a:r>
             <a:r>
-              <a:rPr lang="en-US" sz="3600" dirty="0" smtClean="0">
+              <a:rPr lang="en-US" sz="3600" dirty="0">
                 <a:latin typeface="Consolas" panose="020B0609020204030204" pitchFamily="49" charset="0"/>
                 <a:cs typeface="Consolas" panose="020B0609020204030204" pitchFamily="49" charset="0"/>
               </a:rPr>
               <a:t>&gt;</a:t>
             </a:r>
-            <a:endParaRPr lang="ru-RU" sz="3600" dirty="0" smtClean="0">
+            <a:endParaRPr lang="ru-RU" sz="3600" dirty="0">
               <a:solidFill>
                 <a:srgbClr val="00B050"/>
               </a:solidFill>
@@ -20380,13 +19275,6 @@
   <p:clrMapOvr>
     <a:masterClrMapping/>
   </p:clrMapOvr>
-  <p:timing>
-    <p:tnLst>
-      <p:par>
-        <p:cTn id="1" dur="indefinite" restart="never" nodeType="tmRoot"/>
-      </p:par>
-    </p:tnLst>
-  </p:timing>
 </p:sld>
 </file>
 
@@ -20423,7 +19311,7 @@
           <a:lstStyle/>
           <a:p>
             <a:r>
-              <a:rPr lang="ru-RU" dirty="0" smtClean="0"/>
+              <a:rPr lang="ru-RU" dirty="0"/>
               <a:t>Правила именования элементов</a:t>
             </a:r>
             <a:endParaRPr lang="en-US" dirty="0"/>
@@ -20448,62 +19336,26 @@
           <a:lstStyle/>
           <a:p>
             <a:r>
-              <a:rPr lang="ru-RU" dirty="0" smtClean="0"/>
-              <a:t>Имена </a:t>
-            </a:r>
-            <a:r>
               <a:rPr lang="ru-RU" dirty="0"/>
-              <a:t>элементов чувствительны к </a:t>
-            </a:r>
-            <a:r>
-              <a:rPr lang="ru-RU" dirty="0" smtClean="0"/>
-              <a:t>регистру.</a:t>
-            </a:r>
-          </a:p>
-          <a:p>
-            <a:r>
-              <a:rPr lang="ru-RU" dirty="0" smtClean="0"/>
-              <a:t>Имена </a:t>
-            </a:r>
+              <a:t>Имена элементов чувствительны к регистру.</a:t>
+            </a:r>
+          </a:p>
+          <a:p>
             <a:r>
               <a:rPr lang="ru-RU" dirty="0"/>
-              <a:t>могут содержать буквы, цифры, дефисы ‘-’, символы подчеркивания ‘_’, двоеточия ‘:’ и точки ‘.’, однако начинаться они могут только с буквы или символа </a:t>
-            </a:r>
-            <a:r>
-              <a:rPr lang="ru-RU" dirty="0" smtClean="0"/>
-              <a:t>подчеркивания.</a:t>
-            </a:r>
-          </a:p>
-          <a:p>
-            <a:r>
-              <a:rPr lang="ru-RU" dirty="0" smtClean="0"/>
-              <a:t>Двоеточие </a:t>
-            </a:r>
+              <a:t>Имена могут содержать буквы, цифры, дефисы ‘-’, символы подчеркивания ‘_’, двоеточия ‘:’ и точки ‘.’, однако начинаться они могут только с буквы или символа подчеркивания.</a:t>
+            </a:r>
+          </a:p>
+          <a:p>
             <a:r>
               <a:rPr lang="ru-RU" dirty="0"/>
-              <a:t>может быть использовано только в специальных случаях – при записи префикса пространства </a:t>
-            </a:r>
-            <a:r>
-              <a:rPr lang="ru-RU" dirty="0" smtClean="0"/>
-              <a:t>имен.</a:t>
-            </a:r>
-          </a:p>
-          <a:p>
-            <a:r>
-              <a:rPr lang="ru-RU" dirty="0" smtClean="0"/>
-              <a:t>Имена </a:t>
-            </a:r>
+              <a:t>Двоеточие может быть использовано только в специальных случаях – при записи префикса пространства имен.</a:t>
+            </a:r>
+          </a:p>
+          <a:p>
             <a:r>
               <a:rPr lang="ru-RU" dirty="0"/>
-              <a:t>элементов, начинающиеся с xml (вне зависимости от регистра букв), зарезервированы для нужд </a:t>
-            </a:r>
-            <a:r>
-              <a:rPr lang="ru-RU" dirty="0" smtClean="0"/>
-              <a:t>самого XML</a:t>
-            </a:r>
-            <a:r>
-              <a:rPr lang="ru-RU" dirty="0"/>
-              <a:t>.</a:t>
+              <a:t>Имена элементов, начинающиеся с xml (вне зависимости от регистра букв), зарезервированы для нужд самого XML.</a:t>
             </a:r>
             <a:endParaRPr lang="en-US" dirty="0"/>
           </a:p>
@@ -20519,13 +19371,6 @@
   <p:clrMapOvr>
     <a:masterClrMapping/>
   </p:clrMapOvr>
-  <p:timing>
-    <p:tnLst>
-      <p:par>
-        <p:cTn id="1" dur="indefinite" restart="never" nodeType="tmRoot"/>
-      </p:par>
-    </p:tnLst>
-  </p:timing>
 </p:sld>
 </file>
 

--- a/Presentation/lesson-06-xml.pptx
+++ b/Presentation/lesson-06-xml.pptx
@@ -249,7 +249,7 @@
           <a:p>
             <a:fld id="{B24A7054-7FFB-49F4-A126-5DF6E687FF53}" type="datetimeFigureOut">
               <a:rPr lang="ru-RU" smtClean="0"/>
-              <a:t>01.07.2018</a:t>
+              <a:t>21.09.2018</a:t>
             </a:fld>
             <a:endParaRPr lang="ru-RU"/>
           </a:p>
@@ -1304,7 +1304,7 @@
           <a:p>
             <a:fld id="{8E6E6A2A-E9D3-4A0D-B04A-ABDD367A1E08}" type="datetimeFigureOut">
               <a:rPr lang="ru-RU" smtClean="0"/>
-              <a:t>01.07.2018</a:t>
+              <a:t>21.09.2018</a:t>
             </a:fld>
             <a:endParaRPr lang="ru-RU"/>
           </a:p>
@@ -2752,7 +2752,7 @@
           <a:p>
             <a:fld id="{AC3D3127-B7C4-45E3-9797-C527EC9FDD78}" type="datetimeFigureOut">
               <a:rPr lang="ru-RU" smtClean="0"/>
-              <a:t>01.07.2018</a:t>
+              <a:t>21.09.2018</a:t>
             </a:fld>
             <a:endParaRPr lang="ru-RU"/>
           </a:p>
@@ -14997,7 +14997,7 @@
         <p:spPr>
           <a:xfrm>
             <a:off x="611560" y="4365104"/>
-            <a:ext cx="7992888" cy="923330"/>
+            <a:ext cx="7992888" cy="1200329"/>
           </a:xfrm>
           <a:prstGeom prst="rect">
             <a:avLst/>
@@ -15026,9 +15026,9 @@
               <a:rPr lang="en-US" dirty="0">
                 <a:hlinkClick r:id="rId2"/>
               </a:rPr>
-              <a:t>https://msdn.microsoft.com/en-us/library/5ast78ax.aspx</a:t>
-            </a:r>
-            <a:endParaRPr lang="ru-RU" dirty="0"/>
+              <a:t>https://docs.microsoft.com/en-us/dotnet/csharp/programming-guide/xmldoc/recommended-tags-for-documentation-comments</a:t>
+            </a:r>
+            <a:endParaRPr lang="en-US" dirty="0"/>
           </a:p>
         </p:txBody>
       </p:sp>

--- a/Presentation/lesson-06-xml.pptx
+++ b/Presentation/lesson-06-xml.pptx
@@ -150,7 +150,7 @@
   </p:defaultTextStyle>
   <p:extLst>
     <p:ext uri="{EFAFB233-063F-42B5-8137-9DF3F51BA10A}">
-      <p15:sldGuideLst xmlns:p15="http://schemas.microsoft.com/office/powerpoint/2012/main">
+      <p15:sldGuideLst xmlns:p15="http://schemas.microsoft.com/office/powerpoint/2012/main" xmlns="">
         <p15:guide id="1" orient="horz" pos="2160">
           <p15:clr>
             <a:srgbClr val="A4A3A4"/>
@@ -249,7 +249,7 @@
           <a:p>
             <a:fld id="{B24A7054-7FFB-49F4-A126-5DF6E687FF53}" type="datetimeFigureOut">
               <a:rPr lang="ru-RU" smtClean="0"/>
-              <a:t>21.09.2018</a:t>
+              <a:t>22.02.2019</a:t>
             </a:fld>
             <a:endParaRPr lang="ru-RU"/>
           </a:p>
@@ -518,8 +518,8 @@
 </file>
 
 <file path=ppt/slideLayouts/slideLayout1.xml><?xml version="1.0" encoding="utf-8"?>
-<p:sldLayout xmlns:a="http://schemas.openxmlformats.org/drawingml/2006/main" xmlns:r="http://schemas.openxmlformats.org/officeDocument/2006/relationships" xmlns:p="http://schemas.openxmlformats.org/presentationml/2006/main" preserve="1" userDrawn="1">
-  <p:cSld name="Title Slide">
+<p:sldLayout xmlns:a="http://schemas.openxmlformats.org/drawingml/2006/main" xmlns:r="http://schemas.openxmlformats.org/officeDocument/2006/relationships" xmlns:p="http://schemas.openxmlformats.org/presentationml/2006/main" type="obj" preserve="1">
+  <p:cSld name="Title and Content">
     <p:spTree>
       <p:nvGrpSpPr>
         <p:cNvPr id="1" name=""/>
@@ -536,172 +536,83 @@
       </p:grpSpPr>
       <p:sp>
         <p:nvSpPr>
-          <p:cNvPr id="7" name="Rectangle 6"/>
-          <p:cNvSpPr/>
-          <p:nvPr userDrawn="1"/>
+          <p:cNvPr id="2" name="Title 1"/>
+          <p:cNvSpPr>
+            <a:spLocks noGrp="1"/>
+          </p:cNvSpPr>
+          <p:nvPr>
+            <p:ph type="title"/>
+          </p:nvPr>
         </p:nvSpPr>
-        <p:spPr>
-          <a:xfrm>
-            <a:off x="143508" y="1304764"/>
-            <a:ext cx="8856984" cy="646331"/>
-          </a:xfrm>
-          <a:prstGeom prst="rect">
-            <a:avLst/>
-          </a:prstGeom>
-        </p:spPr>
+        <p:spPr/>
         <p:txBody>
-          <a:bodyPr wrap="square">
-            <a:spAutoFit/>
-          </a:bodyPr>
+          <a:bodyPr/>
           <a:lstStyle/>
           <a:p>
-            <a:pPr algn="ctr"/>
-            <a:r>
-              <a:rPr lang="ru-RU" sz="3600" b="1" i="1" dirty="0">
-                <a:solidFill>
-                  <a:schemeClr val="bg1"/>
-                </a:solidFill>
-              </a:rPr>
-              <a:t>Основы программирования на </a:t>
-            </a:r>
-            <a:r>
-              <a:rPr lang="en-US" sz="3600" b="1" i="1" dirty="0">
-                <a:solidFill>
-                  <a:schemeClr val="bg1"/>
-                </a:solidFill>
-              </a:rPr>
-              <a:t>C#</a:t>
-            </a:r>
-            <a:endParaRPr lang="ru-RU" sz="3600" b="1" i="1" dirty="0">
-              <a:solidFill>
-                <a:schemeClr val="bg1"/>
-              </a:solidFill>
-            </a:endParaRPr>
+            <a:r>
+              <a:rPr lang="en-US"/>
+              <a:t>Click to edit Master title style</a:t>
+            </a:r>
+            <a:endParaRPr lang="ru-RU" dirty="0"/>
           </a:p>
         </p:txBody>
       </p:sp>
-      <p:pic>
-        <p:nvPicPr>
-          <p:cNvPr id="8" name="Picture 5"/>
-          <p:cNvPicPr>
-            <a:picLocks noChangeAspect="1" noChangeArrowheads="1"/>
-          </p:cNvPicPr>
-          <p:nvPr userDrawn="1"/>
-        </p:nvPicPr>
-        <p:blipFill>
-          <a:blip r:embed="rId2">
-            <a:extLst>
-              <a:ext uri="{28A0092B-C50C-407E-A947-70E740481C1C}">
-                <a14:useLocalDpi xmlns:a14="http://schemas.microsoft.com/office/drawing/2010/main" val="0"/>
-              </a:ext>
-            </a:extLst>
-          </a:blip>
-          <a:srcRect/>
-          <a:stretch>
-            <a:fillRect/>
-          </a:stretch>
-        </p:blipFill>
-        <p:spPr bwMode="auto">
-          <a:xfrm>
-            <a:off x="1638300" y="3829211"/>
-            <a:ext cx="5867400" cy="1724025"/>
-          </a:xfrm>
-          <a:prstGeom prst="rect">
-            <a:avLst/>
-          </a:prstGeom>
-          <a:noFill/>
-          <a:ln>
-            <a:noFill/>
-          </a:ln>
-          <a:effectLst/>
-          <a:extLst>
-            <a:ext uri="{909E8E84-426E-40DD-AFC4-6F175D3DCCD1}">
-              <a14:hiddenFill xmlns:a14="http://schemas.microsoft.com/office/drawing/2010/main">
-                <a:solidFill>
-                  <a:schemeClr val="accent1"/>
-                </a:solidFill>
-              </a14:hiddenFill>
-            </a:ext>
-            <a:ext uri="{91240B29-F687-4F45-9708-019B960494DF}">
-              <a14:hiddenLine xmlns:a14="http://schemas.microsoft.com/office/drawing/2010/main" w="9525">
-                <a:solidFill>
-                  <a:schemeClr val="tx1"/>
-                </a:solidFill>
-                <a:miter lim="800000"/>
-                <a:headEnd/>
-                <a:tailEnd/>
-              </a14:hiddenLine>
-            </a:ext>
-            <a:ext uri="{AF507438-7753-43E0-B8FC-AC1667EBCBE1}">
-              <a14:hiddenEffects xmlns:a14="http://schemas.microsoft.com/office/drawing/2010/main">
-                <a:effectLst>
-                  <a:outerShdw dist="35921" dir="2700000" algn="ctr" rotWithShape="0">
-                    <a:schemeClr val="bg2"/>
-                  </a:outerShdw>
-                </a:effectLst>
-              </a14:hiddenEffects>
-            </a:ext>
-          </a:extLst>
-        </p:spPr>
-      </p:pic>
       <p:sp>
         <p:nvSpPr>
-          <p:cNvPr id="9" name="TextBox 8"/>
-          <p:cNvSpPr txBox="1"/>
-          <p:nvPr userDrawn="1"/>
+          <p:cNvPr id="3" name="Content Placeholder 2"/>
+          <p:cNvSpPr>
+            <a:spLocks noGrp="1"/>
+          </p:cNvSpPr>
+          <p:nvPr>
+            <p:ph idx="1"/>
+          </p:nvPr>
         </p:nvSpPr>
-        <p:spPr>
-          <a:xfrm>
-            <a:off x="2774873" y="2528900"/>
-            <a:ext cx="4240263" cy="461665"/>
-          </a:xfrm>
-          <a:prstGeom prst="rect">
-            <a:avLst/>
-          </a:prstGeom>
-          <a:noFill/>
-        </p:spPr>
+        <p:spPr/>
         <p:txBody>
-          <a:bodyPr wrap="none" rtlCol="0">
-            <a:spAutoFit/>
-          </a:bodyPr>
+          <a:bodyPr/>
           <a:lstStyle/>
           <a:p>
-            <a:r>
-              <a:rPr lang="ru-RU" sz="2400" dirty="0">
-                <a:solidFill>
-                  <a:schemeClr val="bg1"/>
-                </a:solidFill>
-              </a:rPr>
-              <a:t>Занятие №</a:t>
-            </a:r>
-            <a:r>
-              <a:rPr lang="en-US" sz="2400" dirty="0">
-                <a:solidFill>
-                  <a:schemeClr val="bg1"/>
-                </a:solidFill>
-              </a:rPr>
-              <a:t>?</a:t>
-            </a:r>
-            <a:r>
-              <a:rPr lang="ru-RU" sz="2400" dirty="0">
-                <a:solidFill>
-                  <a:schemeClr val="bg1"/>
-                </a:solidFill>
-              </a:rPr>
-              <a:t>. Название занятия</a:t>
-            </a:r>
-            <a:endParaRPr lang="en-US" sz="2400" dirty="0">
-              <a:solidFill>
-                <a:schemeClr val="bg1"/>
-              </a:solidFill>
-            </a:endParaRPr>
+            <a:pPr lvl="0"/>
+            <a:r>
+              <a:rPr lang="en-US"/>
+              <a:t>Click to edit Master text styles</a:t>
+            </a:r>
+          </a:p>
+          <a:p>
+            <a:pPr lvl="1"/>
+            <a:r>
+              <a:rPr lang="en-US"/>
+              <a:t>Second level</a:t>
+            </a:r>
+          </a:p>
+          <a:p>
+            <a:pPr lvl="2"/>
+            <a:r>
+              <a:rPr lang="en-US"/>
+              <a:t>Third level</a:t>
+            </a:r>
+          </a:p>
+          <a:p>
+            <a:pPr lvl="3"/>
+            <a:r>
+              <a:rPr lang="en-US"/>
+              <a:t>Fourth level</a:t>
+            </a:r>
+          </a:p>
+          <a:p>
+            <a:pPr lvl="4"/>
+            <a:r>
+              <a:rPr lang="en-US"/>
+              <a:t>Fifth level</a:t>
+            </a:r>
+            <a:endParaRPr lang="ru-RU" dirty="0"/>
           </a:p>
         </p:txBody>
       </p:sp>
     </p:spTree>
     <p:extLst>
       <p:ext uri="{BB962C8B-B14F-4D97-AF65-F5344CB8AC3E}">
-        <p14:creationId xmlns:p14="http://schemas.microsoft.com/office/powerpoint/2010/main" val="2062725571"/>
+        <p14:creationId xmlns:p14="http://schemas.microsoft.com/office/powerpoint/2010/main" val="3363467697"/>
       </p:ext>
     </p:extLst>
   </p:cSld>
@@ -712,6 +623,1589 @@
 </file>
 
 <file path=ppt/slideLayouts/slideLayout10.xml><?xml version="1.0" encoding="utf-8"?>
+<p:sldLayout xmlns:a="http://schemas.openxmlformats.org/drawingml/2006/main" xmlns:r="http://schemas.openxmlformats.org/officeDocument/2006/relationships" xmlns:p="http://schemas.openxmlformats.org/presentationml/2006/main" type="vertTx" preserve="1">
+  <p:cSld name="Title and Vertical Text">
+    <p:spTree>
+      <p:nvGrpSpPr>
+        <p:cNvPr id="1" name=""/>
+        <p:cNvGrpSpPr/>
+        <p:nvPr/>
+      </p:nvGrpSpPr>
+      <p:grpSpPr>
+        <a:xfrm>
+          <a:off x="0" y="0"/>
+          <a:ext cx="0" cy="0"/>
+          <a:chOff x="0" y="0"/>
+          <a:chExt cx="0" cy="0"/>
+        </a:xfrm>
+      </p:grpSpPr>
+      <p:sp>
+        <p:nvSpPr>
+          <p:cNvPr id="2" name="Title 1"/>
+          <p:cNvSpPr>
+            <a:spLocks noGrp="1"/>
+          </p:cNvSpPr>
+          <p:nvPr>
+            <p:ph type="title"/>
+          </p:nvPr>
+        </p:nvSpPr>
+        <p:spPr/>
+        <p:txBody>
+          <a:bodyPr/>
+          <a:lstStyle/>
+          <a:p>
+            <a:r>
+              <a:rPr lang="en-US"/>
+              <a:t>Click to edit Master title style</a:t>
+            </a:r>
+            <a:endParaRPr lang="ru-RU" dirty="0"/>
+          </a:p>
+        </p:txBody>
+      </p:sp>
+      <p:sp>
+        <p:nvSpPr>
+          <p:cNvPr id="3" name="Vertical Text Placeholder 2"/>
+          <p:cNvSpPr>
+            <a:spLocks noGrp="1"/>
+          </p:cNvSpPr>
+          <p:nvPr>
+            <p:ph type="body" orient="vert" idx="1"/>
+          </p:nvPr>
+        </p:nvSpPr>
+        <p:spPr/>
+        <p:txBody>
+          <a:bodyPr vert="eaVert"/>
+          <a:lstStyle/>
+          <a:p>
+            <a:pPr lvl="0"/>
+            <a:r>
+              <a:rPr lang="en-US"/>
+              <a:t>Click to edit Master text styles</a:t>
+            </a:r>
+          </a:p>
+          <a:p>
+            <a:pPr lvl="1"/>
+            <a:r>
+              <a:rPr lang="en-US"/>
+              <a:t>Second level</a:t>
+            </a:r>
+          </a:p>
+          <a:p>
+            <a:pPr lvl="2"/>
+            <a:r>
+              <a:rPr lang="en-US"/>
+              <a:t>Third level</a:t>
+            </a:r>
+          </a:p>
+          <a:p>
+            <a:pPr lvl="3"/>
+            <a:r>
+              <a:rPr lang="en-US"/>
+              <a:t>Fourth level</a:t>
+            </a:r>
+          </a:p>
+          <a:p>
+            <a:pPr lvl="4"/>
+            <a:r>
+              <a:rPr lang="en-US"/>
+              <a:t>Fifth level</a:t>
+            </a:r>
+            <a:endParaRPr lang="ru-RU" dirty="0"/>
+          </a:p>
+        </p:txBody>
+      </p:sp>
+    </p:spTree>
+    <p:extLst>
+      <p:ext uri="{BB962C8B-B14F-4D97-AF65-F5344CB8AC3E}">
+        <p14:creationId xmlns:p14="http://schemas.microsoft.com/office/powerpoint/2010/main" val="2015559697"/>
+      </p:ext>
+    </p:extLst>
+  </p:cSld>
+  <p:clrMapOvr>
+    <a:masterClrMapping/>
+  </p:clrMapOvr>
+</p:sldLayout>
+</file>
+
+<file path=ppt/slideLayouts/slideLayout11.xml><?xml version="1.0" encoding="utf-8"?>
+<p:sldLayout xmlns:a="http://schemas.openxmlformats.org/drawingml/2006/main" xmlns:r="http://schemas.openxmlformats.org/officeDocument/2006/relationships" xmlns:p="http://schemas.openxmlformats.org/presentationml/2006/main" type="vertTitleAndTx" preserve="1">
+  <p:cSld name="Vertical Title and Text">
+    <p:spTree>
+      <p:nvGrpSpPr>
+        <p:cNvPr id="1" name=""/>
+        <p:cNvGrpSpPr/>
+        <p:nvPr/>
+      </p:nvGrpSpPr>
+      <p:grpSpPr>
+        <a:xfrm>
+          <a:off x="0" y="0"/>
+          <a:ext cx="0" cy="0"/>
+          <a:chOff x="0" y="0"/>
+          <a:chExt cx="0" cy="0"/>
+        </a:xfrm>
+      </p:grpSpPr>
+      <p:sp>
+        <p:nvSpPr>
+          <p:cNvPr id="2" name="Vertical Title 1"/>
+          <p:cNvSpPr>
+            <a:spLocks noGrp="1"/>
+          </p:cNvSpPr>
+          <p:nvPr>
+            <p:ph type="title" orient="vert"/>
+          </p:nvPr>
+        </p:nvSpPr>
+        <p:spPr>
+          <a:xfrm>
+            <a:off x="6629400" y="274638"/>
+            <a:ext cx="2057400" cy="5851525"/>
+          </a:xfrm>
+        </p:spPr>
+        <p:txBody>
+          <a:bodyPr vert="eaVert"/>
+          <a:lstStyle/>
+          <a:p>
+            <a:r>
+              <a:rPr lang="en-US"/>
+              <a:t>Click to edit Master title style</a:t>
+            </a:r>
+            <a:endParaRPr lang="ru-RU" dirty="0"/>
+          </a:p>
+        </p:txBody>
+      </p:sp>
+      <p:sp>
+        <p:nvSpPr>
+          <p:cNvPr id="3" name="Vertical Text Placeholder 2"/>
+          <p:cNvSpPr>
+            <a:spLocks noGrp="1"/>
+          </p:cNvSpPr>
+          <p:nvPr>
+            <p:ph type="body" orient="vert" idx="1"/>
+          </p:nvPr>
+        </p:nvSpPr>
+        <p:spPr>
+          <a:xfrm>
+            <a:off x="457200" y="274638"/>
+            <a:ext cx="6019800" cy="5851525"/>
+          </a:xfrm>
+        </p:spPr>
+        <p:txBody>
+          <a:bodyPr vert="eaVert"/>
+          <a:lstStyle/>
+          <a:p>
+            <a:pPr lvl="0"/>
+            <a:r>
+              <a:rPr lang="en-US"/>
+              <a:t>Click to edit Master text styles</a:t>
+            </a:r>
+          </a:p>
+          <a:p>
+            <a:pPr lvl="1"/>
+            <a:r>
+              <a:rPr lang="en-US"/>
+              <a:t>Second level</a:t>
+            </a:r>
+          </a:p>
+          <a:p>
+            <a:pPr lvl="2"/>
+            <a:r>
+              <a:rPr lang="en-US"/>
+              <a:t>Third level</a:t>
+            </a:r>
+          </a:p>
+          <a:p>
+            <a:pPr lvl="3"/>
+            <a:r>
+              <a:rPr lang="en-US"/>
+              <a:t>Fourth level</a:t>
+            </a:r>
+          </a:p>
+          <a:p>
+            <a:pPr lvl="4"/>
+            <a:r>
+              <a:rPr lang="en-US"/>
+              <a:t>Fifth level</a:t>
+            </a:r>
+            <a:endParaRPr lang="ru-RU" dirty="0"/>
+          </a:p>
+        </p:txBody>
+      </p:sp>
+    </p:spTree>
+    <p:extLst>
+      <p:ext uri="{BB962C8B-B14F-4D97-AF65-F5344CB8AC3E}">
+        <p14:creationId xmlns:p14="http://schemas.microsoft.com/office/powerpoint/2010/main" val="370514854"/>
+      </p:ext>
+    </p:extLst>
+  </p:cSld>
+  <p:clrMapOvr>
+    <a:masterClrMapping/>
+  </p:clrMapOvr>
+</p:sldLayout>
+</file>
+
+<file path=ppt/slideLayouts/slideLayout12.xml><?xml version="1.0" encoding="utf-8"?>
+<p:sldLayout xmlns:a="http://schemas.openxmlformats.org/drawingml/2006/main" xmlns:r="http://schemas.openxmlformats.org/officeDocument/2006/relationships" xmlns:p="http://schemas.openxmlformats.org/presentationml/2006/main" type="title">
+  <p:cSld name="1_Title Slide">
+    <p:spTree>
+      <p:nvGrpSpPr>
+        <p:cNvPr id="1" name=""/>
+        <p:cNvGrpSpPr/>
+        <p:nvPr/>
+      </p:nvGrpSpPr>
+      <p:grpSpPr>
+        <a:xfrm>
+          <a:off x="0" y="0"/>
+          <a:ext cx="0" cy="0"/>
+          <a:chOff x="0" y="0"/>
+          <a:chExt cx="0" cy="0"/>
+        </a:xfrm>
+      </p:grpSpPr>
+      <p:sp>
+        <p:nvSpPr>
+          <p:cNvPr id="2" name="Title 1"/>
+          <p:cNvSpPr>
+            <a:spLocks noGrp="1"/>
+          </p:cNvSpPr>
+          <p:nvPr>
+            <p:ph type="ctrTitle"/>
+          </p:nvPr>
+        </p:nvSpPr>
+        <p:spPr>
+          <a:xfrm>
+            <a:off x="685800" y="2130425"/>
+            <a:ext cx="7772400" cy="1470025"/>
+          </a:xfrm>
+        </p:spPr>
+        <p:txBody>
+          <a:bodyPr/>
+          <a:lstStyle/>
+          <a:p>
+            <a:r>
+              <a:rPr lang="en-US"/>
+              <a:t>Click to edit Master title style</a:t>
+            </a:r>
+            <a:endParaRPr lang="ru-RU"/>
+          </a:p>
+        </p:txBody>
+      </p:sp>
+      <p:sp>
+        <p:nvSpPr>
+          <p:cNvPr id="3" name="Subtitle 2"/>
+          <p:cNvSpPr>
+            <a:spLocks noGrp="1"/>
+          </p:cNvSpPr>
+          <p:nvPr>
+            <p:ph type="subTitle" idx="1"/>
+          </p:nvPr>
+        </p:nvSpPr>
+        <p:spPr>
+          <a:xfrm>
+            <a:off x="1371600" y="3886200"/>
+            <a:ext cx="6400800" cy="1752600"/>
+          </a:xfrm>
+        </p:spPr>
+        <p:txBody>
+          <a:bodyPr/>
+          <a:lstStyle>
+            <a:lvl1pPr marL="0" indent="0" algn="ctr">
+              <a:buNone/>
+              <a:defRPr>
+                <a:solidFill>
+                  <a:schemeClr val="tx1">
+                    <a:tint val="75000"/>
+                  </a:schemeClr>
+                </a:solidFill>
+              </a:defRPr>
+            </a:lvl1pPr>
+            <a:lvl2pPr marL="457200" indent="0" algn="ctr">
+              <a:buNone/>
+              <a:defRPr>
+                <a:solidFill>
+                  <a:schemeClr val="tx1">
+                    <a:tint val="75000"/>
+                  </a:schemeClr>
+                </a:solidFill>
+              </a:defRPr>
+            </a:lvl2pPr>
+            <a:lvl3pPr marL="914400" indent="0" algn="ctr">
+              <a:buNone/>
+              <a:defRPr>
+                <a:solidFill>
+                  <a:schemeClr val="tx1">
+                    <a:tint val="75000"/>
+                  </a:schemeClr>
+                </a:solidFill>
+              </a:defRPr>
+            </a:lvl3pPr>
+            <a:lvl4pPr marL="1371600" indent="0" algn="ctr">
+              <a:buNone/>
+              <a:defRPr>
+                <a:solidFill>
+                  <a:schemeClr val="tx1">
+                    <a:tint val="75000"/>
+                  </a:schemeClr>
+                </a:solidFill>
+              </a:defRPr>
+            </a:lvl4pPr>
+            <a:lvl5pPr marL="1828800" indent="0" algn="ctr">
+              <a:buNone/>
+              <a:defRPr>
+                <a:solidFill>
+                  <a:schemeClr val="tx1">
+                    <a:tint val="75000"/>
+                  </a:schemeClr>
+                </a:solidFill>
+              </a:defRPr>
+            </a:lvl5pPr>
+            <a:lvl6pPr marL="2286000" indent="0" algn="ctr">
+              <a:buNone/>
+              <a:defRPr>
+                <a:solidFill>
+                  <a:schemeClr val="tx1">
+                    <a:tint val="75000"/>
+                  </a:schemeClr>
+                </a:solidFill>
+              </a:defRPr>
+            </a:lvl6pPr>
+            <a:lvl7pPr marL="2743200" indent="0" algn="ctr">
+              <a:buNone/>
+              <a:defRPr>
+                <a:solidFill>
+                  <a:schemeClr val="tx1">
+                    <a:tint val="75000"/>
+                  </a:schemeClr>
+                </a:solidFill>
+              </a:defRPr>
+            </a:lvl7pPr>
+            <a:lvl8pPr marL="3200400" indent="0" algn="ctr">
+              <a:buNone/>
+              <a:defRPr>
+                <a:solidFill>
+                  <a:schemeClr val="tx1">
+                    <a:tint val="75000"/>
+                  </a:schemeClr>
+                </a:solidFill>
+              </a:defRPr>
+            </a:lvl8pPr>
+            <a:lvl9pPr marL="3657600" indent="0" algn="ctr">
+              <a:buNone/>
+              <a:defRPr>
+                <a:solidFill>
+                  <a:schemeClr val="tx1">
+                    <a:tint val="75000"/>
+                  </a:schemeClr>
+                </a:solidFill>
+              </a:defRPr>
+            </a:lvl9pPr>
+          </a:lstStyle>
+          <a:p>
+            <a:r>
+              <a:rPr lang="en-US"/>
+              <a:t>Click to edit Master subtitle style</a:t>
+            </a:r>
+            <a:endParaRPr lang="ru-RU"/>
+          </a:p>
+        </p:txBody>
+      </p:sp>
+      <p:sp>
+        <p:nvSpPr>
+          <p:cNvPr id="4" name="Date Placeholder 3"/>
+          <p:cNvSpPr>
+            <a:spLocks noGrp="1"/>
+          </p:cNvSpPr>
+          <p:nvPr>
+            <p:ph type="dt" sz="half" idx="10"/>
+          </p:nvPr>
+        </p:nvSpPr>
+        <p:spPr/>
+        <p:txBody>
+          <a:bodyPr/>
+          <a:lstStyle/>
+          <a:p>
+            <a:fld id="{8E6E6A2A-E9D3-4A0D-B04A-ABDD367A1E08}" type="datetimeFigureOut">
+              <a:rPr lang="ru-RU" smtClean="0"/>
+              <a:t>22.02.2019</a:t>
+            </a:fld>
+            <a:endParaRPr lang="ru-RU"/>
+          </a:p>
+        </p:txBody>
+      </p:sp>
+      <p:sp>
+        <p:nvSpPr>
+          <p:cNvPr id="5" name="Footer Placeholder 4"/>
+          <p:cNvSpPr>
+            <a:spLocks noGrp="1"/>
+          </p:cNvSpPr>
+          <p:nvPr>
+            <p:ph type="ftr" sz="quarter" idx="11"/>
+          </p:nvPr>
+        </p:nvSpPr>
+        <p:spPr/>
+        <p:txBody>
+          <a:bodyPr/>
+          <a:lstStyle/>
+          <a:p>
+            <a:endParaRPr lang="ru-RU"/>
+          </a:p>
+        </p:txBody>
+      </p:sp>
+      <p:sp>
+        <p:nvSpPr>
+          <p:cNvPr id="6" name="Slide Number Placeholder 5"/>
+          <p:cNvSpPr>
+            <a:spLocks noGrp="1"/>
+          </p:cNvSpPr>
+          <p:nvPr>
+            <p:ph type="sldNum" sz="quarter" idx="12"/>
+          </p:nvPr>
+        </p:nvSpPr>
+        <p:spPr/>
+        <p:txBody>
+          <a:bodyPr/>
+          <a:lstStyle/>
+          <a:p>
+            <a:fld id="{BC0D3D34-2E8A-4A38-B864-C677BA056495}" type="slidenum">
+              <a:rPr lang="ru-RU" smtClean="0"/>
+              <a:t>‹#›</a:t>
+            </a:fld>
+            <a:endParaRPr lang="ru-RU"/>
+          </a:p>
+        </p:txBody>
+      </p:sp>
+    </p:spTree>
+    <p:extLst>
+      <p:ext uri="{BB962C8B-B14F-4D97-AF65-F5344CB8AC3E}">
+        <p14:creationId xmlns:p14="http://schemas.microsoft.com/office/powerpoint/2010/main" val="1842100032"/>
+      </p:ext>
+    </p:extLst>
+  </p:cSld>
+  <p:clrMapOvr>
+    <a:masterClrMapping/>
+  </p:clrMapOvr>
+</p:sldLayout>
+</file>
+
+<file path=ppt/slideLayouts/slideLayout2.xml><?xml version="1.0" encoding="utf-8"?>
+<p:sldLayout xmlns:a="http://schemas.openxmlformats.org/drawingml/2006/main" xmlns:r="http://schemas.openxmlformats.org/officeDocument/2006/relationships" xmlns:p="http://schemas.openxmlformats.org/presentationml/2006/main" type="secHead" preserve="1">
+  <p:cSld name="Section Header">
+    <p:spTree>
+      <p:nvGrpSpPr>
+        <p:cNvPr id="1" name=""/>
+        <p:cNvGrpSpPr/>
+        <p:nvPr/>
+      </p:nvGrpSpPr>
+      <p:grpSpPr>
+        <a:xfrm>
+          <a:off x="0" y="0"/>
+          <a:ext cx="0" cy="0"/>
+          <a:chOff x="0" y="0"/>
+          <a:chExt cx="0" cy="0"/>
+        </a:xfrm>
+      </p:grpSpPr>
+      <p:sp>
+        <p:nvSpPr>
+          <p:cNvPr id="2" name="Title 1"/>
+          <p:cNvSpPr>
+            <a:spLocks noGrp="1"/>
+          </p:cNvSpPr>
+          <p:nvPr>
+            <p:ph type="title"/>
+          </p:nvPr>
+        </p:nvSpPr>
+        <p:spPr>
+          <a:xfrm>
+            <a:off x="722313" y="4406900"/>
+            <a:ext cx="7772400" cy="1362075"/>
+          </a:xfrm>
+        </p:spPr>
+        <p:txBody>
+          <a:bodyPr anchor="t"/>
+          <a:lstStyle>
+            <a:lvl1pPr algn="l">
+              <a:defRPr sz="4000" b="1" cap="all"/>
+            </a:lvl1pPr>
+          </a:lstStyle>
+          <a:p>
+            <a:r>
+              <a:rPr lang="en-US"/>
+              <a:t>Click to edit Master title style</a:t>
+            </a:r>
+            <a:endParaRPr lang="ru-RU" dirty="0"/>
+          </a:p>
+        </p:txBody>
+      </p:sp>
+      <p:sp>
+        <p:nvSpPr>
+          <p:cNvPr id="3" name="Text Placeholder 2"/>
+          <p:cNvSpPr>
+            <a:spLocks noGrp="1"/>
+          </p:cNvSpPr>
+          <p:nvPr>
+            <p:ph type="body" idx="1"/>
+          </p:nvPr>
+        </p:nvSpPr>
+        <p:spPr>
+          <a:xfrm>
+            <a:off x="722313" y="2906713"/>
+            <a:ext cx="7772400" cy="1500187"/>
+          </a:xfrm>
+        </p:spPr>
+        <p:txBody>
+          <a:bodyPr anchor="b"/>
+          <a:lstStyle>
+            <a:lvl1pPr marL="0" indent="0">
+              <a:buNone/>
+              <a:defRPr sz="2000">
+                <a:solidFill>
+                  <a:schemeClr val="tx1">
+                    <a:tint val="75000"/>
+                  </a:schemeClr>
+                </a:solidFill>
+              </a:defRPr>
+            </a:lvl1pPr>
+            <a:lvl2pPr marL="457200" indent="0">
+              <a:buNone/>
+              <a:defRPr sz="1800">
+                <a:solidFill>
+                  <a:schemeClr val="tx1">
+                    <a:tint val="75000"/>
+                  </a:schemeClr>
+                </a:solidFill>
+              </a:defRPr>
+            </a:lvl2pPr>
+            <a:lvl3pPr marL="914400" indent="0">
+              <a:buNone/>
+              <a:defRPr sz="1600">
+                <a:solidFill>
+                  <a:schemeClr val="tx1">
+                    <a:tint val="75000"/>
+                  </a:schemeClr>
+                </a:solidFill>
+              </a:defRPr>
+            </a:lvl3pPr>
+            <a:lvl4pPr marL="1371600" indent="0">
+              <a:buNone/>
+              <a:defRPr sz="1400">
+                <a:solidFill>
+                  <a:schemeClr val="tx1">
+                    <a:tint val="75000"/>
+                  </a:schemeClr>
+                </a:solidFill>
+              </a:defRPr>
+            </a:lvl4pPr>
+            <a:lvl5pPr marL="1828800" indent="0">
+              <a:buNone/>
+              <a:defRPr sz="1400">
+                <a:solidFill>
+                  <a:schemeClr val="tx1">
+                    <a:tint val="75000"/>
+                  </a:schemeClr>
+                </a:solidFill>
+              </a:defRPr>
+            </a:lvl5pPr>
+            <a:lvl6pPr marL="2286000" indent="0">
+              <a:buNone/>
+              <a:defRPr sz="1400">
+                <a:solidFill>
+                  <a:schemeClr val="tx1">
+                    <a:tint val="75000"/>
+                  </a:schemeClr>
+                </a:solidFill>
+              </a:defRPr>
+            </a:lvl6pPr>
+            <a:lvl7pPr marL="2743200" indent="0">
+              <a:buNone/>
+              <a:defRPr sz="1400">
+                <a:solidFill>
+                  <a:schemeClr val="tx1">
+                    <a:tint val="75000"/>
+                  </a:schemeClr>
+                </a:solidFill>
+              </a:defRPr>
+            </a:lvl7pPr>
+            <a:lvl8pPr marL="3200400" indent="0">
+              <a:buNone/>
+              <a:defRPr sz="1400">
+                <a:solidFill>
+                  <a:schemeClr val="tx1">
+                    <a:tint val="75000"/>
+                  </a:schemeClr>
+                </a:solidFill>
+              </a:defRPr>
+            </a:lvl8pPr>
+            <a:lvl9pPr marL="3657600" indent="0">
+              <a:buNone/>
+              <a:defRPr sz="1400">
+                <a:solidFill>
+                  <a:schemeClr val="tx1">
+                    <a:tint val="75000"/>
+                  </a:schemeClr>
+                </a:solidFill>
+              </a:defRPr>
+            </a:lvl9pPr>
+          </a:lstStyle>
+          <a:p>
+            <a:pPr lvl="0"/>
+            <a:r>
+              <a:rPr lang="en-US"/>
+              <a:t>Click to edit Master text styles</a:t>
+            </a:r>
+          </a:p>
+        </p:txBody>
+      </p:sp>
+    </p:spTree>
+    <p:extLst>
+      <p:ext uri="{BB962C8B-B14F-4D97-AF65-F5344CB8AC3E}">
+        <p14:creationId xmlns:p14="http://schemas.microsoft.com/office/powerpoint/2010/main" val="1627150216"/>
+      </p:ext>
+    </p:extLst>
+  </p:cSld>
+  <p:clrMapOvr>
+    <a:masterClrMapping/>
+  </p:clrMapOvr>
+</p:sldLayout>
+</file>
+
+<file path=ppt/slideLayouts/slideLayout3.xml><?xml version="1.0" encoding="utf-8"?>
+<p:sldLayout xmlns:a="http://schemas.openxmlformats.org/drawingml/2006/main" xmlns:r="http://schemas.openxmlformats.org/officeDocument/2006/relationships" xmlns:p="http://schemas.openxmlformats.org/presentationml/2006/main" type="twoObj" preserve="1">
+  <p:cSld name="Two Content">
+    <p:spTree>
+      <p:nvGrpSpPr>
+        <p:cNvPr id="1" name=""/>
+        <p:cNvGrpSpPr/>
+        <p:nvPr/>
+      </p:nvGrpSpPr>
+      <p:grpSpPr>
+        <a:xfrm>
+          <a:off x="0" y="0"/>
+          <a:ext cx="0" cy="0"/>
+          <a:chOff x="0" y="0"/>
+          <a:chExt cx="0" cy="0"/>
+        </a:xfrm>
+      </p:grpSpPr>
+      <p:sp>
+        <p:nvSpPr>
+          <p:cNvPr id="2" name="Title 1"/>
+          <p:cNvSpPr>
+            <a:spLocks noGrp="1"/>
+          </p:cNvSpPr>
+          <p:nvPr>
+            <p:ph type="title"/>
+          </p:nvPr>
+        </p:nvSpPr>
+        <p:spPr/>
+        <p:txBody>
+          <a:bodyPr/>
+          <a:lstStyle/>
+          <a:p>
+            <a:r>
+              <a:rPr lang="en-US"/>
+              <a:t>Click to edit Master title style</a:t>
+            </a:r>
+            <a:endParaRPr lang="ru-RU" dirty="0"/>
+          </a:p>
+        </p:txBody>
+      </p:sp>
+      <p:sp>
+        <p:nvSpPr>
+          <p:cNvPr id="3" name="Content Placeholder 2"/>
+          <p:cNvSpPr>
+            <a:spLocks noGrp="1"/>
+          </p:cNvSpPr>
+          <p:nvPr>
+            <p:ph sz="half" idx="1"/>
+          </p:nvPr>
+        </p:nvSpPr>
+        <p:spPr>
+          <a:xfrm>
+            <a:off x="457200" y="1600200"/>
+            <a:ext cx="4038600" cy="4525963"/>
+          </a:xfrm>
+        </p:spPr>
+        <p:txBody>
+          <a:bodyPr/>
+          <a:lstStyle>
+            <a:lvl1pPr>
+              <a:defRPr sz="2800"/>
+            </a:lvl1pPr>
+            <a:lvl2pPr>
+              <a:defRPr sz="2400"/>
+            </a:lvl2pPr>
+            <a:lvl3pPr>
+              <a:defRPr sz="2000"/>
+            </a:lvl3pPr>
+            <a:lvl4pPr>
+              <a:defRPr sz="1800"/>
+            </a:lvl4pPr>
+            <a:lvl5pPr>
+              <a:defRPr sz="1800"/>
+            </a:lvl5pPr>
+            <a:lvl6pPr>
+              <a:defRPr sz="1800"/>
+            </a:lvl6pPr>
+            <a:lvl7pPr>
+              <a:defRPr sz="1800"/>
+            </a:lvl7pPr>
+            <a:lvl8pPr>
+              <a:defRPr sz="1800"/>
+            </a:lvl8pPr>
+            <a:lvl9pPr>
+              <a:defRPr sz="1800"/>
+            </a:lvl9pPr>
+          </a:lstStyle>
+          <a:p>
+            <a:pPr lvl="0"/>
+            <a:r>
+              <a:rPr lang="en-US"/>
+              <a:t>Click to edit Master text styles</a:t>
+            </a:r>
+          </a:p>
+          <a:p>
+            <a:pPr lvl="1"/>
+            <a:r>
+              <a:rPr lang="en-US"/>
+              <a:t>Second level</a:t>
+            </a:r>
+          </a:p>
+          <a:p>
+            <a:pPr lvl="2"/>
+            <a:r>
+              <a:rPr lang="en-US"/>
+              <a:t>Third level</a:t>
+            </a:r>
+          </a:p>
+          <a:p>
+            <a:pPr lvl="3"/>
+            <a:r>
+              <a:rPr lang="en-US"/>
+              <a:t>Fourth level</a:t>
+            </a:r>
+          </a:p>
+          <a:p>
+            <a:pPr lvl="4"/>
+            <a:r>
+              <a:rPr lang="en-US"/>
+              <a:t>Fifth level</a:t>
+            </a:r>
+            <a:endParaRPr lang="ru-RU" dirty="0"/>
+          </a:p>
+        </p:txBody>
+      </p:sp>
+      <p:sp>
+        <p:nvSpPr>
+          <p:cNvPr id="4" name="Content Placeholder 3"/>
+          <p:cNvSpPr>
+            <a:spLocks noGrp="1"/>
+          </p:cNvSpPr>
+          <p:nvPr>
+            <p:ph sz="half" idx="2"/>
+          </p:nvPr>
+        </p:nvSpPr>
+        <p:spPr>
+          <a:xfrm>
+            <a:off x="4648200" y="1600200"/>
+            <a:ext cx="4038600" cy="4525963"/>
+          </a:xfrm>
+        </p:spPr>
+        <p:txBody>
+          <a:bodyPr/>
+          <a:lstStyle>
+            <a:lvl1pPr>
+              <a:defRPr sz="2800"/>
+            </a:lvl1pPr>
+            <a:lvl2pPr>
+              <a:defRPr sz="2400"/>
+            </a:lvl2pPr>
+            <a:lvl3pPr>
+              <a:defRPr sz="2000"/>
+            </a:lvl3pPr>
+            <a:lvl4pPr>
+              <a:defRPr sz="1800"/>
+            </a:lvl4pPr>
+            <a:lvl5pPr>
+              <a:defRPr sz="1800"/>
+            </a:lvl5pPr>
+            <a:lvl6pPr>
+              <a:defRPr sz="1800"/>
+            </a:lvl6pPr>
+            <a:lvl7pPr>
+              <a:defRPr sz="1800"/>
+            </a:lvl7pPr>
+            <a:lvl8pPr>
+              <a:defRPr sz="1800"/>
+            </a:lvl8pPr>
+            <a:lvl9pPr>
+              <a:defRPr sz="1800"/>
+            </a:lvl9pPr>
+          </a:lstStyle>
+          <a:p>
+            <a:pPr lvl="0"/>
+            <a:r>
+              <a:rPr lang="en-US"/>
+              <a:t>Click to edit Master text styles</a:t>
+            </a:r>
+          </a:p>
+          <a:p>
+            <a:pPr lvl="1"/>
+            <a:r>
+              <a:rPr lang="en-US"/>
+              <a:t>Second level</a:t>
+            </a:r>
+          </a:p>
+          <a:p>
+            <a:pPr lvl="2"/>
+            <a:r>
+              <a:rPr lang="en-US"/>
+              <a:t>Third level</a:t>
+            </a:r>
+          </a:p>
+          <a:p>
+            <a:pPr lvl="3"/>
+            <a:r>
+              <a:rPr lang="en-US"/>
+              <a:t>Fourth level</a:t>
+            </a:r>
+          </a:p>
+          <a:p>
+            <a:pPr lvl="4"/>
+            <a:r>
+              <a:rPr lang="en-US"/>
+              <a:t>Fifth level</a:t>
+            </a:r>
+            <a:endParaRPr lang="ru-RU" dirty="0"/>
+          </a:p>
+        </p:txBody>
+      </p:sp>
+    </p:spTree>
+    <p:extLst>
+      <p:ext uri="{BB962C8B-B14F-4D97-AF65-F5344CB8AC3E}">
+        <p14:creationId xmlns:p14="http://schemas.microsoft.com/office/powerpoint/2010/main" val="1026234569"/>
+      </p:ext>
+    </p:extLst>
+  </p:cSld>
+  <p:clrMapOvr>
+    <a:masterClrMapping/>
+  </p:clrMapOvr>
+</p:sldLayout>
+</file>
+
+<file path=ppt/slideLayouts/slideLayout4.xml><?xml version="1.0" encoding="utf-8"?>
+<p:sldLayout xmlns:a="http://schemas.openxmlformats.org/drawingml/2006/main" xmlns:r="http://schemas.openxmlformats.org/officeDocument/2006/relationships" xmlns:p="http://schemas.openxmlformats.org/presentationml/2006/main" type="twoTxTwoObj" preserve="1">
+  <p:cSld name="Comparison">
+    <p:spTree>
+      <p:nvGrpSpPr>
+        <p:cNvPr id="1" name=""/>
+        <p:cNvGrpSpPr/>
+        <p:nvPr/>
+      </p:nvGrpSpPr>
+      <p:grpSpPr>
+        <a:xfrm>
+          <a:off x="0" y="0"/>
+          <a:ext cx="0" cy="0"/>
+          <a:chOff x="0" y="0"/>
+          <a:chExt cx="0" cy="0"/>
+        </a:xfrm>
+      </p:grpSpPr>
+      <p:sp>
+        <p:nvSpPr>
+          <p:cNvPr id="2" name="Title 1"/>
+          <p:cNvSpPr>
+            <a:spLocks noGrp="1"/>
+          </p:cNvSpPr>
+          <p:nvPr>
+            <p:ph type="title"/>
+          </p:nvPr>
+        </p:nvSpPr>
+        <p:spPr/>
+        <p:txBody>
+          <a:bodyPr/>
+          <a:lstStyle>
+            <a:lvl1pPr>
+              <a:defRPr/>
+            </a:lvl1pPr>
+          </a:lstStyle>
+          <a:p>
+            <a:r>
+              <a:rPr lang="en-US"/>
+              <a:t>Click to edit Master title style</a:t>
+            </a:r>
+            <a:endParaRPr lang="ru-RU" dirty="0"/>
+          </a:p>
+        </p:txBody>
+      </p:sp>
+      <p:sp>
+        <p:nvSpPr>
+          <p:cNvPr id="3" name="Text Placeholder 2"/>
+          <p:cNvSpPr>
+            <a:spLocks noGrp="1"/>
+          </p:cNvSpPr>
+          <p:nvPr>
+            <p:ph type="body" idx="1"/>
+          </p:nvPr>
+        </p:nvSpPr>
+        <p:spPr>
+          <a:xfrm>
+            <a:off x="457200" y="1535113"/>
+            <a:ext cx="4040188" cy="639762"/>
+          </a:xfrm>
+        </p:spPr>
+        <p:txBody>
+          <a:bodyPr anchor="b"/>
+          <a:lstStyle>
+            <a:lvl1pPr marL="0" indent="0">
+              <a:buNone/>
+              <a:defRPr sz="2400" b="1"/>
+            </a:lvl1pPr>
+            <a:lvl2pPr marL="457200" indent="0">
+              <a:buNone/>
+              <a:defRPr sz="2000" b="1"/>
+            </a:lvl2pPr>
+            <a:lvl3pPr marL="914400" indent="0">
+              <a:buNone/>
+              <a:defRPr sz="1800" b="1"/>
+            </a:lvl3pPr>
+            <a:lvl4pPr marL="1371600" indent="0">
+              <a:buNone/>
+              <a:defRPr sz="1600" b="1"/>
+            </a:lvl4pPr>
+            <a:lvl5pPr marL="1828800" indent="0">
+              <a:buNone/>
+              <a:defRPr sz="1600" b="1"/>
+            </a:lvl5pPr>
+            <a:lvl6pPr marL="2286000" indent="0">
+              <a:buNone/>
+              <a:defRPr sz="1600" b="1"/>
+            </a:lvl6pPr>
+            <a:lvl7pPr marL="2743200" indent="0">
+              <a:buNone/>
+              <a:defRPr sz="1600" b="1"/>
+            </a:lvl7pPr>
+            <a:lvl8pPr marL="3200400" indent="0">
+              <a:buNone/>
+              <a:defRPr sz="1600" b="1"/>
+            </a:lvl8pPr>
+            <a:lvl9pPr marL="3657600" indent="0">
+              <a:buNone/>
+              <a:defRPr sz="1600" b="1"/>
+            </a:lvl9pPr>
+          </a:lstStyle>
+          <a:p>
+            <a:pPr lvl="0"/>
+            <a:r>
+              <a:rPr lang="en-US"/>
+              <a:t>Click to edit Master text styles</a:t>
+            </a:r>
+          </a:p>
+        </p:txBody>
+      </p:sp>
+      <p:sp>
+        <p:nvSpPr>
+          <p:cNvPr id="4" name="Content Placeholder 3"/>
+          <p:cNvSpPr>
+            <a:spLocks noGrp="1"/>
+          </p:cNvSpPr>
+          <p:nvPr>
+            <p:ph sz="half" idx="2"/>
+          </p:nvPr>
+        </p:nvSpPr>
+        <p:spPr>
+          <a:xfrm>
+            <a:off x="457200" y="2174875"/>
+            <a:ext cx="4040188" cy="3951288"/>
+          </a:xfrm>
+        </p:spPr>
+        <p:txBody>
+          <a:bodyPr/>
+          <a:lstStyle>
+            <a:lvl1pPr>
+              <a:defRPr sz="2400"/>
+            </a:lvl1pPr>
+            <a:lvl2pPr>
+              <a:defRPr sz="2000"/>
+            </a:lvl2pPr>
+            <a:lvl3pPr>
+              <a:defRPr sz="1800"/>
+            </a:lvl3pPr>
+            <a:lvl4pPr>
+              <a:defRPr sz="1600"/>
+            </a:lvl4pPr>
+            <a:lvl5pPr>
+              <a:defRPr sz="1600"/>
+            </a:lvl5pPr>
+            <a:lvl6pPr>
+              <a:defRPr sz="1600"/>
+            </a:lvl6pPr>
+            <a:lvl7pPr>
+              <a:defRPr sz="1600"/>
+            </a:lvl7pPr>
+            <a:lvl8pPr>
+              <a:defRPr sz="1600"/>
+            </a:lvl8pPr>
+            <a:lvl9pPr>
+              <a:defRPr sz="1600"/>
+            </a:lvl9pPr>
+          </a:lstStyle>
+          <a:p>
+            <a:pPr lvl="0"/>
+            <a:r>
+              <a:rPr lang="en-US"/>
+              <a:t>Click to edit Master text styles</a:t>
+            </a:r>
+          </a:p>
+          <a:p>
+            <a:pPr lvl="1"/>
+            <a:r>
+              <a:rPr lang="en-US"/>
+              <a:t>Second level</a:t>
+            </a:r>
+          </a:p>
+          <a:p>
+            <a:pPr lvl="2"/>
+            <a:r>
+              <a:rPr lang="en-US"/>
+              <a:t>Third level</a:t>
+            </a:r>
+          </a:p>
+          <a:p>
+            <a:pPr lvl="3"/>
+            <a:r>
+              <a:rPr lang="en-US"/>
+              <a:t>Fourth level</a:t>
+            </a:r>
+          </a:p>
+          <a:p>
+            <a:pPr lvl="4"/>
+            <a:r>
+              <a:rPr lang="en-US"/>
+              <a:t>Fifth level</a:t>
+            </a:r>
+            <a:endParaRPr lang="ru-RU" dirty="0"/>
+          </a:p>
+        </p:txBody>
+      </p:sp>
+      <p:sp>
+        <p:nvSpPr>
+          <p:cNvPr id="5" name="Text Placeholder 4"/>
+          <p:cNvSpPr>
+            <a:spLocks noGrp="1"/>
+          </p:cNvSpPr>
+          <p:nvPr>
+            <p:ph type="body" sz="quarter" idx="3"/>
+          </p:nvPr>
+        </p:nvSpPr>
+        <p:spPr>
+          <a:xfrm>
+            <a:off x="4645025" y="1535113"/>
+            <a:ext cx="4041775" cy="639762"/>
+          </a:xfrm>
+        </p:spPr>
+        <p:txBody>
+          <a:bodyPr anchor="b"/>
+          <a:lstStyle>
+            <a:lvl1pPr marL="0" indent="0">
+              <a:buNone/>
+              <a:defRPr sz="2400" b="1"/>
+            </a:lvl1pPr>
+            <a:lvl2pPr marL="457200" indent="0">
+              <a:buNone/>
+              <a:defRPr sz="2000" b="1"/>
+            </a:lvl2pPr>
+            <a:lvl3pPr marL="914400" indent="0">
+              <a:buNone/>
+              <a:defRPr sz="1800" b="1"/>
+            </a:lvl3pPr>
+            <a:lvl4pPr marL="1371600" indent="0">
+              <a:buNone/>
+              <a:defRPr sz="1600" b="1"/>
+            </a:lvl4pPr>
+            <a:lvl5pPr marL="1828800" indent="0">
+              <a:buNone/>
+              <a:defRPr sz="1600" b="1"/>
+            </a:lvl5pPr>
+            <a:lvl6pPr marL="2286000" indent="0">
+              <a:buNone/>
+              <a:defRPr sz="1600" b="1"/>
+            </a:lvl6pPr>
+            <a:lvl7pPr marL="2743200" indent="0">
+              <a:buNone/>
+              <a:defRPr sz="1600" b="1"/>
+            </a:lvl7pPr>
+            <a:lvl8pPr marL="3200400" indent="0">
+              <a:buNone/>
+              <a:defRPr sz="1600" b="1"/>
+            </a:lvl8pPr>
+            <a:lvl9pPr marL="3657600" indent="0">
+              <a:buNone/>
+              <a:defRPr sz="1600" b="1"/>
+            </a:lvl9pPr>
+          </a:lstStyle>
+          <a:p>
+            <a:pPr lvl="0"/>
+            <a:r>
+              <a:rPr lang="en-US"/>
+              <a:t>Click to edit Master text styles</a:t>
+            </a:r>
+          </a:p>
+        </p:txBody>
+      </p:sp>
+      <p:sp>
+        <p:nvSpPr>
+          <p:cNvPr id="6" name="Content Placeholder 5"/>
+          <p:cNvSpPr>
+            <a:spLocks noGrp="1"/>
+          </p:cNvSpPr>
+          <p:nvPr>
+            <p:ph sz="quarter" idx="4"/>
+          </p:nvPr>
+        </p:nvSpPr>
+        <p:spPr>
+          <a:xfrm>
+            <a:off x="4645025" y="2174875"/>
+            <a:ext cx="4041775" cy="3951288"/>
+          </a:xfrm>
+        </p:spPr>
+        <p:txBody>
+          <a:bodyPr/>
+          <a:lstStyle>
+            <a:lvl1pPr>
+              <a:defRPr sz="2400"/>
+            </a:lvl1pPr>
+            <a:lvl2pPr>
+              <a:defRPr sz="2000"/>
+            </a:lvl2pPr>
+            <a:lvl3pPr>
+              <a:defRPr sz="1800"/>
+            </a:lvl3pPr>
+            <a:lvl4pPr>
+              <a:defRPr sz="1600"/>
+            </a:lvl4pPr>
+            <a:lvl5pPr>
+              <a:defRPr sz="1600"/>
+            </a:lvl5pPr>
+            <a:lvl6pPr>
+              <a:defRPr sz="1600"/>
+            </a:lvl6pPr>
+            <a:lvl7pPr>
+              <a:defRPr sz="1600"/>
+            </a:lvl7pPr>
+            <a:lvl8pPr>
+              <a:defRPr sz="1600"/>
+            </a:lvl8pPr>
+            <a:lvl9pPr>
+              <a:defRPr sz="1600"/>
+            </a:lvl9pPr>
+          </a:lstStyle>
+          <a:p>
+            <a:pPr lvl="0"/>
+            <a:r>
+              <a:rPr lang="en-US"/>
+              <a:t>Click to edit Master text styles</a:t>
+            </a:r>
+          </a:p>
+          <a:p>
+            <a:pPr lvl="1"/>
+            <a:r>
+              <a:rPr lang="en-US"/>
+              <a:t>Second level</a:t>
+            </a:r>
+          </a:p>
+          <a:p>
+            <a:pPr lvl="2"/>
+            <a:r>
+              <a:rPr lang="en-US"/>
+              <a:t>Third level</a:t>
+            </a:r>
+          </a:p>
+          <a:p>
+            <a:pPr lvl="3"/>
+            <a:r>
+              <a:rPr lang="en-US"/>
+              <a:t>Fourth level</a:t>
+            </a:r>
+          </a:p>
+          <a:p>
+            <a:pPr lvl="4"/>
+            <a:r>
+              <a:rPr lang="en-US"/>
+              <a:t>Fifth level</a:t>
+            </a:r>
+            <a:endParaRPr lang="ru-RU" dirty="0"/>
+          </a:p>
+        </p:txBody>
+      </p:sp>
+    </p:spTree>
+    <p:extLst>
+      <p:ext uri="{BB962C8B-B14F-4D97-AF65-F5344CB8AC3E}">
+        <p14:creationId xmlns:p14="http://schemas.microsoft.com/office/powerpoint/2010/main" val="4044979405"/>
+      </p:ext>
+    </p:extLst>
+  </p:cSld>
+  <p:clrMapOvr>
+    <a:masterClrMapping/>
+  </p:clrMapOvr>
+</p:sldLayout>
+</file>
+
+<file path=ppt/slideLayouts/slideLayout5.xml><?xml version="1.0" encoding="utf-8"?>
+<p:sldLayout xmlns:a="http://schemas.openxmlformats.org/drawingml/2006/main" xmlns:r="http://schemas.openxmlformats.org/officeDocument/2006/relationships" xmlns:p="http://schemas.openxmlformats.org/presentationml/2006/main" type="titleOnly" preserve="1">
+  <p:cSld name="Title Only">
+    <p:spTree>
+      <p:nvGrpSpPr>
+        <p:cNvPr id="1" name=""/>
+        <p:cNvGrpSpPr/>
+        <p:nvPr/>
+      </p:nvGrpSpPr>
+      <p:grpSpPr>
+        <a:xfrm>
+          <a:off x="0" y="0"/>
+          <a:ext cx="0" cy="0"/>
+          <a:chOff x="0" y="0"/>
+          <a:chExt cx="0" cy="0"/>
+        </a:xfrm>
+      </p:grpSpPr>
+      <p:sp>
+        <p:nvSpPr>
+          <p:cNvPr id="2" name="Title 1"/>
+          <p:cNvSpPr>
+            <a:spLocks noGrp="1"/>
+          </p:cNvSpPr>
+          <p:nvPr>
+            <p:ph type="title"/>
+          </p:nvPr>
+        </p:nvSpPr>
+        <p:spPr/>
+        <p:txBody>
+          <a:bodyPr/>
+          <a:lstStyle/>
+          <a:p>
+            <a:r>
+              <a:rPr lang="en-US"/>
+              <a:t>Click to edit Master title style</a:t>
+            </a:r>
+            <a:endParaRPr lang="ru-RU" dirty="0"/>
+          </a:p>
+        </p:txBody>
+      </p:sp>
+    </p:spTree>
+    <p:extLst>
+      <p:ext uri="{BB962C8B-B14F-4D97-AF65-F5344CB8AC3E}">
+        <p14:creationId xmlns:p14="http://schemas.microsoft.com/office/powerpoint/2010/main" val="125202666"/>
+      </p:ext>
+    </p:extLst>
+  </p:cSld>
+  <p:clrMapOvr>
+    <a:masterClrMapping/>
+  </p:clrMapOvr>
+</p:sldLayout>
+</file>
+
+<file path=ppt/slideLayouts/slideLayout6.xml><?xml version="1.0" encoding="utf-8"?>
+<p:sldLayout xmlns:a="http://schemas.openxmlformats.org/drawingml/2006/main" xmlns:r="http://schemas.openxmlformats.org/officeDocument/2006/relationships" xmlns:p="http://schemas.openxmlformats.org/presentationml/2006/main" preserve="1" userDrawn="1">
+  <p:cSld name="Demo">
+    <p:spTree>
+      <p:nvGrpSpPr>
+        <p:cNvPr id="1" name=""/>
+        <p:cNvGrpSpPr/>
+        <p:nvPr/>
+      </p:nvGrpSpPr>
+      <p:grpSpPr>
+        <a:xfrm>
+          <a:off x="0" y="0"/>
+          <a:ext cx="0" cy="0"/>
+          <a:chOff x="0" y="0"/>
+          <a:chExt cx="0" cy="0"/>
+        </a:xfrm>
+      </p:grpSpPr>
+      <p:sp>
+        <p:nvSpPr>
+          <p:cNvPr id="10" name="TextBox 9"/>
+          <p:cNvSpPr txBox="1"/>
+          <p:nvPr userDrawn="1"/>
+        </p:nvSpPr>
+        <p:spPr>
+          <a:xfrm>
+            <a:off x="359532" y="3136613"/>
+            <a:ext cx="8424936" cy="584775"/>
+          </a:xfrm>
+          <a:prstGeom prst="rect">
+            <a:avLst/>
+          </a:prstGeom>
+          <a:noFill/>
+        </p:spPr>
+        <p:txBody>
+          <a:bodyPr wrap="square" rtlCol="0" anchor="ctr">
+            <a:spAutoFit/>
+          </a:bodyPr>
+          <a:lstStyle/>
+          <a:p>
+            <a:pPr algn="ctr"/>
+            <a:r>
+              <a:rPr lang="ru-RU" sz="3200" dirty="0"/>
+              <a:t>Название.</a:t>
+            </a:r>
+            <a:r>
+              <a:rPr lang="ru-RU" sz="3200" baseline="0" dirty="0"/>
+              <a:t> Демонстрация.</a:t>
+            </a:r>
+            <a:endParaRPr lang="ru-RU" sz="3200" dirty="0"/>
+          </a:p>
+        </p:txBody>
+      </p:sp>
+    </p:spTree>
+    <p:extLst>
+      <p:ext uri="{BB962C8B-B14F-4D97-AF65-F5344CB8AC3E}">
+        <p14:creationId xmlns:p14="http://schemas.microsoft.com/office/powerpoint/2010/main" val="3308008441"/>
+      </p:ext>
+    </p:extLst>
+  </p:cSld>
+  <p:clrMapOvr>
+    <a:masterClrMapping/>
+  </p:clrMapOvr>
+</p:sldLayout>
+</file>
+
+<file path=ppt/slideLayouts/slideLayout7.xml><?xml version="1.0" encoding="utf-8"?>
+<p:sldLayout xmlns:a="http://schemas.openxmlformats.org/drawingml/2006/main" xmlns:r="http://schemas.openxmlformats.org/officeDocument/2006/relationships" xmlns:p="http://schemas.openxmlformats.org/presentationml/2006/main" type="blank" preserve="1">
+  <p:cSld name="1_Blank">
+    <p:spTree>
+      <p:nvGrpSpPr>
+        <p:cNvPr id="1" name=""/>
+        <p:cNvGrpSpPr/>
+        <p:nvPr/>
+      </p:nvGrpSpPr>
+      <p:grpSpPr>
+        <a:xfrm>
+          <a:off x="0" y="0"/>
+          <a:ext cx="0" cy="0"/>
+          <a:chOff x="0" y="0"/>
+          <a:chExt cx="0" cy="0"/>
+        </a:xfrm>
+      </p:grpSpPr>
+    </p:spTree>
+    <p:extLst>
+      <p:ext uri="{BB962C8B-B14F-4D97-AF65-F5344CB8AC3E}">
+        <p14:creationId xmlns:p14="http://schemas.microsoft.com/office/powerpoint/2010/main" val="2618453949"/>
+      </p:ext>
+    </p:extLst>
+  </p:cSld>
+  <p:clrMapOvr>
+    <a:masterClrMapping/>
+  </p:clrMapOvr>
+</p:sldLayout>
+</file>
+
+<file path=ppt/slideLayouts/slideLayout8.xml><?xml version="1.0" encoding="utf-8"?>
+<p:sldLayout xmlns:a="http://schemas.openxmlformats.org/drawingml/2006/main" xmlns:r="http://schemas.openxmlformats.org/officeDocument/2006/relationships" xmlns:p="http://schemas.openxmlformats.org/presentationml/2006/main" type="objTx" preserve="1">
+  <p:cSld name="Content with Caption">
+    <p:spTree>
+      <p:nvGrpSpPr>
+        <p:cNvPr id="1" name=""/>
+        <p:cNvGrpSpPr/>
+        <p:nvPr/>
+      </p:nvGrpSpPr>
+      <p:grpSpPr>
+        <a:xfrm>
+          <a:off x="0" y="0"/>
+          <a:ext cx="0" cy="0"/>
+          <a:chOff x="0" y="0"/>
+          <a:chExt cx="0" cy="0"/>
+        </a:xfrm>
+      </p:grpSpPr>
+      <p:sp>
+        <p:nvSpPr>
+          <p:cNvPr id="2" name="Title 1"/>
+          <p:cNvSpPr>
+            <a:spLocks noGrp="1"/>
+          </p:cNvSpPr>
+          <p:nvPr>
+            <p:ph type="title"/>
+          </p:nvPr>
+        </p:nvSpPr>
+        <p:spPr>
+          <a:xfrm>
+            <a:off x="457200" y="273050"/>
+            <a:ext cx="3008313" cy="1162050"/>
+          </a:xfrm>
+        </p:spPr>
+        <p:txBody>
+          <a:bodyPr anchor="b"/>
+          <a:lstStyle>
+            <a:lvl1pPr algn="l">
+              <a:defRPr sz="2000" b="1"/>
+            </a:lvl1pPr>
+          </a:lstStyle>
+          <a:p>
+            <a:r>
+              <a:rPr lang="en-US"/>
+              <a:t>Click to edit Master title style</a:t>
+            </a:r>
+            <a:endParaRPr lang="ru-RU" dirty="0"/>
+          </a:p>
+        </p:txBody>
+      </p:sp>
+      <p:sp>
+        <p:nvSpPr>
+          <p:cNvPr id="3" name="Content Placeholder 2"/>
+          <p:cNvSpPr>
+            <a:spLocks noGrp="1"/>
+          </p:cNvSpPr>
+          <p:nvPr>
+            <p:ph idx="1"/>
+          </p:nvPr>
+        </p:nvSpPr>
+        <p:spPr>
+          <a:xfrm>
+            <a:off x="3575050" y="273050"/>
+            <a:ext cx="5111750" cy="5853113"/>
+          </a:xfrm>
+        </p:spPr>
+        <p:txBody>
+          <a:bodyPr/>
+          <a:lstStyle>
+            <a:lvl1pPr>
+              <a:defRPr sz="3200"/>
+            </a:lvl1pPr>
+            <a:lvl2pPr>
+              <a:defRPr sz="2800"/>
+            </a:lvl2pPr>
+            <a:lvl3pPr>
+              <a:defRPr sz="2400"/>
+            </a:lvl3pPr>
+            <a:lvl4pPr>
+              <a:defRPr sz="2000"/>
+            </a:lvl4pPr>
+            <a:lvl5pPr>
+              <a:defRPr sz="2000"/>
+            </a:lvl5pPr>
+            <a:lvl6pPr>
+              <a:defRPr sz="2000"/>
+            </a:lvl6pPr>
+            <a:lvl7pPr>
+              <a:defRPr sz="2000"/>
+            </a:lvl7pPr>
+            <a:lvl8pPr>
+              <a:defRPr sz="2000"/>
+            </a:lvl8pPr>
+            <a:lvl9pPr>
+              <a:defRPr sz="2000"/>
+            </a:lvl9pPr>
+          </a:lstStyle>
+          <a:p>
+            <a:pPr lvl="0"/>
+            <a:r>
+              <a:rPr lang="en-US"/>
+              <a:t>Click to edit Master text styles</a:t>
+            </a:r>
+          </a:p>
+          <a:p>
+            <a:pPr lvl="1"/>
+            <a:r>
+              <a:rPr lang="en-US"/>
+              <a:t>Second level</a:t>
+            </a:r>
+          </a:p>
+          <a:p>
+            <a:pPr lvl="2"/>
+            <a:r>
+              <a:rPr lang="en-US"/>
+              <a:t>Third level</a:t>
+            </a:r>
+          </a:p>
+          <a:p>
+            <a:pPr lvl="3"/>
+            <a:r>
+              <a:rPr lang="en-US"/>
+              <a:t>Fourth level</a:t>
+            </a:r>
+          </a:p>
+          <a:p>
+            <a:pPr lvl="4"/>
+            <a:r>
+              <a:rPr lang="en-US"/>
+              <a:t>Fifth level</a:t>
+            </a:r>
+            <a:endParaRPr lang="ru-RU" dirty="0"/>
+          </a:p>
+        </p:txBody>
+      </p:sp>
+      <p:sp>
+        <p:nvSpPr>
+          <p:cNvPr id="4" name="Text Placeholder 3"/>
+          <p:cNvSpPr>
+            <a:spLocks noGrp="1"/>
+          </p:cNvSpPr>
+          <p:nvPr>
+            <p:ph type="body" sz="half" idx="2"/>
+          </p:nvPr>
+        </p:nvSpPr>
+        <p:spPr>
+          <a:xfrm>
+            <a:off x="457200" y="1435100"/>
+            <a:ext cx="3008313" cy="4691063"/>
+          </a:xfrm>
+        </p:spPr>
+        <p:txBody>
+          <a:bodyPr/>
+          <a:lstStyle>
+            <a:lvl1pPr marL="0" indent="0">
+              <a:buNone/>
+              <a:defRPr sz="1400"/>
+            </a:lvl1pPr>
+            <a:lvl2pPr marL="457200" indent="0">
+              <a:buNone/>
+              <a:defRPr sz="1200"/>
+            </a:lvl2pPr>
+            <a:lvl3pPr marL="914400" indent="0">
+              <a:buNone/>
+              <a:defRPr sz="1000"/>
+            </a:lvl3pPr>
+            <a:lvl4pPr marL="1371600" indent="0">
+              <a:buNone/>
+              <a:defRPr sz="900"/>
+            </a:lvl4pPr>
+            <a:lvl5pPr marL="1828800" indent="0">
+              <a:buNone/>
+              <a:defRPr sz="900"/>
+            </a:lvl5pPr>
+            <a:lvl6pPr marL="2286000" indent="0">
+              <a:buNone/>
+              <a:defRPr sz="900"/>
+            </a:lvl6pPr>
+            <a:lvl7pPr marL="2743200" indent="0">
+              <a:buNone/>
+              <a:defRPr sz="900"/>
+            </a:lvl7pPr>
+            <a:lvl8pPr marL="3200400" indent="0">
+              <a:buNone/>
+              <a:defRPr sz="900"/>
+            </a:lvl8pPr>
+            <a:lvl9pPr marL="3657600" indent="0">
+              <a:buNone/>
+              <a:defRPr sz="900"/>
+            </a:lvl9pPr>
+          </a:lstStyle>
+          <a:p>
+            <a:pPr lvl="0"/>
+            <a:r>
+              <a:rPr lang="en-US"/>
+              <a:t>Click to edit Master text styles</a:t>
+            </a:r>
+          </a:p>
+        </p:txBody>
+      </p:sp>
+    </p:spTree>
+    <p:extLst>
+      <p:ext uri="{BB962C8B-B14F-4D97-AF65-F5344CB8AC3E}">
+        <p14:creationId xmlns:p14="http://schemas.microsoft.com/office/powerpoint/2010/main" val="4043488563"/>
+      </p:ext>
+    </p:extLst>
+  </p:cSld>
+  <p:clrMapOvr>
+    <a:masterClrMapping/>
+  </p:clrMapOvr>
+</p:sldLayout>
+</file>
+
+<file path=ppt/slideLayouts/slideLayout9.xml><?xml version="1.0" encoding="utf-8"?>
 <p:sldLayout xmlns:a="http://schemas.openxmlformats.org/drawingml/2006/main" xmlns:r="http://schemas.openxmlformats.org/officeDocument/2006/relationships" xmlns:p="http://schemas.openxmlformats.org/presentationml/2006/main" type="picTx" preserve="1">
   <p:cSld name="Picture with Caption">
     <p:spTree>
@@ -903,1701 +2397,13 @@
 </p:sldLayout>
 </file>
 
-<file path=ppt/slideLayouts/slideLayout11.xml><?xml version="1.0" encoding="utf-8"?>
-<p:sldLayout xmlns:a="http://schemas.openxmlformats.org/drawingml/2006/main" xmlns:r="http://schemas.openxmlformats.org/officeDocument/2006/relationships" xmlns:p="http://schemas.openxmlformats.org/presentationml/2006/main" type="vertTx" preserve="1">
-  <p:cSld name="Title and Vertical Text">
-    <p:spTree>
-      <p:nvGrpSpPr>
-        <p:cNvPr id="1" name=""/>
-        <p:cNvGrpSpPr/>
-        <p:nvPr/>
-      </p:nvGrpSpPr>
-      <p:grpSpPr>
-        <a:xfrm>
-          <a:off x="0" y="0"/>
-          <a:ext cx="0" cy="0"/>
-          <a:chOff x="0" y="0"/>
-          <a:chExt cx="0" cy="0"/>
-        </a:xfrm>
-      </p:grpSpPr>
-      <p:sp>
-        <p:nvSpPr>
-          <p:cNvPr id="2" name="Title 1"/>
-          <p:cNvSpPr>
-            <a:spLocks noGrp="1"/>
-          </p:cNvSpPr>
-          <p:nvPr>
-            <p:ph type="title"/>
-          </p:nvPr>
-        </p:nvSpPr>
-        <p:spPr/>
-        <p:txBody>
-          <a:bodyPr/>
-          <a:lstStyle/>
-          <a:p>
-            <a:r>
-              <a:rPr lang="en-US"/>
-              <a:t>Click to edit Master title style</a:t>
-            </a:r>
-            <a:endParaRPr lang="ru-RU" dirty="0"/>
-          </a:p>
-        </p:txBody>
-      </p:sp>
-      <p:sp>
-        <p:nvSpPr>
-          <p:cNvPr id="3" name="Vertical Text Placeholder 2"/>
-          <p:cNvSpPr>
-            <a:spLocks noGrp="1"/>
-          </p:cNvSpPr>
-          <p:nvPr>
-            <p:ph type="body" orient="vert" idx="1"/>
-          </p:nvPr>
-        </p:nvSpPr>
-        <p:spPr/>
-        <p:txBody>
-          <a:bodyPr vert="eaVert"/>
-          <a:lstStyle/>
-          <a:p>
-            <a:pPr lvl="0"/>
-            <a:r>
-              <a:rPr lang="en-US"/>
-              <a:t>Click to edit Master text styles</a:t>
-            </a:r>
-          </a:p>
-          <a:p>
-            <a:pPr lvl="1"/>
-            <a:r>
-              <a:rPr lang="en-US"/>
-              <a:t>Second level</a:t>
-            </a:r>
-          </a:p>
-          <a:p>
-            <a:pPr lvl="2"/>
-            <a:r>
-              <a:rPr lang="en-US"/>
-              <a:t>Third level</a:t>
-            </a:r>
-          </a:p>
-          <a:p>
-            <a:pPr lvl="3"/>
-            <a:r>
-              <a:rPr lang="en-US"/>
-              <a:t>Fourth level</a:t>
-            </a:r>
-          </a:p>
-          <a:p>
-            <a:pPr lvl="4"/>
-            <a:r>
-              <a:rPr lang="en-US"/>
-              <a:t>Fifth level</a:t>
-            </a:r>
-            <a:endParaRPr lang="ru-RU" dirty="0"/>
-          </a:p>
-        </p:txBody>
-      </p:sp>
-    </p:spTree>
-    <p:extLst>
-      <p:ext uri="{BB962C8B-B14F-4D97-AF65-F5344CB8AC3E}">
-        <p14:creationId xmlns:p14="http://schemas.microsoft.com/office/powerpoint/2010/main" val="2015559697"/>
-      </p:ext>
-    </p:extLst>
-  </p:cSld>
-  <p:clrMapOvr>
-    <a:masterClrMapping/>
-  </p:clrMapOvr>
-</p:sldLayout>
-</file>
-
-<file path=ppt/slideLayouts/slideLayout12.xml><?xml version="1.0" encoding="utf-8"?>
-<p:sldLayout xmlns:a="http://schemas.openxmlformats.org/drawingml/2006/main" xmlns:r="http://schemas.openxmlformats.org/officeDocument/2006/relationships" xmlns:p="http://schemas.openxmlformats.org/presentationml/2006/main" type="vertTitleAndTx" preserve="1">
-  <p:cSld name="Vertical Title and Text">
-    <p:spTree>
-      <p:nvGrpSpPr>
-        <p:cNvPr id="1" name=""/>
-        <p:cNvGrpSpPr/>
-        <p:nvPr/>
-      </p:nvGrpSpPr>
-      <p:grpSpPr>
-        <a:xfrm>
-          <a:off x="0" y="0"/>
-          <a:ext cx="0" cy="0"/>
-          <a:chOff x="0" y="0"/>
-          <a:chExt cx="0" cy="0"/>
-        </a:xfrm>
-      </p:grpSpPr>
-      <p:sp>
-        <p:nvSpPr>
-          <p:cNvPr id="2" name="Vertical Title 1"/>
-          <p:cNvSpPr>
-            <a:spLocks noGrp="1"/>
-          </p:cNvSpPr>
-          <p:nvPr>
-            <p:ph type="title" orient="vert"/>
-          </p:nvPr>
-        </p:nvSpPr>
-        <p:spPr>
-          <a:xfrm>
-            <a:off x="6629400" y="274638"/>
-            <a:ext cx="2057400" cy="5851525"/>
-          </a:xfrm>
-        </p:spPr>
-        <p:txBody>
-          <a:bodyPr vert="eaVert"/>
-          <a:lstStyle/>
-          <a:p>
-            <a:r>
-              <a:rPr lang="en-US"/>
-              <a:t>Click to edit Master title style</a:t>
-            </a:r>
-            <a:endParaRPr lang="ru-RU" dirty="0"/>
-          </a:p>
-        </p:txBody>
-      </p:sp>
-      <p:sp>
-        <p:nvSpPr>
-          <p:cNvPr id="3" name="Vertical Text Placeholder 2"/>
-          <p:cNvSpPr>
-            <a:spLocks noGrp="1"/>
-          </p:cNvSpPr>
-          <p:nvPr>
-            <p:ph type="body" orient="vert" idx="1"/>
-          </p:nvPr>
-        </p:nvSpPr>
-        <p:spPr>
-          <a:xfrm>
-            <a:off x="457200" y="274638"/>
-            <a:ext cx="6019800" cy="5851525"/>
-          </a:xfrm>
-        </p:spPr>
-        <p:txBody>
-          <a:bodyPr vert="eaVert"/>
-          <a:lstStyle/>
-          <a:p>
-            <a:pPr lvl="0"/>
-            <a:r>
-              <a:rPr lang="en-US"/>
-              <a:t>Click to edit Master text styles</a:t>
-            </a:r>
-          </a:p>
-          <a:p>
-            <a:pPr lvl="1"/>
-            <a:r>
-              <a:rPr lang="en-US"/>
-              <a:t>Second level</a:t>
-            </a:r>
-          </a:p>
-          <a:p>
-            <a:pPr lvl="2"/>
-            <a:r>
-              <a:rPr lang="en-US"/>
-              <a:t>Third level</a:t>
-            </a:r>
-          </a:p>
-          <a:p>
-            <a:pPr lvl="3"/>
-            <a:r>
-              <a:rPr lang="en-US"/>
-              <a:t>Fourth level</a:t>
-            </a:r>
-          </a:p>
-          <a:p>
-            <a:pPr lvl="4"/>
-            <a:r>
-              <a:rPr lang="en-US"/>
-              <a:t>Fifth level</a:t>
-            </a:r>
-            <a:endParaRPr lang="ru-RU" dirty="0"/>
-          </a:p>
-        </p:txBody>
-      </p:sp>
-    </p:spTree>
-    <p:extLst>
-      <p:ext uri="{BB962C8B-B14F-4D97-AF65-F5344CB8AC3E}">
-        <p14:creationId xmlns:p14="http://schemas.microsoft.com/office/powerpoint/2010/main" val="370514854"/>
-      </p:ext>
-    </p:extLst>
-  </p:cSld>
-  <p:clrMapOvr>
-    <a:masterClrMapping/>
-  </p:clrMapOvr>
-</p:sldLayout>
-</file>
-
-<file path=ppt/slideLayouts/slideLayout13.xml><?xml version="1.0" encoding="utf-8"?>
-<p:sldLayout xmlns:a="http://schemas.openxmlformats.org/drawingml/2006/main" xmlns:r="http://schemas.openxmlformats.org/officeDocument/2006/relationships" xmlns:p="http://schemas.openxmlformats.org/presentationml/2006/main" type="title">
-  <p:cSld name="1_Title Slide">
-    <p:spTree>
-      <p:nvGrpSpPr>
-        <p:cNvPr id="1" name=""/>
-        <p:cNvGrpSpPr/>
-        <p:nvPr/>
-      </p:nvGrpSpPr>
-      <p:grpSpPr>
-        <a:xfrm>
-          <a:off x="0" y="0"/>
-          <a:ext cx="0" cy="0"/>
-          <a:chOff x="0" y="0"/>
-          <a:chExt cx="0" cy="0"/>
-        </a:xfrm>
-      </p:grpSpPr>
-      <p:sp>
-        <p:nvSpPr>
-          <p:cNvPr id="2" name="Title 1"/>
-          <p:cNvSpPr>
-            <a:spLocks noGrp="1"/>
-          </p:cNvSpPr>
-          <p:nvPr>
-            <p:ph type="ctrTitle"/>
-          </p:nvPr>
-        </p:nvSpPr>
-        <p:spPr>
-          <a:xfrm>
-            <a:off x="685800" y="2130425"/>
-            <a:ext cx="7772400" cy="1470025"/>
-          </a:xfrm>
-        </p:spPr>
-        <p:txBody>
-          <a:bodyPr/>
-          <a:lstStyle/>
-          <a:p>
-            <a:r>
-              <a:rPr lang="en-US"/>
-              <a:t>Click to edit Master title style</a:t>
-            </a:r>
-            <a:endParaRPr lang="ru-RU"/>
-          </a:p>
-        </p:txBody>
-      </p:sp>
-      <p:sp>
-        <p:nvSpPr>
-          <p:cNvPr id="3" name="Subtitle 2"/>
-          <p:cNvSpPr>
-            <a:spLocks noGrp="1"/>
-          </p:cNvSpPr>
-          <p:nvPr>
-            <p:ph type="subTitle" idx="1"/>
-          </p:nvPr>
-        </p:nvSpPr>
-        <p:spPr>
-          <a:xfrm>
-            <a:off x="1371600" y="3886200"/>
-            <a:ext cx="6400800" cy="1752600"/>
-          </a:xfrm>
-        </p:spPr>
-        <p:txBody>
-          <a:bodyPr/>
-          <a:lstStyle>
-            <a:lvl1pPr marL="0" indent="0" algn="ctr">
-              <a:buNone/>
-              <a:defRPr>
-                <a:solidFill>
-                  <a:schemeClr val="tx1">
-                    <a:tint val="75000"/>
-                  </a:schemeClr>
-                </a:solidFill>
-              </a:defRPr>
-            </a:lvl1pPr>
-            <a:lvl2pPr marL="457200" indent="0" algn="ctr">
-              <a:buNone/>
-              <a:defRPr>
-                <a:solidFill>
-                  <a:schemeClr val="tx1">
-                    <a:tint val="75000"/>
-                  </a:schemeClr>
-                </a:solidFill>
-              </a:defRPr>
-            </a:lvl2pPr>
-            <a:lvl3pPr marL="914400" indent="0" algn="ctr">
-              <a:buNone/>
-              <a:defRPr>
-                <a:solidFill>
-                  <a:schemeClr val="tx1">
-                    <a:tint val="75000"/>
-                  </a:schemeClr>
-                </a:solidFill>
-              </a:defRPr>
-            </a:lvl3pPr>
-            <a:lvl4pPr marL="1371600" indent="0" algn="ctr">
-              <a:buNone/>
-              <a:defRPr>
-                <a:solidFill>
-                  <a:schemeClr val="tx1">
-                    <a:tint val="75000"/>
-                  </a:schemeClr>
-                </a:solidFill>
-              </a:defRPr>
-            </a:lvl4pPr>
-            <a:lvl5pPr marL="1828800" indent="0" algn="ctr">
-              <a:buNone/>
-              <a:defRPr>
-                <a:solidFill>
-                  <a:schemeClr val="tx1">
-                    <a:tint val="75000"/>
-                  </a:schemeClr>
-                </a:solidFill>
-              </a:defRPr>
-            </a:lvl5pPr>
-            <a:lvl6pPr marL="2286000" indent="0" algn="ctr">
-              <a:buNone/>
-              <a:defRPr>
-                <a:solidFill>
-                  <a:schemeClr val="tx1">
-                    <a:tint val="75000"/>
-                  </a:schemeClr>
-                </a:solidFill>
-              </a:defRPr>
-            </a:lvl6pPr>
-            <a:lvl7pPr marL="2743200" indent="0" algn="ctr">
-              <a:buNone/>
-              <a:defRPr>
-                <a:solidFill>
-                  <a:schemeClr val="tx1">
-                    <a:tint val="75000"/>
-                  </a:schemeClr>
-                </a:solidFill>
-              </a:defRPr>
-            </a:lvl7pPr>
-            <a:lvl8pPr marL="3200400" indent="0" algn="ctr">
-              <a:buNone/>
-              <a:defRPr>
-                <a:solidFill>
-                  <a:schemeClr val="tx1">
-                    <a:tint val="75000"/>
-                  </a:schemeClr>
-                </a:solidFill>
-              </a:defRPr>
-            </a:lvl8pPr>
-            <a:lvl9pPr marL="3657600" indent="0" algn="ctr">
-              <a:buNone/>
-              <a:defRPr>
-                <a:solidFill>
-                  <a:schemeClr val="tx1">
-                    <a:tint val="75000"/>
-                  </a:schemeClr>
-                </a:solidFill>
-              </a:defRPr>
-            </a:lvl9pPr>
-          </a:lstStyle>
-          <a:p>
-            <a:r>
-              <a:rPr lang="en-US"/>
-              <a:t>Click to edit Master subtitle style</a:t>
-            </a:r>
-            <a:endParaRPr lang="ru-RU"/>
-          </a:p>
-        </p:txBody>
-      </p:sp>
-      <p:sp>
-        <p:nvSpPr>
-          <p:cNvPr id="4" name="Date Placeholder 3"/>
-          <p:cNvSpPr>
-            <a:spLocks noGrp="1"/>
-          </p:cNvSpPr>
-          <p:nvPr>
-            <p:ph type="dt" sz="half" idx="10"/>
-          </p:nvPr>
-        </p:nvSpPr>
-        <p:spPr/>
-        <p:txBody>
-          <a:bodyPr/>
-          <a:lstStyle/>
-          <a:p>
-            <a:fld id="{8E6E6A2A-E9D3-4A0D-B04A-ABDD367A1E08}" type="datetimeFigureOut">
-              <a:rPr lang="ru-RU" smtClean="0"/>
-              <a:t>21.09.2018</a:t>
-            </a:fld>
-            <a:endParaRPr lang="ru-RU"/>
-          </a:p>
-        </p:txBody>
-      </p:sp>
-      <p:sp>
-        <p:nvSpPr>
-          <p:cNvPr id="5" name="Footer Placeholder 4"/>
-          <p:cNvSpPr>
-            <a:spLocks noGrp="1"/>
-          </p:cNvSpPr>
-          <p:nvPr>
-            <p:ph type="ftr" sz="quarter" idx="11"/>
-          </p:nvPr>
-        </p:nvSpPr>
-        <p:spPr/>
-        <p:txBody>
-          <a:bodyPr/>
-          <a:lstStyle/>
-          <a:p>
-            <a:endParaRPr lang="ru-RU"/>
-          </a:p>
-        </p:txBody>
-      </p:sp>
-      <p:sp>
-        <p:nvSpPr>
-          <p:cNvPr id="6" name="Slide Number Placeholder 5"/>
-          <p:cNvSpPr>
-            <a:spLocks noGrp="1"/>
-          </p:cNvSpPr>
-          <p:nvPr>
-            <p:ph type="sldNum" sz="quarter" idx="12"/>
-          </p:nvPr>
-        </p:nvSpPr>
-        <p:spPr/>
-        <p:txBody>
-          <a:bodyPr/>
-          <a:lstStyle/>
-          <a:p>
-            <a:fld id="{BC0D3D34-2E8A-4A38-B864-C677BA056495}" type="slidenum">
-              <a:rPr lang="ru-RU" smtClean="0"/>
-              <a:t>‹#›</a:t>
-            </a:fld>
-            <a:endParaRPr lang="ru-RU"/>
-          </a:p>
-        </p:txBody>
-      </p:sp>
-    </p:spTree>
-    <p:extLst>
-      <p:ext uri="{BB962C8B-B14F-4D97-AF65-F5344CB8AC3E}">
-        <p14:creationId xmlns:p14="http://schemas.microsoft.com/office/powerpoint/2010/main" val="1842100032"/>
-      </p:ext>
-    </p:extLst>
-  </p:cSld>
-  <p:clrMapOvr>
-    <a:masterClrMapping/>
-  </p:clrMapOvr>
-</p:sldLayout>
-</file>
-
-<file path=ppt/slideLayouts/slideLayout2.xml><?xml version="1.0" encoding="utf-8"?>
-<p:sldLayout xmlns:a="http://schemas.openxmlformats.org/drawingml/2006/main" xmlns:r="http://schemas.openxmlformats.org/officeDocument/2006/relationships" xmlns:p="http://schemas.openxmlformats.org/presentationml/2006/main" type="obj" preserve="1">
-  <p:cSld name="Title and Content">
-    <p:spTree>
-      <p:nvGrpSpPr>
-        <p:cNvPr id="1" name=""/>
-        <p:cNvGrpSpPr/>
-        <p:nvPr/>
-      </p:nvGrpSpPr>
-      <p:grpSpPr>
-        <a:xfrm>
-          <a:off x="0" y="0"/>
-          <a:ext cx="0" cy="0"/>
-          <a:chOff x="0" y="0"/>
-          <a:chExt cx="0" cy="0"/>
-        </a:xfrm>
-      </p:grpSpPr>
-      <p:sp>
-        <p:nvSpPr>
-          <p:cNvPr id="2" name="Title 1"/>
-          <p:cNvSpPr>
-            <a:spLocks noGrp="1"/>
-          </p:cNvSpPr>
-          <p:nvPr>
-            <p:ph type="title"/>
-          </p:nvPr>
-        </p:nvSpPr>
-        <p:spPr/>
-        <p:txBody>
-          <a:bodyPr/>
-          <a:lstStyle/>
-          <a:p>
-            <a:r>
-              <a:rPr lang="en-US"/>
-              <a:t>Click to edit Master title style</a:t>
-            </a:r>
-            <a:endParaRPr lang="ru-RU" dirty="0"/>
-          </a:p>
-        </p:txBody>
-      </p:sp>
-      <p:sp>
-        <p:nvSpPr>
-          <p:cNvPr id="3" name="Content Placeholder 2"/>
-          <p:cNvSpPr>
-            <a:spLocks noGrp="1"/>
-          </p:cNvSpPr>
-          <p:nvPr>
-            <p:ph idx="1"/>
-          </p:nvPr>
-        </p:nvSpPr>
-        <p:spPr/>
-        <p:txBody>
-          <a:bodyPr/>
-          <a:lstStyle/>
-          <a:p>
-            <a:pPr lvl="0"/>
-            <a:r>
-              <a:rPr lang="en-US"/>
-              <a:t>Click to edit Master text styles</a:t>
-            </a:r>
-          </a:p>
-          <a:p>
-            <a:pPr lvl="1"/>
-            <a:r>
-              <a:rPr lang="en-US"/>
-              <a:t>Second level</a:t>
-            </a:r>
-          </a:p>
-          <a:p>
-            <a:pPr lvl="2"/>
-            <a:r>
-              <a:rPr lang="en-US"/>
-              <a:t>Third level</a:t>
-            </a:r>
-          </a:p>
-          <a:p>
-            <a:pPr lvl="3"/>
-            <a:r>
-              <a:rPr lang="en-US"/>
-              <a:t>Fourth level</a:t>
-            </a:r>
-          </a:p>
-          <a:p>
-            <a:pPr lvl="4"/>
-            <a:r>
-              <a:rPr lang="en-US"/>
-              <a:t>Fifth level</a:t>
-            </a:r>
-            <a:endParaRPr lang="ru-RU" dirty="0"/>
-          </a:p>
-        </p:txBody>
-      </p:sp>
-    </p:spTree>
-    <p:extLst>
-      <p:ext uri="{BB962C8B-B14F-4D97-AF65-F5344CB8AC3E}">
-        <p14:creationId xmlns:p14="http://schemas.microsoft.com/office/powerpoint/2010/main" val="3363467697"/>
-      </p:ext>
-    </p:extLst>
-  </p:cSld>
-  <p:clrMapOvr>
-    <a:masterClrMapping/>
-  </p:clrMapOvr>
-</p:sldLayout>
-</file>
-
-<file path=ppt/slideLayouts/slideLayout3.xml><?xml version="1.0" encoding="utf-8"?>
-<p:sldLayout xmlns:a="http://schemas.openxmlformats.org/drawingml/2006/main" xmlns:r="http://schemas.openxmlformats.org/officeDocument/2006/relationships" xmlns:p="http://schemas.openxmlformats.org/presentationml/2006/main" type="secHead" preserve="1">
-  <p:cSld name="Section Header">
-    <p:spTree>
-      <p:nvGrpSpPr>
-        <p:cNvPr id="1" name=""/>
-        <p:cNvGrpSpPr/>
-        <p:nvPr/>
-      </p:nvGrpSpPr>
-      <p:grpSpPr>
-        <a:xfrm>
-          <a:off x="0" y="0"/>
-          <a:ext cx="0" cy="0"/>
-          <a:chOff x="0" y="0"/>
-          <a:chExt cx="0" cy="0"/>
-        </a:xfrm>
-      </p:grpSpPr>
-      <p:sp>
-        <p:nvSpPr>
-          <p:cNvPr id="2" name="Title 1"/>
-          <p:cNvSpPr>
-            <a:spLocks noGrp="1"/>
-          </p:cNvSpPr>
-          <p:nvPr>
-            <p:ph type="title"/>
-          </p:nvPr>
-        </p:nvSpPr>
-        <p:spPr>
-          <a:xfrm>
-            <a:off x="722313" y="4406900"/>
-            <a:ext cx="7772400" cy="1362075"/>
-          </a:xfrm>
-        </p:spPr>
-        <p:txBody>
-          <a:bodyPr anchor="t"/>
-          <a:lstStyle>
-            <a:lvl1pPr algn="l">
-              <a:defRPr sz="4000" b="1" cap="all"/>
-            </a:lvl1pPr>
-          </a:lstStyle>
-          <a:p>
-            <a:r>
-              <a:rPr lang="en-US"/>
-              <a:t>Click to edit Master title style</a:t>
-            </a:r>
-            <a:endParaRPr lang="ru-RU" dirty="0"/>
-          </a:p>
-        </p:txBody>
-      </p:sp>
-      <p:sp>
-        <p:nvSpPr>
-          <p:cNvPr id="3" name="Text Placeholder 2"/>
-          <p:cNvSpPr>
-            <a:spLocks noGrp="1"/>
-          </p:cNvSpPr>
-          <p:nvPr>
-            <p:ph type="body" idx="1"/>
-          </p:nvPr>
-        </p:nvSpPr>
-        <p:spPr>
-          <a:xfrm>
-            <a:off x="722313" y="2906713"/>
-            <a:ext cx="7772400" cy="1500187"/>
-          </a:xfrm>
-        </p:spPr>
-        <p:txBody>
-          <a:bodyPr anchor="b"/>
-          <a:lstStyle>
-            <a:lvl1pPr marL="0" indent="0">
-              <a:buNone/>
-              <a:defRPr sz="2000">
-                <a:solidFill>
-                  <a:schemeClr val="tx1">
-                    <a:tint val="75000"/>
-                  </a:schemeClr>
-                </a:solidFill>
-              </a:defRPr>
-            </a:lvl1pPr>
-            <a:lvl2pPr marL="457200" indent="0">
-              <a:buNone/>
-              <a:defRPr sz="1800">
-                <a:solidFill>
-                  <a:schemeClr val="tx1">
-                    <a:tint val="75000"/>
-                  </a:schemeClr>
-                </a:solidFill>
-              </a:defRPr>
-            </a:lvl2pPr>
-            <a:lvl3pPr marL="914400" indent="0">
-              <a:buNone/>
-              <a:defRPr sz="1600">
-                <a:solidFill>
-                  <a:schemeClr val="tx1">
-                    <a:tint val="75000"/>
-                  </a:schemeClr>
-                </a:solidFill>
-              </a:defRPr>
-            </a:lvl3pPr>
-            <a:lvl4pPr marL="1371600" indent="0">
-              <a:buNone/>
-              <a:defRPr sz="1400">
-                <a:solidFill>
-                  <a:schemeClr val="tx1">
-                    <a:tint val="75000"/>
-                  </a:schemeClr>
-                </a:solidFill>
-              </a:defRPr>
-            </a:lvl4pPr>
-            <a:lvl5pPr marL="1828800" indent="0">
-              <a:buNone/>
-              <a:defRPr sz="1400">
-                <a:solidFill>
-                  <a:schemeClr val="tx1">
-                    <a:tint val="75000"/>
-                  </a:schemeClr>
-                </a:solidFill>
-              </a:defRPr>
-            </a:lvl5pPr>
-            <a:lvl6pPr marL="2286000" indent="0">
-              <a:buNone/>
-              <a:defRPr sz="1400">
-                <a:solidFill>
-                  <a:schemeClr val="tx1">
-                    <a:tint val="75000"/>
-                  </a:schemeClr>
-                </a:solidFill>
-              </a:defRPr>
-            </a:lvl6pPr>
-            <a:lvl7pPr marL="2743200" indent="0">
-              <a:buNone/>
-              <a:defRPr sz="1400">
-                <a:solidFill>
-                  <a:schemeClr val="tx1">
-                    <a:tint val="75000"/>
-                  </a:schemeClr>
-                </a:solidFill>
-              </a:defRPr>
-            </a:lvl7pPr>
-            <a:lvl8pPr marL="3200400" indent="0">
-              <a:buNone/>
-              <a:defRPr sz="1400">
-                <a:solidFill>
-                  <a:schemeClr val="tx1">
-                    <a:tint val="75000"/>
-                  </a:schemeClr>
-                </a:solidFill>
-              </a:defRPr>
-            </a:lvl8pPr>
-            <a:lvl9pPr marL="3657600" indent="0">
-              <a:buNone/>
-              <a:defRPr sz="1400">
-                <a:solidFill>
-                  <a:schemeClr val="tx1">
-                    <a:tint val="75000"/>
-                  </a:schemeClr>
-                </a:solidFill>
-              </a:defRPr>
-            </a:lvl9pPr>
-          </a:lstStyle>
-          <a:p>
-            <a:pPr lvl="0"/>
-            <a:r>
-              <a:rPr lang="en-US"/>
-              <a:t>Click to edit Master text styles</a:t>
-            </a:r>
-          </a:p>
-        </p:txBody>
-      </p:sp>
-    </p:spTree>
-    <p:extLst>
-      <p:ext uri="{BB962C8B-B14F-4D97-AF65-F5344CB8AC3E}">
-        <p14:creationId xmlns:p14="http://schemas.microsoft.com/office/powerpoint/2010/main" val="1627150216"/>
-      </p:ext>
-    </p:extLst>
-  </p:cSld>
-  <p:clrMapOvr>
-    <a:masterClrMapping/>
-  </p:clrMapOvr>
-</p:sldLayout>
-</file>
-
-<file path=ppt/slideLayouts/slideLayout4.xml><?xml version="1.0" encoding="utf-8"?>
-<p:sldLayout xmlns:a="http://schemas.openxmlformats.org/drawingml/2006/main" xmlns:r="http://schemas.openxmlformats.org/officeDocument/2006/relationships" xmlns:p="http://schemas.openxmlformats.org/presentationml/2006/main" type="twoObj" preserve="1">
-  <p:cSld name="Two Content">
-    <p:spTree>
-      <p:nvGrpSpPr>
-        <p:cNvPr id="1" name=""/>
-        <p:cNvGrpSpPr/>
-        <p:nvPr/>
-      </p:nvGrpSpPr>
-      <p:grpSpPr>
-        <a:xfrm>
-          <a:off x="0" y="0"/>
-          <a:ext cx="0" cy="0"/>
-          <a:chOff x="0" y="0"/>
-          <a:chExt cx="0" cy="0"/>
-        </a:xfrm>
-      </p:grpSpPr>
-      <p:sp>
-        <p:nvSpPr>
-          <p:cNvPr id="2" name="Title 1"/>
-          <p:cNvSpPr>
-            <a:spLocks noGrp="1"/>
-          </p:cNvSpPr>
-          <p:nvPr>
-            <p:ph type="title"/>
-          </p:nvPr>
-        </p:nvSpPr>
-        <p:spPr/>
-        <p:txBody>
-          <a:bodyPr/>
-          <a:lstStyle/>
-          <a:p>
-            <a:r>
-              <a:rPr lang="en-US"/>
-              <a:t>Click to edit Master title style</a:t>
-            </a:r>
-            <a:endParaRPr lang="ru-RU" dirty="0"/>
-          </a:p>
-        </p:txBody>
-      </p:sp>
-      <p:sp>
-        <p:nvSpPr>
-          <p:cNvPr id="3" name="Content Placeholder 2"/>
-          <p:cNvSpPr>
-            <a:spLocks noGrp="1"/>
-          </p:cNvSpPr>
-          <p:nvPr>
-            <p:ph sz="half" idx="1"/>
-          </p:nvPr>
-        </p:nvSpPr>
-        <p:spPr>
-          <a:xfrm>
-            <a:off x="457200" y="1600200"/>
-            <a:ext cx="4038600" cy="4525963"/>
-          </a:xfrm>
-        </p:spPr>
-        <p:txBody>
-          <a:bodyPr/>
-          <a:lstStyle>
-            <a:lvl1pPr>
-              <a:defRPr sz="2800"/>
-            </a:lvl1pPr>
-            <a:lvl2pPr>
-              <a:defRPr sz="2400"/>
-            </a:lvl2pPr>
-            <a:lvl3pPr>
-              <a:defRPr sz="2000"/>
-            </a:lvl3pPr>
-            <a:lvl4pPr>
-              <a:defRPr sz="1800"/>
-            </a:lvl4pPr>
-            <a:lvl5pPr>
-              <a:defRPr sz="1800"/>
-            </a:lvl5pPr>
-            <a:lvl6pPr>
-              <a:defRPr sz="1800"/>
-            </a:lvl6pPr>
-            <a:lvl7pPr>
-              <a:defRPr sz="1800"/>
-            </a:lvl7pPr>
-            <a:lvl8pPr>
-              <a:defRPr sz="1800"/>
-            </a:lvl8pPr>
-            <a:lvl9pPr>
-              <a:defRPr sz="1800"/>
-            </a:lvl9pPr>
-          </a:lstStyle>
-          <a:p>
-            <a:pPr lvl="0"/>
-            <a:r>
-              <a:rPr lang="en-US"/>
-              <a:t>Click to edit Master text styles</a:t>
-            </a:r>
-          </a:p>
-          <a:p>
-            <a:pPr lvl="1"/>
-            <a:r>
-              <a:rPr lang="en-US"/>
-              <a:t>Second level</a:t>
-            </a:r>
-          </a:p>
-          <a:p>
-            <a:pPr lvl="2"/>
-            <a:r>
-              <a:rPr lang="en-US"/>
-              <a:t>Third level</a:t>
-            </a:r>
-          </a:p>
-          <a:p>
-            <a:pPr lvl="3"/>
-            <a:r>
-              <a:rPr lang="en-US"/>
-              <a:t>Fourth level</a:t>
-            </a:r>
-          </a:p>
-          <a:p>
-            <a:pPr lvl="4"/>
-            <a:r>
-              <a:rPr lang="en-US"/>
-              <a:t>Fifth level</a:t>
-            </a:r>
-            <a:endParaRPr lang="ru-RU" dirty="0"/>
-          </a:p>
-        </p:txBody>
-      </p:sp>
-      <p:sp>
-        <p:nvSpPr>
-          <p:cNvPr id="4" name="Content Placeholder 3"/>
-          <p:cNvSpPr>
-            <a:spLocks noGrp="1"/>
-          </p:cNvSpPr>
-          <p:nvPr>
-            <p:ph sz="half" idx="2"/>
-          </p:nvPr>
-        </p:nvSpPr>
-        <p:spPr>
-          <a:xfrm>
-            <a:off x="4648200" y="1600200"/>
-            <a:ext cx="4038600" cy="4525963"/>
-          </a:xfrm>
-        </p:spPr>
-        <p:txBody>
-          <a:bodyPr/>
-          <a:lstStyle>
-            <a:lvl1pPr>
-              <a:defRPr sz="2800"/>
-            </a:lvl1pPr>
-            <a:lvl2pPr>
-              <a:defRPr sz="2400"/>
-            </a:lvl2pPr>
-            <a:lvl3pPr>
-              <a:defRPr sz="2000"/>
-            </a:lvl3pPr>
-            <a:lvl4pPr>
-              <a:defRPr sz="1800"/>
-            </a:lvl4pPr>
-            <a:lvl5pPr>
-              <a:defRPr sz="1800"/>
-            </a:lvl5pPr>
-            <a:lvl6pPr>
-              <a:defRPr sz="1800"/>
-            </a:lvl6pPr>
-            <a:lvl7pPr>
-              <a:defRPr sz="1800"/>
-            </a:lvl7pPr>
-            <a:lvl8pPr>
-              <a:defRPr sz="1800"/>
-            </a:lvl8pPr>
-            <a:lvl9pPr>
-              <a:defRPr sz="1800"/>
-            </a:lvl9pPr>
-          </a:lstStyle>
-          <a:p>
-            <a:pPr lvl="0"/>
-            <a:r>
-              <a:rPr lang="en-US"/>
-              <a:t>Click to edit Master text styles</a:t>
-            </a:r>
-          </a:p>
-          <a:p>
-            <a:pPr lvl="1"/>
-            <a:r>
-              <a:rPr lang="en-US"/>
-              <a:t>Second level</a:t>
-            </a:r>
-          </a:p>
-          <a:p>
-            <a:pPr lvl="2"/>
-            <a:r>
-              <a:rPr lang="en-US"/>
-              <a:t>Third level</a:t>
-            </a:r>
-          </a:p>
-          <a:p>
-            <a:pPr lvl="3"/>
-            <a:r>
-              <a:rPr lang="en-US"/>
-              <a:t>Fourth level</a:t>
-            </a:r>
-          </a:p>
-          <a:p>
-            <a:pPr lvl="4"/>
-            <a:r>
-              <a:rPr lang="en-US"/>
-              <a:t>Fifth level</a:t>
-            </a:r>
-            <a:endParaRPr lang="ru-RU" dirty="0"/>
-          </a:p>
-        </p:txBody>
-      </p:sp>
-    </p:spTree>
-    <p:extLst>
-      <p:ext uri="{BB962C8B-B14F-4D97-AF65-F5344CB8AC3E}">
-        <p14:creationId xmlns:p14="http://schemas.microsoft.com/office/powerpoint/2010/main" val="1026234569"/>
-      </p:ext>
-    </p:extLst>
-  </p:cSld>
-  <p:clrMapOvr>
-    <a:masterClrMapping/>
-  </p:clrMapOvr>
-</p:sldLayout>
-</file>
-
-<file path=ppt/slideLayouts/slideLayout5.xml><?xml version="1.0" encoding="utf-8"?>
-<p:sldLayout xmlns:a="http://schemas.openxmlformats.org/drawingml/2006/main" xmlns:r="http://schemas.openxmlformats.org/officeDocument/2006/relationships" xmlns:p="http://schemas.openxmlformats.org/presentationml/2006/main" type="twoTxTwoObj" preserve="1">
-  <p:cSld name="Comparison">
-    <p:spTree>
-      <p:nvGrpSpPr>
-        <p:cNvPr id="1" name=""/>
-        <p:cNvGrpSpPr/>
-        <p:nvPr/>
-      </p:nvGrpSpPr>
-      <p:grpSpPr>
-        <a:xfrm>
-          <a:off x="0" y="0"/>
-          <a:ext cx="0" cy="0"/>
-          <a:chOff x="0" y="0"/>
-          <a:chExt cx="0" cy="0"/>
-        </a:xfrm>
-      </p:grpSpPr>
-      <p:sp>
-        <p:nvSpPr>
-          <p:cNvPr id="2" name="Title 1"/>
-          <p:cNvSpPr>
-            <a:spLocks noGrp="1"/>
-          </p:cNvSpPr>
-          <p:nvPr>
-            <p:ph type="title"/>
-          </p:nvPr>
-        </p:nvSpPr>
-        <p:spPr/>
-        <p:txBody>
-          <a:bodyPr/>
-          <a:lstStyle>
-            <a:lvl1pPr>
-              <a:defRPr/>
-            </a:lvl1pPr>
-          </a:lstStyle>
-          <a:p>
-            <a:r>
-              <a:rPr lang="en-US"/>
-              <a:t>Click to edit Master title style</a:t>
-            </a:r>
-            <a:endParaRPr lang="ru-RU" dirty="0"/>
-          </a:p>
-        </p:txBody>
-      </p:sp>
-      <p:sp>
-        <p:nvSpPr>
-          <p:cNvPr id="3" name="Text Placeholder 2"/>
-          <p:cNvSpPr>
-            <a:spLocks noGrp="1"/>
-          </p:cNvSpPr>
-          <p:nvPr>
-            <p:ph type="body" idx="1"/>
-          </p:nvPr>
-        </p:nvSpPr>
-        <p:spPr>
-          <a:xfrm>
-            <a:off x="457200" y="1535113"/>
-            <a:ext cx="4040188" cy="639762"/>
-          </a:xfrm>
-        </p:spPr>
-        <p:txBody>
-          <a:bodyPr anchor="b"/>
-          <a:lstStyle>
-            <a:lvl1pPr marL="0" indent="0">
-              <a:buNone/>
-              <a:defRPr sz="2400" b="1"/>
-            </a:lvl1pPr>
-            <a:lvl2pPr marL="457200" indent="0">
-              <a:buNone/>
-              <a:defRPr sz="2000" b="1"/>
-            </a:lvl2pPr>
-            <a:lvl3pPr marL="914400" indent="0">
-              <a:buNone/>
-              <a:defRPr sz="1800" b="1"/>
-            </a:lvl3pPr>
-            <a:lvl4pPr marL="1371600" indent="0">
-              <a:buNone/>
-              <a:defRPr sz="1600" b="1"/>
-            </a:lvl4pPr>
-            <a:lvl5pPr marL="1828800" indent="0">
-              <a:buNone/>
-              <a:defRPr sz="1600" b="1"/>
-            </a:lvl5pPr>
-            <a:lvl6pPr marL="2286000" indent="0">
-              <a:buNone/>
-              <a:defRPr sz="1600" b="1"/>
-            </a:lvl6pPr>
-            <a:lvl7pPr marL="2743200" indent="0">
-              <a:buNone/>
-              <a:defRPr sz="1600" b="1"/>
-            </a:lvl7pPr>
-            <a:lvl8pPr marL="3200400" indent="0">
-              <a:buNone/>
-              <a:defRPr sz="1600" b="1"/>
-            </a:lvl8pPr>
-            <a:lvl9pPr marL="3657600" indent="0">
-              <a:buNone/>
-              <a:defRPr sz="1600" b="1"/>
-            </a:lvl9pPr>
-          </a:lstStyle>
-          <a:p>
-            <a:pPr lvl="0"/>
-            <a:r>
-              <a:rPr lang="en-US"/>
-              <a:t>Click to edit Master text styles</a:t>
-            </a:r>
-          </a:p>
-        </p:txBody>
-      </p:sp>
-      <p:sp>
-        <p:nvSpPr>
-          <p:cNvPr id="4" name="Content Placeholder 3"/>
-          <p:cNvSpPr>
-            <a:spLocks noGrp="1"/>
-          </p:cNvSpPr>
-          <p:nvPr>
-            <p:ph sz="half" idx="2"/>
-          </p:nvPr>
-        </p:nvSpPr>
-        <p:spPr>
-          <a:xfrm>
-            <a:off x="457200" y="2174875"/>
-            <a:ext cx="4040188" cy="3951288"/>
-          </a:xfrm>
-        </p:spPr>
-        <p:txBody>
-          <a:bodyPr/>
-          <a:lstStyle>
-            <a:lvl1pPr>
-              <a:defRPr sz="2400"/>
-            </a:lvl1pPr>
-            <a:lvl2pPr>
-              <a:defRPr sz="2000"/>
-            </a:lvl2pPr>
-            <a:lvl3pPr>
-              <a:defRPr sz="1800"/>
-            </a:lvl3pPr>
-            <a:lvl4pPr>
-              <a:defRPr sz="1600"/>
-            </a:lvl4pPr>
-            <a:lvl5pPr>
-              <a:defRPr sz="1600"/>
-            </a:lvl5pPr>
-            <a:lvl6pPr>
-              <a:defRPr sz="1600"/>
-            </a:lvl6pPr>
-            <a:lvl7pPr>
-              <a:defRPr sz="1600"/>
-            </a:lvl7pPr>
-            <a:lvl8pPr>
-              <a:defRPr sz="1600"/>
-            </a:lvl8pPr>
-            <a:lvl9pPr>
-              <a:defRPr sz="1600"/>
-            </a:lvl9pPr>
-          </a:lstStyle>
-          <a:p>
-            <a:pPr lvl="0"/>
-            <a:r>
-              <a:rPr lang="en-US"/>
-              <a:t>Click to edit Master text styles</a:t>
-            </a:r>
-          </a:p>
-          <a:p>
-            <a:pPr lvl="1"/>
-            <a:r>
-              <a:rPr lang="en-US"/>
-              <a:t>Second level</a:t>
-            </a:r>
-          </a:p>
-          <a:p>
-            <a:pPr lvl="2"/>
-            <a:r>
-              <a:rPr lang="en-US"/>
-              <a:t>Third level</a:t>
-            </a:r>
-          </a:p>
-          <a:p>
-            <a:pPr lvl="3"/>
-            <a:r>
-              <a:rPr lang="en-US"/>
-              <a:t>Fourth level</a:t>
-            </a:r>
-          </a:p>
-          <a:p>
-            <a:pPr lvl="4"/>
-            <a:r>
-              <a:rPr lang="en-US"/>
-              <a:t>Fifth level</a:t>
-            </a:r>
-            <a:endParaRPr lang="ru-RU" dirty="0"/>
-          </a:p>
-        </p:txBody>
-      </p:sp>
-      <p:sp>
-        <p:nvSpPr>
-          <p:cNvPr id="5" name="Text Placeholder 4"/>
-          <p:cNvSpPr>
-            <a:spLocks noGrp="1"/>
-          </p:cNvSpPr>
-          <p:nvPr>
-            <p:ph type="body" sz="quarter" idx="3"/>
-          </p:nvPr>
-        </p:nvSpPr>
-        <p:spPr>
-          <a:xfrm>
-            <a:off x="4645025" y="1535113"/>
-            <a:ext cx="4041775" cy="639762"/>
-          </a:xfrm>
-        </p:spPr>
-        <p:txBody>
-          <a:bodyPr anchor="b"/>
-          <a:lstStyle>
-            <a:lvl1pPr marL="0" indent="0">
-              <a:buNone/>
-              <a:defRPr sz="2400" b="1"/>
-            </a:lvl1pPr>
-            <a:lvl2pPr marL="457200" indent="0">
-              <a:buNone/>
-              <a:defRPr sz="2000" b="1"/>
-            </a:lvl2pPr>
-            <a:lvl3pPr marL="914400" indent="0">
-              <a:buNone/>
-              <a:defRPr sz="1800" b="1"/>
-            </a:lvl3pPr>
-            <a:lvl4pPr marL="1371600" indent="0">
-              <a:buNone/>
-              <a:defRPr sz="1600" b="1"/>
-            </a:lvl4pPr>
-            <a:lvl5pPr marL="1828800" indent="0">
-              <a:buNone/>
-              <a:defRPr sz="1600" b="1"/>
-            </a:lvl5pPr>
-            <a:lvl6pPr marL="2286000" indent="0">
-              <a:buNone/>
-              <a:defRPr sz="1600" b="1"/>
-            </a:lvl6pPr>
-            <a:lvl7pPr marL="2743200" indent="0">
-              <a:buNone/>
-              <a:defRPr sz="1600" b="1"/>
-            </a:lvl7pPr>
-            <a:lvl8pPr marL="3200400" indent="0">
-              <a:buNone/>
-              <a:defRPr sz="1600" b="1"/>
-            </a:lvl8pPr>
-            <a:lvl9pPr marL="3657600" indent="0">
-              <a:buNone/>
-              <a:defRPr sz="1600" b="1"/>
-            </a:lvl9pPr>
-          </a:lstStyle>
-          <a:p>
-            <a:pPr lvl="0"/>
-            <a:r>
-              <a:rPr lang="en-US"/>
-              <a:t>Click to edit Master text styles</a:t>
-            </a:r>
-          </a:p>
-        </p:txBody>
-      </p:sp>
-      <p:sp>
-        <p:nvSpPr>
-          <p:cNvPr id="6" name="Content Placeholder 5"/>
-          <p:cNvSpPr>
-            <a:spLocks noGrp="1"/>
-          </p:cNvSpPr>
-          <p:nvPr>
-            <p:ph sz="quarter" idx="4"/>
-          </p:nvPr>
-        </p:nvSpPr>
-        <p:spPr>
-          <a:xfrm>
-            <a:off x="4645025" y="2174875"/>
-            <a:ext cx="4041775" cy="3951288"/>
-          </a:xfrm>
-        </p:spPr>
-        <p:txBody>
-          <a:bodyPr/>
-          <a:lstStyle>
-            <a:lvl1pPr>
-              <a:defRPr sz="2400"/>
-            </a:lvl1pPr>
-            <a:lvl2pPr>
-              <a:defRPr sz="2000"/>
-            </a:lvl2pPr>
-            <a:lvl3pPr>
-              <a:defRPr sz="1800"/>
-            </a:lvl3pPr>
-            <a:lvl4pPr>
-              <a:defRPr sz="1600"/>
-            </a:lvl4pPr>
-            <a:lvl5pPr>
-              <a:defRPr sz="1600"/>
-            </a:lvl5pPr>
-            <a:lvl6pPr>
-              <a:defRPr sz="1600"/>
-            </a:lvl6pPr>
-            <a:lvl7pPr>
-              <a:defRPr sz="1600"/>
-            </a:lvl7pPr>
-            <a:lvl8pPr>
-              <a:defRPr sz="1600"/>
-            </a:lvl8pPr>
-            <a:lvl9pPr>
-              <a:defRPr sz="1600"/>
-            </a:lvl9pPr>
-          </a:lstStyle>
-          <a:p>
-            <a:pPr lvl="0"/>
-            <a:r>
-              <a:rPr lang="en-US"/>
-              <a:t>Click to edit Master text styles</a:t>
-            </a:r>
-          </a:p>
-          <a:p>
-            <a:pPr lvl="1"/>
-            <a:r>
-              <a:rPr lang="en-US"/>
-              <a:t>Second level</a:t>
-            </a:r>
-          </a:p>
-          <a:p>
-            <a:pPr lvl="2"/>
-            <a:r>
-              <a:rPr lang="en-US"/>
-              <a:t>Third level</a:t>
-            </a:r>
-          </a:p>
-          <a:p>
-            <a:pPr lvl="3"/>
-            <a:r>
-              <a:rPr lang="en-US"/>
-              <a:t>Fourth level</a:t>
-            </a:r>
-          </a:p>
-          <a:p>
-            <a:pPr lvl="4"/>
-            <a:r>
-              <a:rPr lang="en-US"/>
-              <a:t>Fifth level</a:t>
-            </a:r>
-            <a:endParaRPr lang="ru-RU" dirty="0"/>
-          </a:p>
-        </p:txBody>
-      </p:sp>
-    </p:spTree>
-    <p:extLst>
-      <p:ext uri="{BB962C8B-B14F-4D97-AF65-F5344CB8AC3E}">
-        <p14:creationId xmlns:p14="http://schemas.microsoft.com/office/powerpoint/2010/main" val="4044979405"/>
-      </p:ext>
-    </p:extLst>
-  </p:cSld>
-  <p:clrMapOvr>
-    <a:masterClrMapping/>
-  </p:clrMapOvr>
-</p:sldLayout>
-</file>
-
-<file path=ppt/slideLayouts/slideLayout6.xml><?xml version="1.0" encoding="utf-8"?>
-<p:sldLayout xmlns:a="http://schemas.openxmlformats.org/drawingml/2006/main" xmlns:r="http://schemas.openxmlformats.org/officeDocument/2006/relationships" xmlns:p="http://schemas.openxmlformats.org/presentationml/2006/main" type="titleOnly" preserve="1">
-  <p:cSld name="Title Only">
-    <p:spTree>
-      <p:nvGrpSpPr>
-        <p:cNvPr id="1" name=""/>
-        <p:cNvGrpSpPr/>
-        <p:nvPr/>
-      </p:nvGrpSpPr>
-      <p:grpSpPr>
-        <a:xfrm>
-          <a:off x="0" y="0"/>
-          <a:ext cx="0" cy="0"/>
-          <a:chOff x="0" y="0"/>
-          <a:chExt cx="0" cy="0"/>
-        </a:xfrm>
-      </p:grpSpPr>
-      <p:sp>
-        <p:nvSpPr>
-          <p:cNvPr id="2" name="Title 1"/>
-          <p:cNvSpPr>
-            <a:spLocks noGrp="1"/>
-          </p:cNvSpPr>
-          <p:nvPr>
-            <p:ph type="title"/>
-          </p:nvPr>
-        </p:nvSpPr>
-        <p:spPr/>
-        <p:txBody>
-          <a:bodyPr/>
-          <a:lstStyle/>
-          <a:p>
-            <a:r>
-              <a:rPr lang="en-US"/>
-              <a:t>Click to edit Master title style</a:t>
-            </a:r>
-            <a:endParaRPr lang="ru-RU" dirty="0"/>
-          </a:p>
-        </p:txBody>
-      </p:sp>
-    </p:spTree>
-    <p:extLst>
-      <p:ext uri="{BB962C8B-B14F-4D97-AF65-F5344CB8AC3E}">
-        <p14:creationId xmlns:p14="http://schemas.microsoft.com/office/powerpoint/2010/main" val="125202666"/>
-      </p:ext>
-    </p:extLst>
-  </p:cSld>
-  <p:clrMapOvr>
-    <a:masterClrMapping/>
-  </p:clrMapOvr>
-</p:sldLayout>
-</file>
-
-<file path=ppt/slideLayouts/slideLayout7.xml><?xml version="1.0" encoding="utf-8"?>
-<p:sldLayout xmlns:a="http://schemas.openxmlformats.org/drawingml/2006/main" xmlns:r="http://schemas.openxmlformats.org/officeDocument/2006/relationships" xmlns:p="http://schemas.openxmlformats.org/presentationml/2006/main" preserve="1" userDrawn="1">
-  <p:cSld name="Demo">
-    <p:spTree>
-      <p:nvGrpSpPr>
-        <p:cNvPr id="1" name=""/>
-        <p:cNvGrpSpPr/>
-        <p:nvPr/>
-      </p:nvGrpSpPr>
-      <p:grpSpPr>
-        <a:xfrm>
-          <a:off x="0" y="0"/>
-          <a:ext cx="0" cy="0"/>
-          <a:chOff x="0" y="0"/>
-          <a:chExt cx="0" cy="0"/>
-        </a:xfrm>
-      </p:grpSpPr>
-      <p:sp>
-        <p:nvSpPr>
-          <p:cNvPr id="10" name="TextBox 9"/>
-          <p:cNvSpPr txBox="1"/>
-          <p:nvPr userDrawn="1"/>
-        </p:nvSpPr>
-        <p:spPr>
-          <a:xfrm>
-            <a:off x="359532" y="3136613"/>
-            <a:ext cx="8424936" cy="584775"/>
-          </a:xfrm>
-          <a:prstGeom prst="rect">
-            <a:avLst/>
-          </a:prstGeom>
-          <a:noFill/>
-        </p:spPr>
-        <p:txBody>
-          <a:bodyPr wrap="square" rtlCol="0" anchor="ctr">
-            <a:spAutoFit/>
-          </a:bodyPr>
-          <a:lstStyle/>
-          <a:p>
-            <a:pPr algn="ctr"/>
-            <a:r>
-              <a:rPr lang="ru-RU" sz="3200" dirty="0"/>
-              <a:t>Название.</a:t>
-            </a:r>
-            <a:r>
-              <a:rPr lang="ru-RU" sz="3200" baseline="0" dirty="0"/>
-              <a:t> Демонстрация.</a:t>
-            </a:r>
-            <a:endParaRPr lang="ru-RU" sz="3200" dirty="0"/>
-          </a:p>
-        </p:txBody>
-      </p:sp>
-    </p:spTree>
-    <p:extLst>
-      <p:ext uri="{BB962C8B-B14F-4D97-AF65-F5344CB8AC3E}">
-        <p14:creationId xmlns:p14="http://schemas.microsoft.com/office/powerpoint/2010/main" val="3308008441"/>
-      </p:ext>
-    </p:extLst>
-  </p:cSld>
-  <p:clrMapOvr>
-    <a:masterClrMapping/>
-  </p:clrMapOvr>
-</p:sldLayout>
-</file>
-
-<file path=ppt/slideLayouts/slideLayout8.xml><?xml version="1.0" encoding="utf-8"?>
-<p:sldLayout xmlns:a="http://schemas.openxmlformats.org/drawingml/2006/main" xmlns:r="http://schemas.openxmlformats.org/officeDocument/2006/relationships" xmlns:p="http://schemas.openxmlformats.org/presentationml/2006/main" type="blank" preserve="1">
-  <p:cSld name="1_Blank">
-    <p:spTree>
-      <p:nvGrpSpPr>
-        <p:cNvPr id="1" name=""/>
-        <p:cNvGrpSpPr/>
-        <p:nvPr/>
-      </p:nvGrpSpPr>
-      <p:grpSpPr>
-        <a:xfrm>
-          <a:off x="0" y="0"/>
-          <a:ext cx="0" cy="0"/>
-          <a:chOff x="0" y="0"/>
-          <a:chExt cx="0" cy="0"/>
-        </a:xfrm>
-      </p:grpSpPr>
-    </p:spTree>
-    <p:extLst>
-      <p:ext uri="{BB962C8B-B14F-4D97-AF65-F5344CB8AC3E}">
-        <p14:creationId xmlns:p14="http://schemas.microsoft.com/office/powerpoint/2010/main" val="2618453949"/>
-      </p:ext>
-    </p:extLst>
-  </p:cSld>
-  <p:clrMapOvr>
-    <a:masterClrMapping/>
-  </p:clrMapOvr>
-</p:sldLayout>
-</file>
-
-<file path=ppt/slideLayouts/slideLayout9.xml><?xml version="1.0" encoding="utf-8"?>
-<p:sldLayout xmlns:a="http://schemas.openxmlformats.org/drawingml/2006/main" xmlns:r="http://schemas.openxmlformats.org/officeDocument/2006/relationships" xmlns:p="http://schemas.openxmlformats.org/presentationml/2006/main" type="objTx" preserve="1">
-  <p:cSld name="Content with Caption">
-    <p:spTree>
-      <p:nvGrpSpPr>
-        <p:cNvPr id="1" name=""/>
-        <p:cNvGrpSpPr/>
-        <p:nvPr/>
-      </p:nvGrpSpPr>
-      <p:grpSpPr>
-        <a:xfrm>
-          <a:off x="0" y="0"/>
-          <a:ext cx="0" cy="0"/>
-          <a:chOff x="0" y="0"/>
-          <a:chExt cx="0" cy="0"/>
-        </a:xfrm>
-      </p:grpSpPr>
-      <p:sp>
-        <p:nvSpPr>
-          <p:cNvPr id="2" name="Title 1"/>
-          <p:cNvSpPr>
-            <a:spLocks noGrp="1"/>
-          </p:cNvSpPr>
-          <p:nvPr>
-            <p:ph type="title"/>
-          </p:nvPr>
-        </p:nvSpPr>
-        <p:spPr>
-          <a:xfrm>
-            <a:off x="457200" y="273050"/>
-            <a:ext cx="3008313" cy="1162050"/>
-          </a:xfrm>
-        </p:spPr>
-        <p:txBody>
-          <a:bodyPr anchor="b"/>
-          <a:lstStyle>
-            <a:lvl1pPr algn="l">
-              <a:defRPr sz="2000" b="1"/>
-            </a:lvl1pPr>
-          </a:lstStyle>
-          <a:p>
-            <a:r>
-              <a:rPr lang="en-US"/>
-              <a:t>Click to edit Master title style</a:t>
-            </a:r>
-            <a:endParaRPr lang="ru-RU" dirty="0"/>
-          </a:p>
-        </p:txBody>
-      </p:sp>
-      <p:sp>
-        <p:nvSpPr>
-          <p:cNvPr id="3" name="Content Placeholder 2"/>
-          <p:cNvSpPr>
-            <a:spLocks noGrp="1"/>
-          </p:cNvSpPr>
-          <p:nvPr>
-            <p:ph idx="1"/>
-          </p:nvPr>
-        </p:nvSpPr>
-        <p:spPr>
-          <a:xfrm>
-            <a:off x="3575050" y="273050"/>
-            <a:ext cx="5111750" cy="5853113"/>
-          </a:xfrm>
-        </p:spPr>
-        <p:txBody>
-          <a:bodyPr/>
-          <a:lstStyle>
-            <a:lvl1pPr>
-              <a:defRPr sz="3200"/>
-            </a:lvl1pPr>
-            <a:lvl2pPr>
-              <a:defRPr sz="2800"/>
-            </a:lvl2pPr>
-            <a:lvl3pPr>
-              <a:defRPr sz="2400"/>
-            </a:lvl3pPr>
-            <a:lvl4pPr>
-              <a:defRPr sz="2000"/>
-            </a:lvl4pPr>
-            <a:lvl5pPr>
-              <a:defRPr sz="2000"/>
-            </a:lvl5pPr>
-            <a:lvl6pPr>
-              <a:defRPr sz="2000"/>
-            </a:lvl6pPr>
-            <a:lvl7pPr>
-              <a:defRPr sz="2000"/>
-            </a:lvl7pPr>
-            <a:lvl8pPr>
-              <a:defRPr sz="2000"/>
-            </a:lvl8pPr>
-            <a:lvl9pPr>
-              <a:defRPr sz="2000"/>
-            </a:lvl9pPr>
-          </a:lstStyle>
-          <a:p>
-            <a:pPr lvl="0"/>
-            <a:r>
-              <a:rPr lang="en-US"/>
-              <a:t>Click to edit Master text styles</a:t>
-            </a:r>
-          </a:p>
-          <a:p>
-            <a:pPr lvl="1"/>
-            <a:r>
-              <a:rPr lang="en-US"/>
-              <a:t>Second level</a:t>
-            </a:r>
-          </a:p>
-          <a:p>
-            <a:pPr lvl="2"/>
-            <a:r>
-              <a:rPr lang="en-US"/>
-              <a:t>Third level</a:t>
-            </a:r>
-          </a:p>
-          <a:p>
-            <a:pPr lvl="3"/>
-            <a:r>
-              <a:rPr lang="en-US"/>
-              <a:t>Fourth level</a:t>
-            </a:r>
-          </a:p>
-          <a:p>
-            <a:pPr lvl="4"/>
-            <a:r>
-              <a:rPr lang="en-US"/>
-              <a:t>Fifth level</a:t>
-            </a:r>
-            <a:endParaRPr lang="ru-RU" dirty="0"/>
-          </a:p>
-        </p:txBody>
-      </p:sp>
-      <p:sp>
-        <p:nvSpPr>
-          <p:cNvPr id="4" name="Text Placeholder 3"/>
-          <p:cNvSpPr>
-            <a:spLocks noGrp="1"/>
-          </p:cNvSpPr>
-          <p:nvPr>
-            <p:ph type="body" sz="half" idx="2"/>
-          </p:nvPr>
-        </p:nvSpPr>
-        <p:spPr>
-          <a:xfrm>
-            <a:off x="457200" y="1435100"/>
-            <a:ext cx="3008313" cy="4691063"/>
-          </a:xfrm>
-        </p:spPr>
-        <p:txBody>
-          <a:bodyPr/>
-          <a:lstStyle>
-            <a:lvl1pPr marL="0" indent="0">
-              <a:buNone/>
-              <a:defRPr sz="1400"/>
-            </a:lvl1pPr>
-            <a:lvl2pPr marL="457200" indent="0">
-              <a:buNone/>
-              <a:defRPr sz="1200"/>
-            </a:lvl2pPr>
-            <a:lvl3pPr marL="914400" indent="0">
-              <a:buNone/>
-              <a:defRPr sz="1000"/>
-            </a:lvl3pPr>
-            <a:lvl4pPr marL="1371600" indent="0">
-              <a:buNone/>
-              <a:defRPr sz="900"/>
-            </a:lvl4pPr>
-            <a:lvl5pPr marL="1828800" indent="0">
-              <a:buNone/>
-              <a:defRPr sz="900"/>
-            </a:lvl5pPr>
-            <a:lvl6pPr marL="2286000" indent="0">
-              <a:buNone/>
-              <a:defRPr sz="900"/>
-            </a:lvl6pPr>
-            <a:lvl7pPr marL="2743200" indent="0">
-              <a:buNone/>
-              <a:defRPr sz="900"/>
-            </a:lvl7pPr>
-            <a:lvl8pPr marL="3200400" indent="0">
-              <a:buNone/>
-              <a:defRPr sz="900"/>
-            </a:lvl8pPr>
-            <a:lvl9pPr marL="3657600" indent="0">
-              <a:buNone/>
-              <a:defRPr sz="900"/>
-            </a:lvl9pPr>
-          </a:lstStyle>
-          <a:p>
-            <a:pPr lvl="0"/>
-            <a:r>
-              <a:rPr lang="en-US"/>
-              <a:t>Click to edit Master text styles</a:t>
-            </a:r>
-          </a:p>
-        </p:txBody>
-      </p:sp>
-    </p:spTree>
-    <p:extLst>
-      <p:ext uri="{BB962C8B-B14F-4D97-AF65-F5344CB8AC3E}">
-        <p14:creationId xmlns:p14="http://schemas.microsoft.com/office/powerpoint/2010/main" val="4043488563"/>
-      </p:ext>
-    </p:extLst>
-  </p:cSld>
-  <p:clrMapOvr>
-    <a:masterClrMapping/>
-  </p:clrMapOvr>
-</p:sldLayout>
-</file>
-
 <file path=ppt/slideMasters/slideMaster1.xml><?xml version="1.0" encoding="utf-8"?>
 <p:sldMaster xmlns:a="http://schemas.openxmlformats.org/drawingml/2006/main" xmlns:r="http://schemas.openxmlformats.org/officeDocument/2006/relationships" xmlns:p="http://schemas.openxmlformats.org/presentationml/2006/main">
   <p:cSld>
     <p:bg>
       <p:bgPr>
         <a:blipFill dpi="0" rotWithShape="1">
-          <a:blip r:embed="rId15">
+          <a:blip r:embed="rId14">
             <a:lum/>
           </a:blip>
           <a:srcRect/>
@@ -2752,7 +2558,7 @@
           <a:p>
             <a:fld id="{AC3D3127-B7C4-45E3-9797-C527EC9FDD78}" type="datetimeFigureOut">
               <a:rPr lang="ru-RU" smtClean="0"/>
-              <a:t>21.09.2018</a:t>
+              <a:t>22.02.2019</a:t>
             </a:fld>
             <a:endParaRPr lang="ru-RU"/>
           </a:p>
@@ -2845,19 +2651,18 @@
   </p:cSld>
   <p:clrMap bg1="lt1" tx1="dk1" bg2="lt2" tx2="dk2" accent1="accent1" accent2="accent2" accent3="accent3" accent4="accent4" accent5="accent5" accent6="accent6" hlink="hlink" folHlink="folHlink"/>
   <p:sldLayoutIdLst>
-    <p:sldLayoutId id="2147483649" r:id="rId1"/>
-    <p:sldLayoutId id="2147483650" r:id="rId2"/>
-    <p:sldLayoutId id="2147483651" r:id="rId3"/>
-    <p:sldLayoutId id="2147483652" r:id="rId4"/>
-    <p:sldLayoutId id="2147483653" r:id="rId5"/>
-    <p:sldLayoutId id="2147483654" r:id="rId6"/>
-    <p:sldLayoutId id="2147483655" r:id="rId7"/>
-    <p:sldLayoutId id="2147483660" r:id="rId8"/>
-    <p:sldLayoutId id="2147483656" r:id="rId9"/>
-    <p:sldLayoutId id="2147483657" r:id="rId10"/>
-    <p:sldLayoutId id="2147483658" r:id="rId11"/>
-    <p:sldLayoutId id="2147483659" r:id="rId12"/>
-    <p:sldLayoutId id="2147483661" r:id="rId13"/>
+    <p:sldLayoutId id="2147483650" r:id="rId1"/>
+    <p:sldLayoutId id="2147483651" r:id="rId2"/>
+    <p:sldLayoutId id="2147483652" r:id="rId3"/>
+    <p:sldLayoutId id="2147483653" r:id="rId4"/>
+    <p:sldLayoutId id="2147483654" r:id="rId5"/>
+    <p:sldLayoutId id="2147483655" r:id="rId6"/>
+    <p:sldLayoutId id="2147483660" r:id="rId7"/>
+    <p:sldLayoutId id="2147483656" r:id="rId8"/>
+    <p:sldLayoutId id="2147483657" r:id="rId9"/>
+    <p:sldLayoutId id="2147483658" r:id="rId10"/>
+    <p:sldLayoutId id="2147483659" r:id="rId11"/>
+    <p:sldLayoutId id="2147483661" r:id="rId12"/>
   </p:sldLayoutIdLst>
   <p:txStyles>
     <p:titleStyle>
@@ -3224,7 +3029,7 @@
           <p:cNvPr id="8" name="TextBox 7">
             <a:extLst>
               <a:ext uri="{FF2B5EF4-FFF2-40B4-BE49-F238E27FC236}">
-                <a16:creationId xmlns:a16="http://schemas.microsoft.com/office/drawing/2014/main" id="{EBE81FF9-A594-D04B-96F4-F9054CEB83F2}"/>
+                <a16:creationId xmlns:a16="http://schemas.microsoft.com/office/drawing/2014/main" xmlns="" id="{EBE81FF9-A594-D04B-96F4-F9054CEB83F2}"/>
               </a:ext>
             </a:extLst>
           </p:cNvPr>
@@ -3871,14 +3676,14 @@
                 <a:gridCol w="1656184">
                   <a:extLst>
                     <a:ext uri="{9D8B030D-6E8A-4147-A177-3AD203B41FA5}">
-                      <a16:colId xmlns:a16="http://schemas.microsoft.com/office/drawing/2014/main" val="20000"/>
+                      <a16:colId xmlns:a16="http://schemas.microsoft.com/office/drawing/2014/main" xmlns="" val="20000"/>
                     </a:ext>
                   </a:extLst>
                 </a:gridCol>
                 <a:gridCol w="4680520">
                   <a:extLst>
                     <a:ext uri="{9D8B030D-6E8A-4147-A177-3AD203B41FA5}">
-                      <a16:colId xmlns:a16="http://schemas.microsoft.com/office/drawing/2014/main" val="20001"/>
+                      <a16:colId xmlns:a16="http://schemas.microsoft.com/office/drawing/2014/main" xmlns="" val="20001"/>
                     </a:ext>
                   </a:extLst>
                 </a:gridCol>
@@ -4012,7 +3817,7 @@
                 </a:tc>
                 <a:extLst>
                   <a:ext uri="{0D108BD9-81ED-4DB2-BD59-A6C34878D82A}">
-                    <a16:rowId xmlns:a16="http://schemas.microsoft.com/office/drawing/2014/main" val="10000"/>
+                    <a16:rowId xmlns:a16="http://schemas.microsoft.com/office/drawing/2014/main" xmlns="" val="10000"/>
                   </a:ext>
                 </a:extLst>
               </a:tr>
@@ -4163,7 +3968,7 @@
                 </a:tc>
                 <a:extLst>
                   <a:ext uri="{0D108BD9-81ED-4DB2-BD59-A6C34878D82A}">
-                    <a16:rowId xmlns:a16="http://schemas.microsoft.com/office/drawing/2014/main" val="10001"/>
+                    <a16:rowId xmlns:a16="http://schemas.microsoft.com/office/drawing/2014/main" xmlns="" val="10001"/>
                   </a:ext>
                 </a:extLst>
               </a:tr>
@@ -4298,7 +4103,7 @@
                 </a:tc>
                 <a:extLst>
                   <a:ext uri="{0D108BD9-81ED-4DB2-BD59-A6C34878D82A}">
-                    <a16:rowId xmlns:a16="http://schemas.microsoft.com/office/drawing/2014/main" val="10002"/>
+                    <a16:rowId xmlns:a16="http://schemas.microsoft.com/office/drawing/2014/main" xmlns="" val="10002"/>
                   </a:ext>
                 </a:extLst>
               </a:tr>
@@ -4433,7 +4238,7 @@
                 </a:tc>
                 <a:extLst>
                   <a:ext uri="{0D108BD9-81ED-4DB2-BD59-A6C34878D82A}">
-                    <a16:rowId xmlns:a16="http://schemas.microsoft.com/office/drawing/2014/main" val="10003"/>
+                    <a16:rowId xmlns:a16="http://schemas.microsoft.com/office/drawing/2014/main" xmlns="" val="10003"/>
                   </a:ext>
                 </a:extLst>
               </a:tr>
@@ -4568,7 +4373,7 @@
                 </a:tc>
                 <a:extLst>
                   <a:ext uri="{0D108BD9-81ED-4DB2-BD59-A6C34878D82A}">
-                    <a16:rowId xmlns:a16="http://schemas.microsoft.com/office/drawing/2014/main" val="10004"/>
+                    <a16:rowId xmlns:a16="http://schemas.microsoft.com/office/drawing/2014/main" xmlns="" val="10004"/>
                   </a:ext>
                 </a:extLst>
               </a:tr>
@@ -4746,7 +4551,7 @@
                 </a:tc>
                 <a:extLst>
                   <a:ext uri="{0D108BD9-81ED-4DB2-BD59-A6C34878D82A}">
-                    <a16:rowId xmlns:a16="http://schemas.microsoft.com/office/drawing/2014/main" val="10005"/>
+                    <a16:rowId xmlns:a16="http://schemas.microsoft.com/office/drawing/2014/main" xmlns="" val="10005"/>
                   </a:ext>
                 </a:extLst>
               </a:tr>
@@ -4928,7 +4733,7 @@
                 </a:tc>
                 <a:extLst>
                   <a:ext uri="{0D108BD9-81ED-4DB2-BD59-A6C34878D82A}">
-                    <a16:rowId xmlns:a16="http://schemas.microsoft.com/office/drawing/2014/main" val="10006"/>
+                    <a16:rowId xmlns:a16="http://schemas.microsoft.com/office/drawing/2014/main" xmlns="" val="10006"/>
                   </a:ext>
                 </a:extLst>
               </a:tr>
@@ -5090,6 +4895,16 @@
               </a:rPr>
               <a:t>xs:schema</a:t>
             </a:r>
+            <a:r>
+              <a:rPr lang="ru-RU" sz="2000" dirty="0">
+                <a:solidFill>
+                  <a:srgbClr val="A31515"/>
+                </a:solidFill>
+                <a:latin typeface="Courier New" panose="02070309020205020404" pitchFamily="49" charset="0"/>
+                <a:cs typeface="Courier New" panose="02070309020205020404" pitchFamily="49" charset="0"/>
+              </a:rPr>
+              <a:t/>
+            </a:r>
             <a:br>
               <a:rPr lang="ru-RU" sz="2000" dirty="0">
                 <a:solidFill>
@@ -5367,6 +5182,10 @@
               <a:rPr lang="ru-RU" dirty="0"/>
               <a:t>&lt;example&gt;</a:t>
             </a:r>
+            <a:r>
+              <a:rPr lang="en-US" dirty="0"/>
+              <a:t/>
+            </a:r>
             <a:br>
               <a:rPr lang="en-US" dirty="0"/>
             </a:br>
@@ -5377,6 +5196,10 @@
             <a:r>
               <a:rPr lang="ru-RU" dirty="0"/>
               <a:t>&lt;![CDATA[ &lt;aaa&gt;bb&amp;cc&lt;&lt;&lt;]]&gt;</a:t>
+            </a:r>
+            <a:r>
+              <a:rPr lang="en-US" dirty="0"/>
+              <a:t/>
             </a:r>
             <a:br>
               <a:rPr lang="en-US" dirty="0"/>
@@ -7196,14 +7019,14 @@
                 <a:gridCol w="1715866">
                   <a:extLst>
                     <a:ext uri="{9D8B030D-6E8A-4147-A177-3AD203B41FA5}">
-                      <a16:colId xmlns:a16="http://schemas.microsoft.com/office/drawing/2014/main" val="20000"/>
+                      <a16:colId xmlns:a16="http://schemas.microsoft.com/office/drawing/2014/main" xmlns="" val="20000"/>
                     </a:ext>
                   </a:extLst>
                 </a:gridCol>
                 <a:gridCol w="6565054">
                   <a:extLst>
                     <a:ext uri="{9D8B030D-6E8A-4147-A177-3AD203B41FA5}">
-                      <a16:colId xmlns:a16="http://schemas.microsoft.com/office/drawing/2014/main" val="20001"/>
+                      <a16:colId xmlns:a16="http://schemas.microsoft.com/office/drawing/2014/main" xmlns="" val="20001"/>
                     </a:ext>
                   </a:extLst>
                 </a:gridCol>
@@ -7364,7 +7187,7 @@
                 </a:tc>
                 <a:extLst>
                   <a:ext uri="{0D108BD9-81ED-4DB2-BD59-A6C34878D82A}">
-                    <a16:rowId xmlns:a16="http://schemas.microsoft.com/office/drawing/2014/main" val="10000"/>
+                    <a16:rowId xmlns:a16="http://schemas.microsoft.com/office/drawing/2014/main" xmlns="" val="10000"/>
                   </a:ext>
                 </a:extLst>
               </a:tr>
@@ -7524,7 +7347,7 @@
                 </a:tc>
                 <a:extLst>
                   <a:ext uri="{0D108BD9-81ED-4DB2-BD59-A6C34878D82A}">
-                    <a16:rowId xmlns:a16="http://schemas.microsoft.com/office/drawing/2014/main" val="10001"/>
+                    <a16:rowId xmlns:a16="http://schemas.microsoft.com/office/drawing/2014/main" xmlns="" val="10001"/>
                   </a:ext>
                 </a:extLst>
               </a:tr>
@@ -7676,7 +7499,7 @@
                 </a:tc>
                 <a:extLst>
                   <a:ext uri="{0D108BD9-81ED-4DB2-BD59-A6C34878D82A}">
-                    <a16:rowId xmlns:a16="http://schemas.microsoft.com/office/drawing/2014/main" val="10002"/>
+                    <a16:rowId xmlns:a16="http://schemas.microsoft.com/office/drawing/2014/main" xmlns="" val="10002"/>
                   </a:ext>
                 </a:extLst>
               </a:tr>
@@ -7836,7 +7659,7 @@
                 </a:tc>
                 <a:extLst>
                   <a:ext uri="{0D108BD9-81ED-4DB2-BD59-A6C34878D82A}">
-                    <a16:rowId xmlns:a16="http://schemas.microsoft.com/office/drawing/2014/main" val="10003"/>
+                    <a16:rowId xmlns:a16="http://schemas.microsoft.com/office/drawing/2014/main" xmlns="" val="10003"/>
                   </a:ext>
                 </a:extLst>
               </a:tr>
@@ -8031,7 +7854,7 @@
                 </a:tc>
                 <a:extLst>
                   <a:ext uri="{0D108BD9-81ED-4DB2-BD59-A6C34878D82A}">
-                    <a16:rowId xmlns:a16="http://schemas.microsoft.com/office/drawing/2014/main" val="10004"/>
+                    <a16:rowId xmlns:a16="http://schemas.microsoft.com/office/drawing/2014/main" xmlns="" val="10004"/>
                   </a:ext>
                 </a:extLst>
               </a:tr>
@@ -8183,7 +8006,7 @@
                 </a:tc>
                 <a:extLst>
                   <a:ext uri="{0D108BD9-81ED-4DB2-BD59-A6C34878D82A}">
-                    <a16:rowId xmlns:a16="http://schemas.microsoft.com/office/drawing/2014/main" val="10005"/>
+                    <a16:rowId xmlns:a16="http://schemas.microsoft.com/office/drawing/2014/main" xmlns="" val="10005"/>
                   </a:ext>
                 </a:extLst>
               </a:tr>
@@ -8372,7 +8195,7 @@
                 </a:tc>
                 <a:extLst>
                   <a:ext uri="{0D108BD9-81ED-4DB2-BD59-A6C34878D82A}">
-                    <a16:rowId xmlns:a16="http://schemas.microsoft.com/office/drawing/2014/main" val="10006"/>
+                    <a16:rowId xmlns:a16="http://schemas.microsoft.com/office/drawing/2014/main" xmlns="" val="10006"/>
                   </a:ext>
                 </a:extLst>
               </a:tr>
@@ -8532,7 +8355,7 @@
                 </a:tc>
                 <a:extLst>
                   <a:ext uri="{0D108BD9-81ED-4DB2-BD59-A6C34878D82A}">
-                    <a16:rowId xmlns:a16="http://schemas.microsoft.com/office/drawing/2014/main" val="10007"/>
+                    <a16:rowId xmlns:a16="http://schemas.microsoft.com/office/drawing/2014/main" xmlns="" val="10007"/>
                   </a:ext>
                 </a:extLst>
               </a:tr>
@@ -8705,7 +8528,7 @@
                 </a:tc>
                 <a:extLst>
                   <a:ext uri="{0D108BD9-81ED-4DB2-BD59-A6C34878D82A}">
-                    <a16:rowId xmlns:a16="http://schemas.microsoft.com/office/drawing/2014/main" val="10008"/>
+                    <a16:rowId xmlns:a16="http://schemas.microsoft.com/office/drawing/2014/main" xmlns="" val="10008"/>
                   </a:ext>
                 </a:extLst>
               </a:tr>
@@ -9049,21 +8872,21 @@
                 <a:gridCol w="2700300">
                   <a:extLst>
                     <a:ext uri="{9D8B030D-6E8A-4147-A177-3AD203B41FA5}">
-                      <a16:colId xmlns:a16="http://schemas.microsoft.com/office/drawing/2014/main" val="20000"/>
+                      <a16:colId xmlns:a16="http://schemas.microsoft.com/office/drawing/2014/main" xmlns="" val="20000"/>
                     </a:ext>
                   </a:extLst>
                 </a:gridCol>
                 <a:gridCol w="2808312">
                   <a:extLst>
                     <a:ext uri="{9D8B030D-6E8A-4147-A177-3AD203B41FA5}">
-                      <a16:colId xmlns:a16="http://schemas.microsoft.com/office/drawing/2014/main" val="20001"/>
+                      <a16:colId xmlns:a16="http://schemas.microsoft.com/office/drawing/2014/main" xmlns="" val="20001"/>
                     </a:ext>
                   </a:extLst>
                 </a:gridCol>
                 <a:gridCol w="2484277">
                   <a:extLst>
                     <a:ext uri="{9D8B030D-6E8A-4147-A177-3AD203B41FA5}">
-                      <a16:colId xmlns:a16="http://schemas.microsoft.com/office/drawing/2014/main" val="20002"/>
+                      <a16:colId xmlns:a16="http://schemas.microsoft.com/office/drawing/2014/main" xmlns="" val="20002"/>
                     </a:ext>
                   </a:extLst>
                 </a:gridCol>
@@ -9313,7 +9136,7 @@
                 </a:tc>
                 <a:extLst>
                   <a:ext uri="{0D108BD9-81ED-4DB2-BD59-A6C34878D82A}">
-                    <a16:rowId xmlns:a16="http://schemas.microsoft.com/office/drawing/2014/main" val="10000"/>
+                    <a16:rowId xmlns:a16="http://schemas.microsoft.com/office/drawing/2014/main" xmlns="" val="10000"/>
                   </a:ext>
                 </a:extLst>
               </a:tr>
@@ -9492,7 +9315,7 @@
                 </a:tc>
                 <a:extLst>
                   <a:ext uri="{0D108BD9-81ED-4DB2-BD59-A6C34878D82A}">
-                    <a16:rowId xmlns:a16="http://schemas.microsoft.com/office/drawing/2014/main" val="10001"/>
+                    <a16:rowId xmlns:a16="http://schemas.microsoft.com/office/drawing/2014/main" xmlns="" val="10001"/>
                   </a:ext>
                 </a:extLst>
               </a:tr>
@@ -9671,7 +9494,7 @@
                 </a:tc>
                 <a:extLst>
                   <a:ext uri="{0D108BD9-81ED-4DB2-BD59-A6C34878D82A}">
-                    <a16:rowId xmlns:a16="http://schemas.microsoft.com/office/drawing/2014/main" val="10002"/>
+                    <a16:rowId xmlns:a16="http://schemas.microsoft.com/office/drawing/2014/main" xmlns="" val="10002"/>
                   </a:ext>
                 </a:extLst>
               </a:tr>
@@ -9850,7 +9673,7 @@
                 </a:tc>
                 <a:extLst>
                   <a:ext uri="{0D108BD9-81ED-4DB2-BD59-A6C34878D82A}">
-                    <a16:rowId xmlns:a16="http://schemas.microsoft.com/office/drawing/2014/main" val="10003"/>
+                    <a16:rowId xmlns:a16="http://schemas.microsoft.com/office/drawing/2014/main" xmlns="" val="10003"/>
                   </a:ext>
                 </a:extLst>
               </a:tr>
@@ -10029,7 +9852,7 @@
                 </a:tc>
                 <a:extLst>
                   <a:ext uri="{0D108BD9-81ED-4DB2-BD59-A6C34878D82A}">
-                    <a16:rowId xmlns:a16="http://schemas.microsoft.com/office/drawing/2014/main" val="10004"/>
+                    <a16:rowId xmlns:a16="http://schemas.microsoft.com/office/drawing/2014/main" xmlns="" val="10004"/>
                   </a:ext>
                 </a:extLst>
               </a:tr>
@@ -10224,7 +10047,7 @@
                 </a:tc>
                 <a:extLst>
                   <a:ext uri="{0D108BD9-81ED-4DB2-BD59-A6C34878D82A}">
-                    <a16:rowId xmlns:a16="http://schemas.microsoft.com/office/drawing/2014/main" val="10005"/>
+                    <a16:rowId xmlns:a16="http://schemas.microsoft.com/office/drawing/2014/main" xmlns="" val="10005"/>
                   </a:ext>
                 </a:extLst>
               </a:tr>
@@ -10408,7 +10231,7 @@
                 </a:tc>
                 <a:extLst>
                   <a:ext uri="{0D108BD9-81ED-4DB2-BD59-A6C34878D82A}">
-                    <a16:rowId xmlns:a16="http://schemas.microsoft.com/office/drawing/2014/main" val="10006"/>
+                    <a16:rowId xmlns:a16="http://schemas.microsoft.com/office/drawing/2014/main" xmlns="" val="10006"/>
                   </a:ext>
                 </a:extLst>
               </a:tr>
@@ -11397,6 +11220,14 @@
               </a:rPr>
               <a:t>https://github.com/bazile/Training</a:t>
             </a:r>
+            <a:r>
+              <a:rPr lang="en-US" dirty="0">
+                <a:solidFill>
+                  <a:schemeClr val="bg1"/>
+                </a:solidFill>
+              </a:rPr>
+              <a:t/>
+            </a:r>
             <a:br>
               <a:rPr lang="en-US" dirty="0">
                 <a:solidFill>
@@ -11429,6 +11260,14 @@
                 <a:hlinkClick r:id="rId3"/>
               </a:rPr>
               <a:t>http://belhard.nullptr.ru/</a:t>
+            </a:r>
+            <a:r>
+              <a:rPr lang="ru-RU" dirty="0">
+                <a:solidFill>
+                  <a:schemeClr val="bg1"/>
+                </a:solidFill>
+              </a:rPr>
+              <a:t/>
             </a:r>
             <a:br>
               <a:rPr lang="ru-RU" dirty="0">
@@ -14151,14 +13990,14 @@
                 <a:gridCol w="3996444">
                   <a:extLst>
                     <a:ext uri="{9D8B030D-6E8A-4147-A177-3AD203B41FA5}">
-                      <a16:colId xmlns:a16="http://schemas.microsoft.com/office/drawing/2014/main" val="20000"/>
+                      <a16:colId xmlns:a16="http://schemas.microsoft.com/office/drawing/2014/main" xmlns="" val="20000"/>
                     </a:ext>
                   </a:extLst>
                 </a:gridCol>
                 <a:gridCol w="3996444">
                   <a:extLst>
                     <a:ext uri="{9D8B030D-6E8A-4147-A177-3AD203B41FA5}">
-                      <a16:colId xmlns:a16="http://schemas.microsoft.com/office/drawing/2014/main" val="20001"/>
+                      <a16:colId xmlns:a16="http://schemas.microsoft.com/office/drawing/2014/main" xmlns="" val="20001"/>
                     </a:ext>
                   </a:extLst>
                 </a:gridCol>
@@ -14274,7 +14113,7 @@
                 </a:tc>
                 <a:extLst>
                   <a:ext uri="{0D108BD9-81ED-4DB2-BD59-A6C34878D82A}">
-                    <a16:rowId xmlns:a16="http://schemas.microsoft.com/office/drawing/2014/main" val="10000"/>
+                    <a16:rowId xmlns:a16="http://schemas.microsoft.com/office/drawing/2014/main" xmlns="" val="10000"/>
                   </a:ext>
                 </a:extLst>
               </a:tr>
@@ -14415,7 +14254,7 @@
                 </a:tc>
                 <a:extLst>
                   <a:ext uri="{0D108BD9-81ED-4DB2-BD59-A6C34878D82A}">
-                    <a16:rowId xmlns:a16="http://schemas.microsoft.com/office/drawing/2014/main" val="10001"/>
+                    <a16:rowId xmlns:a16="http://schemas.microsoft.com/office/drawing/2014/main" xmlns="" val="10001"/>
                   </a:ext>
                 </a:extLst>
               </a:tr>
@@ -14554,7 +14393,7 @@
                 </a:tc>
                 <a:extLst>
                   <a:ext uri="{0D108BD9-81ED-4DB2-BD59-A6C34878D82A}">
-                    <a16:rowId xmlns:a16="http://schemas.microsoft.com/office/drawing/2014/main" val="10002"/>
+                    <a16:rowId xmlns:a16="http://schemas.microsoft.com/office/drawing/2014/main" xmlns="" val="10002"/>
                   </a:ext>
                 </a:extLst>
               </a:tr>
@@ -14687,7 +14526,7 @@
                 </a:tc>
                 <a:extLst>
                   <a:ext uri="{0D108BD9-81ED-4DB2-BD59-A6C34878D82A}">
-                    <a16:rowId xmlns:a16="http://schemas.microsoft.com/office/drawing/2014/main" val="10003"/>
+                    <a16:rowId xmlns:a16="http://schemas.microsoft.com/office/drawing/2014/main" xmlns="" val="10003"/>
                   </a:ext>
                 </a:extLst>
               </a:tr>
@@ -14807,7 +14646,7 @@
                 </a:tc>
                 <a:extLst>
                   <a:ext uri="{0D108BD9-81ED-4DB2-BD59-A6C34878D82A}">
-                    <a16:rowId xmlns:a16="http://schemas.microsoft.com/office/drawing/2014/main" val="10004"/>
+                    <a16:rowId xmlns:a16="http://schemas.microsoft.com/office/drawing/2014/main" xmlns="" val="10004"/>
                   </a:ext>
                 </a:extLst>
               </a:tr>
@@ -14980,7 +14819,7 @@
                 </a:tc>
                 <a:extLst>
                   <a:ext uri="{0D108BD9-81ED-4DB2-BD59-A6C34878D82A}">
-                    <a16:rowId xmlns:a16="http://schemas.microsoft.com/office/drawing/2014/main" val="10005"/>
+                    <a16:rowId xmlns:a16="http://schemas.microsoft.com/office/drawing/2014/main" xmlns="" val="10005"/>
                   </a:ext>
                 </a:extLst>
               </a:tr>
@@ -15637,6 +15476,10 @@
             <a:r>
               <a:rPr lang="en-US" sz="1400" dirty="0"/>
               <a:t>&lt;?xml version="1.0"?&gt;</a:t>
+            </a:r>
+            <a:r>
+              <a:rPr lang="ru-RU" sz="1400" dirty="0"/>
+              <a:t/>
             </a:r>
             <a:br>
               <a:rPr lang="ru-RU" sz="1400" dirty="0"/>
@@ -18991,6 +18834,10 @@
             <a:r>
               <a:rPr lang="en-US" dirty="0"/>
               <a:t>:</a:t>
+            </a:r>
+            <a:r>
+              <a:rPr lang="ru-RU" dirty="0"/>
+              <a:t/>
             </a:r>
             <a:br>
               <a:rPr lang="ru-RU" dirty="0"/>
